--- a/tex/figures/Gravity/Figures.pptx
+++ b/tex/figures/Gravity/Figures.pptx
@@ -6,6 +6,7 @@
   </p:sldMasterIdLst>
   <p:sldIdLst>
     <p:sldId id="271" r:id="rId2"/>
+    <p:sldId id="272" r:id="rId3"/>
   </p:sldIdLst>
   <p:sldSz cx="12192000" cy="6858000"/>
   <p:notesSz cx="6858000" cy="9144000"/>
@@ -4398,6 +4399,1918 @@
 </p:sld>
 </file>
 
+<file path=ppt/slides/slide2.xml><?xml version="1.0" encoding="utf-8"?>
+<p:sld xmlns:a="http://schemas.openxmlformats.org/drawingml/2006/main" xmlns:r="http://schemas.openxmlformats.org/officeDocument/2006/relationships" xmlns:p="http://schemas.openxmlformats.org/presentationml/2006/main">
+  <p:cSld>
+    <p:spTree>
+      <p:nvGrpSpPr>
+        <p:cNvPr id="1" name=""/>
+        <p:cNvGrpSpPr/>
+        <p:nvPr/>
+      </p:nvGrpSpPr>
+      <p:grpSpPr>
+        <a:xfrm>
+          <a:off x="0" y="0"/>
+          <a:ext cx="0" cy="0"/>
+          <a:chOff x="0" y="0"/>
+          <a:chExt cx="0" cy="0"/>
+        </a:xfrm>
+      </p:grpSpPr>
+      <p:grpSp>
+        <p:nvGrpSpPr>
+          <p:cNvPr id="32" name="Group 31"/>
+          <p:cNvGrpSpPr/>
+          <p:nvPr/>
+        </p:nvGrpSpPr>
+        <p:grpSpPr>
+          <a:xfrm>
+            <a:off x="426720" y="406400"/>
+            <a:ext cx="5262880" cy="3291840"/>
+            <a:chOff x="1412240" y="853440"/>
+            <a:chExt cx="5262880" cy="3291840"/>
+          </a:xfrm>
+        </p:grpSpPr>
+        <p:grpSp>
+          <p:nvGrpSpPr>
+            <p:cNvPr id="18" name="Group 17"/>
+            <p:cNvGrpSpPr/>
+            <p:nvPr/>
+          </p:nvGrpSpPr>
+          <p:grpSpPr>
+            <a:xfrm>
+              <a:off x="1412240" y="853440"/>
+              <a:ext cx="5262880" cy="3291840"/>
+              <a:chOff x="4074160" y="1076960"/>
+              <a:chExt cx="5262880" cy="3291840"/>
+            </a:xfrm>
+          </p:grpSpPr>
+          <p:sp>
+            <p:nvSpPr>
+              <p:cNvPr id="5" name="Oval 4"/>
+              <p:cNvSpPr/>
+              <p:nvPr/>
+            </p:nvSpPr>
+            <p:spPr>
+              <a:xfrm>
+                <a:off x="4604751" y="2662997"/>
+                <a:ext cx="120943" cy="119766"/>
+              </a:xfrm>
+              <a:prstGeom prst="ellipse">
+                <a:avLst/>
+              </a:prstGeom>
+              <a:solidFill>
+                <a:schemeClr val="tx1"/>
+              </a:solidFill>
+              <a:ln w="38100">
+                <a:solidFill>
+                  <a:schemeClr val="tx1"/>
+                </a:solidFill>
+              </a:ln>
+            </p:spPr>
+            <p:style>
+              <a:lnRef idx="2">
+                <a:schemeClr val="accent1">
+                  <a:shade val="50000"/>
+                </a:schemeClr>
+              </a:lnRef>
+              <a:fillRef idx="1">
+                <a:schemeClr val="accent1"/>
+              </a:fillRef>
+              <a:effectRef idx="0">
+                <a:schemeClr val="accent1"/>
+              </a:effectRef>
+              <a:fontRef idx="minor">
+                <a:schemeClr val="lt1"/>
+              </a:fontRef>
+            </p:style>
+            <p:txBody>
+              <a:bodyPr rtlCol="0" anchor="ctr"/>
+              <a:lstStyle/>
+              <a:p>
+                <a:pPr algn="ctr"/>
+                <a:endParaRPr lang="en-US"/>
+              </a:p>
+            </p:txBody>
+          </p:sp>
+          <p:sp>
+            <p:nvSpPr>
+              <p:cNvPr id="10" name="Oval 9"/>
+              <p:cNvSpPr/>
+              <p:nvPr/>
+            </p:nvSpPr>
+            <p:spPr>
+              <a:xfrm>
+                <a:off x="4074160" y="1076960"/>
+                <a:ext cx="5262880" cy="3291840"/>
+              </a:xfrm>
+              <a:prstGeom prst="ellipse">
+                <a:avLst/>
+              </a:prstGeom>
+              <a:noFill/>
+              <a:ln w="38100">
+                <a:solidFill>
+                  <a:schemeClr val="tx1"/>
+                </a:solidFill>
+              </a:ln>
+            </p:spPr>
+            <p:style>
+              <a:lnRef idx="2">
+                <a:schemeClr val="accent1">
+                  <a:shade val="50000"/>
+                </a:schemeClr>
+              </a:lnRef>
+              <a:fillRef idx="1">
+                <a:schemeClr val="accent1"/>
+              </a:fillRef>
+              <a:effectRef idx="0">
+                <a:schemeClr val="accent1"/>
+              </a:effectRef>
+              <a:fontRef idx="minor">
+                <a:schemeClr val="lt1"/>
+              </a:fontRef>
+            </p:style>
+            <p:txBody>
+              <a:bodyPr rtlCol="0" anchor="ctr"/>
+              <a:lstStyle/>
+              <a:p>
+                <a:pPr algn="ctr"/>
+                <a:endParaRPr lang="en-US"/>
+              </a:p>
+            </p:txBody>
+          </p:sp>
+          <p:sp>
+            <p:nvSpPr>
+              <p:cNvPr id="11" name="Oval 10"/>
+              <p:cNvSpPr/>
+              <p:nvPr/>
+            </p:nvSpPr>
+            <p:spPr>
+              <a:xfrm>
+                <a:off x="8699231" y="2662997"/>
+                <a:ext cx="120943" cy="119766"/>
+              </a:xfrm>
+              <a:prstGeom prst="ellipse">
+                <a:avLst/>
+              </a:prstGeom>
+              <a:solidFill>
+                <a:schemeClr val="tx1"/>
+              </a:solidFill>
+              <a:ln w="38100">
+                <a:solidFill>
+                  <a:schemeClr val="tx1"/>
+                </a:solidFill>
+              </a:ln>
+            </p:spPr>
+            <p:style>
+              <a:lnRef idx="2">
+                <a:schemeClr val="accent1">
+                  <a:shade val="50000"/>
+                </a:schemeClr>
+              </a:lnRef>
+              <a:fillRef idx="1">
+                <a:schemeClr val="accent1"/>
+              </a:fillRef>
+              <a:effectRef idx="0">
+                <a:schemeClr val="accent1"/>
+              </a:effectRef>
+              <a:fontRef idx="minor">
+                <a:schemeClr val="lt1"/>
+              </a:fontRef>
+            </p:style>
+            <p:txBody>
+              <a:bodyPr rtlCol="0" anchor="ctr"/>
+              <a:lstStyle/>
+              <a:p>
+                <a:pPr algn="ctr"/>
+                <a:endParaRPr lang="en-US"/>
+              </a:p>
+            </p:txBody>
+          </p:sp>
+          <p:cxnSp>
+            <p:nvCxnSpPr>
+              <p:cNvPr id="13" name="Straight Connector 12"/>
+              <p:cNvCxnSpPr>
+                <a:stCxn id="10" idx="2"/>
+                <a:endCxn id="10" idx="6"/>
+              </p:cNvCxnSpPr>
+              <p:nvPr/>
+            </p:nvCxnSpPr>
+            <p:spPr>
+              <a:xfrm>
+                <a:off x="4074160" y="2722880"/>
+                <a:ext cx="5262880" cy="0"/>
+              </a:xfrm>
+              <a:prstGeom prst="line">
+                <a:avLst/>
+              </a:prstGeom>
+              <a:ln w="38100">
+                <a:solidFill>
+                  <a:schemeClr val="tx1"/>
+                </a:solidFill>
+                <a:prstDash val="dash"/>
+              </a:ln>
+            </p:spPr>
+            <p:style>
+              <a:lnRef idx="1">
+                <a:schemeClr val="accent1"/>
+              </a:lnRef>
+              <a:fillRef idx="0">
+                <a:schemeClr val="accent1"/>
+              </a:fillRef>
+              <a:effectRef idx="0">
+                <a:schemeClr val="accent1"/>
+              </a:effectRef>
+              <a:fontRef idx="minor">
+                <a:schemeClr val="tx1"/>
+              </a:fontRef>
+            </p:style>
+          </p:cxnSp>
+          <p:cxnSp>
+            <p:nvCxnSpPr>
+              <p:cNvPr id="14" name="Straight Connector 13"/>
+              <p:cNvCxnSpPr>
+                <a:stCxn id="10" idx="0"/>
+                <a:endCxn id="10" idx="4"/>
+              </p:cNvCxnSpPr>
+              <p:nvPr/>
+            </p:nvCxnSpPr>
+            <p:spPr>
+              <a:xfrm>
+                <a:off x="6705600" y="1076960"/>
+                <a:ext cx="0" cy="3291840"/>
+              </a:xfrm>
+              <a:prstGeom prst="line">
+                <a:avLst/>
+              </a:prstGeom>
+              <a:ln w="38100">
+                <a:solidFill>
+                  <a:schemeClr val="tx1"/>
+                </a:solidFill>
+                <a:prstDash val="dash"/>
+              </a:ln>
+            </p:spPr>
+            <p:style>
+              <a:lnRef idx="1">
+                <a:schemeClr val="accent1"/>
+              </a:lnRef>
+              <a:fillRef idx="0">
+                <a:schemeClr val="accent1"/>
+              </a:fillRef>
+              <a:effectRef idx="0">
+                <a:schemeClr val="accent1"/>
+              </a:effectRef>
+              <a:fontRef idx="minor">
+                <a:schemeClr val="tx1"/>
+              </a:fontRef>
+            </p:style>
+          </p:cxnSp>
+        </p:grpSp>
+        <p:cxnSp>
+          <p:nvCxnSpPr>
+            <p:cNvPr id="20" name="Straight Arrow Connector 19"/>
+            <p:cNvCxnSpPr/>
+            <p:nvPr/>
+          </p:nvCxnSpPr>
+          <p:spPr>
+            <a:xfrm>
+              <a:off x="4185920" y="853440"/>
+              <a:ext cx="0" cy="1645920"/>
+            </a:xfrm>
+            <a:prstGeom prst="straightConnector1">
+              <a:avLst/>
+            </a:prstGeom>
+            <a:ln w="38100">
+              <a:solidFill>
+                <a:schemeClr val="tx1"/>
+              </a:solidFill>
+              <a:headEnd type="triangle"/>
+              <a:tailEnd type="triangle"/>
+            </a:ln>
+          </p:spPr>
+          <p:style>
+            <a:lnRef idx="1">
+              <a:schemeClr val="accent1"/>
+            </a:lnRef>
+            <a:fillRef idx="0">
+              <a:schemeClr val="accent1"/>
+            </a:fillRef>
+            <a:effectRef idx="0">
+              <a:schemeClr val="accent1"/>
+            </a:effectRef>
+            <a:fontRef idx="minor">
+              <a:schemeClr val="tx1"/>
+            </a:fontRef>
+          </p:style>
+        </p:cxnSp>
+        <p:cxnSp>
+          <p:nvCxnSpPr>
+            <p:cNvPr id="21" name="Straight Arrow Connector 20"/>
+            <p:cNvCxnSpPr/>
+            <p:nvPr/>
+          </p:nvCxnSpPr>
+          <p:spPr>
+            <a:xfrm flipH="1">
+              <a:off x="4043680" y="2682240"/>
+              <a:ext cx="2631440" cy="0"/>
+            </a:xfrm>
+            <a:prstGeom prst="straightConnector1">
+              <a:avLst/>
+            </a:prstGeom>
+            <a:ln w="38100">
+              <a:solidFill>
+                <a:schemeClr val="tx1"/>
+              </a:solidFill>
+              <a:headEnd type="triangle"/>
+              <a:tailEnd type="triangle"/>
+            </a:ln>
+          </p:spPr>
+          <p:style>
+            <a:lnRef idx="1">
+              <a:schemeClr val="accent1"/>
+            </a:lnRef>
+            <a:fillRef idx="0">
+              <a:schemeClr val="accent1"/>
+            </a:fillRef>
+            <a:effectRef idx="0">
+              <a:schemeClr val="accent1"/>
+            </a:effectRef>
+            <a:fontRef idx="minor">
+              <a:schemeClr val="tx1"/>
+            </a:fontRef>
+          </p:style>
+        </p:cxnSp>
+        <mc:AlternateContent xmlns:mc="http://schemas.openxmlformats.org/markup-compatibility/2006">
+          <mc:Choice xmlns:a14="http://schemas.microsoft.com/office/drawing/2010/main" Requires="a14">
+            <p:sp>
+              <p:nvSpPr>
+                <p:cNvPr id="24" name="TextBox 23"/>
+                <p:cNvSpPr txBox="1"/>
+                <p:nvPr/>
+              </p:nvSpPr>
+              <p:spPr>
+                <a:xfrm>
+                  <a:off x="5262194" y="2690912"/>
+                  <a:ext cx="194412" cy="307777"/>
+                </a:xfrm>
+                <a:prstGeom prst="rect">
+                  <a:avLst/>
+                </a:prstGeom>
+                <a:noFill/>
+              </p:spPr>
+              <p:txBody>
+                <a:bodyPr wrap="none" lIns="0" tIns="0" rIns="0" bIns="0" rtlCol="0">
+                  <a:spAutoFit/>
+                </a:bodyPr>
+                <a:lstStyle/>
+                <a:p>
+                  <a14:m>
+                    <m:oMathPara xmlns:m="http://schemas.openxmlformats.org/officeDocument/2006/math">
+                      <m:oMathParaPr>
+                        <m:jc m:val="centerGroup"/>
+                      </m:oMathParaPr>
+                      <m:oMath xmlns:m="http://schemas.openxmlformats.org/officeDocument/2006/math">
+                        <m:r>
+                          <a:rPr lang="en-US" sz="2000" b="0" i="1" smtClean="0">
+                            <a:latin typeface="Cambria Math" panose="02040503050406030204" pitchFamily="18" charset="0"/>
+                            <a:cs typeface="Arial" panose="020B0604020202020204" pitchFamily="34" charset="0"/>
+                          </a:rPr>
+                          <m:t>𝑠</m:t>
+                        </m:r>
+                      </m:oMath>
+                    </m:oMathPara>
+                  </a14:m>
+                  <a:endParaRPr lang="en-US" sz="2000" dirty="0" smtClean="0">
+                    <a:latin typeface="Arial" panose="020B0604020202020204" pitchFamily="34" charset="0"/>
+                    <a:cs typeface="Arial" panose="020B0604020202020204" pitchFamily="34" charset="0"/>
+                  </a:endParaRPr>
+                </a:p>
+              </p:txBody>
+            </p:sp>
+          </mc:Choice>
+          <mc:Fallback>
+            <p:sp>
+              <p:nvSpPr>
+                <p:cNvPr id="24" name="TextBox 23"/>
+                <p:cNvSpPr txBox="1">
+                  <a:spLocks noRot="1" noChangeAspect="1" noMove="1" noResize="1" noEditPoints="1" noAdjustHandles="1" noChangeArrowheads="1" noChangeShapeType="1" noTextEdit="1"/>
+                </p:cNvSpPr>
+                <p:nvPr/>
+              </p:nvSpPr>
+              <p:spPr>
+                <a:xfrm>
+                  <a:off x="5262194" y="2690912"/>
+                  <a:ext cx="194412" cy="307777"/>
+                </a:xfrm>
+                <a:prstGeom prst="rect">
+                  <a:avLst/>
+                </a:prstGeom>
+                <a:blipFill>
+                  <a:blip r:embed="rId2"/>
+                  <a:stretch>
+                    <a:fillRect l="-16129" r="-12903" b="-1961"/>
+                  </a:stretch>
+                </a:blipFill>
+              </p:spPr>
+              <p:txBody>
+                <a:bodyPr/>
+                <a:lstStyle/>
+                <a:p>
+                  <a:r>
+                    <a:rPr lang="en-US">
+                      <a:noFill/>
+                    </a:rPr>
+                    <a:t> </a:t>
+                  </a:r>
+                </a:p>
+              </p:txBody>
+            </p:sp>
+          </mc:Fallback>
+        </mc:AlternateContent>
+        <mc:AlternateContent xmlns:mc="http://schemas.openxmlformats.org/markup-compatibility/2006">
+          <mc:Choice xmlns:a14="http://schemas.microsoft.com/office/drawing/2010/main" Requires="a14">
+            <p:sp>
+              <p:nvSpPr>
+                <p:cNvPr id="26" name="TextBox 25"/>
+                <p:cNvSpPr txBox="1"/>
+                <p:nvPr/>
+              </p:nvSpPr>
+              <p:spPr>
+                <a:xfrm>
+                  <a:off x="4278046" y="1368623"/>
+                  <a:ext cx="214033" cy="307777"/>
+                </a:xfrm>
+                <a:prstGeom prst="rect">
+                  <a:avLst/>
+                </a:prstGeom>
+                <a:noFill/>
+              </p:spPr>
+              <p:txBody>
+                <a:bodyPr wrap="none" lIns="0" tIns="0" rIns="0" bIns="0" rtlCol="0">
+                  <a:spAutoFit/>
+                </a:bodyPr>
+                <a:lstStyle/>
+                <a:p>
+                  <a14:m>
+                    <m:oMathPara xmlns:m="http://schemas.openxmlformats.org/officeDocument/2006/math">
+                      <m:oMathParaPr>
+                        <m:jc m:val="centerGroup"/>
+                      </m:oMathParaPr>
+                      <m:oMath xmlns:m="http://schemas.openxmlformats.org/officeDocument/2006/math">
+                        <m:r>
+                          <a:rPr lang="en-US" sz="2000" b="0" i="1" smtClean="0">
+                            <a:latin typeface="Cambria Math" panose="02040503050406030204" pitchFamily="18" charset="0"/>
+                            <a:cs typeface="Arial" panose="020B0604020202020204" pitchFamily="34" charset="0"/>
+                          </a:rPr>
+                          <m:t>𝑏</m:t>
+                        </m:r>
+                      </m:oMath>
+                    </m:oMathPara>
+                  </a14:m>
+                  <a:endParaRPr lang="en-US" sz="2000" dirty="0" smtClean="0">
+                    <a:latin typeface="Arial" panose="020B0604020202020204" pitchFamily="34" charset="0"/>
+                    <a:cs typeface="Arial" panose="020B0604020202020204" pitchFamily="34" charset="0"/>
+                  </a:endParaRPr>
+                </a:p>
+              </p:txBody>
+            </p:sp>
+          </mc:Choice>
+          <mc:Fallback>
+            <p:sp>
+              <p:nvSpPr>
+                <p:cNvPr id="26" name="TextBox 25"/>
+                <p:cNvSpPr txBox="1">
+                  <a:spLocks noRot="1" noChangeAspect="1" noMove="1" noResize="1" noEditPoints="1" noAdjustHandles="1" noChangeArrowheads="1" noChangeShapeType="1" noTextEdit="1"/>
+                </p:cNvSpPr>
+                <p:nvPr/>
+              </p:nvSpPr>
+              <p:spPr>
+                <a:xfrm>
+                  <a:off x="4278046" y="1368623"/>
+                  <a:ext cx="214033" cy="307777"/>
+                </a:xfrm>
+                <a:prstGeom prst="rect">
+                  <a:avLst/>
+                </a:prstGeom>
+                <a:blipFill>
+                  <a:blip r:embed="rId3"/>
+                  <a:stretch>
+                    <a:fillRect l="-25714" r="-25714" b="-9804"/>
+                  </a:stretch>
+                </a:blipFill>
+              </p:spPr>
+              <p:txBody>
+                <a:bodyPr/>
+                <a:lstStyle/>
+                <a:p>
+                  <a:r>
+                    <a:rPr lang="en-US">
+                      <a:noFill/>
+                    </a:rPr>
+                    <a:t> </a:t>
+                  </a:r>
+                </a:p>
+              </p:txBody>
+            </p:sp>
+          </mc:Fallback>
+        </mc:AlternateContent>
+        <mc:AlternateContent xmlns:mc="http://schemas.openxmlformats.org/markup-compatibility/2006">
+          <mc:Choice xmlns:a14="http://schemas.microsoft.com/office/drawing/2010/main" Requires="a14">
+            <p:sp>
+              <p:nvSpPr>
+                <p:cNvPr id="27" name="TextBox 26"/>
+                <p:cNvSpPr txBox="1"/>
+                <p:nvPr/>
+              </p:nvSpPr>
+              <p:spPr>
+                <a:xfrm>
+                  <a:off x="1626371" y="2029562"/>
+                  <a:ext cx="753861" cy="307777"/>
+                </a:xfrm>
+                <a:prstGeom prst="rect">
+                  <a:avLst/>
+                </a:prstGeom>
+                <a:noFill/>
+              </p:spPr>
+              <p:txBody>
+                <a:bodyPr wrap="none" lIns="0" tIns="0" rIns="0" bIns="0" rtlCol="0">
+                  <a:spAutoFit/>
+                </a:bodyPr>
+                <a:lstStyle/>
+                <a:p>
+                  <a14:m>
+                    <m:oMathPara xmlns:m="http://schemas.openxmlformats.org/officeDocument/2006/math">
+                      <m:oMathParaPr>
+                        <m:jc m:val="centerGroup"/>
+                      </m:oMathParaPr>
+                      <m:oMath xmlns:m="http://schemas.openxmlformats.org/officeDocument/2006/math">
+                        <m:r>
+                          <a:rPr lang="en-US" sz="2000" b="0" i="1" smtClean="0">
+                            <a:latin typeface="Cambria Math" panose="02040503050406030204" pitchFamily="18" charset="0"/>
+                            <a:cs typeface="Arial" panose="020B0604020202020204" pitchFamily="34" charset="0"/>
+                          </a:rPr>
+                          <m:t>𝐹𝑜𝑐𝑢𝑠</m:t>
+                        </m:r>
+                      </m:oMath>
+                    </m:oMathPara>
+                  </a14:m>
+                  <a:endParaRPr lang="en-US" sz="2000" dirty="0" smtClean="0">
+                    <a:latin typeface="Arial" panose="020B0604020202020204" pitchFamily="34" charset="0"/>
+                    <a:cs typeface="Arial" panose="020B0604020202020204" pitchFamily="34" charset="0"/>
+                  </a:endParaRPr>
+                </a:p>
+              </p:txBody>
+            </p:sp>
+          </mc:Choice>
+          <mc:Fallback>
+            <p:sp>
+              <p:nvSpPr>
+                <p:cNvPr id="27" name="TextBox 26"/>
+                <p:cNvSpPr txBox="1">
+                  <a:spLocks noRot="1" noChangeAspect="1" noMove="1" noResize="1" noEditPoints="1" noAdjustHandles="1" noChangeArrowheads="1" noChangeShapeType="1" noTextEdit="1"/>
+                </p:cNvSpPr>
+                <p:nvPr/>
+              </p:nvSpPr>
+              <p:spPr>
+                <a:xfrm>
+                  <a:off x="1626371" y="2029562"/>
+                  <a:ext cx="753861" cy="307777"/>
+                </a:xfrm>
+                <a:prstGeom prst="rect">
+                  <a:avLst/>
+                </a:prstGeom>
+                <a:blipFill>
+                  <a:blip r:embed="rId4"/>
+                  <a:stretch>
+                    <a:fillRect l="-6452" r="-5645" b="-10000"/>
+                  </a:stretch>
+                </a:blipFill>
+              </p:spPr>
+              <p:txBody>
+                <a:bodyPr/>
+                <a:lstStyle/>
+                <a:p>
+                  <a:r>
+                    <a:rPr lang="en-US">
+                      <a:noFill/>
+                    </a:rPr>
+                    <a:t> </a:t>
+                  </a:r>
+                </a:p>
+              </p:txBody>
+            </p:sp>
+          </mc:Fallback>
+        </mc:AlternateContent>
+        <mc:AlternateContent xmlns:mc="http://schemas.openxmlformats.org/markup-compatibility/2006">
+          <mc:Choice xmlns:a14="http://schemas.microsoft.com/office/drawing/2010/main" Requires="a14">
+            <p:sp>
+              <p:nvSpPr>
+                <p:cNvPr id="28" name="TextBox 27"/>
+                <p:cNvSpPr txBox="1"/>
+                <p:nvPr/>
+              </p:nvSpPr>
+              <p:spPr>
+                <a:xfrm>
+                  <a:off x="5707129" y="2029562"/>
+                  <a:ext cx="753861" cy="307777"/>
+                </a:xfrm>
+                <a:prstGeom prst="rect">
+                  <a:avLst/>
+                </a:prstGeom>
+                <a:noFill/>
+              </p:spPr>
+              <p:txBody>
+                <a:bodyPr wrap="none" lIns="0" tIns="0" rIns="0" bIns="0" rtlCol="0">
+                  <a:spAutoFit/>
+                </a:bodyPr>
+                <a:lstStyle/>
+                <a:p>
+                  <a14:m>
+                    <m:oMathPara xmlns:m="http://schemas.openxmlformats.org/officeDocument/2006/math">
+                      <m:oMathParaPr>
+                        <m:jc m:val="centerGroup"/>
+                      </m:oMathParaPr>
+                      <m:oMath xmlns:m="http://schemas.openxmlformats.org/officeDocument/2006/math">
+                        <m:r>
+                          <a:rPr lang="en-US" sz="2000" b="0" i="1" smtClean="0">
+                            <a:latin typeface="Cambria Math" panose="02040503050406030204" pitchFamily="18" charset="0"/>
+                            <a:cs typeface="Arial" panose="020B0604020202020204" pitchFamily="34" charset="0"/>
+                          </a:rPr>
+                          <m:t>𝐹𝑜𝑐𝑢𝑠</m:t>
+                        </m:r>
+                      </m:oMath>
+                    </m:oMathPara>
+                  </a14:m>
+                  <a:endParaRPr lang="en-US" sz="2000" dirty="0" smtClean="0">
+                    <a:latin typeface="Arial" panose="020B0604020202020204" pitchFamily="34" charset="0"/>
+                    <a:cs typeface="Arial" panose="020B0604020202020204" pitchFamily="34" charset="0"/>
+                  </a:endParaRPr>
+                </a:p>
+              </p:txBody>
+            </p:sp>
+          </mc:Choice>
+          <mc:Fallback>
+            <p:sp>
+              <p:nvSpPr>
+                <p:cNvPr id="28" name="TextBox 27"/>
+                <p:cNvSpPr txBox="1">
+                  <a:spLocks noRot="1" noChangeAspect="1" noMove="1" noResize="1" noEditPoints="1" noAdjustHandles="1" noChangeArrowheads="1" noChangeShapeType="1" noTextEdit="1"/>
+                </p:cNvSpPr>
+                <p:nvPr/>
+              </p:nvSpPr>
+              <p:spPr>
+                <a:xfrm>
+                  <a:off x="5707129" y="2029562"/>
+                  <a:ext cx="753861" cy="307777"/>
+                </a:xfrm>
+                <a:prstGeom prst="rect">
+                  <a:avLst/>
+                </a:prstGeom>
+                <a:blipFill>
+                  <a:blip r:embed="rId5"/>
+                  <a:stretch>
+                    <a:fillRect l="-7317" r="-5691" b="-10000"/>
+                  </a:stretch>
+                </a:blipFill>
+              </p:spPr>
+              <p:txBody>
+                <a:bodyPr/>
+                <a:lstStyle/>
+                <a:p>
+                  <a:r>
+                    <a:rPr lang="en-US">
+                      <a:noFill/>
+                    </a:rPr>
+                    <a:t> </a:t>
+                  </a:r>
+                </a:p>
+              </p:txBody>
+            </p:sp>
+          </mc:Fallback>
+        </mc:AlternateContent>
+        <p:cxnSp>
+          <p:nvCxnSpPr>
+            <p:cNvPr id="29" name="Straight Arrow Connector 28"/>
+            <p:cNvCxnSpPr/>
+            <p:nvPr/>
+          </p:nvCxnSpPr>
+          <p:spPr>
+            <a:xfrm flipH="1" flipV="1">
+              <a:off x="2063774" y="2682240"/>
+              <a:ext cx="1979906" cy="8672"/>
+            </a:xfrm>
+            <a:prstGeom prst="straightConnector1">
+              <a:avLst/>
+            </a:prstGeom>
+            <a:ln w="38100">
+              <a:solidFill>
+                <a:schemeClr val="tx1"/>
+              </a:solidFill>
+              <a:headEnd type="triangle"/>
+              <a:tailEnd type="triangle"/>
+            </a:ln>
+          </p:spPr>
+          <p:style>
+            <a:lnRef idx="1">
+              <a:schemeClr val="accent1"/>
+            </a:lnRef>
+            <a:fillRef idx="0">
+              <a:schemeClr val="accent1"/>
+            </a:fillRef>
+            <a:effectRef idx="0">
+              <a:schemeClr val="accent1"/>
+            </a:effectRef>
+            <a:fontRef idx="minor">
+              <a:schemeClr val="tx1"/>
+            </a:fontRef>
+          </p:style>
+        </p:cxnSp>
+        <mc:AlternateContent xmlns:mc="http://schemas.openxmlformats.org/markup-compatibility/2006">
+          <mc:Choice xmlns:a14="http://schemas.microsoft.com/office/drawing/2010/main" Requires="a14">
+            <p:sp>
+              <p:nvSpPr>
+                <p:cNvPr id="31" name="TextBox 30"/>
+                <p:cNvSpPr txBox="1"/>
+                <p:nvPr/>
+              </p:nvSpPr>
+              <p:spPr>
+                <a:xfrm>
+                  <a:off x="3053727" y="2690911"/>
+                  <a:ext cx="202811" cy="307777"/>
+                </a:xfrm>
+                <a:prstGeom prst="rect">
+                  <a:avLst/>
+                </a:prstGeom>
+                <a:noFill/>
+              </p:spPr>
+              <p:txBody>
+                <a:bodyPr wrap="none" lIns="0" tIns="0" rIns="0" bIns="0" rtlCol="0">
+                  <a:spAutoFit/>
+                </a:bodyPr>
+                <a:lstStyle/>
+                <a:p>
+                  <a14:m>
+                    <m:oMathPara xmlns:m="http://schemas.openxmlformats.org/officeDocument/2006/math">
+                      <m:oMathParaPr>
+                        <m:jc m:val="centerGroup"/>
+                      </m:oMathParaPr>
+                      <m:oMath xmlns:m="http://schemas.openxmlformats.org/officeDocument/2006/math">
+                        <m:r>
+                          <a:rPr lang="en-US" sz="2000" b="0" i="1" smtClean="0">
+                            <a:latin typeface="Cambria Math" panose="02040503050406030204" pitchFamily="18" charset="0"/>
+                            <a:cs typeface="Arial" panose="020B0604020202020204" pitchFamily="34" charset="0"/>
+                          </a:rPr>
+                          <m:t>𝑒</m:t>
+                        </m:r>
+                      </m:oMath>
+                    </m:oMathPara>
+                  </a14:m>
+                  <a:endParaRPr lang="en-US" sz="2000" dirty="0" smtClean="0">
+                    <a:latin typeface="Arial" panose="020B0604020202020204" pitchFamily="34" charset="0"/>
+                    <a:cs typeface="Arial" panose="020B0604020202020204" pitchFamily="34" charset="0"/>
+                  </a:endParaRPr>
+                </a:p>
+              </p:txBody>
+            </p:sp>
+          </mc:Choice>
+          <mc:Fallback>
+            <p:sp>
+              <p:nvSpPr>
+                <p:cNvPr id="31" name="TextBox 30"/>
+                <p:cNvSpPr txBox="1">
+                  <a:spLocks noRot="1" noChangeAspect="1" noMove="1" noResize="1" noEditPoints="1" noAdjustHandles="1" noChangeArrowheads="1" noChangeShapeType="1" noTextEdit="1"/>
+                </p:cNvSpPr>
+                <p:nvPr/>
+              </p:nvSpPr>
+              <p:spPr>
+                <a:xfrm>
+                  <a:off x="3053727" y="2690911"/>
+                  <a:ext cx="202811" cy="307777"/>
+                </a:xfrm>
+                <a:prstGeom prst="rect">
+                  <a:avLst/>
+                </a:prstGeom>
+                <a:blipFill>
+                  <a:blip r:embed="rId6"/>
+                  <a:stretch>
+                    <a:fillRect l="-11765" r="-11765" b="-1961"/>
+                  </a:stretch>
+                </a:blipFill>
+              </p:spPr>
+              <p:txBody>
+                <a:bodyPr/>
+                <a:lstStyle/>
+                <a:p>
+                  <a:r>
+                    <a:rPr lang="en-US">
+                      <a:noFill/>
+                    </a:rPr>
+                    <a:t> </a:t>
+                  </a:r>
+                </a:p>
+              </p:txBody>
+            </p:sp>
+          </mc:Fallback>
+        </mc:AlternateContent>
+      </p:grpSp>
+      <p:grpSp>
+        <p:nvGrpSpPr>
+          <p:cNvPr id="67" name="Group 66"/>
+          <p:cNvGrpSpPr/>
+          <p:nvPr/>
+        </p:nvGrpSpPr>
+        <p:grpSpPr>
+          <a:xfrm>
+            <a:off x="6405643" y="148448"/>
+            <a:ext cx="5518620" cy="4137995"/>
+            <a:chOff x="6405643" y="148448"/>
+            <a:chExt cx="5518620" cy="4137995"/>
+          </a:xfrm>
+        </p:grpSpPr>
+        <p:grpSp>
+          <p:nvGrpSpPr>
+            <p:cNvPr id="64" name="Group 63"/>
+            <p:cNvGrpSpPr/>
+            <p:nvPr/>
+          </p:nvGrpSpPr>
+          <p:grpSpPr>
+            <a:xfrm>
+              <a:off x="6405643" y="557080"/>
+              <a:ext cx="5518620" cy="3729363"/>
+              <a:chOff x="6463142" y="28760"/>
+              <a:chExt cx="5518620" cy="3729363"/>
+            </a:xfrm>
+          </p:grpSpPr>
+          <p:grpSp>
+            <p:nvGrpSpPr>
+              <p:cNvPr id="58" name="Group 57"/>
+              <p:cNvGrpSpPr/>
+              <p:nvPr/>
+            </p:nvGrpSpPr>
+            <p:grpSpPr>
+              <a:xfrm>
+                <a:off x="6464716" y="466283"/>
+                <a:ext cx="5262880" cy="3291840"/>
+                <a:chOff x="6464716" y="466283"/>
+                <a:chExt cx="5262880" cy="3291840"/>
+              </a:xfrm>
+            </p:grpSpPr>
+            <p:sp>
+              <p:nvSpPr>
+                <p:cNvPr id="44" name="Oval 43"/>
+                <p:cNvSpPr/>
+                <p:nvPr/>
+              </p:nvSpPr>
+              <p:spPr>
+                <a:xfrm>
+                  <a:off x="6464716" y="466283"/>
+                  <a:ext cx="5262880" cy="3291840"/>
+                </a:xfrm>
+                <a:prstGeom prst="ellipse">
+                  <a:avLst/>
+                </a:prstGeom>
+                <a:noFill/>
+                <a:ln w="38100">
+                  <a:solidFill>
+                    <a:schemeClr val="tx1"/>
+                  </a:solidFill>
+                </a:ln>
+              </p:spPr>
+              <p:style>
+                <a:lnRef idx="2">
+                  <a:schemeClr val="accent1">
+                    <a:shade val="50000"/>
+                  </a:schemeClr>
+                </a:lnRef>
+                <a:fillRef idx="1">
+                  <a:schemeClr val="accent1"/>
+                </a:fillRef>
+                <a:effectRef idx="0">
+                  <a:schemeClr val="accent1"/>
+                </a:effectRef>
+                <a:fontRef idx="minor">
+                  <a:schemeClr val="lt1"/>
+                </a:fontRef>
+              </p:style>
+              <p:txBody>
+                <a:bodyPr rtlCol="0" anchor="ctr"/>
+                <a:lstStyle/>
+                <a:p>
+                  <a:pPr algn="ctr"/>
+                  <a:endParaRPr lang="en-US"/>
+                </a:p>
+              </p:txBody>
+            </p:sp>
+            <p:sp>
+              <p:nvSpPr>
+                <p:cNvPr id="56" name="Freeform 55"/>
+                <p:cNvSpPr/>
+                <p:nvPr/>
+              </p:nvSpPr>
+              <p:spPr>
+                <a:xfrm>
+                  <a:off x="7239837" y="688312"/>
+                  <a:ext cx="3778181" cy="1391697"/>
+                </a:xfrm>
+                <a:custGeom>
+                  <a:avLst/>
+                  <a:gdLst>
+                    <a:gd name="connsiteX0" fmla="*/ 537587 w 3778181"/>
+                    <a:gd name="connsiteY0" fmla="*/ 0 h 1391697"/>
+                    <a:gd name="connsiteX1" fmla="*/ 442128 w 3778181"/>
+                    <a:gd name="connsiteY1" fmla="*/ 40193 h 1391697"/>
+                    <a:gd name="connsiteX2" fmla="*/ 366765 w 3778181"/>
+                    <a:gd name="connsiteY2" fmla="*/ 70339 h 1391697"/>
+                    <a:gd name="connsiteX3" fmla="*/ 301451 w 3778181"/>
+                    <a:gd name="connsiteY3" fmla="*/ 100484 h 1391697"/>
+                    <a:gd name="connsiteX4" fmla="*/ 246185 w 3778181"/>
+                    <a:gd name="connsiteY4" fmla="*/ 120580 h 1391697"/>
+                    <a:gd name="connsiteX5" fmla="*/ 180871 w 3778181"/>
+                    <a:gd name="connsiteY5" fmla="*/ 150725 h 1391697"/>
+                    <a:gd name="connsiteX6" fmla="*/ 120581 w 3778181"/>
+                    <a:gd name="connsiteY6" fmla="*/ 190919 h 1391697"/>
+                    <a:gd name="connsiteX7" fmla="*/ 65315 w 3778181"/>
+                    <a:gd name="connsiteY7" fmla="*/ 216040 h 1391697"/>
+                    <a:gd name="connsiteX8" fmla="*/ 0 w 3778181"/>
+                    <a:gd name="connsiteY8" fmla="*/ 261257 h 1391697"/>
+                    <a:gd name="connsiteX9" fmla="*/ 3778181 w 3778181"/>
+                    <a:gd name="connsiteY9" fmla="*/ 1391697 h 1391697"/>
+                    <a:gd name="connsiteX10" fmla="*/ 537587 w 3778181"/>
+                    <a:gd name="connsiteY10" fmla="*/ 0 h 1391697"/>
+                  </a:gdLst>
+                  <a:ahLst/>
+                  <a:cxnLst>
+                    <a:cxn ang="0">
+                      <a:pos x="connsiteX0" y="connsiteY0"/>
+                    </a:cxn>
+                    <a:cxn ang="0">
+                      <a:pos x="connsiteX1" y="connsiteY1"/>
+                    </a:cxn>
+                    <a:cxn ang="0">
+                      <a:pos x="connsiteX2" y="connsiteY2"/>
+                    </a:cxn>
+                    <a:cxn ang="0">
+                      <a:pos x="connsiteX3" y="connsiteY3"/>
+                    </a:cxn>
+                    <a:cxn ang="0">
+                      <a:pos x="connsiteX4" y="connsiteY4"/>
+                    </a:cxn>
+                    <a:cxn ang="0">
+                      <a:pos x="connsiteX5" y="connsiteY5"/>
+                    </a:cxn>
+                    <a:cxn ang="0">
+                      <a:pos x="connsiteX6" y="connsiteY6"/>
+                    </a:cxn>
+                    <a:cxn ang="0">
+                      <a:pos x="connsiteX7" y="connsiteY7"/>
+                    </a:cxn>
+                    <a:cxn ang="0">
+                      <a:pos x="connsiteX8" y="connsiteY8"/>
+                    </a:cxn>
+                    <a:cxn ang="0">
+                      <a:pos x="connsiteX9" y="connsiteY9"/>
+                    </a:cxn>
+                    <a:cxn ang="0">
+                      <a:pos x="connsiteX10" y="connsiteY10"/>
+                    </a:cxn>
+                  </a:cxnLst>
+                  <a:rect l="l" t="t" r="r" b="b"/>
+                  <a:pathLst>
+                    <a:path w="3778181" h="1391697">
+                      <a:moveTo>
+                        <a:pt x="537587" y="0"/>
+                      </a:moveTo>
+                      <a:lnTo>
+                        <a:pt x="442128" y="40193"/>
+                      </a:lnTo>
+                      <a:lnTo>
+                        <a:pt x="366765" y="70339"/>
+                      </a:lnTo>
+                      <a:lnTo>
+                        <a:pt x="301451" y="100484"/>
+                      </a:lnTo>
+                      <a:lnTo>
+                        <a:pt x="246185" y="120580"/>
+                      </a:lnTo>
+                      <a:lnTo>
+                        <a:pt x="180871" y="150725"/>
+                      </a:lnTo>
+                      <a:lnTo>
+                        <a:pt x="120581" y="190919"/>
+                      </a:lnTo>
+                      <a:lnTo>
+                        <a:pt x="65315" y="216040"/>
+                      </a:lnTo>
+                      <a:lnTo>
+                        <a:pt x="0" y="261257"/>
+                      </a:lnTo>
+                      <a:lnTo>
+                        <a:pt x="3778181" y="1391697"/>
+                      </a:lnTo>
+                      <a:lnTo>
+                        <a:pt x="537587" y="0"/>
+                      </a:lnTo>
+                      <a:close/>
+                    </a:path>
+                  </a:pathLst>
+                </a:custGeom>
+                <a:solidFill>
+                  <a:schemeClr val="accent3">
+                    <a:lumMod val="40000"/>
+                    <a:lumOff val="60000"/>
+                  </a:schemeClr>
+                </a:solidFill>
+                <a:ln w="38100">
+                  <a:solidFill>
+                    <a:schemeClr val="tx1"/>
+                  </a:solidFill>
+                </a:ln>
+              </p:spPr>
+              <p:style>
+                <a:lnRef idx="2">
+                  <a:schemeClr val="accent1">
+                    <a:shade val="50000"/>
+                  </a:schemeClr>
+                </a:lnRef>
+                <a:fillRef idx="1">
+                  <a:schemeClr val="accent1"/>
+                </a:fillRef>
+                <a:effectRef idx="0">
+                  <a:schemeClr val="accent1"/>
+                </a:effectRef>
+                <a:fontRef idx="minor">
+                  <a:schemeClr val="lt1"/>
+                </a:fontRef>
+              </p:style>
+              <p:txBody>
+                <a:bodyPr rtlCol="0" anchor="ctr"/>
+                <a:lstStyle/>
+                <a:p>
+                  <a:pPr algn="ctr"/>
+                  <a:endParaRPr lang="en-US"/>
+                </a:p>
+              </p:txBody>
+            </p:sp>
+            <p:sp>
+              <p:nvSpPr>
+                <p:cNvPr id="57" name="Freeform 56"/>
+                <p:cNvSpPr/>
+                <p:nvPr/>
+              </p:nvSpPr>
+              <p:spPr>
+                <a:xfrm>
+                  <a:off x="10661301" y="793820"/>
+                  <a:ext cx="989763" cy="1331406"/>
+                </a:xfrm>
+                <a:custGeom>
+                  <a:avLst/>
+                  <a:gdLst>
+                    <a:gd name="connsiteX0" fmla="*/ 497394 w 989763"/>
+                    <a:gd name="connsiteY0" fmla="*/ 1331406 h 1331406"/>
+                    <a:gd name="connsiteX1" fmla="*/ 989763 w 989763"/>
+                    <a:gd name="connsiteY1" fmla="*/ 919424 h 1331406"/>
+                    <a:gd name="connsiteX2" fmla="*/ 949569 w 989763"/>
+                    <a:gd name="connsiteY2" fmla="*/ 818940 h 1331406"/>
+                    <a:gd name="connsiteX3" fmla="*/ 909376 w 989763"/>
+                    <a:gd name="connsiteY3" fmla="*/ 753626 h 1331406"/>
+                    <a:gd name="connsiteX4" fmla="*/ 823965 w 989763"/>
+                    <a:gd name="connsiteY4" fmla="*/ 633046 h 1331406"/>
+                    <a:gd name="connsiteX5" fmla="*/ 763675 w 989763"/>
+                    <a:gd name="connsiteY5" fmla="*/ 547635 h 1331406"/>
+                    <a:gd name="connsiteX6" fmla="*/ 683288 w 989763"/>
+                    <a:gd name="connsiteY6" fmla="*/ 467248 h 1331406"/>
+                    <a:gd name="connsiteX7" fmla="*/ 622998 w 989763"/>
+                    <a:gd name="connsiteY7" fmla="*/ 401934 h 1331406"/>
+                    <a:gd name="connsiteX8" fmla="*/ 552659 w 989763"/>
+                    <a:gd name="connsiteY8" fmla="*/ 341644 h 1331406"/>
+                    <a:gd name="connsiteX9" fmla="*/ 427055 w 989763"/>
+                    <a:gd name="connsiteY9" fmla="*/ 241160 h 1331406"/>
+                    <a:gd name="connsiteX10" fmla="*/ 346668 w 989763"/>
+                    <a:gd name="connsiteY10" fmla="*/ 190918 h 1331406"/>
+                    <a:gd name="connsiteX11" fmla="*/ 276330 w 989763"/>
+                    <a:gd name="connsiteY11" fmla="*/ 145701 h 1331406"/>
+                    <a:gd name="connsiteX12" fmla="*/ 211015 w 989763"/>
+                    <a:gd name="connsiteY12" fmla="*/ 105507 h 1331406"/>
+                    <a:gd name="connsiteX13" fmla="*/ 125604 w 989763"/>
+                    <a:gd name="connsiteY13" fmla="*/ 50242 h 1331406"/>
+                    <a:gd name="connsiteX14" fmla="*/ 0 w 989763"/>
+                    <a:gd name="connsiteY14" fmla="*/ 0 h 1331406"/>
+                    <a:gd name="connsiteX15" fmla="*/ 467248 w 989763"/>
+                    <a:gd name="connsiteY15" fmla="*/ 1266092 h 1331406"/>
+                    <a:gd name="connsiteX16" fmla="*/ 497394 w 989763"/>
+                    <a:gd name="connsiteY16" fmla="*/ 1331406 h 1331406"/>
+                  </a:gdLst>
+                  <a:ahLst/>
+                  <a:cxnLst>
+                    <a:cxn ang="0">
+                      <a:pos x="connsiteX0" y="connsiteY0"/>
+                    </a:cxn>
+                    <a:cxn ang="0">
+                      <a:pos x="connsiteX1" y="connsiteY1"/>
+                    </a:cxn>
+                    <a:cxn ang="0">
+                      <a:pos x="connsiteX2" y="connsiteY2"/>
+                    </a:cxn>
+                    <a:cxn ang="0">
+                      <a:pos x="connsiteX3" y="connsiteY3"/>
+                    </a:cxn>
+                    <a:cxn ang="0">
+                      <a:pos x="connsiteX4" y="connsiteY4"/>
+                    </a:cxn>
+                    <a:cxn ang="0">
+                      <a:pos x="connsiteX5" y="connsiteY5"/>
+                    </a:cxn>
+                    <a:cxn ang="0">
+                      <a:pos x="connsiteX6" y="connsiteY6"/>
+                    </a:cxn>
+                    <a:cxn ang="0">
+                      <a:pos x="connsiteX7" y="connsiteY7"/>
+                    </a:cxn>
+                    <a:cxn ang="0">
+                      <a:pos x="connsiteX8" y="connsiteY8"/>
+                    </a:cxn>
+                    <a:cxn ang="0">
+                      <a:pos x="connsiteX9" y="connsiteY9"/>
+                    </a:cxn>
+                    <a:cxn ang="0">
+                      <a:pos x="connsiteX10" y="connsiteY10"/>
+                    </a:cxn>
+                    <a:cxn ang="0">
+                      <a:pos x="connsiteX11" y="connsiteY11"/>
+                    </a:cxn>
+                    <a:cxn ang="0">
+                      <a:pos x="connsiteX12" y="connsiteY12"/>
+                    </a:cxn>
+                    <a:cxn ang="0">
+                      <a:pos x="connsiteX13" y="connsiteY13"/>
+                    </a:cxn>
+                    <a:cxn ang="0">
+                      <a:pos x="connsiteX14" y="connsiteY14"/>
+                    </a:cxn>
+                    <a:cxn ang="0">
+                      <a:pos x="connsiteX15" y="connsiteY15"/>
+                    </a:cxn>
+                    <a:cxn ang="0">
+                      <a:pos x="connsiteX16" y="connsiteY16"/>
+                    </a:cxn>
+                  </a:cxnLst>
+                  <a:rect l="l" t="t" r="r" b="b"/>
+                  <a:pathLst>
+                    <a:path w="989763" h="1331406">
+                      <a:moveTo>
+                        <a:pt x="497394" y="1331406"/>
+                      </a:moveTo>
+                      <a:lnTo>
+                        <a:pt x="989763" y="919424"/>
+                      </a:lnTo>
+                      <a:lnTo>
+                        <a:pt x="949569" y="818940"/>
+                      </a:lnTo>
+                      <a:lnTo>
+                        <a:pt x="909376" y="753626"/>
+                      </a:lnTo>
+                      <a:lnTo>
+                        <a:pt x="823965" y="633046"/>
+                      </a:lnTo>
+                      <a:lnTo>
+                        <a:pt x="763675" y="547635"/>
+                      </a:lnTo>
+                      <a:lnTo>
+                        <a:pt x="683288" y="467248"/>
+                      </a:lnTo>
+                      <a:lnTo>
+                        <a:pt x="622998" y="401934"/>
+                      </a:lnTo>
+                      <a:lnTo>
+                        <a:pt x="552659" y="341644"/>
+                      </a:lnTo>
+                      <a:lnTo>
+                        <a:pt x="427055" y="241160"/>
+                      </a:lnTo>
+                      <a:lnTo>
+                        <a:pt x="346668" y="190918"/>
+                      </a:lnTo>
+                      <a:lnTo>
+                        <a:pt x="276330" y="145701"/>
+                      </a:lnTo>
+                      <a:lnTo>
+                        <a:pt x="211015" y="105507"/>
+                      </a:lnTo>
+                      <a:lnTo>
+                        <a:pt x="125604" y="50242"/>
+                      </a:lnTo>
+                      <a:lnTo>
+                        <a:pt x="0" y="0"/>
+                      </a:lnTo>
+                      <a:lnTo>
+                        <a:pt x="467248" y="1266092"/>
+                      </a:lnTo>
+                      <a:lnTo>
+                        <a:pt x="497394" y="1331406"/>
+                      </a:lnTo>
+                      <a:close/>
+                    </a:path>
+                  </a:pathLst>
+                </a:custGeom>
+                <a:solidFill>
+                  <a:schemeClr val="accent3">
+                    <a:lumMod val="40000"/>
+                    <a:lumOff val="60000"/>
+                  </a:schemeClr>
+                </a:solidFill>
+                <a:ln w="38100">
+                  <a:solidFill>
+                    <a:schemeClr val="tx1"/>
+                  </a:solidFill>
+                </a:ln>
+              </p:spPr>
+              <p:style>
+                <a:lnRef idx="2">
+                  <a:schemeClr val="accent1">
+                    <a:shade val="50000"/>
+                  </a:schemeClr>
+                </a:lnRef>
+                <a:fillRef idx="1">
+                  <a:schemeClr val="accent1"/>
+                </a:fillRef>
+                <a:effectRef idx="0">
+                  <a:schemeClr val="accent1"/>
+                </a:effectRef>
+                <a:fontRef idx="minor">
+                  <a:schemeClr val="lt1"/>
+                </a:fontRef>
+              </p:style>
+              <p:txBody>
+                <a:bodyPr rtlCol="0" anchor="ctr"/>
+                <a:lstStyle/>
+                <a:p>
+                  <a:pPr algn="ctr"/>
+                  <a:endParaRPr lang="en-US"/>
+                </a:p>
+              </p:txBody>
+            </p:sp>
+            <p:sp>
+              <p:nvSpPr>
+                <p:cNvPr id="45" name="Oval 44"/>
+                <p:cNvSpPr/>
+                <p:nvPr/>
+              </p:nvSpPr>
+              <p:spPr>
+                <a:xfrm>
+                  <a:off x="11089787" y="2052320"/>
+                  <a:ext cx="120943" cy="119766"/>
+                </a:xfrm>
+                <a:prstGeom prst="ellipse">
+                  <a:avLst/>
+                </a:prstGeom>
+                <a:solidFill>
+                  <a:schemeClr val="tx1"/>
+                </a:solidFill>
+                <a:ln w="38100">
+                  <a:solidFill>
+                    <a:schemeClr val="tx1"/>
+                  </a:solidFill>
+                </a:ln>
+              </p:spPr>
+              <p:style>
+                <a:lnRef idx="2">
+                  <a:schemeClr val="accent1">
+                    <a:shade val="50000"/>
+                  </a:schemeClr>
+                </a:lnRef>
+                <a:fillRef idx="1">
+                  <a:schemeClr val="accent1"/>
+                </a:fillRef>
+                <a:effectRef idx="0">
+                  <a:schemeClr val="accent1"/>
+                </a:effectRef>
+                <a:fontRef idx="minor">
+                  <a:schemeClr val="lt1"/>
+                </a:fontRef>
+              </p:style>
+              <p:txBody>
+                <a:bodyPr rtlCol="0" anchor="ctr"/>
+                <a:lstStyle/>
+                <a:p>
+                  <a:pPr algn="ctr"/>
+                  <a:endParaRPr lang="en-US"/>
+                </a:p>
+              </p:txBody>
+            </p:sp>
+          </p:grpSp>
+          <p:sp>
+            <p:nvSpPr>
+              <p:cNvPr id="59" name="Arc 58"/>
+              <p:cNvSpPr/>
+              <p:nvPr/>
+            </p:nvSpPr>
+            <p:spPr>
+              <a:xfrm>
+                <a:off x="6463142" y="28760"/>
+                <a:ext cx="5315039" cy="2338339"/>
+              </a:xfrm>
+              <a:prstGeom prst="arc">
+                <a:avLst>
+                  <a:gd name="adj1" fmla="val 11859802"/>
+                  <a:gd name="adj2" fmla="val 21085770"/>
+                </a:avLst>
+              </a:prstGeom>
+              <a:ln w="28575">
+                <a:solidFill>
+                  <a:schemeClr val="tx1"/>
+                </a:solidFill>
+                <a:prstDash val="sysDash"/>
+                <a:headEnd type="triangle" w="med" len="med"/>
+                <a:tailEnd type="none" w="med" len="med"/>
+              </a:ln>
+            </p:spPr>
+            <p:style>
+              <a:lnRef idx="1">
+                <a:schemeClr val="accent1"/>
+              </a:lnRef>
+              <a:fillRef idx="0">
+                <a:schemeClr val="accent1"/>
+              </a:fillRef>
+              <a:effectRef idx="0">
+                <a:schemeClr val="accent1"/>
+              </a:effectRef>
+              <a:fontRef idx="minor">
+                <a:schemeClr val="tx1"/>
+              </a:fontRef>
+            </p:style>
+            <p:txBody>
+              <a:bodyPr rtlCol="0" anchor="ctr"/>
+              <a:lstStyle/>
+              <a:p>
+                <a:pPr algn="ctr"/>
+                <a:endParaRPr lang="en-US"/>
+              </a:p>
+            </p:txBody>
+          </p:sp>
+          <mc:AlternateContent xmlns:mc="http://schemas.openxmlformats.org/markup-compatibility/2006">
+            <mc:Choice xmlns:a14="http://schemas.microsoft.com/office/drawing/2010/main" Requires="a14">
+              <p:sp>
+                <p:nvSpPr>
+                  <p:cNvPr id="60" name="TextBox 59"/>
+                  <p:cNvSpPr txBox="1"/>
+                  <p:nvPr/>
+                </p:nvSpPr>
+                <p:spPr>
+                  <a:xfrm>
+                    <a:off x="11746826" y="1428633"/>
+                    <a:ext cx="234936" cy="307777"/>
+                  </a:xfrm>
+                  <a:prstGeom prst="rect">
+                    <a:avLst/>
+                  </a:prstGeom>
+                  <a:noFill/>
+                </p:spPr>
+                <p:txBody>
+                  <a:bodyPr wrap="none" lIns="0" tIns="0" rIns="0" bIns="0" rtlCol="0">
+                    <a:spAutoFit/>
+                  </a:bodyPr>
+                  <a:lstStyle/>
+                  <a:p>
+                    <a14:m>
+                      <m:oMathPara xmlns:m="http://schemas.openxmlformats.org/officeDocument/2006/math">
+                        <m:oMathParaPr>
+                          <m:jc m:val="centerGroup"/>
+                        </m:oMathParaPr>
+                        <m:oMath xmlns:m="http://schemas.openxmlformats.org/officeDocument/2006/math">
+                          <m:r>
+                            <a:rPr lang="en-US" sz="2000" b="0" i="1" smtClean="0">
+                              <a:latin typeface="Cambria Math" panose="02040503050406030204" pitchFamily="18" charset="0"/>
+                              <a:cs typeface="Arial" panose="020B0604020202020204" pitchFamily="34" charset="0"/>
+                            </a:rPr>
+                            <m:t>𝐴</m:t>
+                          </m:r>
+                        </m:oMath>
+                      </m:oMathPara>
+                    </a14:m>
+                    <a:endParaRPr lang="en-US" sz="2000" dirty="0" smtClean="0">
+                      <a:latin typeface="Arial" panose="020B0604020202020204" pitchFamily="34" charset="0"/>
+                      <a:cs typeface="Arial" panose="020B0604020202020204" pitchFamily="34" charset="0"/>
+                    </a:endParaRPr>
+                  </a:p>
+                </p:txBody>
+              </p:sp>
+            </mc:Choice>
+            <mc:Fallback>
+              <p:sp>
+                <p:nvSpPr>
+                  <p:cNvPr id="60" name="TextBox 59"/>
+                  <p:cNvSpPr txBox="1">
+                    <a:spLocks noRot="1" noChangeAspect="1" noMove="1" noResize="1" noEditPoints="1" noAdjustHandles="1" noChangeArrowheads="1" noChangeShapeType="1" noTextEdit="1"/>
+                  </p:cNvSpPr>
+                  <p:nvPr/>
+                </p:nvSpPr>
+                <p:spPr>
+                  <a:xfrm>
+                    <a:off x="11746826" y="1428633"/>
+                    <a:ext cx="234936" cy="307777"/>
+                  </a:xfrm>
+                  <a:prstGeom prst="rect">
+                    <a:avLst/>
+                  </a:prstGeom>
+                  <a:blipFill>
+                    <a:blip r:embed="rId7"/>
+                    <a:stretch>
+                      <a:fillRect l="-23684" r="-23684" b="-9804"/>
+                    </a:stretch>
+                  </a:blipFill>
+                </p:spPr>
+                <p:txBody>
+                  <a:bodyPr/>
+                  <a:lstStyle/>
+                  <a:p>
+                    <a:r>
+                      <a:rPr lang="en-US">
+                        <a:noFill/>
+                      </a:rPr>
+                      <a:t> </a:t>
+                    </a:r>
+                  </a:p>
+                </p:txBody>
+              </p:sp>
+            </mc:Fallback>
+          </mc:AlternateContent>
+          <mc:AlternateContent xmlns:mc="http://schemas.openxmlformats.org/markup-compatibility/2006">
+            <mc:Choice xmlns:a14="http://schemas.microsoft.com/office/drawing/2010/main" Requires="a14">
+              <p:sp>
+                <p:nvSpPr>
+                  <p:cNvPr id="61" name="TextBox 60"/>
+                  <p:cNvSpPr txBox="1"/>
+                  <p:nvPr/>
+                </p:nvSpPr>
+                <p:spPr>
+                  <a:xfrm>
+                    <a:off x="10653173" y="444601"/>
+                    <a:ext cx="245708" cy="307777"/>
+                  </a:xfrm>
+                  <a:prstGeom prst="rect">
+                    <a:avLst/>
+                  </a:prstGeom>
+                  <a:noFill/>
+                </p:spPr>
+                <p:txBody>
+                  <a:bodyPr wrap="none" lIns="0" tIns="0" rIns="0" bIns="0" rtlCol="0">
+                    <a:spAutoFit/>
+                  </a:bodyPr>
+                  <a:lstStyle/>
+                  <a:p>
+                    <a14:m>
+                      <m:oMathPara xmlns:m="http://schemas.openxmlformats.org/officeDocument/2006/math">
+                        <m:oMathParaPr>
+                          <m:jc m:val="centerGroup"/>
+                        </m:oMathParaPr>
+                        <m:oMath xmlns:m="http://schemas.openxmlformats.org/officeDocument/2006/math">
+                          <m:r>
+                            <a:rPr lang="en-US" sz="2000" b="0" i="1" smtClean="0">
+                              <a:latin typeface="Cambria Math" panose="02040503050406030204" pitchFamily="18" charset="0"/>
+                              <a:cs typeface="Arial" panose="020B0604020202020204" pitchFamily="34" charset="0"/>
+                            </a:rPr>
+                            <m:t>𝐵</m:t>
+                          </m:r>
+                        </m:oMath>
+                      </m:oMathPara>
+                    </a14:m>
+                    <a:endParaRPr lang="en-US" sz="2000" dirty="0" smtClean="0">
+                      <a:latin typeface="Arial" panose="020B0604020202020204" pitchFamily="34" charset="0"/>
+                      <a:cs typeface="Arial" panose="020B0604020202020204" pitchFamily="34" charset="0"/>
+                    </a:endParaRPr>
+                  </a:p>
+                </p:txBody>
+              </p:sp>
+            </mc:Choice>
+            <mc:Fallback>
+              <p:sp>
+                <p:nvSpPr>
+                  <p:cNvPr id="61" name="TextBox 60"/>
+                  <p:cNvSpPr txBox="1">
+                    <a:spLocks noRot="1" noChangeAspect="1" noMove="1" noResize="1" noEditPoints="1" noAdjustHandles="1" noChangeArrowheads="1" noChangeShapeType="1" noTextEdit="1"/>
+                  </p:cNvSpPr>
+                  <p:nvPr/>
+                </p:nvSpPr>
+                <p:spPr>
+                  <a:xfrm>
+                    <a:off x="10653173" y="444601"/>
+                    <a:ext cx="245708" cy="307777"/>
+                  </a:xfrm>
+                  <a:prstGeom prst="rect">
+                    <a:avLst/>
+                  </a:prstGeom>
+                  <a:blipFill>
+                    <a:blip r:embed="rId8"/>
+                    <a:stretch>
+                      <a:fillRect l="-20000" r="-22500" b="-10000"/>
+                    </a:stretch>
+                  </a:blipFill>
+                </p:spPr>
+                <p:txBody>
+                  <a:bodyPr/>
+                  <a:lstStyle/>
+                  <a:p>
+                    <a:r>
+                      <a:rPr lang="en-US">
+                        <a:noFill/>
+                      </a:rPr>
+                      <a:t> </a:t>
+                    </a:r>
+                  </a:p>
+                </p:txBody>
+              </p:sp>
+            </mc:Fallback>
+          </mc:AlternateContent>
+          <mc:AlternateContent xmlns:mc="http://schemas.openxmlformats.org/markup-compatibility/2006">
+            <mc:Choice xmlns:a14="http://schemas.microsoft.com/office/drawing/2010/main" Requires="a14">
+              <p:sp>
+                <p:nvSpPr>
+                  <p:cNvPr id="62" name="TextBox 61"/>
+                  <p:cNvSpPr txBox="1"/>
+                  <p:nvPr/>
+                </p:nvSpPr>
+                <p:spPr>
+                  <a:xfrm>
+                    <a:off x="7669506" y="339755"/>
+                    <a:ext cx="234936" cy="307777"/>
+                  </a:xfrm>
+                  <a:prstGeom prst="rect">
+                    <a:avLst/>
+                  </a:prstGeom>
+                  <a:noFill/>
+                </p:spPr>
+                <p:txBody>
+                  <a:bodyPr wrap="none" lIns="0" tIns="0" rIns="0" bIns="0" rtlCol="0">
+                    <a:spAutoFit/>
+                  </a:bodyPr>
+                  <a:lstStyle/>
+                  <a:p>
+                    <a14:m>
+                      <m:oMathPara xmlns:m="http://schemas.openxmlformats.org/officeDocument/2006/math">
+                        <m:oMathParaPr>
+                          <m:jc m:val="centerGroup"/>
+                        </m:oMathParaPr>
+                        <m:oMath xmlns:m="http://schemas.openxmlformats.org/officeDocument/2006/math">
+                          <m:r>
+                            <a:rPr lang="en-US" sz="2000" b="0" i="1" smtClean="0">
+                              <a:latin typeface="Cambria Math" panose="02040503050406030204" pitchFamily="18" charset="0"/>
+                              <a:cs typeface="Arial" panose="020B0604020202020204" pitchFamily="34" charset="0"/>
+                            </a:rPr>
+                            <m:t>𝐶</m:t>
+                          </m:r>
+                        </m:oMath>
+                      </m:oMathPara>
+                    </a14:m>
+                    <a:endParaRPr lang="en-US" sz="2000" dirty="0" smtClean="0">
+                      <a:latin typeface="Arial" panose="020B0604020202020204" pitchFamily="34" charset="0"/>
+                      <a:cs typeface="Arial" panose="020B0604020202020204" pitchFamily="34" charset="0"/>
+                    </a:endParaRPr>
+                  </a:p>
+                </p:txBody>
+              </p:sp>
+            </mc:Choice>
+            <mc:Fallback>
+              <p:sp>
+                <p:nvSpPr>
+                  <p:cNvPr id="62" name="TextBox 61"/>
+                  <p:cNvSpPr txBox="1">
+                    <a:spLocks noRot="1" noChangeAspect="1" noMove="1" noResize="1" noEditPoints="1" noAdjustHandles="1" noChangeArrowheads="1" noChangeShapeType="1" noTextEdit="1"/>
+                  </p:cNvSpPr>
+                  <p:nvPr/>
+                </p:nvSpPr>
+                <p:spPr>
+                  <a:xfrm>
+                    <a:off x="7669506" y="339755"/>
+                    <a:ext cx="234936" cy="307777"/>
+                  </a:xfrm>
+                  <a:prstGeom prst="rect">
+                    <a:avLst/>
+                  </a:prstGeom>
+                  <a:blipFill>
+                    <a:blip r:embed="rId9"/>
+                    <a:stretch>
+                      <a:fillRect l="-23684" r="-18421" b="-9804"/>
+                    </a:stretch>
+                  </a:blipFill>
+                </p:spPr>
+                <p:txBody>
+                  <a:bodyPr/>
+                  <a:lstStyle/>
+                  <a:p>
+                    <a:r>
+                      <a:rPr lang="en-US">
+                        <a:noFill/>
+                      </a:rPr>
+                      <a:t> </a:t>
+                    </a:r>
+                  </a:p>
+                </p:txBody>
+              </p:sp>
+            </mc:Fallback>
+          </mc:AlternateContent>
+          <mc:AlternateContent xmlns:mc="http://schemas.openxmlformats.org/markup-compatibility/2006">
+            <mc:Choice xmlns:a14="http://schemas.microsoft.com/office/drawing/2010/main" Requires="a14">
+              <p:sp>
+                <p:nvSpPr>
+                  <p:cNvPr id="63" name="TextBox 62"/>
+                  <p:cNvSpPr txBox="1"/>
+                  <p:nvPr/>
+                </p:nvSpPr>
+                <p:spPr>
+                  <a:xfrm>
+                    <a:off x="6919895" y="706193"/>
+                    <a:ext cx="255968" cy="307777"/>
+                  </a:xfrm>
+                  <a:prstGeom prst="rect">
+                    <a:avLst/>
+                  </a:prstGeom>
+                  <a:noFill/>
+                </p:spPr>
+                <p:txBody>
+                  <a:bodyPr wrap="none" lIns="0" tIns="0" rIns="0" bIns="0" rtlCol="0">
+                    <a:spAutoFit/>
+                  </a:bodyPr>
+                  <a:lstStyle/>
+                  <a:p>
+                    <a14:m>
+                      <m:oMathPara xmlns:m="http://schemas.openxmlformats.org/officeDocument/2006/math">
+                        <m:oMathParaPr>
+                          <m:jc m:val="centerGroup"/>
+                        </m:oMathParaPr>
+                        <m:oMath xmlns:m="http://schemas.openxmlformats.org/officeDocument/2006/math">
+                          <m:r>
+                            <a:rPr lang="en-US" sz="2000" b="0" i="1" smtClean="0">
+                              <a:latin typeface="Cambria Math" panose="02040503050406030204" pitchFamily="18" charset="0"/>
+                              <a:cs typeface="Arial" panose="020B0604020202020204" pitchFamily="34" charset="0"/>
+                            </a:rPr>
+                            <m:t>𝐷</m:t>
+                          </m:r>
+                        </m:oMath>
+                      </m:oMathPara>
+                    </a14:m>
+                    <a:endParaRPr lang="en-US" sz="2000" dirty="0" smtClean="0">
+                      <a:latin typeface="Arial" panose="020B0604020202020204" pitchFamily="34" charset="0"/>
+                      <a:cs typeface="Arial" panose="020B0604020202020204" pitchFamily="34" charset="0"/>
+                    </a:endParaRPr>
+                  </a:p>
+                </p:txBody>
+              </p:sp>
+            </mc:Choice>
+            <mc:Fallback>
+              <p:sp>
+                <p:nvSpPr>
+                  <p:cNvPr id="63" name="TextBox 62"/>
+                  <p:cNvSpPr txBox="1">
+                    <a:spLocks noRot="1" noChangeAspect="1" noMove="1" noResize="1" noEditPoints="1" noAdjustHandles="1" noChangeArrowheads="1" noChangeShapeType="1" noTextEdit="1"/>
+                  </p:cNvSpPr>
+                  <p:nvPr/>
+                </p:nvSpPr>
+                <p:spPr>
+                  <a:xfrm>
+                    <a:off x="6919895" y="706193"/>
+                    <a:ext cx="255968" cy="307777"/>
+                  </a:xfrm>
+                  <a:prstGeom prst="rect">
+                    <a:avLst/>
+                  </a:prstGeom>
+                  <a:blipFill>
+                    <a:blip r:embed="rId10"/>
+                    <a:stretch>
+                      <a:fillRect l="-21429" r="-16667" b="-10000"/>
+                    </a:stretch>
+                  </a:blipFill>
+                </p:spPr>
+                <p:txBody>
+                  <a:bodyPr/>
+                  <a:lstStyle/>
+                  <a:p>
+                    <a:r>
+                      <a:rPr lang="en-US">
+                        <a:noFill/>
+                      </a:rPr>
+                      <a:t> </a:t>
+                    </a:r>
+                  </a:p>
+                </p:txBody>
+              </p:sp>
+            </mc:Fallback>
+          </mc:AlternateContent>
+        </p:grpSp>
+        <mc:AlternateContent xmlns:mc="http://schemas.openxmlformats.org/markup-compatibility/2006">
+          <mc:Choice xmlns:a14="http://schemas.microsoft.com/office/drawing/2010/main" Requires="a14">
+            <p:sp>
+              <p:nvSpPr>
+                <p:cNvPr id="65" name="TextBox 64"/>
+                <p:cNvSpPr txBox="1"/>
+                <p:nvPr/>
+              </p:nvSpPr>
+              <p:spPr>
+                <a:xfrm>
+                  <a:off x="8363794" y="148448"/>
+                  <a:ext cx="2037930" cy="307777"/>
+                </a:xfrm>
+                <a:prstGeom prst="rect">
+                  <a:avLst/>
+                </a:prstGeom>
+                <a:noFill/>
+              </p:spPr>
+              <p:txBody>
+                <a:bodyPr wrap="none" lIns="0" tIns="0" rIns="0" bIns="0" rtlCol="0">
+                  <a:spAutoFit/>
+                </a:bodyPr>
+                <a:lstStyle/>
+                <a:p>
+                  <a14:m>
+                    <m:oMathPara xmlns:m="http://schemas.openxmlformats.org/officeDocument/2006/math">
+                      <m:oMathParaPr>
+                        <m:jc m:val="centerGroup"/>
+                      </m:oMathParaPr>
+                      <m:oMath xmlns:m="http://schemas.openxmlformats.org/officeDocument/2006/math">
+                        <m:r>
+                          <a:rPr lang="en-US" sz="2000" b="0" i="1" smtClean="0">
+                            <a:latin typeface="Cambria Math" panose="02040503050406030204" pitchFamily="18" charset="0"/>
+                            <a:cs typeface="Arial" panose="020B0604020202020204" pitchFamily="34" charset="0"/>
+                          </a:rPr>
+                          <m:t>𝑚𝑜𝑡𝑖𝑜𝑛</m:t>
+                        </m:r>
+                        <m:r>
+                          <a:rPr lang="en-US" sz="2000" b="0" i="1" smtClean="0">
+                            <a:latin typeface="Cambria Math" panose="02040503050406030204" pitchFamily="18" charset="0"/>
+                            <a:cs typeface="Arial" panose="020B0604020202020204" pitchFamily="34" charset="0"/>
+                          </a:rPr>
+                          <m:t> </m:t>
+                        </m:r>
+                        <m:r>
+                          <a:rPr lang="en-US" sz="2000" b="0" i="1" smtClean="0">
+                            <a:latin typeface="Cambria Math" panose="02040503050406030204" pitchFamily="18" charset="0"/>
+                            <a:cs typeface="Arial" panose="020B0604020202020204" pitchFamily="34" charset="0"/>
+                          </a:rPr>
+                          <m:t>𝑜𝑓</m:t>
+                        </m:r>
+                        <m:r>
+                          <a:rPr lang="en-US" sz="2000" b="0" i="1" smtClean="0">
+                            <a:latin typeface="Cambria Math" panose="02040503050406030204" pitchFamily="18" charset="0"/>
+                            <a:cs typeface="Arial" panose="020B0604020202020204" pitchFamily="34" charset="0"/>
+                          </a:rPr>
+                          <m:t> </m:t>
+                        </m:r>
+                        <m:r>
+                          <a:rPr lang="en-US" sz="2000" b="0" i="1" smtClean="0">
+                            <a:latin typeface="Cambria Math" panose="02040503050406030204" pitchFamily="18" charset="0"/>
+                            <a:cs typeface="Arial" panose="020B0604020202020204" pitchFamily="34" charset="0"/>
+                          </a:rPr>
+                          <m:t>𝑝𝑙𝑎𝑛𝑒𝑡</m:t>
+                        </m:r>
+                      </m:oMath>
+                    </m:oMathPara>
+                  </a14:m>
+                  <a:endParaRPr lang="en-US" sz="2000" dirty="0" smtClean="0">
+                    <a:latin typeface="Arial" panose="020B0604020202020204" pitchFamily="34" charset="0"/>
+                    <a:cs typeface="Arial" panose="020B0604020202020204" pitchFamily="34" charset="0"/>
+                  </a:endParaRPr>
+                </a:p>
+              </p:txBody>
+            </p:sp>
+          </mc:Choice>
+          <mc:Fallback>
+            <p:sp>
+              <p:nvSpPr>
+                <p:cNvPr id="65" name="TextBox 64"/>
+                <p:cNvSpPr txBox="1">
+                  <a:spLocks noRot="1" noChangeAspect="1" noMove="1" noResize="1" noEditPoints="1" noAdjustHandles="1" noChangeArrowheads="1" noChangeShapeType="1" noTextEdit="1"/>
+                </p:cNvSpPr>
+                <p:nvPr/>
+              </p:nvSpPr>
+              <p:spPr>
+                <a:xfrm>
+                  <a:off x="8363794" y="148448"/>
+                  <a:ext cx="2037930" cy="307777"/>
+                </a:xfrm>
+                <a:prstGeom prst="rect">
+                  <a:avLst/>
+                </a:prstGeom>
+                <a:blipFill>
+                  <a:blip r:embed="rId11"/>
+                  <a:stretch>
+                    <a:fillRect l="-2096" r="-3593" b="-37255"/>
+                  </a:stretch>
+                </a:blipFill>
+              </p:spPr>
+              <p:txBody>
+                <a:bodyPr/>
+                <a:lstStyle/>
+                <a:p>
+                  <a:r>
+                    <a:rPr lang="en-US">
+                      <a:noFill/>
+                    </a:rPr>
+                    <a:t> </a:t>
+                  </a:r>
+                </a:p>
+              </p:txBody>
+            </p:sp>
+          </mc:Fallback>
+        </mc:AlternateContent>
+        <mc:AlternateContent xmlns:mc="http://schemas.openxmlformats.org/markup-compatibility/2006">
+          <mc:Choice xmlns:a14="http://schemas.microsoft.com/office/drawing/2010/main" Requires="a14">
+            <p:sp>
+              <p:nvSpPr>
+                <p:cNvPr id="66" name="TextBox 65"/>
+                <p:cNvSpPr txBox="1"/>
+                <p:nvPr/>
+              </p:nvSpPr>
+              <p:spPr>
+                <a:xfrm>
+                  <a:off x="10779237" y="2819831"/>
+                  <a:ext cx="506101" cy="307777"/>
+                </a:xfrm>
+                <a:prstGeom prst="rect">
+                  <a:avLst/>
+                </a:prstGeom>
+                <a:noFill/>
+              </p:spPr>
+              <p:txBody>
+                <a:bodyPr wrap="none" lIns="0" tIns="0" rIns="0" bIns="0" rtlCol="0">
+                  <a:spAutoFit/>
+                </a:bodyPr>
+                <a:lstStyle/>
+                <a:p>
+                  <a14:m>
+                    <m:oMathPara xmlns:m="http://schemas.openxmlformats.org/officeDocument/2006/math">
+                      <m:oMathParaPr>
+                        <m:jc m:val="centerGroup"/>
+                      </m:oMathParaPr>
+                      <m:oMath xmlns:m="http://schemas.openxmlformats.org/officeDocument/2006/math">
+                        <m:r>
+                          <a:rPr lang="en-US" sz="2000" b="0" i="1" smtClean="0">
+                            <a:latin typeface="Cambria Math" panose="02040503050406030204" pitchFamily="18" charset="0"/>
+                            <a:cs typeface="Arial" panose="020B0604020202020204" pitchFamily="34" charset="0"/>
+                          </a:rPr>
+                          <m:t>𝑆𝑢𝑛</m:t>
+                        </m:r>
+                      </m:oMath>
+                    </m:oMathPara>
+                  </a14:m>
+                  <a:endParaRPr lang="en-US" sz="2000" dirty="0" smtClean="0">
+                    <a:latin typeface="Arial" panose="020B0604020202020204" pitchFamily="34" charset="0"/>
+                    <a:cs typeface="Arial" panose="020B0604020202020204" pitchFamily="34" charset="0"/>
+                  </a:endParaRPr>
+                </a:p>
+              </p:txBody>
+            </p:sp>
+          </mc:Choice>
+          <mc:Fallback>
+            <p:sp>
+              <p:nvSpPr>
+                <p:cNvPr id="66" name="TextBox 65"/>
+                <p:cNvSpPr txBox="1">
+                  <a:spLocks noRot="1" noChangeAspect="1" noMove="1" noResize="1" noEditPoints="1" noAdjustHandles="1" noChangeArrowheads="1" noChangeShapeType="1" noTextEdit="1"/>
+                </p:cNvSpPr>
+                <p:nvPr/>
+              </p:nvSpPr>
+              <p:spPr>
+                <a:xfrm>
+                  <a:off x="10779237" y="2819831"/>
+                  <a:ext cx="506101" cy="307777"/>
+                </a:xfrm>
+                <a:prstGeom prst="rect">
+                  <a:avLst/>
+                </a:prstGeom>
+                <a:blipFill>
+                  <a:blip r:embed="rId12"/>
+                  <a:stretch>
+                    <a:fillRect l="-9639" r="-9639" b="-10000"/>
+                  </a:stretch>
+                </a:blipFill>
+              </p:spPr>
+              <p:txBody>
+                <a:bodyPr/>
+                <a:lstStyle/>
+                <a:p>
+                  <a:r>
+                    <a:rPr lang="en-US">
+                      <a:noFill/>
+                    </a:rPr>
+                    <a:t> </a:t>
+                  </a:r>
+                </a:p>
+              </p:txBody>
+            </p:sp>
+          </mc:Fallback>
+        </mc:AlternateContent>
+      </p:grpSp>
+    </p:spTree>
+    <p:extLst>
+      <p:ext uri="{BB962C8B-B14F-4D97-AF65-F5344CB8AC3E}">
+        <p14:creationId xmlns:p14="http://schemas.microsoft.com/office/powerpoint/2010/main" val="2882239809"/>
+      </p:ext>
+    </p:extLst>
+  </p:cSld>
+  <p:clrMapOvr>
+    <a:masterClrMapping/>
+  </p:clrMapOvr>
+</p:sld>
+</file>
+
 <file path=ppt/theme/theme1.xml><?xml version="1.0" encoding="utf-8"?>
 <a:theme xmlns:a="http://schemas.openxmlformats.org/drawingml/2006/main" name="Office Theme">
   <a:themeElements>

--- a/tex/figures/Gravity/Figures.pptx
+++ b/tex/figures/Gravity/Figures.pptx
@@ -7,6 +7,7 @@
   <p:sldIdLst>
     <p:sldId id="271" r:id="rId2"/>
     <p:sldId id="272" r:id="rId3"/>
+    <p:sldId id="273" r:id="rId4"/>
   </p:sldIdLst>
   <p:sldSz cx="12192000" cy="6858000"/>
   <p:notesSz cx="6858000" cy="9144000"/>
@@ -244,7 +245,7 @@
           <a:p>
             <a:fld id="{F7249F8D-641B-4CAF-BAE5-10524742F6F1}" type="datetimeFigureOut">
               <a:rPr lang="en-CA" smtClean="0"/>
-              <a:t>2018-06-15</a:t>
+              <a:t>2018-06-18</a:t>
             </a:fld>
             <a:endParaRPr lang="en-CA"/>
           </a:p>
@@ -414,7 +415,7 @@
           <a:p>
             <a:fld id="{F7249F8D-641B-4CAF-BAE5-10524742F6F1}" type="datetimeFigureOut">
               <a:rPr lang="en-CA" smtClean="0"/>
-              <a:t>2018-06-15</a:t>
+              <a:t>2018-06-18</a:t>
             </a:fld>
             <a:endParaRPr lang="en-CA"/>
           </a:p>
@@ -594,7 +595,7 @@
           <a:p>
             <a:fld id="{F7249F8D-641B-4CAF-BAE5-10524742F6F1}" type="datetimeFigureOut">
               <a:rPr lang="en-CA" smtClean="0"/>
-              <a:t>2018-06-15</a:t>
+              <a:t>2018-06-18</a:t>
             </a:fld>
             <a:endParaRPr lang="en-CA"/>
           </a:p>
@@ -764,7 +765,7 @@
           <a:p>
             <a:fld id="{F7249F8D-641B-4CAF-BAE5-10524742F6F1}" type="datetimeFigureOut">
               <a:rPr lang="en-CA" smtClean="0"/>
-              <a:t>2018-06-15</a:t>
+              <a:t>2018-06-18</a:t>
             </a:fld>
             <a:endParaRPr lang="en-CA"/>
           </a:p>
@@ -1010,7 +1011,7 @@
           <a:p>
             <a:fld id="{F7249F8D-641B-4CAF-BAE5-10524742F6F1}" type="datetimeFigureOut">
               <a:rPr lang="en-CA" smtClean="0"/>
-              <a:t>2018-06-15</a:t>
+              <a:t>2018-06-18</a:t>
             </a:fld>
             <a:endParaRPr lang="en-CA"/>
           </a:p>
@@ -1242,7 +1243,7 @@
           <a:p>
             <a:fld id="{F7249F8D-641B-4CAF-BAE5-10524742F6F1}" type="datetimeFigureOut">
               <a:rPr lang="en-CA" smtClean="0"/>
-              <a:t>2018-06-15</a:t>
+              <a:t>2018-06-18</a:t>
             </a:fld>
             <a:endParaRPr lang="en-CA"/>
           </a:p>
@@ -1609,7 +1610,7 @@
           <a:p>
             <a:fld id="{F7249F8D-641B-4CAF-BAE5-10524742F6F1}" type="datetimeFigureOut">
               <a:rPr lang="en-CA" smtClean="0"/>
-              <a:t>2018-06-15</a:t>
+              <a:t>2018-06-18</a:t>
             </a:fld>
             <a:endParaRPr lang="en-CA"/>
           </a:p>
@@ -1727,7 +1728,7 @@
           <a:p>
             <a:fld id="{F7249F8D-641B-4CAF-BAE5-10524742F6F1}" type="datetimeFigureOut">
               <a:rPr lang="en-CA" smtClean="0"/>
-              <a:t>2018-06-15</a:t>
+              <a:t>2018-06-18</a:t>
             </a:fld>
             <a:endParaRPr lang="en-CA"/>
           </a:p>
@@ -1822,7 +1823,7 @@
           <a:p>
             <a:fld id="{F7249F8D-641B-4CAF-BAE5-10524742F6F1}" type="datetimeFigureOut">
               <a:rPr lang="en-CA" smtClean="0"/>
-              <a:t>2018-06-15</a:t>
+              <a:t>2018-06-18</a:t>
             </a:fld>
             <a:endParaRPr lang="en-CA"/>
           </a:p>
@@ -2099,7 +2100,7 @@
           <a:p>
             <a:fld id="{F7249F8D-641B-4CAF-BAE5-10524742F6F1}" type="datetimeFigureOut">
               <a:rPr lang="en-CA" smtClean="0"/>
-              <a:t>2018-06-15</a:t>
+              <a:t>2018-06-18</a:t>
             </a:fld>
             <a:endParaRPr lang="en-CA"/>
           </a:p>
@@ -2352,7 +2353,7 @@
           <a:p>
             <a:fld id="{F7249F8D-641B-4CAF-BAE5-10524742F6F1}" type="datetimeFigureOut">
               <a:rPr lang="en-CA" smtClean="0"/>
-              <a:t>2018-06-15</a:t>
+              <a:t>2018-06-18</a:t>
             </a:fld>
             <a:endParaRPr lang="en-CA"/>
           </a:p>
@@ -2565,7 +2566,7 @@
           <a:p>
             <a:fld id="{F7249F8D-641B-4CAF-BAE5-10524742F6F1}" type="datetimeFigureOut">
               <a:rPr lang="en-CA" smtClean="0"/>
-              <a:t>2018-06-15</a:t>
+              <a:t>2018-06-18</a:t>
             </a:fld>
             <a:endParaRPr lang="en-CA"/>
           </a:p>
@@ -2993,384 +2994,6 @@
           </a:p>
         </p:txBody>
       </p:sp>
-      <p:grpSp>
-        <p:nvGrpSpPr>
-          <p:cNvPr id="4" name="Group 3"/>
-          <p:cNvGrpSpPr/>
-          <p:nvPr/>
-        </p:nvGrpSpPr>
-        <p:grpSpPr>
-          <a:xfrm>
-            <a:off x="385868" y="1690688"/>
-            <a:ext cx="2224718" cy="2146316"/>
-            <a:chOff x="1129904" y="708040"/>
-            <a:chExt cx="2224718" cy="2146316"/>
-          </a:xfrm>
-        </p:grpSpPr>
-        <p:grpSp>
-          <p:nvGrpSpPr>
-            <p:cNvPr id="5" name="Group 4"/>
-            <p:cNvGrpSpPr/>
-            <p:nvPr/>
-          </p:nvGrpSpPr>
-          <p:grpSpPr>
-            <a:xfrm>
-              <a:off x="1163211" y="708040"/>
-              <a:ext cx="2191411" cy="2146316"/>
-              <a:chOff x="1190506" y="680744"/>
-              <a:chExt cx="2191411" cy="2146316"/>
-            </a:xfrm>
-          </p:grpSpPr>
-          <p:cxnSp>
-            <p:nvCxnSpPr>
-              <p:cNvPr id="7" name="Straight Arrow Connector 6"/>
-              <p:cNvCxnSpPr/>
-              <p:nvPr/>
-            </p:nvCxnSpPr>
-            <p:spPr>
-              <a:xfrm flipV="1">
-                <a:off x="1516583" y="680744"/>
-                <a:ext cx="7684" cy="1859536"/>
-              </a:xfrm>
-              <a:prstGeom prst="straightConnector1">
-                <a:avLst/>
-              </a:prstGeom>
-              <a:ln w="38100">
-                <a:solidFill>
-                  <a:schemeClr val="tx1"/>
-                </a:solidFill>
-                <a:tailEnd type="triangle"/>
-              </a:ln>
-            </p:spPr>
-            <p:style>
-              <a:lnRef idx="1">
-                <a:schemeClr val="accent1"/>
-              </a:lnRef>
-              <a:fillRef idx="0">
-                <a:schemeClr val="accent1"/>
-              </a:fillRef>
-              <a:effectRef idx="0">
-                <a:schemeClr val="accent1"/>
-              </a:effectRef>
-              <a:fontRef idx="minor">
-                <a:schemeClr val="tx1"/>
-              </a:fontRef>
-            </p:style>
-          </p:cxnSp>
-          <p:cxnSp>
-            <p:nvCxnSpPr>
-              <p:cNvPr id="8" name="Straight Arrow Connector 7"/>
-              <p:cNvCxnSpPr/>
-              <p:nvPr/>
-            </p:nvCxnSpPr>
-            <p:spPr>
-              <a:xfrm flipV="1">
-                <a:off x="1507013" y="2535259"/>
-                <a:ext cx="1874904" cy="1"/>
-              </a:xfrm>
-              <a:prstGeom prst="straightConnector1">
-                <a:avLst/>
-              </a:prstGeom>
-              <a:ln w="38100">
-                <a:solidFill>
-                  <a:schemeClr val="tx1"/>
-                </a:solidFill>
-                <a:tailEnd type="triangle"/>
-              </a:ln>
-            </p:spPr>
-            <p:style>
-              <a:lnRef idx="1">
-                <a:schemeClr val="accent1"/>
-              </a:lnRef>
-              <a:fillRef idx="0">
-                <a:schemeClr val="accent1"/>
-              </a:fillRef>
-              <a:effectRef idx="0">
-                <a:schemeClr val="accent1"/>
-              </a:effectRef>
-              <a:fontRef idx="minor">
-                <a:schemeClr val="tx1"/>
-              </a:fontRef>
-            </p:style>
-          </p:cxnSp>
-          <mc:AlternateContent xmlns:mc="http://schemas.openxmlformats.org/markup-compatibility/2006" xmlns:a14="http://schemas.microsoft.com/office/drawing/2010/main">
-            <mc:Choice Requires="a14">
-              <p:sp>
-                <p:nvSpPr>
-                  <p:cNvPr id="9" name="Rectangle 8"/>
-                  <p:cNvSpPr/>
-                  <p:nvPr/>
-                </p:nvSpPr>
-                <p:spPr>
-                  <a:xfrm>
-                    <a:off x="2897675" y="2457728"/>
-                    <a:ext cx="367985" cy="369332"/>
-                  </a:xfrm>
-                  <a:prstGeom prst="rect">
-                    <a:avLst/>
-                  </a:prstGeom>
-                </p:spPr>
-                <p:txBody>
-                  <a:bodyPr wrap="none">
-                    <a:spAutoFit/>
-                  </a:bodyPr>
-                  <a:lstStyle/>
-                  <a:p>
-                    <a:pPr/>
-                    <a14:m>
-                      <m:oMathPara xmlns:m="http://schemas.openxmlformats.org/officeDocument/2006/math">
-                        <m:oMathParaPr>
-                          <m:jc m:val="centerGroup"/>
-                        </m:oMathParaPr>
-                        <m:oMath xmlns:m="http://schemas.openxmlformats.org/officeDocument/2006/math">
-                          <m:r>
-                            <a:rPr lang="en-US" i="1">
-                              <a:latin typeface="Cambria Math" panose="02040503050406030204" pitchFamily="18" charset="0"/>
-                              <a:cs typeface="Arial" panose="020B0604020202020204" pitchFamily="34" charset="0"/>
-                            </a:rPr>
-                            <m:t>𝑥</m:t>
-                          </m:r>
-                        </m:oMath>
-                      </m:oMathPara>
-                    </a14:m>
-                    <a:endParaRPr lang="en-CA" dirty="0"/>
-                  </a:p>
-                </p:txBody>
-              </p:sp>
-            </mc:Choice>
-            <mc:Fallback xmlns="">
-              <p:sp>
-                <p:nvSpPr>
-                  <p:cNvPr id="12" name="Rectangle 11"/>
-                  <p:cNvSpPr>
-                    <a:spLocks noRot="1" noChangeAspect="1" noMove="1" noResize="1" noEditPoints="1" noAdjustHandles="1" noChangeArrowheads="1" noChangeShapeType="1" noTextEdit="1"/>
-                  </p:cNvSpPr>
-                  <p:nvPr/>
-                </p:nvSpPr>
-                <p:spPr>
-                  <a:xfrm>
-                    <a:off x="2897675" y="2457728"/>
-                    <a:ext cx="367985" cy="369332"/>
-                  </a:xfrm>
-                  <a:prstGeom prst="rect">
-                    <a:avLst/>
-                  </a:prstGeom>
-                  <a:blipFill rotWithShape="0">
-                    <a:blip r:embed="rId2"/>
-                    <a:stretch>
-                      <a:fillRect/>
-                    </a:stretch>
-                  </a:blipFill>
-                </p:spPr>
-                <p:txBody>
-                  <a:bodyPr/>
-                  <a:lstStyle/>
-                  <a:p>
-                    <a:r>
-                      <a:rPr lang="en-CA">
-                        <a:noFill/>
-                      </a:rPr>
-                      <a:t> </a:t>
-                    </a:r>
-                  </a:p>
-                </p:txBody>
-              </p:sp>
-            </mc:Fallback>
-          </mc:AlternateContent>
-          <mc:AlternateContent xmlns:mc="http://schemas.openxmlformats.org/markup-compatibility/2006" xmlns:a14="http://schemas.microsoft.com/office/drawing/2010/main">
-            <mc:Choice Requires="a14">
-              <p:sp>
-                <p:nvSpPr>
-                  <p:cNvPr id="10" name="Rectangle 9"/>
-                  <p:cNvSpPr/>
-                  <p:nvPr/>
-                </p:nvSpPr>
-                <p:spPr>
-                  <a:xfrm>
-                    <a:off x="1190506" y="790545"/>
-                    <a:ext cx="371384" cy="369332"/>
-                  </a:xfrm>
-                  <a:prstGeom prst="rect">
-                    <a:avLst/>
-                  </a:prstGeom>
-                </p:spPr>
-                <p:txBody>
-                  <a:bodyPr wrap="none">
-                    <a:spAutoFit/>
-                  </a:bodyPr>
-                  <a:lstStyle/>
-                  <a:p>
-                    <a:pPr/>
-                    <a14:m>
-                      <m:oMathPara xmlns:m="http://schemas.openxmlformats.org/officeDocument/2006/math">
-                        <m:oMathParaPr>
-                          <m:jc m:val="centerGroup"/>
-                        </m:oMathParaPr>
-                        <m:oMath xmlns:m="http://schemas.openxmlformats.org/officeDocument/2006/math">
-                          <m:r>
-                            <a:rPr lang="en-US" b="0" i="1" smtClean="0">
-                              <a:latin typeface="Cambria Math" panose="02040503050406030204" pitchFamily="18" charset="0"/>
-                            </a:rPr>
-                            <m:t>𝑦</m:t>
-                          </m:r>
-                        </m:oMath>
-                      </m:oMathPara>
-                    </a14:m>
-                    <a:endParaRPr lang="en-CA" dirty="0"/>
-                  </a:p>
-                </p:txBody>
-              </p:sp>
-            </mc:Choice>
-            <mc:Fallback xmlns="">
-              <p:sp>
-                <p:nvSpPr>
-                  <p:cNvPr id="13" name="Rectangle 12"/>
-                  <p:cNvSpPr>
-                    <a:spLocks noRot="1" noChangeAspect="1" noMove="1" noResize="1" noEditPoints="1" noAdjustHandles="1" noChangeArrowheads="1" noChangeShapeType="1" noTextEdit="1"/>
-                  </p:cNvSpPr>
-                  <p:nvPr/>
-                </p:nvSpPr>
-                <p:spPr>
-                  <a:xfrm>
-                    <a:off x="1190506" y="790545"/>
-                    <a:ext cx="371384" cy="369332"/>
-                  </a:xfrm>
-                  <a:prstGeom prst="rect">
-                    <a:avLst/>
-                  </a:prstGeom>
-                  <a:blipFill rotWithShape="0">
-                    <a:blip r:embed="rId3"/>
-                    <a:stretch>
-                      <a:fillRect b="-6557"/>
-                    </a:stretch>
-                  </a:blipFill>
-                </p:spPr>
-                <p:txBody>
-                  <a:bodyPr/>
-                  <a:lstStyle/>
-                  <a:p>
-                    <a:r>
-                      <a:rPr lang="en-CA">
-                        <a:noFill/>
-                      </a:rPr>
-                      <a:t> </a:t>
-                    </a:r>
-                  </a:p>
-                </p:txBody>
-              </p:sp>
-            </mc:Fallback>
-          </mc:AlternateContent>
-          <mc:AlternateContent xmlns:mc="http://schemas.openxmlformats.org/markup-compatibility/2006" xmlns:a14="http://schemas.microsoft.com/office/drawing/2010/main">
-            <mc:Choice Requires="a14">
-              <p:sp>
-                <p:nvSpPr>
-                  <p:cNvPr id="11" name="Rectangle 10"/>
-                  <p:cNvSpPr/>
-                  <p:nvPr/>
-                </p:nvSpPr>
-                <p:spPr>
-                  <a:xfrm>
-                    <a:off x="1205483" y="2447020"/>
-                    <a:ext cx="367985" cy="369332"/>
-                  </a:xfrm>
-                  <a:prstGeom prst="rect">
-                    <a:avLst/>
-                  </a:prstGeom>
-                </p:spPr>
-                <p:txBody>
-                  <a:bodyPr wrap="none">
-                    <a:spAutoFit/>
-                  </a:bodyPr>
-                  <a:lstStyle/>
-                  <a:p>
-                    <a:pPr/>
-                    <a14:m>
-                      <m:oMathPara xmlns:m="http://schemas.openxmlformats.org/officeDocument/2006/math">
-                        <m:oMathParaPr>
-                          <m:jc m:val="centerGroup"/>
-                        </m:oMathParaPr>
-                        <m:oMath xmlns:m="http://schemas.openxmlformats.org/officeDocument/2006/math">
-                          <m:r>
-                            <a:rPr lang="en-US" b="0" i="1" smtClean="0">
-                              <a:latin typeface="Cambria Math" panose="02040503050406030204" pitchFamily="18" charset="0"/>
-                              <a:cs typeface="Arial" panose="020B0604020202020204" pitchFamily="34" charset="0"/>
-                            </a:rPr>
-                            <m:t>0</m:t>
-                          </m:r>
-                        </m:oMath>
-                      </m:oMathPara>
-                    </a14:m>
-                    <a:endParaRPr lang="en-CA" dirty="0"/>
-                  </a:p>
-                </p:txBody>
-              </p:sp>
-            </mc:Choice>
-            <mc:Fallback xmlns="">
-              <p:sp>
-                <p:nvSpPr>
-                  <p:cNvPr id="14" name="Rectangle 13"/>
-                  <p:cNvSpPr>
-                    <a:spLocks noRot="1" noChangeAspect="1" noMove="1" noResize="1" noEditPoints="1" noAdjustHandles="1" noChangeArrowheads="1" noChangeShapeType="1" noTextEdit="1"/>
-                  </p:cNvSpPr>
-                  <p:nvPr/>
-                </p:nvSpPr>
-                <p:spPr>
-                  <a:xfrm>
-                    <a:off x="1205483" y="2447020"/>
-                    <a:ext cx="367985" cy="369332"/>
-                  </a:xfrm>
-                  <a:prstGeom prst="rect">
-                    <a:avLst/>
-                  </a:prstGeom>
-                  <a:blipFill rotWithShape="0">
-                    <a:blip r:embed="rId4"/>
-                    <a:stretch>
-                      <a:fillRect/>
-                    </a:stretch>
-                  </a:blipFill>
-                </p:spPr>
-                <p:txBody>
-                  <a:bodyPr/>
-                  <a:lstStyle/>
-                  <a:p>
-                    <a:r>
-                      <a:rPr lang="en-CA">
-                        <a:noFill/>
-                      </a:rPr>
-                      <a:t> </a:t>
-                    </a:r>
-                  </a:p>
-                </p:txBody>
-              </p:sp>
-            </mc:Fallback>
-          </mc:AlternateContent>
-        </p:grpSp>
-        <p:sp>
-          <p:nvSpPr>
-            <p:cNvPr id="6" name="Rectangle 5"/>
-            <p:cNvSpPr/>
-            <p:nvPr/>
-          </p:nvSpPr>
-          <p:spPr>
-            <a:xfrm>
-              <a:off x="1129904" y="1614682"/>
-              <a:ext cx="184731" cy="369332"/>
-            </a:xfrm>
-            <a:prstGeom prst="rect">
-              <a:avLst/>
-            </a:prstGeom>
-          </p:spPr>
-          <p:txBody>
-            <a:bodyPr wrap="none">
-              <a:spAutoFit/>
-            </a:bodyPr>
-            <a:lstStyle/>
-            <a:p>
-              <a:endParaRPr lang="en-CA" dirty="0"/>
-            </a:p>
-          </p:txBody>
-        </p:sp>
-      </p:grpSp>
       <p:grpSp>
         <p:nvGrpSpPr>
           <p:cNvPr id="12" name="Group 11"/>
@@ -4386,6 +4009,384 @@
           </p:style>
         </p:cxnSp>
       </p:grpSp>
+      <p:grpSp>
+        <p:nvGrpSpPr>
+          <p:cNvPr id="31" name="Group 30"/>
+          <p:cNvGrpSpPr/>
+          <p:nvPr/>
+        </p:nvGrpSpPr>
+        <p:grpSpPr>
+          <a:xfrm>
+            <a:off x="463934" y="1615274"/>
+            <a:ext cx="2214558" cy="2146316"/>
+            <a:chOff x="1129904" y="708040"/>
+            <a:chExt cx="2214558" cy="2146316"/>
+          </a:xfrm>
+        </p:grpSpPr>
+        <p:grpSp>
+          <p:nvGrpSpPr>
+            <p:cNvPr id="32" name="Group 31"/>
+            <p:cNvGrpSpPr/>
+            <p:nvPr/>
+          </p:nvGrpSpPr>
+          <p:grpSpPr>
+            <a:xfrm>
+              <a:off x="1163211" y="708040"/>
+              <a:ext cx="2181251" cy="2146316"/>
+              <a:chOff x="1190506" y="680744"/>
+              <a:chExt cx="2181251" cy="2146316"/>
+            </a:xfrm>
+          </p:grpSpPr>
+          <p:cxnSp>
+            <p:nvCxnSpPr>
+              <p:cNvPr id="34" name="Straight Arrow Connector 33"/>
+              <p:cNvCxnSpPr/>
+              <p:nvPr/>
+            </p:nvCxnSpPr>
+            <p:spPr>
+              <a:xfrm flipV="1">
+                <a:off x="1516583" y="680744"/>
+                <a:ext cx="7684" cy="1859536"/>
+              </a:xfrm>
+              <a:prstGeom prst="straightConnector1">
+                <a:avLst/>
+              </a:prstGeom>
+              <a:ln w="38100">
+                <a:solidFill>
+                  <a:schemeClr val="tx1"/>
+                </a:solidFill>
+                <a:tailEnd type="triangle"/>
+              </a:ln>
+            </p:spPr>
+            <p:style>
+              <a:lnRef idx="1">
+                <a:schemeClr val="accent1"/>
+              </a:lnRef>
+              <a:fillRef idx="0">
+                <a:schemeClr val="accent1"/>
+              </a:fillRef>
+              <a:effectRef idx="0">
+                <a:schemeClr val="accent1"/>
+              </a:effectRef>
+              <a:fontRef idx="minor">
+                <a:schemeClr val="tx1"/>
+              </a:fontRef>
+            </p:style>
+          </p:cxnSp>
+          <p:cxnSp>
+            <p:nvCxnSpPr>
+              <p:cNvPr id="35" name="Straight Arrow Connector 34"/>
+              <p:cNvCxnSpPr/>
+              <p:nvPr/>
+            </p:nvCxnSpPr>
+            <p:spPr>
+              <a:xfrm flipV="1">
+                <a:off x="1496853" y="2525099"/>
+                <a:ext cx="1874904" cy="1"/>
+              </a:xfrm>
+              <a:prstGeom prst="straightConnector1">
+                <a:avLst/>
+              </a:prstGeom>
+              <a:ln w="38100">
+                <a:solidFill>
+                  <a:schemeClr val="tx1"/>
+                </a:solidFill>
+                <a:tailEnd type="triangle"/>
+              </a:ln>
+            </p:spPr>
+            <p:style>
+              <a:lnRef idx="1">
+                <a:schemeClr val="accent1"/>
+              </a:lnRef>
+              <a:fillRef idx="0">
+                <a:schemeClr val="accent1"/>
+              </a:fillRef>
+              <a:effectRef idx="0">
+                <a:schemeClr val="accent1"/>
+              </a:effectRef>
+              <a:fontRef idx="minor">
+                <a:schemeClr val="tx1"/>
+              </a:fontRef>
+            </p:style>
+          </p:cxnSp>
+          <mc:AlternateContent xmlns:mc="http://schemas.openxmlformats.org/markup-compatibility/2006" xmlns:a14="http://schemas.microsoft.com/office/drawing/2010/main">
+            <mc:Choice Requires="a14">
+              <p:sp>
+                <p:nvSpPr>
+                  <p:cNvPr id="36" name="Rectangle 35"/>
+                  <p:cNvSpPr/>
+                  <p:nvPr/>
+                </p:nvSpPr>
+                <p:spPr>
+                  <a:xfrm>
+                    <a:off x="2897675" y="2457728"/>
+                    <a:ext cx="367985" cy="369332"/>
+                  </a:xfrm>
+                  <a:prstGeom prst="rect">
+                    <a:avLst/>
+                  </a:prstGeom>
+                </p:spPr>
+                <p:txBody>
+                  <a:bodyPr wrap="none">
+                    <a:spAutoFit/>
+                  </a:bodyPr>
+                  <a:lstStyle/>
+                  <a:p>
+                    <a:pPr/>
+                    <a14:m>
+                      <m:oMathPara xmlns:m="http://schemas.openxmlformats.org/officeDocument/2006/math">
+                        <m:oMathParaPr>
+                          <m:jc m:val="centerGroup"/>
+                        </m:oMathParaPr>
+                        <m:oMath xmlns:m="http://schemas.openxmlformats.org/officeDocument/2006/math">
+                          <m:r>
+                            <a:rPr lang="en-US" i="1">
+                              <a:latin typeface="Cambria Math" panose="02040503050406030204" pitchFamily="18" charset="0"/>
+                              <a:cs typeface="Arial" panose="020B0604020202020204" pitchFamily="34" charset="0"/>
+                            </a:rPr>
+                            <m:t>𝑥</m:t>
+                          </m:r>
+                        </m:oMath>
+                      </m:oMathPara>
+                    </a14:m>
+                    <a:endParaRPr lang="en-CA" dirty="0"/>
+                  </a:p>
+                </p:txBody>
+              </p:sp>
+            </mc:Choice>
+            <mc:Fallback xmlns="">
+              <p:sp>
+                <p:nvSpPr>
+                  <p:cNvPr id="12" name="Rectangle 11"/>
+                  <p:cNvSpPr>
+                    <a:spLocks noRot="1" noChangeAspect="1" noMove="1" noResize="1" noEditPoints="1" noAdjustHandles="1" noChangeArrowheads="1" noChangeShapeType="1" noTextEdit="1"/>
+                  </p:cNvSpPr>
+                  <p:nvPr/>
+                </p:nvSpPr>
+                <p:spPr>
+                  <a:xfrm>
+                    <a:off x="2897675" y="2457728"/>
+                    <a:ext cx="367985" cy="369332"/>
+                  </a:xfrm>
+                  <a:prstGeom prst="rect">
+                    <a:avLst/>
+                  </a:prstGeom>
+                  <a:blipFill rotWithShape="0">
+                    <a:blip r:embed="rId2"/>
+                    <a:stretch>
+                      <a:fillRect/>
+                    </a:stretch>
+                  </a:blipFill>
+                </p:spPr>
+                <p:txBody>
+                  <a:bodyPr/>
+                  <a:lstStyle/>
+                  <a:p>
+                    <a:r>
+                      <a:rPr lang="en-CA">
+                        <a:noFill/>
+                      </a:rPr>
+                      <a:t> </a:t>
+                    </a:r>
+                  </a:p>
+                </p:txBody>
+              </p:sp>
+            </mc:Fallback>
+          </mc:AlternateContent>
+          <mc:AlternateContent xmlns:mc="http://schemas.openxmlformats.org/markup-compatibility/2006" xmlns:a14="http://schemas.microsoft.com/office/drawing/2010/main">
+            <mc:Choice Requires="a14">
+              <p:sp>
+                <p:nvSpPr>
+                  <p:cNvPr id="37" name="Rectangle 36"/>
+                  <p:cNvSpPr/>
+                  <p:nvPr/>
+                </p:nvSpPr>
+                <p:spPr>
+                  <a:xfrm>
+                    <a:off x="1190506" y="790545"/>
+                    <a:ext cx="371384" cy="369332"/>
+                  </a:xfrm>
+                  <a:prstGeom prst="rect">
+                    <a:avLst/>
+                  </a:prstGeom>
+                </p:spPr>
+                <p:txBody>
+                  <a:bodyPr wrap="none">
+                    <a:spAutoFit/>
+                  </a:bodyPr>
+                  <a:lstStyle/>
+                  <a:p>
+                    <a:pPr/>
+                    <a14:m>
+                      <m:oMathPara xmlns:m="http://schemas.openxmlformats.org/officeDocument/2006/math">
+                        <m:oMathParaPr>
+                          <m:jc m:val="centerGroup"/>
+                        </m:oMathParaPr>
+                        <m:oMath xmlns:m="http://schemas.openxmlformats.org/officeDocument/2006/math">
+                          <m:r>
+                            <a:rPr lang="en-US" b="0" i="1" smtClean="0">
+                              <a:latin typeface="Cambria Math" panose="02040503050406030204" pitchFamily="18" charset="0"/>
+                            </a:rPr>
+                            <m:t>𝑦</m:t>
+                          </m:r>
+                        </m:oMath>
+                      </m:oMathPara>
+                    </a14:m>
+                    <a:endParaRPr lang="en-CA" dirty="0"/>
+                  </a:p>
+                </p:txBody>
+              </p:sp>
+            </mc:Choice>
+            <mc:Fallback xmlns="">
+              <p:sp>
+                <p:nvSpPr>
+                  <p:cNvPr id="13" name="Rectangle 12"/>
+                  <p:cNvSpPr>
+                    <a:spLocks noRot="1" noChangeAspect="1" noMove="1" noResize="1" noEditPoints="1" noAdjustHandles="1" noChangeArrowheads="1" noChangeShapeType="1" noTextEdit="1"/>
+                  </p:cNvSpPr>
+                  <p:nvPr/>
+                </p:nvSpPr>
+                <p:spPr>
+                  <a:xfrm>
+                    <a:off x="1190506" y="790545"/>
+                    <a:ext cx="371384" cy="369332"/>
+                  </a:xfrm>
+                  <a:prstGeom prst="rect">
+                    <a:avLst/>
+                  </a:prstGeom>
+                  <a:blipFill rotWithShape="0">
+                    <a:blip r:embed="rId3"/>
+                    <a:stretch>
+                      <a:fillRect b="-6557"/>
+                    </a:stretch>
+                  </a:blipFill>
+                </p:spPr>
+                <p:txBody>
+                  <a:bodyPr/>
+                  <a:lstStyle/>
+                  <a:p>
+                    <a:r>
+                      <a:rPr lang="en-CA">
+                        <a:noFill/>
+                      </a:rPr>
+                      <a:t> </a:t>
+                    </a:r>
+                  </a:p>
+                </p:txBody>
+              </p:sp>
+            </mc:Fallback>
+          </mc:AlternateContent>
+          <mc:AlternateContent xmlns:mc="http://schemas.openxmlformats.org/markup-compatibility/2006" xmlns:a14="http://schemas.microsoft.com/office/drawing/2010/main">
+            <mc:Choice Requires="a14">
+              <p:sp>
+                <p:nvSpPr>
+                  <p:cNvPr id="38" name="Rectangle 37"/>
+                  <p:cNvSpPr/>
+                  <p:nvPr/>
+                </p:nvSpPr>
+                <p:spPr>
+                  <a:xfrm>
+                    <a:off x="1205483" y="2447020"/>
+                    <a:ext cx="367985" cy="369332"/>
+                  </a:xfrm>
+                  <a:prstGeom prst="rect">
+                    <a:avLst/>
+                  </a:prstGeom>
+                </p:spPr>
+                <p:txBody>
+                  <a:bodyPr wrap="none">
+                    <a:spAutoFit/>
+                  </a:bodyPr>
+                  <a:lstStyle/>
+                  <a:p>
+                    <a:pPr/>
+                    <a14:m>
+                      <m:oMathPara xmlns:m="http://schemas.openxmlformats.org/officeDocument/2006/math">
+                        <m:oMathParaPr>
+                          <m:jc m:val="centerGroup"/>
+                        </m:oMathParaPr>
+                        <m:oMath xmlns:m="http://schemas.openxmlformats.org/officeDocument/2006/math">
+                          <m:r>
+                            <a:rPr lang="en-US" b="0" i="1" smtClean="0">
+                              <a:latin typeface="Cambria Math" panose="02040503050406030204" pitchFamily="18" charset="0"/>
+                              <a:cs typeface="Arial" panose="020B0604020202020204" pitchFamily="34" charset="0"/>
+                            </a:rPr>
+                            <m:t>0</m:t>
+                          </m:r>
+                        </m:oMath>
+                      </m:oMathPara>
+                    </a14:m>
+                    <a:endParaRPr lang="en-CA" dirty="0"/>
+                  </a:p>
+                </p:txBody>
+              </p:sp>
+            </mc:Choice>
+            <mc:Fallback xmlns="">
+              <p:sp>
+                <p:nvSpPr>
+                  <p:cNvPr id="14" name="Rectangle 13"/>
+                  <p:cNvSpPr>
+                    <a:spLocks noRot="1" noChangeAspect="1" noMove="1" noResize="1" noEditPoints="1" noAdjustHandles="1" noChangeArrowheads="1" noChangeShapeType="1" noTextEdit="1"/>
+                  </p:cNvSpPr>
+                  <p:nvPr/>
+                </p:nvSpPr>
+                <p:spPr>
+                  <a:xfrm>
+                    <a:off x="1205483" y="2447020"/>
+                    <a:ext cx="367985" cy="369332"/>
+                  </a:xfrm>
+                  <a:prstGeom prst="rect">
+                    <a:avLst/>
+                  </a:prstGeom>
+                  <a:blipFill rotWithShape="0">
+                    <a:blip r:embed="rId4"/>
+                    <a:stretch>
+                      <a:fillRect/>
+                    </a:stretch>
+                  </a:blipFill>
+                </p:spPr>
+                <p:txBody>
+                  <a:bodyPr/>
+                  <a:lstStyle/>
+                  <a:p>
+                    <a:r>
+                      <a:rPr lang="en-CA">
+                        <a:noFill/>
+                      </a:rPr>
+                      <a:t> </a:t>
+                    </a:r>
+                  </a:p>
+                </p:txBody>
+              </p:sp>
+            </mc:Fallback>
+          </mc:AlternateContent>
+        </p:grpSp>
+        <p:sp>
+          <p:nvSpPr>
+            <p:cNvPr id="33" name="Rectangle 32"/>
+            <p:cNvSpPr/>
+            <p:nvPr/>
+          </p:nvSpPr>
+          <p:spPr>
+            <a:xfrm>
+              <a:off x="1129904" y="1614682"/>
+              <a:ext cx="184731" cy="369332"/>
+            </a:xfrm>
+            <a:prstGeom prst="rect">
+              <a:avLst/>
+            </a:prstGeom>
+          </p:spPr>
+          <p:txBody>
+            <a:bodyPr wrap="none">
+              <a:spAutoFit/>
+            </a:bodyPr>
+            <a:lstStyle/>
+            <a:p>
+              <a:endParaRPr lang="en-CA" dirty="0"/>
+            </a:p>
+          </p:txBody>
+        </p:sp>
+      </p:grpSp>
     </p:spTree>
     <p:extLst>
       <p:ext uri="{BB962C8B-B14F-4D97-AF65-F5344CB8AC3E}">
@@ -4739,8 +4740,8 @@
             </a:fontRef>
           </p:style>
         </p:cxnSp>
-        <mc:AlternateContent xmlns:mc="http://schemas.openxmlformats.org/markup-compatibility/2006">
-          <mc:Choice xmlns:a14="http://schemas.microsoft.com/office/drawing/2010/main" Requires="a14">
+        <mc:AlternateContent xmlns:mc="http://schemas.openxmlformats.org/markup-compatibility/2006" xmlns:a14="http://schemas.microsoft.com/office/drawing/2010/main">
+          <mc:Choice Requires="a14">
             <p:sp>
               <p:nvSpPr>
                 <p:cNvPr id="24" name="TextBox 23"/>
@@ -4763,6 +4764,7 @@
                 </a:bodyPr>
                 <a:lstStyle/>
                 <a:p>
+                  <a:pPr/>
                   <a14:m>
                     <m:oMathPara xmlns:m="http://schemas.openxmlformats.org/officeDocument/2006/math">
                       <m:oMathParaPr>
@@ -4787,7 +4789,7 @@
               </p:txBody>
             </p:sp>
           </mc:Choice>
-          <mc:Fallback>
+          <mc:Fallback xmlns="">
             <p:sp>
               <p:nvSpPr>
                 <p:cNvPr id="24" name="TextBox 23"/>
@@ -4826,8 +4828,8 @@
             </p:sp>
           </mc:Fallback>
         </mc:AlternateContent>
-        <mc:AlternateContent xmlns:mc="http://schemas.openxmlformats.org/markup-compatibility/2006">
-          <mc:Choice xmlns:a14="http://schemas.microsoft.com/office/drawing/2010/main" Requires="a14">
+        <mc:AlternateContent xmlns:mc="http://schemas.openxmlformats.org/markup-compatibility/2006" xmlns:a14="http://schemas.microsoft.com/office/drawing/2010/main">
+          <mc:Choice Requires="a14">
             <p:sp>
               <p:nvSpPr>
                 <p:cNvPr id="26" name="TextBox 25"/>
@@ -4850,6 +4852,7 @@
                 </a:bodyPr>
                 <a:lstStyle/>
                 <a:p>
+                  <a:pPr/>
                   <a14:m>
                     <m:oMathPara xmlns:m="http://schemas.openxmlformats.org/officeDocument/2006/math">
                       <m:oMathParaPr>
@@ -4874,7 +4877,7 @@
               </p:txBody>
             </p:sp>
           </mc:Choice>
-          <mc:Fallback>
+          <mc:Fallback xmlns="">
             <p:sp>
               <p:nvSpPr>
                 <p:cNvPr id="26" name="TextBox 25"/>
@@ -4913,8 +4916,8 @@
             </p:sp>
           </mc:Fallback>
         </mc:AlternateContent>
-        <mc:AlternateContent xmlns:mc="http://schemas.openxmlformats.org/markup-compatibility/2006">
-          <mc:Choice xmlns:a14="http://schemas.microsoft.com/office/drawing/2010/main" Requires="a14">
+        <mc:AlternateContent xmlns:mc="http://schemas.openxmlformats.org/markup-compatibility/2006" xmlns:a14="http://schemas.microsoft.com/office/drawing/2010/main">
+          <mc:Choice Requires="a14">
             <p:sp>
               <p:nvSpPr>
                 <p:cNvPr id="27" name="TextBox 26"/>
@@ -4937,6 +4940,7 @@
                 </a:bodyPr>
                 <a:lstStyle/>
                 <a:p>
+                  <a:pPr/>
                   <a14:m>
                     <m:oMathPara xmlns:m="http://schemas.openxmlformats.org/officeDocument/2006/math">
                       <m:oMathParaPr>
@@ -4961,7 +4965,7 @@
               </p:txBody>
             </p:sp>
           </mc:Choice>
-          <mc:Fallback>
+          <mc:Fallback xmlns="">
             <p:sp>
               <p:nvSpPr>
                 <p:cNvPr id="27" name="TextBox 26"/>
@@ -5000,8 +5004,8 @@
             </p:sp>
           </mc:Fallback>
         </mc:AlternateContent>
-        <mc:AlternateContent xmlns:mc="http://schemas.openxmlformats.org/markup-compatibility/2006">
-          <mc:Choice xmlns:a14="http://schemas.microsoft.com/office/drawing/2010/main" Requires="a14">
+        <mc:AlternateContent xmlns:mc="http://schemas.openxmlformats.org/markup-compatibility/2006" xmlns:a14="http://schemas.microsoft.com/office/drawing/2010/main">
+          <mc:Choice Requires="a14">
             <p:sp>
               <p:nvSpPr>
                 <p:cNvPr id="28" name="TextBox 27"/>
@@ -5024,6 +5028,7 @@
                 </a:bodyPr>
                 <a:lstStyle/>
                 <a:p>
+                  <a:pPr/>
                   <a14:m>
                     <m:oMathPara xmlns:m="http://schemas.openxmlformats.org/officeDocument/2006/math">
                       <m:oMathParaPr>
@@ -5048,7 +5053,7 @@
               </p:txBody>
             </p:sp>
           </mc:Choice>
-          <mc:Fallback>
+          <mc:Fallback xmlns="">
             <p:sp>
               <p:nvSpPr>
                 <p:cNvPr id="28" name="TextBox 27"/>
@@ -5124,8 +5129,8 @@
             </a:fontRef>
           </p:style>
         </p:cxnSp>
-        <mc:AlternateContent xmlns:mc="http://schemas.openxmlformats.org/markup-compatibility/2006">
-          <mc:Choice xmlns:a14="http://schemas.microsoft.com/office/drawing/2010/main" Requires="a14">
+        <mc:AlternateContent xmlns:mc="http://schemas.openxmlformats.org/markup-compatibility/2006" xmlns:a14="http://schemas.microsoft.com/office/drawing/2010/main">
+          <mc:Choice Requires="a14">
             <p:sp>
               <p:nvSpPr>
                 <p:cNvPr id="31" name="TextBox 30"/>
@@ -5148,6 +5153,7 @@
                 </a:bodyPr>
                 <a:lstStyle/>
                 <a:p>
+                  <a:pPr/>
                   <a14:m>
                     <m:oMathPara xmlns:m="http://schemas.openxmlformats.org/officeDocument/2006/math">
                       <m:oMathParaPr>
@@ -5172,7 +5178,7 @@
               </p:txBody>
             </p:sp>
           </mc:Choice>
-          <mc:Fallback>
+          <mc:Fallback xmlns="">
             <p:sp>
               <p:nvSpPr>
                 <p:cNvPr id="31" name="TextBox 30"/>
@@ -5746,8 +5752,8 @@
               </a:p>
             </p:txBody>
           </p:sp>
-          <mc:AlternateContent xmlns:mc="http://schemas.openxmlformats.org/markup-compatibility/2006">
-            <mc:Choice xmlns:a14="http://schemas.microsoft.com/office/drawing/2010/main" Requires="a14">
+          <mc:AlternateContent xmlns:mc="http://schemas.openxmlformats.org/markup-compatibility/2006" xmlns:a14="http://schemas.microsoft.com/office/drawing/2010/main">
+            <mc:Choice Requires="a14">
               <p:sp>
                 <p:nvSpPr>
                   <p:cNvPr id="60" name="TextBox 59"/>
@@ -5770,6 +5776,7 @@
                   </a:bodyPr>
                   <a:lstStyle/>
                   <a:p>
+                    <a:pPr/>
                     <a14:m>
                       <m:oMathPara xmlns:m="http://schemas.openxmlformats.org/officeDocument/2006/math">
                         <m:oMathParaPr>
@@ -5794,7 +5801,7 @@
                 </p:txBody>
               </p:sp>
             </mc:Choice>
-            <mc:Fallback>
+            <mc:Fallback xmlns="">
               <p:sp>
                 <p:nvSpPr>
                   <p:cNvPr id="60" name="TextBox 59"/>
@@ -5833,8 +5840,8 @@
               </p:sp>
             </mc:Fallback>
           </mc:AlternateContent>
-          <mc:AlternateContent xmlns:mc="http://schemas.openxmlformats.org/markup-compatibility/2006">
-            <mc:Choice xmlns:a14="http://schemas.microsoft.com/office/drawing/2010/main" Requires="a14">
+          <mc:AlternateContent xmlns:mc="http://schemas.openxmlformats.org/markup-compatibility/2006" xmlns:a14="http://schemas.microsoft.com/office/drawing/2010/main">
+            <mc:Choice Requires="a14">
               <p:sp>
                 <p:nvSpPr>
                   <p:cNvPr id="61" name="TextBox 60"/>
@@ -5857,6 +5864,7 @@
                   </a:bodyPr>
                   <a:lstStyle/>
                   <a:p>
+                    <a:pPr/>
                     <a14:m>
                       <m:oMathPara xmlns:m="http://schemas.openxmlformats.org/officeDocument/2006/math">
                         <m:oMathParaPr>
@@ -5881,7 +5889,7 @@
                 </p:txBody>
               </p:sp>
             </mc:Choice>
-            <mc:Fallback>
+            <mc:Fallback xmlns="">
               <p:sp>
                 <p:nvSpPr>
                   <p:cNvPr id="61" name="TextBox 60"/>
@@ -5920,8 +5928,8 @@
               </p:sp>
             </mc:Fallback>
           </mc:AlternateContent>
-          <mc:AlternateContent xmlns:mc="http://schemas.openxmlformats.org/markup-compatibility/2006">
-            <mc:Choice xmlns:a14="http://schemas.microsoft.com/office/drawing/2010/main" Requires="a14">
+          <mc:AlternateContent xmlns:mc="http://schemas.openxmlformats.org/markup-compatibility/2006" xmlns:a14="http://schemas.microsoft.com/office/drawing/2010/main">
+            <mc:Choice Requires="a14">
               <p:sp>
                 <p:nvSpPr>
                   <p:cNvPr id="62" name="TextBox 61"/>
@@ -5944,6 +5952,7 @@
                   </a:bodyPr>
                   <a:lstStyle/>
                   <a:p>
+                    <a:pPr/>
                     <a14:m>
                       <m:oMathPara xmlns:m="http://schemas.openxmlformats.org/officeDocument/2006/math">
                         <m:oMathParaPr>
@@ -5968,7 +5977,7 @@
                 </p:txBody>
               </p:sp>
             </mc:Choice>
-            <mc:Fallback>
+            <mc:Fallback xmlns="">
               <p:sp>
                 <p:nvSpPr>
                   <p:cNvPr id="62" name="TextBox 61"/>
@@ -6007,8 +6016,8 @@
               </p:sp>
             </mc:Fallback>
           </mc:AlternateContent>
-          <mc:AlternateContent xmlns:mc="http://schemas.openxmlformats.org/markup-compatibility/2006">
-            <mc:Choice xmlns:a14="http://schemas.microsoft.com/office/drawing/2010/main" Requires="a14">
+          <mc:AlternateContent xmlns:mc="http://schemas.openxmlformats.org/markup-compatibility/2006" xmlns:a14="http://schemas.microsoft.com/office/drawing/2010/main">
+            <mc:Choice Requires="a14">
               <p:sp>
                 <p:nvSpPr>
                   <p:cNvPr id="63" name="TextBox 62"/>
@@ -6031,6 +6040,7 @@
                   </a:bodyPr>
                   <a:lstStyle/>
                   <a:p>
+                    <a:pPr/>
                     <a14:m>
                       <m:oMathPara xmlns:m="http://schemas.openxmlformats.org/officeDocument/2006/math">
                         <m:oMathParaPr>
@@ -6055,7 +6065,7 @@
                 </p:txBody>
               </p:sp>
             </mc:Choice>
-            <mc:Fallback>
+            <mc:Fallback xmlns="">
               <p:sp>
                 <p:nvSpPr>
                   <p:cNvPr id="63" name="TextBox 62"/>
@@ -6095,8 +6105,8 @@
             </mc:Fallback>
           </mc:AlternateContent>
         </p:grpSp>
-        <mc:AlternateContent xmlns:mc="http://schemas.openxmlformats.org/markup-compatibility/2006">
-          <mc:Choice xmlns:a14="http://schemas.microsoft.com/office/drawing/2010/main" Requires="a14">
+        <mc:AlternateContent xmlns:mc="http://schemas.openxmlformats.org/markup-compatibility/2006" xmlns:a14="http://schemas.microsoft.com/office/drawing/2010/main">
+          <mc:Choice Requires="a14">
             <p:sp>
               <p:nvSpPr>
                 <p:cNvPr id="65" name="TextBox 64"/>
@@ -6119,6 +6129,7 @@
                 </a:bodyPr>
                 <a:lstStyle/>
                 <a:p>
+                  <a:pPr/>
                   <a14:m>
                     <m:oMathPara xmlns:m="http://schemas.openxmlformats.org/officeDocument/2006/math">
                       <m:oMathParaPr>
@@ -6171,7 +6182,7 @@
               </p:txBody>
             </p:sp>
           </mc:Choice>
-          <mc:Fallback>
+          <mc:Fallback xmlns="">
             <p:sp>
               <p:nvSpPr>
                 <p:cNvPr id="65" name="TextBox 64"/>
@@ -6210,8 +6221,8 @@
             </p:sp>
           </mc:Fallback>
         </mc:AlternateContent>
-        <mc:AlternateContent xmlns:mc="http://schemas.openxmlformats.org/markup-compatibility/2006">
-          <mc:Choice xmlns:a14="http://schemas.microsoft.com/office/drawing/2010/main" Requires="a14">
+        <mc:AlternateContent xmlns:mc="http://schemas.openxmlformats.org/markup-compatibility/2006" xmlns:a14="http://schemas.microsoft.com/office/drawing/2010/main">
+          <mc:Choice Requires="a14">
             <p:sp>
               <p:nvSpPr>
                 <p:cNvPr id="66" name="TextBox 65"/>
@@ -6234,6 +6245,7 @@
                 </a:bodyPr>
                 <a:lstStyle/>
                 <a:p>
+                  <a:pPr/>
                   <a14:m>
                     <m:oMathPara xmlns:m="http://schemas.openxmlformats.org/officeDocument/2006/math">
                       <m:oMathParaPr>
@@ -6258,7 +6270,7 @@
               </p:txBody>
             </p:sp>
           </mc:Choice>
-          <mc:Fallback>
+          <mc:Fallback xmlns="">
             <p:sp>
               <p:nvSpPr>
                 <p:cNvPr id="66" name="TextBox 65"/>
@@ -6302,6 +6314,1577 @@
     <p:extLst>
       <p:ext uri="{BB962C8B-B14F-4D97-AF65-F5344CB8AC3E}">
         <p14:creationId xmlns:p14="http://schemas.microsoft.com/office/powerpoint/2010/main" val="2882239809"/>
+      </p:ext>
+    </p:extLst>
+  </p:cSld>
+  <p:clrMapOvr>
+    <a:masterClrMapping/>
+  </p:clrMapOvr>
+</p:sld>
+</file>
+
+<file path=ppt/slides/slide3.xml><?xml version="1.0" encoding="utf-8"?>
+<p:sld xmlns:a="http://schemas.openxmlformats.org/drawingml/2006/main" xmlns:r="http://schemas.openxmlformats.org/officeDocument/2006/relationships" xmlns:p="http://schemas.openxmlformats.org/presentationml/2006/main">
+  <p:cSld>
+    <p:spTree>
+      <p:nvGrpSpPr>
+        <p:cNvPr id="1" name=""/>
+        <p:cNvGrpSpPr/>
+        <p:nvPr/>
+      </p:nvGrpSpPr>
+      <p:grpSpPr>
+        <a:xfrm>
+          <a:off x="0" y="0"/>
+          <a:ext cx="0" cy="0"/>
+          <a:chOff x="0" y="0"/>
+          <a:chExt cx="0" cy="0"/>
+        </a:xfrm>
+      </p:grpSpPr>
+      <p:grpSp>
+        <p:nvGrpSpPr>
+          <p:cNvPr id="46" name="Group 45"/>
+          <p:cNvGrpSpPr/>
+          <p:nvPr/>
+        </p:nvGrpSpPr>
+        <p:grpSpPr>
+          <a:xfrm>
+            <a:off x="222138" y="482551"/>
+            <a:ext cx="3171419" cy="2733073"/>
+            <a:chOff x="3491415" y="1256331"/>
+            <a:chExt cx="3171419" cy="2733073"/>
+          </a:xfrm>
+        </p:grpSpPr>
+        <p:sp>
+          <p:nvSpPr>
+            <p:cNvPr id="4" name="Oval 3"/>
+            <p:cNvSpPr/>
+            <p:nvPr/>
+          </p:nvSpPr>
+          <p:spPr>
+            <a:xfrm>
+              <a:off x="4462511" y="2202554"/>
+              <a:ext cx="120943" cy="119766"/>
+            </a:xfrm>
+            <a:prstGeom prst="ellipse">
+              <a:avLst/>
+            </a:prstGeom>
+            <a:solidFill>
+              <a:schemeClr val="tx1"/>
+            </a:solidFill>
+            <a:ln w="38100">
+              <a:solidFill>
+                <a:schemeClr val="tx1"/>
+              </a:solidFill>
+            </a:ln>
+          </p:spPr>
+          <p:style>
+            <a:lnRef idx="2">
+              <a:schemeClr val="accent1">
+                <a:shade val="50000"/>
+              </a:schemeClr>
+            </a:lnRef>
+            <a:fillRef idx="1">
+              <a:schemeClr val="accent1"/>
+            </a:fillRef>
+            <a:effectRef idx="0">
+              <a:schemeClr val="accent1"/>
+            </a:effectRef>
+            <a:fontRef idx="minor">
+              <a:schemeClr val="lt1"/>
+            </a:fontRef>
+          </p:style>
+          <p:txBody>
+            <a:bodyPr rtlCol="0" anchor="ctr"/>
+            <a:lstStyle/>
+            <a:p>
+              <a:pPr algn="ctr"/>
+              <a:endParaRPr lang="en-US"/>
+            </a:p>
+          </p:txBody>
+        </p:sp>
+        <p:sp>
+          <p:nvSpPr>
+            <p:cNvPr id="5" name="Oval 4"/>
+            <p:cNvSpPr/>
+            <p:nvPr/>
+          </p:nvSpPr>
+          <p:spPr>
+            <a:xfrm>
+              <a:off x="6078655" y="1862525"/>
+              <a:ext cx="120943" cy="119766"/>
+            </a:xfrm>
+            <a:prstGeom prst="ellipse">
+              <a:avLst/>
+            </a:prstGeom>
+            <a:solidFill>
+              <a:schemeClr val="tx1"/>
+            </a:solidFill>
+            <a:ln w="38100">
+              <a:solidFill>
+                <a:schemeClr val="tx1"/>
+              </a:solidFill>
+            </a:ln>
+          </p:spPr>
+          <p:style>
+            <a:lnRef idx="2">
+              <a:schemeClr val="accent1">
+                <a:shade val="50000"/>
+              </a:schemeClr>
+            </a:lnRef>
+            <a:fillRef idx="1">
+              <a:schemeClr val="accent1"/>
+            </a:fillRef>
+            <a:effectRef idx="0">
+              <a:schemeClr val="accent1"/>
+            </a:effectRef>
+            <a:fontRef idx="minor">
+              <a:schemeClr val="lt1"/>
+            </a:fontRef>
+          </p:style>
+          <p:txBody>
+            <a:bodyPr rtlCol="0" anchor="ctr"/>
+            <a:lstStyle/>
+            <a:p>
+              <a:pPr algn="ctr"/>
+              <a:endParaRPr lang="en-US"/>
+            </a:p>
+          </p:txBody>
+        </p:sp>
+        <p:grpSp>
+          <p:nvGrpSpPr>
+            <p:cNvPr id="6" name="Group 5"/>
+            <p:cNvGrpSpPr/>
+            <p:nvPr/>
+          </p:nvGrpSpPr>
+          <p:grpSpPr>
+            <a:xfrm>
+              <a:off x="3491415" y="1843088"/>
+              <a:ext cx="2214558" cy="2146316"/>
+              <a:chOff x="1129904" y="708040"/>
+              <a:chExt cx="2214558" cy="2146316"/>
+            </a:xfrm>
+          </p:grpSpPr>
+          <p:grpSp>
+            <p:nvGrpSpPr>
+              <p:cNvPr id="7" name="Group 6"/>
+              <p:cNvGrpSpPr/>
+              <p:nvPr/>
+            </p:nvGrpSpPr>
+            <p:grpSpPr>
+              <a:xfrm>
+                <a:off x="1163211" y="708040"/>
+                <a:ext cx="2181251" cy="2146316"/>
+                <a:chOff x="1190506" y="680744"/>
+                <a:chExt cx="2181251" cy="2146316"/>
+              </a:xfrm>
+            </p:grpSpPr>
+            <p:cxnSp>
+              <p:nvCxnSpPr>
+                <p:cNvPr id="9" name="Straight Arrow Connector 8"/>
+                <p:cNvCxnSpPr/>
+                <p:nvPr/>
+              </p:nvCxnSpPr>
+              <p:spPr>
+                <a:xfrm flipV="1">
+                  <a:off x="1516583" y="680744"/>
+                  <a:ext cx="7684" cy="1859536"/>
+                </a:xfrm>
+                <a:prstGeom prst="straightConnector1">
+                  <a:avLst/>
+                </a:prstGeom>
+                <a:ln w="38100">
+                  <a:solidFill>
+                    <a:schemeClr val="tx1"/>
+                  </a:solidFill>
+                  <a:tailEnd type="triangle"/>
+                </a:ln>
+              </p:spPr>
+              <p:style>
+                <a:lnRef idx="1">
+                  <a:schemeClr val="accent1"/>
+                </a:lnRef>
+                <a:fillRef idx="0">
+                  <a:schemeClr val="accent1"/>
+                </a:fillRef>
+                <a:effectRef idx="0">
+                  <a:schemeClr val="accent1"/>
+                </a:effectRef>
+                <a:fontRef idx="minor">
+                  <a:schemeClr val="tx1"/>
+                </a:fontRef>
+              </p:style>
+            </p:cxnSp>
+            <p:cxnSp>
+              <p:nvCxnSpPr>
+                <p:cNvPr id="10" name="Straight Arrow Connector 9"/>
+                <p:cNvCxnSpPr/>
+                <p:nvPr/>
+              </p:nvCxnSpPr>
+              <p:spPr>
+                <a:xfrm flipV="1">
+                  <a:off x="1496853" y="2525099"/>
+                  <a:ext cx="1874904" cy="1"/>
+                </a:xfrm>
+                <a:prstGeom prst="straightConnector1">
+                  <a:avLst/>
+                </a:prstGeom>
+                <a:ln w="38100">
+                  <a:solidFill>
+                    <a:schemeClr val="tx1"/>
+                  </a:solidFill>
+                  <a:tailEnd type="triangle"/>
+                </a:ln>
+              </p:spPr>
+              <p:style>
+                <a:lnRef idx="1">
+                  <a:schemeClr val="accent1"/>
+                </a:lnRef>
+                <a:fillRef idx="0">
+                  <a:schemeClr val="accent1"/>
+                </a:fillRef>
+                <a:effectRef idx="0">
+                  <a:schemeClr val="accent1"/>
+                </a:effectRef>
+                <a:fontRef idx="minor">
+                  <a:schemeClr val="tx1"/>
+                </a:fontRef>
+              </p:style>
+            </p:cxnSp>
+            <mc:AlternateContent xmlns:mc="http://schemas.openxmlformats.org/markup-compatibility/2006" xmlns:a14="http://schemas.microsoft.com/office/drawing/2010/main">
+              <mc:Choice Requires="a14">
+                <p:sp>
+                  <p:nvSpPr>
+                    <p:cNvPr id="11" name="Rectangle 10"/>
+                    <p:cNvSpPr/>
+                    <p:nvPr/>
+                  </p:nvSpPr>
+                  <p:spPr>
+                    <a:xfrm>
+                      <a:off x="2897675" y="2457728"/>
+                      <a:ext cx="367985" cy="369332"/>
+                    </a:xfrm>
+                    <a:prstGeom prst="rect">
+                      <a:avLst/>
+                    </a:prstGeom>
+                  </p:spPr>
+                  <p:txBody>
+                    <a:bodyPr wrap="none">
+                      <a:spAutoFit/>
+                    </a:bodyPr>
+                    <a:lstStyle/>
+                    <a:p>
+                      <a:pPr/>
+                      <a14:m>
+                        <m:oMathPara xmlns:m="http://schemas.openxmlformats.org/officeDocument/2006/math">
+                          <m:oMathParaPr>
+                            <m:jc m:val="centerGroup"/>
+                          </m:oMathParaPr>
+                          <m:oMath xmlns:m="http://schemas.openxmlformats.org/officeDocument/2006/math">
+                            <m:r>
+                              <a:rPr lang="en-US" i="1">
+                                <a:latin typeface="Cambria Math" panose="02040503050406030204" pitchFamily="18" charset="0"/>
+                                <a:cs typeface="Arial" panose="020B0604020202020204" pitchFamily="34" charset="0"/>
+                              </a:rPr>
+                              <m:t>𝑥</m:t>
+                            </m:r>
+                          </m:oMath>
+                        </m:oMathPara>
+                      </a14:m>
+                      <a:endParaRPr lang="en-CA" dirty="0"/>
+                    </a:p>
+                  </p:txBody>
+                </p:sp>
+              </mc:Choice>
+              <mc:Fallback xmlns="">
+                <p:sp>
+                  <p:nvSpPr>
+                    <p:cNvPr id="12" name="Rectangle 11"/>
+                    <p:cNvSpPr>
+                      <a:spLocks noRot="1" noChangeAspect="1" noMove="1" noResize="1" noEditPoints="1" noAdjustHandles="1" noChangeArrowheads="1" noChangeShapeType="1" noTextEdit="1"/>
+                    </p:cNvSpPr>
+                    <p:nvPr/>
+                  </p:nvSpPr>
+                  <p:spPr>
+                    <a:xfrm>
+                      <a:off x="2897675" y="2457728"/>
+                      <a:ext cx="367985" cy="369332"/>
+                    </a:xfrm>
+                    <a:prstGeom prst="rect">
+                      <a:avLst/>
+                    </a:prstGeom>
+                    <a:blipFill rotWithShape="0">
+                      <a:blip r:embed="rId2"/>
+                      <a:stretch>
+                        <a:fillRect/>
+                      </a:stretch>
+                    </a:blipFill>
+                  </p:spPr>
+                  <p:txBody>
+                    <a:bodyPr/>
+                    <a:lstStyle/>
+                    <a:p>
+                      <a:r>
+                        <a:rPr lang="en-CA">
+                          <a:noFill/>
+                        </a:rPr>
+                        <a:t> </a:t>
+                      </a:r>
+                    </a:p>
+                  </p:txBody>
+                </p:sp>
+              </mc:Fallback>
+            </mc:AlternateContent>
+            <mc:AlternateContent xmlns:mc="http://schemas.openxmlformats.org/markup-compatibility/2006" xmlns:a14="http://schemas.microsoft.com/office/drawing/2010/main">
+              <mc:Choice Requires="a14">
+                <p:sp>
+                  <p:nvSpPr>
+                    <p:cNvPr id="12" name="Rectangle 11"/>
+                    <p:cNvSpPr/>
+                    <p:nvPr/>
+                  </p:nvSpPr>
+                  <p:spPr>
+                    <a:xfrm>
+                      <a:off x="1190506" y="790545"/>
+                      <a:ext cx="371384" cy="369332"/>
+                    </a:xfrm>
+                    <a:prstGeom prst="rect">
+                      <a:avLst/>
+                    </a:prstGeom>
+                  </p:spPr>
+                  <p:txBody>
+                    <a:bodyPr wrap="none">
+                      <a:spAutoFit/>
+                    </a:bodyPr>
+                    <a:lstStyle/>
+                    <a:p>
+                      <a:pPr/>
+                      <a14:m>
+                        <m:oMathPara xmlns:m="http://schemas.openxmlformats.org/officeDocument/2006/math">
+                          <m:oMathParaPr>
+                            <m:jc m:val="centerGroup"/>
+                          </m:oMathParaPr>
+                          <m:oMath xmlns:m="http://schemas.openxmlformats.org/officeDocument/2006/math">
+                            <m:r>
+                              <a:rPr lang="en-US" b="0" i="1" smtClean="0">
+                                <a:latin typeface="Cambria Math" panose="02040503050406030204" pitchFamily="18" charset="0"/>
+                              </a:rPr>
+                              <m:t>𝑦</m:t>
+                            </m:r>
+                          </m:oMath>
+                        </m:oMathPara>
+                      </a14:m>
+                      <a:endParaRPr lang="en-CA" dirty="0"/>
+                    </a:p>
+                  </p:txBody>
+                </p:sp>
+              </mc:Choice>
+              <mc:Fallback xmlns="">
+                <p:sp>
+                  <p:nvSpPr>
+                    <p:cNvPr id="13" name="Rectangle 12"/>
+                    <p:cNvSpPr>
+                      <a:spLocks noRot="1" noChangeAspect="1" noMove="1" noResize="1" noEditPoints="1" noAdjustHandles="1" noChangeArrowheads="1" noChangeShapeType="1" noTextEdit="1"/>
+                    </p:cNvSpPr>
+                    <p:nvPr/>
+                  </p:nvSpPr>
+                  <p:spPr>
+                    <a:xfrm>
+                      <a:off x="1190506" y="790545"/>
+                      <a:ext cx="371384" cy="369332"/>
+                    </a:xfrm>
+                    <a:prstGeom prst="rect">
+                      <a:avLst/>
+                    </a:prstGeom>
+                    <a:blipFill rotWithShape="0">
+                      <a:blip r:embed="rId3"/>
+                      <a:stretch>
+                        <a:fillRect b="-6557"/>
+                      </a:stretch>
+                    </a:blipFill>
+                  </p:spPr>
+                  <p:txBody>
+                    <a:bodyPr/>
+                    <a:lstStyle/>
+                    <a:p>
+                      <a:r>
+                        <a:rPr lang="en-CA">
+                          <a:noFill/>
+                        </a:rPr>
+                        <a:t> </a:t>
+                      </a:r>
+                    </a:p>
+                  </p:txBody>
+                </p:sp>
+              </mc:Fallback>
+            </mc:AlternateContent>
+            <mc:AlternateContent xmlns:mc="http://schemas.openxmlformats.org/markup-compatibility/2006" xmlns:a14="http://schemas.microsoft.com/office/drawing/2010/main">
+              <mc:Choice Requires="a14">
+                <p:sp>
+                  <p:nvSpPr>
+                    <p:cNvPr id="13" name="Rectangle 12"/>
+                    <p:cNvSpPr/>
+                    <p:nvPr/>
+                  </p:nvSpPr>
+                  <p:spPr>
+                    <a:xfrm>
+                      <a:off x="1205483" y="2447020"/>
+                      <a:ext cx="367985" cy="369332"/>
+                    </a:xfrm>
+                    <a:prstGeom prst="rect">
+                      <a:avLst/>
+                    </a:prstGeom>
+                  </p:spPr>
+                  <p:txBody>
+                    <a:bodyPr wrap="none">
+                      <a:spAutoFit/>
+                    </a:bodyPr>
+                    <a:lstStyle/>
+                    <a:p>
+                      <a:pPr/>
+                      <a14:m>
+                        <m:oMathPara xmlns:m="http://schemas.openxmlformats.org/officeDocument/2006/math">
+                          <m:oMathParaPr>
+                            <m:jc m:val="centerGroup"/>
+                          </m:oMathParaPr>
+                          <m:oMath xmlns:m="http://schemas.openxmlformats.org/officeDocument/2006/math">
+                            <m:r>
+                              <a:rPr lang="en-US" b="0" i="1" smtClean="0">
+                                <a:latin typeface="Cambria Math" panose="02040503050406030204" pitchFamily="18" charset="0"/>
+                                <a:cs typeface="Arial" panose="020B0604020202020204" pitchFamily="34" charset="0"/>
+                              </a:rPr>
+                              <m:t>0</m:t>
+                            </m:r>
+                          </m:oMath>
+                        </m:oMathPara>
+                      </a14:m>
+                      <a:endParaRPr lang="en-CA" dirty="0"/>
+                    </a:p>
+                  </p:txBody>
+                </p:sp>
+              </mc:Choice>
+              <mc:Fallback xmlns="">
+                <p:sp>
+                  <p:nvSpPr>
+                    <p:cNvPr id="14" name="Rectangle 13"/>
+                    <p:cNvSpPr>
+                      <a:spLocks noRot="1" noChangeAspect="1" noMove="1" noResize="1" noEditPoints="1" noAdjustHandles="1" noChangeArrowheads="1" noChangeShapeType="1" noTextEdit="1"/>
+                    </p:cNvSpPr>
+                    <p:nvPr/>
+                  </p:nvSpPr>
+                  <p:spPr>
+                    <a:xfrm>
+                      <a:off x="1205483" y="2447020"/>
+                      <a:ext cx="367985" cy="369332"/>
+                    </a:xfrm>
+                    <a:prstGeom prst="rect">
+                      <a:avLst/>
+                    </a:prstGeom>
+                    <a:blipFill rotWithShape="0">
+                      <a:blip r:embed="rId4"/>
+                      <a:stretch>
+                        <a:fillRect/>
+                      </a:stretch>
+                    </a:blipFill>
+                  </p:spPr>
+                  <p:txBody>
+                    <a:bodyPr/>
+                    <a:lstStyle/>
+                    <a:p>
+                      <a:r>
+                        <a:rPr lang="en-CA">
+                          <a:noFill/>
+                        </a:rPr>
+                        <a:t> </a:t>
+                      </a:r>
+                    </a:p>
+                  </p:txBody>
+                </p:sp>
+              </mc:Fallback>
+            </mc:AlternateContent>
+          </p:grpSp>
+          <p:sp>
+            <p:nvSpPr>
+              <p:cNvPr id="8" name="Rectangle 7"/>
+              <p:cNvSpPr/>
+              <p:nvPr/>
+            </p:nvSpPr>
+            <p:spPr>
+              <a:xfrm>
+                <a:off x="1129904" y="1614682"/>
+                <a:ext cx="184731" cy="369332"/>
+              </a:xfrm>
+              <a:prstGeom prst="rect">
+                <a:avLst/>
+              </a:prstGeom>
+            </p:spPr>
+            <p:txBody>
+              <a:bodyPr wrap="none">
+                <a:spAutoFit/>
+              </a:bodyPr>
+              <a:lstStyle/>
+              <a:p>
+                <a:endParaRPr lang="en-CA" dirty="0"/>
+              </a:p>
+            </p:txBody>
+          </p:sp>
+        </p:grpSp>
+        <p:cxnSp>
+          <p:nvCxnSpPr>
+            <p:cNvPr id="15" name="Straight Arrow Connector 14"/>
+            <p:cNvCxnSpPr/>
+            <p:nvPr/>
+          </p:nvCxnSpPr>
+          <p:spPr>
+            <a:xfrm flipV="1">
+              <a:off x="3850799" y="2322221"/>
+              <a:ext cx="632032" cy="1365222"/>
+            </a:xfrm>
+            <a:prstGeom prst="straightConnector1">
+              <a:avLst/>
+            </a:prstGeom>
+            <a:ln w="19050">
+              <a:solidFill>
+                <a:schemeClr val="tx1"/>
+              </a:solidFill>
+              <a:tailEnd type="triangle"/>
+            </a:ln>
+          </p:spPr>
+          <p:style>
+            <a:lnRef idx="1">
+              <a:schemeClr val="accent1"/>
+            </a:lnRef>
+            <a:fillRef idx="0">
+              <a:schemeClr val="accent1"/>
+            </a:fillRef>
+            <a:effectRef idx="0">
+              <a:schemeClr val="accent1"/>
+            </a:effectRef>
+            <a:fontRef idx="minor">
+              <a:schemeClr val="tx1"/>
+            </a:fontRef>
+          </p:style>
+        </p:cxnSp>
+        <p:cxnSp>
+          <p:nvCxnSpPr>
+            <p:cNvPr id="19" name="Straight Arrow Connector 18"/>
+            <p:cNvCxnSpPr/>
+            <p:nvPr/>
+          </p:nvCxnSpPr>
+          <p:spPr>
+            <a:xfrm flipV="1">
+              <a:off x="3850799" y="1952889"/>
+              <a:ext cx="2236335" cy="1734554"/>
+            </a:xfrm>
+            <a:prstGeom prst="straightConnector1">
+              <a:avLst/>
+            </a:prstGeom>
+            <a:ln w="19050">
+              <a:solidFill>
+                <a:schemeClr val="tx1"/>
+              </a:solidFill>
+              <a:tailEnd type="triangle"/>
+            </a:ln>
+          </p:spPr>
+          <p:style>
+            <a:lnRef idx="1">
+              <a:schemeClr val="accent1"/>
+            </a:lnRef>
+            <a:fillRef idx="0">
+              <a:schemeClr val="accent1"/>
+            </a:fillRef>
+            <a:effectRef idx="0">
+              <a:schemeClr val="accent1"/>
+            </a:effectRef>
+            <a:fontRef idx="minor">
+              <a:schemeClr val="tx1"/>
+            </a:fontRef>
+          </p:style>
+        </p:cxnSp>
+        <mc:AlternateContent xmlns:mc="http://schemas.openxmlformats.org/markup-compatibility/2006">
+          <mc:Choice xmlns:a14="http://schemas.microsoft.com/office/drawing/2010/main" Requires="a14">
+            <p:sp>
+              <p:nvSpPr>
+                <p:cNvPr id="22" name="TextBox 21"/>
+                <p:cNvSpPr txBox="1"/>
+                <p:nvPr/>
+              </p:nvSpPr>
+              <p:spPr>
+                <a:xfrm>
+                  <a:off x="4033136" y="1894098"/>
+                  <a:ext cx="387222" cy="307777"/>
+                </a:xfrm>
+                <a:prstGeom prst="rect">
+                  <a:avLst/>
+                </a:prstGeom>
+                <a:noFill/>
+              </p:spPr>
+              <p:txBody>
+                <a:bodyPr wrap="none" lIns="0" tIns="0" rIns="0" bIns="0" rtlCol="0">
+                  <a:spAutoFit/>
+                </a:bodyPr>
+                <a:lstStyle/>
+                <a:p>
+                  <a14:m>
+                    <m:oMathPara xmlns:m="http://schemas.openxmlformats.org/officeDocument/2006/math">
+                      <m:oMathParaPr>
+                        <m:jc m:val="centerGroup"/>
+                      </m:oMathParaPr>
+                      <m:oMath xmlns:m="http://schemas.openxmlformats.org/officeDocument/2006/math">
+                        <m:sSub>
+                          <m:sSubPr>
+                            <m:ctrlPr>
+                              <a:rPr lang="en-US" sz="2000" b="0" i="1" smtClean="0">
+                                <a:latin typeface="Cambria Math" panose="02040503050406030204" pitchFamily="18" charset="0"/>
+                                <a:cs typeface="Arial" panose="020B0604020202020204" pitchFamily="34" charset="0"/>
+                              </a:rPr>
+                            </m:ctrlPr>
+                          </m:sSubPr>
+                          <m:e>
+                            <m:r>
+                              <a:rPr lang="en-US" sz="2000" b="0" i="1" smtClean="0">
+                                <a:latin typeface="Cambria Math" panose="02040503050406030204" pitchFamily="18" charset="0"/>
+                                <a:cs typeface="Arial" panose="020B0604020202020204" pitchFamily="34" charset="0"/>
+                              </a:rPr>
+                              <m:t>𝑀</m:t>
+                            </m:r>
+                          </m:e>
+                          <m:sub>
+                            <m:r>
+                              <a:rPr lang="en-US" sz="2000" b="0" i="1" smtClean="0">
+                                <a:latin typeface="Cambria Math" panose="02040503050406030204" pitchFamily="18" charset="0"/>
+                                <a:cs typeface="Arial" panose="020B0604020202020204" pitchFamily="34" charset="0"/>
+                              </a:rPr>
+                              <m:t>1</m:t>
+                            </m:r>
+                          </m:sub>
+                        </m:sSub>
+                      </m:oMath>
+                    </m:oMathPara>
+                  </a14:m>
+                  <a:endParaRPr lang="en-US" sz="2000" dirty="0" smtClean="0">
+                    <a:latin typeface="Arial" panose="020B0604020202020204" pitchFamily="34" charset="0"/>
+                    <a:cs typeface="Arial" panose="020B0604020202020204" pitchFamily="34" charset="0"/>
+                  </a:endParaRPr>
+                </a:p>
+              </p:txBody>
+            </p:sp>
+          </mc:Choice>
+          <mc:Fallback>
+            <p:sp>
+              <p:nvSpPr>
+                <p:cNvPr id="22" name="TextBox 21"/>
+                <p:cNvSpPr txBox="1">
+                  <a:spLocks noRot="1" noChangeAspect="1" noMove="1" noResize="1" noEditPoints="1" noAdjustHandles="1" noChangeArrowheads="1" noChangeShapeType="1" noTextEdit="1"/>
+                </p:cNvSpPr>
+                <p:nvPr/>
+              </p:nvSpPr>
+              <p:spPr>
+                <a:xfrm>
+                  <a:off x="4033136" y="1894098"/>
+                  <a:ext cx="387222" cy="307777"/>
+                </a:xfrm>
+                <a:prstGeom prst="rect">
+                  <a:avLst/>
+                </a:prstGeom>
+                <a:blipFill>
+                  <a:blip r:embed="rId5"/>
+                  <a:stretch>
+                    <a:fillRect l="-12500" r="-4688" b="-20000"/>
+                  </a:stretch>
+                </a:blipFill>
+              </p:spPr>
+              <p:txBody>
+                <a:bodyPr/>
+                <a:lstStyle/>
+                <a:p>
+                  <a:r>
+                    <a:rPr lang="en-US">
+                      <a:noFill/>
+                    </a:rPr>
+                    <a:t> </a:t>
+                  </a:r>
+                </a:p>
+              </p:txBody>
+            </p:sp>
+          </mc:Fallback>
+        </mc:AlternateContent>
+        <mc:AlternateContent xmlns:mc="http://schemas.openxmlformats.org/markup-compatibility/2006">
+          <mc:Choice xmlns:a14="http://schemas.microsoft.com/office/drawing/2010/main" Requires="a14">
+            <p:sp>
+              <p:nvSpPr>
+                <p:cNvPr id="23" name="TextBox 22"/>
+                <p:cNvSpPr txBox="1"/>
+                <p:nvPr/>
+              </p:nvSpPr>
+              <p:spPr>
+                <a:xfrm>
+                  <a:off x="6269649" y="1515518"/>
+                  <a:ext cx="393185" cy="307777"/>
+                </a:xfrm>
+                <a:prstGeom prst="rect">
+                  <a:avLst/>
+                </a:prstGeom>
+                <a:noFill/>
+              </p:spPr>
+              <p:txBody>
+                <a:bodyPr wrap="none" lIns="0" tIns="0" rIns="0" bIns="0" rtlCol="0">
+                  <a:spAutoFit/>
+                </a:bodyPr>
+                <a:lstStyle/>
+                <a:p>
+                  <a14:m>
+                    <m:oMathPara xmlns:m="http://schemas.openxmlformats.org/officeDocument/2006/math">
+                      <m:oMathParaPr>
+                        <m:jc m:val="centerGroup"/>
+                      </m:oMathParaPr>
+                      <m:oMath xmlns:m="http://schemas.openxmlformats.org/officeDocument/2006/math">
+                        <m:sSub>
+                          <m:sSubPr>
+                            <m:ctrlPr>
+                              <a:rPr lang="en-US" sz="2000" b="0" i="1" smtClean="0">
+                                <a:latin typeface="Cambria Math" panose="02040503050406030204" pitchFamily="18" charset="0"/>
+                                <a:cs typeface="Arial" panose="020B0604020202020204" pitchFamily="34" charset="0"/>
+                              </a:rPr>
+                            </m:ctrlPr>
+                          </m:sSubPr>
+                          <m:e>
+                            <m:r>
+                              <a:rPr lang="en-US" sz="2000" b="0" i="1" smtClean="0">
+                                <a:latin typeface="Cambria Math" panose="02040503050406030204" pitchFamily="18" charset="0"/>
+                                <a:cs typeface="Arial" panose="020B0604020202020204" pitchFamily="34" charset="0"/>
+                              </a:rPr>
+                              <m:t>𝑀</m:t>
+                            </m:r>
+                          </m:e>
+                          <m:sub>
+                            <m:r>
+                              <a:rPr lang="en-US" sz="2000" b="0" i="1" smtClean="0">
+                                <a:latin typeface="Cambria Math" panose="02040503050406030204" pitchFamily="18" charset="0"/>
+                                <a:cs typeface="Arial" panose="020B0604020202020204" pitchFamily="34" charset="0"/>
+                              </a:rPr>
+                              <m:t>2</m:t>
+                            </m:r>
+                          </m:sub>
+                        </m:sSub>
+                      </m:oMath>
+                    </m:oMathPara>
+                  </a14:m>
+                  <a:endParaRPr lang="en-US" sz="2000" dirty="0" smtClean="0">
+                    <a:latin typeface="Arial" panose="020B0604020202020204" pitchFamily="34" charset="0"/>
+                    <a:cs typeface="Arial" panose="020B0604020202020204" pitchFamily="34" charset="0"/>
+                  </a:endParaRPr>
+                </a:p>
+              </p:txBody>
+            </p:sp>
+          </mc:Choice>
+          <mc:Fallback>
+            <p:sp>
+              <p:nvSpPr>
+                <p:cNvPr id="23" name="TextBox 22"/>
+                <p:cNvSpPr txBox="1">
+                  <a:spLocks noRot="1" noChangeAspect="1" noMove="1" noResize="1" noEditPoints="1" noAdjustHandles="1" noChangeArrowheads="1" noChangeShapeType="1" noTextEdit="1"/>
+                </p:cNvSpPr>
+                <p:nvPr/>
+              </p:nvSpPr>
+              <p:spPr>
+                <a:xfrm>
+                  <a:off x="6269649" y="1515518"/>
+                  <a:ext cx="393185" cy="307777"/>
+                </a:xfrm>
+                <a:prstGeom prst="rect">
+                  <a:avLst/>
+                </a:prstGeom>
+                <a:blipFill>
+                  <a:blip r:embed="rId6"/>
+                  <a:stretch>
+                    <a:fillRect l="-12308" r="-6154" b="-20000"/>
+                  </a:stretch>
+                </a:blipFill>
+              </p:spPr>
+              <p:txBody>
+                <a:bodyPr/>
+                <a:lstStyle/>
+                <a:p>
+                  <a:r>
+                    <a:rPr lang="en-US">
+                      <a:noFill/>
+                    </a:rPr>
+                    <a:t> </a:t>
+                  </a:r>
+                </a:p>
+              </p:txBody>
+            </p:sp>
+          </mc:Fallback>
+        </mc:AlternateContent>
+        <p:cxnSp>
+          <p:nvCxnSpPr>
+            <p:cNvPr id="27" name="Straight Connector 26"/>
+            <p:cNvCxnSpPr/>
+            <p:nvPr/>
+          </p:nvCxnSpPr>
+          <p:spPr>
+            <a:xfrm flipH="1">
+              <a:off x="4517657" y="1912706"/>
+              <a:ext cx="1699463" cy="353822"/>
+            </a:xfrm>
+            <a:prstGeom prst="line">
+              <a:avLst/>
+            </a:prstGeom>
+            <a:ln w="28575">
+              <a:solidFill>
+                <a:schemeClr val="tx1"/>
+              </a:solidFill>
+              <a:prstDash val="sysDash"/>
+            </a:ln>
+          </p:spPr>
+          <p:style>
+            <a:lnRef idx="1">
+              <a:schemeClr val="accent1"/>
+            </a:lnRef>
+            <a:fillRef idx="0">
+              <a:schemeClr val="accent1"/>
+            </a:fillRef>
+            <a:effectRef idx="0">
+              <a:schemeClr val="accent1"/>
+            </a:effectRef>
+            <a:fontRef idx="minor">
+              <a:schemeClr val="tx1"/>
+            </a:fontRef>
+          </p:style>
+        </p:cxnSp>
+        <p:cxnSp>
+          <p:nvCxnSpPr>
+            <p:cNvPr id="25" name="Straight Arrow Connector 24"/>
+            <p:cNvCxnSpPr/>
+            <p:nvPr/>
+          </p:nvCxnSpPr>
+          <p:spPr>
+            <a:xfrm flipV="1">
+              <a:off x="4546480" y="2137555"/>
+              <a:ext cx="641002" cy="128641"/>
+            </a:xfrm>
+            <a:prstGeom prst="straightConnector1">
+              <a:avLst/>
+            </a:prstGeom>
+            <a:ln w="57150">
+              <a:solidFill>
+                <a:srgbClr val="FF0000"/>
+              </a:solidFill>
+              <a:tailEnd type="triangle"/>
+            </a:ln>
+          </p:spPr>
+          <p:style>
+            <a:lnRef idx="1">
+              <a:schemeClr val="accent1"/>
+            </a:lnRef>
+            <a:fillRef idx="0">
+              <a:schemeClr val="accent1"/>
+            </a:fillRef>
+            <a:effectRef idx="0">
+              <a:schemeClr val="accent1"/>
+            </a:effectRef>
+            <a:fontRef idx="minor">
+              <a:schemeClr val="tx1"/>
+            </a:fontRef>
+          </p:style>
+        </p:cxnSp>
+        <mc:AlternateContent xmlns:mc="http://schemas.openxmlformats.org/markup-compatibility/2006">
+          <mc:Choice xmlns:a14="http://schemas.microsoft.com/office/drawing/2010/main" Requires="a14">
+            <p:sp>
+              <p:nvSpPr>
+                <p:cNvPr id="35" name="TextBox 34"/>
+                <p:cNvSpPr txBox="1"/>
+                <p:nvPr/>
+              </p:nvSpPr>
+              <p:spPr>
+                <a:xfrm>
+                  <a:off x="4809317" y="1605466"/>
+                  <a:ext cx="392864" cy="307777"/>
+                </a:xfrm>
+                <a:prstGeom prst="rect">
+                  <a:avLst/>
+                </a:prstGeom>
+                <a:noFill/>
+              </p:spPr>
+              <p:txBody>
+                <a:bodyPr wrap="none" lIns="0" tIns="0" rIns="0" bIns="0" rtlCol="0">
+                  <a:spAutoFit/>
+                </a:bodyPr>
+                <a:lstStyle/>
+                <a:p>
+                  <a14:m>
+                    <m:oMathPara xmlns:m="http://schemas.openxmlformats.org/officeDocument/2006/math">
+                      <m:oMathParaPr>
+                        <m:jc m:val="centerGroup"/>
+                      </m:oMathParaPr>
+                      <m:oMath xmlns:m="http://schemas.openxmlformats.org/officeDocument/2006/math">
+                        <m:sSub>
+                          <m:sSubPr>
+                            <m:ctrlPr>
+                              <a:rPr lang="en-US" sz="2000" b="0" i="1" smtClean="0">
+                                <a:latin typeface="Cambria Math" panose="02040503050406030204" pitchFamily="18" charset="0"/>
+                                <a:cs typeface="Arial" panose="020B0604020202020204" pitchFamily="34" charset="0"/>
+                              </a:rPr>
+                            </m:ctrlPr>
+                          </m:sSubPr>
+                          <m:e>
+                            <m:acc>
+                              <m:accPr>
+                                <m:chr m:val="⃗"/>
+                                <m:ctrlPr>
+                                  <a:rPr lang="en-US" sz="2000" b="0" i="1" smtClean="0">
+                                    <a:latin typeface="Cambria Math" panose="02040503050406030204" pitchFamily="18" charset="0"/>
+                                    <a:cs typeface="Arial" panose="020B0604020202020204" pitchFamily="34" charset="0"/>
+                                  </a:rPr>
+                                </m:ctrlPr>
+                              </m:accPr>
+                              <m:e>
+                                <m:r>
+                                  <a:rPr lang="en-US" sz="2000" b="0" i="1" smtClean="0">
+                                    <a:latin typeface="Cambria Math" panose="02040503050406030204" pitchFamily="18" charset="0"/>
+                                    <a:cs typeface="Arial" panose="020B0604020202020204" pitchFamily="34" charset="0"/>
+                                  </a:rPr>
+                                  <m:t>𝑟</m:t>
+                                </m:r>
+                              </m:e>
+                            </m:acc>
+                          </m:e>
+                          <m:sub>
+                            <m:r>
+                              <a:rPr lang="en-US" sz="2000" b="0" i="1" smtClean="0">
+                                <a:latin typeface="Cambria Math" panose="02040503050406030204" pitchFamily="18" charset="0"/>
+                                <a:cs typeface="Arial" panose="020B0604020202020204" pitchFamily="34" charset="0"/>
+                              </a:rPr>
+                              <m:t>21</m:t>
+                            </m:r>
+                          </m:sub>
+                        </m:sSub>
+                      </m:oMath>
+                    </m:oMathPara>
+                  </a14:m>
+                  <a:endParaRPr lang="en-US" sz="2000" dirty="0" smtClean="0">
+                    <a:latin typeface="Arial" panose="020B0604020202020204" pitchFamily="34" charset="0"/>
+                    <a:cs typeface="Arial" panose="020B0604020202020204" pitchFamily="34" charset="0"/>
+                  </a:endParaRPr>
+                </a:p>
+              </p:txBody>
+            </p:sp>
+          </mc:Choice>
+          <mc:Fallback>
+            <p:sp>
+              <p:nvSpPr>
+                <p:cNvPr id="35" name="TextBox 34"/>
+                <p:cNvSpPr txBox="1">
+                  <a:spLocks noRot="1" noChangeAspect="1" noMove="1" noResize="1" noEditPoints="1" noAdjustHandles="1" noChangeArrowheads="1" noChangeShapeType="1" noTextEdit="1"/>
+                </p:cNvSpPr>
+                <p:nvPr/>
+              </p:nvSpPr>
+              <p:spPr>
+                <a:xfrm>
+                  <a:off x="4809317" y="1605466"/>
+                  <a:ext cx="392864" cy="307777"/>
+                </a:xfrm>
+                <a:prstGeom prst="rect">
+                  <a:avLst/>
+                </a:prstGeom>
+                <a:blipFill>
+                  <a:blip r:embed="rId7"/>
+                  <a:stretch>
+                    <a:fillRect l="-15625" t="-33333" r="-48438" b="-19608"/>
+                  </a:stretch>
+                </a:blipFill>
+              </p:spPr>
+              <p:txBody>
+                <a:bodyPr/>
+                <a:lstStyle/>
+                <a:p>
+                  <a:r>
+                    <a:rPr lang="en-US">
+                      <a:noFill/>
+                    </a:rPr>
+                    <a:t> </a:t>
+                  </a:r>
+                </a:p>
+              </p:txBody>
+            </p:sp>
+          </mc:Fallback>
+        </mc:AlternateContent>
+        <mc:AlternateContent xmlns:mc="http://schemas.openxmlformats.org/markup-compatibility/2006">
+          <mc:Choice xmlns:a14="http://schemas.microsoft.com/office/drawing/2010/main" Requires="a14">
+            <p:sp>
+              <p:nvSpPr>
+                <p:cNvPr id="36" name="TextBox 35"/>
+                <p:cNvSpPr txBox="1"/>
+                <p:nvPr/>
+              </p:nvSpPr>
+              <p:spPr>
+                <a:xfrm>
+                  <a:off x="5143053" y="2697055"/>
+                  <a:ext cx="283859" cy="307777"/>
+                </a:xfrm>
+                <a:prstGeom prst="rect">
+                  <a:avLst/>
+                </a:prstGeom>
+                <a:noFill/>
+              </p:spPr>
+              <p:txBody>
+                <a:bodyPr wrap="none" lIns="0" tIns="0" rIns="0" bIns="0" rtlCol="0">
+                  <a:spAutoFit/>
+                </a:bodyPr>
+                <a:lstStyle/>
+                <a:p>
+                  <a14:m>
+                    <m:oMathPara xmlns:m="http://schemas.openxmlformats.org/officeDocument/2006/math">
+                      <m:oMathParaPr>
+                        <m:jc m:val="centerGroup"/>
+                      </m:oMathParaPr>
+                      <m:oMath xmlns:m="http://schemas.openxmlformats.org/officeDocument/2006/math">
+                        <m:sSub>
+                          <m:sSubPr>
+                            <m:ctrlPr>
+                              <a:rPr lang="en-US" sz="2000" b="0" i="1" smtClean="0">
+                                <a:latin typeface="Cambria Math" panose="02040503050406030204" pitchFamily="18" charset="0"/>
+                                <a:cs typeface="Arial" panose="020B0604020202020204" pitchFamily="34" charset="0"/>
+                              </a:rPr>
+                            </m:ctrlPr>
+                          </m:sSubPr>
+                          <m:e>
+                            <m:acc>
+                              <m:accPr>
+                                <m:chr m:val="⃗"/>
+                                <m:ctrlPr>
+                                  <a:rPr lang="en-US" sz="2000" b="0" i="1" smtClean="0">
+                                    <a:latin typeface="Cambria Math" panose="02040503050406030204" pitchFamily="18" charset="0"/>
+                                    <a:cs typeface="Arial" panose="020B0604020202020204" pitchFamily="34" charset="0"/>
+                                  </a:rPr>
+                                </m:ctrlPr>
+                              </m:accPr>
+                              <m:e>
+                                <m:r>
+                                  <a:rPr lang="en-US" sz="2000" b="0" i="1" smtClean="0">
+                                    <a:latin typeface="Cambria Math" panose="02040503050406030204" pitchFamily="18" charset="0"/>
+                                    <a:cs typeface="Arial" panose="020B0604020202020204" pitchFamily="34" charset="0"/>
+                                  </a:rPr>
+                                  <m:t>𝑟</m:t>
+                                </m:r>
+                              </m:e>
+                            </m:acc>
+                          </m:e>
+                          <m:sub>
+                            <m:r>
+                              <a:rPr lang="en-US" sz="2000" b="0" i="1" smtClean="0">
+                                <a:latin typeface="Cambria Math" panose="02040503050406030204" pitchFamily="18" charset="0"/>
+                                <a:cs typeface="Arial" panose="020B0604020202020204" pitchFamily="34" charset="0"/>
+                              </a:rPr>
+                              <m:t>2</m:t>
+                            </m:r>
+                          </m:sub>
+                        </m:sSub>
+                      </m:oMath>
+                    </m:oMathPara>
+                  </a14:m>
+                  <a:endParaRPr lang="en-US" sz="2000" dirty="0" smtClean="0">
+                    <a:latin typeface="Arial" panose="020B0604020202020204" pitchFamily="34" charset="0"/>
+                    <a:cs typeface="Arial" panose="020B0604020202020204" pitchFamily="34" charset="0"/>
+                  </a:endParaRPr>
+                </a:p>
+              </p:txBody>
+            </p:sp>
+          </mc:Choice>
+          <mc:Fallback>
+            <p:sp>
+              <p:nvSpPr>
+                <p:cNvPr id="36" name="TextBox 35"/>
+                <p:cNvSpPr txBox="1">
+                  <a:spLocks noRot="1" noChangeAspect="1" noMove="1" noResize="1" noEditPoints="1" noAdjustHandles="1" noChangeArrowheads="1" noChangeShapeType="1" noTextEdit="1"/>
+                </p:cNvSpPr>
+                <p:nvPr/>
+              </p:nvSpPr>
+              <p:spPr>
+                <a:xfrm>
+                  <a:off x="5143053" y="2697055"/>
+                  <a:ext cx="283859" cy="307777"/>
+                </a:xfrm>
+                <a:prstGeom prst="rect">
+                  <a:avLst/>
+                </a:prstGeom>
+                <a:blipFill>
+                  <a:blip r:embed="rId8"/>
+                  <a:stretch>
+                    <a:fillRect l="-19149" t="-33333" r="-65957" b="-19608"/>
+                  </a:stretch>
+                </a:blipFill>
+              </p:spPr>
+              <p:txBody>
+                <a:bodyPr/>
+                <a:lstStyle/>
+                <a:p>
+                  <a:r>
+                    <a:rPr lang="en-US">
+                      <a:noFill/>
+                    </a:rPr>
+                    <a:t> </a:t>
+                  </a:r>
+                </a:p>
+              </p:txBody>
+            </p:sp>
+          </mc:Fallback>
+        </mc:AlternateContent>
+        <mc:AlternateContent xmlns:mc="http://schemas.openxmlformats.org/markup-compatibility/2006">
+          <mc:Choice xmlns:a14="http://schemas.microsoft.com/office/drawing/2010/main" Requires="a14">
+            <p:sp>
+              <p:nvSpPr>
+                <p:cNvPr id="37" name="TextBox 36"/>
+                <p:cNvSpPr txBox="1"/>
+                <p:nvPr/>
+              </p:nvSpPr>
+              <p:spPr>
+                <a:xfrm>
+                  <a:off x="3949153" y="2629757"/>
+                  <a:ext cx="283859" cy="307777"/>
+                </a:xfrm>
+                <a:prstGeom prst="rect">
+                  <a:avLst/>
+                </a:prstGeom>
+                <a:noFill/>
+              </p:spPr>
+              <p:txBody>
+                <a:bodyPr wrap="none" lIns="0" tIns="0" rIns="0" bIns="0" rtlCol="0">
+                  <a:spAutoFit/>
+                </a:bodyPr>
+                <a:lstStyle/>
+                <a:p>
+                  <a14:m>
+                    <m:oMathPara xmlns:m="http://schemas.openxmlformats.org/officeDocument/2006/math">
+                      <m:oMathParaPr>
+                        <m:jc m:val="centerGroup"/>
+                      </m:oMathParaPr>
+                      <m:oMath xmlns:m="http://schemas.openxmlformats.org/officeDocument/2006/math">
+                        <m:sSub>
+                          <m:sSubPr>
+                            <m:ctrlPr>
+                              <a:rPr lang="en-US" sz="2000" b="0" i="1" smtClean="0">
+                                <a:latin typeface="Cambria Math" panose="02040503050406030204" pitchFamily="18" charset="0"/>
+                                <a:cs typeface="Arial" panose="020B0604020202020204" pitchFamily="34" charset="0"/>
+                              </a:rPr>
+                            </m:ctrlPr>
+                          </m:sSubPr>
+                          <m:e>
+                            <m:acc>
+                              <m:accPr>
+                                <m:chr m:val="⃗"/>
+                                <m:ctrlPr>
+                                  <a:rPr lang="en-US" sz="2000" b="0" i="1" smtClean="0">
+                                    <a:latin typeface="Cambria Math" panose="02040503050406030204" pitchFamily="18" charset="0"/>
+                                    <a:cs typeface="Arial" panose="020B0604020202020204" pitchFamily="34" charset="0"/>
+                                  </a:rPr>
+                                </m:ctrlPr>
+                              </m:accPr>
+                              <m:e>
+                                <m:r>
+                                  <a:rPr lang="en-US" sz="2000" b="0" i="1" smtClean="0">
+                                    <a:latin typeface="Cambria Math" panose="02040503050406030204" pitchFamily="18" charset="0"/>
+                                    <a:cs typeface="Arial" panose="020B0604020202020204" pitchFamily="34" charset="0"/>
+                                  </a:rPr>
+                                  <m:t>𝑟</m:t>
+                                </m:r>
+                              </m:e>
+                            </m:acc>
+                          </m:e>
+                          <m:sub>
+                            <m:r>
+                              <a:rPr lang="en-US" sz="2000" b="0" i="1" smtClean="0">
+                                <a:latin typeface="Cambria Math" panose="02040503050406030204" pitchFamily="18" charset="0"/>
+                                <a:cs typeface="Arial" panose="020B0604020202020204" pitchFamily="34" charset="0"/>
+                              </a:rPr>
+                              <m:t>1</m:t>
+                            </m:r>
+                          </m:sub>
+                        </m:sSub>
+                      </m:oMath>
+                    </m:oMathPara>
+                  </a14:m>
+                  <a:endParaRPr lang="en-US" sz="2000" dirty="0" smtClean="0">
+                    <a:latin typeface="Arial" panose="020B0604020202020204" pitchFamily="34" charset="0"/>
+                    <a:cs typeface="Arial" panose="020B0604020202020204" pitchFamily="34" charset="0"/>
+                  </a:endParaRPr>
+                </a:p>
+              </p:txBody>
+            </p:sp>
+          </mc:Choice>
+          <mc:Fallback>
+            <p:sp>
+              <p:nvSpPr>
+                <p:cNvPr id="37" name="TextBox 36"/>
+                <p:cNvSpPr txBox="1">
+                  <a:spLocks noRot="1" noChangeAspect="1" noMove="1" noResize="1" noEditPoints="1" noAdjustHandles="1" noChangeArrowheads="1" noChangeShapeType="1" noTextEdit="1"/>
+                </p:cNvSpPr>
+                <p:nvPr/>
+              </p:nvSpPr>
+              <p:spPr>
+                <a:xfrm>
+                  <a:off x="3949153" y="2629757"/>
+                  <a:ext cx="283859" cy="307777"/>
+                </a:xfrm>
+                <a:prstGeom prst="rect">
+                  <a:avLst/>
+                </a:prstGeom>
+                <a:blipFill>
+                  <a:blip r:embed="rId9"/>
+                  <a:stretch>
+                    <a:fillRect l="-21739" t="-33333" r="-67391" b="-17647"/>
+                  </a:stretch>
+                </a:blipFill>
+              </p:spPr>
+              <p:txBody>
+                <a:bodyPr/>
+                <a:lstStyle/>
+                <a:p>
+                  <a:r>
+                    <a:rPr lang="en-US">
+                      <a:noFill/>
+                    </a:rPr>
+                    <a:t> </a:t>
+                  </a:r>
+                </a:p>
+              </p:txBody>
+            </p:sp>
+          </mc:Fallback>
+        </mc:AlternateContent>
+        <p:cxnSp>
+          <p:nvCxnSpPr>
+            <p:cNvPr id="39" name="Straight Arrow Connector 38"/>
+            <p:cNvCxnSpPr/>
+            <p:nvPr/>
+          </p:nvCxnSpPr>
+          <p:spPr>
+            <a:xfrm flipH="1">
+              <a:off x="4456865" y="1769749"/>
+              <a:ext cx="1630269" cy="324728"/>
+            </a:xfrm>
+            <a:prstGeom prst="straightConnector1">
+              <a:avLst/>
+            </a:prstGeom>
+            <a:ln w="38100">
+              <a:solidFill>
+                <a:schemeClr val="tx1"/>
+              </a:solidFill>
+              <a:tailEnd type="triangle"/>
+            </a:ln>
+          </p:spPr>
+          <p:style>
+            <a:lnRef idx="1">
+              <a:schemeClr val="accent1"/>
+            </a:lnRef>
+            <a:fillRef idx="0">
+              <a:schemeClr val="accent1"/>
+            </a:fillRef>
+            <a:effectRef idx="0">
+              <a:schemeClr val="accent1"/>
+            </a:effectRef>
+            <a:fontRef idx="minor">
+              <a:schemeClr val="tx1"/>
+            </a:fontRef>
+          </p:style>
+        </p:cxnSp>
+        <mc:AlternateContent xmlns:mc="http://schemas.openxmlformats.org/markup-compatibility/2006">
+          <mc:Choice xmlns:a14="http://schemas.microsoft.com/office/drawing/2010/main" Requires="a14">
+            <p:sp>
+              <p:nvSpPr>
+                <p:cNvPr id="41" name="TextBox 40"/>
+                <p:cNvSpPr txBox="1"/>
+                <p:nvPr/>
+              </p:nvSpPr>
+              <p:spPr>
+                <a:xfrm>
+                  <a:off x="4583454" y="2331195"/>
+                  <a:ext cx="422295" cy="345159"/>
+                </a:xfrm>
+                <a:prstGeom prst="rect">
+                  <a:avLst/>
+                </a:prstGeom>
+                <a:noFill/>
+              </p:spPr>
+              <p:txBody>
+                <a:bodyPr wrap="none" lIns="0" tIns="0" rIns="0" bIns="0" rtlCol="0">
+                  <a:spAutoFit/>
+                </a:bodyPr>
+                <a:lstStyle/>
+                <a:p>
+                  <a14:m>
+                    <m:oMathPara xmlns:m="http://schemas.openxmlformats.org/officeDocument/2006/math">
+                      <m:oMathParaPr>
+                        <m:jc m:val="centerGroup"/>
+                      </m:oMathParaPr>
+                      <m:oMath xmlns:m="http://schemas.openxmlformats.org/officeDocument/2006/math">
+                        <m:sSub>
+                          <m:sSubPr>
+                            <m:ctrlPr>
+                              <a:rPr lang="en-US" sz="2000" b="0" i="1" smtClean="0">
+                                <a:solidFill>
+                                  <a:srgbClr val="FF0000"/>
+                                </a:solidFill>
+                                <a:latin typeface="Cambria Math" panose="02040503050406030204" pitchFamily="18" charset="0"/>
+                                <a:cs typeface="Arial" panose="020B0604020202020204" pitchFamily="34" charset="0"/>
+                              </a:rPr>
+                            </m:ctrlPr>
+                          </m:sSubPr>
+                          <m:e>
+                            <m:acc>
+                              <m:accPr>
+                                <m:chr m:val="⃗"/>
+                                <m:ctrlPr>
+                                  <a:rPr lang="en-US" sz="2000" b="0" i="1" smtClean="0">
+                                    <a:solidFill>
+                                      <a:srgbClr val="FF0000"/>
+                                    </a:solidFill>
+                                    <a:latin typeface="Cambria Math" panose="02040503050406030204" pitchFamily="18" charset="0"/>
+                                    <a:cs typeface="Arial" panose="020B0604020202020204" pitchFamily="34" charset="0"/>
+                                  </a:rPr>
+                                </m:ctrlPr>
+                              </m:accPr>
+                              <m:e>
+                                <m:r>
+                                  <a:rPr lang="en-US" sz="2000" b="0" i="1" smtClean="0">
+                                    <a:solidFill>
+                                      <a:srgbClr val="FF0000"/>
+                                    </a:solidFill>
+                                    <a:latin typeface="Cambria Math" panose="02040503050406030204" pitchFamily="18" charset="0"/>
+                                    <a:cs typeface="Arial" panose="020B0604020202020204" pitchFamily="34" charset="0"/>
+                                  </a:rPr>
+                                  <m:t>𝐹</m:t>
+                                </m:r>
+                              </m:e>
+                            </m:acc>
+                          </m:e>
+                          <m:sub>
+                            <m:r>
+                              <a:rPr lang="en-US" sz="2000" b="0" i="1" smtClean="0">
+                                <a:solidFill>
+                                  <a:srgbClr val="FF0000"/>
+                                </a:solidFill>
+                                <a:latin typeface="Cambria Math" panose="02040503050406030204" pitchFamily="18" charset="0"/>
+                                <a:cs typeface="Arial" panose="020B0604020202020204" pitchFamily="34" charset="0"/>
+                              </a:rPr>
+                              <m:t>12</m:t>
+                            </m:r>
+                          </m:sub>
+                        </m:sSub>
+                      </m:oMath>
+                    </m:oMathPara>
+                  </a14:m>
+                  <a:endParaRPr lang="en-US" sz="2000" dirty="0" smtClean="0">
+                    <a:solidFill>
+                      <a:srgbClr val="FF0000"/>
+                    </a:solidFill>
+                    <a:latin typeface="Arial" panose="020B0604020202020204" pitchFamily="34" charset="0"/>
+                    <a:cs typeface="Arial" panose="020B0604020202020204" pitchFamily="34" charset="0"/>
+                  </a:endParaRPr>
+                </a:p>
+              </p:txBody>
+            </p:sp>
+          </mc:Choice>
+          <mc:Fallback>
+            <p:sp>
+              <p:nvSpPr>
+                <p:cNvPr id="41" name="TextBox 40"/>
+                <p:cNvSpPr txBox="1">
+                  <a:spLocks noRot="1" noChangeAspect="1" noMove="1" noResize="1" noEditPoints="1" noAdjustHandles="1" noChangeArrowheads="1" noChangeShapeType="1" noTextEdit="1"/>
+                </p:cNvSpPr>
+                <p:nvPr/>
+              </p:nvSpPr>
+              <p:spPr>
+                <a:xfrm>
+                  <a:off x="4583454" y="2331195"/>
+                  <a:ext cx="422295" cy="345159"/>
+                </a:xfrm>
+                <a:prstGeom prst="rect">
+                  <a:avLst/>
+                </a:prstGeom>
+                <a:blipFill>
+                  <a:blip r:embed="rId10"/>
+                  <a:stretch>
+                    <a:fillRect l="-13043" t="-33333" r="-43478" b="-17544"/>
+                  </a:stretch>
+                </a:blipFill>
+              </p:spPr>
+              <p:txBody>
+                <a:bodyPr/>
+                <a:lstStyle/>
+                <a:p>
+                  <a:r>
+                    <a:rPr lang="en-US">
+                      <a:noFill/>
+                    </a:rPr>
+                    <a:t> </a:t>
+                  </a:r>
+                </a:p>
+              </p:txBody>
+            </p:sp>
+          </mc:Fallback>
+        </mc:AlternateContent>
+        <p:cxnSp>
+          <p:nvCxnSpPr>
+            <p:cNvPr id="42" name="Straight Arrow Connector 41"/>
+            <p:cNvCxnSpPr/>
+            <p:nvPr/>
+          </p:nvCxnSpPr>
+          <p:spPr>
+            <a:xfrm flipH="1">
+              <a:off x="5761233" y="1629103"/>
+              <a:ext cx="278106" cy="57164"/>
+            </a:xfrm>
+            <a:prstGeom prst="straightConnector1">
+              <a:avLst/>
+            </a:prstGeom>
+            <a:ln w="38100">
+              <a:solidFill>
+                <a:schemeClr val="tx1"/>
+              </a:solidFill>
+              <a:tailEnd type="triangle"/>
+            </a:ln>
+          </p:spPr>
+          <p:style>
+            <a:lnRef idx="1">
+              <a:schemeClr val="accent1"/>
+            </a:lnRef>
+            <a:fillRef idx="0">
+              <a:schemeClr val="accent1"/>
+            </a:fillRef>
+            <a:effectRef idx="0">
+              <a:schemeClr val="accent1"/>
+            </a:effectRef>
+            <a:fontRef idx="minor">
+              <a:schemeClr val="tx1"/>
+            </a:fontRef>
+          </p:style>
+        </p:cxnSp>
+        <mc:AlternateContent xmlns:mc="http://schemas.openxmlformats.org/markup-compatibility/2006">
+          <mc:Choice xmlns:a14="http://schemas.microsoft.com/office/drawing/2010/main" Requires="a14">
+            <p:sp>
+              <p:nvSpPr>
+                <p:cNvPr id="45" name="TextBox 44"/>
+                <p:cNvSpPr txBox="1"/>
+                <p:nvPr/>
+              </p:nvSpPr>
+              <p:spPr>
+                <a:xfrm>
+                  <a:off x="5756553" y="1256331"/>
+                  <a:ext cx="392864" cy="307777"/>
+                </a:xfrm>
+                <a:prstGeom prst="rect">
+                  <a:avLst/>
+                </a:prstGeom>
+                <a:noFill/>
+              </p:spPr>
+              <p:txBody>
+                <a:bodyPr wrap="none" lIns="0" tIns="0" rIns="0" bIns="0" rtlCol="0">
+                  <a:spAutoFit/>
+                </a:bodyPr>
+                <a:lstStyle/>
+                <a:p>
+                  <a14:m>
+                    <m:oMathPara xmlns:m="http://schemas.openxmlformats.org/officeDocument/2006/math">
+                      <m:oMathParaPr>
+                        <m:jc m:val="centerGroup"/>
+                      </m:oMathParaPr>
+                      <m:oMath xmlns:m="http://schemas.openxmlformats.org/officeDocument/2006/math">
+                        <m:sSub>
+                          <m:sSubPr>
+                            <m:ctrlPr>
+                              <a:rPr lang="en-US" sz="2000" b="0" i="1" smtClean="0">
+                                <a:latin typeface="Cambria Math" panose="02040503050406030204" pitchFamily="18" charset="0"/>
+                                <a:cs typeface="Arial" panose="020B0604020202020204" pitchFamily="34" charset="0"/>
+                              </a:rPr>
+                            </m:ctrlPr>
+                          </m:sSubPr>
+                          <m:e>
+                            <m:acc>
+                              <m:accPr>
+                                <m:chr m:val="̂"/>
+                                <m:ctrlPr>
+                                  <a:rPr lang="en-US" sz="2000" b="0" i="1" smtClean="0">
+                                    <a:latin typeface="Cambria Math" panose="02040503050406030204" pitchFamily="18" charset="0"/>
+                                    <a:cs typeface="Arial" panose="020B0604020202020204" pitchFamily="34" charset="0"/>
+                                  </a:rPr>
+                                </m:ctrlPr>
+                              </m:accPr>
+                              <m:e>
+                                <m:r>
+                                  <a:rPr lang="en-US" sz="2000" b="0" i="1" smtClean="0">
+                                    <a:latin typeface="Cambria Math" panose="02040503050406030204" pitchFamily="18" charset="0"/>
+                                    <a:cs typeface="Arial" panose="020B0604020202020204" pitchFamily="34" charset="0"/>
+                                  </a:rPr>
+                                  <m:t>𝑟</m:t>
+                                </m:r>
+                              </m:e>
+                            </m:acc>
+                          </m:e>
+                          <m:sub>
+                            <m:r>
+                              <a:rPr lang="en-US" sz="2000" b="0" i="1" smtClean="0">
+                                <a:latin typeface="Cambria Math" panose="02040503050406030204" pitchFamily="18" charset="0"/>
+                                <a:cs typeface="Arial" panose="020B0604020202020204" pitchFamily="34" charset="0"/>
+                              </a:rPr>
+                              <m:t>21</m:t>
+                            </m:r>
+                          </m:sub>
+                        </m:sSub>
+                      </m:oMath>
+                    </m:oMathPara>
+                  </a14:m>
+                  <a:endParaRPr lang="en-US" sz="2000" dirty="0" smtClean="0">
+                    <a:latin typeface="Arial" panose="020B0604020202020204" pitchFamily="34" charset="0"/>
+                    <a:cs typeface="Arial" panose="020B0604020202020204" pitchFamily="34" charset="0"/>
+                  </a:endParaRPr>
+                </a:p>
+              </p:txBody>
+            </p:sp>
+          </mc:Choice>
+          <mc:Fallback>
+            <p:sp>
+              <p:nvSpPr>
+                <p:cNvPr id="45" name="TextBox 44"/>
+                <p:cNvSpPr txBox="1">
+                  <a:spLocks noRot="1" noChangeAspect="1" noMove="1" noResize="1" noEditPoints="1" noAdjustHandles="1" noChangeArrowheads="1" noChangeShapeType="1" noTextEdit="1"/>
+                </p:cNvSpPr>
+                <p:nvPr/>
+              </p:nvSpPr>
+              <p:spPr>
+                <a:xfrm>
+                  <a:off x="5756553" y="1256331"/>
+                  <a:ext cx="392864" cy="307777"/>
+                </a:xfrm>
+                <a:prstGeom prst="rect">
+                  <a:avLst/>
+                </a:prstGeom>
+                <a:blipFill>
+                  <a:blip r:embed="rId11"/>
+                  <a:stretch>
+                    <a:fillRect l="-6250" t="-17647" r="-39063" b="-19608"/>
+                  </a:stretch>
+                </a:blipFill>
+              </p:spPr>
+              <p:txBody>
+                <a:bodyPr/>
+                <a:lstStyle/>
+                <a:p>
+                  <a:r>
+                    <a:rPr lang="en-US">
+                      <a:noFill/>
+                    </a:rPr>
+                    <a:t> </a:t>
+                  </a:r>
+                </a:p>
+              </p:txBody>
+            </p:sp>
+          </mc:Fallback>
+        </mc:AlternateContent>
+      </p:grpSp>
+    </p:spTree>
+    <p:extLst>
+      <p:ext uri="{BB962C8B-B14F-4D97-AF65-F5344CB8AC3E}">
+        <p14:creationId xmlns:p14="http://schemas.microsoft.com/office/powerpoint/2010/main" val="3193823530"/>
       </p:ext>
     </p:extLst>
   </p:cSld>

--- a/tex/figures/Gravity/Figures.pptx
+++ b/tex/figures/Gravity/Figures.pptx
@@ -7881,6 +7881,2885 @@
           </mc:Fallback>
         </mc:AlternateContent>
       </p:grpSp>
+      <p:grpSp>
+        <p:nvGrpSpPr>
+          <p:cNvPr id="176" name="Group 175"/>
+          <p:cNvGrpSpPr/>
+          <p:nvPr/>
+        </p:nvGrpSpPr>
+        <p:grpSpPr>
+          <a:xfrm>
+            <a:off x="7605346" y="288596"/>
+            <a:ext cx="3931311" cy="4113371"/>
+            <a:chOff x="7605346" y="288596"/>
+            <a:chExt cx="3931311" cy="4113371"/>
+          </a:xfrm>
+        </p:grpSpPr>
+        <p:cxnSp>
+          <p:nvCxnSpPr>
+            <p:cNvPr id="117" name="Straight Connector 116"/>
+            <p:cNvCxnSpPr>
+              <a:endCxn id="51" idx="0"/>
+            </p:cNvCxnSpPr>
+            <p:nvPr/>
+          </p:nvCxnSpPr>
+          <p:spPr>
+            <a:xfrm>
+              <a:off x="8803596" y="2885989"/>
+              <a:ext cx="1165174" cy="26325"/>
+            </a:xfrm>
+            <a:prstGeom prst="line">
+              <a:avLst/>
+            </a:prstGeom>
+            <a:ln w="19050">
+              <a:solidFill>
+                <a:schemeClr val="tx1"/>
+              </a:solidFill>
+              <a:prstDash val="sysDot"/>
+            </a:ln>
+          </p:spPr>
+          <p:style>
+            <a:lnRef idx="1">
+              <a:schemeClr val="accent1"/>
+            </a:lnRef>
+            <a:fillRef idx="0">
+              <a:schemeClr val="accent1"/>
+            </a:fillRef>
+            <a:effectRef idx="0">
+              <a:schemeClr val="accent1"/>
+            </a:effectRef>
+            <a:fontRef idx="minor">
+              <a:schemeClr val="tx1"/>
+            </a:fontRef>
+          </p:style>
+        </p:cxnSp>
+        <p:grpSp>
+          <p:nvGrpSpPr>
+            <p:cNvPr id="121" name="Group 120"/>
+            <p:cNvGrpSpPr/>
+            <p:nvPr/>
+          </p:nvGrpSpPr>
+          <p:grpSpPr>
+            <a:xfrm>
+              <a:off x="7605346" y="288596"/>
+              <a:ext cx="3931311" cy="4113371"/>
+              <a:chOff x="7605346" y="288596"/>
+              <a:chExt cx="3931311" cy="4113371"/>
+            </a:xfrm>
+          </p:grpSpPr>
+          <p:grpSp>
+            <p:nvGrpSpPr>
+              <p:cNvPr id="83" name="Group 82"/>
+              <p:cNvGrpSpPr/>
+              <p:nvPr/>
+            </p:nvGrpSpPr>
+            <p:grpSpPr>
+              <a:xfrm>
+                <a:off x="7605346" y="288596"/>
+                <a:ext cx="3931311" cy="4113371"/>
+                <a:chOff x="4932484" y="471343"/>
+                <a:chExt cx="3931311" cy="4113371"/>
+              </a:xfrm>
+            </p:grpSpPr>
+            <p:grpSp>
+              <p:nvGrpSpPr>
+                <p:cNvPr id="80" name="Group 79"/>
+                <p:cNvGrpSpPr/>
+                <p:nvPr/>
+              </p:nvGrpSpPr>
+              <p:grpSpPr>
+                <a:xfrm>
+                  <a:off x="4932484" y="471343"/>
+                  <a:ext cx="3732042" cy="4113371"/>
+                  <a:chOff x="4932484" y="1453402"/>
+                  <a:chExt cx="3732042" cy="4113371"/>
+                </a:xfrm>
+              </p:grpSpPr>
+              <p:grpSp>
+                <p:nvGrpSpPr>
+                  <p:cNvPr id="53" name="Group 52"/>
+                  <p:cNvGrpSpPr/>
+                  <p:nvPr/>
+                </p:nvGrpSpPr>
+                <p:grpSpPr>
+                  <a:xfrm>
+                    <a:off x="4932484" y="2670030"/>
+                    <a:ext cx="2496525" cy="2500410"/>
+                    <a:chOff x="5099538" y="1138926"/>
+                    <a:chExt cx="2496525" cy="2500410"/>
+                  </a:xfrm>
+                </p:grpSpPr>
+                <p:sp>
+                  <p:nvSpPr>
+                    <p:cNvPr id="47" name="Oval 46"/>
+                    <p:cNvSpPr/>
+                    <p:nvPr/>
+                  </p:nvSpPr>
+                  <p:spPr>
+                    <a:xfrm>
+                      <a:off x="5099539" y="1274206"/>
+                      <a:ext cx="2365130" cy="2365130"/>
+                    </a:xfrm>
+                    <a:prstGeom prst="ellipse">
+                      <a:avLst/>
+                    </a:prstGeom>
+                    <a:noFill/>
+                    <a:ln w="38100">
+                      <a:solidFill>
+                        <a:schemeClr val="tx1"/>
+                      </a:solidFill>
+                    </a:ln>
+                  </p:spPr>
+                  <p:style>
+                    <a:lnRef idx="2">
+                      <a:schemeClr val="accent1">
+                        <a:shade val="50000"/>
+                      </a:schemeClr>
+                    </a:lnRef>
+                    <a:fillRef idx="1">
+                      <a:schemeClr val="accent1"/>
+                    </a:fillRef>
+                    <a:effectRef idx="0">
+                      <a:schemeClr val="accent1"/>
+                    </a:effectRef>
+                    <a:fontRef idx="minor">
+                      <a:schemeClr val="lt1"/>
+                    </a:fontRef>
+                  </p:style>
+                  <p:txBody>
+                    <a:bodyPr rtlCol="0" anchor="ctr"/>
+                    <a:lstStyle/>
+                    <a:p>
+                      <a:pPr algn="ctr"/>
+                      <a:endParaRPr lang="en-US"/>
+                    </a:p>
+                  </p:txBody>
+                </p:sp>
+                <p:sp>
+                  <p:nvSpPr>
+                    <p:cNvPr id="48" name="Oval 47"/>
+                    <p:cNvSpPr/>
+                    <p:nvPr/>
+                  </p:nvSpPr>
+                  <p:spPr>
+                    <a:xfrm>
+                      <a:off x="6221632" y="1138926"/>
+                      <a:ext cx="120943" cy="119766"/>
+                    </a:xfrm>
+                    <a:prstGeom prst="ellipse">
+                      <a:avLst/>
+                    </a:prstGeom>
+                    <a:solidFill>
+                      <a:schemeClr val="tx1"/>
+                    </a:solidFill>
+                    <a:ln w="38100">
+                      <a:solidFill>
+                        <a:schemeClr val="tx1"/>
+                      </a:solidFill>
+                    </a:ln>
+                  </p:spPr>
+                  <p:style>
+                    <a:lnRef idx="2">
+                      <a:schemeClr val="accent1">
+                        <a:shade val="50000"/>
+                      </a:schemeClr>
+                    </a:lnRef>
+                    <a:fillRef idx="1">
+                      <a:schemeClr val="accent1"/>
+                    </a:fillRef>
+                    <a:effectRef idx="0">
+                      <a:schemeClr val="accent1"/>
+                    </a:effectRef>
+                    <a:fontRef idx="minor">
+                      <a:schemeClr val="lt1"/>
+                    </a:fontRef>
+                  </p:style>
+                  <p:txBody>
+                    <a:bodyPr rtlCol="0" anchor="ctr"/>
+                    <a:lstStyle/>
+                    <a:p>
+                      <a:pPr algn="ctr"/>
+                      <a:endParaRPr lang="en-US"/>
+                    </a:p>
+                  </p:txBody>
+                </p:sp>
+                <p:sp>
+                  <p:nvSpPr>
+                    <p:cNvPr id="49" name="Oval 48"/>
+                    <p:cNvSpPr/>
+                    <p:nvPr/>
+                  </p:nvSpPr>
+                  <p:spPr>
+                    <a:xfrm>
+                      <a:off x="7475120" y="2475322"/>
+                      <a:ext cx="120943" cy="119766"/>
+                    </a:xfrm>
+                    <a:prstGeom prst="ellipse">
+                      <a:avLst/>
+                    </a:prstGeom>
+                    <a:solidFill>
+                      <a:schemeClr val="tx1"/>
+                    </a:solidFill>
+                    <a:ln w="38100">
+                      <a:solidFill>
+                        <a:schemeClr val="tx1"/>
+                      </a:solidFill>
+                    </a:ln>
+                  </p:spPr>
+                  <p:style>
+                    <a:lnRef idx="2">
+                      <a:schemeClr val="accent1">
+                        <a:shade val="50000"/>
+                      </a:schemeClr>
+                    </a:lnRef>
+                    <a:fillRef idx="1">
+                      <a:schemeClr val="accent1"/>
+                    </a:fillRef>
+                    <a:effectRef idx="0">
+                      <a:schemeClr val="accent1"/>
+                    </a:effectRef>
+                    <a:fontRef idx="minor">
+                      <a:schemeClr val="lt1"/>
+                    </a:fontRef>
+                  </p:style>
+                  <p:txBody>
+                    <a:bodyPr rtlCol="0" anchor="ctr"/>
+                    <a:lstStyle/>
+                    <a:p>
+                      <a:pPr algn="ctr"/>
+                      <a:endParaRPr lang="en-US"/>
+                    </a:p>
+                  </p:txBody>
+                </p:sp>
+                <p:sp>
+                  <p:nvSpPr>
+                    <p:cNvPr id="51" name="Arc 50"/>
+                    <p:cNvSpPr/>
+                    <p:nvPr/>
+                  </p:nvSpPr>
+                  <p:spPr>
+                    <a:xfrm>
+                      <a:off x="5099538" y="2333845"/>
+                      <a:ext cx="2365130" cy="402721"/>
+                    </a:xfrm>
+                    <a:prstGeom prst="arc">
+                      <a:avLst>
+                        <a:gd name="adj1" fmla="val 31471"/>
+                        <a:gd name="adj2" fmla="val 10840678"/>
+                      </a:avLst>
+                    </a:prstGeom>
+                    <a:ln w="38100">
+                      <a:solidFill>
+                        <a:schemeClr val="tx1"/>
+                      </a:solidFill>
+                    </a:ln>
+                  </p:spPr>
+                  <p:style>
+                    <a:lnRef idx="1">
+                      <a:schemeClr val="accent1"/>
+                    </a:lnRef>
+                    <a:fillRef idx="0">
+                      <a:schemeClr val="accent1"/>
+                    </a:fillRef>
+                    <a:effectRef idx="0">
+                      <a:schemeClr val="accent1"/>
+                    </a:effectRef>
+                    <a:fontRef idx="minor">
+                      <a:schemeClr val="tx1"/>
+                    </a:fontRef>
+                  </p:style>
+                  <p:txBody>
+                    <a:bodyPr rtlCol="0" anchor="ctr"/>
+                    <a:lstStyle/>
+                    <a:p>
+                      <a:pPr algn="ctr"/>
+                      <a:endParaRPr lang="en-US"/>
+                    </a:p>
+                  </p:txBody>
+                </p:sp>
+                <p:sp>
+                  <p:nvSpPr>
+                    <p:cNvPr id="52" name="Arc 51"/>
+                    <p:cNvSpPr/>
+                    <p:nvPr/>
+                  </p:nvSpPr>
+                  <p:spPr>
+                    <a:xfrm>
+                      <a:off x="5099538" y="2318331"/>
+                      <a:ext cx="2365130" cy="402721"/>
+                    </a:xfrm>
+                    <a:prstGeom prst="arc">
+                      <a:avLst>
+                        <a:gd name="adj1" fmla="val 10819517"/>
+                        <a:gd name="adj2" fmla="val 21596417"/>
+                      </a:avLst>
+                    </a:prstGeom>
+                    <a:ln w="38100">
+                      <a:solidFill>
+                        <a:schemeClr val="tx1"/>
+                      </a:solidFill>
+                      <a:prstDash val="sysDash"/>
+                    </a:ln>
+                  </p:spPr>
+                  <p:style>
+                    <a:lnRef idx="1">
+                      <a:schemeClr val="accent1"/>
+                    </a:lnRef>
+                    <a:fillRef idx="0">
+                      <a:schemeClr val="accent1"/>
+                    </a:fillRef>
+                    <a:effectRef idx="0">
+                      <a:schemeClr val="accent1"/>
+                    </a:effectRef>
+                    <a:fontRef idx="minor">
+                      <a:schemeClr val="tx1"/>
+                    </a:fontRef>
+                  </p:style>
+                  <p:txBody>
+                    <a:bodyPr rtlCol="0" anchor="ctr"/>
+                    <a:lstStyle/>
+                    <a:p>
+                      <a:pPr algn="ctr"/>
+                      <a:endParaRPr lang="en-US"/>
+                    </a:p>
+                  </p:txBody>
+                </p:sp>
+              </p:grpSp>
+              <p:cxnSp>
+                <p:nvCxnSpPr>
+                  <p:cNvPr id="55" name="Straight Connector 54"/>
+                  <p:cNvCxnSpPr>
+                    <a:stCxn id="48" idx="4"/>
+                  </p:cNvCxnSpPr>
+                  <p:nvPr/>
+                </p:nvCxnSpPr>
+                <p:spPr>
+                  <a:xfrm flipH="1">
+                    <a:off x="6100201" y="2789796"/>
+                    <a:ext cx="14849" cy="2776977"/>
+                  </a:xfrm>
+                  <a:prstGeom prst="line">
+                    <a:avLst/>
+                  </a:prstGeom>
+                  <a:ln w="19050">
+                    <a:solidFill>
+                      <a:schemeClr val="tx1"/>
+                    </a:solidFill>
+                    <a:prstDash val="sysDot"/>
+                  </a:ln>
+                </p:spPr>
+                <p:style>
+                  <a:lnRef idx="1">
+                    <a:schemeClr val="accent1"/>
+                  </a:lnRef>
+                  <a:fillRef idx="0">
+                    <a:schemeClr val="accent1"/>
+                  </a:fillRef>
+                  <a:effectRef idx="0">
+                    <a:schemeClr val="accent1"/>
+                  </a:effectRef>
+                  <a:fontRef idx="minor">
+                    <a:schemeClr val="tx1"/>
+                  </a:fontRef>
+                </p:style>
+              </p:cxnSp>
+              <p:sp>
+                <p:nvSpPr>
+                  <p:cNvPr id="59" name="Curved Left Arrow 58"/>
+                  <p:cNvSpPr/>
+                  <p:nvPr/>
+                </p:nvSpPr>
+                <p:spPr>
+                  <a:xfrm flipV="1">
+                    <a:off x="5816948" y="5334127"/>
+                    <a:ext cx="731520" cy="215464"/>
+                  </a:xfrm>
+                  <a:prstGeom prst="curvedLeftArrow">
+                    <a:avLst>
+                      <a:gd name="adj1" fmla="val 13562"/>
+                      <a:gd name="adj2" fmla="val 31562"/>
+                      <a:gd name="adj3" fmla="val 19346"/>
+                    </a:avLst>
+                  </a:prstGeom>
+                  <a:noFill/>
+                  <a:ln w="38100">
+                    <a:solidFill>
+                      <a:schemeClr val="tx1"/>
+                    </a:solidFill>
+                  </a:ln>
+                </p:spPr>
+                <p:style>
+                  <a:lnRef idx="2">
+                    <a:schemeClr val="accent1">
+                      <a:shade val="50000"/>
+                    </a:schemeClr>
+                  </a:lnRef>
+                  <a:fillRef idx="1">
+                    <a:schemeClr val="accent1"/>
+                  </a:fillRef>
+                  <a:effectRef idx="0">
+                    <a:schemeClr val="accent1"/>
+                  </a:effectRef>
+                  <a:fontRef idx="minor">
+                    <a:schemeClr val="lt1"/>
+                  </a:fontRef>
+                </p:style>
+                <p:txBody>
+                  <a:bodyPr rtlCol="0" anchor="ctr"/>
+                  <a:lstStyle/>
+                  <a:p>
+                    <a:pPr algn="ctr"/>
+                    <a:endParaRPr lang="en-US">
+                      <a:solidFill>
+                        <a:schemeClr val="tx1"/>
+                      </a:solidFill>
+                    </a:endParaRPr>
+                  </a:p>
+                </p:txBody>
+              </p:sp>
+              <p:sp>
+                <p:nvSpPr>
+                  <p:cNvPr id="60" name="Oval 59"/>
+                  <p:cNvSpPr/>
+                  <p:nvPr/>
+                </p:nvSpPr>
+                <p:spPr>
+                  <a:xfrm>
+                    <a:off x="8216604" y="4006426"/>
+                    <a:ext cx="120943" cy="119766"/>
+                  </a:xfrm>
+                  <a:prstGeom prst="ellipse">
+                    <a:avLst/>
+                  </a:prstGeom>
+                  <a:solidFill>
+                    <a:schemeClr val="tx1"/>
+                  </a:solidFill>
+                  <a:ln w="38100">
+                    <a:solidFill>
+                      <a:schemeClr val="tx1"/>
+                    </a:solidFill>
+                  </a:ln>
+                </p:spPr>
+                <p:style>
+                  <a:lnRef idx="2">
+                    <a:schemeClr val="accent1">
+                      <a:shade val="50000"/>
+                    </a:schemeClr>
+                  </a:lnRef>
+                  <a:fillRef idx="1">
+                    <a:schemeClr val="accent1"/>
+                  </a:fillRef>
+                  <a:effectRef idx="0">
+                    <a:schemeClr val="accent1"/>
+                  </a:effectRef>
+                  <a:fontRef idx="minor">
+                    <a:schemeClr val="lt1"/>
+                  </a:fontRef>
+                </p:style>
+                <p:txBody>
+                  <a:bodyPr rtlCol="0" anchor="ctr"/>
+                  <a:lstStyle/>
+                  <a:p>
+                    <a:pPr algn="ctr"/>
+                    <a:endParaRPr lang="en-US"/>
+                  </a:p>
+                </p:txBody>
+              </p:sp>
+              <p:cxnSp>
+                <p:nvCxnSpPr>
+                  <p:cNvPr id="62" name="Straight Arrow Connector 61"/>
+                  <p:cNvCxnSpPr>
+                    <a:stCxn id="60" idx="2"/>
+                  </p:cNvCxnSpPr>
+                  <p:nvPr/>
+                </p:nvCxnSpPr>
+                <p:spPr>
+                  <a:xfrm flipH="1">
+                    <a:off x="7716325" y="4066309"/>
+                    <a:ext cx="500279" cy="0"/>
+                  </a:xfrm>
+                  <a:prstGeom prst="straightConnector1">
+                    <a:avLst/>
+                  </a:prstGeom>
+                  <a:ln w="38100">
+                    <a:solidFill>
+                      <a:schemeClr val="tx1"/>
+                    </a:solidFill>
+                    <a:tailEnd type="triangle"/>
+                  </a:ln>
+                </p:spPr>
+                <p:style>
+                  <a:lnRef idx="1">
+                    <a:schemeClr val="accent1"/>
+                  </a:lnRef>
+                  <a:fillRef idx="0">
+                    <a:schemeClr val="accent1"/>
+                  </a:fillRef>
+                  <a:effectRef idx="0">
+                    <a:schemeClr val="accent1"/>
+                  </a:effectRef>
+                  <a:fontRef idx="minor">
+                    <a:schemeClr val="tx1"/>
+                  </a:fontRef>
+                </p:style>
+              </p:cxnSp>
+              <p:cxnSp>
+                <p:nvCxnSpPr>
+                  <p:cNvPr id="63" name="Straight Arrow Connector 62"/>
+                  <p:cNvCxnSpPr/>
+                  <p:nvPr/>
+                </p:nvCxnSpPr>
+                <p:spPr>
+                  <a:xfrm>
+                    <a:off x="8337547" y="4066309"/>
+                    <a:ext cx="326979" cy="0"/>
+                  </a:xfrm>
+                  <a:prstGeom prst="straightConnector1">
+                    <a:avLst/>
+                  </a:prstGeom>
+                  <a:ln w="38100">
+                    <a:solidFill>
+                      <a:schemeClr val="tx1"/>
+                    </a:solidFill>
+                    <a:tailEnd type="triangle"/>
+                  </a:ln>
+                </p:spPr>
+                <p:style>
+                  <a:lnRef idx="1">
+                    <a:schemeClr val="accent1"/>
+                  </a:lnRef>
+                  <a:fillRef idx="0">
+                    <a:schemeClr val="accent1"/>
+                  </a:fillRef>
+                  <a:effectRef idx="0">
+                    <a:schemeClr val="accent1"/>
+                  </a:effectRef>
+                  <a:fontRef idx="minor">
+                    <a:schemeClr val="tx1"/>
+                  </a:fontRef>
+                </p:style>
+              </p:cxnSp>
+              <p:sp>
+                <p:nvSpPr>
+                  <p:cNvPr id="67" name="Oval 66"/>
+                  <p:cNvSpPr/>
+                  <p:nvPr/>
+                </p:nvSpPr>
+                <p:spPr>
+                  <a:xfrm>
+                    <a:off x="6054578" y="1987973"/>
+                    <a:ext cx="120943" cy="119766"/>
+                  </a:xfrm>
+                  <a:prstGeom prst="ellipse">
+                    <a:avLst/>
+                  </a:prstGeom>
+                  <a:solidFill>
+                    <a:schemeClr val="tx1"/>
+                  </a:solidFill>
+                  <a:ln w="38100">
+                    <a:solidFill>
+                      <a:schemeClr val="tx1"/>
+                    </a:solidFill>
+                  </a:ln>
+                </p:spPr>
+                <p:style>
+                  <a:lnRef idx="2">
+                    <a:schemeClr val="accent1">
+                      <a:shade val="50000"/>
+                    </a:schemeClr>
+                  </a:lnRef>
+                  <a:fillRef idx="1">
+                    <a:schemeClr val="accent1"/>
+                  </a:fillRef>
+                  <a:effectRef idx="0">
+                    <a:schemeClr val="accent1"/>
+                  </a:effectRef>
+                  <a:fontRef idx="minor">
+                    <a:schemeClr val="lt1"/>
+                  </a:fontRef>
+                </p:style>
+                <p:txBody>
+                  <a:bodyPr rtlCol="0" anchor="ctr"/>
+                  <a:lstStyle/>
+                  <a:p>
+                    <a:pPr algn="ctr"/>
+                    <a:endParaRPr lang="en-US"/>
+                  </a:p>
+                </p:txBody>
+              </p:sp>
+              <p:cxnSp>
+                <p:nvCxnSpPr>
+                  <p:cNvPr id="68" name="Straight Arrow Connector 67"/>
+                  <p:cNvCxnSpPr/>
+                  <p:nvPr/>
+                </p:nvCxnSpPr>
+                <p:spPr>
+                  <a:xfrm>
+                    <a:off x="6117785" y="2087086"/>
+                    <a:ext cx="0" cy="532763"/>
+                  </a:xfrm>
+                  <a:prstGeom prst="straightConnector1">
+                    <a:avLst/>
+                  </a:prstGeom>
+                  <a:ln w="38100">
+                    <a:solidFill>
+                      <a:schemeClr val="tx1"/>
+                    </a:solidFill>
+                    <a:tailEnd type="triangle"/>
+                  </a:ln>
+                </p:spPr>
+                <p:style>
+                  <a:lnRef idx="1">
+                    <a:schemeClr val="accent1"/>
+                  </a:lnRef>
+                  <a:fillRef idx="0">
+                    <a:schemeClr val="accent1"/>
+                  </a:fillRef>
+                  <a:effectRef idx="0">
+                    <a:schemeClr val="accent1"/>
+                  </a:effectRef>
+                  <a:fontRef idx="minor">
+                    <a:schemeClr val="tx1"/>
+                  </a:fontRef>
+                </p:style>
+              </p:cxnSp>
+              <p:cxnSp>
+                <p:nvCxnSpPr>
+                  <p:cNvPr id="69" name="Straight Arrow Connector 68"/>
+                  <p:cNvCxnSpPr/>
+                  <p:nvPr/>
+                </p:nvCxnSpPr>
+                <p:spPr>
+                  <a:xfrm flipV="1">
+                    <a:off x="6115050" y="1453402"/>
+                    <a:ext cx="0" cy="522548"/>
+                  </a:xfrm>
+                  <a:prstGeom prst="straightConnector1">
+                    <a:avLst/>
+                  </a:prstGeom>
+                  <a:ln w="38100">
+                    <a:solidFill>
+                      <a:schemeClr val="tx1"/>
+                    </a:solidFill>
+                    <a:tailEnd type="triangle"/>
+                  </a:ln>
+                </p:spPr>
+                <p:style>
+                  <a:lnRef idx="1">
+                    <a:schemeClr val="accent1"/>
+                  </a:lnRef>
+                  <a:fillRef idx="0">
+                    <a:schemeClr val="accent1"/>
+                  </a:fillRef>
+                  <a:effectRef idx="0">
+                    <a:schemeClr val="accent1"/>
+                  </a:effectRef>
+                  <a:fontRef idx="minor">
+                    <a:schemeClr val="tx1"/>
+                  </a:fontRef>
+                </p:style>
+              </p:cxnSp>
+              <mc:AlternateContent xmlns:mc="http://schemas.openxmlformats.org/markup-compatibility/2006">
+                <mc:Choice xmlns:a14="http://schemas.microsoft.com/office/drawing/2010/main" Requires="a14">
+                  <p:sp>
+                    <p:nvSpPr>
+                      <p:cNvPr id="74" name="TextBox 73"/>
+                      <p:cNvSpPr txBox="1"/>
+                      <p:nvPr/>
+                    </p:nvSpPr>
+                    <p:spPr>
+                      <a:xfrm>
+                        <a:off x="6182708" y="2156672"/>
+                        <a:ext cx="303865" cy="377219"/>
+                      </a:xfrm>
+                      <a:prstGeom prst="rect">
+                        <a:avLst/>
+                      </a:prstGeom>
+                      <a:noFill/>
+                    </p:spPr>
+                    <p:txBody>
+                      <a:bodyPr wrap="none" lIns="0" tIns="0" rIns="0" bIns="0" rtlCol="0">
+                        <a:spAutoFit/>
+                      </a:bodyPr>
+                      <a:lstStyle/>
+                      <a:p>
+                        <a14:m>
+                          <m:oMathPara xmlns:m="http://schemas.openxmlformats.org/officeDocument/2006/math">
+                            <m:oMathParaPr>
+                              <m:jc m:val="centerGroup"/>
+                            </m:oMathParaPr>
+                            <m:oMath xmlns:m="http://schemas.openxmlformats.org/officeDocument/2006/math">
+                              <m:sSub>
+                                <m:sSubPr>
+                                  <m:ctrlPr>
+                                    <a:rPr lang="en-US" sz="2000" b="0" i="1" smtClean="0">
+                                      <a:latin typeface="Cambria Math" panose="02040503050406030204" pitchFamily="18" charset="0"/>
+                                      <a:cs typeface="Arial" panose="020B0604020202020204" pitchFamily="34" charset="0"/>
+                                    </a:rPr>
+                                  </m:ctrlPr>
+                                </m:sSubPr>
+                                <m:e>
+                                  <m:acc>
+                                    <m:accPr>
+                                      <m:chr m:val="⃗"/>
+                                      <m:ctrlPr>
+                                        <a:rPr lang="en-US" sz="2000" b="0" i="1" smtClean="0">
+                                          <a:latin typeface="Cambria Math" panose="02040503050406030204" pitchFamily="18" charset="0"/>
+                                          <a:cs typeface="Arial" panose="020B0604020202020204" pitchFamily="34" charset="0"/>
+                                        </a:rPr>
+                                      </m:ctrlPr>
+                                    </m:accPr>
+                                    <m:e>
+                                      <m:r>
+                                        <a:rPr lang="en-US" sz="2000" b="0" i="1" smtClean="0">
+                                          <a:latin typeface="Cambria Math" panose="02040503050406030204" pitchFamily="18" charset="0"/>
+                                          <a:cs typeface="Arial" panose="020B0604020202020204" pitchFamily="34" charset="0"/>
+                                        </a:rPr>
+                                        <m:t>𝐹</m:t>
+                                      </m:r>
+                                    </m:e>
+                                  </m:acc>
+                                </m:e>
+                                <m:sub>
+                                  <m:r>
+                                    <a:rPr lang="en-US" sz="2000" b="0" i="1" smtClean="0">
+                                      <a:latin typeface="Cambria Math" panose="02040503050406030204" pitchFamily="18" charset="0"/>
+                                      <a:cs typeface="Arial" panose="020B0604020202020204" pitchFamily="34" charset="0"/>
+                                    </a:rPr>
+                                    <m:t>𝑔</m:t>
+                                  </m:r>
+                                </m:sub>
+                              </m:sSub>
+                            </m:oMath>
+                          </m:oMathPara>
+                        </a14:m>
+                        <a:endParaRPr lang="en-US" sz="2000" dirty="0" smtClean="0">
+                          <a:latin typeface="Arial" panose="020B0604020202020204" pitchFamily="34" charset="0"/>
+                          <a:cs typeface="Arial" panose="020B0604020202020204" pitchFamily="34" charset="0"/>
+                        </a:endParaRPr>
+                      </a:p>
+                    </p:txBody>
+                  </p:sp>
+                </mc:Choice>
+                <mc:Fallback>
+                  <p:sp>
+                    <p:nvSpPr>
+                      <p:cNvPr id="74" name="TextBox 73"/>
+                      <p:cNvSpPr txBox="1">
+                        <a:spLocks noRot="1" noChangeAspect="1" noMove="1" noResize="1" noEditPoints="1" noAdjustHandles="1" noChangeArrowheads="1" noChangeShapeType="1" noTextEdit="1"/>
+                      </p:cNvSpPr>
+                      <p:nvPr/>
+                    </p:nvSpPr>
+                    <p:spPr>
+                      <a:xfrm>
+                        <a:off x="6182708" y="2156672"/>
+                        <a:ext cx="303865" cy="377219"/>
+                      </a:xfrm>
+                      <a:prstGeom prst="rect">
+                        <a:avLst/>
+                      </a:prstGeom>
+                      <a:blipFill>
+                        <a:blip r:embed="rId12"/>
+                        <a:stretch>
+                          <a:fillRect l="-18000" t="-32258" r="-70000" b="-17742"/>
+                        </a:stretch>
+                      </a:blipFill>
+                    </p:spPr>
+                    <p:txBody>
+                      <a:bodyPr/>
+                      <a:lstStyle/>
+                      <a:p>
+                        <a:r>
+                          <a:rPr lang="en-US">
+                            <a:noFill/>
+                          </a:rPr>
+                          <a:t> </a:t>
+                        </a:r>
+                      </a:p>
+                    </p:txBody>
+                  </p:sp>
+                </mc:Fallback>
+              </mc:AlternateContent>
+              <mc:AlternateContent xmlns:mc="http://schemas.openxmlformats.org/markup-compatibility/2006">
+                <mc:Choice xmlns:a14="http://schemas.microsoft.com/office/drawing/2010/main" Requires="a14">
+                  <p:sp>
+                    <p:nvSpPr>
+                      <p:cNvPr id="75" name="TextBox 74"/>
+                      <p:cNvSpPr txBox="1"/>
+                      <p:nvPr/>
+                    </p:nvSpPr>
+                    <p:spPr>
+                      <a:xfrm>
+                        <a:off x="7814532" y="4108107"/>
+                        <a:ext cx="303865" cy="377219"/>
+                      </a:xfrm>
+                      <a:prstGeom prst="rect">
+                        <a:avLst/>
+                      </a:prstGeom>
+                      <a:noFill/>
+                    </p:spPr>
+                    <p:txBody>
+                      <a:bodyPr wrap="none" lIns="0" tIns="0" rIns="0" bIns="0" rtlCol="0">
+                        <a:spAutoFit/>
+                      </a:bodyPr>
+                      <a:lstStyle/>
+                      <a:p>
+                        <a14:m>
+                          <m:oMathPara xmlns:m="http://schemas.openxmlformats.org/officeDocument/2006/math">
+                            <m:oMathParaPr>
+                              <m:jc m:val="centerGroup"/>
+                            </m:oMathParaPr>
+                            <m:oMath xmlns:m="http://schemas.openxmlformats.org/officeDocument/2006/math">
+                              <m:sSub>
+                                <m:sSubPr>
+                                  <m:ctrlPr>
+                                    <a:rPr lang="en-US" sz="2000" b="0" i="1" smtClean="0">
+                                      <a:latin typeface="Cambria Math" panose="02040503050406030204" pitchFamily="18" charset="0"/>
+                                      <a:cs typeface="Arial" panose="020B0604020202020204" pitchFamily="34" charset="0"/>
+                                    </a:rPr>
+                                  </m:ctrlPr>
+                                </m:sSubPr>
+                                <m:e>
+                                  <m:acc>
+                                    <m:accPr>
+                                      <m:chr m:val="⃗"/>
+                                      <m:ctrlPr>
+                                        <a:rPr lang="en-US" sz="2000" b="0" i="1" smtClean="0">
+                                          <a:latin typeface="Cambria Math" panose="02040503050406030204" pitchFamily="18" charset="0"/>
+                                          <a:cs typeface="Arial" panose="020B0604020202020204" pitchFamily="34" charset="0"/>
+                                        </a:rPr>
+                                      </m:ctrlPr>
+                                    </m:accPr>
+                                    <m:e>
+                                      <m:r>
+                                        <a:rPr lang="en-US" sz="2000" b="0" i="1" smtClean="0">
+                                          <a:latin typeface="Cambria Math" panose="02040503050406030204" pitchFamily="18" charset="0"/>
+                                          <a:cs typeface="Arial" panose="020B0604020202020204" pitchFamily="34" charset="0"/>
+                                        </a:rPr>
+                                        <m:t>𝐹</m:t>
+                                      </m:r>
+                                    </m:e>
+                                  </m:acc>
+                                </m:e>
+                                <m:sub>
+                                  <m:r>
+                                    <a:rPr lang="en-US" sz="2000" b="0" i="1" smtClean="0">
+                                      <a:latin typeface="Cambria Math" panose="02040503050406030204" pitchFamily="18" charset="0"/>
+                                      <a:cs typeface="Arial" panose="020B0604020202020204" pitchFamily="34" charset="0"/>
+                                    </a:rPr>
+                                    <m:t>𝑔</m:t>
+                                  </m:r>
+                                </m:sub>
+                              </m:sSub>
+                            </m:oMath>
+                          </m:oMathPara>
+                        </a14:m>
+                        <a:endParaRPr lang="en-US" sz="2000" dirty="0" smtClean="0">
+                          <a:latin typeface="Arial" panose="020B0604020202020204" pitchFamily="34" charset="0"/>
+                          <a:cs typeface="Arial" panose="020B0604020202020204" pitchFamily="34" charset="0"/>
+                        </a:endParaRPr>
+                      </a:p>
+                    </p:txBody>
+                  </p:sp>
+                </mc:Choice>
+                <mc:Fallback>
+                  <p:sp>
+                    <p:nvSpPr>
+                      <p:cNvPr id="75" name="TextBox 74"/>
+                      <p:cNvSpPr txBox="1">
+                        <a:spLocks noRot="1" noChangeAspect="1" noMove="1" noResize="1" noEditPoints="1" noAdjustHandles="1" noChangeArrowheads="1" noChangeShapeType="1" noTextEdit="1"/>
+                      </p:cNvSpPr>
+                      <p:nvPr/>
+                    </p:nvSpPr>
+                    <p:spPr>
+                      <a:xfrm>
+                        <a:off x="7814532" y="4108107"/>
+                        <a:ext cx="303865" cy="377219"/>
+                      </a:xfrm>
+                      <a:prstGeom prst="rect">
+                        <a:avLst/>
+                      </a:prstGeom>
+                      <a:blipFill>
+                        <a:blip r:embed="rId13"/>
+                        <a:stretch>
+                          <a:fillRect l="-16000" t="-32258" r="-72000" b="-17742"/>
+                        </a:stretch>
+                      </a:blipFill>
+                    </p:spPr>
+                    <p:txBody>
+                      <a:bodyPr/>
+                      <a:lstStyle/>
+                      <a:p>
+                        <a:r>
+                          <a:rPr lang="en-US">
+                            <a:noFill/>
+                          </a:rPr>
+                          <a:t> </a:t>
+                        </a:r>
+                      </a:p>
+                    </p:txBody>
+                  </p:sp>
+                </mc:Fallback>
+              </mc:AlternateContent>
+              <mc:AlternateContent xmlns:mc="http://schemas.openxmlformats.org/markup-compatibility/2006">
+                <mc:Choice xmlns:a14="http://schemas.microsoft.com/office/drawing/2010/main" Requires="a14">
+                  <p:sp>
+                    <p:nvSpPr>
+                      <p:cNvPr id="76" name="TextBox 75"/>
+                      <p:cNvSpPr txBox="1"/>
+                      <p:nvPr/>
+                    </p:nvSpPr>
+                    <p:spPr>
+                      <a:xfrm>
+                        <a:off x="8368852" y="4124136"/>
+                        <a:ext cx="264367" cy="345159"/>
+                      </a:xfrm>
+                      <a:prstGeom prst="rect">
+                        <a:avLst/>
+                      </a:prstGeom>
+                      <a:noFill/>
+                    </p:spPr>
+                    <p:txBody>
+                      <a:bodyPr wrap="none" lIns="0" tIns="0" rIns="0" bIns="0" rtlCol="0">
+                        <a:spAutoFit/>
+                      </a:bodyPr>
+                      <a:lstStyle/>
+                      <a:p>
+                        <a14:m>
+                          <m:oMathPara xmlns:m="http://schemas.openxmlformats.org/officeDocument/2006/math">
+                            <m:oMathParaPr>
+                              <m:jc m:val="centerGroup"/>
+                            </m:oMathParaPr>
+                            <m:oMath xmlns:m="http://schemas.openxmlformats.org/officeDocument/2006/math">
+                              <m:acc>
+                                <m:accPr>
+                                  <m:chr m:val="⃗"/>
+                                  <m:ctrlPr>
+                                    <a:rPr lang="en-US" sz="2000" b="0" i="1" smtClean="0">
+                                      <a:latin typeface="Cambria Math" panose="02040503050406030204" pitchFamily="18" charset="0"/>
+                                      <a:cs typeface="Arial" panose="020B0604020202020204" pitchFamily="34" charset="0"/>
+                                    </a:rPr>
+                                  </m:ctrlPr>
+                                </m:accPr>
+                                <m:e>
+                                  <m:r>
+                                    <a:rPr lang="en-US" sz="2000" b="0" i="1" smtClean="0">
+                                      <a:latin typeface="Cambria Math" panose="02040503050406030204" pitchFamily="18" charset="0"/>
+                                      <a:cs typeface="Arial" panose="020B0604020202020204" pitchFamily="34" charset="0"/>
+                                    </a:rPr>
+                                    <m:t>𝑁</m:t>
+                                  </m:r>
+                                </m:e>
+                              </m:acc>
+                            </m:oMath>
+                          </m:oMathPara>
+                        </a14:m>
+                        <a:endParaRPr lang="en-US" sz="2000" dirty="0" smtClean="0">
+                          <a:latin typeface="Arial" panose="020B0604020202020204" pitchFamily="34" charset="0"/>
+                          <a:cs typeface="Arial" panose="020B0604020202020204" pitchFamily="34" charset="0"/>
+                        </a:endParaRPr>
+                      </a:p>
+                    </p:txBody>
+                  </p:sp>
+                </mc:Choice>
+                <mc:Fallback>
+                  <p:sp>
+                    <p:nvSpPr>
+                      <p:cNvPr id="76" name="TextBox 75"/>
+                      <p:cNvSpPr txBox="1">
+                        <a:spLocks noRot="1" noChangeAspect="1" noMove="1" noResize="1" noEditPoints="1" noAdjustHandles="1" noChangeArrowheads="1" noChangeShapeType="1" noTextEdit="1"/>
+                      </p:cNvSpPr>
+                      <p:nvPr/>
+                    </p:nvSpPr>
+                    <p:spPr>
+                      <a:xfrm>
+                        <a:off x="8368852" y="4124136"/>
+                        <a:ext cx="264367" cy="345159"/>
+                      </a:xfrm>
+                      <a:prstGeom prst="rect">
+                        <a:avLst/>
+                      </a:prstGeom>
+                      <a:blipFill>
+                        <a:blip r:embed="rId14"/>
+                        <a:stretch>
+                          <a:fillRect l="-18182" r="-18182" b="-8772"/>
+                        </a:stretch>
+                      </a:blipFill>
+                    </p:spPr>
+                    <p:txBody>
+                      <a:bodyPr/>
+                      <a:lstStyle/>
+                      <a:p>
+                        <a:r>
+                          <a:rPr lang="en-US">
+                            <a:noFill/>
+                          </a:rPr>
+                          <a:t> </a:t>
+                        </a:r>
+                      </a:p>
+                    </p:txBody>
+                  </p:sp>
+                </mc:Fallback>
+              </mc:AlternateContent>
+              <mc:AlternateContent xmlns:mc="http://schemas.openxmlformats.org/markup-compatibility/2006">
+                <mc:Choice xmlns:a14="http://schemas.microsoft.com/office/drawing/2010/main" Requires="a14">
+                  <p:sp>
+                    <p:nvSpPr>
+                      <p:cNvPr id="77" name="TextBox 76"/>
+                      <p:cNvSpPr txBox="1"/>
+                      <p:nvPr/>
+                    </p:nvSpPr>
+                    <p:spPr>
+                      <a:xfrm>
+                        <a:off x="6175521" y="1585712"/>
+                        <a:ext cx="264367" cy="345159"/>
+                      </a:xfrm>
+                      <a:prstGeom prst="rect">
+                        <a:avLst/>
+                      </a:prstGeom>
+                      <a:noFill/>
+                    </p:spPr>
+                    <p:txBody>
+                      <a:bodyPr wrap="none" lIns="0" tIns="0" rIns="0" bIns="0" rtlCol="0">
+                        <a:spAutoFit/>
+                      </a:bodyPr>
+                      <a:lstStyle/>
+                      <a:p>
+                        <a14:m>
+                          <m:oMathPara xmlns:m="http://schemas.openxmlformats.org/officeDocument/2006/math">
+                            <m:oMathParaPr>
+                              <m:jc m:val="centerGroup"/>
+                            </m:oMathParaPr>
+                            <m:oMath xmlns:m="http://schemas.openxmlformats.org/officeDocument/2006/math">
+                              <m:acc>
+                                <m:accPr>
+                                  <m:chr m:val="⃗"/>
+                                  <m:ctrlPr>
+                                    <a:rPr lang="en-US" sz="2000" b="0" i="1" smtClean="0">
+                                      <a:latin typeface="Cambria Math" panose="02040503050406030204" pitchFamily="18" charset="0"/>
+                                      <a:cs typeface="Arial" panose="020B0604020202020204" pitchFamily="34" charset="0"/>
+                                    </a:rPr>
+                                  </m:ctrlPr>
+                                </m:accPr>
+                                <m:e>
+                                  <m:r>
+                                    <a:rPr lang="en-US" sz="2000" b="0" i="1" smtClean="0">
+                                      <a:latin typeface="Cambria Math" panose="02040503050406030204" pitchFamily="18" charset="0"/>
+                                      <a:cs typeface="Arial" panose="020B0604020202020204" pitchFamily="34" charset="0"/>
+                                    </a:rPr>
+                                    <m:t>𝑁</m:t>
+                                  </m:r>
+                                </m:e>
+                              </m:acc>
+                            </m:oMath>
+                          </m:oMathPara>
+                        </a14:m>
+                        <a:endParaRPr lang="en-US" sz="2000" dirty="0" smtClean="0">
+                          <a:latin typeface="Arial" panose="020B0604020202020204" pitchFamily="34" charset="0"/>
+                          <a:cs typeface="Arial" panose="020B0604020202020204" pitchFamily="34" charset="0"/>
+                        </a:endParaRPr>
+                      </a:p>
+                    </p:txBody>
+                  </p:sp>
+                </mc:Choice>
+                <mc:Fallback>
+                  <p:sp>
+                    <p:nvSpPr>
+                      <p:cNvPr id="77" name="TextBox 76"/>
+                      <p:cNvSpPr txBox="1">
+                        <a:spLocks noRot="1" noChangeAspect="1" noMove="1" noResize="1" noEditPoints="1" noAdjustHandles="1" noChangeArrowheads="1" noChangeShapeType="1" noTextEdit="1"/>
+                      </p:cNvSpPr>
+                      <p:nvPr/>
+                    </p:nvSpPr>
+                    <p:spPr>
+                      <a:xfrm>
+                        <a:off x="6175521" y="1585712"/>
+                        <a:ext cx="264367" cy="345159"/>
+                      </a:xfrm>
+                      <a:prstGeom prst="rect">
+                        <a:avLst/>
+                      </a:prstGeom>
+                      <a:blipFill>
+                        <a:blip r:embed="rId15"/>
+                        <a:stretch>
+                          <a:fillRect l="-20930" r="-18605" b="-8772"/>
+                        </a:stretch>
+                      </a:blipFill>
+                    </p:spPr>
+                    <p:txBody>
+                      <a:bodyPr/>
+                      <a:lstStyle/>
+                      <a:p>
+                        <a:r>
+                          <a:rPr lang="en-US">
+                            <a:noFill/>
+                          </a:rPr>
+                          <a:t> </a:t>
+                        </a:r>
+                      </a:p>
+                    </p:txBody>
+                  </p:sp>
+                </mc:Fallback>
+              </mc:AlternateContent>
+              <p:sp>
+                <p:nvSpPr>
+                  <p:cNvPr id="78" name="Right Arrow 77"/>
+                  <p:cNvSpPr/>
+                  <p:nvPr/>
+                </p:nvSpPr>
+                <p:spPr>
+                  <a:xfrm rot="10800000">
+                    <a:off x="7866140" y="3730456"/>
+                    <a:ext cx="700928" cy="118979"/>
+                  </a:xfrm>
+                  <a:prstGeom prst="rightArrow">
+                    <a:avLst/>
+                  </a:prstGeom>
+                  <a:solidFill>
+                    <a:schemeClr val="tx1"/>
+                  </a:solidFill>
+                  <a:ln w="38100">
+                    <a:solidFill>
+                      <a:schemeClr val="tx1"/>
+                    </a:solidFill>
+                  </a:ln>
+                </p:spPr>
+                <p:style>
+                  <a:lnRef idx="2">
+                    <a:schemeClr val="accent1">
+                      <a:shade val="50000"/>
+                    </a:schemeClr>
+                  </a:lnRef>
+                  <a:fillRef idx="1">
+                    <a:schemeClr val="accent1"/>
+                  </a:fillRef>
+                  <a:effectRef idx="0">
+                    <a:schemeClr val="accent1"/>
+                  </a:effectRef>
+                  <a:fontRef idx="minor">
+                    <a:schemeClr val="lt1"/>
+                  </a:fontRef>
+                </p:style>
+                <p:txBody>
+                  <a:bodyPr rtlCol="0" anchor="ctr"/>
+                  <a:lstStyle/>
+                  <a:p>
+                    <a:pPr algn="ctr"/>
+                    <a:endParaRPr lang="en-US" dirty="0"/>
+                  </a:p>
+                </p:txBody>
+              </p:sp>
+              <mc:AlternateContent xmlns:mc="http://schemas.openxmlformats.org/markup-compatibility/2006">
+                <mc:Choice xmlns:a14="http://schemas.microsoft.com/office/drawing/2010/main" Requires="a14">
+                  <p:sp>
+                    <p:nvSpPr>
+                      <p:cNvPr id="79" name="TextBox 78"/>
+                      <p:cNvSpPr txBox="1"/>
+                      <p:nvPr/>
+                    </p:nvSpPr>
+                    <p:spPr>
+                      <a:xfrm>
+                        <a:off x="8118397" y="3419576"/>
+                        <a:ext cx="219483" cy="307777"/>
+                      </a:xfrm>
+                      <a:prstGeom prst="rect">
+                        <a:avLst/>
+                      </a:prstGeom>
+                      <a:noFill/>
+                    </p:spPr>
+                    <p:txBody>
+                      <a:bodyPr wrap="none" lIns="0" tIns="0" rIns="0" bIns="0" rtlCol="0">
+                        <a:spAutoFit/>
+                      </a:bodyPr>
+                      <a:lstStyle/>
+                      <a:p>
+                        <a14:m>
+                          <m:oMathPara xmlns:m="http://schemas.openxmlformats.org/officeDocument/2006/math">
+                            <m:oMathParaPr>
+                              <m:jc m:val="centerGroup"/>
+                            </m:oMathParaPr>
+                            <m:oMath xmlns:m="http://schemas.openxmlformats.org/officeDocument/2006/math">
+                              <m:acc>
+                                <m:accPr>
+                                  <m:chr m:val="⃗"/>
+                                  <m:ctrlPr>
+                                    <a:rPr lang="en-US" sz="2000" b="0" i="1" smtClean="0">
+                                      <a:latin typeface="Cambria Math" panose="02040503050406030204" pitchFamily="18" charset="0"/>
+                                      <a:cs typeface="Arial" panose="020B0604020202020204" pitchFamily="34" charset="0"/>
+                                    </a:rPr>
+                                  </m:ctrlPr>
+                                </m:accPr>
+                                <m:e>
+                                  <m:r>
+                                    <a:rPr lang="en-US" sz="2000" b="0" i="1" smtClean="0">
+                                      <a:latin typeface="Cambria Math" panose="02040503050406030204" pitchFamily="18" charset="0"/>
+                                      <a:cs typeface="Arial" panose="020B0604020202020204" pitchFamily="34" charset="0"/>
+                                    </a:rPr>
+                                    <m:t>𝑎</m:t>
+                                  </m:r>
+                                </m:e>
+                              </m:acc>
+                            </m:oMath>
+                          </m:oMathPara>
+                        </a14:m>
+                        <a:endParaRPr lang="en-US" sz="2000" dirty="0" smtClean="0">
+                          <a:latin typeface="Arial" panose="020B0604020202020204" pitchFamily="34" charset="0"/>
+                          <a:cs typeface="Arial" panose="020B0604020202020204" pitchFamily="34" charset="0"/>
+                        </a:endParaRPr>
+                      </a:p>
+                    </p:txBody>
+                  </p:sp>
+                </mc:Choice>
+                <mc:Fallback>
+                  <p:sp>
+                    <p:nvSpPr>
+                      <p:cNvPr id="79" name="TextBox 78"/>
+                      <p:cNvSpPr txBox="1">
+                        <a:spLocks noRot="1" noChangeAspect="1" noMove="1" noResize="1" noEditPoints="1" noAdjustHandles="1" noChangeArrowheads="1" noChangeShapeType="1" noTextEdit="1"/>
+                      </p:cNvSpPr>
+                      <p:nvPr/>
+                    </p:nvSpPr>
+                    <p:spPr>
+                      <a:xfrm>
+                        <a:off x="8118397" y="3419576"/>
+                        <a:ext cx="219483" cy="307777"/>
+                      </a:xfrm>
+                      <a:prstGeom prst="rect">
+                        <a:avLst/>
+                      </a:prstGeom>
+                      <a:blipFill>
+                        <a:blip r:embed="rId16"/>
+                        <a:stretch>
+                          <a:fillRect l="-19444" t="-36000" r="-94444" b="-6000"/>
+                        </a:stretch>
+                      </a:blipFill>
+                    </p:spPr>
+                    <p:txBody>
+                      <a:bodyPr/>
+                      <a:lstStyle/>
+                      <a:p>
+                        <a:r>
+                          <a:rPr lang="en-US">
+                            <a:noFill/>
+                          </a:rPr>
+                          <a:t> </a:t>
+                        </a:r>
+                      </a:p>
+                    </p:txBody>
+                  </p:sp>
+                </mc:Fallback>
+              </mc:AlternateContent>
+            </p:grpSp>
+            <mc:AlternateContent xmlns:mc="http://schemas.openxmlformats.org/markup-compatibility/2006">
+              <mc:Choice xmlns:a14="http://schemas.microsoft.com/office/drawing/2010/main" Requires="a14">
+                <p:sp>
+                  <p:nvSpPr>
+                    <p:cNvPr id="81" name="TextBox 80"/>
+                    <p:cNvSpPr txBox="1"/>
+                    <p:nvPr/>
+                  </p:nvSpPr>
+                  <p:spPr>
+                    <a:xfrm>
+                      <a:off x="7873909" y="3648808"/>
+                      <a:ext cx="989886" cy="307777"/>
+                    </a:xfrm>
+                    <a:prstGeom prst="rect">
+                      <a:avLst/>
+                    </a:prstGeom>
+                    <a:noFill/>
+                  </p:spPr>
+                  <p:txBody>
+                    <a:bodyPr wrap="none" lIns="0" tIns="0" rIns="0" bIns="0" rtlCol="0">
+                      <a:spAutoFit/>
+                    </a:bodyPr>
+                    <a:lstStyle/>
+                    <a:p>
+                      <a14:m>
+                        <m:oMathPara xmlns:m="http://schemas.openxmlformats.org/officeDocument/2006/math">
+                          <m:oMathParaPr>
+                            <m:jc m:val="centerGroup"/>
+                          </m:oMathParaPr>
+                          <m:oMath xmlns:m="http://schemas.openxmlformats.org/officeDocument/2006/math">
+                            <m:r>
+                              <a:rPr lang="en-US" sz="2000" b="0" i="1" smtClean="0">
+                                <a:latin typeface="Cambria Math" panose="02040503050406030204" pitchFamily="18" charset="0"/>
+                                <a:cs typeface="Arial" panose="020B0604020202020204" pitchFamily="34" charset="0"/>
+                              </a:rPr>
+                              <m:t>𝑒𝑞𝑢𝑎𝑡𝑜𝑟</m:t>
+                            </m:r>
+                          </m:oMath>
+                        </m:oMathPara>
+                      </a14:m>
+                      <a:endParaRPr lang="en-US" sz="2000" dirty="0" smtClean="0">
+                        <a:latin typeface="Arial" panose="020B0604020202020204" pitchFamily="34" charset="0"/>
+                        <a:cs typeface="Arial" panose="020B0604020202020204" pitchFamily="34" charset="0"/>
+                      </a:endParaRPr>
+                    </a:p>
+                  </p:txBody>
+                </p:sp>
+              </mc:Choice>
+              <mc:Fallback>
+                <p:sp>
+                  <p:nvSpPr>
+                    <p:cNvPr id="81" name="TextBox 80"/>
+                    <p:cNvSpPr txBox="1">
+                      <a:spLocks noRot="1" noChangeAspect="1" noMove="1" noResize="1" noEditPoints="1" noAdjustHandles="1" noChangeArrowheads="1" noChangeShapeType="1" noTextEdit="1"/>
+                    </p:cNvSpPr>
+                    <p:nvPr/>
+                  </p:nvSpPr>
+                  <p:spPr>
+                    <a:xfrm>
+                      <a:off x="7873909" y="3648808"/>
+                      <a:ext cx="989886" cy="307777"/>
+                    </a:xfrm>
+                    <a:prstGeom prst="rect">
+                      <a:avLst/>
+                    </a:prstGeom>
+                    <a:blipFill>
+                      <a:blip r:embed="rId17"/>
+                      <a:stretch>
+                        <a:fillRect l="-6790" r="-7407" b="-34000"/>
+                      </a:stretch>
+                    </a:blipFill>
+                  </p:spPr>
+                  <p:txBody>
+                    <a:bodyPr/>
+                    <a:lstStyle/>
+                    <a:p>
+                      <a:r>
+                        <a:rPr lang="en-US">
+                          <a:noFill/>
+                        </a:rPr>
+                        <a:t> </a:t>
+                      </a:r>
+                    </a:p>
+                  </p:txBody>
+                </p:sp>
+              </mc:Fallback>
+            </mc:AlternateContent>
+            <mc:AlternateContent xmlns:mc="http://schemas.openxmlformats.org/markup-compatibility/2006">
+              <mc:Choice xmlns:a14="http://schemas.microsoft.com/office/drawing/2010/main" Requires="a14">
+                <p:sp>
+                  <p:nvSpPr>
+                    <p:cNvPr id="82" name="TextBox 81"/>
+                    <p:cNvSpPr txBox="1"/>
+                    <p:nvPr/>
+                  </p:nvSpPr>
+                  <p:spPr>
+                    <a:xfrm>
+                      <a:off x="5212389" y="879690"/>
+                      <a:ext cx="563488" cy="307777"/>
+                    </a:xfrm>
+                    <a:prstGeom prst="rect">
+                      <a:avLst/>
+                    </a:prstGeom>
+                    <a:noFill/>
+                  </p:spPr>
+                  <p:txBody>
+                    <a:bodyPr wrap="none" lIns="0" tIns="0" rIns="0" bIns="0" rtlCol="0">
+                      <a:spAutoFit/>
+                    </a:bodyPr>
+                    <a:lstStyle/>
+                    <a:p>
+                      <a14:m>
+                        <m:oMathPara xmlns:m="http://schemas.openxmlformats.org/officeDocument/2006/math">
+                          <m:oMathParaPr>
+                            <m:jc m:val="centerGroup"/>
+                          </m:oMathParaPr>
+                          <m:oMath xmlns:m="http://schemas.openxmlformats.org/officeDocument/2006/math">
+                            <m:r>
+                              <a:rPr lang="en-US" sz="2000" b="0" i="1" smtClean="0">
+                                <a:latin typeface="Cambria Math" panose="02040503050406030204" pitchFamily="18" charset="0"/>
+                                <a:cs typeface="Arial" panose="020B0604020202020204" pitchFamily="34" charset="0"/>
+                              </a:rPr>
+                              <m:t>𝑝𝑜𝑙𝑒</m:t>
+                            </m:r>
+                          </m:oMath>
+                        </m:oMathPara>
+                      </a14:m>
+                      <a:endParaRPr lang="en-US" sz="2000" dirty="0" smtClean="0">
+                        <a:latin typeface="Arial" panose="020B0604020202020204" pitchFamily="34" charset="0"/>
+                        <a:cs typeface="Arial" panose="020B0604020202020204" pitchFamily="34" charset="0"/>
+                      </a:endParaRPr>
+                    </a:p>
+                  </p:txBody>
+                </p:sp>
+              </mc:Choice>
+              <mc:Fallback>
+                <p:sp>
+                  <p:nvSpPr>
+                    <p:cNvPr id="82" name="TextBox 81"/>
+                    <p:cNvSpPr txBox="1">
+                      <a:spLocks noRot="1" noChangeAspect="1" noMove="1" noResize="1" noEditPoints="1" noAdjustHandles="1" noChangeArrowheads="1" noChangeShapeType="1" noTextEdit="1"/>
+                    </p:cNvSpPr>
+                    <p:nvPr/>
+                  </p:nvSpPr>
+                  <p:spPr>
+                    <a:xfrm>
+                      <a:off x="5212389" y="879690"/>
+                      <a:ext cx="563488" cy="307777"/>
+                    </a:xfrm>
+                    <a:prstGeom prst="rect">
+                      <a:avLst/>
+                    </a:prstGeom>
+                    <a:blipFill>
+                      <a:blip r:embed="rId18"/>
+                      <a:stretch>
+                        <a:fillRect l="-15217" r="-13043" b="-37255"/>
+                      </a:stretch>
+                    </a:blipFill>
+                  </p:spPr>
+                  <p:txBody>
+                    <a:bodyPr/>
+                    <a:lstStyle/>
+                    <a:p>
+                      <a:r>
+                        <a:rPr lang="en-US">
+                          <a:noFill/>
+                        </a:rPr>
+                        <a:t> </a:t>
+                      </a:r>
+                    </a:p>
+                  </p:txBody>
+                </p:sp>
+              </mc:Fallback>
+            </mc:AlternateContent>
+          </p:grpSp>
+          <mc:AlternateContent xmlns:mc="http://schemas.openxmlformats.org/markup-compatibility/2006">
+            <mc:Choice xmlns:a14="http://schemas.microsoft.com/office/drawing/2010/main" Requires="a14">
+              <p:sp>
+                <p:nvSpPr>
+                  <p:cNvPr id="120" name="TextBox 119"/>
+                  <p:cNvSpPr txBox="1"/>
+                  <p:nvPr/>
+                </p:nvSpPr>
+                <p:spPr>
+                  <a:xfrm>
+                    <a:off x="9545109" y="3066506"/>
+                    <a:ext cx="241540" cy="307777"/>
+                  </a:xfrm>
+                  <a:prstGeom prst="rect">
+                    <a:avLst/>
+                  </a:prstGeom>
+                  <a:noFill/>
+                </p:spPr>
+                <p:txBody>
+                  <a:bodyPr wrap="none" lIns="0" tIns="0" rIns="0" bIns="0" rtlCol="0">
+                    <a:spAutoFit/>
+                  </a:bodyPr>
+                  <a:lstStyle/>
+                  <a:p>
+                    <a14:m>
+                      <m:oMathPara xmlns:m="http://schemas.openxmlformats.org/officeDocument/2006/math">
+                        <m:oMathParaPr>
+                          <m:jc m:val="centerGroup"/>
+                        </m:oMathParaPr>
+                        <m:oMath xmlns:m="http://schemas.openxmlformats.org/officeDocument/2006/math">
+                          <m:r>
+                            <a:rPr lang="en-US" sz="2000" b="0" i="1" smtClean="0">
+                              <a:latin typeface="Cambria Math" panose="02040503050406030204" pitchFamily="18" charset="0"/>
+                              <a:cs typeface="Arial" panose="020B0604020202020204" pitchFamily="34" charset="0"/>
+                            </a:rPr>
+                            <m:t>𝑅</m:t>
+                          </m:r>
+                        </m:oMath>
+                      </m:oMathPara>
+                    </a14:m>
+                    <a:endParaRPr lang="en-US" sz="2000" dirty="0" smtClean="0">
+                      <a:latin typeface="Arial" panose="020B0604020202020204" pitchFamily="34" charset="0"/>
+                      <a:cs typeface="Arial" panose="020B0604020202020204" pitchFamily="34" charset="0"/>
+                    </a:endParaRPr>
+                  </a:p>
+                </p:txBody>
+              </p:sp>
+            </mc:Choice>
+            <mc:Fallback>
+              <p:sp>
+                <p:nvSpPr>
+                  <p:cNvPr id="120" name="TextBox 119"/>
+                  <p:cNvSpPr txBox="1">
+                    <a:spLocks noRot="1" noChangeAspect="1" noMove="1" noResize="1" noEditPoints="1" noAdjustHandles="1" noChangeArrowheads="1" noChangeShapeType="1" noTextEdit="1"/>
+                  </p:cNvSpPr>
+                  <p:nvPr/>
+                </p:nvSpPr>
+                <p:spPr>
+                  <a:xfrm>
+                    <a:off x="9545109" y="3066506"/>
+                    <a:ext cx="241540" cy="307777"/>
+                  </a:xfrm>
+                  <a:prstGeom prst="rect">
+                    <a:avLst/>
+                  </a:prstGeom>
+                  <a:blipFill>
+                    <a:blip r:embed="rId19"/>
+                    <a:stretch>
+                      <a:fillRect l="-23077" r="-20513" b="-9804"/>
+                    </a:stretch>
+                  </a:blipFill>
+                </p:spPr>
+                <p:txBody>
+                  <a:bodyPr/>
+                  <a:lstStyle/>
+                  <a:p>
+                    <a:r>
+                      <a:rPr lang="en-US">
+                        <a:noFill/>
+                      </a:rPr>
+                      <a:t> </a:t>
+                    </a:r>
+                  </a:p>
+                </p:txBody>
+              </p:sp>
+            </mc:Fallback>
+          </mc:AlternateContent>
+        </p:grpSp>
+      </p:grpSp>
+      <p:grpSp>
+        <p:nvGrpSpPr>
+          <p:cNvPr id="184" name="Group 183"/>
+          <p:cNvGrpSpPr/>
+          <p:nvPr/>
+        </p:nvGrpSpPr>
+        <p:grpSpPr>
+          <a:xfrm>
+            <a:off x="3700761" y="1222538"/>
+            <a:ext cx="3661690" cy="3201062"/>
+            <a:chOff x="2802070" y="2713455"/>
+            <a:chExt cx="3661690" cy="3201062"/>
+          </a:xfrm>
+        </p:grpSpPr>
+        <p:grpSp>
+          <p:nvGrpSpPr>
+            <p:cNvPr id="84" name="Group 83"/>
+            <p:cNvGrpSpPr/>
+            <p:nvPr/>
+          </p:nvGrpSpPr>
+          <p:grpSpPr>
+            <a:xfrm>
+              <a:off x="2802070" y="2713455"/>
+              <a:ext cx="3661690" cy="3201062"/>
+              <a:chOff x="4932484" y="1383652"/>
+              <a:chExt cx="3661690" cy="3201062"/>
+            </a:xfrm>
+          </p:grpSpPr>
+          <p:grpSp>
+            <p:nvGrpSpPr>
+              <p:cNvPr id="85" name="Group 84"/>
+              <p:cNvGrpSpPr/>
+              <p:nvPr/>
+            </p:nvGrpSpPr>
+            <p:grpSpPr>
+              <a:xfrm>
+                <a:off x="4932484" y="1724150"/>
+                <a:ext cx="3661690" cy="2860564"/>
+                <a:chOff x="4932484" y="2706209"/>
+                <a:chExt cx="3661690" cy="2860564"/>
+              </a:xfrm>
+            </p:grpSpPr>
+            <p:grpSp>
+              <p:nvGrpSpPr>
+                <p:cNvPr id="88" name="Group 87"/>
+                <p:cNvGrpSpPr/>
+                <p:nvPr/>
+              </p:nvGrpSpPr>
+              <p:grpSpPr>
+                <a:xfrm>
+                  <a:off x="4932484" y="2805310"/>
+                  <a:ext cx="2380310" cy="2365130"/>
+                  <a:chOff x="5099538" y="1274206"/>
+                  <a:chExt cx="2380310" cy="2365130"/>
+                </a:xfrm>
+              </p:grpSpPr>
+              <p:sp>
+                <p:nvSpPr>
+                  <p:cNvPr id="103" name="Oval 102"/>
+                  <p:cNvSpPr/>
+                  <p:nvPr/>
+                </p:nvSpPr>
+                <p:spPr>
+                  <a:xfrm>
+                    <a:off x="5099539" y="1274206"/>
+                    <a:ext cx="2365130" cy="2365130"/>
+                  </a:xfrm>
+                  <a:prstGeom prst="ellipse">
+                    <a:avLst/>
+                  </a:prstGeom>
+                  <a:noFill/>
+                  <a:ln w="38100">
+                    <a:solidFill>
+                      <a:schemeClr val="tx1"/>
+                    </a:solidFill>
+                  </a:ln>
+                </p:spPr>
+                <p:style>
+                  <a:lnRef idx="2">
+                    <a:schemeClr val="accent1">
+                      <a:shade val="50000"/>
+                    </a:schemeClr>
+                  </a:lnRef>
+                  <a:fillRef idx="1">
+                    <a:schemeClr val="accent1"/>
+                  </a:fillRef>
+                  <a:effectRef idx="0">
+                    <a:schemeClr val="accent1"/>
+                  </a:effectRef>
+                  <a:fontRef idx="minor">
+                    <a:schemeClr val="lt1"/>
+                  </a:fontRef>
+                </p:style>
+                <p:txBody>
+                  <a:bodyPr rtlCol="0" anchor="ctr"/>
+                  <a:lstStyle/>
+                  <a:p>
+                    <a:pPr algn="ctr"/>
+                    <a:endParaRPr lang="en-US"/>
+                  </a:p>
+                </p:txBody>
+              </p:sp>
+              <p:sp>
+                <p:nvSpPr>
+                  <p:cNvPr id="105" name="Oval 104"/>
+                  <p:cNvSpPr/>
+                  <p:nvPr/>
+                </p:nvSpPr>
+                <p:spPr>
+                  <a:xfrm>
+                    <a:off x="7358905" y="1882532"/>
+                    <a:ext cx="120943" cy="119766"/>
+                  </a:xfrm>
+                  <a:prstGeom prst="ellipse">
+                    <a:avLst/>
+                  </a:prstGeom>
+                  <a:solidFill>
+                    <a:schemeClr val="tx1"/>
+                  </a:solidFill>
+                  <a:ln w="38100">
+                    <a:solidFill>
+                      <a:schemeClr val="tx1"/>
+                    </a:solidFill>
+                  </a:ln>
+                </p:spPr>
+                <p:style>
+                  <a:lnRef idx="2">
+                    <a:schemeClr val="accent1">
+                      <a:shade val="50000"/>
+                    </a:schemeClr>
+                  </a:lnRef>
+                  <a:fillRef idx="1">
+                    <a:schemeClr val="accent1"/>
+                  </a:fillRef>
+                  <a:effectRef idx="0">
+                    <a:schemeClr val="accent1"/>
+                  </a:effectRef>
+                  <a:fontRef idx="minor">
+                    <a:schemeClr val="lt1"/>
+                  </a:fontRef>
+                </p:style>
+                <p:txBody>
+                  <a:bodyPr rtlCol="0" anchor="ctr"/>
+                  <a:lstStyle/>
+                  <a:p>
+                    <a:pPr algn="ctr"/>
+                    <a:endParaRPr lang="en-US"/>
+                  </a:p>
+                </p:txBody>
+              </p:sp>
+              <p:sp>
+                <p:nvSpPr>
+                  <p:cNvPr id="106" name="Arc 105"/>
+                  <p:cNvSpPr/>
+                  <p:nvPr/>
+                </p:nvSpPr>
+                <p:spPr>
+                  <a:xfrm>
+                    <a:off x="5099538" y="2333845"/>
+                    <a:ext cx="2365130" cy="402721"/>
+                  </a:xfrm>
+                  <a:prstGeom prst="arc">
+                    <a:avLst>
+                      <a:gd name="adj1" fmla="val 31471"/>
+                      <a:gd name="adj2" fmla="val 10840678"/>
+                    </a:avLst>
+                  </a:prstGeom>
+                  <a:ln w="38100">
+                    <a:solidFill>
+                      <a:schemeClr val="tx1"/>
+                    </a:solidFill>
+                  </a:ln>
+                </p:spPr>
+                <p:style>
+                  <a:lnRef idx="1">
+                    <a:schemeClr val="accent1"/>
+                  </a:lnRef>
+                  <a:fillRef idx="0">
+                    <a:schemeClr val="accent1"/>
+                  </a:fillRef>
+                  <a:effectRef idx="0">
+                    <a:schemeClr val="accent1"/>
+                  </a:effectRef>
+                  <a:fontRef idx="minor">
+                    <a:schemeClr val="tx1"/>
+                  </a:fontRef>
+                </p:style>
+                <p:txBody>
+                  <a:bodyPr rtlCol="0" anchor="ctr"/>
+                  <a:lstStyle/>
+                  <a:p>
+                    <a:pPr algn="ctr"/>
+                    <a:endParaRPr lang="en-US"/>
+                  </a:p>
+                </p:txBody>
+              </p:sp>
+              <p:sp>
+                <p:nvSpPr>
+                  <p:cNvPr id="107" name="Arc 106"/>
+                  <p:cNvSpPr/>
+                  <p:nvPr/>
+                </p:nvSpPr>
+                <p:spPr>
+                  <a:xfrm>
+                    <a:off x="5099538" y="2318331"/>
+                    <a:ext cx="2365130" cy="402721"/>
+                  </a:xfrm>
+                  <a:prstGeom prst="arc">
+                    <a:avLst>
+                      <a:gd name="adj1" fmla="val 10819517"/>
+                      <a:gd name="adj2" fmla="val 21596417"/>
+                    </a:avLst>
+                  </a:prstGeom>
+                  <a:ln w="38100">
+                    <a:solidFill>
+                      <a:schemeClr val="tx1"/>
+                    </a:solidFill>
+                    <a:prstDash val="sysDash"/>
+                  </a:ln>
+                </p:spPr>
+                <p:style>
+                  <a:lnRef idx="1">
+                    <a:schemeClr val="accent1"/>
+                  </a:lnRef>
+                  <a:fillRef idx="0">
+                    <a:schemeClr val="accent1"/>
+                  </a:fillRef>
+                  <a:effectRef idx="0">
+                    <a:schemeClr val="accent1"/>
+                  </a:effectRef>
+                  <a:fontRef idx="minor">
+                    <a:schemeClr val="tx1"/>
+                  </a:fontRef>
+                </p:style>
+                <p:txBody>
+                  <a:bodyPr rtlCol="0" anchor="ctr"/>
+                  <a:lstStyle/>
+                  <a:p>
+                    <a:pPr algn="ctr"/>
+                    <a:endParaRPr lang="en-US"/>
+                  </a:p>
+                </p:txBody>
+              </p:sp>
+            </p:grpSp>
+            <p:cxnSp>
+              <p:nvCxnSpPr>
+                <p:cNvPr id="89" name="Straight Connector 88"/>
+                <p:cNvCxnSpPr/>
+                <p:nvPr/>
+              </p:nvCxnSpPr>
+              <p:spPr>
+                <a:xfrm flipH="1">
+                  <a:off x="6100201" y="2789796"/>
+                  <a:ext cx="14849" cy="2776977"/>
+                </a:xfrm>
+                <a:prstGeom prst="line">
+                  <a:avLst/>
+                </a:prstGeom>
+                <a:ln w="19050">
+                  <a:solidFill>
+                    <a:schemeClr val="tx1"/>
+                  </a:solidFill>
+                  <a:prstDash val="sysDot"/>
+                </a:ln>
+              </p:spPr>
+              <p:style>
+                <a:lnRef idx="1">
+                  <a:schemeClr val="accent1"/>
+                </a:lnRef>
+                <a:fillRef idx="0">
+                  <a:schemeClr val="accent1"/>
+                </a:fillRef>
+                <a:effectRef idx="0">
+                  <a:schemeClr val="accent1"/>
+                </a:effectRef>
+                <a:fontRef idx="minor">
+                  <a:schemeClr val="tx1"/>
+                </a:fontRef>
+              </p:style>
+            </p:cxnSp>
+            <p:sp>
+              <p:nvSpPr>
+                <p:cNvPr id="90" name="Curved Left Arrow 89"/>
+                <p:cNvSpPr/>
+                <p:nvPr/>
+              </p:nvSpPr>
+              <p:spPr>
+                <a:xfrm flipV="1">
+                  <a:off x="5816948" y="5334127"/>
+                  <a:ext cx="731520" cy="215464"/>
+                </a:xfrm>
+                <a:prstGeom prst="curvedLeftArrow">
+                  <a:avLst>
+                    <a:gd name="adj1" fmla="val 13562"/>
+                    <a:gd name="adj2" fmla="val 31562"/>
+                    <a:gd name="adj3" fmla="val 19346"/>
+                  </a:avLst>
+                </a:prstGeom>
+                <a:noFill/>
+                <a:ln w="38100">
+                  <a:solidFill>
+                    <a:schemeClr val="tx1"/>
+                  </a:solidFill>
+                </a:ln>
+              </p:spPr>
+              <p:style>
+                <a:lnRef idx="2">
+                  <a:schemeClr val="accent1">
+                    <a:shade val="50000"/>
+                  </a:schemeClr>
+                </a:lnRef>
+                <a:fillRef idx="1">
+                  <a:schemeClr val="accent1"/>
+                </a:fillRef>
+                <a:effectRef idx="0">
+                  <a:schemeClr val="accent1"/>
+                </a:effectRef>
+                <a:fontRef idx="minor">
+                  <a:schemeClr val="lt1"/>
+                </a:fontRef>
+              </p:style>
+              <p:txBody>
+                <a:bodyPr rtlCol="0" anchor="ctr"/>
+                <a:lstStyle/>
+                <a:p>
+                  <a:pPr algn="ctr"/>
+                  <a:endParaRPr lang="en-US">
+                    <a:solidFill>
+                      <a:schemeClr val="tx1"/>
+                    </a:solidFill>
+                  </a:endParaRPr>
+                </a:p>
+              </p:txBody>
+            </p:sp>
+            <p:sp>
+              <p:nvSpPr>
+                <p:cNvPr id="91" name="Oval 90"/>
+                <p:cNvSpPr/>
+                <p:nvPr/>
+              </p:nvSpPr>
+              <p:spPr>
+                <a:xfrm>
+                  <a:off x="8083769" y="3413636"/>
+                  <a:ext cx="120943" cy="119766"/>
+                </a:xfrm>
+                <a:prstGeom prst="ellipse">
+                  <a:avLst/>
+                </a:prstGeom>
+                <a:solidFill>
+                  <a:schemeClr val="tx1"/>
+                </a:solidFill>
+                <a:ln w="38100">
+                  <a:solidFill>
+                    <a:schemeClr val="tx1"/>
+                  </a:solidFill>
+                </a:ln>
+              </p:spPr>
+              <p:style>
+                <a:lnRef idx="2">
+                  <a:schemeClr val="accent1">
+                    <a:shade val="50000"/>
+                  </a:schemeClr>
+                </a:lnRef>
+                <a:fillRef idx="1">
+                  <a:schemeClr val="accent1"/>
+                </a:fillRef>
+                <a:effectRef idx="0">
+                  <a:schemeClr val="accent1"/>
+                </a:effectRef>
+                <a:fontRef idx="minor">
+                  <a:schemeClr val="lt1"/>
+                </a:fontRef>
+              </p:style>
+              <p:txBody>
+                <a:bodyPr rtlCol="0" anchor="ctr"/>
+                <a:lstStyle/>
+                <a:p>
+                  <a:pPr algn="ctr"/>
+                  <a:endParaRPr lang="en-US"/>
+                </a:p>
+              </p:txBody>
+            </p:sp>
+            <p:cxnSp>
+              <p:nvCxnSpPr>
+                <p:cNvPr id="92" name="Straight Arrow Connector 91"/>
+                <p:cNvCxnSpPr/>
+                <p:nvPr/>
+              </p:nvCxnSpPr>
+              <p:spPr>
+                <a:xfrm flipH="1">
+                  <a:off x="7613049" y="3515818"/>
+                  <a:ext cx="483566" cy="252059"/>
+                </a:xfrm>
+                <a:prstGeom prst="straightConnector1">
+                  <a:avLst/>
+                </a:prstGeom>
+                <a:ln w="38100">
+                  <a:solidFill>
+                    <a:schemeClr val="tx1"/>
+                  </a:solidFill>
+                  <a:tailEnd type="triangle"/>
+                </a:ln>
+              </p:spPr>
+              <p:style>
+                <a:lnRef idx="1">
+                  <a:schemeClr val="accent1"/>
+                </a:lnRef>
+                <a:fillRef idx="0">
+                  <a:schemeClr val="accent1"/>
+                </a:fillRef>
+                <a:effectRef idx="0">
+                  <a:schemeClr val="accent1"/>
+                </a:effectRef>
+                <a:fontRef idx="minor">
+                  <a:schemeClr val="tx1"/>
+                </a:fontRef>
+              </p:style>
+            </p:cxnSp>
+            <p:cxnSp>
+              <p:nvCxnSpPr>
+                <p:cNvPr id="93" name="Straight Arrow Connector 92"/>
+                <p:cNvCxnSpPr/>
+                <p:nvPr/>
+              </p:nvCxnSpPr>
+              <p:spPr>
+                <a:xfrm flipV="1">
+                  <a:off x="8172978" y="3108156"/>
+                  <a:ext cx="249355" cy="333041"/>
+                </a:xfrm>
+                <a:prstGeom prst="straightConnector1">
+                  <a:avLst/>
+                </a:prstGeom>
+                <a:ln w="38100">
+                  <a:solidFill>
+                    <a:schemeClr val="tx1"/>
+                  </a:solidFill>
+                  <a:tailEnd type="triangle"/>
+                </a:ln>
+              </p:spPr>
+              <p:style>
+                <a:lnRef idx="1">
+                  <a:schemeClr val="accent1"/>
+                </a:lnRef>
+                <a:fillRef idx="0">
+                  <a:schemeClr val="accent1"/>
+                </a:fillRef>
+                <a:effectRef idx="0">
+                  <a:schemeClr val="accent1"/>
+                </a:effectRef>
+                <a:fontRef idx="minor">
+                  <a:schemeClr val="tx1"/>
+                </a:fontRef>
+              </p:style>
+            </p:cxnSp>
+            <mc:AlternateContent xmlns:mc="http://schemas.openxmlformats.org/markup-compatibility/2006">
+              <mc:Choice xmlns:a14="http://schemas.microsoft.com/office/drawing/2010/main" Requires="a14">
+                <p:sp>
+                  <p:nvSpPr>
+                    <p:cNvPr id="98" name="TextBox 97"/>
+                    <p:cNvSpPr txBox="1"/>
+                    <p:nvPr/>
+                  </p:nvSpPr>
+                  <p:spPr>
+                    <a:xfrm>
+                      <a:off x="7823872" y="3644376"/>
+                      <a:ext cx="303865" cy="377219"/>
+                    </a:xfrm>
+                    <a:prstGeom prst="rect">
+                      <a:avLst/>
+                    </a:prstGeom>
+                    <a:noFill/>
+                  </p:spPr>
+                  <p:txBody>
+                    <a:bodyPr wrap="none" lIns="0" tIns="0" rIns="0" bIns="0" rtlCol="0">
+                      <a:spAutoFit/>
+                    </a:bodyPr>
+                    <a:lstStyle/>
+                    <a:p>
+                      <a14:m>
+                        <m:oMathPara xmlns:m="http://schemas.openxmlformats.org/officeDocument/2006/math">
+                          <m:oMathParaPr>
+                            <m:jc m:val="centerGroup"/>
+                          </m:oMathParaPr>
+                          <m:oMath xmlns:m="http://schemas.openxmlformats.org/officeDocument/2006/math">
+                            <m:sSub>
+                              <m:sSubPr>
+                                <m:ctrlPr>
+                                  <a:rPr lang="en-US" sz="2000" b="0" i="1" smtClean="0">
+                                    <a:latin typeface="Cambria Math" panose="02040503050406030204" pitchFamily="18" charset="0"/>
+                                    <a:cs typeface="Arial" panose="020B0604020202020204" pitchFamily="34" charset="0"/>
+                                  </a:rPr>
+                                </m:ctrlPr>
+                              </m:sSubPr>
+                              <m:e>
+                                <m:acc>
+                                  <m:accPr>
+                                    <m:chr m:val="⃗"/>
+                                    <m:ctrlPr>
+                                      <a:rPr lang="en-US" sz="2000" b="0" i="1" smtClean="0">
+                                        <a:latin typeface="Cambria Math" panose="02040503050406030204" pitchFamily="18" charset="0"/>
+                                        <a:cs typeface="Arial" panose="020B0604020202020204" pitchFamily="34" charset="0"/>
+                                      </a:rPr>
+                                    </m:ctrlPr>
+                                  </m:accPr>
+                                  <m:e>
+                                    <m:r>
+                                      <a:rPr lang="en-US" sz="2000" b="0" i="1" smtClean="0">
+                                        <a:latin typeface="Cambria Math" panose="02040503050406030204" pitchFamily="18" charset="0"/>
+                                        <a:cs typeface="Arial" panose="020B0604020202020204" pitchFamily="34" charset="0"/>
+                                      </a:rPr>
+                                      <m:t>𝐹</m:t>
+                                    </m:r>
+                                  </m:e>
+                                </m:acc>
+                              </m:e>
+                              <m:sub>
+                                <m:r>
+                                  <a:rPr lang="en-US" sz="2000" b="0" i="1" smtClean="0">
+                                    <a:latin typeface="Cambria Math" panose="02040503050406030204" pitchFamily="18" charset="0"/>
+                                    <a:cs typeface="Arial" panose="020B0604020202020204" pitchFamily="34" charset="0"/>
+                                  </a:rPr>
+                                  <m:t>𝑔</m:t>
+                                </m:r>
+                              </m:sub>
+                            </m:sSub>
+                          </m:oMath>
+                        </m:oMathPara>
+                      </a14:m>
+                      <a:endParaRPr lang="en-US" sz="2000" dirty="0" smtClean="0">
+                        <a:latin typeface="Arial" panose="020B0604020202020204" pitchFamily="34" charset="0"/>
+                        <a:cs typeface="Arial" panose="020B0604020202020204" pitchFamily="34" charset="0"/>
+                      </a:endParaRPr>
+                    </a:p>
+                  </p:txBody>
+                </p:sp>
+              </mc:Choice>
+              <mc:Fallback>
+                <p:sp>
+                  <p:nvSpPr>
+                    <p:cNvPr id="98" name="TextBox 97"/>
+                    <p:cNvSpPr txBox="1">
+                      <a:spLocks noRot="1" noChangeAspect="1" noMove="1" noResize="1" noEditPoints="1" noAdjustHandles="1" noChangeArrowheads="1" noChangeShapeType="1" noTextEdit="1"/>
+                    </p:cNvSpPr>
+                    <p:nvPr/>
+                  </p:nvSpPr>
+                  <p:spPr>
+                    <a:xfrm>
+                      <a:off x="7823872" y="3644376"/>
+                      <a:ext cx="303865" cy="377219"/>
+                    </a:xfrm>
+                    <a:prstGeom prst="rect">
+                      <a:avLst/>
+                    </a:prstGeom>
+                    <a:blipFill>
+                      <a:blip r:embed="rId20"/>
+                      <a:stretch>
+                        <a:fillRect l="-16000" t="-30645" r="-72000" b="-17742"/>
+                      </a:stretch>
+                    </a:blipFill>
+                  </p:spPr>
+                  <p:txBody>
+                    <a:bodyPr/>
+                    <a:lstStyle/>
+                    <a:p>
+                      <a:r>
+                        <a:rPr lang="en-US">
+                          <a:noFill/>
+                        </a:rPr>
+                        <a:t> </a:t>
+                      </a:r>
+                    </a:p>
+                  </p:txBody>
+                </p:sp>
+              </mc:Fallback>
+            </mc:AlternateContent>
+            <mc:AlternateContent xmlns:mc="http://schemas.openxmlformats.org/markup-compatibility/2006">
+              <mc:Choice xmlns:a14="http://schemas.microsoft.com/office/drawing/2010/main" Requires="a14">
+                <p:sp>
+                  <p:nvSpPr>
+                    <p:cNvPr id="99" name="TextBox 98"/>
+                    <p:cNvSpPr txBox="1"/>
+                    <p:nvPr/>
+                  </p:nvSpPr>
+                  <p:spPr>
+                    <a:xfrm>
+                      <a:off x="8365714" y="3272205"/>
+                      <a:ext cx="228460" cy="345159"/>
+                    </a:xfrm>
+                    <a:prstGeom prst="rect">
+                      <a:avLst/>
+                    </a:prstGeom>
+                    <a:noFill/>
+                  </p:spPr>
+                  <p:txBody>
+                    <a:bodyPr wrap="none" lIns="0" tIns="0" rIns="0" bIns="0" rtlCol="0">
+                      <a:spAutoFit/>
+                    </a:bodyPr>
+                    <a:lstStyle/>
+                    <a:p>
+                      <a14:m>
+                        <m:oMathPara xmlns:m="http://schemas.openxmlformats.org/officeDocument/2006/math">
+                          <m:oMathParaPr>
+                            <m:jc m:val="centerGroup"/>
+                          </m:oMathParaPr>
+                          <m:oMath xmlns:m="http://schemas.openxmlformats.org/officeDocument/2006/math">
+                            <m:acc>
+                              <m:accPr>
+                                <m:chr m:val="⃗"/>
+                                <m:ctrlPr>
+                                  <a:rPr lang="en-US" sz="2000" b="0" i="1" smtClean="0">
+                                    <a:latin typeface="Cambria Math" panose="02040503050406030204" pitchFamily="18" charset="0"/>
+                                    <a:cs typeface="Arial" panose="020B0604020202020204" pitchFamily="34" charset="0"/>
+                                  </a:rPr>
+                                </m:ctrlPr>
+                              </m:accPr>
+                              <m:e>
+                                <m:r>
+                                  <a:rPr lang="en-US" sz="2000" b="0" i="1" smtClean="0">
+                                    <a:latin typeface="Cambria Math" panose="02040503050406030204" pitchFamily="18" charset="0"/>
+                                    <a:cs typeface="Arial" panose="020B0604020202020204" pitchFamily="34" charset="0"/>
+                                  </a:rPr>
+                                  <m:t>𝑇</m:t>
+                                </m:r>
+                              </m:e>
+                            </m:acc>
+                          </m:oMath>
+                        </m:oMathPara>
+                      </a14:m>
+                      <a:endParaRPr lang="en-US" sz="2000" dirty="0" smtClean="0">
+                        <a:latin typeface="Arial" panose="020B0604020202020204" pitchFamily="34" charset="0"/>
+                        <a:cs typeface="Arial" panose="020B0604020202020204" pitchFamily="34" charset="0"/>
+                      </a:endParaRPr>
+                    </a:p>
+                  </p:txBody>
+                </p:sp>
+              </mc:Choice>
+              <mc:Fallback>
+                <p:sp>
+                  <p:nvSpPr>
+                    <p:cNvPr id="99" name="TextBox 98"/>
+                    <p:cNvSpPr txBox="1">
+                      <a:spLocks noRot="1" noChangeAspect="1" noMove="1" noResize="1" noEditPoints="1" noAdjustHandles="1" noChangeArrowheads="1" noChangeShapeType="1" noTextEdit="1"/>
+                    </p:cNvSpPr>
+                    <p:nvPr/>
+                  </p:nvSpPr>
+                  <p:spPr>
+                    <a:xfrm>
+                      <a:off x="8365714" y="3272205"/>
+                      <a:ext cx="228460" cy="345159"/>
+                    </a:xfrm>
+                    <a:prstGeom prst="rect">
+                      <a:avLst/>
+                    </a:prstGeom>
+                    <a:blipFill>
+                      <a:blip r:embed="rId21"/>
+                      <a:stretch>
+                        <a:fillRect l="-21053" r="-21053" b="-8772"/>
+                      </a:stretch>
+                    </a:blipFill>
+                  </p:spPr>
+                  <p:txBody>
+                    <a:bodyPr/>
+                    <a:lstStyle/>
+                    <a:p>
+                      <a:r>
+                        <a:rPr lang="en-US">
+                          <a:noFill/>
+                        </a:rPr>
+                        <a:t> </a:t>
+                      </a:r>
+                    </a:p>
+                  </p:txBody>
+                </p:sp>
+              </mc:Fallback>
+            </mc:AlternateContent>
+            <p:sp>
+              <p:nvSpPr>
+                <p:cNvPr id="101" name="Right Arrow 100"/>
+                <p:cNvSpPr/>
+                <p:nvPr/>
+              </p:nvSpPr>
+              <p:spPr>
+                <a:xfrm rot="10800000">
+                  <a:off x="7452306" y="3022235"/>
+                  <a:ext cx="700928" cy="118979"/>
+                </a:xfrm>
+                <a:prstGeom prst="rightArrow">
+                  <a:avLst/>
+                </a:prstGeom>
+                <a:solidFill>
+                  <a:schemeClr val="tx1"/>
+                </a:solidFill>
+                <a:ln w="38100">
+                  <a:solidFill>
+                    <a:schemeClr val="tx1"/>
+                  </a:solidFill>
+                </a:ln>
+              </p:spPr>
+              <p:style>
+                <a:lnRef idx="2">
+                  <a:schemeClr val="accent1">
+                    <a:shade val="50000"/>
+                  </a:schemeClr>
+                </a:lnRef>
+                <a:fillRef idx="1">
+                  <a:schemeClr val="accent1"/>
+                </a:fillRef>
+                <a:effectRef idx="0">
+                  <a:schemeClr val="accent1"/>
+                </a:effectRef>
+                <a:fontRef idx="minor">
+                  <a:schemeClr val="lt1"/>
+                </a:fontRef>
+              </p:style>
+              <p:txBody>
+                <a:bodyPr rtlCol="0" anchor="ctr"/>
+                <a:lstStyle/>
+                <a:p>
+                  <a:pPr algn="ctr"/>
+                  <a:endParaRPr lang="en-US" dirty="0"/>
+                </a:p>
+              </p:txBody>
+            </p:sp>
+            <mc:AlternateContent xmlns:mc="http://schemas.openxmlformats.org/markup-compatibility/2006">
+              <mc:Choice xmlns:a14="http://schemas.microsoft.com/office/drawing/2010/main" Requires="a14">
+                <p:sp>
+                  <p:nvSpPr>
+                    <p:cNvPr id="102" name="TextBox 101"/>
+                    <p:cNvSpPr txBox="1"/>
+                    <p:nvPr/>
+                  </p:nvSpPr>
+                  <p:spPr>
+                    <a:xfrm>
+                      <a:off x="7704790" y="2706209"/>
+                      <a:ext cx="219483" cy="307777"/>
+                    </a:xfrm>
+                    <a:prstGeom prst="rect">
+                      <a:avLst/>
+                    </a:prstGeom>
+                    <a:noFill/>
+                  </p:spPr>
+                  <p:txBody>
+                    <a:bodyPr wrap="none" lIns="0" tIns="0" rIns="0" bIns="0" rtlCol="0">
+                      <a:spAutoFit/>
+                    </a:bodyPr>
+                    <a:lstStyle/>
+                    <a:p>
+                      <a14:m>
+                        <m:oMathPara xmlns:m="http://schemas.openxmlformats.org/officeDocument/2006/math">
+                          <m:oMathParaPr>
+                            <m:jc m:val="centerGroup"/>
+                          </m:oMathParaPr>
+                          <m:oMath xmlns:m="http://schemas.openxmlformats.org/officeDocument/2006/math">
+                            <m:acc>
+                              <m:accPr>
+                                <m:chr m:val="⃗"/>
+                                <m:ctrlPr>
+                                  <a:rPr lang="en-US" sz="2000" b="0" i="1" smtClean="0">
+                                    <a:latin typeface="Cambria Math" panose="02040503050406030204" pitchFamily="18" charset="0"/>
+                                    <a:cs typeface="Arial" panose="020B0604020202020204" pitchFamily="34" charset="0"/>
+                                  </a:rPr>
+                                </m:ctrlPr>
+                              </m:accPr>
+                              <m:e>
+                                <m:r>
+                                  <a:rPr lang="en-US" sz="2000" b="0" i="1" smtClean="0">
+                                    <a:latin typeface="Cambria Math" panose="02040503050406030204" pitchFamily="18" charset="0"/>
+                                    <a:cs typeface="Arial" panose="020B0604020202020204" pitchFamily="34" charset="0"/>
+                                  </a:rPr>
+                                  <m:t>𝑎</m:t>
+                                </m:r>
+                              </m:e>
+                            </m:acc>
+                          </m:oMath>
+                        </m:oMathPara>
+                      </a14:m>
+                      <a:endParaRPr lang="en-US" sz="2000" dirty="0" smtClean="0">
+                        <a:latin typeface="Arial" panose="020B0604020202020204" pitchFamily="34" charset="0"/>
+                        <a:cs typeface="Arial" panose="020B0604020202020204" pitchFamily="34" charset="0"/>
+                      </a:endParaRPr>
+                    </a:p>
+                  </p:txBody>
+                </p:sp>
+              </mc:Choice>
+              <mc:Fallback>
+                <p:sp>
+                  <p:nvSpPr>
+                    <p:cNvPr id="102" name="TextBox 101"/>
+                    <p:cNvSpPr txBox="1">
+                      <a:spLocks noRot="1" noChangeAspect="1" noMove="1" noResize="1" noEditPoints="1" noAdjustHandles="1" noChangeArrowheads="1" noChangeShapeType="1" noTextEdit="1"/>
+                    </p:cNvSpPr>
+                    <p:nvPr/>
+                  </p:nvSpPr>
+                  <p:spPr>
+                    <a:xfrm>
+                      <a:off x="7704790" y="2706209"/>
+                      <a:ext cx="219483" cy="307777"/>
+                    </a:xfrm>
+                    <a:prstGeom prst="rect">
+                      <a:avLst/>
+                    </a:prstGeom>
+                    <a:blipFill>
+                      <a:blip r:embed="rId22"/>
+                      <a:stretch>
+                        <a:fillRect l="-22222" t="-33333" r="-91667" b="-5882"/>
+                      </a:stretch>
+                    </a:blipFill>
+                  </p:spPr>
+                  <p:txBody>
+                    <a:bodyPr/>
+                    <a:lstStyle/>
+                    <a:p>
+                      <a:r>
+                        <a:rPr lang="en-US">
+                          <a:noFill/>
+                        </a:rPr>
+                        <a:t> </a:t>
+                      </a:r>
+                    </a:p>
+                  </p:txBody>
+                </p:sp>
+              </mc:Fallback>
+            </mc:AlternateContent>
+          </p:grpSp>
+          <mc:AlternateContent xmlns:mc="http://schemas.openxmlformats.org/markup-compatibility/2006">
+            <mc:Choice xmlns:a14="http://schemas.microsoft.com/office/drawing/2010/main" Requires="a14">
+              <p:sp>
+                <p:nvSpPr>
+                  <p:cNvPr id="87" name="TextBox 86"/>
+                  <p:cNvSpPr txBox="1"/>
+                  <p:nvPr/>
+                </p:nvSpPr>
+                <p:spPr>
+                  <a:xfrm>
+                    <a:off x="5809631" y="1383652"/>
+                    <a:ext cx="563488" cy="307777"/>
+                  </a:xfrm>
+                  <a:prstGeom prst="rect">
+                    <a:avLst/>
+                  </a:prstGeom>
+                  <a:noFill/>
+                </p:spPr>
+                <p:txBody>
+                  <a:bodyPr wrap="none" lIns="0" tIns="0" rIns="0" bIns="0" rtlCol="0">
+                    <a:spAutoFit/>
+                  </a:bodyPr>
+                  <a:lstStyle/>
+                  <a:p>
+                    <a14:m>
+                      <m:oMathPara xmlns:m="http://schemas.openxmlformats.org/officeDocument/2006/math">
+                        <m:oMathParaPr>
+                          <m:jc m:val="centerGroup"/>
+                        </m:oMathParaPr>
+                        <m:oMath xmlns:m="http://schemas.openxmlformats.org/officeDocument/2006/math">
+                          <m:r>
+                            <a:rPr lang="en-US" sz="2000" b="0" i="1" smtClean="0">
+                              <a:latin typeface="Cambria Math" panose="02040503050406030204" pitchFamily="18" charset="0"/>
+                              <a:cs typeface="Arial" panose="020B0604020202020204" pitchFamily="34" charset="0"/>
+                            </a:rPr>
+                            <m:t>𝑝𝑜𝑙𝑒</m:t>
+                          </m:r>
+                        </m:oMath>
+                      </m:oMathPara>
+                    </a14:m>
+                    <a:endParaRPr lang="en-US" sz="2000" dirty="0" smtClean="0">
+                      <a:latin typeface="Arial" panose="020B0604020202020204" pitchFamily="34" charset="0"/>
+                      <a:cs typeface="Arial" panose="020B0604020202020204" pitchFamily="34" charset="0"/>
+                    </a:endParaRPr>
+                  </a:p>
+                </p:txBody>
+              </p:sp>
+            </mc:Choice>
+            <mc:Fallback>
+              <p:sp>
+                <p:nvSpPr>
+                  <p:cNvPr id="87" name="TextBox 86"/>
+                  <p:cNvSpPr txBox="1">
+                    <a:spLocks noRot="1" noChangeAspect="1" noMove="1" noResize="1" noEditPoints="1" noAdjustHandles="1" noChangeArrowheads="1" noChangeShapeType="1" noTextEdit="1"/>
+                  </p:cNvSpPr>
+                  <p:nvPr/>
+                </p:nvSpPr>
+                <p:spPr>
+                  <a:xfrm>
+                    <a:off x="5809631" y="1383652"/>
+                    <a:ext cx="563488" cy="307777"/>
+                  </a:xfrm>
+                  <a:prstGeom prst="rect">
+                    <a:avLst/>
+                  </a:prstGeom>
+                  <a:blipFill>
+                    <a:blip r:embed="rId23"/>
+                    <a:stretch>
+                      <a:fillRect l="-15217" r="-13043" b="-38000"/>
+                    </a:stretch>
+                  </a:blipFill>
+                </p:spPr>
+                <p:txBody>
+                  <a:bodyPr/>
+                  <a:lstStyle/>
+                  <a:p>
+                    <a:r>
+                      <a:rPr lang="en-US">
+                        <a:noFill/>
+                      </a:rPr>
+                      <a:t> </a:t>
+                    </a:r>
+                  </a:p>
+                </p:txBody>
+              </p:sp>
+            </mc:Fallback>
+          </mc:AlternateContent>
+        </p:grpSp>
+        <p:sp>
+          <p:nvSpPr>
+            <p:cNvPr id="115" name="Arc 114"/>
+            <p:cNvSpPr/>
+            <p:nvPr/>
+          </p:nvSpPr>
+          <p:spPr>
+            <a:xfrm>
+              <a:off x="2916847" y="3705225"/>
+              <a:ext cx="2120801" cy="268934"/>
+            </a:xfrm>
+            <a:prstGeom prst="arc">
+              <a:avLst>
+                <a:gd name="adj1" fmla="val 10819517"/>
+                <a:gd name="adj2" fmla="val 21596417"/>
+              </a:avLst>
+            </a:prstGeom>
+            <a:ln w="19050">
+              <a:solidFill>
+                <a:schemeClr val="tx1"/>
+              </a:solidFill>
+              <a:prstDash val="sysDash"/>
+            </a:ln>
+          </p:spPr>
+          <p:style>
+            <a:lnRef idx="1">
+              <a:schemeClr val="accent1"/>
+            </a:lnRef>
+            <a:fillRef idx="0">
+              <a:schemeClr val="accent1"/>
+            </a:fillRef>
+            <a:effectRef idx="0">
+              <a:schemeClr val="accent1"/>
+            </a:effectRef>
+            <a:fontRef idx="minor">
+              <a:schemeClr val="tx1"/>
+            </a:fontRef>
+          </p:style>
+          <p:txBody>
+            <a:bodyPr rtlCol="0" anchor="ctr"/>
+            <a:lstStyle/>
+            <a:p>
+              <a:pPr algn="ctr"/>
+              <a:endParaRPr lang="en-US"/>
+            </a:p>
+          </p:txBody>
+        </p:sp>
+        <p:sp>
+          <p:nvSpPr>
+            <p:cNvPr id="116" name="Arc 115"/>
+            <p:cNvSpPr/>
+            <p:nvPr/>
+          </p:nvSpPr>
+          <p:spPr>
+            <a:xfrm>
+              <a:off x="2933137" y="3709283"/>
+              <a:ext cx="2120801" cy="268934"/>
+            </a:xfrm>
+            <a:prstGeom prst="arc">
+              <a:avLst>
+                <a:gd name="adj1" fmla="val 31471"/>
+                <a:gd name="adj2" fmla="val 10840678"/>
+              </a:avLst>
+            </a:prstGeom>
+            <a:ln w="19050">
+              <a:solidFill>
+                <a:schemeClr val="tx1"/>
+              </a:solidFill>
+            </a:ln>
+          </p:spPr>
+          <p:style>
+            <a:lnRef idx="1">
+              <a:schemeClr val="accent1"/>
+            </a:lnRef>
+            <a:fillRef idx="0">
+              <a:schemeClr val="accent1"/>
+            </a:fillRef>
+            <a:effectRef idx="0">
+              <a:schemeClr val="accent1"/>
+            </a:effectRef>
+            <a:fontRef idx="minor">
+              <a:schemeClr val="tx1"/>
+            </a:fontRef>
+          </p:style>
+          <p:txBody>
+            <a:bodyPr rtlCol="0" anchor="ctr"/>
+            <a:lstStyle/>
+            <a:p>
+              <a:pPr algn="ctr"/>
+              <a:endParaRPr lang="en-US"/>
+            </a:p>
+          </p:txBody>
+        </p:sp>
+        <p:cxnSp>
+          <p:nvCxnSpPr>
+            <p:cNvPr id="177" name="Straight Connector 176"/>
+            <p:cNvCxnSpPr/>
+            <p:nvPr/>
+          </p:nvCxnSpPr>
+          <p:spPr>
+            <a:xfrm flipV="1">
+              <a:off x="3969787" y="3877177"/>
+              <a:ext cx="1100827" cy="512056"/>
+            </a:xfrm>
+            <a:prstGeom prst="line">
+              <a:avLst/>
+            </a:prstGeom>
+            <a:ln w="19050">
+              <a:solidFill>
+                <a:schemeClr val="tx1"/>
+              </a:solidFill>
+              <a:prstDash val="sysDot"/>
+            </a:ln>
+          </p:spPr>
+          <p:style>
+            <a:lnRef idx="1">
+              <a:schemeClr val="accent1"/>
+            </a:lnRef>
+            <a:fillRef idx="0">
+              <a:schemeClr val="accent1"/>
+            </a:fillRef>
+            <a:effectRef idx="0">
+              <a:schemeClr val="accent1"/>
+            </a:effectRef>
+            <a:fontRef idx="minor">
+              <a:schemeClr val="tx1"/>
+            </a:fontRef>
+          </p:style>
+        </p:cxnSp>
+        <p:cxnSp>
+          <p:nvCxnSpPr>
+            <p:cNvPr id="179" name="Straight Connector 178"/>
+            <p:cNvCxnSpPr/>
+            <p:nvPr/>
+          </p:nvCxnSpPr>
+          <p:spPr>
+            <a:xfrm>
+              <a:off x="3984635" y="3840314"/>
+              <a:ext cx="1124749" cy="0"/>
+            </a:xfrm>
+            <a:prstGeom prst="line">
+              <a:avLst/>
+            </a:prstGeom>
+            <a:ln w="19050">
+              <a:solidFill>
+                <a:schemeClr val="tx1"/>
+              </a:solidFill>
+              <a:prstDash val="sysDot"/>
+            </a:ln>
+          </p:spPr>
+          <p:style>
+            <a:lnRef idx="1">
+              <a:schemeClr val="accent1"/>
+            </a:lnRef>
+            <a:fillRef idx="0">
+              <a:schemeClr val="accent1"/>
+            </a:fillRef>
+            <a:effectRef idx="0">
+              <a:schemeClr val="accent1"/>
+            </a:effectRef>
+            <a:fontRef idx="minor">
+              <a:schemeClr val="tx1"/>
+            </a:fontRef>
+          </p:style>
+        </p:cxnSp>
+        <mc:AlternateContent xmlns:mc="http://schemas.openxmlformats.org/markup-compatibility/2006">
+          <mc:Choice xmlns:a14="http://schemas.microsoft.com/office/drawing/2010/main" Requires="a14">
+            <p:sp>
+              <p:nvSpPr>
+                <p:cNvPr id="181" name="TextBox 180"/>
+                <p:cNvSpPr txBox="1"/>
+                <p:nvPr/>
+              </p:nvSpPr>
+              <p:spPr>
+                <a:xfrm>
+                  <a:off x="4060584" y="3393320"/>
+                  <a:ext cx="733662" cy="307777"/>
+                </a:xfrm>
+                <a:prstGeom prst="rect">
+                  <a:avLst/>
+                </a:prstGeom>
+                <a:noFill/>
+              </p:spPr>
+              <p:txBody>
+                <a:bodyPr wrap="none" lIns="0" tIns="0" rIns="0" bIns="0" rtlCol="0">
+                  <a:spAutoFit/>
+                </a:bodyPr>
+                <a:lstStyle/>
+                <a:p>
+                  <a14:m>
+                    <m:oMathPara xmlns:m="http://schemas.openxmlformats.org/officeDocument/2006/math">
+                      <m:oMathParaPr>
+                        <m:jc m:val="centerGroup"/>
+                      </m:oMathParaPr>
+                      <m:oMath xmlns:m="http://schemas.openxmlformats.org/officeDocument/2006/math">
+                        <m:r>
+                          <a:rPr lang="en-US" sz="2000" b="0" i="1" smtClean="0">
+                            <a:latin typeface="Cambria Math" panose="02040503050406030204" pitchFamily="18" charset="0"/>
+                            <a:cs typeface="Arial" panose="020B0604020202020204" pitchFamily="34" charset="0"/>
+                          </a:rPr>
+                          <m:t>𝑅𝑠𝑖𝑛</m:t>
+                        </m:r>
+                        <m:r>
+                          <a:rPr lang="en-US" sz="2000" b="0" i="1" smtClean="0">
+                            <a:latin typeface="Cambria Math" panose="02040503050406030204" pitchFamily="18" charset="0"/>
+                            <a:cs typeface="Arial" panose="020B0604020202020204" pitchFamily="34" charset="0"/>
+                          </a:rPr>
+                          <m:t>𝜃</m:t>
+                        </m:r>
+                      </m:oMath>
+                    </m:oMathPara>
+                  </a14:m>
+                  <a:endParaRPr lang="en-US" sz="2000" dirty="0" smtClean="0">
+                    <a:latin typeface="Arial" panose="020B0604020202020204" pitchFamily="34" charset="0"/>
+                    <a:cs typeface="Arial" panose="020B0604020202020204" pitchFamily="34" charset="0"/>
+                  </a:endParaRPr>
+                </a:p>
+              </p:txBody>
+            </p:sp>
+          </mc:Choice>
+          <mc:Fallback>
+            <p:sp>
+              <p:nvSpPr>
+                <p:cNvPr id="181" name="TextBox 180"/>
+                <p:cNvSpPr txBox="1">
+                  <a:spLocks noRot="1" noChangeAspect="1" noMove="1" noResize="1" noEditPoints="1" noAdjustHandles="1" noChangeArrowheads="1" noChangeShapeType="1" noTextEdit="1"/>
+                </p:cNvSpPr>
+                <p:nvPr/>
+              </p:nvSpPr>
+              <p:spPr>
+                <a:xfrm>
+                  <a:off x="4060584" y="3393320"/>
+                  <a:ext cx="733662" cy="307777"/>
+                </a:xfrm>
+                <a:prstGeom prst="rect">
+                  <a:avLst/>
+                </a:prstGeom>
+                <a:blipFill>
+                  <a:blip r:embed="rId24"/>
+                  <a:stretch>
+                    <a:fillRect l="-7500" r="-6667" b="-9804"/>
+                  </a:stretch>
+                </a:blipFill>
+              </p:spPr>
+              <p:txBody>
+                <a:bodyPr/>
+                <a:lstStyle/>
+                <a:p>
+                  <a:r>
+                    <a:rPr lang="en-US">
+                      <a:noFill/>
+                    </a:rPr>
+                    <a:t> </a:t>
+                  </a:r>
+                </a:p>
+              </p:txBody>
+            </p:sp>
+          </mc:Fallback>
+        </mc:AlternateContent>
+        <mc:AlternateContent xmlns:mc="http://schemas.openxmlformats.org/markup-compatibility/2006">
+          <mc:Choice xmlns:a14="http://schemas.microsoft.com/office/drawing/2010/main" Requires="a14">
+            <p:sp>
+              <p:nvSpPr>
+                <p:cNvPr id="182" name="TextBox 181"/>
+                <p:cNvSpPr txBox="1"/>
+                <p:nvPr/>
+              </p:nvSpPr>
+              <p:spPr>
+                <a:xfrm>
+                  <a:off x="4836861" y="3955781"/>
+                  <a:ext cx="241540" cy="307777"/>
+                </a:xfrm>
+                <a:prstGeom prst="rect">
+                  <a:avLst/>
+                </a:prstGeom>
+                <a:noFill/>
+              </p:spPr>
+              <p:txBody>
+                <a:bodyPr wrap="none" lIns="0" tIns="0" rIns="0" bIns="0" rtlCol="0">
+                  <a:spAutoFit/>
+                </a:bodyPr>
+                <a:lstStyle/>
+                <a:p>
+                  <a14:m>
+                    <m:oMathPara xmlns:m="http://schemas.openxmlformats.org/officeDocument/2006/math">
+                      <m:oMathParaPr>
+                        <m:jc m:val="centerGroup"/>
+                      </m:oMathParaPr>
+                      <m:oMath xmlns:m="http://schemas.openxmlformats.org/officeDocument/2006/math">
+                        <m:r>
+                          <a:rPr lang="en-US" sz="2000" b="0" i="1" smtClean="0">
+                            <a:latin typeface="Cambria Math" panose="02040503050406030204" pitchFamily="18" charset="0"/>
+                            <a:cs typeface="Arial" panose="020B0604020202020204" pitchFamily="34" charset="0"/>
+                          </a:rPr>
+                          <m:t>𝑅</m:t>
+                        </m:r>
+                      </m:oMath>
+                    </m:oMathPara>
+                  </a14:m>
+                  <a:endParaRPr lang="en-US" sz="2000" dirty="0" smtClean="0">
+                    <a:latin typeface="Arial" panose="020B0604020202020204" pitchFamily="34" charset="0"/>
+                    <a:cs typeface="Arial" panose="020B0604020202020204" pitchFamily="34" charset="0"/>
+                  </a:endParaRPr>
+                </a:p>
+              </p:txBody>
+            </p:sp>
+          </mc:Choice>
+          <mc:Fallback>
+            <p:sp>
+              <p:nvSpPr>
+                <p:cNvPr id="182" name="TextBox 181"/>
+                <p:cNvSpPr txBox="1">
+                  <a:spLocks noRot="1" noChangeAspect="1" noMove="1" noResize="1" noEditPoints="1" noAdjustHandles="1" noChangeArrowheads="1" noChangeShapeType="1" noTextEdit="1"/>
+                </p:cNvSpPr>
+                <p:nvPr/>
+              </p:nvSpPr>
+              <p:spPr>
+                <a:xfrm>
+                  <a:off x="4836861" y="3955781"/>
+                  <a:ext cx="241540" cy="307777"/>
+                </a:xfrm>
+                <a:prstGeom prst="rect">
+                  <a:avLst/>
+                </a:prstGeom>
+                <a:blipFill>
+                  <a:blip r:embed="rId25"/>
+                  <a:stretch>
+                    <a:fillRect l="-23077" r="-20513" b="-9804"/>
+                  </a:stretch>
+                </a:blipFill>
+              </p:spPr>
+              <p:txBody>
+                <a:bodyPr/>
+                <a:lstStyle/>
+                <a:p>
+                  <a:r>
+                    <a:rPr lang="en-US">
+                      <a:noFill/>
+                    </a:rPr>
+                    <a:t> </a:t>
+                  </a:r>
+                </a:p>
+              </p:txBody>
+            </p:sp>
+          </mc:Fallback>
+        </mc:AlternateContent>
+        <mc:AlternateContent xmlns:mc="http://schemas.openxmlformats.org/markup-compatibility/2006">
+          <mc:Choice xmlns:a14="http://schemas.microsoft.com/office/drawing/2010/main" Requires="a14">
+            <p:sp>
+              <p:nvSpPr>
+                <p:cNvPr id="183" name="TextBox 182"/>
+                <p:cNvSpPr txBox="1"/>
+                <p:nvPr/>
+              </p:nvSpPr>
+              <p:spPr>
+                <a:xfrm>
+                  <a:off x="4067813" y="3921755"/>
+                  <a:ext cx="222304" cy="307777"/>
+                </a:xfrm>
+                <a:prstGeom prst="rect">
+                  <a:avLst/>
+                </a:prstGeom>
+                <a:noFill/>
+              </p:spPr>
+              <p:txBody>
+                <a:bodyPr wrap="none" lIns="0" tIns="0" rIns="0" bIns="0" rtlCol="0">
+                  <a:spAutoFit/>
+                </a:bodyPr>
+                <a:lstStyle/>
+                <a:p>
+                  <a14:m>
+                    <m:oMathPara xmlns:m="http://schemas.openxmlformats.org/officeDocument/2006/math">
+                      <m:oMathParaPr>
+                        <m:jc m:val="centerGroup"/>
+                      </m:oMathParaPr>
+                      <m:oMath xmlns:m="http://schemas.openxmlformats.org/officeDocument/2006/math">
+                        <m:r>
+                          <a:rPr lang="en-US" sz="2000" b="0" i="1" smtClean="0">
+                            <a:latin typeface="Cambria Math" panose="02040503050406030204" pitchFamily="18" charset="0"/>
+                            <a:cs typeface="Arial" panose="020B0604020202020204" pitchFamily="34" charset="0"/>
+                          </a:rPr>
+                          <m:t>𝜃</m:t>
+                        </m:r>
+                      </m:oMath>
+                    </m:oMathPara>
+                  </a14:m>
+                  <a:endParaRPr lang="en-US" sz="2000" dirty="0" smtClean="0">
+                    <a:latin typeface="Arial" panose="020B0604020202020204" pitchFamily="34" charset="0"/>
+                    <a:cs typeface="Arial" panose="020B0604020202020204" pitchFamily="34" charset="0"/>
+                  </a:endParaRPr>
+                </a:p>
+              </p:txBody>
+            </p:sp>
+          </mc:Choice>
+          <mc:Fallback>
+            <p:sp>
+              <p:nvSpPr>
+                <p:cNvPr id="183" name="TextBox 182"/>
+                <p:cNvSpPr txBox="1">
+                  <a:spLocks noRot="1" noChangeAspect="1" noMove="1" noResize="1" noEditPoints="1" noAdjustHandles="1" noChangeArrowheads="1" noChangeShapeType="1" noTextEdit="1"/>
+                </p:cNvSpPr>
+                <p:nvPr/>
+              </p:nvSpPr>
+              <p:spPr>
+                <a:xfrm>
+                  <a:off x="4067813" y="3921755"/>
+                  <a:ext cx="222304" cy="307777"/>
+                </a:xfrm>
+                <a:prstGeom prst="rect">
+                  <a:avLst/>
+                </a:prstGeom>
+                <a:blipFill>
+                  <a:blip r:embed="rId26"/>
+                  <a:stretch>
+                    <a:fillRect l="-25000" r="-25000" b="-12000"/>
+                  </a:stretch>
+                </a:blipFill>
+              </p:spPr>
+              <p:txBody>
+                <a:bodyPr/>
+                <a:lstStyle/>
+                <a:p>
+                  <a:r>
+                    <a:rPr lang="en-US">
+                      <a:noFill/>
+                    </a:rPr>
+                    <a:t> </a:t>
+                  </a:r>
+                </a:p>
+              </p:txBody>
+            </p:sp>
+          </mc:Fallback>
+        </mc:AlternateContent>
+      </p:grpSp>
     </p:spTree>
     <p:extLst>
       <p:ext uri="{BB962C8B-B14F-4D97-AF65-F5344CB8AC3E}">

--- a/tex/figures/Gravity/Figures.pptx
+++ b/tex/figures/Gravity/Figures.pptx
@@ -8,6 +8,7 @@
     <p:sldId id="271" r:id="rId2"/>
     <p:sldId id="272" r:id="rId3"/>
     <p:sldId id="273" r:id="rId4"/>
+    <p:sldId id="274" r:id="rId5"/>
   </p:sldIdLst>
   <p:sldSz cx="12192000" cy="6858000"/>
   <p:notesSz cx="6858000" cy="9144000"/>
@@ -245,7 +246,7 @@
           <a:p>
             <a:fld id="{F7249F8D-641B-4CAF-BAE5-10524742F6F1}" type="datetimeFigureOut">
               <a:rPr lang="en-CA" smtClean="0"/>
-              <a:t>2018-06-18</a:t>
+              <a:t>2018-06-19</a:t>
             </a:fld>
             <a:endParaRPr lang="en-CA"/>
           </a:p>
@@ -415,7 +416,7 @@
           <a:p>
             <a:fld id="{F7249F8D-641B-4CAF-BAE5-10524742F6F1}" type="datetimeFigureOut">
               <a:rPr lang="en-CA" smtClean="0"/>
-              <a:t>2018-06-18</a:t>
+              <a:t>2018-06-19</a:t>
             </a:fld>
             <a:endParaRPr lang="en-CA"/>
           </a:p>
@@ -595,7 +596,7 @@
           <a:p>
             <a:fld id="{F7249F8D-641B-4CAF-BAE5-10524742F6F1}" type="datetimeFigureOut">
               <a:rPr lang="en-CA" smtClean="0"/>
-              <a:t>2018-06-18</a:t>
+              <a:t>2018-06-19</a:t>
             </a:fld>
             <a:endParaRPr lang="en-CA"/>
           </a:p>
@@ -765,7 +766,7 @@
           <a:p>
             <a:fld id="{F7249F8D-641B-4CAF-BAE5-10524742F6F1}" type="datetimeFigureOut">
               <a:rPr lang="en-CA" smtClean="0"/>
-              <a:t>2018-06-18</a:t>
+              <a:t>2018-06-19</a:t>
             </a:fld>
             <a:endParaRPr lang="en-CA"/>
           </a:p>
@@ -1011,7 +1012,7 @@
           <a:p>
             <a:fld id="{F7249F8D-641B-4CAF-BAE5-10524742F6F1}" type="datetimeFigureOut">
               <a:rPr lang="en-CA" smtClean="0"/>
-              <a:t>2018-06-18</a:t>
+              <a:t>2018-06-19</a:t>
             </a:fld>
             <a:endParaRPr lang="en-CA"/>
           </a:p>
@@ -1243,7 +1244,7 @@
           <a:p>
             <a:fld id="{F7249F8D-641B-4CAF-BAE5-10524742F6F1}" type="datetimeFigureOut">
               <a:rPr lang="en-CA" smtClean="0"/>
-              <a:t>2018-06-18</a:t>
+              <a:t>2018-06-19</a:t>
             </a:fld>
             <a:endParaRPr lang="en-CA"/>
           </a:p>
@@ -1610,7 +1611,7 @@
           <a:p>
             <a:fld id="{F7249F8D-641B-4CAF-BAE5-10524742F6F1}" type="datetimeFigureOut">
               <a:rPr lang="en-CA" smtClean="0"/>
-              <a:t>2018-06-18</a:t>
+              <a:t>2018-06-19</a:t>
             </a:fld>
             <a:endParaRPr lang="en-CA"/>
           </a:p>
@@ -1728,7 +1729,7 @@
           <a:p>
             <a:fld id="{F7249F8D-641B-4CAF-BAE5-10524742F6F1}" type="datetimeFigureOut">
               <a:rPr lang="en-CA" smtClean="0"/>
-              <a:t>2018-06-18</a:t>
+              <a:t>2018-06-19</a:t>
             </a:fld>
             <a:endParaRPr lang="en-CA"/>
           </a:p>
@@ -1823,7 +1824,7 @@
           <a:p>
             <a:fld id="{F7249F8D-641B-4CAF-BAE5-10524742F6F1}" type="datetimeFigureOut">
               <a:rPr lang="en-CA" smtClean="0"/>
-              <a:t>2018-06-18</a:t>
+              <a:t>2018-06-19</a:t>
             </a:fld>
             <a:endParaRPr lang="en-CA"/>
           </a:p>
@@ -2100,7 +2101,7 @@
           <a:p>
             <a:fld id="{F7249F8D-641B-4CAF-BAE5-10524742F6F1}" type="datetimeFigureOut">
               <a:rPr lang="en-CA" smtClean="0"/>
-              <a:t>2018-06-18</a:t>
+              <a:t>2018-06-19</a:t>
             </a:fld>
             <a:endParaRPr lang="en-CA"/>
           </a:p>
@@ -2353,7 +2354,7 @@
           <a:p>
             <a:fld id="{F7249F8D-641B-4CAF-BAE5-10524742F6F1}" type="datetimeFigureOut">
               <a:rPr lang="en-CA" smtClean="0"/>
-              <a:t>2018-06-18</a:t>
+              <a:t>2018-06-19</a:t>
             </a:fld>
             <a:endParaRPr lang="en-CA"/>
           </a:p>
@@ -2566,7 +2567,7 @@
           <a:p>
             <a:fld id="{F7249F8D-641B-4CAF-BAE5-10524742F6F1}" type="datetimeFigureOut">
               <a:rPr lang="en-CA" smtClean="0"/>
-              <a:t>2018-06-18</a:t>
+              <a:t>2018-06-19</a:t>
             </a:fld>
             <a:endParaRPr lang="en-CA"/>
           </a:p>
@@ -4383,6 +4384,160 @@
             <a:lstStyle/>
             <a:p>
               <a:endParaRPr lang="en-CA" dirty="0"/>
+            </a:p>
+          </p:txBody>
+        </p:sp>
+      </p:grpSp>
+      <p:grpSp>
+        <p:nvGrpSpPr>
+          <p:cNvPr id="39" name="Group 38"/>
+          <p:cNvGrpSpPr/>
+          <p:nvPr/>
+        </p:nvGrpSpPr>
+        <p:grpSpPr>
+          <a:xfrm>
+            <a:off x="9081394" y="1524017"/>
+            <a:ext cx="2365131" cy="2365130"/>
+            <a:chOff x="5099538" y="1274206"/>
+            <a:chExt cx="2365131" cy="2365130"/>
+          </a:xfrm>
+        </p:grpSpPr>
+        <p:sp>
+          <p:nvSpPr>
+            <p:cNvPr id="40" name="Oval 39"/>
+            <p:cNvSpPr/>
+            <p:nvPr/>
+          </p:nvSpPr>
+          <p:spPr>
+            <a:xfrm>
+              <a:off x="5099539" y="1274206"/>
+              <a:ext cx="2365130" cy="2365130"/>
+            </a:xfrm>
+            <a:prstGeom prst="ellipse">
+              <a:avLst/>
+            </a:prstGeom>
+            <a:noFill/>
+            <a:ln w="38100">
+              <a:solidFill>
+                <a:schemeClr val="tx1"/>
+              </a:solidFill>
+            </a:ln>
+          </p:spPr>
+          <p:style>
+            <a:lnRef idx="2">
+              <a:schemeClr val="accent1">
+                <a:shade val="50000"/>
+              </a:schemeClr>
+            </a:lnRef>
+            <a:fillRef idx="1">
+              <a:schemeClr val="accent1"/>
+            </a:fillRef>
+            <a:effectRef idx="0">
+              <a:schemeClr val="accent1"/>
+            </a:effectRef>
+            <a:fontRef idx="minor">
+              <a:schemeClr val="lt1"/>
+            </a:fontRef>
+          </p:style>
+          <p:txBody>
+            <a:bodyPr rtlCol="0" anchor="ctr"/>
+            <a:lstStyle/>
+            <a:p>
+              <a:pPr algn="ctr"/>
+              <a:endParaRPr lang="en-US"/>
+            </a:p>
+          </p:txBody>
+        </p:sp>
+        <p:sp>
+          <p:nvSpPr>
+            <p:cNvPr id="41" name="Arc 40"/>
+            <p:cNvSpPr/>
+            <p:nvPr/>
+          </p:nvSpPr>
+          <p:spPr>
+            <a:xfrm>
+              <a:off x="5099538" y="2333845"/>
+              <a:ext cx="2365130" cy="402721"/>
+            </a:xfrm>
+            <a:prstGeom prst="arc">
+              <a:avLst>
+                <a:gd name="adj1" fmla="val 31471"/>
+                <a:gd name="adj2" fmla="val 10840678"/>
+              </a:avLst>
+            </a:prstGeom>
+            <a:ln w="38100">
+              <a:solidFill>
+                <a:schemeClr val="tx1"/>
+              </a:solidFill>
+            </a:ln>
+          </p:spPr>
+          <p:style>
+            <a:lnRef idx="1">
+              <a:schemeClr val="accent1"/>
+            </a:lnRef>
+            <a:fillRef idx="0">
+              <a:schemeClr val="accent1"/>
+            </a:fillRef>
+            <a:effectRef idx="0">
+              <a:schemeClr val="accent1"/>
+            </a:effectRef>
+            <a:fontRef idx="minor">
+              <a:schemeClr val="tx1"/>
+            </a:fontRef>
+          </p:style>
+          <p:txBody>
+            <a:bodyPr rtlCol="0" anchor="ctr"/>
+            <a:lstStyle/>
+            <a:p>
+              <a:pPr algn="ctr"/>
+              <a:endParaRPr lang="en-US"/>
+            </a:p>
+          </p:txBody>
+        </p:sp>
+        <p:sp>
+          <p:nvSpPr>
+            <p:cNvPr id="42" name="Arc 41"/>
+            <p:cNvSpPr/>
+            <p:nvPr/>
+          </p:nvSpPr>
+          <p:spPr>
+            <a:xfrm>
+              <a:off x="5099538" y="2318331"/>
+              <a:ext cx="2365130" cy="402721"/>
+            </a:xfrm>
+            <a:prstGeom prst="arc">
+              <a:avLst>
+                <a:gd name="adj1" fmla="val 10819517"/>
+                <a:gd name="adj2" fmla="val 21596417"/>
+              </a:avLst>
+            </a:prstGeom>
+            <a:ln w="38100">
+              <a:solidFill>
+                <a:schemeClr val="tx1"/>
+              </a:solidFill>
+              <a:prstDash val="sysDash"/>
+            </a:ln>
+          </p:spPr>
+          <p:style>
+            <a:lnRef idx="1">
+              <a:schemeClr val="accent1"/>
+            </a:lnRef>
+            <a:fillRef idx="0">
+              <a:schemeClr val="accent1"/>
+            </a:fillRef>
+            <a:effectRef idx="0">
+              <a:schemeClr val="accent1"/>
+            </a:effectRef>
+            <a:fontRef idx="minor">
+              <a:schemeClr val="tx1"/>
+            </a:fontRef>
+          </p:style>
+          <p:txBody>
+            <a:bodyPr rtlCol="0" anchor="ctr"/>
+            <a:lstStyle/>
+            <a:p>
+              <a:pPr algn="ctr"/>
+              <a:endParaRPr lang="en-US"/>
             </a:p>
           </p:txBody>
         </p:sp>
@@ -6900,8 +7055,8 @@
             </a:fontRef>
           </p:style>
         </p:cxnSp>
-        <mc:AlternateContent xmlns:mc="http://schemas.openxmlformats.org/markup-compatibility/2006">
-          <mc:Choice xmlns:a14="http://schemas.microsoft.com/office/drawing/2010/main" Requires="a14">
+        <mc:AlternateContent xmlns:mc="http://schemas.openxmlformats.org/markup-compatibility/2006" xmlns:a14="http://schemas.microsoft.com/office/drawing/2010/main">
+          <mc:Choice Requires="a14">
             <p:sp>
               <p:nvSpPr>
                 <p:cNvPr id="22" name="TextBox 21"/>
@@ -6924,6 +7079,7 @@
                 </a:bodyPr>
                 <a:lstStyle/>
                 <a:p>
+                  <a:pPr/>
                   <a14:m>
                     <m:oMathPara xmlns:m="http://schemas.openxmlformats.org/officeDocument/2006/math">
                       <m:oMathParaPr>
@@ -6969,7 +7125,7 @@
               </p:txBody>
             </p:sp>
           </mc:Choice>
-          <mc:Fallback>
+          <mc:Fallback xmlns="">
             <p:sp>
               <p:nvSpPr>
                 <p:cNvPr id="22" name="TextBox 21"/>
@@ -7008,8 +7164,8 @@
             </p:sp>
           </mc:Fallback>
         </mc:AlternateContent>
-        <mc:AlternateContent xmlns:mc="http://schemas.openxmlformats.org/markup-compatibility/2006">
-          <mc:Choice xmlns:a14="http://schemas.microsoft.com/office/drawing/2010/main" Requires="a14">
+        <mc:AlternateContent xmlns:mc="http://schemas.openxmlformats.org/markup-compatibility/2006" xmlns:a14="http://schemas.microsoft.com/office/drawing/2010/main">
+          <mc:Choice Requires="a14">
             <p:sp>
               <p:nvSpPr>
                 <p:cNvPr id="23" name="TextBox 22"/>
@@ -7032,6 +7188,7 @@
                 </a:bodyPr>
                 <a:lstStyle/>
                 <a:p>
+                  <a:pPr/>
                   <a14:m>
                     <m:oMathPara xmlns:m="http://schemas.openxmlformats.org/officeDocument/2006/math">
                       <m:oMathParaPr>
@@ -7077,7 +7234,7 @@
               </p:txBody>
             </p:sp>
           </mc:Choice>
-          <mc:Fallback>
+          <mc:Fallback xmlns="">
             <p:sp>
               <p:nvSpPr>
                 <p:cNvPr id="23" name="TextBox 22"/>
@@ -7188,8 +7345,8 @@
             </a:fontRef>
           </p:style>
         </p:cxnSp>
-        <mc:AlternateContent xmlns:mc="http://schemas.openxmlformats.org/markup-compatibility/2006">
-          <mc:Choice xmlns:a14="http://schemas.microsoft.com/office/drawing/2010/main" Requires="a14">
+        <mc:AlternateContent xmlns:mc="http://schemas.openxmlformats.org/markup-compatibility/2006" xmlns:a14="http://schemas.microsoft.com/office/drawing/2010/main">
+          <mc:Choice Requires="a14">
             <p:sp>
               <p:nvSpPr>
                 <p:cNvPr id="35" name="TextBox 34"/>
@@ -7212,6 +7369,7 @@
                 </a:bodyPr>
                 <a:lstStyle/>
                 <a:p>
+                  <a:pPr/>
                   <a14:m>
                     <m:oMathPara xmlns:m="http://schemas.openxmlformats.org/officeDocument/2006/math">
                       <m:oMathParaPr>
@@ -7270,7 +7428,7 @@
               </p:txBody>
             </p:sp>
           </mc:Choice>
-          <mc:Fallback>
+          <mc:Fallback xmlns="">
             <p:sp>
               <p:nvSpPr>
                 <p:cNvPr id="35" name="TextBox 34"/>
@@ -7309,8 +7467,8 @@
             </p:sp>
           </mc:Fallback>
         </mc:AlternateContent>
-        <mc:AlternateContent xmlns:mc="http://schemas.openxmlformats.org/markup-compatibility/2006">
-          <mc:Choice xmlns:a14="http://schemas.microsoft.com/office/drawing/2010/main" Requires="a14">
+        <mc:AlternateContent xmlns:mc="http://schemas.openxmlformats.org/markup-compatibility/2006" xmlns:a14="http://schemas.microsoft.com/office/drawing/2010/main">
+          <mc:Choice Requires="a14">
             <p:sp>
               <p:nvSpPr>
                 <p:cNvPr id="36" name="TextBox 35"/>
@@ -7333,6 +7491,7 @@
                 </a:bodyPr>
                 <a:lstStyle/>
                 <a:p>
+                  <a:pPr/>
                   <a14:m>
                     <m:oMathPara xmlns:m="http://schemas.openxmlformats.org/officeDocument/2006/math">
                       <m:oMathParaPr>
@@ -7391,7 +7550,7 @@
               </p:txBody>
             </p:sp>
           </mc:Choice>
-          <mc:Fallback>
+          <mc:Fallback xmlns="">
             <p:sp>
               <p:nvSpPr>
                 <p:cNvPr id="36" name="TextBox 35"/>
@@ -7430,8 +7589,8 @@
             </p:sp>
           </mc:Fallback>
         </mc:AlternateContent>
-        <mc:AlternateContent xmlns:mc="http://schemas.openxmlformats.org/markup-compatibility/2006">
-          <mc:Choice xmlns:a14="http://schemas.microsoft.com/office/drawing/2010/main" Requires="a14">
+        <mc:AlternateContent xmlns:mc="http://schemas.openxmlformats.org/markup-compatibility/2006" xmlns:a14="http://schemas.microsoft.com/office/drawing/2010/main">
+          <mc:Choice Requires="a14">
             <p:sp>
               <p:nvSpPr>
                 <p:cNvPr id="37" name="TextBox 36"/>
@@ -7454,6 +7613,7 @@
                 </a:bodyPr>
                 <a:lstStyle/>
                 <a:p>
+                  <a:pPr/>
                   <a14:m>
                     <m:oMathPara xmlns:m="http://schemas.openxmlformats.org/officeDocument/2006/math">
                       <m:oMathParaPr>
@@ -7512,7 +7672,7 @@
               </p:txBody>
             </p:sp>
           </mc:Choice>
-          <mc:Fallback>
+          <mc:Fallback xmlns="">
             <p:sp>
               <p:nvSpPr>
                 <p:cNvPr id="37" name="TextBox 36"/>
@@ -7587,8 +7747,8 @@
             </a:fontRef>
           </p:style>
         </p:cxnSp>
-        <mc:AlternateContent xmlns:mc="http://schemas.openxmlformats.org/markup-compatibility/2006">
-          <mc:Choice xmlns:a14="http://schemas.microsoft.com/office/drawing/2010/main" Requires="a14">
+        <mc:AlternateContent xmlns:mc="http://schemas.openxmlformats.org/markup-compatibility/2006" xmlns:a14="http://schemas.microsoft.com/office/drawing/2010/main">
+          <mc:Choice Requires="a14">
             <p:sp>
               <p:nvSpPr>
                 <p:cNvPr id="41" name="TextBox 40"/>
@@ -7611,6 +7771,7 @@
                 </a:bodyPr>
                 <a:lstStyle/>
                 <a:p>
+                  <a:pPr/>
                   <a14:m>
                     <m:oMathPara xmlns:m="http://schemas.openxmlformats.org/officeDocument/2006/math">
                       <m:oMathParaPr>
@@ -7684,7 +7845,7 @@
               </p:txBody>
             </p:sp>
           </mc:Choice>
-          <mc:Fallback>
+          <mc:Fallback xmlns="">
             <p:sp>
               <p:nvSpPr>
                 <p:cNvPr id="41" name="TextBox 40"/>
@@ -7759,8 +7920,8 @@
             </a:fontRef>
           </p:style>
         </p:cxnSp>
-        <mc:AlternateContent xmlns:mc="http://schemas.openxmlformats.org/markup-compatibility/2006">
-          <mc:Choice xmlns:a14="http://schemas.microsoft.com/office/drawing/2010/main" Requires="a14">
+        <mc:AlternateContent xmlns:mc="http://schemas.openxmlformats.org/markup-compatibility/2006" xmlns:a14="http://schemas.microsoft.com/office/drawing/2010/main">
+          <mc:Choice Requires="a14">
             <p:sp>
               <p:nvSpPr>
                 <p:cNvPr id="45" name="TextBox 44"/>
@@ -7783,6 +7944,7 @@
                 </a:bodyPr>
                 <a:lstStyle/>
                 <a:p>
+                  <a:pPr/>
                   <a14:m>
                     <m:oMathPara xmlns:m="http://schemas.openxmlformats.org/officeDocument/2006/math">
                       <m:oMathParaPr>
@@ -7841,7 +8003,7 @@
               </p:txBody>
             </p:sp>
           </mc:Choice>
-          <mc:Fallback>
+          <mc:Fallback xmlns="">
             <p:sp>
               <p:nvSpPr>
                 <p:cNvPr id="45" name="TextBox 44"/>
@@ -8559,8 +8721,8 @@
                   </a:fontRef>
                 </p:style>
               </p:cxnSp>
-              <mc:AlternateContent xmlns:mc="http://schemas.openxmlformats.org/markup-compatibility/2006">
-                <mc:Choice xmlns:a14="http://schemas.microsoft.com/office/drawing/2010/main" Requires="a14">
+              <mc:AlternateContent xmlns:mc="http://schemas.openxmlformats.org/markup-compatibility/2006" xmlns:a14="http://schemas.microsoft.com/office/drawing/2010/main">
+                <mc:Choice Requires="a14">
                   <p:sp>
                     <p:nvSpPr>
                       <p:cNvPr id="74" name="TextBox 73"/>
@@ -8583,6 +8745,7 @@
                       </a:bodyPr>
                       <a:lstStyle/>
                       <a:p>
+                        <a:pPr/>
                         <a14:m>
                           <m:oMathPara xmlns:m="http://schemas.openxmlformats.org/officeDocument/2006/math">
                             <m:oMathParaPr>
@@ -8641,7 +8804,7 @@
                     </p:txBody>
                   </p:sp>
                 </mc:Choice>
-                <mc:Fallback>
+                <mc:Fallback xmlns="">
                   <p:sp>
                     <p:nvSpPr>
                       <p:cNvPr id="74" name="TextBox 73"/>
@@ -8680,8 +8843,8 @@
                   </p:sp>
                 </mc:Fallback>
               </mc:AlternateContent>
-              <mc:AlternateContent xmlns:mc="http://schemas.openxmlformats.org/markup-compatibility/2006">
-                <mc:Choice xmlns:a14="http://schemas.microsoft.com/office/drawing/2010/main" Requires="a14">
+              <mc:AlternateContent xmlns:mc="http://schemas.openxmlformats.org/markup-compatibility/2006" xmlns:a14="http://schemas.microsoft.com/office/drawing/2010/main">
+                <mc:Choice Requires="a14">
                   <p:sp>
                     <p:nvSpPr>
                       <p:cNvPr id="75" name="TextBox 74"/>
@@ -8704,6 +8867,7 @@
                       </a:bodyPr>
                       <a:lstStyle/>
                       <a:p>
+                        <a:pPr/>
                         <a14:m>
                           <m:oMathPara xmlns:m="http://schemas.openxmlformats.org/officeDocument/2006/math">
                             <m:oMathParaPr>
@@ -8762,7 +8926,7 @@
                     </p:txBody>
                   </p:sp>
                 </mc:Choice>
-                <mc:Fallback>
+                <mc:Fallback xmlns="">
                   <p:sp>
                     <p:nvSpPr>
                       <p:cNvPr id="75" name="TextBox 74"/>
@@ -8801,8 +8965,8 @@
                   </p:sp>
                 </mc:Fallback>
               </mc:AlternateContent>
-              <mc:AlternateContent xmlns:mc="http://schemas.openxmlformats.org/markup-compatibility/2006">
-                <mc:Choice xmlns:a14="http://schemas.microsoft.com/office/drawing/2010/main" Requires="a14">
+              <mc:AlternateContent xmlns:mc="http://schemas.openxmlformats.org/markup-compatibility/2006" xmlns:a14="http://schemas.microsoft.com/office/drawing/2010/main">
+                <mc:Choice Requires="a14">
                   <p:sp>
                     <p:nvSpPr>
                       <p:cNvPr id="76" name="TextBox 75"/>
@@ -8825,6 +8989,7 @@
                       </a:bodyPr>
                       <a:lstStyle/>
                       <a:p>
+                        <a:pPr/>
                         <a14:m>
                           <m:oMathPara xmlns:m="http://schemas.openxmlformats.org/officeDocument/2006/math">
                             <m:oMathParaPr>
@@ -8862,7 +9027,7 @@
                     </p:txBody>
                   </p:sp>
                 </mc:Choice>
-                <mc:Fallback>
+                <mc:Fallback xmlns="">
                   <p:sp>
                     <p:nvSpPr>
                       <p:cNvPr id="76" name="TextBox 75"/>
@@ -8901,8 +9066,8 @@
                   </p:sp>
                 </mc:Fallback>
               </mc:AlternateContent>
-              <mc:AlternateContent xmlns:mc="http://schemas.openxmlformats.org/markup-compatibility/2006">
-                <mc:Choice xmlns:a14="http://schemas.microsoft.com/office/drawing/2010/main" Requires="a14">
+              <mc:AlternateContent xmlns:mc="http://schemas.openxmlformats.org/markup-compatibility/2006" xmlns:a14="http://schemas.microsoft.com/office/drawing/2010/main">
+                <mc:Choice Requires="a14">
                   <p:sp>
                     <p:nvSpPr>
                       <p:cNvPr id="77" name="TextBox 76"/>
@@ -8925,6 +9090,7 @@
                       </a:bodyPr>
                       <a:lstStyle/>
                       <a:p>
+                        <a:pPr/>
                         <a14:m>
                           <m:oMathPara xmlns:m="http://schemas.openxmlformats.org/officeDocument/2006/math">
                             <m:oMathParaPr>
@@ -8962,7 +9128,7 @@
                     </p:txBody>
                   </p:sp>
                 </mc:Choice>
-                <mc:Fallback>
+                <mc:Fallback xmlns="">
                   <p:sp>
                     <p:nvSpPr>
                       <p:cNvPr id="77" name="TextBox 76"/>
@@ -9049,8 +9215,8 @@
                   </a:p>
                 </p:txBody>
               </p:sp>
-              <mc:AlternateContent xmlns:mc="http://schemas.openxmlformats.org/markup-compatibility/2006">
-                <mc:Choice xmlns:a14="http://schemas.microsoft.com/office/drawing/2010/main" Requires="a14">
+              <mc:AlternateContent xmlns:mc="http://schemas.openxmlformats.org/markup-compatibility/2006" xmlns:a14="http://schemas.microsoft.com/office/drawing/2010/main">
+                <mc:Choice Requires="a14">
                   <p:sp>
                     <p:nvSpPr>
                       <p:cNvPr id="79" name="TextBox 78"/>
@@ -9073,6 +9239,7 @@
                       </a:bodyPr>
                       <a:lstStyle/>
                       <a:p>
+                        <a:pPr/>
                         <a14:m>
                           <m:oMathPara xmlns:m="http://schemas.openxmlformats.org/officeDocument/2006/math">
                             <m:oMathParaPr>
@@ -9110,7 +9277,7 @@
                     </p:txBody>
                   </p:sp>
                 </mc:Choice>
-                <mc:Fallback>
+                <mc:Fallback xmlns="">
                   <p:sp>
                     <p:nvSpPr>
                       <p:cNvPr id="79" name="TextBox 78"/>
@@ -9150,8 +9317,8 @@
                 </mc:Fallback>
               </mc:AlternateContent>
             </p:grpSp>
-            <mc:AlternateContent xmlns:mc="http://schemas.openxmlformats.org/markup-compatibility/2006">
-              <mc:Choice xmlns:a14="http://schemas.microsoft.com/office/drawing/2010/main" Requires="a14">
+            <mc:AlternateContent xmlns:mc="http://schemas.openxmlformats.org/markup-compatibility/2006" xmlns:a14="http://schemas.microsoft.com/office/drawing/2010/main">
+              <mc:Choice Requires="a14">
                 <p:sp>
                   <p:nvSpPr>
                     <p:cNvPr id="81" name="TextBox 80"/>
@@ -9174,6 +9341,7 @@
                     </a:bodyPr>
                     <a:lstStyle/>
                     <a:p>
+                      <a:pPr/>
                       <a14:m>
                         <m:oMathPara xmlns:m="http://schemas.openxmlformats.org/officeDocument/2006/math">
                           <m:oMathParaPr>
@@ -9198,7 +9366,7 @@
                   </p:txBody>
                 </p:sp>
               </mc:Choice>
-              <mc:Fallback>
+              <mc:Fallback xmlns="">
                 <p:sp>
                   <p:nvSpPr>
                     <p:cNvPr id="81" name="TextBox 80"/>
@@ -9237,8 +9405,8 @@
                 </p:sp>
               </mc:Fallback>
             </mc:AlternateContent>
-            <mc:AlternateContent xmlns:mc="http://schemas.openxmlformats.org/markup-compatibility/2006">
-              <mc:Choice xmlns:a14="http://schemas.microsoft.com/office/drawing/2010/main" Requires="a14">
+            <mc:AlternateContent xmlns:mc="http://schemas.openxmlformats.org/markup-compatibility/2006" xmlns:a14="http://schemas.microsoft.com/office/drawing/2010/main">
+              <mc:Choice Requires="a14">
                 <p:sp>
                   <p:nvSpPr>
                     <p:cNvPr id="82" name="TextBox 81"/>
@@ -9261,6 +9429,7 @@
                     </a:bodyPr>
                     <a:lstStyle/>
                     <a:p>
+                      <a:pPr/>
                       <a14:m>
                         <m:oMathPara xmlns:m="http://schemas.openxmlformats.org/officeDocument/2006/math">
                           <m:oMathParaPr>
@@ -9285,7 +9454,7 @@
                   </p:txBody>
                 </p:sp>
               </mc:Choice>
-              <mc:Fallback>
+              <mc:Fallback xmlns="">
                 <p:sp>
                   <p:nvSpPr>
                     <p:cNvPr id="82" name="TextBox 81"/>
@@ -9325,8 +9494,8 @@
               </mc:Fallback>
             </mc:AlternateContent>
           </p:grpSp>
-          <mc:AlternateContent xmlns:mc="http://schemas.openxmlformats.org/markup-compatibility/2006">
-            <mc:Choice xmlns:a14="http://schemas.microsoft.com/office/drawing/2010/main" Requires="a14">
+          <mc:AlternateContent xmlns:mc="http://schemas.openxmlformats.org/markup-compatibility/2006" xmlns:a14="http://schemas.microsoft.com/office/drawing/2010/main">
+            <mc:Choice Requires="a14">
               <p:sp>
                 <p:nvSpPr>
                   <p:cNvPr id="120" name="TextBox 119"/>
@@ -9349,6 +9518,7 @@
                   </a:bodyPr>
                   <a:lstStyle/>
                   <a:p>
+                    <a:pPr/>
                     <a14:m>
                       <m:oMathPara xmlns:m="http://schemas.openxmlformats.org/officeDocument/2006/math">
                         <m:oMathParaPr>
@@ -9373,7 +9543,7 @@
                 </p:txBody>
               </p:sp>
             </mc:Choice>
-            <mc:Fallback>
+            <mc:Fallback xmlns="">
               <p:sp>
                 <p:nvSpPr>
                   <p:cNvPr id="120" name="TextBox 119"/>
@@ -9416,258 +9586,1051 @@
       </p:grpSp>
       <p:grpSp>
         <p:nvGrpSpPr>
-          <p:cNvPr id="184" name="Group 183"/>
+          <p:cNvPr id="21" name="Group 20"/>
           <p:cNvGrpSpPr/>
           <p:nvPr/>
         </p:nvGrpSpPr>
         <p:grpSpPr>
           <a:xfrm>
-            <a:off x="3700761" y="1222538"/>
-            <a:ext cx="3661690" cy="3201062"/>
-            <a:chOff x="2802070" y="2713455"/>
-            <a:chExt cx="3661690" cy="3201062"/>
+            <a:off x="975117" y="3466061"/>
+            <a:ext cx="5830479" cy="3201062"/>
+            <a:chOff x="975117" y="3466061"/>
+            <a:chExt cx="5830479" cy="3201062"/>
           </a:xfrm>
         </p:grpSpPr>
         <p:grpSp>
           <p:nvGrpSpPr>
-            <p:cNvPr id="84" name="Group 83"/>
+            <p:cNvPr id="18" name="Group 17"/>
             <p:cNvGrpSpPr/>
             <p:nvPr/>
           </p:nvGrpSpPr>
           <p:grpSpPr>
             <a:xfrm>
-              <a:off x="2802070" y="2713455"/>
-              <a:ext cx="3661690" cy="3201062"/>
-              <a:chOff x="4932484" y="1383652"/>
-              <a:chExt cx="3661690" cy="3201062"/>
+              <a:off x="975117" y="3466061"/>
+              <a:ext cx="5830479" cy="3201062"/>
+              <a:chOff x="975117" y="3466061"/>
+              <a:chExt cx="5830479" cy="3201062"/>
             </a:xfrm>
           </p:grpSpPr>
           <p:grpSp>
             <p:nvGrpSpPr>
-              <p:cNvPr id="85" name="Group 84"/>
+              <p:cNvPr id="184" name="Group 183"/>
               <p:cNvGrpSpPr/>
               <p:nvPr/>
             </p:nvGrpSpPr>
             <p:grpSpPr>
               <a:xfrm>
-                <a:off x="4932484" y="1724150"/>
-                <a:ext cx="3661690" cy="2860564"/>
-                <a:chOff x="4932484" y="2706209"/>
-                <a:chExt cx="3661690" cy="2860564"/>
+                <a:off x="3143906" y="3466061"/>
+                <a:ext cx="3661690" cy="3201062"/>
+                <a:chOff x="2802070" y="2713455"/>
+                <a:chExt cx="3661690" cy="3201062"/>
               </a:xfrm>
             </p:grpSpPr>
             <p:grpSp>
               <p:nvGrpSpPr>
-                <p:cNvPr id="88" name="Group 87"/>
+                <p:cNvPr id="84" name="Group 83"/>
                 <p:cNvGrpSpPr/>
                 <p:nvPr/>
               </p:nvGrpSpPr>
               <p:grpSpPr>
                 <a:xfrm>
-                  <a:off x="4932484" y="2805310"/>
-                  <a:ext cx="2380310" cy="2365130"/>
-                  <a:chOff x="5099538" y="1274206"/>
-                  <a:chExt cx="2380310" cy="2365130"/>
+                  <a:off x="2802070" y="2713455"/>
+                  <a:ext cx="3661690" cy="3201062"/>
+                  <a:chOff x="4932484" y="1383652"/>
+                  <a:chExt cx="3661690" cy="3201062"/>
                 </a:xfrm>
               </p:grpSpPr>
-              <p:sp>
-                <p:nvSpPr>
-                  <p:cNvPr id="103" name="Oval 102"/>
-                  <p:cNvSpPr/>
+              <p:grpSp>
+                <p:nvGrpSpPr>
+                  <p:cNvPr id="85" name="Group 84"/>
+                  <p:cNvGrpSpPr/>
                   <p:nvPr/>
-                </p:nvSpPr>
-                <p:spPr>
+                </p:nvGrpSpPr>
+                <p:grpSpPr>
                   <a:xfrm>
-                    <a:off x="5099539" y="1274206"/>
-                    <a:ext cx="2365130" cy="2365130"/>
+                    <a:off x="4932484" y="1724150"/>
+                    <a:ext cx="3661690" cy="2860564"/>
+                    <a:chOff x="4932484" y="2706209"/>
+                    <a:chExt cx="3661690" cy="2860564"/>
                   </a:xfrm>
-                  <a:prstGeom prst="ellipse">
-                    <a:avLst/>
-                  </a:prstGeom>
-                  <a:noFill/>
-                  <a:ln w="38100">
+                </p:grpSpPr>
+                <p:grpSp>
+                  <p:nvGrpSpPr>
+                    <p:cNvPr id="88" name="Group 87"/>
+                    <p:cNvGrpSpPr/>
+                    <p:nvPr/>
+                  </p:nvGrpSpPr>
+                  <p:grpSpPr>
+                    <a:xfrm>
+                      <a:off x="4932484" y="2805310"/>
+                      <a:ext cx="2380310" cy="2365130"/>
+                      <a:chOff x="5099538" y="1274206"/>
+                      <a:chExt cx="2380310" cy="2365130"/>
+                    </a:xfrm>
+                  </p:grpSpPr>
+                  <p:sp>
+                    <p:nvSpPr>
+                      <p:cNvPr id="103" name="Oval 102"/>
+                      <p:cNvSpPr/>
+                      <p:nvPr/>
+                    </p:nvSpPr>
+                    <p:spPr>
+                      <a:xfrm>
+                        <a:off x="5099539" y="1274206"/>
+                        <a:ext cx="2365130" cy="2365130"/>
+                      </a:xfrm>
+                      <a:prstGeom prst="ellipse">
+                        <a:avLst/>
+                      </a:prstGeom>
+                      <a:noFill/>
+                      <a:ln w="38100">
+                        <a:solidFill>
+                          <a:schemeClr val="tx1"/>
+                        </a:solidFill>
+                      </a:ln>
+                    </p:spPr>
+                    <p:style>
+                      <a:lnRef idx="2">
+                        <a:schemeClr val="accent1">
+                          <a:shade val="50000"/>
+                        </a:schemeClr>
+                      </a:lnRef>
+                      <a:fillRef idx="1">
+                        <a:schemeClr val="accent1"/>
+                      </a:fillRef>
+                      <a:effectRef idx="0">
+                        <a:schemeClr val="accent1"/>
+                      </a:effectRef>
+                      <a:fontRef idx="minor">
+                        <a:schemeClr val="lt1"/>
+                      </a:fontRef>
+                    </p:style>
+                    <p:txBody>
+                      <a:bodyPr rtlCol="0" anchor="ctr"/>
+                      <a:lstStyle/>
+                      <a:p>
+                        <a:pPr algn="ctr"/>
+                        <a:endParaRPr lang="en-US"/>
+                      </a:p>
+                    </p:txBody>
+                  </p:sp>
+                  <p:sp>
+                    <p:nvSpPr>
+                      <p:cNvPr id="105" name="Oval 104"/>
+                      <p:cNvSpPr/>
+                      <p:nvPr/>
+                    </p:nvSpPr>
+                    <p:spPr>
+                      <a:xfrm>
+                        <a:off x="7358905" y="1882532"/>
+                        <a:ext cx="120943" cy="119766"/>
+                      </a:xfrm>
+                      <a:prstGeom prst="ellipse">
+                        <a:avLst/>
+                      </a:prstGeom>
+                      <a:solidFill>
+                        <a:schemeClr val="tx1"/>
+                      </a:solidFill>
+                      <a:ln w="38100">
+                        <a:solidFill>
+                          <a:schemeClr val="tx1"/>
+                        </a:solidFill>
+                      </a:ln>
+                    </p:spPr>
+                    <p:style>
+                      <a:lnRef idx="2">
+                        <a:schemeClr val="accent1">
+                          <a:shade val="50000"/>
+                        </a:schemeClr>
+                      </a:lnRef>
+                      <a:fillRef idx="1">
+                        <a:schemeClr val="accent1"/>
+                      </a:fillRef>
+                      <a:effectRef idx="0">
+                        <a:schemeClr val="accent1"/>
+                      </a:effectRef>
+                      <a:fontRef idx="minor">
+                        <a:schemeClr val="lt1"/>
+                      </a:fontRef>
+                    </p:style>
+                    <p:txBody>
+                      <a:bodyPr rtlCol="0" anchor="ctr"/>
+                      <a:lstStyle/>
+                      <a:p>
+                        <a:pPr algn="ctr"/>
+                        <a:endParaRPr lang="en-US"/>
+                      </a:p>
+                    </p:txBody>
+                  </p:sp>
+                  <p:sp>
+                    <p:nvSpPr>
+                      <p:cNvPr id="106" name="Arc 105"/>
+                      <p:cNvSpPr/>
+                      <p:nvPr/>
+                    </p:nvSpPr>
+                    <p:spPr>
+                      <a:xfrm>
+                        <a:off x="5099538" y="2333845"/>
+                        <a:ext cx="2365130" cy="402721"/>
+                      </a:xfrm>
+                      <a:prstGeom prst="arc">
+                        <a:avLst>
+                          <a:gd name="adj1" fmla="val 31471"/>
+                          <a:gd name="adj2" fmla="val 10840678"/>
+                        </a:avLst>
+                      </a:prstGeom>
+                      <a:ln w="38100">
+                        <a:solidFill>
+                          <a:schemeClr val="tx1"/>
+                        </a:solidFill>
+                      </a:ln>
+                    </p:spPr>
+                    <p:style>
+                      <a:lnRef idx="1">
+                        <a:schemeClr val="accent1"/>
+                      </a:lnRef>
+                      <a:fillRef idx="0">
+                        <a:schemeClr val="accent1"/>
+                      </a:fillRef>
+                      <a:effectRef idx="0">
+                        <a:schemeClr val="accent1"/>
+                      </a:effectRef>
+                      <a:fontRef idx="minor">
+                        <a:schemeClr val="tx1"/>
+                      </a:fontRef>
+                    </p:style>
+                    <p:txBody>
+                      <a:bodyPr rtlCol="0" anchor="ctr"/>
+                      <a:lstStyle/>
+                      <a:p>
+                        <a:pPr algn="ctr"/>
+                        <a:endParaRPr lang="en-US"/>
+                      </a:p>
+                    </p:txBody>
+                  </p:sp>
+                  <p:sp>
+                    <p:nvSpPr>
+                      <p:cNvPr id="107" name="Arc 106"/>
+                      <p:cNvSpPr/>
+                      <p:nvPr/>
+                    </p:nvSpPr>
+                    <p:spPr>
+                      <a:xfrm>
+                        <a:off x="5099538" y="2318331"/>
+                        <a:ext cx="2365130" cy="402721"/>
+                      </a:xfrm>
+                      <a:prstGeom prst="arc">
+                        <a:avLst>
+                          <a:gd name="adj1" fmla="val 10819517"/>
+                          <a:gd name="adj2" fmla="val 21596417"/>
+                        </a:avLst>
+                      </a:prstGeom>
+                      <a:ln w="38100">
+                        <a:solidFill>
+                          <a:schemeClr val="tx1"/>
+                        </a:solidFill>
+                        <a:prstDash val="sysDash"/>
+                      </a:ln>
+                    </p:spPr>
+                    <p:style>
+                      <a:lnRef idx="1">
+                        <a:schemeClr val="accent1"/>
+                      </a:lnRef>
+                      <a:fillRef idx="0">
+                        <a:schemeClr val="accent1"/>
+                      </a:fillRef>
+                      <a:effectRef idx="0">
+                        <a:schemeClr val="accent1"/>
+                      </a:effectRef>
+                      <a:fontRef idx="minor">
+                        <a:schemeClr val="tx1"/>
+                      </a:fontRef>
+                    </p:style>
+                    <p:txBody>
+                      <a:bodyPr rtlCol="0" anchor="ctr"/>
+                      <a:lstStyle/>
+                      <a:p>
+                        <a:pPr algn="ctr"/>
+                        <a:endParaRPr lang="en-US"/>
+                      </a:p>
+                    </p:txBody>
+                  </p:sp>
+                </p:grpSp>
+                <p:cxnSp>
+                  <p:nvCxnSpPr>
+                    <p:cNvPr id="89" name="Straight Connector 88"/>
+                    <p:cNvCxnSpPr/>
+                    <p:nvPr/>
+                  </p:nvCxnSpPr>
+                  <p:spPr>
+                    <a:xfrm flipH="1">
+                      <a:off x="6100201" y="2789796"/>
+                      <a:ext cx="14849" cy="2776977"/>
+                    </a:xfrm>
+                    <a:prstGeom prst="line">
+                      <a:avLst/>
+                    </a:prstGeom>
+                    <a:ln w="19050">
+                      <a:solidFill>
+                        <a:schemeClr val="tx1"/>
+                      </a:solidFill>
+                      <a:prstDash val="sysDot"/>
+                    </a:ln>
+                  </p:spPr>
+                  <p:style>
+                    <a:lnRef idx="1">
+                      <a:schemeClr val="accent1"/>
+                    </a:lnRef>
+                    <a:fillRef idx="0">
+                      <a:schemeClr val="accent1"/>
+                    </a:fillRef>
+                    <a:effectRef idx="0">
+                      <a:schemeClr val="accent1"/>
+                    </a:effectRef>
+                    <a:fontRef idx="minor">
+                      <a:schemeClr val="tx1"/>
+                    </a:fontRef>
+                  </p:style>
+                </p:cxnSp>
+                <p:sp>
+                  <p:nvSpPr>
+                    <p:cNvPr id="90" name="Curved Left Arrow 89"/>
+                    <p:cNvSpPr/>
+                    <p:nvPr/>
+                  </p:nvSpPr>
+                  <p:spPr>
+                    <a:xfrm flipV="1">
+                      <a:off x="5816948" y="5334127"/>
+                      <a:ext cx="731520" cy="215464"/>
+                    </a:xfrm>
+                    <a:prstGeom prst="curvedLeftArrow">
+                      <a:avLst>
+                        <a:gd name="adj1" fmla="val 13562"/>
+                        <a:gd name="adj2" fmla="val 31562"/>
+                        <a:gd name="adj3" fmla="val 19346"/>
+                      </a:avLst>
+                    </a:prstGeom>
+                    <a:noFill/>
+                    <a:ln w="38100">
+                      <a:solidFill>
+                        <a:schemeClr val="tx1"/>
+                      </a:solidFill>
+                    </a:ln>
+                  </p:spPr>
+                  <p:style>
+                    <a:lnRef idx="2">
+                      <a:schemeClr val="accent1">
+                        <a:shade val="50000"/>
+                      </a:schemeClr>
+                    </a:lnRef>
+                    <a:fillRef idx="1">
+                      <a:schemeClr val="accent1"/>
+                    </a:fillRef>
+                    <a:effectRef idx="0">
+                      <a:schemeClr val="accent1"/>
+                    </a:effectRef>
+                    <a:fontRef idx="minor">
+                      <a:schemeClr val="lt1"/>
+                    </a:fontRef>
+                  </p:style>
+                  <p:txBody>
+                    <a:bodyPr rtlCol="0" anchor="ctr"/>
+                    <a:lstStyle/>
+                    <a:p>
+                      <a:pPr algn="ctr"/>
+                      <a:endParaRPr lang="en-US">
+                        <a:solidFill>
+                          <a:schemeClr val="tx1"/>
+                        </a:solidFill>
+                      </a:endParaRPr>
+                    </a:p>
+                  </p:txBody>
+                </p:sp>
+                <p:sp>
+                  <p:nvSpPr>
+                    <p:cNvPr id="91" name="Oval 90"/>
+                    <p:cNvSpPr/>
+                    <p:nvPr/>
+                  </p:nvSpPr>
+                  <p:spPr>
+                    <a:xfrm>
+                      <a:off x="8083769" y="3413636"/>
+                      <a:ext cx="120943" cy="119766"/>
+                    </a:xfrm>
+                    <a:prstGeom prst="ellipse">
+                      <a:avLst/>
+                    </a:prstGeom>
                     <a:solidFill>
                       <a:schemeClr val="tx1"/>
                     </a:solidFill>
-                  </a:ln>
-                </p:spPr>
-                <p:style>
-                  <a:lnRef idx="2">
-                    <a:schemeClr val="accent1">
-                      <a:shade val="50000"/>
-                    </a:schemeClr>
-                  </a:lnRef>
-                  <a:fillRef idx="1">
-                    <a:schemeClr val="accent1"/>
-                  </a:fillRef>
-                  <a:effectRef idx="0">
-                    <a:schemeClr val="accent1"/>
-                  </a:effectRef>
-                  <a:fontRef idx="minor">
-                    <a:schemeClr val="lt1"/>
-                  </a:fontRef>
-                </p:style>
-                <p:txBody>
-                  <a:bodyPr rtlCol="0" anchor="ctr"/>
-                  <a:lstStyle/>
-                  <a:p>
-                    <a:pPr algn="ctr"/>
-                    <a:endParaRPr lang="en-US"/>
-                  </a:p>
-                </p:txBody>
-              </p:sp>
-              <p:sp>
-                <p:nvSpPr>
-                  <p:cNvPr id="105" name="Oval 104"/>
-                  <p:cNvSpPr/>
-                  <p:nvPr/>
-                </p:nvSpPr>
-                <p:spPr>
-                  <a:xfrm>
-                    <a:off x="7358905" y="1882532"/>
-                    <a:ext cx="120943" cy="119766"/>
-                  </a:xfrm>
-                  <a:prstGeom prst="ellipse">
-                    <a:avLst/>
-                  </a:prstGeom>
+                    <a:ln w="38100">
+                      <a:solidFill>
+                        <a:schemeClr val="tx1"/>
+                      </a:solidFill>
+                    </a:ln>
+                  </p:spPr>
+                  <p:style>
+                    <a:lnRef idx="2">
+                      <a:schemeClr val="accent1">
+                        <a:shade val="50000"/>
+                      </a:schemeClr>
+                    </a:lnRef>
+                    <a:fillRef idx="1">
+                      <a:schemeClr val="accent1"/>
+                    </a:fillRef>
+                    <a:effectRef idx="0">
+                      <a:schemeClr val="accent1"/>
+                    </a:effectRef>
+                    <a:fontRef idx="minor">
+                      <a:schemeClr val="lt1"/>
+                    </a:fontRef>
+                  </p:style>
+                  <p:txBody>
+                    <a:bodyPr rtlCol="0" anchor="ctr"/>
+                    <a:lstStyle/>
+                    <a:p>
+                      <a:pPr algn="ctr"/>
+                      <a:endParaRPr lang="en-US"/>
+                    </a:p>
+                  </p:txBody>
+                </p:sp>
+                <p:cxnSp>
+                  <p:nvCxnSpPr>
+                    <p:cNvPr id="92" name="Straight Arrow Connector 91"/>
+                    <p:cNvCxnSpPr/>
+                    <p:nvPr/>
+                  </p:nvCxnSpPr>
+                  <p:spPr>
+                    <a:xfrm flipH="1">
+                      <a:off x="7613049" y="3515818"/>
+                      <a:ext cx="483566" cy="252059"/>
+                    </a:xfrm>
+                    <a:prstGeom prst="straightConnector1">
+                      <a:avLst/>
+                    </a:prstGeom>
+                    <a:ln w="38100">
+                      <a:solidFill>
+                        <a:schemeClr val="tx1"/>
+                      </a:solidFill>
+                      <a:tailEnd type="triangle"/>
+                    </a:ln>
+                  </p:spPr>
+                  <p:style>
+                    <a:lnRef idx="1">
+                      <a:schemeClr val="accent1"/>
+                    </a:lnRef>
+                    <a:fillRef idx="0">
+                      <a:schemeClr val="accent1"/>
+                    </a:fillRef>
+                    <a:effectRef idx="0">
+                      <a:schemeClr val="accent1"/>
+                    </a:effectRef>
+                    <a:fontRef idx="minor">
+                      <a:schemeClr val="tx1"/>
+                    </a:fontRef>
+                  </p:style>
+                </p:cxnSp>
+                <p:cxnSp>
+                  <p:nvCxnSpPr>
+                    <p:cNvPr id="93" name="Straight Arrow Connector 92"/>
+                    <p:cNvCxnSpPr/>
+                    <p:nvPr/>
+                  </p:nvCxnSpPr>
+                  <p:spPr>
+                    <a:xfrm flipV="1">
+                      <a:off x="8172978" y="3108156"/>
+                      <a:ext cx="249355" cy="333041"/>
+                    </a:xfrm>
+                    <a:prstGeom prst="straightConnector1">
+                      <a:avLst/>
+                    </a:prstGeom>
+                    <a:ln w="38100">
+                      <a:solidFill>
+                        <a:schemeClr val="tx1"/>
+                      </a:solidFill>
+                      <a:tailEnd type="triangle"/>
+                    </a:ln>
+                  </p:spPr>
+                  <p:style>
+                    <a:lnRef idx="1">
+                      <a:schemeClr val="accent1"/>
+                    </a:lnRef>
+                    <a:fillRef idx="0">
+                      <a:schemeClr val="accent1"/>
+                    </a:fillRef>
+                    <a:effectRef idx="0">
+                      <a:schemeClr val="accent1"/>
+                    </a:effectRef>
+                    <a:fontRef idx="minor">
+                      <a:schemeClr val="tx1"/>
+                    </a:fontRef>
+                  </p:style>
+                </p:cxnSp>
+                <mc:AlternateContent xmlns:mc="http://schemas.openxmlformats.org/markup-compatibility/2006" xmlns:a14="http://schemas.microsoft.com/office/drawing/2010/main">
+                  <mc:Choice Requires="a14">
+                    <p:sp>
+                      <p:nvSpPr>
+                        <p:cNvPr id="98" name="TextBox 97"/>
+                        <p:cNvSpPr txBox="1"/>
+                        <p:nvPr/>
+                      </p:nvSpPr>
+                      <p:spPr>
+                        <a:xfrm>
+                          <a:off x="7823872" y="3644376"/>
+                          <a:ext cx="303865" cy="377219"/>
+                        </a:xfrm>
+                        <a:prstGeom prst="rect">
+                          <a:avLst/>
+                        </a:prstGeom>
+                        <a:noFill/>
+                      </p:spPr>
+                      <p:txBody>
+                        <a:bodyPr wrap="none" lIns="0" tIns="0" rIns="0" bIns="0" rtlCol="0">
+                          <a:spAutoFit/>
+                        </a:bodyPr>
+                        <a:lstStyle/>
+                        <a:p>
+                          <a:pPr/>
+                          <a14:m>
+                            <m:oMathPara xmlns:m="http://schemas.openxmlformats.org/officeDocument/2006/math">
+                              <m:oMathParaPr>
+                                <m:jc m:val="centerGroup"/>
+                              </m:oMathParaPr>
+                              <m:oMath xmlns:m="http://schemas.openxmlformats.org/officeDocument/2006/math">
+                                <m:sSub>
+                                  <m:sSubPr>
+                                    <m:ctrlPr>
+                                      <a:rPr lang="en-US" sz="2000" b="0" i="1" smtClean="0">
+                                        <a:latin typeface="Cambria Math" panose="02040503050406030204" pitchFamily="18" charset="0"/>
+                                        <a:cs typeface="Arial" panose="020B0604020202020204" pitchFamily="34" charset="0"/>
+                                      </a:rPr>
+                                    </m:ctrlPr>
+                                  </m:sSubPr>
+                                  <m:e>
+                                    <m:acc>
+                                      <m:accPr>
+                                        <m:chr m:val="⃗"/>
+                                        <m:ctrlPr>
+                                          <a:rPr lang="en-US" sz="2000" b="0" i="1" smtClean="0">
+                                            <a:latin typeface="Cambria Math" panose="02040503050406030204" pitchFamily="18" charset="0"/>
+                                            <a:cs typeface="Arial" panose="020B0604020202020204" pitchFamily="34" charset="0"/>
+                                          </a:rPr>
+                                        </m:ctrlPr>
+                                      </m:accPr>
+                                      <m:e>
+                                        <m:r>
+                                          <a:rPr lang="en-US" sz="2000" b="0" i="1" smtClean="0">
+                                            <a:latin typeface="Cambria Math" panose="02040503050406030204" pitchFamily="18" charset="0"/>
+                                            <a:cs typeface="Arial" panose="020B0604020202020204" pitchFamily="34" charset="0"/>
+                                          </a:rPr>
+                                          <m:t>𝐹</m:t>
+                                        </m:r>
+                                      </m:e>
+                                    </m:acc>
+                                  </m:e>
+                                  <m:sub>
+                                    <m:r>
+                                      <a:rPr lang="en-US" sz="2000" b="0" i="1" smtClean="0">
+                                        <a:latin typeface="Cambria Math" panose="02040503050406030204" pitchFamily="18" charset="0"/>
+                                        <a:cs typeface="Arial" panose="020B0604020202020204" pitchFamily="34" charset="0"/>
+                                      </a:rPr>
+                                      <m:t>𝑔</m:t>
+                                    </m:r>
+                                  </m:sub>
+                                </m:sSub>
+                              </m:oMath>
+                            </m:oMathPara>
+                          </a14:m>
+                          <a:endParaRPr lang="en-US" sz="2000" dirty="0" smtClean="0">
+                            <a:latin typeface="Arial" panose="020B0604020202020204" pitchFamily="34" charset="0"/>
+                            <a:cs typeface="Arial" panose="020B0604020202020204" pitchFamily="34" charset="0"/>
+                          </a:endParaRPr>
+                        </a:p>
+                      </p:txBody>
+                    </p:sp>
+                  </mc:Choice>
+                  <mc:Fallback xmlns="">
+                    <p:sp>
+                      <p:nvSpPr>
+                        <p:cNvPr id="98" name="TextBox 97"/>
+                        <p:cNvSpPr txBox="1">
+                          <a:spLocks noRot="1" noChangeAspect="1" noMove="1" noResize="1" noEditPoints="1" noAdjustHandles="1" noChangeArrowheads="1" noChangeShapeType="1" noTextEdit="1"/>
+                        </p:cNvSpPr>
+                        <p:nvPr/>
+                      </p:nvSpPr>
+                      <p:spPr>
+                        <a:xfrm>
+                          <a:off x="7823872" y="3644376"/>
+                          <a:ext cx="303865" cy="377219"/>
+                        </a:xfrm>
+                        <a:prstGeom prst="rect">
+                          <a:avLst/>
+                        </a:prstGeom>
+                        <a:blipFill>
+                          <a:blip r:embed="rId20"/>
+                          <a:stretch>
+                            <a:fillRect l="-16000" t="-30645" r="-72000" b="-17742"/>
+                          </a:stretch>
+                        </a:blipFill>
+                      </p:spPr>
+                      <p:txBody>
+                        <a:bodyPr/>
+                        <a:lstStyle/>
+                        <a:p>
+                          <a:r>
+                            <a:rPr lang="en-US">
+                              <a:noFill/>
+                            </a:rPr>
+                            <a:t> </a:t>
+                          </a:r>
+                        </a:p>
+                      </p:txBody>
+                    </p:sp>
+                  </mc:Fallback>
+                </mc:AlternateContent>
+                <mc:AlternateContent xmlns:mc="http://schemas.openxmlformats.org/markup-compatibility/2006" xmlns:a14="http://schemas.microsoft.com/office/drawing/2010/main">
+                  <mc:Choice Requires="a14">
+                    <p:sp>
+                      <p:nvSpPr>
+                        <p:cNvPr id="99" name="TextBox 98"/>
+                        <p:cNvSpPr txBox="1"/>
+                        <p:nvPr/>
+                      </p:nvSpPr>
+                      <p:spPr>
+                        <a:xfrm>
+                          <a:off x="8365714" y="3272205"/>
+                          <a:ext cx="228460" cy="345159"/>
+                        </a:xfrm>
+                        <a:prstGeom prst="rect">
+                          <a:avLst/>
+                        </a:prstGeom>
+                        <a:noFill/>
+                      </p:spPr>
+                      <p:txBody>
+                        <a:bodyPr wrap="none" lIns="0" tIns="0" rIns="0" bIns="0" rtlCol="0">
+                          <a:spAutoFit/>
+                        </a:bodyPr>
+                        <a:lstStyle/>
+                        <a:p>
+                          <a:pPr/>
+                          <a14:m>
+                            <m:oMathPara xmlns:m="http://schemas.openxmlformats.org/officeDocument/2006/math">
+                              <m:oMathParaPr>
+                                <m:jc m:val="centerGroup"/>
+                              </m:oMathParaPr>
+                              <m:oMath xmlns:m="http://schemas.openxmlformats.org/officeDocument/2006/math">
+                                <m:acc>
+                                  <m:accPr>
+                                    <m:chr m:val="⃗"/>
+                                    <m:ctrlPr>
+                                      <a:rPr lang="en-US" sz="2000" b="0" i="1" smtClean="0">
+                                        <a:latin typeface="Cambria Math" panose="02040503050406030204" pitchFamily="18" charset="0"/>
+                                        <a:cs typeface="Arial" panose="020B0604020202020204" pitchFamily="34" charset="0"/>
+                                      </a:rPr>
+                                    </m:ctrlPr>
+                                  </m:accPr>
+                                  <m:e>
+                                    <m:r>
+                                      <a:rPr lang="en-US" sz="2000" b="0" i="1" smtClean="0">
+                                        <a:latin typeface="Cambria Math" panose="02040503050406030204" pitchFamily="18" charset="0"/>
+                                        <a:cs typeface="Arial" panose="020B0604020202020204" pitchFamily="34" charset="0"/>
+                                      </a:rPr>
+                                      <m:t>𝑇</m:t>
+                                    </m:r>
+                                  </m:e>
+                                </m:acc>
+                              </m:oMath>
+                            </m:oMathPara>
+                          </a14:m>
+                          <a:endParaRPr lang="en-US" sz="2000" dirty="0" smtClean="0">
+                            <a:latin typeface="Arial" panose="020B0604020202020204" pitchFamily="34" charset="0"/>
+                            <a:cs typeface="Arial" panose="020B0604020202020204" pitchFamily="34" charset="0"/>
+                          </a:endParaRPr>
+                        </a:p>
+                      </p:txBody>
+                    </p:sp>
+                  </mc:Choice>
+                  <mc:Fallback xmlns="">
+                    <p:sp>
+                      <p:nvSpPr>
+                        <p:cNvPr id="99" name="TextBox 98"/>
+                        <p:cNvSpPr txBox="1">
+                          <a:spLocks noRot="1" noChangeAspect="1" noMove="1" noResize="1" noEditPoints="1" noAdjustHandles="1" noChangeArrowheads="1" noChangeShapeType="1" noTextEdit="1"/>
+                        </p:cNvSpPr>
+                        <p:nvPr/>
+                      </p:nvSpPr>
+                      <p:spPr>
+                        <a:xfrm>
+                          <a:off x="8365714" y="3272205"/>
+                          <a:ext cx="228460" cy="345159"/>
+                        </a:xfrm>
+                        <a:prstGeom prst="rect">
+                          <a:avLst/>
+                        </a:prstGeom>
+                        <a:blipFill>
+                          <a:blip r:embed="rId21"/>
+                          <a:stretch>
+                            <a:fillRect l="-21053" r="-21053" b="-8772"/>
+                          </a:stretch>
+                        </a:blipFill>
+                      </p:spPr>
+                      <p:txBody>
+                        <a:bodyPr/>
+                        <a:lstStyle/>
+                        <a:p>
+                          <a:r>
+                            <a:rPr lang="en-US">
+                              <a:noFill/>
+                            </a:rPr>
+                            <a:t> </a:t>
+                          </a:r>
+                        </a:p>
+                      </p:txBody>
+                    </p:sp>
+                  </mc:Fallback>
+                </mc:AlternateContent>
+                <p:sp>
+                  <p:nvSpPr>
+                    <p:cNvPr id="101" name="Right Arrow 100"/>
+                    <p:cNvSpPr/>
+                    <p:nvPr/>
+                  </p:nvSpPr>
+                  <p:spPr>
+                    <a:xfrm rot="10800000">
+                      <a:off x="7452306" y="3022235"/>
+                      <a:ext cx="700928" cy="118979"/>
+                    </a:xfrm>
+                    <a:prstGeom prst="rightArrow">
+                      <a:avLst/>
+                    </a:prstGeom>
+                    <a:solidFill>
+                      <a:schemeClr val="tx1"/>
+                    </a:solidFill>
+                    <a:ln w="38100">
+                      <a:solidFill>
+                        <a:schemeClr val="tx1"/>
+                      </a:solidFill>
+                    </a:ln>
+                  </p:spPr>
+                  <p:style>
+                    <a:lnRef idx="2">
+                      <a:schemeClr val="accent1">
+                        <a:shade val="50000"/>
+                      </a:schemeClr>
+                    </a:lnRef>
+                    <a:fillRef idx="1">
+                      <a:schemeClr val="accent1"/>
+                    </a:fillRef>
+                    <a:effectRef idx="0">
+                      <a:schemeClr val="accent1"/>
+                    </a:effectRef>
+                    <a:fontRef idx="minor">
+                      <a:schemeClr val="lt1"/>
+                    </a:fontRef>
+                  </p:style>
+                  <p:txBody>
+                    <a:bodyPr rtlCol="0" anchor="ctr"/>
+                    <a:lstStyle/>
+                    <a:p>
+                      <a:pPr algn="ctr"/>
+                      <a:endParaRPr lang="en-US" dirty="0"/>
+                    </a:p>
+                  </p:txBody>
+                </p:sp>
+                <mc:AlternateContent xmlns:mc="http://schemas.openxmlformats.org/markup-compatibility/2006" xmlns:a14="http://schemas.microsoft.com/office/drawing/2010/main">
+                  <mc:Choice Requires="a14">
+                    <p:sp>
+                      <p:nvSpPr>
+                        <p:cNvPr id="102" name="TextBox 101"/>
+                        <p:cNvSpPr txBox="1"/>
+                        <p:nvPr/>
+                      </p:nvSpPr>
+                      <p:spPr>
+                        <a:xfrm>
+                          <a:off x="7704790" y="2706209"/>
+                          <a:ext cx="219483" cy="307777"/>
+                        </a:xfrm>
+                        <a:prstGeom prst="rect">
+                          <a:avLst/>
+                        </a:prstGeom>
+                        <a:noFill/>
+                      </p:spPr>
+                      <p:txBody>
+                        <a:bodyPr wrap="none" lIns="0" tIns="0" rIns="0" bIns="0" rtlCol="0">
+                          <a:spAutoFit/>
+                        </a:bodyPr>
+                        <a:lstStyle/>
+                        <a:p>
+                          <a:pPr/>
+                          <a14:m>
+                            <m:oMathPara xmlns:m="http://schemas.openxmlformats.org/officeDocument/2006/math">
+                              <m:oMathParaPr>
+                                <m:jc m:val="centerGroup"/>
+                              </m:oMathParaPr>
+                              <m:oMath xmlns:m="http://schemas.openxmlformats.org/officeDocument/2006/math">
+                                <m:acc>
+                                  <m:accPr>
+                                    <m:chr m:val="⃗"/>
+                                    <m:ctrlPr>
+                                      <a:rPr lang="en-US" sz="2000" b="0" i="1" smtClean="0">
+                                        <a:latin typeface="Cambria Math" panose="02040503050406030204" pitchFamily="18" charset="0"/>
+                                        <a:cs typeface="Arial" panose="020B0604020202020204" pitchFamily="34" charset="0"/>
+                                      </a:rPr>
+                                    </m:ctrlPr>
+                                  </m:accPr>
+                                  <m:e>
+                                    <m:r>
+                                      <a:rPr lang="en-US" sz="2000" b="0" i="1" smtClean="0">
+                                        <a:latin typeface="Cambria Math" panose="02040503050406030204" pitchFamily="18" charset="0"/>
+                                        <a:cs typeface="Arial" panose="020B0604020202020204" pitchFamily="34" charset="0"/>
+                                      </a:rPr>
+                                      <m:t>𝑎</m:t>
+                                    </m:r>
+                                  </m:e>
+                                </m:acc>
+                              </m:oMath>
+                            </m:oMathPara>
+                          </a14:m>
+                          <a:endParaRPr lang="en-US" sz="2000" dirty="0" smtClean="0">
+                            <a:latin typeface="Arial" panose="020B0604020202020204" pitchFamily="34" charset="0"/>
+                            <a:cs typeface="Arial" panose="020B0604020202020204" pitchFamily="34" charset="0"/>
+                          </a:endParaRPr>
+                        </a:p>
+                      </p:txBody>
+                    </p:sp>
+                  </mc:Choice>
+                  <mc:Fallback xmlns="">
+                    <p:sp>
+                      <p:nvSpPr>
+                        <p:cNvPr id="102" name="TextBox 101"/>
+                        <p:cNvSpPr txBox="1">
+                          <a:spLocks noRot="1" noChangeAspect="1" noMove="1" noResize="1" noEditPoints="1" noAdjustHandles="1" noChangeArrowheads="1" noChangeShapeType="1" noTextEdit="1"/>
+                        </p:cNvSpPr>
+                        <p:nvPr/>
+                      </p:nvSpPr>
+                      <p:spPr>
+                        <a:xfrm>
+                          <a:off x="7704790" y="2706209"/>
+                          <a:ext cx="219483" cy="307777"/>
+                        </a:xfrm>
+                        <a:prstGeom prst="rect">
+                          <a:avLst/>
+                        </a:prstGeom>
+                        <a:blipFill>
+                          <a:blip r:embed="rId22"/>
+                          <a:stretch>
+                            <a:fillRect l="-22222" t="-33333" r="-91667" b="-5882"/>
+                          </a:stretch>
+                        </a:blipFill>
+                      </p:spPr>
+                      <p:txBody>
+                        <a:bodyPr/>
+                        <a:lstStyle/>
+                        <a:p>
+                          <a:r>
+                            <a:rPr lang="en-US">
+                              <a:noFill/>
+                            </a:rPr>
+                            <a:t> </a:t>
+                          </a:r>
+                        </a:p>
+                      </p:txBody>
+                    </p:sp>
+                  </mc:Fallback>
+                </mc:AlternateContent>
+              </p:grpSp>
+              <mc:AlternateContent xmlns:mc="http://schemas.openxmlformats.org/markup-compatibility/2006" xmlns:a14="http://schemas.microsoft.com/office/drawing/2010/main">
+                <mc:Choice Requires="a14">
+                  <p:sp>
+                    <p:nvSpPr>
+                      <p:cNvPr id="87" name="TextBox 86"/>
+                      <p:cNvSpPr txBox="1"/>
+                      <p:nvPr/>
+                    </p:nvSpPr>
+                    <p:spPr>
+                      <a:xfrm>
+                        <a:off x="5809631" y="1383652"/>
+                        <a:ext cx="563488" cy="307777"/>
+                      </a:xfrm>
+                      <a:prstGeom prst="rect">
+                        <a:avLst/>
+                      </a:prstGeom>
+                      <a:noFill/>
+                    </p:spPr>
+                    <p:txBody>
+                      <a:bodyPr wrap="none" lIns="0" tIns="0" rIns="0" bIns="0" rtlCol="0">
+                        <a:spAutoFit/>
+                      </a:bodyPr>
+                      <a:lstStyle/>
+                      <a:p>
+                        <a:pPr/>
+                        <a14:m>
+                          <m:oMathPara xmlns:m="http://schemas.openxmlformats.org/officeDocument/2006/math">
+                            <m:oMathParaPr>
+                              <m:jc m:val="centerGroup"/>
+                            </m:oMathParaPr>
+                            <m:oMath xmlns:m="http://schemas.openxmlformats.org/officeDocument/2006/math">
+                              <m:r>
+                                <a:rPr lang="en-US" sz="2000" b="0" i="1" smtClean="0">
+                                  <a:latin typeface="Cambria Math" panose="02040503050406030204" pitchFamily="18" charset="0"/>
+                                  <a:cs typeface="Arial" panose="020B0604020202020204" pitchFamily="34" charset="0"/>
+                                </a:rPr>
+                                <m:t>𝑝𝑜𝑙𝑒</m:t>
+                              </m:r>
+                            </m:oMath>
+                          </m:oMathPara>
+                        </a14:m>
+                        <a:endParaRPr lang="en-US" sz="2000" dirty="0" smtClean="0">
+                          <a:latin typeface="Arial" panose="020B0604020202020204" pitchFamily="34" charset="0"/>
+                          <a:cs typeface="Arial" panose="020B0604020202020204" pitchFamily="34" charset="0"/>
+                        </a:endParaRPr>
+                      </a:p>
+                    </p:txBody>
+                  </p:sp>
+                </mc:Choice>
+                <mc:Fallback xmlns="">
+                  <p:sp>
+                    <p:nvSpPr>
+                      <p:cNvPr id="87" name="TextBox 86"/>
+                      <p:cNvSpPr txBox="1">
+                        <a:spLocks noRot="1" noChangeAspect="1" noMove="1" noResize="1" noEditPoints="1" noAdjustHandles="1" noChangeArrowheads="1" noChangeShapeType="1" noTextEdit="1"/>
+                      </p:cNvSpPr>
+                      <p:nvPr/>
+                    </p:nvSpPr>
+                    <p:spPr>
+                      <a:xfrm>
+                        <a:off x="5809631" y="1383652"/>
+                        <a:ext cx="563488" cy="307777"/>
+                      </a:xfrm>
+                      <a:prstGeom prst="rect">
+                        <a:avLst/>
+                      </a:prstGeom>
+                      <a:blipFill>
+                        <a:blip r:embed="rId23"/>
+                        <a:stretch>
+                          <a:fillRect l="-15217" r="-13043" b="-38000"/>
+                        </a:stretch>
+                      </a:blipFill>
+                    </p:spPr>
+                    <p:txBody>
+                      <a:bodyPr/>
+                      <a:lstStyle/>
+                      <a:p>
+                        <a:r>
+                          <a:rPr lang="en-US">
+                            <a:noFill/>
+                          </a:rPr>
+                          <a:t> </a:t>
+                        </a:r>
+                      </a:p>
+                    </p:txBody>
+                  </p:sp>
+                </mc:Fallback>
+              </mc:AlternateContent>
+            </p:grpSp>
+            <p:sp>
+              <p:nvSpPr>
+                <p:cNvPr id="115" name="Arc 114"/>
+                <p:cNvSpPr/>
+                <p:nvPr/>
+              </p:nvSpPr>
+              <p:spPr>
+                <a:xfrm>
+                  <a:off x="2916847" y="3705225"/>
+                  <a:ext cx="2120801" cy="268934"/>
+                </a:xfrm>
+                <a:prstGeom prst="arc">
+                  <a:avLst>
+                    <a:gd name="adj1" fmla="val 10819517"/>
+                    <a:gd name="adj2" fmla="val 21596417"/>
+                  </a:avLst>
+                </a:prstGeom>
+                <a:ln w="19050">
                   <a:solidFill>
                     <a:schemeClr val="tx1"/>
                   </a:solidFill>
-                  <a:ln w="38100">
-                    <a:solidFill>
-                      <a:schemeClr val="tx1"/>
-                    </a:solidFill>
-                  </a:ln>
-                </p:spPr>
-                <p:style>
-                  <a:lnRef idx="2">
-                    <a:schemeClr val="accent1">
-                      <a:shade val="50000"/>
-                    </a:schemeClr>
-                  </a:lnRef>
-                  <a:fillRef idx="1">
-                    <a:schemeClr val="accent1"/>
-                  </a:fillRef>
-                  <a:effectRef idx="0">
-                    <a:schemeClr val="accent1"/>
-                  </a:effectRef>
-                  <a:fontRef idx="minor">
-                    <a:schemeClr val="lt1"/>
-                  </a:fontRef>
-                </p:style>
-                <p:txBody>
-                  <a:bodyPr rtlCol="0" anchor="ctr"/>
-                  <a:lstStyle/>
-                  <a:p>
-                    <a:pPr algn="ctr"/>
-                    <a:endParaRPr lang="en-US"/>
-                  </a:p>
-                </p:txBody>
-              </p:sp>
-              <p:sp>
-                <p:nvSpPr>
-                  <p:cNvPr id="106" name="Arc 105"/>
-                  <p:cNvSpPr/>
-                  <p:nvPr/>
-                </p:nvSpPr>
-                <p:spPr>
-                  <a:xfrm>
-                    <a:off x="5099538" y="2333845"/>
-                    <a:ext cx="2365130" cy="402721"/>
-                  </a:xfrm>
-                  <a:prstGeom prst="arc">
-                    <a:avLst>
-                      <a:gd name="adj1" fmla="val 31471"/>
-                      <a:gd name="adj2" fmla="val 10840678"/>
-                    </a:avLst>
-                  </a:prstGeom>
-                  <a:ln w="38100">
-                    <a:solidFill>
-                      <a:schemeClr val="tx1"/>
-                    </a:solidFill>
-                  </a:ln>
-                </p:spPr>
-                <p:style>
-                  <a:lnRef idx="1">
-                    <a:schemeClr val="accent1"/>
-                  </a:lnRef>
-                  <a:fillRef idx="0">
-                    <a:schemeClr val="accent1"/>
-                  </a:fillRef>
-                  <a:effectRef idx="0">
-                    <a:schemeClr val="accent1"/>
-                  </a:effectRef>
-                  <a:fontRef idx="minor">
+                  <a:prstDash val="sysDash"/>
+                </a:ln>
+              </p:spPr>
+              <p:style>
+                <a:lnRef idx="1">
+                  <a:schemeClr val="accent1"/>
+                </a:lnRef>
+                <a:fillRef idx="0">
+                  <a:schemeClr val="accent1"/>
+                </a:fillRef>
+                <a:effectRef idx="0">
+                  <a:schemeClr val="accent1"/>
+                </a:effectRef>
+                <a:fontRef idx="minor">
+                  <a:schemeClr val="tx1"/>
+                </a:fontRef>
+              </p:style>
+              <p:txBody>
+                <a:bodyPr rtlCol="0" anchor="ctr"/>
+                <a:lstStyle/>
+                <a:p>
+                  <a:pPr algn="ctr"/>
+                  <a:endParaRPr lang="en-US"/>
+                </a:p>
+              </p:txBody>
+            </p:sp>
+            <p:sp>
+              <p:nvSpPr>
+                <p:cNvPr id="116" name="Arc 115"/>
+                <p:cNvSpPr/>
+                <p:nvPr/>
+              </p:nvSpPr>
+              <p:spPr>
+                <a:xfrm>
+                  <a:off x="2933137" y="3709283"/>
+                  <a:ext cx="2120801" cy="268934"/>
+                </a:xfrm>
+                <a:prstGeom prst="arc">
+                  <a:avLst>
+                    <a:gd name="adj1" fmla="val 31471"/>
+                    <a:gd name="adj2" fmla="val 10840678"/>
+                  </a:avLst>
+                </a:prstGeom>
+                <a:ln w="19050">
+                  <a:solidFill>
                     <a:schemeClr val="tx1"/>
-                  </a:fontRef>
-                </p:style>
-                <p:txBody>
-                  <a:bodyPr rtlCol="0" anchor="ctr"/>
-                  <a:lstStyle/>
-                  <a:p>
-                    <a:pPr algn="ctr"/>
-                    <a:endParaRPr lang="en-US"/>
-                  </a:p>
-                </p:txBody>
-              </p:sp>
-              <p:sp>
-                <p:nvSpPr>
-                  <p:cNvPr id="107" name="Arc 106"/>
-                  <p:cNvSpPr/>
-                  <p:nvPr/>
-                </p:nvSpPr>
-                <p:spPr>
-                  <a:xfrm>
-                    <a:off x="5099538" y="2318331"/>
-                    <a:ext cx="2365130" cy="402721"/>
-                  </a:xfrm>
-                  <a:prstGeom prst="arc">
-                    <a:avLst>
-                      <a:gd name="adj1" fmla="val 10819517"/>
-                      <a:gd name="adj2" fmla="val 21596417"/>
-                    </a:avLst>
-                  </a:prstGeom>
-                  <a:ln w="38100">
-                    <a:solidFill>
-                      <a:schemeClr val="tx1"/>
-                    </a:solidFill>
-                    <a:prstDash val="sysDash"/>
-                  </a:ln>
-                </p:spPr>
-                <p:style>
-                  <a:lnRef idx="1">
-                    <a:schemeClr val="accent1"/>
-                  </a:lnRef>
-                  <a:fillRef idx="0">
-                    <a:schemeClr val="accent1"/>
-                  </a:fillRef>
-                  <a:effectRef idx="0">
-                    <a:schemeClr val="accent1"/>
-                  </a:effectRef>
-                  <a:fontRef idx="minor">
-                    <a:schemeClr val="tx1"/>
-                  </a:fontRef>
-                </p:style>
-                <p:txBody>
-                  <a:bodyPr rtlCol="0" anchor="ctr"/>
-                  <a:lstStyle/>
-                  <a:p>
-                    <a:pPr algn="ctr"/>
-                    <a:endParaRPr lang="en-US"/>
-                  </a:p>
-                </p:txBody>
-              </p:sp>
-            </p:grpSp>
+                  </a:solidFill>
+                </a:ln>
+              </p:spPr>
+              <p:style>
+                <a:lnRef idx="1">
+                  <a:schemeClr val="accent1"/>
+                </a:lnRef>
+                <a:fillRef idx="0">
+                  <a:schemeClr val="accent1"/>
+                </a:fillRef>
+                <a:effectRef idx="0">
+                  <a:schemeClr val="accent1"/>
+                </a:effectRef>
+                <a:fontRef idx="minor">
+                  <a:schemeClr val="tx1"/>
+                </a:fontRef>
+              </p:style>
+              <p:txBody>
+                <a:bodyPr rtlCol="0" anchor="ctr"/>
+                <a:lstStyle/>
+                <a:p>
+                  <a:pPr algn="ctr"/>
+                  <a:endParaRPr lang="en-US"/>
+                </a:p>
+              </p:txBody>
+            </p:sp>
             <p:cxnSp>
               <p:nvCxnSpPr>
-                <p:cNvPr id="89" name="Straight Connector 88"/>
+                <p:cNvPr id="177" name="Straight Connector 176"/>
                 <p:cNvCxnSpPr/>
                 <p:nvPr/>
               </p:nvCxnSpPr>
               <p:spPr>
-                <a:xfrm flipH="1">
-                  <a:off x="6100201" y="2789796"/>
-                  <a:ext cx="14849" cy="2776977"/>
+                <a:xfrm flipV="1">
+                  <a:off x="3969787" y="3877177"/>
+                  <a:ext cx="1100827" cy="512056"/>
                 </a:xfrm>
                 <a:prstGeom prst="line">
                   <a:avLst/>
@@ -9694,69 +10657,337 @@
                 </a:fontRef>
               </p:style>
             </p:cxnSp>
-            <p:sp>
-              <p:nvSpPr>
-                <p:cNvPr id="90" name="Curved Left Arrow 89"/>
-                <p:cNvSpPr/>
+            <p:cxnSp>
+              <p:nvCxnSpPr>
+                <p:cNvPr id="179" name="Straight Connector 178"/>
+                <p:cNvCxnSpPr/>
                 <p:nvPr/>
-              </p:nvSpPr>
+              </p:nvCxnSpPr>
               <p:spPr>
-                <a:xfrm flipV="1">
-                  <a:off x="5816948" y="5334127"/>
-                  <a:ext cx="731520" cy="215464"/>
+                <a:xfrm>
+                  <a:off x="3984635" y="3840314"/>
+                  <a:ext cx="1124749" cy="0"/>
                 </a:xfrm>
-                <a:prstGeom prst="curvedLeftArrow">
-                  <a:avLst>
-                    <a:gd name="adj1" fmla="val 13562"/>
-                    <a:gd name="adj2" fmla="val 31562"/>
-                    <a:gd name="adj3" fmla="val 19346"/>
-                  </a:avLst>
+                <a:prstGeom prst="line">
+                  <a:avLst/>
                 </a:prstGeom>
-                <a:noFill/>
-                <a:ln w="38100">
+                <a:ln w="19050">
                   <a:solidFill>
                     <a:schemeClr val="tx1"/>
                   </a:solidFill>
+                  <a:prstDash val="sysDot"/>
                 </a:ln>
               </p:spPr>
               <p:style>
-                <a:lnRef idx="2">
-                  <a:schemeClr val="accent1">
-                    <a:shade val="50000"/>
-                  </a:schemeClr>
+                <a:lnRef idx="1">
+                  <a:schemeClr val="accent1"/>
                 </a:lnRef>
-                <a:fillRef idx="1">
+                <a:fillRef idx="0">
                   <a:schemeClr val="accent1"/>
                 </a:fillRef>
                 <a:effectRef idx="0">
                   <a:schemeClr val="accent1"/>
                 </a:effectRef>
                 <a:fontRef idx="minor">
-                  <a:schemeClr val="lt1"/>
+                  <a:schemeClr val="tx1"/>
                 </a:fontRef>
               </p:style>
-              <p:txBody>
-                <a:bodyPr rtlCol="0" anchor="ctr"/>
-                <a:lstStyle/>
-                <a:p>
-                  <a:pPr algn="ctr"/>
-                  <a:endParaRPr lang="en-US">
-                    <a:solidFill>
-                      <a:schemeClr val="tx1"/>
-                    </a:solidFill>
-                  </a:endParaRPr>
-                </a:p>
-              </p:txBody>
-            </p:sp>
+            </p:cxnSp>
+            <mc:AlternateContent xmlns:mc="http://schemas.openxmlformats.org/markup-compatibility/2006" xmlns:a14="http://schemas.microsoft.com/office/drawing/2010/main">
+              <mc:Choice Requires="a14">
+                <p:sp>
+                  <p:nvSpPr>
+                    <p:cNvPr id="181" name="TextBox 180"/>
+                    <p:cNvSpPr txBox="1"/>
+                    <p:nvPr/>
+                  </p:nvSpPr>
+                  <p:spPr>
+                    <a:xfrm>
+                      <a:off x="4060584" y="3393320"/>
+                      <a:ext cx="733662" cy="307777"/>
+                    </a:xfrm>
+                    <a:prstGeom prst="rect">
+                      <a:avLst/>
+                    </a:prstGeom>
+                    <a:noFill/>
+                  </p:spPr>
+                  <p:txBody>
+                    <a:bodyPr wrap="none" lIns="0" tIns="0" rIns="0" bIns="0" rtlCol="0">
+                      <a:spAutoFit/>
+                    </a:bodyPr>
+                    <a:lstStyle/>
+                    <a:p>
+                      <a:pPr/>
+                      <a14:m>
+                        <m:oMathPara xmlns:m="http://schemas.openxmlformats.org/officeDocument/2006/math">
+                          <m:oMathParaPr>
+                            <m:jc m:val="centerGroup"/>
+                          </m:oMathParaPr>
+                          <m:oMath xmlns:m="http://schemas.openxmlformats.org/officeDocument/2006/math">
+                            <m:r>
+                              <a:rPr lang="en-US" sz="2000" b="0" i="1" smtClean="0">
+                                <a:latin typeface="Cambria Math" panose="02040503050406030204" pitchFamily="18" charset="0"/>
+                                <a:cs typeface="Arial" panose="020B0604020202020204" pitchFamily="34" charset="0"/>
+                              </a:rPr>
+                              <m:t>𝑅𝑠𝑖𝑛</m:t>
+                            </m:r>
+                            <m:r>
+                              <a:rPr lang="en-US" sz="2000" b="0" i="1" smtClean="0">
+                                <a:latin typeface="Cambria Math" panose="02040503050406030204" pitchFamily="18" charset="0"/>
+                                <a:cs typeface="Arial" panose="020B0604020202020204" pitchFamily="34" charset="0"/>
+                              </a:rPr>
+                              <m:t>𝜃</m:t>
+                            </m:r>
+                          </m:oMath>
+                        </m:oMathPara>
+                      </a14:m>
+                      <a:endParaRPr lang="en-US" sz="2000" dirty="0" smtClean="0">
+                        <a:latin typeface="Arial" panose="020B0604020202020204" pitchFamily="34" charset="0"/>
+                        <a:cs typeface="Arial" panose="020B0604020202020204" pitchFamily="34" charset="0"/>
+                      </a:endParaRPr>
+                    </a:p>
+                  </p:txBody>
+                </p:sp>
+              </mc:Choice>
+              <mc:Fallback xmlns="">
+                <p:sp>
+                  <p:nvSpPr>
+                    <p:cNvPr id="181" name="TextBox 180"/>
+                    <p:cNvSpPr txBox="1">
+                      <a:spLocks noRot="1" noChangeAspect="1" noMove="1" noResize="1" noEditPoints="1" noAdjustHandles="1" noChangeArrowheads="1" noChangeShapeType="1" noTextEdit="1"/>
+                    </p:cNvSpPr>
+                    <p:nvPr/>
+                  </p:nvSpPr>
+                  <p:spPr>
+                    <a:xfrm>
+                      <a:off x="4060584" y="3393320"/>
+                      <a:ext cx="733662" cy="307777"/>
+                    </a:xfrm>
+                    <a:prstGeom prst="rect">
+                      <a:avLst/>
+                    </a:prstGeom>
+                    <a:blipFill>
+                      <a:blip r:embed="rId24"/>
+                      <a:stretch>
+                        <a:fillRect l="-7500" r="-6667" b="-9804"/>
+                      </a:stretch>
+                    </a:blipFill>
+                  </p:spPr>
+                  <p:txBody>
+                    <a:bodyPr/>
+                    <a:lstStyle/>
+                    <a:p>
+                      <a:r>
+                        <a:rPr lang="en-US">
+                          <a:noFill/>
+                        </a:rPr>
+                        <a:t> </a:t>
+                      </a:r>
+                    </a:p>
+                  </p:txBody>
+                </p:sp>
+              </mc:Fallback>
+            </mc:AlternateContent>
+            <mc:AlternateContent xmlns:mc="http://schemas.openxmlformats.org/markup-compatibility/2006" xmlns:a14="http://schemas.microsoft.com/office/drawing/2010/main">
+              <mc:Choice Requires="a14">
+                <p:sp>
+                  <p:nvSpPr>
+                    <p:cNvPr id="182" name="TextBox 181"/>
+                    <p:cNvSpPr txBox="1"/>
+                    <p:nvPr/>
+                  </p:nvSpPr>
+                  <p:spPr>
+                    <a:xfrm>
+                      <a:off x="4836861" y="3955781"/>
+                      <a:ext cx="241540" cy="307777"/>
+                    </a:xfrm>
+                    <a:prstGeom prst="rect">
+                      <a:avLst/>
+                    </a:prstGeom>
+                    <a:noFill/>
+                  </p:spPr>
+                  <p:txBody>
+                    <a:bodyPr wrap="none" lIns="0" tIns="0" rIns="0" bIns="0" rtlCol="0">
+                      <a:spAutoFit/>
+                    </a:bodyPr>
+                    <a:lstStyle/>
+                    <a:p>
+                      <a:pPr/>
+                      <a14:m>
+                        <m:oMathPara xmlns:m="http://schemas.openxmlformats.org/officeDocument/2006/math">
+                          <m:oMathParaPr>
+                            <m:jc m:val="centerGroup"/>
+                          </m:oMathParaPr>
+                          <m:oMath xmlns:m="http://schemas.openxmlformats.org/officeDocument/2006/math">
+                            <m:r>
+                              <a:rPr lang="en-US" sz="2000" b="0" i="1" smtClean="0">
+                                <a:latin typeface="Cambria Math" panose="02040503050406030204" pitchFamily="18" charset="0"/>
+                                <a:cs typeface="Arial" panose="020B0604020202020204" pitchFamily="34" charset="0"/>
+                              </a:rPr>
+                              <m:t>𝑅</m:t>
+                            </m:r>
+                          </m:oMath>
+                        </m:oMathPara>
+                      </a14:m>
+                      <a:endParaRPr lang="en-US" sz="2000" dirty="0" smtClean="0">
+                        <a:latin typeface="Arial" panose="020B0604020202020204" pitchFamily="34" charset="0"/>
+                        <a:cs typeface="Arial" panose="020B0604020202020204" pitchFamily="34" charset="0"/>
+                      </a:endParaRPr>
+                    </a:p>
+                  </p:txBody>
+                </p:sp>
+              </mc:Choice>
+              <mc:Fallback xmlns="">
+                <p:sp>
+                  <p:nvSpPr>
+                    <p:cNvPr id="182" name="TextBox 181"/>
+                    <p:cNvSpPr txBox="1">
+                      <a:spLocks noRot="1" noChangeAspect="1" noMove="1" noResize="1" noEditPoints="1" noAdjustHandles="1" noChangeArrowheads="1" noChangeShapeType="1" noTextEdit="1"/>
+                    </p:cNvSpPr>
+                    <p:nvPr/>
+                  </p:nvSpPr>
+                  <p:spPr>
+                    <a:xfrm>
+                      <a:off x="4836861" y="3955781"/>
+                      <a:ext cx="241540" cy="307777"/>
+                    </a:xfrm>
+                    <a:prstGeom prst="rect">
+                      <a:avLst/>
+                    </a:prstGeom>
+                    <a:blipFill>
+                      <a:blip r:embed="rId25"/>
+                      <a:stretch>
+                        <a:fillRect l="-23077" r="-20513" b="-9804"/>
+                      </a:stretch>
+                    </a:blipFill>
+                  </p:spPr>
+                  <p:txBody>
+                    <a:bodyPr/>
+                    <a:lstStyle/>
+                    <a:p>
+                      <a:r>
+                        <a:rPr lang="en-US">
+                          <a:noFill/>
+                        </a:rPr>
+                        <a:t> </a:t>
+                      </a:r>
+                    </a:p>
+                  </p:txBody>
+                </p:sp>
+              </mc:Fallback>
+            </mc:AlternateContent>
+            <mc:AlternateContent xmlns:mc="http://schemas.openxmlformats.org/markup-compatibility/2006" xmlns:a14="http://schemas.microsoft.com/office/drawing/2010/main">
+              <mc:Choice Requires="a14">
+                <p:sp>
+                  <p:nvSpPr>
+                    <p:cNvPr id="183" name="TextBox 182"/>
+                    <p:cNvSpPr txBox="1"/>
+                    <p:nvPr/>
+                  </p:nvSpPr>
+                  <p:spPr>
+                    <a:xfrm>
+                      <a:off x="4067813" y="3921755"/>
+                      <a:ext cx="222304" cy="307777"/>
+                    </a:xfrm>
+                    <a:prstGeom prst="rect">
+                      <a:avLst/>
+                    </a:prstGeom>
+                    <a:noFill/>
+                  </p:spPr>
+                  <p:txBody>
+                    <a:bodyPr wrap="none" lIns="0" tIns="0" rIns="0" bIns="0" rtlCol="0">
+                      <a:spAutoFit/>
+                    </a:bodyPr>
+                    <a:lstStyle/>
+                    <a:p>
+                      <a:pPr/>
+                      <a14:m>
+                        <m:oMathPara xmlns:m="http://schemas.openxmlformats.org/officeDocument/2006/math">
+                          <m:oMathParaPr>
+                            <m:jc m:val="centerGroup"/>
+                          </m:oMathParaPr>
+                          <m:oMath xmlns:m="http://schemas.openxmlformats.org/officeDocument/2006/math">
+                            <m:r>
+                              <a:rPr lang="en-US" sz="2000" b="0" i="1" smtClean="0">
+                                <a:latin typeface="Cambria Math" panose="02040503050406030204" pitchFamily="18" charset="0"/>
+                                <a:cs typeface="Arial" panose="020B0604020202020204" pitchFamily="34" charset="0"/>
+                              </a:rPr>
+                              <m:t>𝜃</m:t>
+                            </m:r>
+                          </m:oMath>
+                        </m:oMathPara>
+                      </a14:m>
+                      <a:endParaRPr lang="en-US" sz="2000" dirty="0" smtClean="0">
+                        <a:latin typeface="Arial" panose="020B0604020202020204" pitchFamily="34" charset="0"/>
+                        <a:cs typeface="Arial" panose="020B0604020202020204" pitchFamily="34" charset="0"/>
+                      </a:endParaRPr>
+                    </a:p>
+                  </p:txBody>
+                </p:sp>
+              </mc:Choice>
+              <mc:Fallback xmlns="">
+                <p:sp>
+                  <p:nvSpPr>
+                    <p:cNvPr id="183" name="TextBox 182"/>
+                    <p:cNvSpPr txBox="1">
+                      <a:spLocks noRot="1" noChangeAspect="1" noMove="1" noResize="1" noEditPoints="1" noAdjustHandles="1" noChangeArrowheads="1" noChangeShapeType="1" noTextEdit="1"/>
+                    </p:cNvSpPr>
+                    <p:nvPr/>
+                  </p:nvSpPr>
+                  <p:spPr>
+                    <a:xfrm>
+                      <a:off x="4067813" y="3921755"/>
+                      <a:ext cx="222304" cy="307777"/>
+                    </a:xfrm>
+                    <a:prstGeom prst="rect">
+                      <a:avLst/>
+                    </a:prstGeom>
+                    <a:blipFill>
+                      <a:blip r:embed="rId26"/>
+                      <a:stretch>
+                        <a:fillRect l="-25000" r="-25000" b="-12000"/>
+                      </a:stretch>
+                    </a:blipFill>
+                  </p:spPr>
+                  <p:txBody>
+                    <a:bodyPr/>
+                    <a:lstStyle/>
+                    <a:p>
+                      <a:r>
+                        <a:rPr lang="en-US">
+                          <a:noFill/>
+                        </a:rPr>
+                        <a:t> </a:t>
+                      </a:r>
+                    </a:p>
+                  </p:txBody>
+                </p:sp>
+              </mc:Fallback>
+            </mc:AlternateContent>
+          </p:grpSp>
+          <p:grpSp>
+            <p:nvGrpSpPr>
+              <p:cNvPr id="17" name="Group 16"/>
+              <p:cNvGrpSpPr/>
+              <p:nvPr/>
+            </p:nvGrpSpPr>
+            <p:grpSpPr>
+              <a:xfrm>
+                <a:off x="975117" y="4226713"/>
+                <a:ext cx="1512159" cy="1522244"/>
+                <a:chOff x="756385" y="3905659"/>
+                <a:chExt cx="1512159" cy="1522244"/>
+              </a:xfrm>
+            </p:grpSpPr>
             <p:sp>
               <p:nvSpPr>
-                <p:cNvPr id="91" name="Oval 90"/>
+                <p:cNvPr id="86" name="Oval 85"/>
                 <p:cNvSpPr/>
                 <p:nvPr/>
               </p:nvSpPr>
               <p:spPr>
                 <a:xfrm>
-                  <a:off x="8083769" y="3413636"/>
+                  <a:off x="1606496" y="5308137"/>
                   <a:ext cx="120943" cy="119766"/>
                 </a:xfrm>
                 <a:prstGeom prst="ellipse">
@@ -9798,23 +11029,22 @@
             </p:sp>
             <p:cxnSp>
               <p:nvCxnSpPr>
-                <p:cNvPr id="92" name="Straight Arrow Connector 91"/>
+                <p:cNvPr id="3" name="Straight Connector 2"/>
                 <p:cNvCxnSpPr/>
                 <p:nvPr/>
               </p:nvCxnSpPr>
               <p:spPr>
-                <a:xfrm flipH="1">
-                  <a:off x="7613049" y="3515818"/>
-                  <a:ext cx="483566" cy="252059"/>
+                <a:xfrm flipH="1" flipV="1">
+                  <a:off x="1499244" y="4005634"/>
+                  <a:ext cx="158931" cy="1339253"/>
                 </a:xfrm>
-                <a:prstGeom prst="straightConnector1">
+                <a:prstGeom prst="line">
                   <a:avLst/>
                 </a:prstGeom>
                 <a:ln w="38100">
                   <a:solidFill>
                     <a:schemeClr val="tx1"/>
                   </a:solidFill>
-                  <a:tailEnd type="triangle"/>
                 </a:ln>
               </p:spPr>
               <p:style>
@@ -9832,279 +11062,22 @@
                 </a:fontRef>
               </p:style>
             </p:cxnSp>
-            <p:cxnSp>
-              <p:nvCxnSpPr>
-                <p:cNvPr id="93" name="Straight Arrow Connector 92"/>
-                <p:cNvCxnSpPr/>
-                <p:nvPr/>
-              </p:nvCxnSpPr>
-              <p:spPr>
-                <a:xfrm flipV="1">
-                  <a:off x="8172978" y="3108156"/>
-                  <a:ext cx="249355" cy="333041"/>
-                </a:xfrm>
-                <a:prstGeom prst="straightConnector1">
-                  <a:avLst/>
-                </a:prstGeom>
-                <a:ln w="38100">
-                  <a:solidFill>
-                    <a:schemeClr val="tx1"/>
-                  </a:solidFill>
-                  <a:tailEnd type="triangle"/>
-                </a:ln>
-              </p:spPr>
-              <p:style>
-                <a:lnRef idx="1">
-                  <a:schemeClr val="accent1"/>
-                </a:lnRef>
-                <a:fillRef idx="0">
-                  <a:schemeClr val="accent1"/>
-                </a:fillRef>
-                <a:effectRef idx="0">
-                  <a:schemeClr val="accent1"/>
-                </a:effectRef>
-                <a:fontRef idx="minor">
-                  <a:schemeClr val="tx1"/>
-                </a:fontRef>
-              </p:style>
-            </p:cxnSp>
-            <mc:AlternateContent xmlns:mc="http://schemas.openxmlformats.org/markup-compatibility/2006">
-              <mc:Choice xmlns:a14="http://schemas.microsoft.com/office/drawing/2010/main" Requires="a14">
-                <p:sp>
-                  <p:nvSpPr>
-                    <p:cNvPr id="98" name="TextBox 97"/>
-                    <p:cNvSpPr txBox="1"/>
-                    <p:nvPr/>
-                  </p:nvSpPr>
-                  <p:spPr>
-                    <a:xfrm>
-                      <a:off x="7823872" y="3644376"/>
-                      <a:ext cx="303865" cy="377219"/>
-                    </a:xfrm>
-                    <a:prstGeom prst="rect">
-                      <a:avLst/>
-                    </a:prstGeom>
-                    <a:noFill/>
-                  </p:spPr>
-                  <p:txBody>
-                    <a:bodyPr wrap="none" lIns="0" tIns="0" rIns="0" bIns="0" rtlCol="0">
-                      <a:spAutoFit/>
-                    </a:bodyPr>
-                    <a:lstStyle/>
-                    <a:p>
-                      <a14:m>
-                        <m:oMathPara xmlns:m="http://schemas.openxmlformats.org/officeDocument/2006/math">
-                          <m:oMathParaPr>
-                            <m:jc m:val="centerGroup"/>
-                          </m:oMathParaPr>
-                          <m:oMath xmlns:m="http://schemas.openxmlformats.org/officeDocument/2006/math">
-                            <m:sSub>
-                              <m:sSubPr>
-                                <m:ctrlPr>
-                                  <a:rPr lang="en-US" sz="2000" b="0" i="1" smtClean="0">
-                                    <a:latin typeface="Cambria Math" panose="02040503050406030204" pitchFamily="18" charset="0"/>
-                                    <a:cs typeface="Arial" panose="020B0604020202020204" pitchFamily="34" charset="0"/>
-                                  </a:rPr>
-                                </m:ctrlPr>
-                              </m:sSubPr>
-                              <m:e>
-                                <m:acc>
-                                  <m:accPr>
-                                    <m:chr m:val="⃗"/>
-                                    <m:ctrlPr>
-                                      <a:rPr lang="en-US" sz="2000" b="0" i="1" smtClean="0">
-                                        <a:latin typeface="Cambria Math" panose="02040503050406030204" pitchFamily="18" charset="0"/>
-                                        <a:cs typeface="Arial" panose="020B0604020202020204" pitchFamily="34" charset="0"/>
-                                      </a:rPr>
-                                    </m:ctrlPr>
-                                  </m:accPr>
-                                  <m:e>
-                                    <m:r>
-                                      <a:rPr lang="en-US" sz="2000" b="0" i="1" smtClean="0">
-                                        <a:latin typeface="Cambria Math" panose="02040503050406030204" pitchFamily="18" charset="0"/>
-                                        <a:cs typeface="Arial" panose="020B0604020202020204" pitchFamily="34" charset="0"/>
-                                      </a:rPr>
-                                      <m:t>𝐹</m:t>
-                                    </m:r>
-                                  </m:e>
-                                </m:acc>
-                              </m:e>
-                              <m:sub>
-                                <m:r>
-                                  <a:rPr lang="en-US" sz="2000" b="0" i="1" smtClean="0">
-                                    <a:latin typeface="Cambria Math" panose="02040503050406030204" pitchFamily="18" charset="0"/>
-                                    <a:cs typeface="Arial" panose="020B0604020202020204" pitchFamily="34" charset="0"/>
-                                  </a:rPr>
-                                  <m:t>𝑔</m:t>
-                                </m:r>
-                              </m:sub>
-                            </m:sSub>
-                          </m:oMath>
-                        </m:oMathPara>
-                      </a14:m>
-                      <a:endParaRPr lang="en-US" sz="2000" dirty="0" smtClean="0">
-                        <a:latin typeface="Arial" panose="020B0604020202020204" pitchFamily="34" charset="0"/>
-                        <a:cs typeface="Arial" panose="020B0604020202020204" pitchFamily="34" charset="0"/>
-                      </a:endParaRPr>
-                    </a:p>
-                  </p:txBody>
-                </p:sp>
-              </mc:Choice>
-              <mc:Fallback>
-                <p:sp>
-                  <p:nvSpPr>
-                    <p:cNvPr id="98" name="TextBox 97"/>
-                    <p:cNvSpPr txBox="1">
-                      <a:spLocks noRot="1" noChangeAspect="1" noMove="1" noResize="1" noEditPoints="1" noAdjustHandles="1" noChangeArrowheads="1" noChangeShapeType="1" noTextEdit="1"/>
-                    </p:cNvSpPr>
-                    <p:nvPr/>
-                  </p:nvSpPr>
-                  <p:spPr>
-                    <a:xfrm>
-                      <a:off x="7823872" y="3644376"/>
-                      <a:ext cx="303865" cy="377219"/>
-                    </a:xfrm>
-                    <a:prstGeom prst="rect">
-                      <a:avLst/>
-                    </a:prstGeom>
-                    <a:blipFill>
-                      <a:blip r:embed="rId20"/>
-                      <a:stretch>
-                        <a:fillRect l="-16000" t="-30645" r="-72000" b="-17742"/>
-                      </a:stretch>
-                    </a:blipFill>
-                  </p:spPr>
-                  <p:txBody>
-                    <a:bodyPr/>
-                    <a:lstStyle/>
-                    <a:p>
-                      <a:r>
-                        <a:rPr lang="en-US">
-                          <a:noFill/>
-                        </a:rPr>
-                        <a:t> </a:t>
-                      </a:r>
-                    </a:p>
-                  </p:txBody>
-                </p:sp>
-              </mc:Fallback>
-            </mc:AlternateContent>
-            <mc:AlternateContent xmlns:mc="http://schemas.openxmlformats.org/markup-compatibility/2006">
-              <mc:Choice xmlns:a14="http://schemas.microsoft.com/office/drawing/2010/main" Requires="a14">
-                <p:sp>
-                  <p:nvSpPr>
-                    <p:cNvPr id="99" name="TextBox 98"/>
-                    <p:cNvSpPr txBox="1"/>
-                    <p:nvPr/>
-                  </p:nvSpPr>
-                  <p:spPr>
-                    <a:xfrm>
-                      <a:off x="8365714" y="3272205"/>
-                      <a:ext cx="228460" cy="345159"/>
-                    </a:xfrm>
-                    <a:prstGeom prst="rect">
-                      <a:avLst/>
-                    </a:prstGeom>
-                    <a:noFill/>
-                  </p:spPr>
-                  <p:txBody>
-                    <a:bodyPr wrap="none" lIns="0" tIns="0" rIns="0" bIns="0" rtlCol="0">
-                      <a:spAutoFit/>
-                    </a:bodyPr>
-                    <a:lstStyle/>
-                    <a:p>
-                      <a14:m>
-                        <m:oMathPara xmlns:m="http://schemas.openxmlformats.org/officeDocument/2006/math">
-                          <m:oMathParaPr>
-                            <m:jc m:val="centerGroup"/>
-                          </m:oMathParaPr>
-                          <m:oMath xmlns:m="http://schemas.openxmlformats.org/officeDocument/2006/math">
-                            <m:acc>
-                              <m:accPr>
-                                <m:chr m:val="⃗"/>
-                                <m:ctrlPr>
-                                  <a:rPr lang="en-US" sz="2000" b="0" i="1" smtClean="0">
-                                    <a:latin typeface="Cambria Math" panose="02040503050406030204" pitchFamily="18" charset="0"/>
-                                    <a:cs typeface="Arial" panose="020B0604020202020204" pitchFamily="34" charset="0"/>
-                                  </a:rPr>
-                                </m:ctrlPr>
-                              </m:accPr>
-                              <m:e>
-                                <m:r>
-                                  <a:rPr lang="en-US" sz="2000" b="0" i="1" smtClean="0">
-                                    <a:latin typeface="Cambria Math" panose="02040503050406030204" pitchFamily="18" charset="0"/>
-                                    <a:cs typeface="Arial" panose="020B0604020202020204" pitchFamily="34" charset="0"/>
-                                  </a:rPr>
-                                  <m:t>𝑇</m:t>
-                                </m:r>
-                              </m:e>
-                            </m:acc>
-                          </m:oMath>
-                        </m:oMathPara>
-                      </a14:m>
-                      <a:endParaRPr lang="en-US" sz="2000" dirty="0" smtClean="0">
-                        <a:latin typeface="Arial" panose="020B0604020202020204" pitchFamily="34" charset="0"/>
-                        <a:cs typeface="Arial" panose="020B0604020202020204" pitchFamily="34" charset="0"/>
-                      </a:endParaRPr>
-                    </a:p>
-                  </p:txBody>
-                </p:sp>
-              </mc:Choice>
-              <mc:Fallback>
-                <p:sp>
-                  <p:nvSpPr>
-                    <p:cNvPr id="99" name="TextBox 98"/>
-                    <p:cNvSpPr txBox="1">
-                      <a:spLocks noRot="1" noChangeAspect="1" noMove="1" noResize="1" noEditPoints="1" noAdjustHandles="1" noChangeArrowheads="1" noChangeShapeType="1" noTextEdit="1"/>
-                    </p:cNvSpPr>
-                    <p:nvPr/>
-                  </p:nvSpPr>
-                  <p:spPr>
-                    <a:xfrm>
-                      <a:off x="8365714" y="3272205"/>
-                      <a:ext cx="228460" cy="345159"/>
-                    </a:xfrm>
-                    <a:prstGeom prst="rect">
-                      <a:avLst/>
-                    </a:prstGeom>
-                    <a:blipFill>
-                      <a:blip r:embed="rId21"/>
-                      <a:stretch>
-                        <a:fillRect l="-21053" r="-21053" b="-8772"/>
-                      </a:stretch>
-                    </a:blipFill>
-                  </p:spPr>
-                  <p:txBody>
-                    <a:bodyPr/>
-                    <a:lstStyle/>
-                    <a:p>
-                      <a:r>
-                        <a:rPr lang="en-US">
-                          <a:noFill/>
-                        </a:rPr>
-                        <a:t> </a:t>
-                      </a:r>
-                    </a:p>
-                  </p:txBody>
-                </p:sp>
-              </mc:Fallback>
-            </mc:AlternateContent>
             <p:sp>
               <p:nvSpPr>
-                <p:cNvPr id="101" name="Right Arrow 100"/>
+                <p:cNvPr id="16" name="Rectangle 15"/>
                 <p:cNvSpPr/>
                 <p:nvPr/>
               </p:nvSpPr>
               <p:spPr>
-                <a:xfrm rot="10800000">
-                  <a:off x="7452306" y="3022235"/>
-                  <a:ext cx="700928" cy="118979"/>
+                <a:xfrm>
+                  <a:off x="756385" y="3905659"/>
+                  <a:ext cx="1512159" cy="99973"/>
                 </a:xfrm>
-                <a:prstGeom prst="rightArrow">
+                <a:prstGeom prst="rect">
                   <a:avLst/>
                 </a:prstGeom>
                 <a:solidFill>
-                  <a:schemeClr val="tx1"/>
+                  <a:schemeClr val="bg2"/>
                 </a:solidFill>
                 <a:ln w="38100">
                   <a:solidFill>
@@ -10133,123 +11106,461 @@
                 <a:lstStyle/>
                 <a:p>
                   <a:pPr algn="ctr"/>
-                  <a:endParaRPr lang="en-US" dirty="0"/>
+                  <a:endParaRPr lang="en-US"/>
                 </a:p>
               </p:txBody>
             </p:sp>
-            <mc:AlternateContent xmlns:mc="http://schemas.openxmlformats.org/markup-compatibility/2006">
-              <mc:Choice xmlns:a14="http://schemas.microsoft.com/office/drawing/2010/main" Requires="a14">
-                <p:sp>
-                  <p:nvSpPr>
-                    <p:cNvPr id="102" name="TextBox 101"/>
-                    <p:cNvSpPr txBox="1"/>
-                    <p:nvPr/>
-                  </p:nvSpPr>
-                  <p:spPr>
-                    <a:xfrm>
-                      <a:off x="7704790" y="2706209"/>
-                      <a:ext cx="219483" cy="307777"/>
-                    </a:xfrm>
-                    <a:prstGeom prst="rect">
-                      <a:avLst/>
-                    </a:prstGeom>
-                    <a:noFill/>
-                  </p:spPr>
-                  <p:txBody>
-                    <a:bodyPr wrap="none" lIns="0" tIns="0" rIns="0" bIns="0" rtlCol="0">
-                      <a:spAutoFit/>
-                    </a:bodyPr>
-                    <a:lstStyle/>
-                    <a:p>
-                      <a14:m>
-                        <m:oMathPara xmlns:m="http://schemas.openxmlformats.org/officeDocument/2006/math">
-                          <m:oMathParaPr>
-                            <m:jc m:val="centerGroup"/>
-                          </m:oMathParaPr>
-                          <m:oMath xmlns:m="http://schemas.openxmlformats.org/officeDocument/2006/math">
-                            <m:acc>
-                              <m:accPr>
-                                <m:chr m:val="⃗"/>
-                                <m:ctrlPr>
-                                  <a:rPr lang="en-US" sz="2000" b="0" i="1" smtClean="0">
-                                    <a:latin typeface="Cambria Math" panose="02040503050406030204" pitchFamily="18" charset="0"/>
-                                    <a:cs typeface="Arial" panose="020B0604020202020204" pitchFamily="34" charset="0"/>
-                                  </a:rPr>
-                                </m:ctrlPr>
-                              </m:accPr>
-                              <m:e>
-                                <m:r>
-                                  <a:rPr lang="en-US" sz="2000" b="0" i="1" smtClean="0">
-                                    <a:latin typeface="Cambria Math" panose="02040503050406030204" pitchFamily="18" charset="0"/>
-                                    <a:cs typeface="Arial" panose="020B0604020202020204" pitchFamily="34" charset="0"/>
-                                  </a:rPr>
-                                  <m:t>𝑎</m:t>
-                                </m:r>
-                              </m:e>
-                            </m:acc>
-                          </m:oMath>
-                        </m:oMathPara>
-                      </a14:m>
-                      <a:endParaRPr lang="en-US" sz="2000" dirty="0" smtClean="0">
-                        <a:latin typeface="Arial" panose="020B0604020202020204" pitchFamily="34" charset="0"/>
-                        <a:cs typeface="Arial" panose="020B0604020202020204" pitchFamily="34" charset="0"/>
-                      </a:endParaRPr>
-                    </a:p>
-                  </p:txBody>
-                </p:sp>
-              </mc:Choice>
-              <mc:Fallback>
-                <p:sp>
-                  <p:nvSpPr>
-                    <p:cNvPr id="102" name="TextBox 101"/>
-                    <p:cNvSpPr txBox="1">
-                      <a:spLocks noRot="1" noChangeAspect="1" noMove="1" noResize="1" noEditPoints="1" noAdjustHandles="1" noChangeArrowheads="1" noChangeShapeType="1" noTextEdit="1"/>
-                    </p:cNvSpPr>
-                    <p:nvPr/>
-                  </p:nvSpPr>
-                  <p:spPr>
-                    <a:xfrm>
-                      <a:off x="7704790" y="2706209"/>
-                      <a:ext cx="219483" cy="307777"/>
-                    </a:xfrm>
-                    <a:prstGeom prst="rect">
-                      <a:avLst/>
-                    </a:prstGeom>
-                    <a:blipFill>
-                      <a:blip r:embed="rId22"/>
-                      <a:stretch>
-                        <a:fillRect l="-22222" t="-33333" r="-91667" b="-5882"/>
-                      </a:stretch>
-                    </a:blipFill>
-                  </p:spPr>
-                  <p:txBody>
-                    <a:bodyPr/>
-                    <a:lstStyle/>
-                    <a:p>
-                      <a:r>
-                        <a:rPr lang="en-US">
-                          <a:noFill/>
-                        </a:rPr>
-                        <a:t> </a:t>
-                      </a:r>
-                    </a:p>
-                  </p:txBody>
-                </p:sp>
-              </mc:Fallback>
-            </mc:AlternateContent>
           </p:grpSp>
+        </p:grpSp>
+        <mc:AlternateContent xmlns:mc="http://schemas.openxmlformats.org/markup-compatibility/2006">
+          <mc:Choice xmlns:a14="http://schemas.microsoft.com/office/drawing/2010/main" Requires="a14">
+            <p:sp>
+              <p:nvSpPr>
+                <p:cNvPr id="20" name="TextBox 19"/>
+                <p:cNvSpPr txBox="1"/>
+                <p:nvPr/>
+              </p:nvSpPr>
+              <p:spPr>
+                <a:xfrm>
+                  <a:off x="1014469" y="5963013"/>
+                  <a:ext cx="1316130" cy="307777"/>
+                </a:xfrm>
+                <a:prstGeom prst="rect">
+                  <a:avLst/>
+                </a:prstGeom>
+                <a:noFill/>
+              </p:spPr>
+              <p:txBody>
+                <a:bodyPr wrap="none" lIns="0" tIns="0" rIns="0" bIns="0" rtlCol="0">
+                  <a:spAutoFit/>
+                </a:bodyPr>
+                <a:lstStyle/>
+                <a:p>
+                  <a14:m>
+                    <m:oMathPara xmlns:m="http://schemas.openxmlformats.org/officeDocument/2006/math">
+                      <m:oMathParaPr>
+                        <m:jc m:val="centerGroup"/>
+                      </m:oMathParaPr>
+                      <m:oMath xmlns:m="http://schemas.openxmlformats.org/officeDocument/2006/math">
+                        <m:r>
+                          <a:rPr lang="en-US" sz="2000" b="0" i="1" smtClean="0">
+                            <a:latin typeface="Cambria Math" panose="02040503050406030204" pitchFamily="18" charset="0"/>
+                            <a:cs typeface="Arial" panose="020B0604020202020204" pitchFamily="34" charset="0"/>
+                          </a:rPr>
+                          <m:t>𝑃𝑙𝑢𝑚𝑏</m:t>
+                        </m:r>
+                        <m:r>
+                          <a:rPr lang="en-US" sz="2000" b="0" i="1" smtClean="0">
+                            <a:latin typeface="Cambria Math" panose="02040503050406030204" pitchFamily="18" charset="0"/>
+                            <a:cs typeface="Arial" panose="020B0604020202020204" pitchFamily="34" charset="0"/>
+                          </a:rPr>
+                          <m:t> </m:t>
+                        </m:r>
+                        <m:r>
+                          <a:rPr lang="en-US" sz="2000" b="0" i="1" smtClean="0">
+                            <a:latin typeface="Cambria Math" panose="02040503050406030204" pitchFamily="18" charset="0"/>
+                            <a:cs typeface="Arial" panose="020B0604020202020204" pitchFamily="34" charset="0"/>
+                          </a:rPr>
+                          <m:t>𝑙𝑖𝑛𝑒</m:t>
+                        </m:r>
+                      </m:oMath>
+                    </m:oMathPara>
+                  </a14:m>
+                  <a:endParaRPr lang="en-US" sz="2000" dirty="0" smtClean="0">
+                    <a:latin typeface="Arial" panose="020B0604020202020204" pitchFamily="34" charset="0"/>
+                    <a:cs typeface="Arial" panose="020B0604020202020204" pitchFamily="34" charset="0"/>
+                  </a:endParaRPr>
+                </a:p>
+              </p:txBody>
+            </p:sp>
+          </mc:Choice>
+          <mc:Fallback>
+            <p:sp>
+              <p:nvSpPr>
+                <p:cNvPr id="20" name="TextBox 19"/>
+                <p:cNvSpPr txBox="1">
+                  <a:spLocks noRot="1" noChangeAspect="1" noMove="1" noResize="1" noEditPoints="1" noAdjustHandles="1" noChangeArrowheads="1" noChangeShapeType="1" noTextEdit="1"/>
+                </p:cNvSpPr>
+                <p:nvPr/>
+              </p:nvSpPr>
+              <p:spPr>
+                <a:xfrm>
+                  <a:off x="1014469" y="5963013"/>
+                  <a:ext cx="1316130" cy="307777"/>
+                </a:xfrm>
+                <a:prstGeom prst="rect">
+                  <a:avLst/>
+                </a:prstGeom>
+                <a:blipFill>
+                  <a:blip r:embed="rId27"/>
+                  <a:stretch>
+                    <a:fillRect l="-3704" r="-3241" b="-9804"/>
+                  </a:stretch>
+                </a:blipFill>
+              </p:spPr>
+              <p:txBody>
+                <a:bodyPr/>
+                <a:lstStyle/>
+                <a:p>
+                  <a:r>
+                    <a:rPr lang="en-US">
+                      <a:noFill/>
+                    </a:rPr>
+                    <a:t> </a:t>
+                  </a:r>
+                </a:p>
+              </p:txBody>
+            </p:sp>
+          </mc:Fallback>
+        </mc:AlternateContent>
+      </p:grpSp>
+    </p:spTree>
+    <p:extLst>
+      <p:ext uri="{BB962C8B-B14F-4D97-AF65-F5344CB8AC3E}">
+        <p14:creationId xmlns:p14="http://schemas.microsoft.com/office/powerpoint/2010/main" val="3193823530"/>
+      </p:ext>
+    </p:extLst>
+  </p:cSld>
+  <p:clrMapOvr>
+    <a:masterClrMapping/>
+  </p:clrMapOvr>
+</p:sld>
+</file>
+
+<file path=ppt/slides/slide4.xml><?xml version="1.0" encoding="utf-8"?>
+<p:sld xmlns:a="http://schemas.openxmlformats.org/drawingml/2006/main" xmlns:r="http://schemas.openxmlformats.org/officeDocument/2006/relationships" xmlns:p="http://schemas.openxmlformats.org/presentationml/2006/main">
+  <p:cSld>
+    <p:spTree>
+      <p:nvGrpSpPr>
+        <p:cNvPr id="1" name=""/>
+        <p:cNvGrpSpPr/>
+        <p:nvPr/>
+      </p:nvGrpSpPr>
+      <p:grpSpPr>
+        <a:xfrm>
+          <a:off x="0" y="0"/>
+          <a:ext cx="0" cy="0"/>
+          <a:chOff x="0" y="0"/>
+          <a:chExt cx="0" cy="0"/>
+        </a:xfrm>
+      </p:grpSpPr>
+      <p:grpSp>
+        <p:nvGrpSpPr>
+          <p:cNvPr id="60" name="Group 59"/>
+          <p:cNvGrpSpPr/>
+          <p:nvPr/>
+        </p:nvGrpSpPr>
+        <p:grpSpPr>
+          <a:xfrm>
+            <a:off x="676331" y="952131"/>
+            <a:ext cx="2576980" cy="2365130"/>
+            <a:chOff x="2248277" y="1229533"/>
+            <a:chExt cx="2576980" cy="2365130"/>
+          </a:xfrm>
+        </p:grpSpPr>
+        <p:grpSp>
+          <p:nvGrpSpPr>
+            <p:cNvPr id="58" name="Group 57"/>
+            <p:cNvGrpSpPr/>
+            <p:nvPr/>
+          </p:nvGrpSpPr>
+          <p:grpSpPr>
+            <a:xfrm>
+              <a:off x="2248277" y="1229533"/>
+              <a:ext cx="2576980" cy="2365130"/>
+              <a:chOff x="2189284" y="1789972"/>
+              <a:chExt cx="2576980" cy="2365130"/>
+            </a:xfrm>
+          </p:grpSpPr>
+          <p:cxnSp>
+            <p:nvCxnSpPr>
+              <p:cNvPr id="53" name="Straight Arrow Connector 52"/>
+              <p:cNvCxnSpPr/>
+              <p:nvPr/>
+            </p:nvCxnSpPr>
+            <p:spPr>
+              <a:xfrm flipH="1">
+                <a:off x="3713800" y="2266510"/>
+                <a:ext cx="273966" cy="295785"/>
+              </a:xfrm>
+              <a:prstGeom prst="straightConnector1">
+                <a:avLst/>
+              </a:prstGeom>
+              <a:ln w="38100">
+                <a:solidFill>
+                  <a:schemeClr val="tx1"/>
+                </a:solidFill>
+                <a:prstDash val="solid"/>
+                <a:tailEnd type="triangle"/>
+              </a:ln>
+            </p:spPr>
+            <p:style>
+              <a:lnRef idx="1">
+                <a:schemeClr val="accent1"/>
+              </a:lnRef>
+              <a:fillRef idx="0">
+                <a:schemeClr val="accent1"/>
+              </a:fillRef>
+              <a:effectRef idx="0">
+                <a:schemeClr val="accent1"/>
+              </a:effectRef>
+              <a:fontRef idx="minor">
+                <a:schemeClr val="tx1"/>
+              </a:fontRef>
+            </p:style>
+          </p:cxnSp>
+          <p:grpSp>
+            <p:nvGrpSpPr>
+              <p:cNvPr id="12" name="Group 11"/>
+              <p:cNvGrpSpPr/>
+              <p:nvPr/>
+            </p:nvGrpSpPr>
+            <p:grpSpPr>
+              <a:xfrm>
+                <a:off x="2189284" y="1789972"/>
+                <a:ext cx="2365131" cy="2365130"/>
+                <a:chOff x="5099538" y="1274206"/>
+                <a:chExt cx="2365131" cy="2365130"/>
+              </a:xfrm>
+            </p:grpSpPr>
+            <p:sp>
+              <p:nvSpPr>
+                <p:cNvPr id="27" name="Oval 26"/>
+                <p:cNvSpPr/>
+                <p:nvPr/>
+              </p:nvSpPr>
+              <p:spPr>
+                <a:xfrm>
+                  <a:off x="5099539" y="1274206"/>
+                  <a:ext cx="2365130" cy="2365130"/>
+                </a:xfrm>
+                <a:prstGeom prst="ellipse">
+                  <a:avLst/>
+                </a:prstGeom>
+                <a:noFill/>
+                <a:ln w="38100">
+                  <a:solidFill>
+                    <a:schemeClr val="tx1"/>
+                  </a:solidFill>
+                </a:ln>
+              </p:spPr>
+              <p:style>
+                <a:lnRef idx="2">
+                  <a:schemeClr val="accent1">
+                    <a:shade val="50000"/>
+                  </a:schemeClr>
+                </a:lnRef>
+                <a:fillRef idx="1">
+                  <a:schemeClr val="accent1"/>
+                </a:fillRef>
+                <a:effectRef idx="0">
+                  <a:schemeClr val="accent1"/>
+                </a:effectRef>
+                <a:fontRef idx="minor">
+                  <a:schemeClr val="lt1"/>
+                </a:fontRef>
+              </p:style>
+              <p:txBody>
+                <a:bodyPr rtlCol="0" anchor="ctr"/>
+                <a:lstStyle/>
+                <a:p>
+                  <a:pPr algn="ctr"/>
+                  <a:endParaRPr lang="en-US"/>
+                </a:p>
+              </p:txBody>
+            </p:sp>
+            <p:sp>
+              <p:nvSpPr>
+                <p:cNvPr id="30" name="Arc 29"/>
+                <p:cNvSpPr/>
+                <p:nvPr/>
+              </p:nvSpPr>
+              <p:spPr>
+                <a:xfrm>
+                  <a:off x="5099538" y="2333845"/>
+                  <a:ext cx="2365130" cy="402721"/>
+                </a:xfrm>
+                <a:prstGeom prst="arc">
+                  <a:avLst>
+                    <a:gd name="adj1" fmla="val 31471"/>
+                    <a:gd name="adj2" fmla="val 10840678"/>
+                  </a:avLst>
+                </a:prstGeom>
+                <a:ln w="38100">
+                  <a:solidFill>
+                    <a:schemeClr val="tx1"/>
+                  </a:solidFill>
+                </a:ln>
+              </p:spPr>
+              <p:style>
+                <a:lnRef idx="1">
+                  <a:schemeClr val="accent1"/>
+                </a:lnRef>
+                <a:fillRef idx="0">
+                  <a:schemeClr val="accent1"/>
+                </a:fillRef>
+                <a:effectRef idx="0">
+                  <a:schemeClr val="accent1"/>
+                </a:effectRef>
+                <a:fontRef idx="minor">
+                  <a:schemeClr val="tx1"/>
+                </a:fontRef>
+              </p:style>
+              <p:txBody>
+                <a:bodyPr rtlCol="0" anchor="ctr"/>
+                <a:lstStyle/>
+                <a:p>
+                  <a:pPr algn="ctr"/>
+                  <a:endParaRPr lang="en-US"/>
+                </a:p>
+              </p:txBody>
+            </p:sp>
+            <p:sp>
+              <p:nvSpPr>
+                <p:cNvPr id="31" name="Arc 30"/>
+                <p:cNvSpPr/>
+                <p:nvPr/>
+              </p:nvSpPr>
+              <p:spPr>
+                <a:xfrm>
+                  <a:off x="5099538" y="2318331"/>
+                  <a:ext cx="2365130" cy="402721"/>
+                </a:xfrm>
+                <a:prstGeom prst="arc">
+                  <a:avLst>
+                    <a:gd name="adj1" fmla="val 10819517"/>
+                    <a:gd name="adj2" fmla="val 21596417"/>
+                  </a:avLst>
+                </a:prstGeom>
+                <a:ln w="38100">
+                  <a:solidFill>
+                    <a:schemeClr val="tx1"/>
+                  </a:solidFill>
+                  <a:prstDash val="sysDash"/>
+                </a:ln>
+              </p:spPr>
+              <p:style>
+                <a:lnRef idx="1">
+                  <a:schemeClr val="accent1"/>
+                </a:lnRef>
+                <a:fillRef idx="0">
+                  <a:schemeClr val="accent1"/>
+                </a:fillRef>
+                <a:effectRef idx="0">
+                  <a:schemeClr val="accent1"/>
+                </a:effectRef>
+                <a:fontRef idx="minor">
+                  <a:schemeClr val="tx1"/>
+                </a:fontRef>
+              </p:style>
+              <p:txBody>
+                <a:bodyPr rtlCol="0" anchor="ctr"/>
+                <a:lstStyle/>
+                <a:p>
+                  <a:pPr algn="ctr"/>
+                  <a:endParaRPr lang="en-US"/>
+                </a:p>
+              </p:txBody>
+            </p:sp>
+          </p:grpSp>
+          <p:sp>
+            <p:nvSpPr>
+              <p:cNvPr id="32" name="Oval 31"/>
+              <p:cNvSpPr/>
+              <p:nvPr/>
+            </p:nvSpPr>
+            <p:spPr>
+              <a:xfrm>
+                <a:off x="3200399" y="2864007"/>
+                <a:ext cx="342900" cy="342900"/>
+              </a:xfrm>
+              <a:prstGeom prst="ellipse">
+                <a:avLst/>
+              </a:prstGeom>
+              <a:solidFill>
+                <a:schemeClr val="tx1"/>
+              </a:solidFill>
+              <a:ln w="38100">
+                <a:solidFill>
+                  <a:schemeClr val="tx1"/>
+                </a:solidFill>
+              </a:ln>
+            </p:spPr>
+            <p:style>
+              <a:lnRef idx="2">
+                <a:schemeClr val="accent1">
+                  <a:shade val="50000"/>
+                </a:schemeClr>
+              </a:lnRef>
+              <a:fillRef idx="1">
+                <a:schemeClr val="accent1"/>
+              </a:fillRef>
+              <a:effectRef idx="0">
+                <a:schemeClr val="accent1"/>
+              </a:effectRef>
+              <a:fontRef idx="minor">
+                <a:schemeClr val="lt1"/>
+              </a:fontRef>
+            </p:style>
+            <p:txBody>
+              <a:bodyPr rtlCol="0" anchor="ctr"/>
+              <a:lstStyle/>
+              <a:p>
+                <a:pPr algn="ctr"/>
+                <a:endParaRPr lang="en-US"/>
+              </a:p>
+            </p:txBody>
+          </p:sp>
+          <p:cxnSp>
+            <p:nvCxnSpPr>
+              <p:cNvPr id="34" name="Straight Connector 33"/>
+              <p:cNvCxnSpPr>
+                <a:endCxn id="30" idx="2"/>
+              </p:cNvCxnSpPr>
+              <p:nvPr/>
+            </p:nvCxnSpPr>
+            <p:spPr>
+              <a:xfrm flipH="1">
+                <a:off x="2192129" y="3035457"/>
+                <a:ext cx="1179720" cy="1555"/>
+              </a:xfrm>
+              <a:prstGeom prst="line">
+                <a:avLst/>
+              </a:prstGeom>
+              <a:ln w="28575">
+                <a:solidFill>
+                  <a:schemeClr val="tx1"/>
+                </a:solidFill>
+                <a:prstDash val="sysDot"/>
+              </a:ln>
+            </p:spPr>
+            <p:style>
+              <a:lnRef idx="1">
+                <a:schemeClr val="accent1"/>
+              </a:lnRef>
+              <a:fillRef idx="0">
+                <a:schemeClr val="accent1"/>
+              </a:fillRef>
+              <a:effectRef idx="0">
+                <a:schemeClr val="accent1"/>
+              </a:effectRef>
+              <a:fontRef idx="minor">
+                <a:schemeClr val="tx1"/>
+              </a:fontRef>
+            </p:style>
+          </p:cxnSp>
           <mc:AlternateContent xmlns:mc="http://schemas.openxmlformats.org/markup-compatibility/2006">
             <mc:Choice xmlns:a14="http://schemas.microsoft.com/office/drawing/2010/main" Requires="a14">
               <p:sp>
                 <p:nvSpPr>
-                  <p:cNvPr id="87" name="TextBox 86"/>
+                  <p:cNvPr id="35" name="TextBox 34"/>
                   <p:cNvSpPr txBox="1"/>
                   <p:nvPr/>
                 </p:nvSpPr>
                 <p:spPr>
                   <a:xfrm>
-                    <a:off x="5809631" y="1383652"/>
-                    <a:ext cx="563488" cy="307777"/>
+                    <a:off x="2682987" y="2781295"/>
+                    <a:ext cx="198003" cy="307777"/>
                   </a:xfrm>
                   <a:prstGeom prst="rect">
                     <a:avLst/>
@@ -10273,7 +11584,7 @@
                               <a:latin typeface="Cambria Math" panose="02040503050406030204" pitchFamily="18" charset="0"/>
                               <a:cs typeface="Arial" panose="020B0604020202020204" pitchFamily="34" charset="0"/>
                             </a:rPr>
-                            <m:t>𝑝𝑜𝑙𝑒</m:t>
+                            <m:t>𝑟</m:t>
                           </m:r>
                         </m:oMath>
                       </m:oMathPara>
@@ -10289,7 +11600,7 @@
             <mc:Fallback>
               <p:sp>
                 <p:nvSpPr>
-                  <p:cNvPr id="87" name="TextBox 86"/>
+                  <p:cNvPr id="35" name="TextBox 34"/>
                   <p:cNvSpPr txBox="1">
                     <a:spLocks noRot="1" noChangeAspect="1" noMove="1" noResize="1" noEditPoints="1" noAdjustHandles="1" noChangeArrowheads="1" noChangeShapeType="1" noTextEdit="1"/>
                   </p:cNvSpPr>
@@ -10297,16 +11608,647 @@
                 </p:nvSpPr>
                 <p:spPr>
                   <a:xfrm>
-                    <a:off x="5809631" y="1383652"/>
-                    <a:ext cx="563488" cy="307777"/>
+                    <a:off x="2682987" y="2781295"/>
+                    <a:ext cx="198003" cy="307777"/>
                   </a:xfrm>
                   <a:prstGeom prst="rect">
                     <a:avLst/>
                   </a:prstGeom>
                   <a:blipFill>
-                    <a:blip r:embed="rId23"/>
+                    <a:blip r:embed="rId2"/>
                     <a:stretch>
-                      <a:fillRect l="-15217" r="-13043" b="-38000"/>
+                      <a:fillRect l="-15625" r="-12500" b="-2000"/>
+                    </a:stretch>
+                  </a:blipFill>
+                </p:spPr>
+                <p:txBody>
+                  <a:bodyPr/>
+                  <a:lstStyle/>
+                  <a:p>
+                    <a:r>
+                      <a:rPr lang="en-US">
+                        <a:noFill/>
+                      </a:rPr>
+                      <a:t> </a:t>
+                    </a:r>
+                  </a:p>
+                </p:txBody>
+              </p:sp>
+            </mc:Fallback>
+          </mc:AlternateContent>
+          <mc:AlternateContent xmlns:mc="http://schemas.openxmlformats.org/markup-compatibility/2006">
+            <mc:Choice xmlns:a14="http://schemas.microsoft.com/office/drawing/2010/main" Requires="a14">
+              <p:sp>
+                <p:nvSpPr>
+                  <p:cNvPr id="38" name="TextBox 37"/>
+                  <p:cNvSpPr txBox="1"/>
+                  <p:nvPr/>
+                </p:nvSpPr>
+                <p:spPr>
+                  <a:xfrm>
+                    <a:off x="3215846" y="2135645"/>
+                    <a:ext cx="571054" cy="307777"/>
+                  </a:xfrm>
+                  <a:prstGeom prst="rect">
+                    <a:avLst/>
+                  </a:prstGeom>
+                  <a:noFill/>
+                </p:spPr>
+                <p:txBody>
+                  <a:bodyPr wrap="none" lIns="0" tIns="0" rIns="0" bIns="0" rtlCol="0">
+                    <a:spAutoFit/>
+                  </a:bodyPr>
+                  <a:lstStyle/>
+                  <a:p>
+                    <a14:m>
+                      <m:oMathPara xmlns:m="http://schemas.openxmlformats.org/officeDocument/2006/math">
+                        <m:oMathParaPr>
+                          <m:jc m:val="centerGroup"/>
+                        </m:oMathParaPr>
+                        <m:oMath xmlns:m="http://schemas.openxmlformats.org/officeDocument/2006/math">
+                          <m:acc>
+                            <m:accPr>
+                              <m:chr m:val="⃗"/>
+                              <m:ctrlPr>
+                                <a:rPr lang="en-US" sz="2000" b="0" i="1" smtClean="0">
+                                  <a:latin typeface="Cambria Math" panose="02040503050406030204" pitchFamily="18" charset="0"/>
+                                  <a:cs typeface="Arial" panose="020B0604020202020204" pitchFamily="34" charset="0"/>
+                                </a:rPr>
+                              </m:ctrlPr>
+                            </m:accPr>
+                            <m:e>
+                              <m:r>
+                                <a:rPr lang="en-US" sz="2000" b="0" i="1" smtClean="0">
+                                  <a:latin typeface="Cambria Math" panose="02040503050406030204" pitchFamily="18" charset="0"/>
+                                  <a:cs typeface="Arial" panose="020B0604020202020204" pitchFamily="34" charset="0"/>
+                                </a:rPr>
+                                <m:t>𝑔</m:t>
+                              </m:r>
+                            </m:e>
+                          </m:acc>
+                          <m:r>
+                            <a:rPr lang="en-US" sz="2000" b="0" i="1" smtClean="0">
+                              <a:latin typeface="Cambria Math" panose="02040503050406030204" pitchFamily="18" charset="0"/>
+                              <a:cs typeface="Arial" panose="020B0604020202020204" pitchFamily="34" charset="0"/>
+                            </a:rPr>
+                            <m:t>(</m:t>
+                          </m:r>
+                          <m:acc>
+                            <m:accPr>
+                              <m:chr m:val="⃗"/>
+                              <m:ctrlPr>
+                                <a:rPr lang="en-US" sz="2000" b="0" i="1" smtClean="0">
+                                  <a:latin typeface="Cambria Math" panose="02040503050406030204" pitchFamily="18" charset="0"/>
+                                  <a:cs typeface="Arial" panose="020B0604020202020204" pitchFamily="34" charset="0"/>
+                                </a:rPr>
+                              </m:ctrlPr>
+                            </m:accPr>
+                            <m:e>
+                              <m:r>
+                                <a:rPr lang="en-US" sz="2000" b="0" i="1" smtClean="0">
+                                  <a:latin typeface="Cambria Math" panose="02040503050406030204" pitchFamily="18" charset="0"/>
+                                  <a:cs typeface="Arial" panose="020B0604020202020204" pitchFamily="34" charset="0"/>
+                                </a:rPr>
+                                <m:t>𝑟</m:t>
+                              </m:r>
+                            </m:e>
+                          </m:acc>
+                          <m:r>
+                            <a:rPr lang="en-US" sz="2000" b="0" i="1" smtClean="0">
+                              <a:latin typeface="Cambria Math" panose="02040503050406030204" pitchFamily="18" charset="0"/>
+                              <a:cs typeface="Arial" panose="020B0604020202020204" pitchFamily="34" charset="0"/>
+                            </a:rPr>
+                            <m:t>)</m:t>
+                          </m:r>
+                        </m:oMath>
+                      </m:oMathPara>
+                    </a14:m>
+                    <a:endParaRPr lang="en-US" sz="2000" dirty="0" smtClean="0">
+                      <a:latin typeface="Arial" panose="020B0604020202020204" pitchFamily="34" charset="0"/>
+                      <a:cs typeface="Arial" panose="020B0604020202020204" pitchFamily="34" charset="0"/>
+                    </a:endParaRPr>
+                  </a:p>
+                </p:txBody>
+              </p:sp>
+            </mc:Choice>
+            <mc:Fallback>
+              <p:sp>
+                <p:nvSpPr>
+                  <p:cNvPr id="38" name="TextBox 37"/>
+                  <p:cNvSpPr txBox="1">
+                    <a:spLocks noRot="1" noChangeAspect="1" noMove="1" noResize="1" noEditPoints="1" noAdjustHandles="1" noChangeArrowheads="1" noChangeShapeType="1" noTextEdit="1"/>
+                  </p:cNvSpPr>
+                  <p:nvPr/>
+                </p:nvSpPr>
+                <p:spPr>
+                  <a:xfrm>
+                    <a:off x="3215846" y="2135645"/>
+                    <a:ext cx="571054" cy="307777"/>
+                  </a:xfrm>
+                  <a:prstGeom prst="rect">
+                    <a:avLst/>
+                  </a:prstGeom>
+                  <a:blipFill>
+                    <a:blip r:embed="rId3"/>
+                    <a:stretch>
+                      <a:fillRect l="-9574" t="-36000" r="-48936" b="-40000"/>
+                    </a:stretch>
+                  </a:blipFill>
+                </p:spPr>
+                <p:txBody>
+                  <a:bodyPr/>
+                  <a:lstStyle/>
+                  <a:p>
+                    <a:r>
+                      <a:rPr lang="en-US">
+                        <a:noFill/>
+                      </a:rPr>
+                      <a:t> </a:t>
+                    </a:r>
+                  </a:p>
+                </p:txBody>
+              </p:sp>
+            </mc:Fallback>
+          </mc:AlternateContent>
+          <p:sp>
+            <p:nvSpPr>
+              <p:cNvPr id="48" name="Rectangle 47"/>
+              <p:cNvSpPr/>
+              <p:nvPr/>
+            </p:nvSpPr>
+            <p:spPr>
+              <a:xfrm rot="18506906">
+                <a:off x="3891181" y="2128949"/>
+                <a:ext cx="193165" cy="279042"/>
+              </a:xfrm>
+              <a:custGeom>
+                <a:avLst/>
+                <a:gdLst>
+                  <a:gd name="connsiteX0" fmla="*/ 0 w 222636"/>
+                  <a:gd name="connsiteY0" fmla="*/ 0 h 267694"/>
+                  <a:gd name="connsiteX1" fmla="*/ 222636 w 222636"/>
+                  <a:gd name="connsiteY1" fmla="*/ 0 h 267694"/>
+                  <a:gd name="connsiteX2" fmla="*/ 222636 w 222636"/>
+                  <a:gd name="connsiteY2" fmla="*/ 267694 h 267694"/>
+                  <a:gd name="connsiteX3" fmla="*/ 0 w 222636"/>
+                  <a:gd name="connsiteY3" fmla="*/ 267694 h 267694"/>
+                  <a:gd name="connsiteX4" fmla="*/ 0 w 222636"/>
+                  <a:gd name="connsiteY4" fmla="*/ 0 h 267694"/>
+                  <a:gd name="connsiteX0" fmla="*/ 0 w 222636"/>
+                  <a:gd name="connsiteY0" fmla="*/ 0 h 267694"/>
+                  <a:gd name="connsiteX1" fmla="*/ 189853 w 222636"/>
+                  <a:gd name="connsiteY1" fmla="*/ 22645 h 267694"/>
+                  <a:gd name="connsiteX2" fmla="*/ 222636 w 222636"/>
+                  <a:gd name="connsiteY2" fmla="*/ 267694 h 267694"/>
+                  <a:gd name="connsiteX3" fmla="*/ 0 w 222636"/>
+                  <a:gd name="connsiteY3" fmla="*/ 267694 h 267694"/>
+                  <a:gd name="connsiteX4" fmla="*/ 0 w 222636"/>
+                  <a:gd name="connsiteY4" fmla="*/ 0 h 267694"/>
+                  <a:gd name="connsiteX0" fmla="*/ 0 w 189853"/>
+                  <a:gd name="connsiteY0" fmla="*/ 0 h 276236"/>
+                  <a:gd name="connsiteX1" fmla="*/ 189853 w 189853"/>
+                  <a:gd name="connsiteY1" fmla="*/ 22645 h 276236"/>
+                  <a:gd name="connsiteX2" fmla="*/ 182040 w 189853"/>
+                  <a:gd name="connsiteY2" fmla="*/ 276236 h 276236"/>
+                  <a:gd name="connsiteX3" fmla="*/ 0 w 189853"/>
+                  <a:gd name="connsiteY3" fmla="*/ 267694 h 276236"/>
+                  <a:gd name="connsiteX4" fmla="*/ 0 w 189853"/>
+                  <a:gd name="connsiteY4" fmla="*/ 0 h 276236"/>
+                  <a:gd name="connsiteX0" fmla="*/ 24847 w 189853"/>
+                  <a:gd name="connsiteY0" fmla="*/ 0 h 279042"/>
+                  <a:gd name="connsiteX1" fmla="*/ 189853 w 189853"/>
+                  <a:gd name="connsiteY1" fmla="*/ 25451 h 279042"/>
+                  <a:gd name="connsiteX2" fmla="*/ 182040 w 189853"/>
+                  <a:gd name="connsiteY2" fmla="*/ 279042 h 279042"/>
+                  <a:gd name="connsiteX3" fmla="*/ 0 w 189853"/>
+                  <a:gd name="connsiteY3" fmla="*/ 270500 h 279042"/>
+                  <a:gd name="connsiteX4" fmla="*/ 24847 w 189853"/>
+                  <a:gd name="connsiteY4" fmla="*/ 0 h 279042"/>
+                  <a:gd name="connsiteX0" fmla="*/ 0 w 165006"/>
+                  <a:gd name="connsiteY0" fmla="*/ 0 h 279042"/>
+                  <a:gd name="connsiteX1" fmla="*/ 165006 w 165006"/>
+                  <a:gd name="connsiteY1" fmla="*/ 25451 h 279042"/>
+                  <a:gd name="connsiteX2" fmla="*/ 157193 w 165006"/>
+                  <a:gd name="connsiteY2" fmla="*/ 279042 h 279042"/>
+                  <a:gd name="connsiteX3" fmla="*/ 2075 w 165006"/>
+                  <a:gd name="connsiteY3" fmla="*/ 266046 h 279042"/>
+                  <a:gd name="connsiteX4" fmla="*/ 0 w 165006"/>
+                  <a:gd name="connsiteY4" fmla="*/ 0 h 279042"/>
+                  <a:gd name="connsiteX0" fmla="*/ 12417 w 177423"/>
+                  <a:gd name="connsiteY0" fmla="*/ 0 h 279042"/>
+                  <a:gd name="connsiteX1" fmla="*/ 177423 w 177423"/>
+                  <a:gd name="connsiteY1" fmla="*/ 25451 h 279042"/>
+                  <a:gd name="connsiteX2" fmla="*/ 169610 w 177423"/>
+                  <a:gd name="connsiteY2" fmla="*/ 279042 h 279042"/>
+                  <a:gd name="connsiteX3" fmla="*/ 25 w 177423"/>
+                  <a:gd name="connsiteY3" fmla="*/ 260611 h 279042"/>
+                  <a:gd name="connsiteX4" fmla="*/ 12417 w 177423"/>
+                  <a:gd name="connsiteY4" fmla="*/ 0 h 279042"/>
+                  <a:gd name="connsiteX0" fmla="*/ 12392 w 177398"/>
+                  <a:gd name="connsiteY0" fmla="*/ 0 h 279042"/>
+                  <a:gd name="connsiteX1" fmla="*/ 177398 w 177398"/>
+                  <a:gd name="connsiteY1" fmla="*/ 25451 h 279042"/>
+                  <a:gd name="connsiteX2" fmla="*/ 169585 w 177398"/>
+                  <a:gd name="connsiteY2" fmla="*/ 279042 h 279042"/>
+                  <a:gd name="connsiteX3" fmla="*/ 0 w 177398"/>
+                  <a:gd name="connsiteY3" fmla="*/ 260611 h 279042"/>
+                  <a:gd name="connsiteX4" fmla="*/ 12392 w 177398"/>
+                  <a:gd name="connsiteY4" fmla="*/ 0 h 279042"/>
+                  <a:gd name="connsiteX0" fmla="*/ 12392 w 177398"/>
+                  <a:gd name="connsiteY0" fmla="*/ 0 h 279042"/>
+                  <a:gd name="connsiteX1" fmla="*/ 177398 w 177398"/>
+                  <a:gd name="connsiteY1" fmla="*/ 25451 h 279042"/>
+                  <a:gd name="connsiteX2" fmla="*/ 169585 w 177398"/>
+                  <a:gd name="connsiteY2" fmla="*/ 279042 h 279042"/>
+                  <a:gd name="connsiteX3" fmla="*/ 0 w 177398"/>
+                  <a:gd name="connsiteY3" fmla="*/ 260611 h 279042"/>
+                  <a:gd name="connsiteX4" fmla="*/ 12392 w 177398"/>
+                  <a:gd name="connsiteY4" fmla="*/ 0 h 279042"/>
+                  <a:gd name="connsiteX0" fmla="*/ 12392 w 185844"/>
+                  <a:gd name="connsiteY0" fmla="*/ 0 h 279042"/>
+                  <a:gd name="connsiteX1" fmla="*/ 177398 w 185844"/>
+                  <a:gd name="connsiteY1" fmla="*/ 25451 h 279042"/>
+                  <a:gd name="connsiteX2" fmla="*/ 169585 w 185844"/>
+                  <a:gd name="connsiteY2" fmla="*/ 279042 h 279042"/>
+                  <a:gd name="connsiteX3" fmla="*/ 0 w 185844"/>
+                  <a:gd name="connsiteY3" fmla="*/ 260611 h 279042"/>
+                  <a:gd name="connsiteX4" fmla="*/ 12392 w 185844"/>
+                  <a:gd name="connsiteY4" fmla="*/ 0 h 279042"/>
+                  <a:gd name="connsiteX0" fmla="*/ 12392 w 196295"/>
+                  <a:gd name="connsiteY0" fmla="*/ 0 h 279042"/>
+                  <a:gd name="connsiteX1" fmla="*/ 177398 w 196295"/>
+                  <a:gd name="connsiteY1" fmla="*/ 25451 h 279042"/>
+                  <a:gd name="connsiteX2" fmla="*/ 169585 w 196295"/>
+                  <a:gd name="connsiteY2" fmla="*/ 279042 h 279042"/>
+                  <a:gd name="connsiteX3" fmla="*/ 0 w 196295"/>
+                  <a:gd name="connsiteY3" fmla="*/ 260611 h 279042"/>
+                  <a:gd name="connsiteX4" fmla="*/ 12392 w 196295"/>
+                  <a:gd name="connsiteY4" fmla="*/ 0 h 279042"/>
+                  <a:gd name="connsiteX0" fmla="*/ 12392 w 202940"/>
+                  <a:gd name="connsiteY0" fmla="*/ 0 h 279042"/>
+                  <a:gd name="connsiteX1" fmla="*/ 177398 w 202940"/>
+                  <a:gd name="connsiteY1" fmla="*/ 25451 h 279042"/>
+                  <a:gd name="connsiteX2" fmla="*/ 169585 w 202940"/>
+                  <a:gd name="connsiteY2" fmla="*/ 279042 h 279042"/>
+                  <a:gd name="connsiteX3" fmla="*/ 0 w 202940"/>
+                  <a:gd name="connsiteY3" fmla="*/ 260611 h 279042"/>
+                  <a:gd name="connsiteX4" fmla="*/ 12392 w 202940"/>
+                  <a:gd name="connsiteY4" fmla="*/ 0 h 279042"/>
+                  <a:gd name="connsiteX0" fmla="*/ 12392 w 198492"/>
+                  <a:gd name="connsiteY0" fmla="*/ 0 h 279042"/>
+                  <a:gd name="connsiteX1" fmla="*/ 177398 w 198492"/>
+                  <a:gd name="connsiteY1" fmla="*/ 25451 h 279042"/>
+                  <a:gd name="connsiteX2" fmla="*/ 169585 w 198492"/>
+                  <a:gd name="connsiteY2" fmla="*/ 279042 h 279042"/>
+                  <a:gd name="connsiteX3" fmla="*/ 0 w 198492"/>
+                  <a:gd name="connsiteY3" fmla="*/ 260611 h 279042"/>
+                  <a:gd name="connsiteX4" fmla="*/ 12392 w 198492"/>
+                  <a:gd name="connsiteY4" fmla="*/ 0 h 279042"/>
+                  <a:gd name="connsiteX0" fmla="*/ 12392 w 193165"/>
+                  <a:gd name="connsiteY0" fmla="*/ 0 h 279042"/>
+                  <a:gd name="connsiteX1" fmla="*/ 177398 w 193165"/>
+                  <a:gd name="connsiteY1" fmla="*/ 25451 h 279042"/>
+                  <a:gd name="connsiteX2" fmla="*/ 169585 w 193165"/>
+                  <a:gd name="connsiteY2" fmla="*/ 279042 h 279042"/>
+                  <a:gd name="connsiteX3" fmla="*/ 0 w 193165"/>
+                  <a:gd name="connsiteY3" fmla="*/ 260611 h 279042"/>
+                  <a:gd name="connsiteX4" fmla="*/ 12392 w 193165"/>
+                  <a:gd name="connsiteY4" fmla="*/ 0 h 279042"/>
+                  <a:gd name="connsiteX0" fmla="*/ 12392 w 193165"/>
+                  <a:gd name="connsiteY0" fmla="*/ 0 h 279042"/>
+                  <a:gd name="connsiteX1" fmla="*/ 177398 w 193165"/>
+                  <a:gd name="connsiteY1" fmla="*/ 25451 h 279042"/>
+                  <a:gd name="connsiteX2" fmla="*/ 169585 w 193165"/>
+                  <a:gd name="connsiteY2" fmla="*/ 279042 h 279042"/>
+                  <a:gd name="connsiteX3" fmla="*/ 0 w 193165"/>
+                  <a:gd name="connsiteY3" fmla="*/ 260611 h 279042"/>
+                  <a:gd name="connsiteX4" fmla="*/ 12392 w 193165"/>
+                  <a:gd name="connsiteY4" fmla="*/ 0 h 279042"/>
+                  <a:gd name="connsiteX0" fmla="*/ 12392 w 193165"/>
+                  <a:gd name="connsiteY0" fmla="*/ 0 h 279042"/>
+                  <a:gd name="connsiteX1" fmla="*/ 177398 w 193165"/>
+                  <a:gd name="connsiteY1" fmla="*/ 25451 h 279042"/>
+                  <a:gd name="connsiteX2" fmla="*/ 169585 w 193165"/>
+                  <a:gd name="connsiteY2" fmla="*/ 279042 h 279042"/>
+                  <a:gd name="connsiteX3" fmla="*/ 0 w 193165"/>
+                  <a:gd name="connsiteY3" fmla="*/ 260611 h 279042"/>
+                  <a:gd name="connsiteX4" fmla="*/ 12392 w 193165"/>
+                  <a:gd name="connsiteY4" fmla="*/ 0 h 279042"/>
+                  <a:gd name="connsiteX0" fmla="*/ 12392 w 193165"/>
+                  <a:gd name="connsiteY0" fmla="*/ 0 h 279042"/>
+                  <a:gd name="connsiteX1" fmla="*/ 177398 w 193165"/>
+                  <a:gd name="connsiteY1" fmla="*/ 25451 h 279042"/>
+                  <a:gd name="connsiteX2" fmla="*/ 169585 w 193165"/>
+                  <a:gd name="connsiteY2" fmla="*/ 279042 h 279042"/>
+                  <a:gd name="connsiteX3" fmla="*/ 0 w 193165"/>
+                  <a:gd name="connsiteY3" fmla="*/ 260611 h 279042"/>
+                  <a:gd name="connsiteX4" fmla="*/ 12392 w 193165"/>
+                  <a:gd name="connsiteY4" fmla="*/ 0 h 279042"/>
+                </a:gdLst>
+                <a:ahLst/>
+                <a:cxnLst>
+                  <a:cxn ang="0">
+                    <a:pos x="connsiteX0" y="connsiteY0"/>
+                  </a:cxn>
+                  <a:cxn ang="0">
+                    <a:pos x="connsiteX1" y="connsiteY1"/>
+                  </a:cxn>
+                  <a:cxn ang="0">
+                    <a:pos x="connsiteX2" y="connsiteY2"/>
+                  </a:cxn>
+                  <a:cxn ang="0">
+                    <a:pos x="connsiteX3" y="connsiteY3"/>
+                  </a:cxn>
+                  <a:cxn ang="0">
+                    <a:pos x="connsiteX4" y="connsiteY4"/>
+                  </a:cxn>
+                </a:cxnLst>
+                <a:rect l="l" t="t" r="r" b="b"/>
+                <a:pathLst>
+                  <a:path w="193165" h="279042">
+                    <a:moveTo>
+                      <a:pt x="12392" y="0"/>
+                    </a:moveTo>
+                    <a:lnTo>
+                      <a:pt x="177398" y="25451"/>
+                    </a:lnTo>
+                    <a:cubicBezTo>
+                      <a:pt x="205011" y="109678"/>
+                      <a:pt x="192457" y="198725"/>
+                      <a:pt x="169585" y="279042"/>
+                    </a:cubicBezTo>
+                    <a:lnTo>
+                      <a:pt x="0" y="260611"/>
+                    </a:lnTo>
+                    <a:cubicBezTo>
+                      <a:pt x="20002" y="172419"/>
+                      <a:pt x="28406" y="86669"/>
+                      <a:pt x="12392" y="0"/>
+                    </a:cubicBezTo>
+                    <a:close/>
+                  </a:path>
+                </a:pathLst>
+              </a:custGeom>
+              <a:solidFill>
+                <a:schemeClr val="tx1">
+                  <a:alpha val="42000"/>
+                </a:schemeClr>
+              </a:solidFill>
+              <a:ln w="12700">
+                <a:solidFill>
+                  <a:schemeClr val="tx1"/>
+                </a:solidFill>
+              </a:ln>
+            </p:spPr>
+            <p:style>
+              <a:lnRef idx="2">
+                <a:schemeClr val="accent1">
+                  <a:shade val="50000"/>
+                </a:schemeClr>
+              </a:lnRef>
+              <a:fillRef idx="1">
+                <a:schemeClr val="accent1"/>
+              </a:fillRef>
+              <a:effectRef idx="0">
+                <a:schemeClr val="accent1"/>
+              </a:effectRef>
+              <a:fontRef idx="minor">
+                <a:schemeClr val="lt1"/>
+              </a:fontRef>
+            </p:style>
+            <p:txBody>
+              <a:bodyPr rtlCol="0" anchor="ctr"/>
+              <a:lstStyle/>
+              <a:p>
+                <a:pPr algn="ctr"/>
+                <a:endParaRPr lang="en-US"/>
+              </a:p>
+            </p:txBody>
+          </p:sp>
+          <p:cxnSp>
+            <p:nvCxnSpPr>
+              <p:cNvPr id="37" name="Straight Arrow Connector 36"/>
+              <p:cNvCxnSpPr/>
+              <p:nvPr/>
+            </p:nvCxnSpPr>
+            <p:spPr>
+              <a:xfrm flipV="1">
+                <a:off x="3987763" y="1905767"/>
+                <a:ext cx="351681" cy="362703"/>
+              </a:xfrm>
+              <a:prstGeom prst="straightConnector1">
+                <a:avLst/>
+              </a:prstGeom>
+              <a:ln w="38100">
+                <a:solidFill>
+                  <a:srgbClr val="FF0000"/>
+                </a:solidFill>
+                <a:tailEnd type="triangle"/>
+              </a:ln>
+            </p:spPr>
+            <p:style>
+              <a:lnRef idx="1">
+                <a:schemeClr val="accent1"/>
+              </a:lnRef>
+              <a:fillRef idx="0">
+                <a:schemeClr val="accent1"/>
+              </a:fillRef>
+              <a:effectRef idx="0">
+                <a:schemeClr val="accent1"/>
+              </a:effectRef>
+              <a:fontRef idx="minor">
+                <a:schemeClr val="tx1"/>
+              </a:fontRef>
+            </p:style>
+          </p:cxnSp>
+          <mc:AlternateContent xmlns:mc="http://schemas.openxmlformats.org/markup-compatibility/2006">
+            <mc:Choice xmlns:a14="http://schemas.microsoft.com/office/drawing/2010/main" Requires="a14">
+              <p:sp>
+                <p:nvSpPr>
+                  <p:cNvPr id="51" name="TextBox 50"/>
+                  <p:cNvSpPr txBox="1"/>
+                  <p:nvPr/>
+                </p:nvSpPr>
+                <p:spPr>
+                  <a:xfrm>
+                    <a:off x="4374105" y="1789972"/>
+                    <a:ext cx="392159" cy="347146"/>
+                  </a:xfrm>
+                  <a:prstGeom prst="rect">
+                    <a:avLst/>
+                  </a:prstGeom>
+                  <a:noFill/>
+                </p:spPr>
+                <p:txBody>
+                  <a:bodyPr wrap="none" lIns="0" tIns="0" rIns="0" bIns="0" rtlCol="0">
+                    <a:spAutoFit/>
+                  </a:bodyPr>
+                  <a:lstStyle/>
+                  <a:p>
+                    <a14:m>
+                      <m:oMathPara xmlns:m="http://schemas.openxmlformats.org/officeDocument/2006/math">
+                        <m:oMathParaPr>
+                          <m:jc m:val="centerGroup"/>
+                        </m:oMathParaPr>
+                        <m:oMath xmlns:m="http://schemas.openxmlformats.org/officeDocument/2006/math">
+                          <m:r>
+                            <a:rPr lang="en-US" sz="2000" b="0" i="1" smtClean="0">
+                              <a:solidFill>
+                                <a:srgbClr val="FF0000"/>
+                              </a:solidFill>
+                              <a:latin typeface="Cambria Math" panose="02040503050406030204" pitchFamily="18" charset="0"/>
+                              <a:cs typeface="Arial" panose="020B0604020202020204" pitchFamily="34" charset="0"/>
+                            </a:rPr>
+                            <m:t>𝑑</m:t>
+                          </m:r>
+                          <m:acc>
+                            <m:accPr>
+                              <m:chr m:val="⃗"/>
+                              <m:ctrlPr>
+                                <a:rPr lang="en-US" sz="2000" b="0" i="1" smtClean="0">
+                                  <a:solidFill>
+                                    <a:srgbClr val="FF0000"/>
+                                  </a:solidFill>
+                                  <a:latin typeface="Cambria Math" panose="02040503050406030204" pitchFamily="18" charset="0"/>
+                                  <a:cs typeface="Arial" panose="020B0604020202020204" pitchFamily="34" charset="0"/>
+                                </a:rPr>
+                              </m:ctrlPr>
+                            </m:accPr>
+                            <m:e>
+                              <m:r>
+                                <a:rPr lang="en-US" sz="2000" b="0" i="1" smtClean="0">
+                                  <a:solidFill>
+                                    <a:srgbClr val="FF0000"/>
+                                  </a:solidFill>
+                                  <a:latin typeface="Cambria Math" panose="02040503050406030204" pitchFamily="18" charset="0"/>
+                                  <a:cs typeface="Arial" panose="020B0604020202020204" pitchFamily="34" charset="0"/>
+                                </a:rPr>
+                                <m:t>𝐴</m:t>
+                              </m:r>
+                            </m:e>
+                          </m:acc>
+                        </m:oMath>
+                      </m:oMathPara>
+                    </a14:m>
+                    <a:endParaRPr lang="en-US" sz="2000" dirty="0" smtClean="0">
+                      <a:solidFill>
+                        <a:srgbClr val="FF0000"/>
+                      </a:solidFill>
+                      <a:latin typeface="Arial" panose="020B0604020202020204" pitchFamily="34" charset="0"/>
+                      <a:cs typeface="Arial" panose="020B0604020202020204" pitchFamily="34" charset="0"/>
+                    </a:endParaRPr>
+                  </a:p>
+                </p:txBody>
+              </p:sp>
+            </mc:Choice>
+            <mc:Fallback>
+              <p:sp>
+                <p:nvSpPr>
+                  <p:cNvPr id="51" name="TextBox 50"/>
+                  <p:cNvSpPr txBox="1">
+                    <a:spLocks noRot="1" noChangeAspect="1" noMove="1" noResize="1" noEditPoints="1" noAdjustHandles="1" noChangeArrowheads="1" noChangeShapeType="1" noTextEdit="1"/>
+                  </p:cNvSpPr>
+                  <p:nvPr/>
+                </p:nvSpPr>
+                <p:spPr>
+                  <a:xfrm>
+                    <a:off x="4374105" y="1789972"/>
+                    <a:ext cx="392159" cy="347146"/>
+                  </a:xfrm>
+                  <a:prstGeom prst="rect">
+                    <a:avLst/>
+                  </a:prstGeom>
+                  <a:blipFill>
+                    <a:blip r:embed="rId4"/>
+                    <a:stretch>
+                      <a:fillRect l="-13846" t="-33333" r="-98462" b="-8772"/>
+                    </a:stretch>
+                  </a:blipFill>
+                </p:spPr>
+                <p:txBody>
+                  <a:bodyPr/>
+                  <a:lstStyle/>
+                  <a:p>
+                    <a:r>
+                      <a:rPr lang="en-US">
+                        <a:noFill/>
+                      </a:rPr>
+                      <a:t> </a:t>
+                    </a:r>
+                  </a:p>
+                </p:txBody>
+              </p:sp>
+            </mc:Fallback>
+          </mc:AlternateContent>
+          <mc:AlternateContent xmlns:mc="http://schemas.openxmlformats.org/markup-compatibility/2006">
+            <mc:Choice xmlns:a14="http://schemas.microsoft.com/office/drawing/2010/main" Requires="a14">
+              <p:sp>
+                <p:nvSpPr>
+                  <p:cNvPr id="57" name="TextBox 56"/>
+                  <p:cNvSpPr txBox="1"/>
+                  <p:nvPr/>
+                </p:nvSpPr>
+                <p:spPr>
+                  <a:xfrm>
+                    <a:off x="4268211" y="3838006"/>
+                    <a:ext cx="211788" cy="307777"/>
+                  </a:xfrm>
+                  <a:prstGeom prst="rect">
+                    <a:avLst/>
+                  </a:prstGeom>
+                  <a:noFill/>
+                </p:spPr>
+                <p:txBody>
+                  <a:bodyPr wrap="none" lIns="0" tIns="0" rIns="0" bIns="0" rtlCol="0">
+                    <a:spAutoFit/>
+                  </a:bodyPr>
+                  <a:lstStyle/>
+                  <a:p>
+                    <a14:m>
+                      <m:oMathPara xmlns:m="http://schemas.openxmlformats.org/officeDocument/2006/math">
+                        <m:oMathParaPr>
+                          <m:jc m:val="centerGroup"/>
+                        </m:oMathParaPr>
+                        <m:oMath xmlns:m="http://schemas.openxmlformats.org/officeDocument/2006/math">
+                          <m:r>
+                            <a:rPr lang="en-US" sz="2000" b="0" i="1" smtClean="0">
+                              <a:latin typeface="Cambria Math" panose="02040503050406030204" pitchFamily="18" charset="0"/>
+                              <a:cs typeface="Arial" panose="020B0604020202020204" pitchFamily="34" charset="0"/>
+                            </a:rPr>
+                            <m:t>𝑆</m:t>
+                          </m:r>
+                        </m:oMath>
+                      </m:oMathPara>
+                    </a14:m>
+                    <a:endParaRPr lang="en-US" sz="2000" dirty="0" smtClean="0">
+                      <a:latin typeface="Arial" panose="020B0604020202020204" pitchFamily="34" charset="0"/>
+                      <a:cs typeface="Arial" panose="020B0604020202020204" pitchFamily="34" charset="0"/>
+                    </a:endParaRPr>
+                  </a:p>
+                </p:txBody>
+              </p:sp>
+            </mc:Choice>
+            <mc:Fallback>
+              <p:sp>
+                <p:nvSpPr>
+                  <p:cNvPr id="57" name="TextBox 56"/>
+                  <p:cNvSpPr txBox="1">
+                    <a:spLocks noRot="1" noChangeAspect="1" noMove="1" noResize="1" noEditPoints="1" noAdjustHandles="1" noChangeArrowheads="1" noChangeShapeType="1" noTextEdit="1"/>
+                  </p:cNvSpPr>
+                  <p:nvPr/>
+                </p:nvSpPr>
+                <p:spPr>
+                  <a:xfrm>
+                    <a:off x="4268211" y="3838006"/>
+                    <a:ext cx="211788" cy="307777"/>
+                  </a:xfrm>
+                  <a:prstGeom prst="rect">
+                    <a:avLst/>
+                  </a:prstGeom>
+                  <a:blipFill>
+                    <a:blip r:embed="rId5"/>
+                    <a:stretch>
+                      <a:fillRect l="-25714" r="-20000" b="-9804"/>
                     </a:stretch>
                   </a:blipFill>
                 </p:spPr>
@@ -10326,118 +12268,142 @@
             </mc:Fallback>
           </mc:AlternateContent>
         </p:grpSp>
-        <p:sp>
-          <p:nvSpPr>
-            <p:cNvPr id="115" name="Arc 114"/>
-            <p:cNvSpPr/>
-            <p:nvPr/>
-          </p:nvSpPr>
-          <p:spPr>
-            <a:xfrm>
-              <a:off x="2916847" y="3705225"/>
-              <a:ext cx="2120801" cy="268934"/>
-            </a:xfrm>
-            <a:prstGeom prst="arc">
-              <a:avLst>
-                <a:gd name="adj1" fmla="val 10819517"/>
-                <a:gd name="adj2" fmla="val 21596417"/>
-              </a:avLst>
-            </a:prstGeom>
-            <a:ln w="19050">
-              <a:solidFill>
-                <a:schemeClr val="tx1"/>
-              </a:solidFill>
-              <a:prstDash val="sysDash"/>
-            </a:ln>
-          </p:spPr>
-          <p:style>
-            <a:lnRef idx="1">
-              <a:schemeClr val="accent1"/>
-            </a:lnRef>
-            <a:fillRef idx="0">
-              <a:schemeClr val="accent1"/>
-            </a:fillRef>
-            <a:effectRef idx="0">
-              <a:schemeClr val="accent1"/>
-            </a:effectRef>
-            <a:fontRef idx="minor">
-              <a:schemeClr val="tx1"/>
-            </a:fontRef>
-          </p:style>
-          <p:txBody>
-            <a:bodyPr rtlCol="0" anchor="ctr"/>
-            <a:lstStyle/>
-            <a:p>
-              <a:pPr algn="ctr"/>
-              <a:endParaRPr lang="en-US"/>
-            </a:p>
-          </p:txBody>
-        </p:sp>
-        <p:sp>
-          <p:nvSpPr>
-            <p:cNvPr id="116" name="Arc 115"/>
-            <p:cNvSpPr/>
-            <p:nvPr/>
-          </p:nvSpPr>
-          <p:spPr>
-            <a:xfrm>
-              <a:off x="2933137" y="3709283"/>
-              <a:ext cx="2120801" cy="268934"/>
-            </a:xfrm>
-            <a:prstGeom prst="arc">
-              <a:avLst>
-                <a:gd name="adj1" fmla="val 31471"/>
-                <a:gd name="adj2" fmla="val 10840678"/>
-              </a:avLst>
-            </a:prstGeom>
-            <a:ln w="19050">
-              <a:solidFill>
-                <a:schemeClr val="tx1"/>
-              </a:solidFill>
-            </a:ln>
-          </p:spPr>
-          <p:style>
-            <a:lnRef idx="1">
-              <a:schemeClr val="accent1"/>
-            </a:lnRef>
-            <a:fillRef idx="0">
-              <a:schemeClr val="accent1"/>
-            </a:fillRef>
-            <a:effectRef idx="0">
-              <a:schemeClr val="accent1"/>
-            </a:effectRef>
-            <a:fontRef idx="minor">
-              <a:schemeClr val="tx1"/>
-            </a:fontRef>
-          </p:style>
-          <p:txBody>
-            <a:bodyPr rtlCol="0" anchor="ctr"/>
-            <a:lstStyle/>
-            <a:p>
-              <a:pPr algn="ctr"/>
-              <a:endParaRPr lang="en-US"/>
-            </a:p>
-          </p:txBody>
-        </p:sp>
+        <mc:AlternateContent xmlns:mc="http://schemas.openxmlformats.org/markup-compatibility/2006">
+          <mc:Choice xmlns:a14="http://schemas.microsoft.com/office/drawing/2010/main" Requires="a14">
+            <p:sp>
+              <p:nvSpPr>
+                <p:cNvPr id="59" name="TextBox 58"/>
+                <p:cNvSpPr txBox="1"/>
+                <p:nvPr/>
+              </p:nvSpPr>
+              <p:spPr>
+                <a:xfrm>
+                  <a:off x="3639499" y="2321129"/>
+                  <a:ext cx="561500" cy="307777"/>
+                </a:xfrm>
+                <a:prstGeom prst="rect">
+                  <a:avLst/>
+                </a:prstGeom>
+                <a:noFill/>
+              </p:spPr>
+              <p:txBody>
+                <a:bodyPr wrap="none" lIns="0" tIns="0" rIns="0" bIns="0" rtlCol="0">
+                  <a:spAutoFit/>
+                </a:bodyPr>
+                <a:lstStyle/>
+                <a:p>
+                  <a14:m>
+                    <m:oMathPara xmlns:m="http://schemas.openxmlformats.org/officeDocument/2006/math">
+                      <m:oMathParaPr>
+                        <m:jc m:val="centerGroup"/>
+                      </m:oMathParaPr>
+                      <m:oMath xmlns:m="http://schemas.openxmlformats.org/officeDocument/2006/math">
+                        <m:r>
+                          <a:rPr lang="en-US" sz="2000" b="0" i="1" smtClean="0">
+                            <a:latin typeface="Cambria Math" panose="02040503050406030204" pitchFamily="18" charset="0"/>
+                            <a:cs typeface="Arial" panose="020B0604020202020204" pitchFamily="34" charset="0"/>
+                          </a:rPr>
+                          <m:t>𝑀</m:t>
+                        </m:r>
+                        <m:r>
+                          <a:rPr lang="en-US" sz="2000" b="0" i="1" smtClean="0">
+                            <a:latin typeface="Cambria Math" panose="02040503050406030204" pitchFamily="18" charset="0"/>
+                            <a:cs typeface="Arial" panose="020B0604020202020204" pitchFamily="34" charset="0"/>
+                          </a:rPr>
+                          <m:t>,</m:t>
+                        </m:r>
+                        <m:r>
+                          <a:rPr lang="en-US" sz="2000" b="0" i="1" smtClean="0">
+                            <a:latin typeface="Cambria Math" panose="02040503050406030204" pitchFamily="18" charset="0"/>
+                            <a:cs typeface="Arial" panose="020B0604020202020204" pitchFamily="34" charset="0"/>
+                          </a:rPr>
+                          <m:t>𝑅</m:t>
+                        </m:r>
+                      </m:oMath>
+                    </m:oMathPara>
+                  </a14:m>
+                  <a:endParaRPr lang="en-US" sz="2000" dirty="0" smtClean="0">
+                    <a:latin typeface="Arial" panose="020B0604020202020204" pitchFamily="34" charset="0"/>
+                    <a:cs typeface="Arial" panose="020B0604020202020204" pitchFamily="34" charset="0"/>
+                  </a:endParaRPr>
+                </a:p>
+              </p:txBody>
+            </p:sp>
+          </mc:Choice>
+          <mc:Fallback>
+            <p:sp>
+              <p:nvSpPr>
+                <p:cNvPr id="59" name="TextBox 58"/>
+                <p:cNvSpPr txBox="1">
+                  <a:spLocks noRot="1" noChangeAspect="1" noMove="1" noResize="1" noEditPoints="1" noAdjustHandles="1" noChangeArrowheads="1" noChangeShapeType="1" noTextEdit="1"/>
+                </p:cNvSpPr>
+                <p:nvPr/>
+              </p:nvSpPr>
+              <p:spPr>
+                <a:xfrm>
+                  <a:off x="3639499" y="2321129"/>
+                  <a:ext cx="561500" cy="307777"/>
+                </a:xfrm>
+                <a:prstGeom prst="rect">
+                  <a:avLst/>
+                </a:prstGeom>
+                <a:blipFill>
+                  <a:blip r:embed="rId6"/>
+                  <a:stretch>
+                    <a:fillRect l="-8696" r="-8696" b="-9804"/>
+                  </a:stretch>
+                </a:blipFill>
+              </p:spPr>
+              <p:txBody>
+                <a:bodyPr/>
+                <a:lstStyle/>
+                <a:p>
+                  <a:r>
+                    <a:rPr lang="en-US">
+                      <a:noFill/>
+                    </a:rPr>
+                    <a:t> </a:t>
+                  </a:r>
+                </a:p>
+              </p:txBody>
+            </p:sp>
+          </mc:Fallback>
+        </mc:AlternateContent>
+      </p:grpSp>
+      <p:grpSp>
+        <p:nvGrpSpPr>
+          <p:cNvPr id="82" name="Group 81"/>
+          <p:cNvGrpSpPr/>
+          <p:nvPr/>
+        </p:nvGrpSpPr>
+        <p:grpSpPr>
+          <a:xfrm>
+            <a:off x="4215166" y="672648"/>
+            <a:ext cx="3029936" cy="2924096"/>
+            <a:chOff x="4103967" y="952131"/>
+            <a:chExt cx="3029936" cy="2924096"/>
+          </a:xfrm>
+        </p:grpSpPr>
         <p:cxnSp>
           <p:nvCxnSpPr>
-            <p:cNvPr id="177" name="Straight Connector 176"/>
+            <p:cNvPr id="76" name="Straight Arrow Connector 75"/>
             <p:cNvCxnSpPr/>
             <p:nvPr/>
           </p:nvCxnSpPr>
           <p:spPr>
-            <a:xfrm flipV="1">
-              <a:off x="3969787" y="3877177"/>
-              <a:ext cx="1100827" cy="512056"/>
+            <a:xfrm flipH="1">
+              <a:off x="5707559" y="2031619"/>
+              <a:ext cx="248142" cy="269429"/>
             </a:xfrm>
-            <a:prstGeom prst="line">
+            <a:prstGeom prst="straightConnector1">
               <a:avLst/>
             </a:prstGeom>
-            <a:ln w="19050">
+            <a:ln w="22225">
               <a:solidFill>
                 <a:schemeClr val="tx1"/>
               </a:solidFill>
-              <a:prstDash val="sysDot"/>
+              <a:prstDash val="solid"/>
+              <a:tailEnd type="triangle"/>
             </a:ln>
           </p:spPr>
           <p:style>
@@ -10455,21 +12421,432 @@
             </a:fontRef>
           </p:style>
         </p:cxnSp>
+        <p:grpSp>
+          <p:nvGrpSpPr>
+            <p:cNvPr id="61" name="Group 60"/>
+            <p:cNvGrpSpPr/>
+            <p:nvPr/>
+          </p:nvGrpSpPr>
+          <p:grpSpPr>
+            <a:xfrm>
+              <a:off x="4946322" y="1792672"/>
+              <a:ext cx="1345224" cy="1345224"/>
+              <a:chOff x="5099538" y="1274206"/>
+              <a:chExt cx="2365131" cy="2365130"/>
+            </a:xfrm>
+          </p:grpSpPr>
+          <p:sp>
+            <p:nvSpPr>
+              <p:cNvPr id="62" name="Oval 61"/>
+              <p:cNvSpPr/>
+              <p:nvPr/>
+            </p:nvSpPr>
+            <p:spPr>
+              <a:xfrm>
+                <a:off x="5099539" y="1274206"/>
+                <a:ext cx="2365130" cy="2365130"/>
+              </a:xfrm>
+              <a:prstGeom prst="ellipse">
+                <a:avLst/>
+              </a:prstGeom>
+              <a:noFill/>
+              <a:ln w="38100">
+                <a:solidFill>
+                  <a:schemeClr val="tx1"/>
+                </a:solidFill>
+              </a:ln>
+            </p:spPr>
+            <p:style>
+              <a:lnRef idx="2">
+                <a:schemeClr val="accent1">
+                  <a:shade val="50000"/>
+                </a:schemeClr>
+              </a:lnRef>
+              <a:fillRef idx="1">
+                <a:schemeClr val="accent1"/>
+              </a:fillRef>
+              <a:effectRef idx="0">
+                <a:schemeClr val="accent1"/>
+              </a:effectRef>
+              <a:fontRef idx="minor">
+                <a:schemeClr val="lt1"/>
+              </a:fontRef>
+            </p:style>
+            <p:txBody>
+              <a:bodyPr rtlCol="0" anchor="ctr"/>
+              <a:lstStyle/>
+              <a:p>
+                <a:pPr algn="ctr"/>
+                <a:endParaRPr lang="en-US"/>
+              </a:p>
+            </p:txBody>
+          </p:sp>
+          <p:sp>
+            <p:nvSpPr>
+              <p:cNvPr id="63" name="Arc 62"/>
+              <p:cNvSpPr/>
+              <p:nvPr/>
+            </p:nvSpPr>
+            <p:spPr>
+              <a:xfrm>
+                <a:off x="5099538" y="2333845"/>
+                <a:ext cx="2365130" cy="402721"/>
+              </a:xfrm>
+              <a:prstGeom prst="arc">
+                <a:avLst>
+                  <a:gd name="adj1" fmla="val 31471"/>
+                  <a:gd name="adj2" fmla="val 10840678"/>
+                </a:avLst>
+              </a:prstGeom>
+              <a:ln w="38100">
+                <a:solidFill>
+                  <a:schemeClr val="tx1"/>
+                </a:solidFill>
+              </a:ln>
+            </p:spPr>
+            <p:style>
+              <a:lnRef idx="1">
+                <a:schemeClr val="accent1"/>
+              </a:lnRef>
+              <a:fillRef idx="0">
+                <a:schemeClr val="accent1"/>
+              </a:fillRef>
+              <a:effectRef idx="0">
+                <a:schemeClr val="accent1"/>
+              </a:effectRef>
+              <a:fontRef idx="minor">
+                <a:schemeClr val="tx1"/>
+              </a:fontRef>
+            </p:style>
+            <p:txBody>
+              <a:bodyPr rtlCol="0" anchor="ctr"/>
+              <a:lstStyle/>
+              <a:p>
+                <a:pPr algn="ctr"/>
+                <a:endParaRPr lang="en-US"/>
+              </a:p>
+            </p:txBody>
+          </p:sp>
+          <p:sp>
+            <p:nvSpPr>
+              <p:cNvPr id="64" name="Arc 63"/>
+              <p:cNvSpPr/>
+              <p:nvPr/>
+            </p:nvSpPr>
+            <p:spPr>
+              <a:xfrm>
+                <a:off x="5099538" y="2318331"/>
+                <a:ext cx="2365130" cy="402721"/>
+              </a:xfrm>
+              <a:prstGeom prst="arc">
+                <a:avLst>
+                  <a:gd name="adj1" fmla="val 10819517"/>
+                  <a:gd name="adj2" fmla="val 21596417"/>
+                </a:avLst>
+              </a:prstGeom>
+              <a:ln w="38100">
+                <a:solidFill>
+                  <a:schemeClr val="tx1"/>
+                </a:solidFill>
+                <a:prstDash val="sysDash"/>
+              </a:ln>
+            </p:spPr>
+            <p:style>
+              <a:lnRef idx="1">
+                <a:schemeClr val="accent1"/>
+              </a:lnRef>
+              <a:fillRef idx="0">
+                <a:schemeClr val="accent1"/>
+              </a:fillRef>
+              <a:effectRef idx="0">
+                <a:schemeClr val="accent1"/>
+              </a:effectRef>
+              <a:fontRef idx="minor">
+                <a:schemeClr val="tx1"/>
+              </a:fontRef>
+            </p:style>
+            <p:txBody>
+              <a:bodyPr rtlCol="0" anchor="ctr"/>
+              <a:lstStyle/>
+              <a:p>
+                <a:pPr algn="ctr"/>
+                <a:endParaRPr lang="en-US"/>
+              </a:p>
+            </p:txBody>
+          </p:sp>
+        </p:grpSp>
+        <p:grpSp>
+          <p:nvGrpSpPr>
+            <p:cNvPr id="66" name="Group 65"/>
+            <p:cNvGrpSpPr/>
+            <p:nvPr/>
+          </p:nvGrpSpPr>
+          <p:grpSpPr>
+            <a:xfrm>
+              <a:off x="4103967" y="952131"/>
+              <a:ext cx="3029936" cy="2873420"/>
+              <a:chOff x="5099538" y="1274206"/>
+              <a:chExt cx="2365131" cy="2365130"/>
+            </a:xfrm>
+          </p:grpSpPr>
+          <p:sp>
+            <p:nvSpPr>
+              <p:cNvPr id="67" name="Oval 66"/>
+              <p:cNvSpPr/>
+              <p:nvPr/>
+            </p:nvSpPr>
+            <p:spPr>
+              <a:xfrm>
+                <a:off x="5099539" y="1274206"/>
+                <a:ext cx="2365130" cy="2365130"/>
+              </a:xfrm>
+              <a:prstGeom prst="ellipse">
+                <a:avLst/>
+              </a:prstGeom>
+              <a:noFill/>
+              <a:ln w="38100">
+                <a:solidFill>
+                  <a:schemeClr val="tx1"/>
+                </a:solidFill>
+              </a:ln>
+            </p:spPr>
+            <p:style>
+              <a:lnRef idx="2">
+                <a:schemeClr val="accent1">
+                  <a:shade val="50000"/>
+                </a:schemeClr>
+              </a:lnRef>
+              <a:fillRef idx="1">
+                <a:schemeClr val="accent1"/>
+              </a:fillRef>
+              <a:effectRef idx="0">
+                <a:schemeClr val="accent1"/>
+              </a:effectRef>
+              <a:fontRef idx="minor">
+                <a:schemeClr val="lt1"/>
+              </a:fontRef>
+            </p:style>
+            <p:txBody>
+              <a:bodyPr rtlCol="0" anchor="ctr"/>
+              <a:lstStyle/>
+              <a:p>
+                <a:pPr algn="ctr"/>
+                <a:endParaRPr lang="en-US"/>
+              </a:p>
+            </p:txBody>
+          </p:sp>
+          <p:sp>
+            <p:nvSpPr>
+              <p:cNvPr id="68" name="Arc 67"/>
+              <p:cNvSpPr/>
+              <p:nvPr/>
+            </p:nvSpPr>
+            <p:spPr>
+              <a:xfrm>
+                <a:off x="5099538" y="2333845"/>
+                <a:ext cx="2365130" cy="402721"/>
+              </a:xfrm>
+              <a:prstGeom prst="arc">
+                <a:avLst>
+                  <a:gd name="adj1" fmla="val 31471"/>
+                  <a:gd name="adj2" fmla="val 10840678"/>
+                </a:avLst>
+              </a:prstGeom>
+              <a:ln w="38100">
+                <a:solidFill>
+                  <a:schemeClr val="tx1"/>
+                </a:solidFill>
+              </a:ln>
+            </p:spPr>
+            <p:style>
+              <a:lnRef idx="1">
+                <a:schemeClr val="accent1"/>
+              </a:lnRef>
+              <a:fillRef idx="0">
+                <a:schemeClr val="accent1"/>
+              </a:fillRef>
+              <a:effectRef idx="0">
+                <a:schemeClr val="accent1"/>
+              </a:effectRef>
+              <a:fontRef idx="minor">
+                <a:schemeClr val="tx1"/>
+              </a:fontRef>
+            </p:style>
+            <p:txBody>
+              <a:bodyPr rtlCol="0" anchor="ctr"/>
+              <a:lstStyle/>
+              <a:p>
+                <a:pPr algn="ctr"/>
+                <a:endParaRPr lang="en-US"/>
+              </a:p>
+            </p:txBody>
+          </p:sp>
+          <p:sp>
+            <p:nvSpPr>
+              <p:cNvPr id="69" name="Arc 68"/>
+              <p:cNvSpPr/>
+              <p:nvPr/>
+            </p:nvSpPr>
+            <p:spPr>
+              <a:xfrm>
+                <a:off x="5099538" y="2318331"/>
+                <a:ext cx="2365130" cy="402721"/>
+              </a:xfrm>
+              <a:prstGeom prst="arc">
+                <a:avLst>
+                  <a:gd name="adj1" fmla="val 10819517"/>
+                  <a:gd name="adj2" fmla="val 21596417"/>
+                </a:avLst>
+              </a:prstGeom>
+              <a:ln w="38100">
+                <a:solidFill>
+                  <a:schemeClr val="tx1"/>
+                </a:solidFill>
+                <a:prstDash val="sysDash"/>
+              </a:ln>
+            </p:spPr>
+            <p:style>
+              <a:lnRef idx="1">
+                <a:schemeClr val="accent1"/>
+              </a:lnRef>
+              <a:fillRef idx="0">
+                <a:schemeClr val="accent1"/>
+              </a:fillRef>
+              <a:effectRef idx="0">
+                <a:schemeClr val="accent1"/>
+              </a:effectRef>
+              <a:fontRef idx="minor">
+                <a:schemeClr val="tx1"/>
+              </a:fontRef>
+            </p:style>
+            <p:txBody>
+              <a:bodyPr rtlCol="0" anchor="ctr"/>
+              <a:lstStyle/>
+              <a:p>
+                <a:pPr algn="ctr"/>
+                <a:endParaRPr lang="en-US"/>
+              </a:p>
+            </p:txBody>
+          </p:sp>
+        </p:grpSp>
+        <mc:AlternateContent xmlns:mc="http://schemas.openxmlformats.org/markup-compatibility/2006">
+          <mc:Choice xmlns:a14="http://schemas.microsoft.com/office/drawing/2010/main" Requires="a14">
+            <p:sp>
+              <p:nvSpPr>
+                <p:cNvPr id="70" name="TextBox 69"/>
+                <p:cNvSpPr txBox="1"/>
+                <p:nvPr/>
+              </p:nvSpPr>
+              <p:spPr>
+                <a:xfrm>
+                  <a:off x="6463180" y="3568450"/>
+                  <a:ext cx="561500" cy="307777"/>
+                </a:xfrm>
+                <a:prstGeom prst="rect">
+                  <a:avLst/>
+                </a:prstGeom>
+                <a:noFill/>
+              </p:spPr>
+              <p:txBody>
+                <a:bodyPr wrap="none" lIns="0" tIns="0" rIns="0" bIns="0" rtlCol="0">
+                  <a:spAutoFit/>
+                </a:bodyPr>
+                <a:lstStyle/>
+                <a:p>
+                  <a14:m>
+                    <m:oMathPara xmlns:m="http://schemas.openxmlformats.org/officeDocument/2006/math">
+                      <m:oMathParaPr>
+                        <m:jc m:val="centerGroup"/>
+                      </m:oMathParaPr>
+                      <m:oMath xmlns:m="http://schemas.openxmlformats.org/officeDocument/2006/math">
+                        <m:r>
+                          <a:rPr lang="en-US" sz="2000" b="0" i="1" smtClean="0">
+                            <a:latin typeface="Cambria Math" panose="02040503050406030204" pitchFamily="18" charset="0"/>
+                            <a:cs typeface="Arial" panose="020B0604020202020204" pitchFamily="34" charset="0"/>
+                          </a:rPr>
+                          <m:t>𝑀</m:t>
+                        </m:r>
+                        <m:r>
+                          <a:rPr lang="en-US" sz="2000" b="0" i="1" smtClean="0">
+                            <a:latin typeface="Cambria Math" panose="02040503050406030204" pitchFamily="18" charset="0"/>
+                            <a:cs typeface="Arial" panose="020B0604020202020204" pitchFamily="34" charset="0"/>
+                          </a:rPr>
+                          <m:t>,</m:t>
+                        </m:r>
+                        <m:r>
+                          <a:rPr lang="en-US" sz="2000" b="0" i="1" smtClean="0">
+                            <a:latin typeface="Cambria Math" panose="02040503050406030204" pitchFamily="18" charset="0"/>
+                            <a:cs typeface="Arial" panose="020B0604020202020204" pitchFamily="34" charset="0"/>
+                          </a:rPr>
+                          <m:t>𝑅</m:t>
+                        </m:r>
+                      </m:oMath>
+                    </m:oMathPara>
+                  </a14:m>
+                  <a:endParaRPr lang="en-US" sz="2000" dirty="0" smtClean="0">
+                    <a:latin typeface="Arial" panose="020B0604020202020204" pitchFamily="34" charset="0"/>
+                    <a:cs typeface="Arial" panose="020B0604020202020204" pitchFamily="34" charset="0"/>
+                  </a:endParaRPr>
+                </a:p>
+              </p:txBody>
+            </p:sp>
+          </mc:Choice>
+          <mc:Fallback>
+            <p:sp>
+              <p:nvSpPr>
+                <p:cNvPr id="70" name="TextBox 69"/>
+                <p:cNvSpPr txBox="1">
+                  <a:spLocks noRot="1" noChangeAspect="1" noMove="1" noResize="1" noEditPoints="1" noAdjustHandles="1" noChangeArrowheads="1" noChangeShapeType="1" noTextEdit="1"/>
+                </p:cNvSpPr>
+                <p:nvPr/>
+              </p:nvSpPr>
+              <p:spPr>
+                <a:xfrm>
+                  <a:off x="6463180" y="3568450"/>
+                  <a:ext cx="561500" cy="307777"/>
+                </a:xfrm>
+                <a:prstGeom prst="rect">
+                  <a:avLst/>
+                </a:prstGeom>
+                <a:blipFill>
+                  <a:blip r:embed="rId7"/>
+                  <a:stretch>
+                    <a:fillRect l="-8602" r="-7527" b="-10000"/>
+                  </a:stretch>
+                </a:blipFill>
+              </p:spPr>
+              <p:txBody>
+                <a:bodyPr/>
+                <a:lstStyle/>
+                <a:p>
+                  <a:r>
+                    <a:rPr lang="en-US">
+                      <a:noFill/>
+                    </a:rPr>
+                    <a:t> </a:t>
+                  </a:r>
+                </a:p>
+              </p:txBody>
+            </p:sp>
+          </mc:Fallback>
+        </mc:AlternateContent>
         <p:cxnSp>
           <p:nvCxnSpPr>
-            <p:cNvPr id="179" name="Straight Connector 178"/>
-            <p:cNvCxnSpPr/>
+            <p:cNvPr id="71" name="Straight Connector 70"/>
+            <p:cNvCxnSpPr>
+              <a:endCxn id="64" idx="0"/>
+            </p:cNvCxnSpPr>
             <p:nvPr/>
           </p:nvCxnSpPr>
           <p:spPr>
-            <a:xfrm>
-              <a:off x="3984635" y="3840314"/>
-              <a:ext cx="1124749" cy="0"/>
+            <a:xfrm flipH="1">
+              <a:off x="4946696" y="2494319"/>
+              <a:ext cx="589486" cy="2936"/>
             </a:xfrm>
             <a:prstGeom prst="line">
               <a:avLst/>
             </a:prstGeom>
-            <a:ln w="19050">
+            <a:ln w="28575">
               <a:solidFill>
                 <a:schemeClr val="tx1"/>
               </a:solidFill>
@@ -10495,14 +12872,1546 @@
           <mc:Choice xmlns:a14="http://schemas.microsoft.com/office/drawing/2010/main" Requires="a14">
             <p:sp>
               <p:nvSpPr>
-                <p:cNvPr id="181" name="TextBox 180"/>
+                <p:cNvPr id="72" name="TextBox 71"/>
                 <p:cNvSpPr txBox="1"/>
                 <p:nvPr/>
               </p:nvSpPr>
               <p:spPr>
                 <a:xfrm>
-                  <a:off x="4060584" y="3393320"/>
-                  <a:ext cx="733662" cy="307777"/>
+                  <a:off x="5205836" y="2172044"/>
+                  <a:ext cx="159980" cy="246221"/>
+                </a:xfrm>
+                <a:prstGeom prst="rect">
+                  <a:avLst/>
+                </a:prstGeom>
+                <a:noFill/>
+              </p:spPr>
+              <p:txBody>
+                <a:bodyPr wrap="none" lIns="0" tIns="0" rIns="0" bIns="0" rtlCol="0">
+                  <a:spAutoFit/>
+                </a:bodyPr>
+                <a:lstStyle/>
+                <a:p>
+                  <a14:m>
+                    <m:oMathPara xmlns:m="http://schemas.openxmlformats.org/officeDocument/2006/math">
+                      <m:oMathParaPr>
+                        <m:jc m:val="centerGroup"/>
+                      </m:oMathParaPr>
+                      <m:oMath xmlns:m="http://schemas.openxmlformats.org/officeDocument/2006/math">
+                        <m:r>
+                          <a:rPr lang="en-US" sz="1600" b="0" i="1" smtClean="0">
+                            <a:latin typeface="Cambria Math" panose="02040503050406030204" pitchFamily="18" charset="0"/>
+                            <a:cs typeface="Arial" panose="020B0604020202020204" pitchFamily="34" charset="0"/>
+                          </a:rPr>
+                          <m:t>𝑟</m:t>
+                        </m:r>
+                      </m:oMath>
+                    </m:oMathPara>
+                  </a14:m>
+                  <a:endParaRPr lang="en-US" sz="1600" dirty="0" smtClean="0">
+                    <a:latin typeface="Arial" panose="020B0604020202020204" pitchFamily="34" charset="0"/>
+                    <a:cs typeface="Arial" panose="020B0604020202020204" pitchFamily="34" charset="0"/>
+                  </a:endParaRPr>
+                </a:p>
+              </p:txBody>
+            </p:sp>
+          </mc:Choice>
+          <mc:Fallback>
+            <p:sp>
+              <p:nvSpPr>
+                <p:cNvPr id="72" name="TextBox 71"/>
+                <p:cNvSpPr txBox="1">
+                  <a:spLocks noRot="1" noChangeAspect="1" noMove="1" noResize="1" noEditPoints="1" noAdjustHandles="1" noChangeArrowheads="1" noChangeShapeType="1" noTextEdit="1"/>
+                </p:cNvSpPr>
+                <p:nvPr/>
+              </p:nvSpPr>
+              <p:spPr>
+                <a:xfrm>
+                  <a:off x="5205836" y="2172044"/>
+                  <a:ext cx="159980" cy="246221"/>
+                </a:xfrm>
+                <a:prstGeom prst="rect">
+                  <a:avLst/>
+                </a:prstGeom>
+                <a:blipFill>
+                  <a:blip r:embed="rId8"/>
+                  <a:stretch>
+                    <a:fillRect l="-11538" r="-15385"/>
+                  </a:stretch>
+                </a:blipFill>
+              </p:spPr>
+              <p:txBody>
+                <a:bodyPr/>
+                <a:lstStyle/>
+                <a:p>
+                  <a:r>
+                    <a:rPr lang="en-US">
+                      <a:noFill/>
+                    </a:rPr>
+                    <a:t> </a:t>
+                  </a:r>
+                </a:p>
+              </p:txBody>
+            </p:sp>
+          </mc:Fallback>
+        </mc:AlternateContent>
+        <mc:AlternateContent xmlns:mc="http://schemas.openxmlformats.org/markup-compatibility/2006">
+          <mc:Choice xmlns:a14="http://schemas.microsoft.com/office/drawing/2010/main" Requires="a14">
+            <p:sp>
+              <p:nvSpPr>
+                <p:cNvPr id="74" name="TextBox 73"/>
+                <p:cNvSpPr txBox="1"/>
+                <p:nvPr/>
+              </p:nvSpPr>
+              <p:spPr>
+                <a:xfrm>
+                  <a:off x="5942461" y="2989484"/>
+                  <a:ext cx="170752" cy="246221"/>
+                </a:xfrm>
+                <a:prstGeom prst="rect">
+                  <a:avLst/>
+                </a:prstGeom>
+                <a:noFill/>
+              </p:spPr>
+              <p:txBody>
+                <a:bodyPr wrap="none" lIns="0" tIns="0" rIns="0" bIns="0" rtlCol="0">
+                  <a:spAutoFit/>
+                </a:bodyPr>
+                <a:lstStyle/>
+                <a:p>
+                  <a14:m>
+                    <m:oMathPara xmlns:m="http://schemas.openxmlformats.org/officeDocument/2006/math">
+                      <m:oMathParaPr>
+                        <m:jc m:val="centerGroup"/>
+                      </m:oMathParaPr>
+                      <m:oMath xmlns:m="http://schemas.openxmlformats.org/officeDocument/2006/math">
+                        <m:r>
+                          <a:rPr lang="en-US" sz="1600" b="0" i="1" smtClean="0">
+                            <a:latin typeface="Cambria Math" panose="02040503050406030204" pitchFamily="18" charset="0"/>
+                            <a:cs typeface="Arial" panose="020B0604020202020204" pitchFamily="34" charset="0"/>
+                          </a:rPr>
+                          <m:t>𝑆</m:t>
+                        </m:r>
+                      </m:oMath>
+                    </m:oMathPara>
+                  </a14:m>
+                  <a:endParaRPr lang="en-US" sz="1600" dirty="0" smtClean="0">
+                    <a:latin typeface="Arial" panose="020B0604020202020204" pitchFamily="34" charset="0"/>
+                    <a:cs typeface="Arial" panose="020B0604020202020204" pitchFamily="34" charset="0"/>
+                  </a:endParaRPr>
+                </a:p>
+              </p:txBody>
+            </p:sp>
+          </mc:Choice>
+          <mc:Fallback>
+            <p:sp>
+              <p:nvSpPr>
+                <p:cNvPr id="74" name="TextBox 73"/>
+                <p:cNvSpPr txBox="1">
+                  <a:spLocks noRot="1" noChangeAspect="1" noMove="1" noResize="1" noEditPoints="1" noAdjustHandles="1" noChangeArrowheads="1" noChangeShapeType="1" noTextEdit="1"/>
+                </p:cNvSpPr>
+                <p:nvPr/>
+              </p:nvSpPr>
+              <p:spPr>
+                <a:xfrm>
+                  <a:off x="5942461" y="2989484"/>
+                  <a:ext cx="170752" cy="246221"/>
+                </a:xfrm>
+                <a:prstGeom prst="rect">
+                  <a:avLst/>
+                </a:prstGeom>
+                <a:blipFill>
+                  <a:blip r:embed="rId9"/>
+                  <a:stretch>
+                    <a:fillRect l="-21429" r="-21429" b="-7500"/>
+                  </a:stretch>
+                </a:blipFill>
+              </p:spPr>
+              <p:txBody>
+                <a:bodyPr/>
+                <a:lstStyle/>
+                <a:p>
+                  <a:r>
+                    <a:rPr lang="en-US">
+                      <a:noFill/>
+                    </a:rPr>
+                    <a:t> </a:t>
+                  </a:r>
+                </a:p>
+              </p:txBody>
+            </p:sp>
+          </mc:Fallback>
+        </mc:AlternateContent>
+        <p:sp>
+          <p:nvSpPr>
+            <p:cNvPr id="75" name="Rectangle 47"/>
+            <p:cNvSpPr/>
+            <p:nvPr/>
+          </p:nvSpPr>
+          <p:spPr>
+            <a:xfrm rot="18506906">
+              <a:off x="5898782" y="1964340"/>
+              <a:ext cx="95555" cy="154926"/>
+            </a:xfrm>
+            <a:custGeom>
+              <a:avLst/>
+              <a:gdLst>
+                <a:gd name="connsiteX0" fmla="*/ 0 w 222636"/>
+                <a:gd name="connsiteY0" fmla="*/ 0 h 267694"/>
+                <a:gd name="connsiteX1" fmla="*/ 222636 w 222636"/>
+                <a:gd name="connsiteY1" fmla="*/ 0 h 267694"/>
+                <a:gd name="connsiteX2" fmla="*/ 222636 w 222636"/>
+                <a:gd name="connsiteY2" fmla="*/ 267694 h 267694"/>
+                <a:gd name="connsiteX3" fmla="*/ 0 w 222636"/>
+                <a:gd name="connsiteY3" fmla="*/ 267694 h 267694"/>
+                <a:gd name="connsiteX4" fmla="*/ 0 w 222636"/>
+                <a:gd name="connsiteY4" fmla="*/ 0 h 267694"/>
+                <a:gd name="connsiteX0" fmla="*/ 0 w 222636"/>
+                <a:gd name="connsiteY0" fmla="*/ 0 h 267694"/>
+                <a:gd name="connsiteX1" fmla="*/ 189853 w 222636"/>
+                <a:gd name="connsiteY1" fmla="*/ 22645 h 267694"/>
+                <a:gd name="connsiteX2" fmla="*/ 222636 w 222636"/>
+                <a:gd name="connsiteY2" fmla="*/ 267694 h 267694"/>
+                <a:gd name="connsiteX3" fmla="*/ 0 w 222636"/>
+                <a:gd name="connsiteY3" fmla="*/ 267694 h 267694"/>
+                <a:gd name="connsiteX4" fmla="*/ 0 w 222636"/>
+                <a:gd name="connsiteY4" fmla="*/ 0 h 267694"/>
+                <a:gd name="connsiteX0" fmla="*/ 0 w 189853"/>
+                <a:gd name="connsiteY0" fmla="*/ 0 h 276236"/>
+                <a:gd name="connsiteX1" fmla="*/ 189853 w 189853"/>
+                <a:gd name="connsiteY1" fmla="*/ 22645 h 276236"/>
+                <a:gd name="connsiteX2" fmla="*/ 182040 w 189853"/>
+                <a:gd name="connsiteY2" fmla="*/ 276236 h 276236"/>
+                <a:gd name="connsiteX3" fmla="*/ 0 w 189853"/>
+                <a:gd name="connsiteY3" fmla="*/ 267694 h 276236"/>
+                <a:gd name="connsiteX4" fmla="*/ 0 w 189853"/>
+                <a:gd name="connsiteY4" fmla="*/ 0 h 276236"/>
+                <a:gd name="connsiteX0" fmla="*/ 24847 w 189853"/>
+                <a:gd name="connsiteY0" fmla="*/ 0 h 279042"/>
+                <a:gd name="connsiteX1" fmla="*/ 189853 w 189853"/>
+                <a:gd name="connsiteY1" fmla="*/ 25451 h 279042"/>
+                <a:gd name="connsiteX2" fmla="*/ 182040 w 189853"/>
+                <a:gd name="connsiteY2" fmla="*/ 279042 h 279042"/>
+                <a:gd name="connsiteX3" fmla="*/ 0 w 189853"/>
+                <a:gd name="connsiteY3" fmla="*/ 270500 h 279042"/>
+                <a:gd name="connsiteX4" fmla="*/ 24847 w 189853"/>
+                <a:gd name="connsiteY4" fmla="*/ 0 h 279042"/>
+                <a:gd name="connsiteX0" fmla="*/ 0 w 165006"/>
+                <a:gd name="connsiteY0" fmla="*/ 0 h 279042"/>
+                <a:gd name="connsiteX1" fmla="*/ 165006 w 165006"/>
+                <a:gd name="connsiteY1" fmla="*/ 25451 h 279042"/>
+                <a:gd name="connsiteX2" fmla="*/ 157193 w 165006"/>
+                <a:gd name="connsiteY2" fmla="*/ 279042 h 279042"/>
+                <a:gd name="connsiteX3" fmla="*/ 2075 w 165006"/>
+                <a:gd name="connsiteY3" fmla="*/ 266046 h 279042"/>
+                <a:gd name="connsiteX4" fmla="*/ 0 w 165006"/>
+                <a:gd name="connsiteY4" fmla="*/ 0 h 279042"/>
+                <a:gd name="connsiteX0" fmla="*/ 12417 w 177423"/>
+                <a:gd name="connsiteY0" fmla="*/ 0 h 279042"/>
+                <a:gd name="connsiteX1" fmla="*/ 177423 w 177423"/>
+                <a:gd name="connsiteY1" fmla="*/ 25451 h 279042"/>
+                <a:gd name="connsiteX2" fmla="*/ 169610 w 177423"/>
+                <a:gd name="connsiteY2" fmla="*/ 279042 h 279042"/>
+                <a:gd name="connsiteX3" fmla="*/ 25 w 177423"/>
+                <a:gd name="connsiteY3" fmla="*/ 260611 h 279042"/>
+                <a:gd name="connsiteX4" fmla="*/ 12417 w 177423"/>
+                <a:gd name="connsiteY4" fmla="*/ 0 h 279042"/>
+                <a:gd name="connsiteX0" fmla="*/ 12392 w 177398"/>
+                <a:gd name="connsiteY0" fmla="*/ 0 h 279042"/>
+                <a:gd name="connsiteX1" fmla="*/ 177398 w 177398"/>
+                <a:gd name="connsiteY1" fmla="*/ 25451 h 279042"/>
+                <a:gd name="connsiteX2" fmla="*/ 169585 w 177398"/>
+                <a:gd name="connsiteY2" fmla="*/ 279042 h 279042"/>
+                <a:gd name="connsiteX3" fmla="*/ 0 w 177398"/>
+                <a:gd name="connsiteY3" fmla="*/ 260611 h 279042"/>
+                <a:gd name="connsiteX4" fmla="*/ 12392 w 177398"/>
+                <a:gd name="connsiteY4" fmla="*/ 0 h 279042"/>
+                <a:gd name="connsiteX0" fmla="*/ 12392 w 177398"/>
+                <a:gd name="connsiteY0" fmla="*/ 0 h 279042"/>
+                <a:gd name="connsiteX1" fmla="*/ 177398 w 177398"/>
+                <a:gd name="connsiteY1" fmla="*/ 25451 h 279042"/>
+                <a:gd name="connsiteX2" fmla="*/ 169585 w 177398"/>
+                <a:gd name="connsiteY2" fmla="*/ 279042 h 279042"/>
+                <a:gd name="connsiteX3" fmla="*/ 0 w 177398"/>
+                <a:gd name="connsiteY3" fmla="*/ 260611 h 279042"/>
+                <a:gd name="connsiteX4" fmla="*/ 12392 w 177398"/>
+                <a:gd name="connsiteY4" fmla="*/ 0 h 279042"/>
+                <a:gd name="connsiteX0" fmla="*/ 12392 w 185844"/>
+                <a:gd name="connsiteY0" fmla="*/ 0 h 279042"/>
+                <a:gd name="connsiteX1" fmla="*/ 177398 w 185844"/>
+                <a:gd name="connsiteY1" fmla="*/ 25451 h 279042"/>
+                <a:gd name="connsiteX2" fmla="*/ 169585 w 185844"/>
+                <a:gd name="connsiteY2" fmla="*/ 279042 h 279042"/>
+                <a:gd name="connsiteX3" fmla="*/ 0 w 185844"/>
+                <a:gd name="connsiteY3" fmla="*/ 260611 h 279042"/>
+                <a:gd name="connsiteX4" fmla="*/ 12392 w 185844"/>
+                <a:gd name="connsiteY4" fmla="*/ 0 h 279042"/>
+                <a:gd name="connsiteX0" fmla="*/ 12392 w 196295"/>
+                <a:gd name="connsiteY0" fmla="*/ 0 h 279042"/>
+                <a:gd name="connsiteX1" fmla="*/ 177398 w 196295"/>
+                <a:gd name="connsiteY1" fmla="*/ 25451 h 279042"/>
+                <a:gd name="connsiteX2" fmla="*/ 169585 w 196295"/>
+                <a:gd name="connsiteY2" fmla="*/ 279042 h 279042"/>
+                <a:gd name="connsiteX3" fmla="*/ 0 w 196295"/>
+                <a:gd name="connsiteY3" fmla="*/ 260611 h 279042"/>
+                <a:gd name="connsiteX4" fmla="*/ 12392 w 196295"/>
+                <a:gd name="connsiteY4" fmla="*/ 0 h 279042"/>
+                <a:gd name="connsiteX0" fmla="*/ 12392 w 202940"/>
+                <a:gd name="connsiteY0" fmla="*/ 0 h 279042"/>
+                <a:gd name="connsiteX1" fmla="*/ 177398 w 202940"/>
+                <a:gd name="connsiteY1" fmla="*/ 25451 h 279042"/>
+                <a:gd name="connsiteX2" fmla="*/ 169585 w 202940"/>
+                <a:gd name="connsiteY2" fmla="*/ 279042 h 279042"/>
+                <a:gd name="connsiteX3" fmla="*/ 0 w 202940"/>
+                <a:gd name="connsiteY3" fmla="*/ 260611 h 279042"/>
+                <a:gd name="connsiteX4" fmla="*/ 12392 w 202940"/>
+                <a:gd name="connsiteY4" fmla="*/ 0 h 279042"/>
+                <a:gd name="connsiteX0" fmla="*/ 12392 w 198492"/>
+                <a:gd name="connsiteY0" fmla="*/ 0 h 279042"/>
+                <a:gd name="connsiteX1" fmla="*/ 177398 w 198492"/>
+                <a:gd name="connsiteY1" fmla="*/ 25451 h 279042"/>
+                <a:gd name="connsiteX2" fmla="*/ 169585 w 198492"/>
+                <a:gd name="connsiteY2" fmla="*/ 279042 h 279042"/>
+                <a:gd name="connsiteX3" fmla="*/ 0 w 198492"/>
+                <a:gd name="connsiteY3" fmla="*/ 260611 h 279042"/>
+                <a:gd name="connsiteX4" fmla="*/ 12392 w 198492"/>
+                <a:gd name="connsiteY4" fmla="*/ 0 h 279042"/>
+                <a:gd name="connsiteX0" fmla="*/ 12392 w 193165"/>
+                <a:gd name="connsiteY0" fmla="*/ 0 h 279042"/>
+                <a:gd name="connsiteX1" fmla="*/ 177398 w 193165"/>
+                <a:gd name="connsiteY1" fmla="*/ 25451 h 279042"/>
+                <a:gd name="connsiteX2" fmla="*/ 169585 w 193165"/>
+                <a:gd name="connsiteY2" fmla="*/ 279042 h 279042"/>
+                <a:gd name="connsiteX3" fmla="*/ 0 w 193165"/>
+                <a:gd name="connsiteY3" fmla="*/ 260611 h 279042"/>
+                <a:gd name="connsiteX4" fmla="*/ 12392 w 193165"/>
+                <a:gd name="connsiteY4" fmla="*/ 0 h 279042"/>
+                <a:gd name="connsiteX0" fmla="*/ 12392 w 193165"/>
+                <a:gd name="connsiteY0" fmla="*/ 0 h 279042"/>
+                <a:gd name="connsiteX1" fmla="*/ 177398 w 193165"/>
+                <a:gd name="connsiteY1" fmla="*/ 25451 h 279042"/>
+                <a:gd name="connsiteX2" fmla="*/ 169585 w 193165"/>
+                <a:gd name="connsiteY2" fmla="*/ 279042 h 279042"/>
+                <a:gd name="connsiteX3" fmla="*/ 0 w 193165"/>
+                <a:gd name="connsiteY3" fmla="*/ 260611 h 279042"/>
+                <a:gd name="connsiteX4" fmla="*/ 12392 w 193165"/>
+                <a:gd name="connsiteY4" fmla="*/ 0 h 279042"/>
+                <a:gd name="connsiteX0" fmla="*/ 12392 w 193165"/>
+                <a:gd name="connsiteY0" fmla="*/ 0 h 279042"/>
+                <a:gd name="connsiteX1" fmla="*/ 177398 w 193165"/>
+                <a:gd name="connsiteY1" fmla="*/ 25451 h 279042"/>
+                <a:gd name="connsiteX2" fmla="*/ 169585 w 193165"/>
+                <a:gd name="connsiteY2" fmla="*/ 279042 h 279042"/>
+                <a:gd name="connsiteX3" fmla="*/ 0 w 193165"/>
+                <a:gd name="connsiteY3" fmla="*/ 260611 h 279042"/>
+                <a:gd name="connsiteX4" fmla="*/ 12392 w 193165"/>
+                <a:gd name="connsiteY4" fmla="*/ 0 h 279042"/>
+                <a:gd name="connsiteX0" fmla="*/ 12392 w 193165"/>
+                <a:gd name="connsiteY0" fmla="*/ 0 h 279042"/>
+                <a:gd name="connsiteX1" fmla="*/ 177398 w 193165"/>
+                <a:gd name="connsiteY1" fmla="*/ 25451 h 279042"/>
+                <a:gd name="connsiteX2" fmla="*/ 169585 w 193165"/>
+                <a:gd name="connsiteY2" fmla="*/ 279042 h 279042"/>
+                <a:gd name="connsiteX3" fmla="*/ 0 w 193165"/>
+                <a:gd name="connsiteY3" fmla="*/ 260611 h 279042"/>
+                <a:gd name="connsiteX4" fmla="*/ 12392 w 193165"/>
+                <a:gd name="connsiteY4" fmla="*/ 0 h 279042"/>
+              </a:gdLst>
+              <a:ahLst/>
+              <a:cxnLst>
+                <a:cxn ang="0">
+                  <a:pos x="connsiteX0" y="connsiteY0"/>
+                </a:cxn>
+                <a:cxn ang="0">
+                  <a:pos x="connsiteX1" y="connsiteY1"/>
+                </a:cxn>
+                <a:cxn ang="0">
+                  <a:pos x="connsiteX2" y="connsiteY2"/>
+                </a:cxn>
+                <a:cxn ang="0">
+                  <a:pos x="connsiteX3" y="connsiteY3"/>
+                </a:cxn>
+                <a:cxn ang="0">
+                  <a:pos x="connsiteX4" y="connsiteY4"/>
+                </a:cxn>
+              </a:cxnLst>
+              <a:rect l="l" t="t" r="r" b="b"/>
+              <a:pathLst>
+                <a:path w="193165" h="279042">
+                  <a:moveTo>
+                    <a:pt x="12392" y="0"/>
+                  </a:moveTo>
+                  <a:lnTo>
+                    <a:pt x="177398" y="25451"/>
+                  </a:lnTo>
+                  <a:cubicBezTo>
+                    <a:pt x="205011" y="109678"/>
+                    <a:pt x="192457" y="198725"/>
+                    <a:pt x="169585" y="279042"/>
+                  </a:cubicBezTo>
+                  <a:lnTo>
+                    <a:pt x="0" y="260611"/>
+                  </a:lnTo>
+                  <a:cubicBezTo>
+                    <a:pt x="20002" y="172419"/>
+                    <a:pt x="28406" y="86669"/>
+                    <a:pt x="12392" y="0"/>
+                  </a:cubicBezTo>
+                  <a:close/>
+                </a:path>
+              </a:pathLst>
+            </a:custGeom>
+            <a:solidFill>
+              <a:schemeClr val="tx1">
+                <a:alpha val="37000"/>
+              </a:schemeClr>
+            </a:solidFill>
+            <a:ln w="12700">
+              <a:solidFill>
+                <a:schemeClr val="tx1"/>
+              </a:solidFill>
+            </a:ln>
+          </p:spPr>
+          <p:style>
+            <a:lnRef idx="2">
+              <a:schemeClr val="accent1">
+                <a:shade val="50000"/>
+              </a:schemeClr>
+            </a:lnRef>
+            <a:fillRef idx="1">
+              <a:schemeClr val="accent1"/>
+            </a:fillRef>
+            <a:effectRef idx="0">
+              <a:schemeClr val="accent1"/>
+            </a:effectRef>
+            <a:fontRef idx="minor">
+              <a:schemeClr val="lt1"/>
+            </a:fontRef>
+          </p:style>
+          <p:txBody>
+            <a:bodyPr rtlCol="0" anchor="ctr"/>
+            <a:lstStyle/>
+            <a:p>
+              <a:pPr algn="ctr"/>
+              <a:endParaRPr lang="en-US"/>
+            </a:p>
+          </p:txBody>
+        </p:sp>
+        <mc:AlternateContent xmlns:mc="http://schemas.openxmlformats.org/markup-compatibility/2006">
+          <mc:Choice xmlns:a14="http://schemas.microsoft.com/office/drawing/2010/main" Requires="a14">
+            <p:sp>
+              <p:nvSpPr>
+                <p:cNvPr id="78" name="TextBox 77"/>
+                <p:cNvSpPr txBox="1"/>
+                <p:nvPr/>
+              </p:nvSpPr>
+              <p:spPr>
+                <a:xfrm>
+                  <a:off x="6223206" y="1629229"/>
+                  <a:ext cx="314702" cy="277768"/>
+                </a:xfrm>
+                <a:prstGeom prst="rect">
+                  <a:avLst/>
+                </a:prstGeom>
+                <a:noFill/>
+              </p:spPr>
+              <p:txBody>
+                <a:bodyPr wrap="none" lIns="0" tIns="0" rIns="0" bIns="0" rtlCol="0">
+                  <a:spAutoFit/>
+                </a:bodyPr>
+                <a:lstStyle/>
+                <a:p>
+                  <a14:m>
+                    <m:oMathPara xmlns:m="http://schemas.openxmlformats.org/officeDocument/2006/math">
+                      <m:oMathParaPr>
+                        <m:jc m:val="centerGroup"/>
+                      </m:oMathParaPr>
+                      <m:oMath xmlns:m="http://schemas.openxmlformats.org/officeDocument/2006/math">
+                        <m:r>
+                          <a:rPr lang="en-US" sz="1600" b="0" i="1" smtClean="0">
+                            <a:solidFill>
+                              <a:srgbClr val="FF0000"/>
+                            </a:solidFill>
+                            <a:latin typeface="Cambria Math" panose="02040503050406030204" pitchFamily="18" charset="0"/>
+                            <a:cs typeface="Arial" panose="020B0604020202020204" pitchFamily="34" charset="0"/>
+                          </a:rPr>
+                          <m:t>𝑑</m:t>
+                        </m:r>
+                        <m:acc>
+                          <m:accPr>
+                            <m:chr m:val="⃗"/>
+                            <m:ctrlPr>
+                              <a:rPr lang="en-US" sz="1600" b="0" i="1" smtClean="0">
+                                <a:solidFill>
+                                  <a:srgbClr val="FF0000"/>
+                                </a:solidFill>
+                                <a:latin typeface="Cambria Math" panose="02040503050406030204" pitchFamily="18" charset="0"/>
+                                <a:cs typeface="Arial" panose="020B0604020202020204" pitchFamily="34" charset="0"/>
+                              </a:rPr>
+                            </m:ctrlPr>
+                          </m:accPr>
+                          <m:e>
+                            <m:r>
+                              <a:rPr lang="en-US" sz="1600" b="0" i="1" smtClean="0">
+                                <a:solidFill>
+                                  <a:srgbClr val="FF0000"/>
+                                </a:solidFill>
+                                <a:latin typeface="Cambria Math" panose="02040503050406030204" pitchFamily="18" charset="0"/>
+                                <a:cs typeface="Arial" panose="020B0604020202020204" pitchFamily="34" charset="0"/>
+                              </a:rPr>
+                              <m:t>𝐴</m:t>
+                            </m:r>
+                          </m:e>
+                        </m:acc>
+                      </m:oMath>
+                    </m:oMathPara>
+                  </a14:m>
+                  <a:endParaRPr lang="en-US" sz="1600" dirty="0" smtClean="0">
+                    <a:solidFill>
+                      <a:srgbClr val="FF0000"/>
+                    </a:solidFill>
+                    <a:latin typeface="Arial" panose="020B0604020202020204" pitchFamily="34" charset="0"/>
+                    <a:cs typeface="Arial" panose="020B0604020202020204" pitchFamily="34" charset="0"/>
+                  </a:endParaRPr>
+                </a:p>
+              </p:txBody>
+            </p:sp>
+          </mc:Choice>
+          <mc:Fallback>
+            <p:sp>
+              <p:nvSpPr>
+                <p:cNvPr id="78" name="TextBox 77"/>
+                <p:cNvSpPr txBox="1">
+                  <a:spLocks noRot="1" noChangeAspect="1" noMove="1" noResize="1" noEditPoints="1" noAdjustHandles="1" noChangeArrowheads="1" noChangeShapeType="1" noTextEdit="1"/>
+                </p:cNvSpPr>
+                <p:nvPr/>
+              </p:nvSpPr>
+              <p:spPr>
+                <a:xfrm>
+                  <a:off x="6223206" y="1629229"/>
+                  <a:ext cx="314702" cy="277768"/>
+                </a:xfrm>
+                <a:prstGeom prst="rect">
+                  <a:avLst/>
+                </a:prstGeom>
+                <a:blipFill>
+                  <a:blip r:embed="rId10"/>
+                  <a:stretch>
+                    <a:fillRect l="-13462" t="-30435" r="-100000" b="-8696"/>
+                  </a:stretch>
+                </a:blipFill>
+              </p:spPr>
+              <p:txBody>
+                <a:bodyPr/>
+                <a:lstStyle/>
+                <a:p>
+                  <a:r>
+                    <a:rPr lang="en-US">
+                      <a:noFill/>
+                    </a:rPr>
+                    <a:t> </a:t>
+                  </a:r>
+                </a:p>
+              </p:txBody>
+            </p:sp>
+          </mc:Fallback>
+        </mc:AlternateContent>
+        <p:cxnSp>
+          <p:nvCxnSpPr>
+            <p:cNvPr id="77" name="Straight Arrow Connector 76"/>
+            <p:cNvCxnSpPr/>
+            <p:nvPr/>
+          </p:nvCxnSpPr>
+          <p:spPr>
+            <a:xfrm flipV="1">
+              <a:off x="5949054" y="1754809"/>
+              <a:ext cx="274152" cy="283268"/>
+            </a:xfrm>
+            <a:prstGeom prst="straightConnector1">
+              <a:avLst/>
+            </a:prstGeom>
+            <a:ln w="22225">
+              <a:solidFill>
+                <a:srgbClr val="FF0000"/>
+              </a:solidFill>
+              <a:tailEnd type="triangle"/>
+            </a:ln>
+          </p:spPr>
+          <p:style>
+            <a:lnRef idx="1">
+              <a:schemeClr val="accent1"/>
+            </a:lnRef>
+            <a:fillRef idx="0">
+              <a:schemeClr val="accent1"/>
+            </a:fillRef>
+            <a:effectRef idx="0">
+              <a:schemeClr val="accent1"/>
+            </a:effectRef>
+            <a:fontRef idx="minor">
+              <a:schemeClr val="tx1"/>
+            </a:fontRef>
+          </p:style>
+        </p:cxnSp>
+        <mc:AlternateContent xmlns:mc="http://schemas.openxmlformats.org/markup-compatibility/2006">
+          <mc:Choice xmlns:a14="http://schemas.microsoft.com/office/drawing/2010/main" Requires="a14">
+            <p:sp>
+              <p:nvSpPr>
+                <p:cNvPr id="81" name="TextBox 80"/>
+                <p:cNvSpPr txBox="1"/>
+                <p:nvPr/>
+              </p:nvSpPr>
+              <p:spPr>
+                <a:xfrm>
+                  <a:off x="5397540" y="1921241"/>
+                  <a:ext cx="399789" cy="215444"/>
+                </a:xfrm>
+                <a:prstGeom prst="rect">
+                  <a:avLst/>
+                </a:prstGeom>
+                <a:noFill/>
+              </p:spPr>
+              <p:txBody>
+                <a:bodyPr wrap="none" lIns="0" tIns="0" rIns="0" bIns="0" rtlCol="0">
+                  <a:spAutoFit/>
+                </a:bodyPr>
+                <a:lstStyle/>
+                <a:p>
+                  <a14:m>
+                    <m:oMathPara xmlns:m="http://schemas.openxmlformats.org/officeDocument/2006/math">
+                      <m:oMathParaPr>
+                        <m:jc m:val="centerGroup"/>
+                      </m:oMathParaPr>
+                      <m:oMath xmlns:m="http://schemas.openxmlformats.org/officeDocument/2006/math">
+                        <m:acc>
+                          <m:accPr>
+                            <m:chr m:val="⃗"/>
+                            <m:ctrlPr>
+                              <a:rPr lang="en-US" sz="1400" b="0" i="1" smtClean="0">
+                                <a:latin typeface="Cambria Math" panose="02040503050406030204" pitchFamily="18" charset="0"/>
+                                <a:cs typeface="Arial" panose="020B0604020202020204" pitchFamily="34" charset="0"/>
+                              </a:rPr>
+                            </m:ctrlPr>
+                          </m:accPr>
+                          <m:e>
+                            <m:r>
+                              <a:rPr lang="en-US" sz="1400" b="0" i="1" smtClean="0">
+                                <a:latin typeface="Cambria Math" panose="02040503050406030204" pitchFamily="18" charset="0"/>
+                                <a:cs typeface="Arial" panose="020B0604020202020204" pitchFamily="34" charset="0"/>
+                              </a:rPr>
+                              <m:t>𝑔</m:t>
+                            </m:r>
+                          </m:e>
+                        </m:acc>
+                        <m:r>
+                          <a:rPr lang="en-US" sz="1400" b="0" i="1" smtClean="0">
+                            <a:latin typeface="Cambria Math" panose="02040503050406030204" pitchFamily="18" charset="0"/>
+                            <a:cs typeface="Arial" panose="020B0604020202020204" pitchFamily="34" charset="0"/>
+                          </a:rPr>
+                          <m:t>(</m:t>
+                        </m:r>
+                        <m:acc>
+                          <m:accPr>
+                            <m:chr m:val="⃗"/>
+                            <m:ctrlPr>
+                              <a:rPr lang="en-US" sz="1400" b="0" i="1" smtClean="0">
+                                <a:latin typeface="Cambria Math" panose="02040503050406030204" pitchFamily="18" charset="0"/>
+                                <a:cs typeface="Arial" panose="020B0604020202020204" pitchFamily="34" charset="0"/>
+                              </a:rPr>
+                            </m:ctrlPr>
+                          </m:accPr>
+                          <m:e>
+                            <m:r>
+                              <a:rPr lang="en-US" sz="1400" b="0" i="1" smtClean="0">
+                                <a:latin typeface="Cambria Math" panose="02040503050406030204" pitchFamily="18" charset="0"/>
+                                <a:cs typeface="Arial" panose="020B0604020202020204" pitchFamily="34" charset="0"/>
+                              </a:rPr>
+                              <m:t>𝑟</m:t>
+                            </m:r>
+                          </m:e>
+                        </m:acc>
+                        <m:r>
+                          <a:rPr lang="en-US" sz="1400" b="0" i="1" smtClean="0">
+                            <a:latin typeface="Cambria Math" panose="02040503050406030204" pitchFamily="18" charset="0"/>
+                            <a:cs typeface="Arial" panose="020B0604020202020204" pitchFamily="34" charset="0"/>
+                          </a:rPr>
+                          <m:t>)</m:t>
+                        </m:r>
+                      </m:oMath>
+                    </m:oMathPara>
+                  </a14:m>
+                  <a:endParaRPr lang="en-US" sz="1400" dirty="0" smtClean="0">
+                    <a:latin typeface="Arial" panose="020B0604020202020204" pitchFamily="34" charset="0"/>
+                    <a:cs typeface="Arial" panose="020B0604020202020204" pitchFamily="34" charset="0"/>
+                  </a:endParaRPr>
+                </a:p>
+              </p:txBody>
+            </p:sp>
+          </mc:Choice>
+          <mc:Fallback>
+            <p:sp>
+              <p:nvSpPr>
+                <p:cNvPr id="81" name="TextBox 80"/>
+                <p:cNvSpPr txBox="1">
+                  <a:spLocks noRot="1" noChangeAspect="1" noMove="1" noResize="1" noEditPoints="1" noAdjustHandles="1" noChangeArrowheads="1" noChangeShapeType="1" noTextEdit="1"/>
+                </p:cNvSpPr>
+                <p:nvPr/>
+              </p:nvSpPr>
+              <p:spPr>
+                <a:xfrm>
+                  <a:off x="5397540" y="1921241"/>
+                  <a:ext cx="399789" cy="215444"/>
+                </a:xfrm>
+                <a:prstGeom prst="rect">
+                  <a:avLst/>
+                </a:prstGeom>
+                <a:blipFill>
+                  <a:blip r:embed="rId11"/>
+                  <a:stretch>
+                    <a:fillRect l="-10769" t="-33333" r="-47692" b="-33333"/>
+                  </a:stretch>
+                </a:blipFill>
+              </p:spPr>
+              <p:txBody>
+                <a:bodyPr/>
+                <a:lstStyle/>
+                <a:p>
+                  <a:r>
+                    <a:rPr lang="en-US">
+                      <a:noFill/>
+                    </a:rPr>
+                    <a:t> </a:t>
+                  </a:r>
+                </a:p>
+              </p:txBody>
+            </p:sp>
+          </mc:Fallback>
+        </mc:AlternateContent>
+      </p:grpSp>
+      <p:grpSp>
+        <p:nvGrpSpPr>
+          <p:cNvPr id="103" name="Group 102"/>
+          <p:cNvGrpSpPr/>
+          <p:nvPr/>
+        </p:nvGrpSpPr>
+        <p:grpSpPr>
+          <a:xfrm>
+            <a:off x="1039675" y="4339492"/>
+            <a:ext cx="3826535" cy="1524684"/>
+            <a:chOff x="1039675" y="4339492"/>
+            <a:chExt cx="3826535" cy="1524684"/>
+          </a:xfrm>
+        </p:grpSpPr>
+        <p:grpSp>
+          <p:nvGrpSpPr>
+            <p:cNvPr id="97" name="Group 96"/>
+            <p:cNvGrpSpPr/>
+            <p:nvPr/>
+          </p:nvGrpSpPr>
+          <p:grpSpPr>
+            <a:xfrm>
+              <a:off x="1190235" y="4339492"/>
+              <a:ext cx="3675975" cy="1524684"/>
+              <a:chOff x="1190235" y="4339492"/>
+              <a:chExt cx="3675975" cy="1524684"/>
+            </a:xfrm>
+          </p:grpSpPr>
+          <p:sp>
+            <p:nvSpPr>
+              <p:cNvPr id="83" name="Oval 82"/>
+              <p:cNvSpPr/>
+              <p:nvPr/>
+            </p:nvSpPr>
+            <p:spPr>
+              <a:xfrm>
+                <a:off x="1368037" y="5116975"/>
+                <a:ext cx="342900" cy="342900"/>
+              </a:xfrm>
+              <a:prstGeom prst="ellipse">
+                <a:avLst/>
+              </a:prstGeom>
+              <a:solidFill>
+                <a:schemeClr val="tx1"/>
+              </a:solidFill>
+              <a:ln w="38100">
+                <a:solidFill>
+                  <a:schemeClr val="tx1"/>
+                </a:solidFill>
+              </a:ln>
+            </p:spPr>
+            <p:style>
+              <a:lnRef idx="2">
+                <a:schemeClr val="accent1">
+                  <a:shade val="50000"/>
+                </a:schemeClr>
+              </a:lnRef>
+              <a:fillRef idx="1">
+                <a:schemeClr val="accent1"/>
+              </a:fillRef>
+              <a:effectRef idx="0">
+                <a:schemeClr val="accent1"/>
+              </a:effectRef>
+              <a:fontRef idx="minor">
+                <a:schemeClr val="lt1"/>
+              </a:fontRef>
+            </p:style>
+            <p:txBody>
+              <a:bodyPr rtlCol="0" anchor="ctr"/>
+              <a:lstStyle/>
+              <a:p>
+                <a:pPr algn="ctr"/>
+                <a:endParaRPr lang="en-US"/>
+              </a:p>
+            </p:txBody>
+          </p:sp>
+          <p:cxnSp>
+            <p:nvCxnSpPr>
+              <p:cNvPr id="85" name="Straight Arrow Connector 84"/>
+              <p:cNvCxnSpPr/>
+              <p:nvPr/>
+            </p:nvCxnSpPr>
+            <p:spPr>
+              <a:xfrm>
+                <a:off x="1541124" y="5280917"/>
+                <a:ext cx="3226085" cy="0"/>
+              </a:xfrm>
+              <a:prstGeom prst="straightConnector1">
+                <a:avLst/>
+              </a:prstGeom>
+              <a:ln w="38100">
+                <a:solidFill>
+                  <a:schemeClr val="tx1"/>
+                </a:solidFill>
+                <a:tailEnd type="triangle"/>
+              </a:ln>
+            </p:spPr>
+            <p:style>
+              <a:lnRef idx="1">
+                <a:schemeClr val="accent1"/>
+              </a:lnRef>
+              <a:fillRef idx="0">
+                <a:schemeClr val="accent1"/>
+              </a:fillRef>
+              <a:effectRef idx="0">
+                <a:schemeClr val="accent1"/>
+              </a:effectRef>
+              <a:fontRef idx="minor">
+                <a:schemeClr val="tx1"/>
+              </a:fontRef>
+            </p:style>
+          </p:cxnSp>
+          <mc:AlternateContent xmlns:mc="http://schemas.openxmlformats.org/markup-compatibility/2006">
+            <mc:Choice xmlns:a14="http://schemas.microsoft.com/office/drawing/2010/main" Requires="a14">
+              <p:sp>
+                <p:nvSpPr>
+                  <p:cNvPr id="86" name="TextBox 85"/>
+                  <p:cNvSpPr txBox="1"/>
+                  <p:nvPr/>
+                </p:nvSpPr>
+                <p:spPr>
+                  <a:xfrm>
+                    <a:off x="4668207" y="5331224"/>
+                    <a:ext cx="198003" cy="307777"/>
+                  </a:xfrm>
+                  <a:prstGeom prst="rect">
+                    <a:avLst/>
+                  </a:prstGeom>
+                  <a:noFill/>
+                </p:spPr>
+                <p:txBody>
+                  <a:bodyPr wrap="none" lIns="0" tIns="0" rIns="0" bIns="0" rtlCol="0">
+                    <a:spAutoFit/>
+                  </a:bodyPr>
+                  <a:lstStyle/>
+                  <a:p>
+                    <a14:m>
+                      <m:oMathPara xmlns:m="http://schemas.openxmlformats.org/officeDocument/2006/math">
+                        <m:oMathParaPr>
+                          <m:jc m:val="centerGroup"/>
+                        </m:oMathParaPr>
+                        <m:oMath xmlns:m="http://schemas.openxmlformats.org/officeDocument/2006/math">
+                          <m:r>
+                            <a:rPr lang="en-US" sz="2000" b="0" i="1" smtClean="0">
+                              <a:latin typeface="Cambria Math" panose="02040503050406030204" pitchFamily="18" charset="0"/>
+                              <a:cs typeface="Arial" panose="020B0604020202020204" pitchFamily="34" charset="0"/>
+                            </a:rPr>
+                            <m:t>𝑟</m:t>
+                          </m:r>
+                        </m:oMath>
+                      </m:oMathPara>
+                    </a14:m>
+                    <a:endParaRPr lang="en-US" sz="2000" dirty="0" smtClean="0">
+                      <a:latin typeface="Arial" panose="020B0604020202020204" pitchFamily="34" charset="0"/>
+                      <a:cs typeface="Arial" panose="020B0604020202020204" pitchFamily="34" charset="0"/>
+                    </a:endParaRPr>
+                  </a:p>
+                </p:txBody>
+              </p:sp>
+            </mc:Choice>
+            <mc:Fallback>
+              <p:sp>
+                <p:nvSpPr>
+                  <p:cNvPr id="86" name="TextBox 85"/>
+                  <p:cNvSpPr txBox="1">
+                    <a:spLocks noRot="1" noChangeAspect="1" noMove="1" noResize="1" noEditPoints="1" noAdjustHandles="1" noChangeArrowheads="1" noChangeShapeType="1" noTextEdit="1"/>
+                  </p:cNvSpPr>
+                  <p:nvPr/>
+                </p:nvSpPr>
+                <p:spPr>
+                  <a:xfrm>
+                    <a:off x="4668207" y="5331224"/>
+                    <a:ext cx="198003" cy="307777"/>
+                  </a:xfrm>
+                  <a:prstGeom prst="rect">
+                    <a:avLst/>
+                  </a:prstGeom>
+                  <a:blipFill>
+                    <a:blip r:embed="rId12"/>
+                    <a:stretch>
+                      <a:fillRect l="-15625" r="-12500" b="-2000"/>
+                    </a:stretch>
+                  </a:blipFill>
+                </p:spPr>
+                <p:txBody>
+                  <a:bodyPr/>
+                  <a:lstStyle/>
+                  <a:p>
+                    <a:r>
+                      <a:rPr lang="en-US">
+                        <a:noFill/>
+                      </a:rPr>
+                      <a:t> </a:t>
+                    </a:r>
+                  </a:p>
+                </p:txBody>
+              </p:sp>
+            </mc:Fallback>
+          </mc:AlternateContent>
+          <p:cxnSp>
+            <p:nvCxnSpPr>
+              <p:cNvPr id="87" name="Straight Connector 86"/>
+              <p:cNvCxnSpPr/>
+              <p:nvPr/>
+            </p:nvCxnSpPr>
+            <p:spPr>
+              <a:xfrm flipV="1">
+                <a:off x="1530850" y="5331224"/>
+                <a:ext cx="0" cy="239606"/>
+              </a:xfrm>
+              <a:prstGeom prst="line">
+                <a:avLst/>
+              </a:prstGeom>
+              <a:ln w="38100">
+                <a:solidFill>
+                  <a:schemeClr val="tx1"/>
+                </a:solidFill>
+              </a:ln>
+            </p:spPr>
+            <p:style>
+              <a:lnRef idx="1">
+                <a:schemeClr val="accent1"/>
+              </a:lnRef>
+              <a:fillRef idx="0">
+                <a:schemeClr val="accent1"/>
+              </a:fillRef>
+              <a:effectRef idx="0">
+                <a:schemeClr val="accent1"/>
+              </a:effectRef>
+              <a:fontRef idx="minor">
+                <a:schemeClr val="tx1"/>
+              </a:fontRef>
+            </p:style>
+          </p:cxnSp>
+          <mc:AlternateContent xmlns:mc="http://schemas.openxmlformats.org/markup-compatibility/2006">
+            <mc:Choice xmlns:a14="http://schemas.microsoft.com/office/drawing/2010/main" Requires="a14">
+              <p:sp>
+                <p:nvSpPr>
+                  <p:cNvPr id="88" name="TextBox 87"/>
+                  <p:cNvSpPr txBox="1"/>
+                  <p:nvPr/>
+                </p:nvSpPr>
+                <p:spPr>
+                  <a:xfrm>
+                    <a:off x="1436093" y="5556399"/>
+                    <a:ext cx="213200" cy="307777"/>
+                  </a:xfrm>
+                  <a:prstGeom prst="rect">
+                    <a:avLst/>
+                  </a:prstGeom>
+                  <a:noFill/>
+                </p:spPr>
+                <p:txBody>
+                  <a:bodyPr wrap="none" lIns="0" tIns="0" rIns="0" bIns="0" rtlCol="0">
+                    <a:spAutoFit/>
+                  </a:bodyPr>
+                  <a:lstStyle/>
+                  <a:p>
+                    <a14:m>
+                      <m:oMathPara xmlns:m="http://schemas.openxmlformats.org/officeDocument/2006/math">
+                        <m:oMathParaPr>
+                          <m:jc m:val="centerGroup"/>
+                        </m:oMathParaPr>
+                        <m:oMath xmlns:m="http://schemas.openxmlformats.org/officeDocument/2006/math">
+                          <m:r>
+                            <a:rPr lang="en-US" sz="2000" b="0" i="1" smtClean="0">
+                              <a:latin typeface="Cambria Math" panose="02040503050406030204" pitchFamily="18" charset="0"/>
+                              <a:cs typeface="Arial" panose="020B0604020202020204" pitchFamily="34" charset="0"/>
+                            </a:rPr>
+                            <m:t>0</m:t>
+                          </m:r>
+                        </m:oMath>
+                      </m:oMathPara>
+                    </a14:m>
+                    <a:endParaRPr lang="en-US" sz="2000" dirty="0" smtClean="0">
+                      <a:latin typeface="Arial" panose="020B0604020202020204" pitchFamily="34" charset="0"/>
+                      <a:cs typeface="Arial" panose="020B0604020202020204" pitchFamily="34" charset="0"/>
+                    </a:endParaRPr>
+                  </a:p>
+                </p:txBody>
+              </p:sp>
+            </mc:Choice>
+            <mc:Fallback>
+              <p:sp>
+                <p:nvSpPr>
+                  <p:cNvPr id="88" name="TextBox 87"/>
+                  <p:cNvSpPr txBox="1">
+                    <a:spLocks noRot="1" noChangeAspect="1" noMove="1" noResize="1" noEditPoints="1" noAdjustHandles="1" noChangeArrowheads="1" noChangeShapeType="1" noTextEdit="1"/>
+                  </p:cNvSpPr>
+                  <p:nvPr/>
+                </p:nvSpPr>
+                <p:spPr>
+                  <a:xfrm>
+                    <a:off x="1436093" y="5556399"/>
+                    <a:ext cx="213200" cy="307777"/>
+                  </a:xfrm>
+                  <a:prstGeom prst="rect">
+                    <a:avLst/>
+                  </a:prstGeom>
+                  <a:blipFill>
+                    <a:blip r:embed="rId13"/>
+                    <a:stretch>
+                      <a:fillRect l="-25714" r="-22857" b="-9804"/>
+                    </a:stretch>
+                  </a:blipFill>
+                </p:spPr>
+                <p:txBody>
+                  <a:bodyPr/>
+                  <a:lstStyle/>
+                  <a:p>
+                    <a:r>
+                      <a:rPr lang="en-US">
+                        <a:noFill/>
+                      </a:rPr>
+                      <a:t> </a:t>
+                    </a:r>
+                  </a:p>
+                </p:txBody>
+              </p:sp>
+            </mc:Fallback>
+          </mc:AlternateContent>
+          <p:cxnSp>
+            <p:nvCxnSpPr>
+              <p:cNvPr id="89" name="Straight Connector 88"/>
+              <p:cNvCxnSpPr/>
+              <p:nvPr/>
+            </p:nvCxnSpPr>
+            <p:spPr>
+              <a:xfrm flipV="1">
+                <a:off x="2067553" y="5161114"/>
+                <a:ext cx="0" cy="239606"/>
+              </a:xfrm>
+              <a:prstGeom prst="line">
+                <a:avLst/>
+              </a:prstGeom>
+              <a:ln w="38100">
+                <a:solidFill>
+                  <a:schemeClr val="tx1"/>
+                </a:solidFill>
+              </a:ln>
+            </p:spPr>
+            <p:style>
+              <a:lnRef idx="1">
+                <a:schemeClr val="accent1"/>
+              </a:lnRef>
+              <a:fillRef idx="0">
+                <a:schemeClr val="accent1"/>
+              </a:fillRef>
+              <a:effectRef idx="0">
+                <a:schemeClr val="accent1"/>
+              </a:effectRef>
+              <a:fontRef idx="minor">
+                <a:schemeClr val="tx1"/>
+              </a:fontRef>
+            </p:style>
+          </p:cxnSp>
+          <p:cxnSp>
+            <p:nvCxnSpPr>
+              <p:cNvPr id="91" name="Straight Connector 90"/>
+              <p:cNvCxnSpPr/>
+              <p:nvPr/>
+            </p:nvCxnSpPr>
+            <p:spPr>
+              <a:xfrm flipV="1">
+                <a:off x="3253311" y="5161114"/>
+                <a:ext cx="0" cy="239606"/>
+              </a:xfrm>
+              <a:prstGeom prst="line">
+                <a:avLst/>
+              </a:prstGeom>
+              <a:ln w="38100">
+                <a:solidFill>
+                  <a:schemeClr val="tx1"/>
+                </a:solidFill>
+              </a:ln>
+            </p:spPr>
+            <p:style>
+              <a:lnRef idx="1">
+                <a:schemeClr val="accent1"/>
+              </a:lnRef>
+              <a:fillRef idx="0">
+                <a:schemeClr val="accent1"/>
+              </a:fillRef>
+              <a:effectRef idx="0">
+                <a:schemeClr val="accent1"/>
+              </a:effectRef>
+              <a:fontRef idx="minor">
+                <a:schemeClr val="tx1"/>
+              </a:fontRef>
+            </p:style>
+          </p:cxnSp>
+          <mc:AlternateContent xmlns:mc="http://schemas.openxmlformats.org/markup-compatibility/2006">
+            <mc:Choice xmlns:a14="http://schemas.microsoft.com/office/drawing/2010/main" Requires="a14">
+              <p:sp>
+                <p:nvSpPr>
+                  <p:cNvPr id="92" name="TextBox 91"/>
+                  <p:cNvSpPr txBox="1"/>
+                  <p:nvPr/>
+                </p:nvSpPr>
+                <p:spPr>
+                  <a:xfrm>
+                    <a:off x="2000477" y="5391027"/>
+                    <a:ext cx="287322" cy="307777"/>
+                  </a:xfrm>
+                  <a:prstGeom prst="rect">
+                    <a:avLst/>
+                  </a:prstGeom>
+                  <a:noFill/>
+                </p:spPr>
+                <p:txBody>
+                  <a:bodyPr wrap="none" lIns="0" tIns="0" rIns="0" bIns="0" rtlCol="0">
+                    <a:spAutoFit/>
+                  </a:bodyPr>
+                  <a:lstStyle/>
+                  <a:p>
+                    <a14:m>
+                      <m:oMathPara xmlns:m="http://schemas.openxmlformats.org/officeDocument/2006/math">
+                        <m:oMathParaPr>
+                          <m:jc m:val="centerGroup"/>
+                        </m:oMathParaPr>
+                        <m:oMath xmlns:m="http://schemas.openxmlformats.org/officeDocument/2006/math">
+                          <m:sSub>
+                            <m:sSubPr>
+                              <m:ctrlPr>
+                                <a:rPr lang="en-US" sz="2000" b="0" i="1" smtClean="0">
+                                  <a:latin typeface="Cambria Math" panose="02040503050406030204" pitchFamily="18" charset="0"/>
+                                  <a:cs typeface="Arial" panose="020B0604020202020204" pitchFamily="34" charset="0"/>
+                                </a:rPr>
+                              </m:ctrlPr>
+                            </m:sSubPr>
+                            <m:e>
+                              <m:r>
+                                <a:rPr lang="en-US" sz="2000" b="0" i="1" smtClean="0">
+                                  <a:latin typeface="Cambria Math" panose="02040503050406030204" pitchFamily="18" charset="0"/>
+                                  <a:cs typeface="Arial" panose="020B0604020202020204" pitchFamily="34" charset="0"/>
+                                </a:rPr>
+                                <m:t>𝑟</m:t>
+                              </m:r>
+                            </m:e>
+                            <m:sub>
+                              <m:r>
+                                <a:rPr lang="en-US" sz="2000" b="0" i="1" smtClean="0">
+                                  <a:latin typeface="Cambria Math" panose="02040503050406030204" pitchFamily="18" charset="0"/>
+                                  <a:cs typeface="Arial" panose="020B0604020202020204" pitchFamily="34" charset="0"/>
+                                </a:rPr>
+                                <m:t>𝐴</m:t>
+                              </m:r>
+                            </m:sub>
+                          </m:sSub>
+                        </m:oMath>
+                      </m:oMathPara>
+                    </a14:m>
+                    <a:endParaRPr lang="en-US" sz="2000" dirty="0" smtClean="0">
+                      <a:latin typeface="Arial" panose="020B0604020202020204" pitchFamily="34" charset="0"/>
+                      <a:cs typeface="Arial" panose="020B0604020202020204" pitchFamily="34" charset="0"/>
+                    </a:endParaRPr>
+                  </a:p>
+                </p:txBody>
+              </p:sp>
+            </mc:Choice>
+            <mc:Fallback>
+              <p:sp>
+                <p:nvSpPr>
+                  <p:cNvPr id="92" name="TextBox 91"/>
+                  <p:cNvSpPr txBox="1">
+                    <a:spLocks noRot="1" noChangeAspect="1" noMove="1" noResize="1" noEditPoints="1" noAdjustHandles="1" noChangeArrowheads="1" noChangeShapeType="1" noTextEdit="1"/>
+                  </p:cNvSpPr>
+                  <p:nvPr/>
+                </p:nvSpPr>
+                <p:spPr>
+                  <a:xfrm>
+                    <a:off x="2000477" y="5391027"/>
+                    <a:ext cx="287322" cy="307777"/>
+                  </a:xfrm>
+                  <a:prstGeom prst="rect">
+                    <a:avLst/>
+                  </a:prstGeom>
+                  <a:blipFill>
+                    <a:blip r:embed="rId14"/>
+                    <a:stretch>
+                      <a:fillRect l="-8511" r="-8511" b="-19608"/>
+                    </a:stretch>
+                  </a:blipFill>
+                </p:spPr>
+                <p:txBody>
+                  <a:bodyPr/>
+                  <a:lstStyle/>
+                  <a:p>
+                    <a:r>
+                      <a:rPr lang="en-US">
+                        <a:noFill/>
+                      </a:rPr>
+                      <a:t> </a:t>
+                    </a:r>
+                  </a:p>
+                </p:txBody>
+              </p:sp>
+            </mc:Fallback>
+          </mc:AlternateContent>
+          <mc:AlternateContent xmlns:mc="http://schemas.openxmlformats.org/markup-compatibility/2006">
+            <mc:Choice xmlns:a14="http://schemas.microsoft.com/office/drawing/2010/main" Requires="a14">
+              <p:sp>
+                <p:nvSpPr>
+                  <p:cNvPr id="93" name="TextBox 92"/>
+                  <p:cNvSpPr txBox="1"/>
+                  <p:nvPr/>
+                </p:nvSpPr>
+                <p:spPr>
+                  <a:xfrm>
+                    <a:off x="3125832" y="5391026"/>
+                    <a:ext cx="306494" cy="307777"/>
+                  </a:xfrm>
+                  <a:prstGeom prst="rect">
+                    <a:avLst/>
+                  </a:prstGeom>
+                  <a:noFill/>
+                </p:spPr>
+                <p:txBody>
+                  <a:bodyPr wrap="none" lIns="0" tIns="0" rIns="0" bIns="0" rtlCol="0">
+                    <a:spAutoFit/>
+                  </a:bodyPr>
+                  <a:lstStyle/>
+                  <a:p>
+                    <a14:m>
+                      <m:oMathPara xmlns:m="http://schemas.openxmlformats.org/officeDocument/2006/math">
+                        <m:oMathParaPr>
+                          <m:jc m:val="centerGroup"/>
+                        </m:oMathParaPr>
+                        <m:oMath xmlns:m="http://schemas.openxmlformats.org/officeDocument/2006/math">
+                          <m:sSub>
+                            <m:sSubPr>
+                              <m:ctrlPr>
+                                <a:rPr lang="en-US" sz="2000" b="0" i="1" smtClean="0">
+                                  <a:latin typeface="Cambria Math" panose="02040503050406030204" pitchFamily="18" charset="0"/>
+                                  <a:cs typeface="Arial" panose="020B0604020202020204" pitchFamily="34" charset="0"/>
+                                </a:rPr>
+                              </m:ctrlPr>
+                            </m:sSubPr>
+                            <m:e>
+                              <m:r>
+                                <a:rPr lang="en-US" sz="2000" b="0" i="1" smtClean="0">
+                                  <a:latin typeface="Cambria Math" panose="02040503050406030204" pitchFamily="18" charset="0"/>
+                                  <a:cs typeface="Arial" panose="020B0604020202020204" pitchFamily="34" charset="0"/>
+                                </a:rPr>
+                                <m:t>𝑟</m:t>
+                              </m:r>
+                            </m:e>
+                            <m:sub>
+                              <m:r>
+                                <a:rPr lang="en-US" sz="2000" b="0" i="1" smtClean="0">
+                                  <a:latin typeface="Cambria Math" panose="02040503050406030204" pitchFamily="18" charset="0"/>
+                                  <a:cs typeface="Arial" panose="020B0604020202020204" pitchFamily="34" charset="0"/>
+                                </a:rPr>
+                                <m:t>𝐵</m:t>
+                              </m:r>
+                            </m:sub>
+                          </m:sSub>
+                        </m:oMath>
+                      </m:oMathPara>
+                    </a14:m>
+                    <a:endParaRPr lang="en-US" sz="2000" dirty="0" smtClean="0">
+                      <a:latin typeface="Arial" panose="020B0604020202020204" pitchFamily="34" charset="0"/>
+                      <a:cs typeface="Arial" panose="020B0604020202020204" pitchFamily="34" charset="0"/>
+                    </a:endParaRPr>
+                  </a:p>
+                </p:txBody>
+              </p:sp>
+            </mc:Choice>
+            <mc:Fallback>
+              <p:sp>
+                <p:nvSpPr>
+                  <p:cNvPr id="93" name="TextBox 92"/>
+                  <p:cNvSpPr txBox="1">
+                    <a:spLocks noRot="1" noChangeAspect="1" noMove="1" noResize="1" noEditPoints="1" noAdjustHandles="1" noChangeArrowheads="1" noChangeShapeType="1" noTextEdit="1"/>
+                  </p:cNvSpPr>
+                  <p:nvPr/>
+                </p:nvSpPr>
+                <p:spPr>
+                  <a:xfrm>
+                    <a:off x="3125832" y="5391026"/>
+                    <a:ext cx="306494" cy="307777"/>
+                  </a:xfrm>
+                  <a:prstGeom prst="rect">
+                    <a:avLst/>
+                  </a:prstGeom>
+                  <a:blipFill>
+                    <a:blip r:embed="rId15"/>
+                    <a:stretch>
+                      <a:fillRect l="-10000" r="-4000" b="-19608"/>
+                    </a:stretch>
+                  </a:blipFill>
+                </p:spPr>
+                <p:txBody>
+                  <a:bodyPr/>
+                  <a:lstStyle/>
+                  <a:p>
+                    <a:r>
+                      <a:rPr lang="en-US">
+                        <a:noFill/>
+                      </a:rPr>
+                      <a:t> </a:t>
+                    </a:r>
+                  </a:p>
+                </p:txBody>
+              </p:sp>
+            </mc:Fallback>
+          </mc:AlternateContent>
+          <p:cxnSp>
+            <p:nvCxnSpPr>
+              <p:cNvPr id="95" name="Straight Arrow Connector 94"/>
+              <p:cNvCxnSpPr/>
+              <p:nvPr/>
+            </p:nvCxnSpPr>
+            <p:spPr>
+              <a:xfrm flipH="1">
+                <a:off x="1190235" y="4841808"/>
+                <a:ext cx="918116" cy="0"/>
+              </a:xfrm>
+              <a:prstGeom prst="straightConnector1">
+                <a:avLst/>
+              </a:prstGeom>
+              <a:ln w="38100">
+                <a:solidFill>
+                  <a:schemeClr val="tx1"/>
+                </a:solidFill>
+                <a:tailEnd type="triangle"/>
+              </a:ln>
+            </p:spPr>
+            <p:style>
+              <a:lnRef idx="1">
+                <a:schemeClr val="accent1"/>
+              </a:lnRef>
+              <a:fillRef idx="0">
+                <a:schemeClr val="accent1"/>
+              </a:fillRef>
+              <a:effectRef idx="0">
+                <a:schemeClr val="accent1"/>
+              </a:effectRef>
+              <a:fontRef idx="minor">
+                <a:schemeClr val="tx1"/>
+              </a:fontRef>
+            </p:style>
+          </p:cxnSp>
+          <mc:AlternateContent xmlns:mc="http://schemas.openxmlformats.org/markup-compatibility/2006">
+            <mc:Choice xmlns:a14="http://schemas.microsoft.com/office/drawing/2010/main" Requires="a14">
+              <p:sp>
+                <p:nvSpPr>
+                  <p:cNvPr id="96" name="TextBox 95"/>
+                  <p:cNvSpPr txBox="1"/>
+                  <p:nvPr/>
+                </p:nvSpPr>
+                <p:spPr>
+                  <a:xfrm>
+                    <a:off x="1530850" y="4339492"/>
+                    <a:ext cx="576696" cy="345159"/>
+                  </a:xfrm>
+                  <a:prstGeom prst="rect">
+                    <a:avLst/>
+                  </a:prstGeom>
+                  <a:noFill/>
+                </p:spPr>
+                <p:txBody>
+                  <a:bodyPr wrap="none" lIns="0" tIns="0" rIns="0" bIns="0" rtlCol="0">
+                    <a:spAutoFit/>
+                  </a:bodyPr>
+                  <a:lstStyle/>
+                  <a:p>
+                    <a14:m>
+                      <m:oMathPara xmlns:m="http://schemas.openxmlformats.org/officeDocument/2006/math">
+                        <m:oMathParaPr>
+                          <m:jc m:val="centerGroup"/>
+                        </m:oMathParaPr>
+                        <m:oMath xmlns:m="http://schemas.openxmlformats.org/officeDocument/2006/math">
+                          <m:acc>
+                            <m:accPr>
+                              <m:chr m:val="⃗"/>
+                              <m:ctrlPr>
+                                <a:rPr lang="en-US" sz="2000" b="0" i="1" smtClean="0">
+                                  <a:latin typeface="Cambria Math" panose="02040503050406030204" pitchFamily="18" charset="0"/>
+                                  <a:cs typeface="Arial" panose="020B0604020202020204" pitchFamily="34" charset="0"/>
+                                </a:rPr>
+                              </m:ctrlPr>
+                            </m:accPr>
+                            <m:e>
+                              <m:r>
+                                <a:rPr lang="en-US" sz="2000" b="0" i="1" smtClean="0">
+                                  <a:latin typeface="Cambria Math" panose="02040503050406030204" pitchFamily="18" charset="0"/>
+                                  <a:cs typeface="Arial" panose="020B0604020202020204" pitchFamily="34" charset="0"/>
+                                </a:rPr>
+                                <m:t>𝐹</m:t>
+                              </m:r>
+                            </m:e>
+                          </m:acc>
+                          <m:r>
+                            <a:rPr lang="en-US" sz="2000" b="0" i="1" smtClean="0">
+                              <a:latin typeface="Cambria Math" panose="02040503050406030204" pitchFamily="18" charset="0"/>
+                              <a:cs typeface="Arial" panose="020B0604020202020204" pitchFamily="34" charset="0"/>
+                            </a:rPr>
+                            <m:t>(</m:t>
+                          </m:r>
+                          <m:r>
+                            <a:rPr lang="en-US" sz="2000" b="0" i="1" smtClean="0">
+                              <a:latin typeface="Cambria Math" panose="02040503050406030204" pitchFamily="18" charset="0"/>
+                              <a:cs typeface="Arial" panose="020B0604020202020204" pitchFamily="34" charset="0"/>
+                            </a:rPr>
+                            <m:t>𝑟</m:t>
+                          </m:r>
+                          <m:r>
+                            <a:rPr lang="en-US" sz="2000" b="0" i="1" smtClean="0">
+                              <a:latin typeface="Cambria Math" panose="02040503050406030204" pitchFamily="18" charset="0"/>
+                              <a:cs typeface="Arial" panose="020B0604020202020204" pitchFamily="34" charset="0"/>
+                            </a:rPr>
+                            <m:t>)</m:t>
+                          </m:r>
+                        </m:oMath>
+                      </m:oMathPara>
+                    </a14:m>
+                    <a:endParaRPr lang="en-US" sz="2000" dirty="0" smtClean="0">
+                      <a:latin typeface="Arial" panose="020B0604020202020204" pitchFamily="34" charset="0"/>
+                      <a:cs typeface="Arial" panose="020B0604020202020204" pitchFamily="34" charset="0"/>
+                    </a:endParaRPr>
+                  </a:p>
+                </p:txBody>
+              </p:sp>
+            </mc:Choice>
+            <mc:Fallback>
+              <p:sp>
+                <p:nvSpPr>
+                  <p:cNvPr id="96" name="TextBox 95"/>
+                  <p:cNvSpPr txBox="1">
+                    <a:spLocks noRot="1" noChangeAspect="1" noMove="1" noResize="1" noEditPoints="1" noAdjustHandles="1" noChangeArrowheads="1" noChangeShapeType="1" noTextEdit="1"/>
+                  </p:cNvSpPr>
+                  <p:nvPr/>
+                </p:nvSpPr>
+                <p:spPr>
+                  <a:xfrm>
+                    <a:off x="1530850" y="4339492"/>
+                    <a:ext cx="576696" cy="345159"/>
+                  </a:xfrm>
+                  <a:prstGeom prst="rect">
+                    <a:avLst/>
+                  </a:prstGeom>
+                  <a:blipFill>
+                    <a:blip r:embed="rId16"/>
+                    <a:stretch>
+                      <a:fillRect l="-8421" t="-35714" r="-13684" b="-35714"/>
+                    </a:stretch>
+                  </a:blipFill>
+                </p:spPr>
+                <p:txBody>
+                  <a:bodyPr/>
+                  <a:lstStyle/>
+                  <a:p>
+                    <a:r>
+                      <a:rPr lang="en-US">
+                        <a:noFill/>
+                      </a:rPr>
+                      <a:t> </a:t>
+                    </a:r>
+                  </a:p>
+                </p:txBody>
+              </p:sp>
+            </mc:Fallback>
+          </mc:AlternateContent>
+        </p:grpSp>
+        <p:sp>
+          <p:nvSpPr>
+            <p:cNvPr id="98" name="Oval 97"/>
+            <p:cNvSpPr/>
+            <p:nvPr/>
+          </p:nvSpPr>
+          <p:spPr>
+            <a:xfrm>
+              <a:off x="2002647" y="5218268"/>
+              <a:ext cx="120943" cy="119766"/>
+            </a:xfrm>
+            <a:prstGeom prst="ellipse">
+              <a:avLst/>
+            </a:prstGeom>
+            <a:solidFill>
+              <a:schemeClr val="tx1"/>
+            </a:solidFill>
+            <a:ln w="38100">
+              <a:solidFill>
+                <a:schemeClr val="tx1"/>
+              </a:solidFill>
+            </a:ln>
+          </p:spPr>
+          <p:style>
+            <a:lnRef idx="2">
+              <a:schemeClr val="accent1">
+                <a:shade val="50000"/>
+              </a:schemeClr>
+            </a:lnRef>
+            <a:fillRef idx="1">
+              <a:schemeClr val="accent1"/>
+            </a:fillRef>
+            <a:effectRef idx="0">
+              <a:schemeClr val="accent1"/>
+            </a:effectRef>
+            <a:fontRef idx="minor">
+              <a:schemeClr val="lt1"/>
+            </a:fontRef>
+          </p:style>
+          <p:txBody>
+            <a:bodyPr rtlCol="0" anchor="ctr"/>
+            <a:lstStyle/>
+            <a:p>
+              <a:pPr algn="ctr"/>
+              <a:endParaRPr lang="en-US"/>
+            </a:p>
+          </p:txBody>
+        </p:sp>
+        <mc:AlternateContent xmlns:mc="http://schemas.openxmlformats.org/markup-compatibility/2006">
+          <mc:Choice xmlns:a14="http://schemas.microsoft.com/office/drawing/2010/main" Requires="a14">
+            <p:sp>
+              <p:nvSpPr>
+                <p:cNvPr id="100" name="TextBox 99"/>
+                <p:cNvSpPr txBox="1"/>
+                <p:nvPr/>
+              </p:nvSpPr>
+              <p:spPr>
+                <a:xfrm>
+                  <a:off x="1039675" y="5331223"/>
+                  <a:ext cx="294824" cy="307777"/>
                 </a:xfrm>
                 <a:prstGeom prst="rect">
                   <a:avLst/>
@@ -10526,14 +14435,7 @@
                             <a:latin typeface="Cambria Math" panose="02040503050406030204" pitchFamily="18" charset="0"/>
                             <a:cs typeface="Arial" panose="020B0604020202020204" pitchFamily="34" charset="0"/>
                           </a:rPr>
-                          <m:t>𝑅𝑠𝑖𝑛</m:t>
-                        </m:r>
-                        <m:r>
-                          <a:rPr lang="en-US" sz="2000" b="0" i="1" smtClean="0">
-                            <a:latin typeface="Cambria Math" panose="02040503050406030204" pitchFamily="18" charset="0"/>
-                            <a:cs typeface="Arial" panose="020B0604020202020204" pitchFamily="34" charset="0"/>
-                          </a:rPr>
-                          <m:t>𝜃</m:t>
+                          <m:t>𝑀</m:t>
                         </m:r>
                       </m:oMath>
                     </m:oMathPara>
@@ -10549,7 +14451,7 @@
           <mc:Fallback>
             <p:sp>
               <p:nvSpPr>
-                <p:cNvPr id="181" name="TextBox 180"/>
+                <p:cNvPr id="100" name="TextBox 99"/>
                 <p:cNvSpPr txBox="1">
                   <a:spLocks noRot="1" noChangeAspect="1" noMove="1" noResize="1" noEditPoints="1" noAdjustHandles="1" noChangeArrowheads="1" noChangeShapeType="1" noTextEdit="1"/>
                 </p:cNvSpPr>
@@ -10557,16 +14459,16 @@
               </p:nvSpPr>
               <p:spPr>
                 <a:xfrm>
-                  <a:off x="4060584" y="3393320"/>
-                  <a:ext cx="733662" cy="307777"/>
+                  <a:off x="1039675" y="5331223"/>
+                  <a:ext cx="294824" cy="307777"/>
                 </a:xfrm>
                 <a:prstGeom prst="rect">
                   <a:avLst/>
                 </a:prstGeom>
                 <a:blipFill>
-                  <a:blip r:embed="rId24"/>
+                  <a:blip r:embed="rId17"/>
                   <a:stretch>
-                    <a:fillRect l="-7500" r="-6667" b="-9804"/>
+                    <a:fillRect l="-18750" r="-16667" b="-10000"/>
                   </a:stretch>
                 </a:blipFill>
               </p:spPr>
@@ -10589,14 +14491,14 @@
           <mc:Choice xmlns:a14="http://schemas.microsoft.com/office/drawing/2010/main" Requires="a14">
             <p:sp>
               <p:nvSpPr>
-                <p:cNvPr id="182" name="TextBox 181"/>
+                <p:cNvPr id="101" name="TextBox 100"/>
                 <p:cNvSpPr txBox="1"/>
                 <p:nvPr/>
               </p:nvSpPr>
               <p:spPr>
                 <a:xfrm>
-                  <a:off x="4836861" y="3955781"/>
-                  <a:ext cx="241540" cy="307777"/>
+                  <a:off x="1918270" y="4841808"/>
+                  <a:ext cx="289695" cy="307777"/>
                 </a:xfrm>
                 <a:prstGeom prst="rect">
                   <a:avLst/>
@@ -10620,7 +14522,7 @@
                             <a:latin typeface="Cambria Math" panose="02040503050406030204" pitchFamily="18" charset="0"/>
                             <a:cs typeface="Arial" panose="020B0604020202020204" pitchFamily="34" charset="0"/>
                           </a:rPr>
-                          <m:t>𝑅</m:t>
+                          <m:t>𝑚</m:t>
                         </m:r>
                       </m:oMath>
                     </m:oMathPara>
@@ -10636,7 +14538,7 @@
           <mc:Fallback>
             <p:sp>
               <p:nvSpPr>
-                <p:cNvPr id="182" name="TextBox 181"/>
+                <p:cNvPr id="101" name="TextBox 100"/>
                 <p:cNvSpPr txBox="1">
                   <a:spLocks noRot="1" noChangeAspect="1" noMove="1" noResize="1" noEditPoints="1" noAdjustHandles="1" noChangeArrowheads="1" noChangeShapeType="1" noTextEdit="1"/>
                 </p:cNvSpPr>
@@ -10644,103 +14546,16 @@
               </p:nvSpPr>
               <p:spPr>
                 <a:xfrm>
-                  <a:off x="4836861" y="3955781"/>
-                  <a:ext cx="241540" cy="307777"/>
+                  <a:off x="1918270" y="4841808"/>
+                  <a:ext cx="289695" cy="307777"/>
                 </a:xfrm>
                 <a:prstGeom prst="rect">
                   <a:avLst/>
                 </a:prstGeom>
                 <a:blipFill>
-                  <a:blip r:embed="rId25"/>
+                  <a:blip r:embed="rId18"/>
                   <a:stretch>
-                    <a:fillRect l="-23077" r="-20513" b="-9804"/>
-                  </a:stretch>
-                </a:blipFill>
-              </p:spPr>
-              <p:txBody>
-                <a:bodyPr/>
-                <a:lstStyle/>
-                <a:p>
-                  <a:r>
-                    <a:rPr lang="en-US">
-                      <a:noFill/>
-                    </a:rPr>
-                    <a:t> </a:t>
-                  </a:r>
-                </a:p>
-              </p:txBody>
-            </p:sp>
-          </mc:Fallback>
-        </mc:AlternateContent>
-        <mc:AlternateContent xmlns:mc="http://schemas.openxmlformats.org/markup-compatibility/2006">
-          <mc:Choice xmlns:a14="http://schemas.microsoft.com/office/drawing/2010/main" Requires="a14">
-            <p:sp>
-              <p:nvSpPr>
-                <p:cNvPr id="183" name="TextBox 182"/>
-                <p:cNvSpPr txBox="1"/>
-                <p:nvPr/>
-              </p:nvSpPr>
-              <p:spPr>
-                <a:xfrm>
-                  <a:off x="4067813" y="3921755"/>
-                  <a:ext cx="222304" cy="307777"/>
-                </a:xfrm>
-                <a:prstGeom prst="rect">
-                  <a:avLst/>
-                </a:prstGeom>
-                <a:noFill/>
-              </p:spPr>
-              <p:txBody>
-                <a:bodyPr wrap="none" lIns="0" tIns="0" rIns="0" bIns="0" rtlCol="0">
-                  <a:spAutoFit/>
-                </a:bodyPr>
-                <a:lstStyle/>
-                <a:p>
-                  <a14:m>
-                    <m:oMathPara xmlns:m="http://schemas.openxmlformats.org/officeDocument/2006/math">
-                      <m:oMathParaPr>
-                        <m:jc m:val="centerGroup"/>
-                      </m:oMathParaPr>
-                      <m:oMath xmlns:m="http://schemas.openxmlformats.org/officeDocument/2006/math">
-                        <m:r>
-                          <a:rPr lang="en-US" sz="2000" b="0" i="1" smtClean="0">
-                            <a:latin typeface="Cambria Math" panose="02040503050406030204" pitchFamily="18" charset="0"/>
-                            <a:cs typeface="Arial" panose="020B0604020202020204" pitchFamily="34" charset="0"/>
-                          </a:rPr>
-                          <m:t>𝜃</m:t>
-                        </m:r>
-                      </m:oMath>
-                    </m:oMathPara>
-                  </a14:m>
-                  <a:endParaRPr lang="en-US" sz="2000" dirty="0" smtClean="0">
-                    <a:latin typeface="Arial" panose="020B0604020202020204" pitchFamily="34" charset="0"/>
-                    <a:cs typeface="Arial" panose="020B0604020202020204" pitchFamily="34" charset="0"/>
-                  </a:endParaRPr>
-                </a:p>
-              </p:txBody>
-            </p:sp>
-          </mc:Choice>
-          <mc:Fallback>
-            <p:sp>
-              <p:nvSpPr>
-                <p:cNvPr id="183" name="TextBox 182"/>
-                <p:cNvSpPr txBox="1">
-                  <a:spLocks noRot="1" noChangeAspect="1" noMove="1" noResize="1" noEditPoints="1" noAdjustHandles="1" noChangeArrowheads="1" noChangeShapeType="1" noTextEdit="1"/>
-                </p:cNvSpPr>
-                <p:nvPr/>
-              </p:nvSpPr>
-              <p:spPr>
-                <a:xfrm>
-                  <a:off x="4067813" y="3921755"/>
-                  <a:ext cx="222304" cy="307777"/>
-                </a:xfrm>
-                <a:prstGeom prst="rect">
-                  <a:avLst/>
-                </a:prstGeom>
-                <a:blipFill>
-                  <a:blip r:embed="rId26"/>
-                  <a:stretch>
-                    <a:fillRect l="-25000" r="-25000" b="-12000"/>
+                    <a:fillRect l="-10638" r="-8511" b="-1961"/>
                   </a:stretch>
                 </a:blipFill>
               </p:spPr>
@@ -10763,7 +14578,7 @@
     </p:spTree>
     <p:extLst>
       <p:ext uri="{BB962C8B-B14F-4D97-AF65-F5344CB8AC3E}">
-        <p14:creationId xmlns:p14="http://schemas.microsoft.com/office/powerpoint/2010/main" val="3193823530"/>
+        <p14:creationId xmlns:p14="http://schemas.microsoft.com/office/powerpoint/2010/main" val="277899403"/>
       </p:ext>
     </p:extLst>
   </p:cSld>

--- a/tex/figures/Gravity/Figures.pptx
+++ b/tex/figures/Gravity/Figures.pptx
@@ -9,6 +9,7 @@
     <p:sldId id="272" r:id="rId3"/>
     <p:sldId id="273" r:id="rId4"/>
     <p:sldId id="274" r:id="rId5"/>
+    <p:sldId id="275" r:id="rId6"/>
   </p:sldIdLst>
   <p:sldSz cx="12192000" cy="6858000"/>
   <p:notesSz cx="6858000" cy="9144000"/>
@@ -246,7 +247,7 @@
           <a:p>
             <a:fld id="{F7249F8D-641B-4CAF-BAE5-10524742F6F1}" type="datetimeFigureOut">
               <a:rPr lang="en-CA" smtClean="0"/>
-              <a:t>2018-06-19</a:t>
+              <a:t>2018-06-20</a:t>
             </a:fld>
             <a:endParaRPr lang="en-CA"/>
           </a:p>
@@ -416,7 +417,7 @@
           <a:p>
             <a:fld id="{F7249F8D-641B-4CAF-BAE5-10524742F6F1}" type="datetimeFigureOut">
               <a:rPr lang="en-CA" smtClean="0"/>
-              <a:t>2018-06-19</a:t>
+              <a:t>2018-06-20</a:t>
             </a:fld>
             <a:endParaRPr lang="en-CA"/>
           </a:p>
@@ -596,7 +597,7 @@
           <a:p>
             <a:fld id="{F7249F8D-641B-4CAF-BAE5-10524742F6F1}" type="datetimeFigureOut">
               <a:rPr lang="en-CA" smtClean="0"/>
-              <a:t>2018-06-19</a:t>
+              <a:t>2018-06-20</a:t>
             </a:fld>
             <a:endParaRPr lang="en-CA"/>
           </a:p>
@@ -766,7 +767,7 @@
           <a:p>
             <a:fld id="{F7249F8D-641B-4CAF-BAE5-10524742F6F1}" type="datetimeFigureOut">
               <a:rPr lang="en-CA" smtClean="0"/>
-              <a:t>2018-06-19</a:t>
+              <a:t>2018-06-20</a:t>
             </a:fld>
             <a:endParaRPr lang="en-CA"/>
           </a:p>
@@ -1012,7 +1013,7 @@
           <a:p>
             <a:fld id="{F7249F8D-641B-4CAF-BAE5-10524742F6F1}" type="datetimeFigureOut">
               <a:rPr lang="en-CA" smtClean="0"/>
-              <a:t>2018-06-19</a:t>
+              <a:t>2018-06-20</a:t>
             </a:fld>
             <a:endParaRPr lang="en-CA"/>
           </a:p>
@@ -1244,7 +1245,7 @@
           <a:p>
             <a:fld id="{F7249F8D-641B-4CAF-BAE5-10524742F6F1}" type="datetimeFigureOut">
               <a:rPr lang="en-CA" smtClean="0"/>
-              <a:t>2018-06-19</a:t>
+              <a:t>2018-06-20</a:t>
             </a:fld>
             <a:endParaRPr lang="en-CA"/>
           </a:p>
@@ -1611,7 +1612,7 @@
           <a:p>
             <a:fld id="{F7249F8D-641B-4CAF-BAE5-10524742F6F1}" type="datetimeFigureOut">
               <a:rPr lang="en-CA" smtClean="0"/>
-              <a:t>2018-06-19</a:t>
+              <a:t>2018-06-20</a:t>
             </a:fld>
             <a:endParaRPr lang="en-CA"/>
           </a:p>
@@ -1729,7 +1730,7 @@
           <a:p>
             <a:fld id="{F7249F8D-641B-4CAF-BAE5-10524742F6F1}" type="datetimeFigureOut">
               <a:rPr lang="en-CA" smtClean="0"/>
-              <a:t>2018-06-19</a:t>
+              <a:t>2018-06-20</a:t>
             </a:fld>
             <a:endParaRPr lang="en-CA"/>
           </a:p>
@@ -1824,7 +1825,7 @@
           <a:p>
             <a:fld id="{F7249F8D-641B-4CAF-BAE5-10524742F6F1}" type="datetimeFigureOut">
               <a:rPr lang="en-CA" smtClean="0"/>
-              <a:t>2018-06-19</a:t>
+              <a:t>2018-06-20</a:t>
             </a:fld>
             <a:endParaRPr lang="en-CA"/>
           </a:p>
@@ -2101,7 +2102,7 @@
           <a:p>
             <a:fld id="{F7249F8D-641B-4CAF-BAE5-10524742F6F1}" type="datetimeFigureOut">
               <a:rPr lang="en-CA" smtClean="0"/>
-              <a:t>2018-06-19</a:t>
+              <a:t>2018-06-20</a:t>
             </a:fld>
             <a:endParaRPr lang="en-CA"/>
           </a:p>
@@ -2354,7 +2355,7 @@
           <a:p>
             <a:fld id="{F7249F8D-641B-4CAF-BAE5-10524742F6F1}" type="datetimeFigureOut">
               <a:rPr lang="en-CA" smtClean="0"/>
-              <a:t>2018-06-19</a:t>
+              <a:t>2018-06-20</a:t>
             </a:fld>
             <a:endParaRPr lang="en-CA"/>
           </a:p>
@@ -2567,7 +2568,7 @@
           <a:p>
             <a:fld id="{F7249F8D-641B-4CAF-BAE5-10524742F6F1}" type="datetimeFigureOut">
               <a:rPr lang="en-CA" smtClean="0"/>
-              <a:t>2018-06-19</a:t>
+              <a:t>2018-06-20</a:t>
             </a:fld>
             <a:endParaRPr lang="en-CA"/>
           </a:p>
@@ -11112,8 +11113,8 @@
             </p:sp>
           </p:grpSp>
         </p:grpSp>
-        <mc:AlternateContent xmlns:mc="http://schemas.openxmlformats.org/markup-compatibility/2006">
-          <mc:Choice xmlns:a14="http://schemas.microsoft.com/office/drawing/2010/main" Requires="a14">
+        <mc:AlternateContent xmlns:mc="http://schemas.openxmlformats.org/markup-compatibility/2006" xmlns:a14="http://schemas.microsoft.com/office/drawing/2010/main">
+          <mc:Choice Requires="a14">
             <p:sp>
               <p:nvSpPr>
                 <p:cNvPr id="20" name="TextBox 19"/>
@@ -11136,6 +11137,7 @@
                 </a:bodyPr>
                 <a:lstStyle/>
                 <a:p>
+                  <a:pPr/>
                   <a14:m>
                     <m:oMathPara xmlns:m="http://schemas.openxmlformats.org/officeDocument/2006/math">
                       <m:oMathParaPr>
@@ -11174,7 +11176,7 @@
               </p:txBody>
             </p:sp>
           </mc:Choice>
-          <mc:Fallback>
+          <mc:Fallback xmlns="">
             <p:sp>
               <p:nvSpPr>
                 <p:cNvPr id="20" name="TextBox 19"/>
@@ -11549,8 +11551,8 @@
               </a:fontRef>
             </p:style>
           </p:cxnSp>
-          <mc:AlternateContent xmlns:mc="http://schemas.openxmlformats.org/markup-compatibility/2006">
-            <mc:Choice xmlns:a14="http://schemas.microsoft.com/office/drawing/2010/main" Requires="a14">
+          <mc:AlternateContent xmlns:mc="http://schemas.openxmlformats.org/markup-compatibility/2006" xmlns:a14="http://schemas.microsoft.com/office/drawing/2010/main">
+            <mc:Choice Requires="a14">
               <p:sp>
                 <p:nvSpPr>
                   <p:cNvPr id="35" name="TextBox 34"/>
@@ -11573,6 +11575,7 @@
                   </a:bodyPr>
                   <a:lstStyle/>
                   <a:p>
+                    <a:pPr/>
                     <a14:m>
                       <m:oMathPara xmlns:m="http://schemas.openxmlformats.org/officeDocument/2006/math">
                         <m:oMathParaPr>
@@ -11597,7 +11600,7 @@
                 </p:txBody>
               </p:sp>
             </mc:Choice>
-            <mc:Fallback>
+            <mc:Fallback xmlns="">
               <p:sp>
                 <p:nvSpPr>
                   <p:cNvPr id="35" name="TextBox 34"/>
@@ -11636,8 +11639,8 @@
               </p:sp>
             </mc:Fallback>
           </mc:AlternateContent>
-          <mc:AlternateContent xmlns:mc="http://schemas.openxmlformats.org/markup-compatibility/2006">
-            <mc:Choice xmlns:a14="http://schemas.microsoft.com/office/drawing/2010/main" Requires="a14">
+          <mc:AlternateContent xmlns:mc="http://schemas.openxmlformats.org/markup-compatibility/2006" xmlns:a14="http://schemas.microsoft.com/office/drawing/2010/main">
+            <mc:Choice Requires="a14">
               <p:sp>
                 <p:nvSpPr>
                   <p:cNvPr id="38" name="TextBox 37"/>
@@ -11660,6 +11663,7 @@
                   </a:bodyPr>
                   <a:lstStyle/>
                   <a:p>
+                    <a:pPr/>
                     <a14:m>
                       <m:oMathPara xmlns:m="http://schemas.openxmlformats.org/officeDocument/2006/math">
                         <m:oMathParaPr>
@@ -11731,7 +11735,7 @@
                 </p:txBody>
               </p:sp>
             </mc:Choice>
-            <mc:Fallback>
+            <mc:Fallback xmlns="">
               <p:sp>
                 <p:nvSpPr>
                   <p:cNvPr id="38" name="TextBox 37"/>
@@ -12061,8 +12065,8 @@
               </a:fontRef>
             </p:style>
           </p:cxnSp>
-          <mc:AlternateContent xmlns:mc="http://schemas.openxmlformats.org/markup-compatibility/2006">
-            <mc:Choice xmlns:a14="http://schemas.microsoft.com/office/drawing/2010/main" Requires="a14">
+          <mc:AlternateContent xmlns:mc="http://schemas.openxmlformats.org/markup-compatibility/2006" xmlns:a14="http://schemas.microsoft.com/office/drawing/2010/main">
+            <mc:Choice Requires="a14">
               <p:sp>
                 <p:nvSpPr>
                   <p:cNvPr id="51" name="TextBox 50"/>
@@ -12085,6 +12089,7 @@
                   </a:bodyPr>
                   <a:lstStyle/>
                   <a:p>
+                    <a:pPr/>
                     <a14:m>
                       <m:oMathPara xmlns:m="http://schemas.openxmlformats.org/officeDocument/2006/math">
                         <m:oMathParaPr>
@@ -12141,7 +12146,7 @@
                 </p:txBody>
               </p:sp>
             </mc:Choice>
-            <mc:Fallback>
+            <mc:Fallback xmlns="">
               <p:sp>
                 <p:nvSpPr>
                   <p:cNvPr id="51" name="TextBox 50"/>
@@ -12180,8 +12185,8 @@
               </p:sp>
             </mc:Fallback>
           </mc:AlternateContent>
-          <mc:AlternateContent xmlns:mc="http://schemas.openxmlformats.org/markup-compatibility/2006">
-            <mc:Choice xmlns:a14="http://schemas.microsoft.com/office/drawing/2010/main" Requires="a14">
+          <mc:AlternateContent xmlns:mc="http://schemas.openxmlformats.org/markup-compatibility/2006" xmlns:a14="http://schemas.microsoft.com/office/drawing/2010/main">
+            <mc:Choice Requires="a14">
               <p:sp>
                 <p:nvSpPr>
                   <p:cNvPr id="57" name="TextBox 56"/>
@@ -12204,6 +12209,7 @@
                   </a:bodyPr>
                   <a:lstStyle/>
                   <a:p>
+                    <a:pPr/>
                     <a14:m>
                       <m:oMathPara xmlns:m="http://schemas.openxmlformats.org/officeDocument/2006/math">
                         <m:oMathParaPr>
@@ -12228,7 +12234,7 @@
                 </p:txBody>
               </p:sp>
             </mc:Choice>
-            <mc:Fallback>
+            <mc:Fallback xmlns="">
               <p:sp>
                 <p:nvSpPr>
                   <p:cNvPr id="57" name="TextBox 56"/>
@@ -12268,8 +12274,8 @@
             </mc:Fallback>
           </mc:AlternateContent>
         </p:grpSp>
-        <mc:AlternateContent xmlns:mc="http://schemas.openxmlformats.org/markup-compatibility/2006">
-          <mc:Choice xmlns:a14="http://schemas.microsoft.com/office/drawing/2010/main" Requires="a14">
+        <mc:AlternateContent xmlns:mc="http://schemas.openxmlformats.org/markup-compatibility/2006" xmlns:a14="http://schemas.microsoft.com/office/drawing/2010/main">
+          <mc:Choice Requires="a14">
             <p:sp>
               <p:nvSpPr>
                 <p:cNvPr id="59" name="TextBox 58"/>
@@ -12292,6 +12298,7 @@
                 </a:bodyPr>
                 <a:lstStyle/>
                 <a:p>
+                  <a:pPr/>
                   <a14:m>
                     <m:oMathPara xmlns:m="http://schemas.openxmlformats.org/officeDocument/2006/math">
                       <m:oMathParaPr>
@@ -12330,7 +12337,7 @@
               </p:txBody>
             </p:sp>
           </mc:Choice>
-          <mc:Fallback>
+          <mc:Fallback xmlns="">
             <p:sp>
               <p:nvSpPr>
                 <p:cNvPr id="59" name="TextBox 58"/>
@@ -12729,8 +12736,8 @@
             </p:txBody>
           </p:sp>
         </p:grpSp>
-        <mc:AlternateContent xmlns:mc="http://schemas.openxmlformats.org/markup-compatibility/2006">
-          <mc:Choice xmlns:a14="http://schemas.microsoft.com/office/drawing/2010/main" Requires="a14">
+        <mc:AlternateContent xmlns:mc="http://schemas.openxmlformats.org/markup-compatibility/2006" xmlns:a14="http://schemas.microsoft.com/office/drawing/2010/main">
+          <mc:Choice Requires="a14">
             <p:sp>
               <p:nvSpPr>
                 <p:cNvPr id="70" name="TextBox 69"/>
@@ -12753,6 +12760,7 @@
                 </a:bodyPr>
                 <a:lstStyle/>
                 <a:p>
+                  <a:pPr/>
                   <a14:m>
                     <m:oMathPara xmlns:m="http://schemas.openxmlformats.org/officeDocument/2006/math">
                       <m:oMathParaPr>
@@ -12791,7 +12799,7 @@
               </p:txBody>
             </p:sp>
           </mc:Choice>
-          <mc:Fallback>
+          <mc:Fallback xmlns="">
             <p:sp>
               <p:nvSpPr>
                 <p:cNvPr id="70" name="TextBox 69"/>
@@ -12868,8 +12876,8 @@
             </a:fontRef>
           </p:style>
         </p:cxnSp>
-        <mc:AlternateContent xmlns:mc="http://schemas.openxmlformats.org/markup-compatibility/2006">
-          <mc:Choice xmlns:a14="http://schemas.microsoft.com/office/drawing/2010/main" Requires="a14">
+        <mc:AlternateContent xmlns:mc="http://schemas.openxmlformats.org/markup-compatibility/2006" xmlns:a14="http://schemas.microsoft.com/office/drawing/2010/main">
+          <mc:Choice Requires="a14">
             <p:sp>
               <p:nvSpPr>
                 <p:cNvPr id="72" name="TextBox 71"/>
@@ -12892,6 +12900,7 @@
                 </a:bodyPr>
                 <a:lstStyle/>
                 <a:p>
+                  <a:pPr/>
                   <a14:m>
                     <m:oMathPara xmlns:m="http://schemas.openxmlformats.org/officeDocument/2006/math">
                       <m:oMathParaPr>
@@ -12916,7 +12925,7 @@
               </p:txBody>
             </p:sp>
           </mc:Choice>
-          <mc:Fallback>
+          <mc:Fallback xmlns="">
             <p:sp>
               <p:nvSpPr>
                 <p:cNvPr id="72" name="TextBox 71"/>
@@ -12955,8 +12964,8 @@
             </p:sp>
           </mc:Fallback>
         </mc:AlternateContent>
-        <mc:AlternateContent xmlns:mc="http://schemas.openxmlformats.org/markup-compatibility/2006">
-          <mc:Choice xmlns:a14="http://schemas.microsoft.com/office/drawing/2010/main" Requires="a14">
+        <mc:AlternateContent xmlns:mc="http://schemas.openxmlformats.org/markup-compatibility/2006" xmlns:a14="http://schemas.microsoft.com/office/drawing/2010/main">
+          <mc:Choice Requires="a14">
             <p:sp>
               <p:nvSpPr>
                 <p:cNvPr id="74" name="TextBox 73"/>
@@ -12979,6 +12988,7 @@
                 </a:bodyPr>
                 <a:lstStyle/>
                 <a:p>
+                  <a:pPr/>
                   <a14:m>
                     <m:oMathPara xmlns:m="http://schemas.openxmlformats.org/officeDocument/2006/math">
                       <m:oMathParaPr>
@@ -13003,7 +13013,7 @@
               </p:txBody>
             </p:sp>
           </mc:Choice>
-          <mc:Fallback>
+          <mc:Fallback xmlns="">
             <p:sp>
               <p:nvSpPr>
                 <p:cNvPr id="74" name="TextBox 73"/>
@@ -13297,8 +13307,8 @@
             </a:p>
           </p:txBody>
         </p:sp>
-        <mc:AlternateContent xmlns:mc="http://schemas.openxmlformats.org/markup-compatibility/2006">
-          <mc:Choice xmlns:a14="http://schemas.microsoft.com/office/drawing/2010/main" Requires="a14">
+        <mc:AlternateContent xmlns:mc="http://schemas.openxmlformats.org/markup-compatibility/2006" xmlns:a14="http://schemas.microsoft.com/office/drawing/2010/main">
+          <mc:Choice Requires="a14">
             <p:sp>
               <p:nvSpPr>
                 <p:cNvPr id="78" name="TextBox 77"/>
@@ -13321,6 +13331,7 @@
                 </a:bodyPr>
                 <a:lstStyle/>
                 <a:p>
+                  <a:pPr/>
                   <a14:m>
                     <m:oMathPara xmlns:m="http://schemas.openxmlformats.org/officeDocument/2006/math">
                       <m:oMathParaPr>
@@ -13377,7 +13388,7 @@
               </p:txBody>
             </p:sp>
           </mc:Choice>
-          <mc:Fallback>
+          <mc:Fallback xmlns="">
             <p:sp>
               <p:nvSpPr>
                 <p:cNvPr id="78" name="TextBox 77"/>
@@ -13452,8 +13463,8 @@
             </a:fontRef>
           </p:style>
         </p:cxnSp>
-        <mc:AlternateContent xmlns:mc="http://schemas.openxmlformats.org/markup-compatibility/2006">
-          <mc:Choice xmlns:a14="http://schemas.microsoft.com/office/drawing/2010/main" Requires="a14">
+        <mc:AlternateContent xmlns:mc="http://schemas.openxmlformats.org/markup-compatibility/2006" xmlns:a14="http://schemas.microsoft.com/office/drawing/2010/main">
+          <mc:Choice Requires="a14">
             <p:sp>
               <p:nvSpPr>
                 <p:cNvPr id="81" name="TextBox 80"/>
@@ -13476,6 +13487,7 @@
                 </a:bodyPr>
                 <a:lstStyle/>
                 <a:p>
+                  <a:pPr/>
                   <a14:m>
                     <m:oMathPara xmlns:m="http://schemas.openxmlformats.org/officeDocument/2006/math">
                       <m:oMathParaPr>
@@ -13547,7 +13559,7 @@
               </p:txBody>
             </p:sp>
           </mc:Choice>
-          <mc:Fallback>
+          <mc:Fallback xmlns="">
             <p:sp>
               <p:nvSpPr>
                 <p:cNvPr id="81" name="TextBox 80"/>
@@ -13699,8 +13711,8 @@
               </a:fontRef>
             </p:style>
           </p:cxnSp>
-          <mc:AlternateContent xmlns:mc="http://schemas.openxmlformats.org/markup-compatibility/2006">
-            <mc:Choice xmlns:a14="http://schemas.microsoft.com/office/drawing/2010/main" Requires="a14">
+          <mc:AlternateContent xmlns:mc="http://schemas.openxmlformats.org/markup-compatibility/2006" xmlns:a14="http://schemas.microsoft.com/office/drawing/2010/main">
+            <mc:Choice Requires="a14">
               <p:sp>
                 <p:nvSpPr>
                   <p:cNvPr id="86" name="TextBox 85"/>
@@ -13723,6 +13735,7 @@
                   </a:bodyPr>
                   <a:lstStyle/>
                   <a:p>
+                    <a:pPr/>
                     <a14:m>
                       <m:oMathPara xmlns:m="http://schemas.openxmlformats.org/officeDocument/2006/math">
                         <m:oMathParaPr>
@@ -13747,7 +13760,7 @@
                 </p:txBody>
               </p:sp>
             </mc:Choice>
-            <mc:Fallback>
+            <mc:Fallback xmlns="">
               <p:sp>
                 <p:nvSpPr>
                   <p:cNvPr id="86" name="TextBox 85"/>
@@ -13821,8 +13834,8 @@
               </a:fontRef>
             </p:style>
           </p:cxnSp>
-          <mc:AlternateContent xmlns:mc="http://schemas.openxmlformats.org/markup-compatibility/2006">
-            <mc:Choice xmlns:a14="http://schemas.microsoft.com/office/drawing/2010/main" Requires="a14">
+          <mc:AlternateContent xmlns:mc="http://schemas.openxmlformats.org/markup-compatibility/2006" xmlns:a14="http://schemas.microsoft.com/office/drawing/2010/main">
+            <mc:Choice Requires="a14">
               <p:sp>
                 <p:nvSpPr>
                   <p:cNvPr id="88" name="TextBox 87"/>
@@ -13845,6 +13858,7 @@
                   </a:bodyPr>
                   <a:lstStyle/>
                   <a:p>
+                    <a:pPr/>
                     <a14:m>
                       <m:oMathPara xmlns:m="http://schemas.openxmlformats.org/officeDocument/2006/math">
                         <m:oMathParaPr>
@@ -13869,7 +13883,7 @@
                 </p:txBody>
               </p:sp>
             </mc:Choice>
-            <mc:Fallback>
+            <mc:Fallback xmlns="">
               <p:sp>
                 <p:nvSpPr>
                   <p:cNvPr id="88" name="TextBox 87"/>
@@ -13978,8 +13992,8 @@
               </a:fontRef>
             </p:style>
           </p:cxnSp>
-          <mc:AlternateContent xmlns:mc="http://schemas.openxmlformats.org/markup-compatibility/2006">
-            <mc:Choice xmlns:a14="http://schemas.microsoft.com/office/drawing/2010/main" Requires="a14">
+          <mc:AlternateContent xmlns:mc="http://schemas.openxmlformats.org/markup-compatibility/2006" xmlns:a14="http://schemas.microsoft.com/office/drawing/2010/main">
+            <mc:Choice Requires="a14">
               <p:sp>
                 <p:nvSpPr>
                   <p:cNvPr id="92" name="TextBox 91"/>
@@ -14002,6 +14016,7 @@
                   </a:bodyPr>
                   <a:lstStyle/>
                   <a:p>
+                    <a:pPr/>
                     <a14:m>
                       <m:oMathPara xmlns:m="http://schemas.openxmlformats.org/officeDocument/2006/math">
                         <m:oMathParaPr>
@@ -14047,7 +14062,7 @@
                 </p:txBody>
               </p:sp>
             </mc:Choice>
-            <mc:Fallback>
+            <mc:Fallback xmlns="">
               <p:sp>
                 <p:nvSpPr>
                   <p:cNvPr id="92" name="TextBox 91"/>
@@ -14086,8 +14101,8 @@
               </p:sp>
             </mc:Fallback>
           </mc:AlternateContent>
-          <mc:AlternateContent xmlns:mc="http://schemas.openxmlformats.org/markup-compatibility/2006">
-            <mc:Choice xmlns:a14="http://schemas.microsoft.com/office/drawing/2010/main" Requires="a14">
+          <mc:AlternateContent xmlns:mc="http://schemas.openxmlformats.org/markup-compatibility/2006" xmlns:a14="http://schemas.microsoft.com/office/drawing/2010/main">
+            <mc:Choice Requires="a14">
               <p:sp>
                 <p:nvSpPr>
                   <p:cNvPr id="93" name="TextBox 92"/>
@@ -14110,6 +14125,7 @@
                   </a:bodyPr>
                   <a:lstStyle/>
                   <a:p>
+                    <a:pPr/>
                     <a14:m>
                       <m:oMathPara xmlns:m="http://schemas.openxmlformats.org/officeDocument/2006/math">
                         <m:oMathParaPr>
@@ -14155,7 +14171,7 @@
                 </p:txBody>
               </p:sp>
             </mc:Choice>
-            <mc:Fallback>
+            <mc:Fallback xmlns="">
               <p:sp>
                 <p:nvSpPr>
                   <p:cNvPr id="93" name="TextBox 92"/>
@@ -14230,8 +14246,8 @@
               </a:fontRef>
             </p:style>
           </p:cxnSp>
-          <mc:AlternateContent xmlns:mc="http://schemas.openxmlformats.org/markup-compatibility/2006">
-            <mc:Choice xmlns:a14="http://schemas.microsoft.com/office/drawing/2010/main" Requires="a14">
+          <mc:AlternateContent xmlns:mc="http://schemas.openxmlformats.org/markup-compatibility/2006" xmlns:a14="http://schemas.microsoft.com/office/drawing/2010/main">
+            <mc:Choice Requires="a14">
               <p:sp>
                 <p:nvSpPr>
                   <p:cNvPr id="96" name="TextBox 95"/>
@@ -14254,6 +14270,7 @@
                   </a:bodyPr>
                   <a:lstStyle/>
                   <a:p>
+                    <a:pPr/>
                     <a14:m>
                       <m:oMathPara xmlns:m="http://schemas.openxmlformats.org/officeDocument/2006/math">
                         <m:oMathParaPr>
@@ -14312,7 +14329,7 @@
                 </p:txBody>
               </p:sp>
             </mc:Choice>
-            <mc:Fallback>
+            <mc:Fallback xmlns="">
               <p:sp>
                 <p:nvSpPr>
                   <p:cNvPr id="96" name="TextBox 95"/>
@@ -14400,8 +14417,8 @@
             </a:p>
           </p:txBody>
         </p:sp>
-        <mc:AlternateContent xmlns:mc="http://schemas.openxmlformats.org/markup-compatibility/2006">
-          <mc:Choice xmlns:a14="http://schemas.microsoft.com/office/drawing/2010/main" Requires="a14">
+        <mc:AlternateContent xmlns:mc="http://schemas.openxmlformats.org/markup-compatibility/2006" xmlns:a14="http://schemas.microsoft.com/office/drawing/2010/main">
+          <mc:Choice Requires="a14">
             <p:sp>
               <p:nvSpPr>
                 <p:cNvPr id="100" name="TextBox 99"/>
@@ -14424,6 +14441,7 @@
                 </a:bodyPr>
                 <a:lstStyle/>
                 <a:p>
+                  <a:pPr/>
                   <a14:m>
                     <m:oMathPara xmlns:m="http://schemas.openxmlformats.org/officeDocument/2006/math">
                       <m:oMathParaPr>
@@ -14448,7 +14466,7 @@
               </p:txBody>
             </p:sp>
           </mc:Choice>
-          <mc:Fallback>
+          <mc:Fallback xmlns="">
             <p:sp>
               <p:nvSpPr>
                 <p:cNvPr id="100" name="TextBox 99"/>
@@ -14487,8 +14505,8 @@
             </p:sp>
           </mc:Fallback>
         </mc:AlternateContent>
-        <mc:AlternateContent xmlns:mc="http://schemas.openxmlformats.org/markup-compatibility/2006">
-          <mc:Choice xmlns:a14="http://schemas.microsoft.com/office/drawing/2010/main" Requires="a14">
+        <mc:AlternateContent xmlns:mc="http://schemas.openxmlformats.org/markup-compatibility/2006" xmlns:a14="http://schemas.microsoft.com/office/drawing/2010/main">
+          <mc:Choice Requires="a14">
             <p:sp>
               <p:nvSpPr>
                 <p:cNvPr id="101" name="TextBox 100"/>
@@ -14511,6 +14529,7 @@
                 </a:bodyPr>
                 <a:lstStyle/>
                 <a:p>
+                  <a:pPr/>
                   <a14:m>
                     <m:oMathPara xmlns:m="http://schemas.openxmlformats.org/officeDocument/2006/math">
                       <m:oMathParaPr>
@@ -14535,7 +14554,7 @@
               </p:txBody>
             </p:sp>
           </mc:Choice>
-          <mc:Fallback>
+          <mc:Fallback xmlns="">
             <p:sp>
               <p:nvSpPr>
                 <p:cNvPr id="101" name="TextBox 100"/>
@@ -14579,6 +14598,1431 @@
     <p:extLst>
       <p:ext uri="{BB962C8B-B14F-4D97-AF65-F5344CB8AC3E}">
         <p14:creationId xmlns:p14="http://schemas.microsoft.com/office/powerpoint/2010/main" val="277899403"/>
+      </p:ext>
+    </p:extLst>
+  </p:cSld>
+  <p:clrMapOvr>
+    <a:masterClrMapping/>
+  </p:clrMapOvr>
+</p:sld>
+</file>
+
+<file path=ppt/slides/slide5.xml><?xml version="1.0" encoding="utf-8"?>
+<p:sld xmlns:a="http://schemas.openxmlformats.org/drawingml/2006/main" xmlns:r="http://schemas.openxmlformats.org/officeDocument/2006/relationships" xmlns:p="http://schemas.openxmlformats.org/presentationml/2006/main">
+  <p:cSld>
+    <p:spTree>
+      <p:nvGrpSpPr>
+        <p:cNvPr id="1" name=""/>
+        <p:cNvGrpSpPr/>
+        <p:nvPr/>
+      </p:nvGrpSpPr>
+      <p:grpSpPr>
+        <a:xfrm>
+          <a:off x="0" y="0"/>
+          <a:ext cx="0" cy="0"/>
+          <a:chOff x="0" y="0"/>
+          <a:chExt cx="0" cy="0"/>
+        </a:xfrm>
+      </p:grpSpPr>
+      <p:grpSp>
+        <p:nvGrpSpPr>
+          <p:cNvPr id="27" name="Group 26"/>
+          <p:cNvGrpSpPr/>
+          <p:nvPr/>
+        </p:nvGrpSpPr>
+        <p:grpSpPr>
+          <a:xfrm>
+            <a:off x="878969" y="194358"/>
+            <a:ext cx="6011310" cy="6123315"/>
+            <a:chOff x="878969" y="194358"/>
+            <a:chExt cx="6011310" cy="6123315"/>
+          </a:xfrm>
+        </p:grpSpPr>
+        <p:grpSp>
+          <p:nvGrpSpPr>
+            <p:cNvPr id="25" name="Group 24"/>
+            <p:cNvGrpSpPr/>
+            <p:nvPr/>
+          </p:nvGrpSpPr>
+          <p:grpSpPr>
+            <a:xfrm>
+              <a:off x="878969" y="512618"/>
+              <a:ext cx="6011310" cy="5805055"/>
+              <a:chOff x="1086787" y="207818"/>
+              <a:chExt cx="6011310" cy="5805055"/>
+            </a:xfrm>
+          </p:grpSpPr>
+          <p:grpSp>
+            <p:nvGrpSpPr>
+              <p:cNvPr id="8" name="Group 7"/>
+              <p:cNvGrpSpPr/>
+              <p:nvPr/>
+            </p:nvGrpSpPr>
+            <p:grpSpPr>
+              <a:xfrm>
+                <a:off x="1086787" y="1233055"/>
+                <a:ext cx="6011310" cy="3759970"/>
+                <a:chOff x="6464716" y="466283"/>
+                <a:chExt cx="5262880" cy="3291840"/>
+              </a:xfrm>
+            </p:grpSpPr>
+            <p:sp>
+              <p:nvSpPr>
+                <p:cNvPr id="14" name="Oval 13"/>
+                <p:cNvSpPr/>
+                <p:nvPr/>
+              </p:nvSpPr>
+              <p:spPr>
+                <a:xfrm>
+                  <a:off x="6464716" y="466283"/>
+                  <a:ext cx="5262880" cy="3291840"/>
+                </a:xfrm>
+                <a:prstGeom prst="ellipse">
+                  <a:avLst/>
+                </a:prstGeom>
+                <a:noFill/>
+                <a:ln w="38100">
+                  <a:solidFill>
+                    <a:schemeClr val="tx1"/>
+                  </a:solidFill>
+                </a:ln>
+              </p:spPr>
+              <p:style>
+                <a:lnRef idx="2">
+                  <a:schemeClr val="accent1">
+                    <a:shade val="50000"/>
+                  </a:schemeClr>
+                </a:lnRef>
+                <a:fillRef idx="1">
+                  <a:schemeClr val="accent1"/>
+                </a:fillRef>
+                <a:effectRef idx="0">
+                  <a:schemeClr val="accent1"/>
+                </a:effectRef>
+                <a:fontRef idx="minor">
+                  <a:schemeClr val="lt1"/>
+                </a:fontRef>
+              </p:style>
+              <p:txBody>
+                <a:bodyPr rtlCol="0" anchor="ctr"/>
+                <a:lstStyle/>
+                <a:p>
+                  <a:pPr algn="ctr"/>
+                  <a:endParaRPr lang="en-US"/>
+                </a:p>
+              </p:txBody>
+            </p:sp>
+            <p:sp>
+              <p:nvSpPr>
+                <p:cNvPr id="17" name="Oval 16"/>
+                <p:cNvSpPr/>
+                <p:nvPr/>
+              </p:nvSpPr>
+              <p:spPr>
+                <a:xfrm>
+                  <a:off x="11114047" y="2064450"/>
+                  <a:ext cx="120943" cy="119766"/>
+                </a:xfrm>
+                <a:prstGeom prst="ellipse">
+                  <a:avLst/>
+                </a:prstGeom>
+                <a:solidFill>
+                  <a:schemeClr val="tx1"/>
+                </a:solidFill>
+                <a:ln w="38100">
+                  <a:solidFill>
+                    <a:schemeClr val="tx1"/>
+                  </a:solidFill>
+                </a:ln>
+              </p:spPr>
+              <p:style>
+                <a:lnRef idx="2">
+                  <a:schemeClr val="accent1">
+                    <a:shade val="50000"/>
+                  </a:schemeClr>
+                </a:lnRef>
+                <a:fillRef idx="1">
+                  <a:schemeClr val="accent1"/>
+                </a:fillRef>
+                <a:effectRef idx="0">
+                  <a:schemeClr val="accent1"/>
+                </a:effectRef>
+                <a:fontRef idx="minor">
+                  <a:schemeClr val="lt1"/>
+                </a:fontRef>
+              </p:style>
+              <p:txBody>
+                <a:bodyPr rtlCol="0" anchor="ctr"/>
+                <a:lstStyle/>
+                <a:p>
+                  <a:pPr algn="ctr"/>
+                  <a:endParaRPr lang="en-US"/>
+                </a:p>
+              </p:txBody>
+            </p:sp>
+          </p:grpSp>
+          <p:sp>
+            <p:nvSpPr>
+              <p:cNvPr id="6" name="TextBox 5"/>
+              <p:cNvSpPr txBox="1"/>
+              <p:nvPr/>
+            </p:nvSpPr>
+            <p:spPr>
+              <a:xfrm>
+                <a:off x="3791794" y="855030"/>
+                <a:ext cx="65" cy="615553"/>
+              </a:xfrm>
+              <a:prstGeom prst="rect">
+                <a:avLst/>
+              </a:prstGeom>
+              <a:noFill/>
+            </p:spPr>
+            <p:txBody>
+              <a:bodyPr wrap="none" lIns="0" tIns="0" rIns="0" bIns="0" rtlCol="0">
+                <a:spAutoFit/>
+              </a:bodyPr>
+              <a:lstStyle/>
+              <a:p>
+                <a:pPr/>
+                <a:endParaRPr lang="en-US" sz="2000" b="0" dirty="0" smtClean="0">
+                  <a:latin typeface="Arial" panose="020B0604020202020204" pitchFamily="34" charset="0"/>
+                  <a:cs typeface="Arial" panose="020B0604020202020204" pitchFamily="34" charset="0"/>
+                </a:endParaRPr>
+              </a:p>
+              <a:p>
+                <a:pPr/>
+                <a:endParaRPr lang="en-US" sz="2000" dirty="0" smtClean="0">
+                  <a:latin typeface="Arial" panose="020B0604020202020204" pitchFamily="34" charset="0"/>
+                  <a:cs typeface="Arial" panose="020B0604020202020204" pitchFamily="34" charset="0"/>
+                </a:endParaRPr>
+              </a:p>
+            </p:txBody>
+          </p:sp>
+          <mc:AlternateContent xmlns:mc="http://schemas.openxmlformats.org/markup-compatibility/2006">
+            <mc:Choice xmlns:a14="http://schemas.microsoft.com/office/drawing/2010/main" Requires="a14">
+              <p:sp>
+                <p:nvSpPr>
+                  <p:cNvPr id="7" name="TextBox 6"/>
+                  <p:cNvSpPr txBox="1"/>
+                  <p:nvPr/>
+                </p:nvSpPr>
+                <p:spPr>
+                  <a:xfrm>
+                    <a:off x="5862680" y="2866371"/>
+                    <a:ext cx="598848" cy="369332"/>
+                  </a:xfrm>
+                  <a:prstGeom prst="rect">
+                    <a:avLst/>
+                  </a:prstGeom>
+                  <a:noFill/>
+                </p:spPr>
+                <p:txBody>
+                  <a:bodyPr wrap="square" lIns="0" tIns="0" rIns="0" bIns="0" rtlCol="0">
+                    <a:spAutoFit/>
+                  </a:bodyPr>
+                  <a:lstStyle/>
+                  <a:p>
+                    <a:pPr/>
+                    <a14:m>
+                      <m:oMathPara xmlns:m="http://schemas.openxmlformats.org/officeDocument/2006/math">
+                        <m:oMathParaPr>
+                          <m:jc m:val="centerGroup"/>
+                        </m:oMathParaPr>
+                        <m:oMath xmlns:m="http://schemas.openxmlformats.org/officeDocument/2006/math">
+                          <m:r>
+                            <a:rPr lang="en-US" sz="2400" b="0" i="1" smtClean="0">
+                              <a:latin typeface="Cambria Math" panose="02040503050406030204" pitchFamily="18" charset="0"/>
+                              <a:cs typeface="Arial" panose="020B0604020202020204" pitchFamily="34" charset="0"/>
+                            </a:rPr>
+                            <m:t>𝑀</m:t>
+                          </m:r>
+                        </m:oMath>
+                      </m:oMathPara>
+                    </a14:m>
+                    <a:endParaRPr lang="en-US" sz="2400" dirty="0" smtClean="0">
+                      <a:latin typeface="Arial" panose="020B0604020202020204" pitchFamily="34" charset="0"/>
+                      <a:cs typeface="Arial" panose="020B0604020202020204" pitchFamily="34" charset="0"/>
+                    </a:endParaRPr>
+                  </a:p>
+                </p:txBody>
+              </p:sp>
+            </mc:Choice>
+            <mc:Fallback>
+              <p:sp>
+                <p:nvSpPr>
+                  <p:cNvPr id="7" name="TextBox 6"/>
+                  <p:cNvSpPr txBox="1">
+                    <a:spLocks noRot="1" noChangeAspect="1" noMove="1" noResize="1" noEditPoints="1" noAdjustHandles="1" noChangeArrowheads="1" noChangeShapeType="1" noTextEdit="1"/>
+                  </p:cNvSpPr>
+                  <p:nvPr/>
+                </p:nvSpPr>
+                <p:spPr>
+                  <a:xfrm>
+                    <a:off x="5862680" y="2866371"/>
+                    <a:ext cx="598848" cy="369332"/>
+                  </a:xfrm>
+                  <a:prstGeom prst="rect">
+                    <a:avLst/>
+                  </a:prstGeom>
+                  <a:blipFill>
+                    <a:blip r:embed="rId2"/>
+                    <a:stretch>
+                      <a:fillRect b="-9836"/>
+                    </a:stretch>
+                  </a:blipFill>
+                </p:spPr>
+                <p:txBody>
+                  <a:bodyPr/>
+                  <a:lstStyle/>
+                  <a:p>
+                    <a:r>
+                      <a:rPr lang="en-US">
+                        <a:noFill/>
+                      </a:rPr>
+                      <a:t> </a:t>
+                    </a:r>
+                  </a:p>
+                </p:txBody>
+              </p:sp>
+            </mc:Fallback>
+          </mc:AlternateContent>
+          <p:sp>
+            <p:nvSpPr>
+              <p:cNvPr id="18" name="Oval 17"/>
+              <p:cNvSpPr/>
+              <p:nvPr/>
+            </p:nvSpPr>
+            <p:spPr>
+              <a:xfrm>
+                <a:off x="5866185" y="2547557"/>
+                <a:ext cx="1207025" cy="1207025"/>
+              </a:xfrm>
+              <a:prstGeom prst="ellipse">
+                <a:avLst/>
+              </a:prstGeom>
+              <a:noFill/>
+              <a:ln w="38100">
+                <a:solidFill>
+                  <a:schemeClr val="tx1"/>
+                </a:solidFill>
+              </a:ln>
+            </p:spPr>
+            <p:style>
+              <a:lnRef idx="2">
+                <a:schemeClr val="accent1">
+                  <a:shade val="50000"/>
+                </a:schemeClr>
+              </a:lnRef>
+              <a:fillRef idx="1">
+                <a:schemeClr val="accent1"/>
+              </a:fillRef>
+              <a:effectRef idx="0">
+                <a:schemeClr val="accent1"/>
+              </a:effectRef>
+              <a:fontRef idx="minor">
+                <a:schemeClr val="lt1"/>
+              </a:fontRef>
+            </p:style>
+            <p:txBody>
+              <a:bodyPr rtlCol="0" anchor="ctr"/>
+              <a:lstStyle/>
+              <a:p>
+                <a:pPr algn="ctr"/>
+                <a:endParaRPr lang="en-US"/>
+              </a:p>
+            </p:txBody>
+          </p:sp>
+          <p:grpSp>
+            <p:nvGrpSpPr>
+              <p:cNvPr id="24" name="Group 23"/>
+              <p:cNvGrpSpPr/>
+              <p:nvPr/>
+            </p:nvGrpSpPr>
+            <p:grpSpPr>
+              <a:xfrm>
+                <a:off x="4094741" y="263236"/>
+                <a:ext cx="2997109" cy="5606508"/>
+                <a:chOff x="4142509" y="263236"/>
+                <a:chExt cx="2997109" cy="5606508"/>
+              </a:xfrm>
+            </p:grpSpPr>
+            <p:sp>
+              <p:nvSpPr>
+                <p:cNvPr id="20" name="Freeform 19"/>
+                <p:cNvSpPr/>
+                <p:nvPr/>
+              </p:nvSpPr>
+              <p:spPr>
+                <a:xfrm>
+                  <a:off x="4142509" y="263236"/>
+                  <a:ext cx="2997109" cy="2881745"/>
+                </a:xfrm>
+                <a:custGeom>
+                  <a:avLst/>
+                  <a:gdLst>
+                    <a:gd name="connsiteX0" fmla="*/ 0 w 2997109"/>
+                    <a:gd name="connsiteY0" fmla="*/ 0 h 2881745"/>
+                    <a:gd name="connsiteX1" fmla="*/ 304800 w 2997109"/>
+                    <a:gd name="connsiteY1" fmla="*/ 138545 h 2881745"/>
+                    <a:gd name="connsiteX2" fmla="*/ 568036 w 2997109"/>
+                    <a:gd name="connsiteY2" fmla="*/ 290945 h 2881745"/>
+                    <a:gd name="connsiteX3" fmla="*/ 914400 w 2997109"/>
+                    <a:gd name="connsiteY3" fmla="*/ 471054 h 2881745"/>
+                    <a:gd name="connsiteX4" fmla="*/ 1149927 w 2997109"/>
+                    <a:gd name="connsiteY4" fmla="*/ 623454 h 2881745"/>
+                    <a:gd name="connsiteX5" fmla="*/ 1385454 w 2997109"/>
+                    <a:gd name="connsiteY5" fmla="*/ 762000 h 2881745"/>
+                    <a:gd name="connsiteX6" fmla="*/ 1870363 w 2997109"/>
+                    <a:gd name="connsiteY6" fmla="*/ 1108364 h 2881745"/>
+                    <a:gd name="connsiteX7" fmla="*/ 2105891 w 2997109"/>
+                    <a:gd name="connsiteY7" fmla="*/ 1330036 h 2881745"/>
+                    <a:gd name="connsiteX8" fmla="*/ 2313709 w 2997109"/>
+                    <a:gd name="connsiteY8" fmla="*/ 1482436 h 2881745"/>
+                    <a:gd name="connsiteX9" fmla="*/ 2563091 w 2997109"/>
+                    <a:gd name="connsiteY9" fmla="*/ 1801091 h 2881745"/>
+                    <a:gd name="connsiteX10" fmla="*/ 2770909 w 2997109"/>
+                    <a:gd name="connsiteY10" fmla="*/ 2105891 h 2881745"/>
+                    <a:gd name="connsiteX11" fmla="*/ 2909454 w 2997109"/>
+                    <a:gd name="connsiteY11" fmla="*/ 2396836 h 2881745"/>
+                    <a:gd name="connsiteX12" fmla="*/ 2992581 w 2997109"/>
+                    <a:gd name="connsiteY12" fmla="*/ 2757054 h 2881745"/>
+                    <a:gd name="connsiteX13" fmla="*/ 2978727 w 2997109"/>
+                    <a:gd name="connsiteY13" fmla="*/ 2881745 h 2881745"/>
+                    <a:gd name="connsiteX0" fmla="*/ 0 w 2997109"/>
+                    <a:gd name="connsiteY0" fmla="*/ 0 h 2881745"/>
+                    <a:gd name="connsiteX1" fmla="*/ 304800 w 2997109"/>
+                    <a:gd name="connsiteY1" fmla="*/ 138545 h 2881745"/>
+                    <a:gd name="connsiteX2" fmla="*/ 568036 w 2997109"/>
+                    <a:gd name="connsiteY2" fmla="*/ 290945 h 2881745"/>
+                    <a:gd name="connsiteX3" fmla="*/ 914400 w 2997109"/>
+                    <a:gd name="connsiteY3" fmla="*/ 471054 h 2881745"/>
+                    <a:gd name="connsiteX4" fmla="*/ 1149927 w 2997109"/>
+                    <a:gd name="connsiteY4" fmla="*/ 623454 h 2881745"/>
+                    <a:gd name="connsiteX5" fmla="*/ 1385454 w 2997109"/>
+                    <a:gd name="connsiteY5" fmla="*/ 762000 h 2881745"/>
+                    <a:gd name="connsiteX6" fmla="*/ 1870363 w 2997109"/>
+                    <a:gd name="connsiteY6" fmla="*/ 1108364 h 2881745"/>
+                    <a:gd name="connsiteX7" fmla="*/ 2133601 w 2997109"/>
+                    <a:gd name="connsiteY7" fmla="*/ 1330036 h 2881745"/>
+                    <a:gd name="connsiteX8" fmla="*/ 2313709 w 2997109"/>
+                    <a:gd name="connsiteY8" fmla="*/ 1482436 h 2881745"/>
+                    <a:gd name="connsiteX9" fmla="*/ 2563091 w 2997109"/>
+                    <a:gd name="connsiteY9" fmla="*/ 1801091 h 2881745"/>
+                    <a:gd name="connsiteX10" fmla="*/ 2770909 w 2997109"/>
+                    <a:gd name="connsiteY10" fmla="*/ 2105891 h 2881745"/>
+                    <a:gd name="connsiteX11" fmla="*/ 2909454 w 2997109"/>
+                    <a:gd name="connsiteY11" fmla="*/ 2396836 h 2881745"/>
+                    <a:gd name="connsiteX12" fmla="*/ 2992581 w 2997109"/>
+                    <a:gd name="connsiteY12" fmla="*/ 2757054 h 2881745"/>
+                    <a:gd name="connsiteX13" fmla="*/ 2978727 w 2997109"/>
+                    <a:gd name="connsiteY13" fmla="*/ 2881745 h 2881745"/>
+                    <a:gd name="connsiteX0" fmla="*/ 0 w 2997109"/>
+                    <a:gd name="connsiteY0" fmla="*/ 0 h 2881745"/>
+                    <a:gd name="connsiteX1" fmla="*/ 304800 w 2997109"/>
+                    <a:gd name="connsiteY1" fmla="*/ 138545 h 2881745"/>
+                    <a:gd name="connsiteX2" fmla="*/ 568036 w 2997109"/>
+                    <a:gd name="connsiteY2" fmla="*/ 290945 h 2881745"/>
+                    <a:gd name="connsiteX3" fmla="*/ 914400 w 2997109"/>
+                    <a:gd name="connsiteY3" fmla="*/ 471054 h 2881745"/>
+                    <a:gd name="connsiteX4" fmla="*/ 1149927 w 2997109"/>
+                    <a:gd name="connsiteY4" fmla="*/ 623454 h 2881745"/>
+                    <a:gd name="connsiteX5" fmla="*/ 1385454 w 2997109"/>
+                    <a:gd name="connsiteY5" fmla="*/ 762000 h 2881745"/>
+                    <a:gd name="connsiteX6" fmla="*/ 1870363 w 2997109"/>
+                    <a:gd name="connsiteY6" fmla="*/ 1108364 h 2881745"/>
+                    <a:gd name="connsiteX7" fmla="*/ 2133601 w 2997109"/>
+                    <a:gd name="connsiteY7" fmla="*/ 1330036 h 2881745"/>
+                    <a:gd name="connsiteX8" fmla="*/ 2355272 w 2997109"/>
+                    <a:gd name="connsiteY8" fmla="*/ 1551709 h 2881745"/>
+                    <a:gd name="connsiteX9" fmla="*/ 2563091 w 2997109"/>
+                    <a:gd name="connsiteY9" fmla="*/ 1801091 h 2881745"/>
+                    <a:gd name="connsiteX10" fmla="*/ 2770909 w 2997109"/>
+                    <a:gd name="connsiteY10" fmla="*/ 2105891 h 2881745"/>
+                    <a:gd name="connsiteX11" fmla="*/ 2909454 w 2997109"/>
+                    <a:gd name="connsiteY11" fmla="*/ 2396836 h 2881745"/>
+                    <a:gd name="connsiteX12" fmla="*/ 2992581 w 2997109"/>
+                    <a:gd name="connsiteY12" fmla="*/ 2757054 h 2881745"/>
+                    <a:gd name="connsiteX13" fmla="*/ 2978727 w 2997109"/>
+                    <a:gd name="connsiteY13" fmla="*/ 2881745 h 2881745"/>
+                  </a:gdLst>
+                  <a:ahLst/>
+                  <a:cxnLst>
+                    <a:cxn ang="0">
+                      <a:pos x="connsiteX0" y="connsiteY0"/>
+                    </a:cxn>
+                    <a:cxn ang="0">
+                      <a:pos x="connsiteX1" y="connsiteY1"/>
+                    </a:cxn>
+                    <a:cxn ang="0">
+                      <a:pos x="connsiteX2" y="connsiteY2"/>
+                    </a:cxn>
+                    <a:cxn ang="0">
+                      <a:pos x="connsiteX3" y="connsiteY3"/>
+                    </a:cxn>
+                    <a:cxn ang="0">
+                      <a:pos x="connsiteX4" y="connsiteY4"/>
+                    </a:cxn>
+                    <a:cxn ang="0">
+                      <a:pos x="connsiteX5" y="connsiteY5"/>
+                    </a:cxn>
+                    <a:cxn ang="0">
+                      <a:pos x="connsiteX6" y="connsiteY6"/>
+                    </a:cxn>
+                    <a:cxn ang="0">
+                      <a:pos x="connsiteX7" y="connsiteY7"/>
+                    </a:cxn>
+                    <a:cxn ang="0">
+                      <a:pos x="connsiteX8" y="connsiteY8"/>
+                    </a:cxn>
+                    <a:cxn ang="0">
+                      <a:pos x="connsiteX9" y="connsiteY9"/>
+                    </a:cxn>
+                    <a:cxn ang="0">
+                      <a:pos x="connsiteX10" y="connsiteY10"/>
+                    </a:cxn>
+                    <a:cxn ang="0">
+                      <a:pos x="connsiteX11" y="connsiteY11"/>
+                    </a:cxn>
+                    <a:cxn ang="0">
+                      <a:pos x="connsiteX12" y="connsiteY12"/>
+                    </a:cxn>
+                    <a:cxn ang="0">
+                      <a:pos x="connsiteX13" y="connsiteY13"/>
+                    </a:cxn>
+                  </a:cxnLst>
+                  <a:rect l="l" t="t" r="r" b="b"/>
+                  <a:pathLst>
+                    <a:path w="2997109" h="2881745">
+                      <a:moveTo>
+                        <a:pt x="0" y="0"/>
+                      </a:moveTo>
+                      <a:cubicBezTo>
+                        <a:pt x="105063" y="45027"/>
+                        <a:pt x="210127" y="90054"/>
+                        <a:pt x="304800" y="138545"/>
+                      </a:cubicBezTo>
+                      <a:cubicBezTo>
+                        <a:pt x="399473" y="187036"/>
+                        <a:pt x="466436" y="235527"/>
+                        <a:pt x="568036" y="290945"/>
+                      </a:cubicBezTo>
+                      <a:cubicBezTo>
+                        <a:pt x="669636" y="346363"/>
+                        <a:pt x="817418" y="415636"/>
+                        <a:pt x="914400" y="471054"/>
+                      </a:cubicBezTo>
+                      <a:cubicBezTo>
+                        <a:pt x="1011382" y="526472"/>
+                        <a:pt x="1071418" y="574963"/>
+                        <a:pt x="1149927" y="623454"/>
+                      </a:cubicBezTo>
+                      <a:cubicBezTo>
+                        <a:pt x="1228436" y="671945"/>
+                        <a:pt x="1265381" y="681182"/>
+                        <a:pt x="1385454" y="762000"/>
+                      </a:cubicBezTo>
+                      <a:cubicBezTo>
+                        <a:pt x="1505527" y="842818"/>
+                        <a:pt x="1745672" y="1013691"/>
+                        <a:pt x="1870363" y="1108364"/>
+                      </a:cubicBezTo>
+                      <a:cubicBezTo>
+                        <a:pt x="1995054" y="1203037"/>
+                        <a:pt x="2052783" y="1256145"/>
+                        <a:pt x="2133601" y="1330036"/>
+                      </a:cubicBezTo>
+                      <a:cubicBezTo>
+                        <a:pt x="2214419" y="1403927"/>
+                        <a:pt x="2283690" y="1473200"/>
+                        <a:pt x="2355272" y="1551709"/>
+                      </a:cubicBezTo>
+                      <a:cubicBezTo>
+                        <a:pt x="2426854" y="1630218"/>
+                        <a:pt x="2493818" y="1708727"/>
+                        <a:pt x="2563091" y="1801091"/>
+                      </a:cubicBezTo>
+                      <a:cubicBezTo>
+                        <a:pt x="2632364" y="1893455"/>
+                        <a:pt x="2713182" y="2006600"/>
+                        <a:pt x="2770909" y="2105891"/>
+                      </a:cubicBezTo>
+                      <a:cubicBezTo>
+                        <a:pt x="2828636" y="2205182"/>
+                        <a:pt x="2872509" y="2288309"/>
+                        <a:pt x="2909454" y="2396836"/>
+                      </a:cubicBezTo>
+                      <a:cubicBezTo>
+                        <a:pt x="2946399" y="2505363"/>
+                        <a:pt x="2981036" y="2676236"/>
+                        <a:pt x="2992581" y="2757054"/>
+                      </a:cubicBezTo>
+                      <a:cubicBezTo>
+                        <a:pt x="3004127" y="2837872"/>
+                        <a:pt x="2991427" y="2859808"/>
+                        <a:pt x="2978727" y="2881745"/>
+                      </a:cubicBezTo>
+                    </a:path>
+                  </a:pathLst>
+                </a:custGeom>
+                <a:noFill/>
+                <a:ln w="57150">
+                  <a:solidFill>
+                    <a:schemeClr val="tx1"/>
+                  </a:solidFill>
+                </a:ln>
+              </p:spPr>
+              <p:style>
+                <a:lnRef idx="2">
+                  <a:schemeClr val="accent1">
+                    <a:shade val="50000"/>
+                  </a:schemeClr>
+                </a:lnRef>
+                <a:fillRef idx="1">
+                  <a:schemeClr val="accent1"/>
+                </a:fillRef>
+                <a:effectRef idx="0">
+                  <a:schemeClr val="accent1"/>
+                </a:effectRef>
+                <a:fontRef idx="minor">
+                  <a:schemeClr val="lt1"/>
+                </a:fontRef>
+              </p:style>
+              <p:txBody>
+                <a:bodyPr rtlCol="0" anchor="ctr"/>
+                <a:lstStyle/>
+                <a:p>
+                  <a:pPr algn="ctr"/>
+                  <a:endParaRPr lang="en-US"/>
+                </a:p>
+              </p:txBody>
+            </p:sp>
+            <p:sp>
+              <p:nvSpPr>
+                <p:cNvPr id="22" name="Freeform 21"/>
+                <p:cNvSpPr/>
+                <p:nvPr/>
+              </p:nvSpPr>
+              <p:spPr>
+                <a:xfrm flipV="1">
+                  <a:off x="4293455" y="3139874"/>
+                  <a:ext cx="2839154" cy="2729870"/>
+                </a:xfrm>
+                <a:custGeom>
+                  <a:avLst/>
+                  <a:gdLst>
+                    <a:gd name="connsiteX0" fmla="*/ 0 w 2997109"/>
+                    <a:gd name="connsiteY0" fmla="*/ 0 h 2881745"/>
+                    <a:gd name="connsiteX1" fmla="*/ 304800 w 2997109"/>
+                    <a:gd name="connsiteY1" fmla="*/ 138545 h 2881745"/>
+                    <a:gd name="connsiteX2" fmla="*/ 568036 w 2997109"/>
+                    <a:gd name="connsiteY2" fmla="*/ 290945 h 2881745"/>
+                    <a:gd name="connsiteX3" fmla="*/ 914400 w 2997109"/>
+                    <a:gd name="connsiteY3" fmla="*/ 471054 h 2881745"/>
+                    <a:gd name="connsiteX4" fmla="*/ 1149927 w 2997109"/>
+                    <a:gd name="connsiteY4" fmla="*/ 623454 h 2881745"/>
+                    <a:gd name="connsiteX5" fmla="*/ 1385454 w 2997109"/>
+                    <a:gd name="connsiteY5" fmla="*/ 762000 h 2881745"/>
+                    <a:gd name="connsiteX6" fmla="*/ 1870363 w 2997109"/>
+                    <a:gd name="connsiteY6" fmla="*/ 1108364 h 2881745"/>
+                    <a:gd name="connsiteX7" fmla="*/ 2105891 w 2997109"/>
+                    <a:gd name="connsiteY7" fmla="*/ 1330036 h 2881745"/>
+                    <a:gd name="connsiteX8" fmla="*/ 2313709 w 2997109"/>
+                    <a:gd name="connsiteY8" fmla="*/ 1482436 h 2881745"/>
+                    <a:gd name="connsiteX9" fmla="*/ 2563091 w 2997109"/>
+                    <a:gd name="connsiteY9" fmla="*/ 1801091 h 2881745"/>
+                    <a:gd name="connsiteX10" fmla="*/ 2770909 w 2997109"/>
+                    <a:gd name="connsiteY10" fmla="*/ 2105891 h 2881745"/>
+                    <a:gd name="connsiteX11" fmla="*/ 2909454 w 2997109"/>
+                    <a:gd name="connsiteY11" fmla="*/ 2396836 h 2881745"/>
+                    <a:gd name="connsiteX12" fmla="*/ 2992581 w 2997109"/>
+                    <a:gd name="connsiteY12" fmla="*/ 2757054 h 2881745"/>
+                    <a:gd name="connsiteX13" fmla="*/ 2978727 w 2997109"/>
+                    <a:gd name="connsiteY13" fmla="*/ 2881745 h 2881745"/>
+                    <a:gd name="connsiteX0" fmla="*/ 0 w 2997109"/>
+                    <a:gd name="connsiteY0" fmla="*/ 0 h 2881745"/>
+                    <a:gd name="connsiteX1" fmla="*/ 304800 w 2997109"/>
+                    <a:gd name="connsiteY1" fmla="*/ 138545 h 2881745"/>
+                    <a:gd name="connsiteX2" fmla="*/ 568036 w 2997109"/>
+                    <a:gd name="connsiteY2" fmla="*/ 290945 h 2881745"/>
+                    <a:gd name="connsiteX3" fmla="*/ 914400 w 2997109"/>
+                    <a:gd name="connsiteY3" fmla="*/ 471054 h 2881745"/>
+                    <a:gd name="connsiteX4" fmla="*/ 1149927 w 2997109"/>
+                    <a:gd name="connsiteY4" fmla="*/ 623454 h 2881745"/>
+                    <a:gd name="connsiteX5" fmla="*/ 1385454 w 2997109"/>
+                    <a:gd name="connsiteY5" fmla="*/ 762000 h 2881745"/>
+                    <a:gd name="connsiteX6" fmla="*/ 1870363 w 2997109"/>
+                    <a:gd name="connsiteY6" fmla="*/ 1108364 h 2881745"/>
+                    <a:gd name="connsiteX7" fmla="*/ 2133601 w 2997109"/>
+                    <a:gd name="connsiteY7" fmla="*/ 1330036 h 2881745"/>
+                    <a:gd name="connsiteX8" fmla="*/ 2313709 w 2997109"/>
+                    <a:gd name="connsiteY8" fmla="*/ 1482436 h 2881745"/>
+                    <a:gd name="connsiteX9" fmla="*/ 2563091 w 2997109"/>
+                    <a:gd name="connsiteY9" fmla="*/ 1801091 h 2881745"/>
+                    <a:gd name="connsiteX10" fmla="*/ 2770909 w 2997109"/>
+                    <a:gd name="connsiteY10" fmla="*/ 2105891 h 2881745"/>
+                    <a:gd name="connsiteX11" fmla="*/ 2909454 w 2997109"/>
+                    <a:gd name="connsiteY11" fmla="*/ 2396836 h 2881745"/>
+                    <a:gd name="connsiteX12" fmla="*/ 2992581 w 2997109"/>
+                    <a:gd name="connsiteY12" fmla="*/ 2757054 h 2881745"/>
+                    <a:gd name="connsiteX13" fmla="*/ 2978727 w 2997109"/>
+                    <a:gd name="connsiteY13" fmla="*/ 2881745 h 2881745"/>
+                    <a:gd name="connsiteX0" fmla="*/ 0 w 2997109"/>
+                    <a:gd name="connsiteY0" fmla="*/ 0 h 2881745"/>
+                    <a:gd name="connsiteX1" fmla="*/ 304800 w 2997109"/>
+                    <a:gd name="connsiteY1" fmla="*/ 138545 h 2881745"/>
+                    <a:gd name="connsiteX2" fmla="*/ 568036 w 2997109"/>
+                    <a:gd name="connsiteY2" fmla="*/ 290945 h 2881745"/>
+                    <a:gd name="connsiteX3" fmla="*/ 914400 w 2997109"/>
+                    <a:gd name="connsiteY3" fmla="*/ 471054 h 2881745"/>
+                    <a:gd name="connsiteX4" fmla="*/ 1149927 w 2997109"/>
+                    <a:gd name="connsiteY4" fmla="*/ 623454 h 2881745"/>
+                    <a:gd name="connsiteX5" fmla="*/ 1385454 w 2997109"/>
+                    <a:gd name="connsiteY5" fmla="*/ 762000 h 2881745"/>
+                    <a:gd name="connsiteX6" fmla="*/ 1870363 w 2997109"/>
+                    <a:gd name="connsiteY6" fmla="*/ 1108364 h 2881745"/>
+                    <a:gd name="connsiteX7" fmla="*/ 2133601 w 2997109"/>
+                    <a:gd name="connsiteY7" fmla="*/ 1330036 h 2881745"/>
+                    <a:gd name="connsiteX8" fmla="*/ 2355272 w 2997109"/>
+                    <a:gd name="connsiteY8" fmla="*/ 1551709 h 2881745"/>
+                    <a:gd name="connsiteX9" fmla="*/ 2563091 w 2997109"/>
+                    <a:gd name="connsiteY9" fmla="*/ 1801091 h 2881745"/>
+                    <a:gd name="connsiteX10" fmla="*/ 2770909 w 2997109"/>
+                    <a:gd name="connsiteY10" fmla="*/ 2105891 h 2881745"/>
+                    <a:gd name="connsiteX11" fmla="*/ 2909454 w 2997109"/>
+                    <a:gd name="connsiteY11" fmla="*/ 2396836 h 2881745"/>
+                    <a:gd name="connsiteX12" fmla="*/ 2992581 w 2997109"/>
+                    <a:gd name="connsiteY12" fmla="*/ 2757054 h 2881745"/>
+                    <a:gd name="connsiteX13" fmla="*/ 2978727 w 2997109"/>
+                    <a:gd name="connsiteY13" fmla="*/ 2881745 h 2881745"/>
+                  </a:gdLst>
+                  <a:ahLst/>
+                  <a:cxnLst>
+                    <a:cxn ang="0">
+                      <a:pos x="connsiteX0" y="connsiteY0"/>
+                    </a:cxn>
+                    <a:cxn ang="0">
+                      <a:pos x="connsiteX1" y="connsiteY1"/>
+                    </a:cxn>
+                    <a:cxn ang="0">
+                      <a:pos x="connsiteX2" y="connsiteY2"/>
+                    </a:cxn>
+                    <a:cxn ang="0">
+                      <a:pos x="connsiteX3" y="connsiteY3"/>
+                    </a:cxn>
+                    <a:cxn ang="0">
+                      <a:pos x="connsiteX4" y="connsiteY4"/>
+                    </a:cxn>
+                    <a:cxn ang="0">
+                      <a:pos x="connsiteX5" y="connsiteY5"/>
+                    </a:cxn>
+                    <a:cxn ang="0">
+                      <a:pos x="connsiteX6" y="connsiteY6"/>
+                    </a:cxn>
+                    <a:cxn ang="0">
+                      <a:pos x="connsiteX7" y="connsiteY7"/>
+                    </a:cxn>
+                    <a:cxn ang="0">
+                      <a:pos x="connsiteX8" y="connsiteY8"/>
+                    </a:cxn>
+                    <a:cxn ang="0">
+                      <a:pos x="connsiteX9" y="connsiteY9"/>
+                    </a:cxn>
+                    <a:cxn ang="0">
+                      <a:pos x="connsiteX10" y="connsiteY10"/>
+                    </a:cxn>
+                    <a:cxn ang="0">
+                      <a:pos x="connsiteX11" y="connsiteY11"/>
+                    </a:cxn>
+                    <a:cxn ang="0">
+                      <a:pos x="connsiteX12" y="connsiteY12"/>
+                    </a:cxn>
+                    <a:cxn ang="0">
+                      <a:pos x="connsiteX13" y="connsiteY13"/>
+                    </a:cxn>
+                  </a:cxnLst>
+                  <a:rect l="l" t="t" r="r" b="b"/>
+                  <a:pathLst>
+                    <a:path w="2997109" h="2881745">
+                      <a:moveTo>
+                        <a:pt x="0" y="0"/>
+                      </a:moveTo>
+                      <a:cubicBezTo>
+                        <a:pt x="105063" y="45027"/>
+                        <a:pt x="210127" y="90054"/>
+                        <a:pt x="304800" y="138545"/>
+                      </a:cubicBezTo>
+                      <a:cubicBezTo>
+                        <a:pt x="399473" y="187036"/>
+                        <a:pt x="466436" y="235527"/>
+                        <a:pt x="568036" y="290945"/>
+                      </a:cubicBezTo>
+                      <a:cubicBezTo>
+                        <a:pt x="669636" y="346363"/>
+                        <a:pt x="817418" y="415636"/>
+                        <a:pt x="914400" y="471054"/>
+                      </a:cubicBezTo>
+                      <a:cubicBezTo>
+                        <a:pt x="1011382" y="526472"/>
+                        <a:pt x="1071418" y="574963"/>
+                        <a:pt x="1149927" y="623454"/>
+                      </a:cubicBezTo>
+                      <a:cubicBezTo>
+                        <a:pt x="1228436" y="671945"/>
+                        <a:pt x="1265381" y="681182"/>
+                        <a:pt x="1385454" y="762000"/>
+                      </a:cubicBezTo>
+                      <a:cubicBezTo>
+                        <a:pt x="1505527" y="842818"/>
+                        <a:pt x="1745672" y="1013691"/>
+                        <a:pt x="1870363" y="1108364"/>
+                      </a:cubicBezTo>
+                      <a:cubicBezTo>
+                        <a:pt x="1995054" y="1203037"/>
+                        <a:pt x="2052783" y="1256145"/>
+                        <a:pt x="2133601" y="1330036"/>
+                      </a:cubicBezTo>
+                      <a:cubicBezTo>
+                        <a:pt x="2214419" y="1403927"/>
+                        <a:pt x="2283690" y="1473200"/>
+                        <a:pt x="2355272" y="1551709"/>
+                      </a:cubicBezTo>
+                      <a:cubicBezTo>
+                        <a:pt x="2426854" y="1630218"/>
+                        <a:pt x="2493818" y="1708727"/>
+                        <a:pt x="2563091" y="1801091"/>
+                      </a:cubicBezTo>
+                      <a:cubicBezTo>
+                        <a:pt x="2632364" y="1893455"/>
+                        <a:pt x="2713182" y="2006600"/>
+                        <a:pt x="2770909" y="2105891"/>
+                      </a:cubicBezTo>
+                      <a:cubicBezTo>
+                        <a:pt x="2828636" y="2205182"/>
+                        <a:pt x="2872509" y="2288309"/>
+                        <a:pt x="2909454" y="2396836"/>
+                      </a:cubicBezTo>
+                      <a:cubicBezTo>
+                        <a:pt x="2946399" y="2505363"/>
+                        <a:pt x="2981036" y="2676236"/>
+                        <a:pt x="2992581" y="2757054"/>
+                      </a:cubicBezTo>
+                      <a:cubicBezTo>
+                        <a:pt x="3004127" y="2837872"/>
+                        <a:pt x="2991427" y="2859808"/>
+                        <a:pt x="2978727" y="2881745"/>
+                      </a:cubicBezTo>
+                    </a:path>
+                  </a:pathLst>
+                </a:custGeom>
+                <a:noFill/>
+                <a:ln w="57150">
+                  <a:solidFill>
+                    <a:schemeClr val="tx1"/>
+                  </a:solidFill>
+                </a:ln>
+              </p:spPr>
+              <p:style>
+                <a:lnRef idx="2">
+                  <a:schemeClr val="accent1">
+                    <a:shade val="50000"/>
+                  </a:schemeClr>
+                </a:lnRef>
+                <a:fillRef idx="1">
+                  <a:schemeClr val="accent1"/>
+                </a:fillRef>
+                <a:effectRef idx="0">
+                  <a:schemeClr val="accent1"/>
+                </a:effectRef>
+                <a:fontRef idx="minor">
+                  <a:schemeClr val="lt1"/>
+                </a:fontRef>
+              </p:style>
+              <p:txBody>
+                <a:bodyPr rtlCol="0" anchor="ctr"/>
+                <a:lstStyle/>
+                <a:p>
+                  <a:pPr algn="ctr"/>
+                  <a:endParaRPr lang="en-US"/>
+                </a:p>
+              </p:txBody>
+            </p:sp>
+          </p:grpSp>
+          <p:sp>
+            <p:nvSpPr>
+              <p:cNvPr id="23" name="Freeform 22"/>
+              <p:cNvSpPr/>
+              <p:nvPr/>
+            </p:nvSpPr>
+            <p:spPr>
+              <a:xfrm>
+                <a:off x="5134452" y="207818"/>
+                <a:ext cx="1953566" cy="5805055"/>
+              </a:xfrm>
+              <a:custGeom>
+                <a:avLst/>
+                <a:gdLst>
+                  <a:gd name="connsiteX0" fmla="*/ 0 w 1953566"/>
+                  <a:gd name="connsiteY0" fmla="*/ 0 h 5805055"/>
+                  <a:gd name="connsiteX1" fmla="*/ 346363 w 1953566"/>
+                  <a:gd name="connsiteY1" fmla="*/ 346364 h 5805055"/>
+                  <a:gd name="connsiteX2" fmla="*/ 720436 w 1953566"/>
+                  <a:gd name="connsiteY2" fmla="*/ 748146 h 5805055"/>
+                  <a:gd name="connsiteX3" fmla="*/ 1052945 w 1953566"/>
+                  <a:gd name="connsiteY3" fmla="*/ 1122218 h 5805055"/>
+                  <a:gd name="connsiteX4" fmla="*/ 1330036 w 1953566"/>
+                  <a:gd name="connsiteY4" fmla="*/ 1454727 h 5805055"/>
+                  <a:gd name="connsiteX5" fmla="*/ 1662545 w 1953566"/>
+                  <a:gd name="connsiteY5" fmla="*/ 1953491 h 5805055"/>
+                  <a:gd name="connsiteX6" fmla="*/ 1856509 w 1953566"/>
+                  <a:gd name="connsiteY6" fmla="*/ 2466109 h 5805055"/>
+                  <a:gd name="connsiteX7" fmla="*/ 1953491 w 1953566"/>
+                  <a:gd name="connsiteY7" fmla="*/ 2923309 h 5805055"/>
+                  <a:gd name="connsiteX8" fmla="*/ 1842654 w 1953566"/>
+                  <a:gd name="connsiteY8" fmla="*/ 3532909 h 5805055"/>
+                  <a:gd name="connsiteX9" fmla="*/ 1496291 w 1953566"/>
+                  <a:gd name="connsiteY9" fmla="*/ 4170218 h 5805055"/>
+                  <a:gd name="connsiteX10" fmla="*/ 1011381 w 1953566"/>
+                  <a:gd name="connsiteY10" fmla="*/ 4807527 h 5805055"/>
+                  <a:gd name="connsiteX11" fmla="*/ 706581 w 1953566"/>
+                  <a:gd name="connsiteY11" fmla="*/ 5126182 h 5805055"/>
+                  <a:gd name="connsiteX12" fmla="*/ 387927 w 1953566"/>
+                  <a:gd name="connsiteY12" fmla="*/ 5444837 h 5805055"/>
+                  <a:gd name="connsiteX13" fmla="*/ 0 w 1953566"/>
+                  <a:gd name="connsiteY13" fmla="*/ 5805055 h 5805055"/>
+                </a:gdLst>
+                <a:ahLst/>
+                <a:cxnLst>
+                  <a:cxn ang="0">
+                    <a:pos x="connsiteX0" y="connsiteY0"/>
+                  </a:cxn>
+                  <a:cxn ang="0">
+                    <a:pos x="connsiteX1" y="connsiteY1"/>
+                  </a:cxn>
+                  <a:cxn ang="0">
+                    <a:pos x="connsiteX2" y="connsiteY2"/>
+                  </a:cxn>
+                  <a:cxn ang="0">
+                    <a:pos x="connsiteX3" y="connsiteY3"/>
+                  </a:cxn>
+                  <a:cxn ang="0">
+                    <a:pos x="connsiteX4" y="connsiteY4"/>
+                  </a:cxn>
+                  <a:cxn ang="0">
+                    <a:pos x="connsiteX5" y="connsiteY5"/>
+                  </a:cxn>
+                  <a:cxn ang="0">
+                    <a:pos x="connsiteX6" y="connsiteY6"/>
+                  </a:cxn>
+                  <a:cxn ang="0">
+                    <a:pos x="connsiteX7" y="connsiteY7"/>
+                  </a:cxn>
+                  <a:cxn ang="0">
+                    <a:pos x="connsiteX8" y="connsiteY8"/>
+                  </a:cxn>
+                  <a:cxn ang="0">
+                    <a:pos x="connsiteX9" y="connsiteY9"/>
+                  </a:cxn>
+                  <a:cxn ang="0">
+                    <a:pos x="connsiteX10" y="connsiteY10"/>
+                  </a:cxn>
+                  <a:cxn ang="0">
+                    <a:pos x="connsiteX11" y="connsiteY11"/>
+                  </a:cxn>
+                  <a:cxn ang="0">
+                    <a:pos x="connsiteX12" y="connsiteY12"/>
+                  </a:cxn>
+                  <a:cxn ang="0">
+                    <a:pos x="connsiteX13" y="connsiteY13"/>
+                  </a:cxn>
+                </a:cxnLst>
+                <a:rect l="l" t="t" r="r" b="b"/>
+                <a:pathLst>
+                  <a:path w="1953566" h="5805055">
+                    <a:moveTo>
+                      <a:pt x="0" y="0"/>
+                    </a:moveTo>
+                    <a:cubicBezTo>
+                      <a:pt x="113145" y="110836"/>
+                      <a:pt x="226290" y="221673"/>
+                      <a:pt x="346363" y="346364"/>
+                    </a:cubicBezTo>
+                    <a:cubicBezTo>
+                      <a:pt x="466436" y="471055"/>
+                      <a:pt x="602672" y="618837"/>
+                      <a:pt x="720436" y="748146"/>
+                    </a:cubicBezTo>
+                    <a:cubicBezTo>
+                      <a:pt x="838200" y="877455"/>
+                      <a:pt x="951345" y="1004455"/>
+                      <a:pt x="1052945" y="1122218"/>
+                    </a:cubicBezTo>
+                    <a:cubicBezTo>
+                      <a:pt x="1154545" y="1239981"/>
+                      <a:pt x="1228436" y="1316182"/>
+                      <a:pt x="1330036" y="1454727"/>
+                    </a:cubicBezTo>
+                    <a:cubicBezTo>
+                      <a:pt x="1431636" y="1593272"/>
+                      <a:pt x="1574800" y="1784927"/>
+                      <a:pt x="1662545" y="1953491"/>
+                    </a:cubicBezTo>
+                    <a:cubicBezTo>
+                      <a:pt x="1750290" y="2122055"/>
+                      <a:pt x="1808018" y="2304473"/>
+                      <a:pt x="1856509" y="2466109"/>
+                    </a:cubicBezTo>
+                    <a:cubicBezTo>
+                      <a:pt x="1905000" y="2627745"/>
+                      <a:pt x="1955800" y="2745509"/>
+                      <a:pt x="1953491" y="2923309"/>
+                    </a:cubicBezTo>
+                    <a:cubicBezTo>
+                      <a:pt x="1951182" y="3101109"/>
+                      <a:pt x="1918854" y="3325091"/>
+                      <a:pt x="1842654" y="3532909"/>
+                    </a:cubicBezTo>
+                    <a:cubicBezTo>
+                      <a:pt x="1766454" y="3740727"/>
+                      <a:pt x="1634837" y="3957782"/>
+                      <a:pt x="1496291" y="4170218"/>
+                    </a:cubicBezTo>
+                    <a:cubicBezTo>
+                      <a:pt x="1357746" y="4382654"/>
+                      <a:pt x="1142999" y="4648200"/>
+                      <a:pt x="1011381" y="4807527"/>
+                    </a:cubicBezTo>
+                    <a:cubicBezTo>
+                      <a:pt x="879763" y="4966854"/>
+                      <a:pt x="810490" y="5019964"/>
+                      <a:pt x="706581" y="5126182"/>
+                    </a:cubicBezTo>
+                    <a:cubicBezTo>
+                      <a:pt x="602672" y="5232400"/>
+                      <a:pt x="505690" y="5331692"/>
+                      <a:pt x="387927" y="5444837"/>
+                    </a:cubicBezTo>
+                    <a:cubicBezTo>
+                      <a:pt x="270164" y="5557982"/>
+                      <a:pt x="135082" y="5681518"/>
+                      <a:pt x="0" y="5805055"/>
+                    </a:cubicBezTo>
+                  </a:path>
+                </a:pathLst>
+              </a:custGeom>
+              <a:noFill/>
+              <a:ln w="57150">
+                <a:solidFill>
+                  <a:schemeClr val="tx1"/>
+                </a:solidFill>
+              </a:ln>
+            </p:spPr>
+            <p:style>
+              <a:lnRef idx="2">
+                <a:schemeClr val="accent1">
+                  <a:shade val="50000"/>
+                </a:schemeClr>
+              </a:lnRef>
+              <a:fillRef idx="1">
+                <a:schemeClr val="accent1"/>
+              </a:fillRef>
+              <a:effectRef idx="0">
+                <a:schemeClr val="accent1"/>
+              </a:effectRef>
+              <a:fontRef idx="minor">
+                <a:schemeClr val="lt1"/>
+              </a:fontRef>
+            </p:style>
+            <p:txBody>
+              <a:bodyPr rtlCol="0" anchor="ctr"/>
+              <a:lstStyle/>
+              <a:p>
+                <a:pPr algn="ctr"/>
+                <a:endParaRPr lang="en-US"/>
+              </a:p>
+            </p:txBody>
+          </p:sp>
+        </p:grpSp>
+        <mc:AlternateContent xmlns:mc="http://schemas.openxmlformats.org/markup-compatibility/2006">
+          <mc:Choice xmlns:a14="http://schemas.microsoft.com/office/drawing/2010/main" Requires="a14">
+            <p:sp>
+              <p:nvSpPr>
+                <p:cNvPr id="26" name="TextBox 25"/>
+                <p:cNvSpPr txBox="1"/>
+                <p:nvPr/>
+              </p:nvSpPr>
+              <p:spPr>
+                <a:xfrm>
+                  <a:off x="2905275" y="416820"/>
+                  <a:ext cx="859466" cy="369332"/>
+                </a:xfrm>
+                <a:prstGeom prst="rect">
+                  <a:avLst/>
+                </a:prstGeom>
+                <a:noFill/>
+              </p:spPr>
+              <p:txBody>
+                <a:bodyPr wrap="none" lIns="0" tIns="0" rIns="0" bIns="0" rtlCol="0">
+                  <a:spAutoFit/>
+                </a:bodyPr>
+                <a:lstStyle/>
+                <a:p>
+                  <a14:m>
+                    <m:oMathPara xmlns:m="http://schemas.openxmlformats.org/officeDocument/2006/math">
+                      <m:oMathParaPr>
+                        <m:jc m:val="centerGroup"/>
+                      </m:oMathParaPr>
+                      <m:oMath xmlns:m="http://schemas.openxmlformats.org/officeDocument/2006/math">
+                        <m:r>
+                          <a:rPr lang="en-US" sz="2400" b="0" i="1" smtClean="0">
+                            <a:latin typeface="Cambria Math" panose="02040503050406030204" pitchFamily="18" charset="0"/>
+                            <a:cs typeface="Arial" panose="020B0604020202020204" pitchFamily="34" charset="0"/>
+                          </a:rPr>
+                          <m:t>𝐸</m:t>
+                        </m:r>
+                        <m:r>
+                          <a:rPr lang="en-US" sz="2400" b="0" i="1" smtClean="0">
+                            <a:latin typeface="Cambria Math" panose="02040503050406030204" pitchFamily="18" charset="0"/>
+                            <a:cs typeface="Arial" panose="020B0604020202020204" pitchFamily="34" charset="0"/>
+                          </a:rPr>
+                          <m:t>=0</m:t>
+                        </m:r>
+                      </m:oMath>
+                    </m:oMathPara>
+                  </a14:m>
+                  <a:endParaRPr lang="en-US" sz="2400" dirty="0" smtClean="0">
+                    <a:latin typeface="Arial" panose="020B0604020202020204" pitchFamily="34" charset="0"/>
+                    <a:cs typeface="Arial" panose="020B0604020202020204" pitchFamily="34" charset="0"/>
+                  </a:endParaRPr>
+                </a:p>
+              </p:txBody>
+            </p:sp>
+          </mc:Choice>
+          <mc:Fallback>
+            <p:sp>
+              <p:nvSpPr>
+                <p:cNvPr id="26" name="TextBox 25"/>
+                <p:cNvSpPr txBox="1">
+                  <a:spLocks noRot="1" noChangeAspect="1" noMove="1" noResize="1" noEditPoints="1" noAdjustHandles="1" noChangeArrowheads="1" noChangeShapeType="1" noTextEdit="1"/>
+                </p:cNvSpPr>
+                <p:nvPr/>
+              </p:nvSpPr>
+              <p:spPr>
+                <a:xfrm>
+                  <a:off x="2905275" y="416820"/>
+                  <a:ext cx="859466" cy="369332"/>
+                </a:xfrm>
+                <a:prstGeom prst="rect">
+                  <a:avLst/>
+                </a:prstGeom>
+                <a:blipFill>
+                  <a:blip r:embed="rId3"/>
+                  <a:stretch>
+                    <a:fillRect l="-7092" r="-7092" b="-9836"/>
+                  </a:stretch>
+                </a:blipFill>
+              </p:spPr>
+              <p:txBody>
+                <a:bodyPr/>
+                <a:lstStyle/>
+                <a:p>
+                  <a:r>
+                    <a:rPr lang="en-US">
+                      <a:noFill/>
+                    </a:rPr>
+                    <a:t> </a:t>
+                  </a:r>
+                </a:p>
+              </p:txBody>
+            </p:sp>
+          </mc:Fallback>
+        </mc:AlternateContent>
+        <mc:AlternateContent xmlns:mc="http://schemas.openxmlformats.org/markup-compatibility/2006">
+          <mc:Choice xmlns:a14="http://schemas.microsoft.com/office/drawing/2010/main" Requires="a14">
+            <p:sp>
+              <p:nvSpPr>
+                <p:cNvPr id="29" name="TextBox 28"/>
+                <p:cNvSpPr txBox="1"/>
+                <p:nvPr/>
+              </p:nvSpPr>
+              <p:spPr>
+                <a:xfrm>
+                  <a:off x="5094820" y="194358"/>
+                  <a:ext cx="859466" cy="369332"/>
+                </a:xfrm>
+                <a:prstGeom prst="rect">
+                  <a:avLst/>
+                </a:prstGeom>
+                <a:noFill/>
+              </p:spPr>
+              <p:txBody>
+                <a:bodyPr wrap="none" lIns="0" tIns="0" rIns="0" bIns="0" rtlCol="0">
+                  <a:spAutoFit/>
+                </a:bodyPr>
+                <a:lstStyle/>
+                <a:p>
+                  <a14:m>
+                    <m:oMathPara xmlns:m="http://schemas.openxmlformats.org/officeDocument/2006/math">
+                      <m:oMathParaPr>
+                        <m:jc m:val="centerGroup"/>
+                      </m:oMathParaPr>
+                      <m:oMath xmlns:m="http://schemas.openxmlformats.org/officeDocument/2006/math">
+                        <m:r>
+                          <a:rPr lang="en-US" sz="2400" b="0" i="1" smtClean="0">
+                            <a:latin typeface="Cambria Math" panose="02040503050406030204" pitchFamily="18" charset="0"/>
+                            <a:cs typeface="Arial" panose="020B0604020202020204" pitchFamily="34" charset="0"/>
+                          </a:rPr>
+                          <m:t>𝐸</m:t>
+                        </m:r>
+                        <m:r>
+                          <a:rPr lang="en-US" sz="2400" b="0" i="1" smtClean="0">
+                            <a:latin typeface="Cambria Math" panose="02040503050406030204" pitchFamily="18" charset="0"/>
+                            <a:cs typeface="Arial" panose="020B0604020202020204" pitchFamily="34" charset="0"/>
+                          </a:rPr>
+                          <m:t>&gt;0</m:t>
+                        </m:r>
+                      </m:oMath>
+                    </m:oMathPara>
+                  </a14:m>
+                  <a:endParaRPr lang="en-US" sz="2400" dirty="0" smtClean="0">
+                    <a:latin typeface="Arial" panose="020B0604020202020204" pitchFamily="34" charset="0"/>
+                    <a:cs typeface="Arial" panose="020B0604020202020204" pitchFamily="34" charset="0"/>
+                  </a:endParaRPr>
+                </a:p>
+              </p:txBody>
+            </p:sp>
+          </mc:Choice>
+          <mc:Fallback>
+            <p:sp>
+              <p:nvSpPr>
+                <p:cNvPr id="29" name="TextBox 28"/>
+                <p:cNvSpPr txBox="1">
+                  <a:spLocks noRot="1" noChangeAspect="1" noMove="1" noResize="1" noEditPoints="1" noAdjustHandles="1" noChangeArrowheads="1" noChangeShapeType="1" noTextEdit="1"/>
+                </p:cNvSpPr>
+                <p:nvPr/>
+              </p:nvSpPr>
+              <p:spPr>
+                <a:xfrm>
+                  <a:off x="5094820" y="194358"/>
+                  <a:ext cx="859466" cy="369332"/>
+                </a:xfrm>
+                <a:prstGeom prst="rect">
+                  <a:avLst/>
+                </a:prstGeom>
+                <a:blipFill>
+                  <a:blip r:embed="rId4"/>
+                  <a:stretch>
+                    <a:fillRect l="-7801" r="-7092" b="-10000"/>
+                  </a:stretch>
+                </a:blipFill>
+              </p:spPr>
+              <p:txBody>
+                <a:bodyPr/>
+                <a:lstStyle/>
+                <a:p>
+                  <a:r>
+                    <a:rPr lang="en-US">
+                      <a:noFill/>
+                    </a:rPr>
+                    <a:t> </a:t>
+                  </a:r>
+                </a:p>
+              </p:txBody>
+            </p:sp>
+          </mc:Fallback>
+        </mc:AlternateContent>
+        <mc:AlternateContent xmlns:mc="http://schemas.openxmlformats.org/markup-compatibility/2006">
+          <mc:Choice xmlns:a14="http://schemas.microsoft.com/office/drawing/2010/main" Requires="a14">
+            <p:sp>
+              <p:nvSpPr>
+                <p:cNvPr id="30" name="TextBox 29"/>
+                <p:cNvSpPr txBox="1"/>
+                <p:nvPr/>
+              </p:nvSpPr>
+              <p:spPr>
+                <a:xfrm>
+                  <a:off x="1018274" y="3178630"/>
+                  <a:ext cx="859466" cy="369332"/>
+                </a:xfrm>
+                <a:prstGeom prst="rect">
+                  <a:avLst/>
+                </a:prstGeom>
+                <a:noFill/>
+              </p:spPr>
+              <p:txBody>
+                <a:bodyPr wrap="none" lIns="0" tIns="0" rIns="0" bIns="0" rtlCol="0">
+                  <a:spAutoFit/>
+                </a:bodyPr>
+                <a:lstStyle/>
+                <a:p>
+                  <a14:m>
+                    <m:oMathPara xmlns:m="http://schemas.openxmlformats.org/officeDocument/2006/math">
+                      <m:oMathParaPr>
+                        <m:jc m:val="centerGroup"/>
+                      </m:oMathParaPr>
+                      <m:oMath xmlns:m="http://schemas.openxmlformats.org/officeDocument/2006/math">
+                        <m:r>
+                          <a:rPr lang="en-US" sz="2400" b="0" i="1" smtClean="0">
+                            <a:latin typeface="Cambria Math" panose="02040503050406030204" pitchFamily="18" charset="0"/>
+                            <a:cs typeface="Arial" panose="020B0604020202020204" pitchFamily="34" charset="0"/>
+                          </a:rPr>
+                          <m:t>𝐸</m:t>
+                        </m:r>
+                        <m:r>
+                          <a:rPr lang="en-US" sz="2400" b="0" i="1" smtClean="0">
+                            <a:latin typeface="Cambria Math" panose="02040503050406030204" pitchFamily="18" charset="0"/>
+                            <a:cs typeface="Arial" panose="020B0604020202020204" pitchFamily="34" charset="0"/>
+                          </a:rPr>
+                          <m:t>&lt;0</m:t>
+                        </m:r>
+                      </m:oMath>
+                    </m:oMathPara>
+                  </a14:m>
+                  <a:endParaRPr lang="en-US" sz="2400" dirty="0" smtClean="0">
+                    <a:latin typeface="Arial" panose="020B0604020202020204" pitchFamily="34" charset="0"/>
+                    <a:cs typeface="Arial" panose="020B0604020202020204" pitchFamily="34" charset="0"/>
+                  </a:endParaRPr>
+                </a:p>
+              </p:txBody>
+            </p:sp>
+          </mc:Choice>
+          <mc:Fallback>
+            <p:sp>
+              <p:nvSpPr>
+                <p:cNvPr id="30" name="TextBox 29"/>
+                <p:cNvSpPr txBox="1">
+                  <a:spLocks noRot="1" noChangeAspect="1" noMove="1" noResize="1" noEditPoints="1" noAdjustHandles="1" noChangeArrowheads="1" noChangeShapeType="1" noTextEdit="1"/>
+                </p:cNvSpPr>
+                <p:nvPr/>
+              </p:nvSpPr>
+              <p:spPr>
+                <a:xfrm>
+                  <a:off x="1018274" y="3178630"/>
+                  <a:ext cx="859466" cy="369332"/>
+                </a:xfrm>
+                <a:prstGeom prst="rect">
+                  <a:avLst/>
+                </a:prstGeom>
+                <a:blipFill>
+                  <a:blip r:embed="rId5"/>
+                  <a:stretch>
+                    <a:fillRect l="-7092" r="-7801" b="-9836"/>
+                  </a:stretch>
+                </a:blipFill>
+              </p:spPr>
+              <p:txBody>
+                <a:bodyPr/>
+                <a:lstStyle/>
+                <a:p>
+                  <a:r>
+                    <a:rPr lang="en-US">
+                      <a:noFill/>
+                    </a:rPr>
+                    <a:t> </a:t>
+                  </a:r>
+                </a:p>
+              </p:txBody>
+            </p:sp>
+          </mc:Fallback>
+        </mc:AlternateContent>
+        <mc:AlternateContent xmlns:mc="http://schemas.openxmlformats.org/markup-compatibility/2006">
+          <mc:Choice xmlns:a14="http://schemas.microsoft.com/office/drawing/2010/main" Requires="a14">
+            <p:sp>
+              <p:nvSpPr>
+                <p:cNvPr id="31" name="TextBox 30"/>
+                <p:cNvSpPr txBox="1"/>
+                <p:nvPr/>
+              </p:nvSpPr>
+              <p:spPr>
+                <a:xfrm>
+                  <a:off x="4733345" y="3236609"/>
+                  <a:ext cx="859466" cy="369332"/>
+                </a:xfrm>
+                <a:prstGeom prst="rect">
+                  <a:avLst/>
+                </a:prstGeom>
+                <a:noFill/>
+              </p:spPr>
+              <p:txBody>
+                <a:bodyPr wrap="none" lIns="0" tIns="0" rIns="0" bIns="0" rtlCol="0">
+                  <a:spAutoFit/>
+                </a:bodyPr>
+                <a:lstStyle/>
+                <a:p>
+                  <a14:m>
+                    <m:oMathPara xmlns:m="http://schemas.openxmlformats.org/officeDocument/2006/math">
+                      <m:oMathParaPr>
+                        <m:jc m:val="centerGroup"/>
+                      </m:oMathParaPr>
+                      <m:oMath xmlns:m="http://schemas.openxmlformats.org/officeDocument/2006/math">
+                        <m:r>
+                          <a:rPr lang="en-US" sz="2400" b="0" i="1" smtClean="0">
+                            <a:latin typeface="Cambria Math" panose="02040503050406030204" pitchFamily="18" charset="0"/>
+                            <a:cs typeface="Arial" panose="020B0604020202020204" pitchFamily="34" charset="0"/>
+                          </a:rPr>
+                          <m:t>𝐸</m:t>
+                        </m:r>
+                        <m:r>
+                          <a:rPr lang="en-US" sz="2400" b="0" i="1" smtClean="0">
+                            <a:latin typeface="Cambria Math" panose="02040503050406030204" pitchFamily="18" charset="0"/>
+                            <a:cs typeface="Arial" panose="020B0604020202020204" pitchFamily="34" charset="0"/>
+                          </a:rPr>
+                          <m:t>&lt;0</m:t>
+                        </m:r>
+                      </m:oMath>
+                    </m:oMathPara>
+                  </a14:m>
+                  <a:endParaRPr lang="en-US" sz="2400" dirty="0" smtClean="0">
+                    <a:latin typeface="Arial" panose="020B0604020202020204" pitchFamily="34" charset="0"/>
+                    <a:cs typeface="Arial" panose="020B0604020202020204" pitchFamily="34" charset="0"/>
+                  </a:endParaRPr>
+                </a:p>
+              </p:txBody>
+            </p:sp>
+          </mc:Choice>
+          <mc:Fallback>
+            <p:sp>
+              <p:nvSpPr>
+                <p:cNvPr id="31" name="TextBox 30"/>
+                <p:cNvSpPr txBox="1">
+                  <a:spLocks noRot="1" noChangeAspect="1" noMove="1" noResize="1" noEditPoints="1" noAdjustHandles="1" noChangeArrowheads="1" noChangeShapeType="1" noTextEdit="1"/>
+                </p:cNvSpPr>
+                <p:nvPr/>
+              </p:nvSpPr>
+              <p:spPr>
+                <a:xfrm>
+                  <a:off x="4733345" y="3236609"/>
+                  <a:ext cx="859466" cy="369332"/>
+                </a:xfrm>
+                <a:prstGeom prst="rect">
+                  <a:avLst/>
+                </a:prstGeom>
+                <a:blipFill>
+                  <a:blip r:embed="rId6"/>
+                  <a:stretch>
+                    <a:fillRect l="-7092" r="-7801" b="-8197"/>
+                  </a:stretch>
+                </a:blipFill>
+              </p:spPr>
+              <p:txBody>
+                <a:bodyPr/>
+                <a:lstStyle/>
+                <a:p>
+                  <a:r>
+                    <a:rPr lang="en-US">
+                      <a:noFill/>
+                    </a:rPr>
+                    <a:t> </a:t>
+                  </a:r>
+                </a:p>
+              </p:txBody>
+            </p:sp>
+          </mc:Fallback>
+        </mc:AlternateContent>
+      </p:grpSp>
+    </p:spTree>
+    <p:extLst>
+      <p:ext uri="{BB962C8B-B14F-4D97-AF65-F5344CB8AC3E}">
+        <p14:creationId xmlns:p14="http://schemas.microsoft.com/office/powerpoint/2010/main" val="2490243969"/>
       </p:ext>
     </p:extLst>
   </p:cSld>

--- a/tex/figures/Gravity/Figures.pptx
+++ b/tex/figures/Gravity/Figures.pptx
@@ -10,6 +10,7 @@
     <p:sldId id="273" r:id="rId4"/>
     <p:sldId id="274" r:id="rId5"/>
     <p:sldId id="275" r:id="rId6"/>
+    <p:sldId id="276" r:id="rId7"/>
   </p:sldIdLst>
   <p:sldSz cx="12192000" cy="6858000"/>
   <p:notesSz cx="6858000" cy="9144000"/>
@@ -14783,14 +14784,12 @@
               </a:bodyPr>
               <a:lstStyle/>
               <a:p>
-                <a:pPr/>
                 <a:endParaRPr lang="en-US" sz="2000" b="0" dirty="0" smtClean="0">
                   <a:latin typeface="Arial" panose="020B0604020202020204" pitchFamily="34" charset="0"/>
                   <a:cs typeface="Arial" panose="020B0604020202020204" pitchFamily="34" charset="0"/>
                 </a:endParaRPr>
               </a:p>
               <a:p>
-                <a:pPr/>
                 <a:endParaRPr lang="en-US" sz="2000" dirty="0" smtClean="0">
                   <a:latin typeface="Arial" panose="020B0604020202020204" pitchFamily="34" charset="0"/>
                   <a:cs typeface="Arial" panose="020B0604020202020204" pitchFamily="34" charset="0"/>
@@ -14798,8 +14797,8 @@
               </a:p>
             </p:txBody>
           </p:sp>
-          <mc:AlternateContent xmlns:mc="http://schemas.openxmlformats.org/markup-compatibility/2006">
-            <mc:Choice xmlns:a14="http://schemas.microsoft.com/office/drawing/2010/main" Requires="a14">
+          <mc:AlternateContent xmlns:mc="http://schemas.openxmlformats.org/markup-compatibility/2006" xmlns:a14="http://schemas.microsoft.com/office/drawing/2010/main">
+            <mc:Choice Requires="a14">
               <p:sp>
                 <p:nvSpPr>
                   <p:cNvPr id="7" name="TextBox 6"/>
@@ -14847,7 +14846,7 @@
                 </p:txBody>
               </p:sp>
             </mc:Choice>
-            <mc:Fallback>
+            <mc:Fallback xmlns="">
               <p:sp>
                 <p:nvSpPr>
                   <p:cNvPr id="7" name="TextBox 6"/>
@@ -15642,8 +15641,8 @@
             </p:txBody>
           </p:sp>
         </p:grpSp>
-        <mc:AlternateContent xmlns:mc="http://schemas.openxmlformats.org/markup-compatibility/2006">
-          <mc:Choice xmlns:a14="http://schemas.microsoft.com/office/drawing/2010/main" Requires="a14">
+        <mc:AlternateContent xmlns:mc="http://schemas.openxmlformats.org/markup-compatibility/2006" xmlns:a14="http://schemas.microsoft.com/office/drawing/2010/main">
+          <mc:Choice Requires="a14">
             <p:sp>
               <p:nvSpPr>
                 <p:cNvPr id="26" name="TextBox 25"/>
@@ -15666,6 +15665,7 @@
                 </a:bodyPr>
                 <a:lstStyle/>
                 <a:p>
+                  <a:pPr/>
                   <a14:m>
                     <m:oMathPara xmlns:m="http://schemas.openxmlformats.org/officeDocument/2006/math">
                       <m:oMathParaPr>
@@ -15697,7 +15697,7 @@
               </p:txBody>
             </p:sp>
           </mc:Choice>
-          <mc:Fallback>
+          <mc:Fallback xmlns="">
             <p:sp>
               <p:nvSpPr>
                 <p:cNvPr id="26" name="TextBox 25"/>
@@ -15736,8 +15736,8 @@
             </p:sp>
           </mc:Fallback>
         </mc:AlternateContent>
-        <mc:AlternateContent xmlns:mc="http://schemas.openxmlformats.org/markup-compatibility/2006">
-          <mc:Choice xmlns:a14="http://schemas.microsoft.com/office/drawing/2010/main" Requires="a14">
+        <mc:AlternateContent xmlns:mc="http://schemas.openxmlformats.org/markup-compatibility/2006" xmlns:a14="http://schemas.microsoft.com/office/drawing/2010/main">
+          <mc:Choice Requires="a14">
             <p:sp>
               <p:nvSpPr>
                 <p:cNvPr id="29" name="TextBox 28"/>
@@ -15760,6 +15760,7 @@
                 </a:bodyPr>
                 <a:lstStyle/>
                 <a:p>
+                  <a:pPr/>
                   <a14:m>
                     <m:oMathPara xmlns:m="http://schemas.openxmlformats.org/officeDocument/2006/math">
                       <m:oMathParaPr>
@@ -15791,7 +15792,7 @@
               </p:txBody>
             </p:sp>
           </mc:Choice>
-          <mc:Fallback>
+          <mc:Fallback xmlns="">
             <p:sp>
               <p:nvSpPr>
                 <p:cNvPr id="29" name="TextBox 28"/>
@@ -15830,8 +15831,8 @@
             </p:sp>
           </mc:Fallback>
         </mc:AlternateContent>
-        <mc:AlternateContent xmlns:mc="http://schemas.openxmlformats.org/markup-compatibility/2006">
-          <mc:Choice xmlns:a14="http://schemas.microsoft.com/office/drawing/2010/main" Requires="a14">
+        <mc:AlternateContent xmlns:mc="http://schemas.openxmlformats.org/markup-compatibility/2006" xmlns:a14="http://schemas.microsoft.com/office/drawing/2010/main">
+          <mc:Choice Requires="a14">
             <p:sp>
               <p:nvSpPr>
                 <p:cNvPr id="30" name="TextBox 29"/>
@@ -15854,6 +15855,7 @@
                 </a:bodyPr>
                 <a:lstStyle/>
                 <a:p>
+                  <a:pPr/>
                   <a14:m>
                     <m:oMathPara xmlns:m="http://schemas.openxmlformats.org/officeDocument/2006/math">
                       <m:oMathParaPr>
@@ -15885,7 +15887,7 @@
               </p:txBody>
             </p:sp>
           </mc:Choice>
-          <mc:Fallback>
+          <mc:Fallback xmlns="">
             <p:sp>
               <p:nvSpPr>
                 <p:cNvPr id="30" name="TextBox 29"/>
@@ -15924,8 +15926,8 @@
             </p:sp>
           </mc:Fallback>
         </mc:AlternateContent>
-        <mc:AlternateContent xmlns:mc="http://schemas.openxmlformats.org/markup-compatibility/2006">
-          <mc:Choice xmlns:a14="http://schemas.microsoft.com/office/drawing/2010/main" Requires="a14">
+        <mc:AlternateContent xmlns:mc="http://schemas.openxmlformats.org/markup-compatibility/2006" xmlns:a14="http://schemas.microsoft.com/office/drawing/2010/main">
+          <mc:Choice Requires="a14">
             <p:sp>
               <p:nvSpPr>
                 <p:cNvPr id="31" name="TextBox 30"/>
@@ -15948,6 +15950,7 @@
                 </a:bodyPr>
                 <a:lstStyle/>
                 <a:p>
+                  <a:pPr/>
                   <a14:m>
                     <m:oMathPara xmlns:m="http://schemas.openxmlformats.org/officeDocument/2006/math">
                       <m:oMathParaPr>
@@ -15979,7 +15982,7 @@
               </p:txBody>
             </p:sp>
           </mc:Choice>
-          <mc:Fallback>
+          <mc:Fallback xmlns="">
             <p:sp>
               <p:nvSpPr>
                 <p:cNvPr id="31" name="TextBox 30"/>
@@ -16023,6 +16026,1867 @@
     <p:extLst>
       <p:ext uri="{BB962C8B-B14F-4D97-AF65-F5344CB8AC3E}">
         <p14:creationId xmlns:p14="http://schemas.microsoft.com/office/powerpoint/2010/main" val="2490243969"/>
+      </p:ext>
+    </p:extLst>
+  </p:cSld>
+  <p:clrMapOvr>
+    <a:masterClrMapping/>
+  </p:clrMapOvr>
+</p:sld>
+</file>
+
+<file path=ppt/slides/slide6.xml><?xml version="1.0" encoding="utf-8"?>
+<p:sld xmlns:a="http://schemas.openxmlformats.org/drawingml/2006/main" xmlns:r="http://schemas.openxmlformats.org/officeDocument/2006/relationships" xmlns:p="http://schemas.openxmlformats.org/presentationml/2006/main">
+  <p:cSld>
+    <p:spTree>
+      <p:nvGrpSpPr>
+        <p:cNvPr id="1" name=""/>
+        <p:cNvGrpSpPr/>
+        <p:nvPr/>
+      </p:nvGrpSpPr>
+      <p:grpSpPr>
+        <a:xfrm>
+          <a:off x="0" y="0"/>
+          <a:ext cx="0" cy="0"/>
+          <a:chOff x="0" y="0"/>
+          <a:chExt cx="0" cy="0"/>
+        </a:xfrm>
+      </p:grpSpPr>
+      <p:grpSp>
+        <p:nvGrpSpPr>
+          <p:cNvPr id="41" name="Group 40"/>
+          <p:cNvGrpSpPr/>
+          <p:nvPr/>
+        </p:nvGrpSpPr>
+        <p:grpSpPr>
+          <a:xfrm>
+            <a:off x="41563" y="786025"/>
+            <a:ext cx="9892605" cy="4949538"/>
+            <a:chOff x="41563" y="786025"/>
+            <a:chExt cx="9892605" cy="4949538"/>
+          </a:xfrm>
+        </p:grpSpPr>
+        <p:sp>
+          <p:nvSpPr>
+            <p:cNvPr id="2" name="Rectangle 1"/>
+            <p:cNvSpPr/>
+            <p:nvPr/>
+          </p:nvSpPr>
+          <p:spPr>
+            <a:xfrm>
+              <a:off x="1066800" y="803564"/>
+              <a:ext cx="2549236" cy="4641272"/>
+            </a:xfrm>
+            <a:prstGeom prst="rect">
+              <a:avLst/>
+            </a:prstGeom>
+            <a:noFill/>
+            <a:ln w="38100">
+              <a:solidFill>
+                <a:schemeClr val="tx1"/>
+              </a:solidFill>
+            </a:ln>
+          </p:spPr>
+          <p:style>
+            <a:lnRef idx="2">
+              <a:schemeClr val="accent1">
+                <a:shade val="50000"/>
+              </a:schemeClr>
+            </a:lnRef>
+            <a:fillRef idx="1">
+              <a:schemeClr val="accent1"/>
+            </a:fillRef>
+            <a:effectRef idx="0">
+              <a:schemeClr val="accent1"/>
+            </a:effectRef>
+            <a:fontRef idx="minor">
+              <a:schemeClr val="lt1"/>
+            </a:fontRef>
+          </p:style>
+          <p:txBody>
+            <a:bodyPr rtlCol="0" anchor="ctr"/>
+            <a:lstStyle/>
+            <a:p>
+              <a:pPr algn="ctr"/>
+              <a:endParaRPr lang="en-US"/>
+            </a:p>
+          </p:txBody>
+        </p:sp>
+        <p:grpSp>
+          <p:nvGrpSpPr>
+            <p:cNvPr id="12" name="Group 11"/>
+            <p:cNvGrpSpPr/>
+            <p:nvPr/>
+          </p:nvGrpSpPr>
+          <p:grpSpPr>
+            <a:xfrm>
+              <a:off x="1427018" y="1267696"/>
+              <a:ext cx="1828799" cy="4177140"/>
+              <a:chOff x="5805056" y="1385455"/>
+              <a:chExt cx="1828799" cy="4177140"/>
+            </a:xfrm>
+          </p:grpSpPr>
+          <p:grpSp>
+            <p:nvGrpSpPr>
+              <p:cNvPr id="9" name="Group 8"/>
+              <p:cNvGrpSpPr/>
+              <p:nvPr/>
+            </p:nvGrpSpPr>
+            <p:grpSpPr>
+              <a:xfrm>
+                <a:off x="6109855" y="1385455"/>
+                <a:ext cx="1177636" cy="3796144"/>
+                <a:chOff x="6109855" y="1385455"/>
+                <a:chExt cx="1177636" cy="3796144"/>
+              </a:xfrm>
+            </p:grpSpPr>
+            <p:sp>
+              <p:nvSpPr>
+                <p:cNvPr id="3" name="Oval 2"/>
+                <p:cNvSpPr/>
+                <p:nvPr/>
+              </p:nvSpPr>
+              <p:spPr>
+                <a:xfrm>
+                  <a:off x="6442364" y="1385455"/>
+                  <a:ext cx="512618" cy="512618"/>
+                </a:xfrm>
+                <a:prstGeom prst="ellipse">
+                  <a:avLst/>
+                </a:prstGeom>
+                <a:noFill/>
+                <a:ln w="38100">
+                  <a:solidFill>
+                    <a:schemeClr val="tx1"/>
+                  </a:solidFill>
+                </a:ln>
+              </p:spPr>
+              <p:style>
+                <a:lnRef idx="2">
+                  <a:schemeClr val="accent1">
+                    <a:shade val="50000"/>
+                  </a:schemeClr>
+                </a:lnRef>
+                <a:fillRef idx="1">
+                  <a:schemeClr val="accent1"/>
+                </a:fillRef>
+                <a:effectRef idx="0">
+                  <a:schemeClr val="accent1"/>
+                </a:effectRef>
+                <a:fontRef idx="minor">
+                  <a:schemeClr val="lt1"/>
+                </a:fontRef>
+              </p:style>
+              <p:txBody>
+                <a:bodyPr rtlCol="0" anchor="ctr"/>
+                <a:lstStyle/>
+                <a:p>
+                  <a:pPr algn="ctr"/>
+                  <a:endParaRPr lang="en-US"/>
+                </a:p>
+              </p:txBody>
+            </p:sp>
+            <p:sp>
+              <p:nvSpPr>
+                <p:cNvPr id="4" name="Rounded Rectangle 3"/>
+                <p:cNvSpPr/>
+                <p:nvPr/>
+              </p:nvSpPr>
+              <p:spPr>
+                <a:xfrm>
+                  <a:off x="6296891" y="1932707"/>
+                  <a:ext cx="803564" cy="1717964"/>
+                </a:xfrm>
+                <a:prstGeom prst="roundRect">
+                  <a:avLst/>
+                </a:prstGeom>
+                <a:solidFill>
+                  <a:schemeClr val="tx1"/>
+                </a:solidFill>
+                <a:ln w="38100">
+                  <a:solidFill>
+                    <a:schemeClr val="tx1"/>
+                  </a:solidFill>
+                </a:ln>
+              </p:spPr>
+              <p:style>
+                <a:lnRef idx="2">
+                  <a:schemeClr val="accent1">
+                    <a:shade val="50000"/>
+                  </a:schemeClr>
+                </a:lnRef>
+                <a:fillRef idx="1">
+                  <a:schemeClr val="accent1"/>
+                </a:fillRef>
+                <a:effectRef idx="0">
+                  <a:schemeClr val="accent1"/>
+                </a:effectRef>
+                <a:fontRef idx="minor">
+                  <a:schemeClr val="lt1"/>
+                </a:fontRef>
+              </p:style>
+              <p:txBody>
+                <a:bodyPr rtlCol="0" anchor="ctr"/>
+                <a:lstStyle/>
+                <a:p>
+                  <a:pPr algn="ctr"/>
+                  <a:endParaRPr lang="en-US"/>
+                </a:p>
+              </p:txBody>
+            </p:sp>
+            <p:sp>
+              <p:nvSpPr>
+                <p:cNvPr id="5" name="Rounded Rectangle 4"/>
+                <p:cNvSpPr/>
+                <p:nvPr/>
+              </p:nvSpPr>
+              <p:spPr>
+                <a:xfrm>
+                  <a:off x="7100455" y="1932707"/>
+                  <a:ext cx="187036" cy="1101438"/>
+                </a:xfrm>
+                <a:prstGeom prst="roundRect">
+                  <a:avLst/>
+                </a:prstGeom>
+                <a:noFill/>
+                <a:ln w="38100">
+                  <a:solidFill>
+                    <a:schemeClr val="tx1"/>
+                  </a:solidFill>
+                </a:ln>
+              </p:spPr>
+              <p:style>
+                <a:lnRef idx="2">
+                  <a:schemeClr val="accent1">
+                    <a:shade val="50000"/>
+                  </a:schemeClr>
+                </a:lnRef>
+                <a:fillRef idx="1">
+                  <a:schemeClr val="accent1"/>
+                </a:fillRef>
+                <a:effectRef idx="0">
+                  <a:schemeClr val="accent1"/>
+                </a:effectRef>
+                <a:fontRef idx="minor">
+                  <a:schemeClr val="lt1"/>
+                </a:fontRef>
+              </p:style>
+              <p:txBody>
+                <a:bodyPr rtlCol="0" anchor="ctr"/>
+                <a:lstStyle/>
+                <a:p>
+                  <a:pPr algn="ctr"/>
+                  <a:endParaRPr lang="en-US"/>
+                </a:p>
+              </p:txBody>
+            </p:sp>
+            <p:sp>
+              <p:nvSpPr>
+                <p:cNvPr id="6" name="Rounded Rectangle 5"/>
+                <p:cNvSpPr/>
+                <p:nvPr/>
+              </p:nvSpPr>
+              <p:spPr>
+                <a:xfrm>
+                  <a:off x="6109855" y="1932707"/>
+                  <a:ext cx="187036" cy="1101438"/>
+                </a:xfrm>
+                <a:prstGeom prst="roundRect">
+                  <a:avLst/>
+                </a:prstGeom>
+                <a:noFill/>
+                <a:ln w="38100">
+                  <a:solidFill>
+                    <a:schemeClr val="tx1"/>
+                  </a:solidFill>
+                </a:ln>
+              </p:spPr>
+              <p:style>
+                <a:lnRef idx="2">
+                  <a:schemeClr val="accent1">
+                    <a:shade val="50000"/>
+                  </a:schemeClr>
+                </a:lnRef>
+                <a:fillRef idx="1">
+                  <a:schemeClr val="accent1"/>
+                </a:fillRef>
+                <a:effectRef idx="0">
+                  <a:schemeClr val="accent1"/>
+                </a:effectRef>
+                <a:fontRef idx="minor">
+                  <a:schemeClr val="lt1"/>
+                </a:fontRef>
+              </p:style>
+              <p:txBody>
+                <a:bodyPr rtlCol="0" anchor="ctr"/>
+                <a:lstStyle/>
+                <a:p>
+                  <a:pPr algn="ctr"/>
+                  <a:endParaRPr lang="en-US"/>
+                </a:p>
+              </p:txBody>
+            </p:sp>
+            <p:sp>
+              <p:nvSpPr>
+                <p:cNvPr id="7" name="Rounded Rectangle 6"/>
+                <p:cNvSpPr/>
+                <p:nvPr/>
+              </p:nvSpPr>
+              <p:spPr>
+                <a:xfrm>
+                  <a:off x="6348845" y="3650670"/>
+                  <a:ext cx="232063" cy="1530929"/>
+                </a:xfrm>
+                <a:prstGeom prst="roundRect">
+                  <a:avLst/>
+                </a:prstGeom>
+                <a:noFill/>
+                <a:ln w="38100">
+                  <a:solidFill>
+                    <a:schemeClr val="tx1"/>
+                  </a:solidFill>
+                </a:ln>
+              </p:spPr>
+              <p:style>
+                <a:lnRef idx="2">
+                  <a:schemeClr val="accent1">
+                    <a:shade val="50000"/>
+                  </a:schemeClr>
+                </a:lnRef>
+                <a:fillRef idx="1">
+                  <a:schemeClr val="accent1"/>
+                </a:fillRef>
+                <a:effectRef idx="0">
+                  <a:schemeClr val="accent1"/>
+                </a:effectRef>
+                <a:fontRef idx="minor">
+                  <a:schemeClr val="lt1"/>
+                </a:fontRef>
+              </p:style>
+              <p:txBody>
+                <a:bodyPr rtlCol="0" anchor="ctr"/>
+                <a:lstStyle/>
+                <a:p>
+                  <a:pPr algn="ctr"/>
+                  <a:endParaRPr lang="en-US"/>
+                </a:p>
+              </p:txBody>
+            </p:sp>
+            <p:sp>
+              <p:nvSpPr>
+                <p:cNvPr id="8" name="Rounded Rectangle 7"/>
+                <p:cNvSpPr/>
+                <p:nvPr/>
+              </p:nvSpPr>
+              <p:spPr>
+                <a:xfrm>
+                  <a:off x="6838950" y="3650670"/>
+                  <a:ext cx="232063" cy="1530929"/>
+                </a:xfrm>
+                <a:prstGeom prst="roundRect">
+                  <a:avLst/>
+                </a:prstGeom>
+                <a:noFill/>
+                <a:ln w="38100">
+                  <a:solidFill>
+                    <a:schemeClr val="tx1"/>
+                  </a:solidFill>
+                </a:ln>
+              </p:spPr>
+              <p:style>
+                <a:lnRef idx="2">
+                  <a:schemeClr val="accent1">
+                    <a:shade val="50000"/>
+                  </a:schemeClr>
+                </a:lnRef>
+                <a:fillRef idx="1">
+                  <a:schemeClr val="accent1"/>
+                </a:fillRef>
+                <a:effectRef idx="0">
+                  <a:schemeClr val="accent1"/>
+                </a:effectRef>
+                <a:fontRef idx="minor">
+                  <a:schemeClr val="lt1"/>
+                </a:fontRef>
+              </p:style>
+              <p:txBody>
+                <a:bodyPr rtlCol="0" anchor="ctr"/>
+                <a:lstStyle/>
+                <a:p>
+                  <a:pPr algn="ctr"/>
+                  <a:endParaRPr lang="en-US"/>
+                </a:p>
+              </p:txBody>
+            </p:sp>
+          </p:grpSp>
+          <p:sp>
+            <p:nvSpPr>
+              <p:cNvPr id="10" name="Isosceles Triangle 9"/>
+              <p:cNvSpPr/>
+              <p:nvPr/>
+            </p:nvSpPr>
+            <p:spPr>
+              <a:xfrm>
+                <a:off x="5943601" y="3034145"/>
+                <a:ext cx="1482436" cy="1139533"/>
+              </a:xfrm>
+              <a:prstGeom prst="triangle">
+                <a:avLst/>
+              </a:prstGeom>
+              <a:solidFill>
+                <a:schemeClr val="tx1"/>
+              </a:solidFill>
+              <a:ln w="38100">
+                <a:solidFill>
+                  <a:schemeClr val="tx1"/>
+                </a:solidFill>
+              </a:ln>
+            </p:spPr>
+            <p:style>
+              <a:lnRef idx="2">
+                <a:schemeClr val="accent1">
+                  <a:shade val="50000"/>
+                </a:schemeClr>
+              </a:lnRef>
+              <a:fillRef idx="1">
+                <a:schemeClr val="accent1"/>
+              </a:fillRef>
+              <a:effectRef idx="0">
+                <a:schemeClr val="accent1"/>
+              </a:effectRef>
+              <a:fontRef idx="minor">
+                <a:schemeClr val="lt1"/>
+              </a:fontRef>
+            </p:style>
+            <p:txBody>
+              <a:bodyPr rtlCol="0" anchor="ctr"/>
+              <a:lstStyle/>
+              <a:p>
+                <a:pPr algn="ctr"/>
+                <a:endParaRPr lang="en-US"/>
+              </a:p>
+            </p:txBody>
+          </p:sp>
+          <p:sp>
+            <p:nvSpPr>
+              <p:cNvPr id="11" name="Rounded Rectangle 10"/>
+              <p:cNvSpPr/>
+              <p:nvPr/>
+            </p:nvSpPr>
+            <p:spPr>
+              <a:xfrm>
+                <a:off x="5805056" y="5202377"/>
+                <a:ext cx="1828799" cy="360218"/>
+              </a:xfrm>
+              <a:prstGeom prst="roundRect">
+                <a:avLst/>
+              </a:prstGeom>
+              <a:noFill/>
+              <a:ln w="38100">
+                <a:solidFill>
+                  <a:schemeClr val="tx1"/>
+                </a:solidFill>
+              </a:ln>
+            </p:spPr>
+            <p:style>
+              <a:lnRef idx="2">
+                <a:schemeClr val="accent1">
+                  <a:shade val="50000"/>
+                </a:schemeClr>
+              </a:lnRef>
+              <a:fillRef idx="1">
+                <a:schemeClr val="accent1"/>
+              </a:fillRef>
+              <a:effectRef idx="0">
+                <a:schemeClr val="accent1"/>
+              </a:effectRef>
+              <a:fontRef idx="minor">
+                <a:schemeClr val="lt1"/>
+              </a:fontRef>
+            </p:style>
+            <p:txBody>
+              <a:bodyPr rtlCol="0" anchor="ctr"/>
+              <a:lstStyle/>
+              <a:p>
+                <a:pPr algn="ctr"/>
+                <a:endParaRPr lang="en-US"/>
+              </a:p>
+            </p:txBody>
+          </p:sp>
+        </p:grpSp>
+        <p:sp>
+          <p:nvSpPr>
+            <p:cNvPr id="13" name="Rectangle 12"/>
+            <p:cNvSpPr/>
+            <p:nvPr/>
+          </p:nvSpPr>
+          <p:spPr>
+            <a:xfrm>
+              <a:off x="5846618" y="786025"/>
+              <a:ext cx="2549236" cy="4641272"/>
+            </a:xfrm>
+            <a:prstGeom prst="rect">
+              <a:avLst/>
+            </a:prstGeom>
+            <a:noFill/>
+            <a:ln w="38100">
+              <a:solidFill>
+                <a:schemeClr val="tx1"/>
+              </a:solidFill>
+            </a:ln>
+          </p:spPr>
+          <p:style>
+            <a:lnRef idx="2">
+              <a:schemeClr val="accent1">
+                <a:shade val="50000"/>
+              </a:schemeClr>
+            </a:lnRef>
+            <a:fillRef idx="1">
+              <a:schemeClr val="accent1"/>
+            </a:fillRef>
+            <a:effectRef idx="0">
+              <a:schemeClr val="accent1"/>
+            </a:effectRef>
+            <a:fontRef idx="minor">
+              <a:schemeClr val="lt1"/>
+            </a:fontRef>
+          </p:style>
+          <p:txBody>
+            <a:bodyPr rtlCol="0" anchor="ctr"/>
+            <a:lstStyle/>
+            <a:p>
+              <a:pPr algn="ctr"/>
+              <a:endParaRPr lang="en-US"/>
+            </a:p>
+          </p:txBody>
+        </p:sp>
+        <p:grpSp>
+          <p:nvGrpSpPr>
+            <p:cNvPr id="14" name="Group 13"/>
+            <p:cNvGrpSpPr/>
+            <p:nvPr/>
+          </p:nvGrpSpPr>
+          <p:grpSpPr>
+            <a:xfrm>
+              <a:off x="6206836" y="1250157"/>
+              <a:ext cx="1828799" cy="4177140"/>
+              <a:chOff x="5805056" y="1385455"/>
+              <a:chExt cx="1828799" cy="4177140"/>
+            </a:xfrm>
+          </p:grpSpPr>
+          <p:grpSp>
+            <p:nvGrpSpPr>
+              <p:cNvPr id="15" name="Group 14"/>
+              <p:cNvGrpSpPr/>
+              <p:nvPr/>
+            </p:nvGrpSpPr>
+            <p:grpSpPr>
+              <a:xfrm>
+                <a:off x="6109855" y="1385455"/>
+                <a:ext cx="1177636" cy="3796144"/>
+                <a:chOff x="6109855" y="1385455"/>
+                <a:chExt cx="1177636" cy="3796144"/>
+              </a:xfrm>
+            </p:grpSpPr>
+            <p:sp>
+              <p:nvSpPr>
+                <p:cNvPr id="18" name="Oval 17"/>
+                <p:cNvSpPr/>
+                <p:nvPr/>
+              </p:nvSpPr>
+              <p:spPr>
+                <a:xfrm>
+                  <a:off x="6442364" y="1385455"/>
+                  <a:ext cx="512618" cy="512618"/>
+                </a:xfrm>
+                <a:prstGeom prst="ellipse">
+                  <a:avLst/>
+                </a:prstGeom>
+                <a:noFill/>
+                <a:ln w="38100">
+                  <a:solidFill>
+                    <a:schemeClr val="tx1"/>
+                  </a:solidFill>
+                </a:ln>
+              </p:spPr>
+              <p:style>
+                <a:lnRef idx="2">
+                  <a:schemeClr val="accent1">
+                    <a:shade val="50000"/>
+                  </a:schemeClr>
+                </a:lnRef>
+                <a:fillRef idx="1">
+                  <a:schemeClr val="accent1"/>
+                </a:fillRef>
+                <a:effectRef idx="0">
+                  <a:schemeClr val="accent1"/>
+                </a:effectRef>
+                <a:fontRef idx="minor">
+                  <a:schemeClr val="lt1"/>
+                </a:fontRef>
+              </p:style>
+              <p:txBody>
+                <a:bodyPr rtlCol="0" anchor="ctr"/>
+                <a:lstStyle/>
+                <a:p>
+                  <a:pPr algn="ctr"/>
+                  <a:endParaRPr lang="en-US"/>
+                </a:p>
+              </p:txBody>
+            </p:sp>
+            <p:sp>
+              <p:nvSpPr>
+                <p:cNvPr id="19" name="Rounded Rectangle 18"/>
+                <p:cNvSpPr/>
+                <p:nvPr/>
+              </p:nvSpPr>
+              <p:spPr>
+                <a:xfrm>
+                  <a:off x="6296891" y="1932707"/>
+                  <a:ext cx="803564" cy="1717964"/>
+                </a:xfrm>
+                <a:prstGeom prst="roundRect">
+                  <a:avLst/>
+                </a:prstGeom>
+                <a:solidFill>
+                  <a:schemeClr val="tx1"/>
+                </a:solidFill>
+                <a:ln w="38100">
+                  <a:solidFill>
+                    <a:schemeClr val="tx1"/>
+                  </a:solidFill>
+                </a:ln>
+              </p:spPr>
+              <p:style>
+                <a:lnRef idx="2">
+                  <a:schemeClr val="accent1">
+                    <a:shade val="50000"/>
+                  </a:schemeClr>
+                </a:lnRef>
+                <a:fillRef idx="1">
+                  <a:schemeClr val="accent1"/>
+                </a:fillRef>
+                <a:effectRef idx="0">
+                  <a:schemeClr val="accent1"/>
+                </a:effectRef>
+                <a:fontRef idx="minor">
+                  <a:schemeClr val="lt1"/>
+                </a:fontRef>
+              </p:style>
+              <p:txBody>
+                <a:bodyPr rtlCol="0" anchor="ctr"/>
+                <a:lstStyle/>
+                <a:p>
+                  <a:pPr algn="ctr"/>
+                  <a:endParaRPr lang="en-US"/>
+                </a:p>
+              </p:txBody>
+            </p:sp>
+            <p:sp>
+              <p:nvSpPr>
+                <p:cNvPr id="20" name="Rounded Rectangle 19"/>
+                <p:cNvSpPr/>
+                <p:nvPr/>
+              </p:nvSpPr>
+              <p:spPr>
+                <a:xfrm>
+                  <a:off x="7100455" y="1932707"/>
+                  <a:ext cx="187036" cy="1101438"/>
+                </a:xfrm>
+                <a:prstGeom prst="roundRect">
+                  <a:avLst/>
+                </a:prstGeom>
+                <a:noFill/>
+                <a:ln w="38100">
+                  <a:solidFill>
+                    <a:schemeClr val="tx1"/>
+                  </a:solidFill>
+                </a:ln>
+              </p:spPr>
+              <p:style>
+                <a:lnRef idx="2">
+                  <a:schemeClr val="accent1">
+                    <a:shade val="50000"/>
+                  </a:schemeClr>
+                </a:lnRef>
+                <a:fillRef idx="1">
+                  <a:schemeClr val="accent1"/>
+                </a:fillRef>
+                <a:effectRef idx="0">
+                  <a:schemeClr val="accent1"/>
+                </a:effectRef>
+                <a:fontRef idx="minor">
+                  <a:schemeClr val="lt1"/>
+                </a:fontRef>
+              </p:style>
+              <p:txBody>
+                <a:bodyPr rtlCol="0" anchor="ctr"/>
+                <a:lstStyle/>
+                <a:p>
+                  <a:pPr algn="ctr"/>
+                  <a:endParaRPr lang="en-US"/>
+                </a:p>
+              </p:txBody>
+            </p:sp>
+            <p:sp>
+              <p:nvSpPr>
+                <p:cNvPr id="21" name="Rounded Rectangle 20"/>
+                <p:cNvSpPr/>
+                <p:nvPr/>
+              </p:nvSpPr>
+              <p:spPr>
+                <a:xfrm>
+                  <a:off x="6109855" y="1932707"/>
+                  <a:ext cx="187036" cy="1101438"/>
+                </a:xfrm>
+                <a:prstGeom prst="roundRect">
+                  <a:avLst/>
+                </a:prstGeom>
+                <a:noFill/>
+                <a:ln w="38100">
+                  <a:solidFill>
+                    <a:schemeClr val="tx1"/>
+                  </a:solidFill>
+                </a:ln>
+              </p:spPr>
+              <p:style>
+                <a:lnRef idx="2">
+                  <a:schemeClr val="accent1">
+                    <a:shade val="50000"/>
+                  </a:schemeClr>
+                </a:lnRef>
+                <a:fillRef idx="1">
+                  <a:schemeClr val="accent1"/>
+                </a:fillRef>
+                <a:effectRef idx="0">
+                  <a:schemeClr val="accent1"/>
+                </a:effectRef>
+                <a:fontRef idx="minor">
+                  <a:schemeClr val="lt1"/>
+                </a:fontRef>
+              </p:style>
+              <p:txBody>
+                <a:bodyPr rtlCol="0" anchor="ctr"/>
+                <a:lstStyle/>
+                <a:p>
+                  <a:pPr algn="ctr"/>
+                  <a:endParaRPr lang="en-US"/>
+                </a:p>
+              </p:txBody>
+            </p:sp>
+            <p:sp>
+              <p:nvSpPr>
+                <p:cNvPr id="22" name="Rounded Rectangle 21"/>
+                <p:cNvSpPr/>
+                <p:nvPr/>
+              </p:nvSpPr>
+              <p:spPr>
+                <a:xfrm>
+                  <a:off x="6348845" y="3650670"/>
+                  <a:ext cx="232063" cy="1530929"/>
+                </a:xfrm>
+                <a:prstGeom prst="roundRect">
+                  <a:avLst/>
+                </a:prstGeom>
+                <a:noFill/>
+                <a:ln w="38100">
+                  <a:solidFill>
+                    <a:schemeClr val="tx1"/>
+                  </a:solidFill>
+                </a:ln>
+              </p:spPr>
+              <p:style>
+                <a:lnRef idx="2">
+                  <a:schemeClr val="accent1">
+                    <a:shade val="50000"/>
+                  </a:schemeClr>
+                </a:lnRef>
+                <a:fillRef idx="1">
+                  <a:schemeClr val="accent1"/>
+                </a:fillRef>
+                <a:effectRef idx="0">
+                  <a:schemeClr val="accent1"/>
+                </a:effectRef>
+                <a:fontRef idx="minor">
+                  <a:schemeClr val="lt1"/>
+                </a:fontRef>
+              </p:style>
+              <p:txBody>
+                <a:bodyPr rtlCol="0" anchor="ctr"/>
+                <a:lstStyle/>
+                <a:p>
+                  <a:pPr algn="ctr"/>
+                  <a:endParaRPr lang="en-US"/>
+                </a:p>
+              </p:txBody>
+            </p:sp>
+            <p:sp>
+              <p:nvSpPr>
+                <p:cNvPr id="23" name="Rounded Rectangle 22"/>
+                <p:cNvSpPr/>
+                <p:nvPr/>
+              </p:nvSpPr>
+              <p:spPr>
+                <a:xfrm>
+                  <a:off x="6838950" y="3650670"/>
+                  <a:ext cx="232063" cy="1530929"/>
+                </a:xfrm>
+                <a:prstGeom prst="roundRect">
+                  <a:avLst/>
+                </a:prstGeom>
+                <a:noFill/>
+                <a:ln w="38100">
+                  <a:solidFill>
+                    <a:schemeClr val="tx1"/>
+                  </a:solidFill>
+                </a:ln>
+              </p:spPr>
+              <p:style>
+                <a:lnRef idx="2">
+                  <a:schemeClr val="accent1">
+                    <a:shade val="50000"/>
+                  </a:schemeClr>
+                </a:lnRef>
+                <a:fillRef idx="1">
+                  <a:schemeClr val="accent1"/>
+                </a:fillRef>
+                <a:effectRef idx="0">
+                  <a:schemeClr val="accent1"/>
+                </a:effectRef>
+                <a:fontRef idx="minor">
+                  <a:schemeClr val="lt1"/>
+                </a:fontRef>
+              </p:style>
+              <p:txBody>
+                <a:bodyPr rtlCol="0" anchor="ctr"/>
+                <a:lstStyle/>
+                <a:p>
+                  <a:pPr algn="ctr"/>
+                  <a:endParaRPr lang="en-US"/>
+                </a:p>
+              </p:txBody>
+            </p:sp>
+          </p:grpSp>
+          <p:sp>
+            <p:nvSpPr>
+              <p:cNvPr id="16" name="Isosceles Triangle 15"/>
+              <p:cNvSpPr/>
+              <p:nvPr/>
+            </p:nvSpPr>
+            <p:spPr>
+              <a:xfrm>
+                <a:off x="5943601" y="3034145"/>
+                <a:ext cx="1482436" cy="1139533"/>
+              </a:xfrm>
+              <a:prstGeom prst="triangle">
+                <a:avLst/>
+              </a:prstGeom>
+              <a:solidFill>
+                <a:schemeClr val="tx1"/>
+              </a:solidFill>
+              <a:ln w="38100">
+                <a:solidFill>
+                  <a:schemeClr val="tx1"/>
+                </a:solidFill>
+              </a:ln>
+            </p:spPr>
+            <p:style>
+              <a:lnRef idx="2">
+                <a:schemeClr val="accent1">
+                  <a:shade val="50000"/>
+                </a:schemeClr>
+              </a:lnRef>
+              <a:fillRef idx="1">
+                <a:schemeClr val="accent1"/>
+              </a:fillRef>
+              <a:effectRef idx="0">
+                <a:schemeClr val="accent1"/>
+              </a:effectRef>
+              <a:fontRef idx="minor">
+                <a:schemeClr val="lt1"/>
+              </a:fontRef>
+            </p:style>
+            <p:txBody>
+              <a:bodyPr rtlCol="0" anchor="ctr"/>
+              <a:lstStyle/>
+              <a:p>
+                <a:pPr algn="ctr"/>
+                <a:endParaRPr lang="en-US"/>
+              </a:p>
+            </p:txBody>
+          </p:sp>
+          <p:sp>
+            <p:nvSpPr>
+              <p:cNvPr id="17" name="Rounded Rectangle 16"/>
+              <p:cNvSpPr/>
+              <p:nvPr/>
+            </p:nvSpPr>
+            <p:spPr>
+              <a:xfrm>
+                <a:off x="5805056" y="5202377"/>
+                <a:ext cx="1828799" cy="360218"/>
+              </a:xfrm>
+              <a:prstGeom prst="roundRect">
+                <a:avLst/>
+              </a:prstGeom>
+              <a:noFill/>
+              <a:ln w="38100">
+                <a:solidFill>
+                  <a:schemeClr val="tx1"/>
+                </a:solidFill>
+              </a:ln>
+            </p:spPr>
+            <p:style>
+              <a:lnRef idx="2">
+                <a:schemeClr val="accent1">
+                  <a:shade val="50000"/>
+                </a:schemeClr>
+              </a:lnRef>
+              <a:fillRef idx="1">
+                <a:schemeClr val="accent1"/>
+              </a:fillRef>
+              <a:effectRef idx="0">
+                <a:schemeClr val="accent1"/>
+              </a:effectRef>
+              <a:fontRef idx="minor">
+                <a:schemeClr val="lt1"/>
+              </a:fontRef>
+            </p:style>
+            <p:txBody>
+              <a:bodyPr rtlCol="0" anchor="ctr"/>
+              <a:lstStyle/>
+              <a:p>
+                <a:pPr algn="ctr"/>
+                <a:endParaRPr lang="en-US"/>
+              </a:p>
+            </p:txBody>
+          </p:sp>
+        </p:grpSp>
+        <p:sp>
+          <p:nvSpPr>
+            <p:cNvPr id="24" name="Oval 23"/>
+            <p:cNvSpPr/>
+            <p:nvPr/>
+          </p:nvSpPr>
+          <p:spPr>
+            <a:xfrm>
+              <a:off x="3992443" y="1903218"/>
+              <a:ext cx="120943" cy="119766"/>
+            </a:xfrm>
+            <a:prstGeom prst="ellipse">
+              <a:avLst/>
+            </a:prstGeom>
+            <a:solidFill>
+              <a:schemeClr val="tx1"/>
+            </a:solidFill>
+            <a:ln w="38100">
+              <a:solidFill>
+                <a:schemeClr val="tx1"/>
+              </a:solidFill>
+            </a:ln>
+          </p:spPr>
+          <p:style>
+            <a:lnRef idx="2">
+              <a:schemeClr val="accent1">
+                <a:shade val="50000"/>
+              </a:schemeClr>
+            </a:lnRef>
+            <a:fillRef idx="1">
+              <a:schemeClr val="accent1"/>
+            </a:fillRef>
+            <a:effectRef idx="0">
+              <a:schemeClr val="accent1"/>
+            </a:effectRef>
+            <a:fontRef idx="minor">
+              <a:schemeClr val="lt1"/>
+            </a:fontRef>
+          </p:style>
+          <p:txBody>
+            <a:bodyPr rtlCol="0" anchor="ctr"/>
+            <a:lstStyle/>
+            <a:p>
+              <a:pPr algn="ctr"/>
+              <a:endParaRPr lang="en-US"/>
+            </a:p>
+          </p:txBody>
+        </p:sp>
+        <p:sp>
+          <p:nvSpPr>
+            <p:cNvPr id="25" name="Oval 24"/>
+            <p:cNvSpPr/>
+            <p:nvPr/>
+          </p:nvSpPr>
+          <p:spPr>
+            <a:xfrm>
+              <a:off x="8996248" y="1802331"/>
+              <a:ext cx="120943" cy="119766"/>
+            </a:xfrm>
+            <a:prstGeom prst="ellipse">
+              <a:avLst/>
+            </a:prstGeom>
+            <a:solidFill>
+              <a:schemeClr val="tx1"/>
+            </a:solidFill>
+            <a:ln w="38100">
+              <a:solidFill>
+                <a:schemeClr val="tx1"/>
+              </a:solidFill>
+            </a:ln>
+          </p:spPr>
+          <p:style>
+            <a:lnRef idx="2">
+              <a:schemeClr val="accent1">
+                <a:shade val="50000"/>
+              </a:schemeClr>
+            </a:lnRef>
+            <a:fillRef idx="1">
+              <a:schemeClr val="accent1"/>
+            </a:fillRef>
+            <a:effectRef idx="0">
+              <a:schemeClr val="accent1"/>
+            </a:effectRef>
+            <a:fontRef idx="minor">
+              <a:schemeClr val="lt1"/>
+            </a:fontRef>
+          </p:style>
+          <p:txBody>
+            <a:bodyPr rtlCol="0" anchor="ctr"/>
+            <a:lstStyle/>
+            <a:p>
+              <a:pPr algn="ctr"/>
+              <a:endParaRPr lang="en-US"/>
+            </a:p>
+          </p:txBody>
+        </p:sp>
+        <p:cxnSp>
+          <p:nvCxnSpPr>
+            <p:cNvPr id="27" name="Straight Arrow Connector 26"/>
+            <p:cNvCxnSpPr/>
+            <p:nvPr/>
+          </p:nvCxnSpPr>
+          <p:spPr>
+            <a:xfrm>
+              <a:off x="4052914" y="1967128"/>
+              <a:ext cx="0" cy="1139533"/>
+            </a:xfrm>
+            <a:prstGeom prst="straightConnector1">
+              <a:avLst/>
+            </a:prstGeom>
+            <a:ln w="38100">
+              <a:solidFill>
+                <a:schemeClr val="tx1"/>
+              </a:solidFill>
+              <a:tailEnd type="triangle"/>
+            </a:ln>
+          </p:spPr>
+          <p:style>
+            <a:lnRef idx="1">
+              <a:schemeClr val="accent1"/>
+            </a:lnRef>
+            <a:fillRef idx="0">
+              <a:schemeClr val="accent1"/>
+            </a:fillRef>
+            <a:effectRef idx="0">
+              <a:schemeClr val="accent1"/>
+            </a:effectRef>
+            <a:fontRef idx="minor">
+              <a:schemeClr val="tx1"/>
+            </a:fontRef>
+          </p:style>
+        </p:cxnSp>
+        <p:cxnSp>
+          <p:nvCxnSpPr>
+            <p:cNvPr id="28" name="Straight Arrow Connector 27"/>
+            <p:cNvCxnSpPr/>
+            <p:nvPr/>
+          </p:nvCxnSpPr>
+          <p:spPr>
+            <a:xfrm flipH="1" flipV="1">
+              <a:off x="4056499" y="803564"/>
+              <a:ext cx="1589" cy="1129150"/>
+            </a:xfrm>
+            <a:prstGeom prst="straightConnector1">
+              <a:avLst/>
+            </a:prstGeom>
+            <a:ln w="38100">
+              <a:solidFill>
+                <a:schemeClr val="tx1"/>
+              </a:solidFill>
+              <a:tailEnd type="triangle"/>
+            </a:ln>
+          </p:spPr>
+          <p:style>
+            <a:lnRef idx="1">
+              <a:schemeClr val="accent1"/>
+            </a:lnRef>
+            <a:fillRef idx="0">
+              <a:schemeClr val="accent1"/>
+            </a:fillRef>
+            <a:effectRef idx="0">
+              <a:schemeClr val="accent1"/>
+            </a:effectRef>
+            <a:fontRef idx="minor">
+              <a:schemeClr val="tx1"/>
+            </a:fontRef>
+          </p:style>
+        </p:cxnSp>
+        <p:cxnSp>
+          <p:nvCxnSpPr>
+            <p:cNvPr id="30" name="Straight Arrow Connector 29"/>
+            <p:cNvCxnSpPr/>
+            <p:nvPr/>
+          </p:nvCxnSpPr>
+          <p:spPr>
+            <a:xfrm flipH="1" flipV="1">
+              <a:off x="9056719" y="786025"/>
+              <a:ext cx="1589" cy="1129150"/>
+            </a:xfrm>
+            <a:prstGeom prst="straightConnector1">
+              <a:avLst/>
+            </a:prstGeom>
+            <a:ln w="38100">
+              <a:solidFill>
+                <a:schemeClr val="tx1"/>
+              </a:solidFill>
+              <a:tailEnd type="triangle"/>
+            </a:ln>
+          </p:spPr>
+          <p:style>
+            <a:lnRef idx="1">
+              <a:schemeClr val="accent1"/>
+            </a:lnRef>
+            <a:fillRef idx="0">
+              <a:schemeClr val="accent1"/>
+            </a:fillRef>
+            <a:effectRef idx="0">
+              <a:schemeClr val="accent1"/>
+            </a:effectRef>
+            <a:fontRef idx="minor">
+              <a:schemeClr val="tx1"/>
+            </a:fontRef>
+          </p:style>
+        </p:cxnSp>
+        <p:sp>
+          <p:nvSpPr>
+            <p:cNvPr id="31" name="Right Arrow 30"/>
+            <p:cNvSpPr/>
+            <p:nvPr/>
+          </p:nvSpPr>
+          <p:spPr>
+            <a:xfrm rot="16200000">
+              <a:off x="9166328" y="1653425"/>
+              <a:ext cx="700928" cy="118979"/>
+            </a:xfrm>
+            <a:prstGeom prst="rightArrow">
+              <a:avLst/>
+            </a:prstGeom>
+            <a:solidFill>
+              <a:schemeClr val="tx1"/>
+            </a:solidFill>
+            <a:ln w="38100">
+              <a:solidFill>
+                <a:schemeClr val="tx1"/>
+              </a:solidFill>
+            </a:ln>
+          </p:spPr>
+          <p:style>
+            <a:lnRef idx="2">
+              <a:schemeClr val="accent1">
+                <a:shade val="50000"/>
+              </a:schemeClr>
+            </a:lnRef>
+            <a:fillRef idx="1">
+              <a:schemeClr val="accent1"/>
+            </a:fillRef>
+            <a:effectRef idx="0">
+              <a:schemeClr val="accent1"/>
+            </a:effectRef>
+            <a:fontRef idx="minor">
+              <a:schemeClr val="lt1"/>
+            </a:fontRef>
+          </p:style>
+          <p:txBody>
+            <a:bodyPr rtlCol="0" anchor="ctr"/>
+            <a:lstStyle/>
+            <a:p>
+              <a:pPr algn="ctr"/>
+              <a:endParaRPr lang="en-US" dirty="0"/>
+            </a:p>
+          </p:txBody>
+        </p:sp>
+        <mc:AlternateContent xmlns:mc="http://schemas.openxmlformats.org/markup-compatibility/2006">
+          <mc:Choice xmlns:a14="http://schemas.microsoft.com/office/drawing/2010/main" Requires="a14">
+            <p:sp>
+              <p:nvSpPr>
+                <p:cNvPr id="32" name="TextBox 31"/>
+                <p:cNvSpPr txBox="1"/>
+                <p:nvPr/>
+              </p:nvSpPr>
+              <p:spPr>
+                <a:xfrm>
+                  <a:off x="9218395" y="2184086"/>
+                  <a:ext cx="715773" cy="307777"/>
+                </a:xfrm>
+                <a:prstGeom prst="rect">
+                  <a:avLst/>
+                </a:prstGeom>
+                <a:noFill/>
+              </p:spPr>
+              <p:txBody>
+                <a:bodyPr wrap="none" lIns="0" tIns="0" rIns="0" bIns="0" rtlCol="0">
+                  <a:spAutoFit/>
+                </a:bodyPr>
+                <a:lstStyle/>
+                <a:p>
+                  <a14:m>
+                    <m:oMathPara xmlns:m="http://schemas.openxmlformats.org/officeDocument/2006/math">
+                      <m:oMathParaPr>
+                        <m:jc m:val="centerGroup"/>
+                      </m:oMathParaPr>
+                      <m:oMath xmlns:m="http://schemas.openxmlformats.org/officeDocument/2006/math">
+                        <m:acc>
+                          <m:accPr>
+                            <m:chr m:val="⃗"/>
+                            <m:ctrlPr>
+                              <a:rPr lang="en-US" sz="2000" b="0" i="1" smtClean="0">
+                                <a:latin typeface="Cambria Math" panose="02040503050406030204" pitchFamily="18" charset="0"/>
+                                <a:cs typeface="Arial" panose="020B0604020202020204" pitchFamily="34" charset="0"/>
+                              </a:rPr>
+                            </m:ctrlPr>
+                          </m:accPr>
+                          <m:e>
+                            <m:r>
+                              <a:rPr lang="en-US" sz="2000" b="0" i="1" smtClean="0">
+                                <a:latin typeface="Cambria Math" panose="02040503050406030204" pitchFamily="18" charset="0"/>
+                                <a:cs typeface="Arial" panose="020B0604020202020204" pitchFamily="34" charset="0"/>
+                              </a:rPr>
+                              <m:t>𝑎</m:t>
+                            </m:r>
+                          </m:e>
+                        </m:acc>
+                        <m:r>
+                          <a:rPr lang="en-US" sz="2000" b="0" i="1" smtClean="0">
+                            <a:latin typeface="Cambria Math" panose="02040503050406030204" pitchFamily="18" charset="0"/>
+                            <a:cs typeface="Arial" panose="020B0604020202020204" pitchFamily="34" charset="0"/>
+                          </a:rPr>
+                          <m:t>=</m:t>
+                        </m:r>
+                        <m:acc>
+                          <m:accPr>
+                            <m:chr m:val="⃗"/>
+                            <m:ctrlPr>
+                              <a:rPr lang="en-US" sz="2000" b="0" i="1" smtClean="0">
+                                <a:latin typeface="Cambria Math" panose="02040503050406030204" pitchFamily="18" charset="0"/>
+                                <a:cs typeface="Arial" panose="020B0604020202020204" pitchFamily="34" charset="0"/>
+                              </a:rPr>
+                            </m:ctrlPr>
+                          </m:accPr>
+                          <m:e>
+                            <m:r>
+                              <a:rPr lang="en-US" sz="2000" b="0" i="1" smtClean="0">
+                                <a:latin typeface="Cambria Math" panose="02040503050406030204" pitchFamily="18" charset="0"/>
+                                <a:cs typeface="Arial" panose="020B0604020202020204" pitchFamily="34" charset="0"/>
+                              </a:rPr>
+                              <m:t>𝑔</m:t>
+                            </m:r>
+                          </m:e>
+                        </m:acc>
+                      </m:oMath>
+                    </m:oMathPara>
+                  </a14:m>
+                  <a:endParaRPr lang="en-US" sz="2000" dirty="0" smtClean="0">
+                    <a:latin typeface="Arial" panose="020B0604020202020204" pitchFamily="34" charset="0"/>
+                    <a:cs typeface="Arial" panose="020B0604020202020204" pitchFamily="34" charset="0"/>
+                  </a:endParaRPr>
+                </a:p>
+              </p:txBody>
+            </p:sp>
+          </mc:Choice>
+          <mc:Fallback>
+            <p:sp>
+              <p:nvSpPr>
+                <p:cNvPr id="32" name="TextBox 31"/>
+                <p:cNvSpPr txBox="1">
+                  <a:spLocks noRot="1" noChangeAspect="1" noMove="1" noResize="1" noEditPoints="1" noAdjustHandles="1" noChangeArrowheads="1" noChangeShapeType="1" noTextEdit="1"/>
+                </p:cNvSpPr>
+                <p:nvPr/>
+              </p:nvSpPr>
+              <p:spPr>
+                <a:xfrm>
+                  <a:off x="9218395" y="2184086"/>
+                  <a:ext cx="715773" cy="307777"/>
+                </a:xfrm>
+                <a:prstGeom prst="rect">
+                  <a:avLst/>
+                </a:prstGeom>
+                <a:blipFill>
+                  <a:blip r:embed="rId2"/>
+                  <a:stretch>
+                    <a:fillRect l="-5932" t="-33333" r="-52542" b="-27451"/>
+                  </a:stretch>
+                </a:blipFill>
+              </p:spPr>
+              <p:txBody>
+                <a:bodyPr/>
+                <a:lstStyle/>
+                <a:p>
+                  <a:r>
+                    <a:rPr lang="en-US">
+                      <a:noFill/>
+                    </a:rPr>
+                    <a:t> </a:t>
+                  </a:r>
+                </a:p>
+              </p:txBody>
+            </p:sp>
+          </mc:Fallback>
+        </mc:AlternateContent>
+        <mc:AlternateContent xmlns:mc="http://schemas.openxmlformats.org/markup-compatibility/2006">
+          <mc:Choice xmlns:a14="http://schemas.microsoft.com/office/drawing/2010/main" Requires="a14">
+            <p:sp>
+              <p:nvSpPr>
+                <p:cNvPr id="33" name="TextBox 32"/>
+                <p:cNvSpPr txBox="1"/>
+                <p:nvPr/>
+              </p:nvSpPr>
+              <p:spPr>
+                <a:xfrm>
+                  <a:off x="4170962" y="1157289"/>
+                  <a:ext cx="264367" cy="345159"/>
+                </a:xfrm>
+                <a:prstGeom prst="rect">
+                  <a:avLst/>
+                </a:prstGeom>
+                <a:noFill/>
+              </p:spPr>
+              <p:txBody>
+                <a:bodyPr wrap="none" lIns="0" tIns="0" rIns="0" bIns="0" rtlCol="0">
+                  <a:spAutoFit/>
+                </a:bodyPr>
+                <a:lstStyle/>
+                <a:p>
+                  <a14:m>
+                    <m:oMathPara xmlns:m="http://schemas.openxmlformats.org/officeDocument/2006/math">
+                      <m:oMathParaPr>
+                        <m:jc m:val="centerGroup"/>
+                      </m:oMathParaPr>
+                      <m:oMath xmlns:m="http://schemas.openxmlformats.org/officeDocument/2006/math">
+                        <m:acc>
+                          <m:accPr>
+                            <m:chr m:val="⃗"/>
+                            <m:ctrlPr>
+                              <a:rPr lang="en-US" sz="2000" b="0" i="1" smtClean="0">
+                                <a:latin typeface="Cambria Math" panose="02040503050406030204" pitchFamily="18" charset="0"/>
+                                <a:cs typeface="Arial" panose="020B0604020202020204" pitchFamily="34" charset="0"/>
+                              </a:rPr>
+                            </m:ctrlPr>
+                          </m:accPr>
+                          <m:e>
+                            <m:r>
+                              <a:rPr lang="en-US" sz="2000" b="0" i="1" smtClean="0">
+                                <a:latin typeface="Cambria Math" panose="02040503050406030204" pitchFamily="18" charset="0"/>
+                                <a:cs typeface="Arial" panose="020B0604020202020204" pitchFamily="34" charset="0"/>
+                              </a:rPr>
+                              <m:t>𝑁</m:t>
+                            </m:r>
+                          </m:e>
+                        </m:acc>
+                      </m:oMath>
+                    </m:oMathPara>
+                  </a14:m>
+                  <a:endParaRPr lang="en-US" sz="2000" dirty="0" smtClean="0">
+                    <a:latin typeface="Arial" panose="020B0604020202020204" pitchFamily="34" charset="0"/>
+                    <a:cs typeface="Arial" panose="020B0604020202020204" pitchFamily="34" charset="0"/>
+                  </a:endParaRPr>
+                </a:p>
+              </p:txBody>
+            </p:sp>
+          </mc:Choice>
+          <mc:Fallback>
+            <p:sp>
+              <p:nvSpPr>
+                <p:cNvPr id="33" name="TextBox 32"/>
+                <p:cNvSpPr txBox="1">
+                  <a:spLocks noRot="1" noChangeAspect="1" noMove="1" noResize="1" noEditPoints="1" noAdjustHandles="1" noChangeArrowheads="1" noChangeShapeType="1" noTextEdit="1"/>
+                </p:cNvSpPr>
+                <p:nvPr/>
+              </p:nvSpPr>
+              <p:spPr>
+                <a:xfrm>
+                  <a:off x="4170962" y="1157289"/>
+                  <a:ext cx="264367" cy="345159"/>
+                </a:xfrm>
+                <a:prstGeom prst="rect">
+                  <a:avLst/>
+                </a:prstGeom>
+                <a:blipFill>
+                  <a:blip r:embed="rId3"/>
+                  <a:stretch>
+                    <a:fillRect l="-18182" r="-18182" b="-8929"/>
+                  </a:stretch>
+                </a:blipFill>
+              </p:spPr>
+              <p:txBody>
+                <a:bodyPr/>
+                <a:lstStyle/>
+                <a:p>
+                  <a:r>
+                    <a:rPr lang="en-US">
+                      <a:noFill/>
+                    </a:rPr>
+                    <a:t> </a:t>
+                  </a:r>
+                </a:p>
+              </p:txBody>
+            </p:sp>
+          </mc:Fallback>
+        </mc:AlternateContent>
+        <mc:AlternateContent xmlns:mc="http://schemas.openxmlformats.org/markup-compatibility/2006">
+          <mc:Choice xmlns:a14="http://schemas.microsoft.com/office/drawing/2010/main" Requires="a14">
+            <p:sp>
+              <p:nvSpPr>
+                <p:cNvPr id="34" name="TextBox 33"/>
+                <p:cNvSpPr txBox="1"/>
+                <p:nvPr/>
+              </p:nvSpPr>
+              <p:spPr>
+                <a:xfrm>
+                  <a:off x="9125621" y="1055561"/>
+                  <a:ext cx="264367" cy="345159"/>
+                </a:xfrm>
+                <a:prstGeom prst="rect">
+                  <a:avLst/>
+                </a:prstGeom>
+                <a:noFill/>
+              </p:spPr>
+              <p:txBody>
+                <a:bodyPr wrap="none" lIns="0" tIns="0" rIns="0" bIns="0" rtlCol="0">
+                  <a:spAutoFit/>
+                </a:bodyPr>
+                <a:lstStyle/>
+                <a:p>
+                  <a14:m>
+                    <m:oMathPara xmlns:m="http://schemas.openxmlformats.org/officeDocument/2006/math">
+                      <m:oMathParaPr>
+                        <m:jc m:val="centerGroup"/>
+                      </m:oMathParaPr>
+                      <m:oMath xmlns:m="http://schemas.openxmlformats.org/officeDocument/2006/math">
+                        <m:acc>
+                          <m:accPr>
+                            <m:chr m:val="⃗"/>
+                            <m:ctrlPr>
+                              <a:rPr lang="en-US" sz="2000" b="0" i="1" smtClean="0">
+                                <a:latin typeface="Cambria Math" panose="02040503050406030204" pitchFamily="18" charset="0"/>
+                                <a:cs typeface="Arial" panose="020B0604020202020204" pitchFamily="34" charset="0"/>
+                              </a:rPr>
+                            </m:ctrlPr>
+                          </m:accPr>
+                          <m:e>
+                            <m:r>
+                              <a:rPr lang="en-US" sz="2000" b="0" i="1" smtClean="0">
+                                <a:latin typeface="Cambria Math" panose="02040503050406030204" pitchFamily="18" charset="0"/>
+                                <a:cs typeface="Arial" panose="020B0604020202020204" pitchFamily="34" charset="0"/>
+                              </a:rPr>
+                              <m:t>𝑁</m:t>
+                            </m:r>
+                          </m:e>
+                        </m:acc>
+                      </m:oMath>
+                    </m:oMathPara>
+                  </a14:m>
+                  <a:endParaRPr lang="en-US" sz="2000" dirty="0" smtClean="0">
+                    <a:latin typeface="Arial" panose="020B0604020202020204" pitchFamily="34" charset="0"/>
+                    <a:cs typeface="Arial" panose="020B0604020202020204" pitchFamily="34" charset="0"/>
+                  </a:endParaRPr>
+                </a:p>
+              </p:txBody>
+            </p:sp>
+          </mc:Choice>
+          <mc:Fallback>
+            <p:sp>
+              <p:nvSpPr>
+                <p:cNvPr id="34" name="TextBox 33"/>
+                <p:cNvSpPr txBox="1">
+                  <a:spLocks noRot="1" noChangeAspect="1" noMove="1" noResize="1" noEditPoints="1" noAdjustHandles="1" noChangeArrowheads="1" noChangeShapeType="1" noTextEdit="1"/>
+                </p:cNvSpPr>
+                <p:nvPr/>
+              </p:nvSpPr>
+              <p:spPr>
+                <a:xfrm>
+                  <a:off x="9125621" y="1055561"/>
+                  <a:ext cx="264367" cy="345159"/>
+                </a:xfrm>
+                <a:prstGeom prst="rect">
+                  <a:avLst/>
+                </a:prstGeom>
+                <a:blipFill>
+                  <a:blip r:embed="rId4"/>
+                  <a:stretch>
+                    <a:fillRect l="-20930" r="-18605" b="-8772"/>
+                  </a:stretch>
+                </a:blipFill>
+              </p:spPr>
+              <p:txBody>
+                <a:bodyPr/>
+                <a:lstStyle/>
+                <a:p>
+                  <a:r>
+                    <a:rPr lang="en-US">
+                      <a:noFill/>
+                    </a:rPr>
+                    <a:t> </a:t>
+                  </a:r>
+                </a:p>
+              </p:txBody>
+            </p:sp>
+          </mc:Fallback>
+        </mc:AlternateContent>
+        <mc:AlternateContent xmlns:mc="http://schemas.openxmlformats.org/markup-compatibility/2006">
+          <mc:Choice xmlns:a14="http://schemas.microsoft.com/office/drawing/2010/main" Requires="a14">
+            <p:sp>
+              <p:nvSpPr>
+                <p:cNvPr id="35" name="TextBox 34"/>
+                <p:cNvSpPr txBox="1"/>
+                <p:nvPr/>
+              </p:nvSpPr>
+              <p:spPr>
+                <a:xfrm>
+                  <a:off x="4173027" y="2348284"/>
+                  <a:ext cx="303865" cy="377219"/>
+                </a:xfrm>
+                <a:prstGeom prst="rect">
+                  <a:avLst/>
+                </a:prstGeom>
+                <a:noFill/>
+              </p:spPr>
+              <p:txBody>
+                <a:bodyPr wrap="none" lIns="0" tIns="0" rIns="0" bIns="0" rtlCol="0">
+                  <a:spAutoFit/>
+                </a:bodyPr>
+                <a:lstStyle/>
+                <a:p>
+                  <a14:m>
+                    <m:oMathPara xmlns:m="http://schemas.openxmlformats.org/officeDocument/2006/math">
+                      <m:oMathParaPr>
+                        <m:jc m:val="centerGroup"/>
+                      </m:oMathParaPr>
+                      <m:oMath xmlns:m="http://schemas.openxmlformats.org/officeDocument/2006/math">
+                        <m:sSub>
+                          <m:sSubPr>
+                            <m:ctrlPr>
+                              <a:rPr lang="en-US" sz="2000" b="0" i="1" smtClean="0">
+                                <a:latin typeface="Cambria Math" panose="02040503050406030204" pitchFamily="18" charset="0"/>
+                                <a:cs typeface="Arial" panose="020B0604020202020204" pitchFamily="34" charset="0"/>
+                              </a:rPr>
+                            </m:ctrlPr>
+                          </m:sSubPr>
+                          <m:e>
+                            <m:acc>
+                              <m:accPr>
+                                <m:chr m:val="⃗"/>
+                                <m:ctrlPr>
+                                  <a:rPr lang="en-US" sz="2000" b="0" i="1" smtClean="0">
+                                    <a:latin typeface="Cambria Math" panose="02040503050406030204" pitchFamily="18" charset="0"/>
+                                    <a:cs typeface="Arial" panose="020B0604020202020204" pitchFamily="34" charset="0"/>
+                                  </a:rPr>
+                                </m:ctrlPr>
+                              </m:accPr>
+                              <m:e>
+                                <m:r>
+                                  <a:rPr lang="en-US" sz="2000" b="0" i="1" smtClean="0">
+                                    <a:latin typeface="Cambria Math" panose="02040503050406030204" pitchFamily="18" charset="0"/>
+                                    <a:cs typeface="Arial" panose="020B0604020202020204" pitchFamily="34" charset="0"/>
+                                  </a:rPr>
+                                  <m:t>𝐹</m:t>
+                                </m:r>
+                              </m:e>
+                            </m:acc>
+                          </m:e>
+                          <m:sub>
+                            <m:r>
+                              <a:rPr lang="en-US" sz="2000" b="0" i="1" smtClean="0">
+                                <a:latin typeface="Cambria Math" panose="02040503050406030204" pitchFamily="18" charset="0"/>
+                                <a:cs typeface="Arial" panose="020B0604020202020204" pitchFamily="34" charset="0"/>
+                              </a:rPr>
+                              <m:t>𝑔</m:t>
+                            </m:r>
+                          </m:sub>
+                        </m:sSub>
+                      </m:oMath>
+                    </m:oMathPara>
+                  </a14:m>
+                  <a:endParaRPr lang="en-US" sz="2000" dirty="0" smtClean="0">
+                    <a:latin typeface="Arial" panose="020B0604020202020204" pitchFamily="34" charset="0"/>
+                    <a:cs typeface="Arial" panose="020B0604020202020204" pitchFamily="34" charset="0"/>
+                  </a:endParaRPr>
+                </a:p>
+              </p:txBody>
+            </p:sp>
+          </mc:Choice>
+          <mc:Fallback>
+            <p:sp>
+              <p:nvSpPr>
+                <p:cNvPr id="35" name="TextBox 34"/>
+                <p:cNvSpPr txBox="1">
+                  <a:spLocks noRot="1" noChangeAspect="1" noMove="1" noResize="1" noEditPoints="1" noAdjustHandles="1" noChangeArrowheads="1" noChangeShapeType="1" noTextEdit="1"/>
+                </p:cNvSpPr>
+                <p:nvPr/>
+              </p:nvSpPr>
+              <p:spPr>
+                <a:xfrm>
+                  <a:off x="4173027" y="2348284"/>
+                  <a:ext cx="303865" cy="377219"/>
+                </a:xfrm>
+                <a:prstGeom prst="rect">
+                  <a:avLst/>
+                </a:prstGeom>
+                <a:blipFill>
+                  <a:blip r:embed="rId5"/>
+                  <a:stretch>
+                    <a:fillRect l="-18367" t="-30645" r="-73469" b="-17742"/>
+                  </a:stretch>
+                </a:blipFill>
+              </p:spPr>
+              <p:txBody>
+                <a:bodyPr/>
+                <a:lstStyle/>
+                <a:p>
+                  <a:r>
+                    <a:rPr lang="en-US">
+                      <a:noFill/>
+                    </a:rPr>
+                    <a:t> </a:t>
+                  </a:r>
+                </a:p>
+              </p:txBody>
+            </p:sp>
+          </mc:Fallback>
+        </mc:AlternateContent>
+        <p:sp>
+          <p:nvSpPr>
+            <p:cNvPr id="36" name="Rectangle 35"/>
+            <p:cNvSpPr/>
+            <p:nvPr/>
+          </p:nvSpPr>
+          <p:spPr>
+            <a:xfrm>
+              <a:off x="41563" y="5465395"/>
+              <a:ext cx="4862486" cy="270168"/>
+            </a:xfrm>
+            <a:prstGeom prst="rect">
+              <a:avLst/>
+            </a:prstGeom>
+            <a:solidFill>
+              <a:schemeClr val="bg2">
+                <a:lumMod val="75000"/>
+              </a:schemeClr>
+            </a:solidFill>
+            <a:ln w="38100">
+              <a:solidFill>
+                <a:schemeClr val="tx1"/>
+              </a:solidFill>
+            </a:ln>
+          </p:spPr>
+          <p:style>
+            <a:lnRef idx="2">
+              <a:schemeClr val="accent1">
+                <a:shade val="50000"/>
+              </a:schemeClr>
+            </a:lnRef>
+            <a:fillRef idx="1">
+              <a:schemeClr val="accent1"/>
+            </a:fillRef>
+            <a:effectRef idx="0">
+              <a:schemeClr val="accent1"/>
+            </a:effectRef>
+            <a:fontRef idx="minor">
+              <a:schemeClr val="lt1"/>
+            </a:fontRef>
+          </p:style>
+          <p:txBody>
+            <a:bodyPr rtlCol="0" anchor="ctr"/>
+            <a:lstStyle/>
+            <a:p>
+              <a:pPr algn="ctr"/>
+              <a:endParaRPr lang="en-US"/>
+            </a:p>
+          </p:txBody>
+        </p:sp>
+        <p:sp>
+          <p:nvSpPr>
+            <p:cNvPr id="39" name="Freeform 38"/>
+            <p:cNvSpPr/>
+            <p:nvPr/>
+          </p:nvSpPr>
+          <p:spPr>
+            <a:xfrm rot="20867076">
+              <a:off x="5816584" y="3062848"/>
+              <a:ext cx="2620503" cy="991858"/>
+            </a:xfrm>
+            <a:custGeom>
+              <a:avLst/>
+              <a:gdLst>
+                <a:gd name="connsiteX0" fmla="*/ 4378669 w 4378669"/>
+                <a:gd name="connsiteY0" fmla="*/ 94775 h 967612"/>
+                <a:gd name="connsiteX1" fmla="*/ 2702269 w 4378669"/>
+                <a:gd name="connsiteY1" fmla="*/ 80921 h 967612"/>
+                <a:gd name="connsiteX2" fmla="*/ 633 w 4378669"/>
+                <a:gd name="connsiteY2" fmla="*/ 967612 h 967612"/>
+              </a:gdLst>
+              <a:ahLst/>
+              <a:cxnLst>
+                <a:cxn ang="0">
+                  <a:pos x="connsiteX0" y="connsiteY0"/>
+                </a:cxn>
+                <a:cxn ang="0">
+                  <a:pos x="connsiteX1" y="connsiteY1"/>
+                </a:cxn>
+                <a:cxn ang="0">
+                  <a:pos x="connsiteX2" y="connsiteY2"/>
+                </a:cxn>
+              </a:cxnLst>
+              <a:rect l="l" t="t" r="r" b="b"/>
+              <a:pathLst>
+                <a:path w="4378669" h="967612">
+                  <a:moveTo>
+                    <a:pt x="4378669" y="94775"/>
+                  </a:moveTo>
+                  <a:cubicBezTo>
+                    <a:pt x="3905305" y="15111"/>
+                    <a:pt x="3431942" y="-64552"/>
+                    <a:pt x="2702269" y="80921"/>
+                  </a:cubicBezTo>
+                  <a:cubicBezTo>
+                    <a:pt x="1972596" y="226394"/>
+                    <a:pt x="-40931" y="868321"/>
+                    <a:pt x="633" y="967612"/>
+                  </a:cubicBezTo>
+                </a:path>
+              </a:pathLst>
+            </a:custGeom>
+            <a:noFill/>
+            <a:ln w="38100">
+              <a:solidFill>
+                <a:srgbClr val="FFC000"/>
+              </a:solidFill>
+              <a:prstDash val="dash"/>
+            </a:ln>
+          </p:spPr>
+          <p:style>
+            <a:lnRef idx="2">
+              <a:schemeClr val="accent1">
+                <a:shade val="50000"/>
+              </a:schemeClr>
+            </a:lnRef>
+            <a:fillRef idx="1">
+              <a:schemeClr val="accent1"/>
+            </a:fillRef>
+            <a:effectRef idx="0">
+              <a:schemeClr val="accent1"/>
+            </a:effectRef>
+            <a:fontRef idx="minor">
+              <a:schemeClr val="lt1"/>
+            </a:fontRef>
+          </p:style>
+          <p:txBody>
+            <a:bodyPr rtlCol="0" anchor="ctr"/>
+            <a:lstStyle/>
+            <a:p>
+              <a:pPr algn="ctr"/>
+              <a:endParaRPr lang="en-US"/>
+            </a:p>
+          </p:txBody>
+        </p:sp>
+        <p:sp>
+          <p:nvSpPr>
+            <p:cNvPr id="40" name="Freeform 39"/>
+            <p:cNvSpPr/>
+            <p:nvPr/>
+          </p:nvSpPr>
+          <p:spPr>
+            <a:xfrm rot="20867076">
+              <a:off x="1066741" y="3016204"/>
+              <a:ext cx="2620503" cy="991858"/>
+            </a:xfrm>
+            <a:custGeom>
+              <a:avLst/>
+              <a:gdLst>
+                <a:gd name="connsiteX0" fmla="*/ 4378669 w 4378669"/>
+                <a:gd name="connsiteY0" fmla="*/ 94775 h 967612"/>
+                <a:gd name="connsiteX1" fmla="*/ 2702269 w 4378669"/>
+                <a:gd name="connsiteY1" fmla="*/ 80921 h 967612"/>
+                <a:gd name="connsiteX2" fmla="*/ 633 w 4378669"/>
+                <a:gd name="connsiteY2" fmla="*/ 967612 h 967612"/>
+              </a:gdLst>
+              <a:ahLst/>
+              <a:cxnLst>
+                <a:cxn ang="0">
+                  <a:pos x="connsiteX0" y="connsiteY0"/>
+                </a:cxn>
+                <a:cxn ang="0">
+                  <a:pos x="connsiteX1" y="connsiteY1"/>
+                </a:cxn>
+                <a:cxn ang="0">
+                  <a:pos x="connsiteX2" y="connsiteY2"/>
+                </a:cxn>
+              </a:cxnLst>
+              <a:rect l="l" t="t" r="r" b="b"/>
+              <a:pathLst>
+                <a:path w="4378669" h="967612">
+                  <a:moveTo>
+                    <a:pt x="4378669" y="94775"/>
+                  </a:moveTo>
+                  <a:cubicBezTo>
+                    <a:pt x="3905305" y="15111"/>
+                    <a:pt x="3431942" y="-64552"/>
+                    <a:pt x="2702269" y="80921"/>
+                  </a:cubicBezTo>
+                  <a:cubicBezTo>
+                    <a:pt x="1972596" y="226394"/>
+                    <a:pt x="-40931" y="868321"/>
+                    <a:pt x="633" y="967612"/>
+                  </a:cubicBezTo>
+                </a:path>
+              </a:pathLst>
+            </a:custGeom>
+            <a:noFill/>
+            <a:ln w="38100">
+              <a:solidFill>
+                <a:srgbClr val="FFC000"/>
+              </a:solidFill>
+              <a:prstDash val="dash"/>
+            </a:ln>
+          </p:spPr>
+          <p:style>
+            <a:lnRef idx="2">
+              <a:schemeClr val="accent1">
+                <a:shade val="50000"/>
+              </a:schemeClr>
+            </a:lnRef>
+            <a:fillRef idx="1">
+              <a:schemeClr val="accent1"/>
+            </a:fillRef>
+            <a:effectRef idx="0">
+              <a:schemeClr val="accent1"/>
+            </a:effectRef>
+            <a:fontRef idx="minor">
+              <a:schemeClr val="lt1"/>
+            </a:fontRef>
+          </p:style>
+          <p:txBody>
+            <a:bodyPr rtlCol="0" anchor="ctr"/>
+            <a:lstStyle/>
+            <a:p>
+              <a:pPr algn="ctr"/>
+              <a:endParaRPr lang="en-US"/>
+            </a:p>
+          </p:txBody>
+        </p:sp>
+      </p:grpSp>
+    </p:spTree>
+    <p:extLst>
+      <p:ext uri="{BB962C8B-B14F-4D97-AF65-F5344CB8AC3E}">
+        <p14:creationId xmlns:p14="http://schemas.microsoft.com/office/powerpoint/2010/main" val="122096955"/>
       </p:ext>
     </p:extLst>
   </p:cSld>

--- a/tex/figures/Gravity/Figures.pptx
+++ b/tex/figures/Gravity/Figures.pptx
@@ -14627,56 +14627,288 @@
       </p:grpSpPr>
       <p:grpSp>
         <p:nvGrpSpPr>
-          <p:cNvPr id="27" name="Group 26"/>
+          <p:cNvPr id="3" name="Group 2"/>
           <p:cNvGrpSpPr/>
           <p:nvPr/>
         </p:nvGrpSpPr>
         <p:grpSpPr>
           <a:xfrm>
             <a:off x="878969" y="194358"/>
-            <a:ext cx="6011310" cy="6123315"/>
+            <a:ext cx="9365257" cy="6123315"/>
             <a:chOff x="878969" y="194358"/>
-            <a:chExt cx="6011310" cy="6123315"/>
+            <a:chExt cx="9365257" cy="6123315"/>
           </a:xfrm>
         </p:grpSpPr>
         <p:grpSp>
           <p:nvGrpSpPr>
-            <p:cNvPr id="25" name="Group 24"/>
+            <p:cNvPr id="27" name="Group 26"/>
             <p:cNvGrpSpPr/>
             <p:nvPr/>
           </p:nvGrpSpPr>
           <p:grpSpPr>
             <a:xfrm>
-              <a:off x="878969" y="512618"/>
-              <a:ext cx="6011310" cy="5805055"/>
-              <a:chOff x="1086787" y="207818"/>
-              <a:chExt cx="6011310" cy="5805055"/>
+              <a:off x="878969" y="194358"/>
+              <a:ext cx="6011310" cy="6123315"/>
+              <a:chOff x="878969" y="194358"/>
+              <a:chExt cx="6011310" cy="6123315"/>
             </a:xfrm>
           </p:grpSpPr>
           <p:grpSp>
             <p:nvGrpSpPr>
-              <p:cNvPr id="8" name="Group 7"/>
+              <p:cNvPr id="25" name="Group 24"/>
               <p:cNvGrpSpPr/>
               <p:nvPr/>
             </p:nvGrpSpPr>
             <p:grpSpPr>
               <a:xfrm>
-                <a:off x="1086787" y="1233055"/>
-                <a:ext cx="6011310" cy="3759970"/>
-                <a:chOff x="6464716" y="466283"/>
-                <a:chExt cx="5262880" cy="3291840"/>
+                <a:off x="878969" y="512618"/>
+                <a:ext cx="6011310" cy="5805055"/>
+                <a:chOff x="1086787" y="207818"/>
+                <a:chExt cx="6011310" cy="5805055"/>
               </a:xfrm>
             </p:grpSpPr>
+            <p:grpSp>
+              <p:nvGrpSpPr>
+                <p:cNvPr id="8" name="Group 7"/>
+                <p:cNvGrpSpPr/>
+                <p:nvPr/>
+              </p:nvGrpSpPr>
+              <p:grpSpPr>
+                <a:xfrm>
+                  <a:off x="1086787" y="1233055"/>
+                  <a:ext cx="6011310" cy="3759970"/>
+                  <a:chOff x="6464716" y="466283"/>
+                  <a:chExt cx="5262880" cy="3291840"/>
+                </a:xfrm>
+              </p:grpSpPr>
+              <p:sp>
+                <p:nvSpPr>
+                  <p:cNvPr id="14" name="Oval 13"/>
+                  <p:cNvSpPr/>
+                  <p:nvPr/>
+                </p:nvSpPr>
+                <p:spPr>
+                  <a:xfrm>
+                    <a:off x="6464716" y="466283"/>
+                    <a:ext cx="5262880" cy="3291840"/>
+                  </a:xfrm>
+                  <a:prstGeom prst="ellipse">
+                    <a:avLst/>
+                  </a:prstGeom>
+                  <a:noFill/>
+                  <a:ln w="38100">
+                    <a:solidFill>
+                      <a:schemeClr val="tx1"/>
+                    </a:solidFill>
+                  </a:ln>
+                </p:spPr>
+                <p:style>
+                  <a:lnRef idx="2">
+                    <a:schemeClr val="accent1">
+                      <a:shade val="50000"/>
+                    </a:schemeClr>
+                  </a:lnRef>
+                  <a:fillRef idx="1">
+                    <a:schemeClr val="accent1"/>
+                  </a:fillRef>
+                  <a:effectRef idx="0">
+                    <a:schemeClr val="accent1"/>
+                  </a:effectRef>
+                  <a:fontRef idx="minor">
+                    <a:schemeClr val="lt1"/>
+                  </a:fontRef>
+                </p:style>
+                <p:txBody>
+                  <a:bodyPr rtlCol="0" anchor="ctr"/>
+                  <a:lstStyle/>
+                  <a:p>
+                    <a:pPr algn="ctr"/>
+                    <a:endParaRPr lang="en-US"/>
+                  </a:p>
+                </p:txBody>
+              </p:sp>
+              <p:sp>
+                <p:nvSpPr>
+                  <p:cNvPr id="17" name="Oval 16"/>
+                  <p:cNvSpPr/>
+                  <p:nvPr/>
+                </p:nvSpPr>
+                <p:spPr>
+                  <a:xfrm>
+                    <a:off x="11114047" y="2064450"/>
+                    <a:ext cx="120943" cy="119766"/>
+                  </a:xfrm>
+                  <a:prstGeom prst="ellipse">
+                    <a:avLst/>
+                  </a:prstGeom>
+                  <a:solidFill>
+                    <a:schemeClr val="tx1"/>
+                  </a:solidFill>
+                  <a:ln w="38100">
+                    <a:solidFill>
+                      <a:schemeClr val="tx1"/>
+                    </a:solidFill>
+                  </a:ln>
+                </p:spPr>
+                <p:style>
+                  <a:lnRef idx="2">
+                    <a:schemeClr val="accent1">
+                      <a:shade val="50000"/>
+                    </a:schemeClr>
+                  </a:lnRef>
+                  <a:fillRef idx="1">
+                    <a:schemeClr val="accent1"/>
+                  </a:fillRef>
+                  <a:effectRef idx="0">
+                    <a:schemeClr val="accent1"/>
+                  </a:effectRef>
+                  <a:fontRef idx="minor">
+                    <a:schemeClr val="lt1"/>
+                  </a:fontRef>
+                </p:style>
+                <p:txBody>
+                  <a:bodyPr rtlCol="0" anchor="ctr"/>
+                  <a:lstStyle/>
+                  <a:p>
+                    <a:pPr algn="ctr"/>
+                    <a:endParaRPr lang="en-US"/>
+                  </a:p>
+                </p:txBody>
+              </p:sp>
+            </p:grpSp>
             <p:sp>
               <p:nvSpPr>
-                <p:cNvPr id="14" name="Oval 13"/>
+                <p:cNvPr id="6" name="TextBox 5"/>
+                <p:cNvSpPr txBox="1"/>
+                <p:nvPr/>
+              </p:nvSpPr>
+              <p:spPr>
+                <a:xfrm>
+                  <a:off x="3791794" y="855030"/>
+                  <a:ext cx="65" cy="615553"/>
+                </a:xfrm>
+                <a:prstGeom prst="rect">
+                  <a:avLst/>
+                </a:prstGeom>
+                <a:noFill/>
+              </p:spPr>
+              <p:txBody>
+                <a:bodyPr wrap="none" lIns="0" tIns="0" rIns="0" bIns="0" rtlCol="0">
+                  <a:spAutoFit/>
+                </a:bodyPr>
+                <a:lstStyle/>
+                <a:p>
+                  <a:endParaRPr lang="en-US" sz="2000" b="0" dirty="0" smtClean="0">
+                    <a:latin typeface="Arial" panose="020B0604020202020204" pitchFamily="34" charset="0"/>
+                    <a:cs typeface="Arial" panose="020B0604020202020204" pitchFamily="34" charset="0"/>
+                  </a:endParaRPr>
+                </a:p>
+                <a:p>
+                  <a:endParaRPr lang="en-US" sz="2000" dirty="0" smtClean="0">
+                    <a:latin typeface="Arial" panose="020B0604020202020204" pitchFamily="34" charset="0"/>
+                    <a:cs typeface="Arial" panose="020B0604020202020204" pitchFamily="34" charset="0"/>
+                  </a:endParaRPr>
+                </a:p>
+              </p:txBody>
+            </p:sp>
+            <mc:AlternateContent xmlns:mc="http://schemas.openxmlformats.org/markup-compatibility/2006" xmlns:a14="http://schemas.microsoft.com/office/drawing/2010/main">
+              <mc:Choice Requires="a14">
+                <p:sp>
+                  <p:nvSpPr>
+                    <p:cNvPr id="7" name="TextBox 6"/>
+                    <p:cNvSpPr txBox="1"/>
+                    <p:nvPr/>
+                  </p:nvSpPr>
+                  <p:spPr>
+                    <a:xfrm>
+                      <a:off x="5862680" y="2866371"/>
+                      <a:ext cx="598848" cy="369332"/>
+                    </a:xfrm>
+                    <a:prstGeom prst="rect">
+                      <a:avLst/>
+                    </a:prstGeom>
+                    <a:noFill/>
+                  </p:spPr>
+                  <p:txBody>
+                    <a:bodyPr wrap="square" lIns="0" tIns="0" rIns="0" bIns="0" rtlCol="0">
+                      <a:spAutoFit/>
+                    </a:bodyPr>
+                    <a:lstStyle/>
+                    <a:p>
+                      <a:pPr/>
+                      <a14:m>
+                        <m:oMathPara xmlns:m="http://schemas.openxmlformats.org/officeDocument/2006/math">
+                          <m:oMathParaPr>
+                            <m:jc m:val="centerGroup"/>
+                          </m:oMathParaPr>
+                          <m:oMath xmlns:m="http://schemas.openxmlformats.org/officeDocument/2006/math">
+                            <m:r>
+                              <a:rPr lang="en-US" sz="2400" b="0" i="1" smtClean="0">
+                                <a:latin typeface="Cambria Math" panose="02040503050406030204" pitchFamily="18" charset="0"/>
+                                <a:cs typeface="Arial" panose="020B0604020202020204" pitchFamily="34" charset="0"/>
+                              </a:rPr>
+                              <m:t>𝑀</m:t>
+                            </m:r>
+                          </m:oMath>
+                        </m:oMathPara>
+                      </a14:m>
+                      <a:endParaRPr lang="en-US" sz="2400" dirty="0" smtClean="0">
+                        <a:latin typeface="Arial" panose="020B0604020202020204" pitchFamily="34" charset="0"/>
+                        <a:cs typeface="Arial" panose="020B0604020202020204" pitchFamily="34" charset="0"/>
+                      </a:endParaRPr>
+                    </a:p>
+                  </p:txBody>
+                </p:sp>
+              </mc:Choice>
+              <mc:Fallback xmlns="">
+                <p:sp>
+                  <p:nvSpPr>
+                    <p:cNvPr id="7" name="TextBox 6"/>
+                    <p:cNvSpPr txBox="1">
+                      <a:spLocks noRot="1" noChangeAspect="1" noMove="1" noResize="1" noEditPoints="1" noAdjustHandles="1" noChangeArrowheads="1" noChangeShapeType="1" noTextEdit="1"/>
+                    </p:cNvSpPr>
+                    <p:nvPr/>
+                  </p:nvSpPr>
+                  <p:spPr>
+                    <a:xfrm>
+                      <a:off x="5862680" y="2866371"/>
+                      <a:ext cx="598848" cy="369332"/>
+                    </a:xfrm>
+                    <a:prstGeom prst="rect">
+                      <a:avLst/>
+                    </a:prstGeom>
+                    <a:blipFill>
+                      <a:blip r:embed="rId2"/>
+                      <a:stretch>
+                        <a:fillRect b="-9836"/>
+                      </a:stretch>
+                    </a:blipFill>
+                  </p:spPr>
+                  <p:txBody>
+                    <a:bodyPr/>
+                    <a:lstStyle/>
+                    <a:p>
+                      <a:r>
+                        <a:rPr lang="en-US">
+                          <a:noFill/>
+                        </a:rPr>
+                        <a:t> </a:t>
+                      </a:r>
+                    </a:p>
+                  </p:txBody>
+                </p:sp>
+              </mc:Fallback>
+            </mc:AlternateContent>
+            <p:sp>
+              <p:nvSpPr>
+                <p:cNvPr id="18" name="Oval 17"/>
                 <p:cNvSpPr/>
                 <p:nvPr/>
               </p:nvSpPr>
               <p:spPr>
                 <a:xfrm>
-                  <a:off x="6464716" y="466283"/>
-                  <a:ext cx="5262880" cy="3291840"/>
+                  <a:off x="5866185" y="2547557"/>
+                  <a:ext cx="1207025" cy="1207025"/>
                 </a:xfrm>
                 <a:prstGeom prst="ellipse">
                   <a:avLst/>
@@ -14713,336 +14945,563 @@
                 </a:p>
               </p:txBody>
             </p:sp>
+            <p:grpSp>
+              <p:nvGrpSpPr>
+                <p:cNvPr id="24" name="Group 23"/>
+                <p:cNvGrpSpPr/>
+                <p:nvPr/>
+              </p:nvGrpSpPr>
+              <p:grpSpPr>
+                <a:xfrm>
+                  <a:off x="4094741" y="263236"/>
+                  <a:ext cx="2997109" cy="5606508"/>
+                  <a:chOff x="4142509" y="263236"/>
+                  <a:chExt cx="2997109" cy="5606508"/>
+                </a:xfrm>
+              </p:grpSpPr>
+              <p:sp>
+                <p:nvSpPr>
+                  <p:cNvPr id="20" name="Freeform 19"/>
+                  <p:cNvSpPr/>
+                  <p:nvPr/>
+                </p:nvSpPr>
+                <p:spPr>
+                  <a:xfrm>
+                    <a:off x="4142509" y="263236"/>
+                    <a:ext cx="2997109" cy="2881745"/>
+                  </a:xfrm>
+                  <a:custGeom>
+                    <a:avLst/>
+                    <a:gdLst>
+                      <a:gd name="connsiteX0" fmla="*/ 0 w 2997109"/>
+                      <a:gd name="connsiteY0" fmla="*/ 0 h 2881745"/>
+                      <a:gd name="connsiteX1" fmla="*/ 304800 w 2997109"/>
+                      <a:gd name="connsiteY1" fmla="*/ 138545 h 2881745"/>
+                      <a:gd name="connsiteX2" fmla="*/ 568036 w 2997109"/>
+                      <a:gd name="connsiteY2" fmla="*/ 290945 h 2881745"/>
+                      <a:gd name="connsiteX3" fmla="*/ 914400 w 2997109"/>
+                      <a:gd name="connsiteY3" fmla="*/ 471054 h 2881745"/>
+                      <a:gd name="connsiteX4" fmla="*/ 1149927 w 2997109"/>
+                      <a:gd name="connsiteY4" fmla="*/ 623454 h 2881745"/>
+                      <a:gd name="connsiteX5" fmla="*/ 1385454 w 2997109"/>
+                      <a:gd name="connsiteY5" fmla="*/ 762000 h 2881745"/>
+                      <a:gd name="connsiteX6" fmla="*/ 1870363 w 2997109"/>
+                      <a:gd name="connsiteY6" fmla="*/ 1108364 h 2881745"/>
+                      <a:gd name="connsiteX7" fmla="*/ 2105891 w 2997109"/>
+                      <a:gd name="connsiteY7" fmla="*/ 1330036 h 2881745"/>
+                      <a:gd name="connsiteX8" fmla="*/ 2313709 w 2997109"/>
+                      <a:gd name="connsiteY8" fmla="*/ 1482436 h 2881745"/>
+                      <a:gd name="connsiteX9" fmla="*/ 2563091 w 2997109"/>
+                      <a:gd name="connsiteY9" fmla="*/ 1801091 h 2881745"/>
+                      <a:gd name="connsiteX10" fmla="*/ 2770909 w 2997109"/>
+                      <a:gd name="connsiteY10" fmla="*/ 2105891 h 2881745"/>
+                      <a:gd name="connsiteX11" fmla="*/ 2909454 w 2997109"/>
+                      <a:gd name="connsiteY11" fmla="*/ 2396836 h 2881745"/>
+                      <a:gd name="connsiteX12" fmla="*/ 2992581 w 2997109"/>
+                      <a:gd name="connsiteY12" fmla="*/ 2757054 h 2881745"/>
+                      <a:gd name="connsiteX13" fmla="*/ 2978727 w 2997109"/>
+                      <a:gd name="connsiteY13" fmla="*/ 2881745 h 2881745"/>
+                      <a:gd name="connsiteX0" fmla="*/ 0 w 2997109"/>
+                      <a:gd name="connsiteY0" fmla="*/ 0 h 2881745"/>
+                      <a:gd name="connsiteX1" fmla="*/ 304800 w 2997109"/>
+                      <a:gd name="connsiteY1" fmla="*/ 138545 h 2881745"/>
+                      <a:gd name="connsiteX2" fmla="*/ 568036 w 2997109"/>
+                      <a:gd name="connsiteY2" fmla="*/ 290945 h 2881745"/>
+                      <a:gd name="connsiteX3" fmla="*/ 914400 w 2997109"/>
+                      <a:gd name="connsiteY3" fmla="*/ 471054 h 2881745"/>
+                      <a:gd name="connsiteX4" fmla="*/ 1149927 w 2997109"/>
+                      <a:gd name="connsiteY4" fmla="*/ 623454 h 2881745"/>
+                      <a:gd name="connsiteX5" fmla="*/ 1385454 w 2997109"/>
+                      <a:gd name="connsiteY5" fmla="*/ 762000 h 2881745"/>
+                      <a:gd name="connsiteX6" fmla="*/ 1870363 w 2997109"/>
+                      <a:gd name="connsiteY6" fmla="*/ 1108364 h 2881745"/>
+                      <a:gd name="connsiteX7" fmla="*/ 2133601 w 2997109"/>
+                      <a:gd name="connsiteY7" fmla="*/ 1330036 h 2881745"/>
+                      <a:gd name="connsiteX8" fmla="*/ 2313709 w 2997109"/>
+                      <a:gd name="connsiteY8" fmla="*/ 1482436 h 2881745"/>
+                      <a:gd name="connsiteX9" fmla="*/ 2563091 w 2997109"/>
+                      <a:gd name="connsiteY9" fmla="*/ 1801091 h 2881745"/>
+                      <a:gd name="connsiteX10" fmla="*/ 2770909 w 2997109"/>
+                      <a:gd name="connsiteY10" fmla="*/ 2105891 h 2881745"/>
+                      <a:gd name="connsiteX11" fmla="*/ 2909454 w 2997109"/>
+                      <a:gd name="connsiteY11" fmla="*/ 2396836 h 2881745"/>
+                      <a:gd name="connsiteX12" fmla="*/ 2992581 w 2997109"/>
+                      <a:gd name="connsiteY12" fmla="*/ 2757054 h 2881745"/>
+                      <a:gd name="connsiteX13" fmla="*/ 2978727 w 2997109"/>
+                      <a:gd name="connsiteY13" fmla="*/ 2881745 h 2881745"/>
+                      <a:gd name="connsiteX0" fmla="*/ 0 w 2997109"/>
+                      <a:gd name="connsiteY0" fmla="*/ 0 h 2881745"/>
+                      <a:gd name="connsiteX1" fmla="*/ 304800 w 2997109"/>
+                      <a:gd name="connsiteY1" fmla="*/ 138545 h 2881745"/>
+                      <a:gd name="connsiteX2" fmla="*/ 568036 w 2997109"/>
+                      <a:gd name="connsiteY2" fmla="*/ 290945 h 2881745"/>
+                      <a:gd name="connsiteX3" fmla="*/ 914400 w 2997109"/>
+                      <a:gd name="connsiteY3" fmla="*/ 471054 h 2881745"/>
+                      <a:gd name="connsiteX4" fmla="*/ 1149927 w 2997109"/>
+                      <a:gd name="connsiteY4" fmla="*/ 623454 h 2881745"/>
+                      <a:gd name="connsiteX5" fmla="*/ 1385454 w 2997109"/>
+                      <a:gd name="connsiteY5" fmla="*/ 762000 h 2881745"/>
+                      <a:gd name="connsiteX6" fmla="*/ 1870363 w 2997109"/>
+                      <a:gd name="connsiteY6" fmla="*/ 1108364 h 2881745"/>
+                      <a:gd name="connsiteX7" fmla="*/ 2133601 w 2997109"/>
+                      <a:gd name="connsiteY7" fmla="*/ 1330036 h 2881745"/>
+                      <a:gd name="connsiteX8" fmla="*/ 2355272 w 2997109"/>
+                      <a:gd name="connsiteY8" fmla="*/ 1551709 h 2881745"/>
+                      <a:gd name="connsiteX9" fmla="*/ 2563091 w 2997109"/>
+                      <a:gd name="connsiteY9" fmla="*/ 1801091 h 2881745"/>
+                      <a:gd name="connsiteX10" fmla="*/ 2770909 w 2997109"/>
+                      <a:gd name="connsiteY10" fmla="*/ 2105891 h 2881745"/>
+                      <a:gd name="connsiteX11" fmla="*/ 2909454 w 2997109"/>
+                      <a:gd name="connsiteY11" fmla="*/ 2396836 h 2881745"/>
+                      <a:gd name="connsiteX12" fmla="*/ 2992581 w 2997109"/>
+                      <a:gd name="connsiteY12" fmla="*/ 2757054 h 2881745"/>
+                      <a:gd name="connsiteX13" fmla="*/ 2978727 w 2997109"/>
+                      <a:gd name="connsiteY13" fmla="*/ 2881745 h 2881745"/>
+                    </a:gdLst>
+                    <a:ahLst/>
+                    <a:cxnLst>
+                      <a:cxn ang="0">
+                        <a:pos x="connsiteX0" y="connsiteY0"/>
+                      </a:cxn>
+                      <a:cxn ang="0">
+                        <a:pos x="connsiteX1" y="connsiteY1"/>
+                      </a:cxn>
+                      <a:cxn ang="0">
+                        <a:pos x="connsiteX2" y="connsiteY2"/>
+                      </a:cxn>
+                      <a:cxn ang="0">
+                        <a:pos x="connsiteX3" y="connsiteY3"/>
+                      </a:cxn>
+                      <a:cxn ang="0">
+                        <a:pos x="connsiteX4" y="connsiteY4"/>
+                      </a:cxn>
+                      <a:cxn ang="0">
+                        <a:pos x="connsiteX5" y="connsiteY5"/>
+                      </a:cxn>
+                      <a:cxn ang="0">
+                        <a:pos x="connsiteX6" y="connsiteY6"/>
+                      </a:cxn>
+                      <a:cxn ang="0">
+                        <a:pos x="connsiteX7" y="connsiteY7"/>
+                      </a:cxn>
+                      <a:cxn ang="0">
+                        <a:pos x="connsiteX8" y="connsiteY8"/>
+                      </a:cxn>
+                      <a:cxn ang="0">
+                        <a:pos x="connsiteX9" y="connsiteY9"/>
+                      </a:cxn>
+                      <a:cxn ang="0">
+                        <a:pos x="connsiteX10" y="connsiteY10"/>
+                      </a:cxn>
+                      <a:cxn ang="0">
+                        <a:pos x="connsiteX11" y="connsiteY11"/>
+                      </a:cxn>
+                      <a:cxn ang="0">
+                        <a:pos x="connsiteX12" y="connsiteY12"/>
+                      </a:cxn>
+                      <a:cxn ang="0">
+                        <a:pos x="connsiteX13" y="connsiteY13"/>
+                      </a:cxn>
+                    </a:cxnLst>
+                    <a:rect l="l" t="t" r="r" b="b"/>
+                    <a:pathLst>
+                      <a:path w="2997109" h="2881745">
+                        <a:moveTo>
+                          <a:pt x="0" y="0"/>
+                        </a:moveTo>
+                        <a:cubicBezTo>
+                          <a:pt x="105063" y="45027"/>
+                          <a:pt x="210127" y="90054"/>
+                          <a:pt x="304800" y="138545"/>
+                        </a:cubicBezTo>
+                        <a:cubicBezTo>
+                          <a:pt x="399473" y="187036"/>
+                          <a:pt x="466436" y="235527"/>
+                          <a:pt x="568036" y="290945"/>
+                        </a:cubicBezTo>
+                        <a:cubicBezTo>
+                          <a:pt x="669636" y="346363"/>
+                          <a:pt x="817418" y="415636"/>
+                          <a:pt x="914400" y="471054"/>
+                        </a:cubicBezTo>
+                        <a:cubicBezTo>
+                          <a:pt x="1011382" y="526472"/>
+                          <a:pt x="1071418" y="574963"/>
+                          <a:pt x="1149927" y="623454"/>
+                        </a:cubicBezTo>
+                        <a:cubicBezTo>
+                          <a:pt x="1228436" y="671945"/>
+                          <a:pt x="1265381" y="681182"/>
+                          <a:pt x="1385454" y="762000"/>
+                        </a:cubicBezTo>
+                        <a:cubicBezTo>
+                          <a:pt x="1505527" y="842818"/>
+                          <a:pt x="1745672" y="1013691"/>
+                          <a:pt x="1870363" y="1108364"/>
+                        </a:cubicBezTo>
+                        <a:cubicBezTo>
+                          <a:pt x="1995054" y="1203037"/>
+                          <a:pt x="2052783" y="1256145"/>
+                          <a:pt x="2133601" y="1330036"/>
+                        </a:cubicBezTo>
+                        <a:cubicBezTo>
+                          <a:pt x="2214419" y="1403927"/>
+                          <a:pt x="2283690" y="1473200"/>
+                          <a:pt x="2355272" y="1551709"/>
+                        </a:cubicBezTo>
+                        <a:cubicBezTo>
+                          <a:pt x="2426854" y="1630218"/>
+                          <a:pt x="2493818" y="1708727"/>
+                          <a:pt x="2563091" y="1801091"/>
+                        </a:cubicBezTo>
+                        <a:cubicBezTo>
+                          <a:pt x="2632364" y="1893455"/>
+                          <a:pt x="2713182" y="2006600"/>
+                          <a:pt x="2770909" y="2105891"/>
+                        </a:cubicBezTo>
+                        <a:cubicBezTo>
+                          <a:pt x="2828636" y="2205182"/>
+                          <a:pt x="2872509" y="2288309"/>
+                          <a:pt x="2909454" y="2396836"/>
+                        </a:cubicBezTo>
+                        <a:cubicBezTo>
+                          <a:pt x="2946399" y="2505363"/>
+                          <a:pt x="2981036" y="2676236"/>
+                          <a:pt x="2992581" y="2757054"/>
+                        </a:cubicBezTo>
+                        <a:cubicBezTo>
+                          <a:pt x="3004127" y="2837872"/>
+                          <a:pt x="2991427" y="2859808"/>
+                          <a:pt x="2978727" y="2881745"/>
+                        </a:cubicBezTo>
+                      </a:path>
+                    </a:pathLst>
+                  </a:custGeom>
+                  <a:noFill/>
+                  <a:ln w="57150">
+                    <a:solidFill>
+                      <a:schemeClr val="tx1"/>
+                    </a:solidFill>
+                  </a:ln>
+                </p:spPr>
+                <p:style>
+                  <a:lnRef idx="2">
+                    <a:schemeClr val="accent1">
+                      <a:shade val="50000"/>
+                    </a:schemeClr>
+                  </a:lnRef>
+                  <a:fillRef idx="1">
+                    <a:schemeClr val="accent1"/>
+                  </a:fillRef>
+                  <a:effectRef idx="0">
+                    <a:schemeClr val="accent1"/>
+                  </a:effectRef>
+                  <a:fontRef idx="minor">
+                    <a:schemeClr val="lt1"/>
+                  </a:fontRef>
+                </p:style>
+                <p:txBody>
+                  <a:bodyPr rtlCol="0" anchor="ctr"/>
+                  <a:lstStyle/>
+                  <a:p>
+                    <a:pPr algn="ctr"/>
+                    <a:endParaRPr lang="en-US"/>
+                  </a:p>
+                </p:txBody>
+              </p:sp>
+              <p:sp>
+                <p:nvSpPr>
+                  <p:cNvPr id="22" name="Freeform 21"/>
+                  <p:cNvSpPr/>
+                  <p:nvPr/>
+                </p:nvSpPr>
+                <p:spPr>
+                  <a:xfrm flipV="1">
+                    <a:off x="4293455" y="3139874"/>
+                    <a:ext cx="2839154" cy="2729870"/>
+                  </a:xfrm>
+                  <a:custGeom>
+                    <a:avLst/>
+                    <a:gdLst>
+                      <a:gd name="connsiteX0" fmla="*/ 0 w 2997109"/>
+                      <a:gd name="connsiteY0" fmla="*/ 0 h 2881745"/>
+                      <a:gd name="connsiteX1" fmla="*/ 304800 w 2997109"/>
+                      <a:gd name="connsiteY1" fmla="*/ 138545 h 2881745"/>
+                      <a:gd name="connsiteX2" fmla="*/ 568036 w 2997109"/>
+                      <a:gd name="connsiteY2" fmla="*/ 290945 h 2881745"/>
+                      <a:gd name="connsiteX3" fmla="*/ 914400 w 2997109"/>
+                      <a:gd name="connsiteY3" fmla="*/ 471054 h 2881745"/>
+                      <a:gd name="connsiteX4" fmla="*/ 1149927 w 2997109"/>
+                      <a:gd name="connsiteY4" fmla="*/ 623454 h 2881745"/>
+                      <a:gd name="connsiteX5" fmla="*/ 1385454 w 2997109"/>
+                      <a:gd name="connsiteY5" fmla="*/ 762000 h 2881745"/>
+                      <a:gd name="connsiteX6" fmla="*/ 1870363 w 2997109"/>
+                      <a:gd name="connsiteY6" fmla="*/ 1108364 h 2881745"/>
+                      <a:gd name="connsiteX7" fmla="*/ 2105891 w 2997109"/>
+                      <a:gd name="connsiteY7" fmla="*/ 1330036 h 2881745"/>
+                      <a:gd name="connsiteX8" fmla="*/ 2313709 w 2997109"/>
+                      <a:gd name="connsiteY8" fmla="*/ 1482436 h 2881745"/>
+                      <a:gd name="connsiteX9" fmla="*/ 2563091 w 2997109"/>
+                      <a:gd name="connsiteY9" fmla="*/ 1801091 h 2881745"/>
+                      <a:gd name="connsiteX10" fmla="*/ 2770909 w 2997109"/>
+                      <a:gd name="connsiteY10" fmla="*/ 2105891 h 2881745"/>
+                      <a:gd name="connsiteX11" fmla="*/ 2909454 w 2997109"/>
+                      <a:gd name="connsiteY11" fmla="*/ 2396836 h 2881745"/>
+                      <a:gd name="connsiteX12" fmla="*/ 2992581 w 2997109"/>
+                      <a:gd name="connsiteY12" fmla="*/ 2757054 h 2881745"/>
+                      <a:gd name="connsiteX13" fmla="*/ 2978727 w 2997109"/>
+                      <a:gd name="connsiteY13" fmla="*/ 2881745 h 2881745"/>
+                      <a:gd name="connsiteX0" fmla="*/ 0 w 2997109"/>
+                      <a:gd name="connsiteY0" fmla="*/ 0 h 2881745"/>
+                      <a:gd name="connsiteX1" fmla="*/ 304800 w 2997109"/>
+                      <a:gd name="connsiteY1" fmla="*/ 138545 h 2881745"/>
+                      <a:gd name="connsiteX2" fmla="*/ 568036 w 2997109"/>
+                      <a:gd name="connsiteY2" fmla="*/ 290945 h 2881745"/>
+                      <a:gd name="connsiteX3" fmla="*/ 914400 w 2997109"/>
+                      <a:gd name="connsiteY3" fmla="*/ 471054 h 2881745"/>
+                      <a:gd name="connsiteX4" fmla="*/ 1149927 w 2997109"/>
+                      <a:gd name="connsiteY4" fmla="*/ 623454 h 2881745"/>
+                      <a:gd name="connsiteX5" fmla="*/ 1385454 w 2997109"/>
+                      <a:gd name="connsiteY5" fmla="*/ 762000 h 2881745"/>
+                      <a:gd name="connsiteX6" fmla="*/ 1870363 w 2997109"/>
+                      <a:gd name="connsiteY6" fmla="*/ 1108364 h 2881745"/>
+                      <a:gd name="connsiteX7" fmla="*/ 2133601 w 2997109"/>
+                      <a:gd name="connsiteY7" fmla="*/ 1330036 h 2881745"/>
+                      <a:gd name="connsiteX8" fmla="*/ 2313709 w 2997109"/>
+                      <a:gd name="connsiteY8" fmla="*/ 1482436 h 2881745"/>
+                      <a:gd name="connsiteX9" fmla="*/ 2563091 w 2997109"/>
+                      <a:gd name="connsiteY9" fmla="*/ 1801091 h 2881745"/>
+                      <a:gd name="connsiteX10" fmla="*/ 2770909 w 2997109"/>
+                      <a:gd name="connsiteY10" fmla="*/ 2105891 h 2881745"/>
+                      <a:gd name="connsiteX11" fmla="*/ 2909454 w 2997109"/>
+                      <a:gd name="connsiteY11" fmla="*/ 2396836 h 2881745"/>
+                      <a:gd name="connsiteX12" fmla="*/ 2992581 w 2997109"/>
+                      <a:gd name="connsiteY12" fmla="*/ 2757054 h 2881745"/>
+                      <a:gd name="connsiteX13" fmla="*/ 2978727 w 2997109"/>
+                      <a:gd name="connsiteY13" fmla="*/ 2881745 h 2881745"/>
+                      <a:gd name="connsiteX0" fmla="*/ 0 w 2997109"/>
+                      <a:gd name="connsiteY0" fmla="*/ 0 h 2881745"/>
+                      <a:gd name="connsiteX1" fmla="*/ 304800 w 2997109"/>
+                      <a:gd name="connsiteY1" fmla="*/ 138545 h 2881745"/>
+                      <a:gd name="connsiteX2" fmla="*/ 568036 w 2997109"/>
+                      <a:gd name="connsiteY2" fmla="*/ 290945 h 2881745"/>
+                      <a:gd name="connsiteX3" fmla="*/ 914400 w 2997109"/>
+                      <a:gd name="connsiteY3" fmla="*/ 471054 h 2881745"/>
+                      <a:gd name="connsiteX4" fmla="*/ 1149927 w 2997109"/>
+                      <a:gd name="connsiteY4" fmla="*/ 623454 h 2881745"/>
+                      <a:gd name="connsiteX5" fmla="*/ 1385454 w 2997109"/>
+                      <a:gd name="connsiteY5" fmla="*/ 762000 h 2881745"/>
+                      <a:gd name="connsiteX6" fmla="*/ 1870363 w 2997109"/>
+                      <a:gd name="connsiteY6" fmla="*/ 1108364 h 2881745"/>
+                      <a:gd name="connsiteX7" fmla="*/ 2133601 w 2997109"/>
+                      <a:gd name="connsiteY7" fmla="*/ 1330036 h 2881745"/>
+                      <a:gd name="connsiteX8" fmla="*/ 2355272 w 2997109"/>
+                      <a:gd name="connsiteY8" fmla="*/ 1551709 h 2881745"/>
+                      <a:gd name="connsiteX9" fmla="*/ 2563091 w 2997109"/>
+                      <a:gd name="connsiteY9" fmla="*/ 1801091 h 2881745"/>
+                      <a:gd name="connsiteX10" fmla="*/ 2770909 w 2997109"/>
+                      <a:gd name="connsiteY10" fmla="*/ 2105891 h 2881745"/>
+                      <a:gd name="connsiteX11" fmla="*/ 2909454 w 2997109"/>
+                      <a:gd name="connsiteY11" fmla="*/ 2396836 h 2881745"/>
+                      <a:gd name="connsiteX12" fmla="*/ 2992581 w 2997109"/>
+                      <a:gd name="connsiteY12" fmla="*/ 2757054 h 2881745"/>
+                      <a:gd name="connsiteX13" fmla="*/ 2978727 w 2997109"/>
+                      <a:gd name="connsiteY13" fmla="*/ 2881745 h 2881745"/>
+                    </a:gdLst>
+                    <a:ahLst/>
+                    <a:cxnLst>
+                      <a:cxn ang="0">
+                        <a:pos x="connsiteX0" y="connsiteY0"/>
+                      </a:cxn>
+                      <a:cxn ang="0">
+                        <a:pos x="connsiteX1" y="connsiteY1"/>
+                      </a:cxn>
+                      <a:cxn ang="0">
+                        <a:pos x="connsiteX2" y="connsiteY2"/>
+                      </a:cxn>
+                      <a:cxn ang="0">
+                        <a:pos x="connsiteX3" y="connsiteY3"/>
+                      </a:cxn>
+                      <a:cxn ang="0">
+                        <a:pos x="connsiteX4" y="connsiteY4"/>
+                      </a:cxn>
+                      <a:cxn ang="0">
+                        <a:pos x="connsiteX5" y="connsiteY5"/>
+                      </a:cxn>
+                      <a:cxn ang="0">
+                        <a:pos x="connsiteX6" y="connsiteY6"/>
+                      </a:cxn>
+                      <a:cxn ang="0">
+                        <a:pos x="connsiteX7" y="connsiteY7"/>
+                      </a:cxn>
+                      <a:cxn ang="0">
+                        <a:pos x="connsiteX8" y="connsiteY8"/>
+                      </a:cxn>
+                      <a:cxn ang="0">
+                        <a:pos x="connsiteX9" y="connsiteY9"/>
+                      </a:cxn>
+                      <a:cxn ang="0">
+                        <a:pos x="connsiteX10" y="connsiteY10"/>
+                      </a:cxn>
+                      <a:cxn ang="0">
+                        <a:pos x="connsiteX11" y="connsiteY11"/>
+                      </a:cxn>
+                      <a:cxn ang="0">
+                        <a:pos x="connsiteX12" y="connsiteY12"/>
+                      </a:cxn>
+                      <a:cxn ang="0">
+                        <a:pos x="connsiteX13" y="connsiteY13"/>
+                      </a:cxn>
+                    </a:cxnLst>
+                    <a:rect l="l" t="t" r="r" b="b"/>
+                    <a:pathLst>
+                      <a:path w="2997109" h="2881745">
+                        <a:moveTo>
+                          <a:pt x="0" y="0"/>
+                        </a:moveTo>
+                        <a:cubicBezTo>
+                          <a:pt x="105063" y="45027"/>
+                          <a:pt x="210127" y="90054"/>
+                          <a:pt x="304800" y="138545"/>
+                        </a:cubicBezTo>
+                        <a:cubicBezTo>
+                          <a:pt x="399473" y="187036"/>
+                          <a:pt x="466436" y="235527"/>
+                          <a:pt x="568036" y="290945"/>
+                        </a:cubicBezTo>
+                        <a:cubicBezTo>
+                          <a:pt x="669636" y="346363"/>
+                          <a:pt x="817418" y="415636"/>
+                          <a:pt x="914400" y="471054"/>
+                        </a:cubicBezTo>
+                        <a:cubicBezTo>
+                          <a:pt x="1011382" y="526472"/>
+                          <a:pt x="1071418" y="574963"/>
+                          <a:pt x="1149927" y="623454"/>
+                        </a:cubicBezTo>
+                        <a:cubicBezTo>
+                          <a:pt x="1228436" y="671945"/>
+                          <a:pt x="1265381" y="681182"/>
+                          <a:pt x="1385454" y="762000"/>
+                        </a:cubicBezTo>
+                        <a:cubicBezTo>
+                          <a:pt x="1505527" y="842818"/>
+                          <a:pt x="1745672" y="1013691"/>
+                          <a:pt x="1870363" y="1108364"/>
+                        </a:cubicBezTo>
+                        <a:cubicBezTo>
+                          <a:pt x="1995054" y="1203037"/>
+                          <a:pt x="2052783" y="1256145"/>
+                          <a:pt x="2133601" y="1330036"/>
+                        </a:cubicBezTo>
+                        <a:cubicBezTo>
+                          <a:pt x="2214419" y="1403927"/>
+                          <a:pt x="2283690" y="1473200"/>
+                          <a:pt x="2355272" y="1551709"/>
+                        </a:cubicBezTo>
+                        <a:cubicBezTo>
+                          <a:pt x="2426854" y="1630218"/>
+                          <a:pt x="2493818" y="1708727"/>
+                          <a:pt x="2563091" y="1801091"/>
+                        </a:cubicBezTo>
+                        <a:cubicBezTo>
+                          <a:pt x="2632364" y="1893455"/>
+                          <a:pt x="2713182" y="2006600"/>
+                          <a:pt x="2770909" y="2105891"/>
+                        </a:cubicBezTo>
+                        <a:cubicBezTo>
+                          <a:pt x="2828636" y="2205182"/>
+                          <a:pt x="2872509" y="2288309"/>
+                          <a:pt x="2909454" y="2396836"/>
+                        </a:cubicBezTo>
+                        <a:cubicBezTo>
+                          <a:pt x="2946399" y="2505363"/>
+                          <a:pt x="2981036" y="2676236"/>
+                          <a:pt x="2992581" y="2757054"/>
+                        </a:cubicBezTo>
+                        <a:cubicBezTo>
+                          <a:pt x="3004127" y="2837872"/>
+                          <a:pt x="2991427" y="2859808"/>
+                          <a:pt x="2978727" y="2881745"/>
+                        </a:cubicBezTo>
+                      </a:path>
+                    </a:pathLst>
+                  </a:custGeom>
+                  <a:noFill/>
+                  <a:ln w="57150">
+                    <a:solidFill>
+                      <a:schemeClr val="tx1"/>
+                    </a:solidFill>
+                  </a:ln>
+                </p:spPr>
+                <p:style>
+                  <a:lnRef idx="2">
+                    <a:schemeClr val="accent1">
+                      <a:shade val="50000"/>
+                    </a:schemeClr>
+                  </a:lnRef>
+                  <a:fillRef idx="1">
+                    <a:schemeClr val="accent1"/>
+                  </a:fillRef>
+                  <a:effectRef idx="0">
+                    <a:schemeClr val="accent1"/>
+                  </a:effectRef>
+                  <a:fontRef idx="minor">
+                    <a:schemeClr val="lt1"/>
+                  </a:fontRef>
+                </p:style>
+                <p:txBody>
+                  <a:bodyPr rtlCol="0" anchor="ctr"/>
+                  <a:lstStyle/>
+                  <a:p>
+                    <a:pPr algn="ctr"/>
+                    <a:endParaRPr lang="en-US"/>
+                  </a:p>
+                </p:txBody>
+              </p:sp>
+            </p:grpSp>
             <p:sp>
               <p:nvSpPr>
-                <p:cNvPr id="17" name="Oval 16"/>
+                <p:cNvPr id="23" name="Freeform 22"/>
                 <p:cNvSpPr/>
                 <p:nvPr/>
               </p:nvSpPr>
               <p:spPr>
                 <a:xfrm>
-                  <a:off x="11114047" y="2064450"/>
-                  <a:ext cx="120943" cy="119766"/>
-                </a:xfrm>
-                <a:prstGeom prst="ellipse">
-                  <a:avLst/>
-                </a:prstGeom>
-                <a:solidFill>
-                  <a:schemeClr val="tx1"/>
-                </a:solidFill>
-                <a:ln w="38100">
-                  <a:solidFill>
-                    <a:schemeClr val="tx1"/>
-                  </a:solidFill>
-                </a:ln>
-              </p:spPr>
-              <p:style>
-                <a:lnRef idx="2">
-                  <a:schemeClr val="accent1">
-                    <a:shade val="50000"/>
-                  </a:schemeClr>
-                </a:lnRef>
-                <a:fillRef idx="1">
-                  <a:schemeClr val="accent1"/>
-                </a:fillRef>
-                <a:effectRef idx="0">
-                  <a:schemeClr val="accent1"/>
-                </a:effectRef>
-                <a:fontRef idx="minor">
-                  <a:schemeClr val="lt1"/>
-                </a:fontRef>
-              </p:style>
-              <p:txBody>
-                <a:bodyPr rtlCol="0" anchor="ctr"/>
-                <a:lstStyle/>
-                <a:p>
-                  <a:pPr algn="ctr"/>
-                  <a:endParaRPr lang="en-US"/>
-                </a:p>
-              </p:txBody>
-            </p:sp>
-          </p:grpSp>
-          <p:sp>
-            <p:nvSpPr>
-              <p:cNvPr id="6" name="TextBox 5"/>
-              <p:cNvSpPr txBox="1"/>
-              <p:nvPr/>
-            </p:nvSpPr>
-            <p:spPr>
-              <a:xfrm>
-                <a:off x="3791794" y="855030"/>
-                <a:ext cx="65" cy="615553"/>
-              </a:xfrm>
-              <a:prstGeom prst="rect">
-                <a:avLst/>
-              </a:prstGeom>
-              <a:noFill/>
-            </p:spPr>
-            <p:txBody>
-              <a:bodyPr wrap="none" lIns="0" tIns="0" rIns="0" bIns="0" rtlCol="0">
-                <a:spAutoFit/>
-              </a:bodyPr>
-              <a:lstStyle/>
-              <a:p>
-                <a:endParaRPr lang="en-US" sz="2000" b="0" dirty="0" smtClean="0">
-                  <a:latin typeface="Arial" panose="020B0604020202020204" pitchFamily="34" charset="0"/>
-                  <a:cs typeface="Arial" panose="020B0604020202020204" pitchFamily="34" charset="0"/>
-                </a:endParaRPr>
-              </a:p>
-              <a:p>
-                <a:endParaRPr lang="en-US" sz="2000" dirty="0" smtClean="0">
-                  <a:latin typeface="Arial" panose="020B0604020202020204" pitchFamily="34" charset="0"/>
-                  <a:cs typeface="Arial" panose="020B0604020202020204" pitchFamily="34" charset="0"/>
-                </a:endParaRPr>
-              </a:p>
-            </p:txBody>
-          </p:sp>
-          <mc:AlternateContent xmlns:mc="http://schemas.openxmlformats.org/markup-compatibility/2006" xmlns:a14="http://schemas.microsoft.com/office/drawing/2010/main">
-            <mc:Choice Requires="a14">
-              <p:sp>
-                <p:nvSpPr>
-                  <p:cNvPr id="7" name="TextBox 6"/>
-                  <p:cNvSpPr txBox="1"/>
-                  <p:nvPr/>
-                </p:nvSpPr>
-                <p:spPr>
-                  <a:xfrm>
-                    <a:off x="5862680" y="2866371"/>
-                    <a:ext cx="598848" cy="369332"/>
-                  </a:xfrm>
-                  <a:prstGeom prst="rect">
-                    <a:avLst/>
-                  </a:prstGeom>
-                  <a:noFill/>
-                </p:spPr>
-                <p:txBody>
-                  <a:bodyPr wrap="square" lIns="0" tIns="0" rIns="0" bIns="0" rtlCol="0">
-                    <a:spAutoFit/>
-                  </a:bodyPr>
-                  <a:lstStyle/>
-                  <a:p>
-                    <a:pPr/>
-                    <a14:m>
-                      <m:oMathPara xmlns:m="http://schemas.openxmlformats.org/officeDocument/2006/math">
-                        <m:oMathParaPr>
-                          <m:jc m:val="centerGroup"/>
-                        </m:oMathParaPr>
-                        <m:oMath xmlns:m="http://schemas.openxmlformats.org/officeDocument/2006/math">
-                          <m:r>
-                            <a:rPr lang="en-US" sz="2400" b="0" i="1" smtClean="0">
-                              <a:latin typeface="Cambria Math" panose="02040503050406030204" pitchFamily="18" charset="0"/>
-                              <a:cs typeface="Arial" panose="020B0604020202020204" pitchFamily="34" charset="0"/>
-                            </a:rPr>
-                            <m:t>𝑀</m:t>
-                          </m:r>
-                        </m:oMath>
-                      </m:oMathPara>
-                    </a14:m>
-                    <a:endParaRPr lang="en-US" sz="2400" dirty="0" smtClean="0">
-                      <a:latin typeface="Arial" panose="020B0604020202020204" pitchFamily="34" charset="0"/>
-                      <a:cs typeface="Arial" panose="020B0604020202020204" pitchFamily="34" charset="0"/>
-                    </a:endParaRPr>
-                  </a:p>
-                </p:txBody>
-              </p:sp>
-            </mc:Choice>
-            <mc:Fallback xmlns="">
-              <p:sp>
-                <p:nvSpPr>
-                  <p:cNvPr id="7" name="TextBox 6"/>
-                  <p:cNvSpPr txBox="1">
-                    <a:spLocks noRot="1" noChangeAspect="1" noMove="1" noResize="1" noEditPoints="1" noAdjustHandles="1" noChangeArrowheads="1" noChangeShapeType="1" noTextEdit="1"/>
-                  </p:cNvSpPr>
-                  <p:nvPr/>
-                </p:nvSpPr>
-                <p:spPr>
-                  <a:xfrm>
-                    <a:off x="5862680" y="2866371"/>
-                    <a:ext cx="598848" cy="369332"/>
-                  </a:xfrm>
-                  <a:prstGeom prst="rect">
-                    <a:avLst/>
-                  </a:prstGeom>
-                  <a:blipFill>
-                    <a:blip r:embed="rId2"/>
-                    <a:stretch>
-                      <a:fillRect b="-9836"/>
-                    </a:stretch>
-                  </a:blipFill>
-                </p:spPr>
-                <p:txBody>
-                  <a:bodyPr/>
-                  <a:lstStyle/>
-                  <a:p>
-                    <a:r>
-                      <a:rPr lang="en-US">
-                        <a:noFill/>
-                      </a:rPr>
-                      <a:t> </a:t>
-                    </a:r>
-                  </a:p>
-                </p:txBody>
-              </p:sp>
-            </mc:Fallback>
-          </mc:AlternateContent>
-          <p:sp>
-            <p:nvSpPr>
-              <p:cNvPr id="18" name="Oval 17"/>
-              <p:cNvSpPr/>
-              <p:nvPr/>
-            </p:nvSpPr>
-            <p:spPr>
-              <a:xfrm>
-                <a:off x="5866185" y="2547557"/>
-                <a:ext cx="1207025" cy="1207025"/>
-              </a:xfrm>
-              <a:prstGeom prst="ellipse">
-                <a:avLst/>
-              </a:prstGeom>
-              <a:noFill/>
-              <a:ln w="38100">
-                <a:solidFill>
-                  <a:schemeClr val="tx1"/>
-                </a:solidFill>
-              </a:ln>
-            </p:spPr>
-            <p:style>
-              <a:lnRef idx="2">
-                <a:schemeClr val="accent1">
-                  <a:shade val="50000"/>
-                </a:schemeClr>
-              </a:lnRef>
-              <a:fillRef idx="1">
-                <a:schemeClr val="accent1"/>
-              </a:fillRef>
-              <a:effectRef idx="0">
-                <a:schemeClr val="accent1"/>
-              </a:effectRef>
-              <a:fontRef idx="minor">
-                <a:schemeClr val="lt1"/>
-              </a:fontRef>
-            </p:style>
-            <p:txBody>
-              <a:bodyPr rtlCol="0" anchor="ctr"/>
-              <a:lstStyle/>
-              <a:p>
-                <a:pPr algn="ctr"/>
-                <a:endParaRPr lang="en-US"/>
-              </a:p>
-            </p:txBody>
-          </p:sp>
-          <p:grpSp>
-            <p:nvGrpSpPr>
-              <p:cNvPr id="24" name="Group 23"/>
-              <p:cNvGrpSpPr/>
-              <p:nvPr/>
-            </p:nvGrpSpPr>
-            <p:grpSpPr>
-              <a:xfrm>
-                <a:off x="4094741" y="263236"/>
-                <a:ext cx="2997109" cy="5606508"/>
-                <a:chOff x="4142509" y="263236"/>
-                <a:chExt cx="2997109" cy="5606508"/>
-              </a:xfrm>
-            </p:grpSpPr>
-            <p:sp>
-              <p:nvSpPr>
-                <p:cNvPr id="20" name="Freeform 19"/>
-                <p:cNvSpPr/>
-                <p:nvPr/>
-              </p:nvSpPr>
-              <p:spPr>
-                <a:xfrm>
-                  <a:off x="4142509" y="263236"/>
-                  <a:ext cx="2997109" cy="2881745"/>
+                  <a:off x="5134452" y="207818"/>
+                  <a:ext cx="1953566" cy="5805055"/>
                 </a:xfrm>
                 <a:custGeom>
                   <a:avLst/>
                   <a:gdLst>
-                    <a:gd name="connsiteX0" fmla="*/ 0 w 2997109"/>
-                    <a:gd name="connsiteY0" fmla="*/ 0 h 2881745"/>
-                    <a:gd name="connsiteX1" fmla="*/ 304800 w 2997109"/>
-                    <a:gd name="connsiteY1" fmla="*/ 138545 h 2881745"/>
-                    <a:gd name="connsiteX2" fmla="*/ 568036 w 2997109"/>
-                    <a:gd name="connsiteY2" fmla="*/ 290945 h 2881745"/>
-                    <a:gd name="connsiteX3" fmla="*/ 914400 w 2997109"/>
-                    <a:gd name="connsiteY3" fmla="*/ 471054 h 2881745"/>
-                    <a:gd name="connsiteX4" fmla="*/ 1149927 w 2997109"/>
-                    <a:gd name="connsiteY4" fmla="*/ 623454 h 2881745"/>
-                    <a:gd name="connsiteX5" fmla="*/ 1385454 w 2997109"/>
-                    <a:gd name="connsiteY5" fmla="*/ 762000 h 2881745"/>
-                    <a:gd name="connsiteX6" fmla="*/ 1870363 w 2997109"/>
-                    <a:gd name="connsiteY6" fmla="*/ 1108364 h 2881745"/>
-                    <a:gd name="connsiteX7" fmla="*/ 2105891 w 2997109"/>
-                    <a:gd name="connsiteY7" fmla="*/ 1330036 h 2881745"/>
-                    <a:gd name="connsiteX8" fmla="*/ 2313709 w 2997109"/>
-                    <a:gd name="connsiteY8" fmla="*/ 1482436 h 2881745"/>
-                    <a:gd name="connsiteX9" fmla="*/ 2563091 w 2997109"/>
-                    <a:gd name="connsiteY9" fmla="*/ 1801091 h 2881745"/>
-                    <a:gd name="connsiteX10" fmla="*/ 2770909 w 2997109"/>
-                    <a:gd name="connsiteY10" fmla="*/ 2105891 h 2881745"/>
-                    <a:gd name="connsiteX11" fmla="*/ 2909454 w 2997109"/>
-                    <a:gd name="connsiteY11" fmla="*/ 2396836 h 2881745"/>
-                    <a:gd name="connsiteX12" fmla="*/ 2992581 w 2997109"/>
-                    <a:gd name="connsiteY12" fmla="*/ 2757054 h 2881745"/>
-                    <a:gd name="connsiteX13" fmla="*/ 2978727 w 2997109"/>
-                    <a:gd name="connsiteY13" fmla="*/ 2881745 h 2881745"/>
-                    <a:gd name="connsiteX0" fmla="*/ 0 w 2997109"/>
-                    <a:gd name="connsiteY0" fmla="*/ 0 h 2881745"/>
-                    <a:gd name="connsiteX1" fmla="*/ 304800 w 2997109"/>
-                    <a:gd name="connsiteY1" fmla="*/ 138545 h 2881745"/>
-                    <a:gd name="connsiteX2" fmla="*/ 568036 w 2997109"/>
-                    <a:gd name="connsiteY2" fmla="*/ 290945 h 2881745"/>
-                    <a:gd name="connsiteX3" fmla="*/ 914400 w 2997109"/>
-                    <a:gd name="connsiteY3" fmla="*/ 471054 h 2881745"/>
-                    <a:gd name="connsiteX4" fmla="*/ 1149927 w 2997109"/>
-                    <a:gd name="connsiteY4" fmla="*/ 623454 h 2881745"/>
-                    <a:gd name="connsiteX5" fmla="*/ 1385454 w 2997109"/>
-                    <a:gd name="connsiteY5" fmla="*/ 762000 h 2881745"/>
-                    <a:gd name="connsiteX6" fmla="*/ 1870363 w 2997109"/>
-                    <a:gd name="connsiteY6" fmla="*/ 1108364 h 2881745"/>
-                    <a:gd name="connsiteX7" fmla="*/ 2133601 w 2997109"/>
-                    <a:gd name="connsiteY7" fmla="*/ 1330036 h 2881745"/>
-                    <a:gd name="connsiteX8" fmla="*/ 2313709 w 2997109"/>
-                    <a:gd name="connsiteY8" fmla="*/ 1482436 h 2881745"/>
-                    <a:gd name="connsiteX9" fmla="*/ 2563091 w 2997109"/>
-                    <a:gd name="connsiteY9" fmla="*/ 1801091 h 2881745"/>
-                    <a:gd name="connsiteX10" fmla="*/ 2770909 w 2997109"/>
-                    <a:gd name="connsiteY10" fmla="*/ 2105891 h 2881745"/>
-                    <a:gd name="connsiteX11" fmla="*/ 2909454 w 2997109"/>
-                    <a:gd name="connsiteY11" fmla="*/ 2396836 h 2881745"/>
-                    <a:gd name="connsiteX12" fmla="*/ 2992581 w 2997109"/>
-                    <a:gd name="connsiteY12" fmla="*/ 2757054 h 2881745"/>
-                    <a:gd name="connsiteX13" fmla="*/ 2978727 w 2997109"/>
-                    <a:gd name="connsiteY13" fmla="*/ 2881745 h 2881745"/>
-                    <a:gd name="connsiteX0" fmla="*/ 0 w 2997109"/>
-                    <a:gd name="connsiteY0" fmla="*/ 0 h 2881745"/>
-                    <a:gd name="connsiteX1" fmla="*/ 304800 w 2997109"/>
-                    <a:gd name="connsiteY1" fmla="*/ 138545 h 2881745"/>
-                    <a:gd name="connsiteX2" fmla="*/ 568036 w 2997109"/>
-                    <a:gd name="connsiteY2" fmla="*/ 290945 h 2881745"/>
-                    <a:gd name="connsiteX3" fmla="*/ 914400 w 2997109"/>
-                    <a:gd name="connsiteY3" fmla="*/ 471054 h 2881745"/>
-                    <a:gd name="connsiteX4" fmla="*/ 1149927 w 2997109"/>
-                    <a:gd name="connsiteY4" fmla="*/ 623454 h 2881745"/>
-                    <a:gd name="connsiteX5" fmla="*/ 1385454 w 2997109"/>
-                    <a:gd name="connsiteY5" fmla="*/ 762000 h 2881745"/>
-                    <a:gd name="connsiteX6" fmla="*/ 1870363 w 2997109"/>
-                    <a:gd name="connsiteY6" fmla="*/ 1108364 h 2881745"/>
-                    <a:gd name="connsiteX7" fmla="*/ 2133601 w 2997109"/>
-                    <a:gd name="connsiteY7" fmla="*/ 1330036 h 2881745"/>
-                    <a:gd name="connsiteX8" fmla="*/ 2355272 w 2997109"/>
-                    <a:gd name="connsiteY8" fmla="*/ 1551709 h 2881745"/>
-                    <a:gd name="connsiteX9" fmla="*/ 2563091 w 2997109"/>
-                    <a:gd name="connsiteY9" fmla="*/ 1801091 h 2881745"/>
-                    <a:gd name="connsiteX10" fmla="*/ 2770909 w 2997109"/>
-                    <a:gd name="connsiteY10" fmla="*/ 2105891 h 2881745"/>
-                    <a:gd name="connsiteX11" fmla="*/ 2909454 w 2997109"/>
-                    <a:gd name="connsiteY11" fmla="*/ 2396836 h 2881745"/>
-                    <a:gd name="connsiteX12" fmla="*/ 2992581 w 2997109"/>
-                    <a:gd name="connsiteY12" fmla="*/ 2757054 h 2881745"/>
-                    <a:gd name="connsiteX13" fmla="*/ 2978727 w 2997109"/>
-                    <a:gd name="connsiteY13" fmla="*/ 2881745 h 2881745"/>
+                    <a:gd name="connsiteX0" fmla="*/ 0 w 1953566"/>
+                    <a:gd name="connsiteY0" fmla="*/ 0 h 5805055"/>
+                    <a:gd name="connsiteX1" fmla="*/ 346363 w 1953566"/>
+                    <a:gd name="connsiteY1" fmla="*/ 346364 h 5805055"/>
+                    <a:gd name="connsiteX2" fmla="*/ 720436 w 1953566"/>
+                    <a:gd name="connsiteY2" fmla="*/ 748146 h 5805055"/>
+                    <a:gd name="connsiteX3" fmla="*/ 1052945 w 1953566"/>
+                    <a:gd name="connsiteY3" fmla="*/ 1122218 h 5805055"/>
+                    <a:gd name="connsiteX4" fmla="*/ 1330036 w 1953566"/>
+                    <a:gd name="connsiteY4" fmla="*/ 1454727 h 5805055"/>
+                    <a:gd name="connsiteX5" fmla="*/ 1662545 w 1953566"/>
+                    <a:gd name="connsiteY5" fmla="*/ 1953491 h 5805055"/>
+                    <a:gd name="connsiteX6" fmla="*/ 1856509 w 1953566"/>
+                    <a:gd name="connsiteY6" fmla="*/ 2466109 h 5805055"/>
+                    <a:gd name="connsiteX7" fmla="*/ 1953491 w 1953566"/>
+                    <a:gd name="connsiteY7" fmla="*/ 2923309 h 5805055"/>
+                    <a:gd name="connsiteX8" fmla="*/ 1842654 w 1953566"/>
+                    <a:gd name="connsiteY8" fmla="*/ 3532909 h 5805055"/>
+                    <a:gd name="connsiteX9" fmla="*/ 1496291 w 1953566"/>
+                    <a:gd name="connsiteY9" fmla="*/ 4170218 h 5805055"/>
+                    <a:gd name="connsiteX10" fmla="*/ 1011381 w 1953566"/>
+                    <a:gd name="connsiteY10" fmla="*/ 4807527 h 5805055"/>
+                    <a:gd name="connsiteX11" fmla="*/ 706581 w 1953566"/>
+                    <a:gd name="connsiteY11" fmla="*/ 5126182 h 5805055"/>
+                    <a:gd name="connsiteX12" fmla="*/ 387927 w 1953566"/>
+                    <a:gd name="connsiteY12" fmla="*/ 5444837 h 5805055"/>
+                    <a:gd name="connsiteX13" fmla="*/ 0 w 1953566"/>
+                    <a:gd name="connsiteY13" fmla="*/ 5805055 h 5805055"/>
                   </a:gdLst>
                   <a:ahLst/>
                   <a:cxnLst>
@@ -15091,324 +15550,74 @@
                   </a:cxnLst>
                   <a:rect l="l" t="t" r="r" b="b"/>
                   <a:pathLst>
-                    <a:path w="2997109" h="2881745">
+                    <a:path w="1953566" h="5805055">
                       <a:moveTo>
                         <a:pt x="0" y="0"/>
                       </a:moveTo>
                       <a:cubicBezTo>
-                        <a:pt x="105063" y="45027"/>
-                        <a:pt x="210127" y="90054"/>
-                        <a:pt x="304800" y="138545"/>
+                        <a:pt x="113145" y="110836"/>
+                        <a:pt x="226290" y="221673"/>
+                        <a:pt x="346363" y="346364"/>
                       </a:cubicBezTo>
                       <a:cubicBezTo>
-                        <a:pt x="399473" y="187036"/>
-                        <a:pt x="466436" y="235527"/>
-                        <a:pt x="568036" y="290945"/>
+                        <a:pt x="466436" y="471055"/>
+                        <a:pt x="602672" y="618837"/>
+                        <a:pt x="720436" y="748146"/>
                       </a:cubicBezTo>
                       <a:cubicBezTo>
-                        <a:pt x="669636" y="346363"/>
-                        <a:pt x="817418" y="415636"/>
-                        <a:pt x="914400" y="471054"/>
+                        <a:pt x="838200" y="877455"/>
+                        <a:pt x="951345" y="1004455"/>
+                        <a:pt x="1052945" y="1122218"/>
                       </a:cubicBezTo>
                       <a:cubicBezTo>
-                        <a:pt x="1011382" y="526472"/>
-                        <a:pt x="1071418" y="574963"/>
-                        <a:pt x="1149927" y="623454"/>
+                        <a:pt x="1154545" y="1239981"/>
+                        <a:pt x="1228436" y="1316182"/>
+                        <a:pt x="1330036" y="1454727"/>
                       </a:cubicBezTo>
                       <a:cubicBezTo>
-                        <a:pt x="1228436" y="671945"/>
-                        <a:pt x="1265381" y="681182"/>
-                        <a:pt x="1385454" y="762000"/>
+                        <a:pt x="1431636" y="1593272"/>
+                        <a:pt x="1574800" y="1784927"/>
+                        <a:pt x="1662545" y="1953491"/>
                       </a:cubicBezTo>
                       <a:cubicBezTo>
-                        <a:pt x="1505527" y="842818"/>
-                        <a:pt x="1745672" y="1013691"/>
-                        <a:pt x="1870363" y="1108364"/>
+                        <a:pt x="1750290" y="2122055"/>
+                        <a:pt x="1808018" y="2304473"/>
+                        <a:pt x="1856509" y="2466109"/>
                       </a:cubicBezTo>
                       <a:cubicBezTo>
-                        <a:pt x="1995054" y="1203037"/>
-                        <a:pt x="2052783" y="1256145"/>
-                        <a:pt x="2133601" y="1330036"/>
+                        <a:pt x="1905000" y="2627745"/>
+                        <a:pt x="1955800" y="2745509"/>
+                        <a:pt x="1953491" y="2923309"/>
                       </a:cubicBezTo>
                       <a:cubicBezTo>
-                        <a:pt x="2214419" y="1403927"/>
-                        <a:pt x="2283690" y="1473200"/>
-                        <a:pt x="2355272" y="1551709"/>
+                        <a:pt x="1951182" y="3101109"/>
+                        <a:pt x="1918854" y="3325091"/>
+                        <a:pt x="1842654" y="3532909"/>
                       </a:cubicBezTo>
                       <a:cubicBezTo>
-                        <a:pt x="2426854" y="1630218"/>
-                        <a:pt x="2493818" y="1708727"/>
-                        <a:pt x="2563091" y="1801091"/>
+                        <a:pt x="1766454" y="3740727"/>
+                        <a:pt x="1634837" y="3957782"/>
+                        <a:pt x="1496291" y="4170218"/>
                       </a:cubicBezTo>
                       <a:cubicBezTo>
-                        <a:pt x="2632364" y="1893455"/>
-                        <a:pt x="2713182" y="2006600"/>
-                        <a:pt x="2770909" y="2105891"/>
+                        <a:pt x="1357746" y="4382654"/>
+                        <a:pt x="1142999" y="4648200"/>
+                        <a:pt x="1011381" y="4807527"/>
                       </a:cubicBezTo>
                       <a:cubicBezTo>
-                        <a:pt x="2828636" y="2205182"/>
-                        <a:pt x="2872509" y="2288309"/>
-                        <a:pt x="2909454" y="2396836"/>
+                        <a:pt x="879763" y="4966854"/>
+                        <a:pt x="810490" y="5019964"/>
+                        <a:pt x="706581" y="5126182"/>
                       </a:cubicBezTo>
                       <a:cubicBezTo>
-                        <a:pt x="2946399" y="2505363"/>
-                        <a:pt x="2981036" y="2676236"/>
-                        <a:pt x="2992581" y="2757054"/>
+                        <a:pt x="602672" y="5232400"/>
+                        <a:pt x="505690" y="5331692"/>
+                        <a:pt x="387927" y="5444837"/>
                       </a:cubicBezTo>
                       <a:cubicBezTo>
-                        <a:pt x="3004127" y="2837872"/>
-                        <a:pt x="2991427" y="2859808"/>
-                        <a:pt x="2978727" y="2881745"/>
-                      </a:cubicBezTo>
-                    </a:path>
-                  </a:pathLst>
-                </a:custGeom>
-                <a:noFill/>
-                <a:ln w="57150">
-                  <a:solidFill>
-                    <a:schemeClr val="tx1"/>
-                  </a:solidFill>
-                </a:ln>
-              </p:spPr>
-              <p:style>
-                <a:lnRef idx="2">
-                  <a:schemeClr val="accent1">
-                    <a:shade val="50000"/>
-                  </a:schemeClr>
-                </a:lnRef>
-                <a:fillRef idx="1">
-                  <a:schemeClr val="accent1"/>
-                </a:fillRef>
-                <a:effectRef idx="0">
-                  <a:schemeClr val="accent1"/>
-                </a:effectRef>
-                <a:fontRef idx="minor">
-                  <a:schemeClr val="lt1"/>
-                </a:fontRef>
-              </p:style>
-              <p:txBody>
-                <a:bodyPr rtlCol="0" anchor="ctr"/>
-                <a:lstStyle/>
-                <a:p>
-                  <a:pPr algn="ctr"/>
-                  <a:endParaRPr lang="en-US"/>
-                </a:p>
-              </p:txBody>
-            </p:sp>
-            <p:sp>
-              <p:nvSpPr>
-                <p:cNvPr id="22" name="Freeform 21"/>
-                <p:cNvSpPr/>
-                <p:nvPr/>
-              </p:nvSpPr>
-              <p:spPr>
-                <a:xfrm flipV="1">
-                  <a:off x="4293455" y="3139874"/>
-                  <a:ext cx="2839154" cy="2729870"/>
-                </a:xfrm>
-                <a:custGeom>
-                  <a:avLst/>
-                  <a:gdLst>
-                    <a:gd name="connsiteX0" fmla="*/ 0 w 2997109"/>
-                    <a:gd name="connsiteY0" fmla="*/ 0 h 2881745"/>
-                    <a:gd name="connsiteX1" fmla="*/ 304800 w 2997109"/>
-                    <a:gd name="connsiteY1" fmla="*/ 138545 h 2881745"/>
-                    <a:gd name="connsiteX2" fmla="*/ 568036 w 2997109"/>
-                    <a:gd name="connsiteY2" fmla="*/ 290945 h 2881745"/>
-                    <a:gd name="connsiteX3" fmla="*/ 914400 w 2997109"/>
-                    <a:gd name="connsiteY3" fmla="*/ 471054 h 2881745"/>
-                    <a:gd name="connsiteX4" fmla="*/ 1149927 w 2997109"/>
-                    <a:gd name="connsiteY4" fmla="*/ 623454 h 2881745"/>
-                    <a:gd name="connsiteX5" fmla="*/ 1385454 w 2997109"/>
-                    <a:gd name="connsiteY5" fmla="*/ 762000 h 2881745"/>
-                    <a:gd name="connsiteX6" fmla="*/ 1870363 w 2997109"/>
-                    <a:gd name="connsiteY6" fmla="*/ 1108364 h 2881745"/>
-                    <a:gd name="connsiteX7" fmla="*/ 2105891 w 2997109"/>
-                    <a:gd name="connsiteY7" fmla="*/ 1330036 h 2881745"/>
-                    <a:gd name="connsiteX8" fmla="*/ 2313709 w 2997109"/>
-                    <a:gd name="connsiteY8" fmla="*/ 1482436 h 2881745"/>
-                    <a:gd name="connsiteX9" fmla="*/ 2563091 w 2997109"/>
-                    <a:gd name="connsiteY9" fmla="*/ 1801091 h 2881745"/>
-                    <a:gd name="connsiteX10" fmla="*/ 2770909 w 2997109"/>
-                    <a:gd name="connsiteY10" fmla="*/ 2105891 h 2881745"/>
-                    <a:gd name="connsiteX11" fmla="*/ 2909454 w 2997109"/>
-                    <a:gd name="connsiteY11" fmla="*/ 2396836 h 2881745"/>
-                    <a:gd name="connsiteX12" fmla="*/ 2992581 w 2997109"/>
-                    <a:gd name="connsiteY12" fmla="*/ 2757054 h 2881745"/>
-                    <a:gd name="connsiteX13" fmla="*/ 2978727 w 2997109"/>
-                    <a:gd name="connsiteY13" fmla="*/ 2881745 h 2881745"/>
-                    <a:gd name="connsiteX0" fmla="*/ 0 w 2997109"/>
-                    <a:gd name="connsiteY0" fmla="*/ 0 h 2881745"/>
-                    <a:gd name="connsiteX1" fmla="*/ 304800 w 2997109"/>
-                    <a:gd name="connsiteY1" fmla="*/ 138545 h 2881745"/>
-                    <a:gd name="connsiteX2" fmla="*/ 568036 w 2997109"/>
-                    <a:gd name="connsiteY2" fmla="*/ 290945 h 2881745"/>
-                    <a:gd name="connsiteX3" fmla="*/ 914400 w 2997109"/>
-                    <a:gd name="connsiteY3" fmla="*/ 471054 h 2881745"/>
-                    <a:gd name="connsiteX4" fmla="*/ 1149927 w 2997109"/>
-                    <a:gd name="connsiteY4" fmla="*/ 623454 h 2881745"/>
-                    <a:gd name="connsiteX5" fmla="*/ 1385454 w 2997109"/>
-                    <a:gd name="connsiteY5" fmla="*/ 762000 h 2881745"/>
-                    <a:gd name="connsiteX6" fmla="*/ 1870363 w 2997109"/>
-                    <a:gd name="connsiteY6" fmla="*/ 1108364 h 2881745"/>
-                    <a:gd name="connsiteX7" fmla="*/ 2133601 w 2997109"/>
-                    <a:gd name="connsiteY7" fmla="*/ 1330036 h 2881745"/>
-                    <a:gd name="connsiteX8" fmla="*/ 2313709 w 2997109"/>
-                    <a:gd name="connsiteY8" fmla="*/ 1482436 h 2881745"/>
-                    <a:gd name="connsiteX9" fmla="*/ 2563091 w 2997109"/>
-                    <a:gd name="connsiteY9" fmla="*/ 1801091 h 2881745"/>
-                    <a:gd name="connsiteX10" fmla="*/ 2770909 w 2997109"/>
-                    <a:gd name="connsiteY10" fmla="*/ 2105891 h 2881745"/>
-                    <a:gd name="connsiteX11" fmla="*/ 2909454 w 2997109"/>
-                    <a:gd name="connsiteY11" fmla="*/ 2396836 h 2881745"/>
-                    <a:gd name="connsiteX12" fmla="*/ 2992581 w 2997109"/>
-                    <a:gd name="connsiteY12" fmla="*/ 2757054 h 2881745"/>
-                    <a:gd name="connsiteX13" fmla="*/ 2978727 w 2997109"/>
-                    <a:gd name="connsiteY13" fmla="*/ 2881745 h 2881745"/>
-                    <a:gd name="connsiteX0" fmla="*/ 0 w 2997109"/>
-                    <a:gd name="connsiteY0" fmla="*/ 0 h 2881745"/>
-                    <a:gd name="connsiteX1" fmla="*/ 304800 w 2997109"/>
-                    <a:gd name="connsiteY1" fmla="*/ 138545 h 2881745"/>
-                    <a:gd name="connsiteX2" fmla="*/ 568036 w 2997109"/>
-                    <a:gd name="connsiteY2" fmla="*/ 290945 h 2881745"/>
-                    <a:gd name="connsiteX3" fmla="*/ 914400 w 2997109"/>
-                    <a:gd name="connsiteY3" fmla="*/ 471054 h 2881745"/>
-                    <a:gd name="connsiteX4" fmla="*/ 1149927 w 2997109"/>
-                    <a:gd name="connsiteY4" fmla="*/ 623454 h 2881745"/>
-                    <a:gd name="connsiteX5" fmla="*/ 1385454 w 2997109"/>
-                    <a:gd name="connsiteY5" fmla="*/ 762000 h 2881745"/>
-                    <a:gd name="connsiteX6" fmla="*/ 1870363 w 2997109"/>
-                    <a:gd name="connsiteY6" fmla="*/ 1108364 h 2881745"/>
-                    <a:gd name="connsiteX7" fmla="*/ 2133601 w 2997109"/>
-                    <a:gd name="connsiteY7" fmla="*/ 1330036 h 2881745"/>
-                    <a:gd name="connsiteX8" fmla="*/ 2355272 w 2997109"/>
-                    <a:gd name="connsiteY8" fmla="*/ 1551709 h 2881745"/>
-                    <a:gd name="connsiteX9" fmla="*/ 2563091 w 2997109"/>
-                    <a:gd name="connsiteY9" fmla="*/ 1801091 h 2881745"/>
-                    <a:gd name="connsiteX10" fmla="*/ 2770909 w 2997109"/>
-                    <a:gd name="connsiteY10" fmla="*/ 2105891 h 2881745"/>
-                    <a:gd name="connsiteX11" fmla="*/ 2909454 w 2997109"/>
-                    <a:gd name="connsiteY11" fmla="*/ 2396836 h 2881745"/>
-                    <a:gd name="connsiteX12" fmla="*/ 2992581 w 2997109"/>
-                    <a:gd name="connsiteY12" fmla="*/ 2757054 h 2881745"/>
-                    <a:gd name="connsiteX13" fmla="*/ 2978727 w 2997109"/>
-                    <a:gd name="connsiteY13" fmla="*/ 2881745 h 2881745"/>
-                  </a:gdLst>
-                  <a:ahLst/>
-                  <a:cxnLst>
-                    <a:cxn ang="0">
-                      <a:pos x="connsiteX0" y="connsiteY0"/>
-                    </a:cxn>
-                    <a:cxn ang="0">
-                      <a:pos x="connsiteX1" y="connsiteY1"/>
-                    </a:cxn>
-                    <a:cxn ang="0">
-                      <a:pos x="connsiteX2" y="connsiteY2"/>
-                    </a:cxn>
-                    <a:cxn ang="0">
-                      <a:pos x="connsiteX3" y="connsiteY3"/>
-                    </a:cxn>
-                    <a:cxn ang="0">
-                      <a:pos x="connsiteX4" y="connsiteY4"/>
-                    </a:cxn>
-                    <a:cxn ang="0">
-                      <a:pos x="connsiteX5" y="connsiteY5"/>
-                    </a:cxn>
-                    <a:cxn ang="0">
-                      <a:pos x="connsiteX6" y="connsiteY6"/>
-                    </a:cxn>
-                    <a:cxn ang="0">
-                      <a:pos x="connsiteX7" y="connsiteY7"/>
-                    </a:cxn>
-                    <a:cxn ang="0">
-                      <a:pos x="connsiteX8" y="connsiteY8"/>
-                    </a:cxn>
-                    <a:cxn ang="0">
-                      <a:pos x="connsiteX9" y="connsiteY9"/>
-                    </a:cxn>
-                    <a:cxn ang="0">
-                      <a:pos x="connsiteX10" y="connsiteY10"/>
-                    </a:cxn>
-                    <a:cxn ang="0">
-                      <a:pos x="connsiteX11" y="connsiteY11"/>
-                    </a:cxn>
-                    <a:cxn ang="0">
-                      <a:pos x="connsiteX12" y="connsiteY12"/>
-                    </a:cxn>
-                    <a:cxn ang="0">
-                      <a:pos x="connsiteX13" y="connsiteY13"/>
-                    </a:cxn>
-                  </a:cxnLst>
-                  <a:rect l="l" t="t" r="r" b="b"/>
-                  <a:pathLst>
-                    <a:path w="2997109" h="2881745">
-                      <a:moveTo>
-                        <a:pt x="0" y="0"/>
-                      </a:moveTo>
-                      <a:cubicBezTo>
-                        <a:pt x="105063" y="45027"/>
-                        <a:pt x="210127" y="90054"/>
-                        <a:pt x="304800" y="138545"/>
-                      </a:cubicBezTo>
-                      <a:cubicBezTo>
-                        <a:pt x="399473" y="187036"/>
-                        <a:pt x="466436" y="235527"/>
-                        <a:pt x="568036" y="290945"/>
-                      </a:cubicBezTo>
-                      <a:cubicBezTo>
-                        <a:pt x="669636" y="346363"/>
-                        <a:pt x="817418" y="415636"/>
-                        <a:pt x="914400" y="471054"/>
-                      </a:cubicBezTo>
-                      <a:cubicBezTo>
-                        <a:pt x="1011382" y="526472"/>
-                        <a:pt x="1071418" y="574963"/>
-                        <a:pt x="1149927" y="623454"/>
-                      </a:cubicBezTo>
-                      <a:cubicBezTo>
-                        <a:pt x="1228436" y="671945"/>
-                        <a:pt x="1265381" y="681182"/>
-                        <a:pt x="1385454" y="762000"/>
-                      </a:cubicBezTo>
-                      <a:cubicBezTo>
-                        <a:pt x="1505527" y="842818"/>
-                        <a:pt x="1745672" y="1013691"/>
-                        <a:pt x="1870363" y="1108364"/>
-                      </a:cubicBezTo>
-                      <a:cubicBezTo>
-                        <a:pt x="1995054" y="1203037"/>
-                        <a:pt x="2052783" y="1256145"/>
-                        <a:pt x="2133601" y="1330036"/>
-                      </a:cubicBezTo>
-                      <a:cubicBezTo>
-                        <a:pt x="2214419" y="1403927"/>
-                        <a:pt x="2283690" y="1473200"/>
-                        <a:pt x="2355272" y="1551709"/>
-                      </a:cubicBezTo>
-                      <a:cubicBezTo>
-                        <a:pt x="2426854" y="1630218"/>
-                        <a:pt x="2493818" y="1708727"/>
-                        <a:pt x="2563091" y="1801091"/>
-                      </a:cubicBezTo>
-                      <a:cubicBezTo>
-                        <a:pt x="2632364" y="1893455"/>
-                        <a:pt x="2713182" y="2006600"/>
-                        <a:pt x="2770909" y="2105891"/>
-                      </a:cubicBezTo>
-                      <a:cubicBezTo>
-                        <a:pt x="2828636" y="2205182"/>
-                        <a:pt x="2872509" y="2288309"/>
-                        <a:pt x="2909454" y="2396836"/>
-                      </a:cubicBezTo>
-                      <a:cubicBezTo>
-                        <a:pt x="2946399" y="2505363"/>
-                        <a:pt x="2981036" y="2676236"/>
-                        <a:pt x="2992581" y="2757054"/>
-                      </a:cubicBezTo>
-                      <a:cubicBezTo>
-                        <a:pt x="3004127" y="2837872"/>
-                        <a:pt x="2991427" y="2859808"/>
-                        <a:pt x="2978727" y="2881745"/>
+                        <a:pt x="270164" y="5557982"/>
+                        <a:pt x="135082" y="5681518"/>
+                        <a:pt x="0" y="5805055"/>
                       </a:cubicBezTo>
                     </a:path>
                   </a:pathLst>
@@ -15446,213 +15655,447 @@
               </p:txBody>
             </p:sp>
           </p:grpSp>
-          <p:sp>
-            <p:nvSpPr>
-              <p:cNvPr id="23" name="Freeform 22"/>
-              <p:cNvSpPr/>
-              <p:nvPr/>
-            </p:nvSpPr>
-            <p:spPr>
-              <a:xfrm>
-                <a:off x="5134452" y="207818"/>
-                <a:ext cx="1953566" cy="5805055"/>
-              </a:xfrm>
-              <a:custGeom>
-                <a:avLst/>
-                <a:gdLst>
-                  <a:gd name="connsiteX0" fmla="*/ 0 w 1953566"/>
-                  <a:gd name="connsiteY0" fmla="*/ 0 h 5805055"/>
-                  <a:gd name="connsiteX1" fmla="*/ 346363 w 1953566"/>
-                  <a:gd name="connsiteY1" fmla="*/ 346364 h 5805055"/>
-                  <a:gd name="connsiteX2" fmla="*/ 720436 w 1953566"/>
-                  <a:gd name="connsiteY2" fmla="*/ 748146 h 5805055"/>
-                  <a:gd name="connsiteX3" fmla="*/ 1052945 w 1953566"/>
-                  <a:gd name="connsiteY3" fmla="*/ 1122218 h 5805055"/>
-                  <a:gd name="connsiteX4" fmla="*/ 1330036 w 1953566"/>
-                  <a:gd name="connsiteY4" fmla="*/ 1454727 h 5805055"/>
-                  <a:gd name="connsiteX5" fmla="*/ 1662545 w 1953566"/>
-                  <a:gd name="connsiteY5" fmla="*/ 1953491 h 5805055"/>
-                  <a:gd name="connsiteX6" fmla="*/ 1856509 w 1953566"/>
-                  <a:gd name="connsiteY6" fmla="*/ 2466109 h 5805055"/>
-                  <a:gd name="connsiteX7" fmla="*/ 1953491 w 1953566"/>
-                  <a:gd name="connsiteY7" fmla="*/ 2923309 h 5805055"/>
-                  <a:gd name="connsiteX8" fmla="*/ 1842654 w 1953566"/>
-                  <a:gd name="connsiteY8" fmla="*/ 3532909 h 5805055"/>
-                  <a:gd name="connsiteX9" fmla="*/ 1496291 w 1953566"/>
-                  <a:gd name="connsiteY9" fmla="*/ 4170218 h 5805055"/>
-                  <a:gd name="connsiteX10" fmla="*/ 1011381 w 1953566"/>
-                  <a:gd name="connsiteY10" fmla="*/ 4807527 h 5805055"/>
-                  <a:gd name="connsiteX11" fmla="*/ 706581 w 1953566"/>
-                  <a:gd name="connsiteY11" fmla="*/ 5126182 h 5805055"/>
-                  <a:gd name="connsiteX12" fmla="*/ 387927 w 1953566"/>
-                  <a:gd name="connsiteY12" fmla="*/ 5444837 h 5805055"/>
-                  <a:gd name="connsiteX13" fmla="*/ 0 w 1953566"/>
-                  <a:gd name="connsiteY13" fmla="*/ 5805055 h 5805055"/>
-                </a:gdLst>
-                <a:ahLst/>
-                <a:cxnLst>
-                  <a:cxn ang="0">
-                    <a:pos x="connsiteX0" y="connsiteY0"/>
-                  </a:cxn>
-                  <a:cxn ang="0">
-                    <a:pos x="connsiteX1" y="connsiteY1"/>
-                  </a:cxn>
-                  <a:cxn ang="0">
-                    <a:pos x="connsiteX2" y="connsiteY2"/>
-                  </a:cxn>
-                  <a:cxn ang="0">
-                    <a:pos x="connsiteX3" y="connsiteY3"/>
-                  </a:cxn>
-                  <a:cxn ang="0">
-                    <a:pos x="connsiteX4" y="connsiteY4"/>
-                  </a:cxn>
-                  <a:cxn ang="0">
-                    <a:pos x="connsiteX5" y="connsiteY5"/>
-                  </a:cxn>
-                  <a:cxn ang="0">
-                    <a:pos x="connsiteX6" y="connsiteY6"/>
-                  </a:cxn>
-                  <a:cxn ang="0">
-                    <a:pos x="connsiteX7" y="connsiteY7"/>
-                  </a:cxn>
-                  <a:cxn ang="0">
-                    <a:pos x="connsiteX8" y="connsiteY8"/>
-                  </a:cxn>
-                  <a:cxn ang="0">
-                    <a:pos x="connsiteX9" y="connsiteY9"/>
-                  </a:cxn>
-                  <a:cxn ang="0">
-                    <a:pos x="connsiteX10" y="connsiteY10"/>
-                  </a:cxn>
-                  <a:cxn ang="0">
-                    <a:pos x="connsiteX11" y="connsiteY11"/>
-                  </a:cxn>
-                  <a:cxn ang="0">
-                    <a:pos x="connsiteX12" y="connsiteY12"/>
-                  </a:cxn>
-                  <a:cxn ang="0">
-                    <a:pos x="connsiteX13" y="connsiteY13"/>
-                  </a:cxn>
-                </a:cxnLst>
-                <a:rect l="l" t="t" r="r" b="b"/>
-                <a:pathLst>
-                  <a:path w="1953566" h="5805055">
-                    <a:moveTo>
-                      <a:pt x="0" y="0"/>
-                    </a:moveTo>
-                    <a:cubicBezTo>
-                      <a:pt x="113145" y="110836"/>
-                      <a:pt x="226290" y="221673"/>
-                      <a:pt x="346363" y="346364"/>
-                    </a:cubicBezTo>
-                    <a:cubicBezTo>
-                      <a:pt x="466436" y="471055"/>
-                      <a:pt x="602672" y="618837"/>
-                      <a:pt x="720436" y="748146"/>
-                    </a:cubicBezTo>
-                    <a:cubicBezTo>
-                      <a:pt x="838200" y="877455"/>
-                      <a:pt x="951345" y="1004455"/>
-                      <a:pt x="1052945" y="1122218"/>
-                    </a:cubicBezTo>
-                    <a:cubicBezTo>
-                      <a:pt x="1154545" y="1239981"/>
-                      <a:pt x="1228436" y="1316182"/>
-                      <a:pt x="1330036" y="1454727"/>
-                    </a:cubicBezTo>
-                    <a:cubicBezTo>
-                      <a:pt x="1431636" y="1593272"/>
-                      <a:pt x="1574800" y="1784927"/>
-                      <a:pt x="1662545" y="1953491"/>
-                    </a:cubicBezTo>
-                    <a:cubicBezTo>
-                      <a:pt x="1750290" y="2122055"/>
-                      <a:pt x="1808018" y="2304473"/>
-                      <a:pt x="1856509" y="2466109"/>
-                    </a:cubicBezTo>
-                    <a:cubicBezTo>
-                      <a:pt x="1905000" y="2627745"/>
-                      <a:pt x="1955800" y="2745509"/>
-                      <a:pt x="1953491" y="2923309"/>
-                    </a:cubicBezTo>
-                    <a:cubicBezTo>
-                      <a:pt x="1951182" y="3101109"/>
-                      <a:pt x="1918854" y="3325091"/>
-                      <a:pt x="1842654" y="3532909"/>
-                    </a:cubicBezTo>
-                    <a:cubicBezTo>
-                      <a:pt x="1766454" y="3740727"/>
-                      <a:pt x="1634837" y="3957782"/>
-                      <a:pt x="1496291" y="4170218"/>
-                    </a:cubicBezTo>
-                    <a:cubicBezTo>
-                      <a:pt x="1357746" y="4382654"/>
-                      <a:pt x="1142999" y="4648200"/>
-                      <a:pt x="1011381" y="4807527"/>
-                    </a:cubicBezTo>
-                    <a:cubicBezTo>
-                      <a:pt x="879763" y="4966854"/>
-                      <a:pt x="810490" y="5019964"/>
-                      <a:pt x="706581" y="5126182"/>
-                    </a:cubicBezTo>
-                    <a:cubicBezTo>
-                      <a:pt x="602672" y="5232400"/>
-                      <a:pt x="505690" y="5331692"/>
-                      <a:pt x="387927" y="5444837"/>
-                    </a:cubicBezTo>
-                    <a:cubicBezTo>
-                      <a:pt x="270164" y="5557982"/>
-                      <a:pt x="135082" y="5681518"/>
-                      <a:pt x="0" y="5805055"/>
-                    </a:cubicBezTo>
-                  </a:path>
-                </a:pathLst>
-              </a:custGeom>
-              <a:noFill/>
-              <a:ln w="57150">
-                <a:solidFill>
-                  <a:schemeClr val="tx1"/>
-                </a:solidFill>
-              </a:ln>
-            </p:spPr>
-            <p:style>
-              <a:lnRef idx="2">
-                <a:schemeClr val="accent1">
-                  <a:shade val="50000"/>
-                </a:schemeClr>
-              </a:lnRef>
-              <a:fillRef idx="1">
-                <a:schemeClr val="accent1"/>
-              </a:fillRef>
-              <a:effectRef idx="0">
-                <a:schemeClr val="accent1"/>
-              </a:effectRef>
-              <a:fontRef idx="minor">
-                <a:schemeClr val="lt1"/>
-              </a:fontRef>
-            </p:style>
-            <p:txBody>
-              <a:bodyPr rtlCol="0" anchor="ctr"/>
-              <a:lstStyle/>
-              <a:p>
-                <a:pPr algn="ctr"/>
-                <a:endParaRPr lang="en-US"/>
-              </a:p>
-            </p:txBody>
-          </p:sp>
+          <mc:AlternateContent xmlns:mc="http://schemas.openxmlformats.org/markup-compatibility/2006" xmlns:a14="http://schemas.microsoft.com/office/drawing/2010/main">
+            <mc:Choice Requires="a14">
+              <p:sp>
+                <p:nvSpPr>
+                  <p:cNvPr id="26" name="TextBox 25"/>
+                  <p:cNvSpPr txBox="1"/>
+                  <p:nvPr/>
+                </p:nvSpPr>
+                <p:spPr>
+                  <a:xfrm>
+                    <a:off x="2905275" y="416820"/>
+                    <a:ext cx="859466" cy="369332"/>
+                  </a:xfrm>
+                  <a:prstGeom prst="rect">
+                    <a:avLst/>
+                  </a:prstGeom>
+                  <a:noFill/>
+                </p:spPr>
+                <p:txBody>
+                  <a:bodyPr wrap="none" lIns="0" tIns="0" rIns="0" bIns="0" rtlCol="0">
+                    <a:spAutoFit/>
+                  </a:bodyPr>
+                  <a:lstStyle/>
+                  <a:p>
+                    <a:pPr/>
+                    <a14:m>
+                      <m:oMathPara xmlns:m="http://schemas.openxmlformats.org/officeDocument/2006/math">
+                        <m:oMathParaPr>
+                          <m:jc m:val="centerGroup"/>
+                        </m:oMathParaPr>
+                        <m:oMath xmlns:m="http://schemas.openxmlformats.org/officeDocument/2006/math">
+                          <m:r>
+                            <a:rPr lang="en-US" sz="2400" b="0" i="1" smtClean="0">
+                              <a:latin typeface="Cambria Math" panose="02040503050406030204" pitchFamily="18" charset="0"/>
+                              <a:cs typeface="Arial" panose="020B0604020202020204" pitchFamily="34" charset="0"/>
+                            </a:rPr>
+                            <m:t>𝐸</m:t>
+                          </m:r>
+                          <m:r>
+                            <a:rPr lang="en-US" sz="2400" b="0" i="1" smtClean="0">
+                              <a:latin typeface="Cambria Math" panose="02040503050406030204" pitchFamily="18" charset="0"/>
+                              <a:cs typeface="Arial" panose="020B0604020202020204" pitchFamily="34" charset="0"/>
+                            </a:rPr>
+                            <m:t>=0</m:t>
+                          </m:r>
+                        </m:oMath>
+                      </m:oMathPara>
+                    </a14:m>
+                    <a:endParaRPr lang="en-US" sz="2400" dirty="0" smtClean="0">
+                      <a:latin typeface="Arial" panose="020B0604020202020204" pitchFamily="34" charset="0"/>
+                      <a:cs typeface="Arial" panose="020B0604020202020204" pitchFamily="34" charset="0"/>
+                    </a:endParaRPr>
+                  </a:p>
+                </p:txBody>
+              </p:sp>
+            </mc:Choice>
+            <mc:Fallback xmlns="">
+              <p:sp>
+                <p:nvSpPr>
+                  <p:cNvPr id="26" name="TextBox 25"/>
+                  <p:cNvSpPr txBox="1">
+                    <a:spLocks noRot="1" noChangeAspect="1" noMove="1" noResize="1" noEditPoints="1" noAdjustHandles="1" noChangeArrowheads="1" noChangeShapeType="1" noTextEdit="1"/>
+                  </p:cNvSpPr>
+                  <p:nvPr/>
+                </p:nvSpPr>
+                <p:spPr>
+                  <a:xfrm>
+                    <a:off x="2905275" y="416820"/>
+                    <a:ext cx="859466" cy="369332"/>
+                  </a:xfrm>
+                  <a:prstGeom prst="rect">
+                    <a:avLst/>
+                  </a:prstGeom>
+                  <a:blipFill>
+                    <a:blip r:embed="rId3"/>
+                    <a:stretch>
+                      <a:fillRect l="-7092" r="-7092" b="-9836"/>
+                    </a:stretch>
+                  </a:blipFill>
+                </p:spPr>
+                <p:txBody>
+                  <a:bodyPr/>
+                  <a:lstStyle/>
+                  <a:p>
+                    <a:r>
+                      <a:rPr lang="en-US">
+                        <a:noFill/>
+                      </a:rPr>
+                      <a:t> </a:t>
+                    </a:r>
+                  </a:p>
+                </p:txBody>
+              </p:sp>
+            </mc:Fallback>
+          </mc:AlternateContent>
+          <mc:AlternateContent xmlns:mc="http://schemas.openxmlformats.org/markup-compatibility/2006" xmlns:a14="http://schemas.microsoft.com/office/drawing/2010/main">
+            <mc:Choice Requires="a14">
+              <p:sp>
+                <p:nvSpPr>
+                  <p:cNvPr id="29" name="TextBox 28"/>
+                  <p:cNvSpPr txBox="1"/>
+                  <p:nvPr/>
+                </p:nvSpPr>
+                <p:spPr>
+                  <a:xfrm>
+                    <a:off x="5094820" y="194358"/>
+                    <a:ext cx="859466" cy="369332"/>
+                  </a:xfrm>
+                  <a:prstGeom prst="rect">
+                    <a:avLst/>
+                  </a:prstGeom>
+                  <a:noFill/>
+                </p:spPr>
+                <p:txBody>
+                  <a:bodyPr wrap="none" lIns="0" tIns="0" rIns="0" bIns="0" rtlCol="0">
+                    <a:spAutoFit/>
+                  </a:bodyPr>
+                  <a:lstStyle/>
+                  <a:p>
+                    <a:pPr/>
+                    <a14:m>
+                      <m:oMathPara xmlns:m="http://schemas.openxmlformats.org/officeDocument/2006/math">
+                        <m:oMathParaPr>
+                          <m:jc m:val="centerGroup"/>
+                        </m:oMathParaPr>
+                        <m:oMath xmlns:m="http://schemas.openxmlformats.org/officeDocument/2006/math">
+                          <m:r>
+                            <a:rPr lang="en-US" sz="2400" b="0" i="1" smtClean="0">
+                              <a:latin typeface="Cambria Math" panose="02040503050406030204" pitchFamily="18" charset="0"/>
+                              <a:cs typeface="Arial" panose="020B0604020202020204" pitchFamily="34" charset="0"/>
+                            </a:rPr>
+                            <m:t>𝐸</m:t>
+                          </m:r>
+                          <m:r>
+                            <a:rPr lang="en-US" sz="2400" b="0" i="1" smtClean="0">
+                              <a:latin typeface="Cambria Math" panose="02040503050406030204" pitchFamily="18" charset="0"/>
+                              <a:cs typeface="Arial" panose="020B0604020202020204" pitchFamily="34" charset="0"/>
+                            </a:rPr>
+                            <m:t>&gt;0</m:t>
+                          </m:r>
+                        </m:oMath>
+                      </m:oMathPara>
+                    </a14:m>
+                    <a:endParaRPr lang="en-US" sz="2400" dirty="0" smtClean="0">
+                      <a:latin typeface="Arial" panose="020B0604020202020204" pitchFamily="34" charset="0"/>
+                      <a:cs typeface="Arial" panose="020B0604020202020204" pitchFamily="34" charset="0"/>
+                    </a:endParaRPr>
+                  </a:p>
+                </p:txBody>
+              </p:sp>
+            </mc:Choice>
+            <mc:Fallback xmlns="">
+              <p:sp>
+                <p:nvSpPr>
+                  <p:cNvPr id="29" name="TextBox 28"/>
+                  <p:cNvSpPr txBox="1">
+                    <a:spLocks noRot="1" noChangeAspect="1" noMove="1" noResize="1" noEditPoints="1" noAdjustHandles="1" noChangeArrowheads="1" noChangeShapeType="1" noTextEdit="1"/>
+                  </p:cNvSpPr>
+                  <p:nvPr/>
+                </p:nvSpPr>
+                <p:spPr>
+                  <a:xfrm>
+                    <a:off x="5094820" y="194358"/>
+                    <a:ext cx="859466" cy="369332"/>
+                  </a:xfrm>
+                  <a:prstGeom prst="rect">
+                    <a:avLst/>
+                  </a:prstGeom>
+                  <a:blipFill>
+                    <a:blip r:embed="rId4"/>
+                    <a:stretch>
+                      <a:fillRect l="-7801" r="-7092" b="-10000"/>
+                    </a:stretch>
+                  </a:blipFill>
+                </p:spPr>
+                <p:txBody>
+                  <a:bodyPr/>
+                  <a:lstStyle/>
+                  <a:p>
+                    <a:r>
+                      <a:rPr lang="en-US">
+                        <a:noFill/>
+                      </a:rPr>
+                      <a:t> </a:t>
+                    </a:r>
+                  </a:p>
+                </p:txBody>
+              </p:sp>
+            </mc:Fallback>
+          </mc:AlternateContent>
+          <mc:AlternateContent xmlns:mc="http://schemas.openxmlformats.org/markup-compatibility/2006" xmlns:a14="http://schemas.microsoft.com/office/drawing/2010/main">
+            <mc:Choice Requires="a14">
+              <p:sp>
+                <p:nvSpPr>
+                  <p:cNvPr id="30" name="TextBox 29"/>
+                  <p:cNvSpPr txBox="1"/>
+                  <p:nvPr/>
+                </p:nvSpPr>
+                <p:spPr>
+                  <a:xfrm>
+                    <a:off x="1018274" y="3178630"/>
+                    <a:ext cx="859466" cy="369332"/>
+                  </a:xfrm>
+                  <a:prstGeom prst="rect">
+                    <a:avLst/>
+                  </a:prstGeom>
+                  <a:noFill/>
+                </p:spPr>
+                <p:txBody>
+                  <a:bodyPr wrap="none" lIns="0" tIns="0" rIns="0" bIns="0" rtlCol="0">
+                    <a:spAutoFit/>
+                  </a:bodyPr>
+                  <a:lstStyle/>
+                  <a:p>
+                    <a:pPr/>
+                    <a14:m>
+                      <m:oMathPara xmlns:m="http://schemas.openxmlformats.org/officeDocument/2006/math">
+                        <m:oMathParaPr>
+                          <m:jc m:val="centerGroup"/>
+                        </m:oMathParaPr>
+                        <m:oMath xmlns:m="http://schemas.openxmlformats.org/officeDocument/2006/math">
+                          <m:r>
+                            <a:rPr lang="en-US" sz="2400" b="0" i="1" smtClean="0">
+                              <a:latin typeface="Cambria Math" panose="02040503050406030204" pitchFamily="18" charset="0"/>
+                              <a:cs typeface="Arial" panose="020B0604020202020204" pitchFamily="34" charset="0"/>
+                            </a:rPr>
+                            <m:t>𝐸</m:t>
+                          </m:r>
+                          <m:r>
+                            <a:rPr lang="en-US" sz="2400" b="0" i="1" smtClean="0">
+                              <a:latin typeface="Cambria Math" panose="02040503050406030204" pitchFamily="18" charset="0"/>
+                              <a:cs typeface="Arial" panose="020B0604020202020204" pitchFamily="34" charset="0"/>
+                            </a:rPr>
+                            <m:t>&lt;0</m:t>
+                          </m:r>
+                        </m:oMath>
+                      </m:oMathPara>
+                    </a14:m>
+                    <a:endParaRPr lang="en-US" sz="2400" dirty="0" smtClean="0">
+                      <a:latin typeface="Arial" panose="020B0604020202020204" pitchFamily="34" charset="0"/>
+                      <a:cs typeface="Arial" panose="020B0604020202020204" pitchFamily="34" charset="0"/>
+                    </a:endParaRPr>
+                  </a:p>
+                </p:txBody>
+              </p:sp>
+            </mc:Choice>
+            <mc:Fallback xmlns="">
+              <p:sp>
+                <p:nvSpPr>
+                  <p:cNvPr id="30" name="TextBox 29"/>
+                  <p:cNvSpPr txBox="1">
+                    <a:spLocks noRot="1" noChangeAspect="1" noMove="1" noResize="1" noEditPoints="1" noAdjustHandles="1" noChangeArrowheads="1" noChangeShapeType="1" noTextEdit="1"/>
+                  </p:cNvSpPr>
+                  <p:nvPr/>
+                </p:nvSpPr>
+                <p:spPr>
+                  <a:xfrm>
+                    <a:off x="1018274" y="3178630"/>
+                    <a:ext cx="859466" cy="369332"/>
+                  </a:xfrm>
+                  <a:prstGeom prst="rect">
+                    <a:avLst/>
+                  </a:prstGeom>
+                  <a:blipFill>
+                    <a:blip r:embed="rId5"/>
+                    <a:stretch>
+                      <a:fillRect l="-7092" r="-7801" b="-9836"/>
+                    </a:stretch>
+                  </a:blipFill>
+                </p:spPr>
+                <p:txBody>
+                  <a:bodyPr/>
+                  <a:lstStyle/>
+                  <a:p>
+                    <a:r>
+                      <a:rPr lang="en-US">
+                        <a:noFill/>
+                      </a:rPr>
+                      <a:t> </a:t>
+                    </a:r>
+                  </a:p>
+                </p:txBody>
+              </p:sp>
+            </mc:Fallback>
+          </mc:AlternateContent>
+          <mc:AlternateContent xmlns:mc="http://schemas.openxmlformats.org/markup-compatibility/2006" xmlns:a14="http://schemas.microsoft.com/office/drawing/2010/main">
+            <mc:Choice Requires="a14">
+              <p:sp>
+                <p:nvSpPr>
+                  <p:cNvPr id="31" name="TextBox 30"/>
+                  <p:cNvSpPr txBox="1"/>
+                  <p:nvPr/>
+                </p:nvSpPr>
+                <p:spPr>
+                  <a:xfrm>
+                    <a:off x="4733345" y="3236609"/>
+                    <a:ext cx="859466" cy="369332"/>
+                  </a:xfrm>
+                  <a:prstGeom prst="rect">
+                    <a:avLst/>
+                  </a:prstGeom>
+                  <a:noFill/>
+                </p:spPr>
+                <p:txBody>
+                  <a:bodyPr wrap="none" lIns="0" tIns="0" rIns="0" bIns="0" rtlCol="0">
+                    <a:spAutoFit/>
+                  </a:bodyPr>
+                  <a:lstStyle/>
+                  <a:p>
+                    <a:pPr/>
+                    <a14:m>
+                      <m:oMathPara xmlns:m="http://schemas.openxmlformats.org/officeDocument/2006/math">
+                        <m:oMathParaPr>
+                          <m:jc m:val="centerGroup"/>
+                        </m:oMathParaPr>
+                        <m:oMath xmlns:m="http://schemas.openxmlformats.org/officeDocument/2006/math">
+                          <m:r>
+                            <a:rPr lang="en-US" sz="2400" b="0" i="1" smtClean="0">
+                              <a:latin typeface="Cambria Math" panose="02040503050406030204" pitchFamily="18" charset="0"/>
+                              <a:cs typeface="Arial" panose="020B0604020202020204" pitchFamily="34" charset="0"/>
+                            </a:rPr>
+                            <m:t>𝐸</m:t>
+                          </m:r>
+                          <m:r>
+                            <a:rPr lang="en-US" sz="2400" b="0" i="1" smtClean="0">
+                              <a:latin typeface="Cambria Math" panose="02040503050406030204" pitchFamily="18" charset="0"/>
+                              <a:cs typeface="Arial" panose="020B0604020202020204" pitchFamily="34" charset="0"/>
+                            </a:rPr>
+                            <m:t>&lt;0</m:t>
+                          </m:r>
+                        </m:oMath>
+                      </m:oMathPara>
+                    </a14:m>
+                    <a:endParaRPr lang="en-US" sz="2400" dirty="0" smtClean="0">
+                      <a:latin typeface="Arial" panose="020B0604020202020204" pitchFamily="34" charset="0"/>
+                      <a:cs typeface="Arial" panose="020B0604020202020204" pitchFamily="34" charset="0"/>
+                    </a:endParaRPr>
+                  </a:p>
+                </p:txBody>
+              </p:sp>
+            </mc:Choice>
+            <mc:Fallback xmlns="">
+              <p:sp>
+                <p:nvSpPr>
+                  <p:cNvPr id="31" name="TextBox 30"/>
+                  <p:cNvSpPr txBox="1">
+                    <a:spLocks noRot="1" noChangeAspect="1" noMove="1" noResize="1" noEditPoints="1" noAdjustHandles="1" noChangeArrowheads="1" noChangeShapeType="1" noTextEdit="1"/>
+                  </p:cNvSpPr>
+                  <p:nvPr/>
+                </p:nvSpPr>
+                <p:spPr>
+                  <a:xfrm>
+                    <a:off x="4733345" y="3236609"/>
+                    <a:ext cx="859466" cy="369332"/>
+                  </a:xfrm>
+                  <a:prstGeom prst="rect">
+                    <a:avLst/>
+                  </a:prstGeom>
+                  <a:blipFill>
+                    <a:blip r:embed="rId6"/>
+                    <a:stretch>
+                      <a:fillRect l="-7092" r="-7801" b="-8197"/>
+                    </a:stretch>
+                  </a:blipFill>
+                </p:spPr>
+                <p:txBody>
+                  <a:bodyPr/>
+                  <a:lstStyle/>
+                  <a:p>
+                    <a:r>
+                      <a:rPr lang="en-US">
+                        <a:noFill/>
+                      </a:rPr>
+                      <a:t> </a:t>
+                    </a:r>
+                  </a:p>
+                </p:txBody>
+              </p:sp>
+            </mc:Fallback>
+          </mc:AlternateContent>
         </p:grpSp>
-        <mc:AlternateContent xmlns:mc="http://schemas.openxmlformats.org/markup-compatibility/2006" xmlns:a14="http://schemas.microsoft.com/office/drawing/2010/main">
-          <mc:Choice Requires="a14">
+        <p:sp>
+          <p:nvSpPr>
+            <p:cNvPr id="19" name="Oval 18"/>
+            <p:cNvSpPr/>
+            <p:nvPr/>
+          </p:nvSpPr>
+          <p:spPr>
+            <a:xfrm>
+              <a:off x="6821564" y="3380328"/>
+              <a:ext cx="120943" cy="119766"/>
+            </a:xfrm>
+            <a:prstGeom prst="ellipse">
+              <a:avLst/>
+            </a:prstGeom>
+            <a:solidFill>
+              <a:schemeClr val="tx1"/>
+            </a:solidFill>
+            <a:ln w="38100">
+              <a:solidFill>
+                <a:schemeClr val="tx1"/>
+              </a:solidFill>
+            </a:ln>
+          </p:spPr>
+          <p:style>
+            <a:lnRef idx="2">
+              <a:schemeClr val="accent1">
+                <a:shade val="50000"/>
+              </a:schemeClr>
+            </a:lnRef>
+            <a:fillRef idx="1">
+              <a:schemeClr val="accent1"/>
+            </a:fillRef>
+            <a:effectRef idx="0">
+              <a:schemeClr val="accent1"/>
+            </a:effectRef>
+            <a:fontRef idx="minor">
+              <a:schemeClr val="lt1"/>
+            </a:fontRef>
+          </p:style>
+          <p:txBody>
+            <a:bodyPr rtlCol="0" anchor="ctr"/>
+            <a:lstStyle/>
+            <a:p>
+              <a:pPr algn="ctr"/>
+              <a:endParaRPr lang="en-US"/>
+            </a:p>
+          </p:txBody>
+        </p:sp>
+        <mc:AlternateContent xmlns:mc="http://schemas.openxmlformats.org/markup-compatibility/2006">
+          <mc:Choice xmlns:a14="http://schemas.microsoft.com/office/drawing/2010/main" Requires="a14">
             <p:sp>
               <p:nvSpPr>
-                <p:cNvPr id="26" name="TextBox 25"/>
+                <p:cNvPr id="2" name="TextBox 1"/>
                 <p:cNvSpPr txBox="1"/>
                 <p:nvPr/>
               </p:nvSpPr>
               <p:spPr>
                 <a:xfrm>
-                  <a:off x="2905275" y="416820"/>
-                  <a:ext cx="859466" cy="369332"/>
+                  <a:off x="7186914" y="3226439"/>
+                  <a:ext cx="3057312" cy="307777"/>
                 </a:xfrm>
                 <a:prstGeom prst="rect">
                   <a:avLst/>
@@ -15665,7 +16108,6 @@
                 </a:bodyPr>
                 <a:lstStyle/>
                 <a:p>
-                  <a:pPr/>
                   <a14:m>
                     <m:oMathPara xmlns:m="http://schemas.openxmlformats.org/officeDocument/2006/math">
                       <m:oMathParaPr>
@@ -15673,23 +16115,58 @@
                       </m:oMathParaPr>
                       <m:oMath xmlns:m="http://schemas.openxmlformats.org/officeDocument/2006/math">
                         <m:r>
-                          <a:rPr lang="en-US" sz="2400" b="0" i="1" smtClean="0">
+                          <a:rPr lang="en-US" sz="2000" b="0" i="1" smtClean="0">
                             <a:latin typeface="Cambria Math" panose="02040503050406030204" pitchFamily="18" charset="0"/>
                             <a:cs typeface="Arial" panose="020B0604020202020204" pitchFamily="34" charset="0"/>
                           </a:rPr>
-                          <m:t>𝐸</m:t>
+                          <m:t>𝑃𝑜𝑖𝑛𝑡</m:t>
                         </m:r>
                         <m:r>
-                          <a:rPr lang="en-US" sz="2400" b="0" i="1" smtClean="0">
+                          <a:rPr lang="en-US" sz="2000" b="0" i="1" smtClean="0">
                             <a:latin typeface="Cambria Math" panose="02040503050406030204" pitchFamily="18" charset="0"/>
                             <a:cs typeface="Arial" panose="020B0604020202020204" pitchFamily="34" charset="0"/>
                           </a:rPr>
-                          <m:t>=0</m:t>
+                          <m:t> </m:t>
+                        </m:r>
+                        <m:r>
+                          <a:rPr lang="en-US" sz="2000" b="0" i="1" smtClean="0">
+                            <a:latin typeface="Cambria Math" panose="02040503050406030204" pitchFamily="18" charset="0"/>
+                            <a:cs typeface="Arial" panose="020B0604020202020204" pitchFamily="34" charset="0"/>
+                          </a:rPr>
+                          <m:t>𝑜𝑓</m:t>
+                        </m:r>
+                        <m:r>
+                          <a:rPr lang="en-US" sz="2000" b="0" i="1" smtClean="0">
+                            <a:latin typeface="Cambria Math" panose="02040503050406030204" pitchFamily="18" charset="0"/>
+                            <a:cs typeface="Arial" panose="020B0604020202020204" pitchFamily="34" charset="0"/>
+                          </a:rPr>
+                          <m:t> </m:t>
+                        </m:r>
+                        <m:r>
+                          <a:rPr lang="en-US" sz="2000" b="0" i="1" smtClean="0">
+                            <a:latin typeface="Cambria Math" panose="02040503050406030204" pitchFamily="18" charset="0"/>
+                            <a:cs typeface="Arial" panose="020B0604020202020204" pitchFamily="34" charset="0"/>
+                          </a:rPr>
+                          <m:t>𝑐𝑙𝑜𝑠𝑒𝑠𝑡</m:t>
+                        </m:r>
+                        <m:r>
+                          <a:rPr lang="en-US" sz="2000" b="0" i="1" smtClean="0">
+                            <a:latin typeface="Cambria Math" panose="02040503050406030204" pitchFamily="18" charset="0"/>
+                            <a:cs typeface="Arial" panose="020B0604020202020204" pitchFamily="34" charset="0"/>
+                          </a:rPr>
+                          <m:t> </m:t>
+                        </m:r>
+                        <m:r>
+                          <a:rPr lang="en-US" sz="2000" b="0" i="1" smtClean="0">
+                            <a:latin typeface="Cambria Math" panose="02040503050406030204" pitchFamily="18" charset="0"/>
+                            <a:cs typeface="Arial" panose="020B0604020202020204" pitchFamily="34" charset="0"/>
+                          </a:rPr>
+                          <m:t>𝑎𝑝𝑝𝑟𝑜𝑎𝑐h</m:t>
                         </m:r>
                       </m:oMath>
                     </m:oMathPara>
                   </a14:m>
-                  <a:endParaRPr lang="en-US" sz="2400" dirty="0" smtClean="0">
+                  <a:endParaRPr lang="en-US" sz="2000" dirty="0" smtClean="0">
                     <a:latin typeface="Arial" panose="020B0604020202020204" pitchFamily="34" charset="0"/>
                     <a:cs typeface="Arial" panose="020B0604020202020204" pitchFamily="34" charset="0"/>
                   </a:endParaRPr>
@@ -15697,10 +16174,10 @@
               </p:txBody>
             </p:sp>
           </mc:Choice>
-          <mc:Fallback xmlns="">
+          <mc:Fallback>
             <p:sp>
               <p:nvSpPr>
-                <p:cNvPr id="26" name="TextBox 25"/>
+                <p:cNvPr id="2" name="TextBox 1"/>
                 <p:cNvSpPr txBox="1">
                   <a:spLocks noRot="1" noChangeAspect="1" noMove="1" noResize="1" noEditPoints="1" noAdjustHandles="1" noChangeArrowheads="1" noChangeShapeType="1" noTextEdit="1"/>
                 </p:cNvSpPr>
@@ -15708,301 +16185,16 @@
               </p:nvSpPr>
               <p:spPr>
                 <a:xfrm>
-                  <a:off x="2905275" y="416820"/>
-                  <a:ext cx="859466" cy="369332"/>
+                  <a:off x="7186914" y="3226439"/>
+                  <a:ext cx="3057312" cy="307777"/>
                 </a:xfrm>
                 <a:prstGeom prst="rect">
                   <a:avLst/>
                 </a:prstGeom>
                 <a:blipFill>
-                  <a:blip r:embed="rId3"/>
+                  <a:blip r:embed="rId7"/>
                   <a:stretch>
-                    <a:fillRect l="-7092" r="-7092" b="-9836"/>
-                  </a:stretch>
-                </a:blipFill>
-              </p:spPr>
-              <p:txBody>
-                <a:bodyPr/>
-                <a:lstStyle/>
-                <a:p>
-                  <a:r>
-                    <a:rPr lang="en-US">
-                      <a:noFill/>
-                    </a:rPr>
-                    <a:t> </a:t>
-                  </a:r>
-                </a:p>
-              </p:txBody>
-            </p:sp>
-          </mc:Fallback>
-        </mc:AlternateContent>
-        <mc:AlternateContent xmlns:mc="http://schemas.openxmlformats.org/markup-compatibility/2006" xmlns:a14="http://schemas.microsoft.com/office/drawing/2010/main">
-          <mc:Choice Requires="a14">
-            <p:sp>
-              <p:nvSpPr>
-                <p:cNvPr id="29" name="TextBox 28"/>
-                <p:cNvSpPr txBox="1"/>
-                <p:nvPr/>
-              </p:nvSpPr>
-              <p:spPr>
-                <a:xfrm>
-                  <a:off x="5094820" y="194358"/>
-                  <a:ext cx="859466" cy="369332"/>
-                </a:xfrm>
-                <a:prstGeom prst="rect">
-                  <a:avLst/>
-                </a:prstGeom>
-                <a:noFill/>
-              </p:spPr>
-              <p:txBody>
-                <a:bodyPr wrap="none" lIns="0" tIns="0" rIns="0" bIns="0" rtlCol="0">
-                  <a:spAutoFit/>
-                </a:bodyPr>
-                <a:lstStyle/>
-                <a:p>
-                  <a:pPr/>
-                  <a14:m>
-                    <m:oMathPara xmlns:m="http://schemas.openxmlformats.org/officeDocument/2006/math">
-                      <m:oMathParaPr>
-                        <m:jc m:val="centerGroup"/>
-                      </m:oMathParaPr>
-                      <m:oMath xmlns:m="http://schemas.openxmlformats.org/officeDocument/2006/math">
-                        <m:r>
-                          <a:rPr lang="en-US" sz="2400" b="0" i="1" smtClean="0">
-                            <a:latin typeface="Cambria Math" panose="02040503050406030204" pitchFamily="18" charset="0"/>
-                            <a:cs typeface="Arial" panose="020B0604020202020204" pitchFamily="34" charset="0"/>
-                          </a:rPr>
-                          <m:t>𝐸</m:t>
-                        </m:r>
-                        <m:r>
-                          <a:rPr lang="en-US" sz="2400" b="0" i="1" smtClean="0">
-                            <a:latin typeface="Cambria Math" panose="02040503050406030204" pitchFamily="18" charset="0"/>
-                            <a:cs typeface="Arial" panose="020B0604020202020204" pitchFamily="34" charset="0"/>
-                          </a:rPr>
-                          <m:t>&gt;0</m:t>
-                        </m:r>
-                      </m:oMath>
-                    </m:oMathPara>
-                  </a14:m>
-                  <a:endParaRPr lang="en-US" sz="2400" dirty="0" smtClean="0">
-                    <a:latin typeface="Arial" panose="020B0604020202020204" pitchFamily="34" charset="0"/>
-                    <a:cs typeface="Arial" panose="020B0604020202020204" pitchFamily="34" charset="0"/>
-                  </a:endParaRPr>
-                </a:p>
-              </p:txBody>
-            </p:sp>
-          </mc:Choice>
-          <mc:Fallback xmlns="">
-            <p:sp>
-              <p:nvSpPr>
-                <p:cNvPr id="29" name="TextBox 28"/>
-                <p:cNvSpPr txBox="1">
-                  <a:spLocks noRot="1" noChangeAspect="1" noMove="1" noResize="1" noEditPoints="1" noAdjustHandles="1" noChangeArrowheads="1" noChangeShapeType="1" noTextEdit="1"/>
-                </p:cNvSpPr>
-                <p:nvPr/>
-              </p:nvSpPr>
-              <p:spPr>
-                <a:xfrm>
-                  <a:off x="5094820" y="194358"/>
-                  <a:ext cx="859466" cy="369332"/>
-                </a:xfrm>
-                <a:prstGeom prst="rect">
-                  <a:avLst/>
-                </a:prstGeom>
-                <a:blipFill>
-                  <a:blip r:embed="rId4"/>
-                  <a:stretch>
-                    <a:fillRect l="-7801" r="-7092" b="-10000"/>
-                  </a:stretch>
-                </a:blipFill>
-              </p:spPr>
-              <p:txBody>
-                <a:bodyPr/>
-                <a:lstStyle/>
-                <a:p>
-                  <a:r>
-                    <a:rPr lang="en-US">
-                      <a:noFill/>
-                    </a:rPr>
-                    <a:t> </a:t>
-                  </a:r>
-                </a:p>
-              </p:txBody>
-            </p:sp>
-          </mc:Fallback>
-        </mc:AlternateContent>
-        <mc:AlternateContent xmlns:mc="http://schemas.openxmlformats.org/markup-compatibility/2006" xmlns:a14="http://schemas.microsoft.com/office/drawing/2010/main">
-          <mc:Choice Requires="a14">
-            <p:sp>
-              <p:nvSpPr>
-                <p:cNvPr id="30" name="TextBox 29"/>
-                <p:cNvSpPr txBox="1"/>
-                <p:nvPr/>
-              </p:nvSpPr>
-              <p:spPr>
-                <a:xfrm>
-                  <a:off x="1018274" y="3178630"/>
-                  <a:ext cx="859466" cy="369332"/>
-                </a:xfrm>
-                <a:prstGeom prst="rect">
-                  <a:avLst/>
-                </a:prstGeom>
-                <a:noFill/>
-              </p:spPr>
-              <p:txBody>
-                <a:bodyPr wrap="none" lIns="0" tIns="0" rIns="0" bIns="0" rtlCol="0">
-                  <a:spAutoFit/>
-                </a:bodyPr>
-                <a:lstStyle/>
-                <a:p>
-                  <a:pPr/>
-                  <a14:m>
-                    <m:oMathPara xmlns:m="http://schemas.openxmlformats.org/officeDocument/2006/math">
-                      <m:oMathParaPr>
-                        <m:jc m:val="centerGroup"/>
-                      </m:oMathParaPr>
-                      <m:oMath xmlns:m="http://schemas.openxmlformats.org/officeDocument/2006/math">
-                        <m:r>
-                          <a:rPr lang="en-US" sz="2400" b="0" i="1" smtClean="0">
-                            <a:latin typeface="Cambria Math" panose="02040503050406030204" pitchFamily="18" charset="0"/>
-                            <a:cs typeface="Arial" panose="020B0604020202020204" pitchFamily="34" charset="0"/>
-                          </a:rPr>
-                          <m:t>𝐸</m:t>
-                        </m:r>
-                        <m:r>
-                          <a:rPr lang="en-US" sz="2400" b="0" i="1" smtClean="0">
-                            <a:latin typeface="Cambria Math" panose="02040503050406030204" pitchFamily="18" charset="0"/>
-                            <a:cs typeface="Arial" panose="020B0604020202020204" pitchFamily="34" charset="0"/>
-                          </a:rPr>
-                          <m:t>&lt;0</m:t>
-                        </m:r>
-                      </m:oMath>
-                    </m:oMathPara>
-                  </a14:m>
-                  <a:endParaRPr lang="en-US" sz="2400" dirty="0" smtClean="0">
-                    <a:latin typeface="Arial" panose="020B0604020202020204" pitchFamily="34" charset="0"/>
-                    <a:cs typeface="Arial" panose="020B0604020202020204" pitchFamily="34" charset="0"/>
-                  </a:endParaRPr>
-                </a:p>
-              </p:txBody>
-            </p:sp>
-          </mc:Choice>
-          <mc:Fallback xmlns="">
-            <p:sp>
-              <p:nvSpPr>
-                <p:cNvPr id="30" name="TextBox 29"/>
-                <p:cNvSpPr txBox="1">
-                  <a:spLocks noRot="1" noChangeAspect="1" noMove="1" noResize="1" noEditPoints="1" noAdjustHandles="1" noChangeArrowheads="1" noChangeShapeType="1" noTextEdit="1"/>
-                </p:cNvSpPr>
-                <p:nvPr/>
-              </p:nvSpPr>
-              <p:spPr>
-                <a:xfrm>
-                  <a:off x="1018274" y="3178630"/>
-                  <a:ext cx="859466" cy="369332"/>
-                </a:xfrm>
-                <a:prstGeom prst="rect">
-                  <a:avLst/>
-                </a:prstGeom>
-                <a:blipFill>
-                  <a:blip r:embed="rId5"/>
-                  <a:stretch>
-                    <a:fillRect l="-7092" r="-7801" b="-9836"/>
-                  </a:stretch>
-                </a:blipFill>
-              </p:spPr>
-              <p:txBody>
-                <a:bodyPr/>
-                <a:lstStyle/>
-                <a:p>
-                  <a:r>
-                    <a:rPr lang="en-US">
-                      <a:noFill/>
-                    </a:rPr>
-                    <a:t> </a:t>
-                  </a:r>
-                </a:p>
-              </p:txBody>
-            </p:sp>
-          </mc:Fallback>
-        </mc:AlternateContent>
-        <mc:AlternateContent xmlns:mc="http://schemas.openxmlformats.org/markup-compatibility/2006" xmlns:a14="http://schemas.microsoft.com/office/drawing/2010/main">
-          <mc:Choice Requires="a14">
-            <p:sp>
-              <p:nvSpPr>
-                <p:cNvPr id="31" name="TextBox 30"/>
-                <p:cNvSpPr txBox="1"/>
-                <p:nvPr/>
-              </p:nvSpPr>
-              <p:spPr>
-                <a:xfrm>
-                  <a:off x="4733345" y="3236609"/>
-                  <a:ext cx="859466" cy="369332"/>
-                </a:xfrm>
-                <a:prstGeom prst="rect">
-                  <a:avLst/>
-                </a:prstGeom>
-                <a:noFill/>
-              </p:spPr>
-              <p:txBody>
-                <a:bodyPr wrap="none" lIns="0" tIns="0" rIns="0" bIns="0" rtlCol="0">
-                  <a:spAutoFit/>
-                </a:bodyPr>
-                <a:lstStyle/>
-                <a:p>
-                  <a:pPr/>
-                  <a14:m>
-                    <m:oMathPara xmlns:m="http://schemas.openxmlformats.org/officeDocument/2006/math">
-                      <m:oMathParaPr>
-                        <m:jc m:val="centerGroup"/>
-                      </m:oMathParaPr>
-                      <m:oMath xmlns:m="http://schemas.openxmlformats.org/officeDocument/2006/math">
-                        <m:r>
-                          <a:rPr lang="en-US" sz="2400" b="0" i="1" smtClean="0">
-                            <a:latin typeface="Cambria Math" panose="02040503050406030204" pitchFamily="18" charset="0"/>
-                            <a:cs typeface="Arial" panose="020B0604020202020204" pitchFamily="34" charset="0"/>
-                          </a:rPr>
-                          <m:t>𝐸</m:t>
-                        </m:r>
-                        <m:r>
-                          <a:rPr lang="en-US" sz="2400" b="0" i="1" smtClean="0">
-                            <a:latin typeface="Cambria Math" panose="02040503050406030204" pitchFamily="18" charset="0"/>
-                            <a:cs typeface="Arial" panose="020B0604020202020204" pitchFamily="34" charset="0"/>
-                          </a:rPr>
-                          <m:t>&lt;0</m:t>
-                        </m:r>
-                      </m:oMath>
-                    </m:oMathPara>
-                  </a14:m>
-                  <a:endParaRPr lang="en-US" sz="2400" dirty="0" smtClean="0">
-                    <a:latin typeface="Arial" panose="020B0604020202020204" pitchFamily="34" charset="0"/>
-                    <a:cs typeface="Arial" panose="020B0604020202020204" pitchFamily="34" charset="0"/>
-                  </a:endParaRPr>
-                </a:p>
-              </p:txBody>
-            </p:sp>
-          </mc:Choice>
-          <mc:Fallback xmlns="">
-            <p:sp>
-              <p:nvSpPr>
-                <p:cNvPr id="31" name="TextBox 30"/>
-                <p:cNvSpPr txBox="1">
-                  <a:spLocks noRot="1" noChangeAspect="1" noMove="1" noResize="1" noEditPoints="1" noAdjustHandles="1" noChangeArrowheads="1" noChangeShapeType="1" noTextEdit="1"/>
-                </p:cNvSpPr>
-                <p:nvPr/>
-              </p:nvSpPr>
-              <p:spPr>
-                <a:xfrm>
-                  <a:off x="4733345" y="3236609"/>
-                  <a:ext cx="859466" cy="369332"/>
-                </a:xfrm>
-                <a:prstGeom prst="rect">
-                  <a:avLst/>
-                </a:prstGeom>
-                <a:blipFill>
-                  <a:blip r:embed="rId6"/>
-                  <a:stretch>
-                    <a:fillRect l="-7092" r="-7801" b="-8197"/>
+                    <a:fillRect l="-1397" r="-1996" b="-37255"/>
                   </a:stretch>
                 </a:blipFill>
               </p:spPr>
@@ -17214,8 +17406,8 @@
             </a:p>
           </p:txBody>
         </p:sp>
-        <mc:AlternateContent xmlns:mc="http://schemas.openxmlformats.org/markup-compatibility/2006">
-          <mc:Choice xmlns:a14="http://schemas.microsoft.com/office/drawing/2010/main" Requires="a14">
+        <mc:AlternateContent xmlns:mc="http://schemas.openxmlformats.org/markup-compatibility/2006" xmlns:a14="http://schemas.microsoft.com/office/drawing/2010/main">
+          <mc:Choice Requires="a14">
             <p:sp>
               <p:nvSpPr>
                 <p:cNvPr id="32" name="TextBox 31"/>
@@ -17238,6 +17430,7 @@
                 </a:bodyPr>
                 <a:lstStyle/>
                 <a:p>
+                  <a:pPr/>
                   <a14:m>
                     <m:oMathPara xmlns:m="http://schemas.openxmlformats.org/officeDocument/2006/math">
                       <m:oMathParaPr>
@@ -17302,7 +17495,7 @@
               </p:txBody>
             </p:sp>
           </mc:Choice>
-          <mc:Fallback>
+          <mc:Fallback xmlns="">
             <p:sp>
               <p:nvSpPr>
                 <p:cNvPr id="32" name="TextBox 31"/>
@@ -17341,8 +17534,8 @@
             </p:sp>
           </mc:Fallback>
         </mc:AlternateContent>
-        <mc:AlternateContent xmlns:mc="http://schemas.openxmlformats.org/markup-compatibility/2006">
-          <mc:Choice xmlns:a14="http://schemas.microsoft.com/office/drawing/2010/main" Requires="a14">
+        <mc:AlternateContent xmlns:mc="http://schemas.openxmlformats.org/markup-compatibility/2006" xmlns:a14="http://schemas.microsoft.com/office/drawing/2010/main">
+          <mc:Choice Requires="a14">
             <p:sp>
               <p:nvSpPr>
                 <p:cNvPr id="33" name="TextBox 32"/>
@@ -17365,6 +17558,7 @@
                 </a:bodyPr>
                 <a:lstStyle/>
                 <a:p>
+                  <a:pPr/>
                   <a14:m>
                     <m:oMathPara xmlns:m="http://schemas.openxmlformats.org/officeDocument/2006/math">
                       <m:oMathParaPr>
@@ -17402,7 +17596,7 @@
               </p:txBody>
             </p:sp>
           </mc:Choice>
-          <mc:Fallback>
+          <mc:Fallback xmlns="">
             <p:sp>
               <p:nvSpPr>
                 <p:cNvPr id="33" name="TextBox 32"/>
@@ -17441,8 +17635,8 @@
             </p:sp>
           </mc:Fallback>
         </mc:AlternateContent>
-        <mc:AlternateContent xmlns:mc="http://schemas.openxmlformats.org/markup-compatibility/2006">
-          <mc:Choice xmlns:a14="http://schemas.microsoft.com/office/drawing/2010/main" Requires="a14">
+        <mc:AlternateContent xmlns:mc="http://schemas.openxmlformats.org/markup-compatibility/2006" xmlns:a14="http://schemas.microsoft.com/office/drawing/2010/main">
+          <mc:Choice Requires="a14">
             <p:sp>
               <p:nvSpPr>
                 <p:cNvPr id="34" name="TextBox 33"/>
@@ -17465,6 +17659,7 @@
                 </a:bodyPr>
                 <a:lstStyle/>
                 <a:p>
+                  <a:pPr/>
                   <a14:m>
                     <m:oMathPara xmlns:m="http://schemas.openxmlformats.org/officeDocument/2006/math">
                       <m:oMathParaPr>
@@ -17502,7 +17697,7 @@
               </p:txBody>
             </p:sp>
           </mc:Choice>
-          <mc:Fallback>
+          <mc:Fallback xmlns="">
             <p:sp>
               <p:nvSpPr>
                 <p:cNvPr id="34" name="TextBox 33"/>
@@ -17541,8 +17736,8 @@
             </p:sp>
           </mc:Fallback>
         </mc:AlternateContent>
-        <mc:AlternateContent xmlns:mc="http://schemas.openxmlformats.org/markup-compatibility/2006">
-          <mc:Choice xmlns:a14="http://schemas.microsoft.com/office/drawing/2010/main" Requires="a14">
+        <mc:AlternateContent xmlns:mc="http://schemas.openxmlformats.org/markup-compatibility/2006" xmlns:a14="http://schemas.microsoft.com/office/drawing/2010/main">
+          <mc:Choice Requires="a14">
             <p:sp>
               <p:nvSpPr>
                 <p:cNvPr id="35" name="TextBox 34"/>
@@ -17565,6 +17760,7 @@
                 </a:bodyPr>
                 <a:lstStyle/>
                 <a:p>
+                  <a:pPr/>
                   <a14:m>
                     <m:oMathPara xmlns:m="http://schemas.openxmlformats.org/officeDocument/2006/math">
                       <m:oMathParaPr>
@@ -17623,7 +17819,7 @@
               </p:txBody>
             </p:sp>
           </mc:Choice>
-          <mc:Fallback>
+          <mc:Fallback xmlns="">
             <p:sp>
               <p:nvSpPr>
                 <p:cNvPr id="35" name="TextBox 34"/>

--- a/tex/figures/Gravity/Figures.pptx
+++ b/tex/figures/Gravity/Figures.pptx
@@ -7,10 +7,13 @@
   <p:sldIdLst>
     <p:sldId id="271" r:id="rId2"/>
     <p:sldId id="272" r:id="rId3"/>
-    <p:sldId id="273" r:id="rId4"/>
-    <p:sldId id="274" r:id="rId5"/>
-    <p:sldId id="275" r:id="rId6"/>
-    <p:sldId id="276" r:id="rId7"/>
+    <p:sldId id="278" r:id="rId4"/>
+    <p:sldId id="273" r:id="rId5"/>
+    <p:sldId id="274" r:id="rId6"/>
+    <p:sldId id="275" r:id="rId7"/>
+    <p:sldId id="277" r:id="rId8"/>
+    <p:sldId id="276" r:id="rId9"/>
+    <p:sldId id="279" r:id="rId10"/>
   </p:sldIdLst>
   <p:sldSz cx="12192000" cy="6858000"/>
   <p:notesSz cx="6858000" cy="9144000"/>
@@ -248,7 +251,7 @@
           <a:p>
             <a:fld id="{F7249F8D-641B-4CAF-BAE5-10524742F6F1}" type="datetimeFigureOut">
               <a:rPr lang="en-CA" smtClean="0"/>
-              <a:t>2018-06-20</a:t>
+              <a:t>2018-06-26</a:t>
             </a:fld>
             <a:endParaRPr lang="en-CA"/>
           </a:p>
@@ -418,7 +421,7 @@
           <a:p>
             <a:fld id="{F7249F8D-641B-4CAF-BAE5-10524742F6F1}" type="datetimeFigureOut">
               <a:rPr lang="en-CA" smtClean="0"/>
-              <a:t>2018-06-20</a:t>
+              <a:t>2018-06-26</a:t>
             </a:fld>
             <a:endParaRPr lang="en-CA"/>
           </a:p>
@@ -598,7 +601,7 @@
           <a:p>
             <a:fld id="{F7249F8D-641B-4CAF-BAE5-10524742F6F1}" type="datetimeFigureOut">
               <a:rPr lang="en-CA" smtClean="0"/>
-              <a:t>2018-06-20</a:t>
+              <a:t>2018-06-26</a:t>
             </a:fld>
             <a:endParaRPr lang="en-CA"/>
           </a:p>
@@ -768,7 +771,7 @@
           <a:p>
             <a:fld id="{F7249F8D-641B-4CAF-BAE5-10524742F6F1}" type="datetimeFigureOut">
               <a:rPr lang="en-CA" smtClean="0"/>
-              <a:t>2018-06-20</a:t>
+              <a:t>2018-06-26</a:t>
             </a:fld>
             <a:endParaRPr lang="en-CA"/>
           </a:p>
@@ -1014,7 +1017,7 @@
           <a:p>
             <a:fld id="{F7249F8D-641B-4CAF-BAE5-10524742F6F1}" type="datetimeFigureOut">
               <a:rPr lang="en-CA" smtClean="0"/>
-              <a:t>2018-06-20</a:t>
+              <a:t>2018-06-26</a:t>
             </a:fld>
             <a:endParaRPr lang="en-CA"/>
           </a:p>
@@ -1246,7 +1249,7 @@
           <a:p>
             <a:fld id="{F7249F8D-641B-4CAF-BAE5-10524742F6F1}" type="datetimeFigureOut">
               <a:rPr lang="en-CA" smtClean="0"/>
-              <a:t>2018-06-20</a:t>
+              <a:t>2018-06-26</a:t>
             </a:fld>
             <a:endParaRPr lang="en-CA"/>
           </a:p>
@@ -1613,7 +1616,7 @@
           <a:p>
             <a:fld id="{F7249F8D-641B-4CAF-BAE5-10524742F6F1}" type="datetimeFigureOut">
               <a:rPr lang="en-CA" smtClean="0"/>
-              <a:t>2018-06-20</a:t>
+              <a:t>2018-06-26</a:t>
             </a:fld>
             <a:endParaRPr lang="en-CA"/>
           </a:p>
@@ -1731,7 +1734,7 @@
           <a:p>
             <a:fld id="{F7249F8D-641B-4CAF-BAE5-10524742F6F1}" type="datetimeFigureOut">
               <a:rPr lang="en-CA" smtClean="0"/>
-              <a:t>2018-06-20</a:t>
+              <a:t>2018-06-26</a:t>
             </a:fld>
             <a:endParaRPr lang="en-CA"/>
           </a:p>
@@ -1826,7 +1829,7 @@
           <a:p>
             <a:fld id="{F7249F8D-641B-4CAF-BAE5-10524742F6F1}" type="datetimeFigureOut">
               <a:rPr lang="en-CA" smtClean="0"/>
-              <a:t>2018-06-20</a:t>
+              <a:t>2018-06-26</a:t>
             </a:fld>
             <a:endParaRPr lang="en-CA"/>
           </a:p>
@@ -2103,7 +2106,7 @@
           <a:p>
             <a:fld id="{F7249F8D-641B-4CAF-BAE5-10524742F6F1}" type="datetimeFigureOut">
               <a:rPr lang="en-CA" smtClean="0"/>
-              <a:t>2018-06-20</a:t>
+              <a:t>2018-06-26</a:t>
             </a:fld>
             <a:endParaRPr lang="en-CA"/>
           </a:p>
@@ -2356,7 +2359,7 @@
           <a:p>
             <a:fld id="{F7249F8D-641B-4CAF-BAE5-10524742F6F1}" type="datetimeFigureOut">
               <a:rPr lang="en-CA" smtClean="0"/>
-              <a:t>2018-06-20</a:t>
+              <a:t>2018-06-26</a:t>
             </a:fld>
             <a:endParaRPr lang="en-CA"/>
           </a:p>
@@ -2569,7 +2572,7 @@
           <a:p>
             <a:fld id="{F7249F8D-641B-4CAF-BAE5-10524742F6F1}" type="datetimeFigureOut">
               <a:rPr lang="en-CA" smtClean="0"/>
-              <a:t>2018-06-20</a:t>
+              <a:t>2018-06-26</a:t>
             </a:fld>
             <a:endParaRPr lang="en-CA"/>
           </a:p>
@@ -4582,7 +4585,7 @@
         </p:nvGrpSpPr>
         <p:grpSpPr>
           <a:xfrm>
-            <a:off x="426720" y="406400"/>
+            <a:off x="401702" y="213840"/>
             <a:ext cx="5262880" cy="3291840"/>
             <a:chOff x="1412240" y="853440"/>
             <a:chExt cx="5262880" cy="3291840"/>
@@ -5377,13 +5380,845 @@
       </p:grpSp>
       <p:grpSp>
         <p:nvGrpSpPr>
-          <p:cNvPr id="67" name="Group 66"/>
+          <p:cNvPr id="6" name="Group 5"/>
           <p:cNvGrpSpPr/>
           <p:nvPr/>
         </p:nvGrpSpPr>
         <p:grpSpPr>
           <a:xfrm>
-            <a:off x="6405643" y="148448"/>
+            <a:off x="4042227" y="3058309"/>
+            <a:ext cx="8192247" cy="3291840"/>
+            <a:chOff x="4042227" y="3148249"/>
+            <a:chExt cx="8192247" cy="3291840"/>
+          </a:xfrm>
+        </p:grpSpPr>
+        <p:grpSp>
+          <p:nvGrpSpPr>
+            <p:cNvPr id="34" name="Group 33"/>
+            <p:cNvGrpSpPr/>
+            <p:nvPr/>
+          </p:nvGrpSpPr>
+          <p:grpSpPr>
+            <a:xfrm>
+              <a:off x="5450452" y="3148249"/>
+              <a:ext cx="5330628" cy="3291840"/>
+              <a:chOff x="4074160" y="1076960"/>
+              <a:chExt cx="5330628" cy="3291840"/>
+            </a:xfrm>
+          </p:grpSpPr>
+          <p:sp>
+            <p:nvSpPr>
+              <p:cNvPr id="43" name="Oval 42"/>
+              <p:cNvSpPr/>
+              <p:nvPr/>
+            </p:nvSpPr>
+            <p:spPr>
+              <a:xfrm>
+                <a:off x="4699285" y="2389905"/>
+                <a:ext cx="684988" cy="682359"/>
+              </a:xfrm>
+              <a:prstGeom prst="ellipse">
+                <a:avLst/>
+              </a:prstGeom>
+              <a:solidFill>
+                <a:schemeClr val="accent4"/>
+              </a:solidFill>
+              <a:ln w="12700">
+                <a:solidFill>
+                  <a:schemeClr val="tx1"/>
+                </a:solidFill>
+              </a:ln>
+            </p:spPr>
+            <p:style>
+              <a:lnRef idx="2">
+                <a:schemeClr val="accent1">
+                  <a:shade val="50000"/>
+                </a:schemeClr>
+              </a:lnRef>
+              <a:fillRef idx="1">
+                <a:schemeClr val="accent1"/>
+              </a:fillRef>
+              <a:effectRef idx="0">
+                <a:schemeClr val="accent1"/>
+              </a:effectRef>
+              <a:fontRef idx="minor">
+                <a:schemeClr val="lt1"/>
+              </a:fontRef>
+            </p:style>
+            <p:txBody>
+              <a:bodyPr rtlCol="0" anchor="ctr"/>
+              <a:lstStyle/>
+              <a:p>
+                <a:pPr algn="ctr"/>
+                <a:endParaRPr lang="en-US"/>
+              </a:p>
+            </p:txBody>
+          </p:sp>
+          <p:sp>
+            <p:nvSpPr>
+              <p:cNvPr id="46" name="Oval 45"/>
+              <p:cNvSpPr/>
+              <p:nvPr/>
+            </p:nvSpPr>
+            <p:spPr>
+              <a:xfrm>
+                <a:off x="4074160" y="1076960"/>
+                <a:ext cx="5262880" cy="3291840"/>
+              </a:xfrm>
+              <a:prstGeom prst="ellipse">
+                <a:avLst/>
+              </a:prstGeom>
+              <a:noFill/>
+              <a:ln w="38100">
+                <a:solidFill>
+                  <a:schemeClr val="tx1"/>
+                </a:solidFill>
+              </a:ln>
+            </p:spPr>
+            <p:style>
+              <a:lnRef idx="2">
+                <a:schemeClr val="accent1">
+                  <a:shade val="50000"/>
+                </a:schemeClr>
+              </a:lnRef>
+              <a:fillRef idx="1">
+                <a:schemeClr val="accent1"/>
+              </a:fillRef>
+              <a:effectRef idx="0">
+                <a:schemeClr val="accent1"/>
+              </a:effectRef>
+              <a:fontRef idx="minor">
+                <a:schemeClr val="lt1"/>
+              </a:fontRef>
+            </p:style>
+            <p:txBody>
+              <a:bodyPr rtlCol="0" anchor="ctr"/>
+              <a:lstStyle/>
+              <a:p>
+                <a:pPr algn="ctr"/>
+                <a:endParaRPr lang="en-US"/>
+              </a:p>
+            </p:txBody>
+          </p:sp>
+          <p:sp>
+            <p:nvSpPr>
+              <p:cNvPr id="47" name="Oval 46"/>
+              <p:cNvSpPr/>
+              <p:nvPr/>
+            </p:nvSpPr>
+            <p:spPr>
+              <a:xfrm>
+                <a:off x="9283845" y="2662997"/>
+                <a:ext cx="120943" cy="119766"/>
+              </a:xfrm>
+              <a:prstGeom prst="ellipse">
+                <a:avLst/>
+              </a:prstGeom>
+              <a:solidFill>
+                <a:schemeClr val="tx1"/>
+              </a:solidFill>
+              <a:ln w="38100">
+                <a:solidFill>
+                  <a:schemeClr val="tx1"/>
+                </a:solidFill>
+              </a:ln>
+            </p:spPr>
+            <p:style>
+              <a:lnRef idx="2">
+                <a:schemeClr val="accent1">
+                  <a:shade val="50000"/>
+                </a:schemeClr>
+              </a:lnRef>
+              <a:fillRef idx="1">
+                <a:schemeClr val="accent1"/>
+              </a:fillRef>
+              <a:effectRef idx="0">
+                <a:schemeClr val="accent1"/>
+              </a:effectRef>
+              <a:fontRef idx="minor">
+                <a:schemeClr val="lt1"/>
+              </a:fontRef>
+            </p:style>
+            <p:txBody>
+              <a:bodyPr rtlCol="0" anchor="ctr"/>
+              <a:lstStyle/>
+              <a:p>
+                <a:pPr algn="ctr"/>
+                <a:endParaRPr lang="en-US"/>
+              </a:p>
+            </p:txBody>
+          </p:sp>
+        </p:grpSp>
+        <mc:AlternateContent xmlns:mc="http://schemas.openxmlformats.org/markup-compatibility/2006">
+          <mc:Choice xmlns:a14="http://schemas.microsoft.com/office/drawing/2010/main" Requires="a14">
+            <p:sp>
+              <p:nvSpPr>
+                <p:cNvPr id="50" name="TextBox 49"/>
+                <p:cNvSpPr txBox="1"/>
+                <p:nvPr/>
+              </p:nvSpPr>
+              <p:spPr>
+                <a:xfrm>
+                  <a:off x="10871663" y="4577319"/>
+                  <a:ext cx="1062342" cy="307777"/>
+                </a:xfrm>
+                <a:prstGeom prst="rect">
+                  <a:avLst/>
+                </a:prstGeom>
+                <a:noFill/>
+              </p:spPr>
+              <p:txBody>
+                <a:bodyPr wrap="none" lIns="0" tIns="0" rIns="0" bIns="0" rtlCol="0">
+                  <a:spAutoFit/>
+                </a:bodyPr>
+                <a:lstStyle/>
+                <a:p>
+                  <a:pPr/>
+                  <a14:m>
+                    <m:oMathPara xmlns:m="http://schemas.openxmlformats.org/officeDocument/2006/math">
+                      <m:oMathParaPr>
+                        <m:jc m:val="centerGroup"/>
+                      </m:oMathParaPr>
+                      <m:oMath xmlns:m="http://schemas.openxmlformats.org/officeDocument/2006/math">
+                        <m:r>
+                          <a:rPr lang="en-CA" sz="2000" b="0" i="1" smtClean="0">
+                            <a:latin typeface="Cambria Math" charset="0"/>
+                            <a:cs typeface="Arial" panose="020B0604020202020204" pitchFamily="34" charset="0"/>
+                          </a:rPr>
+                          <m:t>𝑎𝑝h𝑒𝑙𝑖𝑜𝑛</m:t>
+                        </m:r>
+                      </m:oMath>
+                    </m:oMathPara>
+                  </a14:m>
+                  <a:endParaRPr lang="en-CA" sz="2000" b="0" i="1" dirty="0" smtClean="0">
+                    <a:latin typeface="Cambria Math" charset="0"/>
+                    <a:cs typeface="Arial" panose="020B0604020202020204" pitchFamily="34" charset="0"/>
+                  </a:endParaRPr>
+                </a:p>
+              </p:txBody>
+            </p:sp>
+          </mc:Choice>
+          <mc:Fallback>
+            <p:sp>
+              <p:nvSpPr>
+                <p:cNvPr id="50" name="TextBox 49"/>
+                <p:cNvSpPr txBox="1">
+                  <a:spLocks noRot="1" noChangeAspect="1" noMove="1" noResize="1" noEditPoints="1" noAdjustHandles="1" noChangeArrowheads="1" noChangeShapeType="1" noTextEdit="1"/>
+                </p:cNvSpPr>
+                <p:nvPr/>
+              </p:nvSpPr>
+              <p:spPr>
+                <a:xfrm>
+                  <a:off x="10871663" y="4577319"/>
+                  <a:ext cx="1062342" cy="307777"/>
+                </a:xfrm>
+                <a:prstGeom prst="rect">
+                  <a:avLst/>
+                </a:prstGeom>
+                <a:blipFill rotWithShape="0">
+                  <a:blip r:embed="rId7"/>
+                  <a:stretch>
+                    <a:fillRect l="-8000" r="-6857" b="-37255"/>
+                  </a:stretch>
+                </a:blipFill>
+              </p:spPr>
+              <p:txBody>
+                <a:bodyPr/>
+                <a:lstStyle/>
+                <a:p>
+                  <a:r>
+                    <a:rPr lang="en-US">
+                      <a:noFill/>
+                    </a:rPr>
+                    <a:t> </a:t>
+                  </a:r>
+                </a:p>
+              </p:txBody>
+            </p:sp>
+          </mc:Fallback>
+        </mc:AlternateContent>
+        <mc:AlternateContent xmlns:mc="http://schemas.openxmlformats.org/markup-compatibility/2006">
+          <mc:Choice xmlns:a14="http://schemas.microsoft.com/office/drawing/2010/main" Requires="a14">
+            <p:sp>
+              <p:nvSpPr>
+                <p:cNvPr id="70" name="TextBox 69"/>
+                <p:cNvSpPr txBox="1"/>
+                <p:nvPr/>
+              </p:nvSpPr>
+              <p:spPr>
+                <a:xfrm>
+                  <a:off x="4042227" y="4648484"/>
+                  <a:ext cx="1249894" cy="307777"/>
+                </a:xfrm>
+                <a:prstGeom prst="rect">
+                  <a:avLst/>
+                </a:prstGeom>
+                <a:noFill/>
+              </p:spPr>
+              <p:txBody>
+                <a:bodyPr wrap="none" lIns="0" tIns="0" rIns="0" bIns="0" rtlCol="0">
+                  <a:spAutoFit/>
+                </a:bodyPr>
+                <a:lstStyle/>
+                <a:p>
+                  <a:pPr/>
+                  <a14:m>
+                    <m:oMathPara xmlns:m="http://schemas.openxmlformats.org/officeDocument/2006/math">
+                      <m:oMathParaPr>
+                        <m:jc m:val="centerGroup"/>
+                      </m:oMathParaPr>
+                      <m:oMath xmlns:m="http://schemas.openxmlformats.org/officeDocument/2006/math">
+                        <m:r>
+                          <a:rPr lang="en-CA" sz="2000" b="0" i="1" smtClean="0">
+                            <a:latin typeface="Cambria Math" charset="0"/>
+                            <a:cs typeface="Arial" panose="020B0604020202020204" pitchFamily="34" charset="0"/>
+                          </a:rPr>
+                          <m:t>𝑝𝑒𝑟𝑖h𝑒𝑙𝑖𝑜𝑛</m:t>
+                        </m:r>
+                      </m:oMath>
+                    </m:oMathPara>
+                  </a14:m>
+                  <a:endParaRPr lang="en-CA" sz="2000" b="0" i="1" dirty="0" smtClean="0">
+                    <a:latin typeface="Cambria Math" charset="0"/>
+                    <a:cs typeface="Arial" panose="020B0604020202020204" pitchFamily="34" charset="0"/>
+                  </a:endParaRPr>
+                </a:p>
+              </p:txBody>
+            </p:sp>
+          </mc:Choice>
+          <mc:Fallback>
+            <p:sp>
+              <p:nvSpPr>
+                <p:cNvPr id="70" name="TextBox 69"/>
+                <p:cNvSpPr txBox="1">
+                  <a:spLocks noRot="1" noChangeAspect="1" noMove="1" noResize="1" noEditPoints="1" noAdjustHandles="1" noChangeArrowheads="1" noChangeShapeType="1" noTextEdit="1"/>
+                </p:cNvSpPr>
+                <p:nvPr/>
+              </p:nvSpPr>
+              <p:spPr>
+                <a:xfrm>
+                  <a:off x="4042227" y="4648484"/>
+                  <a:ext cx="1249894" cy="307777"/>
+                </a:xfrm>
+                <a:prstGeom prst="rect">
+                  <a:avLst/>
+                </a:prstGeom>
+                <a:blipFill rotWithShape="0">
+                  <a:blip r:embed="rId8"/>
+                  <a:stretch>
+                    <a:fillRect l="-6341" r="-6829" b="-38000"/>
+                  </a:stretch>
+                </a:blipFill>
+              </p:spPr>
+              <p:txBody>
+                <a:bodyPr/>
+                <a:lstStyle/>
+                <a:p>
+                  <a:r>
+                    <a:rPr lang="en-US">
+                      <a:noFill/>
+                    </a:rPr>
+                    <a:t> </a:t>
+                  </a:r>
+                </a:p>
+              </p:txBody>
+            </p:sp>
+          </mc:Fallback>
+        </mc:AlternateContent>
+        <p:sp>
+          <p:nvSpPr>
+            <p:cNvPr id="72" name="Oval 71"/>
+            <p:cNvSpPr/>
+            <p:nvPr/>
+          </p:nvSpPr>
+          <p:spPr>
+            <a:xfrm flipH="1">
+              <a:off x="5402545" y="4731208"/>
+              <a:ext cx="118800" cy="118800"/>
+            </a:xfrm>
+            <a:prstGeom prst="ellipse">
+              <a:avLst/>
+            </a:prstGeom>
+            <a:solidFill>
+              <a:schemeClr val="tx1"/>
+            </a:solidFill>
+            <a:ln w="38100">
+              <a:solidFill>
+                <a:schemeClr val="tx1"/>
+              </a:solidFill>
+            </a:ln>
+          </p:spPr>
+          <p:style>
+            <a:lnRef idx="2">
+              <a:schemeClr val="accent1">
+                <a:shade val="50000"/>
+              </a:schemeClr>
+            </a:lnRef>
+            <a:fillRef idx="1">
+              <a:schemeClr val="accent1"/>
+            </a:fillRef>
+            <a:effectRef idx="0">
+              <a:schemeClr val="accent1"/>
+            </a:effectRef>
+            <a:fontRef idx="minor">
+              <a:schemeClr val="lt1"/>
+            </a:fontRef>
+          </p:style>
+          <p:txBody>
+            <a:bodyPr rtlCol="0" anchor="ctr"/>
+            <a:lstStyle/>
+            <a:p>
+              <a:pPr algn="ctr"/>
+              <a:endParaRPr lang="en-US"/>
+            </a:p>
+          </p:txBody>
+        </p:sp>
+        <mc:AlternateContent xmlns:mc="http://schemas.openxmlformats.org/markup-compatibility/2006">
+          <mc:Choice xmlns:a14="http://schemas.microsoft.com/office/drawing/2010/main" Requires="a14">
+            <p:sp>
+              <p:nvSpPr>
+                <p:cNvPr id="82" name="TextBox 81"/>
+                <p:cNvSpPr txBox="1"/>
+                <p:nvPr/>
+              </p:nvSpPr>
+              <p:spPr>
+                <a:xfrm>
+                  <a:off x="11340768" y="3647349"/>
+                  <a:ext cx="893706" cy="307777"/>
+                </a:xfrm>
+                <a:prstGeom prst="rect">
+                  <a:avLst/>
+                </a:prstGeom>
+                <a:noFill/>
+              </p:spPr>
+              <p:txBody>
+                <a:bodyPr wrap="none" lIns="0" tIns="0" rIns="0" bIns="0" rtlCol="0">
+                  <a:spAutoFit/>
+                </a:bodyPr>
+                <a:lstStyle/>
+                <a:p>
+                  <a:pPr/>
+                  <a14:m>
+                    <m:oMathPara xmlns:m="http://schemas.openxmlformats.org/officeDocument/2006/math">
+                      <m:oMathParaPr>
+                        <m:jc m:val="centerGroup"/>
+                      </m:oMathParaPr>
+                      <m:oMath xmlns:m="http://schemas.openxmlformats.org/officeDocument/2006/math">
+                        <m:r>
+                          <a:rPr lang="en-CA" sz="2000" b="0" i="1" smtClean="0">
+                            <a:latin typeface="Cambria Math" charset="0"/>
+                            <a:cs typeface="Arial" panose="020B0604020202020204" pitchFamily="34" charset="0"/>
+                          </a:rPr>
+                          <m:t>𝑎𝑝𝑜𝑔𝑒𝑒</m:t>
+                        </m:r>
+                      </m:oMath>
+                    </m:oMathPara>
+                  </a14:m>
+                  <a:endParaRPr lang="en-CA" sz="2000" b="0" i="1" dirty="0" smtClean="0">
+                    <a:latin typeface="Cambria Math" charset="0"/>
+                    <a:cs typeface="Arial" panose="020B0604020202020204" pitchFamily="34" charset="0"/>
+                  </a:endParaRPr>
+                </a:p>
+              </p:txBody>
+            </p:sp>
+          </mc:Choice>
+          <mc:Fallback>
+            <p:sp>
+              <p:nvSpPr>
+                <p:cNvPr id="82" name="TextBox 81"/>
+                <p:cNvSpPr txBox="1">
+                  <a:spLocks noRot="1" noChangeAspect="1" noMove="1" noResize="1" noEditPoints="1" noAdjustHandles="1" noChangeArrowheads="1" noChangeShapeType="1" noTextEdit="1"/>
+                </p:cNvSpPr>
+                <p:nvPr/>
+              </p:nvSpPr>
+              <p:spPr>
+                <a:xfrm>
+                  <a:off x="11340768" y="3647349"/>
+                  <a:ext cx="893706" cy="307777"/>
+                </a:xfrm>
+                <a:prstGeom prst="rect">
+                  <a:avLst/>
+                </a:prstGeom>
+                <a:blipFill rotWithShape="0">
+                  <a:blip r:embed="rId9"/>
+                  <a:stretch>
+                    <a:fillRect l="-6803" r="-6122" b="-30000"/>
+                  </a:stretch>
+                </a:blipFill>
+              </p:spPr>
+              <p:txBody>
+                <a:bodyPr/>
+                <a:lstStyle/>
+                <a:p>
+                  <a:r>
+                    <a:rPr lang="en-US">
+                      <a:noFill/>
+                    </a:rPr>
+                    <a:t> </a:t>
+                  </a:r>
+                </a:p>
+              </p:txBody>
+            </p:sp>
+          </mc:Fallback>
+        </mc:AlternateContent>
+        <mc:AlternateContent xmlns:mc="http://schemas.openxmlformats.org/markup-compatibility/2006">
+          <mc:Choice xmlns:a14="http://schemas.microsoft.com/office/drawing/2010/main" Requires="a14">
+            <p:sp>
+              <p:nvSpPr>
+                <p:cNvPr id="84" name="TextBox 83"/>
+                <p:cNvSpPr txBox="1"/>
+                <p:nvPr/>
+              </p:nvSpPr>
+              <p:spPr>
+                <a:xfrm>
+                  <a:off x="8725740" y="3700381"/>
+                  <a:ext cx="945002" cy="307777"/>
+                </a:xfrm>
+                <a:prstGeom prst="rect">
+                  <a:avLst/>
+                </a:prstGeom>
+                <a:noFill/>
+              </p:spPr>
+              <p:txBody>
+                <a:bodyPr wrap="none" lIns="0" tIns="0" rIns="0" bIns="0" rtlCol="0">
+                  <a:spAutoFit/>
+                </a:bodyPr>
+                <a:lstStyle/>
+                <a:p>
+                  <a:pPr/>
+                  <a14:m>
+                    <m:oMathPara xmlns:m="http://schemas.openxmlformats.org/officeDocument/2006/math">
+                      <m:oMathParaPr>
+                        <m:jc m:val="centerGroup"/>
+                      </m:oMathParaPr>
+                      <m:oMath xmlns:m="http://schemas.openxmlformats.org/officeDocument/2006/math">
+                        <m:r>
+                          <a:rPr lang="en-CA" sz="2000" b="0" i="1" smtClean="0">
+                            <a:latin typeface="Cambria Math" charset="0"/>
+                            <a:cs typeface="Arial" panose="020B0604020202020204" pitchFamily="34" charset="0"/>
+                          </a:rPr>
+                          <m:t>𝑝𝑒𝑟𝑖𝑔𝑒𝑒</m:t>
+                        </m:r>
+                      </m:oMath>
+                    </m:oMathPara>
+                  </a14:m>
+                  <a:endParaRPr lang="en-CA" sz="2000" b="0" i="1" dirty="0" smtClean="0">
+                    <a:latin typeface="Cambria Math" charset="0"/>
+                    <a:cs typeface="Arial" panose="020B0604020202020204" pitchFamily="34" charset="0"/>
+                  </a:endParaRPr>
+                </a:p>
+              </p:txBody>
+            </p:sp>
+          </mc:Choice>
+          <mc:Fallback>
+            <p:sp>
+              <p:nvSpPr>
+                <p:cNvPr id="84" name="TextBox 83"/>
+                <p:cNvSpPr txBox="1">
+                  <a:spLocks noRot="1" noChangeAspect="1" noMove="1" noResize="1" noEditPoints="1" noAdjustHandles="1" noChangeArrowheads="1" noChangeShapeType="1" noTextEdit="1"/>
+                </p:cNvSpPr>
+                <p:nvPr/>
+              </p:nvSpPr>
+              <p:spPr>
+                <a:xfrm>
+                  <a:off x="8725740" y="3700381"/>
+                  <a:ext cx="945002" cy="307777"/>
+                </a:xfrm>
+                <a:prstGeom prst="rect">
+                  <a:avLst/>
+                </a:prstGeom>
+                <a:blipFill rotWithShape="0">
+                  <a:blip r:embed="rId10"/>
+                  <a:stretch>
+                    <a:fillRect l="-9032" r="-9032" b="-35294"/>
+                  </a:stretch>
+                </a:blipFill>
+              </p:spPr>
+              <p:txBody>
+                <a:bodyPr/>
+                <a:lstStyle/>
+                <a:p>
+                  <a:r>
+                    <a:rPr lang="en-US">
+                      <a:noFill/>
+                    </a:rPr>
+                    <a:t> </a:t>
+                  </a:r>
+                </a:p>
+              </p:txBody>
+            </p:sp>
+          </mc:Fallback>
+        </mc:AlternateContent>
+        <p:grpSp>
+          <p:nvGrpSpPr>
+            <p:cNvPr id="4" name="Group 3"/>
+            <p:cNvGrpSpPr/>
+            <p:nvPr/>
+          </p:nvGrpSpPr>
+          <p:grpSpPr>
+            <a:xfrm>
+              <a:off x="9728377" y="3451056"/>
+              <a:ext cx="1515407" cy="806428"/>
+              <a:chOff x="9542295" y="4394336"/>
+              <a:chExt cx="1515407" cy="806428"/>
+            </a:xfrm>
+          </p:grpSpPr>
+          <p:grpSp>
+            <p:nvGrpSpPr>
+              <p:cNvPr id="77" name="Group 76"/>
+              <p:cNvGrpSpPr/>
+              <p:nvPr/>
+            </p:nvGrpSpPr>
+            <p:grpSpPr>
+              <a:xfrm>
+                <a:off x="9564386" y="4394336"/>
+                <a:ext cx="1493316" cy="806428"/>
+                <a:chOff x="4074160" y="1076960"/>
+                <a:chExt cx="5330628" cy="3291840"/>
+              </a:xfrm>
+            </p:grpSpPr>
+            <p:sp>
+              <p:nvSpPr>
+                <p:cNvPr id="80" name="Oval 79"/>
+                <p:cNvSpPr/>
+                <p:nvPr/>
+              </p:nvSpPr>
+              <p:spPr>
+                <a:xfrm>
+                  <a:off x="4074160" y="1076960"/>
+                  <a:ext cx="5262880" cy="3291840"/>
+                </a:xfrm>
+                <a:prstGeom prst="ellipse">
+                  <a:avLst/>
+                </a:prstGeom>
+                <a:noFill/>
+                <a:ln w="38100">
+                  <a:solidFill>
+                    <a:schemeClr val="tx1"/>
+                  </a:solidFill>
+                </a:ln>
+              </p:spPr>
+              <p:style>
+                <a:lnRef idx="2">
+                  <a:schemeClr val="accent1">
+                    <a:shade val="50000"/>
+                  </a:schemeClr>
+                </a:lnRef>
+                <a:fillRef idx="1">
+                  <a:schemeClr val="accent1"/>
+                </a:fillRef>
+                <a:effectRef idx="0">
+                  <a:schemeClr val="accent1"/>
+                </a:effectRef>
+                <a:fontRef idx="minor">
+                  <a:schemeClr val="lt1"/>
+                </a:fontRef>
+              </p:style>
+              <p:txBody>
+                <a:bodyPr rtlCol="0" anchor="ctr"/>
+                <a:lstStyle/>
+                <a:p>
+                  <a:pPr algn="ctr"/>
+                  <a:endParaRPr lang="en-US"/>
+                </a:p>
+              </p:txBody>
+            </p:sp>
+            <p:sp>
+              <p:nvSpPr>
+                <p:cNvPr id="81" name="Oval 80"/>
+                <p:cNvSpPr/>
+                <p:nvPr/>
+              </p:nvSpPr>
+              <p:spPr>
+                <a:xfrm>
+                  <a:off x="9283845" y="2662997"/>
+                  <a:ext cx="120943" cy="119766"/>
+                </a:xfrm>
+                <a:prstGeom prst="ellipse">
+                  <a:avLst/>
+                </a:prstGeom>
+                <a:solidFill>
+                  <a:schemeClr val="tx1"/>
+                </a:solidFill>
+                <a:ln w="38100">
+                  <a:solidFill>
+                    <a:schemeClr val="tx1"/>
+                  </a:solidFill>
+                </a:ln>
+              </p:spPr>
+              <p:style>
+                <a:lnRef idx="2">
+                  <a:schemeClr val="accent1">
+                    <a:shade val="50000"/>
+                  </a:schemeClr>
+                </a:lnRef>
+                <a:fillRef idx="1">
+                  <a:schemeClr val="accent1"/>
+                </a:fillRef>
+                <a:effectRef idx="0">
+                  <a:schemeClr val="accent1"/>
+                </a:effectRef>
+                <a:fontRef idx="minor">
+                  <a:schemeClr val="lt1"/>
+                </a:fontRef>
+              </p:style>
+              <p:txBody>
+                <a:bodyPr rtlCol="0" anchor="ctr"/>
+                <a:lstStyle/>
+                <a:p>
+                  <a:pPr algn="ctr"/>
+                  <a:endParaRPr lang="en-US"/>
+                </a:p>
+              </p:txBody>
+            </p:sp>
+          </p:grpSp>
+          <p:sp>
+            <p:nvSpPr>
+              <p:cNvPr id="85" name="Oval 84"/>
+              <p:cNvSpPr/>
+              <p:nvPr/>
+            </p:nvSpPr>
+            <p:spPr>
+              <a:xfrm>
+                <a:off x="9542295" y="4785380"/>
+                <a:ext cx="33881" cy="29340"/>
+              </a:xfrm>
+              <a:prstGeom prst="ellipse">
+                <a:avLst/>
+              </a:prstGeom>
+              <a:solidFill>
+                <a:schemeClr val="tx1"/>
+              </a:solidFill>
+              <a:ln w="38100">
+                <a:solidFill>
+                  <a:schemeClr val="tx1"/>
+                </a:solidFill>
+              </a:ln>
+            </p:spPr>
+            <p:style>
+              <a:lnRef idx="2">
+                <a:schemeClr val="accent1">
+                  <a:shade val="50000"/>
+                </a:schemeClr>
+              </a:lnRef>
+              <a:fillRef idx="1">
+                <a:schemeClr val="accent1"/>
+              </a:fillRef>
+              <a:effectRef idx="0">
+                <a:schemeClr val="accent1"/>
+              </a:effectRef>
+              <a:fontRef idx="minor">
+                <a:schemeClr val="lt1"/>
+              </a:fontRef>
+            </p:style>
+            <p:txBody>
+              <a:bodyPr rtlCol="0" anchor="ctr"/>
+              <a:lstStyle/>
+              <a:p>
+                <a:pPr algn="ctr"/>
+                <a:endParaRPr lang="en-US"/>
+              </a:p>
+            </p:txBody>
+          </p:sp>
+        </p:grpSp>
+        <p:pic>
+          <p:nvPicPr>
+            <p:cNvPr id="2" name="Picture 1"/>
+            <p:cNvPicPr>
+              <a:picLocks noChangeAspect="1"/>
+            </p:cNvPicPr>
+            <p:nvPr/>
+          </p:nvPicPr>
+          <p:blipFill rotWithShape="1">
+            <a:blip r:embed="rId11">
+              <a:extLst>
+                <a:ext uri="{28A0092B-C50C-407E-A947-70E740481C1C}">
+                  <a14:useLocalDpi xmlns:a14="http://schemas.microsoft.com/office/drawing/2010/main" val="0"/>
+                </a:ext>
+              </a:extLst>
+            </a:blip>
+            <a:srcRect l="23081" r="23194"/>
+            <a:stretch/>
+          </p:blipFill>
+          <p:spPr>
+            <a:xfrm>
+              <a:off x="10037760" y="3670681"/>
+              <a:ext cx="448321" cy="473284"/>
+            </a:xfrm>
+            <a:prstGeom prst="rect">
+              <a:avLst/>
+            </a:prstGeom>
+          </p:spPr>
+        </p:pic>
+        <p:pic>
+          <p:nvPicPr>
+            <p:cNvPr id="3" name="Picture 2"/>
+            <p:cNvPicPr>
+              <a:picLocks noChangeAspect="1"/>
+            </p:cNvPicPr>
+            <p:nvPr/>
+          </p:nvPicPr>
+          <p:blipFill rotWithShape="1">
+            <a:blip r:embed="rId12">
+              <a:extLst>
+                <a:ext uri="{28A0092B-C50C-407E-A947-70E740481C1C}">
+                  <a14:useLocalDpi xmlns:a14="http://schemas.microsoft.com/office/drawing/2010/main" val="0"/>
+                </a:ext>
+              </a:extLst>
+            </a:blip>
+            <a:srcRect l="20379" r="22244"/>
+            <a:stretch/>
+          </p:blipFill>
+          <p:spPr>
+            <a:xfrm>
+              <a:off x="10577473" y="3313139"/>
+              <a:ext cx="324170" cy="320444"/>
+            </a:xfrm>
+            <a:prstGeom prst="rect">
+              <a:avLst/>
+            </a:prstGeom>
+          </p:spPr>
+        </p:pic>
+      </p:grpSp>
+    </p:spTree>
+    <p:extLst>
+      <p:ext uri="{BB962C8B-B14F-4D97-AF65-F5344CB8AC3E}">
+        <p14:creationId xmlns:p14="http://schemas.microsoft.com/office/powerpoint/2010/main" val="2882239809"/>
+      </p:ext>
+    </p:extLst>
+  </p:cSld>
+  <p:clrMapOvr>
+    <a:masterClrMapping/>
+  </p:clrMapOvr>
+</p:sld>
+</file>
+
+<file path=ppt/slides/slide3.xml><?xml version="1.0" encoding="utf-8"?>
+<p:sld xmlns:a="http://schemas.openxmlformats.org/drawingml/2006/main" xmlns:r="http://schemas.openxmlformats.org/officeDocument/2006/relationships" xmlns:p="http://schemas.openxmlformats.org/presentationml/2006/main">
+  <p:cSld>
+    <p:spTree>
+      <p:nvGrpSpPr>
+        <p:cNvPr id="1" name=""/>
+        <p:cNvGrpSpPr/>
+        <p:nvPr/>
+      </p:nvGrpSpPr>
+      <p:grpSpPr>
+        <a:xfrm>
+          <a:off x="0" y="0"/>
+          <a:ext cx="0" cy="0"/>
+          <a:chOff x="0" y="0"/>
+          <a:chExt cx="0" cy="0"/>
+        </a:xfrm>
+      </p:grpSpPr>
+      <p:grpSp>
+        <p:nvGrpSpPr>
+          <p:cNvPr id="4" name="Group 3"/>
+          <p:cNvGrpSpPr/>
+          <p:nvPr/>
+        </p:nvGrpSpPr>
+        <p:grpSpPr>
+          <a:xfrm>
+            <a:off x="3254520" y="994352"/>
             <a:ext cx="5518620" cy="4137995"/>
             <a:chOff x="6405643" y="148448"/>
             <a:chExt cx="5518620" cy="4137995"/>
@@ -5391,7 +6226,7 @@
         </p:grpSpPr>
         <p:grpSp>
           <p:nvGrpSpPr>
-            <p:cNvPr id="64" name="Group 63"/>
+            <p:cNvPr id="5" name="Group 4"/>
             <p:cNvGrpSpPr/>
             <p:nvPr/>
           </p:nvGrpSpPr>
@@ -5405,7 +6240,7 @@
           </p:grpSpPr>
           <p:grpSp>
             <p:nvGrpSpPr>
-              <p:cNvPr id="58" name="Group 57"/>
+              <p:cNvPr id="8" name="Group 7"/>
               <p:cNvGrpSpPr/>
               <p:nvPr/>
             </p:nvGrpSpPr>
@@ -5419,7 +6254,7 @@
             </p:grpSpPr>
             <p:sp>
               <p:nvSpPr>
-                <p:cNvPr id="44" name="Oval 43"/>
+                <p:cNvPr id="14" name="Oval 13"/>
                 <p:cNvSpPr/>
                 <p:nvPr/>
               </p:nvSpPr>
@@ -5465,7 +6300,7 @@
             </p:sp>
             <p:sp>
               <p:nvSpPr>
-                <p:cNvPr id="56" name="Freeform 55"/>
+                <p:cNvPr id="15" name="Freeform 14"/>
                 <p:cNvSpPr/>
                 <p:nvPr/>
               </p:nvSpPr>
@@ -5615,7 +6450,7 @@
             </p:sp>
             <p:sp>
               <p:nvSpPr>
-                <p:cNvPr id="57" name="Freeform 56"/>
+                <p:cNvPr id="16" name="Freeform 15"/>
                 <p:cNvSpPr/>
                 <p:nvPr/>
               </p:nvSpPr>
@@ -5813,7 +6648,7 @@
             </p:sp>
             <p:sp>
               <p:nvSpPr>
-                <p:cNvPr id="45" name="Oval 44"/>
+                <p:cNvPr id="17" name="Oval 16"/>
                 <p:cNvSpPr/>
                 <p:nvPr/>
               </p:nvSpPr>
@@ -5862,7 +6697,7 @@
           </p:grpSp>
           <p:sp>
             <p:nvSpPr>
-              <p:cNvPr id="59" name="Arc 58"/>
+              <p:cNvPr id="9" name="Arc 8"/>
               <p:cNvSpPr/>
               <p:nvPr/>
             </p:nvSpPr>
@@ -5913,7 +6748,7 @@
             <mc:Choice Requires="a14">
               <p:sp>
                 <p:nvSpPr>
-                  <p:cNvPr id="60" name="TextBox 59"/>
+                  <p:cNvPr id="10" name="TextBox 9"/>
                   <p:cNvSpPr txBox="1"/>
                   <p:nvPr/>
                 </p:nvSpPr>
@@ -6001,7 +6836,7 @@
             <mc:Choice Requires="a14">
               <p:sp>
                 <p:nvSpPr>
-                  <p:cNvPr id="61" name="TextBox 60"/>
+                  <p:cNvPr id="11" name="TextBox 10"/>
                   <p:cNvSpPr txBox="1"/>
                   <p:nvPr/>
                 </p:nvSpPr>
@@ -6089,7 +6924,7 @@
             <mc:Choice Requires="a14">
               <p:sp>
                 <p:nvSpPr>
-                  <p:cNvPr id="62" name="TextBox 61"/>
+                  <p:cNvPr id="12" name="TextBox 11"/>
                   <p:cNvSpPr txBox="1"/>
                   <p:nvPr/>
                 </p:nvSpPr>
@@ -6177,7 +7012,7 @@
             <mc:Choice Requires="a14">
               <p:sp>
                 <p:nvSpPr>
-                  <p:cNvPr id="63" name="TextBox 62"/>
+                  <p:cNvPr id="13" name="TextBox 12"/>
                   <p:cNvSpPr txBox="1"/>
                   <p:nvPr/>
                 </p:nvSpPr>
@@ -6266,7 +7101,7 @@
           <mc:Choice Requires="a14">
             <p:sp>
               <p:nvSpPr>
-                <p:cNvPr id="65" name="TextBox 64"/>
+                <p:cNvPr id="6" name="TextBox 5"/>
                 <p:cNvSpPr txBox="1"/>
                 <p:nvPr/>
               </p:nvSpPr>
@@ -6382,7 +7217,7 @@
           <mc:Choice Requires="a14">
             <p:sp>
               <p:nvSpPr>
-                <p:cNvPr id="66" name="TextBox 65"/>
+                <p:cNvPr id="7" name="TextBox 6"/>
                 <p:cNvSpPr txBox="1"/>
                 <p:nvPr/>
               </p:nvSpPr>
@@ -6470,7 +7305,7 @@
     </p:spTree>
     <p:extLst>
       <p:ext uri="{BB962C8B-B14F-4D97-AF65-F5344CB8AC3E}">
-        <p14:creationId xmlns:p14="http://schemas.microsoft.com/office/powerpoint/2010/main" val="2882239809"/>
+        <p14:creationId xmlns:p14="http://schemas.microsoft.com/office/powerpoint/2010/main" val="720400014"/>
       </p:ext>
     </p:extLst>
   </p:cSld>
@@ -6480,7 +7315,7 @@
 </p:sld>
 </file>
 
-<file path=ppt/slides/slide3.xml><?xml version="1.0" encoding="utf-8"?>
+<file path=ppt/slides/slide4.xml><?xml version="1.0" encoding="utf-8"?>
 <p:sld xmlns:a="http://schemas.openxmlformats.org/drawingml/2006/main" xmlns:r="http://schemas.openxmlformats.org/officeDocument/2006/relationships" xmlns:p="http://schemas.openxmlformats.org/presentationml/2006/main">
   <p:cSld>
     <p:spTree>
@@ -7092,7 +7927,7 @@
                           <m:sSubPr>
                             <m:ctrlPr>
                               <a:rPr lang="en-US" sz="2000" b="0" i="1" smtClean="0">
-                                <a:latin typeface="Cambria Math" panose="02040503050406030204" pitchFamily="18" charset="0"/>
+                                <a:latin typeface="Cambria Math" charset="0"/>
                                 <a:cs typeface="Arial" panose="020B0604020202020204" pitchFamily="34" charset="0"/>
                               </a:rPr>
                             </m:ctrlPr>
@@ -7201,7 +8036,7 @@
                           <m:sSubPr>
                             <m:ctrlPr>
                               <a:rPr lang="en-US" sz="2000" b="0" i="1" smtClean="0">
-                                <a:latin typeface="Cambria Math" panose="02040503050406030204" pitchFamily="18" charset="0"/>
+                                <a:latin typeface="Cambria Math" charset="0"/>
                                 <a:cs typeface="Arial" panose="020B0604020202020204" pitchFamily="34" charset="0"/>
                               </a:rPr>
                             </m:ctrlPr>
@@ -7382,7 +8217,7 @@
                           <m:sSubPr>
                             <m:ctrlPr>
                               <a:rPr lang="en-US" sz="2000" b="0" i="1" smtClean="0">
-                                <a:latin typeface="Cambria Math" panose="02040503050406030204" pitchFamily="18" charset="0"/>
+                                <a:latin typeface="Cambria Math" charset="0"/>
                                 <a:cs typeface="Arial" panose="020B0604020202020204" pitchFamily="34" charset="0"/>
                               </a:rPr>
                             </m:ctrlPr>
@@ -7393,7 +8228,7 @@
                                 <m:chr m:val="⃗"/>
                                 <m:ctrlPr>
                                   <a:rPr lang="en-US" sz="2000" b="0" i="1" smtClean="0">
-                                    <a:latin typeface="Cambria Math" panose="02040503050406030204" pitchFamily="18" charset="0"/>
+                                    <a:latin typeface="Cambria Math" charset="0"/>
                                     <a:cs typeface="Arial" panose="020B0604020202020204" pitchFamily="34" charset="0"/>
                                   </a:rPr>
                                 </m:ctrlPr>
@@ -7504,7 +8339,7 @@
                           <m:sSubPr>
                             <m:ctrlPr>
                               <a:rPr lang="en-US" sz="2000" b="0" i="1" smtClean="0">
-                                <a:latin typeface="Cambria Math" panose="02040503050406030204" pitchFamily="18" charset="0"/>
+                                <a:latin typeface="Cambria Math" charset="0"/>
                                 <a:cs typeface="Arial" panose="020B0604020202020204" pitchFamily="34" charset="0"/>
                               </a:rPr>
                             </m:ctrlPr>
@@ -7515,7 +8350,7 @@
                                 <m:chr m:val="⃗"/>
                                 <m:ctrlPr>
                                   <a:rPr lang="en-US" sz="2000" b="0" i="1" smtClean="0">
-                                    <a:latin typeface="Cambria Math" panose="02040503050406030204" pitchFamily="18" charset="0"/>
+                                    <a:latin typeface="Cambria Math" charset="0"/>
                                     <a:cs typeface="Arial" panose="020B0604020202020204" pitchFamily="34" charset="0"/>
                                   </a:rPr>
                                 </m:ctrlPr>
@@ -7626,7 +8461,7 @@
                           <m:sSubPr>
                             <m:ctrlPr>
                               <a:rPr lang="en-US" sz="2000" b="0" i="1" smtClean="0">
-                                <a:latin typeface="Cambria Math" panose="02040503050406030204" pitchFamily="18" charset="0"/>
+                                <a:latin typeface="Cambria Math" charset="0"/>
                                 <a:cs typeface="Arial" panose="020B0604020202020204" pitchFamily="34" charset="0"/>
                               </a:rPr>
                             </m:ctrlPr>
@@ -7637,7 +8472,7 @@
                                 <m:chr m:val="⃗"/>
                                 <m:ctrlPr>
                                   <a:rPr lang="en-US" sz="2000" b="0" i="1" smtClean="0">
-                                    <a:latin typeface="Cambria Math" panose="02040503050406030204" pitchFamily="18" charset="0"/>
+                                    <a:latin typeface="Cambria Math" charset="0"/>
                                     <a:cs typeface="Arial" panose="020B0604020202020204" pitchFamily="34" charset="0"/>
                                   </a:rPr>
                                 </m:ctrlPr>
@@ -7787,7 +8622,7 @@
                                 <a:solidFill>
                                   <a:srgbClr val="FF0000"/>
                                 </a:solidFill>
-                                <a:latin typeface="Cambria Math" panose="02040503050406030204" pitchFamily="18" charset="0"/>
+                                <a:latin typeface="Cambria Math" charset="0"/>
                                 <a:cs typeface="Arial" panose="020B0604020202020204" pitchFamily="34" charset="0"/>
                               </a:rPr>
                             </m:ctrlPr>
@@ -7801,7 +8636,7 @@
                                     <a:solidFill>
                                       <a:srgbClr val="FF0000"/>
                                     </a:solidFill>
-                                    <a:latin typeface="Cambria Math" panose="02040503050406030204" pitchFamily="18" charset="0"/>
+                                    <a:latin typeface="Cambria Math" charset="0"/>
                                     <a:cs typeface="Arial" panose="020B0604020202020204" pitchFamily="34" charset="0"/>
                                   </a:rPr>
                                 </m:ctrlPr>
@@ -7957,7 +8792,7 @@
                           <m:sSubPr>
                             <m:ctrlPr>
                               <a:rPr lang="en-US" sz="2000" b="0" i="1" smtClean="0">
-                                <a:latin typeface="Cambria Math" panose="02040503050406030204" pitchFamily="18" charset="0"/>
+                                <a:latin typeface="Cambria Math" charset="0"/>
                                 <a:cs typeface="Arial" panose="020B0604020202020204" pitchFamily="34" charset="0"/>
                               </a:rPr>
                             </m:ctrlPr>
@@ -7968,7 +8803,7 @@
                                 <m:chr m:val="̂"/>
                                 <m:ctrlPr>
                                   <a:rPr lang="en-US" sz="2000" b="0" i="1" smtClean="0">
-                                    <a:latin typeface="Cambria Math" panose="02040503050406030204" pitchFamily="18" charset="0"/>
+                                    <a:latin typeface="Cambria Math" charset="0"/>
                                     <a:cs typeface="Arial" panose="020B0604020202020204" pitchFamily="34" charset="0"/>
                                   </a:rPr>
                                 </m:ctrlPr>
@@ -8053,7 +8888,7 @@
         </p:nvGrpSpPr>
         <p:grpSpPr>
           <a:xfrm>
-            <a:off x="7605346" y="288596"/>
+            <a:off x="8429805" y="32555"/>
             <a:ext cx="3931311" cy="4113371"/>
             <a:chOff x="7605346" y="288596"/>
             <a:chExt cx="3931311" cy="4113371"/>
@@ -8758,7 +9593,7 @@
                                 <m:sSubPr>
                                   <m:ctrlPr>
                                     <a:rPr lang="en-US" sz="2000" b="0" i="1" smtClean="0">
-                                      <a:latin typeface="Cambria Math" panose="02040503050406030204" pitchFamily="18" charset="0"/>
+                                      <a:latin typeface="Cambria Math" charset="0"/>
                                       <a:cs typeface="Arial" panose="020B0604020202020204" pitchFamily="34" charset="0"/>
                                     </a:rPr>
                                   </m:ctrlPr>
@@ -8769,7 +9604,7 @@
                                       <m:chr m:val="⃗"/>
                                       <m:ctrlPr>
                                         <a:rPr lang="en-US" sz="2000" b="0" i="1" smtClean="0">
-                                          <a:latin typeface="Cambria Math" panose="02040503050406030204" pitchFamily="18" charset="0"/>
+                                          <a:latin typeface="Cambria Math" charset="0"/>
                                           <a:cs typeface="Arial" panose="020B0604020202020204" pitchFamily="34" charset="0"/>
                                         </a:rPr>
                                       </m:ctrlPr>
@@ -8880,7 +9715,7 @@
                                 <m:sSubPr>
                                   <m:ctrlPr>
                                     <a:rPr lang="en-US" sz="2000" b="0" i="1" smtClean="0">
-                                      <a:latin typeface="Cambria Math" panose="02040503050406030204" pitchFamily="18" charset="0"/>
+                                      <a:latin typeface="Cambria Math" charset="0"/>
                                       <a:cs typeface="Arial" panose="020B0604020202020204" pitchFamily="34" charset="0"/>
                                     </a:rPr>
                                   </m:ctrlPr>
@@ -8891,7 +9726,7 @@
                                       <m:chr m:val="⃗"/>
                                       <m:ctrlPr>
                                         <a:rPr lang="en-US" sz="2000" b="0" i="1" smtClean="0">
-                                          <a:latin typeface="Cambria Math" panose="02040503050406030204" pitchFamily="18" charset="0"/>
+                                          <a:latin typeface="Cambria Math" charset="0"/>
                                           <a:cs typeface="Arial" panose="020B0604020202020204" pitchFamily="34" charset="0"/>
                                         </a:rPr>
                                       </m:ctrlPr>
@@ -9003,7 +9838,7 @@
                                   <m:chr m:val="⃗"/>
                                   <m:ctrlPr>
                                     <a:rPr lang="en-US" sz="2000" b="0" i="1" smtClean="0">
-                                      <a:latin typeface="Cambria Math" panose="02040503050406030204" pitchFamily="18" charset="0"/>
+                                      <a:latin typeface="Cambria Math" charset="0"/>
                                       <a:cs typeface="Arial" panose="020B0604020202020204" pitchFamily="34" charset="0"/>
                                     </a:rPr>
                                   </m:ctrlPr>
@@ -9104,7 +9939,7 @@
                                   <m:chr m:val="⃗"/>
                                   <m:ctrlPr>
                                     <a:rPr lang="en-US" sz="2000" b="0" i="1" smtClean="0">
-                                      <a:latin typeface="Cambria Math" panose="02040503050406030204" pitchFamily="18" charset="0"/>
+                                      <a:latin typeface="Cambria Math" charset="0"/>
                                       <a:cs typeface="Arial" panose="020B0604020202020204" pitchFamily="34" charset="0"/>
                                     </a:rPr>
                                   </m:ctrlPr>
@@ -9253,7 +10088,7 @@
                                   <m:chr m:val="⃗"/>
                                   <m:ctrlPr>
                                     <a:rPr lang="en-US" sz="2000" b="0" i="1" smtClean="0">
-                                      <a:latin typeface="Cambria Math" panose="02040503050406030204" pitchFamily="18" charset="0"/>
+                                      <a:latin typeface="Cambria Math" charset="0"/>
                                       <a:cs typeface="Arial" panose="020B0604020202020204" pitchFamily="34" charset="0"/>
                                     </a:rPr>
                                   </m:ctrlPr>
@@ -9588,101 +10423,343 @@
       </p:grpSp>
       <p:grpSp>
         <p:nvGrpSpPr>
-          <p:cNvPr id="21" name="Group 20"/>
+          <p:cNvPr id="28" name="Group 27"/>
           <p:cNvGrpSpPr/>
           <p:nvPr/>
         </p:nvGrpSpPr>
         <p:grpSpPr>
           <a:xfrm>
-            <a:off x="975117" y="3466061"/>
-            <a:ext cx="5830479" cy="3201062"/>
-            <a:chOff x="975117" y="3466061"/>
-            <a:chExt cx="5830479" cy="3201062"/>
+            <a:off x="589206" y="3383675"/>
+            <a:ext cx="7066837" cy="3383925"/>
+            <a:chOff x="589206" y="3383675"/>
+            <a:chExt cx="7066837" cy="3383925"/>
           </a:xfrm>
         </p:grpSpPr>
         <p:grpSp>
           <p:nvGrpSpPr>
-            <p:cNvPr id="18" name="Group 17"/>
+            <p:cNvPr id="21" name="Group 20"/>
             <p:cNvGrpSpPr/>
             <p:nvPr/>
           </p:nvGrpSpPr>
           <p:grpSpPr>
             <a:xfrm>
-              <a:off x="975117" y="3466061"/>
-              <a:ext cx="5830479" cy="3201062"/>
-              <a:chOff x="975117" y="3466061"/>
-              <a:chExt cx="5830479" cy="3201062"/>
+              <a:off x="589206" y="3383675"/>
+              <a:ext cx="6659617" cy="3383925"/>
+              <a:chOff x="3143906" y="3466061"/>
+              <a:chExt cx="6659617" cy="3383925"/>
             </a:xfrm>
           </p:grpSpPr>
           <p:grpSp>
             <p:nvGrpSpPr>
-              <p:cNvPr id="184" name="Group 183"/>
+              <p:cNvPr id="18" name="Group 17"/>
               <p:cNvGrpSpPr/>
               <p:nvPr/>
             </p:nvGrpSpPr>
             <p:grpSpPr>
               <a:xfrm>
                 <a:off x="3143906" y="3466061"/>
-                <a:ext cx="3661690" cy="3201062"/>
-                <a:chOff x="2802070" y="2713455"/>
-                <a:chExt cx="3661690" cy="3201062"/>
+                <a:ext cx="6112787" cy="3201062"/>
+                <a:chOff x="3143906" y="3466061"/>
+                <a:chExt cx="6112787" cy="3201062"/>
               </a:xfrm>
             </p:grpSpPr>
             <p:grpSp>
               <p:nvGrpSpPr>
-                <p:cNvPr id="84" name="Group 83"/>
+                <p:cNvPr id="184" name="Group 183"/>
                 <p:cNvGrpSpPr/>
                 <p:nvPr/>
               </p:nvGrpSpPr>
               <p:grpSpPr>
                 <a:xfrm>
-                  <a:off x="2802070" y="2713455"/>
+                  <a:off x="3143906" y="3466061"/>
                   <a:ext cx="3661690" cy="3201062"/>
-                  <a:chOff x="4932484" y="1383652"/>
+                  <a:chOff x="2802070" y="2713455"/>
                   <a:chExt cx="3661690" cy="3201062"/>
                 </a:xfrm>
               </p:grpSpPr>
               <p:grpSp>
                 <p:nvGrpSpPr>
-                  <p:cNvPr id="85" name="Group 84"/>
+                  <p:cNvPr id="84" name="Group 83"/>
                   <p:cNvGrpSpPr/>
                   <p:nvPr/>
                 </p:nvGrpSpPr>
                 <p:grpSpPr>
                   <a:xfrm>
-                    <a:off x="4932484" y="1724150"/>
-                    <a:ext cx="3661690" cy="2860564"/>
-                    <a:chOff x="4932484" y="2706209"/>
-                    <a:chExt cx="3661690" cy="2860564"/>
+                    <a:off x="2802070" y="2713455"/>
+                    <a:ext cx="3661690" cy="3201062"/>
+                    <a:chOff x="4932484" y="1383652"/>
+                    <a:chExt cx="3661690" cy="3201062"/>
                   </a:xfrm>
                 </p:grpSpPr>
                 <p:grpSp>
                   <p:nvGrpSpPr>
-                    <p:cNvPr id="88" name="Group 87"/>
+                    <p:cNvPr id="85" name="Group 84"/>
                     <p:cNvGrpSpPr/>
                     <p:nvPr/>
                   </p:nvGrpSpPr>
                   <p:grpSpPr>
                     <a:xfrm>
-                      <a:off x="4932484" y="2805310"/>
-                      <a:ext cx="2380310" cy="2365130"/>
-                      <a:chOff x="5099538" y="1274206"/>
-                      <a:chExt cx="2380310" cy="2365130"/>
+                      <a:off x="4932484" y="1724150"/>
+                      <a:ext cx="3661690" cy="2860564"/>
+                      <a:chOff x="4932484" y="2706209"/>
+                      <a:chExt cx="3661690" cy="2860564"/>
                     </a:xfrm>
                   </p:grpSpPr>
+                  <p:grpSp>
+                    <p:nvGrpSpPr>
+                      <p:cNvPr id="88" name="Group 87"/>
+                      <p:cNvGrpSpPr/>
+                      <p:nvPr/>
+                    </p:nvGrpSpPr>
+                    <p:grpSpPr>
+                      <a:xfrm>
+                        <a:off x="4932484" y="2805310"/>
+                        <a:ext cx="2380310" cy="2365130"/>
+                        <a:chOff x="5099538" y="1274206"/>
+                        <a:chExt cx="2380310" cy="2365130"/>
+                      </a:xfrm>
+                    </p:grpSpPr>
+                    <p:sp>
+                      <p:nvSpPr>
+                        <p:cNvPr id="103" name="Oval 102"/>
+                        <p:cNvSpPr/>
+                        <p:nvPr/>
+                      </p:nvSpPr>
+                      <p:spPr>
+                        <a:xfrm>
+                          <a:off x="5099539" y="1274206"/>
+                          <a:ext cx="2365130" cy="2365130"/>
+                        </a:xfrm>
+                        <a:prstGeom prst="ellipse">
+                          <a:avLst/>
+                        </a:prstGeom>
+                        <a:noFill/>
+                        <a:ln w="38100">
+                          <a:solidFill>
+                            <a:schemeClr val="tx1"/>
+                          </a:solidFill>
+                        </a:ln>
+                      </p:spPr>
+                      <p:style>
+                        <a:lnRef idx="2">
+                          <a:schemeClr val="accent1">
+                            <a:shade val="50000"/>
+                          </a:schemeClr>
+                        </a:lnRef>
+                        <a:fillRef idx="1">
+                          <a:schemeClr val="accent1"/>
+                        </a:fillRef>
+                        <a:effectRef idx="0">
+                          <a:schemeClr val="accent1"/>
+                        </a:effectRef>
+                        <a:fontRef idx="minor">
+                          <a:schemeClr val="lt1"/>
+                        </a:fontRef>
+                      </p:style>
+                      <p:txBody>
+                        <a:bodyPr rtlCol="0" anchor="ctr"/>
+                        <a:lstStyle/>
+                        <a:p>
+                          <a:pPr algn="ctr"/>
+                          <a:endParaRPr lang="en-US"/>
+                        </a:p>
+                      </p:txBody>
+                    </p:sp>
+                    <p:sp>
+                      <p:nvSpPr>
+                        <p:cNvPr id="105" name="Oval 104"/>
+                        <p:cNvSpPr/>
+                        <p:nvPr/>
+                      </p:nvSpPr>
+                      <p:spPr>
+                        <a:xfrm>
+                          <a:off x="7358905" y="1882532"/>
+                          <a:ext cx="120943" cy="119766"/>
+                        </a:xfrm>
+                        <a:prstGeom prst="ellipse">
+                          <a:avLst/>
+                        </a:prstGeom>
+                        <a:solidFill>
+                          <a:schemeClr val="tx1"/>
+                        </a:solidFill>
+                        <a:ln w="38100">
+                          <a:solidFill>
+                            <a:schemeClr val="tx1"/>
+                          </a:solidFill>
+                        </a:ln>
+                      </p:spPr>
+                      <p:style>
+                        <a:lnRef idx="2">
+                          <a:schemeClr val="accent1">
+                            <a:shade val="50000"/>
+                          </a:schemeClr>
+                        </a:lnRef>
+                        <a:fillRef idx="1">
+                          <a:schemeClr val="accent1"/>
+                        </a:fillRef>
+                        <a:effectRef idx="0">
+                          <a:schemeClr val="accent1"/>
+                        </a:effectRef>
+                        <a:fontRef idx="minor">
+                          <a:schemeClr val="lt1"/>
+                        </a:fontRef>
+                      </p:style>
+                      <p:txBody>
+                        <a:bodyPr rtlCol="0" anchor="ctr"/>
+                        <a:lstStyle/>
+                        <a:p>
+                          <a:pPr algn="ctr"/>
+                          <a:endParaRPr lang="en-US"/>
+                        </a:p>
+                      </p:txBody>
+                    </p:sp>
+                    <p:sp>
+                      <p:nvSpPr>
+                        <p:cNvPr id="106" name="Arc 105"/>
+                        <p:cNvSpPr/>
+                        <p:nvPr/>
+                      </p:nvSpPr>
+                      <p:spPr>
+                        <a:xfrm>
+                          <a:off x="5099538" y="2333845"/>
+                          <a:ext cx="2365130" cy="402721"/>
+                        </a:xfrm>
+                        <a:prstGeom prst="arc">
+                          <a:avLst>
+                            <a:gd name="adj1" fmla="val 31471"/>
+                            <a:gd name="adj2" fmla="val 10840678"/>
+                          </a:avLst>
+                        </a:prstGeom>
+                        <a:ln w="38100">
+                          <a:solidFill>
+                            <a:schemeClr val="tx1"/>
+                          </a:solidFill>
+                        </a:ln>
+                      </p:spPr>
+                      <p:style>
+                        <a:lnRef idx="1">
+                          <a:schemeClr val="accent1"/>
+                        </a:lnRef>
+                        <a:fillRef idx="0">
+                          <a:schemeClr val="accent1"/>
+                        </a:fillRef>
+                        <a:effectRef idx="0">
+                          <a:schemeClr val="accent1"/>
+                        </a:effectRef>
+                        <a:fontRef idx="minor">
+                          <a:schemeClr val="tx1"/>
+                        </a:fontRef>
+                      </p:style>
+                      <p:txBody>
+                        <a:bodyPr rtlCol="0" anchor="ctr"/>
+                        <a:lstStyle/>
+                        <a:p>
+                          <a:pPr algn="ctr"/>
+                          <a:endParaRPr lang="en-US"/>
+                        </a:p>
+                      </p:txBody>
+                    </p:sp>
+                    <p:sp>
+                      <p:nvSpPr>
+                        <p:cNvPr id="107" name="Arc 106"/>
+                        <p:cNvSpPr/>
+                        <p:nvPr/>
+                      </p:nvSpPr>
+                      <p:spPr>
+                        <a:xfrm>
+                          <a:off x="5099538" y="2318331"/>
+                          <a:ext cx="2365130" cy="402721"/>
+                        </a:xfrm>
+                        <a:prstGeom prst="arc">
+                          <a:avLst>
+                            <a:gd name="adj1" fmla="val 10819517"/>
+                            <a:gd name="adj2" fmla="val 21596417"/>
+                          </a:avLst>
+                        </a:prstGeom>
+                        <a:ln w="38100">
+                          <a:solidFill>
+                            <a:schemeClr val="tx1"/>
+                          </a:solidFill>
+                          <a:prstDash val="sysDash"/>
+                        </a:ln>
+                      </p:spPr>
+                      <p:style>
+                        <a:lnRef idx="1">
+                          <a:schemeClr val="accent1"/>
+                        </a:lnRef>
+                        <a:fillRef idx="0">
+                          <a:schemeClr val="accent1"/>
+                        </a:fillRef>
+                        <a:effectRef idx="0">
+                          <a:schemeClr val="accent1"/>
+                        </a:effectRef>
+                        <a:fontRef idx="minor">
+                          <a:schemeClr val="tx1"/>
+                        </a:fontRef>
+                      </p:style>
+                      <p:txBody>
+                        <a:bodyPr rtlCol="0" anchor="ctr"/>
+                        <a:lstStyle/>
+                        <a:p>
+                          <a:pPr algn="ctr"/>
+                          <a:endParaRPr lang="en-US"/>
+                        </a:p>
+                      </p:txBody>
+                    </p:sp>
+                  </p:grpSp>
+                  <p:cxnSp>
+                    <p:nvCxnSpPr>
+                      <p:cNvPr id="89" name="Straight Connector 88"/>
+                      <p:cNvCxnSpPr/>
+                      <p:nvPr/>
+                    </p:nvCxnSpPr>
+                    <p:spPr>
+                      <a:xfrm flipH="1">
+                        <a:off x="6100201" y="2789796"/>
+                        <a:ext cx="14849" cy="2776977"/>
+                      </a:xfrm>
+                      <a:prstGeom prst="line">
+                        <a:avLst/>
+                      </a:prstGeom>
+                      <a:ln w="19050">
+                        <a:solidFill>
+                          <a:schemeClr val="tx1"/>
+                        </a:solidFill>
+                        <a:prstDash val="sysDot"/>
+                      </a:ln>
+                    </p:spPr>
+                    <p:style>
+                      <a:lnRef idx="1">
+                        <a:schemeClr val="accent1"/>
+                      </a:lnRef>
+                      <a:fillRef idx="0">
+                        <a:schemeClr val="accent1"/>
+                      </a:fillRef>
+                      <a:effectRef idx="0">
+                        <a:schemeClr val="accent1"/>
+                      </a:effectRef>
+                      <a:fontRef idx="minor">
+                        <a:schemeClr val="tx1"/>
+                      </a:fontRef>
+                    </p:style>
+                  </p:cxnSp>
                   <p:sp>
                     <p:nvSpPr>
-                      <p:cNvPr id="103" name="Oval 102"/>
+                      <p:cNvPr id="90" name="Curved Left Arrow 89"/>
                       <p:cNvSpPr/>
                       <p:nvPr/>
                     </p:nvSpPr>
                     <p:spPr>
-                      <a:xfrm>
-                        <a:off x="5099539" y="1274206"/>
-                        <a:ext cx="2365130" cy="2365130"/>
+                      <a:xfrm flipV="1">
+                        <a:off x="5816948" y="5334127"/>
+                        <a:ext cx="731520" cy="215464"/>
                       </a:xfrm>
-                      <a:prstGeom prst="ellipse">
-                        <a:avLst/>
+                      <a:prstGeom prst="curvedLeftArrow">
+                        <a:avLst>
+                          <a:gd name="adj1" fmla="val 13562"/>
+                          <a:gd name="adj2" fmla="val 31562"/>
+                          <a:gd name="adj3" fmla="val 19346"/>
+                        </a:avLst>
                       </a:prstGeom>
                       <a:noFill/>
                       <a:ln w="38100">
@@ -9712,19 +10789,23 @@
                       <a:lstStyle/>
                       <a:p>
                         <a:pPr algn="ctr"/>
-                        <a:endParaRPr lang="en-US"/>
+                        <a:endParaRPr lang="en-US">
+                          <a:solidFill>
+                            <a:schemeClr val="tx1"/>
+                          </a:solidFill>
+                        </a:endParaRPr>
                       </a:p>
                     </p:txBody>
                   </p:sp>
                   <p:sp>
                     <p:nvSpPr>
-                      <p:cNvPr id="105" name="Oval 104"/>
+                      <p:cNvPr id="91" name="Oval 90"/>
                       <p:cNvSpPr/>
                       <p:nvPr/>
                     </p:nvSpPr>
                     <p:spPr>
                       <a:xfrm>
-                        <a:off x="7358905" y="1882532"/>
+                        <a:off x="8083769" y="3413636"/>
                         <a:ext cx="120943" cy="119766"/>
                       </a:xfrm>
                       <a:prstGeom prst="ellipse">
@@ -9764,27 +10845,25 @@
                       </a:p>
                     </p:txBody>
                   </p:sp>
-                  <p:sp>
-                    <p:nvSpPr>
-                      <p:cNvPr id="106" name="Arc 105"/>
-                      <p:cNvSpPr/>
+                  <p:cxnSp>
+                    <p:nvCxnSpPr>
+                      <p:cNvPr id="92" name="Straight Arrow Connector 91"/>
+                      <p:cNvCxnSpPr/>
                       <p:nvPr/>
-                    </p:nvSpPr>
+                    </p:nvCxnSpPr>
                     <p:spPr>
-                      <a:xfrm>
-                        <a:off x="5099538" y="2333845"/>
-                        <a:ext cx="2365130" cy="402721"/>
+                      <a:xfrm flipH="1">
+                        <a:off x="7613049" y="3515818"/>
+                        <a:ext cx="483566" cy="252059"/>
                       </a:xfrm>
-                      <a:prstGeom prst="arc">
-                        <a:avLst>
-                          <a:gd name="adj1" fmla="val 31471"/>
-                          <a:gd name="adj2" fmla="val 10840678"/>
-                        </a:avLst>
+                      <a:prstGeom prst="straightConnector1">
+                        <a:avLst/>
                       </a:prstGeom>
                       <a:ln w="38100">
                         <a:solidFill>
                           <a:schemeClr val="tx1"/>
                         </a:solidFill>
+                        <a:tailEnd type="triangle"/>
                       </a:ln>
                     </p:spPr>
                     <p:style>
@@ -9801,37 +10880,26 @@
                         <a:schemeClr val="tx1"/>
                       </a:fontRef>
                     </p:style>
-                    <p:txBody>
-                      <a:bodyPr rtlCol="0" anchor="ctr"/>
-                      <a:lstStyle/>
-                      <a:p>
-                        <a:pPr algn="ctr"/>
-                        <a:endParaRPr lang="en-US"/>
-                      </a:p>
-                    </p:txBody>
-                  </p:sp>
-                  <p:sp>
-                    <p:nvSpPr>
-                      <p:cNvPr id="107" name="Arc 106"/>
-                      <p:cNvSpPr/>
+                  </p:cxnSp>
+                  <p:cxnSp>
+                    <p:nvCxnSpPr>
+                      <p:cNvPr id="93" name="Straight Arrow Connector 92"/>
+                      <p:cNvCxnSpPr/>
                       <p:nvPr/>
-                    </p:nvSpPr>
+                    </p:nvCxnSpPr>
                     <p:spPr>
-                      <a:xfrm>
-                        <a:off x="5099538" y="2318331"/>
-                        <a:ext cx="2365130" cy="402721"/>
+                      <a:xfrm flipV="1">
+                        <a:off x="8172978" y="3108156"/>
+                        <a:ext cx="249355" cy="333041"/>
                       </a:xfrm>
-                      <a:prstGeom prst="arc">
-                        <a:avLst>
-                          <a:gd name="adj1" fmla="val 10819517"/>
-                          <a:gd name="adj2" fmla="val 21596417"/>
-                        </a:avLst>
+                      <a:prstGeom prst="straightConnector1">
+                        <a:avLst/>
                       </a:prstGeom>
                       <a:ln w="38100">
                         <a:solidFill>
                           <a:schemeClr val="tx1"/>
                         </a:solidFill>
-                        <a:prstDash val="sysDash"/>
+                        <a:tailEnd type="triangle"/>
                       </a:ln>
                     </p:spPr>
                     <p:style>
@@ -9848,238 +10916,392 @@
                         <a:schemeClr val="tx1"/>
                       </a:fontRef>
                     </p:style>
+                  </p:cxnSp>
+                  <mc:AlternateContent xmlns:mc="http://schemas.openxmlformats.org/markup-compatibility/2006" xmlns:a14="http://schemas.microsoft.com/office/drawing/2010/main">
+                    <mc:Choice Requires="a14">
+                      <p:sp>
+                        <p:nvSpPr>
+                          <p:cNvPr id="98" name="TextBox 97"/>
+                          <p:cNvSpPr txBox="1"/>
+                          <p:nvPr/>
+                        </p:nvSpPr>
+                        <p:spPr>
+                          <a:xfrm>
+                            <a:off x="7823872" y="3644376"/>
+                            <a:ext cx="303865" cy="377219"/>
+                          </a:xfrm>
+                          <a:prstGeom prst="rect">
+                            <a:avLst/>
+                          </a:prstGeom>
+                          <a:noFill/>
+                        </p:spPr>
+                        <p:txBody>
+                          <a:bodyPr wrap="none" lIns="0" tIns="0" rIns="0" bIns="0" rtlCol="0">
+                            <a:spAutoFit/>
+                          </a:bodyPr>
+                          <a:lstStyle/>
+                          <a:p>
+                            <a:pPr/>
+                            <a14:m>
+                              <m:oMathPara xmlns:m="http://schemas.openxmlformats.org/officeDocument/2006/math">
+                                <m:oMathParaPr>
+                                  <m:jc m:val="centerGroup"/>
+                                </m:oMathParaPr>
+                                <m:oMath xmlns:m="http://schemas.openxmlformats.org/officeDocument/2006/math">
+                                  <m:sSub>
+                                    <m:sSubPr>
+                                      <m:ctrlPr>
+                                        <a:rPr lang="en-US" sz="2000" b="0" i="1" smtClean="0">
+                                          <a:latin typeface="Cambria Math" charset="0"/>
+                                          <a:cs typeface="Arial" panose="020B0604020202020204" pitchFamily="34" charset="0"/>
+                                        </a:rPr>
+                                      </m:ctrlPr>
+                                    </m:sSubPr>
+                                    <m:e>
+                                      <m:acc>
+                                        <m:accPr>
+                                          <m:chr m:val="⃗"/>
+                                          <m:ctrlPr>
+                                            <a:rPr lang="en-US" sz="2000" b="0" i="1" smtClean="0">
+                                              <a:latin typeface="Cambria Math" charset="0"/>
+                                              <a:cs typeface="Arial" panose="020B0604020202020204" pitchFamily="34" charset="0"/>
+                                            </a:rPr>
+                                          </m:ctrlPr>
+                                        </m:accPr>
+                                        <m:e>
+                                          <m:r>
+                                            <a:rPr lang="en-US" sz="2000" b="0" i="1" smtClean="0">
+                                              <a:latin typeface="Cambria Math" panose="02040503050406030204" pitchFamily="18" charset="0"/>
+                                              <a:cs typeface="Arial" panose="020B0604020202020204" pitchFamily="34" charset="0"/>
+                                            </a:rPr>
+                                            <m:t>𝐹</m:t>
+                                          </m:r>
+                                        </m:e>
+                                      </m:acc>
+                                    </m:e>
+                                    <m:sub>
+                                      <m:r>
+                                        <a:rPr lang="en-US" sz="2000" b="0" i="1" smtClean="0">
+                                          <a:latin typeface="Cambria Math" panose="02040503050406030204" pitchFamily="18" charset="0"/>
+                                          <a:cs typeface="Arial" panose="020B0604020202020204" pitchFamily="34" charset="0"/>
+                                        </a:rPr>
+                                        <m:t>𝑔</m:t>
+                                      </m:r>
+                                    </m:sub>
+                                  </m:sSub>
+                                </m:oMath>
+                              </m:oMathPara>
+                            </a14:m>
+                            <a:endParaRPr lang="en-US" sz="2000" dirty="0" smtClean="0">
+                              <a:latin typeface="Arial" panose="020B0604020202020204" pitchFamily="34" charset="0"/>
+                              <a:cs typeface="Arial" panose="020B0604020202020204" pitchFamily="34" charset="0"/>
+                            </a:endParaRPr>
+                          </a:p>
+                        </p:txBody>
+                      </p:sp>
+                    </mc:Choice>
+                    <mc:Fallback xmlns="">
+                      <p:sp>
+                        <p:nvSpPr>
+                          <p:cNvPr id="98" name="TextBox 97"/>
+                          <p:cNvSpPr txBox="1">
+                            <a:spLocks noRot="1" noChangeAspect="1" noMove="1" noResize="1" noEditPoints="1" noAdjustHandles="1" noChangeArrowheads="1" noChangeShapeType="1" noTextEdit="1"/>
+                          </p:cNvSpPr>
+                          <p:nvPr/>
+                        </p:nvSpPr>
+                        <p:spPr>
+                          <a:xfrm>
+                            <a:off x="7823872" y="3644376"/>
+                            <a:ext cx="303865" cy="377219"/>
+                          </a:xfrm>
+                          <a:prstGeom prst="rect">
+                            <a:avLst/>
+                          </a:prstGeom>
+                          <a:blipFill>
+                            <a:blip r:embed="rId20"/>
+                            <a:stretch>
+                              <a:fillRect l="-16000" t="-30645" r="-72000" b="-17742"/>
+                            </a:stretch>
+                          </a:blipFill>
+                        </p:spPr>
+                        <p:txBody>
+                          <a:bodyPr/>
+                          <a:lstStyle/>
+                          <a:p>
+                            <a:r>
+                              <a:rPr lang="en-US">
+                                <a:noFill/>
+                              </a:rPr>
+                              <a:t> </a:t>
+                            </a:r>
+                          </a:p>
+                        </p:txBody>
+                      </p:sp>
+                    </mc:Fallback>
+                  </mc:AlternateContent>
+                  <mc:AlternateContent xmlns:mc="http://schemas.openxmlformats.org/markup-compatibility/2006" xmlns:a14="http://schemas.microsoft.com/office/drawing/2010/main">
+                    <mc:Choice Requires="a14">
+                      <p:sp>
+                        <p:nvSpPr>
+                          <p:cNvPr id="99" name="TextBox 98"/>
+                          <p:cNvSpPr txBox="1"/>
+                          <p:nvPr/>
+                        </p:nvSpPr>
+                        <p:spPr>
+                          <a:xfrm>
+                            <a:off x="8365714" y="3272205"/>
+                            <a:ext cx="228460" cy="345159"/>
+                          </a:xfrm>
+                          <a:prstGeom prst="rect">
+                            <a:avLst/>
+                          </a:prstGeom>
+                          <a:noFill/>
+                        </p:spPr>
+                        <p:txBody>
+                          <a:bodyPr wrap="none" lIns="0" tIns="0" rIns="0" bIns="0" rtlCol="0">
+                            <a:spAutoFit/>
+                          </a:bodyPr>
+                          <a:lstStyle/>
+                          <a:p>
+                            <a:pPr/>
+                            <a14:m>
+                              <m:oMathPara xmlns:m="http://schemas.openxmlformats.org/officeDocument/2006/math">
+                                <m:oMathParaPr>
+                                  <m:jc m:val="centerGroup"/>
+                                </m:oMathParaPr>
+                                <m:oMath xmlns:m="http://schemas.openxmlformats.org/officeDocument/2006/math">
+                                  <m:acc>
+                                    <m:accPr>
+                                      <m:chr m:val="⃗"/>
+                                      <m:ctrlPr>
+                                        <a:rPr lang="en-US" sz="2000" b="0" i="1" smtClean="0">
+                                          <a:latin typeface="Cambria Math" charset="0"/>
+                                          <a:cs typeface="Arial" panose="020B0604020202020204" pitchFamily="34" charset="0"/>
+                                        </a:rPr>
+                                      </m:ctrlPr>
+                                    </m:accPr>
+                                    <m:e>
+                                      <m:r>
+                                        <a:rPr lang="en-US" sz="2000" b="0" i="1" smtClean="0">
+                                          <a:latin typeface="Cambria Math" panose="02040503050406030204" pitchFamily="18" charset="0"/>
+                                          <a:cs typeface="Arial" panose="020B0604020202020204" pitchFamily="34" charset="0"/>
+                                        </a:rPr>
+                                        <m:t>𝑇</m:t>
+                                      </m:r>
+                                    </m:e>
+                                  </m:acc>
+                                </m:oMath>
+                              </m:oMathPara>
+                            </a14:m>
+                            <a:endParaRPr lang="en-US" sz="2000" dirty="0" smtClean="0">
+                              <a:latin typeface="Arial" panose="020B0604020202020204" pitchFamily="34" charset="0"/>
+                              <a:cs typeface="Arial" panose="020B0604020202020204" pitchFamily="34" charset="0"/>
+                            </a:endParaRPr>
+                          </a:p>
+                        </p:txBody>
+                      </p:sp>
+                    </mc:Choice>
+                    <mc:Fallback xmlns="">
+                      <p:sp>
+                        <p:nvSpPr>
+                          <p:cNvPr id="99" name="TextBox 98"/>
+                          <p:cNvSpPr txBox="1">
+                            <a:spLocks noRot="1" noChangeAspect="1" noMove="1" noResize="1" noEditPoints="1" noAdjustHandles="1" noChangeArrowheads="1" noChangeShapeType="1" noTextEdit="1"/>
+                          </p:cNvSpPr>
+                          <p:nvPr/>
+                        </p:nvSpPr>
+                        <p:spPr>
+                          <a:xfrm>
+                            <a:off x="8365714" y="3272205"/>
+                            <a:ext cx="228460" cy="345159"/>
+                          </a:xfrm>
+                          <a:prstGeom prst="rect">
+                            <a:avLst/>
+                          </a:prstGeom>
+                          <a:blipFill>
+                            <a:blip r:embed="rId21"/>
+                            <a:stretch>
+                              <a:fillRect l="-21053" r="-21053" b="-8772"/>
+                            </a:stretch>
+                          </a:blipFill>
+                        </p:spPr>
+                        <p:txBody>
+                          <a:bodyPr/>
+                          <a:lstStyle/>
+                          <a:p>
+                            <a:r>
+                              <a:rPr lang="en-US">
+                                <a:noFill/>
+                              </a:rPr>
+                              <a:t> </a:t>
+                            </a:r>
+                          </a:p>
+                        </p:txBody>
+                      </p:sp>
+                    </mc:Fallback>
+                  </mc:AlternateContent>
+                  <p:sp>
+                    <p:nvSpPr>
+                      <p:cNvPr id="101" name="Right Arrow 100"/>
+                      <p:cNvSpPr/>
+                      <p:nvPr/>
+                    </p:nvSpPr>
+                    <p:spPr>
+                      <a:xfrm rot="10800000">
+                        <a:off x="7452306" y="3022235"/>
+                        <a:ext cx="700928" cy="118979"/>
+                      </a:xfrm>
+                      <a:prstGeom prst="rightArrow">
+                        <a:avLst/>
+                      </a:prstGeom>
+                      <a:solidFill>
+                        <a:schemeClr val="tx1"/>
+                      </a:solidFill>
+                      <a:ln w="38100">
+                        <a:solidFill>
+                          <a:schemeClr val="tx1"/>
+                        </a:solidFill>
+                      </a:ln>
+                    </p:spPr>
+                    <p:style>
+                      <a:lnRef idx="2">
+                        <a:schemeClr val="accent1">
+                          <a:shade val="50000"/>
+                        </a:schemeClr>
+                      </a:lnRef>
+                      <a:fillRef idx="1">
+                        <a:schemeClr val="accent1"/>
+                      </a:fillRef>
+                      <a:effectRef idx="0">
+                        <a:schemeClr val="accent1"/>
+                      </a:effectRef>
+                      <a:fontRef idx="minor">
+                        <a:schemeClr val="lt1"/>
+                      </a:fontRef>
+                    </p:style>
                     <p:txBody>
                       <a:bodyPr rtlCol="0" anchor="ctr"/>
                       <a:lstStyle/>
                       <a:p>
                         <a:pPr algn="ctr"/>
-                        <a:endParaRPr lang="en-US"/>
+                        <a:endParaRPr lang="en-US" dirty="0"/>
                       </a:p>
                     </p:txBody>
                   </p:sp>
+                  <mc:AlternateContent xmlns:mc="http://schemas.openxmlformats.org/markup-compatibility/2006" xmlns:a14="http://schemas.microsoft.com/office/drawing/2010/main">
+                    <mc:Choice Requires="a14">
+                      <p:sp>
+                        <p:nvSpPr>
+                          <p:cNvPr id="102" name="TextBox 101"/>
+                          <p:cNvSpPr txBox="1"/>
+                          <p:nvPr/>
+                        </p:nvSpPr>
+                        <p:spPr>
+                          <a:xfrm>
+                            <a:off x="7704790" y="2706209"/>
+                            <a:ext cx="219483" cy="307777"/>
+                          </a:xfrm>
+                          <a:prstGeom prst="rect">
+                            <a:avLst/>
+                          </a:prstGeom>
+                          <a:noFill/>
+                        </p:spPr>
+                        <p:txBody>
+                          <a:bodyPr wrap="none" lIns="0" tIns="0" rIns="0" bIns="0" rtlCol="0">
+                            <a:spAutoFit/>
+                          </a:bodyPr>
+                          <a:lstStyle/>
+                          <a:p>
+                            <a:pPr/>
+                            <a14:m>
+                              <m:oMathPara xmlns:m="http://schemas.openxmlformats.org/officeDocument/2006/math">
+                                <m:oMathParaPr>
+                                  <m:jc m:val="centerGroup"/>
+                                </m:oMathParaPr>
+                                <m:oMath xmlns:m="http://schemas.openxmlformats.org/officeDocument/2006/math">
+                                  <m:acc>
+                                    <m:accPr>
+                                      <m:chr m:val="⃗"/>
+                                      <m:ctrlPr>
+                                        <a:rPr lang="en-US" sz="2000" b="0" i="1" smtClean="0">
+                                          <a:latin typeface="Cambria Math" charset="0"/>
+                                          <a:cs typeface="Arial" panose="020B0604020202020204" pitchFamily="34" charset="0"/>
+                                        </a:rPr>
+                                      </m:ctrlPr>
+                                    </m:accPr>
+                                    <m:e>
+                                      <m:r>
+                                        <a:rPr lang="en-US" sz="2000" b="0" i="1" smtClean="0">
+                                          <a:latin typeface="Cambria Math" panose="02040503050406030204" pitchFamily="18" charset="0"/>
+                                          <a:cs typeface="Arial" panose="020B0604020202020204" pitchFamily="34" charset="0"/>
+                                        </a:rPr>
+                                        <m:t>𝑎</m:t>
+                                      </m:r>
+                                    </m:e>
+                                  </m:acc>
+                                </m:oMath>
+                              </m:oMathPara>
+                            </a14:m>
+                            <a:endParaRPr lang="en-US" sz="2000" dirty="0" smtClean="0">
+                              <a:latin typeface="Arial" panose="020B0604020202020204" pitchFamily="34" charset="0"/>
+                              <a:cs typeface="Arial" panose="020B0604020202020204" pitchFamily="34" charset="0"/>
+                            </a:endParaRPr>
+                          </a:p>
+                        </p:txBody>
+                      </p:sp>
+                    </mc:Choice>
+                    <mc:Fallback xmlns="">
+                      <p:sp>
+                        <p:nvSpPr>
+                          <p:cNvPr id="102" name="TextBox 101"/>
+                          <p:cNvSpPr txBox="1">
+                            <a:spLocks noRot="1" noChangeAspect="1" noMove="1" noResize="1" noEditPoints="1" noAdjustHandles="1" noChangeArrowheads="1" noChangeShapeType="1" noTextEdit="1"/>
+                          </p:cNvSpPr>
+                          <p:nvPr/>
+                        </p:nvSpPr>
+                        <p:spPr>
+                          <a:xfrm>
+                            <a:off x="7704790" y="2706209"/>
+                            <a:ext cx="219483" cy="307777"/>
+                          </a:xfrm>
+                          <a:prstGeom prst="rect">
+                            <a:avLst/>
+                          </a:prstGeom>
+                          <a:blipFill>
+                            <a:blip r:embed="rId22"/>
+                            <a:stretch>
+                              <a:fillRect l="-22222" t="-33333" r="-91667" b="-5882"/>
+                            </a:stretch>
+                          </a:blipFill>
+                        </p:spPr>
+                        <p:txBody>
+                          <a:bodyPr/>
+                          <a:lstStyle/>
+                          <a:p>
+                            <a:r>
+                              <a:rPr lang="en-US">
+                                <a:noFill/>
+                              </a:rPr>
+                              <a:t> </a:t>
+                            </a:r>
+                          </a:p>
+                        </p:txBody>
+                      </p:sp>
+                    </mc:Fallback>
+                  </mc:AlternateContent>
                 </p:grpSp>
-                <p:cxnSp>
-                  <p:nvCxnSpPr>
-                    <p:cNvPr id="89" name="Straight Connector 88"/>
-                    <p:cNvCxnSpPr/>
-                    <p:nvPr/>
-                  </p:nvCxnSpPr>
-                  <p:spPr>
-                    <a:xfrm flipH="1">
-                      <a:off x="6100201" y="2789796"/>
-                      <a:ext cx="14849" cy="2776977"/>
-                    </a:xfrm>
-                    <a:prstGeom prst="line">
-                      <a:avLst/>
-                    </a:prstGeom>
-                    <a:ln w="19050">
-                      <a:solidFill>
-                        <a:schemeClr val="tx1"/>
-                      </a:solidFill>
-                      <a:prstDash val="sysDot"/>
-                    </a:ln>
-                  </p:spPr>
-                  <p:style>
-                    <a:lnRef idx="1">
-                      <a:schemeClr val="accent1"/>
-                    </a:lnRef>
-                    <a:fillRef idx="0">
-                      <a:schemeClr val="accent1"/>
-                    </a:fillRef>
-                    <a:effectRef idx="0">
-                      <a:schemeClr val="accent1"/>
-                    </a:effectRef>
-                    <a:fontRef idx="minor">
-                      <a:schemeClr val="tx1"/>
-                    </a:fontRef>
-                  </p:style>
-                </p:cxnSp>
-                <p:sp>
-                  <p:nvSpPr>
-                    <p:cNvPr id="90" name="Curved Left Arrow 89"/>
-                    <p:cNvSpPr/>
-                    <p:nvPr/>
-                  </p:nvSpPr>
-                  <p:spPr>
-                    <a:xfrm flipV="1">
-                      <a:off x="5816948" y="5334127"/>
-                      <a:ext cx="731520" cy="215464"/>
-                    </a:xfrm>
-                    <a:prstGeom prst="curvedLeftArrow">
-                      <a:avLst>
-                        <a:gd name="adj1" fmla="val 13562"/>
-                        <a:gd name="adj2" fmla="val 31562"/>
-                        <a:gd name="adj3" fmla="val 19346"/>
-                      </a:avLst>
-                    </a:prstGeom>
-                    <a:noFill/>
-                    <a:ln w="38100">
-                      <a:solidFill>
-                        <a:schemeClr val="tx1"/>
-                      </a:solidFill>
-                    </a:ln>
-                  </p:spPr>
-                  <p:style>
-                    <a:lnRef idx="2">
-                      <a:schemeClr val="accent1">
-                        <a:shade val="50000"/>
-                      </a:schemeClr>
-                    </a:lnRef>
-                    <a:fillRef idx="1">
-                      <a:schemeClr val="accent1"/>
-                    </a:fillRef>
-                    <a:effectRef idx="0">
-                      <a:schemeClr val="accent1"/>
-                    </a:effectRef>
-                    <a:fontRef idx="minor">
-                      <a:schemeClr val="lt1"/>
-                    </a:fontRef>
-                  </p:style>
-                  <p:txBody>
-                    <a:bodyPr rtlCol="0" anchor="ctr"/>
-                    <a:lstStyle/>
-                    <a:p>
-                      <a:pPr algn="ctr"/>
-                      <a:endParaRPr lang="en-US">
-                        <a:solidFill>
-                          <a:schemeClr val="tx1"/>
-                        </a:solidFill>
-                      </a:endParaRPr>
-                    </a:p>
-                  </p:txBody>
-                </p:sp>
-                <p:sp>
-                  <p:nvSpPr>
-                    <p:cNvPr id="91" name="Oval 90"/>
-                    <p:cNvSpPr/>
-                    <p:nvPr/>
-                  </p:nvSpPr>
-                  <p:spPr>
-                    <a:xfrm>
-                      <a:off x="8083769" y="3413636"/>
-                      <a:ext cx="120943" cy="119766"/>
-                    </a:xfrm>
-                    <a:prstGeom prst="ellipse">
-                      <a:avLst/>
-                    </a:prstGeom>
-                    <a:solidFill>
-                      <a:schemeClr val="tx1"/>
-                    </a:solidFill>
-                    <a:ln w="38100">
-                      <a:solidFill>
-                        <a:schemeClr val="tx1"/>
-                      </a:solidFill>
-                    </a:ln>
-                  </p:spPr>
-                  <p:style>
-                    <a:lnRef idx="2">
-                      <a:schemeClr val="accent1">
-                        <a:shade val="50000"/>
-                      </a:schemeClr>
-                    </a:lnRef>
-                    <a:fillRef idx="1">
-                      <a:schemeClr val="accent1"/>
-                    </a:fillRef>
-                    <a:effectRef idx="0">
-                      <a:schemeClr val="accent1"/>
-                    </a:effectRef>
-                    <a:fontRef idx="minor">
-                      <a:schemeClr val="lt1"/>
-                    </a:fontRef>
-                  </p:style>
-                  <p:txBody>
-                    <a:bodyPr rtlCol="0" anchor="ctr"/>
-                    <a:lstStyle/>
-                    <a:p>
-                      <a:pPr algn="ctr"/>
-                      <a:endParaRPr lang="en-US"/>
-                    </a:p>
-                  </p:txBody>
-                </p:sp>
-                <p:cxnSp>
-                  <p:nvCxnSpPr>
-                    <p:cNvPr id="92" name="Straight Arrow Connector 91"/>
-                    <p:cNvCxnSpPr/>
-                    <p:nvPr/>
-                  </p:nvCxnSpPr>
-                  <p:spPr>
-                    <a:xfrm flipH="1">
-                      <a:off x="7613049" y="3515818"/>
-                      <a:ext cx="483566" cy="252059"/>
-                    </a:xfrm>
-                    <a:prstGeom prst="straightConnector1">
-                      <a:avLst/>
-                    </a:prstGeom>
-                    <a:ln w="38100">
-                      <a:solidFill>
-                        <a:schemeClr val="tx1"/>
-                      </a:solidFill>
-                      <a:tailEnd type="triangle"/>
-                    </a:ln>
-                  </p:spPr>
-                  <p:style>
-                    <a:lnRef idx="1">
-                      <a:schemeClr val="accent1"/>
-                    </a:lnRef>
-                    <a:fillRef idx="0">
-                      <a:schemeClr val="accent1"/>
-                    </a:fillRef>
-                    <a:effectRef idx="0">
-                      <a:schemeClr val="accent1"/>
-                    </a:effectRef>
-                    <a:fontRef idx="minor">
-                      <a:schemeClr val="tx1"/>
-                    </a:fontRef>
-                  </p:style>
-                </p:cxnSp>
-                <p:cxnSp>
-                  <p:nvCxnSpPr>
-                    <p:cNvPr id="93" name="Straight Arrow Connector 92"/>
-                    <p:cNvCxnSpPr/>
-                    <p:nvPr/>
-                  </p:nvCxnSpPr>
-                  <p:spPr>
-                    <a:xfrm flipV="1">
-                      <a:off x="8172978" y="3108156"/>
-                      <a:ext cx="249355" cy="333041"/>
-                    </a:xfrm>
-                    <a:prstGeom prst="straightConnector1">
-                      <a:avLst/>
-                    </a:prstGeom>
-                    <a:ln w="38100">
-                      <a:solidFill>
-                        <a:schemeClr val="tx1"/>
-                      </a:solidFill>
-                      <a:tailEnd type="triangle"/>
-                    </a:ln>
-                  </p:spPr>
-                  <p:style>
-                    <a:lnRef idx="1">
-                      <a:schemeClr val="accent1"/>
-                    </a:lnRef>
-                    <a:fillRef idx="0">
-                      <a:schemeClr val="accent1"/>
-                    </a:fillRef>
-                    <a:effectRef idx="0">
-                      <a:schemeClr val="accent1"/>
-                    </a:effectRef>
-                    <a:fontRef idx="minor">
-                      <a:schemeClr val="tx1"/>
-                    </a:fontRef>
-                  </p:style>
-                </p:cxnSp>
                 <mc:AlternateContent xmlns:mc="http://schemas.openxmlformats.org/markup-compatibility/2006" xmlns:a14="http://schemas.microsoft.com/office/drawing/2010/main">
                   <mc:Choice Requires="a14">
                     <p:sp>
                       <p:nvSpPr>
-                        <p:cNvPr id="98" name="TextBox 97"/>
+                        <p:cNvPr id="87" name="TextBox 86"/>
                         <p:cNvSpPr txBox="1"/>
                         <p:nvPr/>
                       </p:nvSpPr>
                       <p:spPr>
                         <a:xfrm>
-                          <a:off x="7823872" y="3644376"/>
-                          <a:ext cx="303865" cy="377219"/>
+                          <a:off x="5809631" y="1383652"/>
+                          <a:ext cx="563488" cy="307777"/>
                         </a:xfrm>
                         <a:prstGeom prst="rect">
                           <a:avLst/>
@@ -10099,47 +11321,13 @@
                                 <m:jc m:val="centerGroup"/>
                               </m:oMathParaPr>
                               <m:oMath xmlns:m="http://schemas.openxmlformats.org/officeDocument/2006/math">
-                                <m:sSub>
-                                  <m:sSubPr>
-                                    <m:ctrlPr>
-                                      <a:rPr lang="en-US" sz="2000" b="0" i="1" smtClean="0">
-                                        <a:latin typeface="Cambria Math" panose="02040503050406030204" pitchFamily="18" charset="0"/>
-                                        <a:cs typeface="Arial" panose="020B0604020202020204" pitchFamily="34" charset="0"/>
-                                      </a:rPr>
-                                    </m:ctrlPr>
-                                  </m:sSubPr>
-                                  <m:e>
-                                    <m:acc>
-                                      <m:accPr>
-                                        <m:chr m:val="⃗"/>
-                                        <m:ctrlPr>
-                                          <a:rPr lang="en-US" sz="2000" b="0" i="1" smtClean="0">
-                                            <a:latin typeface="Cambria Math" panose="02040503050406030204" pitchFamily="18" charset="0"/>
-                                            <a:cs typeface="Arial" panose="020B0604020202020204" pitchFamily="34" charset="0"/>
-                                          </a:rPr>
-                                        </m:ctrlPr>
-                                      </m:accPr>
-                                      <m:e>
-                                        <m:r>
-                                          <a:rPr lang="en-US" sz="2000" b="0" i="1" smtClean="0">
-                                            <a:latin typeface="Cambria Math" panose="02040503050406030204" pitchFamily="18" charset="0"/>
-                                            <a:cs typeface="Arial" panose="020B0604020202020204" pitchFamily="34" charset="0"/>
-                                          </a:rPr>
-                                          <m:t>𝐹</m:t>
-                                        </m:r>
-                                      </m:e>
-                                    </m:acc>
-                                  </m:e>
-                                  <m:sub>
-                                    <m:r>
-                                      <a:rPr lang="en-US" sz="2000" b="0" i="1" smtClean="0">
-                                        <a:latin typeface="Cambria Math" panose="02040503050406030204" pitchFamily="18" charset="0"/>
-                                        <a:cs typeface="Arial" panose="020B0604020202020204" pitchFamily="34" charset="0"/>
-                                      </a:rPr>
-                                      <m:t>𝑔</m:t>
-                                    </m:r>
-                                  </m:sub>
-                                </m:sSub>
+                                <m:r>
+                                  <a:rPr lang="en-US" sz="2000" b="0" i="1" smtClean="0">
+                                    <a:latin typeface="Cambria Math" panose="02040503050406030204" pitchFamily="18" charset="0"/>
+                                    <a:cs typeface="Arial" panose="020B0604020202020204" pitchFamily="34" charset="0"/>
+                                  </a:rPr>
+                                  <m:t>𝑝𝑜𝑙𝑒</m:t>
+                                </m:r>
                               </m:oMath>
                             </m:oMathPara>
                           </a14:m>
@@ -10154,7 +11342,7 @@
                   <mc:Fallback xmlns="">
                     <p:sp>
                       <p:nvSpPr>
-                        <p:cNvPr id="98" name="TextBox 97"/>
+                        <p:cNvPr id="87" name="TextBox 86"/>
                         <p:cNvSpPr txBox="1">
                           <a:spLocks noRot="1" noChangeAspect="1" noMove="1" noResize="1" noEditPoints="1" noAdjustHandles="1" noChangeArrowheads="1" noChangeShapeType="1" noTextEdit="1"/>
                         </p:cNvSpPr>
@@ -10162,266 +11350,16 @@
                       </p:nvSpPr>
                       <p:spPr>
                         <a:xfrm>
-                          <a:off x="7823872" y="3644376"/>
-                          <a:ext cx="303865" cy="377219"/>
+                          <a:off x="5809631" y="1383652"/>
+                          <a:ext cx="563488" cy="307777"/>
                         </a:xfrm>
                         <a:prstGeom prst="rect">
                           <a:avLst/>
                         </a:prstGeom>
                         <a:blipFill>
-                          <a:blip r:embed="rId20"/>
+                          <a:blip r:embed="rId23"/>
                           <a:stretch>
-                            <a:fillRect l="-16000" t="-30645" r="-72000" b="-17742"/>
-                          </a:stretch>
-                        </a:blipFill>
-                      </p:spPr>
-                      <p:txBody>
-                        <a:bodyPr/>
-                        <a:lstStyle/>
-                        <a:p>
-                          <a:r>
-                            <a:rPr lang="en-US">
-                              <a:noFill/>
-                            </a:rPr>
-                            <a:t> </a:t>
-                          </a:r>
-                        </a:p>
-                      </p:txBody>
-                    </p:sp>
-                  </mc:Fallback>
-                </mc:AlternateContent>
-                <mc:AlternateContent xmlns:mc="http://schemas.openxmlformats.org/markup-compatibility/2006" xmlns:a14="http://schemas.microsoft.com/office/drawing/2010/main">
-                  <mc:Choice Requires="a14">
-                    <p:sp>
-                      <p:nvSpPr>
-                        <p:cNvPr id="99" name="TextBox 98"/>
-                        <p:cNvSpPr txBox="1"/>
-                        <p:nvPr/>
-                      </p:nvSpPr>
-                      <p:spPr>
-                        <a:xfrm>
-                          <a:off x="8365714" y="3272205"/>
-                          <a:ext cx="228460" cy="345159"/>
-                        </a:xfrm>
-                        <a:prstGeom prst="rect">
-                          <a:avLst/>
-                        </a:prstGeom>
-                        <a:noFill/>
-                      </p:spPr>
-                      <p:txBody>
-                        <a:bodyPr wrap="none" lIns="0" tIns="0" rIns="0" bIns="0" rtlCol="0">
-                          <a:spAutoFit/>
-                        </a:bodyPr>
-                        <a:lstStyle/>
-                        <a:p>
-                          <a:pPr/>
-                          <a14:m>
-                            <m:oMathPara xmlns:m="http://schemas.openxmlformats.org/officeDocument/2006/math">
-                              <m:oMathParaPr>
-                                <m:jc m:val="centerGroup"/>
-                              </m:oMathParaPr>
-                              <m:oMath xmlns:m="http://schemas.openxmlformats.org/officeDocument/2006/math">
-                                <m:acc>
-                                  <m:accPr>
-                                    <m:chr m:val="⃗"/>
-                                    <m:ctrlPr>
-                                      <a:rPr lang="en-US" sz="2000" b="0" i="1" smtClean="0">
-                                        <a:latin typeface="Cambria Math" panose="02040503050406030204" pitchFamily="18" charset="0"/>
-                                        <a:cs typeface="Arial" panose="020B0604020202020204" pitchFamily="34" charset="0"/>
-                                      </a:rPr>
-                                    </m:ctrlPr>
-                                  </m:accPr>
-                                  <m:e>
-                                    <m:r>
-                                      <a:rPr lang="en-US" sz="2000" b="0" i="1" smtClean="0">
-                                        <a:latin typeface="Cambria Math" panose="02040503050406030204" pitchFamily="18" charset="0"/>
-                                        <a:cs typeface="Arial" panose="020B0604020202020204" pitchFamily="34" charset="0"/>
-                                      </a:rPr>
-                                      <m:t>𝑇</m:t>
-                                    </m:r>
-                                  </m:e>
-                                </m:acc>
-                              </m:oMath>
-                            </m:oMathPara>
-                          </a14:m>
-                          <a:endParaRPr lang="en-US" sz="2000" dirty="0" smtClean="0">
-                            <a:latin typeface="Arial" panose="020B0604020202020204" pitchFamily="34" charset="0"/>
-                            <a:cs typeface="Arial" panose="020B0604020202020204" pitchFamily="34" charset="0"/>
-                          </a:endParaRPr>
-                        </a:p>
-                      </p:txBody>
-                    </p:sp>
-                  </mc:Choice>
-                  <mc:Fallback xmlns="">
-                    <p:sp>
-                      <p:nvSpPr>
-                        <p:cNvPr id="99" name="TextBox 98"/>
-                        <p:cNvSpPr txBox="1">
-                          <a:spLocks noRot="1" noChangeAspect="1" noMove="1" noResize="1" noEditPoints="1" noAdjustHandles="1" noChangeArrowheads="1" noChangeShapeType="1" noTextEdit="1"/>
-                        </p:cNvSpPr>
-                        <p:nvPr/>
-                      </p:nvSpPr>
-                      <p:spPr>
-                        <a:xfrm>
-                          <a:off x="8365714" y="3272205"/>
-                          <a:ext cx="228460" cy="345159"/>
-                        </a:xfrm>
-                        <a:prstGeom prst="rect">
-                          <a:avLst/>
-                        </a:prstGeom>
-                        <a:blipFill>
-                          <a:blip r:embed="rId21"/>
-                          <a:stretch>
-                            <a:fillRect l="-21053" r="-21053" b="-8772"/>
-                          </a:stretch>
-                        </a:blipFill>
-                      </p:spPr>
-                      <p:txBody>
-                        <a:bodyPr/>
-                        <a:lstStyle/>
-                        <a:p>
-                          <a:r>
-                            <a:rPr lang="en-US">
-                              <a:noFill/>
-                            </a:rPr>
-                            <a:t> </a:t>
-                          </a:r>
-                        </a:p>
-                      </p:txBody>
-                    </p:sp>
-                  </mc:Fallback>
-                </mc:AlternateContent>
-                <p:sp>
-                  <p:nvSpPr>
-                    <p:cNvPr id="101" name="Right Arrow 100"/>
-                    <p:cNvSpPr/>
-                    <p:nvPr/>
-                  </p:nvSpPr>
-                  <p:spPr>
-                    <a:xfrm rot="10800000">
-                      <a:off x="7452306" y="3022235"/>
-                      <a:ext cx="700928" cy="118979"/>
-                    </a:xfrm>
-                    <a:prstGeom prst="rightArrow">
-                      <a:avLst/>
-                    </a:prstGeom>
-                    <a:solidFill>
-                      <a:schemeClr val="tx1"/>
-                    </a:solidFill>
-                    <a:ln w="38100">
-                      <a:solidFill>
-                        <a:schemeClr val="tx1"/>
-                      </a:solidFill>
-                    </a:ln>
-                  </p:spPr>
-                  <p:style>
-                    <a:lnRef idx="2">
-                      <a:schemeClr val="accent1">
-                        <a:shade val="50000"/>
-                      </a:schemeClr>
-                    </a:lnRef>
-                    <a:fillRef idx="1">
-                      <a:schemeClr val="accent1"/>
-                    </a:fillRef>
-                    <a:effectRef idx="0">
-                      <a:schemeClr val="accent1"/>
-                    </a:effectRef>
-                    <a:fontRef idx="minor">
-                      <a:schemeClr val="lt1"/>
-                    </a:fontRef>
-                  </p:style>
-                  <p:txBody>
-                    <a:bodyPr rtlCol="0" anchor="ctr"/>
-                    <a:lstStyle/>
-                    <a:p>
-                      <a:pPr algn="ctr"/>
-                      <a:endParaRPr lang="en-US" dirty="0"/>
-                    </a:p>
-                  </p:txBody>
-                </p:sp>
-                <mc:AlternateContent xmlns:mc="http://schemas.openxmlformats.org/markup-compatibility/2006" xmlns:a14="http://schemas.microsoft.com/office/drawing/2010/main">
-                  <mc:Choice Requires="a14">
-                    <p:sp>
-                      <p:nvSpPr>
-                        <p:cNvPr id="102" name="TextBox 101"/>
-                        <p:cNvSpPr txBox="1"/>
-                        <p:nvPr/>
-                      </p:nvSpPr>
-                      <p:spPr>
-                        <a:xfrm>
-                          <a:off x="7704790" y="2706209"/>
-                          <a:ext cx="219483" cy="307777"/>
-                        </a:xfrm>
-                        <a:prstGeom prst="rect">
-                          <a:avLst/>
-                        </a:prstGeom>
-                        <a:noFill/>
-                      </p:spPr>
-                      <p:txBody>
-                        <a:bodyPr wrap="none" lIns="0" tIns="0" rIns="0" bIns="0" rtlCol="0">
-                          <a:spAutoFit/>
-                        </a:bodyPr>
-                        <a:lstStyle/>
-                        <a:p>
-                          <a:pPr/>
-                          <a14:m>
-                            <m:oMathPara xmlns:m="http://schemas.openxmlformats.org/officeDocument/2006/math">
-                              <m:oMathParaPr>
-                                <m:jc m:val="centerGroup"/>
-                              </m:oMathParaPr>
-                              <m:oMath xmlns:m="http://schemas.openxmlformats.org/officeDocument/2006/math">
-                                <m:acc>
-                                  <m:accPr>
-                                    <m:chr m:val="⃗"/>
-                                    <m:ctrlPr>
-                                      <a:rPr lang="en-US" sz="2000" b="0" i="1" smtClean="0">
-                                        <a:latin typeface="Cambria Math" panose="02040503050406030204" pitchFamily="18" charset="0"/>
-                                        <a:cs typeface="Arial" panose="020B0604020202020204" pitchFamily="34" charset="0"/>
-                                      </a:rPr>
-                                    </m:ctrlPr>
-                                  </m:accPr>
-                                  <m:e>
-                                    <m:r>
-                                      <a:rPr lang="en-US" sz="2000" b="0" i="1" smtClean="0">
-                                        <a:latin typeface="Cambria Math" panose="02040503050406030204" pitchFamily="18" charset="0"/>
-                                        <a:cs typeface="Arial" panose="020B0604020202020204" pitchFamily="34" charset="0"/>
-                                      </a:rPr>
-                                      <m:t>𝑎</m:t>
-                                    </m:r>
-                                  </m:e>
-                                </m:acc>
-                              </m:oMath>
-                            </m:oMathPara>
-                          </a14:m>
-                          <a:endParaRPr lang="en-US" sz="2000" dirty="0" smtClean="0">
-                            <a:latin typeface="Arial" panose="020B0604020202020204" pitchFamily="34" charset="0"/>
-                            <a:cs typeface="Arial" panose="020B0604020202020204" pitchFamily="34" charset="0"/>
-                          </a:endParaRPr>
-                        </a:p>
-                      </p:txBody>
-                    </p:sp>
-                  </mc:Choice>
-                  <mc:Fallback xmlns="">
-                    <p:sp>
-                      <p:nvSpPr>
-                        <p:cNvPr id="102" name="TextBox 101"/>
-                        <p:cNvSpPr txBox="1">
-                          <a:spLocks noRot="1" noChangeAspect="1" noMove="1" noResize="1" noEditPoints="1" noAdjustHandles="1" noChangeArrowheads="1" noChangeShapeType="1" noTextEdit="1"/>
-                        </p:cNvSpPr>
-                        <p:nvPr/>
-                      </p:nvSpPr>
-                      <p:spPr>
-                        <a:xfrm>
-                          <a:off x="7704790" y="2706209"/>
-                          <a:ext cx="219483" cy="307777"/>
-                        </a:xfrm>
-                        <a:prstGeom prst="rect">
-                          <a:avLst/>
-                        </a:prstGeom>
-                        <a:blipFill>
-                          <a:blip r:embed="rId22"/>
-                          <a:stretch>
-                            <a:fillRect l="-22222" t="-33333" r="-91667" b="-5882"/>
+                            <a:fillRect l="-15217" r="-13043" b="-38000"/>
                           </a:stretch>
                         </a:blipFill>
                       </p:spPr>
@@ -10441,18 +11379,183 @@
                   </mc:Fallback>
                 </mc:AlternateContent>
               </p:grpSp>
+              <p:sp>
+                <p:nvSpPr>
+                  <p:cNvPr id="115" name="Arc 114"/>
+                  <p:cNvSpPr/>
+                  <p:nvPr/>
+                </p:nvSpPr>
+                <p:spPr>
+                  <a:xfrm>
+                    <a:off x="2916847" y="3705225"/>
+                    <a:ext cx="2120801" cy="268934"/>
+                  </a:xfrm>
+                  <a:prstGeom prst="arc">
+                    <a:avLst>
+                      <a:gd name="adj1" fmla="val 10819517"/>
+                      <a:gd name="adj2" fmla="val 21596417"/>
+                    </a:avLst>
+                  </a:prstGeom>
+                  <a:ln w="19050">
+                    <a:solidFill>
+                      <a:schemeClr val="tx1"/>
+                    </a:solidFill>
+                    <a:prstDash val="sysDash"/>
+                  </a:ln>
+                </p:spPr>
+                <p:style>
+                  <a:lnRef idx="1">
+                    <a:schemeClr val="accent1"/>
+                  </a:lnRef>
+                  <a:fillRef idx="0">
+                    <a:schemeClr val="accent1"/>
+                  </a:fillRef>
+                  <a:effectRef idx="0">
+                    <a:schemeClr val="accent1"/>
+                  </a:effectRef>
+                  <a:fontRef idx="minor">
+                    <a:schemeClr val="tx1"/>
+                  </a:fontRef>
+                </p:style>
+                <p:txBody>
+                  <a:bodyPr rtlCol="0" anchor="ctr"/>
+                  <a:lstStyle/>
+                  <a:p>
+                    <a:pPr algn="ctr"/>
+                    <a:endParaRPr lang="en-US"/>
+                  </a:p>
+                </p:txBody>
+              </p:sp>
+              <p:sp>
+                <p:nvSpPr>
+                  <p:cNvPr id="116" name="Arc 115"/>
+                  <p:cNvSpPr/>
+                  <p:nvPr/>
+                </p:nvSpPr>
+                <p:spPr>
+                  <a:xfrm>
+                    <a:off x="2933137" y="3709283"/>
+                    <a:ext cx="2120801" cy="268934"/>
+                  </a:xfrm>
+                  <a:prstGeom prst="arc">
+                    <a:avLst>
+                      <a:gd name="adj1" fmla="val 31471"/>
+                      <a:gd name="adj2" fmla="val 10840678"/>
+                    </a:avLst>
+                  </a:prstGeom>
+                  <a:ln w="19050">
+                    <a:solidFill>
+                      <a:schemeClr val="tx1"/>
+                    </a:solidFill>
+                  </a:ln>
+                </p:spPr>
+                <p:style>
+                  <a:lnRef idx="1">
+                    <a:schemeClr val="accent1"/>
+                  </a:lnRef>
+                  <a:fillRef idx="0">
+                    <a:schemeClr val="accent1"/>
+                  </a:fillRef>
+                  <a:effectRef idx="0">
+                    <a:schemeClr val="accent1"/>
+                  </a:effectRef>
+                  <a:fontRef idx="minor">
+                    <a:schemeClr val="tx1"/>
+                  </a:fontRef>
+                </p:style>
+                <p:txBody>
+                  <a:bodyPr rtlCol="0" anchor="ctr"/>
+                  <a:lstStyle/>
+                  <a:p>
+                    <a:pPr algn="ctr"/>
+                    <a:endParaRPr lang="en-US"/>
+                  </a:p>
+                </p:txBody>
+              </p:sp>
+              <p:cxnSp>
+                <p:nvCxnSpPr>
+                  <p:cNvPr id="177" name="Straight Connector 176"/>
+                  <p:cNvCxnSpPr/>
+                  <p:nvPr/>
+                </p:nvCxnSpPr>
+                <p:spPr>
+                  <a:xfrm flipV="1">
+                    <a:off x="3969787" y="3877177"/>
+                    <a:ext cx="1100827" cy="512056"/>
+                  </a:xfrm>
+                  <a:prstGeom prst="line">
+                    <a:avLst/>
+                  </a:prstGeom>
+                  <a:ln w="19050">
+                    <a:solidFill>
+                      <a:schemeClr val="tx1"/>
+                    </a:solidFill>
+                    <a:prstDash val="sysDot"/>
+                  </a:ln>
+                </p:spPr>
+                <p:style>
+                  <a:lnRef idx="1">
+                    <a:schemeClr val="accent1"/>
+                  </a:lnRef>
+                  <a:fillRef idx="0">
+                    <a:schemeClr val="accent1"/>
+                  </a:fillRef>
+                  <a:effectRef idx="0">
+                    <a:schemeClr val="accent1"/>
+                  </a:effectRef>
+                  <a:fontRef idx="minor">
+                    <a:schemeClr val="tx1"/>
+                  </a:fontRef>
+                </p:style>
+              </p:cxnSp>
+              <p:cxnSp>
+                <p:nvCxnSpPr>
+                  <p:cNvPr id="179" name="Straight Connector 178"/>
+                  <p:cNvCxnSpPr/>
+                  <p:nvPr/>
+                </p:nvCxnSpPr>
+                <p:spPr>
+                  <a:xfrm>
+                    <a:off x="3984635" y="3840314"/>
+                    <a:ext cx="1124749" cy="0"/>
+                  </a:xfrm>
+                  <a:prstGeom prst="line">
+                    <a:avLst/>
+                  </a:prstGeom>
+                  <a:ln w="19050">
+                    <a:solidFill>
+                      <a:schemeClr val="tx1"/>
+                    </a:solidFill>
+                    <a:prstDash val="sysDot"/>
+                  </a:ln>
+                </p:spPr>
+                <p:style>
+                  <a:lnRef idx="1">
+                    <a:schemeClr val="accent1"/>
+                  </a:lnRef>
+                  <a:fillRef idx="0">
+                    <a:schemeClr val="accent1"/>
+                  </a:fillRef>
+                  <a:effectRef idx="0">
+                    <a:schemeClr val="accent1"/>
+                  </a:effectRef>
+                  <a:fontRef idx="minor">
+                    <a:schemeClr val="tx1"/>
+                  </a:fontRef>
+                </p:style>
+              </p:cxnSp>
               <mc:AlternateContent xmlns:mc="http://schemas.openxmlformats.org/markup-compatibility/2006" xmlns:a14="http://schemas.microsoft.com/office/drawing/2010/main">
                 <mc:Choice Requires="a14">
                   <p:sp>
                     <p:nvSpPr>
-                      <p:cNvPr id="87" name="TextBox 86"/>
+                      <p:cNvPr id="181" name="TextBox 180"/>
                       <p:cNvSpPr txBox="1"/>
                       <p:nvPr/>
                     </p:nvSpPr>
                     <p:spPr>
                       <a:xfrm>
-                        <a:off x="5809631" y="1383652"/>
-                        <a:ext cx="563488" cy="307777"/>
+                        <a:off x="4060584" y="3393320"/>
+                        <a:ext cx="733662" cy="307777"/>
                       </a:xfrm>
                       <a:prstGeom prst="rect">
                         <a:avLst/>
@@ -10477,7 +11580,14 @@
                                   <a:latin typeface="Cambria Math" panose="02040503050406030204" pitchFamily="18" charset="0"/>
                                   <a:cs typeface="Arial" panose="020B0604020202020204" pitchFamily="34" charset="0"/>
                                 </a:rPr>
-                                <m:t>𝑝𝑜𝑙𝑒</m:t>
+                                <m:t>𝑅𝑠𝑖𝑛</m:t>
+                              </m:r>
+                              <m:r>
+                                <a:rPr lang="en-US" sz="2000" b="0" i="1" smtClean="0">
+                                  <a:latin typeface="Cambria Math" panose="02040503050406030204" pitchFamily="18" charset="0"/>
+                                  <a:cs typeface="Arial" panose="020B0604020202020204" pitchFamily="34" charset="0"/>
+                                </a:rPr>
+                                <m:t>𝜃</m:t>
                               </m:r>
                             </m:oMath>
                           </m:oMathPara>
@@ -10493,7 +11603,7 @@
                 <mc:Fallback xmlns="">
                   <p:sp>
                     <p:nvSpPr>
-                      <p:cNvPr id="87" name="TextBox 86"/>
+                      <p:cNvPr id="181" name="TextBox 180"/>
                       <p:cNvSpPr txBox="1">
                         <a:spLocks noRot="1" noChangeAspect="1" noMove="1" noResize="1" noEditPoints="1" noAdjustHandles="1" noChangeArrowheads="1" noChangeShapeType="1" noTextEdit="1"/>
                       </p:cNvSpPr>
@@ -10501,16 +11611,192 @@
                     </p:nvSpPr>
                     <p:spPr>
                       <a:xfrm>
-                        <a:off x="5809631" y="1383652"/>
-                        <a:ext cx="563488" cy="307777"/>
+                        <a:off x="4060584" y="3393320"/>
+                        <a:ext cx="733662" cy="307777"/>
                       </a:xfrm>
                       <a:prstGeom prst="rect">
                         <a:avLst/>
                       </a:prstGeom>
                       <a:blipFill>
-                        <a:blip r:embed="rId23"/>
+                        <a:blip r:embed="rId24"/>
                         <a:stretch>
-                          <a:fillRect l="-15217" r="-13043" b="-38000"/>
+                          <a:fillRect l="-7500" r="-6667" b="-9804"/>
+                        </a:stretch>
+                      </a:blipFill>
+                    </p:spPr>
+                    <p:txBody>
+                      <a:bodyPr/>
+                      <a:lstStyle/>
+                      <a:p>
+                        <a:r>
+                          <a:rPr lang="en-US">
+                            <a:noFill/>
+                          </a:rPr>
+                          <a:t> </a:t>
+                        </a:r>
+                      </a:p>
+                    </p:txBody>
+                  </p:sp>
+                </mc:Fallback>
+              </mc:AlternateContent>
+              <mc:AlternateContent xmlns:mc="http://schemas.openxmlformats.org/markup-compatibility/2006" xmlns:a14="http://schemas.microsoft.com/office/drawing/2010/main">
+                <mc:Choice Requires="a14">
+                  <p:sp>
+                    <p:nvSpPr>
+                      <p:cNvPr id="182" name="TextBox 181"/>
+                      <p:cNvSpPr txBox="1"/>
+                      <p:nvPr/>
+                    </p:nvSpPr>
+                    <p:spPr>
+                      <a:xfrm>
+                        <a:off x="4836861" y="3955781"/>
+                        <a:ext cx="241540" cy="307777"/>
+                      </a:xfrm>
+                      <a:prstGeom prst="rect">
+                        <a:avLst/>
+                      </a:prstGeom>
+                      <a:noFill/>
+                    </p:spPr>
+                    <p:txBody>
+                      <a:bodyPr wrap="none" lIns="0" tIns="0" rIns="0" bIns="0" rtlCol="0">
+                        <a:spAutoFit/>
+                      </a:bodyPr>
+                      <a:lstStyle/>
+                      <a:p>
+                        <a:pPr/>
+                        <a14:m>
+                          <m:oMathPara xmlns:m="http://schemas.openxmlformats.org/officeDocument/2006/math">
+                            <m:oMathParaPr>
+                              <m:jc m:val="centerGroup"/>
+                            </m:oMathParaPr>
+                            <m:oMath xmlns:m="http://schemas.openxmlformats.org/officeDocument/2006/math">
+                              <m:r>
+                                <a:rPr lang="en-US" sz="2000" b="0" i="1" smtClean="0">
+                                  <a:latin typeface="Cambria Math" panose="02040503050406030204" pitchFamily="18" charset="0"/>
+                                  <a:cs typeface="Arial" panose="020B0604020202020204" pitchFamily="34" charset="0"/>
+                                </a:rPr>
+                                <m:t>𝑅</m:t>
+                              </m:r>
+                            </m:oMath>
+                          </m:oMathPara>
+                        </a14:m>
+                        <a:endParaRPr lang="en-US" sz="2000" dirty="0" smtClean="0">
+                          <a:latin typeface="Arial" panose="020B0604020202020204" pitchFamily="34" charset="0"/>
+                          <a:cs typeface="Arial" panose="020B0604020202020204" pitchFamily="34" charset="0"/>
+                        </a:endParaRPr>
+                      </a:p>
+                    </p:txBody>
+                  </p:sp>
+                </mc:Choice>
+                <mc:Fallback xmlns="">
+                  <p:sp>
+                    <p:nvSpPr>
+                      <p:cNvPr id="182" name="TextBox 181"/>
+                      <p:cNvSpPr txBox="1">
+                        <a:spLocks noRot="1" noChangeAspect="1" noMove="1" noResize="1" noEditPoints="1" noAdjustHandles="1" noChangeArrowheads="1" noChangeShapeType="1" noTextEdit="1"/>
+                      </p:cNvSpPr>
+                      <p:nvPr/>
+                    </p:nvSpPr>
+                    <p:spPr>
+                      <a:xfrm>
+                        <a:off x="4836861" y="3955781"/>
+                        <a:ext cx="241540" cy="307777"/>
+                      </a:xfrm>
+                      <a:prstGeom prst="rect">
+                        <a:avLst/>
+                      </a:prstGeom>
+                      <a:blipFill>
+                        <a:blip r:embed="rId25"/>
+                        <a:stretch>
+                          <a:fillRect l="-23077" r="-20513" b="-9804"/>
+                        </a:stretch>
+                      </a:blipFill>
+                    </p:spPr>
+                    <p:txBody>
+                      <a:bodyPr/>
+                      <a:lstStyle/>
+                      <a:p>
+                        <a:r>
+                          <a:rPr lang="en-US">
+                            <a:noFill/>
+                          </a:rPr>
+                          <a:t> </a:t>
+                        </a:r>
+                      </a:p>
+                    </p:txBody>
+                  </p:sp>
+                </mc:Fallback>
+              </mc:AlternateContent>
+              <mc:AlternateContent xmlns:mc="http://schemas.openxmlformats.org/markup-compatibility/2006" xmlns:a14="http://schemas.microsoft.com/office/drawing/2010/main">
+                <mc:Choice Requires="a14">
+                  <p:sp>
+                    <p:nvSpPr>
+                      <p:cNvPr id="183" name="TextBox 182"/>
+                      <p:cNvSpPr txBox="1"/>
+                      <p:nvPr/>
+                    </p:nvSpPr>
+                    <p:spPr>
+                      <a:xfrm>
+                        <a:off x="4067813" y="3921755"/>
+                        <a:ext cx="222304" cy="307777"/>
+                      </a:xfrm>
+                      <a:prstGeom prst="rect">
+                        <a:avLst/>
+                      </a:prstGeom>
+                      <a:noFill/>
+                    </p:spPr>
+                    <p:txBody>
+                      <a:bodyPr wrap="none" lIns="0" tIns="0" rIns="0" bIns="0" rtlCol="0">
+                        <a:spAutoFit/>
+                      </a:bodyPr>
+                      <a:lstStyle/>
+                      <a:p>
+                        <a:pPr/>
+                        <a14:m>
+                          <m:oMathPara xmlns:m="http://schemas.openxmlformats.org/officeDocument/2006/math">
+                            <m:oMathParaPr>
+                              <m:jc m:val="centerGroup"/>
+                            </m:oMathParaPr>
+                            <m:oMath xmlns:m="http://schemas.openxmlformats.org/officeDocument/2006/math">
+                              <m:r>
+                                <a:rPr lang="en-US" sz="2000" b="0" i="1" smtClean="0">
+                                  <a:latin typeface="Cambria Math" panose="02040503050406030204" pitchFamily="18" charset="0"/>
+                                  <a:cs typeface="Arial" panose="020B0604020202020204" pitchFamily="34" charset="0"/>
+                                </a:rPr>
+                                <m:t>𝜃</m:t>
+                              </m:r>
+                            </m:oMath>
+                          </m:oMathPara>
+                        </a14:m>
+                        <a:endParaRPr lang="en-US" sz="2000" dirty="0" smtClean="0">
+                          <a:latin typeface="Arial" panose="020B0604020202020204" pitchFamily="34" charset="0"/>
+                          <a:cs typeface="Arial" panose="020B0604020202020204" pitchFamily="34" charset="0"/>
+                        </a:endParaRPr>
+                      </a:p>
+                    </p:txBody>
+                  </p:sp>
+                </mc:Choice>
+                <mc:Fallback xmlns="">
+                  <p:sp>
+                    <p:nvSpPr>
+                      <p:cNvPr id="183" name="TextBox 182"/>
+                      <p:cNvSpPr txBox="1">
+                        <a:spLocks noRot="1" noChangeAspect="1" noMove="1" noResize="1" noEditPoints="1" noAdjustHandles="1" noChangeArrowheads="1" noChangeShapeType="1" noTextEdit="1"/>
+                      </p:cNvSpPr>
+                      <p:nvPr/>
+                    </p:nvSpPr>
+                    <p:spPr>
+                      <a:xfrm>
+                        <a:off x="4067813" y="3921755"/>
+                        <a:ext cx="222304" cy="307777"/>
+                      </a:xfrm>
+                      <a:prstGeom prst="rect">
+                        <a:avLst/>
+                      </a:prstGeom>
+                      <a:blipFill>
+                        <a:blip r:embed="rId26"/>
+                        <a:stretch>
+                          <a:fillRect l="-25000" r="-25000" b="-12000"/>
                         </a:stretch>
                       </a:blipFill>
                     </p:spPr>
@@ -10530,692 +11816,614 @@
                 </mc:Fallback>
               </mc:AlternateContent>
             </p:grpSp>
-            <p:sp>
-              <p:nvSpPr>
-                <p:cNvPr id="115" name="Arc 114"/>
-                <p:cNvSpPr/>
+            <p:grpSp>
+              <p:nvGrpSpPr>
+                <p:cNvPr id="17" name="Group 16"/>
+                <p:cNvGrpSpPr/>
                 <p:nvPr/>
-              </p:nvSpPr>
-              <p:spPr>
+              </p:nvGrpSpPr>
+              <p:grpSpPr>
                 <a:xfrm>
-                  <a:off x="2916847" y="3705225"/>
-                  <a:ext cx="2120801" cy="268934"/>
+                  <a:off x="7744534" y="4414013"/>
+                  <a:ext cx="1512159" cy="1522244"/>
+                  <a:chOff x="7525802" y="4092959"/>
+                  <a:chExt cx="1512159" cy="1522244"/>
                 </a:xfrm>
-                <a:prstGeom prst="arc">
-                  <a:avLst>
-                    <a:gd name="adj1" fmla="val 10819517"/>
-                    <a:gd name="adj2" fmla="val 21596417"/>
-                  </a:avLst>
-                </a:prstGeom>
-                <a:ln w="19050">
+              </p:grpSpPr>
+              <p:sp>
+                <p:nvSpPr>
+                  <p:cNvPr id="86" name="Oval 85"/>
+                  <p:cNvSpPr/>
+                  <p:nvPr/>
+                </p:nvSpPr>
+                <p:spPr>
+                  <a:xfrm>
+                    <a:off x="8375913" y="5495437"/>
+                    <a:ext cx="120943" cy="119766"/>
+                  </a:xfrm>
+                  <a:prstGeom prst="ellipse">
+                    <a:avLst/>
+                  </a:prstGeom>
                   <a:solidFill>
                     <a:schemeClr val="tx1"/>
                   </a:solidFill>
-                  <a:prstDash val="sysDash"/>
-                </a:ln>
-              </p:spPr>
-              <p:style>
-                <a:lnRef idx="1">
-                  <a:schemeClr val="accent1"/>
-                </a:lnRef>
-                <a:fillRef idx="0">
-                  <a:schemeClr val="accent1"/>
-                </a:fillRef>
-                <a:effectRef idx="0">
-                  <a:schemeClr val="accent1"/>
-                </a:effectRef>
-                <a:fontRef idx="minor">
-                  <a:schemeClr val="tx1"/>
-                </a:fontRef>
-              </p:style>
-              <p:txBody>
-                <a:bodyPr rtlCol="0" anchor="ctr"/>
-                <a:lstStyle/>
-                <a:p>
-                  <a:pPr algn="ctr"/>
-                  <a:endParaRPr lang="en-US"/>
-                </a:p>
-              </p:txBody>
-            </p:sp>
-            <p:sp>
-              <p:nvSpPr>
-                <p:cNvPr id="116" name="Arc 115"/>
-                <p:cNvSpPr/>
-                <p:nvPr/>
-              </p:nvSpPr>
-              <p:spPr>
-                <a:xfrm>
-                  <a:off x="2933137" y="3709283"/>
-                  <a:ext cx="2120801" cy="268934"/>
-                </a:xfrm>
-                <a:prstGeom prst="arc">
-                  <a:avLst>
-                    <a:gd name="adj1" fmla="val 31471"/>
-                    <a:gd name="adj2" fmla="val 10840678"/>
-                  </a:avLst>
-                </a:prstGeom>
-                <a:ln w="19050">
+                  <a:ln w="38100">
+                    <a:solidFill>
+                      <a:schemeClr val="tx1"/>
+                    </a:solidFill>
+                  </a:ln>
+                </p:spPr>
+                <p:style>
+                  <a:lnRef idx="2">
+                    <a:schemeClr val="accent1">
+                      <a:shade val="50000"/>
+                    </a:schemeClr>
+                  </a:lnRef>
+                  <a:fillRef idx="1">
+                    <a:schemeClr val="accent1"/>
+                  </a:fillRef>
+                  <a:effectRef idx="0">
+                    <a:schemeClr val="accent1"/>
+                  </a:effectRef>
+                  <a:fontRef idx="minor">
+                    <a:schemeClr val="lt1"/>
+                  </a:fontRef>
+                </p:style>
+                <p:txBody>
+                  <a:bodyPr rtlCol="0" anchor="ctr"/>
+                  <a:lstStyle/>
+                  <a:p>
+                    <a:pPr algn="ctr"/>
+                    <a:endParaRPr lang="en-US"/>
+                  </a:p>
+                </p:txBody>
+              </p:sp>
+              <p:cxnSp>
+                <p:nvCxnSpPr>
+                  <p:cNvPr id="3" name="Straight Connector 2"/>
+                  <p:cNvCxnSpPr/>
+                  <p:nvPr/>
+                </p:nvCxnSpPr>
+                <p:spPr>
+                  <a:xfrm flipH="1" flipV="1">
+                    <a:off x="8268661" y="4192934"/>
+                    <a:ext cx="158931" cy="1339253"/>
+                  </a:xfrm>
+                  <a:prstGeom prst="line">
+                    <a:avLst/>
+                  </a:prstGeom>
+                  <a:ln w="38100">
+                    <a:solidFill>
+                      <a:schemeClr val="tx1"/>
+                    </a:solidFill>
+                  </a:ln>
+                </p:spPr>
+                <p:style>
+                  <a:lnRef idx="1">
+                    <a:schemeClr val="accent1"/>
+                  </a:lnRef>
+                  <a:fillRef idx="0">
+                    <a:schemeClr val="accent1"/>
+                  </a:fillRef>
+                  <a:effectRef idx="0">
+                    <a:schemeClr val="accent1"/>
+                  </a:effectRef>
+                  <a:fontRef idx="minor">
+                    <a:schemeClr val="tx1"/>
+                  </a:fontRef>
+                </p:style>
+              </p:cxnSp>
+              <p:sp>
+                <p:nvSpPr>
+                  <p:cNvPr id="16" name="Rectangle 15"/>
+                  <p:cNvSpPr/>
+                  <p:nvPr/>
+                </p:nvSpPr>
+                <p:spPr>
+                  <a:xfrm>
+                    <a:off x="7525802" y="4092959"/>
+                    <a:ext cx="1512159" cy="99973"/>
+                  </a:xfrm>
+                  <a:prstGeom prst="rect">
+                    <a:avLst/>
+                  </a:prstGeom>
                   <a:solidFill>
-                    <a:schemeClr val="tx1"/>
+                    <a:schemeClr val="bg2"/>
                   </a:solidFill>
-                </a:ln>
-              </p:spPr>
-              <p:style>
-                <a:lnRef idx="1">
-                  <a:schemeClr val="accent1"/>
-                </a:lnRef>
-                <a:fillRef idx="0">
-                  <a:schemeClr val="accent1"/>
-                </a:fillRef>
-                <a:effectRef idx="0">
-                  <a:schemeClr val="accent1"/>
-                </a:effectRef>
-                <a:fontRef idx="minor">
-                  <a:schemeClr val="tx1"/>
-                </a:fontRef>
-              </p:style>
-              <p:txBody>
-                <a:bodyPr rtlCol="0" anchor="ctr"/>
-                <a:lstStyle/>
-                <a:p>
-                  <a:pPr algn="ctr"/>
-                  <a:endParaRPr lang="en-US"/>
-                </a:p>
-              </p:txBody>
-            </p:sp>
-            <p:cxnSp>
-              <p:nvCxnSpPr>
-                <p:cNvPr id="177" name="Straight Connector 176"/>
-                <p:cNvCxnSpPr/>
-                <p:nvPr/>
-              </p:nvCxnSpPr>
-              <p:spPr>
-                <a:xfrm flipV="1">
-                  <a:off x="3969787" y="3877177"/>
-                  <a:ext cx="1100827" cy="512056"/>
-                </a:xfrm>
-                <a:prstGeom prst="line">
-                  <a:avLst/>
-                </a:prstGeom>
-                <a:ln w="19050">
-                  <a:solidFill>
-                    <a:schemeClr val="tx1"/>
-                  </a:solidFill>
-                  <a:prstDash val="sysDot"/>
-                </a:ln>
-              </p:spPr>
-              <p:style>
-                <a:lnRef idx="1">
-                  <a:schemeClr val="accent1"/>
-                </a:lnRef>
-                <a:fillRef idx="0">
-                  <a:schemeClr val="accent1"/>
-                </a:fillRef>
-                <a:effectRef idx="0">
-                  <a:schemeClr val="accent1"/>
-                </a:effectRef>
-                <a:fontRef idx="minor">
-                  <a:schemeClr val="tx1"/>
-                </a:fontRef>
-              </p:style>
-            </p:cxnSp>
-            <p:cxnSp>
-              <p:nvCxnSpPr>
-                <p:cNvPr id="179" name="Straight Connector 178"/>
-                <p:cNvCxnSpPr/>
-                <p:nvPr/>
-              </p:nvCxnSpPr>
-              <p:spPr>
-                <a:xfrm>
-                  <a:off x="3984635" y="3840314"/>
-                  <a:ext cx="1124749" cy="0"/>
-                </a:xfrm>
-                <a:prstGeom prst="line">
-                  <a:avLst/>
-                </a:prstGeom>
-                <a:ln w="19050">
-                  <a:solidFill>
-                    <a:schemeClr val="tx1"/>
-                  </a:solidFill>
-                  <a:prstDash val="sysDot"/>
-                </a:ln>
-              </p:spPr>
-              <p:style>
-                <a:lnRef idx="1">
-                  <a:schemeClr val="accent1"/>
-                </a:lnRef>
-                <a:fillRef idx="0">
-                  <a:schemeClr val="accent1"/>
-                </a:fillRef>
-                <a:effectRef idx="0">
-                  <a:schemeClr val="accent1"/>
-                </a:effectRef>
-                <a:fontRef idx="minor">
-                  <a:schemeClr val="tx1"/>
-                </a:fontRef>
-              </p:style>
-            </p:cxnSp>
-            <mc:AlternateContent xmlns:mc="http://schemas.openxmlformats.org/markup-compatibility/2006" xmlns:a14="http://schemas.microsoft.com/office/drawing/2010/main">
-              <mc:Choice Requires="a14">
-                <p:sp>
-                  <p:nvSpPr>
-                    <p:cNvPr id="181" name="TextBox 180"/>
-                    <p:cNvSpPr txBox="1"/>
-                    <p:nvPr/>
-                  </p:nvSpPr>
-                  <p:spPr>
-                    <a:xfrm>
-                      <a:off x="4060584" y="3393320"/>
-                      <a:ext cx="733662" cy="307777"/>
-                    </a:xfrm>
-                    <a:prstGeom prst="rect">
-                      <a:avLst/>
-                    </a:prstGeom>
-                    <a:noFill/>
-                  </p:spPr>
-                  <p:txBody>
-                    <a:bodyPr wrap="none" lIns="0" tIns="0" rIns="0" bIns="0" rtlCol="0">
-                      <a:spAutoFit/>
-                    </a:bodyPr>
-                    <a:lstStyle/>
-                    <a:p>
-                      <a:pPr/>
-                      <a14:m>
-                        <m:oMathPara xmlns:m="http://schemas.openxmlformats.org/officeDocument/2006/math">
-                          <m:oMathParaPr>
-                            <m:jc m:val="centerGroup"/>
-                          </m:oMathParaPr>
-                          <m:oMath xmlns:m="http://schemas.openxmlformats.org/officeDocument/2006/math">
-                            <m:r>
-                              <a:rPr lang="en-US" sz="2000" b="0" i="1" smtClean="0">
-                                <a:latin typeface="Cambria Math" panose="02040503050406030204" pitchFamily="18" charset="0"/>
-                                <a:cs typeface="Arial" panose="020B0604020202020204" pitchFamily="34" charset="0"/>
-                              </a:rPr>
-                              <m:t>𝑅𝑠𝑖𝑛</m:t>
-                            </m:r>
-                            <m:r>
-                              <a:rPr lang="en-US" sz="2000" b="0" i="1" smtClean="0">
-                                <a:latin typeface="Cambria Math" panose="02040503050406030204" pitchFamily="18" charset="0"/>
-                                <a:cs typeface="Arial" panose="020B0604020202020204" pitchFamily="34" charset="0"/>
-                              </a:rPr>
-                              <m:t>𝜃</m:t>
-                            </m:r>
-                          </m:oMath>
-                        </m:oMathPara>
-                      </a14:m>
-                      <a:endParaRPr lang="en-US" sz="2000" dirty="0" smtClean="0">
-                        <a:latin typeface="Arial" panose="020B0604020202020204" pitchFamily="34" charset="0"/>
-                        <a:cs typeface="Arial" panose="020B0604020202020204" pitchFamily="34" charset="0"/>
-                      </a:endParaRPr>
-                    </a:p>
-                  </p:txBody>
-                </p:sp>
-              </mc:Choice>
-              <mc:Fallback xmlns="">
-                <p:sp>
-                  <p:nvSpPr>
-                    <p:cNvPr id="181" name="TextBox 180"/>
-                    <p:cNvSpPr txBox="1">
-                      <a:spLocks noRot="1" noChangeAspect="1" noMove="1" noResize="1" noEditPoints="1" noAdjustHandles="1" noChangeArrowheads="1" noChangeShapeType="1" noTextEdit="1"/>
-                    </p:cNvSpPr>
-                    <p:nvPr/>
-                  </p:nvSpPr>
-                  <p:spPr>
-                    <a:xfrm>
-                      <a:off x="4060584" y="3393320"/>
-                      <a:ext cx="733662" cy="307777"/>
-                    </a:xfrm>
-                    <a:prstGeom prst="rect">
-                      <a:avLst/>
-                    </a:prstGeom>
-                    <a:blipFill>
-                      <a:blip r:embed="rId24"/>
-                      <a:stretch>
-                        <a:fillRect l="-7500" r="-6667" b="-9804"/>
-                      </a:stretch>
-                    </a:blipFill>
-                  </p:spPr>
-                  <p:txBody>
-                    <a:bodyPr/>
-                    <a:lstStyle/>
-                    <a:p>
-                      <a:r>
-                        <a:rPr lang="en-US">
-                          <a:noFill/>
-                        </a:rPr>
-                        <a:t> </a:t>
-                      </a:r>
-                    </a:p>
-                  </p:txBody>
-                </p:sp>
-              </mc:Fallback>
-            </mc:AlternateContent>
-            <mc:AlternateContent xmlns:mc="http://schemas.openxmlformats.org/markup-compatibility/2006" xmlns:a14="http://schemas.microsoft.com/office/drawing/2010/main">
-              <mc:Choice Requires="a14">
-                <p:sp>
-                  <p:nvSpPr>
-                    <p:cNvPr id="182" name="TextBox 181"/>
-                    <p:cNvSpPr txBox="1"/>
-                    <p:nvPr/>
-                  </p:nvSpPr>
-                  <p:spPr>
-                    <a:xfrm>
-                      <a:off x="4836861" y="3955781"/>
-                      <a:ext cx="241540" cy="307777"/>
-                    </a:xfrm>
-                    <a:prstGeom prst="rect">
-                      <a:avLst/>
-                    </a:prstGeom>
-                    <a:noFill/>
-                  </p:spPr>
-                  <p:txBody>
-                    <a:bodyPr wrap="none" lIns="0" tIns="0" rIns="0" bIns="0" rtlCol="0">
-                      <a:spAutoFit/>
-                    </a:bodyPr>
-                    <a:lstStyle/>
-                    <a:p>
-                      <a:pPr/>
-                      <a14:m>
-                        <m:oMathPara xmlns:m="http://schemas.openxmlformats.org/officeDocument/2006/math">
-                          <m:oMathParaPr>
-                            <m:jc m:val="centerGroup"/>
-                          </m:oMathParaPr>
-                          <m:oMath xmlns:m="http://schemas.openxmlformats.org/officeDocument/2006/math">
-                            <m:r>
-                              <a:rPr lang="en-US" sz="2000" b="0" i="1" smtClean="0">
-                                <a:latin typeface="Cambria Math" panose="02040503050406030204" pitchFamily="18" charset="0"/>
-                                <a:cs typeface="Arial" panose="020B0604020202020204" pitchFamily="34" charset="0"/>
-                              </a:rPr>
-                              <m:t>𝑅</m:t>
-                            </m:r>
-                          </m:oMath>
-                        </m:oMathPara>
-                      </a14:m>
-                      <a:endParaRPr lang="en-US" sz="2000" dirty="0" smtClean="0">
-                        <a:latin typeface="Arial" panose="020B0604020202020204" pitchFamily="34" charset="0"/>
-                        <a:cs typeface="Arial" panose="020B0604020202020204" pitchFamily="34" charset="0"/>
-                      </a:endParaRPr>
-                    </a:p>
-                  </p:txBody>
-                </p:sp>
-              </mc:Choice>
-              <mc:Fallback xmlns="">
-                <p:sp>
-                  <p:nvSpPr>
-                    <p:cNvPr id="182" name="TextBox 181"/>
-                    <p:cNvSpPr txBox="1">
-                      <a:spLocks noRot="1" noChangeAspect="1" noMove="1" noResize="1" noEditPoints="1" noAdjustHandles="1" noChangeArrowheads="1" noChangeShapeType="1" noTextEdit="1"/>
-                    </p:cNvSpPr>
-                    <p:nvPr/>
-                  </p:nvSpPr>
-                  <p:spPr>
-                    <a:xfrm>
-                      <a:off x="4836861" y="3955781"/>
-                      <a:ext cx="241540" cy="307777"/>
-                    </a:xfrm>
-                    <a:prstGeom prst="rect">
-                      <a:avLst/>
-                    </a:prstGeom>
-                    <a:blipFill>
-                      <a:blip r:embed="rId25"/>
-                      <a:stretch>
-                        <a:fillRect l="-23077" r="-20513" b="-9804"/>
-                      </a:stretch>
-                    </a:blipFill>
-                  </p:spPr>
-                  <p:txBody>
-                    <a:bodyPr/>
-                    <a:lstStyle/>
-                    <a:p>
-                      <a:r>
-                        <a:rPr lang="en-US">
-                          <a:noFill/>
-                        </a:rPr>
-                        <a:t> </a:t>
-                      </a:r>
-                    </a:p>
-                  </p:txBody>
-                </p:sp>
-              </mc:Fallback>
-            </mc:AlternateContent>
-            <mc:AlternateContent xmlns:mc="http://schemas.openxmlformats.org/markup-compatibility/2006" xmlns:a14="http://schemas.microsoft.com/office/drawing/2010/main">
-              <mc:Choice Requires="a14">
-                <p:sp>
-                  <p:nvSpPr>
-                    <p:cNvPr id="183" name="TextBox 182"/>
-                    <p:cNvSpPr txBox="1"/>
-                    <p:nvPr/>
-                  </p:nvSpPr>
-                  <p:spPr>
-                    <a:xfrm>
-                      <a:off x="4067813" y="3921755"/>
-                      <a:ext cx="222304" cy="307777"/>
-                    </a:xfrm>
-                    <a:prstGeom prst="rect">
-                      <a:avLst/>
-                    </a:prstGeom>
-                    <a:noFill/>
-                  </p:spPr>
-                  <p:txBody>
-                    <a:bodyPr wrap="none" lIns="0" tIns="0" rIns="0" bIns="0" rtlCol="0">
-                      <a:spAutoFit/>
-                    </a:bodyPr>
-                    <a:lstStyle/>
-                    <a:p>
-                      <a:pPr/>
-                      <a14:m>
-                        <m:oMathPara xmlns:m="http://schemas.openxmlformats.org/officeDocument/2006/math">
-                          <m:oMathParaPr>
-                            <m:jc m:val="centerGroup"/>
-                          </m:oMathParaPr>
-                          <m:oMath xmlns:m="http://schemas.openxmlformats.org/officeDocument/2006/math">
-                            <m:r>
-                              <a:rPr lang="en-US" sz="2000" b="0" i="1" smtClean="0">
-                                <a:latin typeface="Cambria Math" panose="02040503050406030204" pitchFamily="18" charset="0"/>
-                                <a:cs typeface="Arial" panose="020B0604020202020204" pitchFamily="34" charset="0"/>
-                              </a:rPr>
-                              <m:t>𝜃</m:t>
-                            </m:r>
-                          </m:oMath>
-                        </m:oMathPara>
-                      </a14:m>
-                      <a:endParaRPr lang="en-US" sz="2000" dirty="0" smtClean="0">
-                        <a:latin typeface="Arial" panose="020B0604020202020204" pitchFamily="34" charset="0"/>
-                        <a:cs typeface="Arial" panose="020B0604020202020204" pitchFamily="34" charset="0"/>
-                      </a:endParaRPr>
-                    </a:p>
-                  </p:txBody>
-                </p:sp>
-              </mc:Choice>
-              <mc:Fallback xmlns="">
-                <p:sp>
-                  <p:nvSpPr>
-                    <p:cNvPr id="183" name="TextBox 182"/>
-                    <p:cNvSpPr txBox="1">
-                      <a:spLocks noRot="1" noChangeAspect="1" noMove="1" noResize="1" noEditPoints="1" noAdjustHandles="1" noChangeArrowheads="1" noChangeShapeType="1" noTextEdit="1"/>
-                    </p:cNvSpPr>
-                    <p:nvPr/>
-                  </p:nvSpPr>
-                  <p:spPr>
-                    <a:xfrm>
-                      <a:off x="4067813" y="3921755"/>
-                      <a:ext cx="222304" cy="307777"/>
-                    </a:xfrm>
-                    <a:prstGeom prst="rect">
-                      <a:avLst/>
-                    </a:prstGeom>
-                    <a:blipFill>
-                      <a:blip r:embed="rId26"/>
-                      <a:stretch>
-                        <a:fillRect l="-25000" r="-25000" b="-12000"/>
-                      </a:stretch>
-                    </a:blipFill>
-                  </p:spPr>
-                  <p:txBody>
-                    <a:bodyPr/>
-                    <a:lstStyle/>
-                    <a:p>
-                      <a:r>
-                        <a:rPr lang="en-US">
-                          <a:noFill/>
-                        </a:rPr>
-                        <a:t> </a:t>
-                      </a:r>
-                    </a:p>
-                  </p:txBody>
-                </p:sp>
-              </mc:Fallback>
-            </mc:AlternateContent>
+                  <a:ln w="38100">
+                    <a:solidFill>
+                      <a:schemeClr val="tx1"/>
+                    </a:solidFill>
+                  </a:ln>
+                </p:spPr>
+                <p:style>
+                  <a:lnRef idx="2">
+                    <a:schemeClr val="accent1">
+                      <a:shade val="50000"/>
+                    </a:schemeClr>
+                  </a:lnRef>
+                  <a:fillRef idx="1">
+                    <a:schemeClr val="accent1"/>
+                  </a:fillRef>
+                  <a:effectRef idx="0">
+                    <a:schemeClr val="accent1"/>
+                  </a:effectRef>
+                  <a:fontRef idx="minor">
+                    <a:schemeClr val="lt1"/>
+                  </a:fontRef>
+                </p:style>
+                <p:txBody>
+                  <a:bodyPr rtlCol="0" anchor="ctr"/>
+                  <a:lstStyle/>
+                  <a:p>
+                    <a:pPr algn="ctr"/>
+                    <a:endParaRPr lang="en-US"/>
+                  </a:p>
+                </p:txBody>
+              </p:sp>
+            </p:grpSp>
           </p:grpSp>
-          <p:grpSp>
-            <p:nvGrpSpPr>
-              <p:cNvPr id="17" name="Group 16"/>
-              <p:cNvGrpSpPr/>
+          <mc:AlternateContent xmlns:mc="http://schemas.openxmlformats.org/markup-compatibility/2006">
+            <mc:Choice xmlns:a14="http://schemas.microsoft.com/office/drawing/2010/main" Requires="a14">
+              <p:sp>
+                <p:nvSpPr>
+                  <p:cNvPr id="20" name="TextBox 19"/>
+                  <p:cNvSpPr txBox="1"/>
+                  <p:nvPr/>
+                </p:nvSpPr>
+                <p:spPr>
+                  <a:xfrm>
+                    <a:off x="8487393" y="6542209"/>
+                    <a:ext cx="1316130" cy="307777"/>
+                  </a:xfrm>
+                  <a:prstGeom prst="rect">
+                    <a:avLst/>
+                  </a:prstGeom>
+                  <a:noFill/>
+                </p:spPr>
+                <p:txBody>
+                  <a:bodyPr wrap="none" lIns="0" tIns="0" rIns="0" bIns="0" rtlCol="0">
+                    <a:spAutoFit/>
+                  </a:bodyPr>
+                  <a:lstStyle/>
+                  <a:p>
+                    <a:pPr/>
+                    <a14:m>
+                      <m:oMathPara xmlns:m="http://schemas.openxmlformats.org/officeDocument/2006/math">
+                        <m:oMathParaPr>
+                          <m:jc m:val="centerGroup"/>
+                        </m:oMathParaPr>
+                        <m:oMath xmlns:m="http://schemas.openxmlformats.org/officeDocument/2006/math">
+                          <m:r>
+                            <a:rPr lang="en-US" sz="2000" b="0" i="1" smtClean="0">
+                              <a:latin typeface="Cambria Math" panose="02040503050406030204" pitchFamily="18" charset="0"/>
+                              <a:cs typeface="Arial" panose="020B0604020202020204" pitchFamily="34" charset="0"/>
+                            </a:rPr>
+                            <m:t>𝑃𝑙𝑢𝑚𝑏</m:t>
+                          </m:r>
+                          <m:r>
+                            <a:rPr lang="en-US" sz="2000" b="0" i="1" smtClean="0">
+                              <a:latin typeface="Cambria Math" panose="02040503050406030204" pitchFamily="18" charset="0"/>
+                              <a:cs typeface="Arial" panose="020B0604020202020204" pitchFamily="34" charset="0"/>
+                            </a:rPr>
+                            <m:t> </m:t>
+                          </m:r>
+                          <m:r>
+                            <a:rPr lang="en-US" sz="2000" b="0" i="1" smtClean="0">
+                              <a:latin typeface="Cambria Math" panose="02040503050406030204" pitchFamily="18" charset="0"/>
+                              <a:cs typeface="Arial" panose="020B0604020202020204" pitchFamily="34" charset="0"/>
+                            </a:rPr>
+                            <m:t>𝑙𝑖𝑛𝑒</m:t>
+                          </m:r>
+                        </m:oMath>
+                      </m:oMathPara>
+                    </a14:m>
+                    <a:endParaRPr lang="en-US" sz="2000" dirty="0" smtClean="0">
+                      <a:latin typeface="Arial" panose="020B0604020202020204" pitchFamily="34" charset="0"/>
+                      <a:cs typeface="Arial" panose="020B0604020202020204" pitchFamily="34" charset="0"/>
+                    </a:endParaRPr>
+                  </a:p>
+                </p:txBody>
+              </p:sp>
+            </mc:Choice>
+            <mc:Fallback>
+              <p:sp>
+                <p:nvSpPr>
+                  <p:cNvPr id="20" name="TextBox 19"/>
+                  <p:cNvSpPr txBox="1">
+                    <a:spLocks noRot="1" noChangeAspect="1" noMove="1" noResize="1" noEditPoints="1" noAdjustHandles="1" noChangeArrowheads="1" noChangeShapeType="1" noTextEdit="1"/>
+                  </p:cNvSpPr>
+                  <p:nvPr/>
+                </p:nvSpPr>
+                <p:spPr>
+                  <a:xfrm>
+                    <a:off x="8487393" y="6542209"/>
+                    <a:ext cx="1316130" cy="307777"/>
+                  </a:xfrm>
+                  <a:prstGeom prst="rect">
+                    <a:avLst/>
+                  </a:prstGeom>
+                  <a:blipFill rotWithShape="0">
+                    <a:blip r:embed="rId27"/>
+                    <a:stretch>
+                      <a:fillRect l="-3704" t="-142000" r="-3704" b="-184000"/>
+                    </a:stretch>
+                  </a:blipFill>
+                </p:spPr>
+                <p:txBody>
+                  <a:bodyPr/>
+                  <a:lstStyle/>
+                  <a:p>
+                    <a:r>
+                      <a:rPr lang="en-US">
+                        <a:noFill/>
+                      </a:rPr>
+                      <a:t> </a:t>
+                    </a:r>
+                  </a:p>
+                </p:txBody>
+              </p:sp>
+            </mc:Fallback>
+          </mc:AlternateContent>
+        </p:grpSp>
+        <p:grpSp>
+          <p:nvGrpSpPr>
+            <p:cNvPr id="26" name="Group 25"/>
+            <p:cNvGrpSpPr/>
+            <p:nvPr/>
+          </p:nvGrpSpPr>
+          <p:grpSpPr>
+            <a:xfrm>
+              <a:off x="7137535" y="5101228"/>
+              <a:ext cx="518508" cy="1331050"/>
+              <a:chOff x="7137535" y="5101228"/>
+              <a:chExt cx="518508" cy="1331050"/>
+            </a:xfrm>
+          </p:grpSpPr>
+          <p:sp>
+            <p:nvSpPr>
+              <p:cNvPr id="94" name="Oval 93"/>
+              <p:cNvSpPr/>
               <p:nvPr/>
-            </p:nvGrpSpPr>
-            <p:grpSpPr>
-              <a:xfrm>
-                <a:off x="975117" y="4226713"/>
-                <a:ext cx="1512159" cy="1522244"/>
-                <a:chOff x="756385" y="3905659"/>
-                <a:chExt cx="1512159" cy="1522244"/>
+            </p:nvSpPr>
+            <p:spPr>
+              <a:xfrm rot="17918832">
+                <a:off x="7216822" y="5795930"/>
+                <a:ext cx="120943" cy="119766"/>
               </a:xfrm>
-            </p:grpSpPr>
-            <p:sp>
-              <p:nvSpPr>
-                <p:cNvPr id="86" name="Oval 85"/>
-                <p:cNvSpPr/>
-                <p:nvPr/>
-              </p:nvSpPr>
-              <p:spPr>
-                <a:xfrm>
-                  <a:off x="1606496" y="5308137"/>
-                  <a:ext cx="120943" cy="119766"/>
-                </a:xfrm>
-                <a:prstGeom prst="ellipse">
-                  <a:avLst/>
-                </a:prstGeom>
+              <a:prstGeom prst="ellipse">
+                <a:avLst/>
+              </a:prstGeom>
+              <a:solidFill>
+                <a:schemeClr val="tx1"/>
+              </a:solidFill>
+              <a:ln w="38100">
                 <a:solidFill>
                   <a:schemeClr val="tx1"/>
                 </a:solidFill>
-                <a:ln w="38100">
-                  <a:solidFill>
-                    <a:schemeClr val="tx1"/>
-                  </a:solidFill>
-                </a:ln>
-              </p:spPr>
-              <p:style>
-                <a:lnRef idx="2">
-                  <a:schemeClr val="accent1">
-                    <a:shade val="50000"/>
-                  </a:schemeClr>
-                </a:lnRef>
-                <a:fillRef idx="1">
-                  <a:schemeClr val="accent1"/>
-                </a:fillRef>
-                <a:effectRef idx="0">
-                  <a:schemeClr val="accent1"/>
-                </a:effectRef>
-                <a:fontRef idx="minor">
-                  <a:schemeClr val="lt1"/>
-                </a:fontRef>
-              </p:style>
-              <p:txBody>
-                <a:bodyPr rtlCol="0" anchor="ctr"/>
-                <a:lstStyle/>
-                <a:p>
-                  <a:pPr algn="ctr"/>
-                  <a:endParaRPr lang="en-US"/>
-                </a:p>
-              </p:txBody>
-            </p:sp>
-            <p:cxnSp>
-              <p:nvCxnSpPr>
-                <p:cNvPr id="3" name="Straight Connector 2"/>
-                <p:cNvCxnSpPr/>
-                <p:nvPr/>
-              </p:nvCxnSpPr>
-              <p:spPr>
-                <a:xfrm flipH="1" flipV="1">
-                  <a:off x="1499244" y="4005634"/>
-                  <a:ext cx="158931" cy="1339253"/>
-                </a:xfrm>
-                <a:prstGeom prst="line">
-                  <a:avLst/>
-                </a:prstGeom>
-                <a:ln w="38100">
-                  <a:solidFill>
-                    <a:schemeClr val="tx1"/>
-                  </a:solidFill>
-                </a:ln>
-              </p:spPr>
-              <p:style>
-                <a:lnRef idx="1">
-                  <a:schemeClr val="accent1"/>
-                </a:lnRef>
-                <a:fillRef idx="0">
-                  <a:schemeClr val="accent1"/>
-                </a:fillRef>
-                <a:effectRef idx="0">
-                  <a:schemeClr val="accent1"/>
-                </a:effectRef>
-                <a:fontRef idx="minor">
+              </a:ln>
+            </p:spPr>
+            <p:style>
+              <a:lnRef idx="2">
+                <a:schemeClr val="accent1">
+                  <a:shade val="50000"/>
+                </a:schemeClr>
+              </a:lnRef>
+              <a:fillRef idx="1">
+                <a:schemeClr val="accent1"/>
+              </a:fillRef>
+              <a:effectRef idx="0">
+                <a:schemeClr val="accent1"/>
+              </a:effectRef>
+              <a:fontRef idx="minor">
+                <a:schemeClr val="lt1"/>
+              </a:fontRef>
+            </p:style>
+            <p:txBody>
+              <a:bodyPr rtlCol="0" anchor="ctr"/>
+              <a:lstStyle/>
+              <a:p>
+                <a:pPr algn="ctr"/>
+                <a:endParaRPr lang="en-US"/>
+              </a:p>
+            </p:txBody>
+          </p:sp>
+          <p:cxnSp>
+            <p:nvCxnSpPr>
+              <p:cNvPr id="95" name="Straight Arrow Connector 94"/>
+              <p:cNvCxnSpPr/>
+              <p:nvPr/>
+            </p:nvCxnSpPr>
+            <p:spPr>
+              <a:xfrm rot="17918832" flipH="1">
+                <a:off x="7044487" y="6064465"/>
+                <a:ext cx="483566" cy="252059"/>
+              </a:xfrm>
+              <a:prstGeom prst="straightConnector1">
+                <a:avLst/>
+              </a:prstGeom>
+              <a:ln w="38100">
+                <a:solidFill>
                   <a:schemeClr val="tx1"/>
-                </a:fontRef>
-              </p:style>
-            </p:cxnSp>
-            <p:sp>
-              <p:nvSpPr>
-                <p:cNvPr id="16" name="Rectangle 15"/>
-                <p:cNvSpPr/>
-                <p:nvPr/>
-              </p:nvSpPr>
-              <p:spPr>
-                <a:xfrm>
-                  <a:off x="756385" y="3905659"/>
-                  <a:ext cx="1512159" cy="99973"/>
-                </a:xfrm>
-                <a:prstGeom prst="rect">
-                  <a:avLst/>
-                </a:prstGeom>
+                </a:solidFill>
+                <a:tailEnd type="triangle"/>
+              </a:ln>
+            </p:spPr>
+            <p:style>
+              <a:lnRef idx="1">
+                <a:schemeClr val="accent1"/>
+              </a:lnRef>
+              <a:fillRef idx="0">
+                <a:schemeClr val="accent1"/>
+              </a:fillRef>
+              <a:effectRef idx="0">
+                <a:schemeClr val="accent1"/>
+              </a:effectRef>
+              <a:fontRef idx="minor">
+                <a:schemeClr val="tx1"/>
+              </a:fontRef>
+            </p:style>
+          </p:cxnSp>
+          <p:cxnSp>
+            <p:nvCxnSpPr>
+              <p:cNvPr id="96" name="Straight Arrow Connector 95"/>
+              <p:cNvCxnSpPr/>
+              <p:nvPr/>
+            </p:nvCxnSpPr>
+            <p:spPr>
+              <a:xfrm flipH="1" flipV="1">
+                <a:off x="7137535" y="5101228"/>
+                <a:ext cx="125170" cy="713872"/>
+              </a:xfrm>
+              <a:prstGeom prst="straightConnector1">
+                <a:avLst/>
+              </a:prstGeom>
+              <a:ln w="38100">
                 <a:solidFill>
-                  <a:schemeClr val="bg2"/>
+                  <a:schemeClr val="tx1"/>
                 </a:solidFill>
-                <a:ln w="38100">
-                  <a:solidFill>
-                    <a:schemeClr val="tx1"/>
-                  </a:solidFill>
-                </a:ln>
-              </p:spPr>
-              <p:style>
-                <a:lnRef idx="2">
-                  <a:schemeClr val="accent1">
-                    <a:shade val="50000"/>
-                  </a:schemeClr>
-                </a:lnRef>
-                <a:fillRef idx="1">
-                  <a:schemeClr val="accent1"/>
-                </a:fillRef>
-                <a:effectRef idx="0">
-                  <a:schemeClr val="accent1"/>
-                </a:effectRef>
-                <a:fontRef idx="minor">
-                  <a:schemeClr val="lt1"/>
-                </a:fontRef>
-              </p:style>
-              <p:txBody>
-                <a:bodyPr rtlCol="0" anchor="ctr"/>
-                <a:lstStyle/>
-                <a:p>
-                  <a:pPr algn="ctr"/>
-                  <a:endParaRPr lang="en-US"/>
-                </a:p>
-              </p:txBody>
-            </p:sp>
-          </p:grpSp>
+                <a:tailEnd type="triangle"/>
+              </a:ln>
+            </p:spPr>
+            <p:style>
+              <a:lnRef idx="1">
+                <a:schemeClr val="accent1"/>
+              </a:lnRef>
+              <a:fillRef idx="0">
+                <a:schemeClr val="accent1"/>
+              </a:fillRef>
+              <a:effectRef idx="0">
+                <a:schemeClr val="accent1"/>
+              </a:effectRef>
+              <a:fontRef idx="minor">
+                <a:schemeClr val="tx1"/>
+              </a:fontRef>
+            </p:style>
+          </p:cxnSp>
+          <mc:AlternateContent xmlns:mc="http://schemas.openxmlformats.org/markup-compatibility/2006">
+            <mc:Choice xmlns:a14="http://schemas.microsoft.com/office/drawing/2010/main" Requires="a14">
+              <p:sp>
+                <p:nvSpPr>
+                  <p:cNvPr id="97" name="TextBox 96"/>
+                  <p:cNvSpPr txBox="1"/>
+                  <p:nvPr/>
+                </p:nvSpPr>
+                <p:spPr>
+                  <a:xfrm>
+                    <a:off x="7369530" y="5974872"/>
+                    <a:ext cx="286513" cy="377219"/>
+                  </a:xfrm>
+                  <a:prstGeom prst="rect">
+                    <a:avLst/>
+                  </a:prstGeom>
+                  <a:noFill/>
+                </p:spPr>
+                <p:txBody>
+                  <a:bodyPr wrap="square" lIns="0" tIns="0" rIns="0" bIns="0" rtlCol="0">
+                    <a:spAutoFit/>
+                  </a:bodyPr>
+                  <a:lstStyle/>
+                  <a:p>
+                    <a:pPr/>
+                    <a14:m>
+                      <m:oMathPara xmlns:m="http://schemas.openxmlformats.org/officeDocument/2006/math">
+                        <m:oMathParaPr>
+                          <m:jc m:val="centerGroup"/>
+                        </m:oMathParaPr>
+                        <m:oMath xmlns:m="http://schemas.openxmlformats.org/officeDocument/2006/math">
+                          <m:sSub>
+                            <m:sSubPr>
+                              <m:ctrlPr>
+                                <a:rPr lang="en-US" sz="2000" b="0" i="1" smtClean="0">
+                                  <a:latin typeface="Cambria Math" charset="0"/>
+                                  <a:cs typeface="Arial" panose="020B0604020202020204" pitchFamily="34" charset="0"/>
+                                </a:rPr>
+                              </m:ctrlPr>
+                            </m:sSubPr>
+                            <m:e>
+                              <m:acc>
+                                <m:accPr>
+                                  <m:chr m:val="⃗"/>
+                                  <m:ctrlPr>
+                                    <a:rPr lang="en-US" sz="2000" b="0" i="1" smtClean="0">
+                                      <a:latin typeface="Cambria Math" charset="0"/>
+                                      <a:cs typeface="Arial" panose="020B0604020202020204" pitchFamily="34" charset="0"/>
+                                    </a:rPr>
+                                  </m:ctrlPr>
+                                </m:accPr>
+                                <m:e>
+                                  <m:r>
+                                    <a:rPr lang="en-US" sz="2000" b="0" i="1" smtClean="0">
+                                      <a:latin typeface="Cambria Math" panose="02040503050406030204" pitchFamily="18" charset="0"/>
+                                      <a:cs typeface="Arial" panose="020B0604020202020204" pitchFamily="34" charset="0"/>
+                                    </a:rPr>
+                                    <m:t>𝐹</m:t>
+                                  </m:r>
+                                </m:e>
+                              </m:acc>
+                            </m:e>
+                            <m:sub>
+                              <m:r>
+                                <a:rPr lang="en-US" sz="2000" b="0" i="1" smtClean="0">
+                                  <a:latin typeface="Cambria Math" panose="02040503050406030204" pitchFamily="18" charset="0"/>
+                                  <a:cs typeface="Arial" panose="020B0604020202020204" pitchFamily="34" charset="0"/>
+                                </a:rPr>
+                                <m:t>𝑔</m:t>
+                              </m:r>
+                            </m:sub>
+                          </m:sSub>
+                        </m:oMath>
+                      </m:oMathPara>
+                    </a14:m>
+                    <a:endParaRPr lang="en-US" sz="2000" dirty="0" smtClean="0">
+                      <a:latin typeface="Arial" panose="020B0604020202020204" pitchFamily="34" charset="0"/>
+                      <a:cs typeface="Arial" panose="020B0604020202020204" pitchFamily="34" charset="0"/>
+                    </a:endParaRPr>
+                  </a:p>
+                </p:txBody>
+              </p:sp>
+            </mc:Choice>
+            <mc:Fallback>
+              <p:sp>
+                <p:nvSpPr>
+                  <p:cNvPr id="97" name="TextBox 96"/>
+                  <p:cNvSpPr txBox="1">
+                    <a:spLocks noRot="1" noChangeAspect="1" noMove="1" noResize="1" noEditPoints="1" noAdjustHandles="1" noChangeArrowheads="1" noChangeShapeType="1" noTextEdit="1"/>
+                  </p:cNvSpPr>
+                  <p:nvPr/>
+                </p:nvSpPr>
+                <p:spPr>
+                  <a:xfrm>
+                    <a:off x="7369530" y="5974872"/>
+                    <a:ext cx="286513" cy="377219"/>
+                  </a:xfrm>
+                  <a:prstGeom prst="rect">
+                    <a:avLst/>
+                  </a:prstGeom>
+                  <a:blipFill rotWithShape="0">
+                    <a:blip r:embed="rId28"/>
+                    <a:stretch>
+                      <a:fillRect l="-23404" t="-30645" r="-70213" b="-20968"/>
+                    </a:stretch>
+                  </a:blipFill>
+                </p:spPr>
+                <p:txBody>
+                  <a:bodyPr/>
+                  <a:lstStyle/>
+                  <a:p>
+                    <a:r>
+                      <a:rPr lang="en-US">
+                        <a:noFill/>
+                      </a:rPr>
+                      <a:t> </a:t>
+                    </a:r>
+                  </a:p>
+                </p:txBody>
+              </p:sp>
+            </mc:Fallback>
+          </mc:AlternateContent>
+          <mc:AlternateContent xmlns:mc="http://schemas.openxmlformats.org/markup-compatibility/2006">
+            <mc:Choice xmlns:a14="http://schemas.microsoft.com/office/drawing/2010/main" Requires="a14">
+              <p:sp>
+                <p:nvSpPr>
+                  <p:cNvPr id="100" name="TextBox 99"/>
+                  <p:cNvSpPr txBox="1"/>
+                  <p:nvPr/>
+                </p:nvSpPr>
+                <p:spPr>
+                  <a:xfrm rot="166163">
+                    <a:off x="7335707" y="5281416"/>
+                    <a:ext cx="265855" cy="345159"/>
+                  </a:xfrm>
+                  <a:prstGeom prst="rect">
+                    <a:avLst/>
+                  </a:prstGeom>
+                  <a:noFill/>
+                </p:spPr>
+                <p:txBody>
+                  <a:bodyPr wrap="square" lIns="0" tIns="0" rIns="0" bIns="0" rtlCol="0">
+                    <a:spAutoFit/>
+                  </a:bodyPr>
+                  <a:lstStyle/>
+                  <a:p>
+                    <a:pPr/>
+                    <a14:m>
+                      <m:oMathPara xmlns:m="http://schemas.openxmlformats.org/officeDocument/2006/math">
+                        <m:oMathParaPr>
+                          <m:jc m:val="centerGroup"/>
+                        </m:oMathParaPr>
+                        <m:oMath xmlns:m="http://schemas.openxmlformats.org/officeDocument/2006/math">
+                          <m:acc>
+                            <m:accPr>
+                              <m:chr m:val="⃗"/>
+                              <m:ctrlPr>
+                                <a:rPr lang="en-US" sz="2000" b="0" i="1" smtClean="0">
+                                  <a:latin typeface="Cambria Math" charset="0"/>
+                                  <a:cs typeface="Arial" panose="020B0604020202020204" pitchFamily="34" charset="0"/>
+                                </a:rPr>
+                              </m:ctrlPr>
+                            </m:accPr>
+                            <m:e>
+                              <m:r>
+                                <a:rPr lang="en-US" sz="2000" b="0" i="1" smtClean="0">
+                                  <a:latin typeface="Cambria Math" panose="02040503050406030204" pitchFamily="18" charset="0"/>
+                                  <a:cs typeface="Arial" panose="020B0604020202020204" pitchFamily="34" charset="0"/>
+                                </a:rPr>
+                                <m:t>𝑇</m:t>
+                              </m:r>
+                            </m:e>
+                          </m:acc>
+                        </m:oMath>
+                      </m:oMathPara>
+                    </a14:m>
+                    <a:endParaRPr lang="en-US" sz="2000" dirty="0" smtClean="0">
+                      <a:latin typeface="Arial" panose="020B0604020202020204" pitchFamily="34" charset="0"/>
+                      <a:cs typeface="Arial" panose="020B0604020202020204" pitchFamily="34" charset="0"/>
+                    </a:endParaRPr>
+                  </a:p>
+                </p:txBody>
+              </p:sp>
+            </mc:Choice>
+            <mc:Fallback>
+              <p:sp>
+                <p:nvSpPr>
+                  <p:cNvPr id="100" name="TextBox 99"/>
+                  <p:cNvSpPr txBox="1">
+                    <a:spLocks noRot="1" noChangeAspect="1" noMove="1" noResize="1" noEditPoints="1" noAdjustHandles="1" noChangeArrowheads="1" noChangeShapeType="1" noTextEdit="1"/>
+                  </p:cNvSpPr>
+                  <p:nvPr/>
+                </p:nvSpPr>
+                <p:spPr>
+                  <a:xfrm rot="166163">
+                    <a:off x="7335707" y="5281416"/>
+                    <a:ext cx="265855" cy="345159"/>
+                  </a:xfrm>
+                  <a:prstGeom prst="rect">
+                    <a:avLst/>
+                  </a:prstGeom>
+                  <a:blipFill rotWithShape="0">
+                    <a:blip r:embed="rId29"/>
+                    <a:stretch>
+                      <a:fillRect l="-12766" r="-8511" b="-6667"/>
+                    </a:stretch>
+                  </a:blipFill>
+                </p:spPr>
+                <p:txBody>
+                  <a:bodyPr/>
+                  <a:lstStyle/>
+                  <a:p>
+                    <a:r>
+                      <a:rPr lang="en-US">
+                        <a:noFill/>
+                      </a:rPr>
+                      <a:t> </a:t>
+                    </a:r>
+                  </a:p>
+                </p:txBody>
+              </p:sp>
+            </mc:Fallback>
+          </mc:AlternateContent>
         </p:grpSp>
-        <mc:AlternateContent xmlns:mc="http://schemas.openxmlformats.org/markup-compatibility/2006" xmlns:a14="http://schemas.microsoft.com/office/drawing/2010/main">
-          <mc:Choice Requires="a14">
-            <p:sp>
-              <p:nvSpPr>
-                <p:cNvPr id="20" name="TextBox 19"/>
-                <p:cNvSpPr txBox="1"/>
-                <p:nvPr/>
-              </p:nvSpPr>
-              <p:spPr>
-                <a:xfrm>
-                  <a:off x="1014469" y="5963013"/>
-                  <a:ext cx="1316130" cy="307777"/>
-                </a:xfrm>
-                <a:prstGeom prst="rect">
-                  <a:avLst/>
-                </a:prstGeom>
-                <a:noFill/>
-              </p:spPr>
-              <p:txBody>
-                <a:bodyPr wrap="none" lIns="0" tIns="0" rIns="0" bIns="0" rtlCol="0">
-                  <a:spAutoFit/>
-                </a:bodyPr>
-                <a:lstStyle/>
-                <a:p>
-                  <a:pPr/>
-                  <a14:m>
-                    <m:oMathPara xmlns:m="http://schemas.openxmlformats.org/officeDocument/2006/math">
-                      <m:oMathParaPr>
-                        <m:jc m:val="centerGroup"/>
-                      </m:oMathParaPr>
-                      <m:oMath xmlns:m="http://schemas.openxmlformats.org/officeDocument/2006/math">
-                        <m:r>
-                          <a:rPr lang="en-US" sz="2000" b="0" i="1" smtClean="0">
-                            <a:latin typeface="Cambria Math" panose="02040503050406030204" pitchFamily="18" charset="0"/>
-                            <a:cs typeface="Arial" panose="020B0604020202020204" pitchFamily="34" charset="0"/>
-                          </a:rPr>
-                          <m:t>𝑃𝑙𝑢𝑚𝑏</m:t>
-                        </m:r>
-                        <m:r>
-                          <a:rPr lang="en-US" sz="2000" b="0" i="1" smtClean="0">
-                            <a:latin typeface="Cambria Math" panose="02040503050406030204" pitchFamily="18" charset="0"/>
-                            <a:cs typeface="Arial" panose="020B0604020202020204" pitchFamily="34" charset="0"/>
-                          </a:rPr>
-                          <m:t> </m:t>
-                        </m:r>
-                        <m:r>
-                          <a:rPr lang="en-US" sz="2000" b="0" i="1" smtClean="0">
-                            <a:latin typeface="Cambria Math" panose="02040503050406030204" pitchFamily="18" charset="0"/>
-                            <a:cs typeface="Arial" panose="020B0604020202020204" pitchFamily="34" charset="0"/>
-                          </a:rPr>
-                          <m:t>𝑙𝑖𝑛𝑒</m:t>
-                        </m:r>
-                      </m:oMath>
-                    </m:oMathPara>
-                  </a14:m>
-                  <a:endParaRPr lang="en-US" sz="2000" dirty="0" smtClean="0">
-                    <a:latin typeface="Arial" panose="020B0604020202020204" pitchFamily="34" charset="0"/>
-                    <a:cs typeface="Arial" panose="020B0604020202020204" pitchFamily="34" charset="0"/>
-                  </a:endParaRPr>
-                </a:p>
-              </p:txBody>
-            </p:sp>
-          </mc:Choice>
-          <mc:Fallback xmlns="">
-            <p:sp>
-              <p:nvSpPr>
-                <p:cNvPr id="20" name="TextBox 19"/>
-                <p:cNvSpPr txBox="1">
-                  <a:spLocks noRot="1" noChangeAspect="1" noMove="1" noResize="1" noEditPoints="1" noAdjustHandles="1" noChangeArrowheads="1" noChangeShapeType="1" noTextEdit="1"/>
-                </p:cNvSpPr>
-                <p:nvPr/>
-              </p:nvSpPr>
-              <p:spPr>
-                <a:xfrm>
-                  <a:off x="1014469" y="5963013"/>
-                  <a:ext cx="1316130" cy="307777"/>
-                </a:xfrm>
-                <a:prstGeom prst="rect">
-                  <a:avLst/>
-                </a:prstGeom>
-                <a:blipFill>
-                  <a:blip r:embed="rId27"/>
-                  <a:stretch>
-                    <a:fillRect l="-3704" r="-3241" b="-9804"/>
-                  </a:stretch>
-                </a:blipFill>
-              </p:spPr>
-              <p:txBody>
-                <a:bodyPr/>
-                <a:lstStyle/>
-                <a:p>
-                  <a:r>
-                    <a:rPr lang="en-US">
-                      <a:noFill/>
-                    </a:rPr>
-                    <a:t> </a:t>
-                  </a:r>
-                </a:p>
-              </p:txBody>
-            </p:sp>
-          </mc:Fallback>
-        </mc:AlternateContent>
       </p:grpSp>
     </p:spTree>
     <p:extLst>
@@ -11230,7 +12438,7 @@
 </p:sld>
 </file>
 
-<file path=ppt/slides/slide4.xml><?xml version="1.0" encoding="utf-8"?>
+<file path=ppt/slides/slide5.xml><?xml version="1.0" encoding="utf-8"?>
 <p:sld xmlns:a="http://schemas.openxmlformats.org/drawingml/2006/main" xmlns:r="http://schemas.openxmlformats.org/officeDocument/2006/relationships" xmlns:p="http://schemas.openxmlformats.org/presentationml/2006/main">
   <p:cSld>
     <p:spTree>
@@ -11255,7 +12463,7 @@
         </p:nvGrpSpPr>
         <p:grpSpPr>
           <a:xfrm>
-            <a:off x="676331" y="952131"/>
+            <a:off x="5352638" y="3978549"/>
             <a:ext cx="2576980" cy="2365130"/>
             <a:chOff x="2248277" y="1229533"/>
             <a:chExt cx="2576980" cy="2365130"/>
@@ -11676,7 +12884,7 @@
                               <m:chr m:val="⃗"/>
                               <m:ctrlPr>
                                 <a:rPr lang="en-US" sz="2000" b="0" i="1" smtClean="0">
-                                  <a:latin typeface="Cambria Math" panose="02040503050406030204" pitchFamily="18" charset="0"/>
+                                  <a:latin typeface="Cambria Math" charset="0"/>
                                   <a:cs typeface="Arial" panose="020B0604020202020204" pitchFamily="34" charset="0"/>
                                 </a:rPr>
                               </m:ctrlPr>
@@ -11703,7 +12911,7 @@
                               <m:chr m:val="⃗"/>
                               <m:ctrlPr>
                                 <a:rPr lang="en-US" sz="2000" b="0" i="1" smtClean="0">
-                                  <a:latin typeface="Cambria Math" panose="02040503050406030204" pitchFamily="18" charset="0"/>
+                                  <a:latin typeface="Cambria Math" charset="0"/>
                                   <a:cs typeface="Arial" panose="020B0604020202020204" pitchFamily="34" charset="0"/>
                                 </a:rPr>
                               </m:ctrlPr>
@@ -12115,7 +13323,7 @@
                                   <a:solidFill>
                                     <a:srgbClr val="FF0000"/>
                                   </a:solidFill>
-                                  <a:latin typeface="Cambria Math" panose="02040503050406030204" pitchFamily="18" charset="0"/>
+                                  <a:latin typeface="Cambria Math" charset="0"/>
                                   <a:cs typeface="Arial" panose="020B0604020202020204" pitchFamily="34" charset="0"/>
                                 </a:rPr>
                               </m:ctrlPr>
@@ -13357,7 +14565,7 @@
                                 <a:solidFill>
                                   <a:srgbClr val="FF0000"/>
                                 </a:solidFill>
-                                <a:latin typeface="Cambria Math" panose="02040503050406030204" pitchFamily="18" charset="0"/>
+                                <a:latin typeface="Cambria Math" charset="0"/>
                                 <a:cs typeface="Arial" panose="020B0604020202020204" pitchFamily="34" charset="0"/>
                               </a:rPr>
                             </m:ctrlPr>
@@ -13500,7 +14708,7 @@
                             <m:chr m:val="⃗"/>
                             <m:ctrlPr>
                               <a:rPr lang="en-US" sz="1400" b="0" i="1" smtClean="0">
-                                <a:latin typeface="Cambria Math" panose="02040503050406030204" pitchFamily="18" charset="0"/>
+                                <a:latin typeface="Cambria Math" charset="0"/>
                                 <a:cs typeface="Arial" panose="020B0604020202020204" pitchFamily="34" charset="0"/>
                               </a:rPr>
                             </m:ctrlPr>
@@ -13527,7 +14735,7 @@
                             <m:chr m:val="⃗"/>
                             <m:ctrlPr>
                               <a:rPr lang="en-US" sz="1400" b="0" i="1" smtClean="0">
-                                <a:latin typeface="Cambria Math" panose="02040503050406030204" pitchFamily="18" charset="0"/>
+                                <a:latin typeface="Cambria Math" charset="0"/>
                                 <a:cs typeface="Arial" panose="020B0604020202020204" pitchFamily="34" charset="0"/>
                               </a:rPr>
                             </m:ctrlPr>
@@ -14028,7 +15236,7 @@
                             <m:sSubPr>
                               <m:ctrlPr>
                                 <a:rPr lang="en-US" sz="2000" b="0" i="1" smtClean="0">
-                                  <a:latin typeface="Cambria Math" panose="02040503050406030204" pitchFamily="18" charset="0"/>
+                                  <a:latin typeface="Cambria Math" charset="0"/>
                                   <a:cs typeface="Arial" panose="020B0604020202020204" pitchFamily="34" charset="0"/>
                                 </a:rPr>
                               </m:ctrlPr>
@@ -14137,7 +15345,7 @@
                             <m:sSubPr>
                               <m:ctrlPr>
                                 <a:rPr lang="en-US" sz="2000" b="0" i="1" smtClean="0">
-                                  <a:latin typeface="Cambria Math" panose="02040503050406030204" pitchFamily="18" charset="0"/>
+                                  <a:latin typeface="Cambria Math" charset="0"/>
                                   <a:cs typeface="Arial" panose="020B0604020202020204" pitchFamily="34" charset="0"/>
                                 </a:rPr>
                               </m:ctrlPr>
@@ -14283,7 +15491,7 @@
                               <m:chr m:val="⃗"/>
                               <m:ctrlPr>
                                 <a:rPr lang="en-US" sz="2000" b="0" i="1" smtClean="0">
-                                  <a:latin typeface="Cambria Math" panose="02040503050406030204" pitchFamily="18" charset="0"/>
+                                  <a:latin typeface="Cambria Math" charset="0"/>
                                   <a:cs typeface="Arial" panose="020B0604020202020204" pitchFamily="34" charset="0"/>
                                 </a:rPr>
                               </m:ctrlPr>
@@ -14608,7 +15816,7 @@
 </p:sld>
 </file>
 
-<file path=ppt/slides/slide5.xml><?xml version="1.0" encoding="utf-8"?>
+<file path=ppt/slides/slide6.xml><?xml version="1.0" encoding="utf-8"?>
 <p:sld xmlns:a="http://schemas.openxmlformats.org/drawingml/2006/main" xmlns:r="http://schemas.openxmlformats.org/officeDocument/2006/relationships" xmlns:p="http://schemas.openxmlformats.org/presentationml/2006/main">
   <p:cSld>
     <p:spTree>
@@ -16084,8 +17292,8 @@
             </a:p>
           </p:txBody>
         </p:sp>
-        <mc:AlternateContent xmlns:mc="http://schemas.openxmlformats.org/markup-compatibility/2006">
-          <mc:Choice xmlns:a14="http://schemas.microsoft.com/office/drawing/2010/main" Requires="a14">
+        <mc:AlternateContent xmlns:mc="http://schemas.openxmlformats.org/markup-compatibility/2006" xmlns:a14="http://schemas.microsoft.com/office/drawing/2010/main">
+          <mc:Choice Requires="a14">
             <p:sp>
               <p:nvSpPr>
                 <p:cNvPr id="2" name="TextBox 1"/>
@@ -16108,6 +17316,7 @@
                 </a:bodyPr>
                 <a:lstStyle/>
                 <a:p>
+                  <a:pPr/>
                   <a14:m>
                     <m:oMathPara xmlns:m="http://schemas.openxmlformats.org/officeDocument/2006/math">
                       <m:oMathParaPr>
@@ -16174,7 +17383,7 @@
               </p:txBody>
             </p:sp>
           </mc:Choice>
-          <mc:Fallback>
+          <mc:Fallback xmlns="">
             <p:sp>
               <p:nvSpPr>
                 <p:cNvPr id="2" name="TextBox 1"/>
@@ -16227,7 +17436,2462 @@
 </p:sld>
 </file>
 
-<file path=ppt/slides/slide6.xml><?xml version="1.0" encoding="utf-8"?>
+<file path=ppt/slides/slide7.xml><?xml version="1.0" encoding="utf-8"?>
+<p:sld xmlns:a="http://schemas.openxmlformats.org/drawingml/2006/main" xmlns:r="http://schemas.openxmlformats.org/officeDocument/2006/relationships" xmlns:p="http://schemas.openxmlformats.org/presentationml/2006/main">
+  <p:cSld>
+    <p:spTree>
+      <p:nvGrpSpPr>
+        <p:cNvPr id="1" name=""/>
+        <p:cNvGrpSpPr/>
+        <p:nvPr/>
+      </p:nvGrpSpPr>
+      <p:grpSpPr>
+        <a:xfrm>
+          <a:off x="0" y="0"/>
+          <a:ext cx="0" cy="0"/>
+          <a:chOff x="0" y="0"/>
+          <a:chExt cx="0" cy="0"/>
+        </a:xfrm>
+      </p:grpSpPr>
+      <p:grpSp>
+        <p:nvGrpSpPr>
+          <p:cNvPr id="269" name="Group 268"/>
+          <p:cNvGrpSpPr/>
+          <p:nvPr/>
+        </p:nvGrpSpPr>
+        <p:grpSpPr>
+          <a:xfrm>
+            <a:off x="359943" y="3614970"/>
+            <a:ext cx="2926111" cy="2776977"/>
+            <a:chOff x="7900266" y="730021"/>
+            <a:chExt cx="2926111" cy="2776977"/>
+          </a:xfrm>
+        </p:grpSpPr>
+        <p:grpSp>
+          <p:nvGrpSpPr>
+            <p:cNvPr id="229" name="Group 228"/>
+            <p:cNvGrpSpPr/>
+            <p:nvPr/>
+          </p:nvGrpSpPr>
+          <p:grpSpPr>
+            <a:xfrm>
+              <a:off x="7900266" y="730021"/>
+              <a:ext cx="2767326" cy="2776977"/>
+              <a:chOff x="8533612" y="561437"/>
+              <a:chExt cx="2767326" cy="2776977"/>
+            </a:xfrm>
+          </p:grpSpPr>
+          <p:sp>
+            <p:nvSpPr>
+              <p:cNvPr id="230" name="Arc 229"/>
+              <p:cNvSpPr/>
+              <p:nvPr/>
+            </p:nvSpPr>
+            <p:spPr>
+              <a:xfrm>
+                <a:off x="8548603" y="1760282"/>
+                <a:ext cx="2365130" cy="402721"/>
+              </a:xfrm>
+              <a:prstGeom prst="arc">
+                <a:avLst>
+                  <a:gd name="adj1" fmla="val 31471"/>
+                  <a:gd name="adj2" fmla="val 10840678"/>
+                </a:avLst>
+              </a:prstGeom>
+              <a:ln w="38100">
+                <a:solidFill>
+                  <a:schemeClr val="tx1"/>
+                </a:solidFill>
+              </a:ln>
+            </p:spPr>
+            <p:style>
+              <a:lnRef idx="1">
+                <a:schemeClr val="accent1"/>
+              </a:lnRef>
+              <a:fillRef idx="0">
+                <a:schemeClr val="accent1"/>
+              </a:fillRef>
+              <a:effectRef idx="0">
+                <a:schemeClr val="accent1"/>
+              </a:effectRef>
+              <a:fontRef idx="minor">
+                <a:schemeClr val="tx1"/>
+              </a:fontRef>
+            </p:style>
+            <p:txBody>
+              <a:bodyPr rtlCol="0" anchor="ctr"/>
+              <a:lstStyle/>
+              <a:p>
+                <a:pPr algn="ctr"/>
+                <a:endParaRPr lang="en-US"/>
+              </a:p>
+            </p:txBody>
+          </p:sp>
+          <p:grpSp>
+            <p:nvGrpSpPr>
+              <p:cNvPr id="231" name="Group 230"/>
+              <p:cNvGrpSpPr/>
+              <p:nvPr/>
+            </p:nvGrpSpPr>
+            <p:grpSpPr>
+              <a:xfrm>
+                <a:off x="8533612" y="561437"/>
+                <a:ext cx="2767326" cy="2776977"/>
+                <a:chOff x="8533612" y="561437"/>
+                <a:chExt cx="2767326" cy="2776977"/>
+              </a:xfrm>
+            </p:grpSpPr>
+            <p:grpSp>
+              <p:nvGrpSpPr>
+                <p:cNvPr id="235" name="Group 234"/>
+                <p:cNvGrpSpPr/>
+                <p:nvPr/>
+              </p:nvGrpSpPr>
+              <p:grpSpPr>
+                <a:xfrm>
+                  <a:off x="8548603" y="561437"/>
+                  <a:ext cx="2752335" cy="2776977"/>
+                  <a:chOff x="3238842" y="2822546"/>
+                  <a:chExt cx="2752335" cy="2776977"/>
+                </a:xfrm>
+              </p:grpSpPr>
+              <p:cxnSp>
+                <p:nvCxnSpPr>
+                  <p:cNvPr id="236" name="Straight Connector 235"/>
+                  <p:cNvCxnSpPr/>
+                  <p:nvPr/>
+                </p:nvCxnSpPr>
+                <p:spPr>
+                  <a:xfrm flipV="1">
+                    <a:off x="4406558" y="3716052"/>
+                    <a:ext cx="1152122" cy="532907"/>
+                  </a:xfrm>
+                  <a:prstGeom prst="line">
+                    <a:avLst/>
+                  </a:prstGeom>
+                  <a:ln w="19050">
+                    <a:solidFill>
+                      <a:schemeClr val="tx1"/>
+                    </a:solidFill>
+                    <a:prstDash val="sysDot"/>
+                  </a:ln>
+                </p:spPr>
+                <p:style>
+                  <a:lnRef idx="1">
+                    <a:schemeClr val="accent1"/>
+                  </a:lnRef>
+                  <a:fillRef idx="0">
+                    <a:schemeClr val="accent1"/>
+                  </a:fillRef>
+                  <a:effectRef idx="0">
+                    <a:schemeClr val="accent1"/>
+                  </a:effectRef>
+                  <a:fontRef idx="minor">
+                    <a:schemeClr val="tx1"/>
+                  </a:fontRef>
+                </p:style>
+              </p:cxnSp>
+              <p:grpSp>
+                <p:nvGrpSpPr>
+                  <p:cNvPr id="244" name="Group 243"/>
+                  <p:cNvGrpSpPr/>
+                  <p:nvPr/>
+                </p:nvGrpSpPr>
+                <p:grpSpPr>
+                  <a:xfrm>
+                    <a:off x="3238842" y="2822546"/>
+                    <a:ext cx="2752335" cy="2776977"/>
+                    <a:chOff x="4932485" y="2609916"/>
+                    <a:chExt cx="2752335" cy="2776977"/>
+                  </a:xfrm>
+                </p:grpSpPr>
+                <p:grpSp>
+                  <p:nvGrpSpPr>
+                    <p:cNvPr id="247" name="Group 246"/>
+                    <p:cNvGrpSpPr/>
+                    <p:nvPr/>
+                  </p:nvGrpSpPr>
+                  <p:grpSpPr>
+                    <a:xfrm>
+                      <a:off x="4932485" y="2805310"/>
+                      <a:ext cx="2365130" cy="2365130"/>
+                      <a:chOff x="5099539" y="1274206"/>
+                      <a:chExt cx="2365130" cy="2365130"/>
+                    </a:xfrm>
+                  </p:grpSpPr>
+                  <p:sp>
+                    <p:nvSpPr>
+                      <p:cNvPr id="250" name="Oval 249"/>
+                      <p:cNvSpPr/>
+                      <p:nvPr/>
+                    </p:nvSpPr>
+                    <p:spPr>
+                      <a:xfrm>
+                        <a:off x="5099539" y="1274206"/>
+                        <a:ext cx="2365130" cy="2365130"/>
+                      </a:xfrm>
+                      <a:prstGeom prst="ellipse">
+                        <a:avLst/>
+                      </a:prstGeom>
+                      <a:noFill/>
+                      <a:ln w="38100">
+                        <a:solidFill>
+                          <a:schemeClr val="tx1"/>
+                        </a:solidFill>
+                      </a:ln>
+                    </p:spPr>
+                    <p:style>
+                      <a:lnRef idx="2">
+                        <a:schemeClr val="accent1">
+                          <a:shade val="50000"/>
+                        </a:schemeClr>
+                      </a:lnRef>
+                      <a:fillRef idx="1">
+                        <a:schemeClr val="accent1"/>
+                      </a:fillRef>
+                      <a:effectRef idx="0">
+                        <a:schemeClr val="accent1"/>
+                      </a:effectRef>
+                      <a:fontRef idx="minor">
+                        <a:schemeClr val="lt1"/>
+                      </a:fontRef>
+                    </p:style>
+                    <p:txBody>
+                      <a:bodyPr rtlCol="0" anchor="ctr"/>
+                      <a:lstStyle/>
+                      <a:p>
+                        <a:pPr algn="ctr"/>
+                        <a:endParaRPr lang="en-US"/>
+                      </a:p>
+                    </p:txBody>
+                  </p:sp>
+                  <p:sp>
+                    <p:nvSpPr>
+                      <p:cNvPr id="251" name="Oval 250"/>
+                      <p:cNvSpPr/>
+                      <p:nvPr/>
+                    </p:nvSpPr>
+                    <p:spPr>
+                      <a:xfrm>
+                        <a:off x="7313935" y="1897522"/>
+                        <a:ext cx="120943" cy="119766"/>
+                      </a:xfrm>
+                      <a:prstGeom prst="ellipse">
+                        <a:avLst/>
+                      </a:prstGeom>
+                      <a:solidFill>
+                        <a:schemeClr val="tx1"/>
+                      </a:solidFill>
+                      <a:ln w="38100">
+                        <a:solidFill>
+                          <a:schemeClr val="tx1"/>
+                        </a:solidFill>
+                      </a:ln>
+                    </p:spPr>
+                    <p:style>
+                      <a:lnRef idx="2">
+                        <a:schemeClr val="accent1">
+                          <a:shade val="50000"/>
+                        </a:schemeClr>
+                      </a:lnRef>
+                      <a:fillRef idx="1">
+                        <a:schemeClr val="accent1"/>
+                      </a:fillRef>
+                      <a:effectRef idx="0">
+                        <a:schemeClr val="accent1"/>
+                      </a:effectRef>
+                      <a:fontRef idx="minor">
+                        <a:schemeClr val="lt1"/>
+                      </a:fontRef>
+                    </p:style>
+                    <p:txBody>
+                      <a:bodyPr rtlCol="0" anchor="ctr"/>
+                      <a:lstStyle/>
+                      <a:p>
+                        <a:pPr algn="ctr"/>
+                        <a:endParaRPr lang="en-US"/>
+                      </a:p>
+                    </p:txBody>
+                  </p:sp>
+                </p:grpSp>
+                <p:cxnSp>
+                  <p:nvCxnSpPr>
+                    <p:cNvPr id="248" name="Straight Connector 247"/>
+                    <p:cNvCxnSpPr/>
+                    <p:nvPr/>
+                  </p:nvCxnSpPr>
+                  <p:spPr>
+                    <a:xfrm flipH="1">
+                      <a:off x="6100201" y="2609916"/>
+                      <a:ext cx="14849" cy="2776977"/>
+                    </a:xfrm>
+                    <a:prstGeom prst="line">
+                      <a:avLst/>
+                    </a:prstGeom>
+                    <a:ln w="19050">
+                      <a:solidFill>
+                        <a:schemeClr val="tx1"/>
+                      </a:solidFill>
+                      <a:prstDash val="sysDot"/>
+                    </a:ln>
+                  </p:spPr>
+                  <p:style>
+                    <a:lnRef idx="1">
+                      <a:schemeClr val="accent1"/>
+                    </a:lnRef>
+                    <a:fillRef idx="0">
+                      <a:schemeClr val="accent1"/>
+                    </a:fillRef>
+                    <a:effectRef idx="0">
+                      <a:schemeClr val="accent1"/>
+                    </a:effectRef>
+                    <a:fontRef idx="minor">
+                      <a:schemeClr val="tx1"/>
+                    </a:fontRef>
+                  </p:style>
+                </p:cxnSp>
+                <mc:AlternateContent xmlns:mc="http://schemas.openxmlformats.org/markup-compatibility/2006">
+                  <mc:Choice xmlns:a14="http://schemas.microsoft.com/office/drawing/2010/main" Requires="a14">
+                    <p:sp>
+                      <p:nvSpPr>
+                        <p:cNvPr id="249" name="TextBox 248"/>
+                        <p:cNvSpPr txBox="1"/>
+                        <p:nvPr/>
+                      </p:nvSpPr>
+                      <p:spPr>
+                        <a:xfrm>
+                          <a:off x="7123543" y="2961876"/>
+                          <a:ext cx="561277" cy="345159"/>
+                        </a:xfrm>
+                        <a:prstGeom prst="rect">
+                          <a:avLst/>
+                        </a:prstGeom>
+                        <a:noFill/>
+                      </p:spPr>
+                      <p:txBody>
+                        <a:bodyPr wrap="square" lIns="0" tIns="0" rIns="0" bIns="0" rtlCol="0">
+                          <a:spAutoFit/>
+                        </a:bodyPr>
+                        <a:lstStyle/>
+                        <a:p>
+                          <a:pPr/>
+                          <a14:m>
+                            <m:oMathPara xmlns:m="http://schemas.openxmlformats.org/officeDocument/2006/math">
+                              <m:oMathParaPr>
+                                <m:jc m:val="centerGroup"/>
+                              </m:oMathParaPr>
+                              <m:oMath xmlns:m="http://schemas.openxmlformats.org/officeDocument/2006/math">
+                                <m:acc>
+                                  <m:accPr>
+                                    <m:chr m:val="⃗"/>
+                                    <m:ctrlPr>
+                                      <a:rPr lang="en-CA" sz="2000" b="0" i="1" smtClean="0">
+                                        <a:latin typeface="Cambria Math" charset="0"/>
+                                        <a:cs typeface="Arial" panose="020B0604020202020204" pitchFamily="34" charset="0"/>
+                                      </a:rPr>
+                                    </m:ctrlPr>
+                                  </m:accPr>
+                                  <m:e>
+                                    <m:r>
+                                      <a:rPr lang="en-CA" sz="2000" b="0" i="1" smtClean="0">
+                                        <a:latin typeface="Cambria Math" charset="0"/>
+                                        <a:cs typeface="Arial" panose="020B0604020202020204" pitchFamily="34" charset="0"/>
+                                      </a:rPr>
+                                      <m:t>𝑇</m:t>
+                                    </m:r>
+                                  </m:e>
+                                </m:acc>
+                              </m:oMath>
+                            </m:oMathPara>
+                          </a14:m>
+                          <a:endParaRPr lang="en-US" sz="2000" dirty="0" smtClean="0">
+                            <a:latin typeface="Arial" panose="020B0604020202020204" pitchFamily="34" charset="0"/>
+                            <a:cs typeface="Arial" panose="020B0604020202020204" pitchFamily="34" charset="0"/>
+                          </a:endParaRPr>
+                        </a:p>
+                      </p:txBody>
+                    </p:sp>
+                  </mc:Choice>
+                  <mc:Fallback>
+                    <p:sp>
+                      <p:nvSpPr>
+                        <p:cNvPr id="249" name="TextBox 248"/>
+                        <p:cNvSpPr txBox="1">
+                          <a:spLocks noRot="1" noChangeAspect="1" noMove="1" noResize="1" noEditPoints="1" noAdjustHandles="1" noChangeArrowheads="1" noChangeShapeType="1" noTextEdit="1"/>
+                        </p:cNvSpPr>
+                        <p:nvPr/>
+                      </p:nvSpPr>
+                      <p:spPr>
+                        <a:xfrm>
+                          <a:off x="7123543" y="2961876"/>
+                          <a:ext cx="561277" cy="345159"/>
+                        </a:xfrm>
+                        <a:prstGeom prst="rect">
+                          <a:avLst/>
+                        </a:prstGeom>
+                        <a:blipFill rotWithShape="0">
+                          <a:blip r:embed="rId2"/>
+                          <a:stretch>
+                            <a:fillRect b="-8929"/>
+                          </a:stretch>
+                        </a:blipFill>
+                      </p:spPr>
+                      <p:txBody>
+                        <a:bodyPr/>
+                        <a:lstStyle/>
+                        <a:p>
+                          <a:r>
+                            <a:rPr lang="en-US">
+                              <a:noFill/>
+                            </a:rPr>
+                            <a:t> </a:t>
+                          </a:r>
+                        </a:p>
+                      </p:txBody>
+                    </p:sp>
+                  </mc:Fallback>
+                </mc:AlternateContent>
+              </p:grpSp>
+            </p:grpSp>
+            <p:sp>
+              <p:nvSpPr>
+                <p:cNvPr id="233" name="Arc 232"/>
+                <p:cNvSpPr/>
+                <p:nvPr/>
+              </p:nvSpPr>
+              <p:spPr>
+                <a:xfrm>
+                  <a:off x="8533612" y="1775270"/>
+                  <a:ext cx="2365130" cy="402721"/>
+                </a:xfrm>
+                <a:prstGeom prst="arc">
+                  <a:avLst>
+                    <a:gd name="adj1" fmla="val 10819517"/>
+                    <a:gd name="adj2" fmla="val 21596417"/>
+                  </a:avLst>
+                </a:prstGeom>
+                <a:ln w="38100">
+                  <a:solidFill>
+                    <a:schemeClr val="tx1"/>
+                  </a:solidFill>
+                  <a:prstDash val="sysDash"/>
+                </a:ln>
+              </p:spPr>
+              <p:style>
+                <a:lnRef idx="1">
+                  <a:schemeClr val="accent1"/>
+                </a:lnRef>
+                <a:fillRef idx="0">
+                  <a:schemeClr val="accent1"/>
+                </a:fillRef>
+                <a:effectRef idx="0">
+                  <a:schemeClr val="accent1"/>
+                </a:effectRef>
+                <a:fontRef idx="minor">
+                  <a:schemeClr val="tx1"/>
+                </a:fontRef>
+              </p:style>
+              <p:txBody>
+                <a:bodyPr rtlCol="0" anchor="ctr"/>
+                <a:lstStyle/>
+                <a:p>
+                  <a:pPr algn="ctr"/>
+                  <a:endParaRPr lang="en-US"/>
+                </a:p>
+              </p:txBody>
+            </p:sp>
+          </p:grpSp>
+        </p:grpSp>
+        <mc:AlternateContent xmlns:mc="http://schemas.openxmlformats.org/markup-compatibility/2006">
+          <mc:Choice xmlns:a14="http://schemas.microsoft.com/office/drawing/2010/main" Requires="a14">
+            <p:sp>
+              <p:nvSpPr>
+                <p:cNvPr id="263" name="TextBox 262"/>
+                <p:cNvSpPr txBox="1"/>
+                <p:nvPr/>
+              </p:nvSpPr>
+              <p:spPr>
+                <a:xfrm>
+                  <a:off x="9537240" y="1314914"/>
+                  <a:ext cx="561277" cy="377219"/>
+                </a:xfrm>
+                <a:prstGeom prst="rect">
+                  <a:avLst/>
+                </a:prstGeom>
+                <a:noFill/>
+              </p:spPr>
+              <p:txBody>
+                <a:bodyPr wrap="square" lIns="0" tIns="0" rIns="0" bIns="0" rtlCol="0">
+                  <a:spAutoFit/>
+                </a:bodyPr>
+                <a:lstStyle/>
+                <a:p>
+                  <a:pPr/>
+                  <a14:m>
+                    <m:oMathPara xmlns:m="http://schemas.openxmlformats.org/officeDocument/2006/math">
+                      <m:oMathParaPr>
+                        <m:jc m:val="centerGroup"/>
+                      </m:oMathParaPr>
+                      <m:oMath xmlns:m="http://schemas.openxmlformats.org/officeDocument/2006/math">
+                        <m:sSub>
+                          <m:sSubPr>
+                            <m:ctrlPr>
+                              <a:rPr lang="en-CA" sz="2000" b="0" i="1" smtClean="0">
+                                <a:latin typeface="Cambria Math" charset="0"/>
+                                <a:cs typeface="Arial" panose="020B0604020202020204" pitchFamily="34" charset="0"/>
+                              </a:rPr>
+                            </m:ctrlPr>
+                          </m:sSubPr>
+                          <m:e>
+                            <m:acc>
+                              <m:accPr>
+                                <m:chr m:val="⃗"/>
+                                <m:ctrlPr>
+                                  <a:rPr lang="en-CA" sz="2000" b="0" i="1" smtClean="0">
+                                    <a:latin typeface="Cambria Math" charset="0"/>
+                                    <a:cs typeface="Arial" panose="020B0604020202020204" pitchFamily="34" charset="0"/>
+                                  </a:rPr>
+                                </m:ctrlPr>
+                              </m:accPr>
+                              <m:e>
+                                <m:r>
+                                  <a:rPr lang="en-CA" sz="2000" b="0" i="1" smtClean="0">
+                                    <a:latin typeface="Cambria Math" charset="0"/>
+                                    <a:cs typeface="Arial" panose="020B0604020202020204" pitchFamily="34" charset="0"/>
+                                  </a:rPr>
+                                  <m:t>𝐹</m:t>
+                                </m:r>
+                              </m:e>
+                            </m:acc>
+                          </m:e>
+                          <m:sub>
+                            <m:r>
+                              <a:rPr lang="en-CA" sz="2000" b="0" i="1" smtClean="0">
+                                <a:latin typeface="Cambria Math" charset="0"/>
+                                <a:cs typeface="Arial" panose="020B0604020202020204" pitchFamily="34" charset="0"/>
+                              </a:rPr>
+                              <m:t>𝑔</m:t>
+                            </m:r>
+                          </m:sub>
+                        </m:sSub>
+                      </m:oMath>
+                    </m:oMathPara>
+                  </a14:m>
+                  <a:endParaRPr lang="en-US" sz="2000" dirty="0" smtClean="0">
+                    <a:latin typeface="Arial" panose="020B0604020202020204" pitchFamily="34" charset="0"/>
+                    <a:cs typeface="Arial" panose="020B0604020202020204" pitchFamily="34" charset="0"/>
+                  </a:endParaRPr>
+                </a:p>
+              </p:txBody>
+            </p:sp>
+          </mc:Choice>
+          <mc:Fallback>
+            <p:sp>
+              <p:nvSpPr>
+                <p:cNvPr id="263" name="TextBox 262"/>
+                <p:cNvSpPr txBox="1">
+                  <a:spLocks noRot="1" noChangeAspect="1" noMove="1" noResize="1" noEditPoints="1" noAdjustHandles="1" noChangeArrowheads="1" noChangeShapeType="1" noTextEdit="1"/>
+                </p:cNvSpPr>
+                <p:nvPr/>
+              </p:nvSpPr>
+              <p:spPr>
+                <a:xfrm>
+                  <a:off x="9537240" y="1314914"/>
+                  <a:ext cx="561277" cy="377219"/>
+                </a:xfrm>
+                <a:prstGeom prst="rect">
+                  <a:avLst/>
+                </a:prstGeom>
+                <a:blipFill rotWithShape="0">
+                  <a:blip r:embed="rId3"/>
+                  <a:stretch>
+                    <a:fillRect t="-32258" r="-26087" b="-19355"/>
+                  </a:stretch>
+                </a:blipFill>
+              </p:spPr>
+              <p:txBody>
+                <a:bodyPr/>
+                <a:lstStyle/>
+                <a:p>
+                  <a:r>
+                    <a:rPr lang="en-US">
+                      <a:noFill/>
+                    </a:rPr>
+                    <a:t> </a:t>
+                  </a:r>
+                </a:p>
+              </p:txBody>
+            </p:sp>
+          </mc:Fallback>
+        </mc:AlternateContent>
+        <p:cxnSp>
+          <p:nvCxnSpPr>
+            <p:cNvPr id="264" name="Straight Arrow Connector 263"/>
+            <p:cNvCxnSpPr/>
+            <p:nvPr/>
+          </p:nvCxnSpPr>
+          <p:spPr>
+            <a:xfrm flipH="1">
+              <a:off x="9563829" y="1617678"/>
+              <a:ext cx="621293" cy="320475"/>
+            </a:xfrm>
+            <a:prstGeom prst="straightConnector1">
+              <a:avLst/>
+            </a:prstGeom>
+            <a:ln w="57150">
+              <a:solidFill>
+                <a:schemeClr val="tx1"/>
+              </a:solidFill>
+              <a:tailEnd type="triangle"/>
+            </a:ln>
+          </p:spPr>
+          <p:style>
+            <a:lnRef idx="1">
+              <a:schemeClr val="accent1"/>
+            </a:lnRef>
+            <a:fillRef idx="0">
+              <a:schemeClr val="accent1"/>
+            </a:fillRef>
+            <a:effectRef idx="0">
+              <a:schemeClr val="accent1"/>
+            </a:effectRef>
+            <a:fontRef idx="minor">
+              <a:schemeClr val="tx1"/>
+            </a:fontRef>
+          </p:style>
+        </p:cxnSp>
+        <p:cxnSp>
+          <p:nvCxnSpPr>
+            <p:cNvPr id="268" name="Straight Arrow Connector 267"/>
+            <p:cNvCxnSpPr/>
+            <p:nvPr/>
+          </p:nvCxnSpPr>
+          <p:spPr>
+            <a:xfrm flipV="1">
+              <a:off x="10205084" y="1288362"/>
+              <a:ext cx="621293" cy="320475"/>
+            </a:xfrm>
+            <a:prstGeom prst="straightConnector1">
+              <a:avLst/>
+            </a:prstGeom>
+            <a:ln w="57150">
+              <a:solidFill>
+                <a:schemeClr val="tx1"/>
+              </a:solidFill>
+              <a:tailEnd type="triangle"/>
+            </a:ln>
+          </p:spPr>
+          <p:style>
+            <a:lnRef idx="1">
+              <a:schemeClr val="accent1"/>
+            </a:lnRef>
+            <a:fillRef idx="0">
+              <a:schemeClr val="accent1"/>
+            </a:fillRef>
+            <a:effectRef idx="0">
+              <a:schemeClr val="accent1"/>
+            </a:effectRef>
+            <a:fontRef idx="minor">
+              <a:schemeClr val="tx1"/>
+            </a:fontRef>
+          </p:style>
+        </p:cxnSp>
+      </p:grpSp>
+      <p:grpSp>
+        <p:nvGrpSpPr>
+          <p:cNvPr id="328" name="Group 327"/>
+          <p:cNvGrpSpPr/>
+          <p:nvPr/>
+        </p:nvGrpSpPr>
+        <p:grpSpPr>
+          <a:xfrm>
+            <a:off x="5011163" y="3573388"/>
+            <a:ext cx="2962334" cy="2776977"/>
+            <a:chOff x="6535559" y="3464314"/>
+            <a:chExt cx="2962334" cy="2776977"/>
+          </a:xfrm>
+        </p:grpSpPr>
+        <p:grpSp>
+          <p:nvGrpSpPr>
+            <p:cNvPr id="290" name="Group 289"/>
+            <p:cNvGrpSpPr/>
+            <p:nvPr/>
+          </p:nvGrpSpPr>
+          <p:grpSpPr>
+            <a:xfrm>
+              <a:off x="6535559" y="3464314"/>
+              <a:ext cx="2549433" cy="2776977"/>
+              <a:chOff x="8364300" y="561437"/>
+              <a:chExt cx="2549433" cy="2776977"/>
+            </a:xfrm>
+          </p:grpSpPr>
+          <p:sp>
+            <p:nvSpPr>
+              <p:cNvPr id="291" name="Arc 290"/>
+              <p:cNvSpPr/>
+              <p:nvPr/>
+            </p:nvSpPr>
+            <p:spPr>
+              <a:xfrm>
+                <a:off x="8548603" y="1760282"/>
+                <a:ext cx="2365130" cy="402721"/>
+              </a:xfrm>
+              <a:prstGeom prst="arc">
+                <a:avLst>
+                  <a:gd name="adj1" fmla="val 31471"/>
+                  <a:gd name="adj2" fmla="val 10840678"/>
+                </a:avLst>
+              </a:prstGeom>
+              <a:ln w="38100">
+                <a:solidFill>
+                  <a:schemeClr val="tx1"/>
+                </a:solidFill>
+              </a:ln>
+            </p:spPr>
+            <p:style>
+              <a:lnRef idx="1">
+                <a:schemeClr val="accent1"/>
+              </a:lnRef>
+              <a:fillRef idx="0">
+                <a:schemeClr val="accent1"/>
+              </a:fillRef>
+              <a:effectRef idx="0">
+                <a:schemeClr val="accent1"/>
+              </a:effectRef>
+              <a:fontRef idx="minor">
+                <a:schemeClr val="tx1"/>
+              </a:fontRef>
+            </p:style>
+            <p:txBody>
+              <a:bodyPr rtlCol="0" anchor="ctr"/>
+              <a:lstStyle/>
+              <a:p>
+                <a:pPr algn="ctr"/>
+                <a:endParaRPr lang="en-US"/>
+              </a:p>
+            </p:txBody>
+          </p:sp>
+          <p:grpSp>
+            <p:nvGrpSpPr>
+              <p:cNvPr id="292" name="Group 291"/>
+              <p:cNvGrpSpPr/>
+              <p:nvPr/>
+            </p:nvGrpSpPr>
+            <p:grpSpPr>
+              <a:xfrm>
+                <a:off x="8364300" y="561437"/>
+                <a:ext cx="2549433" cy="2776977"/>
+                <a:chOff x="8364300" y="561437"/>
+                <a:chExt cx="2549433" cy="2776977"/>
+              </a:xfrm>
+            </p:grpSpPr>
+            <p:grpSp>
+              <p:nvGrpSpPr>
+                <p:cNvPr id="296" name="Group 295"/>
+                <p:cNvGrpSpPr/>
+                <p:nvPr/>
+              </p:nvGrpSpPr>
+              <p:grpSpPr>
+                <a:xfrm>
+                  <a:off x="8364300" y="561437"/>
+                  <a:ext cx="2549433" cy="2776977"/>
+                  <a:chOff x="3054539" y="2822546"/>
+                  <a:chExt cx="2549433" cy="2776977"/>
+                </a:xfrm>
+              </p:grpSpPr>
+              <p:cxnSp>
+                <p:nvCxnSpPr>
+                  <p:cNvPr id="297" name="Straight Connector 296"/>
+                  <p:cNvCxnSpPr/>
+                  <p:nvPr/>
+                </p:nvCxnSpPr>
+                <p:spPr>
+                  <a:xfrm flipV="1">
+                    <a:off x="4406558" y="3716052"/>
+                    <a:ext cx="1152122" cy="532907"/>
+                  </a:xfrm>
+                  <a:prstGeom prst="line">
+                    <a:avLst/>
+                  </a:prstGeom>
+                  <a:ln w="19050">
+                    <a:solidFill>
+                      <a:schemeClr val="tx1"/>
+                    </a:solidFill>
+                    <a:prstDash val="sysDot"/>
+                  </a:ln>
+                </p:spPr>
+                <p:style>
+                  <a:lnRef idx="1">
+                    <a:schemeClr val="accent1"/>
+                  </a:lnRef>
+                  <a:fillRef idx="0">
+                    <a:schemeClr val="accent1"/>
+                  </a:fillRef>
+                  <a:effectRef idx="0">
+                    <a:schemeClr val="accent1"/>
+                  </a:effectRef>
+                  <a:fontRef idx="minor">
+                    <a:schemeClr val="tx1"/>
+                  </a:fontRef>
+                </p:style>
+              </p:cxnSp>
+              <p:cxnSp>
+                <p:nvCxnSpPr>
+                  <p:cNvPr id="298" name="Straight Connector 297"/>
+                  <p:cNvCxnSpPr/>
+                  <p:nvPr/>
+                </p:nvCxnSpPr>
+                <p:spPr>
+                  <a:xfrm flipV="1">
+                    <a:off x="4422756" y="3686149"/>
+                    <a:ext cx="1075452" cy="12038"/>
+                  </a:xfrm>
+                  <a:prstGeom prst="line">
+                    <a:avLst/>
+                  </a:prstGeom>
+                  <a:ln w="19050">
+                    <a:solidFill>
+                      <a:schemeClr val="tx1"/>
+                    </a:solidFill>
+                    <a:prstDash val="sysDot"/>
+                  </a:ln>
+                </p:spPr>
+                <p:style>
+                  <a:lnRef idx="1">
+                    <a:schemeClr val="accent1"/>
+                  </a:lnRef>
+                  <a:fillRef idx="0">
+                    <a:schemeClr val="accent1"/>
+                  </a:fillRef>
+                  <a:effectRef idx="0">
+                    <a:schemeClr val="accent1"/>
+                  </a:effectRef>
+                  <a:fontRef idx="minor">
+                    <a:schemeClr val="tx1"/>
+                  </a:fontRef>
+                </p:style>
+              </p:cxnSp>
+              <p:grpSp>
+                <p:nvGrpSpPr>
+                  <p:cNvPr id="301" name="Group 300"/>
+                  <p:cNvGrpSpPr/>
+                  <p:nvPr/>
+                </p:nvGrpSpPr>
+                <p:grpSpPr>
+                  <a:xfrm>
+                    <a:off x="3054539" y="2822546"/>
+                    <a:ext cx="2549433" cy="2776977"/>
+                    <a:chOff x="3054539" y="2807556"/>
+                    <a:chExt cx="2549433" cy="2776977"/>
+                  </a:xfrm>
+                </p:grpSpPr>
+                <p:grpSp>
+                  <p:nvGrpSpPr>
+                    <p:cNvPr id="302" name="Group 301"/>
+                    <p:cNvGrpSpPr/>
+                    <p:nvPr/>
+                  </p:nvGrpSpPr>
+                  <p:grpSpPr>
+                    <a:xfrm>
+                      <a:off x="3238842" y="2807556"/>
+                      <a:ext cx="2365130" cy="2776977"/>
+                      <a:chOff x="2802071" y="2957660"/>
+                      <a:chExt cx="2365130" cy="2776977"/>
+                    </a:xfrm>
+                  </p:grpSpPr>
+                  <p:grpSp>
+                    <p:nvGrpSpPr>
+                      <p:cNvPr id="305" name="Group 304"/>
+                      <p:cNvGrpSpPr/>
+                      <p:nvPr/>
+                    </p:nvGrpSpPr>
+                    <p:grpSpPr>
+                      <a:xfrm>
+                        <a:off x="2802071" y="2957660"/>
+                        <a:ext cx="2365130" cy="2776977"/>
+                        <a:chOff x="4932485" y="2609916"/>
+                        <a:chExt cx="2365130" cy="2776977"/>
+                      </a:xfrm>
+                    </p:grpSpPr>
+                    <p:grpSp>
+                      <p:nvGrpSpPr>
+                        <p:cNvPr id="308" name="Group 307"/>
+                        <p:cNvGrpSpPr/>
+                        <p:nvPr/>
+                      </p:nvGrpSpPr>
+                      <p:grpSpPr>
+                        <a:xfrm>
+                          <a:off x="4932485" y="2805310"/>
+                          <a:ext cx="2365130" cy="2365130"/>
+                          <a:chOff x="5099539" y="1274206"/>
+                          <a:chExt cx="2365130" cy="2365130"/>
+                        </a:xfrm>
+                      </p:grpSpPr>
+                      <p:sp>
+                        <p:nvSpPr>
+                          <p:cNvPr id="311" name="Oval 310"/>
+                          <p:cNvSpPr/>
+                          <p:nvPr/>
+                        </p:nvSpPr>
+                        <p:spPr>
+                          <a:xfrm>
+                            <a:off x="5099539" y="1274206"/>
+                            <a:ext cx="2365130" cy="2365130"/>
+                          </a:xfrm>
+                          <a:prstGeom prst="ellipse">
+                            <a:avLst/>
+                          </a:prstGeom>
+                          <a:noFill/>
+                          <a:ln w="38100">
+                            <a:solidFill>
+                              <a:schemeClr val="tx1"/>
+                            </a:solidFill>
+                          </a:ln>
+                        </p:spPr>
+                        <p:style>
+                          <a:lnRef idx="2">
+                            <a:schemeClr val="accent1">
+                              <a:shade val="50000"/>
+                            </a:schemeClr>
+                          </a:lnRef>
+                          <a:fillRef idx="1">
+                            <a:schemeClr val="accent1"/>
+                          </a:fillRef>
+                          <a:effectRef idx="0">
+                            <a:schemeClr val="accent1"/>
+                          </a:effectRef>
+                          <a:fontRef idx="minor">
+                            <a:schemeClr val="lt1"/>
+                          </a:fontRef>
+                        </p:style>
+                        <p:txBody>
+                          <a:bodyPr rtlCol="0" anchor="ctr"/>
+                          <a:lstStyle/>
+                          <a:p>
+                            <a:pPr algn="ctr"/>
+                            <a:endParaRPr lang="en-US"/>
+                          </a:p>
+                        </p:txBody>
+                      </p:sp>
+                      <p:sp>
+                        <p:nvSpPr>
+                          <p:cNvPr id="312" name="Oval 311"/>
+                          <p:cNvSpPr/>
+                          <p:nvPr/>
+                        </p:nvSpPr>
+                        <p:spPr>
+                          <a:xfrm>
+                            <a:off x="7313935" y="1897522"/>
+                            <a:ext cx="120943" cy="119766"/>
+                          </a:xfrm>
+                          <a:prstGeom prst="ellipse">
+                            <a:avLst/>
+                          </a:prstGeom>
+                          <a:solidFill>
+                            <a:schemeClr val="tx1"/>
+                          </a:solidFill>
+                          <a:ln w="38100">
+                            <a:solidFill>
+                              <a:schemeClr val="tx1"/>
+                            </a:solidFill>
+                          </a:ln>
+                        </p:spPr>
+                        <p:style>
+                          <a:lnRef idx="2">
+                            <a:schemeClr val="accent1">
+                              <a:shade val="50000"/>
+                            </a:schemeClr>
+                          </a:lnRef>
+                          <a:fillRef idx="1">
+                            <a:schemeClr val="accent1"/>
+                          </a:fillRef>
+                          <a:effectRef idx="0">
+                            <a:schemeClr val="accent1"/>
+                          </a:effectRef>
+                          <a:fontRef idx="minor">
+                            <a:schemeClr val="lt1"/>
+                          </a:fontRef>
+                        </p:style>
+                        <p:txBody>
+                          <a:bodyPr rtlCol="0" anchor="ctr"/>
+                          <a:lstStyle/>
+                          <a:p>
+                            <a:pPr algn="ctr"/>
+                            <a:endParaRPr lang="en-US"/>
+                          </a:p>
+                        </p:txBody>
+                      </p:sp>
+                    </p:grpSp>
+                    <p:cxnSp>
+                      <p:nvCxnSpPr>
+                        <p:cNvPr id="309" name="Straight Connector 308"/>
+                        <p:cNvCxnSpPr/>
+                        <p:nvPr/>
+                      </p:nvCxnSpPr>
+                      <p:spPr>
+                        <a:xfrm flipH="1">
+                          <a:off x="6100201" y="2609916"/>
+                          <a:ext cx="14849" cy="2776977"/>
+                        </a:xfrm>
+                        <a:prstGeom prst="line">
+                          <a:avLst/>
+                        </a:prstGeom>
+                        <a:ln w="19050">
+                          <a:solidFill>
+                            <a:schemeClr val="tx1"/>
+                          </a:solidFill>
+                          <a:prstDash val="sysDot"/>
+                        </a:ln>
+                      </p:spPr>
+                      <p:style>
+                        <a:lnRef idx="1">
+                          <a:schemeClr val="accent1"/>
+                        </a:lnRef>
+                        <a:fillRef idx="0">
+                          <a:schemeClr val="accent1"/>
+                        </a:fillRef>
+                        <a:effectRef idx="0">
+                          <a:schemeClr val="accent1"/>
+                        </a:effectRef>
+                        <a:fontRef idx="minor">
+                          <a:schemeClr val="tx1"/>
+                        </a:fontRef>
+                      </p:style>
+                    </p:cxnSp>
+                  </p:grpSp>
+                  <p:sp>
+                    <p:nvSpPr>
+                      <p:cNvPr id="306" name="Arc 305"/>
+                      <p:cNvSpPr/>
+                      <p:nvPr/>
+                    </p:nvSpPr>
+                    <p:spPr>
+                      <a:xfrm>
+                        <a:off x="2916847" y="3705225"/>
+                        <a:ext cx="2120801" cy="268934"/>
+                      </a:xfrm>
+                      <a:prstGeom prst="arc">
+                        <a:avLst>
+                          <a:gd name="adj1" fmla="val 10819517"/>
+                          <a:gd name="adj2" fmla="val 21596417"/>
+                        </a:avLst>
+                      </a:prstGeom>
+                      <a:ln w="19050">
+                        <a:solidFill>
+                          <a:schemeClr val="tx1"/>
+                        </a:solidFill>
+                        <a:prstDash val="sysDash"/>
+                      </a:ln>
+                    </p:spPr>
+                    <p:style>
+                      <a:lnRef idx="1">
+                        <a:schemeClr val="accent1"/>
+                      </a:lnRef>
+                      <a:fillRef idx="0">
+                        <a:schemeClr val="accent1"/>
+                      </a:fillRef>
+                      <a:effectRef idx="0">
+                        <a:schemeClr val="accent1"/>
+                      </a:effectRef>
+                      <a:fontRef idx="minor">
+                        <a:schemeClr val="tx1"/>
+                      </a:fontRef>
+                    </p:style>
+                    <p:txBody>
+                      <a:bodyPr rtlCol="0" anchor="ctr"/>
+                      <a:lstStyle/>
+                      <a:p>
+                        <a:pPr algn="ctr"/>
+                        <a:endParaRPr lang="en-US"/>
+                      </a:p>
+                    </p:txBody>
+                  </p:sp>
+                  <p:sp>
+                    <p:nvSpPr>
+                      <p:cNvPr id="307" name="Arc 306"/>
+                      <p:cNvSpPr/>
+                      <p:nvPr/>
+                    </p:nvSpPr>
+                    <p:spPr>
+                      <a:xfrm>
+                        <a:off x="2933137" y="3709283"/>
+                        <a:ext cx="2120801" cy="268934"/>
+                      </a:xfrm>
+                      <a:prstGeom prst="arc">
+                        <a:avLst>
+                          <a:gd name="adj1" fmla="val 31471"/>
+                          <a:gd name="adj2" fmla="val 10840678"/>
+                        </a:avLst>
+                      </a:prstGeom>
+                      <a:ln w="19050">
+                        <a:solidFill>
+                          <a:schemeClr val="tx1"/>
+                        </a:solidFill>
+                      </a:ln>
+                    </p:spPr>
+                    <p:style>
+                      <a:lnRef idx="1">
+                        <a:schemeClr val="accent1"/>
+                      </a:lnRef>
+                      <a:fillRef idx="0">
+                        <a:schemeClr val="accent1"/>
+                      </a:fillRef>
+                      <a:effectRef idx="0">
+                        <a:schemeClr val="accent1"/>
+                      </a:effectRef>
+                      <a:fontRef idx="minor">
+                        <a:schemeClr val="tx1"/>
+                      </a:fontRef>
+                    </p:style>
+                    <p:txBody>
+                      <a:bodyPr rtlCol="0" anchor="ctr"/>
+                      <a:lstStyle/>
+                      <a:p>
+                        <a:pPr algn="ctr"/>
+                        <a:endParaRPr lang="en-US"/>
+                      </a:p>
+                    </p:txBody>
+                  </p:sp>
+                </p:grpSp>
+                <p:sp>
+                  <p:nvSpPr>
+                    <p:cNvPr id="303" name="Arc 302"/>
+                    <p:cNvSpPr/>
+                    <p:nvPr/>
+                  </p:nvSpPr>
+                  <p:spPr>
+                    <a:xfrm>
+                      <a:off x="3054539" y="3499600"/>
+                      <a:ext cx="2215976" cy="391388"/>
+                    </a:xfrm>
+                    <a:prstGeom prst="arc">
+                      <a:avLst>
+                        <a:gd name="adj1" fmla="val 9094244"/>
+                        <a:gd name="adj2" fmla="val 11497263"/>
+                      </a:avLst>
+                    </a:prstGeom>
+                    <a:ln w="57150">
+                      <a:solidFill>
+                        <a:schemeClr val="tx1"/>
+                      </a:solidFill>
+                      <a:headEnd type="triangle" w="med" len="med"/>
+                      <a:tailEnd type="none" w="med" len="med"/>
+                    </a:ln>
+                  </p:spPr>
+                  <p:style>
+                    <a:lnRef idx="1">
+                      <a:schemeClr val="accent1"/>
+                    </a:lnRef>
+                    <a:fillRef idx="0">
+                      <a:schemeClr val="accent1"/>
+                    </a:fillRef>
+                    <a:effectRef idx="0">
+                      <a:schemeClr val="accent1"/>
+                    </a:effectRef>
+                    <a:fontRef idx="minor">
+                      <a:schemeClr val="tx1"/>
+                    </a:fontRef>
+                  </p:style>
+                  <p:txBody>
+                    <a:bodyPr rtlCol="0" anchor="ctr"/>
+                    <a:lstStyle/>
+                    <a:p>
+                      <a:pPr algn="ctr"/>
+                      <a:endParaRPr lang="en-US"/>
+                    </a:p>
+                  </p:txBody>
+                </p:sp>
+                <mc:AlternateContent xmlns:mc="http://schemas.openxmlformats.org/markup-compatibility/2006">
+                  <mc:Choice xmlns:a14="http://schemas.microsoft.com/office/drawing/2010/main" Requires="a14">
+                    <p:sp>
+                      <p:nvSpPr>
+                        <p:cNvPr id="304" name="TextBox 303"/>
+                        <p:cNvSpPr txBox="1"/>
+                        <p:nvPr/>
+                      </p:nvSpPr>
+                      <p:spPr>
+                        <a:xfrm>
+                          <a:off x="3123023" y="3246847"/>
+                          <a:ext cx="262123" cy="307777"/>
+                        </a:xfrm>
+                        <a:prstGeom prst="rect">
+                          <a:avLst/>
+                        </a:prstGeom>
+                        <a:noFill/>
+                      </p:spPr>
+                      <p:txBody>
+                        <a:bodyPr wrap="none" lIns="0" tIns="0" rIns="0" bIns="0" rtlCol="0">
+                          <a:spAutoFit/>
+                        </a:bodyPr>
+                        <a:lstStyle/>
+                        <a:p>
+                          <a:pPr/>
+                          <a14:m>
+                            <m:oMathPara xmlns:m="http://schemas.openxmlformats.org/officeDocument/2006/math">
+                              <m:oMathParaPr>
+                                <m:jc m:val="centerGroup"/>
+                              </m:oMathParaPr>
+                              <m:oMath xmlns:m="http://schemas.openxmlformats.org/officeDocument/2006/math">
+                                <m:r>
+                                  <a:rPr lang="en-CA" sz="2000" b="0" i="1" smtClean="0">
+                                    <a:latin typeface="Cambria Math" charset="0"/>
+                                    <a:ea typeface="Cambria Math" charset="0"/>
+                                    <a:cs typeface="Cambria Math" charset="0"/>
+                                  </a:rPr>
+                                  <m:t>𝜔</m:t>
+                                </m:r>
+                              </m:oMath>
+                            </m:oMathPara>
+                          </a14:m>
+                          <a:endParaRPr lang="en-US" sz="2000" dirty="0" smtClean="0">
+                            <a:latin typeface="Arial" panose="020B0604020202020204" pitchFamily="34" charset="0"/>
+                            <a:cs typeface="Arial" panose="020B0604020202020204" pitchFamily="34" charset="0"/>
+                          </a:endParaRPr>
+                        </a:p>
+                      </p:txBody>
+                    </p:sp>
+                  </mc:Choice>
+                  <mc:Fallback>
+                    <p:sp>
+                      <p:nvSpPr>
+                        <p:cNvPr id="304" name="TextBox 303"/>
+                        <p:cNvSpPr txBox="1">
+                          <a:spLocks noRot="1" noChangeAspect="1" noMove="1" noResize="1" noEditPoints="1" noAdjustHandles="1" noChangeArrowheads="1" noChangeShapeType="1" noTextEdit="1"/>
+                        </p:cNvSpPr>
+                        <p:nvPr/>
+                      </p:nvSpPr>
+                      <p:spPr>
+                        <a:xfrm>
+                          <a:off x="3123023" y="3246847"/>
+                          <a:ext cx="262123" cy="307777"/>
+                        </a:xfrm>
+                        <a:prstGeom prst="rect">
+                          <a:avLst/>
+                        </a:prstGeom>
+                        <a:blipFill rotWithShape="0">
+                          <a:blip r:embed="rId4"/>
+                          <a:stretch>
+                            <a:fillRect l="-9302" r="-9302" b="-1961"/>
+                          </a:stretch>
+                        </a:blipFill>
+                      </p:spPr>
+                      <p:txBody>
+                        <a:bodyPr/>
+                        <a:lstStyle/>
+                        <a:p>
+                          <a:r>
+                            <a:rPr lang="en-US">
+                              <a:noFill/>
+                            </a:rPr>
+                            <a:t> </a:t>
+                          </a:r>
+                        </a:p>
+                      </p:txBody>
+                    </p:sp>
+                  </mc:Fallback>
+                </mc:AlternateContent>
+              </p:grpSp>
+            </p:grpSp>
+            <p:sp>
+              <p:nvSpPr>
+                <p:cNvPr id="294" name="Arc 293"/>
+                <p:cNvSpPr/>
+                <p:nvPr/>
+              </p:nvSpPr>
+              <p:spPr>
+                <a:xfrm>
+                  <a:off x="8533612" y="1775270"/>
+                  <a:ext cx="2365130" cy="402721"/>
+                </a:xfrm>
+                <a:prstGeom prst="arc">
+                  <a:avLst>
+                    <a:gd name="adj1" fmla="val 10819517"/>
+                    <a:gd name="adj2" fmla="val 21596417"/>
+                  </a:avLst>
+                </a:prstGeom>
+                <a:ln w="38100">
+                  <a:solidFill>
+                    <a:schemeClr val="tx1"/>
+                  </a:solidFill>
+                  <a:prstDash val="sysDash"/>
+                </a:ln>
+              </p:spPr>
+              <p:style>
+                <a:lnRef idx="1">
+                  <a:schemeClr val="accent1"/>
+                </a:lnRef>
+                <a:fillRef idx="0">
+                  <a:schemeClr val="accent1"/>
+                </a:fillRef>
+                <a:effectRef idx="0">
+                  <a:schemeClr val="accent1"/>
+                </a:effectRef>
+                <a:fontRef idx="minor">
+                  <a:schemeClr val="tx1"/>
+                </a:fontRef>
+              </p:style>
+              <p:txBody>
+                <a:bodyPr rtlCol="0" anchor="ctr"/>
+                <a:lstStyle/>
+                <a:p>
+                  <a:pPr algn="ctr"/>
+                  <a:endParaRPr lang="en-US"/>
+                </a:p>
+              </p:txBody>
+            </p:sp>
+          </p:grpSp>
+        </p:grpSp>
+        <mc:AlternateContent xmlns:mc="http://schemas.openxmlformats.org/markup-compatibility/2006">
+          <mc:Choice xmlns:a14="http://schemas.microsoft.com/office/drawing/2010/main" Requires="a14">
+            <p:sp>
+              <p:nvSpPr>
+                <p:cNvPr id="322" name="TextBox 321"/>
+                <p:cNvSpPr txBox="1"/>
+                <p:nvPr/>
+              </p:nvSpPr>
+              <p:spPr>
+                <a:xfrm>
+                  <a:off x="8674771" y="4422142"/>
+                  <a:ext cx="561277" cy="377219"/>
+                </a:xfrm>
+                <a:prstGeom prst="rect">
+                  <a:avLst/>
+                </a:prstGeom>
+                <a:noFill/>
+              </p:spPr>
+              <p:txBody>
+                <a:bodyPr wrap="square" lIns="0" tIns="0" rIns="0" bIns="0" rtlCol="0">
+                  <a:spAutoFit/>
+                </a:bodyPr>
+                <a:lstStyle/>
+                <a:p>
+                  <a:pPr/>
+                  <a14:m>
+                    <m:oMathPara xmlns:m="http://schemas.openxmlformats.org/officeDocument/2006/math">
+                      <m:oMathParaPr>
+                        <m:jc m:val="centerGroup"/>
+                      </m:oMathParaPr>
+                      <m:oMath xmlns:m="http://schemas.openxmlformats.org/officeDocument/2006/math">
+                        <m:sSub>
+                          <m:sSubPr>
+                            <m:ctrlPr>
+                              <a:rPr lang="en-CA" sz="2000" b="0" i="1" smtClean="0">
+                                <a:latin typeface="Cambria Math" charset="0"/>
+                                <a:cs typeface="Arial" panose="020B0604020202020204" pitchFamily="34" charset="0"/>
+                              </a:rPr>
+                            </m:ctrlPr>
+                          </m:sSubPr>
+                          <m:e>
+                            <m:acc>
+                              <m:accPr>
+                                <m:chr m:val="⃗"/>
+                                <m:ctrlPr>
+                                  <a:rPr lang="en-CA" sz="2000" b="0" i="1" smtClean="0">
+                                    <a:latin typeface="Cambria Math" charset="0"/>
+                                    <a:cs typeface="Arial" panose="020B0604020202020204" pitchFamily="34" charset="0"/>
+                                  </a:rPr>
+                                </m:ctrlPr>
+                              </m:accPr>
+                              <m:e>
+                                <m:r>
+                                  <a:rPr lang="en-CA" sz="2000" b="0" i="1" smtClean="0">
+                                    <a:latin typeface="Cambria Math" charset="0"/>
+                                    <a:cs typeface="Arial" panose="020B0604020202020204" pitchFamily="34" charset="0"/>
+                                  </a:rPr>
+                                  <m:t>𝐹</m:t>
+                                </m:r>
+                              </m:e>
+                            </m:acc>
+                          </m:e>
+                          <m:sub>
+                            <m:r>
+                              <a:rPr lang="en-CA" sz="2000" b="0" i="1" smtClean="0">
+                                <a:latin typeface="Cambria Math" charset="0"/>
+                                <a:cs typeface="Arial" panose="020B0604020202020204" pitchFamily="34" charset="0"/>
+                              </a:rPr>
+                              <m:t>𝑔</m:t>
+                            </m:r>
+                          </m:sub>
+                        </m:sSub>
+                      </m:oMath>
+                    </m:oMathPara>
+                  </a14:m>
+                  <a:endParaRPr lang="en-US" sz="2000" dirty="0" smtClean="0">
+                    <a:latin typeface="Arial" panose="020B0604020202020204" pitchFamily="34" charset="0"/>
+                    <a:cs typeface="Arial" panose="020B0604020202020204" pitchFamily="34" charset="0"/>
+                  </a:endParaRPr>
+                </a:p>
+              </p:txBody>
+            </p:sp>
+          </mc:Choice>
+          <mc:Fallback>
+            <p:sp>
+              <p:nvSpPr>
+                <p:cNvPr id="322" name="TextBox 321"/>
+                <p:cNvSpPr txBox="1">
+                  <a:spLocks noRot="1" noChangeAspect="1" noMove="1" noResize="1" noEditPoints="1" noAdjustHandles="1" noChangeArrowheads="1" noChangeShapeType="1" noTextEdit="1"/>
+                </p:cNvSpPr>
+                <p:nvPr/>
+              </p:nvSpPr>
+              <p:spPr>
+                <a:xfrm>
+                  <a:off x="8674771" y="4422142"/>
+                  <a:ext cx="561277" cy="377219"/>
+                </a:xfrm>
+                <a:prstGeom prst="rect">
+                  <a:avLst/>
+                </a:prstGeom>
+                <a:blipFill rotWithShape="0">
+                  <a:blip r:embed="rId3"/>
+                  <a:stretch>
+                    <a:fillRect t="-30645" r="-26087" b="-20968"/>
+                  </a:stretch>
+                </a:blipFill>
+              </p:spPr>
+              <p:txBody>
+                <a:bodyPr/>
+                <a:lstStyle/>
+                <a:p>
+                  <a:r>
+                    <a:rPr lang="en-US">
+                      <a:noFill/>
+                    </a:rPr>
+                    <a:t> </a:t>
+                  </a:r>
+                </a:p>
+              </p:txBody>
+            </p:sp>
+          </mc:Fallback>
+        </mc:AlternateContent>
+        <p:cxnSp>
+          <p:nvCxnSpPr>
+            <p:cNvPr id="323" name="Straight Arrow Connector 322"/>
+            <p:cNvCxnSpPr/>
+            <p:nvPr/>
+          </p:nvCxnSpPr>
+          <p:spPr>
+            <a:xfrm flipH="1">
+              <a:off x="8367286" y="4380437"/>
+              <a:ext cx="621293" cy="320475"/>
+            </a:xfrm>
+            <a:prstGeom prst="straightConnector1">
+              <a:avLst/>
+            </a:prstGeom>
+            <a:ln w="57150">
+              <a:solidFill>
+                <a:schemeClr val="tx1"/>
+              </a:solidFill>
+              <a:tailEnd type="triangle"/>
+            </a:ln>
+          </p:spPr>
+          <p:style>
+            <a:lnRef idx="1">
+              <a:schemeClr val="accent1"/>
+            </a:lnRef>
+            <a:fillRef idx="0">
+              <a:schemeClr val="accent1"/>
+            </a:fillRef>
+            <a:effectRef idx="0">
+              <a:schemeClr val="accent1"/>
+            </a:effectRef>
+            <a:fontRef idx="minor">
+              <a:schemeClr val="tx1"/>
+            </a:fontRef>
+          </p:style>
+        </p:cxnSp>
+        <p:cxnSp>
+          <p:nvCxnSpPr>
+            <p:cNvPr id="325" name="Straight Arrow Connector 324"/>
+            <p:cNvCxnSpPr/>
+            <p:nvPr/>
+          </p:nvCxnSpPr>
+          <p:spPr>
+            <a:xfrm flipV="1">
+              <a:off x="8993175" y="3860376"/>
+              <a:ext cx="272864" cy="506532"/>
+            </a:xfrm>
+            <a:prstGeom prst="straightConnector1">
+              <a:avLst/>
+            </a:prstGeom>
+            <a:ln w="57150">
+              <a:solidFill>
+                <a:schemeClr val="tx1"/>
+              </a:solidFill>
+              <a:tailEnd type="triangle"/>
+            </a:ln>
+          </p:spPr>
+          <p:style>
+            <a:lnRef idx="1">
+              <a:schemeClr val="accent1"/>
+            </a:lnRef>
+            <a:fillRef idx="0">
+              <a:schemeClr val="accent1"/>
+            </a:fillRef>
+            <a:effectRef idx="0">
+              <a:schemeClr val="accent1"/>
+            </a:effectRef>
+            <a:fontRef idx="minor">
+              <a:schemeClr val="tx1"/>
+            </a:fontRef>
+          </p:style>
+        </p:cxnSp>
+        <mc:AlternateContent xmlns:mc="http://schemas.openxmlformats.org/markup-compatibility/2006">
+          <mc:Choice xmlns:a14="http://schemas.microsoft.com/office/drawing/2010/main" Requires="a14">
+            <p:sp>
+              <p:nvSpPr>
+                <p:cNvPr id="327" name="TextBox 326"/>
+                <p:cNvSpPr txBox="1"/>
+                <p:nvPr/>
+              </p:nvSpPr>
+              <p:spPr>
+                <a:xfrm>
+                  <a:off x="9176551" y="3994796"/>
+                  <a:ext cx="321342" cy="345159"/>
+                </a:xfrm>
+                <a:prstGeom prst="rect">
+                  <a:avLst/>
+                </a:prstGeom>
+                <a:noFill/>
+              </p:spPr>
+              <p:txBody>
+                <a:bodyPr wrap="square" lIns="0" tIns="0" rIns="0" bIns="0" rtlCol="0">
+                  <a:spAutoFit/>
+                </a:bodyPr>
+                <a:lstStyle/>
+                <a:p>
+                  <a:pPr/>
+                  <a14:m>
+                    <m:oMathPara xmlns:m="http://schemas.openxmlformats.org/officeDocument/2006/math">
+                      <m:oMathParaPr>
+                        <m:jc m:val="centerGroup"/>
+                      </m:oMathParaPr>
+                      <m:oMath xmlns:m="http://schemas.openxmlformats.org/officeDocument/2006/math">
+                        <m:acc>
+                          <m:accPr>
+                            <m:chr m:val="⃗"/>
+                            <m:ctrlPr>
+                              <a:rPr lang="en-CA" sz="2000" b="0" i="1" smtClean="0">
+                                <a:latin typeface="Cambria Math" charset="0"/>
+                                <a:cs typeface="Arial" panose="020B0604020202020204" pitchFamily="34" charset="0"/>
+                              </a:rPr>
+                            </m:ctrlPr>
+                          </m:accPr>
+                          <m:e>
+                            <m:r>
+                              <a:rPr lang="en-CA" sz="2000" b="0" i="1" smtClean="0">
+                                <a:latin typeface="Cambria Math" charset="0"/>
+                                <a:cs typeface="Arial" panose="020B0604020202020204" pitchFamily="34" charset="0"/>
+                              </a:rPr>
+                              <m:t>𝑇</m:t>
+                            </m:r>
+                          </m:e>
+                        </m:acc>
+                      </m:oMath>
+                    </m:oMathPara>
+                  </a14:m>
+                  <a:endParaRPr lang="en-US" sz="2000" dirty="0" smtClean="0">
+                    <a:latin typeface="Arial" panose="020B0604020202020204" pitchFamily="34" charset="0"/>
+                    <a:cs typeface="Arial" panose="020B0604020202020204" pitchFamily="34" charset="0"/>
+                  </a:endParaRPr>
+                </a:p>
+              </p:txBody>
+            </p:sp>
+          </mc:Choice>
+          <mc:Fallback>
+            <p:sp>
+              <p:nvSpPr>
+                <p:cNvPr id="327" name="TextBox 326"/>
+                <p:cNvSpPr txBox="1">
+                  <a:spLocks noRot="1" noChangeAspect="1" noMove="1" noResize="1" noEditPoints="1" noAdjustHandles="1" noChangeArrowheads="1" noChangeShapeType="1" noTextEdit="1"/>
+                </p:cNvSpPr>
+                <p:nvPr/>
+              </p:nvSpPr>
+              <p:spPr>
+                <a:xfrm>
+                  <a:off x="9176551" y="3994796"/>
+                  <a:ext cx="321342" cy="345159"/>
+                </a:xfrm>
+                <a:prstGeom prst="rect">
+                  <a:avLst/>
+                </a:prstGeom>
+                <a:blipFill rotWithShape="0">
+                  <a:blip r:embed="rId5"/>
+                  <a:stretch>
+                    <a:fillRect l="-1887" b="-8772"/>
+                  </a:stretch>
+                </a:blipFill>
+              </p:spPr>
+              <p:txBody>
+                <a:bodyPr/>
+                <a:lstStyle/>
+                <a:p>
+                  <a:r>
+                    <a:rPr lang="en-US">
+                      <a:noFill/>
+                    </a:rPr>
+                    <a:t> </a:t>
+                  </a:r>
+                </a:p>
+              </p:txBody>
+            </p:sp>
+          </mc:Fallback>
+        </mc:AlternateContent>
+      </p:grpSp>
+      <p:grpSp>
+        <p:nvGrpSpPr>
+          <p:cNvPr id="339" name="Group 338"/>
+          <p:cNvGrpSpPr/>
+          <p:nvPr/>
+        </p:nvGrpSpPr>
+        <p:grpSpPr>
+          <a:xfrm>
+            <a:off x="8203387" y="3816942"/>
+            <a:ext cx="1602802" cy="1414582"/>
+            <a:chOff x="10062571" y="3779417"/>
+            <a:chExt cx="1602802" cy="1414582"/>
+          </a:xfrm>
+        </p:grpSpPr>
+        <mc:AlternateContent xmlns:mc="http://schemas.openxmlformats.org/markup-compatibility/2006">
+          <mc:Choice xmlns:a14="http://schemas.microsoft.com/office/drawing/2010/main" Requires="a14">
+            <p:sp>
+              <p:nvSpPr>
+                <p:cNvPr id="329" name="TextBox 328"/>
+                <p:cNvSpPr txBox="1"/>
+                <p:nvPr/>
+              </p:nvSpPr>
+              <p:spPr>
+                <a:xfrm>
+                  <a:off x="10565102" y="4816780"/>
+                  <a:ext cx="561277" cy="377219"/>
+                </a:xfrm>
+                <a:prstGeom prst="rect">
+                  <a:avLst/>
+                </a:prstGeom>
+                <a:noFill/>
+              </p:spPr>
+              <p:txBody>
+                <a:bodyPr wrap="square" lIns="0" tIns="0" rIns="0" bIns="0" rtlCol="0">
+                  <a:spAutoFit/>
+                </a:bodyPr>
+                <a:lstStyle/>
+                <a:p>
+                  <a:pPr/>
+                  <a14:m>
+                    <m:oMathPara xmlns:m="http://schemas.openxmlformats.org/officeDocument/2006/math">
+                      <m:oMathParaPr>
+                        <m:jc m:val="centerGroup"/>
+                      </m:oMathParaPr>
+                      <m:oMath xmlns:m="http://schemas.openxmlformats.org/officeDocument/2006/math">
+                        <m:sSub>
+                          <m:sSubPr>
+                            <m:ctrlPr>
+                              <a:rPr lang="en-CA" sz="2000" b="0" i="1" smtClean="0">
+                                <a:latin typeface="Cambria Math" charset="0"/>
+                                <a:cs typeface="Arial" panose="020B0604020202020204" pitchFamily="34" charset="0"/>
+                              </a:rPr>
+                            </m:ctrlPr>
+                          </m:sSubPr>
+                          <m:e>
+                            <m:acc>
+                              <m:accPr>
+                                <m:chr m:val="⃗"/>
+                                <m:ctrlPr>
+                                  <a:rPr lang="en-CA" sz="2000" b="0" i="1" smtClean="0">
+                                    <a:latin typeface="Cambria Math" charset="0"/>
+                                    <a:cs typeface="Arial" panose="020B0604020202020204" pitchFamily="34" charset="0"/>
+                                  </a:rPr>
+                                </m:ctrlPr>
+                              </m:accPr>
+                              <m:e>
+                                <m:r>
+                                  <a:rPr lang="en-CA" sz="2000" b="0" i="1" smtClean="0">
+                                    <a:latin typeface="Cambria Math" charset="0"/>
+                                    <a:cs typeface="Arial" panose="020B0604020202020204" pitchFamily="34" charset="0"/>
+                                  </a:rPr>
+                                  <m:t>𝐹</m:t>
+                                </m:r>
+                              </m:e>
+                            </m:acc>
+                          </m:e>
+                          <m:sub>
+                            <m:r>
+                              <a:rPr lang="en-CA" sz="2000" b="0" i="1" smtClean="0">
+                                <a:latin typeface="Cambria Math" charset="0"/>
+                                <a:cs typeface="Arial" panose="020B0604020202020204" pitchFamily="34" charset="0"/>
+                              </a:rPr>
+                              <m:t>𝑔</m:t>
+                            </m:r>
+                          </m:sub>
+                        </m:sSub>
+                      </m:oMath>
+                    </m:oMathPara>
+                  </a14:m>
+                  <a:endParaRPr lang="en-US" sz="2000" dirty="0" smtClean="0">
+                    <a:latin typeface="Arial" panose="020B0604020202020204" pitchFamily="34" charset="0"/>
+                    <a:cs typeface="Arial" panose="020B0604020202020204" pitchFamily="34" charset="0"/>
+                  </a:endParaRPr>
+                </a:p>
+              </p:txBody>
+            </p:sp>
+          </mc:Choice>
+          <mc:Fallback>
+            <p:sp>
+              <p:nvSpPr>
+                <p:cNvPr id="329" name="TextBox 328"/>
+                <p:cNvSpPr txBox="1">
+                  <a:spLocks noRot="1" noChangeAspect="1" noMove="1" noResize="1" noEditPoints="1" noAdjustHandles="1" noChangeArrowheads="1" noChangeShapeType="1" noTextEdit="1"/>
+                </p:cNvSpPr>
+                <p:nvPr/>
+              </p:nvSpPr>
+              <p:spPr>
+                <a:xfrm>
+                  <a:off x="10565102" y="4816780"/>
+                  <a:ext cx="561277" cy="377219"/>
+                </a:xfrm>
+                <a:prstGeom prst="rect">
+                  <a:avLst/>
+                </a:prstGeom>
+                <a:blipFill rotWithShape="0">
+                  <a:blip r:embed="rId6"/>
+                  <a:stretch>
+                    <a:fillRect t="-30645" r="-27174" b="-20968"/>
+                  </a:stretch>
+                </a:blipFill>
+              </p:spPr>
+              <p:txBody>
+                <a:bodyPr/>
+                <a:lstStyle/>
+                <a:p>
+                  <a:r>
+                    <a:rPr lang="en-US">
+                      <a:noFill/>
+                    </a:rPr>
+                    <a:t> </a:t>
+                  </a:r>
+                </a:p>
+              </p:txBody>
+            </p:sp>
+          </mc:Fallback>
+        </mc:AlternateContent>
+        <p:cxnSp>
+          <p:nvCxnSpPr>
+            <p:cNvPr id="330" name="Straight Arrow Connector 329"/>
+            <p:cNvCxnSpPr/>
+            <p:nvPr/>
+          </p:nvCxnSpPr>
+          <p:spPr>
+            <a:xfrm flipH="1">
+              <a:off x="10062571" y="4579969"/>
+              <a:ext cx="1069251" cy="502281"/>
+            </a:xfrm>
+            <a:prstGeom prst="straightConnector1">
+              <a:avLst/>
+            </a:prstGeom>
+            <a:ln w="57150">
+              <a:solidFill>
+                <a:schemeClr val="tx1"/>
+              </a:solidFill>
+              <a:tailEnd type="triangle"/>
+            </a:ln>
+          </p:spPr>
+          <p:style>
+            <a:lnRef idx="1">
+              <a:schemeClr val="accent1"/>
+            </a:lnRef>
+            <a:fillRef idx="0">
+              <a:schemeClr val="accent1"/>
+            </a:fillRef>
+            <a:effectRef idx="0">
+              <a:schemeClr val="accent1"/>
+            </a:effectRef>
+            <a:fontRef idx="minor">
+              <a:schemeClr val="tx1"/>
+            </a:fontRef>
+          </p:style>
+        </p:cxnSp>
+        <p:cxnSp>
+          <p:nvCxnSpPr>
+            <p:cNvPr id="331" name="Straight Arrow Connector 330"/>
+            <p:cNvCxnSpPr/>
+            <p:nvPr/>
+          </p:nvCxnSpPr>
+          <p:spPr>
+            <a:xfrm flipV="1">
+              <a:off x="11136416" y="3779417"/>
+              <a:ext cx="415230" cy="789099"/>
+            </a:xfrm>
+            <a:prstGeom prst="straightConnector1">
+              <a:avLst/>
+            </a:prstGeom>
+            <a:ln w="57150">
+              <a:solidFill>
+                <a:schemeClr val="tx1"/>
+              </a:solidFill>
+              <a:tailEnd type="triangle"/>
+            </a:ln>
+          </p:spPr>
+          <p:style>
+            <a:lnRef idx="1">
+              <a:schemeClr val="accent1"/>
+            </a:lnRef>
+            <a:fillRef idx="0">
+              <a:schemeClr val="accent1"/>
+            </a:fillRef>
+            <a:effectRef idx="0">
+              <a:schemeClr val="accent1"/>
+            </a:effectRef>
+            <a:fontRef idx="minor">
+              <a:schemeClr val="tx1"/>
+            </a:fontRef>
+          </p:style>
+        </p:cxnSp>
+        <mc:AlternateContent xmlns:mc="http://schemas.openxmlformats.org/markup-compatibility/2006">
+          <mc:Choice xmlns:a14="http://schemas.microsoft.com/office/drawing/2010/main" Requires="a14">
+            <p:sp>
+              <p:nvSpPr>
+                <p:cNvPr id="332" name="TextBox 331"/>
+                <p:cNvSpPr txBox="1"/>
+                <p:nvPr/>
+              </p:nvSpPr>
+              <p:spPr>
+                <a:xfrm>
+                  <a:off x="11344031" y="4148523"/>
+                  <a:ext cx="321342" cy="345159"/>
+                </a:xfrm>
+                <a:prstGeom prst="rect">
+                  <a:avLst/>
+                </a:prstGeom>
+                <a:noFill/>
+              </p:spPr>
+              <p:txBody>
+                <a:bodyPr wrap="square" lIns="0" tIns="0" rIns="0" bIns="0" rtlCol="0">
+                  <a:spAutoFit/>
+                </a:bodyPr>
+                <a:lstStyle/>
+                <a:p>
+                  <a:pPr/>
+                  <a14:m>
+                    <m:oMathPara xmlns:m="http://schemas.openxmlformats.org/officeDocument/2006/math">
+                      <m:oMathParaPr>
+                        <m:jc m:val="centerGroup"/>
+                      </m:oMathParaPr>
+                      <m:oMath xmlns:m="http://schemas.openxmlformats.org/officeDocument/2006/math">
+                        <m:acc>
+                          <m:accPr>
+                            <m:chr m:val="⃗"/>
+                            <m:ctrlPr>
+                              <a:rPr lang="en-CA" sz="2000" b="0" i="1" smtClean="0">
+                                <a:latin typeface="Cambria Math" charset="0"/>
+                                <a:cs typeface="Arial" panose="020B0604020202020204" pitchFamily="34" charset="0"/>
+                              </a:rPr>
+                            </m:ctrlPr>
+                          </m:accPr>
+                          <m:e>
+                            <m:r>
+                              <a:rPr lang="en-CA" sz="2000" b="0" i="1" smtClean="0">
+                                <a:latin typeface="Cambria Math" charset="0"/>
+                                <a:cs typeface="Arial" panose="020B0604020202020204" pitchFamily="34" charset="0"/>
+                              </a:rPr>
+                              <m:t>𝑇</m:t>
+                            </m:r>
+                          </m:e>
+                        </m:acc>
+                      </m:oMath>
+                    </m:oMathPara>
+                  </a14:m>
+                  <a:endParaRPr lang="en-US" sz="2000" dirty="0" smtClean="0">
+                    <a:latin typeface="Arial" panose="020B0604020202020204" pitchFamily="34" charset="0"/>
+                    <a:cs typeface="Arial" panose="020B0604020202020204" pitchFamily="34" charset="0"/>
+                  </a:endParaRPr>
+                </a:p>
+              </p:txBody>
+            </p:sp>
+          </mc:Choice>
+          <mc:Fallback>
+            <p:sp>
+              <p:nvSpPr>
+                <p:cNvPr id="332" name="TextBox 331"/>
+                <p:cNvSpPr txBox="1">
+                  <a:spLocks noRot="1" noChangeAspect="1" noMove="1" noResize="1" noEditPoints="1" noAdjustHandles="1" noChangeArrowheads="1" noChangeShapeType="1" noTextEdit="1"/>
+                </p:cNvSpPr>
+                <p:nvPr/>
+              </p:nvSpPr>
+              <p:spPr>
+                <a:xfrm>
+                  <a:off x="11344031" y="4148523"/>
+                  <a:ext cx="321342" cy="345159"/>
+                </a:xfrm>
+                <a:prstGeom prst="rect">
+                  <a:avLst/>
+                </a:prstGeom>
+                <a:blipFill rotWithShape="0">
+                  <a:blip r:embed="rId7"/>
+                  <a:stretch>
+                    <a:fillRect l="-3774" b="-8929"/>
+                  </a:stretch>
+                </a:blipFill>
+              </p:spPr>
+              <p:txBody>
+                <a:bodyPr/>
+                <a:lstStyle/>
+                <a:p>
+                  <a:r>
+                    <a:rPr lang="en-US">
+                      <a:noFill/>
+                    </a:rPr>
+                    <a:t> </a:t>
+                  </a:r>
+                </a:p>
+              </p:txBody>
+            </p:sp>
+          </mc:Fallback>
+        </mc:AlternateContent>
+        <p:sp>
+          <p:nvSpPr>
+            <p:cNvPr id="333" name="Oval 332"/>
+            <p:cNvSpPr/>
+            <p:nvPr/>
+          </p:nvSpPr>
+          <p:spPr>
+            <a:xfrm>
+              <a:off x="11069266" y="4494692"/>
+              <a:ext cx="118800" cy="118800"/>
+            </a:xfrm>
+            <a:prstGeom prst="ellipse">
+              <a:avLst/>
+            </a:prstGeom>
+            <a:solidFill>
+              <a:schemeClr val="tx1"/>
+            </a:solidFill>
+            <a:ln w="38100">
+              <a:solidFill>
+                <a:schemeClr val="tx1"/>
+              </a:solidFill>
+            </a:ln>
+          </p:spPr>
+          <p:style>
+            <a:lnRef idx="2">
+              <a:schemeClr val="accent1">
+                <a:shade val="50000"/>
+              </a:schemeClr>
+            </a:lnRef>
+            <a:fillRef idx="1">
+              <a:schemeClr val="accent1"/>
+            </a:fillRef>
+            <a:effectRef idx="0">
+              <a:schemeClr val="accent1"/>
+            </a:effectRef>
+            <a:fontRef idx="minor">
+              <a:schemeClr val="lt1"/>
+            </a:fontRef>
+          </p:style>
+          <p:txBody>
+            <a:bodyPr rtlCol="0" anchor="ctr"/>
+            <a:lstStyle/>
+            <a:p>
+              <a:pPr algn="ctr"/>
+              <a:endParaRPr lang="en-US"/>
+            </a:p>
+          </p:txBody>
+        </p:sp>
+      </p:grpSp>
+      <p:grpSp>
+        <p:nvGrpSpPr>
+          <p:cNvPr id="364" name="Group 363"/>
+          <p:cNvGrpSpPr/>
+          <p:nvPr/>
+        </p:nvGrpSpPr>
+        <p:grpSpPr>
+          <a:xfrm>
+            <a:off x="10403083" y="3935678"/>
+            <a:ext cx="1470678" cy="1280858"/>
+            <a:chOff x="9966150" y="5283669"/>
+            <a:chExt cx="1470678" cy="1280858"/>
+          </a:xfrm>
+        </p:grpSpPr>
+        <p:grpSp>
+          <p:nvGrpSpPr>
+            <p:cNvPr id="353" name="Group 352"/>
+            <p:cNvGrpSpPr/>
+            <p:nvPr/>
+          </p:nvGrpSpPr>
+          <p:grpSpPr>
+            <a:xfrm>
+              <a:off x="9996130" y="5283669"/>
+              <a:ext cx="1440698" cy="868412"/>
+              <a:chOff x="10224675" y="3625270"/>
+              <a:chExt cx="1440698" cy="868412"/>
+            </a:xfrm>
+          </p:grpSpPr>
+          <mc:AlternateContent xmlns:mc="http://schemas.openxmlformats.org/markup-compatibility/2006">
+            <mc:Choice xmlns:a14="http://schemas.microsoft.com/office/drawing/2010/main" Requires="a14">
+              <p:sp>
+                <p:nvSpPr>
+                  <p:cNvPr id="354" name="TextBox 353"/>
+                  <p:cNvSpPr txBox="1"/>
+                  <p:nvPr/>
+                </p:nvSpPr>
+                <p:spPr>
+                  <a:xfrm>
+                    <a:off x="10593519" y="3625270"/>
+                    <a:ext cx="561277" cy="377219"/>
+                  </a:xfrm>
+                  <a:prstGeom prst="rect">
+                    <a:avLst/>
+                  </a:prstGeom>
+                  <a:noFill/>
+                </p:spPr>
+                <p:txBody>
+                  <a:bodyPr wrap="square" lIns="0" tIns="0" rIns="0" bIns="0" rtlCol="0">
+                    <a:spAutoFit/>
+                  </a:bodyPr>
+                  <a:lstStyle/>
+                  <a:p>
+                    <a:pPr/>
+                    <a14:m>
+                      <m:oMathPara xmlns:m="http://schemas.openxmlformats.org/officeDocument/2006/math">
+                        <m:oMathParaPr>
+                          <m:jc m:val="centerGroup"/>
+                        </m:oMathParaPr>
+                        <m:oMath xmlns:m="http://schemas.openxmlformats.org/officeDocument/2006/math">
+                          <m:sSub>
+                            <m:sSubPr>
+                              <m:ctrlPr>
+                                <a:rPr lang="en-CA" sz="2000" b="0" i="1" smtClean="0">
+                                  <a:latin typeface="Cambria Math" charset="0"/>
+                                  <a:cs typeface="Arial" panose="020B0604020202020204" pitchFamily="34" charset="0"/>
+                                </a:rPr>
+                              </m:ctrlPr>
+                            </m:sSubPr>
+                            <m:e>
+                              <m:acc>
+                                <m:accPr>
+                                  <m:chr m:val="⃗"/>
+                                  <m:ctrlPr>
+                                    <a:rPr lang="en-CA" sz="2000" b="0" i="1" smtClean="0">
+                                      <a:latin typeface="Cambria Math" charset="0"/>
+                                      <a:cs typeface="Arial" panose="020B0604020202020204" pitchFamily="34" charset="0"/>
+                                    </a:rPr>
+                                  </m:ctrlPr>
+                                </m:accPr>
+                                <m:e>
+                                  <m:r>
+                                    <a:rPr lang="en-CA" sz="2000" b="0" i="1" smtClean="0">
+                                      <a:latin typeface="Cambria Math" charset="0"/>
+                                      <a:cs typeface="Arial" panose="020B0604020202020204" pitchFamily="34" charset="0"/>
+                                    </a:rPr>
+                                    <m:t>𝐹</m:t>
+                                  </m:r>
+                                </m:e>
+                              </m:acc>
+                            </m:e>
+                            <m:sub>
+                              <m:r>
+                                <a:rPr lang="en-CA" sz="2000" b="0" i="1" smtClean="0">
+                                  <a:latin typeface="Cambria Math" charset="0"/>
+                                  <a:cs typeface="Arial" panose="020B0604020202020204" pitchFamily="34" charset="0"/>
+                                </a:rPr>
+                                <m:t>𝑔</m:t>
+                              </m:r>
+                            </m:sub>
+                          </m:sSub>
+                        </m:oMath>
+                      </m:oMathPara>
+                    </a14:m>
+                    <a:endParaRPr lang="en-US" sz="2000" dirty="0" smtClean="0">
+                      <a:latin typeface="Arial" panose="020B0604020202020204" pitchFamily="34" charset="0"/>
+                      <a:cs typeface="Arial" panose="020B0604020202020204" pitchFamily="34" charset="0"/>
+                    </a:endParaRPr>
+                  </a:p>
+                </p:txBody>
+              </p:sp>
+            </mc:Choice>
+            <mc:Fallback>
+              <p:sp>
+                <p:nvSpPr>
+                  <p:cNvPr id="354" name="TextBox 353"/>
+                  <p:cNvSpPr txBox="1">
+                    <a:spLocks noRot="1" noChangeAspect="1" noMove="1" noResize="1" noEditPoints="1" noAdjustHandles="1" noChangeArrowheads="1" noChangeShapeType="1" noTextEdit="1"/>
+                  </p:cNvSpPr>
+                  <p:nvPr/>
+                </p:nvSpPr>
+                <p:spPr>
+                  <a:xfrm>
+                    <a:off x="10593519" y="3625270"/>
+                    <a:ext cx="561277" cy="377219"/>
+                  </a:xfrm>
+                  <a:prstGeom prst="rect">
+                    <a:avLst/>
+                  </a:prstGeom>
+                  <a:blipFill rotWithShape="0">
+                    <a:blip r:embed="rId3"/>
+                    <a:stretch>
+                      <a:fillRect t="-32787" r="-26087" b="-21311"/>
+                    </a:stretch>
+                  </a:blipFill>
+                </p:spPr>
+                <p:txBody>
+                  <a:bodyPr/>
+                  <a:lstStyle/>
+                  <a:p>
+                    <a:r>
+                      <a:rPr lang="en-US">
+                        <a:noFill/>
+                      </a:rPr>
+                      <a:t> </a:t>
+                    </a:r>
+                  </a:p>
+                </p:txBody>
+              </p:sp>
+            </mc:Fallback>
+          </mc:AlternateContent>
+          <p:cxnSp>
+            <p:nvCxnSpPr>
+              <p:cNvPr id="355" name="Straight Arrow Connector 354"/>
+              <p:cNvCxnSpPr/>
+              <p:nvPr/>
+            </p:nvCxnSpPr>
+            <p:spPr>
+              <a:xfrm flipH="1">
+                <a:off x="10224675" y="3779920"/>
+                <a:ext cx="1246577" cy="586519"/>
+              </a:xfrm>
+              <a:prstGeom prst="straightConnector1">
+                <a:avLst/>
+              </a:prstGeom>
+              <a:ln w="57150">
+                <a:solidFill>
+                  <a:schemeClr val="tx1"/>
+                </a:solidFill>
+                <a:tailEnd type="triangle"/>
+              </a:ln>
+            </p:spPr>
+            <p:style>
+              <a:lnRef idx="1">
+                <a:schemeClr val="accent1"/>
+              </a:lnRef>
+              <a:fillRef idx="0">
+                <a:schemeClr val="accent1"/>
+              </a:fillRef>
+              <a:effectRef idx="0">
+                <a:schemeClr val="accent1"/>
+              </a:effectRef>
+              <a:fontRef idx="minor">
+                <a:schemeClr val="tx1"/>
+              </a:fontRef>
+            </p:style>
+          </p:cxnSp>
+          <p:cxnSp>
+            <p:nvCxnSpPr>
+              <p:cNvPr id="356" name="Straight Arrow Connector 355"/>
+              <p:cNvCxnSpPr/>
+              <p:nvPr/>
+            </p:nvCxnSpPr>
+            <p:spPr>
+              <a:xfrm flipV="1">
+                <a:off x="11199766" y="3764428"/>
+                <a:ext cx="366870" cy="707290"/>
+              </a:xfrm>
+              <a:prstGeom prst="straightConnector1">
+                <a:avLst/>
+              </a:prstGeom>
+              <a:ln w="57150">
+                <a:solidFill>
+                  <a:schemeClr val="tx1"/>
+                </a:solidFill>
+                <a:tailEnd type="triangle"/>
+              </a:ln>
+            </p:spPr>
+            <p:style>
+              <a:lnRef idx="1">
+                <a:schemeClr val="accent1"/>
+              </a:lnRef>
+              <a:fillRef idx="0">
+                <a:schemeClr val="accent1"/>
+              </a:fillRef>
+              <a:effectRef idx="0">
+                <a:schemeClr val="accent1"/>
+              </a:effectRef>
+              <a:fontRef idx="minor">
+                <a:schemeClr val="tx1"/>
+              </a:fontRef>
+            </p:style>
+          </p:cxnSp>
+          <mc:AlternateContent xmlns:mc="http://schemas.openxmlformats.org/markup-compatibility/2006">
+            <mc:Choice xmlns:a14="http://schemas.microsoft.com/office/drawing/2010/main" Requires="a14">
+              <p:sp>
+                <p:nvSpPr>
+                  <p:cNvPr id="357" name="TextBox 356"/>
+                  <p:cNvSpPr txBox="1"/>
+                  <p:nvPr/>
+                </p:nvSpPr>
+                <p:spPr>
+                  <a:xfrm>
+                    <a:off x="11344031" y="4148523"/>
+                    <a:ext cx="321342" cy="345159"/>
+                  </a:xfrm>
+                  <a:prstGeom prst="rect">
+                    <a:avLst/>
+                  </a:prstGeom>
+                  <a:noFill/>
+                </p:spPr>
+                <p:txBody>
+                  <a:bodyPr wrap="square" lIns="0" tIns="0" rIns="0" bIns="0" rtlCol="0">
+                    <a:spAutoFit/>
+                  </a:bodyPr>
+                  <a:lstStyle/>
+                  <a:p>
+                    <a:pPr/>
+                    <a14:m>
+                      <m:oMathPara xmlns:m="http://schemas.openxmlformats.org/officeDocument/2006/math">
+                        <m:oMathParaPr>
+                          <m:jc m:val="centerGroup"/>
+                        </m:oMathParaPr>
+                        <m:oMath xmlns:m="http://schemas.openxmlformats.org/officeDocument/2006/math">
+                          <m:acc>
+                            <m:accPr>
+                              <m:chr m:val="⃗"/>
+                              <m:ctrlPr>
+                                <a:rPr lang="en-CA" sz="2000" b="0" i="1" smtClean="0">
+                                  <a:latin typeface="Cambria Math" charset="0"/>
+                                  <a:cs typeface="Arial" panose="020B0604020202020204" pitchFamily="34" charset="0"/>
+                                </a:rPr>
+                              </m:ctrlPr>
+                            </m:accPr>
+                            <m:e>
+                              <m:r>
+                                <a:rPr lang="en-CA" sz="2000" b="0" i="1" smtClean="0">
+                                  <a:latin typeface="Cambria Math" charset="0"/>
+                                  <a:cs typeface="Arial" panose="020B0604020202020204" pitchFamily="34" charset="0"/>
+                                </a:rPr>
+                                <m:t>𝑇</m:t>
+                              </m:r>
+                            </m:e>
+                          </m:acc>
+                        </m:oMath>
+                      </m:oMathPara>
+                    </a14:m>
+                    <a:endParaRPr lang="en-US" sz="2000" dirty="0" smtClean="0">
+                      <a:latin typeface="Arial" panose="020B0604020202020204" pitchFamily="34" charset="0"/>
+                      <a:cs typeface="Arial" panose="020B0604020202020204" pitchFamily="34" charset="0"/>
+                    </a:endParaRPr>
+                  </a:p>
+                </p:txBody>
+              </p:sp>
+            </mc:Choice>
+            <mc:Fallback>
+              <p:sp>
+                <p:nvSpPr>
+                  <p:cNvPr id="357" name="TextBox 356"/>
+                  <p:cNvSpPr txBox="1">
+                    <a:spLocks noRot="1" noChangeAspect="1" noMove="1" noResize="1" noEditPoints="1" noAdjustHandles="1" noChangeArrowheads="1" noChangeShapeType="1" noTextEdit="1"/>
+                  </p:cNvSpPr>
+                  <p:nvPr/>
+                </p:nvSpPr>
+                <p:spPr>
+                  <a:xfrm>
+                    <a:off x="11344031" y="4148523"/>
+                    <a:ext cx="321342" cy="345159"/>
+                  </a:xfrm>
+                  <a:prstGeom prst="rect">
+                    <a:avLst/>
+                  </a:prstGeom>
+                  <a:blipFill rotWithShape="0">
+                    <a:blip r:embed="rId8"/>
+                    <a:stretch>
+                      <a:fillRect l="-1887" b="-8772"/>
+                    </a:stretch>
+                  </a:blipFill>
+                </p:spPr>
+                <p:txBody>
+                  <a:bodyPr/>
+                  <a:lstStyle/>
+                  <a:p>
+                    <a:r>
+                      <a:rPr lang="en-US">
+                        <a:noFill/>
+                      </a:rPr>
+                      <a:t> </a:t>
+                    </a:r>
+                  </a:p>
+                </p:txBody>
+              </p:sp>
+            </mc:Fallback>
+          </mc:AlternateContent>
+        </p:grpSp>
+        <p:cxnSp>
+          <p:nvCxnSpPr>
+            <p:cNvPr id="359" name="Straight Arrow Connector 358"/>
+            <p:cNvCxnSpPr/>
+            <p:nvPr/>
+          </p:nvCxnSpPr>
+          <p:spPr>
+            <a:xfrm flipH="1">
+              <a:off x="9966150" y="6140591"/>
+              <a:ext cx="960101" cy="4318"/>
+            </a:xfrm>
+            <a:prstGeom prst="straightConnector1">
+              <a:avLst/>
+            </a:prstGeom>
+            <a:ln w="57150">
+              <a:solidFill>
+                <a:schemeClr val="tx1"/>
+              </a:solidFill>
+              <a:tailEnd type="triangle"/>
+            </a:ln>
+          </p:spPr>
+          <p:style>
+            <a:lnRef idx="1">
+              <a:schemeClr val="accent1"/>
+            </a:lnRef>
+            <a:fillRef idx="0">
+              <a:schemeClr val="accent1"/>
+            </a:fillRef>
+            <a:effectRef idx="0">
+              <a:schemeClr val="accent1"/>
+            </a:effectRef>
+            <a:fontRef idx="minor">
+              <a:schemeClr val="tx1"/>
+            </a:fontRef>
+          </p:style>
+        </p:cxnSp>
+        <mc:AlternateContent xmlns:mc="http://schemas.openxmlformats.org/markup-compatibility/2006">
+          <mc:Choice xmlns:a14="http://schemas.microsoft.com/office/drawing/2010/main" Requires="a14">
+            <p:sp>
+              <p:nvSpPr>
+                <p:cNvPr id="363" name="TextBox 362"/>
+                <p:cNvSpPr txBox="1"/>
+                <p:nvPr/>
+              </p:nvSpPr>
+              <p:spPr>
+                <a:xfrm>
+                  <a:off x="10218496" y="6219368"/>
+                  <a:ext cx="561277" cy="345159"/>
+                </a:xfrm>
+                <a:prstGeom prst="rect">
+                  <a:avLst/>
+                </a:prstGeom>
+                <a:noFill/>
+              </p:spPr>
+              <p:txBody>
+                <a:bodyPr wrap="square" lIns="0" tIns="0" rIns="0" bIns="0" rtlCol="0">
+                  <a:spAutoFit/>
+                </a:bodyPr>
+                <a:lstStyle/>
+                <a:p>
+                  <a:pPr/>
+                  <a14:m>
+                    <m:oMathPara xmlns:m="http://schemas.openxmlformats.org/officeDocument/2006/math">
+                      <m:oMathParaPr>
+                        <m:jc m:val="centerGroup"/>
+                      </m:oMathParaPr>
+                      <m:oMath xmlns:m="http://schemas.openxmlformats.org/officeDocument/2006/math">
+                        <m:sSub>
+                          <m:sSubPr>
+                            <m:ctrlPr>
+                              <a:rPr lang="en-CA" sz="2000" b="0" i="1" smtClean="0">
+                                <a:latin typeface="Cambria Math" charset="0"/>
+                                <a:cs typeface="Arial" panose="020B0604020202020204" pitchFamily="34" charset="0"/>
+                              </a:rPr>
+                            </m:ctrlPr>
+                          </m:sSubPr>
+                          <m:e>
+                            <m:acc>
+                              <m:accPr>
+                                <m:chr m:val="⃗"/>
+                                <m:ctrlPr>
+                                  <a:rPr lang="en-CA" sz="2000" b="0" i="1" smtClean="0">
+                                    <a:latin typeface="Cambria Math" charset="0"/>
+                                    <a:cs typeface="Arial" panose="020B0604020202020204" pitchFamily="34" charset="0"/>
+                                  </a:rPr>
+                                </m:ctrlPr>
+                              </m:accPr>
+                              <m:e>
+                                <m:r>
+                                  <a:rPr lang="en-CA" sz="2000" b="0" i="1" smtClean="0">
+                                    <a:latin typeface="Cambria Math" charset="0"/>
+                                    <a:cs typeface="Arial" panose="020B0604020202020204" pitchFamily="34" charset="0"/>
+                                  </a:rPr>
+                                  <m:t>𝐹</m:t>
+                                </m:r>
+                              </m:e>
+                            </m:acc>
+                          </m:e>
+                          <m:sub>
+                            <m:r>
+                              <a:rPr lang="en-CA" sz="2000" b="0" i="1" smtClean="0">
+                                <a:latin typeface="Cambria Math" charset="0"/>
+                                <a:cs typeface="Arial" panose="020B0604020202020204" pitchFamily="34" charset="0"/>
+                              </a:rPr>
+                              <m:t>𝑛𝑒𝑡</m:t>
+                            </m:r>
+                          </m:sub>
+                        </m:sSub>
+                      </m:oMath>
+                    </m:oMathPara>
+                  </a14:m>
+                  <a:endParaRPr lang="en-US" sz="2000" dirty="0" smtClean="0">
+                    <a:latin typeface="Arial" panose="020B0604020202020204" pitchFamily="34" charset="0"/>
+                    <a:cs typeface="Arial" panose="020B0604020202020204" pitchFamily="34" charset="0"/>
+                  </a:endParaRPr>
+                </a:p>
+              </p:txBody>
+            </p:sp>
+          </mc:Choice>
+          <mc:Fallback>
+            <p:sp>
+              <p:nvSpPr>
+                <p:cNvPr id="363" name="TextBox 362"/>
+                <p:cNvSpPr txBox="1">
+                  <a:spLocks noRot="1" noChangeAspect="1" noMove="1" noResize="1" noEditPoints="1" noAdjustHandles="1" noChangeArrowheads="1" noChangeShapeType="1" noTextEdit="1"/>
+                </p:cNvSpPr>
+                <p:nvPr/>
+              </p:nvSpPr>
+              <p:spPr>
+                <a:xfrm>
+                  <a:off x="10218496" y="6219368"/>
+                  <a:ext cx="561277" cy="345159"/>
+                </a:xfrm>
+                <a:prstGeom prst="rect">
+                  <a:avLst/>
+                </a:prstGeom>
+                <a:blipFill rotWithShape="0">
+                  <a:blip r:embed="rId9"/>
+                  <a:stretch>
+                    <a:fillRect l="-6522" t="-33333" r="-6522" b="-19298"/>
+                  </a:stretch>
+                </a:blipFill>
+              </p:spPr>
+              <p:txBody>
+                <a:bodyPr/>
+                <a:lstStyle/>
+                <a:p>
+                  <a:r>
+                    <a:rPr lang="en-US">
+                      <a:noFill/>
+                    </a:rPr>
+                    <a:t> </a:t>
+                  </a:r>
+                </a:p>
+              </p:txBody>
+            </p:sp>
+          </mc:Fallback>
+        </mc:AlternateContent>
+      </p:grpSp>
+    </p:spTree>
+    <p:extLst>
+      <p:ext uri="{BB962C8B-B14F-4D97-AF65-F5344CB8AC3E}">
+        <p14:creationId xmlns:p14="http://schemas.microsoft.com/office/powerpoint/2010/main" val="716477366"/>
+      </p:ext>
+    </p:extLst>
+  </p:cSld>
+  <p:clrMapOvr>
+    <a:masterClrMapping/>
+  </p:clrMapOvr>
+</p:sld>
+</file>
+
+<file path=ppt/slides/slide8.xml><?xml version="1.0" encoding="utf-8"?>
 <p:sld xmlns:a="http://schemas.openxmlformats.org/drawingml/2006/main" xmlns:r="http://schemas.openxmlformats.org/officeDocument/2006/relationships" xmlns:p="http://schemas.openxmlformats.org/presentationml/2006/main">
   <p:cSld>
     <p:spTree>
@@ -17442,7 +21106,7 @@
                             <m:chr m:val="⃗"/>
                             <m:ctrlPr>
                               <a:rPr lang="en-US" sz="2000" b="0" i="1" smtClean="0">
-                                <a:latin typeface="Cambria Math" panose="02040503050406030204" pitchFamily="18" charset="0"/>
+                                <a:latin typeface="Cambria Math" charset="0"/>
                                 <a:cs typeface="Arial" panose="020B0604020202020204" pitchFamily="34" charset="0"/>
                               </a:rPr>
                             </m:ctrlPr>
@@ -17469,7 +21133,7 @@
                             <m:chr m:val="⃗"/>
                             <m:ctrlPr>
                               <a:rPr lang="en-US" sz="2000" b="0" i="1" smtClean="0">
-                                <a:latin typeface="Cambria Math" panose="02040503050406030204" pitchFamily="18" charset="0"/>
+                                <a:latin typeface="Cambria Math" charset="0"/>
                                 <a:cs typeface="Arial" panose="020B0604020202020204" pitchFamily="34" charset="0"/>
                               </a:rPr>
                             </m:ctrlPr>
@@ -17570,7 +21234,7 @@
                             <m:chr m:val="⃗"/>
                             <m:ctrlPr>
                               <a:rPr lang="en-US" sz="2000" b="0" i="1" smtClean="0">
-                                <a:latin typeface="Cambria Math" panose="02040503050406030204" pitchFamily="18" charset="0"/>
+                                <a:latin typeface="Cambria Math" charset="0"/>
                                 <a:cs typeface="Arial" panose="020B0604020202020204" pitchFamily="34" charset="0"/>
                               </a:rPr>
                             </m:ctrlPr>
@@ -17671,7 +21335,7 @@
                             <m:chr m:val="⃗"/>
                             <m:ctrlPr>
                               <a:rPr lang="en-US" sz="2000" b="0" i="1" smtClean="0">
-                                <a:latin typeface="Cambria Math" panose="02040503050406030204" pitchFamily="18" charset="0"/>
+                                <a:latin typeface="Cambria Math" charset="0"/>
                                 <a:cs typeface="Arial" panose="020B0604020202020204" pitchFamily="34" charset="0"/>
                               </a:rPr>
                             </m:ctrlPr>
@@ -17771,7 +21435,7 @@
                           <m:sSubPr>
                             <m:ctrlPr>
                               <a:rPr lang="en-US" sz="2000" b="0" i="1" smtClean="0">
-                                <a:latin typeface="Cambria Math" panose="02040503050406030204" pitchFamily="18" charset="0"/>
+                                <a:latin typeface="Cambria Math" charset="0"/>
                                 <a:cs typeface="Arial" panose="020B0604020202020204" pitchFamily="34" charset="0"/>
                               </a:rPr>
                             </m:ctrlPr>
@@ -17782,7 +21446,7 @@
                                 <m:chr m:val="⃗"/>
                                 <m:ctrlPr>
                                   <a:rPr lang="en-US" sz="2000" b="0" i="1" smtClean="0">
-                                    <a:latin typeface="Cambria Math" panose="02040503050406030204" pitchFamily="18" charset="0"/>
+                                    <a:latin typeface="Cambria Math" charset="0"/>
                                     <a:cs typeface="Arial" panose="020B0604020202020204" pitchFamily="34" charset="0"/>
                                   </a:rPr>
                                 </m:ctrlPr>
@@ -18083,6 +21747,438 @@
     <p:extLst>
       <p:ext uri="{BB962C8B-B14F-4D97-AF65-F5344CB8AC3E}">
         <p14:creationId xmlns:p14="http://schemas.microsoft.com/office/powerpoint/2010/main" val="122096955"/>
+      </p:ext>
+    </p:extLst>
+  </p:cSld>
+  <p:clrMapOvr>
+    <a:masterClrMapping/>
+  </p:clrMapOvr>
+</p:sld>
+</file>
+
+<file path=ppt/slides/slide9.xml><?xml version="1.0" encoding="utf-8"?>
+<p:sld xmlns:a="http://schemas.openxmlformats.org/drawingml/2006/main" xmlns:r="http://schemas.openxmlformats.org/officeDocument/2006/relationships" xmlns:p="http://schemas.openxmlformats.org/presentationml/2006/main">
+  <p:cSld>
+    <p:spTree>
+      <p:nvGrpSpPr>
+        <p:cNvPr id="1" name=""/>
+        <p:cNvGrpSpPr/>
+        <p:nvPr/>
+      </p:nvGrpSpPr>
+      <p:grpSpPr>
+        <a:xfrm>
+          <a:off x="0" y="0"/>
+          <a:ext cx="0" cy="0"/>
+          <a:chOff x="0" y="0"/>
+          <a:chExt cx="0" cy="0"/>
+        </a:xfrm>
+      </p:grpSpPr>
+      <p:grpSp>
+        <p:nvGrpSpPr>
+          <p:cNvPr id="39" name="Group 38"/>
+          <p:cNvGrpSpPr/>
+          <p:nvPr/>
+        </p:nvGrpSpPr>
+        <p:grpSpPr>
+          <a:xfrm>
+            <a:off x="1503335" y="1300565"/>
+            <a:ext cx="4663701" cy="1490421"/>
+            <a:chOff x="1503335" y="1300565"/>
+            <a:chExt cx="4663701" cy="1490421"/>
+          </a:xfrm>
+        </p:grpSpPr>
+        <p:sp>
+          <p:nvSpPr>
+            <p:cNvPr id="40" name="Oval 39"/>
+            <p:cNvSpPr/>
+            <p:nvPr/>
+          </p:nvSpPr>
+          <p:spPr>
+            <a:xfrm>
+              <a:off x="1503335" y="1642820"/>
+              <a:ext cx="1224366" cy="805912"/>
+            </a:xfrm>
+            <a:prstGeom prst="ellipse">
+              <a:avLst/>
+            </a:prstGeom>
+            <a:noFill/>
+            <a:ln w="38100">
+              <a:solidFill>
+                <a:schemeClr val="tx1"/>
+              </a:solidFill>
+            </a:ln>
+          </p:spPr>
+          <p:style>
+            <a:lnRef idx="2">
+              <a:schemeClr val="accent1">
+                <a:shade val="50000"/>
+              </a:schemeClr>
+            </a:lnRef>
+            <a:fillRef idx="1">
+              <a:schemeClr val="accent1"/>
+            </a:fillRef>
+            <a:effectRef idx="0">
+              <a:schemeClr val="accent1"/>
+            </a:effectRef>
+            <a:fontRef idx="minor">
+              <a:schemeClr val="lt1"/>
+            </a:fontRef>
+          </p:style>
+          <p:txBody>
+            <a:bodyPr rtlCol="0" anchor="ctr"/>
+            <a:lstStyle/>
+            <a:p>
+              <a:pPr algn="ctr"/>
+              <a:endParaRPr lang="en-US"/>
+            </a:p>
+          </p:txBody>
+        </p:sp>
+        <p:sp>
+          <p:nvSpPr>
+            <p:cNvPr id="41" name="Oval 40"/>
+            <p:cNvSpPr/>
+            <p:nvPr/>
+          </p:nvSpPr>
+          <p:spPr>
+            <a:xfrm>
+              <a:off x="5606515" y="1300565"/>
+              <a:ext cx="560521" cy="1490421"/>
+            </a:xfrm>
+            <a:prstGeom prst="ellipse">
+              <a:avLst/>
+            </a:prstGeom>
+            <a:noFill/>
+            <a:ln w="38100">
+              <a:solidFill>
+                <a:schemeClr val="tx1"/>
+              </a:solidFill>
+            </a:ln>
+          </p:spPr>
+          <p:style>
+            <a:lnRef idx="2">
+              <a:schemeClr val="accent1">
+                <a:shade val="50000"/>
+              </a:schemeClr>
+            </a:lnRef>
+            <a:fillRef idx="1">
+              <a:schemeClr val="accent1"/>
+            </a:fillRef>
+            <a:effectRef idx="0">
+              <a:schemeClr val="accent1"/>
+            </a:effectRef>
+            <a:fontRef idx="minor">
+              <a:schemeClr val="lt1"/>
+            </a:fontRef>
+          </p:style>
+          <p:txBody>
+            <a:bodyPr rtlCol="0" anchor="ctr"/>
+            <a:lstStyle/>
+            <a:p>
+              <a:pPr algn="ctr"/>
+              <a:endParaRPr lang="en-US"/>
+            </a:p>
+          </p:txBody>
+        </p:sp>
+        <p:sp>
+          <p:nvSpPr>
+            <p:cNvPr id="42" name="Oval 41"/>
+            <p:cNvSpPr/>
+            <p:nvPr/>
+          </p:nvSpPr>
+          <p:spPr>
+            <a:xfrm>
+              <a:off x="3266270" y="1874648"/>
+              <a:ext cx="1755182" cy="342256"/>
+            </a:xfrm>
+            <a:prstGeom prst="ellipse">
+              <a:avLst/>
+            </a:prstGeom>
+            <a:noFill/>
+            <a:ln w="38100">
+              <a:solidFill>
+                <a:schemeClr val="tx1"/>
+              </a:solidFill>
+            </a:ln>
+          </p:spPr>
+          <p:style>
+            <a:lnRef idx="2">
+              <a:schemeClr val="accent1">
+                <a:shade val="50000"/>
+              </a:schemeClr>
+            </a:lnRef>
+            <a:fillRef idx="1">
+              <a:schemeClr val="accent1"/>
+            </a:fillRef>
+            <a:effectRef idx="0">
+              <a:schemeClr val="accent1"/>
+            </a:effectRef>
+            <a:fontRef idx="minor">
+              <a:schemeClr val="lt1"/>
+            </a:fontRef>
+          </p:style>
+          <p:txBody>
+            <a:bodyPr rtlCol="0" anchor="ctr"/>
+            <a:lstStyle/>
+            <a:p>
+              <a:pPr algn="ctr"/>
+              <a:endParaRPr lang="en-US"/>
+            </a:p>
+          </p:txBody>
+        </p:sp>
+        <mc:AlternateContent xmlns:mc="http://schemas.openxmlformats.org/markup-compatibility/2006">
+          <mc:Choice xmlns:a14="http://schemas.microsoft.com/office/drawing/2010/main" Requires="a14">
+            <p:sp>
+              <p:nvSpPr>
+                <p:cNvPr id="43" name="TextBox 42"/>
+                <p:cNvSpPr txBox="1"/>
+                <p:nvPr/>
+              </p:nvSpPr>
+              <p:spPr>
+                <a:xfrm>
+                  <a:off x="2015009" y="1907275"/>
+                  <a:ext cx="201017" cy="276999"/>
+                </a:xfrm>
+                <a:prstGeom prst="rect">
+                  <a:avLst/>
+                </a:prstGeom>
+                <a:noFill/>
+              </p:spPr>
+              <p:txBody>
+                <a:bodyPr wrap="none" lIns="0" tIns="0" rIns="0" bIns="0" rtlCol="0">
+                  <a:spAutoFit/>
+                </a:bodyPr>
+                <a:lstStyle/>
+                <a:p>
+                  <a14:m>
+                    <m:oMathPara xmlns:m="http://schemas.openxmlformats.org/officeDocument/2006/math">
+                      <m:oMathParaPr>
+                        <m:jc m:val="centerGroup"/>
+                      </m:oMathParaPr>
+                      <m:oMath xmlns:m="http://schemas.openxmlformats.org/officeDocument/2006/math">
+                        <m:r>
+                          <a:rPr lang="en-CA" b="0" i="1" smtClean="0">
+                            <a:latin typeface="Cambria Math" charset="0"/>
+                          </a:rPr>
+                          <m:t>𝐴</m:t>
+                        </m:r>
+                      </m:oMath>
+                    </m:oMathPara>
+                  </a14:m>
+                  <a:endParaRPr lang="en-US" dirty="0"/>
+                </a:p>
+              </p:txBody>
+            </p:sp>
+          </mc:Choice>
+          <mc:Fallback>
+            <p:sp>
+              <p:nvSpPr>
+                <p:cNvPr id="43" name="TextBox 42"/>
+                <p:cNvSpPr txBox="1">
+                  <a:spLocks noRot="1" noChangeAspect="1" noMove="1" noResize="1" noEditPoints="1" noAdjustHandles="1" noChangeArrowheads="1" noChangeShapeType="1" noTextEdit="1"/>
+                </p:cNvSpPr>
+                <p:nvPr/>
+              </p:nvSpPr>
+              <p:spPr>
+                <a:xfrm>
+                  <a:off x="2015009" y="1907275"/>
+                  <a:ext cx="201017" cy="276999"/>
+                </a:xfrm>
+                <a:prstGeom prst="rect">
+                  <a:avLst/>
+                </a:prstGeom>
+                <a:blipFill rotWithShape="0">
+                  <a:blip r:embed="rId2"/>
+                  <a:stretch>
+                    <a:fillRect l="-30303" r="-24242" b="-6667"/>
+                  </a:stretch>
+                </a:blipFill>
+              </p:spPr>
+              <p:txBody>
+                <a:bodyPr/>
+                <a:lstStyle/>
+                <a:p>
+                  <a:r>
+                    <a:rPr lang="en-US">
+                      <a:noFill/>
+                    </a:rPr>
+                    <a:t> </a:t>
+                  </a:r>
+                </a:p>
+              </p:txBody>
+            </p:sp>
+          </mc:Fallback>
+        </mc:AlternateContent>
+        <mc:AlternateContent xmlns:mc="http://schemas.openxmlformats.org/markup-compatibility/2006">
+          <mc:Choice xmlns:a14="http://schemas.microsoft.com/office/drawing/2010/main" Requires="a14">
+            <p:sp>
+              <p:nvSpPr>
+                <p:cNvPr id="44" name="TextBox 43"/>
+                <p:cNvSpPr txBox="1"/>
+                <p:nvPr/>
+              </p:nvSpPr>
+              <p:spPr>
+                <a:xfrm>
+                  <a:off x="4061406" y="1907275"/>
+                  <a:ext cx="211404" cy="276999"/>
+                </a:xfrm>
+                <a:prstGeom prst="rect">
+                  <a:avLst/>
+                </a:prstGeom>
+                <a:noFill/>
+              </p:spPr>
+              <p:txBody>
+                <a:bodyPr wrap="none" lIns="0" tIns="0" rIns="0" bIns="0" rtlCol="0">
+                  <a:spAutoFit/>
+                </a:bodyPr>
+                <a:lstStyle/>
+                <a:p>
+                  <a14:m>
+                    <m:oMathPara xmlns:m="http://schemas.openxmlformats.org/officeDocument/2006/math">
+                      <m:oMathParaPr>
+                        <m:jc m:val="centerGroup"/>
+                      </m:oMathParaPr>
+                      <m:oMath xmlns:m="http://schemas.openxmlformats.org/officeDocument/2006/math">
+                        <m:r>
+                          <a:rPr lang="en-CA" b="0" i="1" smtClean="0">
+                            <a:latin typeface="Cambria Math" charset="0"/>
+                          </a:rPr>
+                          <m:t>𝐵</m:t>
+                        </m:r>
+                      </m:oMath>
+                    </m:oMathPara>
+                  </a14:m>
+                  <a:endParaRPr lang="en-US" dirty="0"/>
+                </a:p>
+              </p:txBody>
+            </p:sp>
+          </mc:Choice>
+          <mc:Fallback>
+            <p:sp>
+              <p:nvSpPr>
+                <p:cNvPr id="44" name="TextBox 43"/>
+                <p:cNvSpPr txBox="1">
+                  <a:spLocks noRot="1" noChangeAspect="1" noMove="1" noResize="1" noEditPoints="1" noAdjustHandles="1" noChangeArrowheads="1" noChangeShapeType="1" noTextEdit="1"/>
+                </p:cNvSpPr>
+                <p:nvPr/>
+              </p:nvSpPr>
+              <p:spPr>
+                <a:xfrm>
+                  <a:off x="4061406" y="1907275"/>
+                  <a:ext cx="211404" cy="276999"/>
+                </a:xfrm>
+                <a:prstGeom prst="rect">
+                  <a:avLst/>
+                </a:prstGeom>
+                <a:blipFill rotWithShape="0">
+                  <a:blip r:embed="rId3"/>
+                  <a:stretch>
+                    <a:fillRect l="-25714" r="-20000" b="-6667"/>
+                  </a:stretch>
+                </a:blipFill>
+              </p:spPr>
+              <p:txBody>
+                <a:bodyPr/>
+                <a:lstStyle/>
+                <a:p>
+                  <a:r>
+                    <a:rPr lang="en-US">
+                      <a:noFill/>
+                    </a:rPr>
+                    <a:t> </a:t>
+                  </a:r>
+                </a:p>
+              </p:txBody>
+            </p:sp>
+          </mc:Fallback>
+        </mc:AlternateContent>
+        <mc:AlternateContent xmlns:mc="http://schemas.openxmlformats.org/markup-compatibility/2006">
+          <mc:Choice xmlns:a14="http://schemas.microsoft.com/office/drawing/2010/main" Requires="a14">
+            <p:sp>
+              <p:nvSpPr>
+                <p:cNvPr id="45" name="TextBox 44"/>
+                <p:cNvSpPr txBox="1"/>
+                <p:nvPr/>
+              </p:nvSpPr>
+              <p:spPr>
+                <a:xfrm>
+                  <a:off x="5781073" y="1907274"/>
+                  <a:ext cx="200888" cy="276999"/>
+                </a:xfrm>
+                <a:prstGeom prst="rect">
+                  <a:avLst/>
+                </a:prstGeom>
+                <a:noFill/>
+              </p:spPr>
+              <p:txBody>
+                <a:bodyPr wrap="none" lIns="0" tIns="0" rIns="0" bIns="0" rtlCol="0">
+                  <a:spAutoFit/>
+                </a:bodyPr>
+                <a:lstStyle/>
+                <a:p>
+                  <a14:m>
+                    <m:oMathPara xmlns:m="http://schemas.openxmlformats.org/officeDocument/2006/math">
+                      <m:oMathParaPr>
+                        <m:jc m:val="centerGroup"/>
+                      </m:oMathParaPr>
+                      <m:oMath xmlns:m="http://schemas.openxmlformats.org/officeDocument/2006/math">
+                        <m:r>
+                          <a:rPr lang="en-CA" b="0" i="1" smtClean="0">
+                            <a:latin typeface="Cambria Math" charset="0"/>
+                          </a:rPr>
+                          <m:t>𝐶</m:t>
+                        </m:r>
+                      </m:oMath>
+                    </m:oMathPara>
+                  </a14:m>
+                  <a:endParaRPr lang="en-US" dirty="0"/>
+                </a:p>
+              </p:txBody>
+            </p:sp>
+          </mc:Choice>
+          <mc:Fallback>
+            <p:sp>
+              <p:nvSpPr>
+                <p:cNvPr id="45" name="TextBox 44"/>
+                <p:cNvSpPr txBox="1">
+                  <a:spLocks noRot="1" noChangeAspect="1" noMove="1" noResize="1" noEditPoints="1" noAdjustHandles="1" noChangeArrowheads="1" noChangeShapeType="1" noTextEdit="1"/>
+                </p:cNvSpPr>
+                <p:nvPr/>
+              </p:nvSpPr>
+              <p:spPr>
+                <a:xfrm>
+                  <a:off x="5781073" y="1907274"/>
+                  <a:ext cx="200888" cy="276999"/>
+                </a:xfrm>
+                <a:prstGeom prst="rect">
+                  <a:avLst/>
+                </a:prstGeom>
+                <a:blipFill rotWithShape="0">
+                  <a:blip r:embed="rId4"/>
+                  <a:stretch>
+                    <a:fillRect l="-27273" r="-24242" b="-6667"/>
+                  </a:stretch>
+                </a:blipFill>
+              </p:spPr>
+              <p:txBody>
+                <a:bodyPr/>
+                <a:lstStyle/>
+                <a:p>
+                  <a:r>
+                    <a:rPr lang="en-US">
+                      <a:noFill/>
+                    </a:rPr>
+                    <a:t> </a:t>
+                  </a:r>
+                </a:p>
+              </p:txBody>
+            </p:sp>
+          </mc:Fallback>
+        </mc:AlternateContent>
+      </p:grpSp>
+    </p:spTree>
+    <p:extLst>
+      <p:ext uri="{BB962C8B-B14F-4D97-AF65-F5344CB8AC3E}">
+        <p14:creationId xmlns:p14="http://schemas.microsoft.com/office/powerpoint/2010/main" val="1581550346"/>
       </p:ext>
     </p:extLst>
   </p:cSld>

--- a/tex/figures/Gravity/Figures.pptx
+++ b/tex/figures/Gravity/Figures.pptx
@@ -10,7 +10,7 @@
     <p:sldId id="278" r:id="rId4"/>
     <p:sldId id="273" r:id="rId5"/>
     <p:sldId id="274" r:id="rId6"/>
-    <p:sldId id="275" r:id="rId7"/>
+    <p:sldId id="280" r:id="rId7"/>
     <p:sldId id="277" r:id="rId8"/>
     <p:sldId id="276" r:id="rId9"/>
     <p:sldId id="279" r:id="rId10"/>
@@ -251,7 +251,7 @@
           <a:p>
             <a:fld id="{F7249F8D-641B-4CAF-BAE5-10524742F6F1}" type="datetimeFigureOut">
               <a:rPr lang="en-CA" smtClean="0"/>
-              <a:t>2018-06-26</a:t>
+              <a:t>2018-06-28</a:t>
             </a:fld>
             <a:endParaRPr lang="en-CA"/>
           </a:p>
@@ -421,7 +421,7 @@
           <a:p>
             <a:fld id="{F7249F8D-641B-4CAF-BAE5-10524742F6F1}" type="datetimeFigureOut">
               <a:rPr lang="en-CA" smtClean="0"/>
-              <a:t>2018-06-26</a:t>
+              <a:t>2018-06-28</a:t>
             </a:fld>
             <a:endParaRPr lang="en-CA"/>
           </a:p>
@@ -601,7 +601,7 @@
           <a:p>
             <a:fld id="{F7249F8D-641B-4CAF-BAE5-10524742F6F1}" type="datetimeFigureOut">
               <a:rPr lang="en-CA" smtClean="0"/>
-              <a:t>2018-06-26</a:t>
+              <a:t>2018-06-28</a:t>
             </a:fld>
             <a:endParaRPr lang="en-CA"/>
           </a:p>
@@ -771,7 +771,7 @@
           <a:p>
             <a:fld id="{F7249F8D-641B-4CAF-BAE5-10524742F6F1}" type="datetimeFigureOut">
               <a:rPr lang="en-CA" smtClean="0"/>
-              <a:t>2018-06-26</a:t>
+              <a:t>2018-06-28</a:t>
             </a:fld>
             <a:endParaRPr lang="en-CA"/>
           </a:p>
@@ -1017,7 +1017,7 @@
           <a:p>
             <a:fld id="{F7249F8D-641B-4CAF-BAE5-10524742F6F1}" type="datetimeFigureOut">
               <a:rPr lang="en-CA" smtClean="0"/>
-              <a:t>2018-06-26</a:t>
+              <a:t>2018-06-28</a:t>
             </a:fld>
             <a:endParaRPr lang="en-CA"/>
           </a:p>
@@ -1249,7 +1249,7 @@
           <a:p>
             <a:fld id="{F7249F8D-641B-4CAF-BAE5-10524742F6F1}" type="datetimeFigureOut">
               <a:rPr lang="en-CA" smtClean="0"/>
-              <a:t>2018-06-26</a:t>
+              <a:t>2018-06-28</a:t>
             </a:fld>
             <a:endParaRPr lang="en-CA"/>
           </a:p>
@@ -1616,7 +1616,7 @@
           <a:p>
             <a:fld id="{F7249F8D-641B-4CAF-BAE5-10524742F6F1}" type="datetimeFigureOut">
               <a:rPr lang="en-CA" smtClean="0"/>
-              <a:t>2018-06-26</a:t>
+              <a:t>2018-06-28</a:t>
             </a:fld>
             <a:endParaRPr lang="en-CA"/>
           </a:p>
@@ -1734,7 +1734,7 @@
           <a:p>
             <a:fld id="{F7249F8D-641B-4CAF-BAE5-10524742F6F1}" type="datetimeFigureOut">
               <a:rPr lang="en-CA" smtClean="0"/>
-              <a:t>2018-06-26</a:t>
+              <a:t>2018-06-28</a:t>
             </a:fld>
             <a:endParaRPr lang="en-CA"/>
           </a:p>
@@ -1829,7 +1829,7 @@
           <a:p>
             <a:fld id="{F7249F8D-641B-4CAF-BAE5-10524742F6F1}" type="datetimeFigureOut">
               <a:rPr lang="en-CA" smtClean="0"/>
-              <a:t>2018-06-26</a:t>
+              <a:t>2018-06-28</a:t>
             </a:fld>
             <a:endParaRPr lang="en-CA"/>
           </a:p>
@@ -2106,7 +2106,7 @@
           <a:p>
             <a:fld id="{F7249F8D-641B-4CAF-BAE5-10524742F6F1}" type="datetimeFigureOut">
               <a:rPr lang="en-CA" smtClean="0"/>
-              <a:t>2018-06-26</a:t>
+              <a:t>2018-06-28</a:t>
             </a:fld>
             <a:endParaRPr lang="en-CA"/>
           </a:p>
@@ -2359,7 +2359,7 @@
           <a:p>
             <a:fld id="{F7249F8D-641B-4CAF-BAE5-10524742F6F1}" type="datetimeFigureOut">
               <a:rPr lang="en-CA" smtClean="0"/>
-              <a:t>2018-06-26</a:t>
+              <a:t>2018-06-28</a:t>
             </a:fld>
             <a:endParaRPr lang="en-CA"/>
           </a:p>
@@ -2572,7 +2572,7 @@
           <a:p>
             <a:fld id="{F7249F8D-641B-4CAF-BAE5-10524742F6F1}" type="datetimeFigureOut">
               <a:rPr lang="en-CA" smtClean="0"/>
-              <a:t>2018-06-26</a:t>
+              <a:t>2018-06-28</a:t>
             </a:fld>
             <a:endParaRPr lang="en-CA"/>
           </a:p>
@@ -5549,8 +5549,8 @@
             </p:txBody>
           </p:sp>
         </p:grpSp>
-        <mc:AlternateContent xmlns:mc="http://schemas.openxmlformats.org/markup-compatibility/2006">
-          <mc:Choice xmlns:a14="http://schemas.microsoft.com/office/drawing/2010/main" Requires="a14">
+        <mc:AlternateContent xmlns:mc="http://schemas.openxmlformats.org/markup-compatibility/2006" xmlns:a14="http://schemas.microsoft.com/office/drawing/2010/main">
+          <mc:Choice Requires="a14">
             <p:sp>
               <p:nvSpPr>
                 <p:cNvPr id="50" name="TextBox 49"/>
@@ -5598,7 +5598,7 @@
               </p:txBody>
             </p:sp>
           </mc:Choice>
-          <mc:Fallback>
+          <mc:Fallback xmlns="">
             <p:sp>
               <p:nvSpPr>
                 <p:cNvPr id="50" name="TextBox 49"/>
@@ -5637,8 +5637,8 @@
             </p:sp>
           </mc:Fallback>
         </mc:AlternateContent>
-        <mc:AlternateContent xmlns:mc="http://schemas.openxmlformats.org/markup-compatibility/2006">
-          <mc:Choice xmlns:a14="http://schemas.microsoft.com/office/drawing/2010/main" Requires="a14">
+        <mc:AlternateContent xmlns:mc="http://schemas.openxmlformats.org/markup-compatibility/2006" xmlns:a14="http://schemas.microsoft.com/office/drawing/2010/main">
+          <mc:Choice Requires="a14">
             <p:sp>
               <p:nvSpPr>
                 <p:cNvPr id="70" name="TextBox 69"/>
@@ -5686,7 +5686,7 @@
               </p:txBody>
             </p:sp>
           </mc:Choice>
-          <mc:Fallback>
+          <mc:Fallback xmlns="">
             <p:sp>
               <p:nvSpPr>
                 <p:cNvPr id="70" name="TextBox 69"/>
@@ -5773,8 +5773,8 @@
             </a:p>
           </p:txBody>
         </p:sp>
-        <mc:AlternateContent xmlns:mc="http://schemas.openxmlformats.org/markup-compatibility/2006">
-          <mc:Choice xmlns:a14="http://schemas.microsoft.com/office/drawing/2010/main" Requires="a14">
+        <mc:AlternateContent xmlns:mc="http://schemas.openxmlformats.org/markup-compatibility/2006" xmlns:a14="http://schemas.microsoft.com/office/drawing/2010/main">
+          <mc:Choice Requires="a14">
             <p:sp>
               <p:nvSpPr>
                 <p:cNvPr id="82" name="TextBox 81"/>
@@ -5822,7 +5822,7 @@
               </p:txBody>
             </p:sp>
           </mc:Choice>
-          <mc:Fallback>
+          <mc:Fallback xmlns="">
             <p:sp>
               <p:nvSpPr>
                 <p:cNvPr id="82" name="TextBox 81"/>
@@ -5861,8 +5861,8 @@
             </p:sp>
           </mc:Fallback>
         </mc:AlternateContent>
-        <mc:AlternateContent xmlns:mc="http://schemas.openxmlformats.org/markup-compatibility/2006">
-          <mc:Choice xmlns:a14="http://schemas.microsoft.com/office/drawing/2010/main" Requires="a14">
+        <mc:AlternateContent xmlns:mc="http://schemas.openxmlformats.org/markup-compatibility/2006" xmlns:a14="http://schemas.microsoft.com/office/drawing/2010/main">
+          <mc:Choice Requires="a14">
             <p:sp>
               <p:nvSpPr>
                 <p:cNvPr id="84" name="TextBox 83"/>
@@ -5910,7 +5910,7 @@
               </p:txBody>
             </p:sp>
           </mc:Choice>
-          <mc:Fallback>
+          <mc:Fallback xmlns="">
             <p:sp>
               <p:nvSpPr>
                 <p:cNvPr id="84" name="TextBox 83"/>
@@ -11963,8 +11963,8 @@
               </p:sp>
             </p:grpSp>
           </p:grpSp>
-          <mc:AlternateContent xmlns:mc="http://schemas.openxmlformats.org/markup-compatibility/2006">
-            <mc:Choice xmlns:a14="http://schemas.microsoft.com/office/drawing/2010/main" Requires="a14">
+          <mc:AlternateContent xmlns:mc="http://schemas.openxmlformats.org/markup-compatibility/2006" xmlns:a14="http://schemas.microsoft.com/office/drawing/2010/main">
+            <mc:Choice Requires="a14">
               <p:sp>
                 <p:nvSpPr>
                   <p:cNvPr id="20" name="TextBox 19"/>
@@ -12026,7 +12026,7 @@
                 </p:txBody>
               </p:sp>
             </mc:Choice>
-            <mc:Fallback>
+            <mc:Fallback xmlns="">
               <p:sp>
                 <p:nvSpPr>
                   <p:cNvPr id="20" name="TextBox 19"/>
@@ -12200,8 +12200,8 @@
               </a:fontRef>
             </p:style>
           </p:cxnSp>
-          <mc:AlternateContent xmlns:mc="http://schemas.openxmlformats.org/markup-compatibility/2006">
-            <mc:Choice xmlns:a14="http://schemas.microsoft.com/office/drawing/2010/main" Requires="a14">
+          <mc:AlternateContent xmlns:mc="http://schemas.openxmlformats.org/markup-compatibility/2006" xmlns:a14="http://schemas.microsoft.com/office/drawing/2010/main">
+            <mc:Choice Requires="a14">
               <p:sp>
                 <p:nvSpPr>
                   <p:cNvPr id="97" name="TextBox 96"/>
@@ -12283,7 +12283,7 @@
                 </p:txBody>
               </p:sp>
             </mc:Choice>
-            <mc:Fallback>
+            <mc:Fallback xmlns="">
               <p:sp>
                 <p:nvSpPr>
                   <p:cNvPr id="97" name="TextBox 96"/>
@@ -12322,8 +12322,8 @@
               </p:sp>
             </mc:Fallback>
           </mc:AlternateContent>
-          <mc:AlternateContent xmlns:mc="http://schemas.openxmlformats.org/markup-compatibility/2006">
-            <mc:Choice xmlns:a14="http://schemas.microsoft.com/office/drawing/2010/main" Requires="a14">
+          <mc:AlternateContent xmlns:mc="http://schemas.openxmlformats.org/markup-compatibility/2006" xmlns:a14="http://schemas.microsoft.com/office/drawing/2010/main">
+            <mc:Choice Requires="a14">
               <p:sp>
                 <p:nvSpPr>
                   <p:cNvPr id="100" name="TextBox 99"/>
@@ -12384,7 +12384,7 @@
                 </p:txBody>
               </p:sp>
             </mc:Choice>
-            <mc:Fallback>
+            <mc:Fallback xmlns="">
               <p:sp>
                 <p:nvSpPr>
                   <p:cNvPr id="100" name="TextBox 99"/>
@@ -15835,202 +15835,193 @@
       </p:grpSpPr>
       <p:grpSp>
         <p:nvGrpSpPr>
-          <p:cNvPr id="3" name="Group 2"/>
+          <p:cNvPr id="33" name="Group 32"/>
           <p:cNvGrpSpPr/>
           <p:nvPr/>
         </p:nvGrpSpPr>
         <p:grpSpPr>
           <a:xfrm>
-            <a:off x="878969" y="194358"/>
-            <a:ext cx="9365257" cy="6123315"/>
-            <a:chOff x="878969" y="194358"/>
-            <a:chExt cx="9365257" cy="6123315"/>
+            <a:off x="1763680" y="528217"/>
+            <a:ext cx="9403991" cy="5947534"/>
+            <a:chOff x="-1144411" y="513227"/>
+            <a:chExt cx="9320442" cy="5994460"/>
           </a:xfrm>
         </p:grpSpPr>
         <p:grpSp>
           <p:nvGrpSpPr>
-            <p:cNvPr id="27" name="Group 26"/>
+            <p:cNvPr id="29" name="Group 28"/>
             <p:cNvGrpSpPr/>
             <p:nvPr/>
           </p:nvGrpSpPr>
           <p:grpSpPr>
             <a:xfrm>
-              <a:off x="878969" y="194358"/>
-              <a:ext cx="6011310" cy="6123315"/>
-              <a:chOff x="878969" y="194358"/>
-              <a:chExt cx="6011310" cy="6123315"/>
+              <a:off x="-1144411" y="513227"/>
+              <a:ext cx="9320442" cy="5906721"/>
+              <a:chOff x="279655" y="427309"/>
+              <a:chExt cx="9320442" cy="5906721"/>
             </a:xfrm>
           </p:grpSpPr>
           <p:grpSp>
             <p:nvGrpSpPr>
-              <p:cNvPr id="25" name="Group 24"/>
+              <p:cNvPr id="26" name="Group 25"/>
               <p:cNvGrpSpPr/>
               <p:nvPr/>
             </p:nvGrpSpPr>
             <p:grpSpPr>
               <a:xfrm>
-                <a:off x="878969" y="512618"/>
-                <a:ext cx="6011310" cy="5805055"/>
-                <a:chOff x="1086787" y="207818"/>
-                <a:chExt cx="6011310" cy="5805055"/>
+                <a:off x="279655" y="427309"/>
+                <a:ext cx="6017768" cy="5906721"/>
+                <a:chOff x="279655" y="427309"/>
+                <a:chExt cx="6017768" cy="5906721"/>
               </a:xfrm>
             </p:grpSpPr>
             <p:grpSp>
               <p:nvGrpSpPr>
-                <p:cNvPr id="8" name="Group 7"/>
+                <p:cNvPr id="4" name="Group 3"/>
                 <p:cNvGrpSpPr/>
                 <p:nvPr/>
               </p:nvGrpSpPr>
               <p:grpSpPr>
                 <a:xfrm>
-                  <a:off x="1086787" y="1233055"/>
-                  <a:ext cx="6011310" cy="3759970"/>
-                  <a:chOff x="6464716" y="466283"/>
-                  <a:chExt cx="5262880" cy="3291840"/>
+                  <a:off x="279655" y="427309"/>
+                  <a:ext cx="6011310" cy="5103467"/>
+                  <a:chOff x="878969" y="194358"/>
+                  <a:chExt cx="6011310" cy="5103467"/>
                 </a:xfrm>
               </p:grpSpPr>
-              <p:sp>
-                <p:nvSpPr>
-                  <p:cNvPr id="14" name="Oval 13"/>
-                  <p:cNvSpPr/>
+              <p:grpSp>
+                <p:nvGrpSpPr>
+                  <p:cNvPr id="5" name="Group 4"/>
+                  <p:cNvGrpSpPr/>
                   <p:nvPr/>
-                </p:nvSpPr>
-                <p:spPr>
+                </p:nvGrpSpPr>
+                <p:grpSpPr>
                   <a:xfrm>
-                    <a:off x="6464716" y="466283"/>
-                    <a:ext cx="5262880" cy="3291840"/>
+                    <a:off x="878969" y="1159830"/>
+                    <a:ext cx="6011310" cy="4137995"/>
+                    <a:chOff x="1086787" y="855030"/>
+                    <a:chExt cx="6011310" cy="4137995"/>
                   </a:xfrm>
-                  <a:prstGeom prst="ellipse">
-                    <a:avLst/>
-                  </a:prstGeom>
-                  <a:noFill/>
-                  <a:ln w="38100">
-                    <a:solidFill>
-                      <a:schemeClr val="tx1"/>
-                    </a:solidFill>
-                  </a:ln>
-                </p:spPr>
-                <p:style>
-                  <a:lnRef idx="2">
-                    <a:schemeClr val="accent1">
-                      <a:shade val="50000"/>
-                    </a:schemeClr>
-                  </a:lnRef>
-                  <a:fillRef idx="1">
-                    <a:schemeClr val="accent1"/>
-                  </a:fillRef>
-                  <a:effectRef idx="0">
-                    <a:schemeClr val="accent1"/>
-                  </a:effectRef>
-                  <a:fontRef idx="minor">
-                    <a:schemeClr val="lt1"/>
-                  </a:fontRef>
-                </p:style>
-                <p:txBody>
-                  <a:bodyPr rtlCol="0" anchor="ctr"/>
-                  <a:lstStyle/>
-                  <a:p>
-                    <a:pPr algn="ctr"/>
-                    <a:endParaRPr lang="en-US"/>
-                  </a:p>
-                </p:txBody>
-              </p:sp>
-              <p:sp>
-                <p:nvSpPr>
-                  <p:cNvPr id="17" name="Oval 16"/>
-                  <p:cNvSpPr/>
-                  <p:nvPr/>
-                </p:nvSpPr>
-                <p:spPr>
-                  <a:xfrm>
-                    <a:off x="11114047" y="2064450"/>
-                    <a:ext cx="120943" cy="119766"/>
-                  </a:xfrm>
-                  <a:prstGeom prst="ellipse">
-                    <a:avLst/>
-                  </a:prstGeom>
-                  <a:solidFill>
-                    <a:schemeClr val="tx1"/>
-                  </a:solidFill>
-                  <a:ln w="38100">
-                    <a:solidFill>
-                      <a:schemeClr val="tx1"/>
-                    </a:solidFill>
-                  </a:ln>
-                </p:spPr>
-                <p:style>
-                  <a:lnRef idx="2">
-                    <a:schemeClr val="accent1">
-                      <a:shade val="50000"/>
-                    </a:schemeClr>
-                  </a:lnRef>
-                  <a:fillRef idx="1">
-                    <a:schemeClr val="accent1"/>
-                  </a:fillRef>
-                  <a:effectRef idx="0">
-                    <a:schemeClr val="accent1"/>
-                  </a:effectRef>
-                  <a:fontRef idx="minor">
-                    <a:schemeClr val="lt1"/>
-                  </a:fontRef>
-                </p:style>
-                <p:txBody>
-                  <a:bodyPr rtlCol="0" anchor="ctr"/>
-                  <a:lstStyle/>
-                  <a:p>
-                    <a:pPr algn="ctr"/>
-                    <a:endParaRPr lang="en-US"/>
-                  </a:p>
-                </p:txBody>
-              </p:sp>
-            </p:grpSp>
-            <p:sp>
-              <p:nvSpPr>
-                <p:cNvPr id="6" name="TextBox 5"/>
-                <p:cNvSpPr txBox="1"/>
-                <p:nvPr/>
-              </p:nvSpPr>
-              <p:spPr>
-                <a:xfrm>
-                  <a:off x="3791794" y="855030"/>
-                  <a:ext cx="65" cy="615553"/>
-                </a:xfrm>
-                <a:prstGeom prst="rect">
-                  <a:avLst/>
-                </a:prstGeom>
-                <a:noFill/>
-              </p:spPr>
-              <p:txBody>
-                <a:bodyPr wrap="none" lIns="0" tIns="0" rIns="0" bIns="0" rtlCol="0">
-                  <a:spAutoFit/>
-                </a:bodyPr>
-                <a:lstStyle/>
-                <a:p>
-                  <a:endParaRPr lang="en-US" sz="2000" b="0" dirty="0" smtClean="0">
-                    <a:latin typeface="Arial" panose="020B0604020202020204" pitchFamily="34" charset="0"/>
-                    <a:cs typeface="Arial" panose="020B0604020202020204" pitchFamily="34" charset="0"/>
-                  </a:endParaRPr>
-                </a:p>
-                <a:p>
-                  <a:endParaRPr lang="en-US" sz="2000" dirty="0" smtClean="0">
-                    <a:latin typeface="Arial" panose="020B0604020202020204" pitchFamily="34" charset="0"/>
-                    <a:cs typeface="Arial" panose="020B0604020202020204" pitchFamily="34" charset="0"/>
-                  </a:endParaRPr>
-                </a:p>
-              </p:txBody>
-            </p:sp>
-            <mc:AlternateContent xmlns:mc="http://schemas.openxmlformats.org/markup-compatibility/2006" xmlns:a14="http://schemas.microsoft.com/office/drawing/2010/main">
-              <mc:Choice Requires="a14">
+                </p:grpSpPr>
+                <p:grpSp>
+                  <p:nvGrpSpPr>
+                    <p:cNvPr id="10" name="Group 9"/>
+                    <p:cNvGrpSpPr/>
+                    <p:nvPr/>
+                  </p:nvGrpSpPr>
+                  <p:grpSpPr>
+                    <a:xfrm>
+                      <a:off x="1086787" y="1233055"/>
+                      <a:ext cx="6011310" cy="3759970"/>
+                      <a:chOff x="6464716" y="466283"/>
+                      <a:chExt cx="5262880" cy="3291840"/>
+                    </a:xfrm>
+                  </p:grpSpPr>
+                  <p:sp>
+                    <p:nvSpPr>
+                      <p:cNvPr id="18" name="Oval 17"/>
+                      <p:cNvSpPr/>
+                      <p:nvPr/>
+                    </p:nvSpPr>
+                    <p:spPr>
+                      <a:xfrm>
+                        <a:off x="6464716" y="466283"/>
+                        <a:ext cx="5262880" cy="3291840"/>
+                      </a:xfrm>
+                      <a:prstGeom prst="ellipse">
+                        <a:avLst/>
+                      </a:prstGeom>
+                      <a:noFill/>
+                      <a:ln w="57150">
+                        <a:solidFill>
+                          <a:schemeClr val="tx1"/>
+                        </a:solidFill>
+                      </a:ln>
+                    </p:spPr>
+                    <p:style>
+                      <a:lnRef idx="2">
+                        <a:schemeClr val="accent1">
+                          <a:shade val="50000"/>
+                        </a:schemeClr>
+                      </a:lnRef>
+                      <a:fillRef idx="1">
+                        <a:schemeClr val="accent1"/>
+                      </a:fillRef>
+                      <a:effectRef idx="0">
+                        <a:schemeClr val="accent1"/>
+                      </a:effectRef>
+                      <a:fontRef idx="minor">
+                        <a:schemeClr val="lt1"/>
+                      </a:fontRef>
+                    </p:style>
+                    <p:txBody>
+                      <a:bodyPr rtlCol="0" anchor="ctr"/>
+                      <a:lstStyle/>
+                      <a:p>
+                        <a:pPr algn="ctr"/>
+                        <a:endParaRPr lang="en-US"/>
+                      </a:p>
+                    </p:txBody>
+                  </p:sp>
+                  <p:sp>
+                    <p:nvSpPr>
+                      <p:cNvPr id="19" name="Oval 18"/>
+                      <p:cNvSpPr/>
+                      <p:nvPr/>
+                    </p:nvSpPr>
+                    <p:spPr>
+                      <a:xfrm>
+                        <a:off x="11114047" y="2064450"/>
+                        <a:ext cx="120943" cy="119766"/>
+                      </a:xfrm>
+                      <a:prstGeom prst="ellipse">
+                        <a:avLst/>
+                      </a:prstGeom>
+                      <a:solidFill>
+                        <a:schemeClr val="tx1"/>
+                      </a:solidFill>
+                      <a:ln w="38100">
+                        <a:solidFill>
+                          <a:schemeClr val="tx1"/>
+                        </a:solidFill>
+                      </a:ln>
+                    </p:spPr>
+                    <p:style>
+                      <a:lnRef idx="2">
+                        <a:schemeClr val="accent1">
+                          <a:shade val="50000"/>
+                        </a:schemeClr>
+                      </a:lnRef>
+                      <a:fillRef idx="1">
+                        <a:schemeClr val="accent1"/>
+                      </a:fillRef>
+                      <a:effectRef idx="0">
+                        <a:schemeClr val="accent1"/>
+                      </a:effectRef>
+                      <a:fontRef idx="minor">
+                        <a:schemeClr val="lt1"/>
+                      </a:fontRef>
+                    </p:style>
+                    <p:txBody>
+                      <a:bodyPr rtlCol="0" anchor="ctr"/>
+                      <a:lstStyle/>
+                      <a:p>
+                        <a:pPr algn="ctr"/>
+                        <a:endParaRPr lang="en-US"/>
+                      </a:p>
+                    </p:txBody>
+                  </p:sp>
+                </p:grpSp>
                 <p:sp>
                   <p:nvSpPr>
-                    <p:cNvPr id="7" name="TextBox 6"/>
+                    <p:cNvPr id="11" name="TextBox 10"/>
                     <p:cNvSpPr txBox="1"/>
                     <p:nvPr/>
                   </p:nvSpPr>
                   <p:spPr>
                     <a:xfrm>
-                      <a:off x="5862680" y="2866371"/>
-                      <a:ext cx="598848" cy="369332"/>
+                      <a:off x="3791794" y="855030"/>
+                      <a:ext cx="65" cy="615553"/>
                     </a:xfrm>
                     <a:prstGeom prst="rect">
                       <a:avLst/>
@@ -16038,133 +16029,552 @@
                     <a:noFill/>
                   </p:spPr>
                   <p:txBody>
-                    <a:bodyPr wrap="square" lIns="0" tIns="0" rIns="0" bIns="0" rtlCol="0">
+                    <a:bodyPr wrap="none" lIns="0" tIns="0" rIns="0" bIns="0" rtlCol="0">
                       <a:spAutoFit/>
                     </a:bodyPr>
                     <a:lstStyle/>
                     <a:p>
-                      <a:pPr/>
-                      <a14:m>
-                        <m:oMathPara xmlns:m="http://schemas.openxmlformats.org/officeDocument/2006/math">
-                          <m:oMathParaPr>
-                            <m:jc m:val="centerGroup"/>
-                          </m:oMathParaPr>
-                          <m:oMath xmlns:m="http://schemas.openxmlformats.org/officeDocument/2006/math">
-                            <m:r>
-                              <a:rPr lang="en-US" sz="2400" b="0" i="1" smtClean="0">
-                                <a:latin typeface="Cambria Math" panose="02040503050406030204" pitchFamily="18" charset="0"/>
-                                <a:cs typeface="Arial" panose="020B0604020202020204" pitchFamily="34" charset="0"/>
-                              </a:rPr>
-                              <m:t>𝑀</m:t>
-                            </m:r>
-                          </m:oMath>
-                        </m:oMathPara>
-                      </a14:m>
-                      <a:endParaRPr lang="en-US" sz="2400" dirty="0" smtClean="0">
+                      <a:endParaRPr lang="en-US" sz="2000" b="0" dirty="0" smtClean="0">
+                        <a:latin typeface="Arial" panose="020B0604020202020204" pitchFamily="34" charset="0"/>
+                        <a:cs typeface="Arial" panose="020B0604020202020204" pitchFamily="34" charset="0"/>
+                      </a:endParaRPr>
+                    </a:p>
+                    <a:p>
+                      <a:endParaRPr lang="en-US" sz="2000" dirty="0" smtClean="0">
                         <a:latin typeface="Arial" panose="020B0604020202020204" pitchFamily="34" charset="0"/>
                         <a:cs typeface="Arial" panose="020B0604020202020204" pitchFamily="34" charset="0"/>
                       </a:endParaRPr>
                     </a:p>
                   </p:txBody>
                 </p:sp>
-              </mc:Choice>
-              <mc:Fallback xmlns="">
+                <mc:AlternateContent xmlns:mc="http://schemas.openxmlformats.org/markup-compatibility/2006">
+                  <mc:Choice xmlns:a14="http://schemas.microsoft.com/office/drawing/2010/main" Requires="a14">
+                    <p:sp>
+                      <p:nvSpPr>
+                        <p:cNvPr id="12" name="TextBox 11"/>
+                        <p:cNvSpPr txBox="1"/>
+                        <p:nvPr/>
+                      </p:nvSpPr>
+                      <p:spPr>
+                        <a:xfrm>
+                          <a:off x="5862680" y="2866371"/>
+                          <a:ext cx="465903" cy="369332"/>
+                        </a:xfrm>
+                        <a:prstGeom prst="rect">
+                          <a:avLst/>
+                        </a:prstGeom>
+                        <a:noFill/>
+                      </p:spPr>
+                      <p:txBody>
+                        <a:bodyPr wrap="square" lIns="0" tIns="0" rIns="0" bIns="0" rtlCol="0">
+                          <a:spAutoFit/>
+                        </a:bodyPr>
+                        <a:lstStyle/>
+                        <a:p>
+                          <a:pPr/>
+                          <a14:m>
+                            <m:oMathPara xmlns:m="http://schemas.openxmlformats.org/officeDocument/2006/math">
+                              <m:oMathParaPr>
+                                <m:jc m:val="centerGroup"/>
+                              </m:oMathParaPr>
+                              <m:oMath xmlns:m="http://schemas.openxmlformats.org/officeDocument/2006/math">
+                                <m:r>
+                                  <a:rPr lang="en-US" sz="2400" b="0" i="1" smtClean="0">
+                                    <a:latin typeface="Cambria Math" panose="02040503050406030204" pitchFamily="18" charset="0"/>
+                                    <a:cs typeface="Arial" panose="020B0604020202020204" pitchFamily="34" charset="0"/>
+                                  </a:rPr>
+                                  <m:t>𝑀</m:t>
+                                </m:r>
+                              </m:oMath>
+                            </m:oMathPara>
+                          </a14:m>
+                          <a:endParaRPr lang="en-US" sz="2400" dirty="0" smtClean="0">
+                            <a:latin typeface="Arial" panose="020B0604020202020204" pitchFamily="34" charset="0"/>
+                            <a:cs typeface="Arial" panose="020B0604020202020204" pitchFamily="34" charset="0"/>
+                          </a:endParaRPr>
+                        </a:p>
+                      </p:txBody>
+                    </p:sp>
+                  </mc:Choice>
+                  <mc:Fallback>
+                    <p:sp>
+                      <p:nvSpPr>
+                        <p:cNvPr id="12" name="TextBox 11"/>
+                        <p:cNvSpPr txBox="1">
+                          <a:spLocks noRot="1" noChangeAspect="1" noMove="1" noResize="1" noEditPoints="1" noAdjustHandles="1" noChangeArrowheads="1" noChangeShapeType="1" noTextEdit="1"/>
+                        </p:cNvSpPr>
+                        <p:nvPr/>
+                      </p:nvSpPr>
+                      <p:spPr>
+                        <a:xfrm>
+                          <a:off x="5862680" y="2866371"/>
+                          <a:ext cx="465903" cy="369332"/>
+                        </a:xfrm>
+                        <a:prstGeom prst="rect">
+                          <a:avLst/>
+                        </a:prstGeom>
+                        <a:blipFill rotWithShape="0">
+                          <a:blip r:embed="rId2"/>
+                          <a:stretch>
+                            <a:fillRect b="-10000"/>
+                          </a:stretch>
+                        </a:blipFill>
+                      </p:spPr>
+                      <p:txBody>
+                        <a:bodyPr/>
+                        <a:lstStyle/>
+                        <a:p>
+                          <a:r>
+                            <a:rPr lang="en-US">
+                              <a:noFill/>
+                            </a:rPr>
+                            <a:t> </a:t>
+                          </a:r>
+                        </a:p>
+                      </p:txBody>
+                    </p:sp>
+                  </mc:Fallback>
+                </mc:AlternateContent>
                 <p:sp>
                   <p:nvSpPr>
-                    <p:cNvPr id="7" name="TextBox 6"/>
-                    <p:cNvSpPr txBox="1">
-                      <a:spLocks noRot="1" noChangeAspect="1" noMove="1" noResize="1" noEditPoints="1" noAdjustHandles="1" noChangeArrowheads="1" noChangeShapeType="1" noTextEdit="1"/>
-                    </p:cNvSpPr>
+                    <p:cNvPr id="13" name="Oval 12"/>
+                    <p:cNvSpPr/>
                     <p:nvPr/>
                   </p:nvSpPr>
                   <p:spPr>
                     <a:xfrm>
-                      <a:off x="5862680" y="2866371"/>
-                      <a:ext cx="598848" cy="369332"/>
+                      <a:off x="5866185" y="2547557"/>
+                      <a:ext cx="1207025" cy="1207025"/>
                     </a:xfrm>
-                    <a:prstGeom prst="rect">
+                    <a:prstGeom prst="ellipse">
                       <a:avLst/>
                     </a:prstGeom>
-                    <a:blipFill>
-                      <a:blip r:embed="rId2"/>
-                      <a:stretch>
-                        <a:fillRect b="-9836"/>
-                      </a:stretch>
-                    </a:blipFill>
+                    <a:noFill/>
+                    <a:ln w="57150">
+                      <a:solidFill>
+                        <a:schemeClr val="tx1"/>
+                      </a:solidFill>
+                    </a:ln>
                   </p:spPr>
+                  <p:style>
+                    <a:lnRef idx="2">
+                      <a:schemeClr val="accent1">
+                        <a:shade val="50000"/>
+                      </a:schemeClr>
+                    </a:lnRef>
+                    <a:fillRef idx="1">
+                      <a:schemeClr val="accent1"/>
+                    </a:fillRef>
+                    <a:effectRef idx="0">
+                      <a:schemeClr val="accent1"/>
+                    </a:effectRef>
+                    <a:fontRef idx="minor">
+                      <a:schemeClr val="lt1"/>
+                    </a:fontRef>
+                  </p:style>
                   <p:txBody>
-                    <a:bodyPr/>
+                    <a:bodyPr rtlCol="0" anchor="ctr"/>
                     <a:lstStyle/>
                     <a:p>
-                      <a:r>
-                        <a:rPr lang="en-US">
-                          <a:noFill/>
-                        </a:rPr>
-                        <a:t> </a:t>
-                      </a:r>
+                      <a:pPr algn="ctr"/>
+                      <a:endParaRPr lang="en-US"/>
                     </a:p>
                   </p:txBody>
                 </p:sp>
-              </mc:Fallback>
-            </mc:AlternateContent>
-            <p:sp>
-              <p:nvSpPr>
-                <p:cNvPr id="18" name="Oval 17"/>
-                <p:cNvSpPr/>
-                <p:nvPr/>
-              </p:nvSpPr>
-              <p:spPr>
-                <a:xfrm>
-                  <a:off x="5866185" y="2547557"/>
-                  <a:ext cx="1207025" cy="1207025"/>
-                </a:xfrm>
-                <a:prstGeom prst="ellipse">
-                  <a:avLst/>
-                </a:prstGeom>
-                <a:noFill/>
-                <a:ln w="38100">
-                  <a:solidFill>
-                    <a:schemeClr val="tx1"/>
-                  </a:solidFill>
-                </a:ln>
-              </p:spPr>
-              <p:style>
-                <a:lnRef idx="2">
-                  <a:schemeClr val="accent1">
-                    <a:shade val="50000"/>
-                  </a:schemeClr>
-                </a:lnRef>
-                <a:fillRef idx="1">
-                  <a:schemeClr val="accent1"/>
-                </a:fillRef>
-                <a:effectRef idx="0">
-                  <a:schemeClr val="accent1"/>
-                </a:effectRef>
-                <a:fontRef idx="minor">
-                  <a:schemeClr val="lt1"/>
-                </a:fontRef>
-              </p:style>
-              <p:txBody>
-                <a:bodyPr rtlCol="0" anchor="ctr"/>
-                <a:lstStyle/>
-                <a:p>
-                  <a:pPr algn="ctr"/>
-                  <a:endParaRPr lang="en-US"/>
-                </a:p>
-              </p:txBody>
-            </p:sp>
+              </p:grpSp>
+              <mc:AlternateContent xmlns:mc="http://schemas.openxmlformats.org/markup-compatibility/2006" xmlns:a14="http://schemas.microsoft.com/office/drawing/2010/main">
+                <mc:Choice Requires="a14">
+                  <p:sp>
+                    <p:nvSpPr>
+                      <p:cNvPr id="6" name="TextBox 5"/>
+                      <p:cNvSpPr txBox="1"/>
+                      <p:nvPr/>
+                    </p:nvSpPr>
+                    <p:spPr>
+                      <a:xfrm>
+                        <a:off x="2905275" y="416820"/>
+                        <a:ext cx="859466" cy="369332"/>
+                      </a:xfrm>
+                      <a:prstGeom prst="rect">
+                        <a:avLst/>
+                      </a:prstGeom>
+                      <a:noFill/>
+                    </p:spPr>
+                    <p:txBody>
+                      <a:bodyPr wrap="none" lIns="0" tIns="0" rIns="0" bIns="0" rtlCol="0">
+                        <a:spAutoFit/>
+                      </a:bodyPr>
+                      <a:lstStyle/>
+                      <a:p>
+                        <a:pPr/>
+                        <a14:m>
+                          <m:oMathPara xmlns:m="http://schemas.openxmlformats.org/officeDocument/2006/math">
+                            <m:oMathParaPr>
+                              <m:jc m:val="centerGroup"/>
+                            </m:oMathParaPr>
+                            <m:oMath xmlns:m="http://schemas.openxmlformats.org/officeDocument/2006/math">
+                              <m:r>
+                                <a:rPr lang="en-US" sz="2400" b="0" i="1" smtClean="0">
+                                  <a:latin typeface="Cambria Math" panose="02040503050406030204" pitchFamily="18" charset="0"/>
+                                  <a:cs typeface="Arial" panose="020B0604020202020204" pitchFamily="34" charset="0"/>
+                                </a:rPr>
+                                <m:t>𝐸</m:t>
+                              </m:r>
+                              <m:r>
+                                <a:rPr lang="en-US" sz="2400" b="0" i="1" smtClean="0">
+                                  <a:latin typeface="Cambria Math" panose="02040503050406030204" pitchFamily="18" charset="0"/>
+                                  <a:cs typeface="Arial" panose="020B0604020202020204" pitchFamily="34" charset="0"/>
+                                </a:rPr>
+                                <m:t>=0</m:t>
+                              </m:r>
+                            </m:oMath>
+                          </m:oMathPara>
+                        </a14:m>
+                        <a:endParaRPr lang="en-US" sz="2400" dirty="0" smtClean="0">
+                          <a:latin typeface="Arial" panose="020B0604020202020204" pitchFamily="34" charset="0"/>
+                          <a:cs typeface="Arial" panose="020B0604020202020204" pitchFamily="34" charset="0"/>
+                        </a:endParaRPr>
+                      </a:p>
+                    </p:txBody>
+                  </p:sp>
+                </mc:Choice>
+                <mc:Fallback xmlns="">
+                  <p:sp>
+                    <p:nvSpPr>
+                      <p:cNvPr id="26" name="TextBox 25"/>
+                      <p:cNvSpPr txBox="1">
+                        <a:spLocks noRot="1" noChangeAspect="1" noMove="1" noResize="1" noEditPoints="1" noAdjustHandles="1" noChangeArrowheads="1" noChangeShapeType="1" noTextEdit="1"/>
+                      </p:cNvSpPr>
+                      <p:nvPr/>
+                    </p:nvSpPr>
+                    <p:spPr>
+                      <a:xfrm>
+                        <a:off x="2905275" y="416820"/>
+                        <a:ext cx="859466" cy="369332"/>
+                      </a:xfrm>
+                      <a:prstGeom prst="rect">
+                        <a:avLst/>
+                      </a:prstGeom>
+                      <a:blipFill>
+                        <a:blip r:embed="rId3"/>
+                        <a:stretch>
+                          <a:fillRect l="-7092" r="-7092" b="-9836"/>
+                        </a:stretch>
+                      </a:blipFill>
+                    </p:spPr>
+                    <p:txBody>
+                      <a:bodyPr/>
+                      <a:lstStyle/>
+                      <a:p>
+                        <a:r>
+                          <a:rPr lang="en-US">
+                            <a:noFill/>
+                          </a:rPr>
+                          <a:t> </a:t>
+                        </a:r>
+                      </a:p>
+                    </p:txBody>
+                  </p:sp>
+                </mc:Fallback>
+              </mc:AlternateContent>
+              <mc:AlternateContent xmlns:mc="http://schemas.openxmlformats.org/markup-compatibility/2006" xmlns:a14="http://schemas.microsoft.com/office/drawing/2010/main">
+                <mc:Choice Requires="a14">
+                  <p:sp>
+                    <p:nvSpPr>
+                      <p:cNvPr id="7" name="TextBox 6"/>
+                      <p:cNvSpPr txBox="1"/>
+                      <p:nvPr/>
+                    </p:nvSpPr>
+                    <p:spPr>
+                      <a:xfrm>
+                        <a:off x="5094820" y="194358"/>
+                        <a:ext cx="859466" cy="369332"/>
+                      </a:xfrm>
+                      <a:prstGeom prst="rect">
+                        <a:avLst/>
+                      </a:prstGeom>
+                      <a:noFill/>
+                    </p:spPr>
+                    <p:txBody>
+                      <a:bodyPr wrap="none" lIns="0" tIns="0" rIns="0" bIns="0" rtlCol="0">
+                        <a:spAutoFit/>
+                      </a:bodyPr>
+                      <a:lstStyle/>
+                      <a:p>
+                        <a:pPr/>
+                        <a14:m>
+                          <m:oMathPara xmlns:m="http://schemas.openxmlformats.org/officeDocument/2006/math">
+                            <m:oMathParaPr>
+                              <m:jc m:val="centerGroup"/>
+                            </m:oMathParaPr>
+                            <m:oMath xmlns:m="http://schemas.openxmlformats.org/officeDocument/2006/math">
+                              <m:r>
+                                <a:rPr lang="en-US" sz="2400" b="0" i="1" smtClean="0">
+                                  <a:latin typeface="Cambria Math" panose="02040503050406030204" pitchFamily="18" charset="0"/>
+                                  <a:cs typeface="Arial" panose="020B0604020202020204" pitchFamily="34" charset="0"/>
+                                </a:rPr>
+                                <m:t>𝐸</m:t>
+                              </m:r>
+                              <m:r>
+                                <a:rPr lang="en-US" sz="2400" b="0" i="1" smtClean="0">
+                                  <a:latin typeface="Cambria Math" panose="02040503050406030204" pitchFamily="18" charset="0"/>
+                                  <a:cs typeface="Arial" panose="020B0604020202020204" pitchFamily="34" charset="0"/>
+                                </a:rPr>
+                                <m:t>&gt;0</m:t>
+                              </m:r>
+                            </m:oMath>
+                          </m:oMathPara>
+                        </a14:m>
+                        <a:endParaRPr lang="en-US" sz="2400" dirty="0" smtClean="0">
+                          <a:latin typeface="Arial" panose="020B0604020202020204" pitchFamily="34" charset="0"/>
+                          <a:cs typeface="Arial" panose="020B0604020202020204" pitchFamily="34" charset="0"/>
+                        </a:endParaRPr>
+                      </a:p>
+                    </p:txBody>
+                  </p:sp>
+                </mc:Choice>
+                <mc:Fallback xmlns="">
+                  <p:sp>
+                    <p:nvSpPr>
+                      <p:cNvPr id="29" name="TextBox 28"/>
+                      <p:cNvSpPr txBox="1">
+                        <a:spLocks noRot="1" noChangeAspect="1" noMove="1" noResize="1" noEditPoints="1" noAdjustHandles="1" noChangeArrowheads="1" noChangeShapeType="1" noTextEdit="1"/>
+                      </p:cNvSpPr>
+                      <p:nvPr/>
+                    </p:nvSpPr>
+                    <p:spPr>
+                      <a:xfrm>
+                        <a:off x="5094820" y="194358"/>
+                        <a:ext cx="859466" cy="369332"/>
+                      </a:xfrm>
+                      <a:prstGeom prst="rect">
+                        <a:avLst/>
+                      </a:prstGeom>
+                      <a:blipFill>
+                        <a:blip r:embed="rId4"/>
+                        <a:stretch>
+                          <a:fillRect l="-7801" r="-7092" b="-10000"/>
+                        </a:stretch>
+                      </a:blipFill>
+                    </p:spPr>
+                    <p:txBody>
+                      <a:bodyPr/>
+                      <a:lstStyle/>
+                      <a:p>
+                        <a:r>
+                          <a:rPr lang="en-US">
+                            <a:noFill/>
+                          </a:rPr>
+                          <a:t> </a:t>
+                        </a:r>
+                      </a:p>
+                    </p:txBody>
+                  </p:sp>
+                </mc:Fallback>
+              </mc:AlternateContent>
+              <mc:AlternateContent xmlns:mc="http://schemas.openxmlformats.org/markup-compatibility/2006" xmlns:a14="http://schemas.microsoft.com/office/drawing/2010/main">
+                <mc:Choice Requires="a14">
+                  <p:sp>
+                    <p:nvSpPr>
+                      <p:cNvPr id="8" name="TextBox 7"/>
+                      <p:cNvSpPr txBox="1"/>
+                      <p:nvPr/>
+                    </p:nvSpPr>
+                    <p:spPr>
+                      <a:xfrm>
+                        <a:off x="1018274" y="3178630"/>
+                        <a:ext cx="859466" cy="369332"/>
+                      </a:xfrm>
+                      <a:prstGeom prst="rect">
+                        <a:avLst/>
+                      </a:prstGeom>
+                      <a:noFill/>
+                    </p:spPr>
+                    <p:txBody>
+                      <a:bodyPr wrap="none" lIns="0" tIns="0" rIns="0" bIns="0" rtlCol="0">
+                        <a:spAutoFit/>
+                      </a:bodyPr>
+                      <a:lstStyle/>
+                      <a:p>
+                        <a:pPr/>
+                        <a14:m>
+                          <m:oMathPara xmlns:m="http://schemas.openxmlformats.org/officeDocument/2006/math">
+                            <m:oMathParaPr>
+                              <m:jc m:val="centerGroup"/>
+                            </m:oMathParaPr>
+                            <m:oMath xmlns:m="http://schemas.openxmlformats.org/officeDocument/2006/math">
+                              <m:r>
+                                <a:rPr lang="en-US" sz="2400" b="0" i="1" smtClean="0">
+                                  <a:latin typeface="Cambria Math" panose="02040503050406030204" pitchFamily="18" charset="0"/>
+                                  <a:cs typeface="Arial" panose="020B0604020202020204" pitchFamily="34" charset="0"/>
+                                </a:rPr>
+                                <m:t>𝐸</m:t>
+                              </m:r>
+                              <m:r>
+                                <a:rPr lang="en-US" sz="2400" b="0" i="1" smtClean="0">
+                                  <a:latin typeface="Cambria Math" panose="02040503050406030204" pitchFamily="18" charset="0"/>
+                                  <a:cs typeface="Arial" panose="020B0604020202020204" pitchFamily="34" charset="0"/>
+                                </a:rPr>
+                                <m:t>&lt;0</m:t>
+                              </m:r>
+                            </m:oMath>
+                          </m:oMathPara>
+                        </a14:m>
+                        <a:endParaRPr lang="en-US" sz="2400" dirty="0" smtClean="0">
+                          <a:latin typeface="Arial" panose="020B0604020202020204" pitchFamily="34" charset="0"/>
+                          <a:cs typeface="Arial" panose="020B0604020202020204" pitchFamily="34" charset="0"/>
+                        </a:endParaRPr>
+                      </a:p>
+                    </p:txBody>
+                  </p:sp>
+                </mc:Choice>
+                <mc:Fallback xmlns="">
+                  <p:sp>
+                    <p:nvSpPr>
+                      <p:cNvPr id="30" name="TextBox 29"/>
+                      <p:cNvSpPr txBox="1">
+                        <a:spLocks noRot="1" noChangeAspect="1" noMove="1" noResize="1" noEditPoints="1" noAdjustHandles="1" noChangeArrowheads="1" noChangeShapeType="1" noTextEdit="1"/>
+                      </p:cNvSpPr>
+                      <p:nvPr/>
+                    </p:nvSpPr>
+                    <p:spPr>
+                      <a:xfrm>
+                        <a:off x="1018274" y="3178630"/>
+                        <a:ext cx="859466" cy="369332"/>
+                      </a:xfrm>
+                      <a:prstGeom prst="rect">
+                        <a:avLst/>
+                      </a:prstGeom>
+                      <a:blipFill>
+                        <a:blip r:embed="rId5"/>
+                        <a:stretch>
+                          <a:fillRect l="-7092" r="-7801" b="-9836"/>
+                        </a:stretch>
+                      </a:blipFill>
+                    </p:spPr>
+                    <p:txBody>
+                      <a:bodyPr/>
+                      <a:lstStyle/>
+                      <a:p>
+                        <a:r>
+                          <a:rPr lang="en-US">
+                            <a:noFill/>
+                          </a:rPr>
+                          <a:t> </a:t>
+                        </a:r>
+                      </a:p>
+                    </p:txBody>
+                  </p:sp>
+                </mc:Fallback>
+              </mc:AlternateContent>
+              <mc:AlternateContent xmlns:mc="http://schemas.openxmlformats.org/markup-compatibility/2006" xmlns:a14="http://schemas.microsoft.com/office/drawing/2010/main">
+                <mc:Choice Requires="a14">
+                  <p:sp>
+                    <p:nvSpPr>
+                      <p:cNvPr id="9" name="TextBox 8"/>
+                      <p:cNvSpPr txBox="1"/>
+                      <p:nvPr/>
+                    </p:nvSpPr>
+                    <p:spPr>
+                      <a:xfrm>
+                        <a:off x="4733345" y="3236609"/>
+                        <a:ext cx="859466" cy="369332"/>
+                      </a:xfrm>
+                      <a:prstGeom prst="rect">
+                        <a:avLst/>
+                      </a:prstGeom>
+                      <a:noFill/>
+                    </p:spPr>
+                    <p:txBody>
+                      <a:bodyPr wrap="none" lIns="0" tIns="0" rIns="0" bIns="0" rtlCol="0">
+                        <a:spAutoFit/>
+                      </a:bodyPr>
+                      <a:lstStyle/>
+                      <a:p>
+                        <a:pPr/>
+                        <a14:m>
+                          <m:oMathPara xmlns:m="http://schemas.openxmlformats.org/officeDocument/2006/math">
+                            <m:oMathParaPr>
+                              <m:jc m:val="centerGroup"/>
+                            </m:oMathParaPr>
+                            <m:oMath xmlns:m="http://schemas.openxmlformats.org/officeDocument/2006/math">
+                              <m:r>
+                                <a:rPr lang="en-US" sz="2400" b="0" i="1" smtClean="0">
+                                  <a:latin typeface="Cambria Math" panose="02040503050406030204" pitchFamily="18" charset="0"/>
+                                  <a:cs typeface="Arial" panose="020B0604020202020204" pitchFamily="34" charset="0"/>
+                                </a:rPr>
+                                <m:t>𝐸</m:t>
+                              </m:r>
+                              <m:r>
+                                <a:rPr lang="en-US" sz="2400" b="0" i="1" smtClean="0">
+                                  <a:latin typeface="Cambria Math" panose="02040503050406030204" pitchFamily="18" charset="0"/>
+                                  <a:cs typeface="Arial" panose="020B0604020202020204" pitchFamily="34" charset="0"/>
+                                </a:rPr>
+                                <m:t>&lt;0</m:t>
+                              </m:r>
+                            </m:oMath>
+                          </m:oMathPara>
+                        </a14:m>
+                        <a:endParaRPr lang="en-US" sz="2400" dirty="0" smtClean="0">
+                          <a:latin typeface="Arial" panose="020B0604020202020204" pitchFamily="34" charset="0"/>
+                          <a:cs typeface="Arial" panose="020B0604020202020204" pitchFamily="34" charset="0"/>
+                        </a:endParaRPr>
+                      </a:p>
+                    </p:txBody>
+                  </p:sp>
+                </mc:Choice>
+                <mc:Fallback xmlns="">
+                  <p:sp>
+                    <p:nvSpPr>
+                      <p:cNvPr id="31" name="TextBox 30"/>
+                      <p:cNvSpPr txBox="1">
+                        <a:spLocks noRot="1" noChangeAspect="1" noMove="1" noResize="1" noEditPoints="1" noAdjustHandles="1" noChangeArrowheads="1" noChangeShapeType="1" noTextEdit="1"/>
+                      </p:cNvSpPr>
+                      <p:nvPr/>
+                    </p:nvSpPr>
+                    <p:spPr>
+                      <a:xfrm>
+                        <a:off x="4733345" y="3236609"/>
+                        <a:ext cx="859466" cy="369332"/>
+                      </a:xfrm>
+                      <a:prstGeom prst="rect">
+                        <a:avLst/>
+                      </a:prstGeom>
+                      <a:blipFill>
+                        <a:blip r:embed="rId6"/>
+                        <a:stretch>
+                          <a:fillRect l="-7092" r="-7801" b="-8197"/>
+                        </a:stretch>
+                      </a:blipFill>
+                    </p:spPr>
+                    <p:txBody>
+                      <a:bodyPr/>
+                      <a:lstStyle/>
+                      <a:p>
+                        <a:r>
+                          <a:rPr lang="en-US">
+                            <a:noFill/>
+                          </a:rPr>
+                          <a:t> </a:t>
+                        </a:r>
+                      </a:p>
+                    </p:txBody>
+                  </p:sp>
+                </mc:Fallback>
+              </mc:AlternateContent>
+            </p:grpSp>
             <p:grpSp>
               <p:nvGrpSpPr>
-                <p:cNvPr id="24" name="Group 23"/>
+                <p:cNvPr id="25" name="Group 24"/>
                 <p:cNvGrpSpPr/>
                 <p:nvPr/>
               </p:nvGrpSpPr>
               <p:grpSpPr>
                 <a:xfrm>
-                  <a:off x="4094741" y="263236"/>
-                  <a:ext cx="2997109" cy="5606508"/>
-                  <a:chOff x="4142509" y="263236"/>
-                  <a:chExt cx="2997109" cy="5606508"/>
+                  <a:off x="3426797" y="967552"/>
+                  <a:ext cx="2870626" cy="5366478"/>
+                  <a:chOff x="7090625" y="1341703"/>
+                  <a:chExt cx="2870626" cy="5366478"/>
                 </a:xfrm>
               </p:grpSpPr>
               <p:sp>
@@ -16175,96 +16585,76 @@
                 </p:nvSpPr>
                 <p:spPr>
                   <a:xfrm>
-                    <a:off x="4142509" y="263236"/>
-                    <a:ext cx="2997109" cy="2881745"/>
+                    <a:off x="7096006" y="4009952"/>
+                    <a:ext cx="2865245" cy="2698229"/>
                   </a:xfrm>
                   <a:custGeom>
                     <a:avLst/>
                     <a:gdLst>
-                      <a:gd name="connsiteX0" fmla="*/ 0 w 2997109"/>
-                      <a:gd name="connsiteY0" fmla="*/ 0 h 2881745"/>
-                      <a:gd name="connsiteX1" fmla="*/ 304800 w 2997109"/>
-                      <a:gd name="connsiteY1" fmla="*/ 138545 h 2881745"/>
-                      <a:gd name="connsiteX2" fmla="*/ 568036 w 2997109"/>
-                      <a:gd name="connsiteY2" fmla="*/ 290945 h 2881745"/>
-                      <a:gd name="connsiteX3" fmla="*/ 914400 w 2997109"/>
-                      <a:gd name="connsiteY3" fmla="*/ 471054 h 2881745"/>
-                      <a:gd name="connsiteX4" fmla="*/ 1149927 w 2997109"/>
-                      <a:gd name="connsiteY4" fmla="*/ 623454 h 2881745"/>
-                      <a:gd name="connsiteX5" fmla="*/ 1385454 w 2997109"/>
-                      <a:gd name="connsiteY5" fmla="*/ 762000 h 2881745"/>
-                      <a:gd name="connsiteX6" fmla="*/ 1870363 w 2997109"/>
-                      <a:gd name="connsiteY6" fmla="*/ 1108364 h 2881745"/>
-                      <a:gd name="connsiteX7" fmla="*/ 2105891 w 2997109"/>
-                      <a:gd name="connsiteY7" fmla="*/ 1330036 h 2881745"/>
-                      <a:gd name="connsiteX8" fmla="*/ 2313709 w 2997109"/>
-                      <a:gd name="connsiteY8" fmla="*/ 1482436 h 2881745"/>
-                      <a:gd name="connsiteX9" fmla="*/ 2563091 w 2997109"/>
-                      <a:gd name="connsiteY9" fmla="*/ 1801091 h 2881745"/>
-                      <a:gd name="connsiteX10" fmla="*/ 2770909 w 2997109"/>
-                      <a:gd name="connsiteY10" fmla="*/ 2105891 h 2881745"/>
-                      <a:gd name="connsiteX11" fmla="*/ 2909454 w 2997109"/>
-                      <a:gd name="connsiteY11" fmla="*/ 2396836 h 2881745"/>
-                      <a:gd name="connsiteX12" fmla="*/ 2992581 w 2997109"/>
-                      <a:gd name="connsiteY12" fmla="*/ 2757054 h 2881745"/>
-                      <a:gd name="connsiteX13" fmla="*/ 2978727 w 2997109"/>
-                      <a:gd name="connsiteY13" fmla="*/ 2881745 h 2881745"/>
-                      <a:gd name="connsiteX0" fmla="*/ 0 w 2997109"/>
-                      <a:gd name="connsiteY0" fmla="*/ 0 h 2881745"/>
-                      <a:gd name="connsiteX1" fmla="*/ 304800 w 2997109"/>
-                      <a:gd name="connsiteY1" fmla="*/ 138545 h 2881745"/>
-                      <a:gd name="connsiteX2" fmla="*/ 568036 w 2997109"/>
-                      <a:gd name="connsiteY2" fmla="*/ 290945 h 2881745"/>
-                      <a:gd name="connsiteX3" fmla="*/ 914400 w 2997109"/>
-                      <a:gd name="connsiteY3" fmla="*/ 471054 h 2881745"/>
-                      <a:gd name="connsiteX4" fmla="*/ 1149927 w 2997109"/>
-                      <a:gd name="connsiteY4" fmla="*/ 623454 h 2881745"/>
-                      <a:gd name="connsiteX5" fmla="*/ 1385454 w 2997109"/>
-                      <a:gd name="connsiteY5" fmla="*/ 762000 h 2881745"/>
-                      <a:gd name="connsiteX6" fmla="*/ 1870363 w 2997109"/>
-                      <a:gd name="connsiteY6" fmla="*/ 1108364 h 2881745"/>
-                      <a:gd name="connsiteX7" fmla="*/ 2133601 w 2997109"/>
-                      <a:gd name="connsiteY7" fmla="*/ 1330036 h 2881745"/>
-                      <a:gd name="connsiteX8" fmla="*/ 2313709 w 2997109"/>
-                      <a:gd name="connsiteY8" fmla="*/ 1482436 h 2881745"/>
-                      <a:gd name="connsiteX9" fmla="*/ 2563091 w 2997109"/>
-                      <a:gd name="connsiteY9" fmla="*/ 1801091 h 2881745"/>
-                      <a:gd name="connsiteX10" fmla="*/ 2770909 w 2997109"/>
-                      <a:gd name="connsiteY10" fmla="*/ 2105891 h 2881745"/>
-                      <a:gd name="connsiteX11" fmla="*/ 2909454 w 2997109"/>
-                      <a:gd name="connsiteY11" fmla="*/ 2396836 h 2881745"/>
-                      <a:gd name="connsiteX12" fmla="*/ 2992581 w 2997109"/>
-                      <a:gd name="connsiteY12" fmla="*/ 2757054 h 2881745"/>
-                      <a:gd name="connsiteX13" fmla="*/ 2978727 w 2997109"/>
-                      <a:gd name="connsiteY13" fmla="*/ 2881745 h 2881745"/>
-                      <a:gd name="connsiteX0" fmla="*/ 0 w 2997109"/>
-                      <a:gd name="connsiteY0" fmla="*/ 0 h 2881745"/>
-                      <a:gd name="connsiteX1" fmla="*/ 304800 w 2997109"/>
-                      <a:gd name="connsiteY1" fmla="*/ 138545 h 2881745"/>
-                      <a:gd name="connsiteX2" fmla="*/ 568036 w 2997109"/>
-                      <a:gd name="connsiteY2" fmla="*/ 290945 h 2881745"/>
-                      <a:gd name="connsiteX3" fmla="*/ 914400 w 2997109"/>
-                      <a:gd name="connsiteY3" fmla="*/ 471054 h 2881745"/>
-                      <a:gd name="connsiteX4" fmla="*/ 1149927 w 2997109"/>
-                      <a:gd name="connsiteY4" fmla="*/ 623454 h 2881745"/>
-                      <a:gd name="connsiteX5" fmla="*/ 1385454 w 2997109"/>
-                      <a:gd name="connsiteY5" fmla="*/ 762000 h 2881745"/>
-                      <a:gd name="connsiteX6" fmla="*/ 1870363 w 2997109"/>
-                      <a:gd name="connsiteY6" fmla="*/ 1108364 h 2881745"/>
-                      <a:gd name="connsiteX7" fmla="*/ 2133601 w 2997109"/>
-                      <a:gd name="connsiteY7" fmla="*/ 1330036 h 2881745"/>
-                      <a:gd name="connsiteX8" fmla="*/ 2355272 w 2997109"/>
-                      <a:gd name="connsiteY8" fmla="*/ 1551709 h 2881745"/>
-                      <a:gd name="connsiteX9" fmla="*/ 2563091 w 2997109"/>
-                      <a:gd name="connsiteY9" fmla="*/ 1801091 h 2881745"/>
-                      <a:gd name="connsiteX10" fmla="*/ 2770909 w 2997109"/>
-                      <a:gd name="connsiteY10" fmla="*/ 2105891 h 2881745"/>
-                      <a:gd name="connsiteX11" fmla="*/ 2909454 w 2997109"/>
-                      <a:gd name="connsiteY11" fmla="*/ 2396836 h 2881745"/>
-                      <a:gd name="connsiteX12" fmla="*/ 2992581 w 2997109"/>
-                      <a:gd name="connsiteY12" fmla="*/ 2757054 h 2881745"/>
-                      <a:gd name="connsiteX13" fmla="*/ 2978727 w 2997109"/>
-                      <a:gd name="connsiteY13" fmla="*/ 2881745 h 2881745"/>
+                      <a:gd name="connsiteX0" fmla="*/ 0 w 3028287"/>
+                      <a:gd name="connsiteY0" fmla="*/ 0 h 5591331"/>
+                      <a:gd name="connsiteX1" fmla="*/ 3028013 w 3028287"/>
+                      <a:gd name="connsiteY1" fmla="*/ 2878112 h 5591331"/>
+                      <a:gd name="connsiteX2" fmla="*/ 194872 w 3028287"/>
+                      <a:gd name="connsiteY2" fmla="*/ 5591331 h 5591331"/>
+                      <a:gd name="connsiteX0" fmla="*/ 0 w 3028287"/>
+                      <a:gd name="connsiteY0" fmla="*/ 0 h 5591331"/>
+                      <a:gd name="connsiteX1" fmla="*/ 3028013 w 3028287"/>
+                      <a:gd name="connsiteY1" fmla="*/ 2878112 h 5591331"/>
+                      <a:gd name="connsiteX2" fmla="*/ 194872 w 3028287"/>
+                      <a:gd name="connsiteY2" fmla="*/ 5591331 h 5591331"/>
+                      <a:gd name="connsiteX0" fmla="*/ 0 w 3028287"/>
+                      <a:gd name="connsiteY0" fmla="*/ 0 h 5591331"/>
+                      <a:gd name="connsiteX1" fmla="*/ 3028013 w 3028287"/>
+                      <a:gd name="connsiteY1" fmla="*/ 2878112 h 5591331"/>
+                      <a:gd name="connsiteX2" fmla="*/ 194872 w 3028287"/>
+                      <a:gd name="connsiteY2" fmla="*/ 5591331 h 5591331"/>
+                      <a:gd name="connsiteX0" fmla="*/ 0 w 3029729"/>
+                      <a:gd name="connsiteY0" fmla="*/ 0 h 5591331"/>
+                      <a:gd name="connsiteX1" fmla="*/ 3028013 w 3029729"/>
+                      <a:gd name="connsiteY1" fmla="*/ 2878112 h 5591331"/>
+                      <a:gd name="connsiteX2" fmla="*/ 194872 w 3029729"/>
+                      <a:gd name="connsiteY2" fmla="*/ 5591331 h 5591331"/>
+                      <a:gd name="connsiteX0" fmla="*/ 0 w 3029009"/>
+                      <a:gd name="connsiteY0" fmla="*/ 0 h 5591331"/>
+                      <a:gd name="connsiteX1" fmla="*/ 3028013 w 3029009"/>
+                      <a:gd name="connsiteY1" fmla="*/ 2878112 h 5591331"/>
+                      <a:gd name="connsiteX2" fmla="*/ 194872 w 3029009"/>
+                      <a:gd name="connsiteY2" fmla="*/ 5591331 h 5591331"/>
+                      <a:gd name="connsiteX0" fmla="*/ 0 w 3040080"/>
+                      <a:gd name="connsiteY0" fmla="*/ 0 h 5591331"/>
+                      <a:gd name="connsiteX1" fmla="*/ 3028013 w 3040080"/>
+                      <a:gd name="connsiteY1" fmla="*/ 2878112 h 5591331"/>
+                      <a:gd name="connsiteX2" fmla="*/ 194872 w 3040080"/>
+                      <a:gd name="connsiteY2" fmla="*/ 5591331 h 5591331"/>
+                      <a:gd name="connsiteX0" fmla="*/ 0 w 3037251"/>
+                      <a:gd name="connsiteY0" fmla="*/ 0 h 5591331"/>
+                      <a:gd name="connsiteX1" fmla="*/ 3028013 w 3037251"/>
+                      <a:gd name="connsiteY1" fmla="*/ 2878112 h 5591331"/>
+                      <a:gd name="connsiteX2" fmla="*/ 194872 w 3037251"/>
+                      <a:gd name="connsiteY2" fmla="*/ 5591331 h 5591331"/>
+                      <a:gd name="connsiteX0" fmla="*/ 0 w 3111988"/>
+                      <a:gd name="connsiteY0" fmla="*/ 0 h 5591331"/>
+                      <a:gd name="connsiteX1" fmla="*/ 3102964 w 3111988"/>
+                      <a:gd name="connsiteY1" fmla="*/ 2878112 h 5591331"/>
+                      <a:gd name="connsiteX2" fmla="*/ 194872 w 3111988"/>
+                      <a:gd name="connsiteY2" fmla="*/ 5591331 h 5591331"/>
+                      <a:gd name="connsiteX0" fmla="*/ 0 w 3067144"/>
+                      <a:gd name="connsiteY0" fmla="*/ 0 h 5591331"/>
+                      <a:gd name="connsiteX1" fmla="*/ 3057993 w 3067144"/>
+                      <a:gd name="connsiteY1" fmla="*/ 2893102 h 5591331"/>
+                      <a:gd name="connsiteX2" fmla="*/ 194872 w 3067144"/>
+                      <a:gd name="connsiteY2" fmla="*/ 5591331 h 5591331"/>
+                      <a:gd name="connsiteX0" fmla="*/ 0 w 3060117"/>
+                      <a:gd name="connsiteY0" fmla="*/ 0 h 5591331"/>
+                      <a:gd name="connsiteX1" fmla="*/ 3057993 w 3060117"/>
+                      <a:gd name="connsiteY1" fmla="*/ 2893102 h 5591331"/>
+                      <a:gd name="connsiteX2" fmla="*/ 194872 w 3060117"/>
+                      <a:gd name="connsiteY2" fmla="*/ 5591331 h 5591331"/>
+                      <a:gd name="connsiteX0" fmla="*/ 2863121 w 2865245"/>
+                      <a:gd name="connsiteY0" fmla="*/ 0 h 2698229"/>
+                      <a:gd name="connsiteX1" fmla="*/ 0 w 2865245"/>
+                      <a:gd name="connsiteY1" fmla="*/ 2698229 h 2698229"/>
                     </a:gdLst>
                     <a:ahLst/>
                     <a:cxnLst>
@@ -16274,113 +16664,17 @@
                       <a:cxn ang="0">
                         <a:pos x="connsiteX1" y="connsiteY1"/>
                       </a:cxn>
-                      <a:cxn ang="0">
-                        <a:pos x="connsiteX2" y="connsiteY2"/>
-                      </a:cxn>
-                      <a:cxn ang="0">
-                        <a:pos x="connsiteX3" y="connsiteY3"/>
-                      </a:cxn>
-                      <a:cxn ang="0">
-                        <a:pos x="connsiteX4" y="connsiteY4"/>
-                      </a:cxn>
-                      <a:cxn ang="0">
-                        <a:pos x="connsiteX5" y="connsiteY5"/>
-                      </a:cxn>
-                      <a:cxn ang="0">
-                        <a:pos x="connsiteX6" y="connsiteY6"/>
-                      </a:cxn>
-                      <a:cxn ang="0">
-                        <a:pos x="connsiteX7" y="connsiteY7"/>
-                      </a:cxn>
-                      <a:cxn ang="0">
-                        <a:pos x="connsiteX8" y="connsiteY8"/>
-                      </a:cxn>
-                      <a:cxn ang="0">
-                        <a:pos x="connsiteX9" y="connsiteY9"/>
-                      </a:cxn>
-                      <a:cxn ang="0">
-                        <a:pos x="connsiteX10" y="connsiteY10"/>
-                      </a:cxn>
-                      <a:cxn ang="0">
-                        <a:pos x="connsiteX11" y="connsiteY11"/>
-                      </a:cxn>
-                      <a:cxn ang="0">
-                        <a:pos x="connsiteX12" y="connsiteY12"/>
-                      </a:cxn>
-                      <a:cxn ang="0">
-                        <a:pos x="connsiteX13" y="connsiteY13"/>
-                      </a:cxn>
                     </a:cxnLst>
                     <a:rect l="l" t="t" r="r" b="b"/>
                     <a:pathLst>
-                      <a:path w="2997109" h="2881745">
+                      <a:path w="2865245" h="2698229">
                         <a:moveTo>
-                          <a:pt x="0" y="0"/>
+                          <a:pt x="2863121" y="0"/>
                         </a:moveTo>
                         <a:cubicBezTo>
-                          <a:pt x="105063" y="45027"/>
-                          <a:pt x="210127" y="90054"/>
-                          <a:pt x="304800" y="138545"/>
-                        </a:cubicBezTo>
-                        <a:cubicBezTo>
-                          <a:pt x="399473" y="187036"/>
-                          <a:pt x="466436" y="235527"/>
-                          <a:pt x="568036" y="290945"/>
-                        </a:cubicBezTo>
-                        <a:cubicBezTo>
-                          <a:pt x="669636" y="346363"/>
-                          <a:pt x="817418" y="415636"/>
-                          <a:pt x="914400" y="471054"/>
-                        </a:cubicBezTo>
-                        <a:cubicBezTo>
-                          <a:pt x="1011382" y="526472"/>
-                          <a:pt x="1071418" y="574963"/>
-                          <a:pt x="1149927" y="623454"/>
-                        </a:cubicBezTo>
-                        <a:cubicBezTo>
-                          <a:pt x="1228436" y="671945"/>
-                          <a:pt x="1265381" y="681182"/>
-                          <a:pt x="1385454" y="762000"/>
-                        </a:cubicBezTo>
-                        <a:cubicBezTo>
-                          <a:pt x="1505527" y="842818"/>
-                          <a:pt x="1745672" y="1013691"/>
-                          <a:pt x="1870363" y="1108364"/>
-                        </a:cubicBezTo>
-                        <a:cubicBezTo>
-                          <a:pt x="1995054" y="1203037"/>
-                          <a:pt x="2052783" y="1256145"/>
-                          <a:pt x="2133601" y="1330036"/>
-                        </a:cubicBezTo>
-                        <a:cubicBezTo>
-                          <a:pt x="2214419" y="1403927"/>
-                          <a:pt x="2283690" y="1473200"/>
-                          <a:pt x="2355272" y="1551709"/>
-                        </a:cubicBezTo>
-                        <a:cubicBezTo>
-                          <a:pt x="2426854" y="1630218"/>
-                          <a:pt x="2493818" y="1708727"/>
-                          <a:pt x="2563091" y="1801091"/>
-                        </a:cubicBezTo>
-                        <a:cubicBezTo>
-                          <a:pt x="2632364" y="1893455"/>
-                          <a:pt x="2713182" y="2006600"/>
-                          <a:pt x="2770909" y="2105891"/>
-                        </a:cubicBezTo>
-                        <a:cubicBezTo>
-                          <a:pt x="2828636" y="2205182"/>
-                          <a:pt x="2872509" y="2288309"/>
-                          <a:pt x="2909454" y="2396836"/>
-                        </a:cubicBezTo>
-                        <a:cubicBezTo>
-                          <a:pt x="2946399" y="2505363"/>
-                          <a:pt x="2981036" y="2676236"/>
-                          <a:pt x="2992581" y="2757054"/>
-                        </a:cubicBezTo>
-                        <a:cubicBezTo>
-                          <a:pt x="3004127" y="2837872"/>
-                          <a:pt x="2991427" y="2859808"/>
-                          <a:pt x="2978727" y="2881745"/>
+                          <a:pt x="2955560" y="1306644"/>
+                          <a:pt x="0" y="2698229"/>
+                          <a:pt x="0" y="2698229"/>
                         </a:cubicBezTo>
                       </a:path>
                     </a:pathLst>
@@ -16419,102 +16713,82 @@
               </p:sp>
               <p:sp>
                 <p:nvSpPr>
-                  <p:cNvPr id="22" name="Freeform 21"/>
+                  <p:cNvPr id="21" name="Freeform 20"/>
                   <p:cNvSpPr/>
                   <p:nvPr/>
                 </p:nvSpPr>
                 <p:spPr>
                   <a:xfrm flipV="1">
-                    <a:off x="4293455" y="3139874"/>
-                    <a:ext cx="2839154" cy="2729870"/>
+                    <a:off x="7090625" y="1341703"/>
+                    <a:ext cx="2865245" cy="2698229"/>
                   </a:xfrm>
                   <a:custGeom>
                     <a:avLst/>
                     <a:gdLst>
-                      <a:gd name="connsiteX0" fmla="*/ 0 w 2997109"/>
-                      <a:gd name="connsiteY0" fmla="*/ 0 h 2881745"/>
-                      <a:gd name="connsiteX1" fmla="*/ 304800 w 2997109"/>
-                      <a:gd name="connsiteY1" fmla="*/ 138545 h 2881745"/>
-                      <a:gd name="connsiteX2" fmla="*/ 568036 w 2997109"/>
-                      <a:gd name="connsiteY2" fmla="*/ 290945 h 2881745"/>
-                      <a:gd name="connsiteX3" fmla="*/ 914400 w 2997109"/>
-                      <a:gd name="connsiteY3" fmla="*/ 471054 h 2881745"/>
-                      <a:gd name="connsiteX4" fmla="*/ 1149927 w 2997109"/>
-                      <a:gd name="connsiteY4" fmla="*/ 623454 h 2881745"/>
-                      <a:gd name="connsiteX5" fmla="*/ 1385454 w 2997109"/>
-                      <a:gd name="connsiteY5" fmla="*/ 762000 h 2881745"/>
-                      <a:gd name="connsiteX6" fmla="*/ 1870363 w 2997109"/>
-                      <a:gd name="connsiteY6" fmla="*/ 1108364 h 2881745"/>
-                      <a:gd name="connsiteX7" fmla="*/ 2105891 w 2997109"/>
-                      <a:gd name="connsiteY7" fmla="*/ 1330036 h 2881745"/>
-                      <a:gd name="connsiteX8" fmla="*/ 2313709 w 2997109"/>
-                      <a:gd name="connsiteY8" fmla="*/ 1482436 h 2881745"/>
-                      <a:gd name="connsiteX9" fmla="*/ 2563091 w 2997109"/>
-                      <a:gd name="connsiteY9" fmla="*/ 1801091 h 2881745"/>
-                      <a:gd name="connsiteX10" fmla="*/ 2770909 w 2997109"/>
-                      <a:gd name="connsiteY10" fmla="*/ 2105891 h 2881745"/>
-                      <a:gd name="connsiteX11" fmla="*/ 2909454 w 2997109"/>
-                      <a:gd name="connsiteY11" fmla="*/ 2396836 h 2881745"/>
-                      <a:gd name="connsiteX12" fmla="*/ 2992581 w 2997109"/>
-                      <a:gd name="connsiteY12" fmla="*/ 2757054 h 2881745"/>
-                      <a:gd name="connsiteX13" fmla="*/ 2978727 w 2997109"/>
-                      <a:gd name="connsiteY13" fmla="*/ 2881745 h 2881745"/>
-                      <a:gd name="connsiteX0" fmla="*/ 0 w 2997109"/>
-                      <a:gd name="connsiteY0" fmla="*/ 0 h 2881745"/>
-                      <a:gd name="connsiteX1" fmla="*/ 304800 w 2997109"/>
-                      <a:gd name="connsiteY1" fmla="*/ 138545 h 2881745"/>
-                      <a:gd name="connsiteX2" fmla="*/ 568036 w 2997109"/>
-                      <a:gd name="connsiteY2" fmla="*/ 290945 h 2881745"/>
-                      <a:gd name="connsiteX3" fmla="*/ 914400 w 2997109"/>
-                      <a:gd name="connsiteY3" fmla="*/ 471054 h 2881745"/>
-                      <a:gd name="connsiteX4" fmla="*/ 1149927 w 2997109"/>
-                      <a:gd name="connsiteY4" fmla="*/ 623454 h 2881745"/>
-                      <a:gd name="connsiteX5" fmla="*/ 1385454 w 2997109"/>
-                      <a:gd name="connsiteY5" fmla="*/ 762000 h 2881745"/>
-                      <a:gd name="connsiteX6" fmla="*/ 1870363 w 2997109"/>
-                      <a:gd name="connsiteY6" fmla="*/ 1108364 h 2881745"/>
-                      <a:gd name="connsiteX7" fmla="*/ 2133601 w 2997109"/>
-                      <a:gd name="connsiteY7" fmla="*/ 1330036 h 2881745"/>
-                      <a:gd name="connsiteX8" fmla="*/ 2313709 w 2997109"/>
-                      <a:gd name="connsiteY8" fmla="*/ 1482436 h 2881745"/>
-                      <a:gd name="connsiteX9" fmla="*/ 2563091 w 2997109"/>
-                      <a:gd name="connsiteY9" fmla="*/ 1801091 h 2881745"/>
-                      <a:gd name="connsiteX10" fmla="*/ 2770909 w 2997109"/>
-                      <a:gd name="connsiteY10" fmla="*/ 2105891 h 2881745"/>
-                      <a:gd name="connsiteX11" fmla="*/ 2909454 w 2997109"/>
-                      <a:gd name="connsiteY11" fmla="*/ 2396836 h 2881745"/>
-                      <a:gd name="connsiteX12" fmla="*/ 2992581 w 2997109"/>
-                      <a:gd name="connsiteY12" fmla="*/ 2757054 h 2881745"/>
-                      <a:gd name="connsiteX13" fmla="*/ 2978727 w 2997109"/>
-                      <a:gd name="connsiteY13" fmla="*/ 2881745 h 2881745"/>
-                      <a:gd name="connsiteX0" fmla="*/ 0 w 2997109"/>
-                      <a:gd name="connsiteY0" fmla="*/ 0 h 2881745"/>
-                      <a:gd name="connsiteX1" fmla="*/ 304800 w 2997109"/>
-                      <a:gd name="connsiteY1" fmla="*/ 138545 h 2881745"/>
-                      <a:gd name="connsiteX2" fmla="*/ 568036 w 2997109"/>
-                      <a:gd name="connsiteY2" fmla="*/ 290945 h 2881745"/>
-                      <a:gd name="connsiteX3" fmla="*/ 914400 w 2997109"/>
-                      <a:gd name="connsiteY3" fmla="*/ 471054 h 2881745"/>
-                      <a:gd name="connsiteX4" fmla="*/ 1149927 w 2997109"/>
-                      <a:gd name="connsiteY4" fmla="*/ 623454 h 2881745"/>
-                      <a:gd name="connsiteX5" fmla="*/ 1385454 w 2997109"/>
-                      <a:gd name="connsiteY5" fmla="*/ 762000 h 2881745"/>
-                      <a:gd name="connsiteX6" fmla="*/ 1870363 w 2997109"/>
-                      <a:gd name="connsiteY6" fmla="*/ 1108364 h 2881745"/>
-                      <a:gd name="connsiteX7" fmla="*/ 2133601 w 2997109"/>
-                      <a:gd name="connsiteY7" fmla="*/ 1330036 h 2881745"/>
-                      <a:gd name="connsiteX8" fmla="*/ 2355272 w 2997109"/>
-                      <a:gd name="connsiteY8" fmla="*/ 1551709 h 2881745"/>
-                      <a:gd name="connsiteX9" fmla="*/ 2563091 w 2997109"/>
-                      <a:gd name="connsiteY9" fmla="*/ 1801091 h 2881745"/>
-                      <a:gd name="connsiteX10" fmla="*/ 2770909 w 2997109"/>
-                      <a:gd name="connsiteY10" fmla="*/ 2105891 h 2881745"/>
-                      <a:gd name="connsiteX11" fmla="*/ 2909454 w 2997109"/>
-                      <a:gd name="connsiteY11" fmla="*/ 2396836 h 2881745"/>
-                      <a:gd name="connsiteX12" fmla="*/ 2992581 w 2997109"/>
-                      <a:gd name="connsiteY12" fmla="*/ 2757054 h 2881745"/>
-                      <a:gd name="connsiteX13" fmla="*/ 2978727 w 2997109"/>
-                      <a:gd name="connsiteY13" fmla="*/ 2881745 h 2881745"/>
+                      <a:gd name="connsiteX0" fmla="*/ 0 w 3028287"/>
+                      <a:gd name="connsiteY0" fmla="*/ 0 h 5591331"/>
+                      <a:gd name="connsiteX1" fmla="*/ 3028013 w 3028287"/>
+                      <a:gd name="connsiteY1" fmla="*/ 2878112 h 5591331"/>
+                      <a:gd name="connsiteX2" fmla="*/ 194872 w 3028287"/>
+                      <a:gd name="connsiteY2" fmla="*/ 5591331 h 5591331"/>
+                      <a:gd name="connsiteX0" fmla="*/ 0 w 3028287"/>
+                      <a:gd name="connsiteY0" fmla="*/ 0 h 5591331"/>
+                      <a:gd name="connsiteX1" fmla="*/ 3028013 w 3028287"/>
+                      <a:gd name="connsiteY1" fmla="*/ 2878112 h 5591331"/>
+                      <a:gd name="connsiteX2" fmla="*/ 194872 w 3028287"/>
+                      <a:gd name="connsiteY2" fmla="*/ 5591331 h 5591331"/>
+                      <a:gd name="connsiteX0" fmla="*/ 0 w 3028287"/>
+                      <a:gd name="connsiteY0" fmla="*/ 0 h 5591331"/>
+                      <a:gd name="connsiteX1" fmla="*/ 3028013 w 3028287"/>
+                      <a:gd name="connsiteY1" fmla="*/ 2878112 h 5591331"/>
+                      <a:gd name="connsiteX2" fmla="*/ 194872 w 3028287"/>
+                      <a:gd name="connsiteY2" fmla="*/ 5591331 h 5591331"/>
+                      <a:gd name="connsiteX0" fmla="*/ 0 w 3029729"/>
+                      <a:gd name="connsiteY0" fmla="*/ 0 h 5591331"/>
+                      <a:gd name="connsiteX1" fmla="*/ 3028013 w 3029729"/>
+                      <a:gd name="connsiteY1" fmla="*/ 2878112 h 5591331"/>
+                      <a:gd name="connsiteX2" fmla="*/ 194872 w 3029729"/>
+                      <a:gd name="connsiteY2" fmla="*/ 5591331 h 5591331"/>
+                      <a:gd name="connsiteX0" fmla="*/ 0 w 3029009"/>
+                      <a:gd name="connsiteY0" fmla="*/ 0 h 5591331"/>
+                      <a:gd name="connsiteX1" fmla="*/ 3028013 w 3029009"/>
+                      <a:gd name="connsiteY1" fmla="*/ 2878112 h 5591331"/>
+                      <a:gd name="connsiteX2" fmla="*/ 194872 w 3029009"/>
+                      <a:gd name="connsiteY2" fmla="*/ 5591331 h 5591331"/>
+                      <a:gd name="connsiteX0" fmla="*/ 0 w 3040080"/>
+                      <a:gd name="connsiteY0" fmla="*/ 0 h 5591331"/>
+                      <a:gd name="connsiteX1" fmla="*/ 3028013 w 3040080"/>
+                      <a:gd name="connsiteY1" fmla="*/ 2878112 h 5591331"/>
+                      <a:gd name="connsiteX2" fmla="*/ 194872 w 3040080"/>
+                      <a:gd name="connsiteY2" fmla="*/ 5591331 h 5591331"/>
+                      <a:gd name="connsiteX0" fmla="*/ 0 w 3037251"/>
+                      <a:gd name="connsiteY0" fmla="*/ 0 h 5591331"/>
+                      <a:gd name="connsiteX1" fmla="*/ 3028013 w 3037251"/>
+                      <a:gd name="connsiteY1" fmla="*/ 2878112 h 5591331"/>
+                      <a:gd name="connsiteX2" fmla="*/ 194872 w 3037251"/>
+                      <a:gd name="connsiteY2" fmla="*/ 5591331 h 5591331"/>
+                      <a:gd name="connsiteX0" fmla="*/ 0 w 3111988"/>
+                      <a:gd name="connsiteY0" fmla="*/ 0 h 5591331"/>
+                      <a:gd name="connsiteX1" fmla="*/ 3102964 w 3111988"/>
+                      <a:gd name="connsiteY1" fmla="*/ 2878112 h 5591331"/>
+                      <a:gd name="connsiteX2" fmla="*/ 194872 w 3111988"/>
+                      <a:gd name="connsiteY2" fmla="*/ 5591331 h 5591331"/>
+                      <a:gd name="connsiteX0" fmla="*/ 0 w 3067144"/>
+                      <a:gd name="connsiteY0" fmla="*/ 0 h 5591331"/>
+                      <a:gd name="connsiteX1" fmla="*/ 3057993 w 3067144"/>
+                      <a:gd name="connsiteY1" fmla="*/ 2893102 h 5591331"/>
+                      <a:gd name="connsiteX2" fmla="*/ 194872 w 3067144"/>
+                      <a:gd name="connsiteY2" fmla="*/ 5591331 h 5591331"/>
+                      <a:gd name="connsiteX0" fmla="*/ 0 w 3060117"/>
+                      <a:gd name="connsiteY0" fmla="*/ 0 h 5591331"/>
+                      <a:gd name="connsiteX1" fmla="*/ 3057993 w 3060117"/>
+                      <a:gd name="connsiteY1" fmla="*/ 2893102 h 5591331"/>
+                      <a:gd name="connsiteX2" fmla="*/ 194872 w 3060117"/>
+                      <a:gd name="connsiteY2" fmla="*/ 5591331 h 5591331"/>
+                      <a:gd name="connsiteX0" fmla="*/ 2863121 w 2865245"/>
+                      <a:gd name="connsiteY0" fmla="*/ 0 h 2698229"/>
+                      <a:gd name="connsiteX1" fmla="*/ 0 w 2865245"/>
+                      <a:gd name="connsiteY1" fmla="*/ 2698229 h 2698229"/>
                     </a:gdLst>
                     <a:ahLst/>
                     <a:cxnLst>
@@ -16524,113 +16798,17 @@
                       <a:cxn ang="0">
                         <a:pos x="connsiteX1" y="connsiteY1"/>
                       </a:cxn>
-                      <a:cxn ang="0">
-                        <a:pos x="connsiteX2" y="connsiteY2"/>
-                      </a:cxn>
-                      <a:cxn ang="0">
-                        <a:pos x="connsiteX3" y="connsiteY3"/>
-                      </a:cxn>
-                      <a:cxn ang="0">
-                        <a:pos x="connsiteX4" y="connsiteY4"/>
-                      </a:cxn>
-                      <a:cxn ang="0">
-                        <a:pos x="connsiteX5" y="connsiteY5"/>
-                      </a:cxn>
-                      <a:cxn ang="0">
-                        <a:pos x="connsiteX6" y="connsiteY6"/>
-                      </a:cxn>
-                      <a:cxn ang="0">
-                        <a:pos x="connsiteX7" y="connsiteY7"/>
-                      </a:cxn>
-                      <a:cxn ang="0">
-                        <a:pos x="connsiteX8" y="connsiteY8"/>
-                      </a:cxn>
-                      <a:cxn ang="0">
-                        <a:pos x="connsiteX9" y="connsiteY9"/>
-                      </a:cxn>
-                      <a:cxn ang="0">
-                        <a:pos x="connsiteX10" y="connsiteY10"/>
-                      </a:cxn>
-                      <a:cxn ang="0">
-                        <a:pos x="connsiteX11" y="connsiteY11"/>
-                      </a:cxn>
-                      <a:cxn ang="0">
-                        <a:pos x="connsiteX12" y="connsiteY12"/>
-                      </a:cxn>
-                      <a:cxn ang="0">
-                        <a:pos x="connsiteX13" y="connsiteY13"/>
-                      </a:cxn>
                     </a:cxnLst>
                     <a:rect l="l" t="t" r="r" b="b"/>
                     <a:pathLst>
-                      <a:path w="2997109" h="2881745">
+                      <a:path w="2865245" h="2698229">
                         <a:moveTo>
-                          <a:pt x="0" y="0"/>
+                          <a:pt x="2863121" y="0"/>
                         </a:moveTo>
                         <a:cubicBezTo>
-                          <a:pt x="105063" y="45027"/>
-                          <a:pt x="210127" y="90054"/>
-                          <a:pt x="304800" y="138545"/>
-                        </a:cubicBezTo>
-                        <a:cubicBezTo>
-                          <a:pt x="399473" y="187036"/>
-                          <a:pt x="466436" y="235527"/>
-                          <a:pt x="568036" y="290945"/>
-                        </a:cubicBezTo>
-                        <a:cubicBezTo>
-                          <a:pt x="669636" y="346363"/>
-                          <a:pt x="817418" y="415636"/>
-                          <a:pt x="914400" y="471054"/>
-                        </a:cubicBezTo>
-                        <a:cubicBezTo>
-                          <a:pt x="1011382" y="526472"/>
-                          <a:pt x="1071418" y="574963"/>
-                          <a:pt x="1149927" y="623454"/>
-                        </a:cubicBezTo>
-                        <a:cubicBezTo>
-                          <a:pt x="1228436" y="671945"/>
-                          <a:pt x="1265381" y="681182"/>
-                          <a:pt x="1385454" y="762000"/>
-                        </a:cubicBezTo>
-                        <a:cubicBezTo>
-                          <a:pt x="1505527" y="842818"/>
-                          <a:pt x="1745672" y="1013691"/>
-                          <a:pt x="1870363" y="1108364"/>
-                        </a:cubicBezTo>
-                        <a:cubicBezTo>
-                          <a:pt x="1995054" y="1203037"/>
-                          <a:pt x="2052783" y="1256145"/>
-                          <a:pt x="2133601" y="1330036"/>
-                        </a:cubicBezTo>
-                        <a:cubicBezTo>
-                          <a:pt x="2214419" y="1403927"/>
-                          <a:pt x="2283690" y="1473200"/>
-                          <a:pt x="2355272" y="1551709"/>
-                        </a:cubicBezTo>
-                        <a:cubicBezTo>
-                          <a:pt x="2426854" y="1630218"/>
-                          <a:pt x="2493818" y="1708727"/>
-                          <a:pt x="2563091" y="1801091"/>
-                        </a:cubicBezTo>
-                        <a:cubicBezTo>
-                          <a:pt x="2632364" y="1893455"/>
-                          <a:pt x="2713182" y="2006600"/>
-                          <a:pt x="2770909" y="2105891"/>
-                        </a:cubicBezTo>
-                        <a:cubicBezTo>
-                          <a:pt x="2828636" y="2205182"/>
-                          <a:pt x="2872509" y="2288309"/>
-                          <a:pt x="2909454" y="2396836"/>
-                        </a:cubicBezTo>
-                        <a:cubicBezTo>
-                          <a:pt x="2946399" y="2505363"/>
-                          <a:pt x="2981036" y="2676236"/>
-                          <a:pt x="2992581" y="2757054"/>
-                        </a:cubicBezTo>
-                        <a:cubicBezTo>
-                          <a:pt x="3004127" y="2837872"/>
-                          <a:pt x="2991427" y="2859808"/>
-                          <a:pt x="2978727" y="2881745"/>
+                          <a:pt x="2955560" y="1306644"/>
+                          <a:pt x="0" y="2698229"/>
+                          <a:pt x="0" y="2698229"/>
                         </a:cubicBezTo>
                       </a:path>
                     </a:pathLst>
@@ -16668,213 +16846,67 @@
                 </p:txBody>
               </p:sp>
             </p:grpSp>
-            <p:sp>
-              <p:nvSpPr>
-                <p:cNvPr id="23" name="Freeform 22"/>
-                <p:cNvSpPr/>
-                <p:nvPr/>
-              </p:nvSpPr>
-              <p:spPr>
-                <a:xfrm>
-                  <a:off x="5134452" y="207818"/>
-                  <a:ext cx="1953566" cy="5805055"/>
-                </a:xfrm>
-                <a:custGeom>
-                  <a:avLst/>
-                  <a:gdLst>
-                    <a:gd name="connsiteX0" fmla="*/ 0 w 1953566"/>
-                    <a:gd name="connsiteY0" fmla="*/ 0 h 5805055"/>
-                    <a:gd name="connsiteX1" fmla="*/ 346363 w 1953566"/>
-                    <a:gd name="connsiteY1" fmla="*/ 346364 h 5805055"/>
-                    <a:gd name="connsiteX2" fmla="*/ 720436 w 1953566"/>
-                    <a:gd name="connsiteY2" fmla="*/ 748146 h 5805055"/>
-                    <a:gd name="connsiteX3" fmla="*/ 1052945 w 1953566"/>
-                    <a:gd name="connsiteY3" fmla="*/ 1122218 h 5805055"/>
-                    <a:gd name="connsiteX4" fmla="*/ 1330036 w 1953566"/>
-                    <a:gd name="connsiteY4" fmla="*/ 1454727 h 5805055"/>
-                    <a:gd name="connsiteX5" fmla="*/ 1662545 w 1953566"/>
-                    <a:gd name="connsiteY5" fmla="*/ 1953491 h 5805055"/>
-                    <a:gd name="connsiteX6" fmla="*/ 1856509 w 1953566"/>
-                    <a:gd name="connsiteY6" fmla="*/ 2466109 h 5805055"/>
-                    <a:gd name="connsiteX7" fmla="*/ 1953491 w 1953566"/>
-                    <a:gd name="connsiteY7" fmla="*/ 2923309 h 5805055"/>
-                    <a:gd name="connsiteX8" fmla="*/ 1842654 w 1953566"/>
-                    <a:gd name="connsiteY8" fmla="*/ 3532909 h 5805055"/>
-                    <a:gd name="connsiteX9" fmla="*/ 1496291 w 1953566"/>
-                    <a:gd name="connsiteY9" fmla="*/ 4170218 h 5805055"/>
-                    <a:gd name="connsiteX10" fmla="*/ 1011381 w 1953566"/>
-                    <a:gd name="connsiteY10" fmla="*/ 4807527 h 5805055"/>
-                    <a:gd name="connsiteX11" fmla="*/ 706581 w 1953566"/>
-                    <a:gd name="connsiteY11" fmla="*/ 5126182 h 5805055"/>
-                    <a:gd name="connsiteX12" fmla="*/ 387927 w 1953566"/>
-                    <a:gd name="connsiteY12" fmla="*/ 5444837 h 5805055"/>
-                    <a:gd name="connsiteX13" fmla="*/ 0 w 1953566"/>
-                    <a:gd name="connsiteY13" fmla="*/ 5805055 h 5805055"/>
-                  </a:gdLst>
-                  <a:ahLst/>
-                  <a:cxnLst>
-                    <a:cxn ang="0">
-                      <a:pos x="connsiteX0" y="connsiteY0"/>
-                    </a:cxn>
-                    <a:cxn ang="0">
-                      <a:pos x="connsiteX1" y="connsiteY1"/>
-                    </a:cxn>
-                    <a:cxn ang="0">
-                      <a:pos x="connsiteX2" y="connsiteY2"/>
-                    </a:cxn>
-                    <a:cxn ang="0">
-                      <a:pos x="connsiteX3" y="connsiteY3"/>
-                    </a:cxn>
-                    <a:cxn ang="0">
-                      <a:pos x="connsiteX4" y="connsiteY4"/>
-                    </a:cxn>
-                    <a:cxn ang="0">
-                      <a:pos x="connsiteX5" y="connsiteY5"/>
-                    </a:cxn>
-                    <a:cxn ang="0">
-                      <a:pos x="connsiteX6" y="connsiteY6"/>
-                    </a:cxn>
-                    <a:cxn ang="0">
-                      <a:pos x="connsiteX7" y="connsiteY7"/>
-                    </a:cxn>
-                    <a:cxn ang="0">
-                      <a:pos x="connsiteX8" y="connsiteY8"/>
-                    </a:cxn>
-                    <a:cxn ang="0">
-                      <a:pos x="connsiteX9" y="connsiteY9"/>
-                    </a:cxn>
-                    <a:cxn ang="0">
-                      <a:pos x="connsiteX10" y="connsiteY10"/>
-                    </a:cxn>
-                    <a:cxn ang="0">
-                      <a:pos x="connsiteX11" y="connsiteY11"/>
-                    </a:cxn>
-                    <a:cxn ang="0">
-                      <a:pos x="connsiteX12" y="connsiteY12"/>
-                    </a:cxn>
-                    <a:cxn ang="0">
-                      <a:pos x="connsiteX13" y="connsiteY13"/>
-                    </a:cxn>
-                  </a:cxnLst>
-                  <a:rect l="l" t="t" r="r" b="b"/>
-                  <a:pathLst>
-                    <a:path w="1953566" h="5805055">
-                      <a:moveTo>
-                        <a:pt x="0" y="0"/>
-                      </a:moveTo>
-                      <a:cubicBezTo>
-                        <a:pt x="113145" y="110836"/>
-                        <a:pt x="226290" y="221673"/>
-                        <a:pt x="346363" y="346364"/>
-                      </a:cubicBezTo>
-                      <a:cubicBezTo>
-                        <a:pt x="466436" y="471055"/>
-                        <a:pt x="602672" y="618837"/>
-                        <a:pt x="720436" y="748146"/>
-                      </a:cubicBezTo>
-                      <a:cubicBezTo>
-                        <a:pt x="838200" y="877455"/>
-                        <a:pt x="951345" y="1004455"/>
-                        <a:pt x="1052945" y="1122218"/>
-                      </a:cubicBezTo>
-                      <a:cubicBezTo>
-                        <a:pt x="1154545" y="1239981"/>
-                        <a:pt x="1228436" y="1316182"/>
-                        <a:pt x="1330036" y="1454727"/>
-                      </a:cubicBezTo>
-                      <a:cubicBezTo>
-                        <a:pt x="1431636" y="1593272"/>
-                        <a:pt x="1574800" y="1784927"/>
-                        <a:pt x="1662545" y="1953491"/>
-                      </a:cubicBezTo>
-                      <a:cubicBezTo>
-                        <a:pt x="1750290" y="2122055"/>
-                        <a:pt x="1808018" y="2304473"/>
-                        <a:pt x="1856509" y="2466109"/>
-                      </a:cubicBezTo>
-                      <a:cubicBezTo>
-                        <a:pt x="1905000" y="2627745"/>
-                        <a:pt x="1955800" y="2745509"/>
-                        <a:pt x="1953491" y="2923309"/>
-                      </a:cubicBezTo>
-                      <a:cubicBezTo>
-                        <a:pt x="1951182" y="3101109"/>
-                        <a:pt x="1918854" y="3325091"/>
-                        <a:pt x="1842654" y="3532909"/>
-                      </a:cubicBezTo>
-                      <a:cubicBezTo>
-                        <a:pt x="1766454" y="3740727"/>
-                        <a:pt x="1634837" y="3957782"/>
-                        <a:pt x="1496291" y="4170218"/>
-                      </a:cubicBezTo>
-                      <a:cubicBezTo>
-                        <a:pt x="1357746" y="4382654"/>
-                        <a:pt x="1142999" y="4648200"/>
-                        <a:pt x="1011381" y="4807527"/>
-                      </a:cubicBezTo>
-                      <a:cubicBezTo>
-                        <a:pt x="879763" y="4966854"/>
-                        <a:pt x="810490" y="5019964"/>
-                        <a:pt x="706581" y="5126182"/>
-                      </a:cubicBezTo>
-                      <a:cubicBezTo>
-                        <a:pt x="602672" y="5232400"/>
-                        <a:pt x="505690" y="5331692"/>
-                        <a:pt x="387927" y="5444837"/>
-                      </a:cubicBezTo>
-                      <a:cubicBezTo>
-                        <a:pt x="270164" y="5557982"/>
-                        <a:pt x="135082" y="5681518"/>
-                        <a:pt x="0" y="5805055"/>
-                      </a:cubicBezTo>
-                    </a:path>
-                  </a:pathLst>
-                </a:custGeom>
-                <a:noFill/>
-                <a:ln w="57150">
-                  <a:solidFill>
-                    <a:schemeClr val="tx1"/>
-                  </a:solidFill>
-                </a:ln>
-              </p:spPr>
-              <p:style>
-                <a:lnRef idx="2">
-                  <a:schemeClr val="accent1">
-                    <a:shade val="50000"/>
-                  </a:schemeClr>
-                </a:lnRef>
-                <a:fillRef idx="1">
-                  <a:schemeClr val="accent1"/>
-                </a:fillRef>
-                <a:effectRef idx="0">
-                  <a:schemeClr val="accent1"/>
-                </a:effectRef>
-                <a:fontRef idx="minor">
-                  <a:schemeClr val="lt1"/>
-                </a:fontRef>
-              </p:style>
-              <p:txBody>
-                <a:bodyPr rtlCol="0" anchor="ctr"/>
-                <a:lstStyle/>
-                <a:p>
-                  <a:pPr algn="ctr"/>
-                  <a:endParaRPr lang="en-US"/>
-                </a:p>
-              </p:txBody>
-            </p:sp>
           </p:grpSp>
-          <mc:AlternateContent xmlns:mc="http://schemas.openxmlformats.org/markup-compatibility/2006" xmlns:a14="http://schemas.microsoft.com/office/drawing/2010/main">
-            <mc:Choice Requires="a14">
+          <p:sp>
+            <p:nvSpPr>
+              <p:cNvPr id="27" name="Oval 26"/>
+              <p:cNvSpPr/>
+              <p:nvPr/>
+            </p:nvSpPr>
+            <p:spPr>
+              <a:xfrm>
+                <a:off x="6206970" y="3590188"/>
+                <a:ext cx="136800" cy="136800"/>
+              </a:xfrm>
+              <a:prstGeom prst="ellipse">
+                <a:avLst/>
+              </a:prstGeom>
+              <a:solidFill>
+                <a:schemeClr val="tx1"/>
+              </a:solidFill>
+              <a:ln w="38100">
+                <a:solidFill>
+                  <a:schemeClr val="tx1"/>
+                </a:solidFill>
+              </a:ln>
+            </p:spPr>
+            <p:style>
+              <a:lnRef idx="2">
+                <a:schemeClr val="accent1">
+                  <a:shade val="50000"/>
+                </a:schemeClr>
+              </a:lnRef>
+              <a:fillRef idx="1">
+                <a:schemeClr val="accent1"/>
+              </a:fillRef>
+              <a:effectRef idx="0">
+                <a:schemeClr val="accent1"/>
+              </a:effectRef>
+              <a:fontRef idx="minor">
+                <a:schemeClr val="lt1"/>
+              </a:fontRef>
+            </p:style>
+            <p:txBody>
+              <a:bodyPr rtlCol="0" anchor="ctr"/>
+              <a:lstStyle/>
+              <a:p>
+                <a:pPr algn="ctr"/>
+                <a:endParaRPr lang="en-US"/>
+              </a:p>
+            </p:txBody>
+          </p:sp>
+          <mc:AlternateContent xmlns:mc="http://schemas.openxmlformats.org/markup-compatibility/2006">
+            <mc:Choice xmlns:a14="http://schemas.microsoft.com/office/drawing/2010/main" Requires="a14">
               <p:sp>
                 <p:nvSpPr>
-                  <p:cNvPr id="26" name="TextBox 25"/>
+                  <p:cNvPr id="28" name="TextBox 27"/>
                   <p:cNvSpPr txBox="1"/>
                   <p:nvPr/>
                 </p:nvSpPr>
                 <p:spPr>
                   <a:xfrm>
-                    <a:off x="2905275" y="416820"/>
-                    <a:ext cx="859466" cy="369332"/>
+                    <a:off x="6542785" y="3465677"/>
+                    <a:ext cx="3057312" cy="307777"/>
                   </a:xfrm>
                   <a:prstGeom prst="rect">
                     <a:avLst/>
@@ -16895,23 +16927,58 @@
                         </m:oMathParaPr>
                         <m:oMath xmlns:m="http://schemas.openxmlformats.org/officeDocument/2006/math">
                           <m:r>
-                            <a:rPr lang="en-US" sz="2400" b="0" i="1" smtClean="0">
+                            <a:rPr lang="en-US" sz="2000" b="0" i="1" smtClean="0">
                               <a:latin typeface="Cambria Math" panose="02040503050406030204" pitchFamily="18" charset="0"/>
                               <a:cs typeface="Arial" panose="020B0604020202020204" pitchFamily="34" charset="0"/>
                             </a:rPr>
-                            <m:t>𝐸</m:t>
+                            <m:t>𝑃𝑜𝑖𝑛𝑡</m:t>
                           </m:r>
                           <m:r>
-                            <a:rPr lang="en-US" sz="2400" b="0" i="1" smtClean="0">
+                            <a:rPr lang="en-US" sz="2000" b="0" i="1" smtClean="0">
                               <a:latin typeface="Cambria Math" panose="02040503050406030204" pitchFamily="18" charset="0"/>
                               <a:cs typeface="Arial" panose="020B0604020202020204" pitchFamily="34" charset="0"/>
                             </a:rPr>
-                            <m:t>=0</m:t>
+                            <m:t> </m:t>
+                          </m:r>
+                          <m:r>
+                            <a:rPr lang="en-US" sz="2000" b="0" i="1" smtClean="0">
+                              <a:latin typeface="Cambria Math" panose="02040503050406030204" pitchFamily="18" charset="0"/>
+                              <a:cs typeface="Arial" panose="020B0604020202020204" pitchFamily="34" charset="0"/>
+                            </a:rPr>
+                            <m:t>𝑜𝑓</m:t>
+                          </m:r>
+                          <m:r>
+                            <a:rPr lang="en-US" sz="2000" b="0" i="1" smtClean="0">
+                              <a:latin typeface="Cambria Math" panose="02040503050406030204" pitchFamily="18" charset="0"/>
+                              <a:cs typeface="Arial" panose="020B0604020202020204" pitchFamily="34" charset="0"/>
+                            </a:rPr>
+                            <m:t> </m:t>
+                          </m:r>
+                          <m:r>
+                            <a:rPr lang="en-US" sz="2000" b="0" i="1" smtClean="0">
+                              <a:latin typeface="Cambria Math" panose="02040503050406030204" pitchFamily="18" charset="0"/>
+                              <a:cs typeface="Arial" panose="020B0604020202020204" pitchFamily="34" charset="0"/>
+                            </a:rPr>
+                            <m:t>𝑐𝑙𝑜𝑠𝑒𝑠𝑡</m:t>
+                          </m:r>
+                          <m:r>
+                            <a:rPr lang="en-US" sz="2000" b="0" i="1" smtClean="0">
+                              <a:latin typeface="Cambria Math" panose="02040503050406030204" pitchFamily="18" charset="0"/>
+                              <a:cs typeface="Arial" panose="020B0604020202020204" pitchFamily="34" charset="0"/>
+                            </a:rPr>
+                            <m:t> </m:t>
+                          </m:r>
+                          <m:r>
+                            <a:rPr lang="en-US" sz="2000" b="0" i="1" smtClean="0">
+                              <a:latin typeface="Cambria Math" panose="02040503050406030204" pitchFamily="18" charset="0"/>
+                              <a:cs typeface="Arial" panose="020B0604020202020204" pitchFamily="34" charset="0"/>
+                            </a:rPr>
+                            <m:t>𝑎𝑝𝑝𝑟𝑜𝑎𝑐h</m:t>
                           </m:r>
                         </m:oMath>
                       </m:oMathPara>
                     </a14:m>
-                    <a:endParaRPr lang="en-US" sz="2400" dirty="0" smtClean="0">
+                    <a:endParaRPr lang="en-US" sz="2000" dirty="0" smtClean="0">
                       <a:latin typeface="Arial" panose="020B0604020202020204" pitchFamily="34" charset="0"/>
                       <a:cs typeface="Arial" panose="020B0604020202020204" pitchFamily="34" charset="0"/>
                     </a:endParaRPr>
@@ -16919,10 +16986,10 @@
                 </p:txBody>
               </p:sp>
             </mc:Choice>
-            <mc:Fallback xmlns="">
+            <mc:Fallback>
               <p:sp>
                 <p:nvSpPr>
-                  <p:cNvPr id="26" name="TextBox 25"/>
+                  <p:cNvPr id="28" name="TextBox 27"/>
                   <p:cNvSpPr txBox="1">
                     <a:spLocks noRot="1" noChangeAspect="1" noMove="1" noResize="1" noEditPoints="1" noAdjustHandles="1" noChangeArrowheads="1" noChangeShapeType="1" noTextEdit="1"/>
                   </p:cNvSpPr>
@@ -16930,301 +16997,16 @@
                 </p:nvSpPr>
                 <p:spPr>
                   <a:xfrm>
-                    <a:off x="2905275" y="416820"/>
-                    <a:ext cx="859466" cy="369332"/>
+                    <a:off x="6542785" y="3465677"/>
+                    <a:ext cx="3057312" cy="307777"/>
                   </a:xfrm>
                   <a:prstGeom prst="rect">
                     <a:avLst/>
                   </a:prstGeom>
-                  <a:blipFill>
-                    <a:blip r:embed="rId3"/>
+                  <a:blipFill rotWithShape="0">
+                    <a:blip r:embed="rId7"/>
                     <a:stretch>
-                      <a:fillRect l="-7092" r="-7092" b="-9836"/>
-                    </a:stretch>
-                  </a:blipFill>
-                </p:spPr>
-                <p:txBody>
-                  <a:bodyPr/>
-                  <a:lstStyle/>
-                  <a:p>
-                    <a:r>
-                      <a:rPr lang="en-US">
-                        <a:noFill/>
-                      </a:rPr>
-                      <a:t> </a:t>
-                    </a:r>
-                  </a:p>
-                </p:txBody>
-              </p:sp>
-            </mc:Fallback>
-          </mc:AlternateContent>
-          <mc:AlternateContent xmlns:mc="http://schemas.openxmlformats.org/markup-compatibility/2006" xmlns:a14="http://schemas.microsoft.com/office/drawing/2010/main">
-            <mc:Choice Requires="a14">
-              <p:sp>
-                <p:nvSpPr>
-                  <p:cNvPr id="29" name="TextBox 28"/>
-                  <p:cNvSpPr txBox="1"/>
-                  <p:nvPr/>
-                </p:nvSpPr>
-                <p:spPr>
-                  <a:xfrm>
-                    <a:off x="5094820" y="194358"/>
-                    <a:ext cx="859466" cy="369332"/>
-                  </a:xfrm>
-                  <a:prstGeom prst="rect">
-                    <a:avLst/>
-                  </a:prstGeom>
-                  <a:noFill/>
-                </p:spPr>
-                <p:txBody>
-                  <a:bodyPr wrap="none" lIns="0" tIns="0" rIns="0" bIns="0" rtlCol="0">
-                    <a:spAutoFit/>
-                  </a:bodyPr>
-                  <a:lstStyle/>
-                  <a:p>
-                    <a:pPr/>
-                    <a14:m>
-                      <m:oMathPara xmlns:m="http://schemas.openxmlformats.org/officeDocument/2006/math">
-                        <m:oMathParaPr>
-                          <m:jc m:val="centerGroup"/>
-                        </m:oMathParaPr>
-                        <m:oMath xmlns:m="http://schemas.openxmlformats.org/officeDocument/2006/math">
-                          <m:r>
-                            <a:rPr lang="en-US" sz="2400" b="0" i="1" smtClean="0">
-                              <a:latin typeface="Cambria Math" panose="02040503050406030204" pitchFamily="18" charset="0"/>
-                              <a:cs typeface="Arial" panose="020B0604020202020204" pitchFamily="34" charset="0"/>
-                            </a:rPr>
-                            <m:t>𝐸</m:t>
-                          </m:r>
-                          <m:r>
-                            <a:rPr lang="en-US" sz="2400" b="0" i="1" smtClean="0">
-                              <a:latin typeface="Cambria Math" panose="02040503050406030204" pitchFamily="18" charset="0"/>
-                              <a:cs typeface="Arial" panose="020B0604020202020204" pitchFamily="34" charset="0"/>
-                            </a:rPr>
-                            <m:t>&gt;0</m:t>
-                          </m:r>
-                        </m:oMath>
-                      </m:oMathPara>
-                    </a14:m>
-                    <a:endParaRPr lang="en-US" sz="2400" dirty="0" smtClean="0">
-                      <a:latin typeface="Arial" panose="020B0604020202020204" pitchFamily="34" charset="0"/>
-                      <a:cs typeface="Arial" panose="020B0604020202020204" pitchFamily="34" charset="0"/>
-                    </a:endParaRPr>
-                  </a:p>
-                </p:txBody>
-              </p:sp>
-            </mc:Choice>
-            <mc:Fallback xmlns="">
-              <p:sp>
-                <p:nvSpPr>
-                  <p:cNvPr id="29" name="TextBox 28"/>
-                  <p:cNvSpPr txBox="1">
-                    <a:spLocks noRot="1" noChangeAspect="1" noMove="1" noResize="1" noEditPoints="1" noAdjustHandles="1" noChangeArrowheads="1" noChangeShapeType="1" noTextEdit="1"/>
-                  </p:cNvSpPr>
-                  <p:nvPr/>
-                </p:nvSpPr>
-                <p:spPr>
-                  <a:xfrm>
-                    <a:off x="5094820" y="194358"/>
-                    <a:ext cx="859466" cy="369332"/>
-                  </a:xfrm>
-                  <a:prstGeom prst="rect">
-                    <a:avLst/>
-                  </a:prstGeom>
-                  <a:blipFill>
-                    <a:blip r:embed="rId4"/>
-                    <a:stretch>
-                      <a:fillRect l="-7801" r="-7092" b="-10000"/>
-                    </a:stretch>
-                  </a:blipFill>
-                </p:spPr>
-                <p:txBody>
-                  <a:bodyPr/>
-                  <a:lstStyle/>
-                  <a:p>
-                    <a:r>
-                      <a:rPr lang="en-US">
-                        <a:noFill/>
-                      </a:rPr>
-                      <a:t> </a:t>
-                    </a:r>
-                  </a:p>
-                </p:txBody>
-              </p:sp>
-            </mc:Fallback>
-          </mc:AlternateContent>
-          <mc:AlternateContent xmlns:mc="http://schemas.openxmlformats.org/markup-compatibility/2006" xmlns:a14="http://schemas.microsoft.com/office/drawing/2010/main">
-            <mc:Choice Requires="a14">
-              <p:sp>
-                <p:nvSpPr>
-                  <p:cNvPr id="30" name="TextBox 29"/>
-                  <p:cNvSpPr txBox="1"/>
-                  <p:nvPr/>
-                </p:nvSpPr>
-                <p:spPr>
-                  <a:xfrm>
-                    <a:off x="1018274" y="3178630"/>
-                    <a:ext cx="859466" cy="369332"/>
-                  </a:xfrm>
-                  <a:prstGeom prst="rect">
-                    <a:avLst/>
-                  </a:prstGeom>
-                  <a:noFill/>
-                </p:spPr>
-                <p:txBody>
-                  <a:bodyPr wrap="none" lIns="0" tIns="0" rIns="0" bIns="0" rtlCol="0">
-                    <a:spAutoFit/>
-                  </a:bodyPr>
-                  <a:lstStyle/>
-                  <a:p>
-                    <a:pPr/>
-                    <a14:m>
-                      <m:oMathPara xmlns:m="http://schemas.openxmlformats.org/officeDocument/2006/math">
-                        <m:oMathParaPr>
-                          <m:jc m:val="centerGroup"/>
-                        </m:oMathParaPr>
-                        <m:oMath xmlns:m="http://schemas.openxmlformats.org/officeDocument/2006/math">
-                          <m:r>
-                            <a:rPr lang="en-US" sz="2400" b="0" i="1" smtClean="0">
-                              <a:latin typeface="Cambria Math" panose="02040503050406030204" pitchFamily="18" charset="0"/>
-                              <a:cs typeface="Arial" panose="020B0604020202020204" pitchFamily="34" charset="0"/>
-                            </a:rPr>
-                            <m:t>𝐸</m:t>
-                          </m:r>
-                          <m:r>
-                            <a:rPr lang="en-US" sz="2400" b="0" i="1" smtClean="0">
-                              <a:latin typeface="Cambria Math" panose="02040503050406030204" pitchFamily="18" charset="0"/>
-                              <a:cs typeface="Arial" panose="020B0604020202020204" pitchFamily="34" charset="0"/>
-                            </a:rPr>
-                            <m:t>&lt;0</m:t>
-                          </m:r>
-                        </m:oMath>
-                      </m:oMathPara>
-                    </a14:m>
-                    <a:endParaRPr lang="en-US" sz="2400" dirty="0" smtClean="0">
-                      <a:latin typeface="Arial" panose="020B0604020202020204" pitchFamily="34" charset="0"/>
-                      <a:cs typeface="Arial" panose="020B0604020202020204" pitchFamily="34" charset="0"/>
-                    </a:endParaRPr>
-                  </a:p>
-                </p:txBody>
-              </p:sp>
-            </mc:Choice>
-            <mc:Fallback xmlns="">
-              <p:sp>
-                <p:nvSpPr>
-                  <p:cNvPr id="30" name="TextBox 29"/>
-                  <p:cNvSpPr txBox="1">
-                    <a:spLocks noRot="1" noChangeAspect="1" noMove="1" noResize="1" noEditPoints="1" noAdjustHandles="1" noChangeArrowheads="1" noChangeShapeType="1" noTextEdit="1"/>
-                  </p:cNvSpPr>
-                  <p:nvPr/>
-                </p:nvSpPr>
-                <p:spPr>
-                  <a:xfrm>
-                    <a:off x="1018274" y="3178630"/>
-                    <a:ext cx="859466" cy="369332"/>
-                  </a:xfrm>
-                  <a:prstGeom prst="rect">
-                    <a:avLst/>
-                  </a:prstGeom>
-                  <a:blipFill>
-                    <a:blip r:embed="rId5"/>
-                    <a:stretch>
-                      <a:fillRect l="-7092" r="-7801" b="-9836"/>
-                    </a:stretch>
-                  </a:blipFill>
-                </p:spPr>
-                <p:txBody>
-                  <a:bodyPr/>
-                  <a:lstStyle/>
-                  <a:p>
-                    <a:r>
-                      <a:rPr lang="en-US">
-                        <a:noFill/>
-                      </a:rPr>
-                      <a:t> </a:t>
-                    </a:r>
-                  </a:p>
-                </p:txBody>
-              </p:sp>
-            </mc:Fallback>
-          </mc:AlternateContent>
-          <mc:AlternateContent xmlns:mc="http://schemas.openxmlformats.org/markup-compatibility/2006" xmlns:a14="http://schemas.microsoft.com/office/drawing/2010/main">
-            <mc:Choice Requires="a14">
-              <p:sp>
-                <p:nvSpPr>
-                  <p:cNvPr id="31" name="TextBox 30"/>
-                  <p:cNvSpPr txBox="1"/>
-                  <p:nvPr/>
-                </p:nvSpPr>
-                <p:spPr>
-                  <a:xfrm>
-                    <a:off x="4733345" y="3236609"/>
-                    <a:ext cx="859466" cy="369332"/>
-                  </a:xfrm>
-                  <a:prstGeom prst="rect">
-                    <a:avLst/>
-                  </a:prstGeom>
-                  <a:noFill/>
-                </p:spPr>
-                <p:txBody>
-                  <a:bodyPr wrap="none" lIns="0" tIns="0" rIns="0" bIns="0" rtlCol="0">
-                    <a:spAutoFit/>
-                  </a:bodyPr>
-                  <a:lstStyle/>
-                  <a:p>
-                    <a:pPr/>
-                    <a14:m>
-                      <m:oMathPara xmlns:m="http://schemas.openxmlformats.org/officeDocument/2006/math">
-                        <m:oMathParaPr>
-                          <m:jc m:val="centerGroup"/>
-                        </m:oMathParaPr>
-                        <m:oMath xmlns:m="http://schemas.openxmlformats.org/officeDocument/2006/math">
-                          <m:r>
-                            <a:rPr lang="en-US" sz="2400" b="0" i="1" smtClean="0">
-                              <a:latin typeface="Cambria Math" panose="02040503050406030204" pitchFamily="18" charset="0"/>
-                              <a:cs typeface="Arial" panose="020B0604020202020204" pitchFamily="34" charset="0"/>
-                            </a:rPr>
-                            <m:t>𝐸</m:t>
-                          </m:r>
-                          <m:r>
-                            <a:rPr lang="en-US" sz="2400" b="0" i="1" smtClean="0">
-                              <a:latin typeface="Cambria Math" panose="02040503050406030204" pitchFamily="18" charset="0"/>
-                              <a:cs typeface="Arial" panose="020B0604020202020204" pitchFamily="34" charset="0"/>
-                            </a:rPr>
-                            <m:t>&lt;0</m:t>
-                          </m:r>
-                        </m:oMath>
-                      </m:oMathPara>
-                    </a14:m>
-                    <a:endParaRPr lang="en-US" sz="2400" dirty="0" smtClean="0">
-                      <a:latin typeface="Arial" panose="020B0604020202020204" pitchFamily="34" charset="0"/>
-                      <a:cs typeface="Arial" panose="020B0604020202020204" pitchFamily="34" charset="0"/>
-                    </a:endParaRPr>
-                  </a:p>
-                </p:txBody>
-              </p:sp>
-            </mc:Choice>
-            <mc:Fallback xmlns="">
-              <p:sp>
-                <p:nvSpPr>
-                  <p:cNvPr id="31" name="TextBox 30"/>
-                  <p:cNvSpPr txBox="1">
-                    <a:spLocks noRot="1" noChangeAspect="1" noMove="1" noResize="1" noEditPoints="1" noAdjustHandles="1" noChangeArrowheads="1" noChangeShapeType="1" noTextEdit="1"/>
-                  </p:cNvSpPr>
-                  <p:nvPr/>
-                </p:nvSpPr>
-                <p:spPr>
-                  <a:xfrm>
-                    <a:off x="4733345" y="3236609"/>
-                    <a:ext cx="859466" cy="369332"/>
-                  </a:xfrm>
-                  <a:prstGeom prst="rect">
-                    <a:avLst/>
-                  </a:prstGeom>
-                  <a:blipFill>
-                    <a:blip r:embed="rId6"/>
-                    <a:stretch>
-                      <a:fillRect l="-7092" r="-7801" b="-8197"/>
+                      <a:fillRect l="-988" t="-142000" r="-1383" b="-184000"/>
                     </a:stretch>
                   </a:blipFill>
                 </p:spPr>
@@ -17244,189 +17026,234 @@
             </mc:Fallback>
           </mc:AlternateContent>
         </p:grpSp>
-        <p:sp>
-          <p:nvSpPr>
-            <p:cNvPr id="19" name="Oval 18"/>
-            <p:cNvSpPr/>
+        <p:grpSp>
+          <p:nvGrpSpPr>
+            <p:cNvPr id="32" name="Group 31"/>
+            <p:cNvGrpSpPr/>
             <p:nvPr/>
-          </p:nvSpPr>
-          <p:spPr>
+          </p:nvGrpSpPr>
+          <p:grpSpPr>
             <a:xfrm>
-              <a:off x="6821564" y="3380328"/>
-              <a:ext cx="120943" cy="119766"/>
+              <a:off x="2950847" y="981325"/>
+              <a:ext cx="1939951" cy="5526362"/>
+              <a:chOff x="9009597" y="917792"/>
+              <a:chExt cx="1939951" cy="5526362"/>
             </a:xfrm>
-            <a:prstGeom prst="ellipse">
-              <a:avLst/>
-            </a:prstGeom>
-            <a:solidFill>
-              <a:schemeClr val="tx1"/>
-            </a:solidFill>
-            <a:ln w="38100">
-              <a:solidFill>
-                <a:schemeClr val="tx1"/>
-              </a:solidFill>
-            </a:ln>
-          </p:spPr>
-          <p:style>
-            <a:lnRef idx="2">
-              <a:schemeClr val="accent1">
-                <a:shade val="50000"/>
-              </a:schemeClr>
-            </a:lnRef>
-            <a:fillRef idx="1">
-              <a:schemeClr val="accent1"/>
-            </a:fillRef>
-            <a:effectRef idx="0">
-              <a:schemeClr val="accent1"/>
-            </a:effectRef>
-            <a:fontRef idx="minor">
-              <a:schemeClr val="lt1"/>
-            </a:fontRef>
-          </p:style>
-          <p:txBody>
-            <a:bodyPr rtlCol="0" anchor="ctr"/>
-            <a:lstStyle/>
-            <a:p>
-              <a:pPr algn="ctr"/>
-              <a:endParaRPr lang="en-US"/>
-            </a:p>
-          </p:txBody>
-        </p:sp>
-        <mc:AlternateContent xmlns:mc="http://schemas.openxmlformats.org/markup-compatibility/2006" xmlns:a14="http://schemas.microsoft.com/office/drawing/2010/main">
-          <mc:Choice Requires="a14">
-            <p:sp>
-              <p:nvSpPr>
-                <p:cNvPr id="2" name="TextBox 1"/>
-                <p:cNvSpPr txBox="1"/>
-                <p:nvPr/>
-              </p:nvSpPr>
-              <p:spPr>
-                <a:xfrm>
-                  <a:off x="7186914" y="3226439"/>
-                  <a:ext cx="3057312" cy="307777"/>
-                </a:xfrm>
-                <a:prstGeom prst="rect">
-                  <a:avLst/>
-                </a:prstGeom>
-                <a:noFill/>
-              </p:spPr>
-              <p:txBody>
-                <a:bodyPr wrap="none" lIns="0" tIns="0" rIns="0" bIns="0" rtlCol="0">
-                  <a:spAutoFit/>
-                </a:bodyPr>
-                <a:lstStyle/>
-                <a:p>
-                  <a:pPr/>
-                  <a14:m>
-                    <m:oMathPara xmlns:m="http://schemas.openxmlformats.org/officeDocument/2006/math">
-                      <m:oMathParaPr>
-                        <m:jc m:val="centerGroup"/>
-                      </m:oMathParaPr>
-                      <m:oMath xmlns:m="http://schemas.openxmlformats.org/officeDocument/2006/math">
-                        <m:r>
-                          <a:rPr lang="en-US" sz="2000" b="0" i="1" smtClean="0">
-                            <a:latin typeface="Cambria Math" panose="02040503050406030204" pitchFamily="18" charset="0"/>
-                            <a:cs typeface="Arial" panose="020B0604020202020204" pitchFamily="34" charset="0"/>
-                          </a:rPr>
-                          <m:t>𝑃𝑜𝑖𝑛𝑡</m:t>
-                        </m:r>
-                        <m:r>
-                          <a:rPr lang="en-US" sz="2000" b="0" i="1" smtClean="0">
-                            <a:latin typeface="Cambria Math" panose="02040503050406030204" pitchFamily="18" charset="0"/>
-                            <a:cs typeface="Arial" panose="020B0604020202020204" pitchFamily="34" charset="0"/>
-                          </a:rPr>
-                          <m:t> </m:t>
-                        </m:r>
-                        <m:r>
-                          <a:rPr lang="en-US" sz="2000" b="0" i="1" smtClean="0">
-                            <a:latin typeface="Cambria Math" panose="02040503050406030204" pitchFamily="18" charset="0"/>
-                            <a:cs typeface="Arial" panose="020B0604020202020204" pitchFamily="34" charset="0"/>
-                          </a:rPr>
-                          <m:t>𝑜𝑓</m:t>
-                        </m:r>
-                        <m:r>
-                          <a:rPr lang="en-US" sz="2000" b="0" i="1" smtClean="0">
-                            <a:latin typeface="Cambria Math" panose="02040503050406030204" pitchFamily="18" charset="0"/>
-                            <a:cs typeface="Arial" panose="020B0604020202020204" pitchFamily="34" charset="0"/>
-                          </a:rPr>
-                          <m:t> </m:t>
-                        </m:r>
-                        <m:r>
-                          <a:rPr lang="en-US" sz="2000" b="0" i="1" smtClean="0">
-                            <a:latin typeface="Cambria Math" panose="02040503050406030204" pitchFamily="18" charset="0"/>
-                            <a:cs typeface="Arial" panose="020B0604020202020204" pitchFamily="34" charset="0"/>
-                          </a:rPr>
-                          <m:t>𝑐𝑙𝑜𝑠𝑒𝑠𝑡</m:t>
-                        </m:r>
-                        <m:r>
-                          <a:rPr lang="en-US" sz="2000" b="0" i="1" smtClean="0">
-                            <a:latin typeface="Cambria Math" panose="02040503050406030204" pitchFamily="18" charset="0"/>
-                            <a:cs typeface="Arial" panose="020B0604020202020204" pitchFamily="34" charset="0"/>
-                          </a:rPr>
-                          <m:t> </m:t>
-                        </m:r>
-                        <m:r>
-                          <a:rPr lang="en-US" sz="2000" b="0" i="1" smtClean="0">
-                            <a:latin typeface="Cambria Math" panose="02040503050406030204" pitchFamily="18" charset="0"/>
-                            <a:cs typeface="Arial" panose="020B0604020202020204" pitchFamily="34" charset="0"/>
-                          </a:rPr>
-                          <m:t>𝑎𝑝𝑝𝑟𝑜𝑎𝑐h</m:t>
-                        </m:r>
-                      </m:oMath>
-                    </m:oMathPara>
-                  </a14:m>
-                  <a:endParaRPr lang="en-US" sz="2000" dirty="0" smtClean="0">
-                    <a:latin typeface="Arial" panose="020B0604020202020204" pitchFamily="34" charset="0"/>
-                    <a:cs typeface="Arial" panose="020B0604020202020204" pitchFamily="34" charset="0"/>
-                  </a:endParaRPr>
-                </a:p>
-              </p:txBody>
-            </p:sp>
-          </mc:Choice>
-          <mc:Fallback xmlns="">
-            <p:sp>
-              <p:nvSpPr>
-                <p:cNvPr id="2" name="TextBox 1"/>
-                <p:cNvSpPr txBox="1">
-                  <a:spLocks noRot="1" noChangeAspect="1" noMove="1" noResize="1" noEditPoints="1" noAdjustHandles="1" noChangeArrowheads="1" noChangeShapeType="1" noTextEdit="1"/>
-                </p:cNvSpPr>
-                <p:nvPr/>
-              </p:nvSpPr>
-              <p:spPr>
-                <a:xfrm>
-                  <a:off x="7186914" y="3226439"/>
-                  <a:ext cx="3057312" cy="307777"/>
-                </a:xfrm>
-                <a:prstGeom prst="rect">
-                  <a:avLst/>
-                </a:prstGeom>
-                <a:blipFill>
-                  <a:blip r:embed="rId7"/>
-                  <a:stretch>
-                    <a:fillRect l="-1397" r="-1996" b="-37255"/>
-                  </a:stretch>
-                </a:blipFill>
-              </p:spPr>
-              <p:txBody>
-                <a:bodyPr/>
-                <a:lstStyle/>
-                <a:p>
-                  <a:r>
-                    <a:rPr lang="en-US">
-                      <a:noFill/>
-                    </a:rPr>
-                    <a:t> </a:t>
-                  </a:r>
-                </a:p>
-              </p:txBody>
-            </p:sp>
-          </mc:Fallback>
-        </mc:AlternateContent>
+          </p:grpSpPr>
+          <p:sp>
+            <p:nvSpPr>
+              <p:cNvPr id="30" name="Freeform 29"/>
+              <p:cNvSpPr/>
+              <p:nvPr/>
+            </p:nvSpPr>
+            <p:spPr>
+              <a:xfrm>
+                <a:off x="9010962" y="3581033"/>
+                <a:ext cx="1938586" cy="2863121"/>
+              </a:xfrm>
+              <a:custGeom>
+                <a:avLst/>
+                <a:gdLst>
+                  <a:gd name="connsiteX0" fmla="*/ 14990 w 1933735"/>
+                  <a:gd name="connsiteY0" fmla="*/ 0 h 5756222"/>
+                  <a:gd name="connsiteX1" fmla="*/ 1933731 w 1933735"/>
+                  <a:gd name="connsiteY1" fmla="*/ 2893101 h 5756222"/>
+                  <a:gd name="connsiteX2" fmla="*/ 0 w 1933735"/>
+                  <a:gd name="connsiteY2" fmla="*/ 5756222 h 5756222"/>
+                  <a:gd name="connsiteX0" fmla="*/ 14990 w 1946040"/>
+                  <a:gd name="connsiteY0" fmla="*/ 0 h 5756222"/>
+                  <a:gd name="connsiteX1" fmla="*/ 1933731 w 1946040"/>
+                  <a:gd name="connsiteY1" fmla="*/ 2893101 h 5756222"/>
+                  <a:gd name="connsiteX2" fmla="*/ 0 w 1946040"/>
+                  <a:gd name="connsiteY2" fmla="*/ 5756222 h 5756222"/>
+                  <a:gd name="connsiteX0" fmla="*/ 14990 w 1934017"/>
+                  <a:gd name="connsiteY0" fmla="*/ 0 h 5756222"/>
+                  <a:gd name="connsiteX1" fmla="*/ 1933731 w 1934017"/>
+                  <a:gd name="connsiteY1" fmla="*/ 2893101 h 5756222"/>
+                  <a:gd name="connsiteX2" fmla="*/ 0 w 1934017"/>
+                  <a:gd name="connsiteY2" fmla="*/ 5756222 h 5756222"/>
+                  <a:gd name="connsiteX0" fmla="*/ 14990 w 1933962"/>
+                  <a:gd name="connsiteY0" fmla="*/ 0 h 5756222"/>
+                  <a:gd name="connsiteX1" fmla="*/ 1933731 w 1933962"/>
+                  <a:gd name="connsiteY1" fmla="*/ 2893101 h 5756222"/>
+                  <a:gd name="connsiteX2" fmla="*/ 0 w 1933962"/>
+                  <a:gd name="connsiteY2" fmla="*/ 5756222 h 5756222"/>
+                  <a:gd name="connsiteX0" fmla="*/ 14990 w 1938586"/>
+                  <a:gd name="connsiteY0" fmla="*/ 0 h 5756222"/>
+                  <a:gd name="connsiteX1" fmla="*/ 1933731 w 1938586"/>
+                  <a:gd name="connsiteY1" fmla="*/ 2893101 h 5756222"/>
+                  <a:gd name="connsiteX2" fmla="*/ 0 w 1938586"/>
+                  <a:gd name="connsiteY2" fmla="*/ 5756222 h 5756222"/>
+                  <a:gd name="connsiteX0" fmla="*/ 1933731 w 1938586"/>
+                  <a:gd name="connsiteY0" fmla="*/ 0 h 2863121"/>
+                  <a:gd name="connsiteX1" fmla="*/ 0 w 1938586"/>
+                  <a:gd name="connsiteY1" fmla="*/ 2863121 h 2863121"/>
+                </a:gdLst>
+                <a:ahLst/>
+                <a:cxnLst>
+                  <a:cxn ang="0">
+                    <a:pos x="connsiteX0" y="connsiteY0"/>
+                  </a:cxn>
+                  <a:cxn ang="0">
+                    <a:pos x="connsiteX1" y="connsiteY1"/>
+                  </a:cxn>
+                </a:cxnLst>
+                <a:rect l="l" t="t" r="r" b="b"/>
+                <a:pathLst>
+                  <a:path w="1938586" h="2863121">
+                    <a:moveTo>
+                      <a:pt x="1933731" y="0"/>
+                    </a:moveTo>
+                    <a:cubicBezTo>
+                      <a:pt x="2051154" y="1064301"/>
+                      <a:pt x="0" y="2863121"/>
+                      <a:pt x="0" y="2863121"/>
+                    </a:cubicBezTo>
+                  </a:path>
+                </a:pathLst>
+              </a:custGeom>
+              <a:noFill/>
+              <a:ln w="57150">
+                <a:solidFill>
+                  <a:schemeClr val="tx1"/>
+                </a:solidFill>
+              </a:ln>
+            </p:spPr>
+            <p:style>
+              <a:lnRef idx="2">
+                <a:schemeClr val="accent1">
+                  <a:shade val="50000"/>
+                </a:schemeClr>
+              </a:lnRef>
+              <a:fillRef idx="1">
+                <a:schemeClr val="accent1"/>
+              </a:fillRef>
+              <a:effectRef idx="0">
+                <a:schemeClr val="accent1"/>
+              </a:effectRef>
+              <a:fontRef idx="minor">
+                <a:schemeClr val="lt1"/>
+              </a:fontRef>
+            </p:style>
+            <p:txBody>
+              <a:bodyPr rtlCol="0" anchor="ctr"/>
+              <a:lstStyle/>
+              <a:p>
+                <a:pPr algn="ctr"/>
+                <a:endParaRPr lang="en-US"/>
+              </a:p>
+            </p:txBody>
+          </p:sp>
+          <p:sp>
+            <p:nvSpPr>
+              <p:cNvPr id="31" name="Freeform 30"/>
+              <p:cNvSpPr/>
+              <p:nvPr/>
+            </p:nvSpPr>
+            <p:spPr>
+              <a:xfrm flipV="1">
+                <a:off x="9009597" y="917792"/>
+                <a:ext cx="1938586" cy="2863121"/>
+              </a:xfrm>
+              <a:custGeom>
+                <a:avLst/>
+                <a:gdLst>
+                  <a:gd name="connsiteX0" fmla="*/ 14990 w 1933735"/>
+                  <a:gd name="connsiteY0" fmla="*/ 0 h 5756222"/>
+                  <a:gd name="connsiteX1" fmla="*/ 1933731 w 1933735"/>
+                  <a:gd name="connsiteY1" fmla="*/ 2893101 h 5756222"/>
+                  <a:gd name="connsiteX2" fmla="*/ 0 w 1933735"/>
+                  <a:gd name="connsiteY2" fmla="*/ 5756222 h 5756222"/>
+                  <a:gd name="connsiteX0" fmla="*/ 14990 w 1946040"/>
+                  <a:gd name="connsiteY0" fmla="*/ 0 h 5756222"/>
+                  <a:gd name="connsiteX1" fmla="*/ 1933731 w 1946040"/>
+                  <a:gd name="connsiteY1" fmla="*/ 2893101 h 5756222"/>
+                  <a:gd name="connsiteX2" fmla="*/ 0 w 1946040"/>
+                  <a:gd name="connsiteY2" fmla="*/ 5756222 h 5756222"/>
+                  <a:gd name="connsiteX0" fmla="*/ 14990 w 1934017"/>
+                  <a:gd name="connsiteY0" fmla="*/ 0 h 5756222"/>
+                  <a:gd name="connsiteX1" fmla="*/ 1933731 w 1934017"/>
+                  <a:gd name="connsiteY1" fmla="*/ 2893101 h 5756222"/>
+                  <a:gd name="connsiteX2" fmla="*/ 0 w 1934017"/>
+                  <a:gd name="connsiteY2" fmla="*/ 5756222 h 5756222"/>
+                  <a:gd name="connsiteX0" fmla="*/ 14990 w 1933962"/>
+                  <a:gd name="connsiteY0" fmla="*/ 0 h 5756222"/>
+                  <a:gd name="connsiteX1" fmla="*/ 1933731 w 1933962"/>
+                  <a:gd name="connsiteY1" fmla="*/ 2893101 h 5756222"/>
+                  <a:gd name="connsiteX2" fmla="*/ 0 w 1933962"/>
+                  <a:gd name="connsiteY2" fmla="*/ 5756222 h 5756222"/>
+                  <a:gd name="connsiteX0" fmla="*/ 14990 w 1938586"/>
+                  <a:gd name="connsiteY0" fmla="*/ 0 h 5756222"/>
+                  <a:gd name="connsiteX1" fmla="*/ 1933731 w 1938586"/>
+                  <a:gd name="connsiteY1" fmla="*/ 2893101 h 5756222"/>
+                  <a:gd name="connsiteX2" fmla="*/ 0 w 1938586"/>
+                  <a:gd name="connsiteY2" fmla="*/ 5756222 h 5756222"/>
+                  <a:gd name="connsiteX0" fmla="*/ 1933731 w 1938586"/>
+                  <a:gd name="connsiteY0" fmla="*/ 0 h 2863121"/>
+                  <a:gd name="connsiteX1" fmla="*/ 0 w 1938586"/>
+                  <a:gd name="connsiteY1" fmla="*/ 2863121 h 2863121"/>
+                </a:gdLst>
+                <a:ahLst/>
+                <a:cxnLst>
+                  <a:cxn ang="0">
+                    <a:pos x="connsiteX0" y="connsiteY0"/>
+                  </a:cxn>
+                  <a:cxn ang="0">
+                    <a:pos x="connsiteX1" y="connsiteY1"/>
+                  </a:cxn>
+                </a:cxnLst>
+                <a:rect l="l" t="t" r="r" b="b"/>
+                <a:pathLst>
+                  <a:path w="1938586" h="2863121">
+                    <a:moveTo>
+                      <a:pt x="1933731" y="0"/>
+                    </a:moveTo>
+                    <a:cubicBezTo>
+                      <a:pt x="2051154" y="1064301"/>
+                      <a:pt x="0" y="2863121"/>
+                      <a:pt x="0" y="2863121"/>
+                    </a:cubicBezTo>
+                  </a:path>
+                </a:pathLst>
+              </a:custGeom>
+              <a:noFill/>
+              <a:ln w="57150">
+                <a:solidFill>
+                  <a:schemeClr val="tx1"/>
+                </a:solidFill>
+              </a:ln>
+            </p:spPr>
+            <p:style>
+              <a:lnRef idx="2">
+                <a:schemeClr val="accent1">
+                  <a:shade val="50000"/>
+                </a:schemeClr>
+              </a:lnRef>
+              <a:fillRef idx="1">
+                <a:schemeClr val="accent1"/>
+              </a:fillRef>
+              <a:effectRef idx="0">
+                <a:schemeClr val="accent1"/>
+              </a:effectRef>
+              <a:fontRef idx="minor">
+                <a:schemeClr val="lt1"/>
+              </a:fontRef>
+            </p:style>
+            <p:txBody>
+              <a:bodyPr rtlCol="0" anchor="ctr"/>
+              <a:lstStyle/>
+              <a:p>
+                <a:pPr algn="ctr"/>
+                <a:endParaRPr lang="en-US"/>
+              </a:p>
+            </p:txBody>
+          </p:sp>
+        </p:grpSp>
       </p:grpSp>
     </p:spTree>
     <p:extLst>
       <p:ext uri="{BB962C8B-B14F-4D97-AF65-F5344CB8AC3E}">
-        <p14:creationId xmlns:p14="http://schemas.microsoft.com/office/powerpoint/2010/main" val="2490243969"/>
+        <p14:creationId xmlns:p14="http://schemas.microsoft.com/office/powerpoint/2010/main" val="2131769853"/>
       </p:ext>
     </p:extLst>
   </p:cSld>
@@ -17750,8 +17577,8 @@
                     </a:fontRef>
                   </p:style>
                 </p:cxnSp>
-                <mc:AlternateContent xmlns:mc="http://schemas.openxmlformats.org/markup-compatibility/2006">
-                  <mc:Choice xmlns:a14="http://schemas.microsoft.com/office/drawing/2010/main" Requires="a14">
+                <mc:AlternateContent xmlns:mc="http://schemas.openxmlformats.org/markup-compatibility/2006" xmlns:a14="http://schemas.microsoft.com/office/drawing/2010/main">
+                  <mc:Choice Requires="a14">
                     <p:sp>
                       <p:nvSpPr>
                         <p:cNvPr id="249" name="TextBox 248"/>
@@ -17812,7 +17639,7 @@
                       </p:txBody>
                     </p:sp>
                   </mc:Choice>
-                  <mc:Fallback>
+                  <mc:Fallback xmlns="">
                     <p:sp>
                       <p:nvSpPr>
                         <p:cNvPr id="249" name="TextBox 248"/>
@@ -17902,8 +17729,8 @@
             </p:sp>
           </p:grpSp>
         </p:grpSp>
-        <mc:AlternateContent xmlns:mc="http://schemas.openxmlformats.org/markup-compatibility/2006">
-          <mc:Choice xmlns:a14="http://schemas.microsoft.com/office/drawing/2010/main" Requires="a14">
+        <mc:AlternateContent xmlns:mc="http://schemas.openxmlformats.org/markup-compatibility/2006" xmlns:a14="http://schemas.microsoft.com/office/drawing/2010/main">
+          <mc:Choice Requires="a14">
             <p:sp>
               <p:nvSpPr>
                 <p:cNvPr id="263" name="TextBox 262"/>
@@ -17985,7 +17812,7 @@
               </p:txBody>
             </p:sp>
           </mc:Choice>
-          <mc:Fallback>
+          <mc:Fallback xmlns="">
             <p:sp>
               <p:nvSpPr>
                 <p:cNvPr id="263" name="TextBox 262"/>
@@ -18601,8 +18428,8 @@
                     </a:p>
                   </p:txBody>
                 </p:sp>
-                <mc:AlternateContent xmlns:mc="http://schemas.openxmlformats.org/markup-compatibility/2006">
-                  <mc:Choice xmlns:a14="http://schemas.microsoft.com/office/drawing/2010/main" Requires="a14">
+                <mc:AlternateContent xmlns:mc="http://schemas.openxmlformats.org/markup-compatibility/2006" xmlns:a14="http://schemas.microsoft.com/office/drawing/2010/main">
+                  <mc:Choice Requires="a14">
                     <p:sp>
                       <p:nvSpPr>
                         <p:cNvPr id="304" name="TextBox 303"/>
@@ -18651,7 +18478,7 @@
                       </p:txBody>
                     </p:sp>
                   </mc:Choice>
-                  <mc:Fallback>
+                  <mc:Fallback xmlns="">
                     <p:sp>
                       <p:nvSpPr>
                         <p:cNvPr id="304" name="TextBox 303"/>
@@ -18741,8 +18568,8 @@
             </p:sp>
           </p:grpSp>
         </p:grpSp>
-        <mc:AlternateContent xmlns:mc="http://schemas.openxmlformats.org/markup-compatibility/2006">
-          <mc:Choice xmlns:a14="http://schemas.microsoft.com/office/drawing/2010/main" Requires="a14">
+        <mc:AlternateContent xmlns:mc="http://schemas.openxmlformats.org/markup-compatibility/2006" xmlns:a14="http://schemas.microsoft.com/office/drawing/2010/main">
+          <mc:Choice Requires="a14">
             <p:sp>
               <p:nvSpPr>
                 <p:cNvPr id="322" name="TextBox 321"/>
@@ -18824,7 +18651,7 @@
               </p:txBody>
             </p:sp>
           </mc:Choice>
-          <mc:Fallback>
+          <mc:Fallback xmlns="">
             <p:sp>
               <p:nvSpPr>
                 <p:cNvPr id="322" name="TextBox 321"/>
@@ -18935,8 +18762,8 @@
             </a:fontRef>
           </p:style>
         </p:cxnSp>
-        <mc:AlternateContent xmlns:mc="http://schemas.openxmlformats.org/markup-compatibility/2006">
-          <mc:Choice xmlns:a14="http://schemas.microsoft.com/office/drawing/2010/main" Requires="a14">
+        <mc:AlternateContent xmlns:mc="http://schemas.openxmlformats.org/markup-compatibility/2006" xmlns:a14="http://schemas.microsoft.com/office/drawing/2010/main">
+          <mc:Choice Requires="a14">
             <p:sp>
               <p:nvSpPr>
                 <p:cNvPr id="327" name="TextBox 326"/>
@@ -18997,7 +18824,7 @@
               </p:txBody>
             </p:sp>
           </mc:Choice>
-          <mc:Fallback>
+          <mc:Fallback xmlns="">
             <p:sp>
               <p:nvSpPr>
                 <p:cNvPr id="327" name="TextBox 326"/>
@@ -19051,8 +18878,8 @@
             <a:chExt cx="1602802" cy="1414582"/>
           </a:xfrm>
         </p:grpSpPr>
-        <mc:AlternateContent xmlns:mc="http://schemas.openxmlformats.org/markup-compatibility/2006">
-          <mc:Choice xmlns:a14="http://schemas.microsoft.com/office/drawing/2010/main" Requires="a14">
+        <mc:AlternateContent xmlns:mc="http://schemas.openxmlformats.org/markup-compatibility/2006" xmlns:a14="http://schemas.microsoft.com/office/drawing/2010/main">
+          <mc:Choice Requires="a14">
             <p:sp>
               <p:nvSpPr>
                 <p:cNvPr id="329" name="TextBox 328"/>
@@ -19134,7 +18961,7 @@
               </p:txBody>
             </p:sp>
           </mc:Choice>
-          <mc:Fallback>
+          <mc:Fallback xmlns="">
             <p:sp>
               <p:nvSpPr>
                 <p:cNvPr id="329" name="TextBox 328"/>
@@ -19245,8 +19072,8 @@
             </a:fontRef>
           </p:style>
         </p:cxnSp>
-        <mc:AlternateContent xmlns:mc="http://schemas.openxmlformats.org/markup-compatibility/2006">
-          <mc:Choice xmlns:a14="http://schemas.microsoft.com/office/drawing/2010/main" Requires="a14">
+        <mc:AlternateContent xmlns:mc="http://schemas.openxmlformats.org/markup-compatibility/2006" xmlns:a14="http://schemas.microsoft.com/office/drawing/2010/main">
+          <mc:Choice Requires="a14">
             <p:sp>
               <p:nvSpPr>
                 <p:cNvPr id="332" name="TextBox 331"/>
@@ -19307,7 +19134,7 @@
               </p:txBody>
             </p:sp>
           </mc:Choice>
-          <mc:Fallback>
+          <mc:Fallback xmlns="">
             <p:sp>
               <p:nvSpPr>
                 <p:cNvPr id="332" name="TextBox 331"/>
@@ -19423,8 +19250,8 @@
               <a:chExt cx="1440698" cy="868412"/>
             </a:xfrm>
           </p:grpSpPr>
-          <mc:AlternateContent xmlns:mc="http://schemas.openxmlformats.org/markup-compatibility/2006">
-            <mc:Choice xmlns:a14="http://schemas.microsoft.com/office/drawing/2010/main" Requires="a14">
+          <mc:AlternateContent xmlns:mc="http://schemas.openxmlformats.org/markup-compatibility/2006" xmlns:a14="http://schemas.microsoft.com/office/drawing/2010/main">
+            <mc:Choice Requires="a14">
               <p:sp>
                 <p:nvSpPr>
                   <p:cNvPr id="354" name="TextBox 353"/>
@@ -19506,7 +19333,7 @@
                 </p:txBody>
               </p:sp>
             </mc:Choice>
-            <mc:Fallback>
+            <mc:Fallback xmlns="">
               <p:sp>
                 <p:nvSpPr>
                   <p:cNvPr id="354" name="TextBox 353"/>
@@ -19617,8 +19444,8 @@
               </a:fontRef>
             </p:style>
           </p:cxnSp>
-          <mc:AlternateContent xmlns:mc="http://schemas.openxmlformats.org/markup-compatibility/2006">
-            <mc:Choice xmlns:a14="http://schemas.microsoft.com/office/drawing/2010/main" Requires="a14">
+          <mc:AlternateContent xmlns:mc="http://schemas.openxmlformats.org/markup-compatibility/2006" xmlns:a14="http://schemas.microsoft.com/office/drawing/2010/main">
+            <mc:Choice Requires="a14">
               <p:sp>
                 <p:nvSpPr>
                   <p:cNvPr id="357" name="TextBox 356"/>
@@ -19679,7 +19506,7 @@
                 </p:txBody>
               </p:sp>
             </mc:Choice>
-            <mc:Fallback>
+            <mc:Fallback xmlns="">
               <p:sp>
                 <p:nvSpPr>
                   <p:cNvPr id="357" name="TextBox 356"/>
@@ -19755,8 +19582,8 @@
             </a:fontRef>
           </p:style>
         </p:cxnSp>
-        <mc:AlternateContent xmlns:mc="http://schemas.openxmlformats.org/markup-compatibility/2006">
-          <mc:Choice xmlns:a14="http://schemas.microsoft.com/office/drawing/2010/main" Requires="a14">
+        <mc:AlternateContent xmlns:mc="http://schemas.openxmlformats.org/markup-compatibility/2006" xmlns:a14="http://schemas.microsoft.com/office/drawing/2010/main">
+          <mc:Choice Requires="a14">
             <p:sp>
               <p:nvSpPr>
                 <p:cNvPr id="363" name="TextBox 362"/>
@@ -19838,7 +19665,7 @@
               </p:txBody>
             </p:sp>
           </mc:Choice>
-          <mc:Fallback>
+          <mc:Fallback xmlns="">
             <p:sp>
               <p:nvSpPr>
                 <p:cNvPr id="363" name="TextBox 362"/>
@@ -21925,8 +21752,8 @@
             </a:p>
           </p:txBody>
         </p:sp>
-        <mc:AlternateContent xmlns:mc="http://schemas.openxmlformats.org/markup-compatibility/2006">
-          <mc:Choice xmlns:a14="http://schemas.microsoft.com/office/drawing/2010/main" Requires="a14">
+        <mc:AlternateContent xmlns:mc="http://schemas.openxmlformats.org/markup-compatibility/2006" xmlns:a14="http://schemas.microsoft.com/office/drawing/2010/main">
+          <mc:Choice Requires="a14">
             <p:sp>
               <p:nvSpPr>
                 <p:cNvPr id="43" name="TextBox 42"/>
@@ -21949,6 +21776,7 @@
                 </a:bodyPr>
                 <a:lstStyle/>
                 <a:p>
+                  <a:pPr/>
                   <a14:m>
                     <m:oMathPara xmlns:m="http://schemas.openxmlformats.org/officeDocument/2006/math">
                       <m:oMathParaPr>
@@ -21969,7 +21797,7 @@
               </p:txBody>
             </p:sp>
           </mc:Choice>
-          <mc:Fallback>
+          <mc:Fallback xmlns="">
             <p:sp>
               <p:nvSpPr>
                 <p:cNvPr id="43" name="TextBox 42"/>
@@ -22008,8 +21836,8 @@
             </p:sp>
           </mc:Fallback>
         </mc:AlternateContent>
-        <mc:AlternateContent xmlns:mc="http://schemas.openxmlformats.org/markup-compatibility/2006">
-          <mc:Choice xmlns:a14="http://schemas.microsoft.com/office/drawing/2010/main" Requires="a14">
+        <mc:AlternateContent xmlns:mc="http://schemas.openxmlformats.org/markup-compatibility/2006" xmlns:a14="http://schemas.microsoft.com/office/drawing/2010/main">
+          <mc:Choice Requires="a14">
             <p:sp>
               <p:nvSpPr>
                 <p:cNvPr id="44" name="TextBox 43"/>
@@ -22032,6 +21860,7 @@
                 </a:bodyPr>
                 <a:lstStyle/>
                 <a:p>
+                  <a:pPr/>
                   <a14:m>
                     <m:oMathPara xmlns:m="http://schemas.openxmlformats.org/officeDocument/2006/math">
                       <m:oMathParaPr>
@@ -22052,7 +21881,7 @@
               </p:txBody>
             </p:sp>
           </mc:Choice>
-          <mc:Fallback>
+          <mc:Fallback xmlns="">
             <p:sp>
               <p:nvSpPr>
                 <p:cNvPr id="44" name="TextBox 43"/>
@@ -22091,8 +21920,8 @@
             </p:sp>
           </mc:Fallback>
         </mc:AlternateContent>
-        <mc:AlternateContent xmlns:mc="http://schemas.openxmlformats.org/markup-compatibility/2006">
-          <mc:Choice xmlns:a14="http://schemas.microsoft.com/office/drawing/2010/main" Requires="a14">
+        <mc:AlternateContent xmlns:mc="http://schemas.openxmlformats.org/markup-compatibility/2006" xmlns:a14="http://schemas.microsoft.com/office/drawing/2010/main">
+          <mc:Choice Requires="a14">
             <p:sp>
               <p:nvSpPr>
                 <p:cNvPr id="45" name="TextBox 44"/>
@@ -22115,6 +21944,7 @@
                 </a:bodyPr>
                 <a:lstStyle/>
                 <a:p>
+                  <a:pPr/>
                   <a14:m>
                     <m:oMathPara xmlns:m="http://schemas.openxmlformats.org/officeDocument/2006/math">
                       <m:oMathParaPr>
@@ -22135,7 +21965,7 @@
               </p:txBody>
             </p:sp>
           </mc:Choice>
-          <mc:Fallback>
+          <mc:Fallback xmlns="">
             <p:sp>
               <p:nvSpPr>
                 <p:cNvPr id="45" name="TextBox 44"/>

--- a/tex/figures/Gravity/Figures.pptx
+++ b/tex/figures/Gravity/Figures.pptx
@@ -251,7 +251,7 @@
           <a:p>
             <a:fld id="{F7249F8D-641B-4CAF-BAE5-10524742F6F1}" type="datetimeFigureOut">
               <a:rPr lang="en-CA" smtClean="0"/>
-              <a:t>2018-07-03</a:t>
+              <a:t>2018-07-18</a:t>
             </a:fld>
             <a:endParaRPr lang="en-CA"/>
           </a:p>
@@ -421,7 +421,7 @@
           <a:p>
             <a:fld id="{F7249F8D-641B-4CAF-BAE5-10524742F6F1}" type="datetimeFigureOut">
               <a:rPr lang="en-CA" smtClean="0"/>
-              <a:t>2018-07-03</a:t>
+              <a:t>2018-07-18</a:t>
             </a:fld>
             <a:endParaRPr lang="en-CA"/>
           </a:p>
@@ -601,7 +601,7 @@
           <a:p>
             <a:fld id="{F7249F8D-641B-4CAF-BAE5-10524742F6F1}" type="datetimeFigureOut">
               <a:rPr lang="en-CA" smtClean="0"/>
-              <a:t>2018-07-03</a:t>
+              <a:t>2018-07-18</a:t>
             </a:fld>
             <a:endParaRPr lang="en-CA"/>
           </a:p>
@@ -771,7 +771,7 @@
           <a:p>
             <a:fld id="{F7249F8D-641B-4CAF-BAE5-10524742F6F1}" type="datetimeFigureOut">
               <a:rPr lang="en-CA" smtClean="0"/>
-              <a:t>2018-07-03</a:t>
+              <a:t>2018-07-18</a:t>
             </a:fld>
             <a:endParaRPr lang="en-CA"/>
           </a:p>
@@ -1017,7 +1017,7 @@
           <a:p>
             <a:fld id="{F7249F8D-641B-4CAF-BAE5-10524742F6F1}" type="datetimeFigureOut">
               <a:rPr lang="en-CA" smtClean="0"/>
-              <a:t>2018-07-03</a:t>
+              <a:t>2018-07-18</a:t>
             </a:fld>
             <a:endParaRPr lang="en-CA"/>
           </a:p>
@@ -1249,7 +1249,7 @@
           <a:p>
             <a:fld id="{F7249F8D-641B-4CAF-BAE5-10524742F6F1}" type="datetimeFigureOut">
               <a:rPr lang="en-CA" smtClean="0"/>
-              <a:t>2018-07-03</a:t>
+              <a:t>2018-07-18</a:t>
             </a:fld>
             <a:endParaRPr lang="en-CA"/>
           </a:p>
@@ -1616,7 +1616,7 @@
           <a:p>
             <a:fld id="{F7249F8D-641B-4CAF-BAE5-10524742F6F1}" type="datetimeFigureOut">
               <a:rPr lang="en-CA" smtClean="0"/>
-              <a:t>2018-07-03</a:t>
+              <a:t>2018-07-18</a:t>
             </a:fld>
             <a:endParaRPr lang="en-CA"/>
           </a:p>
@@ -1734,7 +1734,7 @@
           <a:p>
             <a:fld id="{F7249F8D-641B-4CAF-BAE5-10524742F6F1}" type="datetimeFigureOut">
               <a:rPr lang="en-CA" smtClean="0"/>
-              <a:t>2018-07-03</a:t>
+              <a:t>2018-07-18</a:t>
             </a:fld>
             <a:endParaRPr lang="en-CA"/>
           </a:p>
@@ -1829,7 +1829,7 @@
           <a:p>
             <a:fld id="{F7249F8D-641B-4CAF-BAE5-10524742F6F1}" type="datetimeFigureOut">
               <a:rPr lang="en-CA" smtClean="0"/>
-              <a:t>2018-07-03</a:t>
+              <a:t>2018-07-18</a:t>
             </a:fld>
             <a:endParaRPr lang="en-CA"/>
           </a:p>
@@ -2106,7 +2106,7 @@
           <a:p>
             <a:fld id="{F7249F8D-641B-4CAF-BAE5-10524742F6F1}" type="datetimeFigureOut">
               <a:rPr lang="en-CA" smtClean="0"/>
-              <a:t>2018-07-03</a:t>
+              <a:t>2018-07-18</a:t>
             </a:fld>
             <a:endParaRPr lang="en-CA"/>
           </a:p>
@@ -2359,7 +2359,7 @@
           <a:p>
             <a:fld id="{F7249F8D-641B-4CAF-BAE5-10524742F6F1}" type="datetimeFigureOut">
               <a:rPr lang="en-CA" smtClean="0"/>
-              <a:t>2018-07-03</a:t>
+              <a:t>2018-07-18</a:t>
             </a:fld>
             <a:endParaRPr lang="en-CA"/>
           </a:p>
@@ -2572,7 +2572,7 @@
           <a:p>
             <a:fld id="{F7249F8D-641B-4CAF-BAE5-10524742F6F1}" type="datetimeFigureOut">
               <a:rPr lang="en-CA" smtClean="0"/>
-              <a:t>2018-07-03</a:t>
+              <a:t>2018-07-18</a:t>
             </a:fld>
             <a:endParaRPr lang="en-CA"/>
           </a:p>
@@ -12869,8 +12869,8 @@
             </p:txBody>
           </p:sp>
         </p:grpSp>
-        <mc:AlternateContent xmlns:mc="http://schemas.openxmlformats.org/markup-compatibility/2006">
-          <mc:Choice xmlns:a14="http://schemas.microsoft.com/office/drawing/2010/main" Requires="a14">
+        <mc:AlternateContent xmlns:mc="http://schemas.openxmlformats.org/markup-compatibility/2006" xmlns:a14="http://schemas.microsoft.com/office/drawing/2010/main">
+          <mc:Choice Requires="a14">
             <p:sp>
               <p:nvSpPr>
                 <p:cNvPr id="70" name="TextBox 69"/>
@@ -12932,7 +12932,7 @@
               </p:txBody>
             </p:sp>
           </mc:Choice>
-          <mc:Fallback>
+          <mc:Fallback xmlns="">
             <p:sp>
               <p:nvSpPr>
                 <p:cNvPr id="70" name="TextBox 69"/>
@@ -13928,8 +13928,8 @@
                 </a:fontRef>
               </p:style>
             </p:cxnSp>
-            <mc:AlternateContent xmlns:mc="http://schemas.openxmlformats.org/markup-compatibility/2006">
-              <mc:Choice xmlns:a14="http://schemas.microsoft.com/office/drawing/2010/main" Requires="a14">
+            <mc:AlternateContent xmlns:mc="http://schemas.openxmlformats.org/markup-compatibility/2006" xmlns:a14="http://schemas.microsoft.com/office/drawing/2010/main">
+              <mc:Choice Requires="a14">
                 <p:sp>
                   <p:nvSpPr>
                     <p:cNvPr id="80" name="TextBox 79"/>
@@ -13977,7 +13977,7 @@
                   </p:txBody>
                 </p:sp>
               </mc:Choice>
-              <mc:Fallback>
+              <mc:Fallback xmlns="">
                 <p:sp>
                   <p:nvSpPr>
                     <p:cNvPr id="80" name="TextBox 79"/>
@@ -14016,8 +14016,8 @@
                 </p:sp>
               </mc:Fallback>
             </mc:AlternateContent>
-            <mc:AlternateContent xmlns:mc="http://schemas.openxmlformats.org/markup-compatibility/2006">
-              <mc:Choice xmlns:a14="http://schemas.microsoft.com/office/drawing/2010/main" Requires="a14">
+            <mc:AlternateContent xmlns:mc="http://schemas.openxmlformats.org/markup-compatibility/2006" xmlns:a14="http://schemas.microsoft.com/office/drawing/2010/main">
+              <mc:Choice Requires="a14">
                 <p:sp>
                   <p:nvSpPr>
                     <p:cNvPr id="102" name="TextBox 101"/>
@@ -14065,7 +14065,7 @@
                   </p:txBody>
                 </p:sp>
               </mc:Choice>
-              <mc:Fallback>
+              <mc:Fallback xmlns="">
                 <p:sp>
                   <p:nvSpPr>
                     <p:cNvPr id="102" name="TextBox 101"/>
@@ -14105,8 +14105,8 @@
               </mc:Fallback>
             </mc:AlternateContent>
           </p:grpSp>
-          <mc:AlternateContent xmlns:mc="http://schemas.openxmlformats.org/markup-compatibility/2006">
-            <mc:Choice xmlns:a14="http://schemas.microsoft.com/office/drawing/2010/main" Requires="a14">
+          <mc:AlternateContent xmlns:mc="http://schemas.openxmlformats.org/markup-compatibility/2006" xmlns:a14="http://schemas.microsoft.com/office/drawing/2010/main">
+            <mc:Choice Requires="a14">
               <p:sp>
                 <p:nvSpPr>
                   <p:cNvPr id="55" name="TextBox 54"/>
@@ -14154,7 +14154,7 @@
                 </p:txBody>
               </p:sp>
             </mc:Choice>
-            <mc:Fallback>
+            <mc:Fallback xmlns="">
               <p:sp>
                 <p:nvSpPr>
                   <p:cNvPr id="55" name="TextBox 54"/>
@@ -14280,8 +14280,8 @@
             </a:fontRef>
           </p:style>
         </p:cxnSp>
-        <mc:AlternateContent xmlns:mc="http://schemas.openxmlformats.org/markup-compatibility/2006">
-          <mc:Choice xmlns:a14="http://schemas.microsoft.com/office/drawing/2010/main" Requires="a14">
+        <mc:AlternateContent xmlns:mc="http://schemas.openxmlformats.org/markup-compatibility/2006" xmlns:a14="http://schemas.microsoft.com/office/drawing/2010/main">
+          <mc:Choice Requires="a14">
             <p:sp>
               <p:nvSpPr>
                 <p:cNvPr id="109" name="TextBox 108"/>
@@ -14329,7 +14329,7 @@
               </p:txBody>
             </p:sp>
           </mc:Choice>
-          <mc:Fallback>
+          <mc:Fallback xmlns="">
             <p:sp>
               <p:nvSpPr>
                 <p:cNvPr id="109" name="TextBox 108"/>
@@ -14601,8 +14601,8 @@
           </a:fontRef>
         </p:style>
       </p:cxnSp>
-      <mc:AlternateContent xmlns:mc="http://schemas.openxmlformats.org/markup-compatibility/2006">
-        <mc:Choice xmlns:a14="http://schemas.microsoft.com/office/drawing/2010/main" Requires="a14">
+      <mc:AlternateContent xmlns:mc="http://schemas.openxmlformats.org/markup-compatibility/2006" xmlns:a14="http://schemas.microsoft.com/office/drawing/2010/main">
+        <mc:Choice Requires="a14">
           <p:sp>
             <p:nvSpPr>
               <p:cNvPr id="35" name="TextBox 34"/>
@@ -14650,7 +14650,7 @@
             </p:txBody>
           </p:sp>
         </mc:Choice>
-        <mc:Fallback>
+        <mc:Fallback xmlns="">
           <p:sp>
             <p:nvSpPr>
               <p:cNvPr id="35" name="TextBox 34"/>
@@ -14689,8 +14689,8 @@
           </p:sp>
         </mc:Fallback>
       </mc:AlternateContent>
-      <mc:AlternateContent xmlns:mc="http://schemas.openxmlformats.org/markup-compatibility/2006">
-        <mc:Choice xmlns:a14="http://schemas.microsoft.com/office/drawing/2010/main" Requires="a14">
+      <mc:AlternateContent xmlns:mc="http://schemas.openxmlformats.org/markup-compatibility/2006" xmlns:a14="http://schemas.microsoft.com/office/drawing/2010/main">
+        <mc:Choice Requires="a14">
           <p:sp>
             <p:nvSpPr>
               <p:cNvPr id="38" name="TextBox 37"/>
@@ -14785,7 +14785,7 @@
             </p:txBody>
           </p:sp>
         </mc:Choice>
-        <mc:Fallback>
+        <mc:Fallback xmlns="">
           <p:sp>
             <p:nvSpPr>
               <p:cNvPr id="38" name="TextBox 37"/>
@@ -15115,8 +15115,8 @@
           </a:fontRef>
         </p:style>
       </p:cxnSp>
-      <mc:AlternateContent xmlns:mc="http://schemas.openxmlformats.org/markup-compatibility/2006">
-        <mc:Choice xmlns:a14="http://schemas.microsoft.com/office/drawing/2010/main" Requires="a14">
+      <mc:AlternateContent xmlns:mc="http://schemas.openxmlformats.org/markup-compatibility/2006" xmlns:a14="http://schemas.microsoft.com/office/drawing/2010/main">
+        <mc:Choice Requires="a14">
           <p:sp>
             <p:nvSpPr>
               <p:cNvPr id="51" name="TextBox 50"/>
@@ -15196,7 +15196,7 @@
             </p:txBody>
           </p:sp>
         </mc:Choice>
-        <mc:Fallback>
+        <mc:Fallback xmlns="">
           <p:sp>
             <p:nvSpPr>
               <p:cNvPr id="51" name="TextBox 50"/>
@@ -15235,8 +15235,8 @@
           </p:sp>
         </mc:Fallback>
       </mc:AlternateContent>
-      <mc:AlternateContent xmlns:mc="http://schemas.openxmlformats.org/markup-compatibility/2006">
-        <mc:Choice xmlns:a14="http://schemas.microsoft.com/office/drawing/2010/main" Requires="a14">
+      <mc:AlternateContent xmlns:mc="http://schemas.openxmlformats.org/markup-compatibility/2006" xmlns:a14="http://schemas.microsoft.com/office/drawing/2010/main">
+        <mc:Choice Requires="a14">
           <p:sp>
             <p:nvSpPr>
               <p:cNvPr id="57" name="TextBox 56"/>
@@ -15284,7 +15284,7 @@
             </p:txBody>
           </p:sp>
         </mc:Choice>
-        <mc:Fallback>
+        <mc:Fallback xmlns="">
           <p:sp>
             <p:nvSpPr>
               <p:cNvPr id="57" name="TextBox 56"/>
@@ -15323,8 +15323,8 @@
           </p:sp>
         </mc:Fallback>
       </mc:AlternateContent>
-      <mc:AlternateContent xmlns:mc="http://schemas.openxmlformats.org/markup-compatibility/2006">
-        <mc:Choice xmlns:a14="http://schemas.microsoft.com/office/drawing/2010/main" Requires="a14">
+      <mc:AlternateContent xmlns:mc="http://schemas.openxmlformats.org/markup-compatibility/2006" xmlns:a14="http://schemas.microsoft.com/office/drawing/2010/main">
+        <mc:Choice Requires="a14">
           <p:sp>
             <p:nvSpPr>
               <p:cNvPr id="59" name="TextBox 58"/>
@@ -15372,7 +15372,7 @@
             </p:txBody>
           </p:sp>
         </mc:Choice>
-        <mc:Fallback>
+        <mc:Fallback xmlns="">
           <p:sp>
             <p:nvSpPr>
               <p:cNvPr id="59" name="TextBox 58"/>
@@ -15606,8 +15606,8 @@
                 </a:fontRef>
               </p:style>
             </p:cxnSp>
-            <mc:AlternateContent xmlns:mc="http://schemas.openxmlformats.org/markup-compatibility/2006">
-              <mc:Choice xmlns:a14="http://schemas.microsoft.com/office/drawing/2010/main" Requires="a14">
+            <mc:AlternateContent xmlns:mc="http://schemas.openxmlformats.org/markup-compatibility/2006" xmlns:a14="http://schemas.microsoft.com/office/drawing/2010/main">
+              <mc:Choice Requires="a14">
                 <p:sp>
                   <p:nvSpPr>
                     <p:cNvPr id="119" name="TextBox 118"/>
@@ -15655,7 +15655,7 @@
                   </p:txBody>
                 </p:sp>
               </mc:Choice>
-              <mc:Fallback>
+              <mc:Fallback xmlns="">
                 <p:sp>
                   <p:nvSpPr>
                     <p:cNvPr id="119" name="TextBox 118"/>
@@ -15694,8 +15694,8 @@
                 </p:sp>
               </mc:Fallback>
             </mc:AlternateContent>
-            <mc:AlternateContent xmlns:mc="http://schemas.openxmlformats.org/markup-compatibility/2006">
-              <mc:Choice xmlns:a14="http://schemas.microsoft.com/office/drawing/2010/main" Requires="a14">
+            <mc:AlternateContent xmlns:mc="http://schemas.openxmlformats.org/markup-compatibility/2006" xmlns:a14="http://schemas.microsoft.com/office/drawing/2010/main">
+              <mc:Choice Requires="a14">
                 <p:sp>
                   <p:nvSpPr>
                     <p:cNvPr id="120" name="TextBox 119"/>
@@ -15743,7 +15743,7 @@
                   </p:txBody>
                 </p:sp>
               </mc:Choice>
-              <mc:Fallback>
+              <mc:Fallback xmlns="">
                 <p:sp>
                   <p:nvSpPr>
                     <p:cNvPr id="120" name="TextBox 119"/>
@@ -15830,8 +15830,8 @@
               </p:txBody>
             </p:sp>
           </p:grpSp>
-          <mc:AlternateContent xmlns:mc="http://schemas.openxmlformats.org/markup-compatibility/2006">
-            <mc:Choice xmlns:a14="http://schemas.microsoft.com/office/drawing/2010/main" Requires="a14">
+          <mc:AlternateContent xmlns:mc="http://schemas.openxmlformats.org/markup-compatibility/2006" xmlns:a14="http://schemas.microsoft.com/office/drawing/2010/main">
+            <mc:Choice Requires="a14">
               <p:sp>
                 <p:nvSpPr>
                   <p:cNvPr id="115" name="TextBox 114"/>
@@ -15879,7 +15879,7 @@
                 </p:txBody>
               </p:sp>
             </mc:Choice>
-            <mc:Fallback>
+            <mc:Fallback xmlns="">
               <p:sp>
                 <p:nvSpPr>
                   <p:cNvPr id="115" name="TextBox 114"/>
@@ -16005,8 +16005,8 @@
             </a:fontRef>
           </p:style>
         </p:cxnSp>
-        <mc:AlternateContent xmlns:mc="http://schemas.openxmlformats.org/markup-compatibility/2006">
-          <mc:Choice xmlns:a14="http://schemas.microsoft.com/office/drawing/2010/main" Requires="a14">
+        <mc:AlternateContent xmlns:mc="http://schemas.openxmlformats.org/markup-compatibility/2006" xmlns:a14="http://schemas.microsoft.com/office/drawing/2010/main">
+          <mc:Choice Requires="a14">
             <p:sp>
               <p:nvSpPr>
                 <p:cNvPr id="123" name="TextBox 122"/>
@@ -16054,7 +16054,7 @@
               </p:txBody>
             </p:sp>
           </mc:Choice>
-          <mc:Fallback>
+          <mc:Fallback xmlns="">
             <p:sp>
               <p:nvSpPr>
                 <p:cNvPr id="123" name="TextBox 122"/>
@@ -16132,8 +16132,8 @@
           </a:fontRef>
         </p:style>
       </p:cxnSp>
-      <mc:AlternateContent xmlns:mc="http://schemas.openxmlformats.org/markup-compatibility/2006">
-        <mc:Choice xmlns:a14="http://schemas.microsoft.com/office/drawing/2010/main" Requires="a14">
+      <mc:AlternateContent xmlns:mc="http://schemas.openxmlformats.org/markup-compatibility/2006" xmlns:a14="http://schemas.microsoft.com/office/drawing/2010/main">
+        <mc:Choice Requires="a14">
           <p:sp>
             <p:nvSpPr>
               <p:cNvPr id="125" name="TextBox 124"/>
@@ -16181,7 +16181,7 @@
             </p:txBody>
           </p:sp>
         </mc:Choice>
-        <mc:Fallback>
+        <mc:Fallback xmlns="">
           <p:sp>
             <p:nvSpPr>
               <p:cNvPr id="125" name="TextBox 124"/>
@@ -23419,819 +23419,6 @@
       </p:grpSpPr>
       <p:grpSp>
         <p:nvGrpSpPr>
-          <p:cNvPr id="30" name="Group 29"/>
-          <p:cNvGrpSpPr/>
-          <p:nvPr/>
-        </p:nvGrpSpPr>
-        <p:grpSpPr>
-          <a:xfrm>
-            <a:off x="543151" y="766890"/>
-            <a:ext cx="6365865" cy="996734"/>
-            <a:chOff x="648082" y="2538406"/>
-            <a:chExt cx="6365865" cy="996734"/>
-          </a:xfrm>
-        </p:grpSpPr>
-        <p:cxnSp>
-          <p:nvCxnSpPr>
-            <p:cNvPr id="12" name="Straight Arrow Connector 11"/>
-            <p:cNvCxnSpPr/>
-            <p:nvPr/>
-          </p:nvCxnSpPr>
-          <p:spPr>
-            <a:xfrm flipH="1" flipV="1">
-              <a:off x="700256" y="3096093"/>
-              <a:ext cx="5976000" cy="2"/>
-            </a:xfrm>
-            <a:prstGeom prst="straightConnector1">
-              <a:avLst/>
-            </a:prstGeom>
-            <a:ln w="38100">
-              <a:solidFill>
-                <a:schemeClr val="tx1"/>
-              </a:solidFill>
-              <a:tailEnd type="triangle"/>
-            </a:ln>
-          </p:spPr>
-          <p:style>
-            <a:lnRef idx="1">
-              <a:schemeClr val="accent1"/>
-            </a:lnRef>
-            <a:fillRef idx="0">
-              <a:schemeClr val="accent1"/>
-            </a:fillRef>
-            <a:effectRef idx="0">
-              <a:schemeClr val="accent1"/>
-            </a:effectRef>
-            <a:fontRef idx="minor">
-              <a:schemeClr val="tx1"/>
-            </a:fontRef>
-          </p:style>
-        </p:cxnSp>
-        <p:sp>
-          <p:nvSpPr>
-            <p:cNvPr id="5" name="Rectangle 4"/>
-            <p:cNvSpPr/>
-            <p:nvPr/>
-          </p:nvSpPr>
-          <p:spPr>
-            <a:xfrm>
-              <a:off x="1085618" y="2983041"/>
-              <a:ext cx="3351471" cy="194874"/>
-            </a:xfrm>
-            <a:prstGeom prst="rect">
-              <a:avLst/>
-            </a:prstGeom>
-            <a:solidFill>
-              <a:schemeClr val="bg2"/>
-            </a:solidFill>
-            <a:ln w="38100">
-              <a:solidFill>
-                <a:schemeClr val="tx1"/>
-              </a:solidFill>
-            </a:ln>
-          </p:spPr>
-          <p:style>
-            <a:lnRef idx="2">
-              <a:schemeClr val="accent1">
-                <a:shade val="50000"/>
-              </a:schemeClr>
-            </a:lnRef>
-            <a:fillRef idx="1">
-              <a:schemeClr val="accent1"/>
-            </a:fillRef>
-            <a:effectRef idx="0">
-              <a:schemeClr val="accent1"/>
-            </a:effectRef>
-            <a:fontRef idx="minor">
-              <a:schemeClr val="lt1"/>
-            </a:fontRef>
-          </p:style>
-          <p:txBody>
-            <a:bodyPr rtlCol="0" anchor="ctr"/>
-            <a:lstStyle/>
-            <a:p>
-              <a:pPr algn="ctr"/>
-              <a:endParaRPr lang="en-US"/>
-            </a:p>
-          </p:txBody>
-        </p:sp>
-        <p:sp>
-          <p:nvSpPr>
-            <p:cNvPr id="9" name="Oval 8"/>
-            <p:cNvSpPr/>
-            <p:nvPr/>
-          </p:nvSpPr>
-          <p:spPr>
-            <a:xfrm>
-              <a:off x="6625663" y="3042998"/>
-              <a:ext cx="108000" cy="108000"/>
-            </a:xfrm>
-            <a:prstGeom prst="ellipse">
-              <a:avLst/>
-            </a:prstGeom>
-            <a:solidFill>
-              <a:schemeClr val="tx1"/>
-            </a:solidFill>
-            <a:ln w="38100">
-              <a:solidFill>
-                <a:schemeClr val="tx1"/>
-              </a:solidFill>
-            </a:ln>
-          </p:spPr>
-          <p:style>
-            <a:lnRef idx="2">
-              <a:schemeClr val="accent1">
-                <a:shade val="50000"/>
-              </a:schemeClr>
-            </a:lnRef>
-            <a:fillRef idx="1">
-              <a:schemeClr val="accent1"/>
-            </a:fillRef>
-            <a:effectRef idx="0">
-              <a:schemeClr val="accent1"/>
-            </a:effectRef>
-            <a:fontRef idx="minor">
-              <a:schemeClr val="lt1"/>
-            </a:fontRef>
-          </p:style>
-          <p:txBody>
-            <a:bodyPr rtlCol="0" anchor="ctr"/>
-            <a:lstStyle/>
-            <a:p>
-              <a:pPr algn="ctr"/>
-              <a:endParaRPr lang="en-US"/>
-            </a:p>
-          </p:txBody>
-        </p:sp>
-        <mc:AlternateContent xmlns:mc="http://schemas.openxmlformats.org/markup-compatibility/2006">
-          <mc:Choice xmlns:a14="http://schemas.microsoft.com/office/drawing/2010/main" Requires="a14">
-            <p:sp>
-              <p:nvSpPr>
-                <p:cNvPr id="10" name="TextBox 9"/>
-                <p:cNvSpPr txBox="1"/>
-                <p:nvPr/>
-              </p:nvSpPr>
-              <p:spPr>
-                <a:xfrm>
-                  <a:off x="6667327" y="2657654"/>
-                  <a:ext cx="235513" cy="307777"/>
-                </a:xfrm>
-                <a:prstGeom prst="rect">
-                  <a:avLst/>
-                </a:prstGeom>
-                <a:noFill/>
-              </p:spPr>
-              <p:txBody>
-                <a:bodyPr wrap="none" lIns="0" tIns="0" rIns="0" bIns="0" rtlCol="0">
-                  <a:spAutoFit/>
-                </a:bodyPr>
-                <a:lstStyle/>
-                <a:p>
-                  <a14:m>
-                    <m:oMathPara xmlns:m="http://schemas.openxmlformats.org/officeDocument/2006/math">
-                      <m:oMathParaPr>
-                        <m:jc m:val="centerGroup"/>
-                      </m:oMathParaPr>
-                      <m:oMath xmlns:m="http://schemas.openxmlformats.org/officeDocument/2006/math">
-                        <m:r>
-                          <a:rPr lang="en-CA" sz="2000" b="0" i="1" smtClean="0">
-                            <a:latin typeface="Cambria Math" charset="0"/>
-                            <a:cs typeface="Arial" panose="020B0604020202020204" pitchFamily="34" charset="0"/>
-                          </a:rPr>
-                          <m:t>𝑃</m:t>
-                        </m:r>
-                      </m:oMath>
-                    </m:oMathPara>
-                  </a14:m>
-                  <a:endParaRPr lang="en-US" sz="2000" dirty="0" smtClean="0">
-                    <a:latin typeface="Arial" panose="020B0604020202020204" pitchFamily="34" charset="0"/>
-                    <a:cs typeface="Arial" panose="020B0604020202020204" pitchFamily="34" charset="0"/>
-                  </a:endParaRPr>
-                </a:p>
-              </p:txBody>
-            </p:sp>
-          </mc:Choice>
-          <mc:Fallback>
-            <p:sp>
-              <p:nvSpPr>
-                <p:cNvPr id="10" name="TextBox 9"/>
-                <p:cNvSpPr txBox="1">
-                  <a:spLocks noRot="1" noChangeAspect="1" noMove="1" noResize="1" noEditPoints="1" noAdjustHandles="1" noChangeArrowheads="1" noChangeShapeType="1" noTextEdit="1"/>
-                </p:cNvSpPr>
-                <p:nvPr/>
-              </p:nvSpPr>
-              <p:spPr>
-                <a:xfrm>
-                  <a:off x="6667327" y="2657654"/>
-                  <a:ext cx="235513" cy="307777"/>
-                </a:xfrm>
-                <a:prstGeom prst="rect">
-                  <a:avLst/>
-                </a:prstGeom>
-                <a:blipFill rotWithShape="0">
-                  <a:blip r:embed="rId2"/>
-                  <a:stretch>
-                    <a:fillRect l="-23684" r="-21053" b="-9804"/>
-                  </a:stretch>
-                </a:blipFill>
-              </p:spPr>
-              <p:txBody>
-                <a:bodyPr/>
-                <a:lstStyle/>
-                <a:p>
-                  <a:r>
-                    <a:rPr lang="en-US">
-                      <a:noFill/>
-                    </a:rPr>
-                    <a:t> </a:t>
-                  </a:r>
-                </a:p>
-              </p:txBody>
-            </p:sp>
-          </mc:Fallback>
-        </mc:AlternateContent>
-        <mc:AlternateContent xmlns:mc="http://schemas.openxmlformats.org/markup-compatibility/2006">
-          <mc:Choice xmlns:a14="http://schemas.microsoft.com/office/drawing/2010/main" Requires="a14">
-            <p:sp>
-              <p:nvSpPr>
-                <p:cNvPr id="28" name="TextBox 27"/>
-                <p:cNvSpPr txBox="1"/>
-                <p:nvPr/>
-              </p:nvSpPr>
-              <p:spPr>
-                <a:xfrm>
-                  <a:off x="648082" y="2707058"/>
-                  <a:ext cx="214546" cy="307777"/>
-                </a:xfrm>
-                <a:prstGeom prst="rect">
-                  <a:avLst/>
-                </a:prstGeom>
-                <a:noFill/>
-              </p:spPr>
-              <p:txBody>
-                <a:bodyPr wrap="none" lIns="0" tIns="0" rIns="0" bIns="0" rtlCol="0">
-                  <a:spAutoFit/>
-                </a:bodyPr>
-                <a:lstStyle/>
-                <a:p>
-                  <a14:m>
-                    <m:oMathPara xmlns:m="http://schemas.openxmlformats.org/officeDocument/2006/math">
-                      <m:oMathParaPr>
-                        <m:jc m:val="centerGroup"/>
-                      </m:oMathParaPr>
-                      <m:oMath xmlns:m="http://schemas.openxmlformats.org/officeDocument/2006/math">
-                        <m:r>
-                          <a:rPr lang="en-CA" sz="2000" b="0" i="1" smtClean="0">
-                            <a:latin typeface="Cambria Math" charset="0"/>
-                            <a:cs typeface="Arial" panose="020B0604020202020204" pitchFamily="34" charset="0"/>
-                          </a:rPr>
-                          <m:t>𝑥</m:t>
-                        </m:r>
-                      </m:oMath>
-                    </m:oMathPara>
-                  </a14:m>
-                  <a:endParaRPr lang="en-US" sz="2000" dirty="0" smtClean="0">
-                    <a:latin typeface="Arial" panose="020B0604020202020204" pitchFamily="34" charset="0"/>
-                    <a:cs typeface="Arial" panose="020B0604020202020204" pitchFamily="34" charset="0"/>
-                  </a:endParaRPr>
-                </a:p>
-              </p:txBody>
-            </p:sp>
-          </mc:Choice>
-          <mc:Fallback>
-            <p:sp>
-              <p:nvSpPr>
-                <p:cNvPr id="28" name="TextBox 27"/>
-                <p:cNvSpPr txBox="1">
-                  <a:spLocks noRot="1" noChangeAspect="1" noMove="1" noResize="1" noEditPoints="1" noAdjustHandles="1" noChangeArrowheads="1" noChangeShapeType="1" noTextEdit="1"/>
-                </p:cNvSpPr>
-                <p:nvPr/>
-              </p:nvSpPr>
-              <p:spPr>
-                <a:xfrm>
-                  <a:off x="648082" y="2707058"/>
-                  <a:ext cx="214546" cy="307777"/>
-                </a:xfrm>
-                <a:prstGeom prst="rect">
-                  <a:avLst/>
-                </a:prstGeom>
-                <a:blipFill rotWithShape="0">
-                  <a:blip r:embed="rId3"/>
-                  <a:stretch>
-                    <a:fillRect l="-11429" r="-11429" b="-1961"/>
-                  </a:stretch>
-                </a:blipFill>
-              </p:spPr>
-              <p:txBody>
-                <a:bodyPr/>
-                <a:lstStyle/>
-                <a:p>
-                  <a:r>
-                    <a:rPr lang="en-US">
-                      <a:noFill/>
-                    </a:rPr>
-                    <a:t> </a:t>
-                  </a:r>
-                </a:p>
-              </p:txBody>
-            </p:sp>
-          </mc:Fallback>
-        </mc:AlternateContent>
-        <mc:AlternateContent xmlns:mc="http://schemas.openxmlformats.org/markup-compatibility/2006">
-          <mc:Choice xmlns:a14="http://schemas.microsoft.com/office/drawing/2010/main" Requires="a14">
-            <p:sp>
-              <p:nvSpPr>
-                <p:cNvPr id="31" name="TextBox 30"/>
-                <p:cNvSpPr txBox="1"/>
-                <p:nvPr/>
-              </p:nvSpPr>
-              <p:spPr>
-                <a:xfrm>
-                  <a:off x="6800748" y="2919586"/>
-                  <a:ext cx="213199" cy="307777"/>
-                </a:xfrm>
-                <a:prstGeom prst="rect">
-                  <a:avLst/>
-                </a:prstGeom>
-                <a:noFill/>
-              </p:spPr>
-              <p:txBody>
-                <a:bodyPr wrap="none" lIns="0" tIns="0" rIns="0" bIns="0" rtlCol="0">
-                  <a:spAutoFit/>
-                </a:bodyPr>
-                <a:lstStyle/>
-                <a:p>
-                  <a14:m>
-                    <m:oMathPara xmlns:m="http://schemas.openxmlformats.org/officeDocument/2006/math">
-                      <m:oMathParaPr>
-                        <m:jc m:val="centerGroup"/>
-                      </m:oMathParaPr>
-                      <m:oMath xmlns:m="http://schemas.openxmlformats.org/officeDocument/2006/math">
-                        <m:r>
-                          <a:rPr lang="en-CA" sz="2000" b="0" i="1" smtClean="0">
-                            <a:latin typeface="Cambria Math" charset="0"/>
-                            <a:cs typeface="Arial" panose="020B0604020202020204" pitchFamily="34" charset="0"/>
-                          </a:rPr>
-                          <m:t>0</m:t>
-                        </m:r>
-                      </m:oMath>
-                    </m:oMathPara>
-                  </a14:m>
-                  <a:endParaRPr lang="en-US" sz="2000" dirty="0" smtClean="0">
-                    <a:latin typeface="Arial" panose="020B0604020202020204" pitchFamily="34" charset="0"/>
-                    <a:cs typeface="Arial" panose="020B0604020202020204" pitchFamily="34" charset="0"/>
-                  </a:endParaRPr>
-                </a:p>
-              </p:txBody>
-            </p:sp>
-          </mc:Choice>
-          <mc:Fallback>
-            <p:sp>
-              <p:nvSpPr>
-                <p:cNvPr id="31" name="TextBox 30"/>
-                <p:cNvSpPr txBox="1">
-                  <a:spLocks noRot="1" noChangeAspect="1" noMove="1" noResize="1" noEditPoints="1" noAdjustHandles="1" noChangeArrowheads="1" noChangeShapeType="1" noTextEdit="1"/>
-                </p:cNvSpPr>
-                <p:nvPr/>
-              </p:nvSpPr>
-              <p:spPr>
-                <a:xfrm>
-                  <a:off x="6800748" y="2919586"/>
-                  <a:ext cx="213199" cy="307777"/>
-                </a:xfrm>
-                <a:prstGeom prst="rect">
-                  <a:avLst/>
-                </a:prstGeom>
-                <a:blipFill rotWithShape="0">
-                  <a:blip r:embed="rId4"/>
-                  <a:stretch>
-                    <a:fillRect l="-25714" r="-25714" b="-11765"/>
-                  </a:stretch>
-                </a:blipFill>
-              </p:spPr>
-              <p:txBody>
-                <a:bodyPr/>
-                <a:lstStyle/>
-                <a:p>
-                  <a:r>
-                    <a:rPr lang="en-US">
-                      <a:noFill/>
-                    </a:rPr>
-                    <a:t> </a:t>
-                  </a:r>
-                </a:p>
-              </p:txBody>
-            </p:sp>
-          </mc:Fallback>
-        </mc:AlternateContent>
-        <mc:AlternateContent xmlns:mc="http://schemas.openxmlformats.org/markup-compatibility/2006">
-          <mc:Choice xmlns:a14="http://schemas.microsoft.com/office/drawing/2010/main" Requires="a14">
-            <p:sp>
-              <p:nvSpPr>
-                <p:cNvPr id="32" name="TextBox 31"/>
-                <p:cNvSpPr txBox="1"/>
-                <p:nvPr/>
-              </p:nvSpPr>
-              <p:spPr>
-                <a:xfrm>
-                  <a:off x="2315108" y="3227363"/>
-                  <a:ext cx="385237" cy="307777"/>
-                </a:xfrm>
-                <a:prstGeom prst="rect">
-                  <a:avLst/>
-                </a:prstGeom>
-                <a:noFill/>
-              </p:spPr>
-              <p:txBody>
-                <a:bodyPr wrap="square" lIns="0" tIns="0" rIns="0" bIns="0" rtlCol="0">
-                  <a:spAutoFit/>
-                </a:bodyPr>
-                <a:lstStyle/>
-                <a:p>
-                  <a14:m>
-                    <m:oMathPara xmlns:m="http://schemas.openxmlformats.org/officeDocument/2006/math">
-                      <m:oMathParaPr>
-                        <m:jc m:val="centerGroup"/>
-                      </m:oMathParaPr>
-                      <m:oMath xmlns:m="http://schemas.openxmlformats.org/officeDocument/2006/math">
-                        <m:r>
-                          <a:rPr lang="en-CA" sz="2000" b="0" i="1" smtClean="0">
-                            <a:latin typeface="Cambria Math" charset="0"/>
-                            <a:cs typeface="Arial" panose="020B0604020202020204" pitchFamily="34" charset="0"/>
-                          </a:rPr>
-                          <m:t>𝑀</m:t>
-                        </m:r>
-                      </m:oMath>
-                    </m:oMathPara>
-                  </a14:m>
-                  <a:endParaRPr lang="en-US" sz="2000" dirty="0" smtClean="0">
-                    <a:latin typeface="Arial" panose="020B0604020202020204" pitchFamily="34" charset="0"/>
-                    <a:cs typeface="Arial" panose="020B0604020202020204" pitchFamily="34" charset="0"/>
-                  </a:endParaRPr>
-                </a:p>
-              </p:txBody>
-            </p:sp>
-          </mc:Choice>
-          <mc:Fallback>
-            <p:sp>
-              <p:nvSpPr>
-                <p:cNvPr id="32" name="TextBox 31"/>
-                <p:cNvSpPr txBox="1">
-                  <a:spLocks noRot="1" noChangeAspect="1" noMove="1" noResize="1" noEditPoints="1" noAdjustHandles="1" noChangeArrowheads="1" noChangeShapeType="1" noTextEdit="1"/>
-                </p:cNvSpPr>
-                <p:nvPr/>
-              </p:nvSpPr>
-              <p:spPr>
-                <a:xfrm>
-                  <a:off x="2315108" y="3227363"/>
-                  <a:ext cx="385237" cy="307777"/>
-                </a:xfrm>
-                <a:prstGeom prst="rect">
-                  <a:avLst/>
-                </a:prstGeom>
-                <a:blipFill rotWithShape="0">
-                  <a:blip r:embed="rId5"/>
-                  <a:stretch>
-                    <a:fillRect l="-3175" b="-10000"/>
-                  </a:stretch>
-                </a:blipFill>
-              </p:spPr>
-              <p:txBody>
-                <a:bodyPr/>
-                <a:lstStyle/>
-                <a:p>
-                  <a:r>
-                    <a:rPr lang="en-US">
-                      <a:noFill/>
-                    </a:rPr>
-                    <a:t> </a:t>
-                  </a:r>
-                </a:p>
-              </p:txBody>
-            </p:sp>
-          </mc:Fallback>
-        </mc:AlternateContent>
-        <mc:AlternateContent xmlns:mc="http://schemas.openxmlformats.org/markup-compatibility/2006">
-          <mc:Choice xmlns:a14="http://schemas.microsoft.com/office/drawing/2010/main" Requires="a14">
-            <p:sp>
-              <p:nvSpPr>
-                <p:cNvPr id="33" name="TextBox 32"/>
-                <p:cNvSpPr txBox="1"/>
-                <p:nvPr/>
-              </p:nvSpPr>
-              <p:spPr>
-                <a:xfrm>
-                  <a:off x="2655330" y="2538406"/>
-                  <a:ext cx="212046" cy="307777"/>
-                </a:xfrm>
-                <a:prstGeom prst="rect">
-                  <a:avLst/>
-                </a:prstGeom>
-                <a:noFill/>
-              </p:spPr>
-              <p:txBody>
-                <a:bodyPr wrap="none" lIns="0" tIns="0" rIns="0" bIns="0" rtlCol="0">
-                  <a:spAutoFit/>
-                </a:bodyPr>
-                <a:lstStyle/>
-                <a:p>
-                  <a14:m>
-                    <m:oMathPara xmlns:m="http://schemas.openxmlformats.org/officeDocument/2006/math">
-                      <m:oMathParaPr>
-                        <m:jc m:val="centerGroup"/>
-                      </m:oMathParaPr>
-                      <m:oMath xmlns:m="http://schemas.openxmlformats.org/officeDocument/2006/math">
-                        <m:r>
-                          <a:rPr lang="en-CA" sz="2000" b="0" i="1" smtClean="0">
-                            <a:latin typeface="Cambria Math" charset="0"/>
-                            <a:cs typeface="Arial" panose="020B0604020202020204" pitchFamily="34" charset="0"/>
-                          </a:rPr>
-                          <m:t>𝐿</m:t>
-                        </m:r>
-                      </m:oMath>
-                    </m:oMathPara>
-                  </a14:m>
-                  <a:endParaRPr lang="en-US" sz="2000" dirty="0" smtClean="0">
-                    <a:latin typeface="Arial" panose="020B0604020202020204" pitchFamily="34" charset="0"/>
-                    <a:cs typeface="Arial" panose="020B0604020202020204" pitchFamily="34" charset="0"/>
-                  </a:endParaRPr>
-                </a:p>
-              </p:txBody>
-            </p:sp>
-          </mc:Choice>
-          <mc:Fallback>
-            <p:sp>
-              <p:nvSpPr>
-                <p:cNvPr id="33" name="TextBox 32"/>
-                <p:cNvSpPr txBox="1">
-                  <a:spLocks noRot="1" noChangeAspect="1" noMove="1" noResize="1" noEditPoints="1" noAdjustHandles="1" noChangeArrowheads="1" noChangeShapeType="1" noTextEdit="1"/>
-                </p:cNvSpPr>
-                <p:nvPr/>
-              </p:nvSpPr>
-              <p:spPr>
-                <a:xfrm>
-                  <a:off x="2655330" y="2538406"/>
-                  <a:ext cx="212046" cy="307777"/>
-                </a:xfrm>
-                <a:prstGeom prst="rect">
-                  <a:avLst/>
-                </a:prstGeom>
-                <a:blipFill rotWithShape="0">
-                  <a:blip r:embed="rId6"/>
-                  <a:stretch>
-                    <a:fillRect l="-22857" r="-22857" b="-10000"/>
-                  </a:stretch>
-                </a:blipFill>
-              </p:spPr>
-              <p:txBody>
-                <a:bodyPr/>
-                <a:lstStyle/>
-                <a:p>
-                  <a:r>
-                    <a:rPr lang="en-US">
-                      <a:noFill/>
-                    </a:rPr>
-                    <a:t> </a:t>
-                  </a:r>
-                </a:p>
-              </p:txBody>
-            </p:sp>
-          </mc:Fallback>
-        </mc:AlternateContent>
-        <p:cxnSp>
-          <p:nvCxnSpPr>
-            <p:cNvPr id="24" name="Straight Arrow Connector 23"/>
-            <p:cNvCxnSpPr/>
-            <p:nvPr/>
-          </p:nvCxnSpPr>
-          <p:spPr>
-            <a:xfrm flipH="1">
-              <a:off x="1070628" y="2692294"/>
-              <a:ext cx="1476000" cy="0"/>
-            </a:xfrm>
-            <a:prstGeom prst="straightConnector1">
-              <a:avLst/>
-            </a:prstGeom>
-            <a:ln w="38100">
-              <a:solidFill>
-                <a:schemeClr val="tx1"/>
-              </a:solidFill>
-              <a:tailEnd type="triangle"/>
-            </a:ln>
-          </p:spPr>
-          <p:style>
-            <a:lnRef idx="1">
-              <a:schemeClr val="accent1"/>
-            </a:lnRef>
-            <a:fillRef idx="0">
-              <a:schemeClr val="accent1"/>
-            </a:fillRef>
-            <a:effectRef idx="0">
-              <a:schemeClr val="accent1"/>
-            </a:effectRef>
-            <a:fontRef idx="minor">
-              <a:schemeClr val="tx1"/>
-            </a:fontRef>
-          </p:style>
-        </p:cxnSp>
-        <p:cxnSp>
-          <p:nvCxnSpPr>
-            <p:cNvPr id="36" name="Straight Arrow Connector 35"/>
-            <p:cNvCxnSpPr/>
-            <p:nvPr/>
-          </p:nvCxnSpPr>
-          <p:spPr>
-            <a:xfrm>
-              <a:off x="3009129" y="2692294"/>
-              <a:ext cx="1476000" cy="0"/>
-            </a:xfrm>
-            <a:prstGeom prst="straightConnector1">
-              <a:avLst/>
-            </a:prstGeom>
-            <a:ln w="38100">
-              <a:solidFill>
-                <a:schemeClr val="tx1"/>
-              </a:solidFill>
-              <a:tailEnd type="triangle"/>
-            </a:ln>
-          </p:spPr>
-          <p:style>
-            <a:lnRef idx="1">
-              <a:schemeClr val="accent1"/>
-            </a:lnRef>
-            <a:fillRef idx="0">
-              <a:schemeClr val="accent1"/>
-            </a:fillRef>
-            <a:effectRef idx="0">
-              <a:schemeClr val="accent1"/>
-            </a:effectRef>
-            <a:fontRef idx="minor">
-              <a:schemeClr val="tx1"/>
-            </a:fontRef>
-          </p:style>
-        </p:cxnSp>
-        <mc:AlternateContent xmlns:mc="http://schemas.openxmlformats.org/markup-compatibility/2006">
-          <mc:Choice xmlns:a14="http://schemas.microsoft.com/office/drawing/2010/main" Requires="a14">
-            <p:sp>
-              <p:nvSpPr>
-                <p:cNvPr id="37" name="TextBox 36"/>
-                <p:cNvSpPr txBox="1"/>
-                <p:nvPr/>
-              </p:nvSpPr>
-              <p:spPr>
-                <a:xfrm>
-                  <a:off x="5514409" y="2543564"/>
-                  <a:ext cx="212046" cy="307777"/>
-                </a:xfrm>
-                <a:prstGeom prst="rect">
-                  <a:avLst/>
-                </a:prstGeom>
-                <a:noFill/>
-              </p:spPr>
-              <p:txBody>
-                <a:bodyPr wrap="square" lIns="0" tIns="0" rIns="0" bIns="0" rtlCol="0">
-                  <a:spAutoFit/>
-                </a:bodyPr>
-                <a:lstStyle/>
-                <a:p>
-                  <a14:m>
-                    <m:oMathPara xmlns:m="http://schemas.openxmlformats.org/officeDocument/2006/math">
-                      <m:oMathParaPr>
-                        <m:jc m:val="centerGroup"/>
-                      </m:oMathParaPr>
-                      <m:oMath xmlns:m="http://schemas.openxmlformats.org/officeDocument/2006/math">
-                        <m:r>
-                          <a:rPr lang="en-CA" sz="2000" b="0" i="1" smtClean="0">
-                            <a:latin typeface="Cambria Math" charset="0"/>
-                            <a:cs typeface="Arial" panose="020B0604020202020204" pitchFamily="34" charset="0"/>
-                          </a:rPr>
-                          <m:t>𝑑</m:t>
-                        </m:r>
-                      </m:oMath>
-                    </m:oMathPara>
-                  </a14:m>
-                  <a:endParaRPr lang="en-US" sz="2000" dirty="0" smtClean="0">
-                    <a:latin typeface="Arial" panose="020B0604020202020204" pitchFamily="34" charset="0"/>
-                    <a:cs typeface="Arial" panose="020B0604020202020204" pitchFamily="34" charset="0"/>
-                  </a:endParaRPr>
-                </a:p>
-              </p:txBody>
-            </p:sp>
-          </mc:Choice>
-          <mc:Fallback>
-            <p:sp>
-              <p:nvSpPr>
-                <p:cNvPr id="37" name="TextBox 36"/>
-                <p:cNvSpPr txBox="1">
-                  <a:spLocks noRot="1" noChangeAspect="1" noMove="1" noResize="1" noEditPoints="1" noAdjustHandles="1" noChangeArrowheads="1" noChangeShapeType="1" noTextEdit="1"/>
-                </p:cNvSpPr>
-                <p:nvPr/>
-              </p:nvSpPr>
-              <p:spPr>
-                <a:xfrm>
-                  <a:off x="5514409" y="2543564"/>
-                  <a:ext cx="212046" cy="307777"/>
-                </a:xfrm>
-                <a:prstGeom prst="rect">
-                  <a:avLst/>
-                </a:prstGeom>
-                <a:blipFill rotWithShape="0">
-                  <a:blip r:embed="rId7"/>
-                  <a:stretch>
-                    <a:fillRect l="-28571" r="-28571" b="-14000"/>
-                  </a:stretch>
-                </a:blipFill>
-              </p:spPr>
-              <p:txBody>
-                <a:bodyPr/>
-                <a:lstStyle/>
-                <a:p>
-                  <a:r>
-                    <a:rPr lang="en-US">
-                      <a:noFill/>
-                    </a:rPr>
-                    <a:t> </a:t>
-                  </a:r>
-                </a:p>
-              </p:txBody>
-            </p:sp>
-          </mc:Fallback>
-        </mc:AlternateContent>
-        <p:cxnSp>
-          <p:nvCxnSpPr>
-            <p:cNvPr id="38" name="Straight Arrow Connector 37"/>
-            <p:cNvCxnSpPr/>
-            <p:nvPr/>
-          </p:nvCxnSpPr>
-          <p:spPr>
-            <a:xfrm flipH="1">
-              <a:off x="4562261" y="2697453"/>
-              <a:ext cx="800066" cy="0"/>
-            </a:xfrm>
-            <a:prstGeom prst="straightConnector1">
-              <a:avLst/>
-            </a:prstGeom>
-            <a:ln w="38100">
-              <a:solidFill>
-                <a:schemeClr val="tx1"/>
-              </a:solidFill>
-              <a:tailEnd type="triangle"/>
-            </a:ln>
-          </p:spPr>
-          <p:style>
-            <a:lnRef idx="1">
-              <a:schemeClr val="accent1"/>
-            </a:lnRef>
-            <a:fillRef idx="0">
-              <a:schemeClr val="accent1"/>
-            </a:fillRef>
-            <a:effectRef idx="0">
-              <a:schemeClr val="accent1"/>
-            </a:effectRef>
-            <a:fontRef idx="minor">
-              <a:schemeClr val="tx1"/>
-            </a:fontRef>
-          </p:style>
-        </p:cxnSp>
-        <p:cxnSp>
-          <p:nvCxnSpPr>
-            <p:cNvPr id="46" name="Straight Arrow Connector 45"/>
-            <p:cNvCxnSpPr/>
-            <p:nvPr/>
-          </p:nvCxnSpPr>
-          <p:spPr>
-            <a:xfrm flipV="1">
-              <a:off x="5878537" y="2692294"/>
-              <a:ext cx="738000" cy="7938"/>
-            </a:xfrm>
-            <a:prstGeom prst="straightConnector1">
-              <a:avLst/>
-            </a:prstGeom>
-            <a:ln w="38100">
-              <a:solidFill>
-                <a:schemeClr val="tx1"/>
-              </a:solidFill>
-              <a:tailEnd type="triangle"/>
-            </a:ln>
-          </p:spPr>
-          <p:style>
-            <a:lnRef idx="1">
-              <a:schemeClr val="accent1"/>
-            </a:lnRef>
-            <a:fillRef idx="0">
-              <a:schemeClr val="accent1"/>
-            </a:fillRef>
-            <a:effectRef idx="0">
-              <a:schemeClr val="accent1"/>
-            </a:effectRef>
-            <a:fontRef idx="minor">
-              <a:schemeClr val="tx1"/>
-            </a:fontRef>
-          </p:style>
-        </p:cxnSp>
-      </p:grpSp>
-      <p:grpSp>
-        <p:nvGrpSpPr>
           <p:cNvPr id="132" name="Group 131"/>
           <p:cNvGrpSpPr/>
           <p:nvPr/>
@@ -24316,8 +23503,8 @@
             </a:fontRef>
           </p:style>
         </p:cxnSp>
-        <mc:AlternateContent xmlns:mc="http://schemas.openxmlformats.org/markup-compatibility/2006">
-          <mc:Choice xmlns:a14="http://schemas.microsoft.com/office/drawing/2010/main" Requires="a14">
+        <mc:AlternateContent xmlns:mc="http://schemas.openxmlformats.org/markup-compatibility/2006" xmlns:a14="http://schemas.microsoft.com/office/drawing/2010/main">
+          <mc:Choice Requires="a14">
             <p:sp>
               <p:nvSpPr>
                 <p:cNvPr id="71" name="TextBox 70"/>
@@ -24340,6 +23527,7 @@
                 </a:bodyPr>
                 <a:lstStyle/>
                 <a:p>
+                  <a:pPr/>
                   <a14:m>
                     <m:oMathPara xmlns:m="http://schemas.openxmlformats.org/officeDocument/2006/math">
                       <m:oMathParaPr>
@@ -24364,7 +23552,7 @@
               </p:txBody>
             </p:sp>
           </mc:Choice>
-          <mc:Fallback>
+          <mc:Fallback xmlns="">
             <p:sp>
               <p:nvSpPr>
                 <p:cNvPr id="71" name="TextBox 70"/>
@@ -24499,8 +23687,8 @@
             </a:p>
           </p:txBody>
         </p:sp>
-        <mc:AlternateContent xmlns:mc="http://schemas.openxmlformats.org/markup-compatibility/2006">
-          <mc:Choice xmlns:a14="http://schemas.microsoft.com/office/drawing/2010/main" Requires="a14">
+        <mc:AlternateContent xmlns:mc="http://schemas.openxmlformats.org/markup-compatibility/2006" xmlns:a14="http://schemas.microsoft.com/office/drawing/2010/main">
+          <mc:Choice Requires="a14">
             <p:sp>
               <p:nvSpPr>
                 <p:cNvPr id="74" name="TextBox 73"/>
@@ -24523,6 +23711,7 @@
                 </a:bodyPr>
                 <a:lstStyle/>
                 <a:p>
+                  <a:pPr/>
                   <a14:m>
                     <m:oMathPara xmlns:m="http://schemas.openxmlformats.org/officeDocument/2006/math">
                       <m:oMathParaPr>
@@ -24547,7 +23736,7 @@
               </p:txBody>
             </p:sp>
           </mc:Choice>
-          <mc:Fallback>
+          <mc:Fallback xmlns="">
             <p:sp>
               <p:nvSpPr>
                 <p:cNvPr id="74" name="TextBox 73"/>
@@ -24586,8 +23775,8 @@
             </p:sp>
           </mc:Fallback>
         </mc:AlternateContent>
-        <mc:AlternateContent xmlns:mc="http://schemas.openxmlformats.org/markup-compatibility/2006">
-          <mc:Choice xmlns:a14="http://schemas.microsoft.com/office/drawing/2010/main" Requires="a14">
+        <mc:AlternateContent xmlns:mc="http://schemas.openxmlformats.org/markup-compatibility/2006" xmlns:a14="http://schemas.microsoft.com/office/drawing/2010/main">
+          <mc:Choice Requires="a14">
             <p:sp>
               <p:nvSpPr>
                 <p:cNvPr id="75" name="TextBox 74"/>
@@ -24610,6 +23799,7 @@
                 </a:bodyPr>
                 <a:lstStyle/>
                 <a:p>
+                  <a:pPr/>
                   <a14:m>
                     <m:oMathPara xmlns:m="http://schemas.openxmlformats.org/officeDocument/2006/math">
                       <m:oMathParaPr>
@@ -24634,7 +23824,7 @@
               </p:txBody>
             </p:sp>
           </mc:Choice>
-          <mc:Fallback>
+          <mc:Fallback xmlns="">
             <p:sp>
               <p:nvSpPr>
                 <p:cNvPr id="75" name="TextBox 74"/>
@@ -24673,8 +23863,8 @@
             </p:sp>
           </mc:Fallback>
         </mc:AlternateContent>
-        <mc:AlternateContent xmlns:mc="http://schemas.openxmlformats.org/markup-compatibility/2006">
-          <mc:Choice xmlns:a14="http://schemas.microsoft.com/office/drawing/2010/main" Requires="a14">
+        <mc:AlternateContent xmlns:mc="http://schemas.openxmlformats.org/markup-compatibility/2006" xmlns:a14="http://schemas.microsoft.com/office/drawing/2010/main">
+          <mc:Choice Requires="a14">
             <p:sp>
               <p:nvSpPr>
                 <p:cNvPr id="76" name="TextBox 75"/>
@@ -24697,6 +23887,7 @@
                 </a:bodyPr>
                 <a:lstStyle/>
                 <a:p>
+                  <a:pPr/>
                   <a14:m>
                     <m:oMathPara xmlns:m="http://schemas.openxmlformats.org/officeDocument/2006/math">
                       <m:oMathParaPr>
@@ -24721,7 +23912,7 @@
               </p:txBody>
             </p:sp>
           </mc:Choice>
-          <mc:Fallback>
+          <mc:Fallback xmlns="">
             <p:sp>
               <p:nvSpPr>
                 <p:cNvPr id="76" name="TextBox 75"/>
@@ -24760,8 +23951,8 @@
             </p:sp>
           </mc:Fallback>
         </mc:AlternateContent>
-        <mc:AlternateContent xmlns:mc="http://schemas.openxmlformats.org/markup-compatibility/2006">
-          <mc:Choice xmlns:a14="http://schemas.microsoft.com/office/drawing/2010/main" Requires="a14">
+        <mc:AlternateContent xmlns:mc="http://schemas.openxmlformats.org/markup-compatibility/2006" xmlns:a14="http://schemas.microsoft.com/office/drawing/2010/main">
+          <mc:Choice Requires="a14">
             <p:sp>
               <p:nvSpPr>
                 <p:cNvPr id="106" name="TextBox 105"/>
@@ -24784,6 +23975,7 @@
                 </a:bodyPr>
                 <a:lstStyle/>
                 <a:p>
+                  <a:pPr/>
                   <a14:m>
                     <m:oMathPara xmlns:m="http://schemas.openxmlformats.org/officeDocument/2006/math">
                       <m:oMathParaPr>
@@ -24815,7 +24007,7 @@
               </p:txBody>
             </p:sp>
           </mc:Choice>
-          <mc:Fallback>
+          <mc:Fallback xmlns="">
             <p:sp>
               <p:nvSpPr>
                 <p:cNvPr id="106" name="TextBox 105"/>
@@ -24926,8 +24118,8 @@
             </a:fontRef>
           </p:style>
         </p:cxnSp>
-        <mc:AlternateContent xmlns:mc="http://schemas.openxmlformats.org/markup-compatibility/2006">
-          <mc:Choice xmlns:a14="http://schemas.microsoft.com/office/drawing/2010/main" Requires="a14">
+        <mc:AlternateContent xmlns:mc="http://schemas.openxmlformats.org/markup-compatibility/2006" xmlns:a14="http://schemas.microsoft.com/office/drawing/2010/main">
+          <mc:Choice Requires="a14">
             <p:sp>
               <p:nvSpPr>
                 <p:cNvPr id="109" name="TextBox 108"/>
@@ -24950,6 +24142,7 @@
                 </a:bodyPr>
                 <a:lstStyle/>
                 <a:p>
+                  <a:pPr/>
                   <a14:m>
                     <m:oMathPara xmlns:m="http://schemas.openxmlformats.org/officeDocument/2006/math">
                       <m:oMathParaPr>
@@ -24981,7 +24174,7 @@
               </p:txBody>
             </p:sp>
           </mc:Choice>
-          <mc:Fallback>
+          <mc:Fallback xmlns="">
             <p:sp>
               <p:nvSpPr>
                 <p:cNvPr id="109" name="TextBox 108"/>
@@ -25092,8 +24285,8 @@
             </a:fontRef>
           </p:style>
         </p:cxnSp>
-        <mc:AlternateContent xmlns:mc="http://schemas.openxmlformats.org/markup-compatibility/2006">
-          <mc:Choice xmlns:a14="http://schemas.microsoft.com/office/drawing/2010/main" Requires="a14">
+        <mc:AlternateContent xmlns:mc="http://schemas.openxmlformats.org/markup-compatibility/2006" xmlns:a14="http://schemas.microsoft.com/office/drawing/2010/main">
+          <mc:Choice Requires="a14">
             <p:sp>
               <p:nvSpPr>
                 <p:cNvPr id="112" name="TextBox 111"/>
@@ -25116,6 +24309,7 @@
                 </a:bodyPr>
                 <a:lstStyle/>
                 <a:p>
+                  <a:pPr/>
                   <a14:m>
                     <m:oMathPara xmlns:m="http://schemas.openxmlformats.org/officeDocument/2006/math">
                       <m:oMathParaPr>
@@ -25140,7 +24334,7 @@
               </p:txBody>
             </p:sp>
           </mc:Choice>
-          <mc:Fallback>
+          <mc:Fallback xmlns="">
             <p:sp>
               <p:nvSpPr>
                 <p:cNvPr id="112" name="TextBox 111"/>
@@ -25179,8 +24373,8 @@
             </p:sp>
           </mc:Fallback>
         </mc:AlternateContent>
-        <mc:AlternateContent xmlns:mc="http://schemas.openxmlformats.org/markup-compatibility/2006">
-          <mc:Choice xmlns:a14="http://schemas.microsoft.com/office/drawing/2010/main" Requires="a14">
+        <mc:AlternateContent xmlns:mc="http://schemas.openxmlformats.org/markup-compatibility/2006" xmlns:a14="http://schemas.microsoft.com/office/drawing/2010/main">
+          <mc:Choice Requires="a14">
             <p:sp>
               <p:nvSpPr>
                 <p:cNvPr id="113" name="TextBox 112"/>
@@ -25203,6 +24397,7 @@
                 </a:bodyPr>
                 <a:lstStyle/>
                 <a:p>
+                  <a:pPr/>
                   <a14:m>
                     <m:oMathPara xmlns:m="http://schemas.openxmlformats.org/officeDocument/2006/math">
                       <m:oMathParaPr>
@@ -25227,7 +24422,7 @@
               </p:txBody>
             </p:sp>
           </mc:Choice>
-          <mc:Fallback>
+          <mc:Fallback xmlns="">
             <p:sp>
               <p:nvSpPr>
                 <p:cNvPr id="113" name="TextBox 112"/>
@@ -25425,8 +24620,8 @@
             </a:fontRef>
           </p:style>
         </p:cxnSp>
-        <mc:AlternateContent xmlns:mc="http://schemas.openxmlformats.org/markup-compatibility/2006">
-          <mc:Choice xmlns:a14="http://schemas.microsoft.com/office/drawing/2010/main" Requires="a14">
+        <mc:AlternateContent xmlns:mc="http://schemas.openxmlformats.org/markup-compatibility/2006" xmlns:a14="http://schemas.microsoft.com/office/drawing/2010/main">
+          <mc:Choice Requires="a14">
             <p:sp>
               <p:nvSpPr>
                 <p:cNvPr id="83" name="TextBox 82"/>
@@ -25449,6 +24644,7 @@
                 </a:bodyPr>
                 <a:lstStyle/>
                 <a:p>
+                  <a:pPr/>
                   <a14:m>
                     <m:oMathPara xmlns:m="http://schemas.openxmlformats.org/officeDocument/2006/math">
                       <m:oMathParaPr>
@@ -25473,7 +24669,7 @@
               </p:txBody>
             </p:sp>
           </mc:Choice>
-          <mc:Fallback>
+          <mc:Fallback xmlns="">
             <p:sp>
               <p:nvSpPr>
                 <p:cNvPr id="83" name="TextBox 82"/>
@@ -25560,8 +24756,8 @@
             </a:p>
           </p:txBody>
         </p:sp>
-        <mc:AlternateContent xmlns:mc="http://schemas.openxmlformats.org/markup-compatibility/2006">
-          <mc:Choice xmlns:a14="http://schemas.microsoft.com/office/drawing/2010/main" Requires="a14">
+        <mc:AlternateContent xmlns:mc="http://schemas.openxmlformats.org/markup-compatibility/2006" xmlns:a14="http://schemas.microsoft.com/office/drawing/2010/main">
+          <mc:Choice Requires="a14">
             <p:sp>
               <p:nvSpPr>
                 <p:cNvPr id="86" name="TextBox 85"/>
@@ -25584,6 +24780,7 @@
                 </a:bodyPr>
                 <a:lstStyle/>
                 <a:p>
+                  <a:pPr/>
                   <a14:m>
                     <m:oMathPara xmlns:m="http://schemas.openxmlformats.org/officeDocument/2006/math">
                       <m:oMathParaPr>
@@ -25608,7 +24805,7 @@
               </p:txBody>
             </p:sp>
           </mc:Choice>
-          <mc:Fallback>
+          <mc:Fallback xmlns="">
             <p:sp>
               <p:nvSpPr>
                 <p:cNvPr id="86" name="TextBox 85"/>
@@ -25647,8 +24844,8 @@
             </p:sp>
           </mc:Fallback>
         </mc:AlternateContent>
-        <mc:AlternateContent xmlns:mc="http://schemas.openxmlformats.org/markup-compatibility/2006">
-          <mc:Choice xmlns:a14="http://schemas.microsoft.com/office/drawing/2010/main" Requires="a14">
+        <mc:AlternateContent xmlns:mc="http://schemas.openxmlformats.org/markup-compatibility/2006" xmlns:a14="http://schemas.microsoft.com/office/drawing/2010/main">
+          <mc:Choice Requires="a14">
             <p:sp>
               <p:nvSpPr>
                 <p:cNvPr id="87" name="TextBox 86"/>
@@ -25671,6 +24868,7 @@
                 </a:bodyPr>
                 <a:lstStyle/>
                 <a:p>
+                  <a:pPr/>
                   <a14:m>
                     <m:oMathPara xmlns:m="http://schemas.openxmlformats.org/officeDocument/2006/math">
                       <m:oMathParaPr>
@@ -25695,7 +24893,7 @@
               </p:txBody>
             </p:sp>
           </mc:Choice>
-          <mc:Fallback>
+          <mc:Fallback xmlns="">
             <p:sp>
               <p:nvSpPr>
                 <p:cNvPr id="87" name="TextBox 86"/>
@@ -25734,8 +24932,8 @@
             </p:sp>
           </mc:Fallback>
         </mc:AlternateContent>
-        <mc:AlternateContent xmlns:mc="http://schemas.openxmlformats.org/markup-compatibility/2006">
-          <mc:Choice xmlns:a14="http://schemas.microsoft.com/office/drawing/2010/main" Requires="a14">
+        <mc:AlternateContent xmlns:mc="http://schemas.openxmlformats.org/markup-compatibility/2006" xmlns:a14="http://schemas.microsoft.com/office/drawing/2010/main">
+          <mc:Choice Requires="a14">
             <p:sp>
               <p:nvSpPr>
                 <p:cNvPr id="88" name="TextBox 87"/>
@@ -25758,6 +24956,7 @@
                 </a:bodyPr>
                 <a:lstStyle/>
                 <a:p>
+                  <a:pPr/>
                   <a14:m>
                     <m:oMathPara xmlns:m="http://schemas.openxmlformats.org/officeDocument/2006/math">
                       <m:oMathParaPr>
@@ -25782,7 +24981,7 @@
               </p:txBody>
             </p:sp>
           </mc:Choice>
-          <mc:Fallback>
+          <mc:Fallback xmlns="">
             <p:sp>
               <p:nvSpPr>
                 <p:cNvPr id="88" name="TextBox 87"/>
@@ -26002,8 +25201,8 @@
             </a:fontRef>
           </p:style>
         </p:cxnSp>
-        <mc:AlternateContent xmlns:mc="http://schemas.openxmlformats.org/markup-compatibility/2006">
-          <mc:Choice xmlns:a14="http://schemas.microsoft.com/office/drawing/2010/main" Requires="a14">
+        <mc:AlternateContent xmlns:mc="http://schemas.openxmlformats.org/markup-compatibility/2006" xmlns:a14="http://schemas.microsoft.com/office/drawing/2010/main">
+          <mc:Choice Requires="a14">
             <p:sp>
               <p:nvSpPr>
                 <p:cNvPr id="96" name="TextBox 95"/>
@@ -26026,6 +25225,7 @@
                 </a:bodyPr>
                 <a:lstStyle/>
                 <a:p>
+                  <a:pPr/>
                   <a14:m>
                     <m:oMathPara xmlns:m="http://schemas.openxmlformats.org/officeDocument/2006/math">
                       <m:oMathParaPr>
@@ -26050,7 +25250,7 @@
               </p:txBody>
             </p:sp>
           </mc:Choice>
-          <mc:Fallback>
+          <mc:Fallback xmlns="">
             <p:sp>
               <p:nvSpPr>
                 <p:cNvPr id="96" name="TextBox 95"/>
@@ -26137,8 +25337,8 @@
             </a:p>
           </p:txBody>
         </p:sp>
-        <mc:AlternateContent xmlns:mc="http://schemas.openxmlformats.org/markup-compatibility/2006">
-          <mc:Choice xmlns:a14="http://schemas.microsoft.com/office/drawing/2010/main" Requires="a14">
+        <mc:AlternateContent xmlns:mc="http://schemas.openxmlformats.org/markup-compatibility/2006" xmlns:a14="http://schemas.microsoft.com/office/drawing/2010/main">
+          <mc:Choice Requires="a14">
             <p:sp>
               <p:nvSpPr>
                 <p:cNvPr id="99" name="TextBox 98"/>
@@ -26161,6 +25361,7 @@
                 </a:bodyPr>
                 <a:lstStyle/>
                 <a:p>
+                  <a:pPr/>
                   <a14:m>
                     <m:oMathPara xmlns:m="http://schemas.openxmlformats.org/officeDocument/2006/math">
                       <m:oMathParaPr>
@@ -26192,7 +25393,7 @@
               </p:txBody>
             </p:sp>
           </mc:Choice>
-          <mc:Fallback>
+          <mc:Fallback xmlns="">
             <p:sp>
               <p:nvSpPr>
                 <p:cNvPr id="99" name="TextBox 98"/>
@@ -26303,8 +25504,8 @@
             </a:fontRef>
           </p:style>
         </p:cxnSp>
-        <mc:AlternateContent xmlns:mc="http://schemas.openxmlformats.org/markup-compatibility/2006">
-          <mc:Choice xmlns:a14="http://schemas.microsoft.com/office/drawing/2010/main" Requires="a14">
+        <mc:AlternateContent xmlns:mc="http://schemas.openxmlformats.org/markup-compatibility/2006" xmlns:a14="http://schemas.microsoft.com/office/drawing/2010/main">
+          <mc:Choice Requires="a14">
             <p:sp>
               <p:nvSpPr>
                 <p:cNvPr id="103" name="TextBox 102"/>
@@ -26327,6 +25528,7 @@
                 </a:bodyPr>
                 <a:lstStyle/>
                 <a:p>
+                  <a:pPr/>
                   <a14:m>
                     <m:oMathPara xmlns:m="http://schemas.openxmlformats.org/officeDocument/2006/math">
                       <m:oMathParaPr>
@@ -26358,7 +25560,7 @@
               </p:txBody>
             </p:sp>
           </mc:Choice>
-          <mc:Fallback>
+          <mc:Fallback xmlns="">
             <p:sp>
               <p:nvSpPr>
                 <p:cNvPr id="103" name="TextBox 102"/>
@@ -26469,8 +25671,8 @@
             </a:fontRef>
           </p:style>
         </p:cxnSp>
-        <mc:AlternateContent xmlns:mc="http://schemas.openxmlformats.org/markup-compatibility/2006">
-          <mc:Choice xmlns:a14="http://schemas.microsoft.com/office/drawing/2010/main" Requires="a14">
+        <mc:AlternateContent xmlns:mc="http://schemas.openxmlformats.org/markup-compatibility/2006" xmlns:a14="http://schemas.microsoft.com/office/drawing/2010/main">
+          <mc:Choice Requires="a14">
             <p:sp>
               <p:nvSpPr>
                 <p:cNvPr id="116" name="TextBox 115"/>
@@ -26493,6 +25695,7 @@
                 </a:bodyPr>
                 <a:lstStyle/>
                 <a:p>
+                  <a:pPr/>
                   <a14:m>
                     <m:oMathPara xmlns:m="http://schemas.openxmlformats.org/officeDocument/2006/math">
                       <m:oMathParaPr>
@@ -26517,7 +25720,7 @@
               </p:txBody>
             </p:sp>
           </mc:Choice>
-          <mc:Fallback>
+          <mc:Fallback xmlns="">
             <p:sp>
               <p:nvSpPr>
                 <p:cNvPr id="116" name="TextBox 115"/>
@@ -26664,8 +25867,8 @@
             </a:fontRef>
           </p:style>
         </p:cxnSp>
-        <mc:AlternateContent xmlns:mc="http://schemas.openxmlformats.org/markup-compatibility/2006">
-          <mc:Choice xmlns:a14="http://schemas.microsoft.com/office/drawing/2010/main" Requires="a14">
+        <mc:AlternateContent xmlns:mc="http://schemas.openxmlformats.org/markup-compatibility/2006" xmlns:a14="http://schemas.microsoft.com/office/drawing/2010/main">
+          <mc:Choice Requires="a14">
             <p:sp>
               <p:nvSpPr>
                 <p:cNvPr id="121" name="TextBox 120"/>
@@ -26688,6 +25891,7 @@
                 </a:bodyPr>
                 <a:lstStyle/>
                 <a:p>
+                  <a:pPr/>
                   <a14:m>
                     <m:oMathPara xmlns:m="http://schemas.openxmlformats.org/officeDocument/2006/math">
                       <m:oMathParaPr>
@@ -26744,7 +25948,7 @@
               </p:txBody>
             </p:sp>
           </mc:Choice>
-          <mc:Fallback>
+          <mc:Fallback xmlns="">
             <p:sp>
               <p:nvSpPr>
                 <p:cNvPr id="121" name="TextBox 120"/>
@@ -26783,8 +25987,8 @@
             </p:sp>
           </mc:Fallback>
         </mc:AlternateContent>
-        <mc:AlternateContent xmlns:mc="http://schemas.openxmlformats.org/markup-compatibility/2006">
-          <mc:Choice xmlns:a14="http://schemas.microsoft.com/office/drawing/2010/main" Requires="a14">
+        <mc:AlternateContent xmlns:mc="http://schemas.openxmlformats.org/markup-compatibility/2006" xmlns:a14="http://schemas.microsoft.com/office/drawing/2010/main">
+          <mc:Choice Requires="a14">
             <p:sp>
               <p:nvSpPr>
                 <p:cNvPr id="123" name="TextBox 122"/>
@@ -26807,6 +26011,7 @@
                 </a:bodyPr>
                 <a:lstStyle/>
                 <a:p>
+                  <a:pPr/>
                   <a14:m>
                     <m:oMathPara xmlns:m="http://schemas.openxmlformats.org/officeDocument/2006/math">
                       <m:oMathParaPr>
@@ -26832,7 +26037,7 @@
               </p:txBody>
             </p:sp>
           </mc:Choice>
-          <mc:Fallback>
+          <mc:Fallback xmlns="">
             <p:sp>
               <p:nvSpPr>
                 <p:cNvPr id="123" name="TextBox 122"/>
@@ -26919,1281 +26124,6 @@
             </a:p>
           </p:txBody>
         </p:sp>
-      </p:grpSp>
-      <p:grpSp>
-        <p:nvGrpSpPr>
-          <p:cNvPr id="140" name="Group 139"/>
-          <p:cNvGrpSpPr/>
-          <p:nvPr/>
-        </p:nvGrpSpPr>
-        <p:grpSpPr>
-          <a:xfrm>
-            <a:off x="568845" y="2680722"/>
-            <a:ext cx="6340172" cy="960015"/>
-            <a:chOff x="568845" y="2680722"/>
-            <a:chExt cx="6340172" cy="960015"/>
-          </a:xfrm>
-        </p:grpSpPr>
-        <p:grpSp>
-          <p:nvGrpSpPr>
-            <p:cNvPr id="124" name="Group 123"/>
-            <p:cNvGrpSpPr/>
-            <p:nvPr/>
-          </p:nvGrpSpPr>
-          <p:grpSpPr>
-            <a:xfrm>
-              <a:off x="568845" y="2680722"/>
-              <a:ext cx="6267159" cy="960015"/>
-              <a:chOff x="523875" y="2746038"/>
-              <a:chExt cx="6267159" cy="960015"/>
-            </a:xfrm>
-          </p:grpSpPr>
-          <p:grpSp>
-            <p:nvGrpSpPr>
-              <p:cNvPr id="47" name="Group 46"/>
-              <p:cNvGrpSpPr/>
-              <p:nvPr/>
-            </p:nvGrpSpPr>
-            <p:grpSpPr>
-              <a:xfrm>
-                <a:off x="523875" y="2746038"/>
-                <a:ext cx="6267159" cy="960015"/>
-                <a:chOff x="645318" y="2615455"/>
-                <a:chExt cx="6267159" cy="960015"/>
-              </a:xfrm>
-            </p:grpSpPr>
-            <p:cxnSp>
-              <p:nvCxnSpPr>
-                <p:cNvPr id="48" name="Straight Arrow Connector 47"/>
-                <p:cNvCxnSpPr/>
-                <p:nvPr/>
-              </p:nvCxnSpPr>
-              <p:spPr>
-                <a:xfrm flipH="1" flipV="1">
-                  <a:off x="677311" y="3086312"/>
-                  <a:ext cx="6012000" cy="2"/>
-                </a:xfrm>
-                <a:prstGeom prst="straightConnector1">
-                  <a:avLst/>
-                </a:prstGeom>
-                <a:ln w="38100">
-                  <a:solidFill>
-                    <a:schemeClr val="tx1"/>
-                  </a:solidFill>
-                  <a:tailEnd type="triangle"/>
-                </a:ln>
-              </p:spPr>
-              <p:style>
-                <a:lnRef idx="1">
-                  <a:schemeClr val="accent1"/>
-                </a:lnRef>
-                <a:fillRef idx="0">
-                  <a:schemeClr val="accent1"/>
-                </a:fillRef>
-                <a:effectRef idx="0">
-                  <a:schemeClr val="accent1"/>
-                </a:effectRef>
-                <a:fontRef idx="minor">
-                  <a:schemeClr val="tx1"/>
-                </a:fontRef>
-              </p:style>
-            </p:cxnSp>
-            <p:sp>
-              <p:nvSpPr>
-                <p:cNvPr id="49" name="Rectangle 48"/>
-                <p:cNvSpPr/>
-                <p:nvPr/>
-              </p:nvSpPr>
-              <p:spPr>
-                <a:xfrm>
-                  <a:off x="1085618" y="2983041"/>
-                  <a:ext cx="3351471" cy="194874"/>
-                </a:xfrm>
-                <a:prstGeom prst="rect">
-                  <a:avLst/>
-                </a:prstGeom>
-                <a:solidFill>
-                  <a:schemeClr val="bg2"/>
-                </a:solidFill>
-                <a:ln w="38100">
-                  <a:solidFill>
-                    <a:schemeClr val="tx1"/>
-                  </a:solidFill>
-                </a:ln>
-              </p:spPr>
-              <p:style>
-                <a:lnRef idx="2">
-                  <a:schemeClr val="accent1">
-                    <a:shade val="50000"/>
-                  </a:schemeClr>
-                </a:lnRef>
-                <a:fillRef idx="1">
-                  <a:schemeClr val="accent1"/>
-                </a:fillRef>
-                <a:effectRef idx="0">
-                  <a:schemeClr val="accent1"/>
-                </a:effectRef>
-                <a:fontRef idx="minor">
-                  <a:schemeClr val="lt1"/>
-                </a:fontRef>
-              </p:style>
-              <p:txBody>
-                <a:bodyPr rtlCol="0" anchor="ctr"/>
-                <a:lstStyle/>
-                <a:p>
-                  <a:pPr algn="ctr"/>
-                  <a:endParaRPr lang="en-US"/>
-                </a:p>
-              </p:txBody>
-            </p:sp>
-            <mc:AlternateContent xmlns:mc="http://schemas.openxmlformats.org/markup-compatibility/2006">
-              <mc:Choice xmlns:a14="http://schemas.microsoft.com/office/drawing/2010/main" Requires="a14">
-                <p:sp>
-                  <p:nvSpPr>
-                    <p:cNvPr id="51" name="TextBox 50"/>
-                    <p:cNvSpPr txBox="1"/>
-                    <p:nvPr/>
-                  </p:nvSpPr>
-                  <p:spPr>
-                    <a:xfrm>
-                      <a:off x="6676964" y="2658521"/>
-                      <a:ext cx="235513" cy="307777"/>
-                    </a:xfrm>
-                    <a:prstGeom prst="rect">
-                      <a:avLst/>
-                    </a:prstGeom>
-                    <a:noFill/>
-                  </p:spPr>
-                  <p:txBody>
-                    <a:bodyPr wrap="none" lIns="0" tIns="0" rIns="0" bIns="0" rtlCol="0">
-                      <a:spAutoFit/>
-                    </a:bodyPr>
-                    <a:lstStyle/>
-                    <a:p>
-                      <a14:m>
-                        <m:oMathPara xmlns:m="http://schemas.openxmlformats.org/officeDocument/2006/math">
-                          <m:oMathParaPr>
-                            <m:jc m:val="centerGroup"/>
-                          </m:oMathParaPr>
-                          <m:oMath xmlns:m="http://schemas.openxmlformats.org/officeDocument/2006/math">
-                            <m:r>
-                              <a:rPr lang="en-CA" sz="2000" b="0" i="1" smtClean="0">
-                                <a:latin typeface="Cambria Math" charset="0"/>
-                                <a:cs typeface="Arial" panose="020B0604020202020204" pitchFamily="34" charset="0"/>
-                              </a:rPr>
-                              <m:t>𝑃</m:t>
-                            </m:r>
-                          </m:oMath>
-                        </m:oMathPara>
-                      </a14:m>
-                      <a:endParaRPr lang="en-US" sz="2000" dirty="0" smtClean="0">
-                        <a:latin typeface="Arial" panose="020B0604020202020204" pitchFamily="34" charset="0"/>
-                        <a:cs typeface="Arial" panose="020B0604020202020204" pitchFamily="34" charset="0"/>
-                      </a:endParaRPr>
-                    </a:p>
-                  </p:txBody>
-                </p:sp>
-              </mc:Choice>
-              <mc:Fallback>
-                <p:sp>
-                  <p:nvSpPr>
-                    <p:cNvPr id="51" name="TextBox 50"/>
-                    <p:cNvSpPr txBox="1">
-                      <a:spLocks noRot="1" noChangeAspect="1" noMove="1" noResize="1" noEditPoints="1" noAdjustHandles="1" noChangeArrowheads="1" noChangeShapeType="1" noTextEdit="1"/>
-                    </p:cNvSpPr>
-                    <p:nvPr/>
-                  </p:nvSpPr>
-                  <p:spPr>
-                    <a:xfrm>
-                      <a:off x="6676964" y="2658521"/>
-                      <a:ext cx="235513" cy="307777"/>
-                    </a:xfrm>
-                    <a:prstGeom prst="rect">
-                      <a:avLst/>
-                    </a:prstGeom>
-                    <a:blipFill rotWithShape="0">
-                      <a:blip r:embed="rId9"/>
-                      <a:stretch>
-                        <a:fillRect l="-23684" r="-21053" b="-10000"/>
-                      </a:stretch>
-                    </a:blipFill>
-                  </p:spPr>
-                  <p:txBody>
-                    <a:bodyPr/>
-                    <a:lstStyle/>
-                    <a:p>
-                      <a:r>
-                        <a:rPr lang="en-US">
-                          <a:noFill/>
-                        </a:rPr>
-                        <a:t> </a:t>
-                      </a:r>
-                    </a:p>
-                  </p:txBody>
-                </p:sp>
-              </mc:Fallback>
-            </mc:AlternateContent>
-            <mc:AlternateContent xmlns:mc="http://schemas.openxmlformats.org/markup-compatibility/2006">
-              <mc:Choice xmlns:a14="http://schemas.microsoft.com/office/drawing/2010/main" Requires="a14">
-                <p:sp>
-                  <p:nvSpPr>
-                    <p:cNvPr id="52" name="TextBox 51"/>
-                    <p:cNvSpPr txBox="1"/>
-                    <p:nvPr/>
-                  </p:nvSpPr>
-                  <p:spPr>
-                    <a:xfrm>
-                      <a:off x="645318" y="2615455"/>
-                      <a:ext cx="214546" cy="307777"/>
-                    </a:xfrm>
-                    <a:prstGeom prst="rect">
-                      <a:avLst/>
-                    </a:prstGeom>
-                    <a:noFill/>
-                  </p:spPr>
-                  <p:txBody>
-                    <a:bodyPr wrap="none" lIns="0" tIns="0" rIns="0" bIns="0" rtlCol="0">
-                      <a:spAutoFit/>
-                    </a:bodyPr>
-                    <a:lstStyle/>
-                    <a:p>
-                      <a14:m>
-                        <m:oMathPara xmlns:m="http://schemas.openxmlformats.org/officeDocument/2006/math">
-                          <m:oMathParaPr>
-                            <m:jc m:val="centerGroup"/>
-                          </m:oMathParaPr>
-                          <m:oMath xmlns:m="http://schemas.openxmlformats.org/officeDocument/2006/math">
-                            <m:r>
-                              <a:rPr lang="en-CA" sz="2000" b="0" i="1" smtClean="0">
-                                <a:latin typeface="Cambria Math" charset="0"/>
-                                <a:cs typeface="Arial" panose="020B0604020202020204" pitchFamily="34" charset="0"/>
-                              </a:rPr>
-                              <m:t>𝑥</m:t>
-                            </m:r>
-                          </m:oMath>
-                        </m:oMathPara>
-                      </a14:m>
-                      <a:endParaRPr lang="en-US" sz="2000" dirty="0" smtClean="0">
-                        <a:latin typeface="Arial" panose="020B0604020202020204" pitchFamily="34" charset="0"/>
-                        <a:cs typeface="Arial" panose="020B0604020202020204" pitchFamily="34" charset="0"/>
-                      </a:endParaRPr>
-                    </a:p>
-                  </p:txBody>
-                </p:sp>
-              </mc:Choice>
-              <mc:Fallback>
-                <p:sp>
-                  <p:nvSpPr>
-                    <p:cNvPr id="52" name="TextBox 51"/>
-                    <p:cNvSpPr txBox="1">
-                      <a:spLocks noRot="1" noChangeAspect="1" noMove="1" noResize="1" noEditPoints="1" noAdjustHandles="1" noChangeArrowheads="1" noChangeShapeType="1" noTextEdit="1"/>
-                    </p:cNvSpPr>
-                    <p:nvPr/>
-                  </p:nvSpPr>
-                  <p:spPr>
-                    <a:xfrm>
-                      <a:off x="645318" y="2615455"/>
-                      <a:ext cx="214546" cy="307777"/>
-                    </a:xfrm>
-                    <a:prstGeom prst="rect">
-                      <a:avLst/>
-                    </a:prstGeom>
-                    <a:blipFill rotWithShape="0">
-                      <a:blip r:embed="rId10"/>
-                      <a:stretch>
-                        <a:fillRect l="-11111" r="-8333" b="-2000"/>
-                      </a:stretch>
-                    </a:blipFill>
-                  </p:spPr>
-                  <p:txBody>
-                    <a:bodyPr/>
-                    <a:lstStyle/>
-                    <a:p>
-                      <a:r>
-                        <a:rPr lang="en-US">
-                          <a:noFill/>
-                        </a:rPr>
-                        <a:t> </a:t>
-                      </a:r>
-                    </a:p>
-                  </p:txBody>
-                </p:sp>
-              </mc:Fallback>
-            </mc:AlternateContent>
-            <mc:AlternateContent xmlns:mc="http://schemas.openxmlformats.org/markup-compatibility/2006">
-              <mc:Choice xmlns:a14="http://schemas.microsoft.com/office/drawing/2010/main" Requires="a14">
-                <p:sp>
-                  <p:nvSpPr>
-                    <p:cNvPr id="54" name="TextBox 53"/>
-                    <p:cNvSpPr txBox="1"/>
-                    <p:nvPr/>
-                  </p:nvSpPr>
-                  <p:spPr>
-                    <a:xfrm>
-                      <a:off x="2183851" y="3267693"/>
-                      <a:ext cx="460771" cy="307777"/>
-                    </a:xfrm>
-                    <a:prstGeom prst="rect">
-                      <a:avLst/>
-                    </a:prstGeom>
-                    <a:noFill/>
-                  </p:spPr>
-                  <p:txBody>
-                    <a:bodyPr wrap="square" lIns="0" tIns="0" rIns="0" bIns="0" rtlCol="0">
-                      <a:spAutoFit/>
-                    </a:bodyPr>
-                    <a:lstStyle/>
-                    <a:p>
-                      <a14:m>
-                        <m:oMathPara xmlns:m="http://schemas.openxmlformats.org/officeDocument/2006/math">
-                          <m:oMathParaPr>
-                            <m:jc m:val="centerGroup"/>
-                          </m:oMathParaPr>
-                          <m:oMath xmlns:m="http://schemas.openxmlformats.org/officeDocument/2006/math">
-                            <m:r>
-                              <a:rPr lang="en-CA" sz="2000" b="0" i="1" smtClean="0">
-                                <a:latin typeface="Cambria Math" charset="0"/>
-                                <a:cs typeface="Arial" panose="020B0604020202020204" pitchFamily="34" charset="0"/>
-                              </a:rPr>
-                              <m:t>𝑀</m:t>
-                            </m:r>
-                          </m:oMath>
-                        </m:oMathPara>
-                      </a14:m>
-                      <a:endParaRPr lang="en-US" sz="2000" dirty="0" smtClean="0">
-                        <a:latin typeface="Arial" panose="020B0604020202020204" pitchFamily="34" charset="0"/>
-                        <a:cs typeface="Arial" panose="020B0604020202020204" pitchFamily="34" charset="0"/>
-                      </a:endParaRPr>
-                    </a:p>
-                  </p:txBody>
-                </p:sp>
-              </mc:Choice>
-              <mc:Fallback>
-                <p:sp>
-                  <p:nvSpPr>
-                    <p:cNvPr id="54" name="TextBox 53"/>
-                    <p:cNvSpPr txBox="1">
-                      <a:spLocks noRot="1" noChangeAspect="1" noMove="1" noResize="1" noEditPoints="1" noAdjustHandles="1" noChangeArrowheads="1" noChangeShapeType="1" noTextEdit="1"/>
-                    </p:cNvSpPr>
-                    <p:nvPr/>
-                  </p:nvSpPr>
-                  <p:spPr>
-                    <a:xfrm>
-                      <a:off x="2183851" y="3267693"/>
-                      <a:ext cx="460771" cy="307777"/>
-                    </a:xfrm>
-                    <a:prstGeom prst="rect">
-                      <a:avLst/>
-                    </a:prstGeom>
-                    <a:blipFill rotWithShape="0">
-                      <a:blip r:embed="rId21"/>
-                      <a:stretch>
-                        <a:fillRect b="-10000"/>
-                      </a:stretch>
-                    </a:blipFill>
-                  </p:spPr>
-                  <p:txBody>
-                    <a:bodyPr/>
-                    <a:lstStyle/>
-                    <a:p>
-                      <a:r>
-                        <a:rPr lang="en-US">
-                          <a:noFill/>
-                        </a:rPr>
-                        <a:t> </a:t>
-                      </a:r>
-                    </a:p>
-                  </p:txBody>
-                </p:sp>
-              </mc:Fallback>
-            </mc:AlternateContent>
-            <mc:AlternateContent xmlns:mc="http://schemas.openxmlformats.org/markup-compatibility/2006">
-              <mc:Choice xmlns:a14="http://schemas.microsoft.com/office/drawing/2010/main" Requires="a14">
-                <p:sp>
-                  <p:nvSpPr>
-                    <p:cNvPr id="55" name="TextBox 54"/>
-                    <p:cNvSpPr txBox="1"/>
-                    <p:nvPr/>
-                  </p:nvSpPr>
-                  <p:spPr>
-                    <a:xfrm>
-                      <a:off x="2656700" y="2659994"/>
-                      <a:ext cx="212046" cy="307777"/>
-                    </a:xfrm>
-                    <a:prstGeom prst="rect">
-                      <a:avLst/>
-                    </a:prstGeom>
-                    <a:noFill/>
-                  </p:spPr>
-                  <p:txBody>
-                    <a:bodyPr wrap="none" lIns="0" tIns="0" rIns="0" bIns="0" rtlCol="0">
-                      <a:spAutoFit/>
-                    </a:bodyPr>
-                    <a:lstStyle/>
-                    <a:p>
-                      <a14:m>
-                        <m:oMathPara xmlns:m="http://schemas.openxmlformats.org/officeDocument/2006/math">
-                          <m:oMathParaPr>
-                            <m:jc m:val="centerGroup"/>
-                          </m:oMathParaPr>
-                          <m:oMath xmlns:m="http://schemas.openxmlformats.org/officeDocument/2006/math">
-                            <m:r>
-                              <a:rPr lang="en-CA" sz="2000" b="0" i="1" smtClean="0">
-                                <a:latin typeface="Cambria Math" charset="0"/>
-                                <a:cs typeface="Arial" panose="020B0604020202020204" pitchFamily="34" charset="0"/>
-                              </a:rPr>
-                              <m:t>𝐿</m:t>
-                            </m:r>
-                          </m:oMath>
-                        </m:oMathPara>
-                      </a14:m>
-                      <a:endParaRPr lang="en-US" sz="2000" dirty="0" smtClean="0">
-                        <a:latin typeface="Arial" panose="020B0604020202020204" pitchFamily="34" charset="0"/>
-                        <a:cs typeface="Arial" panose="020B0604020202020204" pitchFamily="34" charset="0"/>
-                      </a:endParaRPr>
-                    </a:p>
-                  </p:txBody>
-                </p:sp>
-              </mc:Choice>
-              <mc:Fallback>
-                <p:sp>
-                  <p:nvSpPr>
-                    <p:cNvPr id="55" name="TextBox 54"/>
-                    <p:cNvSpPr txBox="1">
-                      <a:spLocks noRot="1" noChangeAspect="1" noMove="1" noResize="1" noEditPoints="1" noAdjustHandles="1" noChangeArrowheads="1" noChangeShapeType="1" noTextEdit="1"/>
-                    </p:cNvSpPr>
-                    <p:nvPr/>
-                  </p:nvSpPr>
-                  <p:spPr>
-                    <a:xfrm>
-                      <a:off x="2656700" y="2659994"/>
-                      <a:ext cx="212046" cy="307777"/>
-                    </a:xfrm>
-                    <a:prstGeom prst="rect">
-                      <a:avLst/>
-                    </a:prstGeom>
-                    <a:blipFill rotWithShape="0">
-                      <a:blip r:embed="rId22"/>
-                      <a:stretch>
-                        <a:fillRect l="-22857" r="-22857" b="-9804"/>
-                      </a:stretch>
-                    </a:blipFill>
-                  </p:spPr>
-                  <p:txBody>
-                    <a:bodyPr/>
-                    <a:lstStyle/>
-                    <a:p>
-                      <a:r>
-                        <a:rPr lang="en-US">
-                          <a:noFill/>
-                        </a:rPr>
-                        <a:t> </a:t>
-                      </a:r>
-                    </a:p>
-                  </p:txBody>
-                </p:sp>
-              </mc:Fallback>
-            </mc:AlternateContent>
-            <p:cxnSp>
-              <p:nvCxnSpPr>
-                <p:cNvPr id="56" name="Straight Arrow Connector 55"/>
-                <p:cNvCxnSpPr/>
-                <p:nvPr/>
-              </p:nvCxnSpPr>
-              <p:spPr>
-                <a:xfrm flipH="1">
-                  <a:off x="1071998" y="2813882"/>
-                  <a:ext cx="1476000" cy="0"/>
-                </a:xfrm>
-                <a:prstGeom prst="straightConnector1">
-                  <a:avLst/>
-                </a:prstGeom>
-                <a:ln w="38100">
-                  <a:solidFill>
-                    <a:schemeClr val="tx1"/>
-                  </a:solidFill>
-                  <a:tailEnd type="triangle"/>
-                </a:ln>
-              </p:spPr>
-              <p:style>
-                <a:lnRef idx="1">
-                  <a:schemeClr val="accent1"/>
-                </a:lnRef>
-                <a:fillRef idx="0">
-                  <a:schemeClr val="accent1"/>
-                </a:fillRef>
-                <a:effectRef idx="0">
-                  <a:schemeClr val="accent1"/>
-                </a:effectRef>
-                <a:fontRef idx="minor">
-                  <a:schemeClr val="tx1"/>
-                </a:fontRef>
-              </p:style>
-            </p:cxnSp>
-            <p:cxnSp>
-              <p:nvCxnSpPr>
-                <p:cNvPr id="57" name="Straight Arrow Connector 56"/>
-                <p:cNvCxnSpPr/>
-                <p:nvPr/>
-              </p:nvCxnSpPr>
-              <p:spPr>
-                <a:xfrm>
-                  <a:off x="3010499" y="2813882"/>
-                  <a:ext cx="1476000" cy="0"/>
-                </a:xfrm>
-                <a:prstGeom prst="straightConnector1">
-                  <a:avLst/>
-                </a:prstGeom>
-                <a:ln w="38100">
-                  <a:solidFill>
-                    <a:schemeClr val="tx1"/>
-                  </a:solidFill>
-                  <a:tailEnd type="triangle"/>
-                </a:ln>
-              </p:spPr>
-              <p:style>
-                <a:lnRef idx="1">
-                  <a:schemeClr val="accent1"/>
-                </a:lnRef>
-                <a:fillRef idx="0">
-                  <a:schemeClr val="accent1"/>
-                </a:fillRef>
-                <a:effectRef idx="0">
-                  <a:schemeClr val="accent1"/>
-                </a:effectRef>
-                <a:fontRef idx="minor">
-                  <a:schemeClr val="tx1"/>
-                </a:fontRef>
-              </p:style>
-            </p:cxnSp>
-            <mc:AlternateContent xmlns:mc="http://schemas.openxmlformats.org/markup-compatibility/2006">
-              <mc:Choice xmlns:a14="http://schemas.microsoft.com/office/drawing/2010/main" Requires="a14">
-                <p:sp>
-                  <p:nvSpPr>
-                    <p:cNvPr id="58" name="TextBox 57"/>
-                    <p:cNvSpPr txBox="1"/>
-                    <p:nvPr/>
-                  </p:nvSpPr>
-                  <p:spPr>
-                    <a:xfrm>
-                      <a:off x="5468627" y="2653212"/>
-                      <a:ext cx="212046" cy="307777"/>
-                    </a:xfrm>
-                    <a:prstGeom prst="rect">
-                      <a:avLst/>
-                    </a:prstGeom>
-                    <a:noFill/>
-                  </p:spPr>
-                  <p:txBody>
-                    <a:bodyPr wrap="square" lIns="0" tIns="0" rIns="0" bIns="0" rtlCol="0">
-                      <a:spAutoFit/>
-                    </a:bodyPr>
-                    <a:lstStyle/>
-                    <a:p>
-                      <a14:m>
-                        <m:oMathPara xmlns:m="http://schemas.openxmlformats.org/officeDocument/2006/math">
-                          <m:oMathParaPr>
-                            <m:jc m:val="centerGroup"/>
-                          </m:oMathParaPr>
-                          <m:oMath xmlns:m="http://schemas.openxmlformats.org/officeDocument/2006/math">
-                            <m:r>
-                              <a:rPr lang="en-CA" sz="2000" b="0" i="1" smtClean="0">
-                                <a:latin typeface="Cambria Math" charset="0"/>
-                                <a:cs typeface="Arial" panose="020B0604020202020204" pitchFamily="34" charset="0"/>
-                              </a:rPr>
-                              <m:t>𝑑</m:t>
-                            </m:r>
-                          </m:oMath>
-                        </m:oMathPara>
-                      </a14:m>
-                      <a:endParaRPr lang="en-US" sz="2000" dirty="0" smtClean="0">
-                        <a:latin typeface="Arial" panose="020B0604020202020204" pitchFamily="34" charset="0"/>
-                        <a:cs typeface="Arial" panose="020B0604020202020204" pitchFamily="34" charset="0"/>
-                      </a:endParaRPr>
-                    </a:p>
-                  </p:txBody>
-                </p:sp>
-              </mc:Choice>
-              <mc:Fallback>
-                <p:sp>
-                  <p:nvSpPr>
-                    <p:cNvPr id="58" name="TextBox 57"/>
-                    <p:cNvSpPr txBox="1">
-                      <a:spLocks noRot="1" noChangeAspect="1" noMove="1" noResize="1" noEditPoints="1" noAdjustHandles="1" noChangeArrowheads="1" noChangeShapeType="1" noTextEdit="1"/>
-                    </p:cNvSpPr>
-                    <p:nvPr/>
-                  </p:nvSpPr>
-                  <p:spPr>
-                    <a:xfrm>
-                      <a:off x="5468627" y="2653212"/>
-                      <a:ext cx="212046" cy="307777"/>
-                    </a:xfrm>
-                    <a:prstGeom prst="rect">
-                      <a:avLst/>
-                    </a:prstGeom>
-                    <a:blipFill rotWithShape="0">
-                      <a:blip r:embed="rId7"/>
-                      <a:stretch>
-                        <a:fillRect l="-32353" r="-29412" b="-14000"/>
-                      </a:stretch>
-                    </a:blipFill>
-                  </p:spPr>
-                  <p:txBody>
-                    <a:bodyPr/>
-                    <a:lstStyle/>
-                    <a:p>
-                      <a:r>
-                        <a:rPr lang="en-US">
-                          <a:noFill/>
-                        </a:rPr>
-                        <a:t> </a:t>
-                      </a:r>
-                    </a:p>
-                  </p:txBody>
-                </p:sp>
-              </mc:Fallback>
-            </mc:AlternateContent>
-            <p:cxnSp>
-              <p:nvCxnSpPr>
-                <p:cNvPr id="59" name="Straight Arrow Connector 58"/>
-                <p:cNvCxnSpPr/>
-                <p:nvPr/>
-              </p:nvCxnSpPr>
-              <p:spPr>
-                <a:xfrm flipH="1">
-                  <a:off x="4516479" y="2807101"/>
-                  <a:ext cx="800066" cy="0"/>
-                </a:xfrm>
-                <a:prstGeom prst="straightConnector1">
-                  <a:avLst/>
-                </a:prstGeom>
-                <a:ln w="38100">
-                  <a:solidFill>
-                    <a:schemeClr val="tx1"/>
-                  </a:solidFill>
-                  <a:tailEnd type="triangle"/>
-                </a:ln>
-              </p:spPr>
-              <p:style>
-                <a:lnRef idx="1">
-                  <a:schemeClr val="accent1"/>
-                </a:lnRef>
-                <a:fillRef idx="0">
-                  <a:schemeClr val="accent1"/>
-                </a:fillRef>
-                <a:effectRef idx="0">
-                  <a:schemeClr val="accent1"/>
-                </a:effectRef>
-                <a:fontRef idx="minor">
-                  <a:schemeClr val="tx1"/>
-                </a:fontRef>
-              </p:style>
-            </p:cxnSp>
-            <p:cxnSp>
-              <p:nvCxnSpPr>
-                <p:cNvPr id="60" name="Straight Arrow Connector 59"/>
-                <p:cNvCxnSpPr/>
-                <p:nvPr/>
-              </p:nvCxnSpPr>
-              <p:spPr>
-                <a:xfrm flipV="1">
-                  <a:off x="5832755" y="2801942"/>
-                  <a:ext cx="738000" cy="7938"/>
-                </a:xfrm>
-                <a:prstGeom prst="straightConnector1">
-                  <a:avLst/>
-                </a:prstGeom>
-                <a:ln w="38100">
-                  <a:solidFill>
-                    <a:schemeClr val="tx1"/>
-                  </a:solidFill>
-                  <a:tailEnd type="triangle"/>
-                </a:ln>
-              </p:spPr>
-              <p:style>
-                <a:lnRef idx="1">
-                  <a:schemeClr val="accent1"/>
-                </a:lnRef>
-                <a:fillRef idx="0">
-                  <a:schemeClr val="accent1"/>
-                </a:fillRef>
-                <a:effectRef idx="0">
-                  <a:schemeClr val="accent1"/>
-                </a:effectRef>
-                <a:fontRef idx="minor">
-                  <a:schemeClr val="tx1"/>
-                </a:fontRef>
-              </p:style>
-            </p:cxnSp>
-          </p:grpSp>
-          <p:sp>
-            <p:nvSpPr>
-              <p:cNvPr id="61" name="Rectangle 60"/>
-              <p:cNvSpPr/>
-              <p:nvPr/>
-            </p:nvSpPr>
-            <p:spPr>
-              <a:xfrm>
-                <a:off x="3545166" y="3113624"/>
-                <a:ext cx="180000" cy="194874"/>
-              </a:xfrm>
-              <a:prstGeom prst="rect">
-                <a:avLst/>
-              </a:prstGeom>
-              <a:solidFill>
-                <a:schemeClr val="tx1"/>
-              </a:solidFill>
-              <a:ln w="38100">
-                <a:solidFill>
-                  <a:schemeClr val="tx1"/>
-                </a:solidFill>
-              </a:ln>
-            </p:spPr>
-            <p:style>
-              <a:lnRef idx="2">
-                <a:schemeClr val="accent1">
-                  <a:shade val="50000"/>
-                </a:schemeClr>
-              </a:lnRef>
-              <a:fillRef idx="1">
-                <a:schemeClr val="accent1"/>
-              </a:fillRef>
-              <a:effectRef idx="0">
-                <a:schemeClr val="accent1"/>
-              </a:effectRef>
-              <a:fontRef idx="minor">
-                <a:schemeClr val="lt1"/>
-              </a:fontRef>
-            </p:style>
-            <p:txBody>
-              <a:bodyPr rtlCol="0" anchor="ctr"/>
-              <a:lstStyle/>
-              <a:p>
-                <a:pPr algn="ctr"/>
-                <a:endParaRPr lang="en-US"/>
-              </a:p>
-            </p:txBody>
-          </p:sp>
-          <p:cxnSp>
-            <p:nvCxnSpPr>
-              <p:cNvPr id="65" name="Straight Arrow Connector 64"/>
-              <p:cNvCxnSpPr/>
-              <p:nvPr/>
-            </p:nvCxnSpPr>
-            <p:spPr>
-              <a:xfrm flipH="1">
-                <a:off x="3835950" y="3477657"/>
-                <a:ext cx="324000" cy="0"/>
-              </a:xfrm>
-              <a:prstGeom prst="straightConnector1">
-                <a:avLst/>
-              </a:prstGeom>
-              <a:ln w="38100">
-                <a:solidFill>
-                  <a:schemeClr val="tx1"/>
-                </a:solidFill>
-                <a:tailEnd type="triangle"/>
-              </a:ln>
-            </p:spPr>
-            <p:style>
-              <a:lnRef idx="1">
-                <a:schemeClr val="accent1"/>
-              </a:lnRef>
-              <a:fillRef idx="0">
-                <a:schemeClr val="accent1"/>
-              </a:fillRef>
-              <a:effectRef idx="0">
-                <a:schemeClr val="accent1"/>
-              </a:effectRef>
-              <a:fontRef idx="minor">
-                <a:schemeClr val="tx1"/>
-              </a:fontRef>
-            </p:style>
-          </p:cxnSp>
-          <p:cxnSp>
-            <p:nvCxnSpPr>
-              <p:cNvPr id="67" name="Straight Arrow Connector 66"/>
-              <p:cNvCxnSpPr/>
-              <p:nvPr/>
-            </p:nvCxnSpPr>
-            <p:spPr>
-              <a:xfrm>
-                <a:off x="3097985" y="3477657"/>
-                <a:ext cx="324000" cy="0"/>
-              </a:xfrm>
-              <a:prstGeom prst="straightConnector1">
-                <a:avLst/>
-              </a:prstGeom>
-              <a:ln w="38100">
-                <a:solidFill>
-                  <a:schemeClr val="tx1"/>
-                </a:solidFill>
-                <a:tailEnd type="triangle"/>
-              </a:ln>
-            </p:spPr>
-            <p:style>
-              <a:lnRef idx="1">
-                <a:schemeClr val="accent1"/>
-              </a:lnRef>
-              <a:fillRef idx="0">
-                <a:schemeClr val="accent1"/>
-              </a:fillRef>
-              <a:effectRef idx="0">
-                <a:schemeClr val="accent1"/>
-              </a:effectRef>
-              <a:fontRef idx="minor">
-                <a:schemeClr val="tx1"/>
-              </a:fontRef>
-            </p:style>
-          </p:cxnSp>
-          <p:cxnSp>
-            <p:nvCxnSpPr>
-              <p:cNvPr id="68" name="Straight Connector 67"/>
-              <p:cNvCxnSpPr/>
-              <p:nvPr/>
-            </p:nvCxnSpPr>
-            <p:spPr>
-              <a:xfrm>
-                <a:off x="3835950" y="3358281"/>
-                <a:ext cx="0" cy="239843"/>
-              </a:xfrm>
-              <a:prstGeom prst="line">
-                <a:avLst/>
-              </a:prstGeom>
-              <a:ln w="38100">
-                <a:solidFill>
-                  <a:schemeClr val="tx1"/>
-                </a:solidFill>
-              </a:ln>
-            </p:spPr>
-            <p:style>
-              <a:lnRef idx="1">
-                <a:schemeClr val="accent1"/>
-              </a:lnRef>
-              <a:fillRef idx="0">
-                <a:schemeClr val="accent1"/>
-              </a:fillRef>
-              <a:effectRef idx="0">
-                <a:schemeClr val="accent1"/>
-              </a:effectRef>
-              <a:fontRef idx="minor">
-                <a:schemeClr val="tx1"/>
-              </a:fontRef>
-            </p:style>
-          </p:cxnSp>
-          <p:cxnSp>
-            <p:nvCxnSpPr>
-              <p:cNvPr id="69" name="Straight Connector 68"/>
-              <p:cNvCxnSpPr/>
-              <p:nvPr/>
-            </p:nvCxnSpPr>
-            <p:spPr>
-              <a:xfrm>
-                <a:off x="3448351" y="3360718"/>
-                <a:ext cx="0" cy="239843"/>
-              </a:xfrm>
-              <a:prstGeom prst="line">
-                <a:avLst/>
-              </a:prstGeom>
-              <a:ln w="38100">
-                <a:solidFill>
-                  <a:schemeClr val="tx1"/>
-                </a:solidFill>
-              </a:ln>
-            </p:spPr>
-            <p:style>
-              <a:lnRef idx="1">
-                <a:schemeClr val="accent1"/>
-              </a:lnRef>
-              <a:fillRef idx="0">
-                <a:schemeClr val="accent1"/>
-              </a:fillRef>
-              <a:effectRef idx="0">
-                <a:schemeClr val="accent1"/>
-              </a:effectRef>
-              <a:fontRef idx="minor">
-                <a:schemeClr val="tx1"/>
-              </a:fontRef>
-            </p:style>
-          </p:cxnSp>
-          <mc:AlternateContent xmlns:mc="http://schemas.openxmlformats.org/markup-compatibility/2006">
-            <mc:Choice xmlns:a14="http://schemas.microsoft.com/office/drawing/2010/main" Requires="a14">
-              <p:sp>
-                <p:nvSpPr>
-                  <p:cNvPr id="70" name="TextBox 69"/>
-                  <p:cNvSpPr txBox="1"/>
-                  <p:nvPr/>
-                </p:nvSpPr>
-                <p:spPr>
-                  <a:xfrm>
-                    <a:off x="3506195" y="3317699"/>
-                    <a:ext cx="212046" cy="307777"/>
-                  </a:xfrm>
-                  <a:prstGeom prst="rect">
-                    <a:avLst/>
-                  </a:prstGeom>
-                  <a:noFill/>
-                </p:spPr>
-                <p:txBody>
-                  <a:bodyPr wrap="square" lIns="0" tIns="0" rIns="0" bIns="0" rtlCol="0">
-                    <a:spAutoFit/>
-                  </a:bodyPr>
-                  <a:lstStyle/>
-                  <a:p>
-                    <a14:m>
-                      <m:oMathPara xmlns:m="http://schemas.openxmlformats.org/officeDocument/2006/math">
-                        <m:oMathParaPr>
-                          <m:jc m:val="centerGroup"/>
-                        </m:oMathParaPr>
-                        <m:oMath xmlns:m="http://schemas.openxmlformats.org/officeDocument/2006/math">
-                          <m:r>
-                            <a:rPr lang="en-CA" sz="2000" b="0" i="1" smtClean="0">
-                              <a:latin typeface="Cambria Math" charset="0"/>
-                              <a:cs typeface="Arial" panose="020B0604020202020204" pitchFamily="34" charset="0"/>
-                            </a:rPr>
-                            <m:t>𝑑𝑥</m:t>
-                          </m:r>
-                        </m:oMath>
-                      </m:oMathPara>
-                    </a14:m>
-                    <a:endParaRPr lang="en-US" sz="2000" dirty="0" smtClean="0">
-                      <a:latin typeface="Arial" panose="020B0604020202020204" pitchFamily="34" charset="0"/>
-                      <a:cs typeface="Arial" panose="020B0604020202020204" pitchFamily="34" charset="0"/>
-                    </a:endParaRPr>
-                  </a:p>
-                </p:txBody>
-              </p:sp>
-            </mc:Choice>
-            <mc:Fallback>
-              <p:sp>
-                <p:nvSpPr>
-                  <p:cNvPr id="70" name="TextBox 69"/>
-                  <p:cNvSpPr txBox="1">
-                    <a:spLocks noRot="1" noChangeAspect="1" noMove="1" noResize="1" noEditPoints="1" noAdjustHandles="1" noChangeArrowheads="1" noChangeShapeType="1" noTextEdit="1"/>
-                  </p:cNvSpPr>
-                  <p:nvPr/>
-                </p:nvSpPr>
-                <p:spPr>
-                  <a:xfrm>
-                    <a:off x="3506195" y="3317699"/>
-                    <a:ext cx="212046" cy="307777"/>
-                  </a:xfrm>
-                  <a:prstGeom prst="rect">
-                    <a:avLst/>
-                  </a:prstGeom>
-                  <a:blipFill rotWithShape="0">
-                    <a:blip r:embed="rId23"/>
-                    <a:stretch>
-                      <a:fillRect l="-47059" r="-79412" b="-14000"/>
-                    </a:stretch>
-                  </a:blipFill>
-                </p:spPr>
-                <p:txBody>
-                  <a:bodyPr/>
-                  <a:lstStyle/>
-                  <a:p>
-                    <a:r>
-                      <a:rPr lang="en-US">
-                        <a:noFill/>
-                      </a:rPr>
-                      <a:t> </a:t>
-                    </a:r>
-                  </a:p>
-                </p:txBody>
-              </p:sp>
-            </mc:Fallback>
-          </mc:AlternateContent>
-          <p:cxnSp>
-            <p:nvCxnSpPr>
-              <p:cNvPr id="78" name="Straight Arrow Connector 77"/>
-              <p:cNvCxnSpPr/>
-              <p:nvPr/>
-            </p:nvCxnSpPr>
-            <p:spPr>
-              <a:xfrm flipH="1">
-                <a:off x="5755455" y="3227581"/>
-                <a:ext cx="800066" cy="0"/>
-              </a:xfrm>
-              <a:prstGeom prst="straightConnector1">
-                <a:avLst/>
-              </a:prstGeom>
-              <a:ln w="57150">
-                <a:solidFill>
-                  <a:srgbClr val="FF0000"/>
-                </a:solidFill>
-                <a:tailEnd type="triangle"/>
-              </a:ln>
-            </p:spPr>
-            <p:style>
-              <a:lnRef idx="1">
-                <a:schemeClr val="accent1"/>
-              </a:lnRef>
-              <a:fillRef idx="0">
-                <a:schemeClr val="accent1"/>
-              </a:fillRef>
-              <a:effectRef idx="0">
-                <a:schemeClr val="accent1"/>
-              </a:effectRef>
-              <a:fontRef idx="minor">
-                <a:schemeClr val="tx1"/>
-              </a:fontRef>
-            </p:style>
-          </p:cxnSp>
-          <mc:AlternateContent xmlns:mc="http://schemas.openxmlformats.org/markup-compatibility/2006">
-            <mc:Choice xmlns:a14="http://schemas.microsoft.com/office/drawing/2010/main" Requires="a14">
-              <p:sp>
-                <p:nvSpPr>
-                  <p:cNvPr id="119" name="TextBox 118"/>
-                  <p:cNvSpPr txBox="1"/>
-                  <p:nvPr/>
-                </p:nvSpPr>
-                <p:spPr>
-                  <a:xfrm>
-                    <a:off x="5801982" y="3302798"/>
-                    <a:ext cx="803931" cy="307777"/>
-                  </a:xfrm>
-                  <a:prstGeom prst="rect">
-                    <a:avLst/>
-                  </a:prstGeom>
-                  <a:noFill/>
-                </p:spPr>
-                <p:txBody>
-                  <a:bodyPr wrap="square" lIns="0" tIns="0" rIns="0" bIns="0" rtlCol="0">
-                    <a:spAutoFit/>
-                  </a:bodyPr>
-                  <a:lstStyle/>
-                  <a:p>
-                    <a14:m>
-                      <m:oMathPara xmlns:m="http://schemas.openxmlformats.org/officeDocument/2006/math">
-                        <m:oMathParaPr>
-                          <m:jc m:val="centerGroup"/>
-                        </m:oMathParaPr>
-                        <m:oMath xmlns:m="http://schemas.openxmlformats.org/officeDocument/2006/math">
-                          <m:r>
-                            <a:rPr lang="en-CA" sz="2000" b="0" i="1" smtClean="0">
-                              <a:solidFill>
-                                <a:srgbClr val="FF0000"/>
-                              </a:solidFill>
-                              <a:latin typeface="Cambria Math" charset="0"/>
-                              <a:cs typeface="Arial" panose="020B0604020202020204" pitchFamily="34" charset="0"/>
-                            </a:rPr>
-                            <m:t>𝑑</m:t>
-                          </m:r>
-                          <m:acc>
-                            <m:accPr>
-                              <m:chr m:val="⃗"/>
-                              <m:ctrlPr>
-                                <a:rPr lang="en-CA" sz="2000" b="0" i="1" smtClean="0">
-                                  <a:solidFill>
-                                    <a:srgbClr val="FF0000"/>
-                                  </a:solidFill>
-                                  <a:latin typeface="Cambria Math" charset="0"/>
-                                  <a:cs typeface="Arial" panose="020B0604020202020204" pitchFamily="34" charset="0"/>
-                                </a:rPr>
-                              </m:ctrlPr>
-                            </m:accPr>
-                            <m:e>
-                              <m:r>
-                                <a:rPr lang="en-CA" sz="2000" b="0" i="1" smtClean="0">
-                                  <a:solidFill>
-                                    <a:srgbClr val="FF0000"/>
-                                  </a:solidFill>
-                                  <a:latin typeface="Cambria Math" charset="0"/>
-                                  <a:cs typeface="Arial" panose="020B0604020202020204" pitchFamily="34" charset="0"/>
-                                </a:rPr>
-                                <m:t>𝑔</m:t>
-                              </m:r>
-                            </m:e>
-                          </m:acc>
-                        </m:oMath>
-                      </m:oMathPara>
-                    </a14:m>
-                    <a:endParaRPr lang="en-US" sz="2000" dirty="0" smtClean="0">
-                      <a:solidFill>
-                        <a:srgbClr val="FF0000"/>
-                      </a:solidFill>
-                      <a:latin typeface="Arial" panose="020B0604020202020204" pitchFamily="34" charset="0"/>
-                      <a:cs typeface="Arial" panose="020B0604020202020204" pitchFamily="34" charset="0"/>
-                    </a:endParaRPr>
-                  </a:p>
-                </p:txBody>
-              </p:sp>
-            </mc:Choice>
-            <mc:Fallback>
-              <p:sp>
-                <p:nvSpPr>
-                  <p:cNvPr id="119" name="TextBox 118"/>
-                  <p:cNvSpPr txBox="1">
-                    <a:spLocks noRot="1" noChangeAspect="1" noMove="1" noResize="1" noEditPoints="1" noAdjustHandles="1" noChangeArrowheads="1" noChangeShapeType="1" noTextEdit="1"/>
-                  </p:cNvSpPr>
-                  <p:nvPr/>
-                </p:nvSpPr>
-                <p:spPr>
-                  <a:xfrm>
-                    <a:off x="5801982" y="3302798"/>
-                    <a:ext cx="803931" cy="307777"/>
-                  </a:xfrm>
-                  <a:prstGeom prst="rect">
-                    <a:avLst/>
-                  </a:prstGeom>
-                  <a:blipFill rotWithShape="0">
-                    <a:blip r:embed="rId24"/>
-                    <a:stretch>
-                      <a:fillRect t="-33333" r="-18939" b="-27451"/>
-                    </a:stretch>
-                  </a:blipFill>
-                </p:spPr>
-                <p:txBody>
-                  <a:bodyPr/>
-                  <a:lstStyle/>
-                  <a:p>
-                    <a:r>
-                      <a:rPr lang="en-US">
-                        <a:noFill/>
-                      </a:rPr>
-                      <a:t> </a:t>
-                    </a:r>
-                  </a:p>
-                </p:txBody>
-              </p:sp>
-            </mc:Fallback>
-          </mc:AlternateContent>
-        </p:grpSp>
-        <p:sp>
-          <p:nvSpPr>
-            <p:cNvPr id="126" name="Oval 125"/>
-            <p:cNvSpPr/>
-            <p:nvPr/>
-          </p:nvSpPr>
-          <p:spPr>
-            <a:xfrm>
-              <a:off x="6551690" y="3117547"/>
-              <a:ext cx="108000" cy="108000"/>
-            </a:xfrm>
-            <a:prstGeom prst="ellipse">
-              <a:avLst/>
-            </a:prstGeom>
-            <a:solidFill>
-              <a:schemeClr val="tx1"/>
-            </a:solidFill>
-            <a:ln w="38100">
-              <a:solidFill>
-                <a:schemeClr val="tx1"/>
-              </a:solidFill>
-            </a:ln>
-          </p:spPr>
-          <p:style>
-            <a:lnRef idx="2">
-              <a:schemeClr val="accent1">
-                <a:shade val="50000"/>
-              </a:schemeClr>
-            </a:lnRef>
-            <a:fillRef idx="1">
-              <a:schemeClr val="accent1"/>
-            </a:fillRef>
-            <a:effectRef idx="0">
-              <a:schemeClr val="accent1"/>
-            </a:effectRef>
-            <a:fontRef idx="minor">
-              <a:schemeClr val="lt1"/>
-            </a:fontRef>
-          </p:style>
-          <p:txBody>
-            <a:bodyPr rtlCol="0" anchor="ctr"/>
-            <a:lstStyle/>
-            <a:p>
-              <a:pPr algn="ctr"/>
-              <a:endParaRPr lang="en-US"/>
-            </a:p>
-          </p:txBody>
-        </p:sp>
-        <mc:AlternateContent xmlns:mc="http://schemas.openxmlformats.org/markup-compatibility/2006">
-          <mc:Choice xmlns:a14="http://schemas.microsoft.com/office/drawing/2010/main" Requires="a14">
-            <p:sp>
-              <p:nvSpPr>
-                <p:cNvPr id="135" name="TextBox 134"/>
-                <p:cNvSpPr txBox="1"/>
-                <p:nvPr/>
-              </p:nvSpPr>
-              <p:spPr>
-                <a:xfrm>
-                  <a:off x="6695818" y="2974537"/>
-                  <a:ext cx="213199" cy="307777"/>
-                </a:xfrm>
-                <a:prstGeom prst="rect">
-                  <a:avLst/>
-                </a:prstGeom>
-                <a:noFill/>
-              </p:spPr>
-              <p:txBody>
-                <a:bodyPr wrap="none" lIns="0" tIns="0" rIns="0" bIns="0" rtlCol="0">
-                  <a:spAutoFit/>
-                </a:bodyPr>
-                <a:lstStyle/>
-                <a:p>
-                  <a14:m>
-                    <m:oMathPara xmlns:m="http://schemas.openxmlformats.org/officeDocument/2006/math">
-                      <m:oMathParaPr>
-                        <m:jc m:val="centerGroup"/>
-                      </m:oMathParaPr>
-                      <m:oMath xmlns:m="http://schemas.openxmlformats.org/officeDocument/2006/math">
-                        <m:r>
-                          <a:rPr lang="en-CA" sz="2000" b="0" i="1" smtClean="0">
-                            <a:latin typeface="Cambria Math" charset="0"/>
-                            <a:cs typeface="Arial" panose="020B0604020202020204" pitchFamily="34" charset="0"/>
-                          </a:rPr>
-                          <m:t>0</m:t>
-                        </m:r>
-                      </m:oMath>
-                    </m:oMathPara>
-                  </a14:m>
-                  <a:endParaRPr lang="en-US" sz="2000" dirty="0" smtClean="0">
-                    <a:latin typeface="Arial" panose="020B0604020202020204" pitchFamily="34" charset="0"/>
-                    <a:cs typeface="Arial" panose="020B0604020202020204" pitchFamily="34" charset="0"/>
-                  </a:endParaRPr>
-                </a:p>
-              </p:txBody>
-            </p:sp>
-          </mc:Choice>
-          <mc:Fallback>
-            <p:sp>
-              <p:nvSpPr>
-                <p:cNvPr id="135" name="TextBox 134"/>
-                <p:cNvSpPr txBox="1">
-                  <a:spLocks noRot="1" noChangeAspect="1" noMove="1" noResize="1" noEditPoints="1" noAdjustHandles="1" noChangeArrowheads="1" noChangeShapeType="1" noTextEdit="1"/>
-                </p:cNvSpPr>
-                <p:nvPr/>
-              </p:nvSpPr>
-              <p:spPr>
-                <a:xfrm>
-                  <a:off x="6695818" y="2974537"/>
-                  <a:ext cx="213199" cy="307777"/>
-                </a:xfrm>
-                <a:prstGeom prst="rect">
-                  <a:avLst/>
-                </a:prstGeom>
-                <a:blipFill rotWithShape="0">
-                  <a:blip r:embed="rId25"/>
-                  <a:stretch>
-                    <a:fillRect l="-25714" r="-25714" b="-14000"/>
-                  </a:stretch>
-                </a:blipFill>
-              </p:spPr>
-              <p:txBody>
-                <a:bodyPr/>
-                <a:lstStyle/>
-                <a:p>
-                  <a:r>
-                    <a:rPr lang="en-US">
-                      <a:noFill/>
-                    </a:rPr>
-                    <a:t> </a:t>
-                  </a:r>
-                </a:p>
-              </p:txBody>
-            </p:sp>
-          </mc:Fallback>
-        </mc:AlternateContent>
       </p:grpSp>
     </p:spTree>
     <p:extLst>

--- a/tex/figures/Gravity/Figures.pptx
+++ b/tex/figures/Gravity/Figures.pptx
@@ -251,7 +251,7 @@
           <a:p>
             <a:fld id="{F7249F8D-641B-4CAF-BAE5-10524742F6F1}" type="datetimeFigureOut">
               <a:rPr lang="en-CA" smtClean="0"/>
-              <a:t>2018-07-18</a:t>
+              <a:t>2018-08-14</a:t>
             </a:fld>
             <a:endParaRPr lang="en-CA"/>
           </a:p>
@@ -421,7 +421,7 @@
           <a:p>
             <a:fld id="{F7249F8D-641B-4CAF-BAE5-10524742F6F1}" type="datetimeFigureOut">
               <a:rPr lang="en-CA" smtClean="0"/>
-              <a:t>2018-07-18</a:t>
+              <a:t>2018-08-14</a:t>
             </a:fld>
             <a:endParaRPr lang="en-CA"/>
           </a:p>
@@ -601,7 +601,7 @@
           <a:p>
             <a:fld id="{F7249F8D-641B-4CAF-BAE5-10524742F6F1}" type="datetimeFigureOut">
               <a:rPr lang="en-CA" smtClean="0"/>
-              <a:t>2018-07-18</a:t>
+              <a:t>2018-08-14</a:t>
             </a:fld>
             <a:endParaRPr lang="en-CA"/>
           </a:p>
@@ -771,7 +771,7 @@
           <a:p>
             <a:fld id="{F7249F8D-641B-4CAF-BAE5-10524742F6F1}" type="datetimeFigureOut">
               <a:rPr lang="en-CA" smtClean="0"/>
-              <a:t>2018-07-18</a:t>
+              <a:t>2018-08-14</a:t>
             </a:fld>
             <a:endParaRPr lang="en-CA"/>
           </a:p>
@@ -1017,7 +1017,7 @@
           <a:p>
             <a:fld id="{F7249F8D-641B-4CAF-BAE5-10524742F6F1}" type="datetimeFigureOut">
               <a:rPr lang="en-CA" smtClean="0"/>
-              <a:t>2018-07-18</a:t>
+              <a:t>2018-08-14</a:t>
             </a:fld>
             <a:endParaRPr lang="en-CA"/>
           </a:p>
@@ -1249,7 +1249,7 @@
           <a:p>
             <a:fld id="{F7249F8D-641B-4CAF-BAE5-10524742F6F1}" type="datetimeFigureOut">
               <a:rPr lang="en-CA" smtClean="0"/>
-              <a:t>2018-07-18</a:t>
+              <a:t>2018-08-14</a:t>
             </a:fld>
             <a:endParaRPr lang="en-CA"/>
           </a:p>
@@ -1616,7 +1616,7 @@
           <a:p>
             <a:fld id="{F7249F8D-641B-4CAF-BAE5-10524742F6F1}" type="datetimeFigureOut">
               <a:rPr lang="en-CA" smtClean="0"/>
-              <a:t>2018-07-18</a:t>
+              <a:t>2018-08-14</a:t>
             </a:fld>
             <a:endParaRPr lang="en-CA"/>
           </a:p>
@@ -1734,7 +1734,7 @@
           <a:p>
             <a:fld id="{F7249F8D-641B-4CAF-BAE5-10524742F6F1}" type="datetimeFigureOut">
               <a:rPr lang="en-CA" smtClean="0"/>
-              <a:t>2018-07-18</a:t>
+              <a:t>2018-08-14</a:t>
             </a:fld>
             <a:endParaRPr lang="en-CA"/>
           </a:p>
@@ -1829,7 +1829,7 @@
           <a:p>
             <a:fld id="{F7249F8D-641B-4CAF-BAE5-10524742F6F1}" type="datetimeFigureOut">
               <a:rPr lang="en-CA" smtClean="0"/>
-              <a:t>2018-07-18</a:t>
+              <a:t>2018-08-14</a:t>
             </a:fld>
             <a:endParaRPr lang="en-CA"/>
           </a:p>
@@ -2106,7 +2106,7 @@
           <a:p>
             <a:fld id="{F7249F8D-641B-4CAF-BAE5-10524742F6F1}" type="datetimeFigureOut">
               <a:rPr lang="en-CA" smtClean="0"/>
-              <a:t>2018-07-18</a:t>
+              <a:t>2018-08-14</a:t>
             </a:fld>
             <a:endParaRPr lang="en-CA"/>
           </a:p>
@@ -2359,7 +2359,7 @@
           <a:p>
             <a:fld id="{F7249F8D-641B-4CAF-BAE5-10524742F6F1}" type="datetimeFigureOut">
               <a:rPr lang="en-CA" smtClean="0"/>
-              <a:t>2018-07-18</a:t>
+              <a:t>2018-08-14</a:t>
             </a:fld>
             <a:endParaRPr lang="en-CA"/>
           </a:p>
@@ -2572,7 +2572,7 @@
           <a:p>
             <a:fld id="{F7249F8D-641B-4CAF-BAE5-10524742F6F1}" type="datetimeFigureOut">
               <a:rPr lang="en-CA" smtClean="0"/>
-              <a:t>2018-07-18</a:t>
+              <a:t>2018-08-14</a:t>
             </a:fld>
             <a:endParaRPr lang="en-CA"/>
           </a:p>
@@ -12455,135 +12455,137 @@
           <a:chExt cx="0" cy="0"/>
         </a:xfrm>
       </p:grpSpPr>
-      <p:sp>
-        <p:nvSpPr>
-          <p:cNvPr id="127" name="Oval 126"/>
-          <p:cNvSpPr/>
-          <p:nvPr/>
-        </p:nvSpPr>
-        <p:spPr>
-          <a:xfrm>
-            <a:off x="2344165" y="3584054"/>
-            <a:ext cx="3029935" cy="2873420"/>
-          </a:xfrm>
-          <a:prstGeom prst="ellipse">
-            <a:avLst/>
-          </a:prstGeom>
-          <a:noFill/>
-          <a:ln w="38100">
-            <a:solidFill>
-              <a:schemeClr val="tx1"/>
-            </a:solidFill>
-          </a:ln>
-        </p:spPr>
-        <p:style>
-          <a:lnRef idx="2">
-            <a:schemeClr val="accent1">
-              <a:shade val="50000"/>
-            </a:schemeClr>
-          </a:lnRef>
-          <a:fillRef idx="1">
-            <a:schemeClr val="accent1"/>
-          </a:fillRef>
-          <a:effectRef idx="0">
-            <a:schemeClr val="accent1"/>
-          </a:effectRef>
-          <a:fontRef idx="minor">
-            <a:schemeClr val="lt1"/>
-          </a:fontRef>
-        </p:style>
-        <p:txBody>
-          <a:bodyPr rtlCol="0" anchor="ctr"/>
-          <a:lstStyle/>
-          <a:p>
-            <a:pPr algn="ctr"/>
-            <a:endParaRPr lang="en-US"/>
-          </a:p>
-        </p:txBody>
-      </p:sp>
-      <p:sp>
-        <p:nvSpPr>
-          <p:cNvPr id="31" name="Arc 30"/>
-          <p:cNvSpPr/>
-          <p:nvPr/>
-        </p:nvSpPr>
-        <p:spPr>
-          <a:xfrm>
-            <a:off x="2528159" y="1591992"/>
-            <a:ext cx="2365130" cy="402721"/>
-          </a:xfrm>
-          <a:prstGeom prst="arc">
-            <a:avLst>
-              <a:gd name="adj1" fmla="val 10819517"/>
-              <a:gd name="adj2" fmla="val 21596417"/>
-            </a:avLst>
-          </a:prstGeom>
-          <a:ln w="38100">
-            <a:solidFill>
-              <a:schemeClr val="tx1"/>
-            </a:solidFill>
-            <a:prstDash val="sysDash"/>
-          </a:ln>
-        </p:spPr>
-        <p:style>
-          <a:lnRef idx="1">
-            <a:schemeClr val="accent1"/>
-          </a:lnRef>
-          <a:fillRef idx="0">
-            <a:schemeClr val="accent1"/>
-          </a:fillRef>
-          <a:effectRef idx="0">
-            <a:schemeClr val="accent1"/>
-          </a:effectRef>
-          <a:fontRef idx="minor">
-            <a:schemeClr val="tx1"/>
-          </a:fontRef>
-        </p:style>
-        <p:txBody>
-          <a:bodyPr rtlCol="0" anchor="ctr"/>
-          <a:lstStyle/>
-          <a:p>
-            <a:pPr algn="ctr"/>
-            <a:endParaRPr lang="en-US"/>
-          </a:p>
-        </p:txBody>
-      </p:sp>
       <p:grpSp>
         <p:nvGrpSpPr>
-          <p:cNvPr id="82" name="Group 81"/>
+          <p:cNvPr id="60" name="Group 59"/>
           <p:cNvGrpSpPr/>
           <p:nvPr/>
         </p:nvGrpSpPr>
         <p:grpSpPr>
           <a:xfrm>
-            <a:off x="2325281" y="4170712"/>
-            <a:ext cx="3044488" cy="2290901"/>
-            <a:chOff x="4103968" y="1629229"/>
-            <a:chExt cx="3044488" cy="2290901"/>
+            <a:off x="6187936" y="245761"/>
+            <a:ext cx="2576980" cy="2365130"/>
+            <a:chOff x="2528159" y="562857"/>
+            <a:chExt cx="2576980" cy="2365130"/>
           </a:xfrm>
-          <a:noFill/>
         </p:grpSpPr>
+        <p:sp>
+          <p:nvSpPr>
+            <p:cNvPr id="65" name="Oval 64"/>
+            <p:cNvSpPr/>
+            <p:nvPr/>
+          </p:nvSpPr>
+          <p:spPr>
+            <a:xfrm>
+              <a:off x="3175836" y="1295578"/>
+              <a:ext cx="1080000" cy="1080000"/>
+            </a:xfrm>
+            <a:prstGeom prst="ellipse">
+              <a:avLst/>
+            </a:prstGeom>
+            <a:solidFill>
+              <a:schemeClr val="bg2">
+                <a:lumMod val="90000"/>
+              </a:schemeClr>
+            </a:solidFill>
+            <a:ln w="6350">
+              <a:solidFill>
+                <a:schemeClr val="tx1"/>
+              </a:solidFill>
+            </a:ln>
+          </p:spPr>
+          <p:style>
+            <a:lnRef idx="2">
+              <a:schemeClr val="accent1">
+                <a:shade val="50000"/>
+              </a:schemeClr>
+            </a:lnRef>
+            <a:fillRef idx="1">
+              <a:schemeClr val="accent1"/>
+            </a:fillRef>
+            <a:effectRef idx="0">
+              <a:schemeClr val="accent1"/>
+            </a:effectRef>
+            <a:fontRef idx="minor">
+              <a:schemeClr val="lt1"/>
+            </a:fontRef>
+          </p:style>
+          <p:txBody>
+            <a:bodyPr rtlCol="0" anchor="ctr"/>
+            <a:lstStyle/>
+            <a:p>
+              <a:pPr algn="ctr"/>
+              <a:endParaRPr lang="en-US"/>
+            </a:p>
+          </p:txBody>
+        </p:sp>
+        <p:sp>
+          <p:nvSpPr>
+            <p:cNvPr id="67" name="Oval 66"/>
+            <p:cNvSpPr/>
+            <p:nvPr/>
+          </p:nvSpPr>
+          <p:spPr>
+            <a:xfrm>
+              <a:off x="3698733" y="1814510"/>
+              <a:ext cx="36000" cy="36000"/>
+            </a:xfrm>
+            <a:prstGeom prst="ellipse">
+              <a:avLst/>
+            </a:prstGeom>
+            <a:solidFill>
+              <a:schemeClr val="tx1"/>
+            </a:solidFill>
+            <a:ln w="38100">
+              <a:solidFill>
+                <a:schemeClr val="tx1"/>
+              </a:solidFill>
+            </a:ln>
+          </p:spPr>
+          <p:style>
+            <a:lnRef idx="2">
+              <a:schemeClr val="accent1">
+                <a:shade val="50000"/>
+              </a:schemeClr>
+            </a:lnRef>
+            <a:fillRef idx="1">
+              <a:schemeClr val="accent1"/>
+            </a:fillRef>
+            <a:effectRef idx="0">
+              <a:schemeClr val="accent1"/>
+            </a:effectRef>
+            <a:fontRef idx="minor">
+              <a:schemeClr val="lt1"/>
+            </a:fontRef>
+          </p:style>
+          <p:txBody>
+            <a:bodyPr rtlCol="0" anchor="ctr"/>
+            <a:lstStyle/>
+            <a:p>
+              <a:pPr algn="ctr"/>
+              <a:endParaRPr lang="en-US"/>
+            </a:p>
+          </p:txBody>
+        </p:sp>
         <p:cxnSp>
           <p:nvCxnSpPr>
-            <p:cNvPr id="76" name="Straight Arrow Connector 75"/>
+            <p:cNvPr id="83" name="Straight Connector 82"/>
             <p:cNvCxnSpPr/>
             <p:nvPr/>
           </p:nvCxnSpPr>
           <p:spPr>
-            <a:xfrm flipH="1">
-              <a:off x="5707559" y="2031619"/>
-              <a:ext cx="248142" cy="269429"/>
+            <a:xfrm flipH="1" flipV="1">
+              <a:off x="3731285" y="1827290"/>
+              <a:ext cx="522000" cy="0"/>
             </a:xfrm>
-            <a:prstGeom prst="straightConnector1">
+            <a:prstGeom prst="line">
               <a:avLst/>
             </a:prstGeom>
-            <a:grpFill/>
-            <a:ln w="22225">
+            <a:ln w="28575">
               <a:solidFill>
                 <a:schemeClr val="tx1"/>
               </a:solidFill>
-              <a:prstDash val="solid"/>
-              <a:tailEnd type="triangle"/>
+              <a:prstDash val="sysDot"/>
             </a:ln>
           </p:spPr>
           <p:style>
@@ -12603,34 +12605,117 @@
         </p:cxnSp>
         <p:grpSp>
           <p:nvGrpSpPr>
-            <p:cNvPr id="61" name="Group 60"/>
+            <p:cNvPr id="84" name="Group 83"/>
             <p:cNvGrpSpPr/>
             <p:nvPr/>
           </p:nvGrpSpPr>
           <p:grpSpPr>
             <a:xfrm>
-              <a:off x="4946322" y="1792672"/>
-              <a:ext cx="1345224" cy="1345224"/>
-              <a:chOff x="5099538" y="1274206"/>
-              <a:chExt cx="2365131" cy="2365130"/>
+              <a:off x="2528159" y="562857"/>
+              <a:ext cx="2576980" cy="2365130"/>
+              <a:chOff x="2528159" y="562857"/>
+              <a:chExt cx="2576980" cy="2365130"/>
             </a:xfrm>
-            <a:grpFill/>
           </p:grpSpPr>
           <p:sp>
             <p:nvSpPr>
-              <p:cNvPr id="62" name="Oval 61"/>
+              <p:cNvPr id="85" name="Arc 84"/>
               <p:cNvSpPr/>
               <p:nvPr/>
             </p:nvSpPr>
             <p:spPr>
               <a:xfrm>
-                <a:off x="5099539" y="1274206"/>
+                <a:off x="2528159" y="1591992"/>
+                <a:ext cx="2365130" cy="402721"/>
+              </a:xfrm>
+              <a:prstGeom prst="arc">
+                <a:avLst>
+                  <a:gd name="adj1" fmla="val 10819517"/>
+                  <a:gd name="adj2" fmla="val 21596417"/>
+                </a:avLst>
+              </a:prstGeom>
+              <a:ln w="38100">
+                <a:solidFill>
+                  <a:schemeClr val="tx1"/>
+                </a:solidFill>
+                <a:prstDash val="sysDash"/>
+              </a:ln>
+            </p:spPr>
+            <p:style>
+              <a:lnRef idx="1">
+                <a:schemeClr val="accent1"/>
+              </a:lnRef>
+              <a:fillRef idx="0">
+                <a:schemeClr val="accent1"/>
+              </a:fillRef>
+              <a:effectRef idx="0">
+                <a:schemeClr val="accent1"/>
+              </a:effectRef>
+              <a:fontRef idx="minor">
+                <a:schemeClr val="tx1"/>
+              </a:fontRef>
+            </p:style>
+            <p:txBody>
+              <a:bodyPr rtlCol="0" anchor="ctr"/>
+              <a:lstStyle/>
+              <a:p>
+                <a:pPr algn="ctr"/>
+                <a:endParaRPr lang="en-US"/>
+              </a:p>
+            </p:txBody>
+          </p:sp>
+          <p:cxnSp>
+            <p:nvCxnSpPr>
+              <p:cNvPr id="86" name="Straight Arrow Connector 85"/>
+              <p:cNvCxnSpPr/>
+              <p:nvPr/>
+            </p:nvCxnSpPr>
+            <p:spPr>
+              <a:xfrm flipH="1">
+                <a:off x="4052675" y="1039395"/>
+                <a:ext cx="273966" cy="295785"/>
+              </a:xfrm>
+              <a:prstGeom prst="straightConnector1">
+                <a:avLst/>
+              </a:prstGeom>
+              <a:ln w="38100">
+                <a:solidFill>
+                  <a:schemeClr val="tx1"/>
+                </a:solidFill>
+                <a:prstDash val="solid"/>
+                <a:tailEnd type="triangle"/>
+              </a:ln>
+            </p:spPr>
+            <p:style>
+              <a:lnRef idx="1">
+                <a:schemeClr val="accent1"/>
+              </a:lnRef>
+              <a:fillRef idx="0">
+                <a:schemeClr val="accent1"/>
+              </a:fillRef>
+              <a:effectRef idx="0">
+                <a:schemeClr val="accent1"/>
+              </a:effectRef>
+              <a:fontRef idx="minor">
+                <a:schemeClr val="tx1"/>
+              </a:fontRef>
+            </p:style>
+          </p:cxnSp>
+          <p:sp>
+            <p:nvSpPr>
+              <p:cNvPr id="87" name="Oval 86"/>
+              <p:cNvSpPr/>
+              <p:nvPr/>
+            </p:nvSpPr>
+            <p:spPr>
+              <a:xfrm>
+                <a:off x="2528160" y="562857"/>
                 <a:ext cx="2365130" cy="2365130"/>
               </a:xfrm>
               <a:prstGeom prst="ellipse">
                 <a:avLst/>
               </a:prstGeom>
-              <a:grpFill/>
+              <a:noFill/>
               <a:ln w="38100">
                 <a:solidFill>
                   <a:schemeClr val="tx1"/>
@@ -12664,13 +12749,13 @@
           </p:sp>
           <p:sp>
             <p:nvSpPr>
-              <p:cNvPr id="63" name="Arc 62"/>
+              <p:cNvPr id="88" name="Arc 87"/>
               <p:cNvSpPr/>
               <p:nvPr/>
             </p:nvSpPr>
             <p:spPr>
               <a:xfrm>
-                <a:off x="5099538" y="2333845"/>
+                <a:off x="2528159" y="1622496"/>
                 <a:ext cx="2365130" cy="402721"/>
               </a:xfrm>
               <a:prstGeom prst="arc">
@@ -12679,7 +12764,6 @@
                   <a:gd name="adj2" fmla="val 10840678"/>
                 </a:avLst>
               </a:prstGeom>
-              <a:grpFill/>
               <a:ln w="38100">
                 <a:solidFill>
                   <a:schemeClr val="tx1"/>
@@ -12709,29 +12793,25 @@
               </a:p>
             </p:txBody>
           </p:sp>
-          <p:sp>
-            <p:nvSpPr>
-              <p:cNvPr id="64" name="Arc 63"/>
-              <p:cNvSpPr/>
+          <p:cxnSp>
+            <p:nvCxnSpPr>
+              <p:cNvPr id="89" name="Straight Connector 88"/>
+              <p:cNvCxnSpPr/>
               <p:nvPr/>
-            </p:nvSpPr>
+            </p:nvCxnSpPr>
             <p:spPr>
-              <a:xfrm>
-                <a:off x="5099538" y="2318331"/>
-                <a:ext cx="2365130" cy="402721"/>
+              <a:xfrm flipH="1" flipV="1">
+                <a:off x="2690016" y="1143574"/>
+                <a:ext cx="1000553" cy="679976"/>
               </a:xfrm>
-              <a:prstGeom prst="arc">
-                <a:avLst>
-                  <a:gd name="adj1" fmla="val 10819517"/>
-                  <a:gd name="adj2" fmla="val 21596417"/>
-                </a:avLst>
+              <a:prstGeom prst="line">
+                <a:avLst/>
               </a:prstGeom>
-              <a:grpFill/>
-              <a:ln w="38100">
+              <a:ln w="28575">
                 <a:solidFill>
                   <a:schemeClr val="tx1"/>
                 </a:solidFill>
-                <a:prstDash val="sysDash"/>
+                <a:prstDash val="sysDot"/>
               </a:ln>
             </p:spPr>
             <p:style>
@@ -12748,6 +12828,476 @@
                 <a:schemeClr val="tx1"/>
               </a:fontRef>
             </p:style>
+          </p:cxnSp>
+          <mc:AlternateContent xmlns:mc="http://schemas.openxmlformats.org/markup-compatibility/2006" xmlns:a14="http://schemas.microsoft.com/office/drawing/2010/main">
+            <mc:Choice Requires="a14">
+              <p:sp>
+                <p:nvSpPr>
+                  <p:cNvPr id="90" name="TextBox 89"/>
+                  <p:cNvSpPr txBox="1"/>
+                  <p:nvPr/>
+                </p:nvSpPr>
+                <p:spPr>
+                  <a:xfrm>
+                    <a:off x="3067558" y="1087795"/>
+                    <a:ext cx="198003" cy="307777"/>
+                  </a:xfrm>
+                  <a:prstGeom prst="rect">
+                    <a:avLst/>
+                  </a:prstGeom>
+                  <a:noFill/>
+                </p:spPr>
+                <p:txBody>
+                  <a:bodyPr wrap="none" lIns="0" tIns="0" rIns="0" bIns="0" rtlCol="0">
+                    <a:spAutoFit/>
+                  </a:bodyPr>
+                  <a:lstStyle/>
+                  <a:p>
+                    <a:pPr/>
+                    <a14:m>
+                      <m:oMathPara xmlns:m="http://schemas.openxmlformats.org/officeDocument/2006/math">
+                        <m:oMathParaPr>
+                          <m:jc m:val="centerGroup"/>
+                        </m:oMathParaPr>
+                        <m:oMath xmlns:m="http://schemas.openxmlformats.org/officeDocument/2006/math">
+                          <m:r>
+                            <a:rPr lang="en-US" sz="2000" b="0" i="1" smtClean="0">
+                              <a:latin typeface="Cambria Math" panose="02040503050406030204" pitchFamily="18" charset="0"/>
+                              <a:cs typeface="Arial" panose="020B0604020202020204" pitchFamily="34" charset="0"/>
+                            </a:rPr>
+                            <m:t>𝑟</m:t>
+                          </m:r>
+                        </m:oMath>
+                      </m:oMathPara>
+                    </a14:m>
+                    <a:endParaRPr lang="en-US" sz="2000" dirty="0" smtClean="0">
+                      <a:latin typeface="Arial" panose="020B0604020202020204" pitchFamily="34" charset="0"/>
+                      <a:cs typeface="Arial" panose="020B0604020202020204" pitchFamily="34" charset="0"/>
+                    </a:endParaRPr>
+                  </a:p>
+                </p:txBody>
+              </p:sp>
+            </mc:Choice>
+            <mc:Fallback xmlns="">
+              <p:sp>
+                <p:nvSpPr>
+                  <p:cNvPr id="35" name="TextBox 34"/>
+                  <p:cNvSpPr txBox="1">
+                    <a:spLocks noRot="1" noChangeAspect="1" noMove="1" noResize="1" noEditPoints="1" noAdjustHandles="1" noChangeArrowheads="1" noChangeShapeType="1" noTextEdit="1"/>
+                  </p:cNvSpPr>
+                  <p:nvPr/>
+                </p:nvSpPr>
+                <p:spPr>
+                  <a:xfrm>
+                    <a:off x="3067558" y="1087795"/>
+                    <a:ext cx="198003" cy="307777"/>
+                  </a:xfrm>
+                  <a:prstGeom prst="rect">
+                    <a:avLst/>
+                  </a:prstGeom>
+                  <a:blipFill rotWithShape="0">
+                    <a:blip r:embed="rId2"/>
+                    <a:stretch>
+                      <a:fillRect l="-12121" r="-12121" b="-1961"/>
+                    </a:stretch>
+                  </a:blipFill>
+                </p:spPr>
+                <p:txBody>
+                  <a:bodyPr/>
+                  <a:lstStyle/>
+                  <a:p>
+                    <a:r>
+                      <a:rPr lang="en-US">
+                        <a:noFill/>
+                      </a:rPr>
+                      <a:t> </a:t>
+                    </a:r>
+                  </a:p>
+                </p:txBody>
+              </p:sp>
+            </mc:Fallback>
+          </mc:AlternateContent>
+          <mc:AlternateContent xmlns:mc="http://schemas.openxmlformats.org/markup-compatibility/2006" xmlns:a14="http://schemas.microsoft.com/office/drawing/2010/main">
+            <mc:Choice Requires="a14">
+              <p:sp>
+                <p:nvSpPr>
+                  <p:cNvPr id="91" name="TextBox 90"/>
+                  <p:cNvSpPr txBox="1"/>
+                  <p:nvPr/>
+                </p:nvSpPr>
+                <p:spPr>
+                  <a:xfrm>
+                    <a:off x="3554721" y="908530"/>
+                    <a:ext cx="571054" cy="307777"/>
+                  </a:xfrm>
+                  <a:prstGeom prst="rect">
+                    <a:avLst/>
+                  </a:prstGeom>
+                  <a:noFill/>
+                </p:spPr>
+                <p:txBody>
+                  <a:bodyPr wrap="none" lIns="0" tIns="0" rIns="0" bIns="0" rtlCol="0">
+                    <a:spAutoFit/>
+                  </a:bodyPr>
+                  <a:lstStyle/>
+                  <a:p>
+                    <a:pPr/>
+                    <a14:m>
+                      <m:oMathPara xmlns:m="http://schemas.openxmlformats.org/officeDocument/2006/math">
+                        <m:oMathParaPr>
+                          <m:jc m:val="centerGroup"/>
+                        </m:oMathParaPr>
+                        <m:oMath xmlns:m="http://schemas.openxmlformats.org/officeDocument/2006/math">
+                          <m:acc>
+                            <m:accPr>
+                              <m:chr m:val="⃗"/>
+                              <m:ctrlPr>
+                                <a:rPr lang="en-US" sz="2000" b="0" i="1" smtClean="0">
+                                  <a:latin typeface="Cambria Math" charset="0"/>
+                                  <a:cs typeface="Arial" panose="020B0604020202020204" pitchFamily="34" charset="0"/>
+                                </a:rPr>
+                              </m:ctrlPr>
+                            </m:accPr>
+                            <m:e>
+                              <m:r>
+                                <a:rPr lang="en-US" sz="2000" b="0" i="1" smtClean="0">
+                                  <a:latin typeface="Cambria Math" panose="02040503050406030204" pitchFamily="18" charset="0"/>
+                                  <a:cs typeface="Arial" panose="020B0604020202020204" pitchFamily="34" charset="0"/>
+                                </a:rPr>
+                                <m:t>𝑔</m:t>
+                              </m:r>
+                            </m:e>
+                          </m:acc>
+                          <m:r>
+                            <a:rPr lang="en-US" sz="2000" b="0" i="1" smtClean="0">
+                              <a:latin typeface="Cambria Math" panose="02040503050406030204" pitchFamily="18" charset="0"/>
+                              <a:cs typeface="Arial" panose="020B0604020202020204" pitchFamily="34" charset="0"/>
+                            </a:rPr>
+                            <m:t>(</m:t>
+                          </m:r>
+                          <m:acc>
+                            <m:accPr>
+                              <m:chr m:val="⃗"/>
+                              <m:ctrlPr>
+                                <a:rPr lang="en-US" sz="2000" b="0" i="1" smtClean="0">
+                                  <a:latin typeface="Cambria Math" charset="0"/>
+                                  <a:cs typeface="Arial" panose="020B0604020202020204" pitchFamily="34" charset="0"/>
+                                </a:rPr>
+                              </m:ctrlPr>
+                            </m:accPr>
+                            <m:e>
+                              <m:r>
+                                <a:rPr lang="en-US" sz="2000" b="0" i="1" smtClean="0">
+                                  <a:latin typeface="Cambria Math" panose="02040503050406030204" pitchFamily="18" charset="0"/>
+                                  <a:cs typeface="Arial" panose="020B0604020202020204" pitchFamily="34" charset="0"/>
+                                </a:rPr>
+                                <m:t>𝑟</m:t>
+                              </m:r>
+                            </m:e>
+                          </m:acc>
+                          <m:r>
+                            <a:rPr lang="en-US" sz="2000" b="0" i="1" smtClean="0">
+                              <a:latin typeface="Cambria Math" panose="02040503050406030204" pitchFamily="18" charset="0"/>
+                              <a:cs typeface="Arial" panose="020B0604020202020204" pitchFamily="34" charset="0"/>
+                            </a:rPr>
+                            <m:t>)</m:t>
+                          </m:r>
+                        </m:oMath>
+                      </m:oMathPara>
+                    </a14:m>
+                    <a:endParaRPr lang="en-US" sz="2000" dirty="0" smtClean="0">
+                      <a:latin typeface="Arial" panose="020B0604020202020204" pitchFamily="34" charset="0"/>
+                      <a:cs typeface="Arial" panose="020B0604020202020204" pitchFamily="34" charset="0"/>
+                    </a:endParaRPr>
+                  </a:p>
+                </p:txBody>
+              </p:sp>
+            </mc:Choice>
+            <mc:Fallback xmlns="">
+              <p:sp>
+                <p:nvSpPr>
+                  <p:cNvPr id="38" name="TextBox 37"/>
+                  <p:cNvSpPr txBox="1">
+                    <a:spLocks noRot="1" noChangeAspect="1" noMove="1" noResize="1" noEditPoints="1" noAdjustHandles="1" noChangeArrowheads="1" noChangeShapeType="1" noTextEdit="1"/>
+                  </p:cNvSpPr>
+                  <p:nvPr/>
+                </p:nvSpPr>
+                <p:spPr>
+                  <a:xfrm>
+                    <a:off x="3554721" y="908530"/>
+                    <a:ext cx="571054" cy="307777"/>
+                  </a:xfrm>
+                  <a:prstGeom prst="rect">
+                    <a:avLst/>
+                  </a:prstGeom>
+                  <a:blipFill rotWithShape="0">
+                    <a:blip r:embed="rId3"/>
+                    <a:stretch>
+                      <a:fillRect l="-9574" t="-33333" r="-44681" b="-37255"/>
+                    </a:stretch>
+                  </a:blipFill>
+                </p:spPr>
+                <p:txBody>
+                  <a:bodyPr/>
+                  <a:lstStyle/>
+                  <a:p>
+                    <a:r>
+                      <a:rPr lang="en-US">
+                        <a:noFill/>
+                      </a:rPr>
+                      <a:t> </a:t>
+                    </a:r>
+                  </a:p>
+                </p:txBody>
+              </p:sp>
+            </mc:Fallback>
+          </mc:AlternateContent>
+          <p:sp>
+            <p:nvSpPr>
+              <p:cNvPr id="92" name="Rectangle 47"/>
+              <p:cNvSpPr/>
+              <p:nvPr/>
+            </p:nvSpPr>
+            <p:spPr>
+              <a:xfrm rot="18506906">
+                <a:off x="4230056" y="901834"/>
+                <a:ext cx="193165" cy="279042"/>
+              </a:xfrm>
+              <a:custGeom>
+                <a:avLst/>
+                <a:gdLst>
+                  <a:gd name="connsiteX0" fmla="*/ 0 w 222636"/>
+                  <a:gd name="connsiteY0" fmla="*/ 0 h 267694"/>
+                  <a:gd name="connsiteX1" fmla="*/ 222636 w 222636"/>
+                  <a:gd name="connsiteY1" fmla="*/ 0 h 267694"/>
+                  <a:gd name="connsiteX2" fmla="*/ 222636 w 222636"/>
+                  <a:gd name="connsiteY2" fmla="*/ 267694 h 267694"/>
+                  <a:gd name="connsiteX3" fmla="*/ 0 w 222636"/>
+                  <a:gd name="connsiteY3" fmla="*/ 267694 h 267694"/>
+                  <a:gd name="connsiteX4" fmla="*/ 0 w 222636"/>
+                  <a:gd name="connsiteY4" fmla="*/ 0 h 267694"/>
+                  <a:gd name="connsiteX0" fmla="*/ 0 w 222636"/>
+                  <a:gd name="connsiteY0" fmla="*/ 0 h 267694"/>
+                  <a:gd name="connsiteX1" fmla="*/ 189853 w 222636"/>
+                  <a:gd name="connsiteY1" fmla="*/ 22645 h 267694"/>
+                  <a:gd name="connsiteX2" fmla="*/ 222636 w 222636"/>
+                  <a:gd name="connsiteY2" fmla="*/ 267694 h 267694"/>
+                  <a:gd name="connsiteX3" fmla="*/ 0 w 222636"/>
+                  <a:gd name="connsiteY3" fmla="*/ 267694 h 267694"/>
+                  <a:gd name="connsiteX4" fmla="*/ 0 w 222636"/>
+                  <a:gd name="connsiteY4" fmla="*/ 0 h 267694"/>
+                  <a:gd name="connsiteX0" fmla="*/ 0 w 189853"/>
+                  <a:gd name="connsiteY0" fmla="*/ 0 h 276236"/>
+                  <a:gd name="connsiteX1" fmla="*/ 189853 w 189853"/>
+                  <a:gd name="connsiteY1" fmla="*/ 22645 h 276236"/>
+                  <a:gd name="connsiteX2" fmla="*/ 182040 w 189853"/>
+                  <a:gd name="connsiteY2" fmla="*/ 276236 h 276236"/>
+                  <a:gd name="connsiteX3" fmla="*/ 0 w 189853"/>
+                  <a:gd name="connsiteY3" fmla="*/ 267694 h 276236"/>
+                  <a:gd name="connsiteX4" fmla="*/ 0 w 189853"/>
+                  <a:gd name="connsiteY4" fmla="*/ 0 h 276236"/>
+                  <a:gd name="connsiteX0" fmla="*/ 24847 w 189853"/>
+                  <a:gd name="connsiteY0" fmla="*/ 0 h 279042"/>
+                  <a:gd name="connsiteX1" fmla="*/ 189853 w 189853"/>
+                  <a:gd name="connsiteY1" fmla="*/ 25451 h 279042"/>
+                  <a:gd name="connsiteX2" fmla="*/ 182040 w 189853"/>
+                  <a:gd name="connsiteY2" fmla="*/ 279042 h 279042"/>
+                  <a:gd name="connsiteX3" fmla="*/ 0 w 189853"/>
+                  <a:gd name="connsiteY3" fmla="*/ 270500 h 279042"/>
+                  <a:gd name="connsiteX4" fmla="*/ 24847 w 189853"/>
+                  <a:gd name="connsiteY4" fmla="*/ 0 h 279042"/>
+                  <a:gd name="connsiteX0" fmla="*/ 0 w 165006"/>
+                  <a:gd name="connsiteY0" fmla="*/ 0 h 279042"/>
+                  <a:gd name="connsiteX1" fmla="*/ 165006 w 165006"/>
+                  <a:gd name="connsiteY1" fmla="*/ 25451 h 279042"/>
+                  <a:gd name="connsiteX2" fmla="*/ 157193 w 165006"/>
+                  <a:gd name="connsiteY2" fmla="*/ 279042 h 279042"/>
+                  <a:gd name="connsiteX3" fmla="*/ 2075 w 165006"/>
+                  <a:gd name="connsiteY3" fmla="*/ 266046 h 279042"/>
+                  <a:gd name="connsiteX4" fmla="*/ 0 w 165006"/>
+                  <a:gd name="connsiteY4" fmla="*/ 0 h 279042"/>
+                  <a:gd name="connsiteX0" fmla="*/ 12417 w 177423"/>
+                  <a:gd name="connsiteY0" fmla="*/ 0 h 279042"/>
+                  <a:gd name="connsiteX1" fmla="*/ 177423 w 177423"/>
+                  <a:gd name="connsiteY1" fmla="*/ 25451 h 279042"/>
+                  <a:gd name="connsiteX2" fmla="*/ 169610 w 177423"/>
+                  <a:gd name="connsiteY2" fmla="*/ 279042 h 279042"/>
+                  <a:gd name="connsiteX3" fmla="*/ 25 w 177423"/>
+                  <a:gd name="connsiteY3" fmla="*/ 260611 h 279042"/>
+                  <a:gd name="connsiteX4" fmla="*/ 12417 w 177423"/>
+                  <a:gd name="connsiteY4" fmla="*/ 0 h 279042"/>
+                  <a:gd name="connsiteX0" fmla="*/ 12392 w 177398"/>
+                  <a:gd name="connsiteY0" fmla="*/ 0 h 279042"/>
+                  <a:gd name="connsiteX1" fmla="*/ 177398 w 177398"/>
+                  <a:gd name="connsiteY1" fmla="*/ 25451 h 279042"/>
+                  <a:gd name="connsiteX2" fmla="*/ 169585 w 177398"/>
+                  <a:gd name="connsiteY2" fmla="*/ 279042 h 279042"/>
+                  <a:gd name="connsiteX3" fmla="*/ 0 w 177398"/>
+                  <a:gd name="connsiteY3" fmla="*/ 260611 h 279042"/>
+                  <a:gd name="connsiteX4" fmla="*/ 12392 w 177398"/>
+                  <a:gd name="connsiteY4" fmla="*/ 0 h 279042"/>
+                  <a:gd name="connsiteX0" fmla="*/ 12392 w 177398"/>
+                  <a:gd name="connsiteY0" fmla="*/ 0 h 279042"/>
+                  <a:gd name="connsiteX1" fmla="*/ 177398 w 177398"/>
+                  <a:gd name="connsiteY1" fmla="*/ 25451 h 279042"/>
+                  <a:gd name="connsiteX2" fmla="*/ 169585 w 177398"/>
+                  <a:gd name="connsiteY2" fmla="*/ 279042 h 279042"/>
+                  <a:gd name="connsiteX3" fmla="*/ 0 w 177398"/>
+                  <a:gd name="connsiteY3" fmla="*/ 260611 h 279042"/>
+                  <a:gd name="connsiteX4" fmla="*/ 12392 w 177398"/>
+                  <a:gd name="connsiteY4" fmla="*/ 0 h 279042"/>
+                  <a:gd name="connsiteX0" fmla="*/ 12392 w 185844"/>
+                  <a:gd name="connsiteY0" fmla="*/ 0 h 279042"/>
+                  <a:gd name="connsiteX1" fmla="*/ 177398 w 185844"/>
+                  <a:gd name="connsiteY1" fmla="*/ 25451 h 279042"/>
+                  <a:gd name="connsiteX2" fmla="*/ 169585 w 185844"/>
+                  <a:gd name="connsiteY2" fmla="*/ 279042 h 279042"/>
+                  <a:gd name="connsiteX3" fmla="*/ 0 w 185844"/>
+                  <a:gd name="connsiteY3" fmla="*/ 260611 h 279042"/>
+                  <a:gd name="connsiteX4" fmla="*/ 12392 w 185844"/>
+                  <a:gd name="connsiteY4" fmla="*/ 0 h 279042"/>
+                  <a:gd name="connsiteX0" fmla="*/ 12392 w 196295"/>
+                  <a:gd name="connsiteY0" fmla="*/ 0 h 279042"/>
+                  <a:gd name="connsiteX1" fmla="*/ 177398 w 196295"/>
+                  <a:gd name="connsiteY1" fmla="*/ 25451 h 279042"/>
+                  <a:gd name="connsiteX2" fmla="*/ 169585 w 196295"/>
+                  <a:gd name="connsiteY2" fmla="*/ 279042 h 279042"/>
+                  <a:gd name="connsiteX3" fmla="*/ 0 w 196295"/>
+                  <a:gd name="connsiteY3" fmla="*/ 260611 h 279042"/>
+                  <a:gd name="connsiteX4" fmla="*/ 12392 w 196295"/>
+                  <a:gd name="connsiteY4" fmla="*/ 0 h 279042"/>
+                  <a:gd name="connsiteX0" fmla="*/ 12392 w 202940"/>
+                  <a:gd name="connsiteY0" fmla="*/ 0 h 279042"/>
+                  <a:gd name="connsiteX1" fmla="*/ 177398 w 202940"/>
+                  <a:gd name="connsiteY1" fmla="*/ 25451 h 279042"/>
+                  <a:gd name="connsiteX2" fmla="*/ 169585 w 202940"/>
+                  <a:gd name="connsiteY2" fmla="*/ 279042 h 279042"/>
+                  <a:gd name="connsiteX3" fmla="*/ 0 w 202940"/>
+                  <a:gd name="connsiteY3" fmla="*/ 260611 h 279042"/>
+                  <a:gd name="connsiteX4" fmla="*/ 12392 w 202940"/>
+                  <a:gd name="connsiteY4" fmla="*/ 0 h 279042"/>
+                  <a:gd name="connsiteX0" fmla="*/ 12392 w 198492"/>
+                  <a:gd name="connsiteY0" fmla="*/ 0 h 279042"/>
+                  <a:gd name="connsiteX1" fmla="*/ 177398 w 198492"/>
+                  <a:gd name="connsiteY1" fmla="*/ 25451 h 279042"/>
+                  <a:gd name="connsiteX2" fmla="*/ 169585 w 198492"/>
+                  <a:gd name="connsiteY2" fmla="*/ 279042 h 279042"/>
+                  <a:gd name="connsiteX3" fmla="*/ 0 w 198492"/>
+                  <a:gd name="connsiteY3" fmla="*/ 260611 h 279042"/>
+                  <a:gd name="connsiteX4" fmla="*/ 12392 w 198492"/>
+                  <a:gd name="connsiteY4" fmla="*/ 0 h 279042"/>
+                  <a:gd name="connsiteX0" fmla="*/ 12392 w 193165"/>
+                  <a:gd name="connsiteY0" fmla="*/ 0 h 279042"/>
+                  <a:gd name="connsiteX1" fmla="*/ 177398 w 193165"/>
+                  <a:gd name="connsiteY1" fmla="*/ 25451 h 279042"/>
+                  <a:gd name="connsiteX2" fmla="*/ 169585 w 193165"/>
+                  <a:gd name="connsiteY2" fmla="*/ 279042 h 279042"/>
+                  <a:gd name="connsiteX3" fmla="*/ 0 w 193165"/>
+                  <a:gd name="connsiteY3" fmla="*/ 260611 h 279042"/>
+                  <a:gd name="connsiteX4" fmla="*/ 12392 w 193165"/>
+                  <a:gd name="connsiteY4" fmla="*/ 0 h 279042"/>
+                  <a:gd name="connsiteX0" fmla="*/ 12392 w 193165"/>
+                  <a:gd name="connsiteY0" fmla="*/ 0 h 279042"/>
+                  <a:gd name="connsiteX1" fmla="*/ 177398 w 193165"/>
+                  <a:gd name="connsiteY1" fmla="*/ 25451 h 279042"/>
+                  <a:gd name="connsiteX2" fmla="*/ 169585 w 193165"/>
+                  <a:gd name="connsiteY2" fmla="*/ 279042 h 279042"/>
+                  <a:gd name="connsiteX3" fmla="*/ 0 w 193165"/>
+                  <a:gd name="connsiteY3" fmla="*/ 260611 h 279042"/>
+                  <a:gd name="connsiteX4" fmla="*/ 12392 w 193165"/>
+                  <a:gd name="connsiteY4" fmla="*/ 0 h 279042"/>
+                  <a:gd name="connsiteX0" fmla="*/ 12392 w 193165"/>
+                  <a:gd name="connsiteY0" fmla="*/ 0 h 279042"/>
+                  <a:gd name="connsiteX1" fmla="*/ 177398 w 193165"/>
+                  <a:gd name="connsiteY1" fmla="*/ 25451 h 279042"/>
+                  <a:gd name="connsiteX2" fmla="*/ 169585 w 193165"/>
+                  <a:gd name="connsiteY2" fmla="*/ 279042 h 279042"/>
+                  <a:gd name="connsiteX3" fmla="*/ 0 w 193165"/>
+                  <a:gd name="connsiteY3" fmla="*/ 260611 h 279042"/>
+                  <a:gd name="connsiteX4" fmla="*/ 12392 w 193165"/>
+                  <a:gd name="connsiteY4" fmla="*/ 0 h 279042"/>
+                  <a:gd name="connsiteX0" fmla="*/ 12392 w 193165"/>
+                  <a:gd name="connsiteY0" fmla="*/ 0 h 279042"/>
+                  <a:gd name="connsiteX1" fmla="*/ 177398 w 193165"/>
+                  <a:gd name="connsiteY1" fmla="*/ 25451 h 279042"/>
+                  <a:gd name="connsiteX2" fmla="*/ 169585 w 193165"/>
+                  <a:gd name="connsiteY2" fmla="*/ 279042 h 279042"/>
+                  <a:gd name="connsiteX3" fmla="*/ 0 w 193165"/>
+                  <a:gd name="connsiteY3" fmla="*/ 260611 h 279042"/>
+                  <a:gd name="connsiteX4" fmla="*/ 12392 w 193165"/>
+                  <a:gd name="connsiteY4" fmla="*/ 0 h 279042"/>
+                </a:gdLst>
+                <a:ahLst/>
+                <a:cxnLst>
+                  <a:cxn ang="0">
+                    <a:pos x="connsiteX0" y="connsiteY0"/>
+                  </a:cxn>
+                  <a:cxn ang="0">
+                    <a:pos x="connsiteX1" y="connsiteY1"/>
+                  </a:cxn>
+                  <a:cxn ang="0">
+                    <a:pos x="connsiteX2" y="connsiteY2"/>
+                  </a:cxn>
+                  <a:cxn ang="0">
+                    <a:pos x="connsiteX3" y="connsiteY3"/>
+                  </a:cxn>
+                  <a:cxn ang="0">
+                    <a:pos x="connsiteX4" y="connsiteY4"/>
+                  </a:cxn>
+                </a:cxnLst>
+                <a:rect l="l" t="t" r="r" b="b"/>
+                <a:pathLst>
+                  <a:path w="193165" h="279042">
+                    <a:moveTo>
+                      <a:pt x="12392" y="0"/>
+                    </a:moveTo>
+                    <a:lnTo>
+                      <a:pt x="177398" y="25451"/>
+                    </a:lnTo>
+                    <a:cubicBezTo>
+                      <a:pt x="205011" y="109678"/>
+                      <a:pt x="192457" y="198725"/>
+                      <a:pt x="169585" y="279042"/>
+                    </a:cubicBezTo>
+                    <a:lnTo>
+                      <a:pt x="0" y="260611"/>
+                    </a:lnTo>
+                    <a:cubicBezTo>
+                      <a:pt x="20002" y="172419"/>
+                      <a:pt x="28406" y="86669"/>
+                      <a:pt x="12392" y="0"/>
+                    </a:cubicBezTo>
+                    <a:close/>
+                  </a:path>
+                </a:pathLst>
+              </a:custGeom>
+              <a:solidFill>
+                <a:schemeClr val="tx1">
+                  <a:alpha val="42000"/>
+                </a:schemeClr>
+              </a:solidFill>
+              <a:ln w="12700">
+                <a:solidFill>
+                  <a:schemeClr val="tx1"/>
+                </a:solidFill>
+              </a:ln>
+            </p:spPr>
+            <p:style>
+              <a:lnRef idx="2">
+                <a:schemeClr val="accent1">
+                  <a:shade val="50000"/>
+                </a:schemeClr>
+              </a:lnRef>
+              <a:fillRef idx="1">
+                <a:schemeClr val="accent1"/>
+              </a:fillRef>
+              <a:effectRef idx="0">
+                <a:schemeClr val="accent1"/>
+              </a:effectRef>
+              <a:fontRef idx="minor">
+                <a:schemeClr val="lt1"/>
+              </a:fontRef>
+            </p:style>
             <p:txBody>
               <a:bodyPr rtlCol="0" anchor="ctr"/>
               <a:lstStyle/>
@@ -12757,44 +13307,25 @@
               </a:p>
             </p:txBody>
           </p:sp>
-        </p:grpSp>
-        <p:grpSp>
-          <p:nvGrpSpPr>
-            <p:cNvPr id="66" name="Group 65"/>
-            <p:cNvGrpSpPr/>
-            <p:nvPr/>
-          </p:nvGrpSpPr>
-          <p:grpSpPr>
-            <a:xfrm>
-              <a:off x="4103968" y="2220650"/>
-              <a:ext cx="3029935" cy="508118"/>
-              <a:chOff x="5099538" y="2318331"/>
-              <a:chExt cx="2365130" cy="418235"/>
-            </a:xfrm>
-            <a:grpFill/>
-          </p:grpSpPr>
-          <p:sp>
-            <p:nvSpPr>
-              <p:cNvPr id="68" name="Arc 67"/>
-              <p:cNvSpPr/>
+          <p:cxnSp>
+            <p:nvCxnSpPr>
+              <p:cNvPr id="93" name="Straight Arrow Connector 92"/>
+              <p:cNvCxnSpPr/>
               <p:nvPr/>
-            </p:nvSpPr>
+            </p:nvCxnSpPr>
             <p:spPr>
-              <a:xfrm>
-                <a:off x="5099538" y="2333845"/>
-                <a:ext cx="2365130" cy="402721"/>
+              <a:xfrm flipV="1">
+                <a:off x="4326638" y="678652"/>
+                <a:ext cx="351681" cy="362703"/>
               </a:xfrm>
-              <a:prstGeom prst="arc">
-                <a:avLst>
-                  <a:gd name="adj1" fmla="val 31471"/>
-                  <a:gd name="adj2" fmla="val 10840678"/>
-                </a:avLst>
+              <a:prstGeom prst="straightConnector1">
+                <a:avLst/>
               </a:prstGeom>
-              <a:grpFill/>
               <a:ln w="38100">
                 <a:solidFill>
-                  <a:schemeClr val="tx1"/>
+                  <a:srgbClr val="FF0000"/>
                 </a:solidFill>
+                <a:tailEnd type="triangle"/>
               </a:ln>
             </p:spPr>
             <p:style>
@@ -12811,1311 +13342,226 @@
                 <a:schemeClr val="tx1"/>
               </a:fontRef>
             </p:style>
-            <p:txBody>
-              <a:bodyPr rtlCol="0" anchor="ctr"/>
-              <a:lstStyle/>
-              <a:p>
-                <a:pPr algn="ctr"/>
-                <a:endParaRPr lang="en-US"/>
-              </a:p>
-            </p:txBody>
-          </p:sp>
-          <p:sp>
-            <p:nvSpPr>
-              <p:cNvPr id="69" name="Arc 68"/>
-              <p:cNvSpPr/>
-              <p:nvPr/>
-            </p:nvSpPr>
-            <p:spPr>
-              <a:xfrm>
-                <a:off x="5099538" y="2318331"/>
-                <a:ext cx="2365130" cy="402721"/>
-              </a:xfrm>
-              <a:prstGeom prst="arc">
-                <a:avLst>
-                  <a:gd name="adj1" fmla="val 10819517"/>
-                  <a:gd name="adj2" fmla="val 21596417"/>
-                </a:avLst>
-              </a:prstGeom>
-              <a:grpFill/>
-              <a:ln w="38100">
-                <a:solidFill>
-                  <a:schemeClr val="tx1"/>
-                </a:solidFill>
-                <a:prstDash val="sysDash"/>
-              </a:ln>
-            </p:spPr>
-            <p:style>
-              <a:lnRef idx="1">
-                <a:schemeClr val="accent1"/>
-              </a:lnRef>
-              <a:fillRef idx="0">
-                <a:schemeClr val="accent1"/>
-              </a:fillRef>
-              <a:effectRef idx="0">
-                <a:schemeClr val="accent1"/>
-              </a:effectRef>
-              <a:fontRef idx="minor">
-                <a:schemeClr val="tx1"/>
-              </a:fontRef>
-            </p:style>
-            <p:txBody>
-              <a:bodyPr rtlCol="0" anchor="ctr"/>
-              <a:lstStyle/>
-              <a:p>
-                <a:pPr algn="ctr"/>
-                <a:endParaRPr lang="en-US"/>
-              </a:p>
-            </p:txBody>
-          </p:sp>
-        </p:grpSp>
-        <mc:AlternateContent xmlns:mc="http://schemas.openxmlformats.org/markup-compatibility/2006" xmlns:a14="http://schemas.microsoft.com/office/drawing/2010/main">
-          <mc:Choice Requires="a14">
-            <p:sp>
-              <p:nvSpPr>
-                <p:cNvPr id="70" name="TextBox 69"/>
-                <p:cNvSpPr txBox="1"/>
-                <p:nvPr/>
-              </p:nvSpPr>
-              <p:spPr>
-                <a:xfrm>
-                  <a:off x="6586956" y="3612353"/>
-                  <a:ext cx="561500" cy="307777"/>
-                </a:xfrm>
-                <a:prstGeom prst="rect">
-                  <a:avLst/>
-                </a:prstGeom>
-                <a:grpFill/>
-              </p:spPr>
-              <p:txBody>
-                <a:bodyPr wrap="none" lIns="0" tIns="0" rIns="0" bIns="0" rtlCol="0">
-                  <a:spAutoFit/>
-                </a:bodyPr>
-                <a:lstStyle/>
-                <a:p>
-                  <a:pPr/>
-                  <a14:m>
-                    <m:oMathPara xmlns:m="http://schemas.openxmlformats.org/officeDocument/2006/math">
-                      <m:oMathParaPr>
-                        <m:jc m:val="centerGroup"/>
-                      </m:oMathParaPr>
-                      <m:oMath xmlns:m="http://schemas.openxmlformats.org/officeDocument/2006/math">
-                        <m:r>
-                          <a:rPr lang="en-US" sz="2000" b="0" i="1" smtClean="0">
-                            <a:latin typeface="Cambria Math" panose="02040503050406030204" pitchFamily="18" charset="0"/>
-                            <a:cs typeface="Arial" panose="020B0604020202020204" pitchFamily="34" charset="0"/>
-                          </a:rPr>
-                          <m:t>𝑀</m:t>
-                        </m:r>
-                        <m:r>
-                          <a:rPr lang="en-US" sz="2000" b="0" i="1" smtClean="0">
-                            <a:latin typeface="Cambria Math" panose="02040503050406030204" pitchFamily="18" charset="0"/>
-                            <a:cs typeface="Arial" panose="020B0604020202020204" pitchFamily="34" charset="0"/>
-                          </a:rPr>
-                          <m:t>,</m:t>
-                        </m:r>
-                        <m:r>
-                          <a:rPr lang="en-US" sz="2000" b="0" i="1" smtClean="0">
-                            <a:latin typeface="Cambria Math" panose="02040503050406030204" pitchFamily="18" charset="0"/>
-                            <a:cs typeface="Arial" panose="020B0604020202020204" pitchFamily="34" charset="0"/>
-                          </a:rPr>
-                          <m:t>𝑅</m:t>
-                        </m:r>
-                      </m:oMath>
-                    </m:oMathPara>
-                  </a14:m>
-                  <a:endParaRPr lang="en-US" sz="2000" dirty="0" smtClean="0">
-                    <a:latin typeface="Arial" panose="020B0604020202020204" pitchFamily="34" charset="0"/>
-                    <a:cs typeface="Arial" panose="020B0604020202020204" pitchFamily="34" charset="0"/>
-                  </a:endParaRPr>
-                </a:p>
-              </p:txBody>
-            </p:sp>
-          </mc:Choice>
-          <mc:Fallback xmlns="">
-            <p:sp>
-              <p:nvSpPr>
-                <p:cNvPr id="70" name="TextBox 69"/>
-                <p:cNvSpPr txBox="1">
-                  <a:spLocks noRot="1" noChangeAspect="1" noMove="1" noResize="1" noEditPoints="1" noAdjustHandles="1" noChangeArrowheads="1" noChangeShapeType="1" noTextEdit="1"/>
-                </p:cNvSpPr>
-                <p:nvPr/>
-              </p:nvSpPr>
-              <p:spPr>
-                <a:xfrm>
-                  <a:off x="6586956" y="3612353"/>
-                  <a:ext cx="561500" cy="307777"/>
-                </a:xfrm>
-                <a:prstGeom prst="rect">
-                  <a:avLst/>
-                </a:prstGeom>
-                <a:blipFill rotWithShape="0">
-                  <a:blip r:embed="rId2"/>
-                  <a:stretch>
-                    <a:fillRect l="-9783" r="-7609" b="-9804"/>
-                  </a:stretch>
-                </a:blipFill>
-              </p:spPr>
-              <p:txBody>
-                <a:bodyPr/>
-                <a:lstStyle/>
-                <a:p>
-                  <a:r>
-                    <a:rPr lang="en-US">
-                      <a:noFill/>
-                    </a:rPr>
-                    <a:t> </a:t>
-                  </a:r>
-                </a:p>
-              </p:txBody>
-            </p:sp>
-          </mc:Fallback>
-        </mc:AlternateContent>
-        <p:cxnSp>
-          <p:nvCxnSpPr>
-            <p:cNvPr id="71" name="Straight Connector 70"/>
-            <p:cNvCxnSpPr>
-              <a:endCxn id="64" idx="0"/>
-            </p:cNvCxnSpPr>
-            <p:nvPr/>
-          </p:nvCxnSpPr>
-          <p:spPr>
-            <a:xfrm flipH="1">
-              <a:off x="4946696" y="2494319"/>
-              <a:ext cx="589486" cy="2936"/>
-            </a:xfrm>
-            <a:prstGeom prst="line">
-              <a:avLst/>
-            </a:prstGeom>
-            <a:grpFill/>
-            <a:ln w="28575">
-              <a:solidFill>
-                <a:schemeClr val="tx1"/>
-              </a:solidFill>
-              <a:prstDash val="sysDot"/>
-            </a:ln>
-          </p:spPr>
-          <p:style>
-            <a:lnRef idx="1">
-              <a:schemeClr val="accent1"/>
-            </a:lnRef>
-            <a:fillRef idx="0">
-              <a:schemeClr val="accent1"/>
-            </a:fillRef>
-            <a:effectRef idx="0">
-              <a:schemeClr val="accent1"/>
-            </a:effectRef>
-            <a:fontRef idx="minor">
-              <a:schemeClr val="tx1"/>
-            </a:fontRef>
-          </p:style>
-        </p:cxnSp>
-        <mc:AlternateContent xmlns:mc="http://schemas.openxmlformats.org/markup-compatibility/2006" xmlns:a14="http://schemas.microsoft.com/office/drawing/2010/main">
-          <mc:Choice Requires="a14">
-            <p:sp>
-              <p:nvSpPr>
-                <p:cNvPr id="72" name="TextBox 71"/>
-                <p:cNvSpPr txBox="1"/>
-                <p:nvPr/>
-              </p:nvSpPr>
-              <p:spPr>
-                <a:xfrm>
-                  <a:off x="5205836" y="2172044"/>
-                  <a:ext cx="159980" cy="246221"/>
-                </a:xfrm>
-                <a:prstGeom prst="rect">
-                  <a:avLst/>
-                </a:prstGeom>
-                <a:grpFill/>
-              </p:spPr>
-              <p:txBody>
-                <a:bodyPr wrap="none" lIns="0" tIns="0" rIns="0" bIns="0" rtlCol="0">
-                  <a:spAutoFit/>
-                </a:bodyPr>
-                <a:lstStyle/>
-                <a:p>
-                  <a:pPr/>
-                  <a14:m>
-                    <m:oMathPara xmlns:m="http://schemas.openxmlformats.org/officeDocument/2006/math">
-                      <m:oMathParaPr>
-                        <m:jc m:val="centerGroup"/>
-                      </m:oMathParaPr>
-                      <m:oMath xmlns:m="http://schemas.openxmlformats.org/officeDocument/2006/math">
-                        <m:r>
-                          <a:rPr lang="en-US" sz="1600" b="0" i="1" smtClean="0">
-                            <a:latin typeface="Cambria Math" panose="02040503050406030204" pitchFamily="18" charset="0"/>
-                            <a:cs typeface="Arial" panose="020B0604020202020204" pitchFamily="34" charset="0"/>
-                          </a:rPr>
-                          <m:t>𝑟</m:t>
-                        </m:r>
-                      </m:oMath>
-                    </m:oMathPara>
-                  </a14:m>
-                  <a:endParaRPr lang="en-US" sz="1600" dirty="0" smtClean="0">
-                    <a:latin typeface="Arial" panose="020B0604020202020204" pitchFamily="34" charset="0"/>
-                    <a:cs typeface="Arial" panose="020B0604020202020204" pitchFamily="34" charset="0"/>
-                  </a:endParaRPr>
-                </a:p>
-              </p:txBody>
-            </p:sp>
-          </mc:Choice>
-          <mc:Fallback xmlns="">
-            <p:sp>
-              <p:nvSpPr>
-                <p:cNvPr id="72" name="TextBox 71"/>
-                <p:cNvSpPr txBox="1">
-                  <a:spLocks noRot="1" noChangeAspect="1" noMove="1" noResize="1" noEditPoints="1" noAdjustHandles="1" noChangeArrowheads="1" noChangeShapeType="1" noTextEdit="1"/>
-                </p:cNvSpPr>
-                <p:nvPr/>
-              </p:nvSpPr>
-              <p:spPr>
-                <a:xfrm>
-                  <a:off x="5205836" y="2172044"/>
-                  <a:ext cx="159980" cy="246221"/>
-                </a:xfrm>
-                <a:prstGeom prst="rect">
-                  <a:avLst/>
-                </a:prstGeom>
-                <a:blipFill>
-                  <a:blip r:embed="rId8"/>
-                  <a:stretch>
-                    <a:fillRect l="-11538" r="-15385"/>
-                  </a:stretch>
-                </a:blipFill>
-              </p:spPr>
-              <p:txBody>
-                <a:bodyPr/>
-                <a:lstStyle/>
-                <a:p>
-                  <a:r>
-                    <a:rPr lang="en-US">
-                      <a:noFill/>
-                    </a:rPr>
-                    <a:t> </a:t>
-                  </a:r>
-                </a:p>
-              </p:txBody>
-            </p:sp>
-          </mc:Fallback>
-        </mc:AlternateContent>
-        <mc:AlternateContent xmlns:mc="http://schemas.openxmlformats.org/markup-compatibility/2006" xmlns:a14="http://schemas.microsoft.com/office/drawing/2010/main">
-          <mc:Choice Requires="a14">
-            <p:sp>
-              <p:nvSpPr>
-                <p:cNvPr id="74" name="TextBox 73"/>
-                <p:cNvSpPr txBox="1"/>
-                <p:nvPr/>
-              </p:nvSpPr>
-              <p:spPr>
-                <a:xfrm>
-                  <a:off x="5942461" y="2989484"/>
-                  <a:ext cx="170752" cy="246221"/>
-                </a:xfrm>
-                <a:prstGeom prst="rect">
-                  <a:avLst/>
-                </a:prstGeom>
-                <a:grpFill/>
-              </p:spPr>
-              <p:txBody>
-                <a:bodyPr wrap="none" lIns="0" tIns="0" rIns="0" bIns="0" rtlCol="0">
-                  <a:spAutoFit/>
-                </a:bodyPr>
-                <a:lstStyle/>
-                <a:p>
-                  <a:pPr/>
-                  <a14:m>
-                    <m:oMathPara xmlns:m="http://schemas.openxmlformats.org/officeDocument/2006/math">
-                      <m:oMathParaPr>
-                        <m:jc m:val="centerGroup"/>
-                      </m:oMathParaPr>
-                      <m:oMath xmlns:m="http://schemas.openxmlformats.org/officeDocument/2006/math">
-                        <m:r>
-                          <a:rPr lang="en-US" sz="1600" b="0" i="1" smtClean="0">
-                            <a:latin typeface="Cambria Math" panose="02040503050406030204" pitchFamily="18" charset="0"/>
-                            <a:cs typeface="Arial" panose="020B0604020202020204" pitchFamily="34" charset="0"/>
-                          </a:rPr>
-                          <m:t>𝑆</m:t>
-                        </m:r>
-                      </m:oMath>
-                    </m:oMathPara>
-                  </a14:m>
-                  <a:endParaRPr lang="en-US" sz="1600" dirty="0" smtClean="0">
-                    <a:latin typeface="Arial" panose="020B0604020202020204" pitchFamily="34" charset="0"/>
-                    <a:cs typeface="Arial" panose="020B0604020202020204" pitchFamily="34" charset="0"/>
-                  </a:endParaRPr>
-                </a:p>
-              </p:txBody>
-            </p:sp>
-          </mc:Choice>
-          <mc:Fallback xmlns="">
-            <p:sp>
-              <p:nvSpPr>
-                <p:cNvPr id="74" name="TextBox 73"/>
-                <p:cNvSpPr txBox="1">
-                  <a:spLocks noRot="1" noChangeAspect="1" noMove="1" noResize="1" noEditPoints="1" noAdjustHandles="1" noChangeArrowheads="1" noChangeShapeType="1" noTextEdit="1"/>
-                </p:cNvSpPr>
-                <p:nvPr/>
-              </p:nvSpPr>
-              <p:spPr>
-                <a:xfrm>
-                  <a:off x="5942461" y="2989484"/>
-                  <a:ext cx="170752" cy="246221"/>
-                </a:xfrm>
-                <a:prstGeom prst="rect">
-                  <a:avLst/>
-                </a:prstGeom>
-                <a:blipFill>
-                  <a:blip r:embed="rId9"/>
-                  <a:stretch>
-                    <a:fillRect l="-21429" r="-21429" b="-7500"/>
-                  </a:stretch>
-                </a:blipFill>
-              </p:spPr>
-              <p:txBody>
-                <a:bodyPr/>
-                <a:lstStyle/>
-                <a:p>
-                  <a:r>
-                    <a:rPr lang="en-US">
-                      <a:noFill/>
-                    </a:rPr>
-                    <a:t> </a:t>
-                  </a:r>
-                </a:p>
-              </p:txBody>
-            </p:sp>
-          </mc:Fallback>
-        </mc:AlternateContent>
-        <p:sp>
-          <p:nvSpPr>
-            <p:cNvPr id="75" name="Rectangle 47"/>
-            <p:cNvSpPr/>
-            <p:nvPr/>
-          </p:nvSpPr>
-          <p:spPr>
-            <a:xfrm rot="18506906">
-              <a:off x="5898782" y="1964340"/>
-              <a:ext cx="95555" cy="154926"/>
-            </a:xfrm>
-            <a:custGeom>
-              <a:avLst/>
-              <a:gdLst>
-                <a:gd name="connsiteX0" fmla="*/ 0 w 222636"/>
-                <a:gd name="connsiteY0" fmla="*/ 0 h 267694"/>
-                <a:gd name="connsiteX1" fmla="*/ 222636 w 222636"/>
-                <a:gd name="connsiteY1" fmla="*/ 0 h 267694"/>
-                <a:gd name="connsiteX2" fmla="*/ 222636 w 222636"/>
-                <a:gd name="connsiteY2" fmla="*/ 267694 h 267694"/>
-                <a:gd name="connsiteX3" fmla="*/ 0 w 222636"/>
-                <a:gd name="connsiteY3" fmla="*/ 267694 h 267694"/>
-                <a:gd name="connsiteX4" fmla="*/ 0 w 222636"/>
-                <a:gd name="connsiteY4" fmla="*/ 0 h 267694"/>
-                <a:gd name="connsiteX0" fmla="*/ 0 w 222636"/>
-                <a:gd name="connsiteY0" fmla="*/ 0 h 267694"/>
-                <a:gd name="connsiteX1" fmla="*/ 189853 w 222636"/>
-                <a:gd name="connsiteY1" fmla="*/ 22645 h 267694"/>
-                <a:gd name="connsiteX2" fmla="*/ 222636 w 222636"/>
-                <a:gd name="connsiteY2" fmla="*/ 267694 h 267694"/>
-                <a:gd name="connsiteX3" fmla="*/ 0 w 222636"/>
-                <a:gd name="connsiteY3" fmla="*/ 267694 h 267694"/>
-                <a:gd name="connsiteX4" fmla="*/ 0 w 222636"/>
-                <a:gd name="connsiteY4" fmla="*/ 0 h 267694"/>
-                <a:gd name="connsiteX0" fmla="*/ 0 w 189853"/>
-                <a:gd name="connsiteY0" fmla="*/ 0 h 276236"/>
-                <a:gd name="connsiteX1" fmla="*/ 189853 w 189853"/>
-                <a:gd name="connsiteY1" fmla="*/ 22645 h 276236"/>
-                <a:gd name="connsiteX2" fmla="*/ 182040 w 189853"/>
-                <a:gd name="connsiteY2" fmla="*/ 276236 h 276236"/>
-                <a:gd name="connsiteX3" fmla="*/ 0 w 189853"/>
-                <a:gd name="connsiteY3" fmla="*/ 267694 h 276236"/>
-                <a:gd name="connsiteX4" fmla="*/ 0 w 189853"/>
-                <a:gd name="connsiteY4" fmla="*/ 0 h 276236"/>
-                <a:gd name="connsiteX0" fmla="*/ 24847 w 189853"/>
-                <a:gd name="connsiteY0" fmla="*/ 0 h 279042"/>
-                <a:gd name="connsiteX1" fmla="*/ 189853 w 189853"/>
-                <a:gd name="connsiteY1" fmla="*/ 25451 h 279042"/>
-                <a:gd name="connsiteX2" fmla="*/ 182040 w 189853"/>
-                <a:gd name="connsiteY2" fmla="*/ 279042 h 279042"/>
-                <a:gd name="connsiteX3" fmla="*/ 0 w 189853"/>
-                <a:gd name="connsiteY3" fmla="*/ 270500 h 279042"/>
-                <a:gd name="connsiteX4" fmla="*/ 24847 w 189853"/>
-                <a:gd name="connsiteY4" fmla="*/ 0 h 279042"/>
-                <a:gd name="connsiteX0" fmla="*/ 0 w 165006"/>
-                <a:gd name="connsiteY0" fmla="*/ 0 h 279042"/>
-                <a:gd name="connsiteX1" fmla="*/ 165006 w 165006"/>
-                <a:gd name="connsiteY1" fmla="*/ 25451 h 279042"/>
-                <a:gd name="connsiteX2" fmla="*/ 157193 w 165006"/>
-                <a:gd name="connsiteY2" fmla="*/ 279042 h 279042"/>
-                <a:gd name="connsiteX3" fmla="*/ 2075 w 165006"/>
-                <a:gd name="connsiteY3" fmla="*/ 266046 h 279042"/>
-                <a:gd name="connsiteX4" fmla="*/ 0 w 165006"/>
-                <a:gd name="connsiteY4" fmla="*/ 0 h 279042"/>
-                <a:gd name="connsiteX0" fmla="*/ 12417 w 177423"/>
-                <a:gd name="connsiteY0" fmla="*/ 0 h 279042"/>
-                <a:gd name="connsiteX1" fmla="*/ 177423 w 177423"/>
-                <a:gd name="connsiteY1" fmla="*/ 25451 h 279042"/>
-                <a:gd name="connsiteX2" fmla="*/ 169610 w 177423"/>
-                <a:gd name="connsiteY2" fmla="*/ 279042 h 279042"/>
-                <a:gd name="connsiteX3" fmla="*/ 25 w 177423"/>
-                <a:gd name="connsiteY3" fmla="*/ 260611 h 279042"/>
-                <a:gd name="connsiteX4" fmla="*/ 12417 w 177423"/>
-                <a:gd name="connsiteY4" fmla="*/ 0 h 279042"/>
-                <a:gd name="connsiteX0" fmla="*/ 12392 w 177398"/>
-                <a:gd name="connsiteY0" fmla="*/ 0 h 279042"/>
-                <a:gd name="connsiteX1" fmla="*/ 177398 w 177398"/>
-                <a:gd name="connsiteY1" fmla="*/ 25451 h 279042"/>
-                <a:gd name="connsiteX2" fmla="*/ 169585 w 177398"/>
-                <a:gd name="connsiteY2" fmla="*/ 279042 h 279042"/>
-                <a:gd name="connsiteX3" fmla="*/ 0 w 177398"/>
-                <a:gd name="connsiteY3" fmla="*/ 260611 h 279042"/>
-                <a:gd name="connsiteX4" fmla="*/ 12392 w 177398"/>
-                <a:gd name="connsiteY4" fmla="*/ 0 h 279042"/>
-                <a:gd name="connsiteX0" fmla="*/ 12392 w 177398"/>
-                <a:gd name="connsiteY0" fmla="*/ 0 h 279042"/>
-                <a:gd name="connsiteX1" fmla="*/ 177398 w 177398"/>
-                <a:gd name="connsiteY1" fmla="*/ 25451 h 279042"/>
-                <a:gd name="connsiteX2" fmla="*/ 169585 w 177398"/>
-                <a:gd name="connsiteY2" fmla="*/ 279042 h 279042"/>
-                <a:gd name="connsiteX3" fmla="*/ 0 w 177398"/>
-                <a:gd name="connsiteY3" fmla="*/ 260611 h 279042"/>
-                <a:gd name="connsiteX4" fmla="*/ 12392 w 177398"/>
-                <a:gd name="connsiteY4" fmla="*/ 0 h 279042"/>
-                <a:gd name="connsiteX0" fmla="*/ 12392 w 185844"/>
-                <a:gd name="connsiteY0" fmla="*/ 0 h 279042"/>
-                <a:gd name="connsiteX1" fmla="*/ 177398 w 185844"/>
-                <a:gd name="connsiteY1" fmla="*/ 25451 h 279042"/>
-                <a:gd name="connsiteX2" fmla="*/ 169585 w 185844"/>
-                <a:gd name="connsiteY2" fmla="*/ 279042 h 279042"/>
-                <a:gd name="connsiteX3" fmla="*/ 0 w 185844"/>
-                <a:gd name="connsiteY3" fmla="*/ 260611 h 279042"/>
-                <a:gd name="connsiteX4" fmla="*/ 12392 w 185844"/>
-                <a:gd name="connsiteY4" fmla="*/ 0 h 279042"/>
-                <a:gd name="connsiteX0" fmla="*/ 12392 w 196295"/>
-                <a:gd name="connsiteY0" fmla="*/ 0 h 279042"/>
-                <a:gd name="connsiteX1" fmla="*/ 177398 w 196295"/>
-                <a:gd name="connsiteY1" fmla="*/ 25451 h 279042"/>
-                <a:gd name="connsiteX2" fmla="*/ 169585 w 196295"/>
-                <a:gd name="connsiteY2" fmla="*/ 279042 h 279042"/>
-                <a:gd name="connsiteX3" fmla="*/ 0 w 196295"/>
-                <a:gd name="connsiteY3" fmla="*/ 260611 h 279042"/>
-                <a:gd name="connsiteX4" fmla="*/ 12392 w 196295"/>
-                <a:gd name="connsiteY4" fmla="*/ 0 h 279042"/>
-                <a:gd name="connsiteX0" fmla="*/ 12392 w 202940"/>
-                <a:gd name="connsiteY0" fmla="*/ 0 h 279042"/>
-                <a:gd name="connsiteX1" fmla="*/ 177398 w 202940"/>
-                <a:gd name="connsiteY1" fmla="*/ 25451 h 279042"/>
-                <a:gd name="connsiteX2" fmla="*/ 169585 w 202940"/>
-                <a:gd name="connsiteY2" fmla="*/ 279042 h 279042"/>
-                <a:gd name="connsiteX3" fmla="*/ 0 w 202940"/>
-                <a:gd name="connsiteY3" fmla="*/ 260611 h 279042"/>
-                <a:gd name="connsiteX4" fmla="*/ 12392 w 202940"/>
-                <a:gd name="connsiteY4" fmla="*/ 0 h 279042"/>
-                <a:gd name="connsiteX0" fmla="*/ 12392 w 198492"/>
-                <a:gd name="connsiteY0" fmla="*/ 0 h 279042"/>
-                <a:gd name="connsiteX1" fmla="*/ 177398 w 198492"/>
-                <a:gd name="connsiteY1" fmla="*/ 25451 h 279042"/>
-                <a:gd name="connsiteX2" fmla="*/ 169585 w 198492"/>
-                <a:gd name="connsiteY2" fmla="*/ 279042 h 279042"/>
-                <a:gd name="connsiteX3" fmla="*/ 0 w 198492"/>
-                <a:gd name="connsiteY3" fmla="*/ 260611 h 279042"/>
-                <a:gd name="connsiteX4" fmla="*/ 12392 w 198492"/>
-                <a:gd name="connsiteY4" fmla="*/ 0 h 279042"/>
-                <a:gd name="connsiteX0" fmla="*/ 12392 w 193165"/>
-                <a:gd name="connsiteY0" fmla="*/ 0 h 279042"/>
-                <a:gd name="connsiteX1" fmla="*/ 177398 w 193165"/>
-                <a:gd name="connsiteY1" fmla="*/ 25451 h 279042"/>
-                <a:gd name="connsiteX2" fmla="*/ 169585 w 193165"/>
-                <a:gd name="connsiteY2" fmla="*/ 279042 h 279042"/>
-                <a:gd name="connsiteX3" fmla="*/ 0 w 193165"/>
-                <a:gd name="connsiteY3" fmla="*/ 260611 h 279042"/>
-                <a:gd name="connsiteX4" fmla="*/ 12392 w 193165"/>
-                <a:gd name="connsiteY4" fmla="*/ 0 h 279042"/>
-                <a:gd name="connsiteX0" fmla="*/ 12392 w 193165"/>
-                <a:gd name="connsiteY0" fmla="*/ 0 h 279042"/>
-                <a:gd name="connsiteX1" fmla="*/ 177398 w 193165"/>
-                <a:gd name="connsiteY1" fmla="*/ 25451 h 279042"/>
-                <a:gd name="connsiteX2" fmla="*/ 169585 w 193165"/>
-                <a:gd name="connsiteY2" fmla="*/ 279042 h 279042"/>
-                <a:gd name="connsiteX3" fmla="*/ 0 w 193165"/>
-                <a:gd name="connsiteY3" fmla="*/ 260611 h 279042"/>
-                <a:gd name="connsiteX4" fmla="*/ 12392 w 193165"/>
-                <a:gd name="connsiteY4" fmla="*/ 0 h 279042"/>
-                <a:gd name="connsiteX0" fmla="*/ 12392 w 193165"/>
-                <a:gd name="connsiteY0" fmla="*/ 0 h 279042"/>
-                <a:gd name="connsiteX1" fmla="*/ 177398 w 193165"/>
-                <a:gd name="connsiteY1" fmla="*/ 25451 h 279042"/>
-                <a:gd name="connsiteX2" fmla="*/ 169585 w 193165"/>
-                <a:gd name="connsiteY2" fmla="*/ 279042 h 279042"/>
-                <a:gd name="connsiteX3" fmla="*/ 0 w 193165"/>
-                <a:gd name="connsiteY3" fmla="*/ 260611 h 279042"/>
-                <a:gd name="connsiteX4" fmla="*/ 12392 w 193165"/>
-                <a:gd name="connsiteY4" fmla="*/ 0 h 279042"/>
-                <a:gd name="connsiteX0" fmla="*/ 12392 w 193165"/>
-                <a:gd name="connsiteY0" fmla="*/ 0 h 279042"/>
-                <a:gd name="connsiteX1" fmla="*/ 177398 w 193165"/>
-                <a:gd name="connsiteY1" fmla="*/ 25451 h 279042"/>
-                <a:gd name="connsiteX2" fmla="*/ 169585 w 193165"/>
-                <a:gd name="connsiteY2" fmla="*/ 279042 h 279042"/>
-                <a:gd name="connsiteX3" fmla="*/ 0 w 193165"/>
-                <a:gd name="connsiteY3" fmla="*/ 260611 h 279042"/>
-                <a:gd name="connsiteX4" fmla="*/ 12392 w 193165"/>
-                <a:gd name="connsiteY4" fmla="*/ 0 h 279042"/>
-              </a:gdLst>
-              <a:ahLst/>
-              <a:cxnLst>
-                <a:cxn ang="0">
-                  <a:pos x="connsiteX0" y="connsiteY0"/>
-                </a:cxn>
-                <a:cxn ang="0">
-                  <a:pos x="connsiteX1" y="connsiteY1"/>
-                </a:cxn>
-                <a:cxn ang="0">
-                  <a:pos x="connsiteX2" y="connsiteY2"/>
-                </a:cxn>
-                <a:cxn ang="0">
-                  <a:pos x="connsiteX3" y="connsiteY3"/>
-                </a:cxn>
-                <a:cxn ang="0">
-                  <a:pos x="connsiteX4" y="connsiteY4"/>
-                </a:cxn>
-              </a:cxnLst>
-              <a:rect l="l" t="t" r="r" b="b"/>
-              <a:pathLst>
-                <a:path w="193165" h="279042">
-                  <a:moveTo>
-                    <a:pt x="12392" y="0"/>
-                  </a:moveTo>
-                  <a:lnTo>
-                    <a:pt x="177398" y="25451"/>
-                  </a:lnTo>
-                  <a:cubicBezTo>
-                    <a:pt x="205011" y="109678"/>
-                    <a:pt x="192457" y="198725"/>
-                    <a:pt x="169585" y="279042"/>
-                  </a:cubicBezTo>
-                  <a:lnTo>
-                    <a:pt x="0" y="260611"/>
-                  </a:lnTo>
-                  <a:cubicBezTo>
-                    <a:pt x="20002" y="172419"/>
-                    <a:pt x="28406" y="86669"/>
-                    <a:pt x="12392" y="0"/>
-                  </a:cubicBezTo>
-                  <a:close/>
-                </a:path>
-              </a:pathLst>
-            </a:custGeom>
-            <a:solidFill>
-              <a:schemeClr val="accent3">
-                <a:lumMod val="75000"/>
-              </a:schemeClr>
-            </a:solidFill>
-            <a:ln w="12700">
-              <a:solidFill>
-                <a:schemeClr val="tx1"/>
-              </a:solidFill>
-            </a:ln>
-          </p:spPr>
-          <p:style>
-            <a:lnRef idx="2">
-              <a:schemeClr val="accent1">
-                <a:shade val="50000"/>
-              </a:schemeClr>
-            </a:lnRef>
-            <a:fillRef idx="1">
-              <a:schemeClr val="accent1"/>
-            </a:fillRef>
-            <a:effectRef idx="0">
-              <a:schemeClr val="accent1"/>
-            </a:effectRef>
-            <a:fontRef idx="minor">
-              <a:schemeClr val="lt1"/>
-            </a:fontRef>
-          </p:style>
-          <p:txBody>
-            <a:bodyPr rtlCol="0" anchor="ctr"/>
-            <a:lstStyle/>
-            <a:p>
-              <a:pPr algn="ctr"/>
-              <a:endParaRPr lang="en-US"/>
-            </a:p>
-          </p:txBody>
-        </p:sp>
-        <mc:AlternateContent xmlns:mc="http://schemas.openxmlformats.org/markup-compatibility/2006" xmlns:a14="http://schemas.microsoft.com/office/drawing/2010/main">
-          <mc:Choice Requires="a14">
-            <p:sp>
-              <p:nvSpPr>
-                <p:cNvPr id="78" name="TextBox 77"/>
-                <p:cNvSpPr txBox="1"/>
-                <p:nvPr/>
-              </p:nvSpPr>
-              <p:spPr>
-                <a:xfrm>
-                  <a:off x="6223206" y="1629229"/>
-                  <a:ext cx="314702" cy="277768"/>
-                </a:xfrm>
-                <a:prstGeom prst="rect">
-                  <a:avLst/>
-                </a:prstGeom>
-                <a:grpFill/>
-              </p:spPr>
-              <p:txBody>
-                <a:bodyPr wrap="none" lIns="0" tIns="0" rIns="0" bIns="0" rtlCol="0">
-                  <a:spAutoFit/>
-                </a:bodyPr>
-                <a:lstStyle/>
-                <a:p>
-                  <a:pPr/>
-                  <a14:m>
-                    <m:oMathPara xmlns:m="http://schemas.openxmlformats.org/officeDocument/2006/math">
-                      <m:oMathParaPr>
-                        <m:jc m:val="centerGroup"/>
-                      </m:oMathParaPr>
-                      <m:oMath xmlns:m="http://schemas.openxmlformats.org/officeDocument/2006/math">
-                        <m:r>
-                          <a:rPr lang="en-US" sz="1600" b="0" i="1" smtClean="0">
-                            <a:solidFill>
-                              <a:srgbClr val="FF0000"/>
-                            </a:solidFill>
-                            <a:latin typeface="Cambria Math" panose="02040503050406030204" pitchFamily="18" charset="0"/>
-                            <a:cs typeface="Arial" panose="020B0604020202020204" pitchFamily="34" charset="0"/>
-                          </a:rPr>
-                          <m:t>𝑑</m:t>
-                        </m:r>
-                        <m:acc>
-                          <m:accPr>
-                            <m:chr m:val="⃗"/>
-                            <m:ctrlPr>
-                              <a:rPr lang="en-US" sz="1600" b="0" i="1" smtClean="0">
-                                <a:solidFill>
-                                  <a:srgbClr val="FF0000"/>
-                                </a:solidFill>
-                                <a:latin typeface="Cambria Math" charset="0"/>
-                                <a:cs typeface="Arial" panose="020B0604020202020204" pitchFamily="34" charset="0"/>
-                              </a:rPr>
-                            </m:ctrlPr>
-                          </m:accPr>
-                          <m:e>
-                            <m:r>
-                              <a:rPr lang="en-US" sz="1600" b="0" i="1" smtClean="0">
-                                <a:solidFill>
-                                  <a:srgbClr val="FF0000"/>
-                                </a:solidFill>
-                                <a:latin typeface="Cambria Math" panose="02040503050406030204" pitchFamily="18" charset="0"/>
-                                <a:cs typeface="Arial" panose="020B0604020202020204" pitchFamily="34" charset="0"/>
-                              </a:rPr>
-                              <m:t>𝐴</m:t>
-                            </m:r>
-                          </m:e>
-                        </m:acc>
-                      </m:oMath>
-                    </m:oMathPara>
-                  </a14:m>
-                  <a:endParaRPr lang="en-US" sz="1600" dirty="0" smtClean="0">
-                    <a:solidFill>
-                      <a:srgbClr val="FF0000"/>
-                    </a:solidFill>
-                    <a:latin typeface="Arial" panose="020B0604020202020204" pitchFamily="34" charset="0"/>
-                    <a:cs typeface="Arial" panose="020B0604020202020204" pitchFamily="34" charset="0"/>
-                  </a:endParaRPr>
-                </a:p>
-              </p:txBody>
-            </p:sp>
-          </mc:Choice>
-          <mc:Fallback xmlns="">
-            <p:sp>
-              <p:nvSpPr>
-                <p:cNvPr id="78" name="TextBox 77"/>
-                <p:cNvSpPr txBox="1">
-                  <a:spLocks noRot="1" noChangeAspect="1" noMove="1" noResize="1" noEditPoints="1" noAdjustHandles="1" noChangeArrowheads="1" noChangeShapeType="1" noTextEdit="1"/>
-                </p:cNvSpPr>
-                <p:nvPr/>
-              </p:nvSpPr>
-              <p:spPr>
-                <a:xfrm>
-                  <a:off x="6223206" y="1629229"/>
-                  <a:ext cx="314702" cy="277768"/>
-                </a:xfrm>
-                <a:prstGeom prst="rect">
-                  <a:avLst/>
-                </a:prstGeom>
-                <a:blipFill>
-                  <a:blip r:embed="rId10"/>
-                  <a:stretch>
-                    <a:fillRect l="-13462" t="-30435" r="-100000" b="-8696"/>
-                  </a:stretch>
-                </a:blipFill>
-              </p:spPr>
-              <p:txBody>
-                <a:bodyPr/>
-                <a:lstStyle/>
-                <a:p>
-                  <a:r>
-                    <a:rPr lang="en-US">
-                      <a:noFill/>
-                    </a:rPr>
-                    <a:t> </a:t>
-                  </a:r>
-                </a:p>
-              </p:txBody>
-            </p:sp>
-          </mc:Fallback>
-        </mc:AlternateContent>
-        <p:cxnSp>
-          <p:nvCxnSpPr>
-            <p:cNvPr id="77" name="Straight Arrow Connector 76"/>
-            <p:cNvCxnSpPr/>
-            <p:nvPr/>
-          </p:nvCxnSpPr>
-          <p:spPr>
-            <a:xfrm flipV="1">
-              <a:off x="5949054" y="1754809"/>
-              <a:ext cx="274152" cy="283268"/>
-            </a:xfrm>
-            <a:prstGeom prst="straightConnector1">
-              <a:avLst/>
-            </a:prstGeom>
-            <a:grpFill/>
-            <a:ln w="22225">
-              <a:solidFill>
-                <a:srgbClr val="FF0000"/>
-              </a:solidFill>
-              <a:tailEnd type="triangle"/>
-            </a:ln>
-          </p:spPr>
-          <p:style>
-            <a:lnRef idx="1">
-              <a:schemeClr val="accent1"/>
-            </a:lnRef>
-            <a:fillRef idx="0">
-              <a:schemeClr val="accent1"/>
-            </a:fillRef>
-            <a:effectRef idx="0">
-              <a:schemeClr val="accent1"/>
-            </a:effectRef>
-            <a:fontRef idx="minor">
-              <a:schemeClr val="tx1"/>
-            </a:fontRef>
-          </p:style>
-        </p:cxnSp>
-        <mc:AlternateContent xmlns:mc="http://schemas.openxmlformats.org/markup-compatibility/2006" xmlns:a14="http://schemas.microsoft.com/office/drawing/2010/main">
-          <mc:Choice Requires="a14">
-            <p:sp>
-              <p:nvSpPr>
-                <p:cNvPr id="81" name="TextBox 80"/>
-                <p:cNvSpPr txBox="1"/>
-                <p:nvPr/>
-              </p:nvSpPr>
-              <p:spPr>
-                <a:xfrm>
-                  <a:off x="5397540" y="1921241"/>
-                  <a:ext cx="399789" cy="215444"/>
-                </a:xfrm>
-                <a:prstGeom prst="rect">
-                  <a:avLst/>
-                </a:prstGeom>
-                <a:grpFill/>
-              </p:spPr>
-              <p:txBody>
-                <a:bodyPr wrap="none" lIns="0" tIns="0" rIns="0" bIns="0" rtlCol="0">
-                  <a:spAutoFit/>
-                </a:bodyPr>
-                <a:lstStyle/>
-                <a:p>
-                  <a:pPr/>
-                  <a14:m>
-                    <m:oMathPara xmlns:m="http://schemas.openxmlformats.org/officeDocument/2006/math">
-                      <m:oMathParaPr>
-                        <m:jc m:val="centerGroup"/>
-                      </m:oMathParaPr>
-                      <m:oMath xmlns:m="http://schemas.openxmlformats.org/officeDocument/2006/math">
-                        <m:acc>
-                          <m:accPr>
-                            <m:chr m:val="⃗"/>
-                            <m:ctrlPr>
-                              <a:rPr lang="en-US" sz="1400" b="0" i="1" smtClean="0">
-                                <a:latin typeface="Cambria Math" charset="0"/>
-                                <a:cs typeface="Arial" panose="020B0604020202020204" pitchFamily="34" charset="0"/>
-                              </a:rPr>
-                            </m:ctrlPr>
-                          </m:accPr>
-                          <m:e>
-                            <m:r>
-                              <a:rPr lang="en-US" sz="1400" b="0" i="1" smtClean="0">
-                                <a:latin typeface="Cambria Math" panose="02040503050406030204" pitchFamily="18" charset="0"/>
-                                <a:cs typeface="Arial" panose="020B0604020202020204" pitchFamily="34" charset="0"/>
-                              </a:rPr>
-                              <m:t>𝑔</m:t>
-                            </m:r>
-                          </m:e>
-                        </m:acc>
-                        <m:r>
-                          <a:rPr lang="en-US" sz="1400" b="0" i="1" smtClean="0">
-                            <a:latin typeface="Cambria Math" panose="02040503050406030204" pitchFamily="18" charset="0"/>
-                            <a:cs typeface="Arial" panose="020B0604020202020204" pitchFamily="34" charset="0"/>
-                          </a:rPr>
-                          <m:t>(</m:t>
-                        </m:r>
-                        <m:acc>
-                          <m:accPr>
-                            <m:chr m:val="⃗"/>
-                            <m:ctrlPr>
-                              <a:rPr lang="en-US" sz="1400" b="0" i="1" smtClean="0">
-                                <a:latin typeface="Cambria Math" charset="0"/>
-                                <a:cs typeface="Arial" panose="020B0604020202020204" pitchFamily="34" charset="0"/>
-                              </a:rPr>
-                            </m:ctrlPr>
-                          </m:accPr>
-                          <m:e>
-                            <m:r>
-                              <a:rPr lang="en-US" sz="1400" b="0" i="1" smtClean="0">
-                                <a:latin typeface="Cambria Math" panose="02040503050406030204" pitchFamily="18" charset="0"/>
-                                <a:cs typeface="Arial" panose="020B0604020202020204" pitchFamily="34" charset="0"/>
-                              </a:rPr>
-                              <m:t>𝑟</m:t>
-                            </m:r>
-                          </m:e>
-                        </m:acc>
-                        <m:r>
-                          <a:rPr lang="en-US" sz="1400" b="0" i="1" smtClean="0">
-                            <a:latin typeface="Cambria Math" panose="02040503050406030204" pitchFamily="18" charset="0"/>
-                            <a:cs typeface="Arial" panose="020B0604020202020204" pitchFamily="34" charset="0"/>
-                          </a:rPr>
-                          <m:t>)</m:t>
-                        </m:r>
-                      </m:oMath>
-                    </m:oMathPara>
-                  </a14:m>
-                  <a:endParaRPr lang="en-US" sz="1400" dirty="0" smtClean="0">
-                    <a:latin typeface="Arial" panose="020B0604020202020204" pitchFamily="34" charset="0"/>
-                    <a:cs typeface="Arial" panose="020B0604020202020204" pitchFamily="34" charset="0"/>
-                  </a:endParaRPr>
-                </a:p>
-              </p:txBody>
-            </p:sp>
-          </mc:Choice>
-          <mc:Fallback xmlns="">
-            <p:sp>
-              <p:nvSpPr>
-                <p:cNvPr id="81" name="TextBox 80"/>
-                <p:cNvSpPr txBox="1">
-                  <a:spLocks noRot="1" noChangeAspect="1" noMove="1" noResize="1" noEditPoints="1" noAdjustHandles="1" noChangeArrowheads="1" noChangeShapeType="1" noTextEdit="1"/>
-                </p:cNvSpPr>
-                <p:nvPr/>
-              </p:nvSpPr>
-              <p:spPr>
-                <a:xfrm>
-                  <a:off x="5397540" y="1921241"/>
-                  <a:ext cx="399789" cy="215444"/>
-                </a:xfrm>
-                <a:prstGeom prst="rect">
-                  <a:avLst/>
-                </a:prstGeom>
-                <a:blipFill>
-                  <a:blip r:embed="rId11"/>
-                  <a:stretch>
-                    <a:fillRect l="-10769" t="-33333" r="-47692" b="-33333"/>
-                  </a:stretch>
-                </a:blipFill>
-              </p:spPr>
-              <p:txBody>
-                <a:bodyPr/>
-                <a:lstStyle/>
-                <a:p>
-                  <a:r>
-                    <a:rPr lang="en-US">
-                      <a:noFill/>
-                    </a:rPr>
-                    <a:t> </a:t>
-                  </a:r>
-                </a:p>
-              </p:txBody>
-            </p:sp>
-          </mc:Fallback>
-        </mc:AlternateContent>
-      </p:grpSp>
-      <p:grpSp>
-        <p:nvGrpSpPr>
-          <p:cNvPr id="15" name="Group 14"/>
-          <p:cNvGrpSpPr/>
-          <p:nvPr/>
-        </p:nvGrpSpPr>
-        <p:grpSpPr>
-          <a:xfrm>
-            <a:off x="5895544" y="713863"/>
-            <a:ext cx="2388482" cy="2365130"/>
-            <a:chOff x="5922795" y="706355"/>
-            <a:chExt cx="2388482" cy="2365130"/>
-          </a:xfrm>
-        </p:grpSpPr>
-        <p:grpSp>
-          <p:nvGrpSpPr>
-            <p:cNvPr id="52" name="Group 51"/>
-            <p:cNvGrpSpPr/>
-            <p:nvPr/>
-          </p:nvGrpSpPr>
-          <p:grpSpPr>
-            <a:xfrm>
-              <a:off x="5922795" y="706355"/>
-              <a:ext cx="2388482" cy="2365130"/>
-              <a:chOff x="2215278" y="1291973"/>
-              <a:chExt cx="2388482" cy="2365130"/>
-            </a:xfrm>
-          </p:grpSpPr>
-          <p:grpSp>
-            <p:nvGrpSpPr>
-              <p:cNvPr id="54" name="Group 53"/>
-              <p:cNvGrpSpPr/>
-              <p:nvPr/>
-            </p:nvGrpSpPr>
-            <p:grpSpPr>
-              <a:xfrm>
-                <a:off x="2215278" y="1291973"/>
-                <a:ext cx="2388482" cy="2365130"/>
-                <a:chOff x="2156285" y="1852412"/>
-                <a:chExt cx="2388482" cy="2365130"/>
-              </a:xfrm>
-            </p:grpSpPr>
-            <p:sp>
-              <p:nvSpPr>
-                <p:cNvPr id="104" name="Oval 103"/>
-                <p:cNvSpPr/>
-                <p:nvPr/>
-              </p:nvSpPr>
-              <p:spPr>
-                <a:xfrm>
-                  <a:off x="2156285" y="1852412"/>
-                  <a:ext cx="2365130" cy="2365130"/>
-                </a:xfrm>
-                <a:prstGeom prst="ellipse">
-                  <a:avLst/>
-                </a:prstGeom>
-                <a:noFill/>
-                <a:ln w="38100">
-                  <a:solidFill>
-                    <a:schemeClr val="tx1"/>
-                  </a:solidFill>
-                  <a:prstDash val="sysDash"/>
-                </a:ln>
-              </p:spPr>
-              <p:style>
-                <a:lnRef idx="2">
-                  <a:schemeClr val="accent1">
-                    <a:shade val="50000"/>
-                  </a:schemeClr>
-                </a:lnRef>
-                <a:fillRef idx="1">
-                  <a:schemeClr val="accent1"/>
-                </a:fillRef>
-                <a:effectRef idx="0">
-                  <a:schemeClr val="accent1"/>
-                </a:effectRef>
-                <a:fontRef idx="minor">
-                  <a:schemeClr val="lt1"/>
-                </a:fontRef>
-              </p:style>
-              <p:txBody>
-                <a:bodyPr rtlCol="0" anchor="ctr"/>
-                <a:lstStyle/>
-                <a:p>
-                  <a:pPr algn="ctr"/>
-                  <a:endParaRPr lang="en-US"/>
-                </a:p>
-              </p:txBody>
-            </p:sp>
-            <p:sp>
-              <p:nvSpPr>
-                <p:cNvPr id="73" name="Oval 72"/>
-                <p:cNvSpPr/>
-                <p:nvPr/>
-              </p:nvSpPr>
-              <p:spPr>
-                <a:xfrm>
-                  <a:off x="2814101" y="2496600"/>
-                  <a:ext cx="1080000" cy="1080000"/>
-                </a:xfrm>
-                <a:prstGeom prst="ellipse">
-                  <a:avLst/>
-                </a:prstGeom>
-                <a:gradFill flip="none" rotWithShape="1">
-                  <a:gsLst>
-                    <a:gs pos="49000">
-                      <a:schemeClr val="bg1">
-                        <a:lumMod val="95000"/>
-                        <a:shade val="67500"/>
-                        <a:satMod val="115000"/>
-                      </a:schemeClr>
-                    </a:gs>
-                    <a:gs pos="0">
-                      <a:schemeClr val="bg1">
-                        <a:lumMod val="95000"/>
-                        <a:shade val="100000"/>
-                        <a:satMod val="115000"/>
-                      </a:schemeClr>
-                    </a:gs>
-                  </a:gsLst>
-                  <a:path path="circle">
-                    <a:fillToRect l="50000" t="50000" r="50000" b="50000"/>
-                  </a:path>
-                  <a:tileRect/>
-                </a:gradFill>
-                <a:ln w="6350">
-                  <a:solidFill>
-                    <a:schemeClr val="tx1"/>
-                  </a:solidFill>
-                </a:ln>
-              </p:spPr>
-              <p:style>
-                <a:lnRef idx="2">
-                  <a:schemeClr val="accent1">
-                    <a:shade val="50000"/>
-                  </a:schemeClr>
-                </a:lnRef>
-                <a:fillRef idx="1">
-                  <a:schemeClr val="accent1"/>
-                </a:fillRef>
-                <a:effectRef idx="0">
-                  <a:schemeClr val="accent1"/>
-                </a:effectRef>
-                <a:fontRef idx="minor">
-                  <a:schemeClr val="lt1"/>
-                </a:fontRef>
-              </p:style>
-              <p:txBody>
-                <a:bodyPr rtlCol="0" anchor="ctr"/>
-                <a:lstStyle/>
-                <a:p>
-                  <a:pPr algn="ctr"/>
-                  <a:endParaRPr lang="en-US"/>
-                </a:p>
-              </p:txBody>
-            </p:sp>
-            <p:cxnSp>
-              <p:nvCxnSpPr>
-                <p:cNvPr id="79" name="Straight Connector 78"/>
-                <p:cNvCxnSpPr/>
-                <p:nvPr/>
-              </p:nvCxnSpPr>
-              <p:spPr>
-                <a:xfrm flipH="1" flipV="1">
-                  <a:off x="2420459" y="2387740"/>
-                  <a:ext cx="951390" cy="647717"/>
-                </a:xfrm>
-                <a:prstGeom prst="line">
-                  <a:avLst/>
-                </a:prstGeom>
-                <a:ln w="28575">
-                  <a:solidFill>
-                    <a:schemeClr val="tx1"/>
-                  </a:solidFill>
-                  <a:prstDash val="solid"/>
-                  <a:headEnd type="none" w="med" len="med"/>
-                  <a:tailEnd type="triangle" w="med" len="med"/>
-                </a:ln>
-              </p:spPr>
-              <p:style>
-                <a:lnRef idx="1">
-                  <a:schemeClr val="accent1"/>
-                </a:lnRef>
-                <a:fillRef idx="0">
-                  <a:schemeClr val="accent1"/>
-                </a:fillRef>
-                <a:effectRef idx="0">
-                  <a:schemeClr val="accent1"/>
-                </a:effectRef>
-                <a:fontRef idx="minor">
-                  <a:schemeClr val="tx1"/>
-                </a:fontRef>
-              </p:style>
-            </p:cxnSp>
-            <mc:AlternateContent xmlns:mc="http://schemas.openxmlformats.org/markup-compatibility/2006" xmlns:a14="http://schemas.microsoft.com/office/drawing/2010/main">
-              <mc:Choice Requires="a14">
-                <p:sp>
-                  <p:nvSpPr>
-                    <p:cNvPr id="80" name="TextBox 79"/>
-                    <p:cNvSpPr txBox="1"/>
-                    <p:nvPr/>
-                  </p:nvSpPr>
-                  <p:spPr>
-                    <a:xfrm>
-                      <a:off x="2781989" y="2285732"/>
-                      <a:ext cx="198003" cy="307777"/>
-                    </a:xfrm>
-                    <a:prstGeom prst="rect">
-                      <a:avLst/>
-                    </a:prstGeom>
-                    <a:noFill/>
-                  </p:spPr>
-                  <p:txBody>
-                    <a:bodyPr wrap="none" lIns="0" tIns="0" rIns="0" bIns="0" rtlCol="0">
-                      <a:spAutoFit/>
-                    </a:bodyPr>
-                    <a:lstStyle/>
-                    <a:p>
-                      <a:pPr/>
-                      <a14:m>
-                        <m:oMathPara xmlns:m="http://schemas.openxmlformats.org/officeDocument/2006/math">
-                          <m:oMathParaPr>
-                            <m:jc m:val="centerGroup"/>
-                          </m:oMathParaPr>
-                          <m:oMath xmlns:m="http://schemas.openxmlformats.org/officeDocument/2006/math">
-                            <m:r>
-                              <a:rPr lang="en-US" sz="2000" b="0" i="1" smtClean="0">
-                                <a:latin typeface="Cambria Math" panose="02040503050406030204" pitchFamily="18" charset="0"/>
-                                <a:cs typeface="Arial" panose="020B0604020202020204" pitchFamily="34" charset="0"/>
-                              </a:rPr>
-                              <m:t>𝑟</m:t>
-                            </m:r>
-                          </m:oMath>
-                        </m:oMathPara>
-                      </a14:m>
-                      <a:endParaRPr lang="en-US" sz="2000" dirty="0" smtClean="0">
-                        <a:latin typeface="Arial" panose="020B0604020202020204" pitchFamily="34" charset="0"/>
-                        <a:cs typeface="Arial" panose="020B0604020202020204" pitchFamily="34" charset="0"/>
-                      </a:endParaRPr>
-                    </a:p>
-                  </p:txBody>
-                </p:sp>
-              </mc:Choice>
-              <mc:Fallback xmlns="">
-                <p:sp>
-                  <p:nvSpPr>
-                    <p:cNvPr id="80" name="TextBox 79"/>
-                    <p:cNvSpPr txBox="1">
-                      <a:spLocks noRot="1" noChangeAspect="1" noMove="1" noResize="1" noEditPoints="1" noAdjustHandles="1" noChangeArrowheads="1" noChangeShapeType="1" noTextEdit="1"/>
-                    </p:cNvSpPr>
-                    <p:nvPr/>
-                  </p:nvSpPr>
-                  <p:spPr>
-                    <a:xfrm>
-                      <a:off x="2781989" y="2285732"/>
-                      <a:ext cx="198003" cy="307777"/>
-                    </a:xfrm>
-                    <a:prstGeom prst="rect">
-                      <a:avLst/>
-                    </a:prstGeom>
-                    <a:blipFill rotWithShape="0">
-                      <a:blip r:embed="rId12"/>
-                      <a:stretch>
-                        <a:fillRect l="-15625" r="-12500" b="-1961"/>
-                      </a:stretch>
-                    </a:blipFill>
-                  </p:spPr>
-                  <p:txBody>
-                    <a:bodyPr/>
-                    <a:lstStyle/>
-                    <a:p>
-                      <a:r>
-                        <a:rPr lang="en-US">
-                          <a:noFill/>
-                        </a:rPr>
-                        <a:t> </a:t>
-                      </a:r>
-                    </a:p>
-                  </p:txBody>
-                </p:sp>
-              </mc:Fallback>
-            </mc:AlternateContent>
-            <mc:AlternateContent xmlns:mc="http://schemas.openxmlformats.org/markup-compatibility/2006" xmlns:a14="http://schemas.microsoft.com/office/drawing/2010/main">
-              <mc:Choice Requires="a14">
-                <p:sp>
-                  <p:nvSpPr>
-                    <p:cNvPr id="102" name="TextBox 101"/>
-                    <p:cNvSpPr txBox="1"/>
-                    <p:nvPr/>
-                  </p:nvSpPr>
-                  <p:spPr>
-                    <a:xfrm>
-                      <a:off x="4332979" y="3781762"/>
-                      <a:ext cx="211788" cy="307777"/>
-                    </a:xfrm>
-                    <a:prstGeom prst="rect">
-                      <a:avLst/>
-                    </a:prstGeom>
-                    <a:noFill/>
-                  </p:spPr>
-                  <p:txBody>
-                    <a:bodyPr wrap="none" lIns="0" tIns="0" rIns="0" bIns="0" rtlCol="0">
-                      <a:spAutoFit/>
-                    </a:bodyPr>
-                    <a:lstStyle/>
-                    <a:p>
-                      <a:pPr/>
-                      <a14:m>
-                        <m:oMathPara xmlns:m="http://schemas.openxmlformats.org/officeDocument/2006/math">
-                          <m:oMathParaPr>
-                            <m:jc m:val="centerGroup"/>
-                          </m:oMathParaPr>
-                          <m:oMath xmlns:m="http://schemas.openxmlformats.org/officeDocument/2006/math">
-                            <m:r>
-                              <a:rPr lang="en-US" sz="2000" b="0" i="1" smtClean="0">
-                                <a:latin typeface="Cambria Math" panose="02040503050406030204" pitchFamily="18" charset="0"/>
-                                <a:cs typeface="Arial" panose="020B0604020202020204" pitchFamily="34" charset="0"/>
-                              </a:rPr>
-                              <m:t>𝑆</m:t>
-                            </m:r>
-                          </m:oMath>
-                        </m:oMathPara>
-                      </a14:m>
-                      <a:endParaRPr lang="en-US" sz="2000" dirty="0" smtClean="0">
-                        <a:latin typeface="Arial" panose="020B0604020202020204" pitchFamily="34" charset="0"/>
-                        <a:cs typeface="Arial" panose="020B0604020202020204" pitchFamily="34" charset="0"/>
-                      </a:endParaRPr>
-                    </a:p>
-                  </p:txBody>
-                </p:sp>
-              </mc:Choice>
-              <mc:Fallback xmlns="">
-                <p:sp>
-                  <p:nvSpPr>
-                    <p:cNvPr id="102" name="TextBox 101"/>
-                    <p:cNvSpPr txBox="1">
-                      <a:spLocks noRot="1" noChangeAspect="1" noMove="1" noResize="1" noEditPoints="1" noAdjustHandles="1" noChangeArrowheads="1" noChangeShapeType="1" noTextEdit="1"/>
-                    </p:cNvSpPr>
-                    <p:nvPr/>
-                  </p:nvSpPr>
-                  <p:spPr>
-                    <a:xfrm>
-                      <a:off x="4332979" y="3781762"/>
-                      <a:ext cx="211788" cy="307777"/>
-                    </a:xfrm>
-                    <a:prstGeom prst="rect">
-                      <a:avLst/>
-                    </a:prstGeom>
-                    <a:blipFill rotWithShape="0">
-                      <a:blip r:embed="rId13"/>
-                      <a:stretch>
-                        <a:fillRect l="-25714" r="-22857" b="-14000"/>
-                      </a:stretch>
-                    </a:blipFill>
-                  </p:spPr>
-                  <p:txBody>
-                    <a:bodyPr/>
-                    <a:lstStyle/>
-                    <a:p>
-                      <a:r>
-                        <a:rPr lang="en-US">
-                          <a:noFill/>
-                        </a:rPr>
-                        <a:t> </a:t>
-                      </a:r>
-                    </a:p>
-                  </p:txBody>
-                </p:sp>
-              </mc:Fallback>
-            </mc:AlternateContent>
-          </p:grpSp>
+          </p:cxnSp>
           <mc:AlternateContent xmlns:mc="http://schemas.openxmlformats.org/markup-compatibility/2006" xmlns:a14="http://schemas.microsoft.com/office/drawing/2010/main">
             <mc:Choice Requires="a14">
               <p:sp>
                 <p:nvSpPr>
-                  <p:cNvPr id="55" name="TextBox 54"/>
+                  <p:cNvPr id="94" name="TextBox 93"/>
                   <p:cNvSpPr txBox="1"/>
                   <p:nvPr/>
                 </p:nvSpPr>
                 <p:spPr>
                   <a:xfrm>
-                    <a:off x="2693570" y="2776709"/>
+                    <a:off x="4712980" y="562857"/>
+                    <a:ext cx="392159" cy="347146"/>
+                  </a:xfrm>
+                  <a:prstGeom prst="rect">
+                    <a:avLst/>
+                  </a:prstGeom>
+                  <a:noFill/>
+                </p:spPr>
+                <p:txBody>
+                  <a:bodyPr wrap="none" lIns="0" tIns="0" rIns="0" bIns="0" rtlCol="0">
+                    <a:spAutoFit/>
+                  </a:bodyPr>
+                  <a:lstStyle/>
+                  <a:p>
+                    <a:pPr/>
+                    <a14:m>
+                      <m:oMathPara xmlns:m="http://schemas.openxmlformats.org/officeDocument/2006/math">
+                        <m:oMathParaPr>
+                          <m:jc m:val="centerGroup"/>
+                        </m:oMathParaPr>
+                        <m:oMath xmlns:m="http://schemas.openxmlformats.org/officeDocument/2006/math">
+                          <m:r>
+                            <a:rPr lang="en-US" sz="2000" b="0" i="1" smtClean="0">
+                              <a:solidFill>
+                                <a:srgbClr val="FF0000"/>
+                              </a:solidFill>
+                              <a:latin typeface="Cambria Math" panose="02040503050406030204" pitchFamily="18" charset="0"/>
+                              <a:cs typeface="Arial" panose="020B0604020202020204" pitchFamily="34" charset="0"/>
+                            </a:rPr>
+                            <m:t>𝑑</m:t>
+                          </m:r>
+                          <m:acc>
+                            <m:accPr>
+                              <m:chr m:val="⃗"/>
+                              <m:ctrlPr>
+                                <a:rPr lang="en-US" sz="2000" b="0" i="1" smtClean="0">
+                                  <a:solidFill>
+                                    <a:srgbClr val="FF0000"/>
+                                  </a:solidFill>
+                                  <a:latin typeface="Cambria Math" charset="0"/>
+                                  <a:cs typeface="Arial" panose="020B0604020202020204" pitchFamily="34" charset="0"/>
+                                </a:rPr>
+                              </m:ctrlPr>
+                            </m:accPr>
+                            <m:e>
+                              <m:r>
+                                <a:rPr lang="en-US" sz="2000" b="0" i="1" smtClean="0">
+                                  <a:solidFill>
+                                    <a:srgbClr val="FF0000"/>
+                                  </a:solidFill>
+                                  <a:latin typeface="Cambria Math" panose="02040503050406030204" pitchFamily="18" charset="0"/>
+                                  <a:cs typeface="Arial" panose="020B0604020202020204" pitchFamily="34" charset="0"/>
+                                </a:rPr>
+                                <m:t>𝐴</m:t>
+                              </m:r>
+                            </m:e>
+                          </m:acc>
+                        </m:oMath>
+                      </m:oMathPara>
+                    </a14:m>
+                    <a:endParaRPr lang="en-US" sz="2000" dirty="0" smtClean="0">
+                      <a:solidFill>
+                        <a:srgbClr val="FF0000"/>
+                      </a:solidFill>
+                      <a:latin typeface="Arial" panose="020B0604020202020204" pitchFamily="34" charset="0"/>
+                      <a:cs typeface="Arial" panose="020B0604020202020204" pitchFamily="34" charset="0"/>
+                    </a:endParaRPr>
+                  </a:p>
+                </p:txBody>
+              </p:sp>
+            </mc:Choice>
+            <mc:Fallback xmlns="">
+              <p:sp>
+                <p:nvSpPr>
+                  <p:cNvPr id="51" name="TextBox 50"/>
+                  <p:cNvSpPr txBox="1">
+                    <a:spLocks noRot="1" noChangeAspect="1" noMove="1" noResize="1" noEditPoints="1" noAdjustHandles="1" noChangeArrowheads="1" noChangeShapeType="1" noTextEdit="1"/>
+                  </p:cNvSpPr>
+                  <p:nvPr/>
+                </p:nvSpPr>
+                <p:spPr>
+                  <a:xfrm>
+                    <a:off x="4712980" y="562857"/>
+                    <a:ext cx="392159" cy="347146"/>
+                  </a:xfrm>
+                  <a:prstGeom prst="rect">
+                    <a:avLst/>
+                  </a:prstGeom>
+                  <a:blipFill rotWithShape="0">
+                    <a:blip r:embed="rId4"/>
+                    <a:stretch>
+                      <a:fillRect l="-14063" t="-33333" r="-95313" b="-12281"/>
+                    </a:stretch>
+                  </a:blipFill>
+                </p:spPr>
+                <p:txBody>
+                  <a:bodyPr/>
+                  <a:lstStyle/>
+                  <a:p>
+                    <a:r>
+                      <a:rPr lang="en-US">
+                        <a:noFill/>
+                      </a:rPr>
+                      <a:t> </a:t>
+                    </a:r>
+                  </a:p>
+                </p:txBody>
+              </p:sp>
+            </mc:Fallback>
+          </mc:AlternateContent>
+          <mc:AlternateContent xmlns:mc="http://schemas.openxmlformats.org/markup-compatibility/2006" xmlns:a14="http://schemas.microsoft.com/office/drawing/2010/main">
+            <mc:Choice Requires="a14">
+              <p:sp>
+                <p:nvSpPr>
+                  <p:cNvPr id="95" name="TextBox 94"/>
+                  <p:cNvSpPr txBox="1"/>
+                  <p:nvPr/>
+                </p:nvSpPr>
+                <p:spPr>
+                  <a:xfrm>
+                    <a:off x="4607086" y="2610891"/>
+                    <a:ext cx="211788" cy="307777"/>
+                  </a:xfrm>
+                  <a:prstGeom prst="rect">
+                    <a:avLst/>
+                  </a:prstGeom>
+                  <a:noFill/>
+                </p:spPr>
+                <p:txBody>
+                  <a:bodyPr wrap="none" lIns="0" tIns="0" rIns="0" bIns="0" rtlCol="0">
+                    <a:spAutoFit/>
+                  </a:bodyPr>
+                  <a:lstStyle/>
+                  <a:p>
+                    <a:pPr/>
+                    <a14:m>
+                      <m:oMathPara xmlns:m="http://schemas.openxmlformats.org/officeDocument/2006/math">
+                        <m:oMathParaPr>
+                          <m:jc m:val="centerGroup"/>
+                        </m:oMathParaPr>
+                        <m:oMath xmlns:m="http://schemas.openxmlformats.org/officeDocument/2006/math">
+                          <m:r>
+                            <a:rPr lang="en-US" sz="2000" b="0" i="1" smtClean="0">
+                              <a:latin typeface="Cambria Math" panose="02040503050406030204" pitchFamily="18" charset="0"/>
+                              <a:cs typeface="Arial" panose="020B0604020202020204" pitchFamily="34" charset="0"/>
+                            </a:rPr>
+                            <m:t>𝑆</m:t>
+                          </m:r>
+                        </m:oMath>
+                      </m:oMathPara>
+                    </a14:m>
+                    <a:endParaRPr lang="en-US" sz="2000" dirty="0" smtClean="0">
+                      <a:latin typeface="Arial" panose="020B0604020202020204" pitchFamily="34" charset="0"/>
+                      <a:cs typeface="Arial" panose="020B0604020202020204" pitchFamily="34" charset="0"/>
+                    </a:endParaRPr>
+                  </a:p>
+                </p:txBody>
+              </p:sp>
+            </mc:Choice>
+            <mc:Fallback xmlns="">
+              <p:sp>
+                <p:nvSpPr>
+                  <p:cNvPr id="57" name="TextBox 56"/>
+                  <p:cNvSpPr txBox="1">
+                    <a:spLocks noRot="1" noChangeAspect="1" noMove="1" noResize="1" noEditPoints="1" noAdjustHandles="1" noChangeArrowheads="1" noChangeShapeType="1" noTextEdit="1"/>
+                  </p:cNvSpPr>
+                  <p:nvPr/>
+                </p:nvSpPr>
+                <p:spPr>
+                  <a:xfrm>
+                    <a:off x="4607086" y="2610891"/>
+                    <a:ext cx="211788" cy="307777"/>
+                  </a:xfrm>
+                  <a:prstGeom prst="rect">
+                    <a:avLst/>
+                  </a:prstGeom>
+                  <a:blipFill rotWithShape="0">
+                    <a:blip r:embed="rId5"/>
+                    <a:stretch>
+                      <a:fillRect l="-26471" r="-26471" b="-11765"/>
+                    </a:stretch>
+                  </a:blipFill>
+                </p:spPr>
+                <p:txBody>
+                  <a:bodyPr/>
+                  <a:lstStyle/>
+                  <a:p>
+                    <a:r>
+                      <a:rPr lang="en-US">
+                        <a:noFill/>
+                      </a:rPr>
+                      <a:t> </a:t>
+                    </a:r>
+                  </a:p>
+                </p:txBody>
+              </p:sp>
+            </mc:Fallback>
+          </mc:AlternateContent>
+          <mc:AlternateContent xmlns:mc="http://schemas.openxmlformats.org/markup-compatibility/2006" xmlns:a14="http://schemas.microsoft.com/office/drawing/2010/main">
+            <mc:Choice Requires="a14">
+              <p:sp>
+                <p:nvSpPr>
+                  <p:cNvPr id="96" name="TextBox 95"/>
+                  <p:cNvSpPr txBox="1"/>
+                  <p:nvPr/>
+                </p:nvSpPr>
+                <p:spPr>
+                  <a:xfrm>
+                    <a:off x="3132325" y="2192351"/>
                     <a:ext cx="294824" cy="307777"/>
                   </a:xfrm>
                   <a:prstGeom prst="rect">
@@ -14157,7 +13603,7 @@
             <mc:Fallback xmlns="">
               <p:sp>
                 <p:nvSpPr>
-                  <p:cNvPr id="55" name="TextBox 54"/>
+                  <p:cNvPr id="59" name="TextBox 58"/>
                   <p:cNvSpPr txBox="1">
                     <a:spLocks noRot="1" noChangeAspect="1" noMove="1" noResize="1" noEditPoints="1" noAdjustHandles="1" noChangeArrowheads="1" noChangeShapeType="1" noTextEdit="1"/>
                   </p:cNvSpPr>
@@ -14165,16 +13611,1353 @@
                 </p:nvSpPr>
                 <p:spPr>
                   <a:xfrm>
-                    <a:off x="2693570" y="2776709"/>
+                    <a:off x="3132325" y="2192351"/>
                     <a:ext cx="294824" cy="307777"/>
                   </a:xfrm>
                   <a:prstGeom prst="rect">
                     <a:avLst/>
                   </a:prstGeom>
                   <a:blipFill rotWithShape="0">
-                    <a:blip r:embed="rId14"/>
+                    <a:blip r:embed="rId6"/>
                     <a:stretch>
                       <a:fillRect l="-18750" r="-16667" b="-10000"/>
+                    </a:stretch>
+                  </a:blipFill>
+                </p:spPr>
+                <p:txBody>
+                  <a:bodyPr/>
+                  <a:lstStyle/>
+                  <a:p>
+                    <a:r>
+                      <a:rPr lang="en-US">
+                        <a:noFill/>
+                      </a:rPr>
+                      <a:t> </a:t>
+                    </a:r>
+                  </a:p>
+                </p:txBody>
+              </p:sp>
+            </mc:Fallback>
+          </mc:AlternateContent>
+          <mc:AlternateContent xmlns:mc="http://schemas.openxmlformats.org/markup-compatibility/2006" xmlns:a14="http://schemas.microsoft.com/office/drawing/2010/main">
+            <mc:Choice Requires="a14">
+              <p:sp>
+                <p:nvSpPr>
+                  <p:cNvPr id="97" name="TextBox 96"/>
+                  <p:cNvSpPr txBox="1"/>
+                  <p:nvPr/>
+                </p:nvSpPr>
+                <p:spPr>
+                  <a:xfrm>
+                    <a:off x="3890976" y="1563404"/>
+                    <a:ext cx="241540" cy="307777"/>
+                  </a:xfrm>
+                  <a:prstGeom prst="rect">
+                    <a:avLst/>
+                  </a:prstGeom>
+                  <a:noFill/>
+                </p:spPr>
+                <p:txBody>
+                  <a:bodyPr wrap="none" lIns="0" tIns="0" rIns="0" bIns="0" rtlCol="0">
+                    <a:spAutoFit/>
+                  </a:bodyPr>
+                  <a:lstStyle/>
+                  <a:p>
+                    <a:pPr/>
+                    <a14:m>
+                      <m:oMathPara xmlns:m="http://schemas.openxmlformats.org/officeDocument/2006/math">
+                        <m:oMathParaPr>
+                          <m:jc m:val="centerGroup"/>
+                        </m:oMathParaPr>
+                        <m:oMath xmlns:m="http://schemas.openxmlformats.org/officeDocument/2006/math">
+                          <m:r>
+                            <a:rPr lang="en-CA" sz="2000" b="0" i="1" smtClean="0">
+                              <a:latin typeface="Cambria Math" charset="0"/>
+                              <a:cs typeface="Arial" panose="020B0604020202020204" pitchFamily="34" charset="0"/>
+                            </a:rPr>
+                            <m:t>𝑅</m:t>
+                          </m:r>
+                        </m:oMath>
+                      </m:oMathPara>
+                    </a14:m>
+                    <a:endParaRPr lang="en-US" sz="2000" dirty="0" smtClean="0">
+                      <a:latin typeface="Arial" panose="020B0604020202020204" pitchFamily="34" charset="0"/>
+                      <a:cs typeface="Arial" panose="020B0604020202020204" pitchFamily="34" charset="0"/>
+                    </a:endParaRPr>
+                  </a:p>
+                </p:txBody>
+              </p:sp>
+            </mc:Choice>
+            <mc:Fallback xmlns="">
+              <p:sp>
+                <p:nvSpPr>
+                  <p:cNvPr id="125" name="TextBox 124"/>
+                  <p:cNvSpPr txBox="1">
+                    <a:spLocks noRot="1" noChangeAspect="1" noMove="1" noResize="1" noEditPoints="1" noAdjustHandles="1" noChangeArrowheads="1" noChangeShapeType="1" noTextEdit="1"/>
+                  </p:cNvSpPr>
+                  <p:nvPr/>
+                </p:nvSpPr>
+                <p:spPr>
+                  <a:xfrm>
+                    <a:off x="3890976" y="1563404"/>
+                    <a:ext cx="241540" cy="307777"/>
+                  </a:xfrm>
+                  <a:prstGeom prst="rect">
+                    <a:avLst/>
+                  </a:prstGeom>
+                  <a:blipFill rotWithShape="0">
+                    <a:blip r:embed="rId7"/>
+                    <a:stretch>
+                      <a:fillRect l="-20000" r="-20000" b="-9804"/>
+                    </a:stretch>
+                  </a:blipFill>
+                </p:spPr>
+                <p:txBody>
+                  <a:bodyPr/>
+                  <a:lstStyle/>
+                  <a:p>
+                    <a:r>
+                      <a:rPr lang="en-US">
+                        <a:noFill/>
+                      </a:rPr>
+                      <a:t> </a:t>
+                    </a:r>
+                  </a:p>
+                </p:txBody>
+              </p:sp>
+            </mc:Fallback>
+          </mc:AlternateContent>
+        </p:grpSp>
+      </p:grpSp>
+      <p:grpSp>
+        <p:nvGrpSpPr>
+          <p:cNvPr id="98" name="Group 97"/>
+          <p:cNvGrpSpPr/>
+          <p:nvPr/>
+        </p:nvGrpSpPr>
+        <p:grpSpPr>
+          <a:xfrm>
+            <a:off x="5740697" y="3292880"/>
+            <a:ext cx="3048819" cy="2877559"/>
+            <a:chOff x="2325281" y="3584054"/>
+            <a:chExt cx="3048819" cy="2877559"/>
+          </a:xfrm>
+        </p:grpSpPr>
+        <p:sp>
+          <p:nvSpPr>
+            <p:cNvPr id="99" name="Oval 98"/>
+            <p:cNvSpPr/>
+            <p:nvPr/>
+          </p:nvSpPr>
+          <p:spPr>
+            <a:xfrm>
+              <a:off x="2344165" y="3584054"/>
+              <a:ext cx="3029935" cy="2873420"/>
+            </a:xfrm>
+            <a:prstGeom prst="ellipse">
+              <a:avLst/>
+            </a:prstGeom>
+            <a:solidFill>
+              <a:schemeClr val="bg2">
+                <a:lumMod val="90000"/>
+              </a:schemeClr>
+            </a:solidFill>
+            <a:ln w="38100">
+              <a:solidFill>
+                <a:schemeClr val="tx1"/>
+              </a:solidFill>
+            </a:ln>
+          </p:spPr>
+          <p:style>
+            <a:lnRef idx="2">
+              <a:schemeClr val="accent1">
+                <a:shade val="50000"/>
+              </a:schemeClr>
+            </a:lnRef>
+            <a:fillRef idx="1">
+              <a:schemeClr val="accent1"/>
+            </a:fillRef>
+            <a:effectRef idx="0">
+              <a:schemeClr val="accent1"/>
+            </a:effectRef>
+            <a:fontRef idx="minor">
+              <a:schemeClr val="lt1"/>
+            </a:fontRef>
+          </p:style>
+          <p:txBody>
+            <a:bodyPr rtlCol="0" anchor="ctr"/>
+            <a:lstStyle/>
+            <a:p>
+              <a:pPr algn="ctr"/>
+              <a:endParaRPr lang="en-US"/>
+            </a:p>
+          </p:txBody>
+        </p:sp>
+        <p:grpSp>
+          <p:nvGrpSpPr>
+            <p:cNvPr id="100" name="Group 99"/>
+            <p:cNvGrpSpPr/>
+            <p:nvPr/>
+          </p:nvGrpSpPr>
+          <p:grpSpPr>
+            <a:xfrm>
+              <a:off x="2325281" y="4170712"/>
+              <a:ext cx="3044488" cy="2290901"/>
+              <a:chOff x="4103968" y="1629229"/>
+              <a:chExt cx="3044488" cy="2290901"/>
+            </a:xfrm>
+            <a:noFill/>
+          </p:grpSpPr>
+          <p:cxnSp>
+            <p:nvCxnSpPr>
+              <p:cNvPr id="103" name="Straight Arrow Connector 102"/>
+              <p:cNvCxnSpPr/>
+              <p:nvPr/>
+            </p:nvCxnSpPr>
+            <p:spPr>
+              <a:xfrm flipH="1">
+                <a:off x="5707559" y="2031619"/>
+                <a:ext cx="248142" cy="269429"/>
+              </a:xfrm>
+              <a:prstGeom prst="straightConnector1">
+                <a:avLst/>
+              </a:prstGeom>
+              <a:grpFill/>
+              <a:ln w="22225">
+                <a:solidFill>
+                  <a:schemeClr val="tx1"/>
+                </a:solidFill>
+                <a:prstDash val="solid"/>
+                <a:tailEnd type="triangle"/>
+              </a:ln>
+            </p:spPr>
+            <p:style>
+              <a:lnRef idx="1">
+                <a:schemeClr val="accent1"/>
+              </a:lnRef>
+              <a:fillRef idx="0">
+                <a:schemeClr val="accent1"/>
+              </a:fillRef>
+              <a:effectRef idx="0">
+                <a:schemeClr val="accent1"/>
+              </a:effectRef>
+              <a:fontRef idx="minor">
+                <a:schemeClr val="tx1"/>
+              </a:fontRef>
+            </p:style>
+          </p:cxnSp>
+          <p:grpSp>
+            <p:nvGrpSpPr>
+              <p:cNvPr id="105" name="Group 104"/>
+              <p:cNvGrpSpPr/>
+              <p:nvPr/>
+            </p:nvGrpSpPr>
+            <p:grpSpPr>
+              <a:xfrm>
+                <a:off x="4946322" y="1792672"/>
+                <a:ext cx="1345224" cy="1345224"/>
+                <a:chOff x="5099538" y="1274206"/>
+                <a:chExt cx="2365131" cy="2365130"/>
+              </a:xfrm>
+              <a:grpFill/>
+            </p:grpSpPr>
+            <p:sp>
+              <p:nvSpPr>
+                <p:cNvPr id="136" name="Oval 135"/>
+                <p:cNvSpPr/>
+                <p:nvPr/>
+              </p:nvSpPr>
+              <p:spPr>
+                <a:xfrm>
+                  <a:off x="5099539" y="1274206"/>
+                  <a:ext cx="2365130" cy="2365130"/>
+                </a:xfrm>
+                <a:prstGeom prst="ellipse">
+                  <a:avLst/>
+                </a:prstGeom>
+                <a:grpFill/>
+                <a:ln w="38100">
+                  <a:solidFill>
+                    <a:schemeClr val="tx1"/>
+                  </a:solidFill>
+                </a:ln>
+              </p:spPr>
+              <p:style>
+                <a:lnRef idx="2">
+                  <a:schemeClr val="accent1">
+                    <a:shade val="50000"/>
+                  </a:schemeClr>
+                </a:lnRef>
+                <a:fillRef idx="1">
+                  <a:schemeClr val="accent1"/>
+                </a:fillRef>
+                <a:effectRef idx="0">
+                  <a:schemeClr val="accent1"/>
+                </a:effectRef>
+                <a:fontRef idx="minor">
+                  <a:schemeClr val="lt1"/>
+                </a:fontRef>
+              </p:style>
+              <p:txBody>
+                <a:bodyPr rtlCol="0" anchor="ctr"/>
+                <a:lstStyle/>
+                <a:p>
+                  <a:pPr algn="ctr"/>
+                  <a:endParaRPr lang="en-US"/>
+                </a:p>
+              </p:txBody>
+            </p:sp>
+            <p:sp>
+              <p:nvSpPr>
+                <p:cNvPr id="137" name="Arc 136"/>
+                <p:cNvSpPr/>
+                <p:nvPr/>
+              </p:nvSpPr>
+              <p:spPr>
+                <a:xfrm>
+                  <a:off x="5099538" y="2333845"/>
+                  <a:ext cx="2365130" cy="402721"/>
+                </a:xfrm>
+                <a:prstGeom prst="arc">
+                  <a:avLst>
+                    <a:gd name="adj1" fmla="val 31471"/>
+                    <a:gd name="adj2" fmla="val 10840678"/>
+                  </a:avLst>
+                </a:prstGeom>
+                <a:grpFill/>
+                <a:ln w="38100">
+                  <a:solidFill>
+                    <a:schemeClr val="tx1"/>
+                  </a:solidFill>
+                </a:ln>
+              </p:spPr>
+              <p:style>
+                <a:lnRef idx="1">
+                  <a:schemeClr val="accent1"/>
+                </a:lnRef>
+                <a:fillRef idx="0">
+                  <a:schemeClr val="accent1"/>
+                </a:fillRef>
+                <a:effectRef idx="0">
+                  <a:schemeClr val="accent1"/>
+                </a:effectRef>
+                <a:fontRef idx="minor">
+                  <a:schemeClr val="tx1"/>
+                </a:fontRef>
+              </p:style>
+              <p:txBody>
+                <a:bodyPr rtlCol="0" anchor="ctr"/>
+                <a:lstStyle/>
+                <a:p>
+                  <a:pPr algn="ctr"/>
+                  <a:endParaRPr lang="en-US"/>
+                </a:p>
+              </p:txBody>
+            </p:sp>
+            <p:sp>
+              <p:nvSpPr>
+                <p:cNvPr id="138" name="Arc 137"/>
+                <p:cNvSpPr/>
+                <p:nvPr/>
+              </p:nvSpPr>
+              <p:spPr>
+                <a:xfrm>
+                  <a:off x="5099538" y="2318331"/>
+                  <a:ext cx="2365130" cy="402721"/>
+                </a:xfrm>
+                <a:prstGeom prst="arc">
+                  <a:avLst>
+                    <a:gd name="adj1" fmla="val 10819517"/>
+                    <a:gd name="adj2" fmla="val 21596417"/>
+                  </a:avLst>
+                </a:prstGeom>
+                <a:grpFill/>
+                <a:ln w="38100">
+                  <a:solidFill>
+                    <a:schemeClr val="tx1"/>
+                  </a:solidFill>
+                  <a:prstDash val="sysDash"/>
+                </a:ln>
+              </p:spPr>
+              <p:style>
+                <a:lnRef idx="1">
+                  <a:schemeClr val="accent1"/>
+                </a:lnRef>
+                <a:fillRef idx="0">
+                  <a:schemeClr val="accent1"/>
+                </a:fillRef>
+                <a:effectRef idx="0">
+                  <a:schemeClr val="accent1"/>
+                </a:effectRef>
+                <a:fontRef idx="minor">
+                  <a:schemeClr val="tx1"/>
+                </a:fontRef>
+              </p:style>
+              <p:txBody>
+                <a:bodyPr rtlCol="0" anchor="ctr"/>
+                <a:lstStyle/>
+                <a:p>
+                  <a:pPr algn="ctr"/>
+                  <a:endParaRPr lang="en-US"/>
+                </a:p>
+              </p:txBody>
+            </p:sp>
+          </p:grpSp>
+          <p:grpSp>
+            <p:nvGrpSpPr>
+              <p:cNvPr id="106" name="Group 105"/>
+              <p:cNvGrpSpPr/>
+              <p:nvPr/>
+            </p:nvGrpSpPr>
+            <p:grpSpPr>
+              <a:xfrm>
+                <a:off x="4103968" y="2220650"/>
+                <a:ext cx="3029935" cy="508118"/>
+                <a:chOff x="5099538" y="2318331"/>
+                <a:chExt cx="2365130" cy="418235"/>
+              </a:xfrm>
+              <a:grpFill/>
+            </p:grpSpPr>
+            <p:sp>
+              <p:nvSpPr>
+                <p:cNvPr id="134" name="Arc 133"/>
+                <p:cNvSpPr/>
+                <p:nvPr/>
+              </p:nvSpPr>
+              <p:spPr>
+                <a:xfrm>
+                  <a:off x="5099538" y="2333845"/>
+                  <a:ext cx="2365130" cy="402721"/>
+                </a:xfrm>
+                <a:prstGeom prst="arc">
+                  <a:avLst>
+                    <a:gd name="adj1" fmla="val 31471"/>
+                    <a:gd name="adj2" fmla="val 10840678"/>
+                  </a:avLst>
+                </a:prstGeom>
+                <a:grpFill/>
+                <a:ln w="38100">
+                  <a:solidFill>
+                    <a:schemeClr val="tx1"/>
+                  </a:solidFill>
+                </a:ln>
+              </p:spPr>
+              <p:style>
+                <a:lnRef idx="1">
+                  <a:schemeClr val="accent1"/>
+                </a:lnRef>
+                <a:fillRef idx="0">
+                  <a:schemeClr val="accent1"/>
+                </a:fillRef>
+                <a:effectRef idx="0">
+                  <a:schemeClr val="accent1"/>
+                </a:effectRef>
+                <a:fontRef idx="minor">
+                  <a:schemeClr val="tx1"/>
+                </a:fontRef>
+              </p:style>
+              <p:txBody>
+                <a:bodyPr rtlCol="0" anchor="ctr"/>
+                <a:lstStyle/>
+                <a:p>
+                  <a:pPr algn="ctr"/>
+                  <a:endParaRPr lang="en-US"/>
+                </a:p>
+              </p:txBody>
+            </p:sp>
+            <p:sp>
+              <p:nvSpPr>
+                <p:cNvPr id="135" name="Arc 134"/>
+                <p:cNvSpPr/>
+                <p:nvPr/>
+              </p:nvSpPr>
+              <p:spPr>
+                <a:xfrm>
+                  <a:off x="5099538" y="2318331"/>
+                  <a:ext cx="2365130" cy="402721"/>
+                </a:xfrm>
+                <a:prstGeom prst="arc">
+                  <a:avLst>
+                    <a:gd name="adj1" fmla="val 10819517"/>
+                    <a:gd name="adj2" fmla="val 21596417"/>
+                  </a:avLst>
+                </a:prstGeom>
+                <a:grpFill/>
+                <a:ln w="38100">
+                  <a:solidFill>
+                    <a:schemeClr val="tx1"/>
+                  </a:solidFill>
+                  <a:prstDash val="sysDash"/>
+                </a:ln>
+              </p:spPr>
+              <p:style>
+                <a:lnRef idx="1">
+                  <a:schemeClr val="accent1"/>
+                </a:lnRef>
+                <a:fillRef idx="0">
+                  <a:schemeClr val="accent1"/>
+                </a:fillRef>
+                <a:effectRef idx="0">
+                  <a:schemeClr val="accent1"/>
+                </a:effectRef>
+                <a:fontRef idx="minor">
+                  <a:schemeClr val="tx1"/>
+                </a:fontRef>
+              </p:style>
+              <p:txBody>
+                <a:bodyPr rtlCol="0" anchor="ctr"/>
+                <a:lstStyle/>
+                <a:p>
+                  <a:pPr algn="ctr"/>
+                  <a:endParaRPr lang="en-US"/>
+                </a:p>
+              </p:txBody>
+            </p:sp>
+          </p:grpSp>
+          <mc:AlternateContent xmlns:mc="http://schemas.openxmlformats.org/markup-compatibility/2006" xmlns:a14="http://schemas.microsoft.com/office/drawing/2010/main">
+            <mc:Choice Requires="a14">
+              <p:sp>
+                <p:nvSpPr>
+                  <p:cNvPr id="110" name="TextBox 109"/>
+                  <p:cNvSpPr txBox="1"/>
+                  <p:nvPr/>
+                </p:nvSpPr>
+                <p:spPr>
+                  <a:xfrm>
+                    <a:off x="6586956" y="3612353"/>
+                    <a:ext cx="561500" cy="307777"/>
+                  </a:xfrm>
+                  <a:prstGeom prst="rect">
+                    <a:avLst/>
+                  </a:prstGeom>
+                  <a:grpFill/>
+                </p:spPr>
+                <p:txBody>
+                  <a:bodyPr wrap="none" lIns="0" tIns="0" rIns="0" bIns="0" rtlCol="0">
+                    <a:spAutoFit/>
+                  </a:bodyPr>
+                  <a:lstStyle/>
+                  <a:p>
+                    <a:pPr/>
+                    <a14:m>
+                      <m:oMathPara xmlns:m="http://schemas.openxmlformats.org/officeDocument/2006/math">
+                        <m:oMathParaPr>
+                          <m:jc m:val="centerGroup"/>
+                        </m:oMathParaPr>
+                        <m:oMath xmlns:m="http://schemas.openxmlformats.org/officeDocument/2006/math">
+                          <m:r>
+                            <a:rPr lang="en-US" sz="2000" b="0" i="1" smtClean="0">
+                              <a:latin typeface="Cambria Math" panose="02040503050406030204" pitchFamily="18" charset="0"/>
+                              <a:cs typeface="Arial" panose="020B0604020202020204" pitchFamily="34" charset="0"/>
+                            </a:rPr>
+                            <m:t>𝑀</m:t>
+                          </m:r>
+                          <m:r>
+                            <a:rPr lang="en-US" sz="2000" b="0" i="1" smtClean="0">
+                              <a:latin typeface="Cambria Math" panose="02040503050406030204" pitchFamily="18" charset="0"/>
+                              <a:cs typeface="Arial" panose="020B0604020202020204" pitchFamily="34" charset="0"/>
+                            </a:rPr>
+                            <m:t>,</m:t>
+                          </m:r>
+                          <m:r>
+                            <a:rPr lang="en-US" sz="2000" b="0" i="1" smtClean="0">
+                              <a:latin typeface="Cambria Math" panose="02040503050406030204" pitchFamily="18" charset="0"/>
+                              <a:cs typeface="Arial" panose="020B0604020202020204" pitchFamily="34" charset="0"/>
+                            </a:rPr>
+                            <m:t>𝑅</m:t>
+                          </m:r>
+                        </m:oMath>
+                      </m:oMathPara>
+                    </a14:m>
+                    <a:endParaRPr lang="en-US" sz="2000" dirty="0" smtClean="0">
+                      <a:latin typeface="Arial" panose="020B0604020202020204" pitchFamily="34" charset="0"/>
+                      <a:cs typeface="Arial" panose="020B0604020202020204" pitchFamily="34" charset="0"/>
+                    </a:endParaRPr>
+                  </a:p>
+                </p:txBody>
+              </p:sp>
+            </mc:Choice>
+            <mc:Fallback xmlns="">
+              <p:sp>
+                <p:nvSpPr>
+                  <p:cNvPr id="70" name="TextBox 69"/>
+                  <p:cNvSpPr txBox="1">
+                    <a:spLocks noRot="1" noChangeAspect="1" noMove="1" noResize="1" noEditPoints="1" noAdjustHandles="1" noChangeArrowheads="1" noChangeShapeType="1" noTextEdit="1"/>
+                  </p:cNvSpPr>
+                  <p:nvPr/>
+                </p:nvSpPr>
+                <p:spPr>
+                  <a:xfrm>
+                    <a:off x="6586956" y="3612353"/>
+                    <a:ext cx="561500" cy="307777"/>
+                  </a:xfrm>
+                  <a:prstGeom prst="rect">
+                    <a:avLst/>
+                  </a:prstGeom>
+                  <a:blipFill rotWithShape="0">
+                    <a:blip r:embed="rId8"/>
+                    <a:stretch>
+                      <a:fillRect l="-9783" r="-7609" b="-9804"/>
+                    </a:stretch>
+                  </a:blipFill>
+                </p:spPr>
+                <p:txBody>
+                  <a:bodyPr/>
+                  <a:lstStyle/>
+                  <a:p>
+                    <a:r>
+                      <a:rPr lang="en-US">
+                        <a:noFill/>
+                      </a:rPr>
+                      <a:t> </a:t>
+                    </a:r>
+                  </a:p>
+                </p:txBody>
+              </p:sp>
+            </mc:Fallback>
+          </mc:AlternateContent>
+          <p:cxnSp>
+            <p:nvCxnSpPr>
+              <p:cNvPr id="126" name="Straight Connector 125"/>
+              <p:cNvCxnSpPr/>
+              <p:nvPr/>
+            </p:nvCxnSpPr>
+            <p:spPr>
+              <a:xfrm flipH="1" flipV="1">
+                <a:off x="4946321" y="2497601"/>
+                <a:ext cx="632690" cy="1776"/>
+              </a:xfrm>
+              <a:prstGeom prst="line">
+                <a:avLst/>
+              </a:prstGeom>
+              <a:grpFill/>
+              <a:ln w="28575">
+                <a:solidFill>
+                  <a:schemeClr val="tx1"/>
+                </a:solidFill>
+                <a:prstDash val="sysDot"/>
+              </a:ln>
+            </p:spPr>
+            <p:style>
+              <a:lnRef idx="1">
+                <a:schemeClr val="accent1"/>
+              </a:lnRef>
+              <a:fillRef idx="0">
+                <a:schemeClr val="accent1"/>
+              </a:fillRef>
+              <a:effectRef idx="0">
+                <a:schemeClr val="accent1"/>
+              </a:effectRef>
+              <a:fontRef idx="minor">
+                <a:schemeClr val="tx1"/>
+              </a:fontRef>
+            </p:style>
+          </p:cxnSp>
+          <mc:AlternateContent xmlns:mc="http://schemas.openxmlformats.org/markup-compatibility/2006" xmlns:a14="http://schemas.microsoft.com/office/drawing/2010/main">
+            <mc:Choice Requires="a14">
+              <p:sp>
+                <p:nvSpPr>
+                  <p:cNvPr id="128" name="TextBox 127"/>
+                  <p:cNvSpPr txBox="1"/>
+                  <p:nvPr/>
+                </p:nvSpPr>
+                <p:spPr>
+                  <a:xfrm>
+                    <a:off x="5205836" y="2172044"/>
+                    <a:ext cx="159980" cy="246221"/>
+                  </a:xfrm>
+                  <a:prstGeom prst="rect">
+                    <a:avLst/>
+                  </a:prstGeom>
+                  <a:grpFill/>
+                </p:spPr>
+                <p:txBody>
+                  <a:bodyPr wrap="none" lIns="0" tIns="0" rIns="0" bIns="0" rtlCol="0">
+                    <a:spAutoFit/>
+                  </a:bodyPr>
+                  <a:lstStyle/>
+                  <a:p>
+                    <a:pPr/>
+                    <a14:m>
+                      <m:oMathPara xmlns:m="http://schemas.openxmlformats.org/officeDocument/2006/math">
+                        <m:oMathParaPr>
+                          <m:jc m:val="centerGroup"/>
+                        </m:oMathParaPr>
+                        <m:oMath xmlns:m="http://schemas.openxmlformats.org/officeDocument/2006/math">
+                          <m:r>
+                            <a:rPr lang="en-US" sz="1600" b="0" i="1" smtClean="0">
+                              <a:latin typeface="Cambria Math" panose="02040503050406030204" pitchFamily="18" charset="0"/>
+                              <a:cs typeface="Arial" panose="020B0604020202020204" pitchFamily="34" charset="0"/>
+                            </a:rPr>
+                            <m:t>𝑟</m:t>
+                          </m:r>
+                        </m:oMath>
+                      </m:oMathPara>
+                    </a14:m>
+                    <a:endParaRPr lang="en-US" sz="1600" dirty="0" smtClean="0">
+                      <a:latin typeface="Arial" panose="020B0604020202020204" pitchFamily="34" charset="0"/>
+                      <a:cs typeface="Arial" panose="020B0604020202020204" pitchFamily="34" charset="0"/>
+                    </a:endParaRPr>
+                  </a:p>
+                </p:txBody>
+              </p:sp>
+            </mc:Choice>
+            <mc:Fallback xmlns="">
+              <p:sp>
+                <p:nvSpPr>
+                  <p:cNvPr id="72" name="TextBox 71"/>
+                  <p:cNvSpPr txBox="1">
+                    <a:spLocks noRot="1" noChangeAspect="1" noMove="1" noResize="1" noEditPoints="1" noAdjustHandles="1" noChangeArrowheads="1" noChangeShapeType="1" noTextEdit="1"/>
+                  </p:cNvSpPr>
+                  <p:nvPr/>
+                </p:nvSpPr>
+                <p:spPr>
+                  <a:xfrm>
+                    <a:off x="5205836" y="2172044"/>
+                    <a:ext cx="159980" cy="246221"/>
+                  </a:xfrm>
+                  <a:prstGeom prst="rect">
+                    <a:avLst/>
+                  </a:prstGeom>
+                  <a:blipFill>
+                    <a:blip r:embed="rId9"/>
+                    <a:stretch>
+                      <a:fillRect l="-11538" r="-15385"/>
+                    </a:stretch>
+                  </a:blipFill>
+                </p:spPr>
+                <p:txBody>
+                  <a:bodyPr/>
+                  <a:lstStyle/>
+                  <a:p>
+                    <a:r>
+                      <a:rPr lang="en-US">
+                        <a:noFill/>
+                      </a:rPr>
+                      <a:t> </a:t>
+                    </a:r>
+                  </a:p>
+                </p:txBody>
+              </p:sp>
+            </mc:Fallback>
+          </mc:AlternateContent>
+          <mc:AlternateContent xmlns:mc="http://schemas.openxmlformats.org/markup-compatibility/2006" xmlns:a14="http://schemas.microsoft.com/office/drawing/2010/main">
+            <mc:Choice Requires="a14">
+              <p:sp>
+                <p:nvSpPr>
+                  <p:cNvPr id="129" name="TextBox 128"/>
+                  <p:cNvSpPr txBox="1"/>
+                  <p:nvPr/>
+                </p:nvSpPr>
+                <p:spPr>
+                  <a:xfrm>
+                    <a:off x="5942461" y="2989484"/>
+                    <a:ext cx="170752" cy="246221"/>
+                  </a:xfrm>
+                  <a:prstGeom prst="rect">
+                    <a:avLst/>
+                  </a:prstGeom>
+                  <a:grpFill/>
+                </p:spPr>
+                <p:txBody>
+                  <a:bodyPr wrap="none" lIns="0" tIns="0" rIns="0" bIns="0" rtlCol="0">
+                    <a:spAutoFit/>
+                  </a:bodyPr>
+                  <a:lstStyle/>
+                  <a:p>
+                    <a:pPr/>
+                    <a14:m>
+                      <m:oMathPara xmlns:m="http://schemas.openxmlformats.org/officeDocument/2006/math">
+                        <m:oMathParaPr>
+                          <m:jc m:val="centerGroup"/>
+                        </m:oMathParaPr>
+                        <m:oMath xmlns:m="http://schemas.openxmlformats.org/officeDocument/2006/math">
+                          <m:r>
+                            <a:rPr lang="en-US" sz="1600" b="0" i="1" smtClean="0">
+                              <a:latin typeface="Cambria Math" panose="02040503050406030204" pitchFamily="18" charset="0"/>
+                              <a:cs typeface="Arial" panose="020B0604020202020204" pitchFamily="34" charset="0"/>
+                            </a:rPr>
+                            <m:t>𝑆</m:t>
+                          </m:r>
+                        </m:oMath>
+                      </m:oMathPara>
+                    </a14:m>
+                    <a:endParaRPr lang="en-US" sz="1600" dirty="0" smtClean="0">
+                      <a:latin typeface="Arial" panose="020B0604020202020204" pitchFamily="34" charset="0"/>
+                      <a:cs typeface="Arial" panose="020B0604020202020204" pitchFamily="34" charset="0"/>
+                    </a:endParaRPr>
+                  </a:p>
+                </p:txBody>
+              </p:sp>
+            </mc:Choice>
+            <mc:Fallback xmlns="">
+              <p:sp>
+                <p:nvSpPr>
+                  <p:cNvPr id="74" name="TextBox 73"/>
+                  <p:cNvSpPr txBox="1">
+                    <a:spLocks noRot="1" noChangeAspect="1" noMove="1" noResize="1" noEditPoints="1" noAdjustHandles="1" noChangeArrowheads="1" noChangeShapeType="1" noTextEdit="1"/>
+                  </p:cNvSpPr>
+                  <p:nvPr/>
+                </p:nvSpPr>
+                <p:spPr>
+                  <a:xfrm>
+                    <a:off x="5942461" y="2989484"/>
+                    <a:ext cx="170752" cy="246221"/>
+                  </a:xfrm>
+                  <a:prstGeom prst="rect">
+                    <a:avLst/>
+                  </a:prstGeom>
+                  <a:blipFill>
+                    <a:blip r:embed="rId10"/>
+                    <a:stretch>
+                      <a:fillRect l="-21429" r="-21429" b="-7500"/>
+                    </a:stretch>
+                  </a:blipFill>
+                </p:spPr>
+                <p:txBody>
+                  <a:bodyPr/>
+                  <a:lstStyle/>
+                  <a:p>
+                    <a:r>
+                      <a:rPr lang="en-US">
+                        <a:noFill/>
+                      </a:rPr>
+                      <a:t> </a:t>
+                    </a:r>
+                  </a:p>
+                </p:txBody>
+              </p:sp>
+            </mc:Fallback>
+          </mc:AlternateContent>
+          <p:sp>
+            <p:nvSpPr>
+              <p:cNvPr id="130" name="Rectangle 47"/>
+              <p:cNvSpPr/>
+              <p:nvPr/>
+            </p:nvSpPr>
+            <p:spPr>
+              <a:xfrm rot="18506906">
+                <a:off x="5898782" y="1964340"/>
+                <a:ext cx="95555" cy="154926"/>
+              </a:xfrm>
+              <a:custGeom>
+                <a:avLst/>
+                <a:gdLst>
+                  <a:gd name="connsiteX0" fmla="*/ 0 w 222636"/>
+                  <a:gd name="connsiteY0" fmla="*/ 0 h 267694"/>
+                  <a:gd name="connsiteX1" fmla="*/ 222636 w 222636"/>
+                  <a:gd name="connsiteY1" fmla="*/ 0 h 267694"/>
+                  <a:gd name="connsiteX2" fmla="*/ 222636 w 222636"/>
+                  <a:gd name="connsiteY2" fmla="*/ 267694 h 267694"/>
+                  <a:gd name="connsiteX3" fmla="*/ 0 w 222636"/>
+                  <a:gd name="connsiteY3" fmla="*/ 267694 h 267694"/>
+                  <a:gd name="connsiteX4" fmla="*/ 0 w 222636"/>
+                  <a:gd name="connsiteY4" fmla="*/ 0 h 267694"/>
+                  <a:gd name="connsiteX0" fmla="*/ 0 w 222636"/>
+                  <a:gd name="connsiteY0" fmla="*/ 0 h 267694"/>
+                  <a:gd name="connsiteX1" fmla="*/ 189853 w 222636"/>
+                  <a:gd name="connsiteY1" fmla="*/ 22645 h 267694"/>
+                  <a:gd name="connsiteX2" fmla="*/ 222636 w 222636"/>
+                  <a:gd name="connsiteY2" fmla="*/ 267694 h 267694"/>
+                  <a:gd name="connsiteX3" fmla="*/ 0 w 222636"/>
+                  <a:gd name="connsiteY3" fmla="*/ 267694 h 267694"/>
+                  <a:gd name="connsiteX4" fmla="*/ 0 w 222636"/>
+                  <a:gd name="connsiteY4" fmla="*/ 0 h 267694"/>
+                  <a:gd name="connsiteX0" fmla="*/ 0 w 189853"/>
+                  <a:gd name="connsiteY0" fmla="*/ 0 h 276236"/>
+                  <a:gd name="connsiteX1" fmla="*/ 189853 w 189853"/>
+                  <a:gd name="connsiteY1" fmla="*/ 22645 h 276236"/>
+                  <a:gd name="connsiteX2" fmla="*/ 182040 w 189853"/>
+                  <a:gd name="connsiteY2" fmla="*/ 276236 h 276236"/>
+                  <a:gd name="connsiteX3" fmla="*/ 0 w 189853"/>
+                  <a:gd name="connsiteY3" fmla="*/ 267694 h 276236"/>
+                  <a:gd name="connsiteX4" fmla="*/ 0 w 189853"/>
+                  <a:gd name="connsiteY4" fmla="*/ 0 h 276236"/>
+                  <a:gd name="connsiteX0" fmla="*/ 24847 w 189853"/>
+                  <a:gd name="connsiteY0" fmla="*/ 0 h 279042"/>
+                  <a:gd name="connsiteX1" fmla="*/ 189853 w 189853"/>
+                  <a:gd name="connsiteY1" fmla="*/ 25451 h 279042"/>
+                  <a:gd name="connsiteX2" fmla="*/ 182040 w 189853"/>
+                  <a:gd name="connsiteY2" fmla="*/ 279042 h 279042"/>
+                  <a:gd name="connsiteX3" fmla="*/ 0 w 189853"/>
+                  <a:gd name="connsiteY3" fmla="*/ 270500 h 279042"/>
+                  <a:gd name="connsiteX4" fmla="*/ 24847 w 189853"/>
+                  <a:gd name="connsiteY4" fmla="*/ 0 h 279042"/>
+                  <a:gd name="connsiteX0" fmla="*/ 0 w 165006"/>
+                  <a:gd name="connsiteY0" fmla="*/ 0 h 279042"/>
+                  <a:gd name="connsiteX1" fmla="*/ 165006 w 165006"/>
+                  <a:gd name="connsiteY1" fmla="*/ 25451 h 279042"/>
+                  <a:gd name="connsiteX2" fmla="*/ 157193 w 165006"/>
+                  <a:gd name="connsiteY2" fmla="*/ 279042 h 279042"/>
+                  <a:gd name="connsiteX3" fmla="*/ 2075 w 165006"/>
+                  <a:gd name="connsiteY3" fmla="*/ 266046 h 279042"/>
+                  <a:gd name="connsiteX4" fmla="*/ 0 w 165006"/>
+                  <a:gd name="connsiteY4" fmla="*/ 0 h 279042"/>
+                  <a:gd name="connsiteX0" fmla="*/ 12417 w 177423"/>
+                  <a:gd name="connsiteY0" fmla="*/ 0 h 279042"/>
+                  <a:gd name="connsiteX1" fmla="*/ 177423 w 177423"/>
+                  <a:gd name="connsiteY1" fmla="*/ 25451 h 279042"/>
+                  <a:gd name="connsiteX2" fmla="*/ 169610 w 177423"/>
+                  <a:gd name="connsiteY2" fmla="*/ 279042 h 279042"/>
+                  <a:gd name="connsiteX3" fmla="*/ 25 w 177423"/>
+                  <a:gd name="connsiteY3" fmla="*/ 260611 h 279042"/>
+                  <a:gd name="connsiteX4" fmla="*/ 12417 w 177423"/>
+                  <a:gd name="connsiteY4" fmla="*/ 0 h 279042"/>
+                  <a:gd name="connsiteX0" fmla="*/ 12392 w 177398"/>
+                  <a:gd name="connsiteY0" fmla="*/ 0 h 279042"/>
+                  <a:gd name="connsiteX1" fmla="*/ 177398 w 177398"/>
+                  <a:gd name="connsiteY1" fmla="*/ 25451 h 279042"/>
+                  <a:gd name="connsiteX2" fmla="*/ 169585 w 177398"/>
+                  <a:gd name="connsiteY2" fmla="*/ 279042 h 279042"/>
+                  <a:gd name="connsiteX3" fmla="*/ 0 w 177398"/>
+                  <a:gd name="connsiteY3" fmla="*/ 260611 h 279042"/>
+                  <a:gd name="connsiteX4" fmla="*/ 12392 w 177398"/>
+                  <a:gd name="connsiteY4" fmla="*/ 0 h 279042"/>
+                  <a:gd name="connsiteX0" fmla="*/ 12392 w 177398"/>
+                  <a:gd name="connsiteY0" fmla="*/ 0 h 279042"/>
+                  <a:gd name="connsiteX1" fmla="*/ 177398 w 177398"/>
+                  <a:gd name="connsiteY1" fmla="*/ 25451 h 279042"/>
+                  <a:gd name="connsiteX2" fmla="*/ 169585 w 177398"/>
+                  <a:gd name="connsiteY2" fmla="*/ 279042 h 279042"/>
+                  <a:gd name="connsiteX3" fmla="*/ 0 w 177398"/>
+                  <a:gd name="connsiteY3" fmla="*/ 260611 h 279042"/>
+                  <a:gd name="connsiteX4" fmla="*/ 12392 w 177398"/>
+                  <a:gd name="connsiteY4" fmla="*/ 0 h 279042"/>
+                  <a:gd name="connsiteX0" fmla="*/ 12392 w 185844"/>
+                  <a:gd name="connsiteY0" fmla="*/ 0 h 279042"/>
+                  <a:gd name="connsiteX1" fmla="*/ 177398 w 185844"/>
+                  <a:gd name="connsiteY1" fmla="*/ 25451 h 279042"/>
+                  <a:gd name="connsiteX2" fmla="*/ 169585 w 185844"/>
+                  <a:gd name="connsiteY2" fmla="*/ 279042 h 279042"/>
+                  <a:gd name="connsiteX3" fmla="*/ 0 w 185844"/>
+                  <a:gd name="connsiteY3" fmla="*/ 260611 h 279042"/>
+                  <a:gd name="connsiteX4" fmla="*/ 12392 w 185844"/>
+                  <a:gd name="connsiteY4" fmla="*/ 0 h 279042"/>
+                  <a:gd name="connsiteX0" fmla="*/ 12392 w 196295"/>
+                  <a:gd name="connsiteY0" fmla="*/ 0 h 279042"/>
+                  <a:gd name="connsiteX1" fmla="*/ 177398 w 196295"/>
+                  <a:gd name="connsiteY1" fmla="*/ 25451 h 279042"/>
+                  <a:gd name="connsiteX2" fmla="*/ 169585 w 196295"/>
+                  <a:gd name="connsiteY2" fmla="*/ 279042 h 279042"/>
+                  <a:gd name="connsiteX3" fmla="*/ 0 w 196295"/>
+                  <a:gd name="connsiteY3" fmla="*/ 260611 h 279042"/>
+                  <a:gd name="connsiteX4" fmla="*/ 12392 w 196295"/>
+                  <a:gd name="connsiteY4" fmla="*/ 0 h 279042"/>
+                  <a:gd name="connsiteX0" fmla="*/ 12392 w 202940"/>
+                  <a:gd name="connsiteY0" fmla="*/ 0 h 279042"/>
+                  <a:gd name="connsiteX1" fmla="*/ 177398 w 202940"/>
+                  <a:gd name="connsiteY1" fmla="*/ 25451 h 279042"/>
+                  <a:gd name="connsiteX2" fmla="*/ 169585 w 202940"/>
+                  <a:gd name="connsiteY2" fmla="*/ 279042 h 279042"/>
+                  <a:gd name="connsiteX3" fmla="*/ 0 w 202940"/>
+                  <a:gd name="connsiteY3" fmla="*/ 260611 h 279042"/>
+                  <a:gd name="connsiteX4" fmla="*/ 12392 w 202940"/>
+                  <a:gd name="connsiteY4" fmla="*/ 0 h 279042"/>
+                  <a:gd name="connsiteX0" fmla="*/ 12392 w 198492"/>
+                  <a:gd name="connsiteY0" fmla="*/ 0 h 279042"/>
+                  <a:gd name="connsiteX1" fmla="*/ 177398 w 198492"/>
+                  <a:gd name="connsiteY1" fmla="*/ 25451 h 279042"/>
+                  <a:gd name="connsiteX2" fmla="*/ 169585 w 198492"/>
+                  <a:gd name="connsiteY2" fmla="*/ 279042 h 279042"/>
+                  <a:gd name="connsiteX3" fmla="*/ 0 w 198492"/>
+                  <a:gd name="connsiteY3" fmla="*/ 260611 h 279042"/>
+                  <a:gd name="connsiteX4" fmla="*/ 12392 w 198492"/>
+                  <a:gd name="connsiteY4" fmla="*/ 0 h 279042"/>
+                  <a:gd name="connsiteX0" fmla="*/ 12392 w 193165"/>
+                  <a:gd name="connsiteY0" fmla="*/ 0 h 279042"/>
+                  <a:gd name="connsiteX1" fmla="*/ 177398 w 193165"/>
+                  <a:gd name="connsiteY1" fmla="*/ 25451 h 279042"/>
+                  <a:gd name="connsiteX2" fmla="*/ 169585 w 193165"/>
+                  <a:gd name="connsiteY2" fmla="*/ 279042 h 279042"/>
+                  <a:gd name="connsiteX3" fmla="*/ 0 w 193165"/>
+                  <a:gd name="connsiteY3" fmla="*/ 260611 h 279042"/>
+                  <a:gd name="connsiteX4" fmla="*/ 12392 w 193165"/>
+                  <a:gd name="connsiteY4" fmla="*/ 0 h 279042"/>
+                  <a:gd name="connsiteX0" fmla="*/ 12392 w 193165"/>
+                  <a:gd name="connsiteY0" fmla="*/ 0 h 279042"/>
+                  <a:gd name="connsiteX1" fmla="*/ 177398 w 193165"/>
+                  <a:gd name="connsiteY1" fmla="*/ 25451 h 279042"/>
+                  <a:gd name="connsiteX2" fmla="*/ 169585 w 193165"/>
+                  <a:gd name="connsiteY2" fmla="*/ 279042 h 279042"/>
+                  <a:gd name="connsiteX3" fmla="*/ 0 w 193165"/>
+                  <a:gd name="connsiteY3" fmla="*/ 260611 h 279042"/>
+                  <a:gd name="connsiteX4" fmla="*/ 12392 w 193165"/>
+                  <a:gd name="connsiteY4" fmla="*/ 0 h 279042"/>
+                  <a:gd name="connsiteX0" fmla="*/ 12392 w 193165"/>
+                  <a:gd name="connsiteY0" fmla="*/ 0 h 279042"/>
+                  <a:gd name="connsiteX1" fmla="*/ 177398 w 193165"/>
+                  <a:gd name="connsiteY1" fmla="*/ 25451 h 279042"/>
+                  <a:gd name="connsiteX2" fmla="*/ 169585 w 193165"/>
+                  <a:gd name="connsiteY2" fmla="*/ 279042 h 279042"/>
+                  <a:gd name="connsiteX3" fmla="*/ 0 w 193165"/>
+                  <a:gd name="connsiteY3" fmla="*/ 260611 h 279042"/>
+                  <a:gd name="connsiteX4" fmla="*/ 12392 w 193165"/>
+                  <a:gd name="connsiteY4" fmla="*/ 0 h 279042"/>
+                  <a:gd name="connsiteX0" fmla="*/ 12392 w 193165"/>
+                  <a:gd name="connsiteY0" fmla="*/ 0 h 279042"/>
+                  <a:gd name="connsiteX1" fmla="*/ 177398 w 193165"/>
+                  <a:gd name="connsiteY1" fmla="*/ 25451 h 279042"/>
+                  <a:gd name="connsiteX2" fmla="*/ 169585 w 193165"/>
+                  <a:gd name="connsiteY2" fmla="*/ 279042 h 279042"/>
+                  <a:gd name="connsiteX3" fmla="*/ 0 w 193165"/>
+                  <a:gd name="connsiteY3" fmla="*/ 260611 h 279042"/>
+                  <a:gd name="connsiteX4" fmla="*/ 12392 w 193165"/>
+                  <a:gd name="connsiteY4" fmla="*/ 0 h 279042"/>
+                </a:gdLst>
+                <a:ahLst/>
+                <a:cxnLst>
+                  <a:cxn ang="0">
+                    <a:pos x="connsiteX0" y="connsiteY0"/>
+                  </a:cxn>
+                  <a:cxn ang="0">
+                    <a:pos x="connsiteX1" y="connsiteY1"/>
+                  </a:cxn>
+                  <a:cxn ang="0">
+                    <a:pos x="connsiteX2" y="connsiteY2"/>
+                  </a:cxn>
+                  <a:cxn ang="0">
+                    <a:pos x="connsiteX3" y="connsiteY3"/>
+                  </a:cxn>
+                  <a:cxn ang="0">
+                    <a:pos x="connsiteX4" y="connsiteY4"/>
+                  </a:cxn>
+                </a:cxnLst>
+                <a:rect l="l" t="t" r="r" b="b"/>
+                <a:pathLst>
+                  <a:path w="193165" h="279042">
+                    <a:moveTo>
+                      <a:pt x="12392" y="0"/>
+                    </a:moveTo>
+                    <a:lnTo>
+                      <a:pt x="177398" y="25451"/>
+                    </a:lnTo>
+                    <a:cubicBezTo>
+                      <a:pt x="205011" y="109678"/>
+                      <a:pt x="192457" y="198725"/>
+                      <a:pt x="169585" y="279042"/>
+                    </a:cubicBezTo>
+                    <a:lnTo>
+                      <a:pt x="0" y="260611"/>
+                    </a:lnTo>
+                    <a:cubicBezTo>
+                      <a:pt x="20002" y="172419"/>
+                      <a:pt x="28406" y="86669"/>
+                      <a:pt x="12392" y="0"/>
+                    </a:cubicBezTo>
+                    <a:close/>
+                  </a:path>
+                </a:pathLst>
+              </a:custGeom>
+              <a:solidFill>
+                <a:schemeClr val="accent3">
+                  <a:lumMod val="75000"/>
+                </a:schemeClr>
+              </a:solidFill>
+              <a:ln w="12700">
+                <a:solidFill>
+                  <a:schemeClr val="tx1"/>
+                </a:solidFill>
+              </a:ln>
+            </p:spPr>
+            <p:style>
+              <a:lnRef idx="2">
+                <a:schemeClr val="accent1">
+                  <a:shade val="50000"/>
+                </a:schemeClr>
+              </a:lnRef>
+              <a:fillRef idx="1">
+                <a:schemeClr val="accent1"/>
+              </a:fillRef>
+              <a:effectRef idx="0">
+                <a:schemeClr val="accent1"/>
+              </a:effectRef>
+              <a:fontRef idx="minor">
+                <a:schemeClr val="lt1"/>
+              </a:fontRef>
+            </p:style>
+            <p:txBody>
+              <a:bodyPr rtlCol="0" anchor="ctr"/>
+              <a:lstStyle/>
+              <a:p>
+                <a:pPr algn="ctr"/>
+                <a:endParaRPr lang="en-US"/>
+              </a:p>
+            </p:txBody>
+          </p:sp>
+          <mc:AlternateContent xmlns:mc="http://schemas.openxmlformats.org/markup-compatibility/2006" xmlns:a14="http://schemas.microsoft.com/office/drawing/2010/main">
+            <mc:Choice Requires="a14">
+              <p:sp>
+                <p:nvSpPr>
+                  <p:cNvPr id="131" name="TextBox 130"/>
+                  <p:cNvSpPr txBox="1"/>
+                  <p:nvPr/>
+                </p:nvSpPr>
+                <p:spPr>
+                  <a:xfrm>
+                    <a:off x="6223206" y="1629229"/>
+                    <a:ext cx="314702" cy="277768"/>
+                  </a:xfrm>
+                  <a:prstGeom prst="rect">
+                    <a:avLst/>
+                  </a:prstGeom>
+                  <a:grpFill/>
+                </p:spPr>
+                <p:txBody>
+                  <a:bodyPr wrap="none" lIns="0" tIns="0" rIns="0" bIns="0" rtlCol="0">
+                    <a:spAutoFit/>
+                  </a:bodyPr>
+                  <a:lstStyle/>
+                  <a:p>
+                    <a:pPr/>
+                    <a14:m>
+                      <m:oMathPara xmlns:m="http://schemas.openxmlformats.org/officeDocument/2006/math">
+                        <m:oMathParaPr>
+                          <m:jc m:val="centerGroup"/>
+                        </m:oMathParaPr>
+                        <m:oMath xmlns:m="http://schemas.openxmlformats.org/officeDocument/2006/math">
+                          <m:r>
+                            <a:rPr lang="en-US" sz="1600" b="0" i="1" smtClean="0">
+                              <a:solidFill>
+                                <a:srgbClr val="FF0000"/>
+                              </a:solidFill>
+                              <a:latin typeface="Cambria Math" panose="02040503050406030204" pitchFamily="18" charset="0"/>
+                              <a:cs typeface="Arial" panose="020B0604020202020204" pitchFamily="34" charset="0"/>
+                            </a:rPr>
+                            <m:t>𝑑</m:t>
+                          </m:r>
+                          <m:acc>
+                            <m:accPr>
+                              <m:chr m:val="⃗"/>
+                              <m:ctrlPr>
+                                <a:rPr lang="en-US" sz="1600" b="0" i="1" smtClean="0">
+                                  <a:solidFill>
+                                    <a:srgbClr val="FF0000"/>
+                                  </a:solidFill>
+                                  <a:latin typeface="Cambria Math" charset="0"/>
+                                  <a:cs typeface="Arial" panose="020B0604020202020204" pitchFamily="34" charset="0"/>
+                                </a:rPr>
+                              </m:ctrlPr>
+                            </m:accPr>
+                            <m:e>
+                              <m:r>
+                                <a:rPr lang="en-US" sz="1600" b="0" i="1" smtClean="0">
+                                  <a:solidFill>
+                                    <a:srgbClr val="FF0000"/>
+                                  </a:solidFill>
+                                  <a:latin typeface="Cambria Math" panose="02040503050406030204" pitchFamily="18" charset="0"/>
+                                  <a:cs typeface="Arial" panose="020B0604020202020204" pitchFamily="34" charset="0"/>
+                                </a:rPr>
+                                <m:t>𝐴</m:t>
+                              </m:r>
+                            </m:e>
+                          </m:acc>
+                        </m:oMath>
+                      </m:oMathPara>
+                    </a14:m>
+                    <a:endParaRPr lang="en-US" sz="1600" dirty="0" smtClean="0">
+                      <a:solidFill>
+                        <a:srgbClr val="FF0000"/>
+                      </a:solidFill>
+                      <a:latin typeface="Arial" panose="020B0604020202020204" pitchFamily="34" charset="0"/>
+                      <a:cs typeface="Arial" panose="020B0604020202020204" pitchFamily="34" charset="0"/>
+                    </a:endParaRPr>
+                  </a:p>
+                </p:txBody>
+              </p:sp>
+            </mc:Choice>
+            <mc:Fallback xmlns="">
+              <p:sp>
+                <p:nvSpPr>
+                  <p:cNvPr id="78" name="TextBox 77"/>
+                  <p:cNvSpPr txBox="1">
+                    <a:spLocks noRot="1" noChangeAspect="1" noMove="1" noResize="1" noEditPoints="1" noAdjustHandles="1" noChangeArrowheads="1" noChangeShapeType="1" noTextEdit="1"/>
+                  </p:cNvSpPr>
+                  <p:nvPr/>
+                </p:nvSpPr>
+                <p:spPr>
+                  <a:xfrm>
+                    <a:off x="6223206" y="1629229"/>
+                    <a:ext cx="314702" cy="277768"/>
+                  </a:xfrm>
+                  <a:prstGeom prst="rect">
+                    <a:avLst/>
+                  </a:prstGeom>
+                  <a:blipFill>
+                    <a:blip r:embed="rId11"/>
+                    <a:stretch>
+                      <a:fillRect l="-13462" t="-30435" r="-100000" b="-8696"/>
+                    </a:stretch>
+                  </a:blipFill>
+                </p:spPr>
+                <p:txBody>
+                  <a:bodyPr/>
+                  <a:lstStyle/>
+                  <a:p>
+                    <a:r>
+                      <a:rPr lang="en-US">
+                        <a:noFill/>
+                      </a:rPr>
+                      <a:t> </a:t>
+                    </a:r>
+                  </a:p>
+                </p:txBody>
+              </p:sp>
+            </mc:Fallback>
+          </mc:AlternateContent>
+          <p:cxnSp>
+            <p:nvCxnSpPr>
+              <p:cNvPr id="132" name="Straight Arrow Connector 131"/>
+              <p:cNvCxnSpPr/>
+              <p:nvPr/>
+            </p:nvCxnSpPr>
+            <p:spPr>
+              <a:xfrm flipV="1">
+                <a:off x="5949054" y="1754809"/>
+                <a:ext cx="274152" cy="283268"/>
+              </a:xfrm>
+              <a:prstGeom prst="straightConnector1">
+                <a:avLst/>
+              </a:prstGeom>
+              <a:grpFill/>
+              <a:ln w="22225">
+                <a:solidFill>
+                  <a:srgbClr val="FF0000"/>
+                </a:solidFill>
+                <a:tailEnd type="triangle"/>
+              </a:ln>
+            </p:spPr>
+            <p:style>
+              <a:lnRef idx="1">
+                <a:schemeClr val="accent1"/>
+              </a:lnRef>
+              <a:fillRef idx="0">
+                <a:schemeClr val="accent1"/>
+              </a:fillRef>
+              <a:effectRef idx="0">
+                <a:schemeClr val="accent1"/>
+              </a:effectRef>
+              <a:fontRef idx="minor">
+                <a:schemeClr val="tx1"/>
+              </a:fontRef>
+            </p:style>
+          </p:cxnSp>
+          <mc:AlternateContent xmlns:mc="http://schemas.openxmlformats.org/markup-compatibility/2006" xmlns:a14="http://schemas.microsoft.com/office/drawing/2010/main">
+            <mc:Choice Requires="a14">
+              <p:sp>
+                <p:nvSpPr>
+                  <p:cNvPr id="133" name="TextBox 132"/>
+                  <p:cNvSpPr txBox="1"/>
+                  <p:nvPr/>
+                </p:nvSpPr>
+                <p:spPr>
+                  <a:xfrm>
+                    <a:off x="5397540" y="1921241"/>
+                    <a:ext cx="399789" cy="215444"/>
+                  </a:xfrm>
+                  <a:prstGeom prst="rect">
+                    <a:avLst/>
+                  </a:prstGeom>
+                  <a:grpFill/>
+                </p:spPr>
+                <p:txBody>
+                  <a:bodyPr wrap="none" lIns="0" tIns="0" rIns="0" bIns="0" rtlCol="0">
+                    <a:spAutoFit/>
+                  </a:bodyPr>
+                  <a:lstStyle/>
+                  <a:p>
+                    <a:pPr/>
+                    <a14:m>
+                      <m:oMathPara xmlns:m="http://schemas.openxmlformats.org/officeDocument/2006/math">
+                        <m:oMathParaPr>
+                          <m:jc m:val="centerGroup"/>
+                        </m:oMathParaPr>
+                        <m:oMath xmlns:m="http://schemas.openxmlformats.org/officeDocument/2006/math">
+                          <m:acc>
+                            <m:accPr>
+                              <m:chr m:val="⃗"/>
+                              <m:ctrlPr>
+                                <a:rPr lang="en-US" sz="1400" b="0" i="1" smtClean="0">
+                                  <a:latin typeface="Cambria Math" charset="0"/>
+                                  <a:cs typeface="Arial" panose="020B0604020202020204" pitchFamily="34" charset="0"/>
+                                </a:rPr>
+                              </m:ctrlPr>
+                            </m:accPr>
+                            <m:e>
+                              <m:r>
+                                <a:rPr lang="en-US" sz="1400" b="0" i="1" smtClean="0">
+                                  <a:latin typeface="Cambria Math" panose="02040503050406030204" pitchFamily="18" charset="0"/>
+                                  <a:cs typeface="Arial" panose="020B0604020202020204" pitchFamily="34" charset="0"/>
+                                </a:rPr>
+                                <m:t>𝑔</m:t>
+                              </m:r>
+                            </m:e>
+                          </m:acc>
+                          <m:r>
+                            <a:rPr lang="en-US" sz="1400" b="0" i="1" smtClean="0">
+                              <a:latin typeface="Cambria Math" panose="02040503050406030204" pitchFamily="18" charset="0"/>
+                              <a:cs typeface="Arial" panose="020B0604020202020204" pitchFamily="34" charset="0"/>
+                            </a:rPr>
+                            <m:t>(</m:t>
+                          </m:r>
+                          <m:acc>
+                            <m:accPr>
+                              <m:chr m:val="⃗"/>
+                              <m:ctrlPr>
+                                <a:rPr lang="en-US" sz="1400" b="0" i="1" smtClean="0">
+                                  <a:latin typeface="Cambria Math" charset="0"/>
+                                  <a:cs typeface="Arial" panose="020B0604020202020204" pitchFamily="34" charset="0"/>
+                                </a:rPr>
+                              </m:ctrlPr>
+                            </m:accPr>
+                            <m:e>
+                              <m:r>
+                                <a:rPr lang="en-US" sz="1400" b="0" i="1" smtClean="0">
+                                  <a:latin typeface="Cambria Math" panose="02040503050406030204" pitchFamily="18" charset="0"/>
+                                  <a:cs typeface="Arial" panose="020B0604020202020204" pitchFamily="34" charset="0"/>
+                                </a:rPr>
+                                <m:t>𝑟</m:t>
+                              </m:r>
+                            </m:e>
+                          </m:acc>
+                          <m:r>
+                            <a:rPr lang="en-US" sz="1400" b="0" i="1" smtClean="0">
+                              <a:latin typeface="Cambria Math" panose="02040503050406030204" pitchFamily="18" charset="0"/>
+                              <a:cs typeface="Arial" panose="020B0604020202020204" pitchFamily="34" charset="0"/>
+                            </a:rPr>
+                            <m:t>)</m:t>
+                          </m:r>
+                        </m:oMath>
+                      </m:oMathPara>
+                    </a14:m>
+                    <a:endParaRPr lang="en-US" sz="1400" dirty="0" smtClean="0">
+                      <a:latin typeface="Arial" panose="020B0604020202020204" pitchFamily="34" charset="0"/>
+                      <a:cs typeface="Arial" panose="020B0604020202020204" pitchFamily="34" charset="0"/>
+                    </a:endParaRPr>
+                  </a:p>
+                </p:txBody>
+              </p:sp>
+            </mc:Choice>
+            <mc:Fallback xmlns="">
+              <p:sp>
+                <p:nvSpPr>
+                  <p:cNvPr id="81" name="TextBox 80"/>
+                  <p:cNvSpPr txBox="1">
+                    <a:spLocks noRot="1" noChangeAspect="1" noMove="1" noResize="1" noEditPoints="1" noAdjustHandles="1" noChangeArrowheads="1" noChangeShapeType="1" noTextEdit="1"/>
+                  </p:cNvSpPr>
+                  <p:nvPr/>
+                </p:nvSpPr>
+                <p:spPr>
+                  <a:xfrm>
+                    <a:off x="5397540" y="1921241"/>
+                    <a:ext cx="399789" cy="215444"/>
+                  </a:xfrm>
+                  <a:prstGeom prst="rect">
+                    <a:avLst/>
+                  </a:prstGeom>
+                  <a:blipFill>
+                    <a:blip r:embed="rId12"/>
+                    <a:stretch>
+                      <a:fillRect l="-10769" t="-33333" r="-47692" b="-33333"/>
                     </a:stretch>
                   </a:blipFill>
                 </p:spPr>
@@ -14196,14 +14979,14 @@
         </p:grpSp>
         <p:sp>
           <p:nvSpPr>
-            <p:cNvPr id="107" name="Oval 106"/>
+            <p:cNvPr id="101" name="Oval 100"/>
             <p:cNvSpPr/>
             <p:nvPr/>
           </p:nvSpPr>
           <p:spPr>
             <a:xfrm>
-              <a:off x="7075611" y="1831580"/>
-              <a:ext cx="90000" cy="90000"/>
+              <a:off x="3795052" y="5020764"/>
+              <a:ext cx="36000" cy="36000"/>
             </a:xfrm>
             <a:prstGeom prst="ellipse">
               <a:avLst/>
@@ -14242,1984 +15025,7 @@
             </a:p>
           </p:txBody>
         </p:sp>
-        <p:cxnSp>
-          <p:nvCxnSpPr>
-            <p:cNvPr id="108" name="Straight Connector 107"/>
-            <p:cNvCxnSpPr/>
-            <p:nvPr/>
-          </p:nvCxnSpPr>
-          <p:spPr>
-            <a:xfrm flipV="1">
-              <a:off x="7120611" y="1875553"/>
-              <a:ext cx="540000" cy="0"/>
-            </a:xfrm>
-            <a:prstGeom prst="line">
-              <a:avLst/>
-            </a:prstGeom>
-            <a:ln w="28575">
-              <a:solidFill>
-                <a:schemeClr val="tx1"/>
-              </a:solidFill>
-              <a:prstDash val="solid"/>
-              <a:headEnd type="none" w="med" len="med"/>
-              <a:tailEnd type="triangle" w="med" len="med"/>
-            </a:ln>
-          </p:spPr>
-          <p:style>
-            <a:lnRef idx="1">
-              <a:schemeClr val="accent1"/>
-            </a:lnRef>
-            <a:fillRef idx="0">
-              <a:schemeClr val="accent1"/>
-            </a:fillRef>
-            <a:effectRef idx="0">
-              <a:schemeClr val="accent1"/>
-            </a:effectRef>
-            <a:fontRef idx="minor">
-              <a:schemeClr val="tx1"/>
-            </a:fontRef>
-          </p:style>
-        </p:cxnSp>
-        <mc:AlternateContent xmlns:mc="http://schemas.openxmlformats.org/markup-compatibility/2006" xmlns:a14="http://schemas.microsoft.com/office/drawing/2010/main">
-          <mc:Choice Requires="a14">
-            <p:sp>
-              <p:nvSpPr>
-                <p:cNvPr id="109" name="TextBox 108"/>
-                <p:cNvSpPr txBox="1"/>
-                <p:nvPr/>
-              </p:nvSpPr>
-              <p:spPr>
-                <a:xfrm>
-                  <a:off x="7292340" y="1568803"/>
-                  <a:ext cx="241541" cy="307777"/>
-                </a:xfrm>
-                <a:prstGeom prst="rect">
-                  <a:avLst/>
-                </a:prstGeom>
-                <a:noFill/>
-              </p:spPr>
-              <p:txBody>
-                <a:bodyPr wrap="none" lIns="0" tIns="0" rIns="0" bIns="0" rtlCol="0">
-                  <a:spAutoFit/>
-                </a:bodyPr>
-                <a:lstStyle/>
-                <a:p>
-                  <a:pPr/>
-                  <a14:m>
-                    <m:oMathPara xmlns:m="http://schemas.openxmlformats.org/officeDocument/2006/math">
-                      <m:oMathParaPr>
-                        <m:jc m:val="centerGroup"/>
-                      </m:oMathParaPr>
-                      <m:oMath xmlns:m="http://schemas.openxmlformats.org/officeDocument/2006/math">
-                        <m:r>
-                          <a:rPr lang="en-CA" sz="2000" b="0" i="1" smtClean="0">
-                            <a:latin typeface="Cambria Math" charset="0"/>
-                            <a:cs typeface="Arial" panose="020B0604020202020204" pitchFamily="34" charset="0"/>
-                          </a:rPr>
-                          <m:t>𝑅</m:t>
-                        </m:r>
-                      </m:oMath>
-                    </m:oMathPara>
-                  </a14:m>
-                  <a:endParaRPr lang="en-US" sz="2000" dirty="0" smtClean="0">
-                    <a:latin typeface="Arial" panose="020B0604020202020204" pitchFamily="34" charset="0"/>
-                    <a:cs typeface="Arial" panose="020B0604020202020204" pitchFamily="34" charset="0"/>
-                  </a:endParaRPr>
-                </a:p>
-              </p:txBody>
-            </p:sp>
-          </mc:Choice>
-          <mc:Fallback xmlns="">
-            <p:sp>
-              <p:nvSpPr>
-                <p:cNvPr id="109" name="TextBox 108"/>
-                <p:cNvSpPr txBox="1">
-                  <a:spLocks noRot="1" noChangeAspect="1" noMove="1" noResize="1" noEditPoints="1" noAdjustHandles="1" noChangeArrowheads="1" noChangeShapeType="1" noTextEdit="1"/>
-                </p:cNvSpPr>
-                <p:nvPr/>
-              </p:nvSpPr>
-              <p:spPr>
-                <a:xfrm>
-                  <a:off x="7292340" y="1568803"/>
-                  <a:ext cx="241541" cy="307777"/>
-                </a:xfrm>
-                <a:prstGeom prst="rect">
-                  <a:avLst/>
-                </a:prstGeom>
-                <a:blipFill rotWithShape="0">
-                  <a:blip r:embed="rId15"/>
-                  <a:stretch>
-                    <a:fillRect l="-23077" r="-20513" b="-10000"/>
-                  </a:stretch>
-                </a:blipFill>
-              </p:spPr>
-              <p:txBody>
-                <a:bodyPr/>
-                <a:lstStyle/>
-                <a:p>
-                  <a:r>
-                    <a:rPr lang="en-US">
-                      <a:noFill/>
-                    </a:rPr>
-                    <a:t> </a:t>
-                  </a:r>
-                </a:p>
-              </p:txBody>
-            </p:sp>
-          </mc:Fallback>
-        </mc:AlternateContent>
       </p:grpSp>
-      <p:cxnSp>
-        <p:nvCxnSpPr>
-          <p:cNvPr id="53" name="Straight Arrow Connector 52"/>
-          <p:cNvCxnSpPr/>
-          <p:nvPr/>
-        </p:nvCxnSpPr>
-        <p:spPr>
-          <a:xfrm flipH="1">
-            <a:off x="4052675" y="1039395"/>
-            <a:ext cx="273966" cy="295785"/>
-          </a:xfrm>
-          <a:prstGeom prst="straightConnector1">
-            <a:avLst/>
-          </a:prstGeom>
-          <a:ln w="38100">
-            <a:solidFill>
-              <a:schemeClr val="tx1"/>
-            </a:solidFill>
-            <a:prstDash val="solid"/>
-            <a:tailEnd type="triangle"/>
-          </a:ln>
-        </p:spPr>
-        <p:style>
-          <a:lnRef idx="1">
-            <a:schemeClr val="accent1"/>
-          </a:lnRef>
-          <a:fillRef idx="0">
-            <a:schemeClr val="accent1"/>
-          </a:fillRef>
-          <a:effectRef idx="0">
-            <a:schemeClr val="accent1"/>
-          </a:effectRef>
-          <a:fontRef idx="minor">
-            <a:schemeClr val="tx1"/>
-          </a:fontRef>
-        </p:style>
-      </p:cxnSp>
-      <p:sp>
-        <p:nvSpPr>
-          <p:cNvPr id="111" name="Oval 110"/>
-          <p:cNvSpPr/>
-          <p:nvPr/>
-        </p:nvSpPr>
-        <p:spPr>
-          <a:xfrm>
-            <a:off x="3210327" y="1293564"/>
-            <a:ext cx="1080000" cy="1080000"/>
-          </a:xfrm>
-          <a:prstGeom prst="ellipse">
-            <a:avLst/>
-          </a:prstGeom>
-          <a:gradFill flip="none" rotWithShape="1">
-            <a:gsLst>
-              <a:gs pos="49000">
-                <a:schemeClr val="bg1">
-                  <a:lumMod val="95000"/>
-                  <a:shade val="67500"/>
-                  <a:satMod val="115000"/>
-                </a:schemeClr>
-              </a:gs>
-              <a:gs pos="0">
-                <a:schemeClr val="bg1">
-                  <a:lumMod val="95000"/>
-                  <a:shade val="100000"/>
-                  <a:satMod val="115000"/>
-                </a:schemeClr>
-              </a:gs>
-            </a:gsLst>
-            <a:path path="circle">
-              <a:fillToRect l="50000" t="50000" r="50000" b="50000"/>
-            </a:path>
-            <a:tileRect/>
-          </a:gradFill>
-          <a:ln w="6350">
-            <a:solidFill>
-              <a:schemeClr val="tx1"/>
-            </a:solidFill>
-          </a:ln>
-        </p:spPr>
-        <p:style>
-          <a:lnRef idx="2">
-            <a:schemeClr val="accent1">
-              <a:shade val="50000"/>
-            </a:schemeClr>
-          </a:lnRef>
-          <a:fillRef idx="1">
-            <a:schemeClr val="accent1"/>
-          </a:fillRef>
-          <a:effectRef idx="0">
-            <a:schemeClr val="accent1"/>
-          </a:effectRef>
-          <a:fontRef idx="minor">
-            <a:schemeClr val="lt1"/>
-          </a:fontRef>
-        </p:style>
-        <p:txBody>
-          <a:bodyPr rtlCol="0" anchor="ctr"/>
-          <a:lstStyle/>
-          <a:p>
-            <a:pPr algn="ctr"/>
-            <a:endParaRPr lang="en-US"/>
-          </a:p>
-        </p:txBody>
-      </p:sp>
-      <p:sp>
-        <p:nvSpPr>
-          <p:cNvPr id="27" name="Oval 26"/>
-          <p:cNvSpPr/>
-          <p:nvPr/>
-        </p:nvSpPr>
-        <p:spPr>
-          <a:xfrm>
-            <a:off x="2528160" y="562857"/>
-            <a:ext cx="2365130" cy="2365130"/>
-          </a:xfrm>
-          <a:prstGeom prst="ellipse">
-            <a:avLst/>
-          </a:prstGeom>
-          <a:noFill/>
-          <a:ln w="38100">
-            <a:solidFill>
-              <a:schemeClr val="tx1"/>
-            </a:solidFill>
-          </a:ln>
-        </p:spPr>
-        <p:style>
-          <a:lnRef idx="2">
-            <a:schemeClr val="accent1">
-              <a:shade val="50000"/>
-            </a:schemeClr>
-          </a:lnRef>
-          <a:fillRef idx="1">
-            <a:schemeClr val="accent1"/>
-          </a:fillRef>
-          <a:effectRef idx="0">
-            <a:schemeClr val="accent1"/>
-          </a:effectRef>
-          <a:fontRef idx="minor">
-            <a:schemeClr val="lt1"/>
-          </a:fontRef>
-        </p:style>
-        <p:txBody>
-          <a:bodyPr rtlCol="0" anchor="ctr"/>
-          <a:lstStyle/>
-          <a:p>
-            <a:pPr algn="ctr"/>
-            <a:endParaRPr lang="en-US"/>
-          </a:p>
-        </p:txBody>
-      </p:sp>
-      <p:sp>
-        <p:nvSpPr>
-          <p:cNvPr id="30" name="Arc 29"/>
-          <p:cNvSpPr/>
-          <p:nvPr/>
-        </p:nvSpPr>
-        <p:spPr>
-          <a:xfrm>
-            <a:off x="2528159" y="1622496"/>
-            <a:ext cx="2365130" cy="402721"/>
-          </a:xfrm>
-          <a:prstGeom prst="arc">
-            <a:avLst>
-              <a:gd name="adj1" fmla="val 31471"/>
-              <a:gd name="adj2" fmla="val 10840678"/>
-            </a:avLst>
-          </a:prstGeom>
-          <a:ln w="38100">
-            <a:solidFill>
-              <a:schemeClr val="tx1"/>
-            </a:solidFill>
-          </a:ln>
-        </p:spPr>
-        <p:style>
-          <a:lnRef idx="1">
-            <a:schemeClr val="accent1"/>
-          </a:lnRef>
-          <a:fillRef idx="0">
-            <a:schemeClr val="accent1"/>
-          </a:fillRef>
-          <a:effectRef idx="0">
-            <a:schemeClr val="accent1"/>
-          </a:effectRef>
-          <a:fontRef idx="minor">
-            <a:schemeClr val="tx1"/>
-          </a:fontRef>
-        </p:style>
-        <p:txBody>
-          <a:bodyPr rtlCol="0" anchor="ctr"/>
-          <a:lstStyle/>
-          <a:p>
-            <a:pPr algn="ctr"/>
-            <a:endParaRPr lang="en-US"/>
-          </a:p>
-        </p:txBody>
-      </p:sp>
-      <p:cxnSp>
-        <p:nvCxnSpPr>
-          <p:cNvPr id="34" name="Straight Connector 33"/>
-          <p:cNvCxnSpPr/>
-          <p:nvPr/>
-        </p:nvCxnSpPr>
-        <p:spPr>
-          <a:xfrm flipH="1" flipV="1">
-            <a:off x="2690016" y="1143573"/>
-            <a:ext cx="1020708" cy="679759"/>
-          </a:xfrm>
-          <a:prstGeom prst="line">
-            <a:avLst/>
-          </a:prstGeom>
-          <a:ln w="28575">
-            <a:solidFill>
-              <a:schemeClr val="tx1"/>
-            </a:solidFill>
-            <a:prstDash val="sysDot"/>
-          </a:ln>
-        </p:spPr>
-        <p:style>
-          <a:lnRef idx="1">
-            <a:schemeClr val="accent1"/>
-          </a:lnRef>
-          <a:fillRef idx="0">
-            <a:schemeClr val="accent1"/>
-          </a:fillRef>
-          <a:effectRef idx="0">
-            <a:schemeClr val="accent1"/>
-          </a:effectRef>
-          <a:fontRef idx="minor">
-            <a:schemeClr val="tx1"/>
-          </a:fontRef>
-        </p:style>
-      </p:cxnSp>
-      <mc:AlternateContent xmlns:mc="http://schemas.openxmlformats.org/markup-compatibility/2006" xmlns:a14="http://schemas.microsoft.com/office/drawing/2010/main">
-        <mc:Choice Requires="a14">
-          <p:sp>
-            <p:nvSpPr>
-              <p:cNvPr id="35" name="TextBox 34"/>
-              <p:cNvSpPr txBox="1"/>
-              <p:nvPr/>
-            </p:nvSpPr>
-            <p:spPr>
-              <a:xfrm>
-                <a:off x="3067558" y="1087795"/>
-                <a:ext cx="198003" cy="307777"/>
-              </a:xfrm>
-              <a:prstGeom prst="rect">
-                <a:avLst/>
-              </a:prstGeom>
-              <a:noFill/>
-            </p:spPr>
-            <p:txBody>
-              <a:bodyPr wrap="none" lIns="0" tIns="0" rIns="0" bIns="0" rtlCol="0">
-                <a:spAutoFit/>
-              </a:bodyPr>
-              <a:lstStyle/>
-              <a:p>
-                <a:pPr/>
-                <a14:m>
-                  <m:oMathPara xmlns:m="http://schemas.openxmlformats.org/officeDocument/2006/math">
-                    <m:oMathParaPr>
-                      <m:jc m:val="centerGroup"/>
-                    </m:oMathParaPr>
-                    <m:oMath xmlns:m="http://schemas.openxmlformats.org/officeDocument/2006/math">
-                      <m:r>
-                        <a:rPr lang="en-US" sz="2000" b="0" i="1" smtClean="0">
-                          <a:latin typeface="Cambria Math" panose="02040503050406030204" pitchFamily="18" charset="0"/>
-                          <a:cs typeface="Arial" panose="020B0604020202020204" pitchFamily="34" charset="0"/>
-                        </a:rPr>
-                        <m:t>𝑟</m:t>
-                      </m:r>
-                    </m:oMath>
-                  </m:oMathPara>
-                </a14:m>
-                <a:endParaRPr lang="en-US" sz="2000" dirty="0" smtClean="0">
-                  <a:latin typeface="Arial" panose="020B0604020202020204" pitchFamily="34" charset="0"/>
-                  <a:cs typeface="Arial" panose="020B0604020202020204" pitchFamily="34" charset="0"/>
-                </a:endParaRPr>
-              </a:p>
-            </p:txBody>
-          </p:sp>
-        </mc:Choice>
-        <mc:Fallback xmlns="">
-          <p:sp>
-            <p:nvSpPr>
-              <p:cNvPr id="35" name="TextBox 34"/>
-              <p:cNvSpPr txBox="1">
-                <a:spLocks noRot="1" noChangeAspect="1" noMove="1" noResize="1" noEditPoints="1" noAdjustHandles="1" noChangeArrowheads="1" noChangeShapeType="1" noTextEdit="1"/>
-              </p:cNvSpPr>
-              <p:nvPr/>
-            </p:nvSpPr>
-            <p:spPr>
-              <a:xfrm>
-                <a:off x="3067558" y="1087795"/>
-                <a:ext cx="198003" cy="307777"/>
-              </a:xfrm>
-              <a:prstGeom prst="rect">
-                <a:avLst/>
-              </a:prstGeom>
-              <a:blipFill rotWithShape="0">
-                <a:blip r:embed="rId12"/>
-                <a:stretch>
-                  <a:fillRect l="-12121" r="-12121" b="-1961"/>
-                </a:stretch>
-              </a:blipFill>
-            </p:spPr>
-            <p:txBody>
-              <a:bodyPr/>
-              <a:lstStyle/>
-              <a:p>
-                <a:r>
-                  <a:rPr lang="en-US">
-                    <a:noFill/>
-                  </a:rPr>
-                  <a:t> </a:t>
-                </a:r>
-              </a:p>
-            </p:txBody>
-          </p:sp>
-        </mc:Fallback>
-      </mc:AlternateContent>
-      <mc:AlternateContent xmlns:mc="http://schemas.openxmlformats.org/markup-compatibility/2006" xmlns:a14="http://schemas.microsoft.com/office/drawing/2010/main">
-        <mc:Choice Requires="a14">
-          <p:sp>
-            <p:nvSpPr>
-              <p:cNvPr id="38" name="TextBox 37"/>
-              <p:cNvSpPr txBox="1"/>
-              <p:nvPr/>
-            </p:nvSpPr>
-            <p:spPr>
-              <a:xfrm>
-                <a:off x="3554721" y="908530"/>
-                <a:ext cx="571054" cy="307777"/>
-              </a:xfrm>
-              <a:prstGeom prst="rect">
-                <a:avLst/>
-              </a:prstGeom>
-              <a:noFill/>
-            </p:spPr>
-            <p:txBody>
-              <a:bodyPr wrap="none" lIns="0" tIns="0" rIns="0" bIns="0" rtlCol="0">
-                <a:spAutoFit/>
-              </a:bodyPr>
-              <a:lstStyle/>
-              <a:p>
-                <a:pPr/>
-                <a14:m>
-                  <m:oMathPara xmlns:m="http://schemas.openxmlformats.org/officeDocument/2006/math">
-                    <m:oMathParaPr>
-                      <m:jc m:val="centerGroup"/>
-                    </m:oMathParaPr>
-                    <m:oMath xmlns:m="http://schemas.openxmlformats.org/officeDocument/2006/math">
-                      <m:acc>
-                        <m:accPr>
-                          <m:chr m:val="⃗"/>
-                          <m:ctrlPr>
-                            <a:rPr lang="en-US" sz="2000" b="0" i="1" smtClean="0">
-                              <a:latin typeface="Cambria Math" charset="0"/>
-                              <a:cs typeface="Arial" panose="020B0604020202020204" pitchFamily="34" charset="0"/>
-                            </a:rPr>
-                          </m:ctrlPr>
-                        </m:accPr>
-                        <m:e>
-                          <m:r>
-                            <a:rPr lang="en-US" sz="2000" b="0" i="1" smtClean="0">
-                              <a:latin typeface="Cambria Math" panose="02040503050406030204" pitchFamily="18" charset="0"/>
-                              <a:cs typeface="Arial" panose="020B0604020202020204" pitchFamily="34" charset="0"/>
-                            </a:rPr>
-                            <m:t>𝑔</m:t>
-                          </m:r>
-                        </m:e>
-                      </m:acc>
-                      <m:r>
-                        <a:rPr lang="en-US" sz="2000" b="0" i="1" smtClean="0">
-                          <a:latin typeface="Cambria Math" panose="02040503050406030204" pitchFamily="18" charset="0"/>
-                          <a:cs typeface="Arial" panose="020B0604020202020204" pitchFamily="34" charset="0"/>
-                        </a:rPr>
-                        <m:t>(</m:t>
-                      </m:r>
-                      <m:acc>
-                        <m:accPr>
-                          <m:chr m:val="⃗"/>
-                          <m:ctrlPr>
-                            <a:rPr lang="en-US" sz="2000" b="0" i="1" smtClean="0">
-                              <a:latin typeface="Cambria Math" charset="0"/>
-                              <a:cs typeface="Arial" panose="020B0604020202020204" pitchFamily="34" charset="0"/>
-                            </a:rPr>
-                          </m:ctrlPr>
-                        </m:accPr>
-                        <m:e>
-                          <m:r>
-                            <a:rPr lang="en-US" sz="2000" b="0" i="1" smtClean="0">
-                              <a:latin typeface="Cambria Math" panose="02040503050406030204" pitchFamily="18" charset="0"/>
-                              <a:cs typeface="Arial" panose="020B0604020202020204" pitchFamily="34" charset="0"/>
-                            </a:rPr>
-                            <m:t>𝑟</m:t>
-                          </m:r>
-                        </m:e>
-                      </m:acc>
-                      <m:r>
-                        <a:rPr lang="en-US" sz="2000" b="0" i="1" smtClean="0">
-                          <a:latin typeface="Cambria Math" panose="02040503050406030204" pitchFamily="18" charset="0"/>
-                          <a:cs typeface="Arial" panose="020B0604020202020204" pitchFamily="34" charset="0"/>
-                        </a:rPr>
-                        <m:t>)</m:t>
-                      </m:r>
-                    </m:oMath>
-                  </m:oMathPara>
-                </a14:m>
-                <a:endParaRPr lang="en-US" sz="2000" dirty="0" smtClean="0">
-                  <a:latin typeface="Arial" panose="020B0604020202020204" pitchFamily="34" charset="0"/>
-                  <a:cs typeface="Arial" panose="020B0604020202020204" pitchFamily="34" charset="0"/>
-                </a:endParaRPr>
-              </a:p>
-            </p:txBody>
-          </p:sp>
-        </mc:Choice>
-        <mc:Fallback xmlns="">
-          <p:sp>
-            <p:nvSpPr>
-              <p:cNvPr id="38" name="TextBox 37"/>
-              <p:cNvSpPr txBox="1">
-                <a:spLocks noRot="1" noChangeAspect="1" noMove="1" noResize="1" noEditPoints="1" noAdjustHandles="1" noChangeArrowheads="1" noChangeShapeType="1" noTextEdit="1"/>
-              </p:cNvSpPr>
-              <p:nvPr/>
-            </p:nvSpPr>
-            <p:spPr>
-              <a:xfrm>
-                <a:off x="3554721" y="908530"/>
-                <a:ext cx="571054" cy="307777"/>
-              </a:xfrm>
-              <a:prstGeom prst="rect">
-                <a:avLst/>
-              </a:prstGeom>
-              <a:blipFill rotWithShape="0">
-                <a:blip r:embed="rId16"/>
-                <a:stretch>
-                  <a:fillRect l="-9574" t="-33333" r="-44681" b="-37255"/>
-                </a:stretch>
-              </a:blipFill>
-            </p:spPr>
-            <p:txBody>
-              <a:bodyPr/>
-              <a:lstStyle/>
-              <a:p>
-                <a:r>
-                  <a:rPr lang="en-US">
-                    <a:noFill/>
-                  </a:rPr>
-                  <a:t> </a:t>
-                </a:r>
-              </a:p>
-            </p:txBody>
-          </p:sp>
-        </mc:Fallback>
-      </mc:AlternateContent>
-      <p:sp>
-        <p:nvSpPr>
-          <p:cNvPr id="48" name="Rectangle 47"/>
-          <p:cNvSpPr/>
-          <p:nvPr/>
-        </p:nvSpPr>
-        <p:spPr>
-          <a:xfrm rot="18506906">
-            <a:off x="4230056" y="901834"/>
-            <a:ext cx="193165" cy="279042"/>
-          </a:xfrm>
-          <a:custGeom>
-            <a:avLst/>
-            <a:gdLst>
-              <a:gd name="connsiteX0" fmla="*/ 0 w 222636"/>
-              <a:gd name="connsiteY0" fmla="*/ 0 h 267694"/>
-              <a:gd name="connsiteX1" fmla="*/ 222636 w 222636"/>
-              <a:gd name="connsiteY1" fmla="*/ 0 h 267694"/>
-              <a:gd name="connsiteX2" fmla="*/ 222636 w 222636"/>
-              <a:gd name="connsiteY2" fmla="*/ 267694 h 267694"/>
-              <a:gd name="connsiteX3" fmla="*/ 0 w 222636"/>
-              <a:gd name="connsiteY3" fmla="*/ 267694 h 267694"/>
-              <a:gd name="connsiteX4" fmla="*/ 0 w 222636"/>
-              <a:gd name="connsiteY4" fmla="*/ 0 h 267694"/>
-              <a:gd name="connsiteX0" fmla="*/ 0 w 222636"/>
-              <a:gd name="connsiteY0" fmla="*/ 0 h 267694"/>
-              <a:gd name="connsiteX1" fmla="*/ 189853 w 222636"/>
-              <a:gd name="connsiteY1" fmla="*/ 22645 h 267694"/>
-              <a:gd name="connsiteX2" fmla="*/ 222636 w 222636"/>
-              <a:gd name="connsiteY2" fmla="*/ 267694 h 267694"/>
-              <a:gd name="connsiteX3" fmla="*/ 0 w 222636"/>
-              <a:gd name="connsiteY3" fmla="*/ 267694 h 267694"/>
-              <a:gd name="connsiteX4" fmla="*/ 0 w 222636"/>
-              <a:gd name="connsiteY4" fmla="*/ 0 h 267694"/>
-              <a:gd name="connsiteX0" fmla="*/ 0 w 189853"/>
-              <a:gd name="connsiteY0" fmla="*/ 0 h 276236"/>
-              <a:gd name="connsiteX1" fmla="*/ 189853 w 189853"/>
-              <a:gd name="connsiteY1" fmla="*/ 22645 h 276236"/>
-              <a:gd name="connsiteX2" fmla="*/ 182040 w 189853"/>
-              <a:gd name="connsiteY2" fmla="*/ 276236 h 276236"/>
-              <a:gd name="connsiteX3" fmla="*/ 0 w 189853"/>
-              <a:gd name="connsiteY3" fmla="*/ 267694 h 276236"/>
-              <a:gd name="connsiteX4" fmla="*/ 0 w 189853"/>
-              <a:gd name="connsiteY4" fmla="*/ 0 h 276236"/>
-              <a:gd name="connsiteX0" fmla="*/ 24847 w 189853"/>
-              <a:gd name="connsiteY0" fmla="*/ 0 h 279042"/>
-              <a:gd name="connsiteX1" fmla="*/ 189853 w 189853"/>
-              <a:gd name="connsiteY1" fmla="*/ 25451 h 279042"/>
-              <a:gd name="connsiteX2" fmla="*/ 182040 w 189853"/>
-              <a:gd name="connsiteY2" fmla="*/ 279042 h 279042"/>
-              <a:gd name="connsiteX3" fmla="*/ 0 w 189853"/>
-              <a:gd name="connsiteY3" fmla="*/ 270500 h 279042"/>
-              <a:gd name="connsiteX4" fmla="*/ 24847 w 189853"/>
-              <a:gd name="connsiteY4" fmla="*/ 0 h 279042"/>
-              <a:gd name="connsiteX0" fmla="*/ 0 w 165006"/>
-              <a:gd name="connsiteY0" fmla="*/ 0 h 279042"/>
-              <a:gd name="connsiteX1" fmla="*/ 165006 w 165006"/>
-              <a:gd name="connsiteY1" fmla="*/ 25451 h 279042"/>
-              <a:gd name="connsiteX2" fmla="*/ 157193 w 165006"/>
-              <a:gd name="connsiteY2" fmla="*/ 279042 h 279042"/>
-              <a:gd name="connsiteX3" fmla="*/ 2075 w 165006"/>
-              <a:gd name="connsiteY3" fmla="*/ 266046 h 279042"/>
-              <a:gd name="connsiteX4" fmla="*/ 0 w 165006"/>
-              <a:gd name="connsiteY4" fmla="*/ 0 h 279042"/>
-              <a:gd name="connsiteX0" fmla="*/ 12417 w 177423"/>
-              <a:gd name="connsiteY0" fmla="*/ 0 h 279042"/>
-              <a:gd name="connsiteX1" fmla="*/ 177423 w 177423"/>
-              <a:gd name="connsiteY1" fmla="*/ 25451 h 279042"/>
-              <a:gd name="connsiteX2" fmla="*/ 169610 w 177423"/>
-              <a:gd name="connsiteY2" fmla="*/ 279042 h 279042"/>
-              <a:gd name="connsiteX3" fmla="*/ 25 w 177423"/>
-              <a:gd name="connsiteY3" fmla="*/ 260611 h 279042"/>
-              <a:gd name="connsiteX4" fmla="*/ 12417 w 177423"/>
-              <a:gd name="connsiteY4" fmla="*/ 0 h 279042"/>
-              <a:gd name="connsiteX0" fmla="*/ 12392 w 177398"/>
-              <a:gd name="connsiteY0" fmla="*/ 0 h 279042"/>
-              <a:gd name="connsiteX1" fmla="*/ 177398 w 177398"/>
-              <a:gd name="connsiteY1" fmla="*/ 25451 h 279042"/>
-              <a:gd name="connsiteX2" fmla="*/ 169585 w 177398"/>
-              <a:gd name="connsiteY2" fmla="*/ 279042 h 279042"/>
-              <a:gd name="connsiteX3" fmla="*/ 0 w 177398"/>
-              <a:gd name="connsiteY3" fmla="*/ 260611 h 279042"/>
-              <a:gd name="connsiteX4" fmla="*/ 12392 w 177398"/>
-              <a:gd name="connsiteY4" fmla="*/ 0 h 279042"/>
-              <a:gd name="connsiteX0" fmla="*/ 12392 w 177398"/>
-              <a:gd name="connsiteY0" fmla="*/ 0 h 279042"/>
-              <a:gd name="connsiteX1" fmla="*/ 177398 w 177398"/>
-              <a:gd name="connsiteY1" fmla="*/ 25451 h 279042"/>
-              <a:gd name="connsiteX2" fmla="*/ 169585 w 177398"/>
-              <a:gd name="connsiteY2" fmla="*/ 279042 h 279042"/>
-              <a:gd name="connsiteX3" fmla="*/ 0 w 177398"/>
-              <a:gd name="connsiteY3" fmla="*/ 260611 h 279042"/>
-              <a:gd name="connsiteX4" fmla="*/ 12392 w 177398"/>
-              <a:gd name="connsiteY4" fmla="*/ 0 h 279042"/>
-              <a:gd name="connsiteX0" fmla="*/ 12392 w 185844"/>
-              <a:gd name="connsiteY0" fmla="*/ 0 h 279042"/>
-              <a:gd name="connsiteX1" fmla="*/ 177398 w 185844"/>
-              <a:gd name="connsiteY1" fmla="*/ 25451 h 279042"/>
-              <a:gd name="connsiteX2" fmla="*/ 169585 w 185844"/>
-              <a:gd name="connsiteY2" fmla="*/ 279042 h 279042"/>
-              <a:gd name="connsiteX3" fmla="*/ 0 w 185844"/>
-              <a:gd name="connsiteY3" fmla="*/ 260611 h 279042"/>
-              <a:gd name="connsiteX4" fmla="*/ 12392 w 185844"/>
-              <a:gd name="connsiteY4" fmla="*/ 0 h 279042"/>
-              <a:gd name="connsiteX0" fmla="*/ 12392 w 196295"/>
-              <a:gd name="connsiteY0" fmla="*/ 0 h 279042"/>
-              <a:gd name="connsiteX1" fmla="*/ 177398 w 196295"/>
-              <a:gd name="connsiteY1" fmla="*/ 25451 h 279042"/>
-              <a:gd name="connsiteX2" fmla="*/ 169585 w 196295"/>
-              <a:gd name="connsiteY2" fmla="*/ 279042 h 279042"/>
-              <a:gd name="connsiteX3" fmla="*/ 0 w 196295"/>
-              <a:gd name="connsiteY3" fmla="*/ 260611 h 279042"/>
-              <a:gd name="connsiteX4" fmla="*/ 12392 w 196295"/>
-              <a:gd name="connsiteY4" fmla="*/ 0 h 279042"/>
-              <a:gd name="connsiteX0" fmla="*/ 12392 w 202940"/>
-              <a:gd name="connsiteY0" fmla="*/ 0 h 279042"/>
-              <a:gd name="connsiteX1" fmla="*/ 177398 w 202940"/>
-              <a:gd name="connsiteY1" fmla="*/ 25451 h 279042"/>
-              <a:gd name="connsiteX2" fmla="*/ 169585 w 202940"/>
-              <a:gd name="connsiteY2" fmla="*/ 279042 h 279042"/>
-              <a:gd name="connsiteX3" fmla="*/ 0 w 202940"/>
-              <a:gd name="connsiteY3" fmla="*/ 260611 h 279042"/>
-              <a:gd name="connsiteX4" fmla="*/ 12392 w 202940"/>
-              <a:gd name="connsiteY4" fmla="*/ 0 h 279042"/>
-              <a:gd name="connsiteX0" fmla="*/ 12392 w 198492"/>
-              <a:gd name="connsiteY0" fmla="*/ 0 h 279042"/>
-              <a:gd name="connsiteX1" fmla="*/ 177398 w 198492"/>
-              <a:gd name="connsiteY1" fmla="*/ 25451 h 279042"/>
-              <a:gd name="connsiteX2" fmla="*/ 169585 w 198492"/>
-              <a:gd name="connsiteY2" fmla="*/ 279042 h 279042"/>
-              <a:gd name="connsiteX3" fmla="*/ 0 w 198492"/>
-              <a:gd name="connsiteY3" fmla="*/ 260611 h 279042"/>
-              <a:gd name="connsiteX4" fmla="*/ 12392 w 198492"/>
-              <a:gd name="connsiteY4" fmla="*/ 0 h 279042"/>
-              <a:gd name="connsiteX0" fmla="*/ 12392 w 193165"/>
-              <a:gd name="connsiteY0" fmla="*/ 0 h 279042"/>
-              <a:gd name="connsiteX1" fmla="*/ 177398 w 193165"/>
-              <a:gd name="connsiteY1" fmla="*/ 25451 h 279042"/>
-              <a:gd name="connsiteX2" fmla="*/ 169585 w 193165"/>
-              <a:gd name="connsiteY2" fmla="*/ 279042 h 279042"/>
-              <a:gd name="connsiteX3" fmla="*/ 0 w 193165"/>
-              <a:gd name="connsiteY3" fmla="*/ 260611 h 279042"/>
-              <a:gd name="connsiteX4" fmla="*/ 12392 w 193165"/>
-              <a:gd name="connsiteY4" fmla="*/ 0 h 279042"/>
-              <a:gd name="connsiteX0" fmla="*/ 12392 w 193165"/>
-              <a:gd name="connsiteY0" fmla="*/ 0 h 279042"/>
-              <a:gd name="connsiteX1" fmla="*/ 177398 w 193165"/>
-              <a:gd name="connsiteY1" fmla="*/ 25451 h 279042"/>
-              <a:gd name="connsiteX2" fmla="*/ 169585 w 193165"/>
-              <a:gd name="connsiteY2" fmla="*/ 279042 h 279042"/>
-              <a:gd name="connsiteX3" fmla="*/ 0 w 193165"/>
-              <a:gd name="connsiteY3" fmla="*/ 260611 h 279042"/>
-              <a:gd name="connsiteX4" fmla="*/ 12392 w 193165"/>
-              <a:gd name="connsiteY4" fmla="*/ 0 h 279042"/>
-              <a:gd name="connsiteX0" fmla="*/ 12392 w 193165"/>
-              <a:gd name="connsiteY0" fmla="*/ 0 h 279042"/>
-              <a:gd name="connsiteX1" fmla="*/ 177398 w 193165"/>
-              <a:gd name="connsiteY1" fmla="*/ 25451 h 279042"/>
-              <a:gd name="connsiteX2" fmla="*/ 169585 w 193165"/>
-              <a:gd name="connsiteY2" fmla="*/ 279042 h 279042"/>
-              <a:gd name="connsiteX3" fmla="*/ 0 w 193165"/>
-              <a:gd name="connsiteY3" fmla="*/ 260611 h 279042"/>
-              <a:gd name="connsiteX4" fmla="*/ 12392 w 193165"/>
-              <a:gd name="connsiteY4" fmla="*/ 0 h 279042"/>
-              <a:gd name="connsiteX0" fmla="*/ 12392 w 193165"/>
-              <a:gd name="connsiteY0" fmla="*/ 0 h 279042"/>
-              <a:gd name="connsiteX1" fmla="*/ 177398 w 193165"/>
-              <a:gd name="connsiteY1" fmla="*/ 25451 h 279042"/>
-              <a:gd name="connsiteX2" fmla="*/ 169585 w 193165"/>
-              <a:gd name="connsiteY2" fmla="*/ 279042 h 279042"/>
-              <a:gd name="connsiteX3" fmla="*/ 0 w 193165"/>
-              <a:gd name="connsiteY3" fmla="*/ 260611 h 279042"/>
-              <a:gd name="connsiteX4" fmla="*/ 12392 w 193165"/>
-              <a:gd name="connsiteY4" fmla="*/ 0 h 279042"/>
-            </a:gdLst>
-            <a:ahLst/>
-            <a:cxnLst>
-              <a:cxn ang="0">
-                <a:pos x="connsiteX0" y="connsiteY0"/>
-              </a:cxn>
-              <a:cxn ang="0">
-                <a:pos x="connsiteX1" y="connsiteY1"/>
-              </a:cxn>
-              <a:cxn ang="0">
-                <a:pos x="connsiteX2" y="connsiteY2"/>
-              </a:cxn>
-              <a:cxn ang="0">
-                <a:pos x="connsiteX3" y="connsiteY3"/>
-              </a:cxn>
-              <a:cxn ang="0">
-                <a:pos x="connsiteX4" y="connsiteY4"/>
-              </a:cxn>
-            </a:cxnLst>
-            <a:rect l="l" t="t" r="r" b="b"/>
-            <a:pathLst>
-              <a:path w="193165" h="279042">
-                <a:moveTo>
-                  <a:pt x="12392" y="0"/>
-                </a:moveTo>
-                <a:lnTo>
-                  <a:pt x="177398" y="25451"/>
-                </a:lnTo>
-                <a:cubicBezTo>
-                  <a:pt x="205011" y="109678"/>
-                  <a:pt x="192457" y="198725"/>
-                  <a:pt x="169585" y="279042"/>
-                </a:cubicBezTo>
-                <a:lnTo>
-                  <a:pt x="0" y="260611"/>
-                </a:lnTo>
-                <a:cubicBezTo>
-                  <a:pt x="20002" y="172419"/>
-                  <a:pt x="28406" y="86669"/>
-                  <a:pt x="12392" y="0"/>
-                </a:cubicBezTo>
-                <a:close/>
-              </a:path>
-            </a:pathLst>
-          </a:custGeom>
-          <a:solidFill>
-            <a:schemeClr val="tx1">
-              <a:alpha val="42000"/>
-            </a:schemeClr>
-          </a:solidFill>
-          <a:ln w="12700">
-            <a:solidFill>
-              <a:schemeClr val="tx1"/>
-            </a:solidFill>
-          </a:ln>
-        </p:spPr>
-        <p:style>
-          <a:lnRef idx="2">
-            <a:schemeClr val="accent1">
-              <a:shade val="50000"/>
-            </a:schemeClr>
-          </a:lnRef>
-          <a:fillRef idx="1">
-            <a:schemeClr val="accent1"/>
-          </a:fillRef>
-          <a:effectRef idx="0">
-            <a:schemeClr val="accent1"/>
-          </a:effectRef>
-          <a:fontRef idx="minor">
-            <a:schemeClr val="lt1"/>
-          </a:fontRef>
-        </p:style>
-        <p:txBody>
-          <a:bodyPr rtlCol="0" anchor="ctr"/>
-          <a:lstStyle/>
-          <a:p>
-            <a:pPr algn="ctr"/>
-            <a:endParaRPr lang="en-US"/>
-          </a:p>
-        </p:txBody>
-      </p:sp>
-      <p:cxnSp>
-        <p:nvCxnSpPr>
-          <p:cNvPr id="37" name="Straight Arrow Connector 36"/>
-          <p:cNvCxnSpPr/>
-          <p:nvPr/>
-        </p:nvCxnSpPr>
-        <p:spPr>
-          <a:xfrm flipV="1">
-            <a:off x="4326638" y="678652"/>
-            <a:ext cx="351681" cy="362703"/>
-          </a:xfrm>
-          <a:prstGeom prst="straightConnector1">
-            <a:avLst/>
-          </a:prstGeom>
-          <a:ln w="38100">
-            <a:solidFill>
-              <a:srgbClr val="FF0000"/>
-            </a:solidFill>
-            <a:tailEnd type="triangle"/>
-          </a:ln>
-        </p:spPr>
-        <p:style>
-          <a:lnRef idx="1">
-            <a:schemeClr val="accent1"/>
-          </a:lnRef>
-          <a:fillRef idx="0">
-            <a:schemeClr val="accent1"/>
-          </a:fillRef>
-          <a:effectRef idx="0">
-            <a:schemeClr val="accent1"/>
-          </a:effectRef>
-          <a:fontRef idx="minor">
-            <a:schemeClr val="tx1"/>
-          </a:fontRef>
-        </p:style>
-      </p:cxnSp>
-      <mc:AlternateContent xmlns:mc="http://schemas.openxmlformats.org/markup-compatibility/2006" xmlns:a14="http://schemas.microsoft.com/office/drawing/2010/main">
-        <mc:Choice Requires="a14">
-          <p:sp>
-            <p:nvSpPr>
-              <p:cNvPr id="51" name="TextBox 50"/>
-              <p:cNvSpPr txBox="1"/>
-              <p:nvPr/>
-            </p:nvSpPr>
-            <p:spPr>
-              <a:xfrm>
-                <a:off x="4712980" y="562857"/>
-                <a:ext cx="392159" cy="347146"/>
-              </a:xfrm>
-              <a:prstGeom prst="rect">
-                <a:avLst/>
-              </a:prstGeom>
-              <a:noFill/>
-            </p:spPr>
-            <p:txBody>
-              <a:bodyPr wrap="none" lIns="0" tIns="0" rIns="0" bIns="0" rtlCol="0">
-                <a:spAutoFit/>
-              </a:bodyPr>
-              <a:lstStyle/>
-              <a:p>
-                <a:pPr/>
-                <a14:m>
-                  <m:oMathPara xmlns:m="http://schemas.openxmlformats.org/officeDocument/2006/math">
-                    <m:oMathParaPr>
-                      <m:jc m:val="centerGroup"/>
-                    </m:oMathParaPr>
-                    <m:oMath xmlns:m="http://schemas.openxmlformats.org/officeDocument/2006/math">
-                      <m:r>
-                        <a:rPr lang="en-US" sz="2000" b="0" i="1" smtClean="0">
-                          <a:solidFill>
-                            <a:srgbClr val="FF0000"/>
-                          </a:solidFill>
-                          <a:latin typeface="Cambria Math" panose="02040503050406030204" pitchFamily="18" charset="0"/>
-                          <a:cs typeface="Arial" panose="020B0604020202020204" pitchFamily="34" charset="0"/>
-                        </a:rPr>
-                        <m:t>𝑑</m:t>
-                      </m:r>
-                      <m:acc>
-                        <m:accPr>
-                          <m:chr m:val="⃗"/>
-                          <m:ctrlPr>
-                            <a:rPr lang="en-US" sz="2000" b="0" i="1" smtClean="0">
-                              <a:solidFill>
-                                <a:srgbClr val="FF0000"/>
-                              </a:solidFill>
-                              <a:latin typeface="Cambria Math" charset="0"/>
-                              <a:cs typeface="Arial" panose="020B0604020202020204" pitchFamily="34" charset="0"/>
-                            </a:rPr>
-                          </m:ctrlPr>
-                        </m:accPr>
-                        <m:e>
-                          <m:r>
-                            <a:rPr lang="en-US" sz="2000" b="0" i="1" smtClean="0">
-                              <a:solidFill>
-                                <a:srgbClr val="FF0000"/>
-                              </a:solidFill>
-                              <a:latin typeface="Cambria Math" panose="02040503050406030204" pitchFamily="18" charset="0"/>
-                              <a:cs typeface="Arial" panose="020B0604020202020204" pitchFamily="34" charset="0"/>
-                            </a:rPr>
-                            <m:t>𝐴</m:t>
-                          </m:r>
-                        </m:e>
-                      </m:acc>
-                    </m:oMath>
-                  </m:oMathPara>
-                </a14:m>
-                <a:endParaRPr lang="en-US" sz="2000" dirty="0" smtClean="0">
-                  <a:solidFill>
-                    <a:srgbClr val="FF0000"/>
-                  </a:solidFill>
-                  <a:latin typeface="Arial" panose="020B0604020202020204" pitchFamily="34" charset="0"/>
-                  <a:cs typeface="Arial" panose="020B0604020202020204" pitchFamily="34" charset="0"/>
-                </a:endParaRPr>
-              </a:p>
-            </p:txBody>
-          </p:sp>
-        </mc:Choice>
-        <mc:Fallback xmlns="">
-          <p:sp>
-            <p:nvSpPr>
-              <p:cNvPr id="51" name="TextBox 50"/>
-              <p:cNvSpPr txBox="1">
-                <a:spLocks noRot="1" noChangeAspect="1" noMove="1" noResize="1" noEditPoints="1" noAdjustHandles="1" noChangeArrowheads="1" noChangeShapeType="1" noTextEdit="1"/>
-              </p:cNvSpPr>
-              <p:nvPr/>
-            </p:nvSpPr>
-            <p:spPr>
-              <a:xfrm>
-                <a:off x="4712980" y="562857"/>
-                <a:ext cx="392159" cy="347146"/>
-              </a:xfrm>
-              <a:prstGeom prst="rect">
-                <a:avLst/>
-              </a:prstGeom>
-              <a:blipFill rotWithShape="0">
-                <a:blip r:embed="rId17"/>
-                <a:stretch>
-                  <a:fillRect l="-14063" t="-33333" r="-95313" b="-12281"/>
-                </a:stretch>
-              </a:blipFill>
-            </p:spPr>
-            <p:txBody>
-              <a:bodyPr/>
-              <a:lstStyle/>
-              <a:p>
-                <a:r>
-                  <a:rPr lang="en-US">
-                    <a:noFill/>
-                  </a:rPr>
-                  <a:t> </a:t>
-                </a:r>
-              </a:p>
-            </p:txBody>
-          </p:sp>
-        </mc:Fallback>
-      </mc:AlternateContent>
-      <mc:AlternateContent xmlns:mc="http://schemas.openxmlformats.org/markup-compatibility/2006" xmlns:a14="http://schemas.microsoft.com/office/drawing/2010/main">
-        <mc:Choice Requires="a14">
-          <p:sp>
-            <p:nvSpPr>
-              <p:cNvPr id="57" name="TextBox 56"/>
-              <p:cNvSpPr txBox="1"/>
-              <p:nvPr/>
-            </p:nvSpPr>
-            <p:spPr>
-              <a:xfrm>
-                <a:off x="4607086" y="2610891"/>
-                <a:ext cx="211788" cy="307777"/>
-              </a:xfrm>
-              <a:prstGeom prst="rect">
-                <a:avLst/>
-              </a:prstGeom>
-              <a:noFill/>
-            </p:spPr>
-            <p:txBody>
-              <a:bodyPr wrap="none" lIns="0" tIns="0" rIns="0" bIns="0" rtlCol="0">
-                <a:spAutoFit/>
-              </a:bodyPr>
-              <a:lstStyle/>
-              <a:p>
-                <a:pPr/>
-                <a14:m>
-                  <m:oMathPara xmlns:m="http://schemas.openxmlformats.org/officeDocument/2006/math">
-                    <m:oMathParaPr>
-                      <m:jc m:val="centerGroup"/>
-                    </m:oMathParaPr>
-                    <m:oMath xmlns:m="http://schemas.openxmlformats.org/officeDocument/2006/math">
-                      <m:r>
-                        <a:rPr lang="en-US" sz="2000" b="0" i="1" smtClean="0">
-                          <a:latin typeface="Cambria Math" panose="02040503050406030204" pitchFamily="18" charset="0"/>
-                          <a:cs typeface="Arial" panose="020B0604020202020204" pitchFamily="34" charset="0"/>
-                        </a:rPr>
-                        <m:t>𝑆</m:t>
-                      </m:r>
-                    </m:oMath>
-                  </m:oMathPara>
-                </a14:m>
-                <a:endParaRPr lang="en-US" sz="2000" dirty="0" smtClean="0">
-                  <a:latin typeface="Arial" panose="020B0604020202020204" pitchFamily="34" charset="0"/>
-                  <a:cs typeface="Arial" panose="020B0604020202020204" pitchFamily="34" charset="0"/>
-                </a:endParaRPr>
-              </a:p>
-            </p:txBody>
-          </p:sp>
-        </mc:Choice>
-        <mc:Fallback xmlns="">
-          <p:sp>
-            <p:nvSpPr>
-              <p:cNvPr id="57" name="TextBox 56"/>
-              <p:cNvSpPr txBox="1">
-                <a:spLocks noRot="1" noChangeAspect="1" noMove="1" noResize="1" noEditPoints="1" noAdjustHandles="1" noChangeArrowheads="1" noChangeShapeType="1" noTextEdit="1"/>
-              </p:cNvSpPr>
-              <p:nvPr/>
-            </p:nvSpPr>
-            <p:spPr>
-              <a:xfrm>
-                <a:off x="4607086" y="2610891"/>
-                <a:ext cx="211788" cy="307777"/>
-              </a:xfrm>
-              <a:prstGeom prst="rect">
-                <a:avLst/>
-              </a:prstGeom>
-              <a:blipFill rotWithShape="0">
-                <a:blip r:embed="rId18"/>
-                <a:stretch>
-                  <a:fillRect l="-26471" r="-26471" b="-11765"/>
-                </a:stretch>
-              </a:blipFill>
-            </p:spPr>
-            <p:txBody>
-              <a:bodyPr/>
-              <a:lstStyle/>
-              <a:p>
-                <a:r>
-                  <a:rPr lang="en-US">
-                    <a:noFill/>
-                  </a:rPr>
-                  <a:t> </a:t>
-                </a:r>
-              </a:p>
-            </p:txBody>
-          </p:sp>
-        </mc:Fallback>
-      </mc:AlternateContent>
-      <mc:AlternateContent xmlns:mc="http://schemas.openxmlformats.org/markup-compatibility/2006" xmlns:a14="http://schemas.microsoft.com/office/drawing/2010/main">
-        <mc:Choice Requires="a14">
-          <p:sp>
-            <p:nvSpPr>
-              <p:cNvPr id="59" name="TextBox 58"/>
-              <p:cNvSpPr txBox="1"/>
-              <p:nvPr/>
-            </p:nvSpPr>
-            <p:spPr>
-              <a:xfrm>
-                <a:off x="3132325" y="2192351"/>
-                <a:ext cx="294824" cy="307777"/>
-              </a:xfrm>
-              <a:prstGeom prst="rect">
-                <a:avLst/>
-              </a:prstGeom>
-              <a:noFill/>
-            </p:spPr>
-            <p:txBody>
-              <a:bodyPr wrap="none" lIns="0" tIns="0" rIns="0" bIns="0" rtlCol="0">
-                <a:spAutoFit/>
-              </a:bodyPr>
-              <a:lstStyle/>
-              <a:p>
-                <a:pPr/>
-                <a14:m>
-                  <m:oMathPara xmlns:m="http://schemas.openxmlformats.org/officeDocument/2006/math">
-                    <m:oMathParaPr>
-                      <m:jc m:val="centerGroup"/>
-                    </m:oMathParaPr>
-                    <m:oMath xmlns:m="http://schemas.openxmlformats.org/officeDocument/2006/math">
-                      <m:r>
-                        <a:rPr lang="en-US" sz="2000" b="0" i="1" smtClean="0">
-                          <a:latin typeface="Cambria Math" panose="02040503050406030204" pitchFamily="18" charset="0"/>
-                          <a:cs typeface="Arial" panose="020B0604020202020204" pitchFamily="34" charset="0"/>
-                        </a:rPr>
-                        <m:t>𝑀</m:t>
-                      </m:r>
-                    </m:oMath>
-                  </m:oMathPara>
-                </a14:m>
-                <a:endParaRPr lang="en-US" sz="2000" dirty="0" smtClean="0">
-                  <a:latin typeface="Arial" panose="020B0604020202020204" pitchFamily="34" charset="0"/>
-                  <a:cs typeface="Arial" panose="020B0604020202020204" pitchFamily="34" charset="0"/>
-                </a:endParaRPr>
-              </a:p>
-            </p:txBody>
-          </p:sp>
-        </mc:Choice>
-        <mc:Fallback xmlns="">
-          <p:sp>
-            <p:nvSpPr>
-              <p:cNvPr id="59" name="TextBox 58"/>
-              <p:cNvSpPr txBox="1">
-                <a:spLocks noRot="1" noChangeAspect="1" noMove="1" noResize="1" noEditPoints="1" noAdjustHandles="1" noChangeArrowheads="1" noChangeShapeType="1" noTextEdit="1"/>
-              </p:cNvSpPr>
-              <p:nvPr/>
-            </p:nvSpPr>
-            <p:spPr>
-              <a:xfrm>
-                <a:off x="3132325" y="2192351"/>
-                <a:ext cx="294824" cy="307777"/>
-              </a:xfrm>
-              <a:prstGeom prst="rect">
-                <a:avLst/>
-              </a:prstGeom>
-              <a:blipFill rotWithShape="0">
-                <a:blip r:embed="rId14"/>
-                <a:stretch>
-                  <a:fillRect l="-18750" r="-16667" b="-10000"/>
-                </a:stretch>
-              </a:blipFill>
-            </p:spPr>
-            <p:txBody>
-              <a:bodyPr/>
-              <a:lstStyle/>
-              <a:p>
-                <a:r>
-                  <a:rPr lang="en-US">
-                    <a:noFill/>
-                  </a:rPr>
-                  <a:t> </a:t>
-                </a:r>
-              </a:p>
-            </p:txBody>
-          </p:sp>
-        </mc:Fallback>
-      </mc:AlternateContent>
-      <p:sp>
-        <p:nvSpPr>
-          <p:cNvPr id="112" name="Oval 111"/>
-          <p:cNvSpPr/>
-          <p:nvPr/>
-        </p:nvSpPr>
-        <p:spPr>
-          <a:xfrm>
-            <a:off x="3705327" y="1789110"/>
-            <a:ext cx="90000" cy="90000"/>
-          </a:xfrm>
-          <a:prstGeom prst="ellipse">
-            <a:avLst/>
-          </a:prstGeom>
-          <a:solidFill>
-            <a:schemeClr val="tx1"/>
-          </a:solidFill>
-          <a:ln w="38100">
-            <a:solidFill>
-              <a:schemeClr val="tx1"/>
-            </a:solidFill>
-          </a:ln>
-        </p:spPr>
-        <p:style>
-          <a:lnRef idx="2">
-            <a:schemeClr val="accent1">
-              <a:shade val="50000"/>
-            </a:schemeClr>
-          </a:lnRef>
-          <a:fillRef idx="1">
-            <a:schemeClr val="accent1"/>
-          </a:fillRef>
-          <a:effectRef idx="0">
-            <a:schemeClr val="accent1"/>
-          </a:effectRef>
-          <a:fontRef idx="minor">
-            <a:schemeClr val="lt1"/>
-          </a:fontRef>
-        </p:style>
-        <p:txBody>
-          <a:bodyPr rtlCol="0" anchor="ctr"/>
-          <a:lstStyle/>
-          <a:p>
-            <a:pPr algn="ctr"/>
-            <a:endParaRPr lang="en-US"/>
-          </a:p>
-        </p:txBody>
-      </p:sp>
-      <p:grpSp>
-        <p:nvGrpSpPr>
-          <p:cNvPr id="14" name="Group 13"/>
-          <p:cNvGrpSpPr/>
-          <p:nvPr/>
-        </p:nvGrpSpPr>
-        <p:grpSpPr>
-          <a:xfrm>
-            <a:off x="6022100" y="3802784"/>
-            <a:ext cx="2376000" cy="2614926"/>
-            <a:chOff x="8157403" y="3847802"/>
-            <a:chExt cx="2376000" cy="2614926"/>
-          </a:xfrm>
-        </p:grpSpPr>
-        <p:grpSp>
-          <p:nvGrpSpPr>
-            <p:cNvPr id="113" name="Group 112"/>
-            <p:cNvGrpSpPr/>
-            <p:nvPr/>
-          </p:nvGrpSpPr>
-          <p:grpSpPr>
-            <a:xfrm>
-              <a:off x="8157403" y="3847802"/>
-              <a:ext cx="2376000" cy="2614926"/>
-              <a:chOff x="4381834" y="1656937"/>
-              <a:chExt cx="2352638" cy="1880415"/>
-            </a:xfrm>
-          </p:grpSpPr>
-          <p:grpSp>
-            <p:nvGrpSpPr>
-              <p:cNvPr id="114" name="Group 113"/>
-              <p:cNvGrpSpPr/>
-              <p:nvPr/>
-            </p:nvGrpSpPr>
-            <p:grpSpPr>
-              <a:xfrm>
-                <a:off x="4381834" y="1656937"/>
-                <a:ext cx="2352638" cy="1708601"/>
-                <a:chOff x="4322841" y="2217376"/>
-                <a:chExt cx="2352638" cy="1708601"/>
-              </a:xfrm>
-            </p:grpSpPr>
-            <p:sp>
-              <p:nvSpPr>
-                <p:cNvPr id="117" name="Oval 116"/>
-                <p:cNvSpPr/>
-                <p:nvPr/>
-              </p:nvSpPr>
-              <p:spPr>
-                <a:xfrm>
-                  <a:off x="4322841" y="2217376"/>
-                  <a:ext cx="2352638" cy="1708601"/>
-                </a:xfrm>
-                <a:prstGeom prst="ellipse">
-                  <a:avLst/>
-                </a:prstGeom>
-                <a:gradFill flip="none" rotWithShape="1">
-                  <a:gsLst>
-                    <a:gs pos="49000">
-                      <a:schemeClr val="bg1">
-                        <a:lumMod val="95000"/>
-                        <a:shade val="67500"/>
-                        <a:satMod val="115000"/>
-                      </a:schemeClr>
-                    </a:gs>
-                    <a:gs pos="0">
-                      <a:schemeClr val="bg1">
-                        <a:lumMod val="95000"/>
-                        <a:shade val="100000"/>
-                        <a:satMod val="115000"/>
-                      </a:schemeClr>
-                    </a:gs>
-                  </a:gsLst>
-                  <a:path path="circle">
-                    <a:fillToRect l="50000" t="50000" r="50000" b="50000"/>
-                  </a:path>
-                  <a:tileRect/>
-                </a:gradFill>
-                <a:ln w="6350">
-                  <a:solidFill>
-                    <a:schemeClr val="tx1"/>
-                  </a:solidFill>
-                </a:ln>
-              </p:spPr>
-              <p:style>
-                <a:lnRef idx="2">
-                  <a:schemeClr val="accent1">
-                    <a:shade val="50000"/>
-                  </a:schemeClr>
-                </a:lnRef>
-                <a:fillRef idx="1">
-                  <a:schemeClr val="accent1"/>
-                </a:fillRef>
-                <a:effectRef idx="0">
-                  <a:schemeClr val="accent1"/>
-                </a:effectRef>
-                <a:fontRef idx="minor">
-                  <a:schemeClr val="lt1"/>
-                </a:fontRef>
-              </p:style>
-              <p:txBody>
-                <a:bodyPr rtlCol="0" anchor="ctr"/>
-                <a:lstStyle/>
-                <a:p>
-                  <a:pPr algn="ctr"/>
-                  <a:endParaRPr lang="en-US"/>
-                </a:p>
-              </p:txBody>
-            </p:sp>
-            <p:cxnSp>
-              <p:nvCxnSpPr>
-                <p:cNvPr id="118" name="Straight Connector 117"/>
-                <p:cNvCxnSpPr/>
-                <p:nvPr/>
-              </p:nvCxnSpPr>
-              <p:spPr>
-                <a:xfrm flipH="1" flipV="1">
-                  <a:off x="5032944" y="2896044"/>
-                  <a:ext cx="510744" cy="200738"/>
-                </a:xfrm>
-                <a:prstGeom prst="line">
-                  <a:avLst/>
-                </a:prstGeom>
-                <a:ln w="28575">
-                  <a:solidFill>
-                    <a:schemeClr val="tx1"/>
-                  </a:solidFill>
-                  <a:prstDash val="solid"/>
-                  <a:headEnd type="none" w="med" len="med"/>
-                  <a:tailEnd type="triangle" w="med" len="med"/>
-                </a:ln>
-              </p:spPr>
-              <p:style>
-                <a:lnRef idx="1">
-                  <a:schemeClr val="accent1"/>
-                </a:lnRef>
-                <a:fillRef idx="0">
-                  <a:schemeClr val="accent1"/>
-                </a:fillRef>
-                <a:effectRef idx="0">
-                  <a:schemeClr val="accent1"/>
-                </a:effectRef>
-                <a:fontRef idx="minor">
-                  <a:schemeClr val="tx1"/>
-                </a:fontRef>
-              </p:style>
-            </p:cxnSp>
-            <mc:AlternateContent xmlns:mc="http://schemas.openxmlformats.org/markup-compatibility/2006" xmlns:a14="http://schemas.microsoft.com/office/drawing/2010/main">
-              <mc:Choice Requires="a14">
-                <p:sp>
-                  <p:nvSpPr>
-                    <p:cNvPr id="119" name="TextBox 118"/>
-                    <p:cNvSpPr txBox="1"/>
-                    <p:nvPr/>
-                  </p:nvSpPr>
-                  <p:spPr>
-                    <a:xfrm>
-                      <a:off x="5219062" y="2755885"/>
-                      <a:ext cx="305171" cy="222761"/>
-                    </a:xfrm>
-                    <a:prstGeom prst="rect">
-                      <a:avLst/>
-                    </a:prstGeom>
-                    <a:noFill/>
-                  </p:spPr>
-                  <p:txBody>
-                    <a:bodyPr wrap="square" lIns="0" tIns="0" rIns="0" bIns="0" rtlCol="0">
-                      <a:spAutoFit/>
-                    </a:bodyPr>
-                    <a:lstStyle/>
-                    <a:p>
-                      <a:pPr/>
-                      <a14:m>
-                        <m:oMathPara xmlns:m="http://schemas.openxmlformats.org/officeDocument/2006/math">
-                          <m:oMathParaPr>
-                            <m:jc m:val="centerGroup"/>
-                          </m:oMathParaPr>
-                          <m:oMath xmlns:m="http://schemas.openxmlformats.org/officeDocument/2006/math">
-                            <m:r>
-                              <a:rPr lang="en-US" sz="2000" b="0" i="1" smtClean="0">
-                                <a:latin typeface="Cambria Math" panose="02040503050406030204" pitchFamily="18" charset="0"/>
-                                <a:cs typeface="Arial" panose="020B0604020202020204" pitchFamily="34" charset="0"/>
-                              </a:rPr>
-                              <m:t>𝑟</m:t>
-                            </m:r>
-                          </m:oMath>
-                        </m:oMathPara>
-                      </a14:m>
-                      <a:endParaRPr lang="en-US" sz="2000" dirty="0" smtClean="0">
-                        <a:latin typeface="Arial" panose="020B0604020202020204" pitchFamily="34" charset="0"/>
-                        <a:cs typeface="Arial" panose="020B0604020202020204" pitchFamily="34" charset="0"/>
-                      </a:endParaRPr>
-                    </a:p>
-                  </p:txBody>
-                </p:sp>
-              </mc:Choice>
-              <mc:Fallback xmlns="">
-                <p:sp>
-                  <p:nvSpPr>
-                    <p:cNvPr id="119" name="TextBox 118"/>
-                    <p:cNvSpPr txBox="1">
-                      <a:spLocks noRot="1" noChangeAspect="1" noMove="1" noResize="1" noEditPoints="1" noAdjustHandles="1" noChangeArrowheads="1" noChangeShapeType="1" noTextEdit="1"/>
-                    </p:cNvSpPr>
-                    <p:nvPr/>
-                  </p:nvSpPr>
-                  <p:spPr>
-                    <a:xfrm>
-                      <a:off x="5219062" y="2755885"/>
-                      <a:ext cx="305171" cy="222761"/>
-                    </a:xfrm>
-                    <a:prstGeom prst="rect">
-                      <a:avLst/>
-                    </a:prstGeom>
-                    <a:blipFill rotWithShape="0">
-                      <a:blip r:embed="rId19"/>
-                      <a:stretch>
-                        <a:fillRect b="-2000"/>
-                      </a:stretch>
-                    </a:blipFill>
-                  </p:spPr>
-                  <p:txBody>
-                    <a:bodyPr/>
-                    <a:lstStyle/>
-                    <a:p>
-                      <a:r>
-                        <a:rPr lang="en-US">
-                          <a:noFill/>
-                        </a:rPr>
-                        <a:t> </a:t>
-                      </a:r>
-                    </a:p>
-                  </p:txBody>
-                </p:sp>
-              </mc:Fallback>
-            </mc:AlternateContent>
-            <mc:AlternateContent xmlns:mc="http://schemas.openxmlformats.org/markup-compatibility/2006" xmlns:a14="http://schemas.microsoft.com/office/drawing/2010/main">
-              <mc:Choice Requires="a14">
-                <p:sp>
-                  <p:nvSpPr>
-                    <p:cNvPr id="120" name="TextBox 119"/>
-                    <p:cNvSpPr txBox="1"/>
-                    <p:nvPr/>
-                  </p:nvSpPr>
-                  <p:spPr>
-                    <a:xfrm>
-                      <a:off x="5847671" y="3284606"/>
-                      <a:ext cx="373047" cy="221325"/>
-                    </a:xfrm>
-                    <a:prstGeom prst="rect">
-                      <a:avLst/>
-                    </a:prstGeom>
-                    <a:noFill/>
-                  </p:spPr>
-                  <p:txBody>
-                    <a:bodyPr wrap="square" lIns="0" tIns="0" rIns="0" bIns="0" rtlCol="0">
-                      <a:spAutoFit/>
-                    </a:bodyPr>
-                    <a:lstStyle/>
-                    <a:p>
-                      <a:pPr/>
-                      <a14:m>
-                        <m:oMathPara xmlns:m="http://schemas.openxmlformats.org/officeDocument/2006/math">
-                          <m:oMathParaPr>
-                            <m:jc m:val="centerGroup"/>
-                          </m:oMathParaPr>
-                          <m:oMath xmlns:m="http://schemas.openxmlformats.org/officeDocument/2006/math">
-                            <m:r>
-                              <a:rPr lang="en-US" sz="2000" b="0" i="1" smtClean="0">
-                                <a:latin typeface="Cambria Math" panose="02040503050406030204" pitchFamily="18" charset="0"/>
-                                <a:cs typeface="Arial" panose="020B0604020202020204" pitchFamily="34" charset="0"/>
-                              </a:rPr>
-                              <m:t>𝑆</m:t>
-                            </m:r>
-                          </m:oMath>
-                        </m:oMathPara>
-                      </a14:m>
-                      <a:endParaRPr lang="en-US" sz="2000" dirty="0" smtClean="0">
-                        <a:latin typeface="Arial" panose="020B0604020202020204" pitchFamily="34" charset="0"/>
-                        <a:cs typeface="Arial" panose="020B0604020202020204" pitchFamily="34" charset="0"/>
-                      </a:endParaRPr>
-                    </a:p>
-                  </p:txBody>
-                </p:sp>
-              </mc:Choice>
-              <mc:Fallback xmlns="">
-                <p:sp>
-                  <p:nvSpPr>
-                    <p:cNvPr id="120" name="TextBox 119"/>
-                    <p:cNvSpPr txBox="1">
-                      <a:spLocks noRot="1" noChangeAspect="1" noMove="1" noResize="1" noEditPoints="1" noAdjustHandles="1" noChangeArrowheads="1" noChangeShapeType="1" noTextEdit="1"/>
-                    </p:cNvSpPr>
-                    <p:nvPr/>
-                  </p:nvSpPr>
-                  <p:spPr>
-                    <a:xfrm>
-                      <a:off x="5847671" y="3284606"/>
-                      <a:ext cx="373047" cy="221325"/>
-                    </a:xfrm>
-                    <a:prstGeom prst="rect">
-                      <a:avLst/>
-                    </a:prstGeom>
-                    <a:blipFill rotWithShape="0">
-                      <a:blip r:embed="rId20"/>
-                      <a:stretch>
-                        <a:fillRect b="-11765"/>
-                      </a:stretch>
-                    </a:blipFill>
-                  </p:spPr>
-                  <p:txBody>
-                    <a:bodyPr/>
-                    <a:lstStyle/>
-                    <a:p>
-                      <a:r>
-                        <a:rPr lang="en-US">
-                          <a:noFill/>
-                        </a:rPr>
-                        <a:t> </a:t>
-                      </a:r>
-                    </a:p>
-                  </p:txBody>
-                </p:sp>
-              </mc:Fallback>
-            </mc:AlternateContent>
-            <p:sp>
-              <p:nvSpPr>
-                <p:cNvPr id="116" name="Oval 115"/>
-                <p:cNvSpPr/>
-                <p:nvPr/>
-              </p:nvSpPr>
-              <p:spPr>
-                <a:xfrm>
-                  <a:off x="4964470" y="2676033"/>
-                  <a:ext cx="1069381" cy="776637"/>
-                </a:xfrm>
-                <a:prstGeom prst="ellipse">
-                  <a:avLst/>
-                </a:prstGeom>
-                <a:noFill/>
-                <a:ln w="38100">
-                  <a:solidFill>
-                    <a:schemeClr val="tx1"/>
-                  </a:solidFill>
-                  <a:prstDash val="sysDash"/>
-                </a:ln>
-              </p:spPr>
-              <p:style>
-                <a:lnRef idx="2">
-                  <a:schemeClr val="accent1">
-                    <a:shade val="50000"/>
-                  </a:schemeClr>
-                </a:lnRef>
-                <a:fillRef idx="1">
-                  <a:schemeClr val="accent1"/>
-                </a:fillRef>
-                <a:effectRef idx="0">
-                  <a:schemeClr val="accent1"/>
-                </a:effectRef>
-                <a:fontRef idx="minor">
-                  <a:schemeClr val="lt1"/>
-                </a:fontRef>
-              </p:style>
-              <p:txBody>
-                <a:bodyPr rtlCol="0" anchor="ctr"/>
-                <a:lstStyle/>
-                <a:p>
-                  <a:pPr algn="ctr"/>
-                  <a:endParaRPr lang="en-US"/>
-                </a:p>
-              </p:txBody>
-            </p:sp>
-          </p:grpSp>
-          <mc:AlternateContent xmlns:mc="http://schemas.openxmlformats.org/markup-compatibility/2006" xmlns:a14="http://schemas.microsoft.com/office/drawing/2010/main">
-            <mc:Choice Requires="a14">
-              <p:sp>
-                <p:nvSpPr>
-                  <p:cNvPr id="115" name="TextBox 114"/>
-                  <p:cNvSpPr txBox="1"/>
-                  <p:nvPr/>
-                </p:nvSpPr>
-                <p:spPr>
-                  <a:xfrm>
-                    <a:off x="4728638" y="3229575"/>
-                    <a:ext cx="294824" cy="307777"/>
-                  </a:xfrm>
-                  <a:prstGeom prst="rect">
-                    <a:avLst/>
-                  </a:prstGeom>
-                  <a:noFill/>
-                </p:spPr>
-                <p:txBody>
-                  <a:bodyPr wrap="none" lIns="0" tIns="0" rIns="0" bIns="0" rtlCol="0">
-                    <a:spAutoFit/>
-                  </a:bodyPr>
-                  <a:lstStyle/>
-                  <a:p>
-                    <a:pPr/>
-                    <a14:m>
-                      <m:oMathPara xmlns:m="http://schemas.openxmlformats.org/officeDocument/2006/math">
-                        <m:oMathParaPr>
-                          <m:jc m:val="centerGroup"/>
-                        </m:oMathParaPr>
-                        <m:oMath xmlns:m="http://schemas.openxmlformats.org/officeDocument/2006/math">
-                          <m:r>
-                            <a:rPr lang="en-US" sz="2000" b="0" i="1" smtClean="0">
-                              <a:latin typeface="Cambria Math" panose="02040503050406030204" pitchFamily="18" charset="0"/>
-                              <a:cs typeface="Arial" panose="020B0604020202020204" pitchFamily="34" charset="0"/>
-                            </a:rPr>
-                            <m:t>𝑀</m:t>
-                          </m:r>
-                        </m:oMath>
-                      </m:oMathPara>
-                    </a14:m>
-                    <a:endParaRPr lang="en-US" sz="2000" dirty="0" smtClean="0">
-                      <a:latin typeface="Arial" panose="020B0604020202020204" pitchFamily="34" charset="0"/>
-                      <a:cs typeface="Arial" panose="020B0604020202020204" pitchFamily="34" charset="0"/>
-                    </a:endParaRPr>
-                  </a:p>
-                </p:txBody>
-              </p:sp>
-            </mc:Choice>
-            <mc:Fallback xmlns="">
-              <p:sp>
-                <p:nvSpPr>
-                  <p:cNvPr id="115" name="TextBox 114"/>
-                  <p:cNvSpPr txBox="1">
-                    <a:spLocks noRot="1" noChangeAspect="1" noMove="1" noResize="1" noEditPoints="1" noAdjustHandles="1" noChangeArrowheads="1" noChangeShapeType="1" noTextEdit="1"/>
-                  </p:cNvSpPr>
-                  <p:nvPr/>
-                </p:nvSpPr>
-                <p:spPr>
-                  <a:xfrm>
-                    <a:off x="4728638" y="3229575"/>
-                    <a:ext cx="294824" cy="307777"/>
-                  </a:xfrm>
-                  <a:prstGeom prst="rect">
-                    <a:avLst/>
-                  </a:prstGeom>
-                  <a:blipFill rotWithShape="0">
-                    <a:blip r:embed="rId21"/>
-                    <a:stretch>
-                      <a:fillRect l="-16327" r="-16327"/>
-                    </a:stretch>
-                  </a:blipFill>
-                </p:spPr>
-                <p:txBody>
-                  <a:bodyPr/>
-                  <a:lstStyle/>
-                  <a:p>
-                    <a:r>
-                      <a:rPr lang="en-US">
-                        <a:noFill/>
-                      </a:rPr>
-                      <a:t> </a:t>
-                    </a:r>
-                  </a:p>
-                </p:txBody>
-              </p:sp>
-            </mc:Fallback>
-          </mc:AlternateContent>
-        </p:grpSp>
-        <p:sp>
-          <p:nvSpPr>
-            <p:cNvPr id="121" name="Oval 120"/>
-            <p:cNvSpPr/>
-            <p:nvPr/>
-          </p:nvSpPr>
-          <p:spPr>
-            <a:xfrm>
-              <a:off x="9312495" y="5006304"/>
-              <a:ext cx="90000" cy="90000"/>
-            </a:xfrm>
-            <a:prstGeom prst="ellipse">
-              <a:avLst/>
-            </a:prstGeom>
-            <a:solidFill>
-              <a:schemeClr val="tx1"/>
-            </a:solidFill>
-            <a:ln w="38100">
-              <a:solidFill>
-                <a:schemeClr val="tx1"/>
-              </a:solidFill>
-            </a:ln>
-          </p:spPr>
-          <p:style>
-            <a:lnRef idx="2">
-              <a:schemeClr val="accent1">
-                <a:shade val="50000"/>
-              </a:schemeClr>
-            </a:lnRef>
-            <a:fillRef idx="1">
-              <a:schemeClr val="accent1"/>
-            </a:fillRef>
-            <a:effectRef idx="0">
-              <a:schemeClr val="accent1"/>
-            </a:effectRef>
-            <a:fontRef idx="minor">
-              <a:schemeClr val="lt1"/>
-            </a:fontRef>
-          </p:style>
-          <p:txBody>
-            <a:bodyPr rtlCol="0" anchor="ctr"/>
-            <a:lstStyle/>
-            <a:p>
-              <a:pPr algn="ctr"/>
-              <a:endParaRPr lang="en-US"/>
-            </a:p>
-          </p:txBody>
-        </p:sp>
-        <p:cxnSp>
-          <p:nvCxnSpPr>
-            <p:cNvPr id="122" name="Straight Connector 121"/>
-            <p:cNvCxnSpPr/>
-            <p:nvPr/>
-          </p:nvCxnSpPr>
-          <p:spPr>
-            <a:xfrm flipV="1">
-              <a:off x="9312495" y="5065782"/>
-              <a:ext cx="1220908" cy="0"/>
-            </a:xfrm>
-            <a:prstGeom prst="line">
-              <a:avLst/>
-            </a:prstGeom>
-            <a:ln w="28575">
-              <a:solidFill>
-                <a:schemeClr val="tx1"/>
-              </a:solidFill>
-              <a:prstDash val="solid"/>
-              <a:headEnd type="none" w="med" len="med"/>
-              <a:tailEnd type="triangle" w="med" len="med"/>
-            </a:ln>
-          </p:spPr>
-          <p:style>
-            <a:lnRef idx="1">
-              <a:schemeClr val="accent1"/>
-            </a:lnRef>
-            <a:fillRef idx="0">
-              <a:schemeClr val="accent1"/>
-            </a:fillRef>
-            <a:effectRef idx="0">
-              <a:schemeClr val="accent1"/>
-            </a:effectRef>
-            <a:fontRef idx="minor">
-              <a:schemeClr val="tx1"/>
-            </a:fontRef>
-          </p:style>
-        </p:cxnSp>
-        <mc:AlternateContent xmlns:mc="http://schemas.openxmlformats.org/markup-compatibility/2006" xmlns:a14="http://schemas.microsoft.com/office/drawing/2010/main">
-          <mc:Choice Requires="a14">
-            <p:sp>
-              <p:nvSpPr>
-                <p:cNvPr id="123" name="TextBox 122"/>
-                <p:cNvSpPr txBox="1"/>
-                <p:nvPr/>
-              </p:nvSpPr>
-              <p:spPr>
-                <a:xfrm>
-                  <a:off x="10028952" y="4728025"/>
-                  <a:ext cx="241541" cy="307777"/>
-                </a:xfrm>
-                <a:prstGeom prst="rect">
-                  <a:avLst/>
-                </a:prstGeom>
-                <a:noFill/>
-              </p:spPr>
-              <p:txBody>
-                <a:bodyPr wrap="square" lIns="0" tIns="0" rIns="0" bIns="0" rtlCol="0">
-                  <a:spAutoFit/>
-                </a:bodyPr>
-                <a:lstStyle/>
-                <a:p>
-                  <a:pPr/>
-                  <a14:m>
-                    <m:oMathPara xmlns:m="http://schemas.openxmlformats.org/officeDocument/2006/math">
-                      <m:oMathParaPr>
-                        <m:jc m:val="centerGroup"/>
-                      </m:oMathParaPr>
-                      <m:oMath xmlns:m="http://schemas.openxmlformats.org/officeDocument/2006/math">
-                        <m:r>
-                          <a:rPr lang="en-CA" sz="2000" b="0" i="1" smtClean="0">
-                            <a:latin typeface="Cambria Math" charset="0"/>
-                            <a:cs typeface="Arial" panose="020B0604020202020204" pitchFamily="34" charset="0"/>
-                          </a:rPr>
-                          <m:t>𝑅</m:t>
-                        </m:r>
-                      </m:oMath>
-                    </m:oMathPara>
-                  </a14:m>
-                  <a:endParaRPr lang="en-US" sz="2000" dirty="0" smtClean="0">
-                    <a:latin typeface="Arial" panose="020B0604020202020204" pitchFamily="34" charset="0"/>
-                    <a:cs typeface="Arial" panose="020B0604020202020204" pitchFamily="34" charset="0"/>
-                  </a:endParaRPr>
-                </a:p>
-              </p:txBody>
-            </p:sp>
-          </mc:Choice>
-          <mc:Fallback xmlns="">
-            <p:sp>
-              <p:nvSpPr>
-                <p:cNvPr id="123" name="TextBox 122"/>
-                <p:cNvSpPr txBox="1">
-                  <a:spLocks noRot="1" noChangeAspect="1" noMove="1" noResize="1" noEditPoints="1" noAdjustHandles="1" noChangeArrowheads="1" noChangeShapeType="1" noTextEdit="1"/>
-                </p:cNvSpPr>
-                <p:nvPr/>
-              </p:nvSpPr>
-              <p:spPr>
-                <a:xfrm>
-                  <a:off x="10028952" y="4728025"/>
-                  <a:ext cx="241541" cy="307777"/>
-                </a:xfrm>
-                <a:prstGeom prst="rect">
-                  <a:avLst/>
-                </a:prstGeom>
-                <a:blipFill rotWithShape="0">
-                  <a:blip r:embed="rId22"/>
-                  <a:stretch>
-                    <a:fillRect l="-22500" r="-17500" b="-9804"/>
-                  </a:stretch>
-                </a:blipFill>
-              </p:spPr>
-              <p:txBody>
-                <a:bodyPr/>
-                <a:lstStyle/>
-                <a:p>
-                  <a:r>
-                    <a:rPr lang="en-US">
-                      <a:noFill/>
-                    </a:rPr>
-                    <a:t> </a:t>
-                  </a:r>
-                </a:p>
-              </p:txBody>
-            </p:sp>
-          </mc:Fallback>
-        </mc:AlternateContent>
-      </p:grpSp>
-      <p:cxnSp>
-        <p:nvCxnSpPr>
-          <p:cNvPr id="124" name="Straight Connector 123"/>
-          <p:cNvCxnSpPr>
-            <a:stCxn id="111" idx="6"/>
-          </p:cNvCxnSpPr>
-          <p:nvPr/>
-        </p:nvCxnSpPr>
-        <p:spPr>
-          <a:xfrm flipH="1" flipV="1">
-            <a:off x="3718829" y="1827290"/>
-            <a:ext cx="571498" cy="6274"/>
-          </a:xfrm>
-          <a:prstGeom prst="line">
-            <a:avLst/>
-          </a:prstGeom>
-          <a:ln w="28575">
-            <a:solidFill>
-              <a:schemeClr val="tx1"/>
-            </a:solidFill>
-            <a:prstDash val="sysDot"/>
-          </a:ln>
-        </p:spPr>
-        <p:style>
-          <a:lnRef idx="1">
-            <a:schemeClr val="accent1"/>
-          </a:lnRef>
-          <a:fillRef idx="0">
-            <a:schemeClr val="accent1"/>
-          </a:fillRef>
-          <a:effectRef idx="0">
-            <a:schemeClr val="accent1"/>
-          </a:effectRef>
-          <a:fontRef idx="minor">
-            <a:schemeClr val="tx1"/>
-          </a:fontRef>
-        </p:style>
-      </p:cxnSp>
-      <mc:AlternateContent xmlns:mc="http://schemas.openxmlformats.org/markup-compatibility/2006" xmlns:a14="http://schemas.microsoft.com/office/drawing/2010/main">
-        <mc:Choice Requires="a14">
-          <p:sp>
-            <p:nvSpPr>
-              <p:cNvPr id="125" name="TextBox 124"/>
-              <p:cNvSpPr txBox="1"/>
-              <p:nvPr/>
-            </p:nvSpPr>
-            <p:spPr>
-              <a:xfrm>
-                <a:off x="3891435" y="1502083"/>
-                <a:ext cx="241540" cy="307777"/>
-              </a:xfrm>
-              <a:prstGeom prst="rect">
-                <a:avLst/>
-              </a:prstGeom>
-              <a:noFill/>
-            </p:spPr>
-            <p:txBody>
-              <a:bodyPr wrap="none" lIns="0" tIns="0" rIns="0" bIns="0" rtlCol="0">
-                <a:spAutoFit/>
-              </a:bodyPr>
-              <a:lstStyle/>
-              <a:p>
-                <a:pPr/>
-                <a14:m>
-                  <m:oMathPara xmlns:m="http://schemas.openxmlformats.org/officeDocument/2006/math">
-                    <m:oMathParaPr>
-                      <m:jc m:val="centerGroup"/>
-                    </m:oMathParaPr>
-                    <m:oMath xmlns:m="http://schemas.openxmlformats.org/officeDocument/2006/math">
-                      <m:r>
-                        <a:rPr lang="en-CA" sz="2000" b="0" i="1" smtClean="0">
-                          <a:latin typeface="Cambria Math" charset="0"/>
-                          <a:cs typeface="Arial" panose="020B0604020202020204" pitchFamily="34" charset="0"/>
-                        </a:rPr>
-                        <m:t>𝑅</m:t>
-                      </m:r>
-                    </m:oMath>
-                  </m:oMathPara>
-                </a14:m>
-                <a:endParaRPr lang="en-US" sz="2000" dirty="0" smtClean="0">
-                  <a:latin typeface="Arial" panose="020B0604020202020204" pitchFamily="34" charset="0"/>
-                  <a:cs typeface="Arial" panose="020B0604020202020204" pitchFamily="34" charset="0"/>
-                </a:endParaRPr>
-              </a:p>
-            </p:txBody>
-          </p:sp>
-        </mc:Choice>
-        <mc:Fallback xmlns="">
-          <p:sp>
-            <p:nvSpPr>
-              <p:cNvPr id="125" name="TextBox 124"/>
-              <p:cNvSpPr txBox="1">
-                <a:spLocks noRot="1" noChangeAspect="1" noMove="1" noResize="1" noEditPoints="1" noAdjustHandles="1" noChangeArrowheads="1" noChangeShapeType="1" noTextEdit="1"/>
-              </p:cNvSpPr>
-              <p:nvPr/>
-            </p:nvSpPr>
-            <p:spPr>
-              <a:xfrm>
-                <a:off x="3891435" y="1502083"/>
-                <a:ext cx="241540" cy="307777"/>
-              </a:xfrm>
-              <a:prstGeom prst="rect">
-                <a:avLst/>
-              </a:prstGeom>
-              <a:blipFill rotWithShape="0">
-                <a:blip r:embed="rId22"/>
-                <a:stretch>
-                  <a:fillRect l="-20000" r="-20000" b="-9804"/>
-                </a:stretch>
-              </a:blipFill>
-            </p:spPr>
-            <p:txBody>
-              <a:bodyPr/>
-              <a:lstStyle/>
-              <a:p>
-                <a:r>
-                  <a:rPr lang="en-US">
-                    <a:noFill/>
-                  </a:rPr>
-                  <a:t> </a:t>
-                </a:r>
-              </a:p>
-            </p:txBody>
-          </p:sp>
-        </mc:Fallback>
-      </mc:AlternateContent>
     </p:spTree>
     <p:extLst>
       <p:ext uri="{BB962C8B-B14F-4D97-AF65-F5344CB8AC3E}">

--- a/tex/figures/Gravity/Figures.pptx
+++ b/tex/figures/Gravity/Figures.pptx
@@ -251,7 +251,7 @@
           <a:p>
             <a:fld id="{F7249F8D-641B-4CAF-BAE5-10524742F6F1}" type="datetimeFigureOut">
               <a:rPr lang="en-CA" smtClean="0"/>
-              <a:t>2018-08-14</a:t>
+              <a:t>2018-08-23</a:t>
             </a:fld>
             <a:endParaRPr lang="en-CA"/>
           </a:p>
@@ -421,7 +421,7 @@
           <a:p>
             <a:fld id="{F7249F8D-641B-4CAF-BAE5-10524742F6F1}" type="datetimeFigureOut">
               <a:rPr lang="en-CA" smtClean="0"/>
-              <a:t>2018-08-14</a:t>
+              <a:t>2018-08-23</a:t>
             </a:fld>
             <a:endParaRPr lang="en-CA"/>
           </a:p>
@@ -601,7 +601,7 @@
           <a:p>
             <a:fld id="{F7249F8D-641B-4CAF-BAE5-10524742F6F1}" type="datetimeFigureOut">
               <a:rPr lang="en-CA" smtClean="0"/>
-              <a:t>2018-08-14</a:t>
+              <a:t>2018-08-23</a:t>
             </a:fld>
             <a:endParaRPr lang="en-CA"/>
           </a:p>
@@ -771,7 +771,7 @@
           <a:p>
             <a:fld id="{F7249F8D-641B-4CAF-BAE5-10524742F6F1}" type="datetimeFigureOut">
               <a:rPr lang="en-CA" smtClean="0"/>
-              <a:t>2018-08-14</a:t>
+              <a:t>2018-08-23</a:t>
             </a:fld>
             <a:endParaRPr lang="en-CA"/>
           </a:p>
@@ -1017,7 +1017,7 @@
           <a:p>
             <a:fld id="{F7249F8D-641B-4CAF-BAE5-10524742F6F1}" type="datetimeFigureOut">
               <a:rPr lang="en-CA" smtClean="0"/>
-              <a:t>2018-08-14</a:t>
+              <a:t>2018-08-23</a:t>
             </a:fld>
             <a:endParaRPr lang="en-CA"/>
           </a:p>
@@ -1249,7 +1249,7 @@
           <a:p>
             <a:fld id="{F7249F8D-641B-4CAF-BAE5-10524742F6F1}" type="datetimeFigureOut">
               <a:rPr lang="en-CA" smtClean="0"/>
-              <a:t>2018-08-14</a:t>
+              <a:t>2018-08-23</a:t>
             </a:fld>
             <a:endParaRPr lang="en-CA"/>
           </a:p>
@@ -1616,7 +1616,7 @@
           <a:p>
             <a:fld id="{F7249F8D-641B-4CAF-BAE5-10524742F6F1}" type="datetimeFigureOut">
               <a:rPr lang="en-CA" smtClean="0"/>
-              <a:t>2018-08-14</a:t>
+              <a:t>2018-08-23</a:t>
             </a:fld>
             <a:endParaRPr lang="en-CA"/>
           </a:p>
@@ -1734,7 +1734,7 @@
           <a:p>
             <a:fld id="{F7249F8D-641B-4CAF-BAE5-10524742F6F1}" type="datetimeFigureOut">
               <a:rPr lang="en-CA" smtClean="0"/>
-              <a:t>2018-08-14</a:t>
+              <a:t>2018-08-23</a:t>
             </a:fld>
             <a:endParaRPr lang="en-CA"/>
           </a:p>
@@ -1829,7 +1829,7 @@
           <a:p>
             <a:fld id="{F7249F8D-641B-4CAF-BAE5-10524742F6F1}" type="datetimeFigureOut">
               <a:rPr lang="en-CA" smtClean="0"/>
-              <a:t>2018-08-14</a:t>
+              <a:t>2018-08-23</a:t>
             </a:fld>
             <a:endParaRPr lang="en-CA"/>
           </a:p>
@@ -2106,7 +2106,7 @@
           <a:p>
             <a:fld id="{F7249F8D-641B-4CAF-BAE5-10524742F6F1}" type="datetimeFigureOut">
               <a:rPr lang="en-CA" smtClean="0"/>
-              <a:t>2018-08-14</a:t>
+              <a:t>2018-08-23</a:t>
             </a:fld>
             <a:endParaRPr lang="en-CA"/>
           </a:p>
@@ -2359,7 +2359,7 @@
           <a:p>
             <a:fld id="{F7249F8D-641B-4CAF-BAE5-10524742F6F1}" type="datetimeFigureOut">
               <a:rPr lang="en-CA" smtClean="0"/>
-              <a:t>2018-08-14</a:t>
+              <a:t>2018-08-23</a:t>
             </a:fld>
             <a:endParaRPr lang="en-CA"/>
           </a:p>
@@ -2572,7 +2572,7 @@
           <a:p>
             <a:fld id="{F7249F8D-641B-4CAF-BAE5-10524742F6F1}" type="datetimeFigureOut">
               <a:rPr lang="en-CA" smtClean="0"/>
-              <a:t>2018-08-14</a:t>
+              <a:t>2018-08-23</a:t>
             </a:fld>
             <a:endParaRPr lang="en-CA"/>
           </a:p>
@@ -6130,7 +6130,7 @@
             <p:nvPr/>
           </p:nvPicPr>
           <p:blipFill rotWithShape="1">
-            <a:blip r:embed="rId11">
+            <a:blip r:embed="rId11" cstate="print">
               <a:extLst>
                 <a:ext uri="{28A0092B-C50C-407E-A947-70E740481C1C}">
                   <a14:useLocalDpi xmlns:a14="http://schemas.microsoft.com/office/drawing/2010/main" val="0"/>
@@ -6159,7 +6159,7 @@
             <p:nvPr/>
           </p:nvPicPr>
           <p:blipFill rotWithShape="1">
-            <a:blip r:embed="rId12">
+            <a:blip r:embed="rId12" cstate="print">
               <a:extLst>
                 <a:ext uri="{28A0092B-C50C-407E-A947-70E740481C1C}">
                   <a14:useLocalDpi xmlns:a14="http://schemas.microsoft.com/office/drawing/2010/main" val="0"/>
@@ -7927,7 +7927,7 @@
                           <m:sSubPr>
                             <m:ctrlPr>
                               <a:rPr lang="en-US" sz="2000" b="0" i="1" smtClean="0">
-                                <a:latin typeface="Cambria Math" charset="0"/>
+                                <a:latin typeface="Cambria Math" panose="02040503050406030204" pitchFamily="18" charset="0"/>
                                 <a:cs typeface="Arial" panose="020B0604020202020204" pitchFamily="34" charset="0"/>
                               </a:rPr>
                             </m:ctrlPr>
@@ -8036,7 +8036,7 @@
                           <m:sSubPr>
                             <m:ctrlPr>
                               <a:rPr lang="en-US" sz="2000" b="0" i="1" smtClean="0">
-                                <a:latin typeface="Cambria Math" charset="0"/>
+                                <a:latin typeface="Cambria Math" panose="02040503050406030204" pitchFamily="18" charset="0"/>
                                 <a:cs typeface="Arial" panose="020B0604020202020204" pitchFamily="34" charset="0"/>
                               </a:rPr>
                             </m:ctrlPr>
@@ -8217,7 +8217,7 @@
                           <m:sSubPr>
                             <m:ctrlPr>
                               <a:rPr lang="en-US" sz="2000" b="0" i="1" smtClean="0">
-                                <a:latin typeface="Cambria Math" charset="0"/>
+                                <a:latin typeface="Cambria Math" panose="02040503050406030204" pitchFamily="18" charset="0"/>
                                 <a:cs typeface="Arial" panose="020B0604020202020204" pitchFamily="34" charset="0"/>
                               </a:rPr>
                             </m:ctrlPr>
@@ -8228,7 +8228,7 @@
                                 <m:chr m:val="⃗"/>
                                 <m:ctrlPr>
                                   <a:rPr lang="en-US" sz="2000" b="0" i="1" smtClean="0">
-                                    <a:latin typeface="Cambria Math" charset="0"/>
+                                    <a:latin typeface="Cambria Math" panose="02040503050406030204" pitchFamily="18" charset="0"/>
                                     <a:cs typeface="Arial" panose="020B0604020202020204" pitchFamily="34" charset="0"/>
                                   </a:rPr>
                                 </m:ctrlPr>
@@ -8339,7 +8339,7 @@
                           <m:sSubPr>
                             <m:ctrlPr>
                               <a:rPr lang="en-US" sz="2000" b="0" i="1" smtClean="0">
-                                <a:latin typeface="Cambria Math" charset="0"/>
+                                <a:latin typeface="Cambria Math" panose="02040503050406030204" pitchFamily="18" charset="0"/>
                                 <a:cs typeface="Arial" panose="020B0604020202020204" pitchFamily="34" charset="0"/>
                               </a:rPr>
                             </m:ctrlPr>
@@ -8350,7 +8350,7 @@
                                 <m:chr m:val="⃗"/>
                                 <m:ctrlPr>
                                   <a:rPr lang="en-US" sz="2000" b="0" i="1" smtClean="0">
-                                    <a:latin typeface="Cambria Math" charset="0"/>
+                                    <a:latin typeface="Cambria Math" panose="02040503050406030204" pitchFamily="18" charset="0"/>
                                     <a:cs typeface="Arial" panose="020B0604020202020204" pitchFamily="34" charset="0"/>
                                   </a:rPr>
                                 </m:ctrlPr>
@@ -8461,7 +8461,7 @@
                           <m:sSubPr>
                             <m:ctrlPr>
                               <a:rPr lang="en-US" sz="2000" b="0" i="1" smtClean="0">
-                                <a:latin typeface="Cambria Math" charset="0"/>
+                                <a:latin typeface="Cambria Math" panose="02040503050406030204" pitchFamily="18" charset="0"/>
                                 <a:cs typeface="Arial" panose="020B0604020202020204" pitchFamily="34" charset="0"/>
                               </a:rPr>
                             </m:ctrlPr>
@@ -8472,7 +8472,7 @@
                                 <m:chr m:val="⃗"/>
                                 <m:ctrlPr>
                                   <a:rPr lang="en-US" sz="2000" b="0" i="1" smtClean="0">
-                                    <a:latin typeface="Cambria Math" charset="0"/>
+                                    <a:latin typeface="Cambria Math" panose="02040503050406030204" pitchFamily="18" charset="0"/>
                                     <a:cs typeface="Arial" panose="020B0604020202020204" pitchFamily="34" charset="0"/>
                                   </a:rPr>
                                 </m:ctrlPr>
@@ -8622,7 +8622,7 @@
                                 <a:solidFill>
                                   <a:srgbClr val="FF0000"/>
                                 </a:solidFill>
-                                <a:latin typeface="Cambria Math" charset="0"/>
+                                <a:latin typeface="Cambria Math" panose="02040503050406030204" pitchFamily="18" charset="0"/>
                                 <a:cs typeface="Arial" panose="020B0604020202020204" pitchFamily="34" charset="0"/>
                               </a:rPr>
                             </m:ctrlPr>
@@ -8636,7 +8636,7 @@
                                     <a:solidFill>
                                       <a:srgbClr val="FF0000"/>
                                     </a:solidFill>
-                                    <a:latin typeface="Cambria Math" charset="0"/>
+                                    <a:latin typeface="Cambria Math" panose="02040503050406030204" pitchFamily="18" charset="0"/>
                                     <a:cs typeface="Arial" panose="020B0604020202020204" pitchFamily="34" charset="0"/>
                                   </a:rPr>
                                 </m:ctrlPr>
@@ -8792,7 +8792,7 @@
                           <m:sSubPr>
                             <m:ctrlPr>
                               <a:rPr lang="en-US" sz="2000" b="0" i="1" smtClean="0">
-                                <a:latin typeface="Cambria Math" charset="0"/>
+                                <a:latin typeface="Cambria Math" panose="02040503050406030204" pitchFamily="18" charset="0"/>
                                 <a:cs typeface="Arial" panose="020B0604020202020204" pitchFamily="34" charset="0"/>
                               </a:rPr>
                             </m:ctrlPr>
@@ -8803,7 +8803,7 @@
                                 <m:chr m:val="̂"/>
                                 <m:ctrlPr>
                                   <a:rPr lang="en-US" sz="2000" b="0" i="1" smtClean="0">
-                                    <a:latin typeface="Cambria Math" charset="0"/>
+                                    <a:latin typeface="Cambria Math" panose="02040503050406030204" pitchFamily="18" charset="0"/>
                                     <a:cs typeface="Arial" panose="020B0604020202020204" pitchFamily="34" charset="0"/>
                                   </a:rPr>
                                 </m:ctrlPr>
@@ -9593,7 +9593,7 @@
                                 <m:sSubPr>
                                   <m:ctrlPr>
                                     <a:rPr lang="en-US" sz="2000" b="0" i="1" smtClean="0">
-                                      <a:latin typeface="Cambria Math" charset="0"/>
+                                      <a:latin typeface="Cambria Math" panose="02040503050406030204" pitchFamily="18" charset="0"/>
                                       <a:cs typeface="Arial" panose="020B0604020202020204" pitchFamily="34" charset="0"/>
                                     </a:rPr>
                                   </m:ctrlPr>
@@ -9604,7 +9604,7 @@
                                       <m:chr m:val="⃗"/>
                                       <m:ctrlPr>
                                         <a:rPr lang="en-US" sz="2000" b="0" i="1" smtClean="0">
-                                          <a:latin typeface="Cambria Math" charset="0"/>
+                                          <a:latin typeface="Cambria Math" panose="02040503050406030204" pitchFamily="18" charset="0"/>
                                           <a:cs typeface="Arial" panose="020B0604020202020204" pitchFamily="34" charset="0"/>
                                         </a:rPr>
                                       </m:ctrlPr>
@@ -9715,7 +9715,7 @@
                                 <m:sSubPr>
                                   <m:ctrlPr>
                                     <a:rPr lang="en-US" sz="2000" b="0" i="1" smtClean="0">
-                                      <a:latin typeface="Cambria Math" charset="0"/>
+                                      <a:latin typeface="Cambria Math" panose="02040503050406030204" pitchFamily="18" charset="0"/>
                                       <a:cs typeface="Arial" panose="020B0604020202020204" pitchFamily="34" charset="0"/>
                                     </a:rPr>
                                   </m:ctrlPr>
@@ -9726,7 +9726,7 @@
                                       <m:chr m:val="⃗"/>
                                       <m:ctrlPr>
                                         <a:rPr lang="en-US" sz="2000" b="0" i="1" smtClean="0">
-                                          <a:latin typeface="Cambria Math" charset="0"/>
+                                          <a:latin typeface="Cambria Math" panose="02040503050406030204" pitchFamily="18" charset="0"/>
                                           <a:cs typeface="Arial" panose="020B0604020202020204" pitchFamily="34" charset="0"/>
                                         </a:rPr>
                                       </m:ctrlPr>
@@ -9838,7 +9838,7 @@
                                   <m:chr m:val="⃗"/>
                                   <m:ctrlPr>
                                     <a:rPr lang="en-US" sz="2000" b="0" i="1" smtClean="0">
-                                      <a:latin typeface="Cambria Math" charset="0"/>
+                                      <a:latin typeface="Cambria Math" panose="02040503050406030204" pitchFamily="18" charset="0"/>
                                       <a:cs typeface="Arial" panose="020B0604020202020204" pitchFamily="34" charset="0"/>
                                     </a:rPr>
                                   </m:ctrlPr>
@@ -9939,7 +9939,7 @@
                                   <m:chr m:val="⃗"/>
                                   <m:ctrlPr>
                                     <a:rPr lang="en-US" sz="2000" b="0" i="1" smtClean="0">
-                                      <a:latin typeface="Cambria Math" charset="0"/>
+                                      <a:latin typeface="Cambria Math" panose="02040503050406030204" pitchFamily="18" charset="0"/>
                                       <a:cs typeface="Arial" panose="020B0604020202020204" pitchFamily="34" charset="0"/>
                                     </a:rPr>
                                   </m:ctrlPr>
@@ -10088,7 +10088,7 @@
                                   <m:chr m:val="⃗"/>
                                   <m:ctrlPr>
                                     <a:rPr lang="en-US" sz="2000" b="0" i="1" smtClean="0">
-                                      <a:latin typeface="Cambria Math" charset="0"/>
+                                      <a:latin typeface="Cambria Math" panose="02040503050406030204" pitchFamily="18" charset="0"/>
                                       <a:cs typeface="Arial" panose="020B0604020202020204" pitchFamily="34" charset="0"/>
                                     </a:rPr>
                                   </m:ctrlPr>
@@ -10952,7 +10952,7 @@
                                     <m:sSubPr>
                                       <m:ctrlPr>
                                         <a:rPr lang="en-US" sz="2000" b="0" i="1" smtClean="0">
-                                          <a:latin typeface="Cambria Math" charset="0"/>
+                                          <a:latin typeface="Cambria Math" panose="02040503050406030204" pitchFamily="18" charset="0"/>
                                           <a:cs typeface="Arial" panose="020B0604020202020204" pitchFamily="34" charset="0"/>
                                         </a:rPr>
                                       </m:ctrlPr>
@@ -10963,7 +10963,7 @@
                                           <m:chr m:val="⃗"/>
                                           <m:ctrlPr>
                                             <a:rPr lang="en-US" sz="2000" b="0" i="1" smtClean="0">
-                                              <a:latin typeface="Cambria Math" charset="0"/>
+                                              <a:latin typeface="Cambria Math" panose="02040503050406030204" pitchFamily="18" charset="0"/>
                                               <a:cs typeface="Arial" panose="020B0604020202020204" pitchFamily="34" charset="0"/>
                                             </a:rPr>
                                           </m:ctrlPr>
@@ -11075,7 +11075,7 @@
                                       <m:chr m:val="⃗"/>
                                       <m:ctrlPr>
                                         <a:rPr lang="en-US" sz="2000" b="0" i="1" smtClean="0">
-                                          <a:latin typeface="Cambria Math" charset="0"/>
+                                          <a:latin typeface="Cambria Math" panose="02040503050406030204" pitchFamily="18" charset="0"/>
                                           <a:cs typeface="Arial" panose="020B0604020202020204" pitchFamily="34" charset="0"/>
                                         </a:rPr>
                                       </m:ctrlPr>
@@ -11224,7 +11224,7 @@
                                       <m:chr m:val="⃗"/>
                                       <m:ctrlPr>
                                         <a:rPr lang="en-US" sz="2000" b="0" i="1" smtClean="0">
-                                          <a:latin typeface="Cambria Math" charset="0"/>
+                                          <a:latin typeface="Cambria Math" panose="02040503050406030204" pitchFamily="18" charset="0"/>
                                           <a:cs typeface="Arial" panose="020B0604020202020204" pitchFamily="34" charset="0"/>
                                         </a:rPr>
                                       </m:ctrlPr>
@@ -12235,7 +12235,7 @@
                             <m:sSubPr>
                               <m:ctrlPr>
                                 <a:rPr lang="en-US" sz="2000" b="0" i="1" smtClean="0">
-                                  <a:latin typeface="Cambria Math" charset="0"/>
+                                  <a:latin typeface="Cambria Math" panose="02040503050406030204" pitchFamily="18" charset="0"/>
                                   <a:cs typeface="Arial" panose="020B0604020202020204" pitchFamily="34" charset="0"/>
                                 </a:rPr>
                               </m:ctrlPr>
@@ -12246,7 +12246,7 @@
                                   <m:chr m:val="⃗"/>
                                   <m:ctrlPr>
                                     <a:rPr lang="en-US" sz="2000" b="0" i="1" smtClean="0">
-                                      <a:latin typeface="Cambria Math" charset="0"/>
+                                      <a:latin typeface="Cambria Math" panose="02040503050406030204" pitchFamily="18" charset="0"/>
                                       <a:cs typeface="Arial" panose="020B0604020202020204" pitchFamily="34" charset="0"/>
                                     </a:rPr>
                                   </m:ctrlPr>
@@ -12358,7 +12358,7 @@
                               <m:chr m:val="⃗"/>
                               <m:ctrlPr>
                                 <a:rPr lang="en-US" sz="2000" b="0" i="1" smtClean="0">
-                                  <a:latin typeface="Cambria Math" charset="0"/>
+                                  <a:latin typeface="Cambria Math" panose="02040503050406030204" pitchFamily="18" charset="0"/>
                                   <a:cs typeface="Arial" panose="020B0604020202020204" pitchFamily="34" charset="0"/>
                                 </a:rPr>
                               </m:ctrlPr>
@@ -12953,7 +12953,7 @@
                               <m:chr m:val="⃗"/>
                               <m:ctrlPr>
                                 <a:rPr lang="en-US" sz="2000" b="0" i="1" smtClean="0">
-                                  <a:latin typeface="Cambria Math" charset="0"/>
+                                  <a:latin typeface="Cambria Math" panose="02040503050406030204" pitchFamily="18" charset="0"/>
                                   <a:cs typeface="Arial" panose="020B0604020202020204" pitchFamily="34" charset="0"/>
                                 </a:rPr>
                               </m:ctrlPr>
@@ -12980,7 +12980,7 @@
                               <m:chr m:val="⃗"/>
                               <m:ctrlPr>
                                 <a:rPr lang="en-US" sz="2000" b="0" i="1" smtClean="0">
-                                  <a:latin typeface="Cambria Math" charset="0"/>
+                                  <a:latin typeface="Cambria Math" panose="02040503050406030204" pitchFamily="18" charset="0"/>
                                   <a:cs typeface="Arial" panose="020B0604020202020204" pitchFamily="34" charset="0"/>
                                 </a:rPr>
                               </m:ctrlPr>
@@ -13392,7 +13392,7 @@
                                   <a:solidFill>
                                     <a:srgbClr val="FF0000"/>
                                   </a:solidFill>
-                                  <a:latin typeface="Cambria Math" charset="0"/>
+                                  <a:latin typeface="Cambria Math" panose="02040503050406030204" pitchFamily="18" charset="0"/>
                                   <a:cs typeface="Arial" panose="020B0604020202020204" pitchFamily="34" charset="0"/>
                                 </a:rPr>
                               </m:ctrlPr>
@@ -14733,7 +14733,7 @@
                                   <a:solidFill>
                                     <a:srgbClr val="FF0000"/>
                                   </a:solidFill>
-                                  <a:latin typeface="Cambria Math" charset="0"/>
+                                  <a:latin typeface="Cambria Math" panose="02040503050406030204" pitchFamily="18" charset="0"/>
                                   <a:cs typeface="Arial" panose="020B0604020202020204" pitchFamily="34" charset="0"/>
                                 </a:rPr>
                               </m:ctrlPr>
@@ -14877,7 +14877,7 @@
                               <m:chr m:val="⃗"/>
                               <m:ctrlPr>
                                 <a:rPr lang="en-US" sz="1400" b="0" i="1" smtClean="0">
-                                  <a:latin typeface="Cambria Math" charset="0"/>
+                                  <a:latin typeface="Cambria Math" panose="02040503050406030204" pitchFamily="18" charset="0"/>
                                   <a:cs typeface="Arial" panose="020B0604020202020204" pitchFamily="34" charset="0"/>
                                 </a:rPr>
                               </m:ctrlPr>
@@ -14904,7 +14904,7 @@
                               <m:chr m:val="⃗"/>
                               <m:ctrlPr>
                                 <a:rPr lang="en-US" sz="1400" b="0" i="1" smtClean="0">
-                                  <a:latin typeface="Cambria Math" charset="0"/>
+                                  <a:latin typeface="Cambria Math" panose="02040503050406030204" pitchFamily="18" charset="0"/>
                                   <a:cs typeface="Arial" panose="020B0604020202020204" pitchFamily="34" charset="0"/>
                                 </a:rPr>
                               </m:ctrlPr>
@@ -16836,7 +16836,7 @@
                                     <m:chr m:val="⃗"/>
                                     <m:ctrlPr>
                                       <a:rPr lang="en-CA" sz="2000" b="0" i="1" smtClean="0">
-                                        <a:latin typeface="Cambria Math" charset="0"/>
+                                        <a:latin typeface="Cambria Math" panose="02040503050406030204" pitchFamily="18" charset="0"/>
                                         <a:cs typeface="Arial" panose="020B0604020202020204" pitchFamily="34" charset="0"/>
                                       </a:rPr>
                                     </m:ctrlPr>
@@ -16987,7 +16987,7 @@
                           <m:sSubPr>
                             <m:ctrlPr>
                               <a:rPr lang="en-CA" sz="2000" b="0" i="1" smtClean="0">
-                                <a:latin typeface="Cambria Math" charset="0"/>
+                                <a:latin typeface="Cambria Math" panose="02040503050406030204" pitchFamily="18" charset="0"/>
                                 <a:cs typeface="Arial" panose="020B0604020202020204" pitchFamily="34" charset="0"/>
                               </a:rPr>
                             </m:ctrlPr>
@@ -16998,7 +16998,7 @@
                                 <m:chr m:val="⃗"/>
                                 <m:ctrlPr>
                                   <a:rPr lang="en-CA" sz="2000" b="0" i="1" smtClean="0">
-                                    <a:latin typeface="Cambria Math" charset="0"/>
+                                    <a:latin typeface="Cambria Math" panose="02040503050406030204" pitchFamily="18" charset="0"/>
                                     <a:cs typeface="Arial" panose="020B0604020202020204" pitchFamily="34" charset="0"/>
                                   </a:rPr>
                                 </m:ctrlPr>
@@ -17826,7 +17826,7 @@
                           <m:sSubPr>
                             <m:ctrlPr>
                               <a:rPr lang="en-CA" sz="2000" b="0" i="1" smtClean="0">
-                                <a:latin typeface="Cambria Math" charset="0"/>
+                                <a:latin typeface="Cambria Math" panose="02040503050406030204" pitchFamily="18" charset="0"/>
                                 <a:cs typeface="Arial" panose="020B0604020202020204" pitchFamily="34" charset="0"/>
                               </a:rPr>
                             </m:ctrlPr>
@@ -17837,7 +17837,7 @@
                                 <m:chr m:val="⃗"/>
                                 <m:ctrlPr>
                                   <a:rPr lang="en-CA" sz="2000" b="0" i="1" smtClean="0">
-                                    <a:latin typeface="Cambria Math" charset="0"/>
+                                    <a:latin typeface="Cambria Math" panose="02040503050406030204" pitchFamily="18" charset="0"/>
                                     <a:cs typeface="Arial" panose="020B0604020202020204" pitchFamily="34" charset="0"/>
                                   </a:rPr>
                                 </m:ctrlPr>
@@ -18021,7 +18021,7 @@
                             <m:chr m:val="⃗"/>
                             <m:ctrlPr>
                               <a:rPr lang="en-CA" sz="2000" b="0" i="1" smtClean="0">
-                                <a:latin typeface="Cambria Math" charset="0"/>
+                                <a:latin typeface="Cambria Math" panose="02040503050406030204" pitchFamily="18" charset="0"/>
                                 <a:cs typeface="Arial" panose="020B0604020202020204" pitchFamily="34" charset="0"/>
                               </a:rPr>
                             </m:ctrlPr>
@@ -18136,7 +18136,7 @@
                           <m:sSubPr>
                             <m:ctrlPr>
                               <a:rPr lang="en-CA" sz="2000" b="0" i="1" smtClean="0">
-                                <a:latin typeface="Cambria Math" charset="0"/>
+                                <a:latin typeface="Cambria Math" panose="02040503050406030204" pitchFamily="18" charset="0"/>
                                 <a:cs typeface="Arial" panose="020B0604020202020204" pitchFamily="34" charset="0"/>
                               </a:rPr>
                             </m:ctrlPr>
@@ -18147,7 +18147,7 @@
                                 <m:chr m:val="⃗"/>
                                 <m:ctrlPr>
                                   <a:rPr lang="en-CA" sz="2000" b="0" i="1" smtClean="0">
-                                    <a:latin typeface="Cambria Math" charset="0"/>
+                                    <a:latin typeface="Cambria Math" panose="02040503050406030204" pitchFamily="18" charset="0"/>
                                     <a:cs typeface="Arial" panose="020B0604020202020204" pitchFamily="34" charset="0"/>
                                   </a:rPr>
                                 </m:ctrlPr>
@@ -18331,7 +18331,7 @@
                             <m:chr m:val="⃗"/>
                             <m:ctrlPr>
                               <a:rPr lang="en-CA" sz="2000" b="0" i="1" smtClean="0">
-                                <a:latin typeface="Cambria Math" charset="0"/>
+                                <a:latin typeface="Cambria Math" panose="02040503050406030204" pitchFamily="18" charset="0"/>
                                 <a:cs typeface="Arial" panose="020B0604020202020204" pitchFamily="34" charset="0"/>
                               </a:rPr>
                             </m:ctrlPr>
@@ -18508,7 +18508,7 @@
                             <m:sSubPr>
                               <m:ctrlPr>
                                 <a:rPr lang="en-CA" sz="2000" b="0" i="1" smtClean="0">
-                                  <a:latin typeface="Cambria Math" charset="0"/>
+                                  <a:latin typeface="Cambria Math" panose="02040503050406030204" pitchFamily="18" charset="0"/>
                                   <a:cs typeface="Arial" panose="020B0604020202020204" pitchFamily="34" charset="0"/>
                                 </a:rPr>
                               </m:ctrlPr>
@@ -18519,7 +18519,7 @@
                                   <m:chr m:val="⃗"/>
                                   <m:ctrlPr>
                                     <a:rPr lang="en-CA" sz="2000" b="0" i="1" smtClean="0">
-                                      <a:latin typeface="Cambria Math" charset="0"/>
+                                      <a:latin typeface="Cambria Math" panose="02040503050406030204" pitchFamily="18" charset="0"/>
                                       <a:cs typeface="Arial" panose="020B0604020202020204" pitchFamily="34" charset="0"/>
                                     </a:rPr>
                                   </m:ctrlPr>
@@ -18703,7 +18703,7 @@
                               <m:chr m:val="⃗"/>
                               <m:ctrlPr>
                                 <a:rPr lang="en-CA" sz="2000" b="0" i="1" smtClean="0">
-                                  <a:latin typeface="Cambria Math" charset="0"/>
+                                  <a:latin typeface="Cambria Math" panose="02040503050406030204" pitchFamily="18" charset="0"/>
                                   <a:cs typeface="Arial" panose="020B0604020202020204" pitchFamily="34" charset="0"/>
                                 </a:rPr>
                               </m:ctrlPr>
@@ -18840,7 +18840,7 @@
                           <m:sSubPr>
                             <m:ctrlPr>
                               <a:rPr lang="en-CA" sz="2000" b="0" i="1" smtClean="0">
-                                <a:latin typeface="Cambria Math" charset="0"/>
+                                <a:latin typeface="Cambria Math" panose="02040503050406030204" pitchFamily="18" charset="0"/>
                                 <a:cs typeface="Arial" panose="020B0604020202020204" pitchFamily="34" charset="0"/>
                               </a:rPr>
                             </m:ctrlPr>
@@ -18851,7 +18851,7 @@
                                 <m:chr m:val="⃗"/>
                                 <m:ctrlPr>
                                   <a:rPr lang="en-CA" sz="2000" b="0" i="1" smtClean="0">
-                                    <a:latin typeface="Cambria Math" charset="0"/>
+                                    <a:latin typeface="Cambria Math" panose="02040503050406030204" pitchFamily="18" charset="0"/>
                                     <a:cs typeface="Arial" panose="020B0604020202020204" pitchFamily="34" charset="0"/>
                                   </a:rPr>
                                 </m:ctrlPr>
@@ -19356,7 +19356,7 @@
                             <m:sSubPr>
                               <m:ctrlPr>
                                 <a:rPr lang="en-US" sz="2000" b="0" i="1" smtClean="0">
-                                  <a:latin typeface="Cambria Math" charset="0"/>
+                                  <a:latin typeface="Cambria Math" panose="02040503050406030204" pitchFamily="18" charset="0"/>
                                   <a:cs typeface="Arial" panose="020B0604020202020204" pitchFamily="34" charset="0"/>
                                 </a:rPr>
                               </m:ctrlPr>
@@ -19465,7 +19465,7 @@
                             <m:sSubPr>
                               <m:ctrlPr>
                                 <a:rPr lang="en-US" sz="2000" b="0" i="1" smtClean="0">
-                                  <a:latin typeface="Cambria Math" charset="0"/>
+                                  <a:latin typeface="Cambria Math" panose="02040503050406030204" pitchFamily="18" charset="0"/>
                                   <a:cs typeface="Arial" panose="020B0604020202020204" pitchFamily="34" charset="0"/>
                                 </a:rPr>
                               </m:ctrlPr>
@@ -19611,7 +19611,7 @@
                               <m:chr m:val="⃗"/>
                               <m:ctrlPr>
                                 <a:rPr lang="en-US" sz="2000" b="0" i="1" smtClean="0">
-                                  <a:latin typeface="Cambria Math" charset="0"/>
+                                  <a:latin typeface="Cambria Math" panose="02040503050406030204" pitchFamily="18" charset="0"/>
                                   <a:cs typeface="Arial" panose="020B0604020202020204" pitchFamily="34" charset="0"/>
                                 </a:rPr>
                               </m:ctrlPr>
@@ -21556,7 +21556,7 @@
                             <m:chr m:val="⃗"/>
                             <m:ctrlPr>
                               <a:rPr lang="en-US" sz="2000" b="0" i="1" smtClean="0">
-                                <a:latin typeface="Cambria Math" charset="0"/>
+                                <a:latin typeface="Cambria Math" panose="02040503050406030204" pitchFamily="18" charset="0"/>
                                 <a:cs typeface="Arial" panose="020B0604020202020204" pitchFamily="34" charset="0"/>
                               </a:rPr>
                             </m:ctrlPr>
@@ -21583,7 +21583,7 @@
                             <m:chr m:val="⃗"/>
                             <m:ctrlPr>
                               <a:rPr lang="en-US" sz="2000" b="0" i="1" smtClean="0">
-                                <a:latin typeface="Cambria Math" charset="0"/>
+                                <a:latin typeface="Cambria Math" panose="02040503050406030204" pitchFamily="18" charset="0"/>
                                 <a:cs typeface="Arial" panose="020B0604020202020204" pitchFamily="34" charset="0"/>
                               </a:rPr>
                             </m:ctrlPr>
@@ -21684,7 +21684,7 @@
                             <m:chr m:val="⃗"/>
                             <m:ctrlPr>
                               <a:rPr lang="en-US" sz="2000" b="0" i="1" smtClean="0">
-                                <a:latin typeface="Cambria Math" charset="0"/>
+                                <a:latin typeface="Cambria Math" panose="02040503050406030204" pitchFamily="18" charset="0"/>
                                 <a:cs typeface="Arial" panose="020B0604020202020204" pitchFamily="34" charset="0"/>
                               </a:rPr>
                             </m:ctrlPr>
@@ -21785,7 +21785,7 @@
                             <m:chr m:val="⃗"/>
                             <m:ctrlPr>
                               <a:rPr lang="en-US" sz="2000" b="0" i="1" smtClean="0">
-                                <a:latin typeface="Cambria Math" charset="0"/>
+                                <a:latin typeface="Cambria Math" panose="02040503050406030204" pitchFamily="18" charset="0"/>
                                 <a:cs typeface="Arial" panose="020B0604020202020204" pitchFamily="34" charset="0"/>
                               </a:rPr>
                             </m:ctrlPr>
@@ -21885,7 +21885,7 @@
                           <m:sSubPr>
                             <m:ctrlPr>
                               <a:rPr lang="en-US" sz="2000" b="0" i="1" smtClean="0">
-                                <a:latin typeface="Cambria Math" charset="0"/>
+                                <a:latin typeface="Cambria Math" panose="02040503050406030204" pitchFamily="18" charset="0"/>
                                 <a:cs typeface="Arial" panose="020B0604020202020204" pitchFamily="34" charset="0"/>
                               </a:rPr>
                             </m:ctrlPr>
@@ -21896,7 +21896,7 @@
                                 <m:chr m:val="⃗"/>
                                 <m:ctrlPr>
                                   <a:rPr lang="en-US" sz="2000" b="0" i="1" smtClean="0">
-                                    <a:latin typeface="Cambria Math" charset="0"/>
+                                    <a:latin typeface="Cambria Math" panose="02040503050406030204" pitchFamily="18" charset="0"/>
                                     <a:cs typeface="Arial" panose="020B0604020202020204" pitchFamily="34" charset="0"/>
                                   </a:rPr>
                                 </m:ctrlPr>
@@ -23179,8 +23179,8 @@
             </p:sp>
           </mc:Fallback>
         </mc:AlternateContent>
-        <mc:AlternateContent xmlns:mc="http://schemas.openxmlformats.org/markup-compatibility/2006" xmlns:a14="http://schemas.microsoft.com/office/drawing/2010/main">
-          <mc:Choice Requires="a14">
+        <mc:AlternateContent xmlns:mc="http://schemas.openxmlformats.org/markup-compatibility/2006">
+          <mc:Choice xmlns:a14="http://schemas.microsoft.com/office/drawing/2010/main" Requires="a14">
             <p:sp>
               <p:nvSpPr>
                 <p:cNvPr id="113" name="TextBox 112"/>
@@ -23211,11 +23211,11 @@
                       </m:oMathParaPr>
                       <m:oMath xmlns:m="http://schemas.openxmlformats.org/officeDocument/2006/math">
                         <m:r>
-                          <a:rPr lang="en-CA" sz="2000" b="0" i="1" smtClean="0">
-                            <a:latin typeface="Cambria Math" charset="0"/>
+                          <a:rPr lang="en-US" sz="2000" b="0" i="1" smtClean="0">
+                            <a:latin typeface="Cambria Math" panose="02040503050406030204" pitchFamily="18" charset="0"/>
                             <a:cs typeface="Arial" panose="020B0604020202020204" pitchFamily="34" charset="0"/>
                           </a:rPr>
-                          <m:t>𝑑</m:t>
+                          <m:t>h</m:t>
                         </m:r>
                       </m:oMath>
                     </m:oMathPara>
@@ -23228,7 +23228,7 @@
               </p:txBody>
             </p:sp>
           </mc:Choice>
-          <mc:Fallback xmlns="">
+          <mc:Fallback>
             <p:sp>
               <p:nvSpPr>
                 <p:cNvPr id="113" name="TextBox 112"/>
@@ -23245,10 +23245,10 @@
                 <a:prstGeom prst="rect">
                   <a:avLst/>
                 </a:prstGeom>
-                <a:blipFill rotWithShape="0">
-                  <a:blip r:embed="rId7"/>
+                <a:blipFill>
+                  <a:blip r:embed="rId15"/>
                   <a:stretch>
-                    <a:fillRect l="-31429" r="-25714" b="-14000"/>
+                    <a:fillRect l="-28571" r="-22857" b="-12000"/>
                   </a:stretch>
                 </a:blipFill>
               </p:spPr>
@@ -23342,7 +23342,7 @@
       </p:grpSp>
       <p:grpSp>
         <p:nvGrpSpPr>
-          <p:cNvPr id="133" name="Group 132"/>
+          <p:cNvPr id="3" name="Group 2"/>
           <p:cNvGrpSpPr/>
           <p:nvPr/>
         </p:nvGrpSpPr>
@@ -23350,94 +23350,1613 @@
           <a:xfrm>
             <a:off x="6547719" y="4104651"/>
             <a:ext cx="4270787" cy="2580198"/>
-            <a:chOff x="6547719" y="4213508"/>
+            <a:chOff x="6547719" y="4104651"/>
             <a:chExt cx="4270787" cy="2580198"/>
           </a:xfrm>
         </p:grpSpPr>
-        <p:cxnSp>
-          <p:nvCxnSpPr>
-            <p:cNvPr id="81" name="Straight Arrow Connector 80"/>
-            <p:cNvCxnSpPr/>
+        <p:grpSp>
+          <p:nvGrpSpPr>
+            <p:cNvPr id="133" name="Group 132"/>
+            <p:cNvGrpSpPr/>
             <p:nvPr/>
-          </p:nvCxnSpPr>
-          <p:spPr>
-            <a:xfrm flipV="1">
-              <a:off x="8531195" y="4439587"/>
-              <a:ext cx="0" cy="1573967"/>
+          </p:nvGrpSpPr>
+          <p:grpSpPr>
+            <a:xfrm>
+              <a:off x="6547719" y="4104651"/>
+              <a:ext cx="4270787" cy="2580198"/>
+              <a:chOff x="6547719" y="4213508"/>
+              <a:chExt cx="4270787" cy="2580198"/>
             </a:xfrm>
-            <a:prstGeom prst="straightConnector1">
-              <a:avLst/>
-            </a:prstGeom>
-            <a:ln w="38100">
+          </p:grpSpPr>
+          <p:cxnSp>
+            <p:nvCxnSpPr>
+              <p:cNvPr id="81" name="Straight Arrow Connector 80"/>
+              <p:cNvCxnSpPr/>
+              <p:nvPr/>
+            </p:nvCxnSpPr>
+            <p:spPr>
+              <a:xfrm flipV="1">
+                <a:off x="8531195" y="4439587"/>
+                <a:ext cx="0" cy="1573967"/>
+              </a:xfrm>
+              <a:prstGeom prst="straightConnector1">
+                <a:avLst/>
+              </a:prstGeom>
+              <a:ln w="38100">
+                <a:solidFill>
+                  <a:schemeClr val="tx1"/>
+                </a:solidFill>
+                <a:tailEnd type="triangle"/>
+              </a:ln>
+            </p:spPr>
+            <p:style>
+              <a:lnRef idx="1">
+                <a:schemeClr val="accent1"/>
+              </a:lnRef>
+              <a:fillRef idx="0">
+                <a:schemeClr val="accent1"/>
+              </a:fillRef>
+              <a:effectRef idx="0">
+                <a:schemeClr val="accent1"/>
+              </a:effectRef>
+              <a:fontRef idx="minor">
+                <a:schemeClr val="tx1"/>
+              </a:fontRef>
+            </p:style>
+          </p:cxnSp>
+          <p:cxnSp>
+            <p:nvCxnSpPr>
+              <p:cNvPr id="82" name="Straight Arrow Connector 81"/>
+              <p:cNvCxnSpPr/>
+              <p:nvPr/>
+            </p:nvCxnSpPr>
+            <p:spPr>
+              <a:xfrm flipV="1">
+                <a:off x="6547719" y="6013554"/>
+                <a:ext cx="3966952" cy="1"/>
+              </a:xfrm>
+              <a:prstGeom prst="straightConnector1">
+                <a:avLst/>
+              </a:prstGeom>
+              <a:ln w="38100">
+                <a:solidFill>
+                  <a:schemeClr val="tx1"/>
+                </a:solidFill>
+                <a:tailEnd type="triangle"/>
+              </a:ln>
+            </p:spPr>
+            <p:style>
+              <a:lnRef idx="1">
+                <a:schemeClr val="accent1"/>
+              </a:lnRef>
+              <a:fillRef idx="0">
+                <a:schemeClr val="accent1"/>
+              </a:fillRef>
+              <a:effectRef idx="0">
+                <a:schemeClr val="accent1"/>
+              </a:effectRef>
+              <a:fontRef idx="minor">
+                <a:schemeClr val="tx1"/>
+              </a:fontRef>
+            </p:style>
+          </p:cxnSp>
+          <mc:AlternateContent xmlns:mc="http://schemas.openxmlformats.org/markup-compatibility/2006" xmlns:a14="http://schemas.microsoft.com/office/drawing/2010/main">
+            <mc:Choice Requires="a14">
+              <p:sp>
+                <p:nvSpPr>
+                  <p:cNvPr id="83" name="TextBox 82"/>
+                  <p:cNvSpPr txBox="1"/>
+                  <p:nvPr/>
+                </p:nvSpPr>
+                <p:spPr>
+                  <a:xfrm>
+                    <a:off x="8429988" y="6120467"/>
+                    <a:ext cx="213199" cy="307777"/>
+                  </a:xfrm>
+                  <a:prstGeom prst="rect">
+                    <a:avLst/>
+                  </a:prstGeom>
+                  <a:noFill/>
+                </p:spPr>
+                <p:txBody>
+                  <a:bodyPr wrap="none" lIns="0" tIns="0" rIns="0" bIns="0" rtlCol="0">
+                    <a:spAutoFit/>
+                  </a:bodyPr>
+                  <a:lstStyle/>
+                  <a:p>
+                    <a:pPr/>
+                    <a14:m>
+                      <m:oMathPara xmlns:m="http://schemas.openxmlformats.org/officeDocument/2006/math">
+                        <m:oMathParaPr>
+                          <m:jc m:val="centerGroup"/>
+                        </m:oMathParaPr>
+                        <m:oMath xmlns:m="http://schemas.openxmlformats.org/officeDocument/2006/math">
+                          <m:r>
+                            <a:rPr lang="en-CA" sz="2000" b="0" i="1" smtClean="0">
+                              <a:latin typeface="Cambria Math" charset="0"/>
+                              <a:cs typeface="Arial" panose="020B0604020202020204" pitchFamily="34" charset="0"/>
+                            </a:rPr>
+                            <m:t>0</m:t>
+                          </m:r>
+                        </m:oMath>
+                      </m:oMathPara>
+                    </a14:m>
+                    <a:endParaRPr lang="en-US" sz="2000" dirty="0" smtClean="0">
+                      <a:latin typeface="Arial" panose="020B0604020202020204" pitchFamily="34" charset="0"/>
+                      <a:cs typeface="Arial" panose="020B0604020202020204" pitchFamily="34" charset="0"/>
+                    </a:endParaRPr>
+                  </a:p>
+                </p:txBody>
+              </p:sp>
+            </mc:Choice>
+            <mc:Fallback xmlns="">
+              <p:sp>
+                <p:nvSpPr>
+                  <p:cNvPr id="83" name="TextBox 82"/>
+                  <p:cNvSpPr txBox="1">
+                    <a:spLocks noRot="1" noChangeAspect="1" noMove="1" noResize="1" noEditPoints="1" noAdjustHandles="1" noChangeArrowheads="1" noChangeShapeType="1" noTextEdit="1"/>
+                  </p:cNvSpPr>
+                  <p:nvPr/>
+                </p:nvSpPr>
+                <p:spPr>
+                  <a:xfrm>
+                    <a:off x="8429988" y="6120467"/>
+                    <a:ext cx="213199" cy="307777"/>
+                  </a:xfrm>
+                  <a:prstGeom prst="rect">
+                    <a:avLst/>
+                  </a:prstGeom>
+                  <a:blipFill rotWithShape="0">
+                    <a:blip r:embed="rId16"/>
+                    <a:stretch>
+                      <a:fillRect l="-25714" r="-25714" b="-11765"/>
+                    </a:stretch>
+                  </a:blipFill>
+                </p:spPr>
+                <p:txBody>
+                  <a:bodyPr/>
+                  <a:lstStyle/>
+                  <a:p>
+                    <a:r>
+                      <a:rPr lang="en-US">
+                        <a:noFill/>
+                      </a:rPr>
+                      <a:t> </a:t>
+                    </a:r>
+                  </a:p>
+                </p:txBody>
+              </p:sp>
+            </mc:Fallback>
+          </mc:AlternateContent>
+          <p:sp>
+            <p:nvSpPr>
+              <p:cNvPr id="84" name="Rectangle 83"/>
+              <p:cNvSpPr/>
+              <p:nvPr/>
+            </p:nvSpPr>
+            <p:spPr>
+              <a:xfrm>
+                <a:off x="6892314" y="5897537"/>
+                <a:ext cx="3351471" cy="194874"/>
+              </a:xfrm>
+              <a:prstGeom prst="rect">
+                <a:avLst/>
+              </a:prstGeom>
+              <a:solidFill>
+                <a:schemeClr val="bg2"/>
+              </a:solidFill>
+              <a:ln w="38100">
+                <a:solidFill>
+                  <a:schemeClr val="tx1"/>
+                </a:solidFill>
+              </a:ln>
+            </p:spPr>
+            <p:style>
+              <a:lnRef idx="2">
+                <a:schemeClr val="accent1">
+                  <a:shade val="50000"/>
+                </a:schemeClr>
+              </a:lnRef>
+              <a:fillRef idx="1">
+                <a:schemeClr val="accent1"/>
+              </a:fillRef>
+              <a:effectRef idx="0">
+                <a:schemeClr val="accent1"/>
+              </a:effectRef>
+              <a:fontRef idx="minor">
+                <a:schemeClr val="lt1"/>
+              </a:fontRef>
+            </p:style>
+            <p:txBody>
+              <a:bodyPr rtlCol="0" anchor="ctr"/>
+              <a:lstStyle/>
+              <a:p>
+                <a:pPr algn="ctr"/>
+                <a:endParaRPr lang="en-US"/>
+              </a:p>
+            </p:txBody>
+          </p:sp>
+          <mc:AlternateContent xmlns:mc="http://schemas.openxmlformats.org/markup-compatibility/2006" xmlns:a14="http://schemas.microsoft.com/office/drawing/2010/main">
+            <mc:Choice Requires="a14">
+              <p:sp>
+                <p:nvSpPr>
+                  <p:cNvPr id="86" name="TextBox 85"/>
+                  <p:cNvSpPr txBox="1"/>
+                  <p:nvPr/>
+                </p:nvSpPr>
+                <p:spPr>
+                  <a:xfrm>
+                    <a:off x="8623864" y="4456251"/>
+                    <a:ext cx="235513" cy="307777"/>
+                  </a:xfrm>
+                  <a:prstGeom prst="rect">
+                    <a:avLst/>
+                  </a:prstGeom>
+                  <a:noFill/>
+                </p:spPr>
+                <p:txBody>
+                  <a:bodyPr wrap="none" lIns="0" tIns="0" rIns="0" bIns="0" rtlCol="0">
+                    <a:spAutoFit/>
+                  </a:bodyPr>
+                  <a:lstStyle/>
+                  <a:p>
+                    <a:pPr/>
+                    <a14:m>
+                      <m:oMathPara xmlns:m="http://schemas.openxmlformats.org/officeDocument/2006/math">
+                        <m:oMathParaPr>
+                          <m:jc m:val="centerGroup"/>
+                        </m:oMathParaPr>
+                        <m:oMath xmlns:m="http://schemas.openxmlformats.org/officeDocument/2006/math">
+                          <m:r>
+                            <a:rPr lang="en-CA" sz="2000" b="0" i="1" smtClean="0">
+                              <a:latin typeface="Cambria Math" charset="0"/>
+                              <a:cs typeface="Arial" panose="020B0604020202020204" pitchFamily="34" charset="0"/>
+                            </a:rPr>
+                            <m:t>𝑃</m:t>
+                          </m:r>
+                        </m:oMath>
+                      </m:oMathPara>
+                    </a14:m>
+                    <a:endParaRPr lang="en-US" sz="2000" dirty="0" smtClean="0">
+                      <a:latin typeface="Arial" panose="020B0604020202020204" pitchFamily="34" charset="0"/>
+                      <a:cs typeface="Arial" panose="020B0604020202020204" pitchFamily="34" charset="0"/>
+                    </a:endParaRPr>
+                  </a:p>
+                </p:txBody>
+              </p:sp>
+            </mc:Choice>
+            <mc:Fallback xmlns="">
+              <p:sp>
+                <p:nvSpPr>
+                  <p:cNvPr id="86" name="TextBox 85"/>
+                  <p:cNvSpPr txBox="1">
+                    <a:spLocks noRot="1" noChangeAspect="1" noMove="1" noResize="1" noEditPoints="1" noAdjustHandles="1" noChangeArrowheads="1" noChangeShapeType="1" noTextEdit="1"/>
+                  </p:cNvSpPr>
+                  <p:nvPr/>
+                </p:nvSpPr>
+                <p:spPr>
+                  <a:xfrm>
+                    <a:off x="8623864" y="4456251"/>
+                    <a:ext cx="235513" cy="307777"/>
+                  </a:xfrm>
+                  <a:prstGeom prst="rect">
+                    <a:avLst/>
+                  </a:prstGeom>
+                  <a:blipFill rotWithShape="0">
+                    <a:blip r:embed="rId2"/>
+                    <a:stretch>
+                      <a:fillRect l="-23684" r="-21053" b="-9804"/>
+                    </a:stretch>
+                  </a:blipFill>
+                </p:spPr>
+                <p:txBody>
+                  <a:bodyPr/>
+                  <a:lstStyle/>
+                  <a:p>
+                    <a:r>
+                      <a:rPr lang="en-US">
+                        <a:noFill/>
+                      </a:rPr>
+                      <a:t> </a:t>
+                    </a:r>
+                  </a:p>
+                </p:txBody>
+              </p:sp>
+            </mc:Fallback>
+          </mc:AlternateContent>
+          <mc:AlternateContent xmlns:mc="http://schemas.openxmlformats.org/markup-compatibility/2006" xmlns:a14="http://schemas.microsoft.com/office/drawing/2010/main">
+            <mc:Choice Requires="a14">
+              <p:sp>
+                <p:nvSpPr>
+                  <p:cNvPr id="87" name="TextBox 86"/>
+                  <p:cNvSpPr txBox="1"/>
+                  <p:nvPr/>
+                </p:nvSpPr>
+                <p:spPr>
+                  <a:xfrm>
+                    <a:off x="10603960" y="5859665"/>
+                    <a:ext cx="214546" cy="307777"/>
+                  </a:xfrm>
+                  <a:prstGeom prst="rect">
+                    <a:avLst/>
+                  </a:prstGeom>
+                  <a:noFill/>
+                </p:spPr>
+                <p:txBody>
+                  <a:bodyPr wrap="none" lIns="0" tIns="0" rIns="0" bIns="0" rtlCol="0">
+                    <a:spAutoFit/>
+                  </a:bodyPr>
+                  <a:lstStyle/>
+                  <a:p>
+                    <a:pPr/>
+                    <a14:m>
+                      <m:oMathPara xmlns:m="http://schemas.openxmlformats.org/officeDocument/2006/math">
+                        <m:oMathParaPr>
+                          <m:jc m:val="centerGroup"/>
+                        </m:oMathParaPr>
+                        <m:oMath xmlns:m="http://schemas.openxmlformats.org/officeDocument/2006/math">
+                          <m:r>
+                            <a:rPr lang="en-CA" sz="2000" b="0" i="1" smtClean="0">
+                              <a:latin typeface="Cambria Math" charset="0"/>
+                              <a:cs typeface="Arial" panose="020B0604020202020204" pitchFamily="34" charset="0"/>
+                            </a:rPr>
+                            <m:t>𝑥</m:t>
+                          </m:r>
+                        </m:oMath>
+                      </m:oMathPara>
+                    </a14:m>
+                    <a:endParaRPr lang="en-US" sz="2000" dirty="0" smtClean="0">
+                      <a:latin typeface="Arial" panose="020B0604020202020204" pitchFamily="34" charset="0"/>
+                      <a:cs typeface="Arial" panose="020B0604020202020204" pitchFamily="34" charset="0"/>
+                    </a:endParaRPr>
+                  </a:p>
+                </p:txBody>
+              </p:sp>
+            </mc:Choice>
+            <mc:Fallback xmlns="">
+              <p:sp>
+                <p:nvSpPr>
+                  <p:cNvPr id="87" name="TextBox 86"/>
+                  <p:cNvSpPr txBox="1">
+                    <a:spLocks noRot="1" noChangeAspect="1" noMove="1" noResize="1" noEditPoints="1" noAdjustHandles="1" noChangeArrowheads="1" noChangeShapeType="1" noTextEdit="1"/>
+                  </p:cNvSpPr>
+                  <p:nvPr/>
+                </p:nvSpPr>
+                <p:spPr>
+                  <a:xfrm>
+                    <a:off x="10603960" y="5859665"/>
+                    <a:ext cx="214546" cy="307777"/>
+                  </a:xfrm>
+                  <a:prstGeom prst="rect">
+                    <a:avLst/>
+                  </a:prstGeom>
+                  <a:blipFill rotWithShape="0">
+                    <a:blip r:embed="rId3"/>
+                    <a:stretch>
+                      <a:fillRect l="-11111" r="-8333" b="-1961"/>
+                    </a:stretch>
+                  </a:blipFill>
+                </p:spPr>
+                <p:txBody>
+                  <a:bodyPr/>
+                  <a:lstStyle/>
+                  <a:p>
+                    <a:r>
+                      <a:rPr lang="en-US">
+                        <a:noFill/>
+                      </a:rPr>
+                      <a:t> </a:t>
+                    </a:r>
+                  </a:p>
+                </p:txBody>
+              </p:sp>
+            </mc:Fallback>
+          </mc:AlternateContent>
+          <mc:AlternateContent xmlns:mc="http://schemas.openxmlformats.org/markup-compatibility/2006" xmlns:a14="http://schemas.microsoft.com/office/drawing/2010/main">
+            <mc:Choice Requires="a14">
+              <p:sp>
+                <p:nvSpPr>
+                  <p:cNvPr id="88" name="TextBox 87"/>
+                  <p:cNvSpPr txBox="1"/>
+                  <p:nvPr/>
+                </p:nvSpPr>
+                <p:spPr>
+                  <a:xfrm>
+                    <a:off x="8162563" y="4213508"/>
+                    <a:ext cx="219163" cy="307777"/>
+                  </a:xfrm>
+                  <a:prstGeom prst="rect">
+                    <a:avLst/>
+                  </a:prstGeom>
+                  <a:noFill/>
+                </p:spPr>
+                <p:txBody>
+                  <a:bodyPr wrap="none" lIns="0" tIns="0" rIns="0" bIns="0" rtlCol="0">
+                    <a:spAutoFit/>
+                  </a:bodyPr>
+                  <a:lstStyle/>
+                  <a:p>
+                    <a:pPr/>
+                    <a14:m>
+                      <m:oMathPara xmlns:m="http://schemas.openxmlformats.org/officeDocument/2006/math">
+                        <m:oMathParaPr>
+                          <m:jc m:val="centerGroup"/>
+                        </m:oMathParaPr>
+                        <m:oMath xmlns:m="http://schemas.openxmlformats.org/officeDocument/2006/math">
+                          <m:r>
+                            <a:rPr lang="en-CA" sz="2000" b="0" i="1" smtClean="0">
+                              <a:latin typeface="Cambria Math" charset="0"/>
+                              <a:cs typeface="Arial" panose="020B0604020202020204" pitchFamily="34" charset="0"/>
+                            </a:rPr>
+                            <m:t>𝑦</m:t>
+                          </m:r>
+                        </m:oMath>
+                      </m:oMathPara>
+                    </a14:m>
+                    <a:endParaRPr lang="en-US" sz="2000" dirty="0" smtClean="0">
+                      <a:latin typeface="Arial" panose="020B0604020202020204" pitchFamily="34" charset="0"/>
+                      <a:cs typeface="Arial" panose="020B0604020202020204" pitchFamily="34" charset="0"/>
+                    </a:endParaRPr>
+                  </a:p>
+                </p:txBody>
+              </p:sp>
+            </mc:Choice>
+            <mc:Fallback xmlns="">
+              <p:sp>
+                <p:nvSpPr>
+                  <p:cNvPr id="88" name="TextBox 87"/>
+                  <p:cNvSpPr txBox="1">
+                    <a:spLocks noRot="1" noChangeAspect="1" noMove="1" noResize="1" noEditPoints="1" noAdjustHandles="1" noChangeArrowheads="1" noChangeShapeType="1" noTextEdit="1"/>
+                  </p:cNvSpPr>
+                  <p:nvPr/>
+                </p:nvSpPr>
+                <p:spPr>
+                  <a:xfrm>
+                    <a:off x="8162563" y="4213508"/>
+                    <a:ext cx="219163" cy="307777"/>
+                  </a:xfrm>
+                  <a:prstGeom prst="rect">
+                    <a:avLst/>
+                  </a:prstGeom>
+                  <a:blipFill rotWithShape="0">
+                    <a:blip r:embed="rId17"/>
+                    <a:stretch>
+                      <a:fillRect l="-25000" r="-25000" b="-27451"/>
+                    </a:stretch>
+                  </a:blipFill>
+                </p:spPr>
+                <p:txBody>
+                  <a:bodyPr/>
+                  <a:lstStyle/>
+                  <a:p>
+                    <a:r>
+                      <a:rPr lang="en-US">
+                        <a:noFill/>
+                      </a:rPr>
+                      <a:t> </a:t>
+                    </a:r>
+                  </a:p>
+                </p:txBody>
+              </p:sp>
+            </mc:Fallback>
+          </mc:AlternateContent>
+          <p:cxnSp>
+            <p:nvCxnSpPr>
+              <p:cNvPr id="90" name="Straight Connector 89"/>
+              <p:cNvCxnSpPr>
+                <a:stCxn id="128" idx="5"/>
+                <a:endCxn id="97" idx="0"/>
+              </p:cNvCxnSpPr>
+              <p:nvPr/>
+            </p:nvCxnSpPr>
+            <p:spPr>
+              <a:xfrm>
+                <a:off x="8569212" y="4837940"/>
+                <a:ext cx="1199381" cy="1051342"/>
+              </a:xfrm>
+              <a:prstGeom prst="line">
+                <a:avLst/>
+              </a:prstGeom>
+              <a:ln w="28575">
+                <a:solidFill>
+                  <a:schemeClr val="tx1"/>
+                </a:solidFill>
+                <a:prstDash val="sysDot"/>
+              </a:ln>
+            </p:spPr>
+            <p:style>
+              <a:lnRef idx="1">
+                <a:schemeClr val="accent1"/>
+              </a:lnRef>
+              <a:fillRef idx="0">
+                <a:schemeClr val="accent1"/>
+              </a:fillRef>
+              <a:effectRef idx="0">
+                <a:schemeClr val="accent1"/>
+              </a:effectRef>
+              <a:fontRef idx="minor">
+                <a:schemeClr val="tx1"/>
+              </a:fontRef>
+            </p:style>
+          </p:cxnSp>
+          <p:cxnSp>
+            <p:nvCxnSpPr>
+              <p:cNvPr id="92" name="Straight Arrow Connector 91"/>
+              <p:cNvCxnSpPr/>
+              <p:nvPr/>
+            </p:nvCxnSpPr>
+            <p:spPr>
+              <a:xfrm flipH="1">
+                <a:off x="9993850" y="6286131"/>
+                <a:ext cx="324000" cy="0"/>
+              </a:xfrm>
+              <a:prstGeom prst="straightConnector1">
+                <a:avLst/>
+              </a:prstGeom>
+              <a:ln w="38100">
+                <a:solidFill>
+                  <a:schemeClr val="tx1"/>
+                </a:solidFill>
+                <a:tailEnd type="triangle"/>
+              </a:ln>
+            </p:spPr>
+            <p:style>
+              <a:lnRef idx="1">
+                <a:schemeClr val="accent1"/>
+              </a:lnRef>
+              <a:fillRef idx="0">
+                <a:schemeClr val="accent1"/>
+              </a:fillRef>
+              <a:effectRef idx="0">
+                <a:schemeClr val="accent1"/>
+              </a:effectRef>
+              <a:fontRef idx="minor">
+                <a:schemeClr val="tx1"/>
+              </a:fontRef>
+            </p:style>
+          </p:cxnSp>
+          <p:cxnSp>
+            <p:nvCxnSpPr>
+              <p:cNvPr id="93" name="Straight Arrow Connector 92"/>
+              <p:cNvCxnSpPr/>
+              <p:nvPr/>
+            </p:nvCxnSpPr>
+            <p:spPr>
+              <a:xfrm>
+                <a:off x="9255885" y="6286131"/>
+                <a:ext cx="324000" cy="0"/>
+              </a:xfrm>
+              <a:prstGeom prst="straightConnector1">
+                <a:avLst/>
+              </a:prstGeom>
+              <a:ln w="38100">
+                <a:solidFill>
+                  <a:schemeClr val="tx1"/>
+                </a:solidFill>
+                <a:tailEnd type="triangle"/>
+              </a:ln>
+            </p:spPr>
+            <p:style>
+              <a:lnRef idx="1">
+                <a:schemeClr val="accent1"/>
+              </a:lnRef>
+              <a:fillRef idx="0">
+                <a:schemeClr val="accent1"/>
+              </a:fillRef>
+              <a:effectRef idx="0">
+                <a:schemeClr val="accent1"/>
+              </a:effectRef>
+              <a:fontRef idx="minor">
+                <a:schemeClr val="tx1"/>
+              </a:fontRef>
+            </p:style>
+          </p:cxnSp>
+          <p:cxnSp>
+            <p:nvCxnSpPr>
+              <p:cNvPr id="94" name="Straight Connector 93"/>
+              <p:cNvCxnSpPr/>
+              <p:nvPr/>
+            </p:nvCxnSpPr>
+            <p:spPr>
+              <a:xfrm>
+                <a:off x="9993850" y="6166755"/>
+                <a:ext cx="0" cy="239843"/>
+              </a:xfrm>
+              <a:prstGeom prst="line">
+                <a:avLst/>
+              </a:prstGeom>
+              <a:ln w="38100">
+                <a:solidFill>
+                  <a:schemeClr val="tx1"/>
+                </a:solidFill>
+              </a:ln>
+            </p:spPr>
+            <p:style>
+              <a:lnRef idx="1">
+                <a:schemeClr val="accent1"/>
+              </a:lnRef>
+              <a:fillRef idx="0">
+                <a:schemeClr val="accent1"/>
+              </a:fillRef>
+              <a:effectRef idx="0">
+                <a:schemeClr val="accent1"/>
+              </a:effectRef>
+              <a:fontRef idx="minor">
+                <a:schemeClr val="tx1"/>
+              </a:fontRef>
+            </p:style>
+          </p:cxnSp>
+          <p:cxnSp>
+            <p:nvCxnSpPr>
+              <p:cNvPr id="95" name="Straight Connector 94"/>
+              <p:cNvCxnSpPr/>
+              <p:nvPr/>
+            </p:nvCxnSpPr>
+            <p:spPr>
+              <a:xfrm>
+                <a:off x="9606251" y="6169192"/>
+                <a:ext cx="0" cy="239843"/>
+              </a:xfrm>
+              <a:prstGeom prst="line">
+                <a:avLst/>
+              </a:prstGeom>
+              <a:ln w="38100">
+                <a:solidFill>
+                  <a:schemeClr val="tx1"/>
+                </a:solidFill>
+              </a:ln>
+            </p:spPr>
+            <p:style>
+              <a:lnRef idx="1">
+                <a:schemeClr val="accent1"/>
+              </a:lnRef>
+              <a:fillRef idx="0">
+                <a:schemeClr val="accent1"/>
+              </a:fillRef>
+              <a:effectRef idx="0">
+                <a:schemeClr val="accent1"/>
+              </a:effectRef>
+              <a:fontRef idx="minor">
+                <a:schemeClr val="tx1"/>
+              </a:fontRef>
+            </p:style>
+          </p:cxnSp>
+          <mc:AlternateContent xmlns:mc="http://schemas.openxmlformats.org/markup-compatibility/2006" xmlns:a14="http://schemas.microsoft.com/office/drawing/2010/main">
+            <mc:Choice Requires="a14">
+              <p:sp>
+                <p:nvSpPr>
+                  <p:cNvPr id="96" name="TextBox 95"/>
+                  <p:cNvSpPr txBox="1"/>
+                  <p:nvPr/>
+                </p:nvSpPr>
+                <p:spPr>
+                  <a:xfrm>
+                    <a:off x="9664095" y="6126173"/>
+                    <a:ext cx="212046" cy="307777"/>
+                  </a:xfrm>
+                  <a:prstGeom prst="rect">
+                    <a:avLst/>
+                  </a:prstGeom>
+                  <a:noFill/>
+                </p:spPr>
+                <p:txBody>
+                  <a:bodyPr wrap="square" lIns="0" tIns="0" rIns="0" bIns="0" rtlCol="0">
+                    <a:spAutoFit/>
+                  </a:bodyPr>
+                  <a:lstStyle/>
+                  <a:p>
+                    <a:pPr/>
+                    <a14:m>
+                      <m:oMathPara xmlns:m="http://schemas.openxmlformats.org/officeDocument/2006/math">
+                        <m:oMathParaPr>
+                          <m:jc m:val="centerGroup"/>
+                        </m:oMathParaPr>
+                        <m:oMath xmlns:m="http://schemas.openxmlformats.org/officeDocument/2006/math">
+                          <m:r>
+                            <a:rPr lang="en-CA" sz="2000" b="0" i="1" smtClean="0">
+                              <a:latin typeface="Cambria Math" charset="0"/>
+                              <a:cs typeface="Arial" panose="020B0604020202020204" pitchFamily="34" charset="0"/>
+                            </a:rPr>
+                            <m:t>𝑑𝑥</m:t>
+                          </m:r>
+                        </m:oMath>
+                      </m:oMathPara>
+                    </a14:m>
+                    <a:endParaRPr lang="en-US" sz="2000" dirty="0" smtClean="0">
+                      <a:latin typeface="Arial" panose="020B0604020202020204" pitchFamily="34" charset="0"/>
+                      <a:cs typeface="Arial" panose="020B0604020202020204" pitchFamily="34" charset="0"/>
+                    </a:endParaRPr>
+                  </a:p>
+                </p:txBody>
+              </p:sp>
+            </mc:Choice>
+            <mc:Fallback xmlns="">
+              <p:sp>
+                <p:nvSpPr>
+                  <p:cNvPr id="96" name="TextBox 95"/>
+                  <p:cNvSpPr txBox="1">
+                    <a:spLocks noRot="1" noChangeAspect="1" noMove="1" noResize="1" noEditPoints="1" noAdjustHandles="1" noChangeArrowheads="1" noChangeShapeType="1" noTextEdit="1"/>
+                  </p:cNvSpPr>
+                  <p:nvPr/>
+                </p:nvSpPr>
+                <p:spPr>
+                  <a:xfrm>
+                    <a:off x="9664095" y="6126173"/>
+                    <a:ext cx="212046" cy="307777"/>
+                  </a:xfrm>
+                  <a:prstGeom prst="rect">
+                    <a:avLst/>
+                  </a:prstGeom>
+                  <a:blipFill rotWithShape="0">
+                    <a:blip r:embed="rId18"/>
+                    <a:stretch>
+                      <a:fillRect l="-42857" r="-77143" b="-13725"/>
+                    </a:stretch>
+                  </a:blipFill>
+                </p:spPr>
+                <p:txBody>
+                  <a:bodyPr/>
+                  <a:lstStyle/>
+                  <a:p>
+                    <a:r>
+                      <a:rPr lang="en-US">
+                        <a:noFill/>
+                      </a:rPr>
+                      <a:t> </a:t>
+                    </a:r>
+                  </a:p>
+                </p:txBody>
+              </p:sp>
+            </mc:Fallback>
+          </mc:AlternateContent>
+          <p:sp>
+            <p:nvSpPr>
+              <p:cNvPr id="97" name="Rectangle 96"/>
+              <p:cNvSpPr/>
+              <p:nvPr/>
+            </p:nvSpPr>
+            <p:spPr>
+              <a:xfrm>
+                <a:off x="9678593" y="5889282"/>
+                <a:ext cx="180000" cy="194874"/>
+              </a:xfrm>
+              <a:prstGeom prst="rect">
+                <a:avLst/>
+              </a:prstGeom>
               <a:solidFill>
                 <a:schemeClr val="tx1"/>
               </a:solidFill>
-              <a:tailEnd type="triangle"/>
-            </a:ln>
-          </p:spPr>
-          <p:style>
-            <a:lnRef idx="1">
-              <a:schemeClr val="accent1"/>
-            </a:lnRef>
-            <a:fillRef idx="0">
-              <a:schemeClr val="accent1"/>
-            </a:fillRef>
-            <a:effectRef idx="0">
-              <a:schemeClr val="accent1"/>
-            </a:effectRef>
-            <a:fontRef idx="minor">
-              <a:schemeClr val="tx1"/>
-            </a:fontRef>
-          </p:style>
-        </p:cxnSp>
-        <p:cxnSp>
-          <p:nvCxnSpPr>
-            <p:cNvPr id="82" name="Straight Arrow Connector 81"/>
-            <p:cNvCxnSpPr/>
-            <p:nvPr/>
-          </p:nvCxnSpPr>
-          <p:spPr>
-            <a:xfrm flipV="1">
-              <a:off x="6547719" y="6013554"/>
-              <a:ext cx="3966952" cy="1"/>
-            </a:xfrm>
-            <a:prstGeom prst="straightConnector1">
-              <a:avLst/>
-            </a:prstGeom>
-            <a:ln w="38100">
+              <a:ln w="38100">
+                <a:solidFill>
+                  <a:schemeClr val="tx1"/>
+                </a:solidFill>
+              </a:ln>
+            </p:spPr>
+            <p:style>
+              <a:lnRef idx="2">
+                <a:schemeClr val="accent1">
+                  <a:shade val="50000"/>
+                </a:schemeClr>
+              </a:lnRef>
+              <a:fillRef idx="1">
+                <a:schemeClr val="accent1"/>
+              </a:fillRef>
+              <a:effectRef idx="0">
+                <a:schemeClr val="accent1"/>
+              </a:effectRef>
+              <a:fontRef idx="minor">
+                <a:schemeClr val="lt1"/>
+              </a:fontRef>
+            </p:style>
+            <p:txBody>
+              <a:bodyPr rtlCol="0" anchor="ctr"/>
+              <a:lstStyle/>
+              <a:p>
+                <a:pPr algn="ctr"/>
+                <a:endParaRPr lang="en-US"/>
+              </a:p>
+            </p:txBody>
+          </p:sp>
+          <mc:AlternateContent xmlns:mc="http://schemas.openxmlformats.org/markup-compatibility/2006" xmlns:a14="http://schemas.microsoft.com/office/drawing/2010/main">
+            <mc:Choice Requires="a14">
+              <p:sp>
+                <p:nvSpPr>
+                  <p:cNvPr id="99" name="TextBox 98"/>
+                  <p:cNvSpPr txBox="1"/>
+                  <p:nvPr/>
+                </p:nvSpPr>
+                <p:spPr>
+                  <a:xfrm>
+                    <a:off x="7442210" y="6485929"/>
+                    <a:ext cx="479747" cy="307777"/>
+                  </a:xfrm>
+                  <a:prstGeom prst="rect">
+                    <a:avLst/>
+                  </a:prstGeom>
+                  <a:noFill/>
+                </p:spPr>
+                <p:txBody>
+                  <a:bodyPr wrap="none" lIns="0" tIns="0" rIns="0" bIns="0" rtlCol="0">
+                    <a:spAutoFit/>
+                  </a:bodyPr>
+                  <a:lstStyle/>
+                  <a:p>
+                    <a:pPr/>
+                    <a14:m>
+                      <m:oMathPara xmlns:m="http://schemas.openxmlformats.org/officeDocument/2006/math">
+                        <m:oMathParaPr>
+                          <m:jc m:val="centerGroup"/>
+                        </m:oMathParaPr>
+                        <m:oMath xmlns:m="http://schemas.openxmlformats.org/officeDocument/2006/math">
+                          <m:r>
+                            <a:rPr lang="en-CA" sz="2000" b="0" i="1" smtClean="0">
+                              <a:latin typeface="Cambria Math" charset="0"/>
+                              <a:cs typeface="Arial" panose="020B0604020202020204" pitchFamily="34" charset="0"/>
+                            </a:rPr>
+                            <m:t>𝐿</m:t>
+                          </m:r>
+                          <m:r>
+                            <a:rPr lang="en-CA" sz="2000" b="0" i="1" smtClean="0">
+                              <a:latin typeface="Cambria Math" charset="0"/>
+                              <a:cs typeface="Arial" panose="020B0604020202020204" pitchFamily="34" charset="0"/>
+                            </a:rPr>
+                            <m:t>/2</m:t>
+                          </m:r>
+                        </m:oMath>
+                      </m:oMathPara>
+                    </a14:m>
+                    <a:endParaRPr lang="en-US" sz="2000" dirty="0" smtClean="0">
+                      <a:latin typeface="Arial" panose="020B0604020202020204" pitchFamily="34" charset="0"/>
+                      <a:cs typeface="Arial" panose="020B0604020202020204" pitchFamily="34" charset="0"/>
+                    </a:endParaRPr>
+                  </a:p>
+                </p:txBody>
+              </p:sp>
+            </mc:Choice>
+            <mc:Fallback xmlns="">
+              <p:sp>
+                <p:nvSpPr>
+                  <p:cNvPr id="99" name="TextBox 98"/>
+                  <p:cNvSpPr txBox="1">
+                    <a:spLocks noRot="1" noChangeAspect="1" noMove="1" noResize="1" noEditPoints="1" noAdjustHandles="1" noChangeArrowheads="1" noChangeShapeType="1" noTextEdit="1"/>
+                  </p:cNvSpPr>
+                  <p:nvPr/>
+                </p:nvSpPr>
+                <p:spPr>
+                  <a:xfrm>
+                    <a:off x="7442210" y="6485929"/>
+                    <a:ext cx="479747" cy="307777"/>
+                  </a:xfrm>
+                  <a:prstGeom prst="rect">
+                    <a:avLst/>
+                  </a:prstGeom>
+                  <a:blipFill rotWithShape="0">
+                    <a:blip r:embed="rId13"/>
+                    <a:stretch>
+                      <a:fillRect l="-11392" r="-10127" b="-37255"/>
+                    </a:stretch>
+                  </a:blipFill>
+                </p:spPr>
+                <p:txBody>
+                  <a:bodyPr/>
+                  <a:lstStyle/>
+                  <a:p>
+                    <a:r>
+                      <a:rPr lang="en-US">
+                        <a:noFill/>
+                      </a:rPr>
+                      <a:t> </a:t>
+                    </a:r>
+                  </a:p>
+                </p:txBody>
+              </p:sp>
+            </mc:Fallback>
+          </mc:AlternateContent>
+          <p:cxnSp>
+            <p:nvCxnSpPr>
+              <p:cNvPr id="100" name="Straight Arrow Connector 99"/>
+              <p:cNvCxnSpPr/>
+              <p:nvPr/>
+            </p:nvCxnSpPr>
+            <p:spPr>
+              <a:xfrm flipH="1">
+                <a:off x="6887104" y="6647196"/>
+                <a:ext cx="540000" cy="0"/>
+              </a:xfrm>
+              <a:prstGeom prst="straightConnector1">
+                <a:avLst/>
+              </a:prstGeom>
+              <a:ln w="38100">
+                <a:solidFill>
+                  <a:schemeClr val="tx1"/>
+                </a:solidFill>
+                <a:tailEnd type="triangle"/>
+              </a:ln>
+            </p:spPr>
+            <p:style>
+              <a:lnRef idx="1">
+                <a:schemeClr val="accent1"/>
+              </a:lnRef>
+              <a:fillRef idx="0">
+                <a:schemeClr val="accent1"/>
+              </a:fillRef>
+              <a:effectRef idx="0">
+                <a:schemeClr val="accent1"/>
+              </a:effectRef>
+              <a:fontRef idx="minor">
+                <a:schemeClr val="tx1"/>
+              </a:fontRef>
+            </p:style>
+          </p:cxnSp>
+          <p:cxnSp>
+            <p:nvCxnSpPr>
+              <p:cNvPr id="101" name="Straight Arrow Connector 100"/>
+              <p:cNvCxnSpPr/>
+              <p:nvPr/>
+            </p:nvCxnSpPr>
+            <p:spPr>
+              <a:xfrm>
+                <a:off x="7950879" y="6639818"/>
+                <a:ext cx="540000" cy="0"/>
+              </a:xfrm>
+              <a:prstGeom prst="straightConnector1">
+                <a:avLst/>
+              </a:prstGeom>
+              <a:ln w="38100">
+                <a:solidFill>
+                  <a:schemeClr val="tx1"/>
+                </a:solidFill>
+                <a:tailEnd type="triangle"/>
+              </a:ln>
+            </p:spPr>
+            <p:style>
+              <a:lnRef idx="1">
+                <a:schemeClr val="accent1"/>
+              </a:lnRef>
+              <a:fillRef idx="0">
+                <a:schemeClr val="accent1"/>
+              </a:fillRef>
+              <a:effectRef idx="0">
+                <a:schemeClr val="accent1"/>
+              </a:effectRef>
+              <a:fontRef idx="minor">
+                <a:schemeClr val="tx1"/>
+              </a:fontRef>
+            </p:style>
+          </p:cxnSp>
+          <mc:AlternateContent xmlns:mc="http://schemas.openxmlformats.org/markup-compatibility/2006" xmlns:a14="http://schemas.microsoft.com/office/drawing/2010/main">
+            <mc:Choice Requires="a14">
+              <p:sp>
+                <p:nvSpPr>
+                  <p:cNvPr id="103" name="TextBox 102"/>
+                  <p:cNvSpPr txBox="1"/>
+                  <p:nvPr/>
+                </p:nvSpPr>
+                <p:spPr>
+                  <a:xfrm>
+                    <a:off x="9186453" y="6478846"/>
+                    <a:ext cx="479747" cy="307777"/>
+                  </a:xfrm>
+                  <a:prstGeom prst="rect">
+                    <a:avLst/>
+                  </a:prstGeom>
+                  <a:noFill/>
+                </p:spPr>
+                <p:txBody>
+                  <a:bodyPr wrap="none" lIns="0" tIns="0" rIns="0" bIns="0" rtlCol="0">
+                    <a:spAutoFit/>
+                  </a:bodyPr>
+                  <a:lstStyle/>
+                  <a:p>
+                    <a:pPr/>
+                    <a14:m>
+                      <m:oMathPara xmlns:m="http://schemas.openxmlformats.org/officeDocument/2006/math">
+                        <m:oMathParaPr>
+                          <m:jc m:val="centerGroup"/>
+                        </m:oMathParaPr>
+                        <m:oMath xmlns:m="http://schemas.openxmlformats.org/officeDocument/2006/math">
+                          <m:r>
+                            <a:rPr lang="en-CA" sz="2000" b="0" i="1" smtClean="0">
+                              <a:latin typeface="Cambria Math" charset="0"/>
+                              <a:cs typeface="Arial" panose="020B0604020202020204" pitchFamily="34" charset="0"/>
+                            </a:rPr>
+                            <m:t>𝐿</m:t>
+                          </m:r>
+                          <m:r>
+                            <a:rPr lang="en-CA" sz="2000" b="0" i="1" smtClean="0">
+                              <a:latin typeface="Cambria Math" charset="0"/>
+                              <a:cs typeface="Arial" panose="020B0604020202020204" pitchFamily="34" charset="0"/>
+                            </a:rPr>
+                            <m:t>/2</m:t>
+                          </m:r>
+                        </m:oMath>
+                      </m:oMathPara>
+                    </a14:m>
+                    <a:endParaRPr lang="en-US" sz="2000" dirty="0" smtClean="0">
+                      <a:latin typeface="Arial" panose="020B0604020202020204" pitchFamily="34" charset="0"/>
+                      <a:cs typeface="Arial" panose="020B0604020202020204" pitchFamily="34" charset="0"/>
+                    </a:endParaRPr>
+                  </a:p>
+                </p:txBody>
+              </p:sp>
+            </mc:Choice>
+            <mc:Fallback xmlns="">
+              <p:sp>
+                <p:nvSpPr>
+                  <p:cNvPr id="103" name="TextBox 102"/>
+                  <p:cNvSpPr txBox="1">
+                    <a:spLocks noRot="1" noChangeAspect="1" noMove="1" noResize="1" noEditPoints="1" noAdjustHandles="1" noChangeArrowheads="1" noChangeShapeType="1" noTextEdit="1"/>
+                  </p:cNvSpPr>
+                  <p:nvPr/>
+                </p:nvSpPr>
+                <p:spPr>
+                  <a:xfrm>
+                    <a:off x="9186453" y="6478846"/>
+                    <a:ext cx="479747" cy="307777"/>
+                  </a:xfrm>
+                  <a:prstGeom prst="rect">
+                    <a:avLst/>
+                  </a:prstGeom>
+                  <a:blipFill rotWithShape="0">
+                    <a:blip r:embed="rId12"/>
+                    <a:stretch>
+                      <a:fillRect l="-11392" r="-10127" b="-38000"/>
+                    </a:stretch>
+                  </a:blipFill>
+                </p:spPr>
+                <p:txBody>
+                  <a:bodyPr/>
+                  <a:lstStyle/>
+                  <a:p>
+                    <a:r>
+                      <a:rPr lang="en-US">
+                        <a:noFill/>
+                      </a:rPr>
+                      <a:t> </a:t>
+                    </a:r>
+                  </a:p>
+                </p:txBody>
+              </p:sp>
+            </mc:Fallback>
+          </mc:AlternateContent>
+          <p:cxnSp>
+            <p:nvCxnSpPr>
+              <p:cNvPr id="104" name="Straight Arrow Connector 103"/>
+              <p:cNvCxnSpPr/>
+              <p:nvPr/>
+            </p:nvCxnSpPr>
+            <p:spPr>
+              <a:xfrm flipH="1">
+                <a:off x="8631347" y="6640113"/>
+                <a:ext cx="540000" cy="0"/>
+              </a:xfrm>
+              <a:prstGeom prst="straightConnector1">
+                <a:avLst/>
+              </a:prstGeom>
+              <a:ln w="38100">
+                <a:solidFill>
+                  <a:schemeClr val="tx1"/>
+                </a:solidFill>
+                <a:tailEnd type="triangle"/>
+              </a:ln>
+            </p:spPr>
+            <p:style>
+              <a:lnRef idx="1">
+                <a:schemeClr val="accent1"/>
+              </a:lnRef>
+              <a:fillRef idx="0">
+                <a:schemeClr val="accent1"/>
+              </a:fillRef>
+              <a:effectRef idx="0">
+                <a:schemeClr val="accent1"/>
+              </a:effectRef>
+              <a:fontRef idx="minor">
+                <a:schemeClr val="tx1"/>
+              </a:fontRef>
+            </p:style>
+          </p:cxnSp>
+          <p:cxnSp>
+            <p:nvCxnSpPr>
+              <p:cNvPr id="105" name="Straight Arrow Connector 104"/>
+              <p:cNvCxnSpPr/>
+              <p:nvPr/>
+            </p:nvCxnSpPr>
+            <p:spPr>
+              <a:xfrm>
+                <a:off x="9695122" y="6632735"/>
+                <a:ext cx="540000" cy="0"/>
+              </a:xfrm>
+              <a:prstGeom prst="straightConnector1">
+                <a:avLst/>
+              </a:prstGeom>
+              <a:ln w="38100">
+                <a:solidFill>
+                  <a:schemeClr val="tx1"/>
+                </a:solidFill>
+                <a:tailEnd type="triangle"/>
+              </a:ln>
+            </p:spPr>
+            <p:style>
+              <a:lnRef idx="1">
+                <a:schemeClr val="accent1"/>
+              </a:lnRef>
+              <a:fillRef idx="0">
+                <a:schemeClr val="accent1"/>
+              </a:fillRef>
+              <a:effectRef idx="0">
+                <a:schemeClr val="accent1"/>
+              </a:effectRef>
+              <a:fontRef idx="minor">
+                <a:schemeClr val="tx1"/>
+              </a:fontRef>
+            </p:style>
+          </p:cxnSp>
+          <mc:AlternateContent xmlns:mc="http://schemas.openxmlformats.org/markup-compatibility/2006">
+            <mc:Choice xmlns:a14="http://schemas.microsoft.com/office/drawing/2010/main" Requires="a14">
+              <p:sp>
+                <p:nvSpPr>
+                  <p:cNvPr id="116" name="TextBox 115"/>
+                  <p:cNvSpPr txBox="1"/>
+                  <p:nvPr/>
+                </p:nvSpPr>
+                <p:spPr>
+                  <a:xfrm>
+                    <a:off x="8212835" y="5164094"/>
+                    <a:ext cx="212046" cy="307777"/>
+                  </a:xfrm>
+                  <a:prstGeom prst="rect">
+                    <a:avLst/>
+                  </a:prstGeom>
+                  <a:noFill/>
+                </p:spPr>
+                <p:txBody>
+                  <a:bodyPr wrap="square" lIns="0" tIns="0" rIns="0" bIns="0" rtlCol="0">
+                    <a:spAutoFit/>
+                  </a:bodyPr>
+                  <a:lstStyle/>
+                  <a:p>
+                    <a:pPr/>
+                    <a14:m>
+                      <m:oMathPara xmlns:m="http://schemas.openxmlformats.org/officeDocument/2006/math">
+                        <m:oMathParaPr>
+                          <m:jc m:val="centerGroup"/>
+                        </m:oMathParaPr>
+                        <m:oMath xmlns:m="http://schemas.openxmlformats.org/officeDocument/2006/math">
+                          <m:r>
+                            <a:rPr lang="en-US" sz="2000" b="0" i="1" smtClean="0">
+                              <a:latin typeface="Cambria Math" panose="02040503050406030204" pitchFamily="18" charset="0"/>
+                              <a:cs typeface="Arial" panose="020B0604020202020204" pitchFamily="34" charset="0"/>
+                            </a:rPr>
+                            <m:t>h</m:t>
+                          </m:r>
+                        </m:oMath>
+                      </m:oMathPara>
+                    </a14:m>
+                    <a:endParaRPr lang="en-US" sz="2000" dirty="0" smtClean="0">
+                      <a:latin typeface="Arial" panose="020B0604020202020204" pitchFamily="34" charset="0"/>
+                      <a:cs typeface="Arial" panose="020B0604020202020204" pitchFamily="34" charset="0"/>
+                    </a:endParaRPr>
+                  </a:p>
+                </p:txBody>
+              </p:sp>
+            </mc:Choice>
+            <mc:Fallback>
+              <p:sp>
+                <p:nvSpPr>
+                  <p:cNvPr id="116" name="TextBox 115"/>
+                  <p:cNvSpPr txBox="1">
+                    <a:spLocks noRot="1" noChangeAspect="1" noMove="1" noResize="1" noEditPoints="1" noAdjustHandles="1" noChangeArrowheads="1" noChangeShapeType="1" noTextEdit="1"/>
+                  </p:cNvSpPr>
+                  <p:nvPr/>
+                </p:nvSpPr>
+                <p:spPr>
+                  <a:xfrm>
+                    <a:off x="8212835" y="5164094"/>
+                    <a:ext cx="212046" cy="307777"/>
+                  </a:xfrm>
+                  <a:prstGeom prst="rect">
+                    <a:avLst/>
+                  </a:prstGeom>
+                  <a:blipFill>
+                    <a:blip r:embed="rId19"/>
+                    <a:stretch>
+                      <a:fillRect l="-28571" r="-22857" b="-9804"/>
+                    </a:stretch>
+                  </a:blipFill>
+                </p:spPr>
+                <p:txBody>
+                  <a:bodyPr/>
+                  <a:lstStyle/>
+                  <a:p>
+                    <a:r>
+                      <a:rPr lang="en-US">
+                        <a:noFill/>
+                      </a:rPr>
+                      <a:t> </a:t>
+                    </a:r>
+                  </a:p>
+                </p:txBody>
+              </p:sp>
+            </mc:Fallback>
+          </mc:AlternateContent>
+          <p:cxnSp>
+            <p:nvCxnSpPr>
+              <p:cNvPr id="117" name="Straight Arrow Connector 116"/>
+              <p:cNvCxnSpPr/>
+              <p:nvPr/>
+            </p:nvCxnSpPr>
+            <p:spPr>
+              <a:xfrm rot="5400000" flipH="1">
+                <a:off x="8140769" y="4994871"/>
+                <a:ext cx="360000" cy="0"/>
+              </a:xfrm>
+              <a:prstGeom prst="straightConnector1">
+                <a:avLst/>
+              </a:prstGeom>
+              <a:ln w="38100">
+                <a:solidFill>
+                  <a:schemeClr val="tx1"/>
+                </a:solidFill>
+                <a:tailEnd type="triangle"/>
+              </a:ln>
+            </p:spPr>
+            <p:style>
+              <a:lnRef idx="1">
+                <a:schemeClr val="accent1"/>
+              </a:lnRef>
+              <a:fillRef idx="0">
+                <a:schemeClr val="accent1"/>
+              </a:fillRef>
+              <a:effectRef idx="0">
+                <a:schemeClr val="accent1"/>
+              </a:effectRef>
+              <a:fontRef idx="minor">
+                <a:schemeClr val="tx1"/>
+              </a:fontRef>
+            </p:style>
+          </p:cxnSp>
+          <p:cxnSp>
+            <p:nvCxnSpPr>
+              <p:cNvPr id="118" name="Straight Arrow Connector 117"/>
+              <p:cNvCxnSpPr/>
+              <p:nvPr/>
+            </p:nvCxnSpPr>
+            <p:spPr>
+              <a:xfrm rot="5400000" flipV="1">
+                <a:off x="8138858" y="5630610"/>
+                <a:ext cx="360000" cy="0"/>
+              </a:xfrm>
+              <a:prstGeom prst="straightConnector1">
+                <a:avLst/>
+              </a:prstGeom>
+              <a:ln w="38100">
+                <a:solidFill>
+                  <a:schemeClr val="tx1"/>
+                </a:solidFill>
+                <a:tailEnd type="triangle"/>
+              </a:ln>
+            </p:spPr>
+            <p:style>
+              <a:lnRef idx="1">
+                <a:schemeClr val="accent1"/>
+              </a:lnRef>
+              <a:fillRef idx="0">
+                <a:schemeClr val="accent1"/>
+              </a:fillRef>
+              <a:effectRef idx="0">
+                <a:schemeClr val="accent1"/>
+              </a:effectRef>
+              <a:fontRef idx="minor">
+                <a:schemeClr val="tx1"/>
+              </a:fontRef>
+            </p:style>
+          </p:cxnSp>
+          <p:cxnSp>
+            <p:nvCxnSpPr>
+              <p:cNvPr id="120" name="Straight Arrow Connector 119"/>
+              <p:cNvCxnSpPr/>
+              <p:nvPr/>
+            </p:nvCxnSpPr>
+            <p:spPr>
+              <a:xfrm>
+                <a:off x="8570788" y="4827778"/>
+                <a:ext cx="453291" cy="391152"/>
+              </a:xfrm>
+              <a:prstGeom prst="straightConnector1">
+                <a:avLst/>
+              </a:prstGeom>
+              <a:ln w="57150">
+                <a:solidFill>
+                  <a:srgbClr val="FF0000"/>
+                </a:solidFill>
+                <a:tailEnd type="triangle"/>
+              </a:ln>
+            </p:spPr>
+            <p:style>
+              <a:lnRef idx="1">
+                <a:schemeClr val="accent1"/>
+              </a:lnRef>
+              <a:fillRef idx="0">
+                <a:schemeClr val="accent1"/>
+              </a:fillRef>
+              <a:effectRef idx="0">
+                <a:schemeClr val="accent1"/>
+              </a:effectRef>
+              <a:fontRef idx="minor">
+                <a:schemeClr val="tx1"/>
+              </a:fontRef>
+            </p:style>
+          </p:cxnSp>
+          <mc:AlternateContent xmlns:mc="http://schemas.openxmlformats.org/markup-compatibility/2006" xmlns:a14="http://schemas.microsoft.com/office/drawing/2010/main">
+            <mc:Choice Requires="a14">
+              <p:sp>
+                <p:nvSpPr>
+                  <p:cNvPr id="121" name="TextBox 120"/>
+                  <p:cNvSpPr txBox="1"/>
+                  <p:nvPr/>
+                </p:nvSpPr>
+                <p:spPr>
+                  <a:xfrm>
+                    <a:off x="8674614" y="4667849"/>
+                    <a:ext cx="586553" cy="308048"/>
+                  </a:xfrm>
+                  <a:prstGeom prst="rect">
+                    <a:avLst/>
+                  </a:prstGeom>
+                  <a:noFill/>
+                </p:spPr>
+                <p:txBody>
+                  <a:bodyPr wrap="square" lIns="0" tIns="0" rIns="0" bIns="0" rtlCol="0">
+                    <a:spAutoFit/>
+                  </a:bodyPr>
+                  <a:lstStyle/>
+                  <a:p>
+                    <a:pPr/>
+                    <a14:m>
+                      <m:oMathPara xmlns:m="http://schemas.openxmlformats.org/officeDocument/2006/math">
+                        <m:oMathParaPr>
+                          <m:jc m:val="centerGroup"/>
+                        </m:oMathParaPr>
+                        <m:oMath xmlns:m="http://schemas.openxmlformats.org/officeDocument/2006/math">
+                          <m:r>
+                            <a:rPr lang="en-CA" sz="2000" b="0" i="1" smtClean="0">
+                              <a:solidFill>
+                                <a:srgbClr val="FF0000"/>
+                              </a:solidFill>
+                              <a:latin typeface="Cambria Math" charset="0"/>
+                              <a:cs typeface="Arial" panose="020B0604020202020204" pitchFamily="34" charset="0"/>
+                            </a:rPr>
+                            <m:t>𝑑</m:t>
+                          </m:r>
+                          <m:acc>
+                            <m:accPr>
+                              <m:chr m:val="⃗"/>
+                              <m:ctrlPr>
+                                <a:rPr lang="en-CA" sz="2000" b="0" i="1" smtClean="0">
+                                  <a:solidFill>
+                                    <a:srgbClr val="FF0000"/>
+                                  </a:solidFill>
+                                  <a:latin typeface="Cambria Math" panose="02040503050406030204" pitchFamily="18" charset="0"/>
+                                  <a:cs typeface="Arial" panose="020B0604020202020204" pitchFamily="34" charset="0"/>
+                                </a:rPr>
+                              </m:ctrlPr>
+                            </m:accPr>
+                            <m:e>
+                              <m:r>
+                                <a:rPr lang="en-CA" sz="2000" b="0" i="1" smtClean="0">
+                                  <a:solidFill>
+                                    <a:srgbClr val="FF0000"/>
+                                  </a:solidFill>
+                                  <a:latin typeface="Cambria Math" charset="0"/>
+                                  <a:cs typeface="Arial" panose="020B0604020202020204" pitchFamily="34" charset="0"/>
+                                </a:rPr>
+                                <m:t>𝑔</m:t>
+                              </m:r>
+                            </m:e>
+                          </m:acc>
+                        </m:oMath>
+                      </m:oMathPara>
+                    </a14:m>
+                    <a:endParaRPr lang="en-US" sz="2000" dirty="0" smtClean="0">
+                      <a:solidFill>
+                        <a:srgbClr val="FF0000"/>
+                      </a:solidFill>
+                      <a:latin typeface="Arial" panose="020B0604020202020204" pitchFamily="34" charset="0"/>
+                      <a:cs typeface="Arial" panose="020B0604020202020204" pitchFamily="34" charset="0"/>
+                    </a:endParaRPr>
+                  </a:p>
+                </p:txBody>
+              </p:sp>
+            </mc:Choice>
+            <mc:Fallback xmlns="">
+              <p:sp>
+                <p:nvSpPr>
+                  <p:cNvPr id="121" name="TextBox 120"/>
+                  <p:cNvSpPr txBox="1">
+                    <a:spLocks noRot="1" noChangeAspect="1" noMove="1" noResize="1" noEditPoints="1" noAdjustHandles="1" noChangeArrowheads="1" noChangeShapeType="1" noTextEdit="1"/>
+                  </p:cNvSpPr>
+                  <p:nvPr/>
+                </p:nvSpPr>
+                <p:spPr>
+                  <a:xfrm>
+                    <a:off x="8674614" y="4667849"/>
+                    <a:ext cx="586553" cy="308048"/>
+                  </a:xfrm>
+                  <a:prstGeom prst="rect">
+                    <a:avLst/>
+                  </a:prstGeom>
+                  <a:blipFill rotWithShape="0">
+                    <a:blip r:embed="rId20"/>
+                    <a:stretch>
+                      <a:fillRect t="-36000" r="-44792" b="-30000"/>
+                    </a:stretch>
+                  </a:blipFill>
+                </p:spPr>
+                <p:txBody>
+                  <a:bodyPr/>
+                  <a:lstStyle/>
+                  <a:p>
+                    <a:r>
+                      <a:rPr lang="en-US">
+                        <a:noFill/>
+                      </a:rPr>
+                      <a:t> </a:t>
+                    </a:r>
+                  </a:p>
+                </p:txBody>
+              </p:sp>
+            </mc:Fallback>
+          </mc:AlternateContent>
+          <mc:AlternateContent xmlns:mc="http://schemas.openxmlformats.org/markup-compatibility/2006" xmlns:a14="http://schemas.microsoft.com/office/drawing/2010/main">
+            <mc:Choice Requires="a14">
+              <p:sp>
+                <p:nvSpPr>
+                  <p:cNvPr id="123" name="TextBox 122"/>
+                  <p:cNvSpPr txBox="1"/>
+                  <p:nvPr/>
+                </p:nvSpPr>
+                <p:spPr>
+                  <a:xfrm>
+                    <a:off x="8546752" y="4918869"/>
+                    <a:ext cx="222305" cy="307777"/>
+                  </a:xfrm>
+                  <a:prstGeom prst="rect">
+                    <a:avLst/>
+                  </a:prstGeom>
+                  <a:noFill/>
+                </p:spPr>
+                <p:txBody>
+                  <a:bodyPr wrap="none" lIns="0" tIns="0" rIns="0" bIns="0" rtlCol="0">
+                    <a:spAutoFit/>
+                  </a:bodyPr>
+                  <a:lstStyle/>
+                  <a:p>
+                    <a:pPr/>
+                    <a14:m>
+                      <m:oMathPara xmlns:m="http://schemas.openxmlformats.org/officeDocument/2006/math">
+                        <m:oMathParaPr>
+                          <m:jc m:val="centerGroup"/>
+                        </m:oMathParaPr>
+                        <m:oMath xmlns:m="http://schemas.openxmlformats.org/officeDocument/2006/math">
+                          <m:r>
+                            <a:rPr lang="en-US" sz="2000" i="1" smtClean="0">
+                              <a:latin typeface="Cambria Math" charset="0"/>
+                              <a:ea typeface="Cambria Math" charset="0"/>
+                              <a:cs typeface="Cambria Math" charset="0"/>
+                            </a:rPr>
+                            <m:t>𝜃</m:t>
+                          </m:r>
+                        </m:oMath>
+                      </m:oMathPara>
+                    </a14:m>
+                    <a:endParaRPr lang="en-US" sz="2000" dirty="0" smtClean="0">
+                      <a:latin typeface="Arial" panose="020B0604020202020204" pitchFamily="34" charset="0"/>
+                      <a:cs typeface="Arial" panose="020B0604020202020204" pitchFamily="34" charset="0"/>
+                    </a:endParaRPr>
+                  </a:p>
+                </p:txBody>
+              </p:sp>
+            </mc:Choice>
+            <mc:Fallback xmlns="">
+              <p:sp>
+                <p:nvSpPr>
+                  <p:cNvPr id="123" name="TextBox 122"/>
+                  <p:cNvSpPr txBox="1">
+                    <a:spLocks noRot="1" noChangeAspect="1" noMove="1" noResize="1" noEditPoints="1" noAdjustHandles="1" noChangeArrowheads="1" noChangeShapeType="1" noTextEdit="1"/>
+                  </p:cNvSpPr>
+                  <p:nvPr/>
+                </p:nvSpPr>
+                <p:spPr>
+                  <a:xfrm>
+                    <a:off x="8546752" y="4918869"/>
+                    <a:ext cx="222305" cy="307777"/>
+                  </a:xfrm>
+                  <a:prstGeom prst="rect">
+                    <a:avLst/>
+                  </a:prstGeom>
+                  <a:blipFill rotWithShape="0">
+                    <a:blip r:embed="rId21"/>
+                    <a:stretch>
+                      <a:fillRect l="-25000" r="-25000" b="-9804"/>
+                    </a:stretch>
+                  </a:blipFill>
+                </p:spPr>
+                <p:txBody>
+                  <a:bodyPr/>
+                  <a:lstStyle/>
+                  <a:p>
+                    <a:r>
+                      <a:rPr lang="en-US">
+                        <a:noFill/>
+                      </a:rPr>
+                      <a:t> </a:t>
+                    </a:r>
+                  </a:p>
+                </p:txBody>
+              </p:sp>
+            </mc:Fallback>
+          </mc:AlternateContent>
+          <p:sp>
+            <p:nvSpPr>
+              <p:cNvPr id="128" name="Oval 127"/>
+              <p:cNvSpPr/>
+              <p:nvPr/>
+            </p:nvSpPr>
+            <p:spPr>
+              <a:xfrm>
+                <a:off x="8477028" y="4745756"/>
+                <a:ext cx="108000" cy="108000"/>
+              </a:xfrm>
+              <a:prstGeom prst="ellipse">
+                <a:avLst/>
+              </a:prstGeom>
               <a:solidFill>
                 <a:schemeClr val="tx1"/>
               </a:solidFill>
-              <a:tailEnd type="triangle"/>
-            </a:ln>
-          </p:spPr>
-          <p:style>
-            <a:lnRef idx="1">
-              <a:schemeClr val="accent1"/>
-            </a:lnRef>
-            <a:fillRef idx="0">
-              <a:schemeClr val="accent1"/>
-            </a:fillRef>
-            <a:effectRef idx="0">
-              <a:schemeClr val="accent1"/>
-            </a:effectRef>
-            <a:fontRef idx="minor">
-              <a:schemeClr val="tx1"/>
-            </a:fontRef>
-          </p:style>
-        </p:cxnSp>
-        <mc:AlternateContent xmlns:mc="http://schemas.openxmlformats.org/markup-compatibility/2006" xmlns:a14="http://schemas.microsoft.com/office/drawing/2010/main">
-          <mc:Choice Requires="a14">
+              <a:ln w="38100">
+                <a:solidFill>
+                  <a:schemeClr val="tx1"/>
+                </a:solidFill>
+              </a:ln>
+            </p:spPr>
+            <p:style>
+              <a:lnRef idx="2">
+                <a:schemeClr val="accent1">
+                  <a:shade val="50000"/>
+                </a:schemeClr>
+              </a:lnRef>
+              <a:fillRef idx="1">
+                <a:schemeClr val="accent1"/>
+              </a:fillRef>
+              <a:effectRef idx="0">
+                <a:schemeClr val="accent1"/>
+              </a:effectRef>
+              <a:fontRef idx="minor">
+                <a:schemeClr val="lt1"/>
+              </a:fontRef>
+            </p:style>
+            <p:txBody>
+              <a:bodyPr rtlCol="0" anchor="ctr"/>
+              <a:lstStyle/>
+              <a:p>
+                <a:pPr algn="ctr"/>
+                <a:endParaRPr lang="en-US"/>
+              </a:p>
+            </p:txBody>
+          </p:sp>
+        </p:grpSp>
+        <mc:AlternateContent xmlns:mc="http://schemas.openxmlformats.org/markup-compatibility/2006">
+          <mc:Choice xmlns:a14="http://schemas.microsoft.com/office/drawing/2010/main" Requires="a14">
             <p:sp>
               <p:nvSpPr>
-                <p:cNvPr id="83" name="TextBox 82"/>
+                <p:cNvPr id="2" name="TextBox 1"/>
                 <p:cNvSpPr txBox="1"/>
                 <p:nvPr/>
               </p:nvSpPr>
               <p:spPr>
                 <a:xfrm>
-                  <a:off x="8429988" y="6120467"/>
-                  <a:ext cx="213199" cy="307777"/>
+                  <a:off x="9318883" y="4952188"/>
+                  <a:ext cx="198003" cy="307777"/>
                 </a:xfrm>
                 <a:prstGeom prst="rect">
                   <a:avLst/>
@@ -23450,7 +24969,6 @@
                 </a:bodyPr>
                 <a:lstStyle/>
                 <a:p>
-                  <a:pPr/>
                   <a14:m>
                     <m:oMathPara xmlns:m="http://schemas.openxmlformats.org/officeDocument/2006/math">
                       <m:oMathParaPr>
@@ -23458,11 +24976,11 @@
                       </m:oMathParaPr>
                       <m:oMath xmlns:m="http://schemas.openxmlformats.org/officeDocument/2006/math">
                         <m:r>
-                          <a:rPr lang="en-CA" sz="2000" b="0" i="1" smtClean="0">
-                            <a:latin typeface="Cambria Math" charset="0"/>
+                          <a:rPr lang="en-US" sz="2000" b="0" i="1" smtClean="0">
+                            <a:latin typeface="Cambria Math" panose="02040503050406030204" pitchFamily="18" charset="0"/>
                             <a:cs typeface="Arial" panose="020B0604020202020204" pitchFamily="34" charset="0"/>
                           </a:rPr>
-                          <m:t>0</m:t>
+                          <m:t>𝑟</m:t>
                         </m:r>
                       </m:oMath>
                     </m:oMathPara>
@@ -23475,10 +24993,10 @@
               </p:txBody>
             </p:sp>
           </mc:Choice>
-          <mc:Fallback xmlns="">
+          <mc:Fallback>
             <p:sp>
               <p:nvSpPr>
-                <p:cNvPr id="83" name="TextBox 82"/>
+                <p:cNvPr id="2" name="TextBox 1"/>
                 <p:cNvSpPr txBox="1">
                   <a:spLocks noRot="1" noChangeAspect="1" noMove="1" noResize="1" noEditPoints="1" noAdjustHandles="1" noChangeArrowheads="1" noChangeShapeType="1" noTextEdit="1"/>
                 </p:cNvSpPr>
@@ -23486,16 +25004,16 @@
               </p:nvSpPr>
               <p:spPr>
                 <a:xfrm>
-                  <a:off x="8429988" y="6120467"/>
-                  <a:ext cx="213199" cy="307777"/>
+                  <a:off x="9318883" y="4952188"/>
+                  <a:ext cx="198003" cy="307777"/>
                 </a:xfrm>
                 <a:prstGeom prst="rect">
                   <a:avLst/>
                 </a:prstGeom>
-                <a:blipFill rotWithShape="0">
-                  <a:blip r:embed="rId15"/>
+                <a:blipFill>
+                  <a:blip r:embed="rId22"/>
                   <a:stretch>
-                    <a:fillRect l="-25714" r="-25714" b="-11765"/>
+                    <a:fillRect l="-15625" r="-12500" b="-1961"/>
                   </a:stretch>
                 </a:blipFill>
               </p:spPr>
@@ -23514,66 +25032,18 @@
             </p:sp>
           </mc:Fallback>
         </mc:AlternateContent>
-        <p:sp>
-          <p:nvSpPr>
-            <p:cNvPr id="84" name="Rectangle 83"/>
-            <p:cNvSpPr/>
-            <p:nvPr/>
-          </p:nvSpPr>
-          <p:spPr>
-            <a:xfrm>
-              <a:off x="6892314" y="5897537"/>
-              <a:ext cx="3351471" cy="194874"/>
-            </a:xfrm>
-            <a:prstGeom prst="rect">
-              <a:avLst/>
-            </a:prstGeom>
-            <a:solidFill>
-              <a:schemeClr val="bg2"/>
-            </a:solidFill>
-            <a:ln w="38100">
-              <a:solidFill>
-                <a:schemeClr val="tx1"/>
-              </a:solidFill>
-            </a:ln>
-          </p:spPr>
-          <p:style>
-            <a:lnRef idx="2">
-              <a:schemeClr val="accent1">
-                <a:shade val="50000"/>
-              </a:schemeClr>
-            </a:lnRef>
-            <a:fillRef idx="1">
-              <a:schemeClr val="accent1"/>
-            </a:fillRef>
-            <a:effectRef idx="0">
-              <a:schemeClr val="accent1"/>
-            </a:effectRef>
-            <a:fontRef idx="minor">
-              <a:schemeClr val="lt1"/>
-            </a:fontRef>
-          </p:style>
-          <p:txBody>
-            <a:bodyPr rtlCol="0" anchor="ctr"/>
-            <a:lstStyle/>
-            <a:p>
-              <a:pPr algn="ctr"/>
-              <a:endParaRPr lang="en-US"/>
-            </a:p>
-          </p:txBody>
-        </p:sp>
-        <mc:AlternateContent xmlns:mc="http://schemas.openxmlformats.org/markup-compatibility/2006" xmlns:a14="http://schemas.microsoft.com/office/drawing/2010/main">
-          <mc:Choice Requires="a14">
+        <mc:AlternateContent xmlns:mc="http://schemas.openxmlformats.org/markup-compatibility/2006">
+          <mc:Choice xmlns:a14="http://schemas.microsoft.com/office/drawing/2010/main" Requires="a14">
             <p:sp>
               <p:nvSpPr>
-                <p:cNvPr id="86" name="TextBox 85"/>
+                <p:cNvPr id="50" name="TextBox 49"/>
                 <p:cNvSpPr txBox="1"/>
                 <p:nvPr/>
               </p:nvSpPr>
               <p:spPr>
                 <a:xfrm>
-                  <a:off x="8623864" y="4456251"/>
-                  <a:ext cx="235513" cy="307777"/>
+                  <a:off x="8989730" y="5496508"/>
+                  <a:ext cx="214546" cy="307777"/>
                 </a:xfrm>
                 <a:prstGeom prst="rect">
                   <a:avLst/>
@@ -23586,7 +25056,6 @@
                 </a:bodyPr>
                 <a:lstStyle/>
                 <a:p>
-                  <a:pPr/>
                   <a14:m>
                     <m:oMathPara xmlns:m="http://schemas.openxmlformats.org/officeDocument/2006/math">
                       <m:oMathParaPr>
@@ -23594,11 +25063,11 @@
                       </m:oMathParaPr>
                       <m:oMath xmlns:m="http://schemas.openxmlformats.org/officeDocument/2006/math">
                         <m:r>
-                          <a:rPr lang="en-CA" sz="2000" b="0" i="1" smtClean="0">
-                            <a:latin typeface="Cambria Math" charset="0"/>
+                          <a:rPr lang="en-US" sz="2000" b="0" i="1" smtClean="0">
+                            <a:latin typeface="Cambria Math" panose="02040503050406030204" pitchFamily="18" charset="0"/>
                             <a:cs typeface="Arial" panose="020B0604020202020204" pitchFamily="34" charset="0"/>
                           </a:rPr>
-                          <m:t>𝑃</m:t>
+                          <m:t>𝑥</m:t>
                         </m:r>
                       </m:oMath>
                     </m:oMathPara>
@@ -23611,10 +25080,10 @@
               </p:txBody>
             </p:sp>
           </mc:Choice>
-          <mc:Fallback xmlns="">
+          <mc:Fallback>
             <p:sp>
               <p:nvSpPr>
-                <p:cNvPr id="86" name="TextBox 85"/>
+                <p:cNvPr id="50" name="TextBox 49"/>
                 <p:cNvSpPr txBox="1">
                   <a:spLocks noRot="1" noChangeAspect="1" noMove="1" noResize="1" noEditPoints="1" noAdjustHandles="1" noChangeArrowheads="1" noChangeShapeType="1" noTextEdit="1"/>
                 </p:cNvSpPr>
@@ -23622,16 +25091,16 @@
               </p:nvSpPr>
               <p:spPr>
                 <a:xfrm>
-                  <a:off x="8623864" y="4456251"/>
-                  <a:ext cx="235513" cy="307777"/>
+                  <a:off x="8989730" y="5496508"/>
+                  <a:ext cx="214546" cy="307777"/>
                 </a:xfrm>
                 <a:prstGeom prst="rect">
                   <a:avLst/>
                 </a:prstGeom>
-                <a:blipFill rotWithShape="0">
-                  <a:blip r:embed="rId2"/>
+                <a:blipFill>
+                  <a:blip r:embed="rId23"/>
                   <a:stretch>
-                    <a:fillRect l="-23684" r="-21053" b="-9804"/>
+                    <a:fillRect l="-14286" r="-8571" b="-2000"/>
                   </a:stretch>
                 </a:blipFill>
               </p:spPr>
@@ -23650,1286 +25119,6 @@
             </p:sp>
           </mc:Fallback>
         </mc:AlternateContent>
-        <mc:AlternateContent xmlns:mc="http://schemas.openxmlformats.org/markup-compatibility/2006" xmlns:a14="http://schemas.microsoft.com/office/drawing/2010/main">
-          <mc:Choice Requires="a14">
-            <p:sp>
-              <p:nvSpPr>
-                <p:cNvPr id="87" name="TextBox 86"/>
-                <p:cNvSpPr txBox="1"/>
-                <p:nvPr/>
-              </p:nvSpPr>
-              <p:spPr>
-                <a:xfrm>
-                  <a:off x="10603960" y="5859665"/>
-                  <a:ext cx="214546" cy="307777"/>
-                </a:xfrm>
-                <a:prstGeom prst="rect">
-                  <a:avLst/>
-                </a:prstGeom>
-                <a:noFill/>
-              </p:spPr>
-              <p:txBody>
-                <a:bodyPr wrap="none" lIns="0" tIns="0" rIns="0" bIns="0" rtlCol="0">
-                  <a:spAutoFit/>
-                </a:bodyPr>
-                <a:lstStyle/>
-                <a:p>
-                  <a:pPr/>
-                  <a14:m>
-                    <m:oMathPara xmlns:m="http://schemas.openxmlformats.org/officeDocument/2006/math">
-                      <m:oMathParaPr>
-                        <m:jc m:val="centerGroup"/>
-                      </m:oMathParaPr>
-                      <m:oMath xmlns:m="http://schemas.openxmlformats.org/officeDocument/2006/math">
-                        <m:r>
-                          <a:rPr lang="en-CA" sz="2000" b="0" i="1" smtClean="0">
-                            <a:latin typeface="Cambria Math" charset="0"/>
-                            <a:cs typeface="Arial" panose="020B0604020202020204" pitchFamily="34" charset="0"/>
-                          </a:rPr>
-                          <m:t>𝑥</m:t>
-                        </m:r>
-                      </m:oMath>
-                    </m:oMathPara>
-                  </a14:m>
-                  <a:endParaRPr lang="en-US" sz="2000" dirty="0" smtClean="0">
-                    <a:latin typeface="Arial" panose="020B0604020202020204" pitchFamily="34" charset="0"/>
-                    <a:cs typeface="Arial" panose="020B0604020202020204" pitchFamily="34" charset="0"/>
-                  </a:endParaRPr>
-                </a:p>
-              </p:txBody>
-            </p:sp>
-          </mc:Choice>
-          <mc:Fallback xmlns="">
-            <p:sp>
-              <p:nvSpPr>
-                <p:cNvPr id="87" name="TextBox 86"/>
-                <p:cNvSpPr txBox="1">
-                  <a:spLocks noRot="1" noChangeAspect="1" noMove="1" noResize="1" noEditPoints="1" noAdjustHandles="1" noChangeArrowheads="1" noChangeShapeType="1" noTextEdit="1"/>
-                </p:cNvSpPr>
-                <p:nvPr/>
-              </p:nvSpPr>
-              <p:spPr>
-                <a:xfrm>
-                  <a:off x="10603960" y="5859665"/>
-                  <a:ext cx="214546" cy="307777"/>
-                </a:xfrm>
-                <a:prstGeom prst="rect">
-                  <a:avLst/>
-                </a:prstGeom>
-                <a:blipFill rotWithShape="0">
-                  <a:blip r:embed="rId3"/>
-                  <a:stretch>
-                    <a:fillRect l="-11111" r="-8333" b="-1961"/>
-                  </a:stretch>
-                </a:blipFill>
-              </p:spPr>
-              <p:txBody>
-                <a:bodyPr/>
-                <a:lstStyle/>
-                <a:p>
-                  <a:r>
-                    <a:rPr lang="en-US">
-                      <a:noFill/>
-                    </a:rPr>
-                    <a:t> </a:t>
-                  </a:r>
-                </a:p>
-              </p:txBody>
-            </p:sp>
-          </mc:Fallback>
-        </mc:AlternateContent>
-        <mc:AlternateContent xmlns:mc="http://schemas.openxmlformats.org/markup-compatibility/2006" xmlns:a14="http://schemas.microsoft.com/office/drawing/2010/main">
-          <mc:Choice Requires="a14">
-            <p:sp>
-              <p:nvSpPr>
-                <p:cNvPr id="88" name="TextBox 87"/>
-                <p:cNvSpPr txBox="1"/>
-                <p:nvPr/>
-              </p:nvSpPr>
-              <p:spPr>
-                <a:xfrm>
-                  <a:off x="8162563" y="4213508"/>
-                  <a:ext cx="219163" cy="307777"/>
-                </a:xfrm>
-                <a:prstGeom prst="rect">
-                  <a:avLst/>
-                </a:prstGeom>
-                <a:noFill/>
-              </p:spPr>
-              <p:txBody>
-                <a:bodyPr wrap="none" lIns="0" tIns="0" rIns="0" bIns="0" rtlCol="0">
-                  <a:spAutoFit/>
-                </a:bodyPr>
-                <a:lstStyle/>
-                <a:p>
-                  <a:pPr/>
-                  <a14:m>
-                    <m:oMathPara xmlns:m="http://schemas.openxmlformats.org/officeDocument/2006/math">
-                      <m:oMathParaPr>
-                        <m:jc m:val="centerGroup"/>
-                      </m:oMathParaPr>
-                      <m:oMath xmlns:m="http://schemas.openxmlformats.org/officeDocument/2006/math">
-                        <m:r>
-                          <a:rPr lang="en-CA" sz="2000" b="0" i="1" smtClean="0">
-                            <a:latin typeface="Cambria Math" charset="0"/>
-                            <a:cs typeface="Arial" panose="020B0604020202020204" pitchFamily="34" charset="0"/>
-                          </a:rPr>
-                          <m:t>𝑦</m:t>
-                        </m:r>
-                      </m:oMath>
-                    </m:oMathPara>
-                  </a14:m>
-                  <a:endParaRPr lang="en-US" sz="2000" dirty="0" smtClean="0">
-                    <a:latin typeface="Arial" panose="020B0604020202020204" pitchFamily="34" charset="0"/>
-                    <a:cs typeface="Arial" panose="020B0604020202020204" pitchFamily="34" charset="0"/>
-                  </a:endParaRPr>
-                </a:p>
-              </p:txBody>
-            </p:sp>
-          </mc:Choice>
-          <mc:Fallback xmlns="">
-            <p:sp>
-              <p:nvSpPr>
-                <p:cNvPr id="88" name="TextBox 87"/>
-                <p:cNvSpPr txBox="1">
-                  <a:spLocks noRot="1" noChangeAspect="1" noMove="1" noResize="1" noEditPoints="1" noAdjustHandles="1" noChangeArrowheads="1" noChangeShapeType="1" noTextEdit="1"/>
-                </p:cNvSpPr>
-                <p:nvPr/>
-              </p:nvSpPr>
-              <p:spPr>
-                <a:xfrm>
-                  <a:off x="8162563" y="4213508"/>
-                  <a:ext cx="219163" cy="307777"/>
-                </a:xfrm>
-                <a:prstGeom prst="rect">
-                  <a:avLst/>
-                </a:prstGeom>
-                <a:blipFill rotWithShape="0">
-                  <a:blip r:embed="rId16"/>
-                  <a:stretch>
-                    <a:fillRect l="-25000" r="-25000" b="-27451"/>
-                  </a:stretch>
-                </a:blipFill>
-              </p:spPr>
-              <p:txBody>
-                <a:bodyPr/>
-                <a:lstStyle/>
-                <a:p>
-                  <a:r>
-                    <a:rPr lang="en-US">
-                      <a:noFill/>
-                    </a:rPr>
-                    <a:t> </a:t>
-                  </a:r>
-                </a:p>
-              </p:txBody>
-            </p:sp>
-          </mc:Fallback>
-        </mc:AlternateContent>
-        <p:cxnSp>
-          <p:nvCxnSpPr>
-            <p:cNvPr id="90" name="Straight Connector 89"/>
-            <p:cNvCxnSpPr>
-              <a:stCxn id="128" idx="5"/>
-              <a:endCxn id="97" idx="0"/>
-            </p:cNvCxnSpPr>
-            <p:nvPr/>
-          </p:nvCxnSpPr>
-          <p:spPr>
-            <a:xfrm>
-              <a:off x="8569212" y="4837940"/>
-              <a:ext cx="1199381" cy="1051342"/>
-            </a:xfrm>
-            <a:prstGeom prst="line">
-              <a:avLst/>
-            </a:prstGeom>
-            <a:ln w="28575">
-              <a:solidFill>
-                <a:schemeClr val="tx1"/>
-              </a:solidFill>
-              <a:prstDash val="sysDot"/>
-            </a:ln>
-          </p:spPr>
-          <p:style>
-            <a:lnRef idx="1">
-              <a:schemeClr val="accent1"/>
-            </a:lnRef>
-            <a:fillRef idx="0">
-              <a:schemeClr val="accent1"/>
-            </a:fillRef>
-            <a:effectRef idx="0">
-              <a:schemeClr val="accent1"/>
-            </a:effectRef>
-            <a:fontRef idx="minor">
-              <a:schemeClr val="tx1"/>
-            </a:fontRef>
-          </p:style>
-        </p:cxnSp>
-        <p:cxnSp>
-          <p:nvCxnSpPr>
-            <p:cNvPr id="92" name="Straight Arrow Connector 91"/>
-            <p:cNvCxnSpPr/>
-            <p:nvPr/>
-          </p:nvCxnSpPr>
-          <p:spPr>
-            <a:xfrm flipH="1">
-              <a:off x="9993850" y="6286131"/>
-              <a:ext cx="324000" cy="0"/>
-            </a:xfrm>
-            <a:prstGeom prst="straightConnector1">
-              <a:avLst/>
-            </a:prstGeom>
-            <a:ln w="38100">
-              <a:solidFill>
-                <a:schemeClr val="tx1"/>
-              </a:solidFill>
-              <a:tailEnd type="triangle"/>
-            </a:ln>
-          </p:spPr>
-          <p:style>
-            <a:lnRef idx="1">
-              <a:schemeClr val="accent1"/>
-            </a:lnRef>
-            <a:fillRef idx="0">
-              <a:schemeClr val="accent1"/>
-            </a:fillRef>
-            <a:effectRef idx="0">
-              <a:schemeClr val="accent1"/>
-            </a:effectRef>
-            <a:fontRef idx="minor">
-              <a:schemeClr val="tx1"/>
-            </a:fontRef>
-          </p:style>
-        </p:cxnSp>
-        <p:cxnSp>
-          <p:nvCxnSpPr>
-            <p:cNvPr id="93" name="Straight Arrow Connector 92"/>
-            <p:cNvCxnSpPr/>
-            <p:nvPr/>
-          </p:nvCxnSpPr>
-          <p:spPr>
-            <a:xfrm>
-              <a:off x="9255885" y="6286131"/>
-              <a:ext cx="324000" cy="0"/>
-            </a:xfrm>
-            <a:prstGeom prst="straightConnector1">
-              <a:avLst/>
-            </a:prstGeom>
-            <a:ln w="38100">
-              <a:solidFill>
-                <a:schemeClr val="tx1"/>
-              </a:solidFill>
-              <a:tailEnd type="triangle"/>
-            </a:ln>
-          </p:spPr>
-          <p:style>
-            <a:lnRef idx="1">
-              <a:schemeClr val="accent1"/>
-            </a:lnRef>
-            <a:fillRef idx="0">
-              <a:schemeClr val="accent1"/>
-            </a:fillRef>
-            <a:effectRef idx="0">
-              <a:schemeClr val="accent1"/>
-            </a:effectRef>
-            <a:fontRef idx="minor">
-              <a:schemeClr val="tx1"/>
-            </a:fontRef>
-          </p:style>
-        </p:cxnSp>
-        <p:cxnSp>
-          <p:nvCxnSpPr>
-            <p:cNvPr id="94" name="Straight Connector 93"/>
-            <p:cNvCxnSpPr/>
-            <p:nvPr/>
-          </p:nvCxnSpPr>
-          <p:spPr>
-            <a:xfrm>
-              <a:off x="9993850" y="6166755"/>
-              <a:ext cx="0" cy="239843"/>
-            </a:xfrm>
-            <a:prstGeom prst="line">
-              <a:avLst/>
-            </a:prstGeom>
-            <a:ln w="38100">
-              <a:solidFill>
-                <a:schemeClr val="tx1"/>
-              </a:solidFill>
-            </a:ln>
-          </p:spPr>
-          <p:style>
-            <a:lnRef idx="1">
-              <a:schemeClr val="accent1"/>
-            </a:lnRef>
-            <a:fillRef idx="0">
-              <a:schemeClr val="accent1"/>
-            </a:fillRef>
-            <a:effectRef idx="0">
-              <a:schemeClr val="accent1"/>
-            </a:effectRef>
-            <a:fontRef idx="minor">
-              <a:schemeClr val="tx1"/>
-            </a:fontRef>
-          </p:style>
-        </p:cxnSp>
-        <p:cxnSp>
-          <p:nvCxnSpPr>
-            <p:cNvPr id="95" name="Straight Connector 94"/>
-            <p:cNvCxnSpPr/>
-            <p:nvPr/>
-          </p:nvCxnSpPr>
-          <p:spPr>
-            <a:xfrm>
-              <a:off x="9606251" y="6169192"/>
-              <a:ext cx="0" cy="239843"/>
-            </a:xfrm>
-            <a:prstGeom prst="line">
-              <a:avLst/>
-            </a:prstGeom>
-            <a:ln w="38100">
-              <a:solidFill>
-                <a:schemeClr val="tx1"/>
-              </a:solidFill>
-            </a:ln>
-          </p:spPr>
-          <p:style>
-            <a:lnRef idx="1">
-              <a:schemeClr val="accent1"/>
-            </a:lnRef>
-            <a:fillRef idx="0">
-              <a:schemeClr val="accent1"/>
-            </a:fillRef>
-            <a:effectRef idx="0">
-              <a:schemeClr val="accent1"/>
-            </a:effectRef>
-            <a:fontRef idx="minor">
-              <a:schemeClr val="tx1"/>
-            </a:fontRef>
-          </p:style>
-        </p:cxnSp>
-        <mc:AlternateContent xmlns:mc="http://schemas.openxmlformats.org/markup-compatibility/2006" xmlns:a14="http://schemas.microsoft.com/office/drawing/2010/main">
-          <mc:Choice Requires="a14">
-            <p:sp>
-              <p:nvSpPr>
-                <p:cNvPr id="96" name="TextBox 95"/>
-                <p:cNvSpPr txBox="1"/>
-                <p:nvPr/>
-              </p:nvSpPr>
-              <p:spPr>
-                <a:xfrm>
-                  <a:off x="9664095" y="6126173"/>
-                  <a:ext cx="212046" cy="307777"/>
-                </a:xfrm>
-                <a:prstGeom prst="rect">
-                  <a:avLst/>
-                </a:prstGeom>
-                <a:noFill/>
-              </p:spPr>
-              <p:txBody>
-                <a:bodyPr wrap="square" lIns="0" tIns="0" rIns="0" bIns="0" rtlCol="0">
-                  <a:spAutoFit/>
-                </a:bodyPr>
-                <a:lstStyle/>
-                <a:p>
-                  <a:pPr/>
-                  <a14:m>
-                    <m:oMathPara xmlns:m="http://schemas.openxmlformats.org/officeDocument/2006/math">
-                      <m:oMathParaPr>
-                        <m:jc m:val="centerGroup"/>
-                      </m:oMathParaPr>
-                      <m:oMath xmlns:m="http://schemas.openxmlformats.org/officeDocument/2006/math">
-                        <m:r>
-                          <a:rPr lang="en-CA" sz="2000" b="0" i="1" smtClean="0">
-                            <a:latin typeface="Cambria Math" charset="0"/>
-                            <a:cs typeface="Arial" panose="020B0604020202020204" pitchFamily="34" charset="0"/>
-                          </a:rPr>
-                          <m:t>𝑑𝑥</m:t>
-                        </m:r>
-                      </m:oMath>
-                    </m:oMathPara>
-                  </a14:m>
-                  <a:endParaRPr lang="en-US" sz="2000" dirty="0" smtClean="0">
-                    <a:latin typeface="Arial" panose="020B0604020202020204" pitchFamily="34" charset="0"/>
-                    <a:cs typeface="Arial" panose="020B0604020202020204" pitchFamily="34" charset="0"/>
-                  </a:endParaRPr>
-                </a:p>
-              </p:txBody>
-            </p:sp>
-          </mc:Choice>
-          <mc:Fallback xmlns="">
-            <p:sp>
-              <p:nvSpPr>
-                <p:cNvPr id="96" name="TextBox 95"/>
-                <p:cNvSpPr txBox="1">
-                  <a:spLocks noRot="1" noChangeAspect="1" noMove="1" noResize="1" noEditPoints="1" noAdjustHandles="1" noChangeArrowheads="1" noChangeShapeType="1" noTextEdit="1"/>
-                </p:cNvSpPr>
-                <p:nvPr/>
-              </p:nvSpPr>
-              <p:spPr>
-                <a:xfrm>
-                  <a:off x="9664095" y="6126173"/>
-                  <a:ext cx="212046" cy="307777"/>
-                </a:xfrm>
-                <a:prstGeom prst="rect">
-                  <a:avLst/>
-                </a:prstGeom>
-                <a:blipFill rotWithShape="0">
-                  <a:blip r:embed="rId17"/>
-                  <a:stretch>
-                    <a:fillRect l="-42857" r="-77143" b="-13725"/>
-                  </a:stretch>
-                </a:blipFill>
-              </p:spPr>
-              <p:txBody>
-                <a:bodyPr/>
-                <a:lstStyle/>
-                <a:p>
-                  <a:r>
-                    <a:rPr lang="en-US">
-                      <a:noFill/>
-                    </a:rPr>
-                    <a:t> </a:t>
-                  </a:r>
-                </a:p>
-              </p:txBody>
-            </p:sp>
-          </mc:Fallback>
-        </mc:AlternateContent>
-        <p:sp>
-          <p:nvSpPr>
-            <p:cNvPr id="97" name="Rectangle 96"/>
-            <p:cNvSpPr/>
-            <p:nvPr/>
-          </p:nvSpPr>
-          <p:spPr>
-            <a:xfrm>
-              <a:off x="9678593" y="5889282"/>
-              <a:ext cx="180000" cy="194874"/>
-            </a:xfrm>
-            <a:prstGeom prst="rect">
-              <a:avLst/>
-            </a:prstGeom>
-            <a:solidFill>
-              <a:schemeClr val="tx1"/>
-            </a:solidFill>
-            <a:ln w="38100">
-              <a:solidFill>
-                <a:schemeClr val="tx1"/>
-              </a:solidFill>
-            </a:ln>
-          </p:spPr>
-          <p:style>
-            <a:lnRef idx="2">
-              <a:schemeClr val="accent1">
-                <a:shade val="50000"/>
-              </a:schemeClr>
-            </a:lnRef>
-            <a:fillRef idx="1">
-              <a:schemeClr val="accent1"/>
-            </a:fillRef>
-            <a:effectRef idx="0">
-              <a:schemeClr val="accent1"/>
-            </a:effectRef>
-            <a:fontRef idx="minor">
-              <a:schemeClr val="lt1"/>
-            </a:fontRef>
-          </p:style>
-          <p:txBody>
-            <a:bodyPr rtlCol="0" anchor="ctr"/>
-            <a:lstStyle/>
-            <a:p>
-              <a:pPr algn="ctr"/>
-              <a:endParaRPr lang="en-US"/>
-            </a:p>
-          </p:txBody>
-        </p:sp>
-        <mc:AlternateContent xmlns:mc="http://schemas.openxmlformats.org/markup-compatibility/2006" xmlns:a14="http://schemas.microsoft.com/office/drawing/2010/main">
-          <mc:Choice Requires="a14">
-            <p:sp>
-              <p:nvSpPr>
-                <p:cNvPr id="99" name="TextBox 98"/>
-                <p:cNvSpPr txBox="1"/>
-                <p:nvPr/>
-              </p:nvSpPr>
-              <p:spPr>
-                <a:xfrm>
-                  <a:off x="7442210" y="6485929"/>
-                  <a:ext cx="479747" cy="307777"/>
-                </a:xfrm>
-                <a:prstGeom prst="rect">
-                  <a:avLst/>
-                </a:prstGeom>
-                <a:noFill/>
-              </p:spPr>
-              <p:txBody>
-                <a:bodyPr wrap="none" lIns="0" tIns="0" rIns="0" bIns="0" rtlCol="0">
-                  <a:spAutoFit/>
-                </a:bodyPr>
-                <a:lstStyle/>
-                <a:p>
-                  <a:pPr/>
-                  <a14:m>
-                    <m:oMathPara xmlns:m="http://schemas.openxmlformats.org/officeDocument/2006/math">
-                      <m:oMathParaPr>
-                        <m:jc m:val="centerGroup"/>
-                      </m:oMathParaPr>
-                      <m:oMath xmlns:m="http://schemas.openxmlformats.org/officeDocument/2006/math">
-                        <m:r>
-                          <a:rPr lang="en-CA" sz="2000" b="0" i="1" smtClean="0">
-                            <a:latin typeface="Cambria Math" charset="0"/>
-                            <a:cs typeface="Arial" panose="020B0604020202020204" pitchFamily="34" charset="0"/>
-                          </a:rPr>
-                          <m:t>𝐿</m:t>
-                        </m:r>
-                        <m:r>
-                          <a:rPr lang="en-CA" sz="2000" b="0" i="1" smtClean="0">
-                            <a:latin typeface="Cambria Math" charset="0"/>
-                            <a:cs typeface="Arial" panose="020B0604020202020204" pitchFamily="34" charset="0"/>
-                          </a:rPr>
-                          <m:t>/2</m:t>
-                        </m:r>
-                      </m:oMath>
-                    </m:oMathPara>
-                  </a14:m>
-                  <a:endParaRPr lang="en-US" sz="2000" dirty="0" smtClean="0">
-                    <a:latin typeface="Arial" panose="020B0604020202020204" pitchFamily="34" charset="0"/>
-                    <a:cs typeface="Arial" panose="020B0604020202020204" pitchFamily="34" charset="0"/>
-                  </a:endParaRPr>
-                </a:p>
-              </p:txBody>
-            </p:sp>
-          </mc:Choice>
-          <mc:Fallback xmlns="">
-            <p:sp>
-              <p:nvSpPr>
-                <p:cNvPr id="99" name="TextBox 98"/>
-                <p:cNvSpPr txBox="1">
-                  <a:spLocks noRot="1" noChangeAspect="1" noMove="1" noResize="1" noEditPoints="1" noAdjustHandles="1" noChangeArrowheads="1" noChangeShapeType="1" noTextEdit="1"/>
-                </p:cNvSpPr>
-                <p:nvPr/>
-              </p:nvSpPr>
-              <p:spPr>
-                <a:xfrm>
-                  <a:off x="7442210" y="6485929"/>
-                  <a:ext cx="479747" cy="307777"/>
-                </a:xfrm>
-                <a:prstGeom prst="rect">
-                  <a:avLst/>
-                </a:prstGeom>
-                <a:blipFill rotWithShape="0">
-                  <a:blip r:embed="rId13"/>
-                  <a:stretch>
-                    <a:fillRect l="-11392" r="-10127" b="-37255"/>
-                  </a:stretch>
-                </a:blipFill>
-              </p:spPr>
-              <p:txBody>
-                <a:bodyPr/>
-                <a:lstStyle/>
-                <a:p>
-                  <a:r>
-                    <a:rPr lang="en-US">
-                      <a:noFill/>
-                    </a:rPr>
-                    <a:t> </a:t>
-                  </a:r>
-                </a:p>
-              </p:txBody>
-            </p:sp>
-          </mc:Fallback>
-        </mc:AlternateContent>
-        <p:cxnSp>
-          <p:nvCxnSpPr>
-            <p:cNvPr id="100" name="Straight Arrow Connector 99"/>
-            <p:cNvCxnSpPr/>
-            <p:nvPr/>
-          </p:nvCxnSpPr>
-          <p:spPr>
-            <a:xfrm flipH="1">
-              <a:off x="6887104" y="6647196"/>
-              <a:ext cx="540000" cy="0"/>
-            </a:xfrm>
-            <a:prstGeom prst="straightConnector1">
-              <a:avLst/>
-            </a:prstGeom>
-            <a:ln w="38100">
-              <a:solidFill>
-                <a:schemeClr val="tx1"/>
-              </a:solidFill>
-              <a:tailEnd type="triangle"/>
-            </a:ln>
-          </p:spPr>
-          <p:style>
-            <a:lnRef idx="1">
-              <a:schemeClr val="accent1"/>
-            </a:lnRef>
-            <a:fillRef idx="0">
-              <a:schemeClr val="accent1"/>
-            </a:fillRef>
-            <a:effectRef idx="0">
-              <a:schemeClr val="accent1"/>
-            </a:effectRef>
-            <a:fontRef idx="minor">
-              <a:schemeClr val="tx1"/>
-            </a:fontRef>
-          </p:style>
-        </p:cxnSp>
-        <p:cxnSp>
-          <p:nvCxnSpPr>
-            <p:cNvPr id="101" name="Straight Arrow Connector 100"/>
-            <p:cNvCxnSpPr/>
-            <p:nvPr/>
-          </p:nvCxnSpPr>
-          <p:spPr>
-            <a:xfrm>
-              <a:off x="7950879" y="6639818"/>
-              <a:ext cx="540000" cy="0"/>
-            </a:xfrm>
-            <a:prstGeom prst="straightConnector1">
-              <a:avLst/>
-            </a:prstGeom>
-            <a:ln w="38100">
-              <a:solidFill>
-                <a:schemeClr val="tx1"/>
-              </a:solidFill>
-              <a:tailEnd type="triangle"/>
-            </a:ln>
-          </p:spPr>
-          <p:style>
-            <a:lnRef idx="1">
-              <a:schemeClr val="accent1"/>
-            </a:lnRef>
-            <a:fillRef idx="0">
-              <a:schemeClr val="accent1"/>
-            </a:fillRef>
-            <a:effectRef idx="0">
-              <a:schemeClr val="accent1"/>
-            </a:effectRef>
-            <a:fontRef idx="minor">
-              <a:schemeClr val="tx1"/>
-            </a:fontRef>
-          </p:style>
-        </p:cxnSp>
-        <mc:AlternateContent xmlns:mc="http://schemas.openxmlformats.org/markup-compatibility/2006" xmlns:a14="http://schemas.microsoft.com/office/drawing/2010/main">
-          <mc:Choice Requires="a14">
-            <p:sp>
-              <p:nvSpPr>
-                <p:cNvPr id="103" name="TextBox 102"/>
-                <p:cNvSpPr txBox="1"/>
-                <p:nvPr/>
-              </p:nvSpPr>
-              <p:spPr>
-                <a:xfrm>
-                  <a:off x="9186453" y="6478846"/>
-                  <a:ext cx="479747" cy="307777"/>
-                </a:xfrm>
-                <a:prstGeom prst="rect">
-                  <a:avLst/>
-                </a:prstGeom>
-                <a:noFill/>
-              </p:spPr>
-              <p:txBody>
-                <a:bodyPr wrap="none" lIns="0" tIns="0" rIns="0" bIns="0" rtlCol="0">
-                  <a:spAutoFit/>
-                </a:bodyPr>
-                <a:lstStyle/>
-                <a:p>
-                  <a:pPr/>
-                  <a14:m>
-                    <m:oMathPara xmlns:m="http://schemas.openxmlformats.org/officeDocument/2006/math">
-                      <m:oMathParaPr>
-                        <m:jc m:val="centerGroup"/>
-                      </m:oMathParaPr>
-                      <m:oMath xmlns:m="http://schemas.openxmlformats.org/officeDocument/2006/math">
-                        <m:r>
-                          <a:rPr lang="en-CA" sz="2000" b="0" i="1" smtClean="0">
-                            <a:latin typeface="Cambria Math" charset="0"/>
-                            <a:cs typeface="Arial" panose="020B0604020202020204" pitchFamily="34" charset="0"/>
-                          </a:rPr>
-                          <m:t>𝐿</m:t>
-                        </m:r>
-                        <m:r>
-                          <a:rPr lang="en-CA" sz="2000" b="0" i="1" smtClean="0">
-                            <a:latin typeface="Cambria Math" charset="0"/>
-                            <a:cs typeface="Arial" panose="020B0604020202020204" pitchFamily="34" charset="0"/>
-                          </a:rPr>
-                          <m:t>/2</m:t>
-                        </m:r>
-                      </m:oMath>
-                    </m:oMathPara>
-                  </a14:m>
-                  <a:endParaRPr lang="en-US" sz="2000" dirty="0" smtClean="0">
-                    <a:latin typeface="Arial" panose="020B0604020202020204" pitchFamily="34" charset="0"/>
-                    <a:cs typeface="Arial" panose="020B0604020202020204" pitchFamily="34" charset="0"/>
-                  </a:endParaRPr>
-                </a:p>
-              </p:txBody>
-            </p:sp>
-          </mc:Choice>
-          <mc:Fallback xmlns="">
-            <p:sp>
-              <p:nvSpPr>
-                <p:cNvPr id="103" name="TextBox 102"/>
-                <p:cNvSpPr txBox="1">
-                  <a:spLocks noRot="1" noChangeAspect="1" noMove="1" noResize="1" noEditPoints="1" noAdjustHandles="1" noChangeArrowheads="1" noChangeShapeType="1" noTextEdit="1"/>
-                </p:cNvSpPr>
-                <p:nvPr/>
-              </p:nvSpPr>
-              <p:spPr>
-                <a:xfrm>
-                  <a:off x="9186453" y="6478846"/>
-                  <a:ext cx="479747" cy="307777"/>
-                </a:xfrm>
-                <a:prstGeom prst="rect">
-                  <a:avLst/>
-                </a:prstGeom>
-                <a:blipFill rotWithShape="0">
-                  <a:blip r:embed="rId12"/>
-                  <a:stretch>
-                    <a:fillRect l="-11392" r="-10127" b="-38000"/>
-                  </a:stretch>
-                </a:blipFill>
-              </p:spPr>
-              <p:txBody>
-                <a:bodyPr/>
-                <a:lstStyle/>
-                <a:p>
-                  <a:r>
-                    <a:rPr lang="en-US">
-                      <a:noFill/>
-                    </a:rPr>
-                    <a:t> </a:t>
-                  </a:r>
-                </a:p>
-              </p:txBody>
-            </p:sp>
-          </mc:Fallback>
-        </mc:AlternateContent>
-        <p:cxnSp>
-          <p:nvCxnSpPr>
-            <p:cNvPr id="104" name="Straight Arrow Connector 103"/>
-            <p:cNvCxnSpPr/>
-            <p:nvPr/>
-          </p:nvCxnSpPr>
-          <p:spPr>
-            <a:xfrm flipH="1">
-              <a:off x="8631347" y="6640113"/>
-              <a:ext cx="540000" cy="0"/>
-            </a:xfrm>
-            <a:prstGeom prst="straightConnector1">
-              <a:avLst/>
-            </a:prstGeom>
-            <a:ln w="38100">
-              <a:solidFill>
-                <a:schemeClr val="tx1"/>
-              </a:solidFill>
-              <a:tailEnd type="triangle"/>
-            </a:ln>
-          </p:spPr>
-          <p:style>
-            <a:lnRef idx="1">
-              <a:schemeClr val="accent1"/>
-            </a:lnRef>
-            <a:fillRef idx="0">
-              <a:schemeClr val="accent1"/>
-            </a:fillRef>
-            <a:effectRef idx="0">
-              <a:schemeClr val="accent1"/>
-            </a:effectRef>
-            <a:fontRef idx="minor">
-              <a:schemeClr val="tx1"/>
-            </a:fontRef>
-          </p:style>
-        </p:cxnSp>
-        <p:cxnSp>
-          <p:nvCxnSpPr>
-            <p:cNvPr id="105" name="Straight Arrow Connector 104"/>
-            <p:cNvCxnSpPr/>
-            <p:nvPr/>
-          </p:nvCxnSpPr>
-          <p:spPr>
-            <a:xfrm>
-              <a:off x="9695122" y="6632735"/>
-              <a:ext cx="540000" cy="0"/>
-            </a:xfrm>
-            <a:prstGeom prst="straightConnector1">
-              <a:avLst/>
-            </a:prstGeom>
-            <a:ln w="38100">
-              <a:solidFill>
-                <a:schemeClr val="tx1"/>
-              </a:solidFill>
-              <a:tailEnd type="triangle"/>
-            </a:ln>
-          </p:spPr>
-          <p:style>
-            <a:lnRef idx="1">
-              <a:schemeClr val="accent1"/>
-            </a:lnRef>
-            <a:fillRef idx="0">
-              <a:schemeClr val="accent1"/>
-            </a:fillRef>
-            <a:effectRef idx="0">
-              <a:schemeClr val="accent1"/>
-            </a:effectRef>
-            <a:fontRef idx="minor">
-              <a:schemeClr val="tx1"/>
-            </a:fontRef>
-          </p:style>
-        </p:cxnSp>
-        <mc:AlternateContent xmlns:mc="http://schemas.openxmlformats.org/markup-compatibility/2006" xmlns:a14="http://schemas.microsoft.com/office/drawing/2010/main">
-          <mc:Choice Requires="a14">
-            <p:sp>
-              <p:nvSpPr>
-                <p:cNvPr id="116" name="TextBox 115"/>
-                <p:cNvSpPr txBox="1"/>
-                <p:nvPr/>
-              </p:nvSpPr>
-              <p:spPr>
-                <a:xfrm>
-                  <a:off x="8212835" y="5164094"/>
-                  <a:ext cx="212046" cy="307777"/>
-                </a:xfrm>
-                <a:prstGeom prst="rect">
-                  <a:avLst/>
-                </a:prstGeom>
-                <a:noFill/>
-              </p:spPr>
-              <p:txBody>
-                <a:bodyPr wrap="square" lIns="0" tIns="0" rIns="0" bIns="0" rtlCol="0">
-                  <a:spAutoFit/>
-                </a:bodyPr>
-                <a:lstStyle/>
-                <a:p>
-                  <a:pPr/>
-                  <a14:m>
-                    <m:oMathPara xmlns:m="http://schemas.openxmlformats.org/officeDocument/2006/math">
-                      <m:oMathParaPr>
-                        <m:jc m:val="centerGroup"/>
-                      </m:oMathParaPr>
-                      <m:oMath xmlns:m="http://schemas.openxmlformats.org/officeDocument/2006/math">
-                        <m:r>
-                          <a:rPr lang="en-CA" sz="2000" b="0" i="1" smtClean="0">
-                            <a:latin typeface="Cambria Math" charset="0"/>
-                            <a:cs typeface="Arial" panose="020B0604020202020204" pitchFamily="34" charset="0"/>
-                          </a:rPr>
-                          <m:t>𝑑</m:t>
-                        </m:r>
-                      </m:oMath>
-                    </m:oMathPara>
-                  </a14:m>
-                  <a:endParaRPr lang="en-US" sz="2000" dirty="0" smtClean="0">
-                    <a:latin typeface="Arial" panose="020B0604020202020204" pitchFamily="34" charset="0"/>
-                    <a:cs typeface="Arial" panose="020B0604020202020204" pitchFamily="34" charset="0"/>
-                  </a:endParaRPr>
-                </a:p>
-              </p:txBody>
-            </p:sp>
-          </mc:Choice>
-          <mc:Fallback xmlns="">
-            <p:sp>
-              <p:nvSpPr>
-                <p:cNvPr id="116" name="TextBox 115"/>
-                <p:cNvSpPr txBox="1">
-                  <a:spLocks noRot="1" noChangeAspect="1" noMove="1" noResize="1" noEditPoints="1" noAdjustHandles="1" noChangeArrowheads="1" noChangeShapeType="1" noTextEdit="1"/>
-                </p:cNvSpPr>
-                <p:nvPr/>
-              </p:nvSpPr>
-              <p:spPr>
-                <a:xfrm>
-                  <a:off x="8212835" y="5164094"/>
-                  <a:ext cx="212046" cy="307777"/>
-                </a:xfrm>
-                <a:prstGeom prst="rect">
-                  <a:avLst/>
-                </a:prstGeom>
-                <a:blipFill rotWithShape="0">
-                  <a:blip r:embed="rId18"/>
-                  <a:stretch>
-                    <a:fillRect l="-28571" r="-28571" b="-13725"/>
-                  </a:stretch>
-                </a:blipFill>
-              </p:spPr>
-              <p:txBody>
-                <a:bodyPr/>
-                <a:lstStyle/>
-                <a:p>
-                  <a:r>
-                    <a:rPr lang="en-US">
-                      <a:noFill/>
-                    </a:rPr>
-                    <a:t> </a:t>
-                  </a:r>
-                </a:p>
-              </p:txBody>
-            </p:sp>
-          </mc:Fallback>
-        </mc:AlternateContent>
-        <p:cxnSp>
-          <p:nvCxnSpPr>
-            <p:cNvPr id="117" name="Straight Arrow Connector 116"/>
-            <p:cNvCxnSpPr/>
-            <p:nvPr/>
-          </p:nvCxnSpPr>
-          <p:spPr>
-            <a:xfrm rot="5400000" flipH="1">
-              <a:off x="8140769" y="4994871"/>
-              <a:ext cx="360000" cy="0"/>
-            </a:xfrm>
-            <a:prstGeom prst="straightConnector1">
-              <a:avLst/>
-            </a:prstGeom>
-            <a:ln w="38100">
-              <a:solidFill>
-                <a:schemeClr val="tx1"/>
-              </a:solidFill>
-              <a:tailEnd type="triangle"/>
-            </a:ln>
-          </p:spPr>
-          <p:style>
-            <a:lnRef idx="1">
-              <a:schemeClr val="accent1"/>
-            </a:lnRef>
-            <a:fillRef idx="0">
-              <a:schemeClr val="accent1"/>
-            </a:fillRef>
-            <a:effectRef idx="0">
-              <a:schemeClr val="accent1"/>
-            </a:effectRef>
-            <a:fontRef idx="minor">
-              <a:schemeClr val="tx1"/>
-            </a:fontRef>
-          </p:style>
-        </p:cxnSp>
-        <p:cxnSp>
-          <p:nvCxnSpPr>
-            <p:cNvPr id="118" name="Straight Arrow Connector 117"/>
-            <p:cNvCxnSpPr/>
-            <p:nvPr/>
-          </p:nvCxnSpPr>
-          <p:spPr>
-            <a:xfrm rot="5400000" flipV="1">
-              <a:off x="8138858" y="5630610"/>
-              <a:ext cx="360000" cy="0"/>
-            </a:xfrm>
-            <a:prstGeom prst="straightConnector1">
-              <a:avLst/>
-            </a:prstGeom>
-            <a:ln w="38100">
-              <a:solidFill>
-                <a:schemeClr val="tx1"/>
-              </a:solidFill>
-              <a:tailEnd type="triangle"/>
-            </a:ln>
-          </p:spPr>
-          <p:style>
-            <a:lnRef idx="1">
-              <a:schemeClr val="accent1"/>
-            </a:lnRef>
-            <a:fillRef idx="0">
-              <a:schemeClr val="accent1"/>
-            </a:fillRef>
-            <a:effectRef idx="0">
-              <a:schemeClr val="accent1"/>
-            </a:effectRef>
-            <a:fontRef idx="minor">
-              <a:schemeClr val="tx1"/>
-            </a:fontRef>
-          </p:style>
-        </p:cxnSp>
-        <p:cxnSp>
-          <p:nvCxnSpPr>
-            <p:cNvPr id="120" name="Straight Arrow Connector 119"/>
-            <p:cNvCxnSpPr/>
-            <p:nvPr/>
-          </p:nvCxnSpPr>
-          <p:spPr>
-            <a:xfrm>
-              <a:off x="8570788" y="4827778"/>
-              <a:ext cx="453291" cy="391152"/>
-            </a:xfrm>
-            <a:prstGeom prst="straightConnector1">
-              <a:avLst/>
-            </a:prstGeom>
-            <a:ln w="57150">
-              <a:solidFill>
-                <a:srgbClr val="FF0000"/>
-              </a:solidFill>
-              <a:tailEnd type="triangle"/>
-            </a:ln>
-          </p:spPr>
-          <p:style>
-            <a:lnRef idx="1">
-              <a:schemeClr val="accent1"/>
-            </a:lnRef>
-            <a:fillRef idx="0">
-              <a:schemeClr val="accent1"/>
-            </a:fillRef>
-            <a:effectRef idx="0">
-              <a:schemeClr val="accent1"/>
-            </a:effectRef>
-            <a:fontRef idx="minor">
-              <a:schemeClr val="tx1"/>
-            </a:fontRef>
-          </p:style>
-        </p:cxnSp>
-        <mc:AlternateContent xmlns:mc="http://schemas.openxmlformats.org/markup-compatibility/2006" xmlns:a14="http://schemas.microsoft.com/office/drawing/2010/main">
-          <mc:Choice Requires="a14">
-            <p:sp>
-              <p:nvSpPr>
-                <p:cNvPr id="121" name="TextBox 120"/>
-                <p:cNvSpPr txBox="1"/>
-                <p:nvPr/>
-              </p:nvSpPr>
-              <p:spPr>
-                <a:xfrm>
-                  <a:off x="8674614" y="4667849"/>
-                  <a:ext cx="586553" cy="308048"/>
-                </a:xfrm>
-                <a:prstGeom prst="rect">
-                  <a:avLst/>
-                </a:prstGeom>
-                <a:noFill/>
-              </p:spPr>
-              <p:txBody>
-                <a:bodyPr wrap="square" lIns="0" tIns="0" rIns="0" bIns="0" rtlCol="0">
-                  <a:spAutoFit/>
-                </a:bodyPr>
-                <a:lstStyle/>
-                <a:p>
-                  <a:pPr/>
-                  <a14:m>
-                    <m:oMathPara xmlns:m="http://schemas.openxmlformats.org/officeDocument/2006/math">
-                      <m:oMathParaPr>
-                        <m:jc m:val="centerGroup"/>
-                      </m:oMathParaPr>
-                      <m:oMath xmlns:m="http://schemas.openxmlformats.org/officeDocument/2006/math">
-                        <m:r>
-                          <a:rPr lang="en-CA" sz="2000" b="0" i="1" smtClean="0">
-                            <a:solidFill>
-                              <a:srgbClr val="FF0000"/>
-                            </a:solidFill>
-                            <a:latin typeface="Cambria Math" charset="0"/>
-                            <a:cs typeface="Arial" panose="020B0604020202020204" pitchFamily="34" charset="0"/>
-                          </a:rPr>
-                          <m:t>𝑑</m:t>
-                        </m:r>
-                        <m:acc>
-                          <m:accPr>
-                            <m:chr m:val="⃗"/>
-                            <m:ctrlPr>
-                              <a:rPr lang="en-CA" sz="2000" b="0" i="1" smtClean="0">
-                                <a:solidFill>
-                                  <a:srgbClr val="FF0000"/>
-                                </a:solidFill>
-                                <a:latin typeface="Cambria Math" charset="0"/>
-                                <a:cs typeface="Arial" panose="020B0604020202020204" pitchFamily="34" charset="0"/>
-                              </a:rPr>
-                            </m:ctrlPr>
-                          </m:accPr>
-                          <m:e>
-                            <m:r>
-                              <a:rPr lang="en-CA" sz="2000" b="0" i="1" smtClean="0">
-                                <a:solidFill>
-                                  <a:srgbClr val="FF0000"/>
-                                </a:solidFill>
-                                <a:latin typeface="Cambria Math" charset="0"/>
-                                <a:cs typeface="Arial" panose="020B0604020202020204" pitchFamily="34" charset="0"/>
-                              </a:rPr>
-                              <m:t>𝑔</m:t>
-                            </m:r>
-                          </m:e>
-                        </m:acc>
-                      </m:oMath>
-                    </m:oMathPara>
-                  </a14:m>
-                  <a:endParaRPr lang="en-US" sz="2000" dirty="0" smtClean="0">
-                    <a:solidFill>
-                      <a:srgbClr val="FF0000"/>
-                    </a:solidFill>
-                    <a:latin typeface="Arial" panose="020B0604020202020204" pitchFamily="34" charset="0"/>
-                    <a:cs typeface="Arial" panose="020B0604020202020204" pitchFamily="34" charset="0"/>
-                  </a:endParaRPr>
-                </a:p>
-              </p:txBody>
-            </p:sp>
-          </mc:Choice>
-          <mc:Fallback xmlns="">
-            <p:sp>
-              <p:nvSpPr>
-                <p:cNvPr id="121" name="TextBox 120"/>
-                <p:cNvSpPr txBox="1">
-                  <a:spLocks noRot="1" noChangeAspect="1" noMove="1" noResize="1" noEditPoints="1" noAdjustHandles="1" noChangeArrowheads="1" noChangeShapeType="1" noTextEdit="1"/>
-                </p:cNvSpPr>
-                <p:nvPr/>
-              </p:nvSpPr>
-              <p:spPr>
-                <a:xfrm>
-                  <a:off x="8674614" y="4667849"/>
-                  <a:ext cx="586553" cy="308048"/>
-                </a:xfrm>
-                <a:prstGeom prst="rect">
-                  <a:avLst/>
-                </a:prstGeom>
-                <a:blipFill rotWithShape="0">
-                  <a:blip r:embed="rId19"/>
-                  <a:stretch>
-                    <a:fillRect t="-36000" r="-44792" b="-30000"/>
-                  </a:stretch>
-                </a:blipFill>
-              </p:spPr>
-              <p:txBody>
-                <a:bodyPr/>
-                <a:lstStyle/>
-                <a:p>
-                  <a:r>
-                    <a:rPr lang="en-US">
-                      <a:noFill/>
-                    </a:rPr>
-                    <a:t> </a:t>
-                  </a:r>
-                </a:p>
-              </p:txBody>
-            </p:sp>
-          </mc:Fallback>
-        </mc:AlternateContent>
-        <mc:AlternateContent xmlns:mc="http://schemas.openxmlformats.org/markup-compatibility/2006" xmlns:a14="http://schemas.microsoft.com/office/drawing/2010/main">
-          <mc:Choice Requires="a14">
-            <p:sp>
-              <p:nvSpPr>
-                <p:cNvPr id="123" name="TextBox 122"/>
-                <p:cNvSpPr txBox="1"/>
-                <p:nvPr/>
-              </p:nvSpPr>
-              <p:spPr>
-                <a:xfrm>
-                  <a:off x="8546752" y="4918869"/>
-                  <a:ext cx="222305" cy="307777"/>
-                </a:xfrm>
-                <a:prstGeom prst="rect">
-                  <a:avLst/>
-                </a:prstGeom>
-                <a:noFill/>
-              </p:spPr>
-              <p:txBody>
-                <a:bodyPr wrap="none" lIns="0" tIns="0" rIns="0" bIns="0" rtlCol="0">
-                  <a:spAutoFit/>
-                </a:bodyPr>
-                <a:lstStyle/>
-                <a:p>
-                  <a:pPr/>
-                  <a14:m>
-                    <m:oMathPara xmlns:m="http://schemas.openxmlformats.org/officeDocument/2006/math">
-                      <m:oMathParaPr>
-                        <m:jc m:val="centerGroup"/>
-                      </m:oMathParaPr>
-                      <m:oMath xmlns:m="http://schemas.openxmlformats.org/officeDocument/2006/math">
-                        <m:r>
-                          <a:rPr lang="en-US" sz="2000" i="1" smtClean="0">
-                            <a:latin typeface="Cambria Math" charset="0"/>
-                            <a:ea typeface="Cambria Math" charset="0"/>
-                            <a:cs typeface="Cambria Math" charset="0"/>
-                          </a:rPr>
-                          <m:t>𝜃</m:t>
-                        </m:r>
-                      </m:oMath>
-                    </m:oMathPara>
-                  </a14:m>
-                  <a:endParaRPr lang="en-US" sz="2000" dirty="0" smtClean="0">
-                    <a:latin typeface="Arial" panose="020B0604020202020204" pitchFamily="34" charset="0"/>
-                    <a:cs typeface="Arial" panose="020B0604020202020204" pitchFamily="34" charset="0"/>
-                  </a:endParaRPr>
-                </a:p>
-              </p:txBody>
-            </p:sp>
-          </mc:Choice>
-          <mc:Fallback xmlns="">
-            <p:sp>
-              <p:nvSpPr>
-                <p:cNvPr id="123" name="TextBox 122"/>
-                <p:cNvSpPr txBox="1">
-                  <a:spLocks noRot="1" noChangeAspect="1" noMove="1" noResize="1" noEditPoints="1" noAdjustHandles="1" noChangeArrowheads="1" noChangeShapeType="1" noTextEdit="1"/>
-                </p:cNvSpPr>
-                <p:nvPr/>
-              </p:nvSpPr>
-              <p:spPr>
-                <a:xfrm>
-                  <a:off x="8546752" y="4918869"/>
-                  <a:ext cx="222305" cy="307777"/>
-                </a:xfrm>
-                <a:prstGeom prst="rect">
-                  <a:avLst/>
-                </a:prstGeom>
-                <a:blipFill rotWithShape="0">
-                  <a:blip r:embed="rId20"/>
-                  <a:stretch>
-                    <a:fillRect l="-25000" r="-25000" b="-9804"/>
-                  </a:stretch>
-                </a:blipFill>
-              </p:spPr>
-              <p:txBody>
-                <a:bodyPr/>
-                <a:lstStyle/>
-                <a:p>
-                  <a:r>
-                    <a:rPr lang="en-US">
-                      <a:noFill/>
-                    </a:rPr>
-                    <a:t> </a:t>
-                  </a:r>
-                </a:p>
-              </p:txBody>
-            </p:sp>
-          </mc:Fallback>
-        </mc:AlternateContent>
-        <p:sp>
-          <p:nvSpPr>
-            <p:cNvPr id="128" name="Oval 127"/>
-            <p:cNvSpPr/>
-            <p:nvPr/>
-          </p:nvSpPr>
-          <p:spPr>
-            <a:xfrm>
-              <a:off x="8477028" y="4745756"/>
-              <a:ext cx="108000" cy="108000"/>
-            </a:xfrm>
-            <a:prstGeom prst="ellipse">
-              <a:avLst/>
-            </a:prstGeom>
-            <a:solidFill>
-              <a:schemeClr val="tx1"/>
-            </a:solidFill>
-            <a:ln w="38100">
-              <a:solidFill>
-                <a:schemeClr val="tx1"/>
-              </a:solidFill>
-            </a:ln>
-          </p:spPr>
-          <p:style>
-            <a:lnRef idx="2">
-              <a:schemeClr val="accent1">
-                <a:shade val="50000"/>
-              </a:schemeClr>
-            </a:lnRef>
-            <a:fillRef idx="1">
-              <a:schemeClr val="accent1"/>
-            </a:fillRef>
-            <a:effectRef idx="0">
-              <a:schemeClr val="accent1"/>
-            </a:effectRef>
-            <a:fontRef idx="minor">
-              <a:schemeClr val="lt1"/>
-            </a:fontRef>
-          </p:style>
-          <p:txBody>
-            <a:bodyPr rtlCol="0" anchor="ctr"/>
-            <a:lstStyle/>
-            <a:p>
-              <a:pPr algn="ctr"/>
-              <a:endParaRPr lang="en-US"/>
-            </a:p>
-          </p:txBody>
-        </p:sp>
       </p:grpSp>
     </p:spTree>
     <p:extLst>

--- a/tex/figures/Gravity/Figures.pptx
+++ b/tex/figures/Gravity/Figures.pptx
@@ -251,7 +251,7 @@
           <a:p>
             <a:fld id="{F7249F8D-641B-4CAF-BAE5-10524742F6F1}" type="datetimeFigureOut">
               <a:rPr lang="en-CA" smtClean="0"/>
-              <a:t>2018-08-23</a:t>
+              <a:t>2019-05-28</a:t>
             </a:fld>
             <a:endParaRPr lang="en-CA"/>
           </a:p>
@@ -421,7 +421,7 @@
           <a:p>
             <a:fld id="{F7249F8D-641B-4CAF-BAE5-10524742F6F1}" type="datetimeFigureOut">
               <a:rPr lang="en-CA" smtClean="0"/>
-              <a:t>2018-08-23</a:t>
+              <a:t>2019-05-28</a:t>
             </a:fld>
             <a:endParaRPr lang="en-CA"/>
           </a:p>
@@ -601,7 +601,7 @@
           <a:p>
             <a:fld id="{F7249F8D-641B-4CAF-BAE5-10524742F6F1}" type="datetimeFigureOut">
               <a:rPr lang="en-CA" smtClean="0"/>
-              <a:t>2018-08-23</a:t>
+              <a:t>2019-05-28</a:t>
             </a:fld>
             <a:endParaRPr lang="en-CA"/>
           </a:p>
@@ -771,7 +771,7 @@
           <a:p>
             <a:fld id="{F7249F8D-641B-4CAF-BAE5-10524742F6F1}" type="datetimeFigureOut">
               <a:rPr lang="en-CA" smtClean="0"/>
-              <a:t>2018-08-23</a:t>
+              <a:t>2019-05-28</a:t>
             </a:fld>
             <a:endParaRPr lang="en-CA"/>
           </a:p>
@@ -1017,7 +1017,7 @@
           <a:p>
             <a:fld id="{F7249F8D-641B-4CAF-BAE5-10524742F6F1}" type="datetimeFigureOut">
               <a:rPr lang="en-CA" smtClean="0"/>
-              <a:t>2018-08-23</a:t>
+              <a:t>2019-05-28</a:t>
             </a:fld>
             <a:endParaRPr lang="en-CA"/>
           </a:p>
@@ -1249,7 +1249,7 @@
           <a:p>
             <a:fld id="{F7249F8D-641B-4CAF-BAE5-10524742F6F1}" type="datetimeFigureOut">
               <a:rPr lang="en-CA" smtClean="0"/>
-              <a:t>2018-08-23</a:t>
+              <a:t>2019-05-28</a:t>
             </a:fld>
             <a:endParaRPr lang="en-CA"/>
           </a:p>
@@ -1616,7 +1616,7 @@
           <a:p>
             <a:fld id="{F7249F8D-641B-4CAF-BAE5-10524742F6F1}" type="datetimeFigureOut">
               <a:rPr lang="en-CA" smtClean="0"/>
-              <a:t>2018-08-23</a:t>
+              <a:t>2019-05-28</a:t>
             </a:fld>
             <a:endParaRPr lang="en-CA"/>
           </a:p>
@@ -1734,7 +1734,7 @@
           <a:p>
             <a:fld id="{F7249F8D-641B-4CAF-BAE5-10524742F6F1}" type="datetimeFigureOut">
               <a:rPr lang="en-CA" smtClean="0"/>
-              <a:t>2018-08-23</a:t>
+              <a:t>2019-05-28</a:t>
             </a:fld>
             <a:endParaRPr lang="en-CA"/>
           </a:p>
@@ -1829,7 +1829,7 @@
           <a:p>
             <a:fld id="{F7249F8D-641B-4CAF-BAE5-10524742F6F1}" type="datetimeFigureOut">
               <a:rPr lang="en-CA" smtClean="0"/>
-              <a:t>2018-08-23</a:t>
+              <a:t>2019-05-28</a:t>
             </a:fld>
             <a:endParaRPr lang="en-CA"/>
           </a:p>
@@ -2106,7 +2106,7 @@
           <a:p>
             <a:fld id="{F7249F8D-641B-4CAF-BAE5-10524742F6F1}" type="datetimeFigureOut">
               <a:rPr lang="en-CA" smtClean="0"/>
-              <a:t>2018-08-23</a:t>
+              <a:t>2019-05-28</a:t>
             </a:fld>
             <a:endParaRPr lang="en-CA"/>
           </a:p>
@@ -2359,7 +2359,7 @@
           <a:p>
             <a:fld id="{F7249F8D-641B-4CAF-BAE5-10524742F6F1}" type="datetimeFigureOut">
               <a:rPr lang="en-CA" smtClean="0"/>
-              <a:t>2018-08-23</a:t>
+              <a:t>2019-05-28</a:t>
             </a:fld>
             <a:endParaRPr lang="en-CA"/>
           </a:p>
@@ -2572,7 +2572,7 @@
           <a:p>
             <a:fld id="{F7249F8D-641B-4CAF-BAE5-10524742F6F1}" type="datetimeFigureOut">
               <a:rPr lang="en-CA" smtClean="0"/>
-              <a:t>2018-08-23</a:t>
+              <a:t>2019-05-28</a:t>
             </a:fld>
             <a:endParaRPr lang="en-CA"/>
           </a:p>
@@ -18930,1001 +18930,6 @@
       </p:grpSp>
       <p:grpSp>
         <p:nvGrpSpPr>
-          <p:cNvPr id="55" name="Group 54"/>
-          <p:cNvGrpSpPr/>
-          <p:nvPr/>
-        </p:nvGrpSpPr>
-        <p:grpSpPr>
-          <a:xfrm>
-            <a:off x="2975407" y="565007"/>
-            <a:ext cx="3826535" cy="1524684"/>
-            <a:chOff x="1039675" y="4339492"/>
-            <a:chExt cx="3826535" cy="1524684"/>
-          </a:xfrm>
-        </p:grpSpPr>
-        <p:grpSp>
-          <p:nvGrpSpPr>
-            <p:cNvPr id="56" name="Group 55"/>
-            <p:cNvGrpSpPr/>
-            <p:nvPr/>
-          </p:nvGrpSpPr>
-          <p:grpSpPr>
-            <a:xfrm>
-              <a:off x="1190235" y="4339492"/>
-              <a:ext cx="3675975" cy="1524684"/>
-              <a:chOff x="1190235" y="4339492"/>
-              <a:chExt cx="3675975" cy="1524684"/>
-            </a:xfrm>
-          </p:grpSpPr>
-          <p:sp>
-            <p:nvSpPr>
-              <p:cNvPr id="60" name="Oval 59"/>
-              <p:cNvSpPr/>
-              <p:nvPr/>
-            </p:nvSpPr>
-            <p:spPr>
-              <a:xfrm>
-                <a:off x="1368037" y="5116975"/>
-                <a:ext cx="342900" cy="342900"/>
-              </a:xfrm>
-              <a:prstGeom prst="ellipse">
-                <a:avLst/>
-              </a:prstGeom>
-              <a:solidFill>
-                <a:schemeClr val="tx1"/>
-              </a:solidFill>
-              <a:ln w="38100">
-                <a:solidFill>
-                  <a:schemeClr val="tx1"/>
-                </a:solidFill>
-              </a:ln>
-            </p:spPr>
-            <p:style>
-              <a:lnRef idx="2">
-                <a:schemeClr val="accent1">
-                  <a:shade val="50000"/>
-                </a:schemeClr>
-              </a:lnRef>
-              <a:fillRef idx="1">
-                <a:schemeClr val="accent1"/>
-              </a:fillRef>
-              <a:effectRef idx="0">
-                <a:schemeClr val="accent1"/>
-              </a:effectRef>
-              <a:fontRef idx="minor">
-                <a:schemeClr val="lt1"/>
-              </a:fontRef>
-            </p:style>
-            <p:txBody>
-              <a:bodyPr rtlCol="0" anchor="ctr"/>
-              <a:lstStyle/>
-              <a:p>
-                <a:pPr algn="ctr"/>
-                <a:endParaRPr lang="en-US"/>
-              </a:p>
-            </p:txBody>
-          </p:sp>
-          <p:cxnSp>
-            <p:nvCxnSpPr>
-              <p:cNvPr id="61" name="Straight Arrow Connector 60"/>
-              <p:cNvCxnSpPr/>
-              <p:nvPr/>
-            </p:nvCxnSpPr>
-            <p:spPr>
-              <a:xfrm>
-                <a:off x="1541124" y="5280917"/>
-                <a:ext cx="3226085" cy="0"/>
-              </a:xfrm>
-              <a:prstGeom prst="straightConnector1">
-                <a:avLst/>
-              </a:prstGeom>
-              <a:ln w="38100">
-                <a:solidFill>
-                  <a:schemeClr val="tx1"/>
-                </a:solidFill>
-                <a:tailEnd type="triangle"/>
-              </a:ln>
-            </p:spPr>
-            <p:style>
-              <a:lnRef idx="1">
-                <a:schemeClr val="accent1"/>
-              </a:lnRef>
-              <a:fillRef idx="0">
-                <a:schemeClr val="accent1"/>
-              </a:fillRef>
-              <a:effectRef idx="0">
-                <a:schemeClr val="accent1"/>
-              </a:effectRef>
-              <a:fontRef idx="minor">
-                <a:schemeClr val="tx1"/>
-              </a:fontRef>
-            </p:style>
-          </p:cxnSp>
-          <mc:AlternateContent xmlns:mc="http://schemas.openxmlformats.org/markup-compatibility/2006" xmlns:a14="http://schemas.microsoft.com/office/drawing/2010/main">
-            <mc:Choice Requires="a14">
-              <p:sp>
-                <p:nvSpPr>
-                  <p:cNvPr id="62" name="TextBox 61"/>
-                  <p:cNvSpPr txBox="1"/>
-                  <p:nvPr/>
-                </p:nvSpPr>
-                <p:spPr>
-                  <a:xfrm>
-                    <a:off x="4668207" y="5331224"/>
-                    <a:ext cx="198003" cy="307777"/>
-                  </a:xfrm>
-                  <a:prstGeom prst="rect">
-                    <a:avLst/>
-                  </a:prstGeom>
-                  <a:noFill/>
-                </p:spPr>
-                <p:txBody>
-                  <a:bodyPr wrap="none" lIns="0" tIns="0" rIns="0" bIns="0" rtlCol="0">
-                    <a:spAutoFit/>
-                  </a:bodyPr>
-                  <a:lstStyle/>
-                  <a:p>
-                    <a:pPr/>
-                    <a14:m>
-                      <m:oMathPara xmlns:m="http://schemas.openxmlformats.org/officeDocument/2006/math">
-                        <m:oMathParaPr>
-                          <m:jc m:val="centerGroup"/>
-                        </m:oMathParaPr>
-                        <m:oMath xmlns:m="http://schemas.openxmlformats.org/officeDocument/2006/math">
-                          <m:r>
-                            <a:rPr lang="en-US" sz="2000" b="0" i="1" smtClean="0">
-                              <a:latin typeface="Cambria Math" panose="02040503050406030204" pitchFamily="18" charset="0"/>
-                              <a:cs typeface="Arial" panose="020B0604020202020204" pitchFamily="34" charset="0"/>
-                            </a:rPr>
-                            <m:t>𝑟</m:t>
-                          </m:r>
-                        </m:oMath>
-                      </m:oMathPara>
-                    </a14:m>
-                    <a:endParaRPr lang="en-US" sz="2000" dirty="0" smtClean="0">
-                      <a:latin typeface="Arial" panose="020B0604020202020204" pitchFamily="34" charset="0"/>
-                      <a:cs typeface="Arial" panose="020B0604020202020204" pitchFamily="34" charset="0"/>
-                    </a:endParaRPr>
-                  </a:p>
-                </p:txBody>
-              </p:sp>
-            </mc:Choice>
-            <mc:Fallback xmlns="">
-              <p:sp>
-                <p:nvSpPr>
-                  <p:cNvPr id="86" name="TextBox 85"/>
-                  <p:cNvSpPr txBox="1">
-                    <a:spLocks noRot="1" noChangeAspect="1" noMove="1" noResize="1" noEditPoints="1" noAdjustHandles="1" noChangeArrowheads="1" noChangeShapeType="1" noTextEdit="1"/>
-                  </p:cNvSpPr>
-                  <p:nvPr/>
-                </p:nvSpPr>
-                <p:spPr>
-                  <a:xfrm>
-                    <a:off x="4668207" y="5331224"/>
-                    <a:ext cx="198003" cy="307777"/>
-                  </a:xfrm>
-                  <a:prstGeom prst="rect">
-                    <a:avLst/>
-                  </a:prstGeom>
-                  <a:blipFill>
-                    <a:blip r:embed="rId12"/>
-                    <a:stretch>
-                      <a:fillRect l="-15625" r="-12500" b="-2000"/>
-                    </a:stretch>
-                  </a:blipFill>
-                </p:spPr>
-                <p:txBody>
-                  <a:bodyPr/>
-                  <a:lstStyle/>
-                  <a:p>
-                    <a:r>
-                      <a:rPr lang="en-US">
-                        <a:noFill/>
-                      </a:rPr>
-                      <a:t> </a:t>
-                    </a:r>
-                  </a:p>
-                </p:txBody>
-              </p:sp>
-            </mc:Fallback>
-          </mc:AlternateContent>
-          <p:cxnSp>
-            <p:nvCxnSpPr>
-              <p:cNvPr id="63" name="Straight Connector 62"/>
-              <p:cNvCxnSpPr/>
-              <p:nvPr/>
-            </p:nvCxnSpPr>
-            <p:spPr>
-              <a:xfrm flipV="1">
-                <a:off x="1530850" y="5331224"/>
-                <a:ext cx="0" cy="239606"/>
-              </a:xfrm>
-              <a:prstGeom prst="line">
-                <a:avLst/>
-              </a:prstGeom>
-              <a:ln w="38100">
-                <a:solidFill>
-                  <a:schemeClr val="tx1"/>
-                </a:solidFill>
-              </a:ln>
-            </p:spPr>
-            <p:style>
-              <a:lnRef idx="1">
-                <a:schemeClr val="accent1"/>
-              </a:lnRef>
-              <a:fillRef idx="0">
-                <a:schemeClr val="accent1"/>
-              </a:fillRef>
-              <a:effectRef idx="0">
-                <a:schemeClr val="accent1"/>
-              </a:effectRef>
-              <a:fontRef idx="minor">
-                <a:schemeClr val="tx1"/>
-              </a:fontRef>
-            </p:style>
-          </p:cxnSp>
-          <mc:AlternateContent xmlns:mc="http://schemas.openxmlformats.org/markup-compatibility/2006" xmlns:a14="http://schemas.microsoft.com/office/drawing/2010/main">
-            <mc:Choice Requires="a14">
-              <p:sp>
-                <p:nvSpPr>
-                  <p:cNvPr id="64" name="TextBox 63"/>
-                  <p:cNvSpPr txBox="1"/>
-                  <p:nvPr/>
-                </p:nvSpPr>
-                <p:spPr>
-                  <a:xfrm>
-                    <a:off x="1436093" y="5556399"/>
-                    <a:ext cx="213200" cy="307777"/>
-                  </a:xfrm>
-                  <a:prstGeom prst="rect">
-                    <a:avLst/>
-                  </a:prstGeom>
-                  <a:noFill/>
-                </p:spPr>
-                <p:txBody>
-                  <a:bodyPr wrap="none" lIns="0" tIns="0" rIns="0" bIns="0" rtlCol="0">
-                    <a:spAutoFit/>
-                  </a:bodyPr>
-                  <a:lstStyle/>
-                  <a:p>
-                    <a:pPr/>
-                    <a14:m>
-                      <m:oMathPara xmlns:m="http://schemas.openxmlformats.org/officeDocument/2006/math">
-                        <m:oMathParaPr>
-                          <m:jc m:val="centerGroup"/>
-                        </m:oMathParaPr>
-                        <m:oMath xmlns:m="http://schemas.openxmlformats.org/officeDocument/2006/math">
-                          <m:r>
-                            <a:rPr lang="en-US" sz="2000" b="0" i="1" smtClean="0">
-                              <a:latin typeface="Cambria Math" panose="02040503050406030204" pitchFamily="18" charset="0"/>
-                              <a:cs typeface="Arial" panose="020B0604020202020204" pitchFamily="34" charset="0"/>
-                            </a:rPr>
-                            <m:t>0</m:t>
-                          </m:r>
-                        </m:oMath>
-                      </m:oMathPara>
-                    </a14:m>
-                    <a:endParaRPr lang="en-US" sz="2000" dirty="0" smtClean="0">
-                      <a:latin typeface="Arial" panose="020B0604020202020204" pitchFamily="34" charset="0"/>
-                      <a:cs typeface="Arial" panose="020B0604020202020204" pitchFamily="34" charset="0"/>
-                    </a:endParaRPr>
-                  </a:p>
-                </p:txBody>
-              </p:sp>
-            </mc:Choice>
-            <mc:Fallback xmlns="">
-              <p:sp>
-                <p:nvSpPr>
-                  <p:cNvPr id="88" name="TextBox 87"/>
-                  <p:cNvSpPr txBox="1">
-                    <a:spLocks noRot="1" noChangeAspect="1" noMove="1" noResize="1" noEditPoints="1" noAdjustHandles="1" noChangeArrowheads="1" noChangeShapeType="1" noTextEdit="1"/>
-                  </p:cNvSpPr>
-                  <p:nvPr/>
-                </p:nvSpPr>
-                <p:spPr>
-                  <a:xfrm>
-                    <a:off x="1436093" y="5556399"/>
-                    <a:ext cx="213200" cy="307777"/>
-                  </a:xfrm>
-                  <a:prstGeom prst="rect">
-                    <a:avLst/>
-                  </a:prstGeom>
-                  <a:blipFill>
-                    <a:blip r:embed="rId13"/>
-                    <a:stretch>
-                      <a:fillRect l="-25714" r="-22857" b="-9804"/>
-                    </a:stretch>
-                  </a:blipFill>
-                </p:spPr>
-                <p:txBody>
-                  <a:bodyPr/>
-                  <a:lstStyle/>
-                  <a:p>
-                    <a:r>
-                      <a:rPr lang="en-US">
-                        <a:noFill/>
-                      </a:rPr>
-                      <a:t> </a:t>
-                    </a:r>
-                  </a:p>
-                </p:txBody>
-              </p:sp>
-            </mc:Fallback>
-          </mc:AlternateContent>
-          <p:cxnSp>
-            <p:nvCxnSpPr>
-              <p:cNvPr id="65" name="Straight Connector 64"/>
-              <p:cNvCxnSpPr/>
-              <p:nvPr/>
-            </p:nvCxnSpPr>
-            <p:spPr>
-              <a:xfrm flipV="1">
-                <a:off x="2067553" y="5161114"/>
-                <a:ext cx="0" cy="239606"/>
-              </a:xfrm>
-              <a:prstGeom prst="line">
-                <a:avLst/>
-              </a:prstGeom>
-              <a:ln w="38100">
-                <a:solidFill>
-                  <a:schemeClr val="tx1"/>
-                </a:solidFill>
-              </a:ln>
-            </p:spPr>
-            <p:style>
-              <a:lnRef idx="1">
-                <a:schemeClr val="accent1"/>
-              </a:lnRef>
-              <a:fillRef idx="0">
-                <a:schemeClr val="accent1"/>
-              </a:fillRef>
-              <a:effectRef idx="0">
-                <a:schemeClr val="accent1"/>
-              </a:effectRef>
-              <a:fontRef idx="minor">
-                <a:schemeClr val="tx1"/>
-              </a:fontRef>
-            </p:style>
-          </p:cxnSp>
-          <p:cxnSp>
-            <p:nvCxnSpPr>
-              <p:cNvPr id="66" name="Straight Connector 65"/>
-              <p:cNvCxnSpPr/>
-              <p:nvPr/>
-            </p:nvCxnSpPr>
-            <p:spPr>
-              <a:xfrm flipV="1">
-                <a:off x="3253311" y="5161114"/>
-                <a:ext cx="0" cy="239606"/>
-              </a:xfrm>
-              <a:prstGeom prst="line">
-                <a:avLst/>
-              </a:prstGeom>
-              <a:ln w="38100">
-                <a:solidFill>
-                  <a:schemeClr val="tx1"/>
-                </a:solidFill>
-              </a:ln>
-            </p:spPr>
-            <p:style>
-              <a:lnRef idx="1">
-                <a:schemeClr val="accent1"/>
-              </a:lnRef>
-              <a:fillRef idx="0">
-                <a:schemeClr val="accent1"/>
-              </a:fillRef>
-              <a:effectRef idx="0">
-                <a:schemeClr val="accent1"/>
-              </a:effectRef>
-              <a:fontRef idx="minor">
-                <a:schemeClr val="tx1"/>
-              </a:fontRef>
-            </p:style>
-          </p:cxnSp>
-          <mc:AlternateContent xmlns:mc="http://schemas.openxmlformats.org/markup-compatibility/2006" xmlns:a14="http://schemas.microsoft.com/office/drawing/2010/main">
-            <mc:Choice Requires="a14">
-              <p:sp>
-                <p:nvSpPr>
-                  <p:cNvPr id="67" name="TextBox 66"/>
-                  <p:cNvSpPr txBox="1"/>
-                  <p:nvPr/>
-                </p:nvSpPr>
-                <p:spPr>
-                  <a:xfrm>
-                    <a:off x="2000477" y="5391027"/>
-                    <a:ext cx="287322" cy="307777"/>
-                  </a:xfrm>
-                  <a:prstGeom prst="rect">
-                    <a:avLst/>
-                  </a:prstGeom>
-                  <a:noFill/>
-                </p:spPr>
-                <p:txBody>
-                  <a:bodyPr wrap="none" lIns="0" tIns="0" rIns="0" bIns="0" rtlCol="0">
-                    <a:spAutoFit/>
-                  </a:bodyPr>
-                  <a:lstStyle/>
-                  <a:p>
-                    <a:pPr/>
-                    <a14:m>
-                      <m:oMathPara xmlns:m="http://schemas.openxmlformats.org/officeDocument/2006/math">
-                        <m:oMathParaPr>
-                          <m:jc m:val="centerGroup"/>
-                        </m:oMathParaPr>
-                        <m:oMath xmlns:m="http://schemas.openxmlformats.org/officeDocument/2006/math">
-                          <m:sSub>
-                            <m:sSubPr>
-                              <m:ctrlPr>
-                                <a:rPr lang="en-US" sz="2000" b="0" i="1" smtClean="0">
-                                  <a:latin typeface="Cambria Math" panose="02040503050406030204" pitchFamily="18" charset="0"/>
-                                  <a:cs typeface="Arial" panose="020B0604020202020204" pitchFamily="34" charset="0"/>
-                                </a:rPr>
-                              </m:ctrlPr>
-                            </m:sSubPr>
-                            <m:e>
-                              <m:r>
-                                <a:rPr lang="en-US" sz="2000" b="0" i="1" smtClean="0">
-                                  <a:latin typeface="Cambria Math" panose="02040503050406030204" pitchFamily="18" charset="0"/>
-                                  <a:cs typeface="Arial" panose="020B0604020202020204" pitchFamily="34" charset="0"/>
-                                </a:rPr>
-                                <m:t>𝑟</m:t>
-                              </m:r>
-                            </m:e>
-                            <m:sub>
-                              <m:r>
-                                <a:rPr lang="en-US" sz="2000" b="0" i="1" smtClean="0">
-                                  <a:latin typeface="Cambria Math" panose="02040503050406030204" pitchFamily="18" charset="0"/>
-                                  <a:cs typeface="Arial" panose="020B0604020202020204" pitchFamily="34" charset="0"/>
-                                </a:rPr>
-                                <m:t>𝐴</m:t>
-                              </m:r>
-                            </m:sub>
-                          </m:sSub>
-                        </m:oMath>
-                      </m:oMathPara>
-                    </a14:m>
-                    <a:endParaRPr lang="en-US" sz="2000" dirty="0" smtClean="0">
-                      <a:latin typeface="Arial" panose="020B0604020202020204" pitchFamily="34" charset="0"/>
-                      <a:cs typeface="Arial" panose="020B0604020202020204" pitchFamily="34" charset="0"/>
-                    </a:endParaRPr>
-                  </a:p>
-                </p:txBody>
-              </p:sp>
-            </mc:Choice>
-            <mc:Fallback xmlns="">
-              <p:sp>
-                <p:nvSpPr>
-                  <p:cNvPr id="92" name="TextBox 91"/>
-                  <p:cNvSpPr txBox="1">
-                    <a:spLocks noRot="1" noChangeAspect="1" noMove="1" noResize="1" noEditPoints="1" noAdjustHandles="1" noChangeArrowheads="1" noChangeShapeType="1" noTextEdit="1"/>
-                  </p:cNvSpPr>
-                  <p:nvPr/>
-                </p:nvSpPr>
-                <p:spPr>
-                  <a:xfrm>
-                    <a:off x="2000477" y="5391027"/>
-                    <a:ext cx="287322" cy="307777"/>
-                  </a:xfrm>
-                  <a:prstGeom prst="rect">
-                    <a:avLst/>
-                  </a:prstGeom>
-                  <a:blipFill>
-                    <a:blip r:embed="rId14"/>
-                    <a:stretch>
-                      <a:fillRect l="-8511" r="-8511" b="-19608"/>
-                    </a:stretch>
-                  </a:blipFill>
-                </p:spPr>
-                <p:txBody>
-                  <a:bodyPr/>
-                  <a:lstStyle/>
-                  <a:p>
-                    <a:r>
-                      <a:rPr lang="en-US">
-                        <a:noFill/>
-                      </a:rPr>
-                      <a:t> </a:t>
-                    </a:r>
-                  </a:p>
-                </p:txBody>
-              </p:sp>
-            </mc:Fallback>
-          </mc:AlternateContent>
-          <mc:AlternateContent xmlns:mc="http://schemas.openxmlformats.org/markup-compatibility/2006" xmlns:a14="http://schemas.microsoft.com/office/drawing/2010/main">
-            <mc:Choice Requires="a14">
-              <p:sp>
-                <p:nvSpPr>
-                  <p:cNvPr id="68" name="TextBox 67"/>
-                  <p:cNvSpPr txBox="1"/>
-                  <p:nvPr/>
-                </p:nvSpPr>
-                <p:spPr>
-                  <a:xfrm>
-                    <a:off x="3125832" y="5391026"/>
-                    <a:ext cx="306494" cy="307777"/>
-                  </a:xfrm>
-                  <a:prstGeom prst="rect">
-                    <a:avLst/>
-                  </a:prstGeom>
-                  <a:noFill/>
-                </p:spPr>
-                <p:txBody>
-                  <a:bodyPr wrap="none" lIns="0" tIns="0" rIns="0" bIns="0" rtlCol="0">
-                    <a:spAutoFit/>
-                  </a:bodyPr>
-                  <a:lstStyle/>
-                  <a:p>
-                    <a:pPr/>
-                    <a14:m>
-                      <m:oMathPara xmlns:m="http://schemas.openxmlformats.org/officeDocument/2006/math">
-                        <m:oMathParaPr>
-                          <m:jc m:val="centerGroup"/>
-                        </m:oMathParaPr>
-                        <m:oMath xmlns:m="http://schemas.openxmlformats.org/officeDocument/2006/math">
-                          <m:sSub>
-                            <m:sSubPr>
-                              <m:ctrlPr>
-                                <a:rPr lang="en-US" sz="2000" b="0" i="1" smtClean="0">
-                                  <a:latin typeface="Cambria Math" panose="02040503050406030204" pitchFamily="18" charset="0"/>
-                                  <a:cs typeface="Arial" panose="020B0604020202020204" pitchFamily="34" charset="0"/>
-                                </a:rPr>
-                              </m:ctrlPr>
-                            </m:sSubPr>
-                            <m:e>
-                              <m:r>
-                                <a:rPr lang="en-US" sz="2000" b="0" i="1" smtClean="0">
-                                  <a:latin typeface="Cambria Math" panose="02040503050406030204" pitchFamily="18" charset="0"/>
-                                  <a:cs typeface="Arial" panose="020B0604020202020204" pitchFamily="34" charset="0"/>
-                                </a:rPr>
-                                <m:t>𝑟</m:t>
-                              </m:r>
-                            </m:e>
-                            <m:sub>
-                              <m:r>
-                                <a:rPr lang="en-US" sz="2000" b="0" i="1" smtClean="0">
-                                  <a:latin typeface="Cambria Math" panose="02040503050406030204" pitchFamily="18" charset="0"/>
-                                  <a:cs typeface="Arial" panose="020B0604020202020204" pitchFamily="34" charset="0"/>
-                                </a:rPr>
-                                <m:t>𝐵</m:t>
-                              </m:r>
-                            </m:sub>
-                          </m:sSub>
-                        </m:oMath>
-                      </m:oMathPara>
-                    </a14:m>
-                    <a:endParaRPr lang="en-US" sz="2000" dirty="0" smtClean="0">
-                      <a:latin typeface="Arial" panose="020B0604020202020204" pitchFamily="34" charset="0"/>
-                      <a:cs typeface="Arial" panose="020B0604020202020204" pitchFamily="34" charset="0"/>
-                    </a:endParaRPr>
-                  </a:p>
-                </p:txBody>
-              </p:sp>
-            </mc:Choice>
-            <mc:Fallback xmlns="">
-              <p:sp>
-                <p:nvSpPr>
-                  <p:cNvPr id="93" name="TextBox 92"/>
-                  <p:cNvSpPr txBox="1">
-                    <a:spLocks noRot="1" noChangeAspect="1" noMove="1" noResize="1" noEditPoints="1" noAdjustHandles="1" noChangeArrowheads="1" noChangeShapeType="1" noTextEdit="1"/>
-                  </p:cNvSpPr>
-                  <p:nvPr/>
-                </p:nvSpPr>
-                <p:spPr>
-                  <a:xfrm>
-                    <a:off x="3125832" y="5391026"/>
-                    <a:ext cx="306494" cy="307777"/>
-                  </a:xfrm>
-                  <a:prstGeom prst="rect">
-                    <a:avLst/>
-                  </a:prstGeom>
-                  <a:blipFill>
-                    <a:blip r:embed="rId15"/>
-                    <a:stretch>
-                      <a:fillRect l="-10000" r="-4000" b="-19608"/>
-                    </a:stretch>
-                  </a:blipFill>
-                </p:spPr>
-                <p:txBody>
-                  <a:bodyPr/>
-                  <a:lstStyle/>
-                  <a:p>
-                    <a:r>
-                      <a:rPr lang="en-US">
-                        <a:noFill/>
-                      </a:rPr>
-                      <a:t> </a:t>
-                    </a:r>
-                  </a:p>
-                </p:txBody>
-              </p:sp>
-            </mc:Fallback>
-          </mc:AlternateContent>
-          <p:cxnSp>
-            <p:nvCxnSpPr>
-              <p:cNvPr id="69" name="Straight Arrow Connector 68"/>
-              <p:cNvCxnSpPr/>
-              <p:nvPr/>
-            </p:nvCxnSpPr>
-            <p:spPr>
-              <a:xfrm flipH="1">
-                <a:off x="1190235" y="4841808"/>
-                <a:ext cx="918116" cy="0"/>
-              </a:xfrm>
-              <a:prstGeom prst="straightConnector1">
-                <a:avLst/>
-              </a:prstGeom>
-              <a:ln w="38100">
-                <a:solidFill>
-                  <a:schemeClr val="tx1"/>
-                </a:solidFill>
-                <a:tailEnd type="triangle"/>
-              </a:ln>
-            </p:spPr>
-            <p:style>
-              <a:lnRef idx="1">
-                <a:schemeClr val="accent1"/>
-              </a:lnRef>
-              <a:fillRef idx="0">
-                <a:schemeClr val="accent1"/>
-              </a:fillRef>
-              <a:effectRef idx="0">
-                <a:schemeClr val="accent1"/>
-              </a:effectRef>
-              <a:fontRef idx="minor">
-                <a:schemeClr val="tx1"/>
-              </a:fontRef>
-            </p:style>
-          </p:cxnSp>
-          <mc:AlternateContent xmlns:mc="http://schemas.openxmlformats.org/markup-compatibility/2006" xmlns:a14="http://schemas.microsoft.com/office/drawing/2010/main">
-            <mc:Choice Requires="a14">
-              <p:sp>
-                <p:nvSpPr>
-                  <p:cNvPr id="70" name="TextBox 69"/>
-                  <p:cNvSpPr txBox="1"/>
-                  <p:nvPr/>
-                </p:nvSpPr>
-                <p:spPr>
-                  <a:xfrm>
-                    <a:off x="1530850" y="4339492"/>
-                    <a:ext cx="576696" cy="345159"/>
-                  </a:xfrm>
-                  <a:prstGeom prst="rect">
-                    <a:avLst/>
-                  </a:prstGeom>
-                  <a:noFill/>
-                </p:spPr>
-                <p:txBody>
-                  <a:bodyPr wrap="none" lIns="0" tIns="0" rIns="0" bIns="0" rtlCol="0">
-                    <a:spAutoFit/>
-                  </a:bodyPr>
-                  <a:lstStyle/>
-                  <a:p>
-                    <a:pPr/>
-                    <a14:m>
-                      <m:oMathPara xmlns:m="http://schemas.openxmlformats.org/officeDocument/2006/math">
-                        <m:oMathParaPr>
-                          <m:jc m:val="centerGroup"/>
-                        </m:oMathParaPr>
-                        <m:oMath xmlns:m="http://schemas.openxmlformats.org/officeDocument/2006/math">
-                          <m:acc>
-                            <m:accPr>
-                              <m:chr m:val="⃗"/>
-                              <m:ctrlPr>
-                                <a:rPr lang="en-US" sz="2000" b="0" i="1" smtClean="0">
-                                  <a:latin typeface="Cambria Math" panose="02040503050406030204" pitchFamily="18" charset="0"/>
-                                  <a:cs typeface="Arial" panose="020B0604020202020204" pitchFamily="34" charset="0"/>
-                                </a:rPr>
-                              </m:ctrlPr>
-                            </m:accPr>
-                            <m:e>
-                              <m:r>
-                                <a:rPr lang="en-US" sz="2000" b="0" i="1" smtClean="0">
-                                  <a:latin typeface="Cambria Math" panose="02040503050406030204" pitchFamily="18" charset="0"/>
-                                  <a:cs typeface="Arial" panose="020B0604020202020204" pitchFamily="34" charset="0"/>
-                                </a:rPr>
-                                <m:t>𝐹</m:t>
-                              </m:r>
-                            </m:e>
-                          </m:acc>
-                          <m:r>
-                            <a:rPr lang="en-US" sz="2000" b="0" i="1" smtClean="0">
-                              <a:latin typeface="Cambria Math" panose="02040503050406030204" pitchFamily="18" charset="0"/>
-                              <a:cs typeface="Arial" panose="020B0604020202020204" pitchFamily="34" charset="0"/>
-                            </a:rPr>
-                            <m:t>(</m:t>
-                          </m:r>
-                          <m:r>
-                            <a:rPr lang="en-US" sz="2000" b="0" i="1" smtClean="0">
-                              <a:latin typeface="Cambria Math" panose="02040503050406030204" pitchFamily="18" charset="0"/>
-                              <a:cs typeface="Arial" panose="020B0604020202020204" pitchFamily="34" charset="0"/>
-                            </a:rPr>
-                            <m:t>𝑟</m:t>
-                          </m:r>
-                          <m:r>
-                            <a:rPr lang="en-US" sz="2000" b="0" i="1" smtClean="0">
-                              <a:latin typeface="Cambria Math" panose="02040503050406030204" pitchFamily="18" charset="0"/>
-                              <a:cs typeface="Arial" panose="020B0604020202020204" pitchFamily="34" charset="0"/>
-                            </a:rPr>
-                            <m:t>)</m:t>
-                          </m:r>
-                        </m:oMath>
-                      </m:oMathPara>
-                    </a14:m>
-                    <a:endParaRPr lang="en-US" sz="2000" dirty="0" smtClean="0">
-                      <a:latin typeface="Arial" panose="020B0604020202020204" pitchFamily="34" charset="0"/>
-                      <a:cs typeface="Arial" panose="020B0604020202020204" pitchFamily="34" charset="0"/>
-                    </a:endParaRPr>
-                  </a:p>
-                </p:txBody>
-              </p:sp>
-            </mc:Choice>
-            <mc:Fallback xmlns="">
-              <p:sp>
-                <p:nvSpPr>
-                  <p:cNvPr id="96" name="TextBox 95"/>
-                  <p:cNvSpPr txBox="1">
-                    <a:spLocks noRot="1" noChangeAspect="1" noMove="1" noResize="1" noEditPoints="1" noAdjustHandles="1" noChangeArrowheads="1" noChangeShapeType="1" noTextEdit="1"/>
-                  </p:cNvSpPr>
-                  <p:nvPr/>
-                </p:nvSpPr>
-                <p:spPr>
-                  <a:xfrm>
-                    <a:off x="1530850" y="4339492"/>
-                    <a:ext cx="576696" cy="345159"/>
-                  </a:xfrm>
-                  <a:prstGeom prst="rect">
-                    <a:avLst/>
-                  </a:prstGeom>
-                  <a:blipFill>
-                    <a:blip r:embed="rId16"/>
-                    <a:stretch>
-                      <a:fillRect l="-8421" t="-35714" r="-13684" b="-35714"/>
-                    </a:stretch>
-                  </a:blipFill>
-                </p:spPr>
-                <p:txBody>
-                  <a:bodyPr/>
-                  <a:lstStyle/>
-                  <a:p>
-                    <a:r>
-                      <a:rPr lang="en-US">
-                        <a:noFill/>
-                      </a:rPr>
-                      <a:t> </a:t>
-                    </a:r>
-                  </a:p>
-                </p:txBody>
-              </p:sp>
-            </mc:Fallback>
-          </mc:AlternateContent>
-        </p:grpSp>
-        <p:sp>
-          <p:nvSpPr>
-            <p:cNvPr id="57" name="Oval 56"/>
-            <p:cNvSpPr/>
-            <p:nvPr/>
-          </p:nvSpPr>
-          <p:spPr>
-            <a:xfrm>
-              <a:off x="2002647" y="5218268"/>
-              <a:ext cx="120943" cy="119766"/>
-            </a:xfrm>
-            <a:prstGeom prst="ellipse">
-              <a:avLst/>
-            </a:prstGeom>
-            <a:solidFill>
-              <a:schemeClr val="tx1"/>
-            </a:solidFill>
-            <a:ln w="38100">
-              <a:solidFill>
-                <a:schemeClr val="tx1"/>
-              </a:solidFill>
-            </a:ln>
-          </p:spPr>
-          <p:style>
-            <a:lnRef idx="2">
-              <a:schemeClr val="accent1">
-                <a:shade val="50000"/>
-              </a:schemeClr>
-            </a:lnRef>
-            <a:fillRef idx="1">
-              <a:schemeClr val="accent1"/>
-            </a:fillRef>
-            <a:effectRef idx="0">
-              <a:schemeClr val="accent1"/>
-            </a:effectRef>
-            <a:fontRef idx="minor">
-              <a:schemeClr val="lt1"/>
-            </a:fontRef>
-          </p:style>
-          <p:txBody>
-            <a:bodyPr rtlCol="0" anchor="ctr"/>
-            <a:lstStyle/>
-            <a:p>
-              <a:pPr algn="ctr"/>
-              <a:endParaRPr lang="en-US"/>
-            </a:p>
-          </p:txBody>
-        </p:sp>
-        <mc:AlternateContent xmlns:mc="http://schemas.openxmlformats.org/markup-compatibility/2006" xmlns:a14="http://schemas.microsoft.com/office/drawing/2010/main">
-          <mc:Choice Requires="a14">
-            <p:sp>
-              <p:nvSpPr>
-                <p:cNvPr id="58" name="TextBox 57"/>
-                <p:cNvSpPr txBox="1"/>
-                <p:nvPr/>
-              </p:nvSpPr>
-              <p:spPr>
-                <a:xfrm>
-                  <a:off x="1039675" y="5331223"/>
-                  <a:ext cx="294824" cy="307777"/>
-                </a:xfrm>
-                <a:prstGeom prst="rect">
-                  <a:avLst/>
-                </a:prstGeom>
-                <a:noFill/>
-              </p:spPr>
-              <p:txBody>
-                <a:bodyPr wrap="none" lIns="0" tIns="0" rIns="0" bIns="0" rtlCol="0">
-                  <a:spAutoFit/>
-                </a:bodyPr>
-                <a:lstStyle/>
-                <a:p>
-                  <a:pPr/>
-                  <a14:m>
-                    <m:oMathPara xmlns:m="http://schemas.openxmlformats.org/officeDocument/2006/math">
-                      <m:oMathParaPr>
-                        <m:jc m:val="centerGroup"/>
-                      </m:oMathParaPr>
-                      <m:oMath xmlns:m="http://schemas.openxmlformats.org/officeDocument/2006/math">
-                        <m:r>
-                          <a:rPr lang="en-US" sz="2000" b="0" i="1" smtClean="0">
-                            <a:latin typeface="Cambria Math" panose="02040503050406030204" pitchFamily="18" charset="0"/>
-                            <a:cs typeface="Arial" panose="020B0604020202020204" pitchFamily="34" charset="0"/>
-                          </a:rPr>
-                          <m:t>𝑀</m:t>
-                        </m:r>
-                      </m:oMath>
-                    </m:oMathPara>
-                  </a14:m>
-                  <a:endParaRPr lang="en-US" sz="2000" dirty="0" smtClean="0">
-                    <a:latin typeface="Arial" panose="020B0604020202020204" pitchFamily="34" charset="0"/>
-                    <a:cs typeface="Arial" panose="020B0604020202020204" pitchFamily="34" charset="0"/>
-                  </a:endParaRPr>
-                </a:p>
-              </p:txBody>
-            </p:sp>
-          </mc:Choice>
-          <mc:Fallback xmlns="">
-            <p:sp>
-              <p:nvSpPr>
-                <p:cNvPr id="100" name="TextBox 99"/>
-                <p:cNvSpPr txBox="1">
-                  <a:spLocks noRot="1" noChangeAspect="1" noMove="1" noResize="1" noEditPoints="1" noAdjustHandles="1" noChangeArrowheads="1" noChangeShapeType="1" noTextEdit="1"/>
-                </p:cNvSpPr>
-                <p:nvPr/>
-              </p:nvSpPr>
-              <p:spPr>
-                <a:xfrm>
-                  <a:off x="1039675" y="5331223"/>
-                  <a:ext cx="294824" cy="307777"/>
-                </a:xfrm>
-                <a:prstGeom prst="rect">
-                  <a:avLst/>
-                </a:prstGeom>
-                <a:blipFill>
-                  <a:blip r:embed="rId17"/>
-                  <a:stretch>
-                    <a:fillRect l="-18750" r="-16667" b="-10000"/>
-                  </a:stretch>
-                </a:blipFill>
-              </p:spPr>
-              <p:txBody>
-                <a:bodyPr/>
-                <a:lstStyle/>
-                <a:p>
-                  <a:r>
-                    <a:rPr lang="en-US">
-                      <a:noFill/>
-                    </a:rPr>
-                    <a:t> </a:t>
-                  </a:r>
-                </a:p>
-              </p:txBody>
-            </p:sp>
-          </mc:Fallback>
-        </mc:AlternateContent>
-        <mc:AlternateContent xmlns:mc="http://schemas.openxmlformats.org/markup-compatibility/2006" xmlns:a14="http://schemas.microsoft.com/office/drawing/2010/main">
-          <mc:Choice Requires="a14">
-            <p:sp>
-              <p:nvSpPr>
-                <p:cNvPr id="59" name="TextBox 58"/>
-                <p:cNvSpPr txBox="1"/>
-                <p:nvPr/>
-              </p:nvSpPr>
-              <p:spPr>
-                <a:xfrm>
-                  <a:off x="1918270" y="4841808"/>
-                  <a:ext cx="289695" cy="307777"/>
-                </a:xfrm>
-                <a:prstGeom prst="rect">
-                  <a:avLst/>
-                </a:prstGeom>
-                <a:noFill/>
-              </p:spPr>
-              <p:txBody>
-                <a:bodyPr wrap="none" lIns="0" tIns="0" rIns="0" bIns="0" rtlCol="0">
-                  <a:spAutoFit/>
-                </a:bodyPr>
-                <a:lstStyle/>
-                <a:p>
-                  <a:pPr/>
-                  <a14:m>
-                    <m:oMathPara xmlns:m="http://schemas.openxmlformats.org/officeDocument/2006/math">
-                      <m:oMathParaPr>
-                        <m:jc m:val="centerGroup"/>
-                      </m:oMathParaPr>
-                      <m:oMath xmlns:m="http://schemas.openxmlformats.org/officeDocument/2006/math">
-                        <m:r>
-                          <a:rPr lang="en-US" sz="2000" b="0" i="1" smtClean="0">
-                            <a:latin typeface="Cambria Math" panose="02040503050406030204" pitchFamily="18" charset="0"/>
-                            <a:cs typeface="Arial" panose="020B0604020202020204" pitchFamily="34" charset="0"/>
-                          </a:rPr>
-                          <m:t>𝑚</m:t>
-                        </m:r>
-                      </m:oMath>
-                    </m:oMathPara>
-                  </a14:m>
-                  <a:endParaRPr lang="en-US" sz="2000" dirty="0" smtClean="0">
-                    <a:latin typeface="Arial" panose="020B0604020202020204" pitchFamily="34" charset="0"/>
-                    <a:cs typeface="Arial" panose="020B0604020202020204" pitchFamily="34" charset="0"/>
-                  </a:endParaRPr>
-                </a:p>
-              </p:txBody>
-            </p:sp>
-          </mc:Choice>
-          <mc:Fallback xmlns="">
-            <p:sp>
-              <p:nvSpPr>
-                <p:cNvPr id="101" name="TextBox 100"/>
-                <p:cNvSpPr txBox="1">
-                  <a:spLocks noRot="1" noChangeAspect="1" noMove="1" noResize="1" noEditPoints="1" noAdjustHandles="1" noChangeArrowheads="1" noChangeShapeType="1" noTextEdit="1"/>
-                </p:cNvSpPr>
-                <p:nvPr/>
-              </p:nvSpPr>
-              <p:spPr>
-                <a:xfrm>
-                  <a:off x="1918270" y="4841808"/>
-                  <a:ext cx="289695" cy="307777"/>
-                </a:xfrm>
-                <a:prstGeom prst="rect">
-                  <a:avLst/>
-                </a:prstGeom>
-                <a:blipFill>
-                  <a:blip r:embed="rId18"/>
-                  <a:stretch>
-                    <a:fillRect l="-10638" r="-8511" b="-1961"/>
-                  </a:stretch>
-                </a:blipFill>
-              </p:spPr>
-              <p:txBody>
-                <a:bodyPr/>
-                <a:lstStyle/>
-                <a:p>
-                  <a:r>
-                    <a:rPr lang="en-US">
-                      <a:noFill/>
-                    </a:rPr>
-                    <a:t> </a:t>
-                  </a:r>
-                </a:p>
-              </p:txBody>
-            </p:sp>
-          </mc:Fallback>
-        </mc:AlternateContent>
-      </p:grpSp>
-      <p:grpSp>
-        <p:nvGrpSpPr>
           <p:cNvPr id="71" name="Group 70"/>
           <p:cNvGrpSpPr/>
           <p:nvPr/>
@@ -20309,6 +19314,1160 @@
                   <a:blip r:embed="rId21"/>
                   <a:stretch>
                     <a:fillRect l="-27273" r="-24242" b="-6667"/>
+                  </a:stretch>
+                </a:blipFill>
+              </p:spPr>
+              <p:txBody>
+                <a:bodyPr/>
+                <a:lstStyle/>
+                <a:p>
+                  <a:r>
+                    <a:rPr lang="en-US">
+                      <a:noFill/>
+                    </a:rPr>
+                    <a:t> </a:t>
+                  </a:r>
+                </a:p>
+              </p:txBody>
+            </p:sp>
+          </mc:Fallback>
+        </mc:AlternateContent>
+      </p:grpSp>
+      <p:grpSp>
+        <p:nvGrpSpPr>
+          <p:cNvPr id="2" name="Group 1"/>
+          <p:cNvGrpSpPr/>
+          <p:nvPr/>
+        </p:nvGrpSpPr>
+        <p:grpSpPr>
+          <a:xfrm>
+            <a:off x="2725073" y="551446"/>
+            <a:ext cx="3826535" cy="1524684"/>
+            <a:chOff x="2975407" y="565007"/>
+            <a:chExt cx="3826535" cy="1524684"/>
+          </a:xfrm>
+        </p:grpSpPr>
+        <p:grpSp>
+          <p:nvGrpSpPr>
+            <p:cNvPr id="55" name="Group 54"/>
+            <p:cNvGrpSpPr/>
+            <p:nvPr/>
+          </p:nvGrpSpPr>
+          <p:grpSpPr>
+            <a:xfrm>
+              <a:off x="2975407" y="565007"/>
+              <a:ext cx="3826535" cy="1524684"/>
+              <a:chOff x="1039675" y="4339492"/>
+              <a:chExt cx="3826535" cy="1524684"/>
+            </a:xfrm>
+          </p:grpSpPr>
+          <p:grpSp>
+            <p:nvGrpSpPr>
+              <p:cNvPr id="56" name="Group 55"/>
+              <p:cNvGrpSpPr/>
+              <p:nvPr/>
+            </p:nvGrpSpPr>
+            <p:grpSpPr>
+              <a:xfrm>
+                <a:off x="1190235" y="4339492"/>
+                <a:ext cx="3675975" cy="1524684"/>
+                <a:chOff x="1190235" y="4339492"/>
+                <a:chExt cx="3675975" cy="1524684"/>
+              </a:xfrm>
+            </p:grpSpPr>
+            <p:sp>
+              <p:nvSpPr>
+                <p:cNvPr id="60" name="Oval 59"/>
+                <p:cNvSpPr/>
+                <p:nvPr/>
+              </p:nvSpPr>
+              <p:spPr>
+                <a:xfrm>
+                  <a:off x="1368037" y="5116975"/>
+                  <a:ext cx="342900" cy="342900"/>
+                </a:xfrm>
+                <a:prstGeom prst="ellipse">
+                  <a:avLst/>
+                </a:prstGeom>
+                <a:solidFill>
+                  <a:schemeClr val="tx1"/>
+                </a:solidFill>
+                <a:ln w="38100">
+                  <a:solidFill>
+                    <a:schemeClr val="tx1"/>
+                  </a:solidFill>
+                </a:ln>
+              </p:spPr>
+              <p:style>
+                <a:lnRef idx="2">
+                  <a:schemeClr val="accent1">
+                    <a:shade val="50000"/>
+                  </a:schemeClr>
+                </a:lnRef>
+                <a:fillRef idx="1">
+                  <a:schemeClr val="accent1"/>
+                </a:fillRef>
+                <a:effectRef idx="0">
+                  <a:schemeClr val="accent1"/>
+                </a:effectRef>
+                <a:fontRef idx="minor">
+                  <a:schemeClr val="lt1"/>
+                </a:fontRef>
+              </p:style>
+              <p:txBody>
+                <a:bodyPr rtlCol="0" anchor="ctr"/>
+                <a:lstStyle/>
+                <a:p>
+                  <a:pPr algn="ctr"/>
+                  <a:endParaRPr lang="en-US"/>
+                </a:p>
+              </p:txBody>
+            </p:sp>
+            <p:cxnSp>
+              <p:nvCxnSpPr>
+                <p:cNvPr id="61" name="Straight Arrow Connector 60"/>
+                <p:cNvCxnSpPr/>
+                <p:nvPr/>
+              </p:nvCxnSpPr>
+              <p:spPr>
+                <a:xfrm>
+                  <a:off x="1541124" y="5280917"/>
+                  <a:ext cx="3226085" cy="0"/>
+                </a:xfrm>
+                <a:prstGeom prst="straightConnector1">
+                  <a:avLst/>
+                </a:prstGeom>
+                <a:ln w="38100">
+                  <a:solidFill>
+                    <a:schemeClr val="tx1"/>
+                  </a:solidFill>
+                  <a:tailEnd type="triangle"/>
+                </a:ln>
+              </p:spPr>
+              <p:style>
+                <a:lnRef idx="1">
+                  <a:schemeClr val="accent1"/>
+                </a:lnRef>
+                <a:fillRef idx="0">
+                  <a:schemeClr val="accent1"/>
+                </a:fillRef>
+                <a:effectRef idx="0">
+                  <a:schemeClr val="accent1"/>
+                </a:effectRef>
+                <a:fontRef idx="minor">
+                  <a:schemeClr val="tx1"/>
+                </a:fontRef>
+              </p:style>
+            </p:cxnSp>
+            <mc:AlternateContent xmlns:mc="http://schemas.openxmlformats.org/markup-compatibility/2006" xmlns:a14="http://schemas.microsoft.com/office/drawing/2010/main">
+              <mc:Choice Requires="a14">
+                <p:sp>
+                  <p:nvSpPr>
+                    <p:cNvPr id="62" name="TextBox 61"/>
+                    <p:cNvSpPr txBox="1"/>
+                    <p:nvPr/>
+                  </p:nvSpPr>
+                  <p:spPr>
+                    <a:xfrm>
+                      <a:off x="4668207" y="5331224"/>
+                      <a:ext cx="198003" cy="307777"/>
+                    </a:xfrm>
+                    <a:prstGeom prst="rect">
+                      <a:avLst/>
+                    </a:prstGeom>
+                    <a:noFill/>
+                  </p:spPr>
+                  <p:txBody>
+                    <a:bodyPr wrap="none" lIns="0" tIns="0" rIns="0" bIns="0" rtlCol="0">
+                      <a:spAutoFit/>
+                    </a:bodyPr>
+                    <a:lstStyle/>
+                    <a:p>
+                      <a:pPr/>
+                      <a14:m>
+                        <m:oMathPara xmlns:m="http://schemas.openxmlformats.org/officeDocument/2006/math">
+                          <m:oMathParaPr>
+                            <m:jc m:val="centerGroup"/>
+                          </m:oMathParaPr>
+                          <m:oMath xmlns:m="http://schemas.openxmlformats.org/officeDocument/2006/math">
+                            <m:r>
+                              <a:rPr lang="en-US" sz="2000" b="0" i="1" smtClean="0">
+                                <a:latin typeface="Cambria Math" panose="02040503050406030204" pitchFamily="18" charset="0"/>
+                                <a:cs typeface="Arial" panose="020B0604020202020204" pitchFamily="34" charset="0"/>
+                              </a:rPr>
+                              <m:t>𝑟</m:t>
+                            </m:r>
+                          </m:oMath>
+                        </m:oMathPara>
+                      </a14:m>
+                      <a:endParaRPr lang="en-US" sz="2000" dirty="0" smtClean="0">
+                        <a:latin typeface="Arial" panose="020B0604020202020204" pitchFamily="34" charset="0"/>
+                        <a:cs typeface="Arial" panose="020B0604020202020204" pitchFamily="34" charset="0"/>
+                      </a:endParaRPr>
+                    </a:p>
+                  </p:txBody>
+                </p:sp>
+              </mc:Choice>
+              <mc:Fallback xmlns="">
+                <p:sp>
+                  <p:nvSpPr>
+                    <p:cNvPr id="86" name="TextBox 85"/>
+                    <p:cNvSpPr txBox="1">
+                      <a:spLocks noRot="1" noChangeAspect="1" noMove="1" noResize="1" noEditPoints="1" noAdjustHandles="1" noChangeArrowheads="1" noChangeShapeType="1" noTextEdit="1"/>
+                    </p:cNvSpPr>
+                    <p:nvPr/>
+                  </p:nvSpPr>
+                  <p:spPr>
+                    <a:xfrm>
+                      <a:off x="4668207" y="5331224"/>
+                      <a:ext cx="198003" cy="307777"/>
+                    </a:xfrm>
+                    <a:prstGeom prst="rect">
+                      <a:avLst/>
+                    </a:prstGeom>
+                    <a:blipFill>
+                      <a:blip r:embed="rId12"/>
+                      <a:stretch>
+                        <a:fillRect l="-15625" r="-12500" b="-2000"/>
+                      </a:stretch>
+                    </a:blipFill>
+                  </p:spPr>
+                  <p:txBody>
+                    <a:bodyPr/>
+                    <a:lstStyle/>
+                    <a:p>
+                      <a:r>
+                        <a:rPr lang="en-US">
+                          <a:noFill/>
+                        </a:rPr>
+                        <a:t> </a:t>
+                      </a:r>
+                    </a:p>
+                  </p:txBody>
+                </p:sp>
+              </mc:Fallback>
+            </mc:AlternateContent>
+            <p:cxnSp>
+              <p:nvCxnSpPr>
+                <p:cNvPr id="63" name="Straight Connector 62"/>
+                <p:cNvCxnSpPr/>
+                <p:nvPr/>
+              </p:nvCxnSpPr>
+              <p:spPr>
+                <a:xfrm flipV="1">
+                  <a:off x="1530850" y="5331224"/>
+                  <a:ext cx="0" cy="239606"/>
+                </a:xfrm>
+                <a:prstGeom prst="line">
+                  <a:avLst/>
+                </a:prstGeom>
+                <a:ln w="38100">
+                  <a:solidFill>
+                    <a:schemeClr val="tx1"/>
+                  </a:solidFill>
+                </a:ln>
+              </p:spPr>
+              <p:style>
+                <a:lnRef idx="1">
+                  <a:schemeClr val="accent1"/>
+                </a:lnRef>
+                <a:fillRef idx="0">
+                  <a:schemeClr val="accent1"/>
+                </a:fillRef>
+                <a:effectRef idx="0">
+                  <a:schemeClr val="accent1"/>
+                </a:effectRef>
+                <a:fontRef idx="minor">
+                  <a:schemeClr val="tx1"/>
+                </a:fontRef>
+              </p:style>
+            </p:cxnSp>
+            <mc:AlternateContent xmlns:mc="http://schemas.openxmlformats.org/markup-compatibility/2006" xmlns:a14="http://schemas.microsoft.com/office/drawing/2010/main">
+              <mc:Choice Requires="a14">
+                <p:sp>
+                  <p:nvSpPr>
+                    <p:cNvPr id="64" name="TextBox 63"/>
+                    <p:cNvSpPr txBox="1"/>
+                    <p:nvPr/>
+                  </p:nvSpPr>
+                  <p:spPr>
+                    <a:xfrm>
+                      <a:off x="1436093" y="5556399"/>
+                      <a:ext cx="213200" cy="307777"/>
+                    </a:xfrm>
+                    <a:prstGeom prst="rect">
+                      <a:avLst/>
+                    </a:prstGeom>
+                    <a:noFill/>
+                  </p:spPr>
+                  <p:txBody>
+                    <a:bodyPr wrap="none" lIns="0" tIns="0" rIns="0" bIns="0" rtlCol="0">
+                      <a:spAutoFit/>
+                    </a:bodyPr>
+                    <a:lstStyle/>
+                    <a:p>
+                      <a:pPr/>
+                      <a14:m>
+                        <m:oMathPara xmlns:m="http://schemas.openxmlformats.org/officeDocument/2006/math">
+                          <m:oMathParaPr>
+                            <m:jc m:val="centerGroup"/>
+                          </m:oMathParaPr>
+                          <m:oMath xmlns:m="http://schemas.openxmlformats.org/officeDocument/2006/math">
+                            <m:r>
+                              <a:rPr lang="en-US" sz="2000" b="0" i="1" smtClean="0">
+                                <a:latin typeface="Cambria Math" panose="02040503050406030204" pitchFamily="18" charset="0"/>
+                                <a:cs typeface="Arial" panose="020B0604020202020204" pitchFamily="34" charset="0"/>
+                              </a:rPr>
+                              <m:t>0</m:t>
+                            </m:r>
+                          </m:oMath>
+                        </m:oMathPara>
+                      </a14:m>
+                      <a:endParaRPr lang="en-US" sz="2000" dirty="0" smtClean="0">
+                        <a:latin typeface="Arial" panose="020B0604020202020204" pitchFamily="34" charset="0"/>
+                        <a:cs typeface="Arial" panose="020B0604020202020204" pitchFamily="34" charset="0"/>
+                      </a:endParaRPr>
+                    </a:p>
+                  </p:txBody>
+                </p:sp>
+              </mc:Choice>
+              <mc:Fallback xmlns="">
+                <p:sp>
+                  <p:nvSpPr>
+                    <p:cNvPr id="88" name="TextBox 87"/>
+                    <p:cNvSpPr txBox="1">
+                      <a:spLocks noRot="1" noChangeAspect="1" noMove="1" noResize="1" noEditPoints="1" noAdjustHandles="1" noChangeArrowheads="1" noChangeShapeType="1" noTextEdit="1"/>
+                    </p:cNvSpPr>
+                    <p:nvPr/>
+                  </p:nvSpPr>
+                  <p:spPr>
+                    <a:xfrm>
+                      <a:off x="1436093" y="5556399"/>
+                      <a:ext cx="213200" cy="307777"/>
+                    </a:xfrm>
+                    <a:prstGeom prst="rect">
+                      <a:avLst/>
+                    </a:prstGeom>
+                    <a:blipFill>
+                      <a:blip r:embed="rId13"/>
+                      <a:stretch>
+                        <a:fillRect l="-25714" r="-22857" b="-9804"/>
+                      </a:stretch>
+                    </a:blipFill>
+                  </p:spPr>
+                  <p:txBody>
+                    <a:bodyPr/>
+                    <a:lstStyle/>
+                    <a:p>
+                      <a:r>
+                        <a:rPr lang="en-US">
+                          <a:noFill/>
+                        </a:rPr>
+                        <a:t> </a:t>
+                      </a:r>
+                    </a:p>
+                  </p:txBody>
+                </p:sp>
+              </mc:Fallback>
+            </mc:AlternateContent>
+            <p:cxnSp>
+              <p:nvCxnSpPr>
+                <p:cNvPr id="65" name="Straight Connector 64"/>
+                <p:cNvCxnSpPr/>
+                <p:nvPr/>
+              </p:nvCxnSpPr>
+              <p:spPr>
+                <a:xfrm flipV="1">
+                  <a:off x="2067553" y="5161114"/>
+                  <a:ext cx="0" cy="239606"/>
+                </a:xfrm>
+                <a:prstGeom prst="line">
+                  <a:avLst/>
+                </a:prstGeom>
+                <a:ln w="38100">
+                  <a:solidFill>
+                    <a:schemeClr val="tx1"/>
+                  </a:solidFill>
+                </a:ln>
+              </p:spPr>
+              <p:style>
+                <a:lnRef idx="1">
+                  <a:schemeClr val="accent1"/>
+                </a:lnRef>
+                <a:fillRef idx="0">
+                  <a:schemeClr val="accent1"/>
+                </a:fillRef>
+                <a:effectRef idx="0">
+                  <a:schemeClr val="accent1"/>
+                </a:effectRef>
+                <a:fontRef idx="minor">
+                  <a:schemeClr val="tx1"/>
+                </a:fontRef>
+              </p:style>
+            </p:cxnSp>
+            <p:cxnSp>
+              <p:nvCxnSpPr>
+                <p:cNvPr id="66" name="Straight Connector 65"/>
+                <p:cNvCxnSpPr/>
+                <p:nvPr/>
+              </p:nvCxnSpPr>
+              <p:spPr>
+                <a:xfrm flipV="1">
+                  <a:off x="3253311" y="5161114"/>
+                  <a:ext cx="0" cy="239606"/>
+                </a:xfrm>
+                <a:prstGeom prst="line">
+                  <a:avLst/>
+                </a:prstGeom>
+                <a:ln w="38100">
+                  <a:solidFill>
+                    <a:schemeClr val="tx1"/>
+                  </a:solidFill>
+                </a:ln>
+              </p:spPr>
+              <p:style>
+                <a:lnRef idx="1">
+                  <a:schemeClr val="accent1"/>
+                </a:lnRef>
+                <a:fillRef idx="0">
+                  <a:schemeClr val="accent1"/>
+                </a:fillRef>
+                <a:effectRef idx="0">
+                  <a:schemeClr val="accent1"/>
+                </a:effectRef>
+                <a:fontRef idx="minor">
+                  <a:schemeClr val="tx1"/>
+                </a:fontRef>
+              </p:style>
+            </p:cxnSp>
+            <mc:AlternateContent xmlns:mc="http://schemas.openxmlformats.org/markup-compatibility/2006" xmlns:a14="http://schemas.microsoft.com/office/drawing/2010/main">
+              <mc:Choice Requires="a14">
+                <p:sp>
+                  <p:nvSpPr>
+                    <p:cNvPr id="67" name="TextBox 66"/>
+                    <p:cNvSpPr txBox="1"/>
+                    <p:nvPr/>
+                  </p:nvSpPr>
+                  <p:spPr>
+                    <a:xfrm>
+                      <a:off x="2000477" y="5391027"/>
+                      <a:ext cx="287322" cy="307777"/>
+                    </a:xfrm>
+                    <a:prstGeom prst="rect">
+                      <a:avLst/>
+                    </a:prstGeom>
+                    <a:noFill/>
+                  </p:spPr>
+                  <p:txBody>
+                    <a:bodyPr wrap="none" lIns="0" tIns="0" rIns="0" bIns="0" rtlCol="0">
+                      <a:spAutoFit/>
+                    </a:bodyPr>
+                    <a:lstStyle/>
+                    <a:p>
+                      <a:pPr/>
+                      <a14:m>
+                        <m:oMathPara xmlns:m="http://schemas.openxmlformats.org/officeDocument/2006/math">
+                          <m:oMathParaPr>
+                            <m:jc m:val="centerGroup"/>
+                          </m:oMathParaPr>
+                          <m:oMath xmlns:m="http://schemas.openxmlformats.org/officeDocument/2006/math">
+                            <m:sSub>
+                              <m:sSubPr>
+                                <m:ctrlPr>
+                                  <a:rPr lang="en-US" sz="2000" b="0" i="1" smtClean="0">
+                                    <a:latin typeface="Cambria Math" panose="02040503050406030204" pitchFamily="18" charset="0"/>
+                                    <a:cs typeface="Arial" panose="020B0604020202020204" pitchFamily="34" charset="0"/>
+                                  </a:rPr>
+                                </m:ctrlPr>
+                              </m:sSubPr>
+                              <m:e>
+                                <m:r>
+                                  <a:rPr lang="en-US" sz="2000" b="0" i="1" smtClean="0">
+                                    <a:latin typeface="Cambria Math" panose="02040503050406030204" pitchFamily="18" charset="0"/>
+                                    <a:cs typeface="Arial" panose="020B0604020202020204" pitchFamily="34" charset="0"/>
+                                  </a:rPr>
+                                  <m:t>𝑟</m:t>
+                                </m:r>
+                              </m:e>
+                              <m:sub>
+                                <m:r>
+                                  <a:rPr lang="en-US" sz="2000" b="0" i="1" smtClean="0">
+                                    <a:latin typeface="Cambria Math" panose="02040503050406030204" pitchFamily="18" charset="0"/>
+                                    <a:cs typeface="Arial" panose="020B0604020202020204" pitchFamily="34" charset="0"/>
+                                  </a:rPr>
+                                  <m:t>𝐴</m:t>
+                                </m:r>
+                              </m:sub>
+                            </m:sSub>
+                          </m:oMath>
+                        </m:oMathPara>
+                      </a14:m>
+                      <a:endParaRPr lang="en-US" sz="2000" dirty="0" smtClean="0">
+                        <a:latin typeface="Arial" panose="020B0604020202020204" pitchFamily="34" charset="0"/>
+                        <a:cs typeface="Arial" panose="020B0604020202020204" pitchFamily="34" charset="0"/>
+                      </a:endParaRPr>
+                    </a:p>
+                  </p:txBody>
+                </p:sp>
+              </mc:Choice>
+              <mc:Fallback xmlns="">
+                <p:sp>
+                  <p:nvSpPr>
+                    <p:cNvPr id="92" name="TextBox 91"/>
+                    <p:cNvSpPr txBox="1">
+                      <a:spLocks noRot="1" noChangeAspect="1" noMove="1" noResize="1" noEditPoints="1" noAdjustHandles="1" noChangeArrowheads="1" noChangeShapeType="1" noTextEdit="1"/>
+                    </p:cNvSpPr>
+                    <p:nvPr/>
+                  </p:nvSpPr>
+                  <p:spPr>
+                    <a:xfrm>
+                      <a:off x="2000477" y="5391027"/>
+                      <a:ext cx="287322" cy="307777"/>
+                    </a:xfrm>
+                    <a:prstGeom prst="rect">
+                      <a:avLst/>
+                    </a:prstGeom>
+                    <a:blipFill>
+                      <a:blip r:embed="rId14"/>
+                      <a:stretch>
+                        <a:fillRect l="-8511" r="-8511" b="-19608"/>
+                      </a:stretch>
+                    </a:blipFill>
+                  </p:spPr>
+                  <p:txBody>
+                    <a:bodyPr/>
+                    <a:lstStyle/>
+                    <a:p>
+                      <a:r>
+                        <a:rPr lang="en-US">
+                          <a:noFill/>
+                        </a:rPr>
+                        <a:t> </a:t>
+                      </a:r>
+                    </a:p>
+                  </p:txBody>
+                </p:sp>
+              </mc:Fallback>
+            </mc:AlternateContent>
+            <mc:AlternateContent xmlns:mc="http://schemas.openxmlformats.org/markup-compatibility/2006" xmlns:a14="http://schemas.microsoft.com/office/drawing/2010/main">
+              <mc:Choice Requires="a14">
+                <p:sp>
+                  <p:nvSpPr>
+                    <p:cNvPr id="68" name="TextBox 67"/>
+                    <p:cNvSpPr txBox="1"/>
+                    <p:nvPr/>
+                  </p:nvSpPr>
+                  <p:spPr>
+                    <a:xfrm>
+                      <a:off x="3125832" y="5391026"/>
+                      <a:ext cx="306494" cy="307777"/>
+                    </a:xfrm>
+                    <a:prstGeom prst="rect">
+                      <a:avLst/>
+                    </a:prstGeom>
+                    <a:noFill/>
+                  </p:spPr>
+                  <p:txBody>
+                    <a:bodyPr wrap="none" lIns="0" tIns="0" rIns="0" bIns="0" rtlCol="0">
+                      <a:spAutoFit/>
+                    </a:bodyPr>
+                    <a:lstStyle/>
+                    <a:p>
+                      <a:pPr/>
+                      <a14:m>
+                        <m:oMathPara xmlns:m="http://schemas.openxmlformats.org/officeDocument/2006/math">
+                          <m:oMathParaPr>
+                            <m:jc m:val="centerGroup"/>
+                          </m:oMathParaPr>
+                          <m:oMath xmlns:m="http://schemas.openxmlformats.org/officeDocument/2006/math">
+                            <m:sSub>
+                              <m:sSubPr>
+                                <m:ctrlPr>
+                                  <a:rPr lang="en-US" sz="2000" b="0" i="1" smtClean="0">
+                                    <a:latin typeface="Cambria Math" panose="02040503050406030204" pitchFamily="18" charset="0"/>
+                                    <a:cs typeface="Arial" panose="020B0604020202020204" pitchFamily="34" charset="0"/>
+                                  </a:rPr>
+                                </m:ctrlPr>
+                              </m:sSubPr>
+                              <m:e>
+                                <m:r>
+                                  <a:rPr lang="en-US" sz="2000" b="0" i="1" smtClean="0">
+                                    <a:latin typeface="Cambria Math" panose="02040503050406030204" pitchFamily="18" charset="0"/>
+                                    <a:cs typeface="Arial" panose="020B0604020202020204" pitchFamily="34" charset="0"/>
+                                  </a:rPr>
+                                  <m:t>𝑟</m:t>
+                                </m:r>
+                              </m:e>
+                              <m:sub>
+                                <m:r>
+                                  <a:rPr lang="en-US" sz="2000" b="0" i="1" smtClean="0">
+                                    <a:latin typeface="Cambria Math" panose="02040503050406030204" pitchFamily="18" charset="0"/>
+                                    <a:cs typeface="Arial" panose="020B0604020202020204" pitchFamily="34" charset="0"/>
+                                  </a:rPr>
+                                  <m:t>𝐵</m:t>
+                                </m:r>
+                              </m:sub>
+                            </m:sSub>
+                          </m:oMath>
+                        </m:oMathPara>
+                      </a14:m>
+                      <a:endParaRPr lang="en-US" sz="2000" dirty="0" smtClean="0">
+                        <a:latin typeface="Arial" panose="020B0604020202020204" pitchFamily="34" charset="0"/>
+                        <a:cs typeface="Arial" panose="020B0604020202020204" pitchFamily="34" charset="0"/>
+                      </a:endParaRPr>
+                    </a:p>
+                  </p:txBody>
+                </p:sp>
+              </mc:Choice>
+              <mc:Fallback xmlns="">
+                <p:sp>
+                  <p:nvSpPr>
+                    <p:cNvPr id="93" name="TextBox 92"/>
+                    <p:cNvSpPr txBox="1">
+                      <a:spLocks noRot="1" noChangeAspect="1" noMove="1" noResize="1" noEditPoints="1" noAdjustHandles="1" noChangeArrowheads="1" noChangeShapeType="1" noTextEdit="1"/>
+                    </p:cNvSpPr>
+                    <p:nvPr/>
+                  </p:nvSpPr>
+                  <p:spPr>
+                    <a:xfrm>
+                      <a:off x="3125832" y="5391026"/>
+                      <a:ext cx="306494" cy="307777"/>
+                    </a:xfrm>
+                    <a:prstGeom prst="rect">
+                      <a:avLst/>
+                    </a:prstGeom>
+                    <a:blipFill>
+                      <a:blip r:embed="rId15"/>
+                      <a:stretch>
+                        <a:fillRect l="-10000" r="-4000" b="-19608"/>
+                      </a:stretch>
+                    </a:blipFill>
+                  </p:spPr>
+                  <p:txBody>
+                    <a:bodyPr/>
+                    <a:lstStyle/>
+                    <a:p>
+                      <a:r>
+                        <a:rPr lang="en-US">
+                          <a:noFill/>
+                        </a:rPr>
+                        <a:t> </a:t>
+                      </a:r>
+                    </a:p>
+                  </p:txBody>
+                </p:sp>
+              </mc:Fallback>
+            </mc:AlternateContent>
+            <p:cxnSp>
+              <p:nvCxnSpPr>
+                <p:cNvPr id="69" name="Straight Arrow Connector 68"/>
+                <p:cNvCxnSpPr/>
+                <p:nvPr/>
+              </p:nvCxnSpPr>
+              <p:spPr>
+                <a:xfrm flipH="1">
+                  <a:off x="1190235" y="4841808"/>
+                  <a:ext cx="918116" cy="0"/>
+                </a:xfrm>
+                <a:prstGeom prst="straightConnector1">
+                  <a:avLst/>
+                </a:prstGeom>
+                <a:ln w="38100">
+                  <a:solidFill>
+                    <a:schemeClr val="tx1"/>
+                  </a:solidFill>
+                  <a:tailEnd type="triangle"/>
+                </a:ln>
+              </p:spPr>
+              <p:style>
+                <a:lnRef idx="1">
+                  <a:schemeClr val="accent1"/>
+                </a:lnRef>
+                <a:fillRef idx="0">
+                  <a:schemeClr val="accent1"/>
+                </a:fillRef>
+                <a:effectRef idx="0">
+                  <a:schemeClr val="accent1"/>
+                </a:effectRef>
+                <a:fontRef idx="minor">
+                  <a:schemeClr val="tx1"/>
+                </a:fontRef>
+              </p:style>
+            </p:cxnSp>
+            <mc:AlternateContent xmlns:mc="http://schemas.openxmlformats.org/markup-compatibility/2006" xmlns:a14="http://schemas.microsoft.com/office/drawing/2010/main">
+              <mc:Choice Requires="a14">
+                <p:sp>
+                  <p:nvSpPr>
+                    <p:cNvPr id="70" name="TextBox 69"/>
+                    <p:cNvSpPr txBox="1"/>
+                    <p:nvPr/>
+                  </p:nvSpPr>
+                  <p:spPr>
+                    <a:xfrm>
+                      <a:off x="1530850" y="4339492"/>
+                      <a:ext cx="576696" cy="345159"/>
+                    </a:xfrm>
+                    <a:prstGeom prst="rect">
+                      <a:avLst/>
+                    </a:prstGeom>
+                    <a:noFill/>
+                  </p:spPr>
+                  <p:txBody>
+                    <a:bodyPr wrap="none" lIns="0" tIns="0" rIns="0" bIns="0" rtlCol="0">
+                      <a:spAutoFit/>
+                    </a:bodyPr>
+                    <a:lstStyle/>
+                    <a:p>
+                      <a:pPr/>
+                      <a14:m>
+                        <m:oMathPara xmlns:m="http://schemas.openxmlformats.org/officeDocument/2006/math">
+                          <m:oMathParaPr>
+                            <m:jc m:val="centerGroup"/>
+                          </m:oMathParaPr>
+                          <m:oMath xmlns:m="http://schemas.openxmlformats.org/officeDocument/2006/math">
+                            <m:acc>
+                              <m:accPr>
+                                <m:chr m:val="⃗"/>
+                                <m:ctrlPr>
+                                  <a:rPr lang="en-US" sz="2000" b="0" i="1" smtClean="0">
+                                    <a:latin typeface="Cambria Math" panose="02040503050406030204" pitchFamily="18" charset="0"/>
+                                    <a:cs typeface="Arial" panose="020B0604020202020204" pitchFamily="34" charset="0"/>
+                                  </a:rPr>
+                                </m:ctrlPr>
+                              </m:accPr>
+                              <m:e>
+                                <m:r>
+                                  <a:rPr lang="en-US" sz="2000" b="0" i="1" smtClean="0">
+                                    <a:latin typeface="Cambria Math" panose="02040503050406030204" pitchFamily="18" charset="0"/>
+                                    <a:cs typeface="Arial" panose="020B0604020202020204" pitchFamily="34" charset="0"/>
+                                  </a:rPr>
+                                  <m:t>𝐹</m:t>
+                                </m:r>
+                              </m:e>
+                            </m:acc>
+                            <m:r>
+                              <a:rPr lang="en-US" sz="2000" b="0" i="1" smtClean="0">
+                                <a:latin typeface="Cambria Math" panose="02040503050406030204" pitchFamily="18" charset="0"/>
+                                <a:cs typeface="Arial" panose="020B0604020202020204" pitchFamily="34" charset="0"/>
+                              </a:rPr>
+                              <m:t>(</m:t>
+                            </m:r>
+                            <m:r>
+                              <a:rPr lang="en-US" sz="2000" b="0" i="1" smtClean="0">
+                                <a:latin typeface="Cambria Math" panose="02040503050406030204" pitchFamily="18" charset="0"/>
+                                <a:cs typeface="Arial" panose="020B0604020202020204" pitchFamily="34" charset="0"/>
+                              </a:rPr>
+                              <m:t>𝑟</m:t>
+                            </m:r>
+                            <m:r>
+                              <a:rPr lang="en-US" sz="2000" b="0" i="1" smtClean="0">
+                                <a:latin typeface="Cambria Math" panose="02040503050406030204" pitchFamily="18" charset="0"/>
+                                <a:cs typeface="Arial" panose="020B0604020202020204" pitchFamily="34" charset="0"/>
+                              </a:rPr>
+                              <m:t>)</m:t>
+                            </m:r>
+                          </m:oMath>
+                        </m:oMathPara>
+                      </a14:m>
+                      <a:endParaRPr lang="en-US" sz="2000" dirty="0" smtClean="0">
+                        <a:latin typeface="Arial" panose="020B0604020202020204" pitchFamily="34" charset="0"/>
+                        <a:cs typeface="Arial" panose="020B0604020202020204" pitchFamily="34" charset="0"/>
+                      </a:endParaRPr>
+                    </a:p>
+                  </p:txBody>
+                </p:sp>
+              </mc:Choice>
+              <mc:Fallback xmlns="">
+                <p:sp>
+                  <p:nvSpPr>
+                    <p:cNvPr id="96" name="TextBox 95"/>
+                    <p:cNvSpPr txBox="1">
+                      <a:spLocks noRot="1" noChangeAspect="1" noMove="1" noResize="1" noEditPoints="1" noAdjustHandles="1" noChangeArrowheads="1" noChangeShapeType="1" noTextEdit="1"/>
+                    </p:cNvSpPr>
+                    <p:nvPr/>
+                  </p:nvSpPr>
+                  <p:spPr>
+                    <a:xfrm>
+                      <a:off x="1530850" y="4339492"/>
+                      <a:ext cx="576696" cy="345159"/>
+                    </a:xfrm>
+                    <a:prstGeom prst="rect">
+                      <a:avLst/>
+                    </a:prstGeom>
+                    <a:blipFill>
+                      <a:blip r:embed="rId16"/>
+                      <a:stretch>
+                        <a:fillRect l="-8421" t="-35714" r="-13684" b="-35714"/>
+                      </a:stretch>
+                    </a:blipFill>
+                  </p:spPr>
+                  <p:txBody>
+                    <a:bodyPr/>
+                    <a:lstStyle/>
+                    <a:p>
+                      <a:r>
+                        <a:rPr lang="en-US">
+                          <a:noFill/>
+                        </a:rPr>
+                        <a:t> </a:t>
+                      </a:r>
+                    </a:p>
+                  </p:txBody>
+                </p:sp>
+              </mc:Fallback>
+            </mc:AlternateContent>
+          </p:grpSp>
+          <p:sp>
+            <p:nvSpPr>
+              <p:cNvPr id="57" name="Oval 56"/>
+              <p:cNvSpPr/>
+              <p:nvPr/>
+            </p:nvSpPr>
+            <p:spPr>
+              <a:xfrm>
+                <a:off x="2002647" y="5218268"/>
+                <a:ext cx="120943" cy="119766"/>
+              </a:xfrm>
+              <a:prstGeom prst="ellipse">
+                <a:avLst/>
+              </a:prstGeom>
+              <a:solidFill>
+                <a:schemeClr val="tx1"/>
+              </a:solidFill>
+              <a:ln w="38100">
+                <a:solidFill>
+                  <a:schemeClr val="tx1"/>
+                </a:solidFill>
+              </a:ln>
+            </p:spPr>
+            <p:style>
+              <a:lnRef idx="2">
+                <a:schemeClr val="accent1">
+                  <a:shade val="50000"/>
+                </a:schemeClr>
+              </a:lnRef>
+              <a:fillRef idx="1">
+                <a:schemeClr val="accent1"/>
+              </a:fillRef>
+              <a:effectRef idx="0">
+                <a:schemeClr val="accent1"/>
+              </a:effectRef>
+              <a:fontRef idx="minor">
+                <a:schemeClr val="lt1"/>
+              </a:fontRef>
+            </p:style>
+            <p:txBody>
+              <a:bodyPr rtlCol="0" anchor="ctr"/>
+              <a:lstStyle/>
+              <a:p>
+                <a:pPr algn="ctr"/>
+                <a:endParaRPr lang="en-US"/>
+              </a:p>
+            </p:txBody>
+          </p:sp>
+          <mc:AlternateContent xmlns:mc="http://schemas.openxmlformats.org/markup-compatibility/2006" xmlns:a14="http://schemas.microsoft.com/office/drawing/2010/main">
+            <mc:Choice Requires="a14">
+              <p:sp>
+                <p:nvSpPr>
+                  <p:cNvPr id="58" name="TextBox 57"/>
+                  <p:cNvSpPr txBox="1"/>
+                  <p:nvPr/>
+                </p:nvSpPr>
+                <p:spPr>
+                  <a:xfrm>
+                    <a:off x="1039675" y="5331223"/>
+                    <a:ext cx="294824" cy="307777"/>
+                  </a:xfrm>
+                  <a:prstGeom prst="rect">
+                    <a:avLst/>
+                  </a:prstGeom>
+                  <a:noFill/>
+                </p:spPr>
+                <p:txBody>
+                  <a:bodyPr wrap="none" lIns="0" tIns="0" rIns="0" bIns="0" rtlCol="0">
+                    <a:spAutoFit/>
+                  </a:bodyPr>
+                  <a:lstStyle/>
+                  <a:p>
+                    <a:pPr/>
+                    <a14:m>
+                      <m:oMathPara xmlns:m="http://schemas.openxmlformats.org/officeDocument/2006/math">
+                        <m:oMathParaPr>
+                          <m:jc m:val="centerGroup"/>
+                        </m:oMathParaPr>
+                        <m:oMath xmlns:m="http://schemas.openxmlformats.org/officeDocument/2006/math">
+                          <m:r>
+                            <a:rPr lang="en-US" sz="2000" b="0" i="1" smtClean="0">
+                              <a:latin typeface="Cambria Math" panose="02040503050406030204" pitchFamily="18" charset="0"/>
+                              <a:cs typeface="Arial" panose="020B0604020202020204" pitchFamily="34" charset="0"/>
+                            </a:rPr>
+                            <m:t>𝑀</m:t>
+                          </m:r>
+                        </m:oMath>
+                      </m:oMathPara>
+                    </a14:m>
+                    <a:endParaRPr lang="en-US" sz="2000" dirty="0" smtClean="0">
+                      <a:latin typeface="Arial" panose="020B0604020202020204" pitchFamily="34" charset="0"/>
+                      <a:cs typeface="Arial" panose="020B0604020202020204" pitchFamily="34" charset="0"/>
+                    </a:endParaRPr>
+                  </a:p>
+                </p:txBody>
+              </p:sp>
+            </mc:Choice>
+            <mc:Fallback xmlns="">
+              <p:sp>
+                <p:nvSpPr>
+                  <p:cNvPr id="100" name="TextBox 99"/>
+                  <p:cNvSpPr txBox="1">
+                    <a:spLocks noRot="1" noChangeAspect="1" noMove="1" noResize="1" noEditPoints="1" noAdjustHandles="1" noChangeArrowheads="1" noChangeShapeType="1" noTextEdit="1"/>
+                  </p:cNvSpPr>
+                  <p:nvPr/>
+                </p:nvSpPr>
+                <p:spPr>
+                  <a:xfrm>
+                    <a:off x="1039675" y="5331223"/>
+                    <a:ext cx="294824" cy="307777"/>
+                  </a:xfrm>
+                  <a:prstGeom prst="rect">
+                    <a:avLst/>
+                  </a:prstGeom>
+                  <a:blipFill>
+                    <a:blip r:embed="rId17"/>
+                    <a:stretch>
+                      <a:fillRect l="-18750" r="-16667" b="-10000"/>
+                    </a:stretch>
+                  </a:blipFill>
+                </p:spPr>
+                <p:txBody>
+                  <a:bodyPr/>
+                  <a:lstStyle/>
+                  <a:p>
+                    <a:r>
+                      <a:rPr lang="en-US">
+                        <a:noFill/>
+                      </a:rPr>
+                      <a:t> </a:t>
+                    </a:r>
+                  </a:p>
+                </p:txBody>
+              </p:sp>
+            </mc:Fallback>
+          </mc:AlternateContent>
+          <mc:AlternateContent xmlns:mc="http://schemas.openxmlformats.org/markup-compatibility/2006" xmlns:a14="http://schemas.microsoft.com/office/drawing/2010/main">
+            <mc:Choice Requires="a14">
+              <p:sp>
+                <p:nvSpPr>
+                  <p:cNvPr id="59" name="TextBox 58"/>
+                  <p:cNvSpPr txBox="1"/>
+                  <p:nvPr/>
+                </p:nvSpPr>
+                <p:spPr>
+                  <a:xfrm>
+                    <a:off x="1918270" y="4841808"/>
+                    <a:ext cx="289695" cy="307777"/>
+                  </a:xfrm>
+                  <a:prstGeom prst="rect">
+                    <a:avLst/>
+                  </a:prstGeom>
+                  <a:noFill/>
+                </p:spPr>
+                <p:txBody>
+                  <a:bodyPr wrap="none" lIns="0" tIns="0" rIns="0" bIns="0" rtlCol="0">
+                    <a:spAutoFit/>
+                  </a:bodyPr>
+                  <a:lstStyle/>
+                  <a:p>
+                    <a:pPr/>
+                    <a14:m>
+                      <m:oMathPara xmlns:m="http://schemas.openxmlformats.org/officeDocument/2006/math">
+                        <m:oMathParaPr>
+                          <m:jc m:val="centerGroup"/>
+                        </m:oMathParaPr>
+                        <m:oMath xmlns:m="http://schemas.openxmlformats.org/officeDocument/2006/math">
+                          <m:r>
+                            <a:rPr lang="en-US" sz="2000" b="0" i="1" smtClean="0">
+                              <a:latin typeface="Cambria Math" panose="02040503050406030204" pitchFamily="18" charset="0"/>
+                              <a:cs typeface="Arial" panose="020B0604020202020204" pitchFamily="34" charset="0"/>
+                            </a:rPr>
+                            <m:t>𝑚</m:t>
+                          </m:r>
+                        </m:oMath>
+                      </m:oMathPara>
+                    </a14:m>
+                    <a:endParaRPr lang="en-US" sz="2000" dirty="0" smtClean="0">
+                      <a:latin typeface="Arial" panose="020B0604020202020204" pitchFamily="34" charset="0"/>
+                      <a:cs typeface="Arial" panose="020B0604020202020204" pitchFamily="34" charset="0"/>
+                    </a:endParaRPr>
+                  </a:p>
+                </p:txBody>
+              </p:sp>
+            </mc:Choice>
+            <mc:Fallback xmlns="">
+              <p:sp>
+                <p:nvSpPr>
+                  <p:cNvPr id="101" name="TextBox 100"/>
+                  <p:cNvSpPr txBox="1">
+                    <a:spLocks noRot="1" noChangeAspect="1" noMove="1" noResize="1" noEditPoints="1" noAdjustHandles="1" noChangeArrowheads="1" noChangeShapeType="1" noTextEdit="1"/>
+                  </p:cNvSpPr>
+                  <p:nvPr/>
+                </p:nvSpPr>
+                <p:spPr>
+                  <a:xfrm>
+                    <a:off x="1918270" y="4841808"/>
+                    <a:ext cx="289695" cy="307777"/>
+                  </a:xfrm>
+                  <a:prstGeom prst="rect">
+                    <a:avLst/>
+                  </a:prstGeom>
+                  <a:blipFill>
+                    <a:blip r:embed="rId18"/>
+                    <a:stretch>
+                      <a:fillRect l="-10638" r="-8511" b="-1961"/>
+                    </a:stretch>
+                  </a:blipFill>
+                </p:spPr>
+                <p:txBody>
+                  <a:bodyPr/>
+                  <a:lstStyle/>
+                  <a:p>
+                    <a:r>
+                      <a:rPr lang="en-US">
+                        <a:noFill/>
+                      </a:rPr>
+                      <a:t> </a:t>
+                    </a:r>
+                  </a:p>
+                </p:txBody>
+              </p:sp>
+            </mc:Fallback>
+          </mc:AlternateContent>
+        </p:grpSp>
+        <p:cxnSp>
+          <p:nvCxnSpPr>
+            <p:cNvPr id="78" name="Straight Arrow Connector 77"/>
+            <p:cNvCxnSpPr/>
+            <p:nvPr/>
+          </p:nvCxnSpPr>
+          <p:spPr>
+            <a:xfrm>
+              <a:off x="4222157" y="1199942"/>
+              <a:ext cx="372394" cy="3022"/>
+            </a:xfrm>
+            <a:prstGeom prst="straightConnector1">
+              <a:avLst/>
+            </a:prstGeom>
+            <a:ln w="38100">
+              <a:solidFill>
+                <a:schemeClr val="tx1"/>
+              </a:solidFill>
+              <a:tailEnd type="triangle"/>
+            </a:ln>
+          </p:spPr>
+          <p:style>
+            <a:lnRef idx="1">
+              <a:schemeClr val="accent1"/>
+            </a:lnRef>
+            <a:fillRef idx="0">
+              <a:schemeClr val="accent1"/>
+            </a:fillRef>
+            <a:effectRef idx="0">
+              <a:schemeClr val="accent1"/>
+            </a:effectRef>
+            <a:fontRef idx="minor">
+              <a:schemeClr val="tx1"/>
+            </a:fontRef>
+          </p:style>
+        </p:cxnSp>
+        <mc:AlternateContent xmlns:mc="http://schemas.openxmlformats.org/markup-compatibility/2006">
+          <mc:Choice xmlns:a14="http://schemas.microsoft.com/office/drawing/2010/main" Requires="a14">
+            <p:sp>
+              <p:nvSpPr>
+                <p:cNvPr id="79" name="TextBox 78"/>
+                <p:cNvSpPr txBox="1"/>
+                <p:nvPr/>
+              </p:nvSpPr>
+              <p:spPr>
+                <a:xfrm>
+                  <a:off x="4477758" y="879256"/>
+                  <a:ext cx="355225" cy="307777"/>
+                </a:xfrm>
+                <a:prstGeom prst="rect">
+                  <a:avLst/>
+                </a:prstGeom>
+                <a:noFill/>
+              </p:spPr>
+              <p:txBody>
+                <a:bodyPr wrap="none" lIns="0" tIns="0" rIns="0" bIns="0" rtlCol="0">
+                  <a:spAutoFit/>
+                </a:bodyPr>
+                <a:lstStyle/>
+                <a:p>
+                  <a:pPr/>
+                  <a14:m>
+                    <m:oMathPara xmlns:m="http://schemas.openxmlformats.org/officeDocument/2006/math">
+                      <m:oMathParaPr>
+                        <m:jc m:val="centerGroup"/>
+                      </m:oMathParaPr>
+                      <m:oMath xmlns:m="http://schemas.openxmlformats.org/officeDocument/2006/math">
+                        <m:r>
+                          <a:rPr lang="en-US" sz="2000" b="0" i="1" smtClean="0">
+                            <a:latin typeface="Cambria Math" panose="02040503050406030204" pitchFamily="18" charset="0"/>
+                            <a:cs typeface="Arial" panose="020B0604020202020204" pitchFamily="34" charset="0"/>
+                          </a:rPr>
+                          <m:t>𝑑</m:t>
+                        </m:r>
+                        <m:acc>
+                          <m:accPr>
+                            <m:chr m:val="⃗"/>
+                            <m:ctrlPr>
+                              <a:rPr lang="en-US" sz="2000" b="0" i="1" smtClean="0">
+                                <a:latin typeface="Cambria Math" panose="02040503050406030204" pitchFamily="18" charset="0"/>
+                                <a:cs typeface="Arial" panose="020B0604020202020204" pitchFamily="34" charset="0"/>
+                              </a:rPr>
+                            </m:ctrlPr>
+                          </m:accPr>
+                          <m:e>
+                            <m:r>
+                              <a:rPr lang="en-US" sz="2000" b="0" i="1" smtClean="0">
+                                <a:latin typeface="Cambria Math" panose="02040503050406030204" pitchFamily="18" charset="0"/>
+                                <a:cs typeface="Arial" panose="020B0604020202020204" pitchFamily="34" charset="0"/>
+                              </a:rPr>
+                              <m:t>𝑟</m:t>
+                            </m:r>
+                          </m:e>
+                        </m:acc>
+                      </m:oMath>
+                    </m:oMathPara>
+                  </a14:m>
+                  <a:endParaRPr lang="en-US" sz="2000" dirty="0" smtClean="0">
+                    <a:latin typeface="Arial" panose="020B0604020202020204" pitchFamily="34" charset="0"/>
+                    <a:cs typeface="Arial" panose="020B0604020202020204" pitchFamily="34" charset="0"/>
+                  </a:endParaRPr>
+                </a:p>
+              </p:txBody>
+            </p:sp>
+          </mc:Choice>
+          <mc:Fallback>
+            <p:sp>
+              <p:nvSpPr>
+                <p:cNvPr id="79" name="TextBox 78"/>
+                <p:cNvSpPr txBox="1">
+                  <a:spLocks noRot="1" noChangeAspect="1" noMove="1" noResize="1" noEditPoints="1" noAdjustHandles="1" noChangeArrowheads="1" noChangeShapeType="1" noTextEdit="1"/>
+                </p:cNvSpPr>
+                <p:nvPr/>
+              </p:nvSpPr>
+              <p:spPr>
+                <a:xfrm>
+                  <a:off x="4477758" y="879256"/>
+                  <a:ext cx="355225" cy="307777"/>
+                </a:xfrm>
+                <a:prstGeom prst="rect">
+                  <a:avLst/>
+                </a:prstGeom>
+                <a:blipFill>
+                  <a:blip r:embed="rId22"/>
+                  <a:stretch>
+                    <a:fillRect l="-15254" t="-34000" r="-94915" b="-12000"/>
                   </a:stretch>
                 </a:blipFill>
               </p:spPr>
@@ -23179,8 +23338,8 @@
             </p:sp>
           </mc:Fallback>
         </mc:AlternateContent>
-        <mc:AlternateContent xmlns:mc="http://schemas.openxmlformats.org/markup-compatibility/2006">
-          <mc:Choice xmlns:a14="http://schemas.microsoft.com/office/drawing/2010/main" Requires="a14">
+        <mc:AlternateContent xmlns:mc="http://schemas.openxmlformats.org/markup-compatibility/2006" xmlns:a14="http://schemas.microsoft.com/office/drawing/2010/main">
+          <mc:Choice Requires="a14">
             <p:sp>
               <p:nvSpPr>
                 <p:cNvPr id="113" name="TextBox 112"/>
@@ -23228,7 +23387,7 @@
               </p:txBody>
             </p:sp>
           </mc:Choice>
-          <mc:Fallback>
+          <mc:Fallback xmlns="">
             <p:sp>
               <p:nvSpPr>
                 <p:cNvPr id="113" name="TextBox 112"/>
@@ -24491,8 +24650,8 @@
               </a:fontRef>
             </p:style>
           </p:cxnSp>
-          <mc:AlternateContent xmlns:mc="http://schemas.openxmlformats.org/markup-compatibility/2006">
-            <mc:Choice xmlns:a14="http://schemas.microsoft.com/office/drawing/2010/main" Requires="a14">
+          <mc:AlternateContent xmlns:mc="http://schemas.openxmlformats.org/markup-compatibility/2006" xmlns:a14="http://schemas.microsoft.com/office/drawing/2010/main">
+            <mc:Choice Requires="a14">
               <p:sp>
                 <p:nvSpPr>
                   <p:cNvPr id="116" name="TextBox 115"/>
@@ -24540,7 +24699,7 @@
                 </p:txBody>
               </p:sp>
             </mc:Choice>
-            <mc:Fallback>
+            <mc:Fallback xmlns="">
               <p:sp>
                 <p:nvSpPr>
                   <p:cNvPr id="116" name="TextBox 115"/>
@@ -24945,8 +25104,8 @@
             </p:txBody>
           </p:sp>
         </p:grpSp>
-        <mc:AlternateContent xmlns:mc="http://schemas.openxmlformats.org/markup-compatibility/2006">
-          <mc:Choice xmlns:a14="http://schemas.microsoft.com/office/drawing/2010/main" Requires="a14">
+        <mc:AlternateContent xmlns:mc="http://schemas.openxmlformats.org/markup-compatibility/2006" xmlns:a14="http://schemas.microsoft.com/office/drawing/2010/main">
+          <mc:Choice Requires="a14">
             <p:sp>
               <p:nvSpPr>
                 <p:cNvPr id="2" name="TextBox 1"/>
@@ -24969,6 +25128,7 @@
                 </a:bodyPr>
                 <a:lstStyle/>
                 <a:p>
+                  <a:pPr/>
                   <a14:m>
                     <m:oMathPara xmlns:m="http://schemas.openxmlformats.org/officeDocument/2006/math">
                       <m:oMathParaPr>
@@ -24993,7 +25153,7 @@
               </p:txBody>
             </p:sp>
           </mc:Choice>
-          <mc:Fallback>
+          <mc:Fallback xmlns="">
             <p:sp>
               <p:nvSpPr>
                 <p:cNvPr id="2" name="TextBox 1"/>
@@ -25032,8 +25192,8 @@
             </p:sp>
           </mc:Fallback>
         </mc:AlternateContent>
-        <mc:AlternateContent xmlns:mc="http://schemas.openxmlformats.org/markup-compatibility/2006">
-          <mc:Choice xmlns:a14="http://schemas.microsoft.com/office/drawing/2010/main" Requires="a14">
+        <mc:AlternateContent xmlns:mc="http://schemas.openxmlformats.org/markup-compatibility/2006" xmlns:a14="http://schemas.microsoft.com/office/drawing/2010/main">
+          <mc:Choice Requires="a14">
             <p:sp>
               <p:nvSpPr>
                 <p:cNvPr id="50" name="TextBox 49"/>
@@ -25056,6 +25216,7 @@
                 </a:bodyPr>
                 <a:lstStyle/>
                 <a:p>
+                  <a:pPr/>
                   <a14:m>
                     <m:oMathPara xmlns:m="http://schemas.openxmlformats.org/officeDocument/2006/math">
                       <m:oMathParaPr>
@@ -25080,7 +25241,7 @@
               </p:txBody>
             </p:sp>
           </mc:Choice>
-          <mc:Fallback>
+          <mc:Fallback xmlns="">
             <p:sp>
               <p:nvSpPr>
                 <p:cNvPr id="50" name="TextBox 49"/>

--- a/tex/figures/Gravity/Figures.pptx
+++ b/tex/figures/Gravity/Figures.pptx
@@ -251,7 +251,7 @@
           <a:p>
             <a:fld id="{F7249F8D-641B-4CAF-BAE5-10524742F6F1}" type="datetimeFigureOut">
               <a:rPr lang="en-CA" smtClean="0"/>
-              <a:t>2019-05-28</a:t>
+              <a:t>2020-11-12</a:t>
             </a:fld>
             <a:endParaRPr lang="en-CA"/>
           </a:p>
@@ -421,7 +421,7 @@
           <a:p>
             <a:fld id="{F7249F8D-641B-4CAF-BAE5-10524742F6F1}" type="datetimeFigureOut">
               <a:rPr lang="en-CA" smtClean="0"/>
-              <a:t>2019-05-28</a:t>
+       